--- a/Writing Theses in Latex Slides.pptx
+++ b/Writing Theses in Latex Slides.pptx
@@ -468,7 +468,7 @@
           <a:p>
             <a:fld id="{88EB714B-C3CC-4216-88C1-02913905B1CF}" type="datetimeFigureOut">
               <a:rPr lang="en-GB" smtClean="0"/>
-              <a:t>16/12/2019</a:t>
+              <a:t>20/04/2020</a:t>
             </a:fld>
             <a:endParaRPr lang="en-GB"/>
           </a:p>
@@ -6159,7 +6159,7 @@
           <a:p>
             <a:fld id="{EB0080F8-EA1C-491D-963C-2C881B2F918F}" type="datetimeFigureOut">
               <a:rPr lang="en-GB" smtClean="0"/>
-              <a:t>16/12/2019</a:t>
+              <a:t>20/04/2020</a:t>
             </a:fld>
             <a:endParaRPr lang="en-GB"/>
           </a:p>
@@ -6309,7 +6309,7 @@
           <a:p>
             <a:fld id="{EB0080F8-EA1C-491D-963C-2C881B2F918F}" type="datetimeFigureOut">
               <a:rPr lang="en-GB" smtClean="0"/>
-              <a:t>16/12/2019</a:t>
+              <a:t>20/04/2020</a:t>
             </a:fld>
             <a:endParaRPr lang="en-GB"/>
           </a:p>
@@ -7842,7 +7842,7 @@
           <a:p>
             <a:fld id="{EB0080F8-EA1C-491D-963C-2C881B2F918F}" type="datetimeFigureOut">
               <a:rPr lang="en-GB" smtClean="0"/>
-              <a:t>16/12/2019</a:t>
+              <a:t>20/04/2020</a:t>
             </a:fld>
             <a:endParaRPr lang="en-GB"/>
           </a:p>
@@ -19913,8 +19913,8 @@
         </p:nvSpPr>
         <p:spPr>
           <a:xfrm>
-            <a:off x="401319" y="3153410"/>
-            <a:ext cx="7773689" cy="1752600"/>
+            <a:off x="401319" y="3194756"/>
+            <a:ext cx="8341362" cy="383822"/>
           </a:xfrm>
         </p:spPr>
         <p:txBody>
@@ -19922,22 +19922,45 @@
           <a:lstStyle/>
           <a:p>
             <a:r>
-              <a:rPr lang="en-GB" dirty="0"/>
-              <a:t>Alexis </a:t>
-            </a:r>
-            <a:r>
-              <a:rPr lang="en-GB" dirty="0" err="1"/>
-              <a:t>Belessiotis</a:t>
-            </a:r>
-            <a:r>
-              <a:rPr lang="en-GB" dirty="0"/>
-              <a:t>-Richards and Scott Melville</a:t>
-            </a:r>
+              <a:rPr lang="en-GB" sz="1400" dirty="0"/>
+              <a:t>Distributed under </a:t>
+            </a:r>
+            <a:r>
+              <a:rPr lang="en-GB" sz="1400" dirty="0">
+                <a:hlinkClick r:id="rId3"/>
+              </a:rPr>
+              <a:t>Creative Commons Attribution-</a:t>
+            </a:r>
+            <a:r>
+              <a:rPr lang="en-GB" sz="1400" dirty="0" err="1">
+                <a:hlinkClick r:id="rId3"/>
+              </a:rPr>
+              <a:t>NonCommercial</a:t>
+            </a:r>
+            <a:r>
+              <a:rPr lang="en-GB" sz="1400" dirty="0">
+                <a:hlinkClick r:id="rId3"/>
+              </a:rPr>
+              <a:t>-</a:t>
+            </a:r>
+            <a:r>
+              <a:rPr lang="en-GB" sz="1400" dirty="0" err="1">
+                <a:hlinkClick r:id="rId3"/>
+              </a:rPr>
+              <a:t>ShareAlike</a:t>
+            </a:r>
+            <a:r>
+              <a:rPr lang="en-GB" sz="1400" dirty="0">
+                <a:hlinkClick r:id="rId3"/>
+              </a:rPr>
+              <a:t> 4.0 International</a:t>
+            </a:r>
+            <a:endParaRPr lang="en-GB" sz="1400" dirty="0"/>
           </a:p>
           <a:p>
             <a:r>
               <a:rPr lang="en-GB" sz="2400" dirty="0"/>
-              <a:t>Graduate School GTA</a:t>
+              <a:t> </a:t>
             </a:r>
           </a:p>
         </p:txBody>

--- a/Writing Theses in Latex Slides.pptx
+++ b/Writing Theses in Latex Slides.pptx
@@ -468,7 +468,7 @@
           <a:p>
             <a:fld id="{88EB714B-C3CC-4216-88C1-02913905B1CF}" type="datetimeFigureOut">
               <a:rPr lang="en-GB" smtClean="0"/>
-              <a:t>20/04/2020</a:t>
+              <a:t>23/04/2020</a:t>
             </a:fld>
             <a:endParaRPr lang="en-GB"/>
           </a:p>
@@ -6159,7 +6159,7 @@
           <a:p>
             <a:fld id="{EB0080F8-EA1C-491D-963C-2C881B2F918F}" type="datetimeFigureOut">
               <a:rPr lang="en-GB" smtClean="0"/>
-              <a:t>20/04/2020</a:t>
+              <a:t>23/04/2020</a:t>
             </a:fld>
             <a:endParaRPr lang="en-GB"/>
           </a:p>
@@ -6309,7 +6309,7 @@
           <a:p>
             <a:fld id="{EB0080F8-EA1C-491D-963C-2C881B2F918F}" type="datetimeFigureOut">
               <a:rPr lang="en-GB" smtClean="0"/>
-              <a:t>20/04/2020</a:t>
+              <a:t>23/04/2020</a:t>
             </a:fld>
             <a:endParaRPr lang="en-GB"/>
           </a:p>
@@ -7842,7 +7842,7 @@
           <a:p>
             <a:fld id="{EB0080F8-EA1C-491D-963C-2C881B2F918F}" type="datetimeFigureOut">
               <a:rPr lang="en-GB" smtClean="0"/>
-              <a:t>20/04/2020</a:t>
+              <a:t>23/04/2020</a:t>
             </a:fld>
             <a:endParaRPr lang="en-GB"/>
           </a:p>
@@ -8996,6 +8996,45 @@
           </a:prstGeom>
         </p:spPr>
       </p:pic>
+      <p:sp>
+        <p:nvSpPr>
+          <p:cNvPr id="7" name="TextBox 6">
+            <a:extLst>
+              <a:ext uri="{FF2B5EF4-FFF2-40B4-BE49-F238E27FC236}">
+                <a16:creationId xmlns:a16="http://schemas.microsoft.com/office/drawing/2014/main" id="{75F34A1E-662A-4794-95B7-05097EF90B68}"/>
+              </a:ext>
+            </a:extLst>
+          </p:cNvPr>
+          <p:cNvSpPr txBox="1"/>
+          <p:nvPr/>
+        </p:nvSpPr>
+        <p:spPr>
+          <a:xfrm>
+            <a:off x="7357241" y="6498021"/>
+            <a:ext cx="1697422" cy="369332"/>
+          </a:xfrm>
+          <a:prstGeom prst="rect">
+            <a:avLst/>
+          </a:prstGeom>
+          <a:noFill/>
+        </p:spPr>
+        <p:txBody>
+          <a:bodyPr wrap="square" rtlCol="0">
+            <a:spAutoFit/>
+          </a:bodyPr>
+          <a:lstStyle/>
+          <a:p>
+            <a:r>
+              <a:rPr lang="en-GB" dirty="0">
+                <a:solidFill>
+                  <a:schemeClr val="accent2"/>
+                </a:solidFill>
+              </a:rPr>
+              <a:t>Problem Sheet</a:t>
+            </a:r>
+          </a:p>
+        </p:txBody>
+      </p:sp>
     </p:spTree>
     <p:extLst>
       <p:ext uri="{BB962C8B-B14F-4D97-AF65-F5344CB8AC3E}">
@@ -9941,6 +9980,45 @@
           </a:prstGeom>
         </p:spPr>
       </p:pic>
+      <p:sp>
+        <p:nvSpPr>
+          <p:cNvPr id="6" name="TextBox 5">
+            <a:extLst>
+              <a:ext uri="{FF2B5EF4-FFF2-40B4-BE49-F238E27FC236}">
+                <a16:creationId xmlns:a16="http://schemas.microsoft.com/office/drawing/2014/main" id="{9566C1C4-FD2E-4749-AB7F-8087B56B27EE}"/>
+              </a:ext>
+            </a:extLst>
+          </p:cNvPr>
+          <p:cNvSpPr txBox="1"/>
+          <p:nvPr/>
+        </p:nvSpPr>
+        <p:spPr>
+          <a:xfrm>
+            <a:off x="7357241" y="6498021"/>
+            <a:ext cx="1697422" cy="369332"/>
+          </a:xfrm>
+          <a:prstGeom prst="rect">
+            <a:avLst/>
+          </a:prstGeom>
+          <a:noFill/>
+        </p:spPr>
+        <p:txBody>
+          <a:bodyPr wrap="square" rtlCol="0">
+            <a:spAutoFit/>
+          </a:bodyPr>
+          <a:lstStyle/>
+          <a:p>
+            <a:r>
+              <a:rPr lang="en-GB" dirty="0">
+                <a:solidFill>
+                  <a:schemeClr val="accent2"/>
+                </a:solidFill>
+              </a:rPr>
+              <a:t>Problem Sheet</a:t>
+            </a:r>
+          </a:p>
+        </p:txBody>
+      </p:sp>
     </p:spTree>
     <p:extLst>
       <p:ext uri="{BB962C8B-B14F-4D97-AF65-F5344CB8AC3E}">
@@ -10609,6 +10687,45 @@
           </a:prstGeom>
         </p:spPr>
       </p:pic>
+      <p:sp>
+        <p:nvSpPr>
+          <p:cNvPr id="7" name="TextBox 6">
+            <a:extLst>
+              <a:ext uri="{FF2B5EF4-FFF2-40B4-BE49-F238E27FC236}">
+                <a16:creationId xmlns:a16="http://schemas.microsoft.com/office/drawing/2014/main" id="{B9D10ADD-E06C-4CC1-9F54-7F4A3325D545}"/>
+              </a:ext>
+            </a:extLst>
+          </p:cNvPr>
+          <p:cNvSpPr txBox="1"/>
+          <p:nvPr/>
+        </p:nvSpPr>
+        <p:spPr>
+          <a:xfrm>
+            <a:off x="7357241" y="6498021"/>
+            <a:ext cx="1697422" cy="369332"/>
+          </a:xfrm>
+          <a:prstGeom prst="rect">
+            <a:avLst/>
+          </a:prstGeom>
+          <a:noFill/>
+        </p:spPr>
+        <p:txBody>
+          <a:bodyPr wrap="square" rtlCol="0">
+            <a:spAutoFit/>
+          </a:bodyPr>
+          <a:lstStyle/>
+          <a:p>
+            <a:r>
+              <a:rPr lang="en-GB" dirty="0">
+                <a:solidFill>
+                  <a:schemeClr val="accent2"/>
+                </a:solidFill>
+              </a:rPr>
+              <a:t>Problem Sheet</a:t>
+            </a:r>
+          </a:p>
+        </p:txBody>
+      </p:sp>
     </p:spTree>
     <p:extLst>
       <p:ext uri="{BB962C8B-B14F-4D97-AF65-F5344CB8AC3E}">
@@ -20955,6 +21072,45 @@
           </a:prstGeom>
         </p:spPr>
       </p:pic>
+      <p:sp>
+        <p:nvSpPr>
+          <p:cNvPr id="6" name="TextBox 5">
+            <a:extLst>
+              <a:ext uri="{FF2B5EF4-FFF2-40B4-BE49-F238E27FC236}">
+                <a16:creationId xmlns:a16="http://schemas.microsoft.com/office/drawing/2014/main" id="{099674D9-4038-4AB1-BAD9-3C9EF5FD6E6A}"/>
+              </a:ext>
+            </a:extLst>
+          </p:cNvPr>
+          <p:cNvSpPr txBox="1"/>
+          <p:nvPr/>
+        </p:nvSpPr>
+        <p:spPr>
+          <a:xfrm>
+            <a:off x="7357241" y="6498021"/>
+            <a:ext cx="1697422" cy="369332"/>
+          </a:xfrm>
+          <a:prstGeom prst="rect">
+            <a:avLst/>
+          </a:prstGeom>
+          <a:noFill/>
+        </p:spPr>
+        <p:txBody>
+          <a:bodyPr wrap="square" rtlCol="0">
+            <a:spAutoFit/>
+          </a:bodyPr>
+          <a:lstStyle/>
+          <a:p>
+            <a:r>
+              <a:rPr lang="en-GB" dirty="0">
+                <a:solidFill>
+                  <a:schemeClr val="accent2"/>
+                </a:solidFill>
+              </a:rPr>
+              <a:t>Problem Sheet</a:t>
+            </a:r>
+          </a:p>
+        </p:txBody>
+      </p:sp>
     </p:spTree>
     <p:extLst>
       <p:ext uri="{BB962C8B-B14F-4D97-AF65-F5344CB8AC3E}">

--- a/Writing Theses in Latex Slides.pptx
+++ b/Writing Theses in Latex Slides.pptx
@@ -468,7 +468,7 @@
           <a:p>
             <a:fld id="{88EB714B-C3CC-4216-88C1-02913905B1CF}" type="datetimeFigureOut">
               <a:rPr lang="en-GB" smtClean="0"/>
-              <a:t>23/04/2020</a:t>
+              <a:t>24/04/2020</a:t>
             </a:fld>
             <a:endParaRPr lang="en-GB"/>
           </a:p>
@@ -6159,7 +6159,7 @@
           <a:p>
             <a:fld id="{EB0080F8-EA1C-491D-963C-2C881B2F918F}" type="datetimeFigureOut">
               <a:rPr lang="en-GB" smtClean="0"/>
-              <a:t>23/04/2020</a:t>
+              <a:t>24/04/2020</a:t>
             </a:fld>
             <a:endParaRPr lang="en-GB"/>
           </a:p>
@@ -6309,7 +6309,7 @@
           <a:p>
             <a:fld id="{EB0080F8-EA1C-491D-963C-2C881B2F918F}" type="datetimeFigureOut">
               <a:rPr lang="en-GB" smtClean="0"/>
-              <a:t>23/04/2020</a:t>
+              <a:t>24/04/2020</a:t>
             </a:fld>
             <a:endParaRPr lang="en-GB"/>
           </a:p>
@@ -7842,7 +7842,7 @@
           <a:p>
             <a:fld id="{EB0080F8-EA1C-491D-963C-2C881B2F918F}" type="datetimeFigureOut">
               <a:rPr lang="en-GB" smtClean="0"/>
-              <a:t>23/04/2020</a:t>
+              <a:t>24/04/2020</a:t>
             </a:fld>
             <a:endParaRPr lang="en-GB"/>
           </a:p>
@@ -10237,7 +10237,7 @@
           <a:p>
             <a:r>
               <a:rPr lang="en-GB" sz="2400" dirty="0"/>
-              <a:t>Checklist provides a sample statement or you can sue a </a:t>
+              <a:t>Checklist provides a sample statement or you can use a </a:t>
             </a:r>
             <a:r>
               <a:rPr lang="en-GB" sz="2400" dirty="0">
@@ -12644,6 +12644,45 @@
           </a:prstGeom>
         </p:spPr>
       </p:pic>
+      <p:sp>
+        <p:nvSpPr>
+          <p:cNvPr id="7" name="TextBox 6">
+            <a:extLst>
+              <a:ext uri="{FF2B5EF4-FFF2-40B4-BE49-F238E27FC236}">
+                <a16:creationId xmlns:a16="http://schemas.microsoft.com/office/drawing/2014/main" id="{D116305D-C01C-4552-B614-E05E98A87BBA}"/>
+              </a:ext>
+            </a:extLst>
+          </p:cNvPr>
+          <p:cNvSpPr txBox="1"/>
+          <p:nvPr/>
+        </p:nvSpPr>
+        <p:spPr>
+          <a:xfrm>
+            <a:off x="7357241" y="6498021"/>
+            <a:ext cx="1697422" cy="369332"/>
+          </a:xfrm>
+          <a:prstGeom prst="rect">
+            <a:avLst/>
+          </a:prstGeom>
+          <a:noFill/>
+        </p:spPr>
+        <p:txBody>
+          <a:bodyPr wrap="square" rtlCol="0">
+            <a:spAutoFit/>
+          </a:bodyPr>
+          <a:lstStyle/>
+          <a:p>
+            <a:r>
+              <a:rPr lang="en-GB" dirty="0">
+                <a:solidFill>
+                  <a:schemeClr val="accent2"/>
+                </a:solidFill>
+              </a:rPr>
+              <a:t>Problem Sheet</a:t>
+            </a:r>
+          </a:p>
+        </p:txBody>
+      </p:sp>
     </p:spTree>
     <p:extLst>
       <p:ext uri="{BB962C8B-B14F-4D97-AF65-F5344CB8AC3E}">
@@ -14447,6 +14486,45 @@
           </a:prstGeom>
         </p:spPr>
       </p:pic>
+      <p:sp>
+        <p:nvSpPr>
+          <p:cNvPr id="16" name="TextBox 15">
+            <a:extLst>
+              <a:ext uri="{FF2B5EF4-FFF2-40B4-BE49-F238E27FC236}">
+                <a16:creationId xmlns:a16="http://schemas.microsoft.com/office/drawing/2014/main" id="{ABB68480-0591-4078-8C2B-3A28263E6538}"/>
+              </a:ext>
+            </a:extLst>
+          </p:cNvPr>
+          <p:cNvSpPr txBox="1"/>
+          <p:nvPr/>
+        </p:nvSpPr>
+        <p:spPr>
+          <a:xfrm>
+            <a:off x="7357241" y="6498021"/>
+            <a:ext cx="1697422" cy="369332"/>
+          </a:xfrm>
+          <a:prstGeom prst="rect">
+            <a:avLst/>
+          </a:prstGeom>
+          <a:noFill/>
+        </p:spPr>
+        <p:txBody>
+          <a:bodyPr wrap="square" rtlCol="0">
+            <a:spAutoFit/>
+          </a:bodyPr>
+          <a:lstStyle/>
+          <a:p>
+            <a:r>
+              <a:rPr lang="en-GB" dirty="0">
+                <a:solidFill>
+                  <a:schemeClr val="accent2"/>
+                </a:solidFill>
+              </a:rPr>
+              <a:t>Problem Sheet</a:t>
+            </a:r>
+          </a:p>
+        </p:txBody>
+      </p:sp>
     </p:spTree>
     <p:extLst>
       <p:ext uri="{BB962C8B-B14F-4D97-AF65-F5344CB8AC3E}">
@@ -14846,6 +14924,45 @@
           </a:prstGeom>
         </p:spPr>
       </p:pic>
+      <p:sp>
+        <p:nvSpPr>
+          <p:cNvPr id="6" name="TextBox 5">
+            <a:extLst>
+              <a:ext uri="{FF2B5EF4-FFF2-40B4-BE49-F238E27FC236}">
+                <a16:creationId xmlns:a16="http://schemas.microsoft.com/office/drawing/2014/main" id="{B1A6920F-E40D-4947-85C4-DA0E3BEA57C9}"/>
+              </a:ext>
+            </a:extLst>
+          </p:cNvPr>
+          <p:cNvSpPr txBox="1"/>
+          <p:nvPr/>
+        </p:nvSpPr>
+        <p:spPr>
+          <a:xfrm>
+            <a:off x="7357241" y="6498021"/>
+            <a:ext cx="1697422" cy="369332"/>
+          </a:xfrm>
+          <a:prstGeom prst="rect">
+            <a:avLst/>
+          </a:prstGeom>
+          <a:noFill/>
+        </p:spPr>
+        <p:txBody>
+          <a:bodyPr wrap="square" rtlCol="0">
+            <a:spAutoFit/>
+          </a:bodyPr>
+          <a:lstStyle/>
+          <a:p>
+            <a:r>
+              <a:rPr lang="en-GB" dirty="0">
+                <a:solidFill>
+                  <a:schemeClr val="accent2"/>
+                </a:solidFill>
+              </a:rPr>
+              <a:t>Problem Sheet</a:t>
+            </a:r>
+          </a:p>
+        </p:txBody>
+      </p:sp>
     </p:spTree>
     <p:extLst>
       <p:ext uri="{BB962C8B-B14F-4D97-AF65-F5344CB8AC3E}">
@@ -15006,6 +15123,45 @@
           <a:p>
             <a:pPr lvl="1"/>
             <a:endParaRPr lang="en-GB" sz="1600" dirty="0"/>
+          </a:p>
+        </p:txBody>
+      </p:sp>
+      <p:sp>
+        <p:nvSpPr>
+          <p:cNvPr id="4" name="TextBox 3">
+            <a:extLst>
+              <a:ext uri="{FF2B5EF4-FFF2-40B4-BE49-F238E27FC236}">
+                <a16:creationId xmlns:a16="http://schemas.microsoft.com/office/drawing/2014/main" id="{398C5D47-C6D2-45C0-8D24-2F32A438F365}"/>
+              </a:ext>
+            </a:extLst>
+          </p:cNvPr>
+          <p:cNvSpPr txBox="1"/>
+          <p:nvPr/>
+        </p:nvSpPr>
+        <p:spPr>
+          <a:xfrm>
+            <a:off x="7357241" y="6498021"/>
+            <a:ext cx="1697422" cy="369332"/>
+          </a:xfrm>
+          <a:prstGeom prst="rect">
+            <a:avLst/>
+          </a:prstGeom>
+          <a:noFill/>
+        </p:spPr>
+        <p:txBody>
+          <a:bodyPr wrap="square" rtlCol="0">
+            <a:spAutoFit/>
+          </a:bodyPr>
+          <a:lstStyle/>
+          <a:p>
+            <a:r>
+              <a:rPr lang="en-GB" dirty="0">
+                <a:solidFill>
+                  <a:schemeClr val="accent2"/>
+                </a:solidFill>
+              </a:rPr>
+              <a:t>Problem Sheet</a:t>
+            </a:r>
           </a:p>
         </p:txBody>
       </p:sp>
@@ -15984,6 +16140,45 @@
           </a:prstGeom>
         </p:spPr>
       </p:pic>
+      <p:sp>
+        <p:nvSpPr>
+          <p:cNvPr id="6" name="TextBox 5">
+            <a:extLst>
+              <a:ext uri="{FF2B5EF4-FFF2-40B4-BE49-F238E27FC236}">
+                <a16:creationId xmlns:a16="http://schemas.microsoft.com/office/drawing/2014/main" id="{CF904172-DE3A-4AA5-B8AB-6E4C4800BE33}"/>
+              </a:ext>
+            </a:extLst>
+          </p:cNvPr>
+          <p:cNvSpPr txBox="1"/>
+          <p:nvPr/>
+        </p:nvSpPr>
+        <p:spPr>
+          <a:xfrm>
+            <a:off x="7357241" y="6498021"/>
+            <a:ext cx="1697422" cy="369332"/>
+          </a:xfrm>
+          <a:prstGeom prst="rect">
+            <a:avLst/>
+          </a:prstGeom>
+          <a:noFill/>
+        </p:spPr>
+        <p:txBody>
+          <a:bodyPr wrap="square" rtlCol="0">
+            <a:spAutoFit/>
+          </a:bodyPr>
+          <a:lstStyle/>
+          <a:p>
+            <a:r>
+              <a:rPr lang="en-GB" dirty="0">
+                <a:solidFill>
+                  <a:schemeClr val="accent2"/>
+                </a:solidFill>
+              </a:rPr>
+              <a:t>Problem Sheet</a:t>
+            </a:r>
+          </a:p>
+        </p:txBody>
+      </p:sp>
     </p:spTree>
     <p:extLst>
       <p:ext uri="{BB962C8B-B14F-4D97-AF65-F5344CB8AC3E}">
@@ -16619,6 +16814,45 @@
           </a:prstGeom>
         </p:spPr>
       </p:pic>
+      <p:sp>
+        <p:nvSpPr>
+          <p:cNvPr id="6" name="TextBox 5">
+            <a:extLst>
+              <a:ext uri="{FF2B5EF4-FFF2-40B4-BE49-F238E27FC236}">
+                <a16:creationId xmlns:a16="http://schemas.microsoft.com/office/drawing/2014/main" id="{60A5A0E4-D0CF-4B28-8E87-60A3B3E341C1}"/>
+              </a:ext>
+            </a:extLst>
+          </p:cNvPr>
+          <p:cNvSpPr txBox="1"/>
+          <p:nvPr/>
+        </p:nvSpPr>
+        <p:spPr>
+          <a:xfrm>
+            <a:off x="7357241" y="6498021"/>
+            <a:ext cx="1697422" cy="369332"/>
+          </a:xfrm>
+          <a:prstGeom prst="rect">
+            <a:avLst/>
+          </a:prstGeom>
+          <a:noFill/>
+        </p:spPr>
+        <p:txBody>
+          <a:bodyPr wrap="square" rtlCol="0">
+            <a:spAutoFit/>
+          </a:bodyPr>
+          <a:lstStyle/>
+          <a:p>
+            <a:r>
+              <a:rPr lang="en-GB" dirty="0">
+                <a:solidFill>
+                  <a:schemeClr val="accent2"/>
+                </a:solidFill>
+              </a:rPr>
+              <a:t>Problem Sheet</a:t>
+            </a:r>
+          </a:p>
+        </p:txBody>
+      </p:sp>
     </p:spTree>
     <p:extLst>
       <p:ext uri="{BB962C8B-B14F-4D97-AF65-F5344CB8AC3E}">
@@ -18665,6 +18899,45 @@
           </a:p>
         </p:txBody>
       </p:sp>
+      <p:sp>
+        <p:nvSpPr>
+          <p:cNvPr id="4" name="TextBox 3">
+            <a:extLst>
+              <a:ext uri="{FF2B5EF4-FFF2-40B4-BE49-F238E27FC236}">
+                <a16:creationId xmlns:a16="http://schemas.microsoft.com/office/drawing/2014/main" id="{EFE95A92-773A-4513-82A8-DCFA23EA480E}"/>
+              </a:ext>
+            </a:extLst>
+          </p:cNvPr>
+          <p:cNvSpPr txBox="1"/>
+          <p:nvPr/>
+        </p:nvSpPr>
+        <p:spPr>
+          <a:xfrm>
+            <a:off x="7357241" y="6498021"/>
+            <a:ext cx="1697422" cy="369332"/>
+          </a:xfrm>
+          <a:prstGeom prst="rect">
+            <a:avLst/>
+          </a:prstGeom>
+          <a:noFill/>
+        </p:spPr>
+        <p:txBody>
+          <a:bodyPr wrap="square" rtlCol="0">
+            <a:spAutoFit/>
+          </a:bodyPr>
+          <a:lstStyle/>
+          <a:p>
+            <a:r>
+              <a:rPr lang="en-GB" dirty="0">
+                <a:solidFill>
+                  <a:schemeClr val="accent2"/>
+                </a:solidFill>
+              </a:rPr>
+              <a:t>Problem Sheet</a:t>
+            </a:r>
+          </a:p>
+        </p:txBody>
+      </p:sp>
     </p:spTree>
     <p:extLst>
       <p:ext uri="{BB962C8B-B14F-4D97-AF65-F5344CB8AC3E}">
@@ -19143,6 +19416,45 @@
           </a:prstGeom>
         </p:spPr>
       </p:pic>
+      <p:sp>
+        <p:nvSpPr>
+          <p:cNvPr id="7" name="TextBox 6">
+            <a:extLst>
+              <a:ext uri="{FF2B5EF4-FFF2-40B4-BE49-F238E27FC236}">
+                <a16:creationId xmlns:a16="http://schemas.microsoft.com/office/drawing/2014/main" id="{EC86ED1F-9D44-4C7A-B259-5FF5082C26A8}"/>
+              </a:ext>
+            </a:extLst>
+          </p:cNvPr>
+          <p:cNvSpPr txBox="1"/>
+          <p:nvPr/>
+        </p:nvSpPr>
+        <p:spPr>
+          <a:xfrm>
+            <a:off x="7357241" y="6498021"/>
+            <a:ext cx="1697422" cy="369332"/>
+          </a:xfrm>
+          <a:prstGeom prst="rect">
+            <a:avLst/>
+          </a:prstGeom>
+          <a:noFill/>
+        </p:spPr>
+        <p:txBody>
+          <a:bodyPr wrap="square" rtlCol="0">
+            <a:spAutoFit/>
+          </a:bodyPr>
+          <a:lstStyle/>
+          <a:p>
+            <a:r>
+              <a:rPr lang="en-GB" dirty="0">
+                <a:solidFill>
+                  <a:schemeClr val="accent2"/>
+                </a:solidFill>
+              </a:rPr>
+              <a:t>Problem Sheet</a:t>
+            </a:r>
+          </a:p>
+        </p:txBody>
+      </p:sp>
     </p:spTree>
     <p:extLst>
       <p:ext uri="{BB962C8B-B14F-4D97-AF65-F5344CB8AC3E}">
@@ -19586,6 +19898,45 @@
           </a:prstGeom>
         </p:spPr>
       </p:pic>
+      <p:sp>
+        <p:nvSpPr>
+          <p:cNvPr id="6" name="TextBox 5">
+            <a:extLst>
+              <a:ext uri="{FF2B5EF4-FFF2-40B4-BE49-F238E27FC236}">
+                <a16:creationId xmlns:a16="http://schemas.microsoft.com/office/drawing/2014/main" id="{F25B2088-5DAC-4E2C-B044-43DA57A5F348}"/>
+              </a:ext>
+            </a:extLst>
+          </p:cNvPr>
+          <p:cNvSpPr txBox="1"/>
+          <p:nvPr/>
+        </p:nvSpPr>
+        <p:spPr>
+          <a:xfrm>
+            <a:off x="7357241" y="6498021"/>
+            <a:ext cx="1697422" cy="369332"/>
+          </a:xfrm>
+          <a:prstGeom prst="rect">
+            <a:avLst/>
+          </a:prstGeom>
+          <a:noFill/>
+        </p:spPr>
+        <p:txBody>
+          <a:bodyPr wrap="square" rtlCol="0">
+            <a:spAutoFit/>
+          </a:bodyPr>
+          <a:lstStyle/>
+          <a:p>
+            <a:r>
+              <a:rPr lang="en-GB" dirty="0">
+                <a:solidFill>
+                  <a:schemeClr val="accent2"/>
+                </a:solidFill>
+              </a:rPr>
+              <a:t>Problem Sheet</a:t>
+            </a:r>
+          </a:p>
+        </p:txBody>
+      </p:sp>
     </p:spTree>
     <p:extLst>
       <p:ext uri="{BB962C8B-B14F-4D97-AF65-F5344CB8AC3E}">

--- a/Writing Theses in Latex Slides.pptx
+++ b/Writing Theses in Latex Slides.pptx
@@ -468,7 +468,7 @@
           <a:p>
             <a:fld id="{88EB714B-C3CC-4216-88C1-02913905B1CF}" type="datetimeFigureOut">
               <a:rPr lang="en-GB" smtClean="0"/>
-              <a:t>24/04/2020</a:t>
+              <a:t>20/05/2020</a:t>
             </a:fld>
             <a:endParaRPr lang="en-GB"/>
           </a:p>
@@ -6159,7 +6159,7 @@
           <a:p>
             <a:fld id="{EB0080F8-EA1C-491D-963C-2C881B2F918F}" type="datetimeFigureOut">
               <a:rPr lang="en-GB" smtClean="0"/>
-              <a:t>24/04/2020</a:t>
+              <a:t>20/05/2020</a:t>
             </a:fld>
             <a:endParaRPr lang="en-GB"/>
           </a:p>
@@ -6309,7 +6309,7 @@
           <a:p>
             <a:fld id="{EB0080F8-EA1C-491D-963C-2C881B2F918F}" type="datetimeFigureOut">
               <a:rPr lang="en-GB" smtClean="0"/>
-              <a:t>24/04/2020</a:t>
+              <a:t>20/05/2020</a:t>
             </a:fld>
             <a:endParaRPr lang="en-GB"/>
           </a:p>
@@ -7842,7 +7842,7 @@
           <a:p>
             <a:fld id="{EB0080F8-EA1C-491D-963C-2C881B2F918F}" type="datetimeFigureOut">
               <a:rPr lang="en-GB" smtClean="0"/>
-              <a:t>24/04/2020</a:t>
+              <a:t>20/05/2020</a:t>
             </a:fld>
             <a:endParaRPr lang="en-GB"/>
           </a:p>
@@ -17381,7 +17381,7 @@
           <p:spPr>
             <a:xfrm>
               <a:off x="191387" y="1449022"/>
-              <a:ext cx="2032523" cy="369332"/>
+              <a:ext cx="2032523" cy="344886"/>
             </a:xfrm>
             <a:prstGeom prst="rect">
               <a:avLst/>
@@ -17400,7 +17400,7 @@
                     <a:schemeClr val="accent1"/>
                   </a:solidFill>
                 </a:rPr>
-                <a:t>myrefs.bib.tex</a:t>
+                <a:t>myrefs.bib</a:t>
               </a:r>
               <a:endParaRPr lang="en-GB" dirty="0">
                 <a:solidFill>
@@ -20006,7 +20006,7 @@
         <p:spPr>
           <a:xfrm>
             <a:off x="457200" y="1957138"/>
-            <a:ext cx="3422732" cy="3785652"/>
+            <a:ext cx="3422732" cy="4247317"/>
           </a:xfrm>
           <a:prstGeom prst="rect">
             <a:avLst/>
@@ -20093,6 +20093,19 @@
                 <a:hlinkClick r:id="rId8"/>
               </a:rPr>
               <a:t>Equation Editor</a:t>
+            </a:r>
+            <a:endParaRPr lang="en-GB" sz="3000" dirty="0"/>
+          </a:p>
+          <a:p>
+            <a:pPr marL="457200" indent="-457200">
+              <a:buFont typeface="Arial" panose="020B0604020202020204" pitchFamily="34" charset="0"/>
+              <a:buChar char="•"/>
+            </a:pPr>
+            <a:r>
+              <a:rPr lang="en-GB" sz="3000" dirty="0">
+                <a:hlinkClick r:id="rId9"/>
+              </a:rPr>
+              <a:t>Detexify</a:t>
             </a:r>
             <a:endParaRPr lang="en-GB" sz="3000" dirty="0"/>
           </a:p>
@@ -20119,10 +20132,10 @@
           <p:nvPr/>
         </p:nvPicPr>
         <p:blipFill>
-          <a:blip r:embed="rId9">
+          <a:blip r:embed="rId10">
             <a:extLst>
               <a:ext uri="{837473B0-CC2E-450A-ABE3-18F120FF3D39}">
-                <a1611:picAttrSrcUrl xmlns:a1611="http://schemas.microsoft.com/office/drawing/2016/11/main" r:id="rId10"/>
+                <a1611:picAttrSrcUrl xmlns:a1611="http://schemas.microsoft.com/office/drawing/2016/11/main" r:id="rId11"/>
               </a:ext>
             </a:extLst>
           </a:blip>

--- a/Writing Theses in Latex Slides.pptx
+++ b/Writing Theses in Latex Slides.pptx
@@ -5,10 +5,10 @@
     <p:sldMasterId id="2147483648" r:id="rId1"/>
   </p:sldMasterIdLst>
   <p:notesMasterIdLst>
-    <p:notesMasterId r:id="rId42"/>
+    <p:notesMasterId r:id="rId43"/>
   </p:notesMasterIdLst>
   <p:handoutMasterIdLst>
-    <p:handoutMasterId r:id="rId43"/>
+    <p:handoutMasterId r:id="rId44"/>
   </p:handoutMasterIdLst>
   <p:sldIdLst>
     <p:sldId id="264" r:id="rId2"/>
@@ -50,7 +50,8 @@
     <p:sldId id="327" r:id="rId38"/>
     <p:sldId id="330" r:id="rId39"/>
     <p:sldId id="328" r:id="rId40"/>
-    <p:sldId id="280" r:id="rId41"/>
+    <p:sldId id="331" r:id="rId41"/>
+    <p:sldId id="280" r:id="rId42"/>
   </p:sldIdLst>
   <p:sldSz cx="9144000" cy="6858000" type="screen4x3"/>
   <p:notesSz cx="7099300" cy="10234613"/>
@@ -193,6 +194,7 @@
             <p14:sldId id="327"/>
             <p14:sldId id="330"/>
             <p14:sldId id="328"/>
+            <p14:sldId id="331"/>
             <p14:sldId id="280"/>
           </p14:sldIdLst>
         </p14:section>
@@ -468,7 +470,7 @@
           <a:p>
             <a:fld id="{88EB714B-C3CC-4216-88C1-02913905B1CF}" type="datetimeFigureOut">
               <a:rPr lang="en-GB" smtClean="0"/>
-              <a:t>20/05/2020</a:t>
+              <a:t>27/10/2020</a:t>
             </a:fld>
             <a:endParaRPr lang="en-GB"/>
           </a:p>
@@ -5063,6 +5065,90 @@
       </p:grpSpPr>
       <p:sp>
         <p:nvSpPr>
+          <p:cNvPr id="2" name="Slide Image Placeholder 1"/>
+          <p:cNvSpPr>
+            <a:spLocks noGrp="1" noRot="1" noChangeAspect="1"/>
+          </p:cNvSpPr>
+          <p:nvPr>
+            <p:ph type="sldImg"/>
+          </p:nvPr>
+        </p:nvSpPr>
+        <p:spPr/>
+      </p:sp>
+      <p:sp>
+        <p:nvSpPr>
+          <p:cNvPr id="3" name="Notes Placeholder 2"/>
+          <p:cNvSpPr>
+            <a:spLocks noGrp="1"/>
+          </p:cNvSpPr>
+          <p:nvPr>
+            <p:ph type="body" idx="1"/>
+          </p:nvPr>
+        </p:nvSpPr>
+        <p:spPr/>
+        <p:txBody>
+          <a:bodyPr/>
+          <a:lstStyle/>
+          <a:p>
+            <a:endParaRPr lang="en-GB" dirty="0"/>
+          </a:p>
+        </p:txBody>
+      </p:sp>
+      <p:sp>
+        <p:nvSpPr>
+          <p:cNvPr id="4" name="Slide Number Placeholder 3"/>
+          <p:cNvSpPr>
+            <a:spLocks noGrp="1"/>
+          </p:cNvSpPr>
+          <p:nvPr>
+            <p:ph type="sldNum" sz="quarter" idx="10"/>
+          </p:nvPr>
+        </p:nvSpPr>
+        <p:spPr/>
+        <p:txBody>
+          <a:bodyPr/>
+          <a:lstStyle/>
+          <a:p>
+            <a:fld id="{6A641EC8-C9F8-4A58-A1A7-F7D817526EEC}" type="slidenum">
+              <a:rPr lang="en-GB" smtClean="0"/>
+              <a:t>40</a:t>
+            </a:fld>
+            <a:endParaRPr lang="en-GB"/>
+          </a:p>
+        </p:txBody>
+      </p:sp>
+    </p:spTree>
+    <p:extLst>
+      <p:ext uri="{BB962C8B-B14F-4D97-AF65-F5344CB8AC3E}">
+        <p14:creationId xmlns:p14="http://schemas.microsoft.com/office/powerpoint/2010/main" val="1492413823"/>
+      </p:ext>
+    </p:extLst>
+  </p:cSld>
+  <p:clrMapOvr>
+    <a:masterClrMapping/>
+  </p:clrMapOvr>
+</p:notes>
+</file>
+
+<file path=ppt/notesSlides/notesSlide41.xml><?xml version="1.0" encoding="utf-8"?>
+<p:notes xmlns:a="http://schemas.openxmlformats.org/drawingml/2006/main" xmlns:r="http://schemas.openxmlformats.org/officeDocument/2006/relationships" xmlns:p="http://schemas.openxmlformats.org/presentationml/2006/main">
+  <p:cSld>
+    <p:spTree>
+      <p:nvGrpSpPr>
+        <p:cNvPr id="1" name=""/>
+        <p:cNvGrpSpPr/>
+        <p:nvPr/>
+      </p:nvGrpSpPr>
+      <p:grpSpPr>
+        <a:xfrm>
+          <a:off x="0" y="0"/>
+          <a:ext cx="0" cy="0"/>
+          <a:chOff x="0" y="0"/>
+          <a:chExt cx="0" cy="0"/>
+        </a:xfrm>
+      </p:grpSpPr>
+      <p:sp>
+        <p:nvSpPr>
           <p:cNvPr id="108546" name="Rectangle 7"/>
           <p:cNvSpPr>
             <a:spLocks noGrp="1" noChangeArrowheads="1"/>
@@ -5221,7 +5307,7 @@
                   <a:spcPct val="0"/>
                 </a:spcBef>
               </a:pPr>
-              <a:t>40</a:t>
+              <a:t>41</a:t>
             </a:fld>
             <a:endParaRPr lang="en-US" altLang="en-US"/>
           </a:p>
@@ -6159,7 +6245,7 @@
           <a:p>
             <a:fld id="{EB0080F8-EA1C-491D-963C-2C881B2F918F}" type="datetimeFigureOut">
               <a:rPr lang="en-GB" smtClean="0"/>
-              <a:t>20/05/2020</a:t>
+              <a:t>27/10/2020</a:t>
             </a:fld>
             <a:endParaRPr lang="en-GB"/>
           </a:p>
@@ -6309,7 +6395,7 @@
           <a:p>
             <a:fld id="{EB0080F8-EA1C-491D-963C-2C881B2F918F}" type="datetimeFigureOut">
               <a:rPr lang="en-GB" smtClean="0"/>
-              <a:t>20/05/2020</a:t>
+              <a:t>27/10/2020</a:t>
             </a:fld>
             <a:endParaRPr lang="en-GB"/>
           </a:p>
@@ -7842,7 +7928,7 @@
           <a:p>
             <a:fld id="{EB0080F8-EA1C-491D-963C-2C881B2F918F}" type="datetimeFigureOut">
               <a:rPr lang="en-GB" smtClean="0"/>
-              <a:t>20/05/2020</a:t>
+              <a:t>27/10/2020</a:t>
             </a:fld>
             <a:endParaRPr lang="en-GB"/>
           </a:p>
@@ -18841,7 +18927,7 @@
             </a:r>
             <a:r>
               <a:rPr lang="en-GB" sz="2400" strike="sngStrike" dirty="0"/>
-              <a:t>"Ernest Hemingway, R.L. Stine, J.R.R. Tolkien“</a:t>
+              <a:t>“Ernest Hemingway, R.L. Stine, J.R.R. Tolkien”</a:t>
             </a:r>
           </a:p>
           <a:p>
@@ -18863,7 +18949,11 @@
             </a:r>
             <a:r>
               <a:rPr lang="en-GB" sz="2400" dirty="0"/>
-              <a:t>"Hemingway, Ernest; Stine, R.L.; Tolkien, J.R.R"</a:t>
+              <a:t>“Hemingway, Ernest; Stine, R.L.; Tolkien, J.R</a:t>
+            </a:r>
+            <a:r>
+              <a:rPr lang="en-GB" sz="2400"/>
+              <a:t>.R”</a:t>
             </a:r>
             <a:endParaRPr lang="en-GB" sz="2400" strike="sngStrike" dirty="0"/>
           </a:p>
@@ -18886,7 +18976,7 @@
             </a:r>
             <a:r>
               <a:rPr lang="en-GB" sz="2400" dirty="0"/>
-              <a:t>"Ernest Hemingway and R.L. Stine and J.R.R. Tolkien"</a:t>
+              <a:t>“Ernest Hemingway and R.L. Stine and J.R.R. Tolkien”</a:t>
             </a:r>
           </a:p>
           <a:p>
@@ -20331,6 +20421,130 @@
 </file>
 
 <file path=ppt/slides/slide40.xml><?xml version="1.0" encoding="utf-8"?>
+<p:sld xmlns:a="http://schemas.openxmlformats.org/drawingml/2006/main" xmlns:r="http://schemas.openxmlformats.org/officeDocument/2006/relationships" xmlns:p="http://schemas.openxmlformats.org/presentationml/2006/main">
+  <p:cSld>
+    <p:spTree>
+      <p:nvGrpSpPr>
+        <p:cNvPr id="1" name=""/>
+        <p:cNvGrpSpPr/>
+        <p:nvPr/>
+      </p:nvGrpSpPr>
+      <p:grpSpPr>
+        <a:xfrm>
+          <a:off x="0" y="0"/>
+          <a:ext cx="0" cy="0"/>
+          <a:chOff x="0" y="0"/>
+          <a:chExt cx="0" cy="0"/>
+        </a:xfrm>
+      </p:grpSpPr>
+      <p:sp>
+        <p:nvSpPr>
+          <p:cNvPr id="2" name="Title 1"/>
+          <p:cNvSpPr>
+            <a:spLocks noGrp="1"/>
+          </p:cNvSpPr>
+          <p:nvPr>
+            <p:ph type="title"/>
+          </p:nvPr>
+        </p:nvSpPr>
+        <p:spPr/>
+        <p:txBody>
+          <a:bodyPr/>
+          <a:lstStyle/>
+          <a:p>
+            <a:r>
+              <a:rPr lang="en-GB" sz="4000" dirty="0"/>
+              <a:t>Feedback</a:t>
+            </a:r>
+          </a:p>
+        </p:txBody>
+      </p:sp>
+      <p:sp>
+        <p:nvSpPr>
+          <p:cNvPr id="3" name="Content Placeholder 2"/>
+          <p:cNvSpPr>
+            <a:spLocks noGrp="1"/>
+          </p:cNvSpPr>
+          <p:nvPr>
+            <p:ph idx="1"/>
+          </p:nvPr>
+        </p:nvSpPr>
+        <p:spPr>
+          <a:xfrm>
+            <a:off x="457200" y="1600200"/>
+            <a:ext cx="8435280" cy="4876800"/>
+          </a:xfrm>
+        </p:spPr>
+        <p:txBody>
+          <a:bodyPr>
+            <a:normAutofit/>
+          </a:bodyPr>
+          <a:lstStyle/>
+          <a:p>
+            <a:r>
+              <a:rPr lang="en-GB" sz="3000" dirty="0"/>
+              <a:t>Once you’ve completed this course, please provide feedback</a:t>
+            </a:r>
+          </a:p>
+          <a:p>
+            <a:pPr lvl="1"/>
+            <a:r>
+              <a:rPr lang="en-GB" sz="2600" dirty="0"/>
+              <a:t>The link is </a:t>
+            </a:r>
+            <a:r>
+              <a:rPr lang="en-GB" sz="2600" b="0" i="0" u="sng" dirty="0">
+                <a:solidFill>
+                  <a:srgbClr val="954F72"/>
+                </a:solidFill>
+                <a:effectLst/>
+                <a:hlinkClick r:id="rId3"/>
+              </a:rPr>
+              <a:t>http://bit.ly/rcds2021</a:t>
+            </a:r>
+            <a:endParaRPr lang="en-GB" sz="2600" dirty="0"/>
+          </a:p>
+          <a:p>
+            <a:pPr lvl="1"/>
+            <a:r>
+              <a:rPr lang="en-GB" sz="2600" dirty="0"/>
+              <a:t>You should also have received an email with this link</a:t>
+            </a:r>
+          </a:p>
+          <a:p>
+            <a:pPr lvl="1"/>
+            <a:r>
+              <a:rPr lang="en-GB" sz="2600" dirty="0"/>
+              <a:t>This helps us improve the class for future students</a:t>
+            </a:r>
+          </a:p>
+          <a:p>
+            <a:endParaRPr lang="en-GB" sz="3000" dirty="0"/>
+          </a:p>
+        </p:txBody>
+      </p:sp>
+    </p:spTree>
+    <p:extLst>
+      <p:ext uri="{BB962C8B-B14F-4D97-AF65-F5344CB8AC3E}">
+        <p14:creationId xmlns:p14="http://schemas.microsoft.com/office/powerpoint/2010/main" val="2122788927"/>
+      </p:ext>
+    </p:extLst>
+  </p:cSld>
+  <p:clrMapOvr>
+    <a:masterClrMapping/>
+  </p:clrMapOvr>
+  <mc:AlternateContent xmlns:mc="http://schemas.openxmlformats.org/markup-compatibility/2006" xmlns:p14="http://schemas.microsoft.com/office/powerpoint/2010/main">
+    <mc:Choice Requires="p14">
+      <p:transition p14:dur="10"/>
+    </mc:Choice>
+    <mc:Fallback xmlns="">
+      <p:transition/>
+    </mc:Fallback>
+  </mc:AlternateContent>
+</p:sld>
+</file>
+
+<file path=ppt/slides/slide41.xml><?xml version="1.0" encoding="utf-8"?>
 <p:sld xmlns:a="http://schemas.openxmlformats.org/drawingml/2006/main" xmlns:r="http://schemas.openxmlformats.org/officeDocument/2006/relationships" xmlns:p="http://schemas.openxmlformats.org/presentationml/2006/main">
   <p:cSld>
     <p:spTree>

--- a/Writing Theses in Latex Slides.pptx
+++ b/Writing Theses in Latex Slides.pptx
@@ -5618,7 +5618,33 @@
             </a:r>
             <a:r>
               <a:rPr lang="en-GB" dirty="0"/>
-              <a:t> service requires only 1cm for binding purposes, so you can have margins anywhere up from 1cm. You should centre your content (i.e. have the same margins on left and right). Using the “</a:t>
+              <a:t> service requires only 1cm for binding purposes, so you can have margins anywhere up from 1cm. You should centre your content (i.e. have the same margins on left and right). The geometry package gives you the required control over the set up of the page including margins.</a:t>
+            </a:r>
+          </a:p>
+          <a:p>
+            <a:endParaRPr lang="en-GB" dirty="0"/>
+          </a:p>
+          <a:p>
+            <a:pPr marL="0" marR="0" lvl="0" indent="0" algn="l" defTabSz="914400" rtl="0" eaLnBrk="1" fontAlgn="auto" latinLnBrk="0" hangingPunct="1">
+              <a:lnSpc>
+                <a:spcPct val="100000"/>
+              </a:lnSpc>
+              <a:spcBef>
+                <a:spcPts val="0"/>
+              </a:spcBef>
+              <a:spcAft>
+                <a:spcPts val="0"/>
+              </a:spcAft>
+              <a:buClrTx/>
+              <a:buSzTx/>
+              <a:buFontTx/>
+              <a:buNone/>
+              <a:tabLst/>
+              <a:defRPr/>
+            </a:pPr>
+            <a:r>
+              <a:rPr lang="en-GB" dirty="0"/>
+              <a:t>Using the “</a:t>
             </a:r>
             <a:r>
               <a:rPr lang="en-GB" dirty="0" err="1"/>
@@ -5639,12 +5665,6 @@
           </a:p>
           <a:p>
             <a:endParaRPr lang="en-GB" dirty="0"/>
-          </a:p>
-          <a:p>
-            <a:r>
-              <a:rPr lang="en-GB" dirty="0"/>
-              <a:t>The geometry package gives you more control over the set up of the page including margins.</a:t>
-            </a:r>
           </a:p>
         </p:txBody>
       </p:sp>
@@ -5835,7 +5855,7 @@
           <a:p>
             <a:r>
               <a:rPr lang="en-GB" dirty="0"/>
-              <a:t>Footnotes aren’t required in a thesis, although you might find them useful. We’re about to need them for another example so I’ll introduce them now.  A footnote is inserted simply through the use of the footnote command, with the contents of the footnote contained in curly brackets.</a:t>
+              <a:t>Footnotes aren’t required in a thesis, although you might find them useful. We’re about to need them for another section so I’ll introduce them now.  A footnote is inserted simply through the use of the footnote command, with the contents of the footnote contained in curly brackets.</a:t>
             </a:r>
             <a:br>
               <a:rPr lang="en-GB" dirty="0"/>
@@ -8503,6 +8523,13 @@
             </a:r>
           </a:p>
           <a:p>
+            <a:pPr lvl="1"/>
+            <a:r>
+              <a:rPr lang="en-GB" sz="2000" dirty="0"/>
+              <a:t>Except indented quotations and footnotes</a:t>
+            </a:r>
+          </a:p>
+          <a:p>
             <a:r>
               <a:rPr lang="en-GB" sz="2400" dirty="0"/>
               <a:t>May be achieved using the </a:t>
@@ -8521,86 +8548,6 @@
             <a:r>
               <a:rPr lang="en-GB" sz="2400" dirty="0"/>
               <a:t> package and the </a:t>
-            </a:r>
-            <a:r>
-              <a:rPr lang="en-GB" sz="2400" dirty="0">
-                <a:solidFill>
-                  <a:schemeClr val="tx2">
-                    <a:lumMod val="50000"/>
-                    <a:lumOff val="50000"/>
-                  </a:schemeClr>
-                </a:solidFill>
-              </a:rPr>
-              <a:t>\</a:t>
-            </a:r>
-            <a:r>
-              <a:rPr lang="en-GB" sz="2400" dirty="0" err="1">
-                <a:solidFill>
-                  <a:schemeClr val="tx2">
-                    <a:lumMod val="50000"/>
-                    <a:lumOff val="50000"/>
-                  </a:schemeClr>
-                </a:solidFill>
-              </a:rPr>
-              <a:t>doublespacing</a:t>
-            </a:r>
-            <a:r>
-              <a:rPr lang="en-GB" sz="2400" dirty="0">
-                <a:solidFill>
-                  <a:schemeClr val="tx2">
-                    <a:lumMod val="50000"/>
-                    <a:lumOff val="50000"/>
-                  </a:schemeClr>
-                </a:solidFill>
-              </a:rPr>
-              <a:t> </a:t>
-            </a:r>
-            <a:r>
-              <a:rPr lang="en-GB" sz="2400" dirty="0"/>
-              <a:t>or</a:t>
-            </a:r>
-            <a:r>
-              <a:rPr lang="en-GB" sz="2400" dirty="0">
-                <a:solidFill>
-                  <a:schemeClr val="tx2">
-                    <a:lumMod val="50000"/>
-                    <a:lumOff val="50000"/>
-                  </a:schemeClr>
-                </a:solidFill>
-              </a:rPr>
-              <a:t> \</a:t>
-            </a:r>
-            <a:r>
-              <a:rPr lang="en-GB" sz="2400" dirty="0" err="1">
-                <a:solidFill>
-                  <a:schemeClr val="tx2">
-                    <a:lumMod val="50000"/>
-                    <a:lumOff val="50000"/>
-                  </a:schemeClr>
-                </a:solidFill>
-              </a:rPr>
-              <a:t>onehalfspacing</a:t>
-            </a:r>
-            <a:r>
-              <a:rPr lang="en-GB" sz="2400" dirty="0">
-                <a:solidFill>
-                  <a:schemeClr val="tx2">
-                    <a:lumMod val="50000"/>
-                    <a:lumOff val="50000"/>
-                  </a:schemeClr>
-                </a:solidFill>
-              </a:rPr>
-              <a:t> </a:t>
-            </a:r>
-            <a:r>
-              <a:rPr lang="en-GB" sz="2400" dirty="0"/>
-              <a:t>commands</a:t>
-            </a:r>
-          </a:p>
-          <a:p>
-            <a:r>
-              <a:rPr lang="en-GB" sz="2400" dirty="0"/>
-              <a:t>Or, use the </a:t>
             </a:r>
             <a:r>
               <a:rPr lang="en-GB" sz="2400" dirty="0">
@@ -8739,7 +8686,7 @@
         </p:nvSpPr>
         <p:spPr>
           <a:xfrm>
-            <a:off x="457200" y="1600199"/>
+            <a:off x="457200" y="1424427"/>
             <a:ext cx="3967655" cy="4453759"/>
           </a:xfrm>
         </p:spPr>
@@ -21210,45 +21157,19 @@
               <a:t>The </a:t>
             </a:r>
             <a:r>
-              <a:rPr lang="en-GB" sz="2400" dirty="0" err="1">
-                <a:solidFill>
-                  <a:schemeClr val="tx2">
-                    <a:lumMod val="50000"/>
-                    <a:lumOff val="50000"/>
-                  </a:schemeClr>
-                </a:solidFill>
-              </a:rPr>
-              <a:t>blindtext</a:t>
+              <a:rPr lang="en-GB" sz="2400" dirty="0">
+                <a:solidFill>
+                  <a:schemeClr val="tx2">
+                    <a:lumMod val="50000"/>
+                    <a:lumOff val="50000"/>
+                  </a:schemeClr>
+                </a:solidFill>
+              </a:rPr>
+              <a:t>geometry</a:t>
             </a:r>
             <a:r>
               <a:rPr lang="en-GB" sz="2400" dirty="0"/>
-              <a:t> package and </a:t>
-            </a:r>
-            <a:r>
-              <a:rPr lang="en-GB" sz="2400" dirty="0">
-                <a:solidFill>
-                  <a:schemeClr val="tx2">
-                    <a:lumMod val="50000"/>
-                    <a:lumOff val="50000"/>
-                  </a:schemeClr>
-                </a:solidFill>
-              </a:rPr>
-              <a:t>\</a:t>
-            </a:r>
-            <a:r>
-              <a:rPr lang="en-GB" sz="2400" dirty="0" err="1">
-                <a:solidFill>
-                  <a:schemeClr val="tx2">
-                    <a:lumMod val="50000"/>
-                    <a:lumOff val="50000"/>
-                  </a:schemeClr>
-                </a:solidFill>
-              </a:rPr>
-              <a:t>blindtext</a:t>
-            </a:r>
-            <a:r>
-              <a:rPr lang="en-GB" sz="2400" dirty="0"/>
-              <a:t>[X] command</a:t>
+              <a:t> package allows us to set margins</a:t>
             </a:r>
           </a:p>
           <a:p>
@@ -21265,6 +21186,21 @@
               <a:t>The </a:t>
             </a:r>
             <a:r>
+              <a:rPr lang="en-GB" sz="2400" dirty="0" err="1">
+                <a:solidFill>
+                  <a:schemeClr val="tx2">
+                    <a:lumMod val="50000"/>
+                    <a:lumOff val="50000"/>
+                  </a:schemeClr>
+                </a:solidFill>
+              </a:rPr>
+              <a:t>blindtext</a:t>
+            </a:r>
+            <a:r>
+              <a:rPr lang="en-GB" sz="2400" dirty="0"/>
+              <a:t> package and </a:t>
+            </a:r>
+            <a:r>
               <a:rPr lang="en-GB" sz="2400" dirty="0">
                 <a:solidFill>
                   <a:schemeClr val="tx2">
@@ -21273,11 +21209,22 @@
                   </a:schemeClr>
                 </a:solidFill>
               </a:rPr>
-              <a:t>geometry</a:t>
+              <a:t>\</a:t>
+            </a:r>
+            <a:r>
+              <a:rPr lang="en-GB" sz="2400" dirty="0" err="1">
+                <a:solidFill>
+                  <a:schemeClr val="tx2">
+                    <a:lumMod val="50000"/>
+                    <a:lumOff val="50000"/>
+                  </a:schemeClr>
+                </a:solidFill>
+              </a:rPr>
+              <a:t>blindtext</a:t>
             </a:r>
             <a:r>
               <a:rPr lang="en-GB" sz="2400" dirty="0"/>
-              <a:t> package</a:t>
+              <a:t>[X] command allows us to insert sample text for testing typesetting</a:t>
             </a:r>
           </a:p>
         </p:txBody>
@@ -21761,7 +21708,7 @@
         </p:nvSpPr>
         <p:spPr>
           <a:xfrm>
-            <a:off x="438147" y="3429000"/>
+            <a:off x="457200" y="2994820"/>
             <a:ext cx="3967655" cy="1142999"/>
           </a:xfrm>
         </p:spPr>

--- a/Writing Theses in Latex Slides.pptx
+++ b/Writing Theses in Latex Slides.pptx
@@ -470,7 +470,7 @@
           <a:p>
             <a:fld id="{88EB714B-C3CC-4216-88C1-02913905B1CF}" type="datetimeFigureOut">
               <a:rPr lang="en-GB" smtClean="0"/>
-              <a:t>27/10/2020</a:t>
+              <a:t>17/11/2020</a:t>
             </a:fld>
             <a:endParaRPr lang="en-GB"/>
           </a:p>
@@ -4515,13 +4515,8 @@
           <a:p>
             <a:r>
               <a:rPr lang="en-GB" dirty="0"/>
-              <a:t>Break </a:t>
-            </a:r>
-            <a:r>
-              <a:rPr lang="en-GB"/>
-              <a:t>for section 11 of Task Sheet</a:t>
-            </a:r>
-            <a:endParaRPr lang="en-GB" dirty="0"/>
+              <a:t>Break for section 11 of Task Sheet</a:t>
+            </a:r>
           </a:p>
         </p:txBody>
       </p:sp>
@@ -6265,7 +6260,7 @@
           <a:p>
             <a:fld id="{EB0080F8-EA1C-491D-963C-2C881B2F918F}" type="datetimeFigureOut">
               <a:rPr lang="en-GB" smtClean="0"/>
-              <a:t>27/10/2020</a:t>
+              <a:t>17/11/2020</a:t>
             </a:fld>
             <a:endParaRPr lang="en-GB"/>
           </a:p>
@@ -6415,7 +6410,7 @@
           <a:p>
             <a:fld id="{EB0080F8-EA1C-491D-963C-2C881B2F918F}" type="datetimeFigureOut">
               <a:rPr lang="en-GB" smtClean="0"/>
-              <a:t>27/10/2020</a:t>
+              <a:t>17/11/2020</a:t>
             </a:fld>
             <a:endParaRPr lang="en-GB"/>
           </a:p>
@@ -7948,7 +7943,7 @@
           <a:p>
             <a:fld id="{EB0080F8-EA1C-491D-963C-2C881B2F918F}" type="datetimeFigureOut">
               <a:rPr lang="en-GB" smtClean="0"/>
-              <a:t>27/10/2020</a:t>
+              <a:t>17/11/2020</a:t>
             </a:fld>
             <a:endParaRPr lang="en-GB"/>
           </a:p>
@@ -15284,7 +15279,7 @@
               <a:buNone/>
             </a:pPr>
             <a:r>
-              <a:rPr lang="en-GB" sz="1400" dirty="0">
+              <a:rPr lang="en-GB" sz="1500" dirty="0">
                 <a:solidFill>
                   <a:schemeClr val="tx2">
                     <a:lumMod val="50000"/>
@@ -15295,7 +15290,7 @@
               <a:t>\</a:t>
             </a:r>
             <a:r>
-              <a:rPr lang="en-GB" sz="1400" dirty="0" err="1">
+              <a:rPr lang="en-GB" sz="1500" dirty="0" err="1">
                 <a:solidFill>
                   <a:schemeClr val="tx2">
                     <a:lumMod val="50000"/>
@@ -15306,11 +15301,11 @@
               <a:t>usepackage</a:t>
             </a:r>
             <a:r>
-              <a:rPr lang="en-GB" sz="1400" dirty="0"/>
+              <a:rPr lang="en-GB" sz="1500" dirty="0"/>
               <a:t>{</a:t>
             </a:r>
             <a:r>
-              <a:rPr lang="en-GB" sz="1400" dirty="0" err="1">
+              <a:rPr lang="en-GB" sz="1500" dirty="0" err="1">
                 <a:solidFill>
                   <a:schemeClr val="tx2">
                     <a:lumMod val="50000"/>
@@ -15321,7 +15316,7 @@
               <a:t>subfig</a:t>
             </a:r>
             <a:r>
-              <a:rPr lang="en-GB" sz="1400" dirty="0">
+              <a:rPr lang="en-GB" sz="1500" dirty="0">
                 <a:solidFill>
                   <a:schemeClr val="tx2">
                     <a:lumMod val="50000"/>
@@ -15332,7 +15327,7 @@
               <a:t>, </a:t>
             </a:r>
             <a:r>
-              <a:rPr lang="en-GB" sz="1400" dirty="0" err="1">
+              <a:rPr lang="en-GB" sz="1500" dirty="0" err="1">
                 <a:solidFill>
                   <a:schemeClr val="tx2">
                     <a:lumMod val="50000"/>
@@ -15343,20 +15338,20 @@
               <a:t>graphicx</a:t>
             </a:r>
             <a:r>
-              <a:rPr lang="en-GB" sz="1400" dirty="0"/>
+              <a:rPr lang="en-GB" sz="1500" dirty="0"/>
               <a:t>}</a:t>
             </a:r>
             <a:br>
-              <a:rPr lang="en-GB" sz="1400" dirty="0"/>
+              <a:rPr lang="en-GB" sz="1500" dirty="0"/>
             </a:br>
-            <a:endParaRPr lang="en-GB" sz="1400" dirty="0"/>
+            <a:endParaRPr lang="en-GB" sz="1500" dirty="0"/>
           </a:p>
           <a:p>
             <a:pPr marL="0" indent="0">
               <a:buNone/>
             </a:pPr>
             <a:r>
-              <a:rPr lang="en-GB" sz="1400" dirty="0">
+              <a:rPr lang="en-GB" sz="1500" dirty="0">
                 <a:solidFill>
                   <a:schemeClr val="tx2">
                     <a:lumMod val="50000"/>
@@ -15367,11 +15362,11 @@
               <a:t>\begin</a:t>
             </a:r>
             <a:r>
-              <a:rPr lang="en-GB" sz="1400" dirty="0"/>
+              <a:rPr lang="en-GB" sz="1500" dirty="0"/>
               <a:t>{</a:t>
             </a:r>
             <a:r>
-              <a:rPr lang="en-GB" sz="1400" dirty="0">
+              <a:rPr lang="en-GB" sz="1500" dirty="0">
                 <a:solidFill>
                   <a:schemeClr val="accent4">
                     <a:lumMod val="75000"/>
@@ -15381,7 +15376,7 @@
               <a:t>document</a:t>
             </a:r>
             <a:r>
-              <a:rPr lang="en-GB" sz="1400" dirty="0"/>
+              <a:rPr lang="en-GB" sz="1500" dirty="0"/>
               <a:t>}</a:t>
             </a:r>
           </a:p>
@@ -15389,14 +15384,14 @@
             <a:pPr marL="0" indent="0">
               <a:buNone/>
             </a:pPr>
-            <a:endParaRPr lang="en-GB" sz="1400" dirty="0"/>
+            <a:endParaRPr lang="en-GB" sz="1500" dirty="0"/>
           </a:p>
           <a:p>
             <a:pPr marL="0" indent="0">
               <a:buNone/>
             </a:pPr>
             <a:r>
-              <a:rPr lang="en-GB" sz="1400" dirty="0">
+              <a:rPr lang="en-GB" sz="1500" dirty="0">
                 <a:solidFill>
                   <a:schemeClr val="tx2">
                     <a:lumMod val="50000"/>
@@ -15407,11 +15402,11 @@
               <a:t>\begin</a:t>
             </a:r>
             <a:r>
-              <a:rPr lang="en-GB" sz="1400" dirty="0"/>
+              <a:rPr lang="en-GB" sz="1500" dirty="0"/>
               <a:t>{</a:t>
             </a:r>
             <a:r>
-              <a:rPr lang="en-GB" sz="1400" dirty="0">
+              <a:rPr lang="en-GB" sz="1500" dirty="0">
                 <a:solidFill>
                   <a:schemeClr val="accent4">
                     <a:lumMod val="75000"/>
@@ -15421,7 +15416,7 @@
               <a:t>figure</a:t>
             </a:r>
             <a:r>
-              <a:rPr lang="en-GB" sz="1400" dirty="0"/>
+              <a:rPr lang="en-GB" sz="1500" dirty="0"/>
               <a:t>}</a:t>
             </a:r>
           </a:p>
@@ -15430,7 +15425,7 @@
               <a:buNone/>
             </a:pPr>
             <a:r>
-              <a:rPr lang="en-GB" sz="1400" dirty="0">
+              <a:rPr lang="en-GB" sz="1500" dirty="0">
                 <a:solidFill>
                   <a:schemeClr val="tx2">
                     <a:lumMod val="50000"/>
@@ -15441,7 +15436,7 @@
               <a:t>\</a:t>
             </a:r>
             <a:r>
-              <a:rPr lang="en-GB" sz="1400" dirty="0" err="1">
+              <a:rPr lang="en-GB" sz="1500" dirty="0" err="1">
                 <a:solidFill>
                   <a:schemeClr val="tx2">
                     <a:lumMod val="50000"/>
@@ -15451,7 +15446,7 @@
               </a:rPr>
               <a:t>centering</a:t>
             </a:r>
-            <a:endParaRPr lang="en-GB" sz="1400" dirty="0">
+            <a:endParaRPr lang="en-GB" sz="1500" dirty="0">
               <a:solidFill>
                 <a:schemeClr val="tx2">
                   <a:lumMod val="50000"/>
@@ -15465,7 +15460,7 @@
               <a:buNone/>
             </a:pPr>
             <a:r>
-              <a:rPr lang="en-GB" sz="1400" dirty="0">
+              <a:rPr lang="en-GB" sz="1500" dirty="0">
                 <a:solidFill>
                   <a:schemeClr val="tx2">
                     <a:lumMod val="50000"/>
@@ -15476,7 +15471,7 @@
               <a:t>\</a:t>
             </a:r>
             <a:r>
-              <a:rPr lang="en-GB" sz="1400" dirty="0" err="1">
+              <a:rPr lang="en-GB" sz="1500" dirty="0" err="1">
                 <a:solidFill>
                   <a:schemeClr val="tx2">
                     <a:lumMod val="50000"/>
@@ -15487,11 +15482,11 @@
               <a:t>subfloat</a:t>
             </a:r>
             <a:r>
-              <a:rPr lang="en-GB" sz="1400" dirty="0"/>
-              <a:t>[The first figure]{</a:t>
-            </a:r>
-            <a:r>
-              <a:rPr lang="en-GB" sz="1400" dirty="0">
+              <a:rPr lang="en-GB" sz="1500" dirty="0"/>
+              <a:t>[Amazon]{</a:t>
+            </a:r>
+            <a:r>
+              <a:rPr lang="en-GB" sz="1500" dirty="0">
                 <a:solidFill>
                   <a:schemeClr val="tx2">
                     <a:lumMod val="50000"/>
@@ -15502,25 +15497,25 @@
               <a:t>\label</a:t>
             </a:r>
             <a:r>
-              <a:rPr lang="en-GB" sz="1400" dirty="0"/>
+              <a:rPr lang="en-GB" sz="1500" dirty="0"/>
               <a:t>{</a:t>
             </a:r>
             <a:r>
-              <a:rPr lang="en-GB" sz="1400" dirty="0">
+              <a:rPr lang="en-GB" sz="1500" dirty="0">
                 <a:solidFill>
                   <a:schemeClr val="accent4">
                     <a:lumMod val="75000"/>
                   </a:schemeClr>
                 </a:solidFill>
               </a:rPr>
-              <a:t>figure_1</a:t>
-            </a:r>
-            <a:r>
-              <a:rPr lang="en-GB" sz="1400" dirty="0"/>
+              <a:t>amazon</a:t>
+            </a:r>
+            <a:r>
+              <a:rPr lang="en-GB" sz="1500" dirty="0"/>
               <a:t>}</a:t>
             </a:r>
             <a:r>
-              <a:rPr lang="en-GB" sz="1400" dirty="0">
+              <a:rPr lang="en-GB" sz="1500" dirty="0">
                 <a:solidFill>
                   <a:schemeClr val="tx2">
                     <a:lumMod val="50000"/>
@@ -15531,7 +15526,7 @@
               <a:t>\</a:t>
             </a:r>
             <a:r>
-              <a:rPr lang="en-GB" sz="1400" dirty="0" err="1">
+              <a:rPr lang="en-GB" sz="1500" dirty="0" err="1">
                 <a:solidFill>
                   <a:schemeClr val="tx2">
                     <a:lumMod val="50000"/>
@@ -15542,11 +15537,11 @@
               <a:t>includegraphics</a:t>
             </a:r>
             <a:r>
-              <a:rPr lang="en-GB" sz="1400" dirty="0"/>
+              <a:rPr lang="en-GB" sz="1500" dirty="0"/>
               <a:t>[width= 0.48</a:t>
             </a:r>
             <a:r>
-              <a:rPr lang="en-GB" sz="1400" dirty="0">
+              <a:rPr lang="en-GB" sz="1500" dirty="0">
                 <a:solidFill>
                   <a:schemeClr val="tx2">
                     <a:lumMod val="50000"/>
@@ -15557,7 +15552,7 @@
               <a:t>\</a:t>
             </a:r>
             <a:r>
-              <a:rPr lang="en-GB" sz="1400" dirty="0" err="1">
+              <a:rPr lang="en-GB" sz="1500" dirty="0" err="1">
                 <a:solidFill>
                   <a:schemeClr val="tx2">
                     <a:lumMod val="50000"/>
@@ -15568,11 +15563,19 @@
               <a:t>textwidth</a:t>
             </a:r>
             <a:r>
-              <a:rPr lang="en-GB" sz="1400" dirty="0"/>
-              <a:t>]{example-image-a}} </a:t>
-            </a:r>
-            <a:r>
-              <a:rPr lang="en-GB" sz="1400" dirty="0">
+              <a:rPr lang="en-GB" sz="1500" dirty="0"/>
+              <a:t>]{</a:t>
+            </a:r>
+            <a:r>
+              <a:rPr lang="en-GB" sz="1500" dirty="0" err="1"/>
+              <a:t>amazon_river</a:t>
+            </a:r>
+            <a:r>
+              <a:rPr lang="en-GB" sz="1500" dirty="0"/>
+              <a:t>}} </a:t>
+            </a:r>
+            <a:r>
+              <a:rPr lang="en-GB" sz="1500" dirty="0">
                 <a:solidFill>
                   <a:schemeClr val="tx2">
                     <a:lumMod val="50000"/>
@@ -15588,7 +15591,7 @@
               <a:buNone/>
             </a:pPr>
             <a:r>
-              <a:rPr lang="en-GB" sz="1400" dirty="0">
+              <a:rPr lang="en-GB" sz="1500" dirty="0">
                 <a:solidFill>
                   <a:schemeClr val="tx2">
                     <a:lumMod val="50000"/>
@@ -15599,7 +15602,7 @@
               <a:t>\</a:t>
             </a:r>
             <a:r>
-              <a:rPr lang="en-GB" sz="1400" dirty="0" err="1">
+              <a:rPr lang="en-GB" sz="1500" dirty="0" err="1">
                 <a:solidFill>
                   <a:schemeClr val="tx2">
                     <a:lumMod val="50000"/>
@@ -15610,11 +15613,11 @@
               <a:t>subfloat</a:t>
             </a:r>
             <a:r>
-              <a:rPr lang="en-GB" sz="1400" dirty="0"/>
-              <a:t>[The second figure]{</a:t>
-            </a:r>
-            <a:r>
-              <a:rPr lang="en-GB" sz="1400" dirty="0">
+              <a:rPr lang="en-GB" sz="1500" dirty="0"/>
+              <a:t>[Nile]{</a:t>
+            </a:r>
+            <a:r>
+              <a:rPr lang="en-GB" sz="1500" dirty="0">
                 <a:solidFill>
                   <a:schemeClr val="tx2">
                     <a:lumMod val="50000"/>
@@ -15625,25 +15628,25 @@
               <a:t>\label</a:t>
             </a:r>
             <a:r>
-              <a:rPr lang="en-GB" sz="1400" dirty="0"/>
+              <a:rPr lang="en-GB" sz="1500" dirty="0"/>
               <a:t>{</a:t>
             </a:r>
             <a:r>
-              <a:rPr lang="en-GB" sz="1400" dirty="0">
+              <a:rPr lang="en-GB" sz="1500" dirty="0" err="1">
                 <a:solidFill>
                   <a:schemeClr val="accent4">
                     <a:lumMod val="75000"/>
                   </a:schemeClr>
                 </a:solidFill>
               </a:rPr>
-              <a:t>figure_2</a:t>
-            </a:r>
-            <a:r>
-              <a:rPr lang="en-GB" sz="1400" dirty="0"/>
+              <a:t>nile</a:t>
+            </a:r>
+            <a:r>
+              <a:rPr lang="en-GB" sz="1500" dirty="0"/>
               <a:t>}</a:t>
             </a:r>
             <a:r>
-              <a:rPr lang="en-GB" sz="1400" dirty="0">
+              <a:rPr lang="en-GB" sz="1500" dirty="0">
                 <a:solidFill>
                   <a:schemeClr val="tx2">
                     <a:lumMod val="50000"/>
@@ -15654,7 +15657,7 @@
               <a:t>\</a:t>
             </a:r>
             <a:r>
-              <a:rPr lang="en-GB" sz="1400" dirty="0" err="1">
+              <a:rPr lang="en-GB" sz="1500" dirty="0" err="1">
                 <a:solidFill>
                   <a:schemeClr val="tx2">
                     <a:lumMod val="50000"/>
@@ -15665,11 +15668,11 @@
               <a:t>includegraphics</a:t>
             </a:r>
             <a:r>
-              <a:rPr lang="en-GB" sz="1400" dirty="0"/>
+              <a:rPr lang="en-GB" sz="1500" dirty="0"/>
               <a:t>[width= 0.48</a:t>
             </a:r>
             <a:r>
-              <a:rPr lang="en-GB" sz="1400" dirty="0">
+              <a:rPr lang="en-GB" sz="1500" dirty="0">
                 <a:solidFill>
                   <a:schemeClr val="tx2">
                     <a:lumMod val="50000"/>
@@ -15680,7 +15683,7 @@
               <a:t>\</a:t>
             </a:r>
             <a:r>
-              <a:rPr lang="en-GB" sz="1400" dirty="0" err="1">
+              <a:rPr lang="en-GB" sz="1500" dirty="0" err="1">
                 <a:solidFill>
                   <a:schemeClr val="tx2">
                     <a:lumMod val="50000"/>
@@ -15691,11 +15694,19 @@
               <a:t>textwidth</a:t>
             </a:r>
             <a:r>
-              <a:rPr lang="en-GB" sz="1400" dirty="0"/>
-              <a:t>]{example-image-a}} </a:t>
-            </a:r>
-            <a:r>
-              <a:rPr lang="en-GB" sz="1400" dirty="0">
+              <a:rPr lang="en-GB" sz="1500" dirty="0"/>
+              <a:t>]{</a:t>
+            </a:r>
+            <a:r>
+              <a:rPr lang="en-GB" sz="1500" dirty="0" err="1"/>
+              <a:t>nile_river</a:t>
+            </a:r>
+            <a:r>
+              <a:rPr lang="en-GB" sz="1500" dirty="0"/>
+              <a:t>}} </a:t>
+            </a:r>
+            <a:r>
+              <a:rPr lang="en-GB" sz="1500" dirty="0">
                 <a:solidFill>
                   <a:schemeClr val="accent1">
                     <a:lumMod val="60000"/>
@@ -15706,7 +15717,7 @@
               <a:t>\\</a:t>
             </a:r>
             <a:r>
-              <a:rPr lang="en-GB" sz="1400" dirty="0"/>
+              <a:rPr lang="en-GB" sz="1500" dirty="0"/>
               <a:t> </a:t>
             </a:r>
           </a:p>
@@ -15715,7 +15726,7 @@
               <a:buNone/>
             </a:pPr>
             <a:r>
-              <a:rPr lang="en-GB" sz="1400" dirty="0">
+              <a:rPr lang="en-GB" sz="1500" dirty="0">
                 <a:solidFill>
                   <a:schemeClr val="tx2">
                     <a:lumMod val="50000"/>
@@ -15726,7 +15737,7 @@
               <a:t>\</a:t>
             </a:r>
             <a:r>
-              <a:rPr lang="en-GB" sz="1400" dirty="0" err="1">
+              <a:rPr lang="en-GB" sz="1500" dirty="0" err="1">
                 <a:solidFill>
                   <a:schemeClr val="tx2">
                     <a:lumMod val="50000"/>
@@ -15737,11 +15748,11 @@
               <a:t>subfloat</a:t>
             </a:r>
             <a:r>
-              <a:rPr lang="en-GB" sz="1400" dirty="0"/>
-              <a:t>[The third figure]{</a:t>
-            </a:r>
-            <a:r>
-              <a:rPr lang="en-GB" sz="1400" dirty="0">
+              <a:rPr lang="en-GB" sz="1500" dirty="0"/>
+              <a:t>[Yangtze]{</a:t>
+            </a:r>
+            <a:r>
+              <a:rPr lang="en-GB" sz="1500" dirty="0">
                 <a:solidFill>
                   <a:schemeClr val="tx2">
                     <a:lumMod val="50000"/>
@@ -15752,25 +15763,25 @@
               <a:t>\label</a:t>
             </a:r>
             <a:r>
-              <a:rPr lang="en-GB" sz="1400" dirty="0"/>
+              <a:rPr lang="en-GB" sz="1500" dirty="0"/>
               <a:t>{</a:t>
             </a:r>
             <a:r>
-              <a:rPr lang="en-GB" sz="1400" dirty="0">
+              <a:rPr lang="en-GB" sz="1500" dirty="0" err="1">
                 <a:solidFill>
                   <a:schemeClr val="accent4">
                     <a:lumMod val="75000"/>
                   </a:schemeClr>
                 </a:solidFill>
               </a:rPr>
-              <a:t>figure_3</a:t>
-            </a:r>
-            <a:r>
-              <a:rPr lang="en-GB" sz="1400" dirty="0"/>
+              <a:t>yangtze</a:t>
+            </a:r>
+            <a:r>
+              <a:rPr lang="en-GB" sz="1500" dirty="0"/>
               <a:t>}</a:t>
             </a:r>
             <a:r>
-              <a:rPr lang="en-GB" sz="1400" dirty="0">
+              <a:rPr lang="en-GB" sz="1500" dirty="0">
                 <a:solidFill>
                   <a:schemeClr val="tx2">
                     <a:lumMod val="50000"/>
@@ -15781,7 +15792,7 @@
               <a:t>\</a:t>
             </a:r>
             <a:r>
-              <a:rPr lang="en-GB" sz="1400" dirty="0" err="1">
+              <a:rPr lang="en-GB" sz="1500" dirty="0" err="1">
                 <a:solidFill>
                   <a:schemeClr val="tx2">
                     <a:lumMod val="50000"/>
@@ -15792,11 +15803,11 @@
               <a:t>includegraphics</a:t>
             </a:r>
             <a:r>
-              <a:rPr lang="en-GB" sz="1400" dirty="0"/>
+              <a:rPr lang="en-GB" sz="1500" dirty="0"/>
               <a:t>[width= 0.48</a:t>
             </a:r>
             <a:r>
-              <a:rPr lang="en-GB" sz="1400" dirty="0">
+              <a:rPr lang="en-GB" sz="1500" dirty="0">
                 <a:solidFill>
                   <a:schemeClr val="tx2">
                     <a:lumMod val="50000"/>
@@ -15807,7 +15818,7 @@
               <a:t>\</a:t>
             </a:r>
             <a:r>
-              <a:rPr lang="en-GB" sz="1400" dirty="0" err="1">
+              <a:rPr lang="en-GB" sz="1500" dirty="0" err="1">
                 <a:solidFill>
                   <a:schemeClr val="tx2">
                     <a:lumMod val="50000"/>
@@ -15818,11 +15829,19 @@
               <a:t>textwidth</a:t>
             </a:r>
             <a:r>
-              <a:rPr lang="en-GB" sz="1400" dirty="0"/>
-              <a:t>]{example-image-a}} </a:t>
-            </a:r>
-            <a:r>
-              <a:rPr lang="en-GB" sz="1400" dirty="0">
+              <a:rPr lang="en-GB" sz="1500" dirty="0"/>
+              <a:t>]{</a:t>
+            </a:r>
+            <a:r>
+              <a:rPr lang="en-GB" sz="1500" dirty="0" err="1"/>
+              <a:t>yangtze_river</a:t>
+            </a:r>
+            <a:r>
+              <a:rPr lang="en-GB" sz="1500" dirty="0"/>
+              <a:t>}} </a:t>
+            </a:r>
+            <a:r>
+              <a:rPr lang="en-GB" sz="1500" dirty="0">
                 <a:solidFill>
                   <a:schemeClr val="tx2">
                     <a:lumMod val="50000"/>
@@ -15838,7 +15857,7 @@
               <a:buNone/>
             </a:pPr>
             <a:r>
-              <a:rPr lang="en-GB" sz="1400" dirty="0">
+              <a:rPr lang="en-GB" sz="1500" dirty="0">
                 <a:solidFill>
                   <a:schemeClr val="tx2">
                     <a:lumMod val="50000"/>
@@ -15849,7 +15868,7 @@
               <a:t>\</a:t>
             </a:r>
             <a:r>
-              <a:rPr lang="en-GB" sz="1400" dirty="0" err="1">
+              <a:rPr lang="en-GB" sz="1500" dirty="0" err="1">
                 <a:solidFill>
                   <a:schemeClr val="tx2">
                     <a:lumMod val="50000"/>
@@ -15860,11 +15879,11 @@
               <a:t>subfloat</a:t>
             </a:r>
             <a:r>
-              <a:rPr lang="en-GB" sz="1400" dirty="0"/>
-              <a:t>[The fourth figure]{</a:t>
-            </a:r>
-            <a:r>
-              <a:rPr lang="en-GB" sz="1400" dirty="0">
+              <a:rPr lang="en-GB" sz="1500" dirty="0"/>
+              <a:t>[Thames]{</a:t>
+            </a:r>
+            <a:r>
+              <a:rPr lang="en-GB" sz="1500" dirty="0">
                 <a:solidFill>
                   <a:schemeClr val="tx2">
                     <a:lumMod val="50000"/>
@@ -15875,25 +15894,25 @@
               <a:t>\label</a:t>
             </a:r>
             <a:r>
-              <a:rPr lang="en-GB" sz="1400" dirty="0"/>
+              <a:rPr lang="en-GB" sz="1500" dirty="0"/>
               <a:t>{</a:t>
             </a:r>
             <a:r>
-              <a:rPr lang="en-GB" sz="1400" dirty="0">
+              <a:rPr lang="en-GB" sz="1500" dirty="0" err="1">
                 <a:solidFill>
                   <a:schemeClr val="accent4">
                     <a:lumMod val="75000"/>
                   </a:schemeClr>
                 </a:solidFill>
               </a:rPr>
-              <a:t>figure_4</a:t>
-            </a:r>
-            <a:r>
-              <a:rPr lang="en-GB" sz="1400" dirty="0"/>
+              <a:t>thames</a:t>
+            </a:r>
+            <a:r>
+              <a:rPr lang="en-GB" sz="1500" dirty="0"/>
               <a:t>}</a:t>
             </a:r>
             <a:r>
-              <a:rPr lang="en-GB" sz="1400" dirty="0">
+              <a:rPr lang="en-GB" sz="1500" dirty="0">
                 <a:solidFill>
                   <a:schemeClr val="tx2">
                     <a:lumMod val="50000"/>
@@ -15904,7 +15923,7 @@
               <a:t>\</a:t>
             </a:r>
             <a:r>
-              <a:rPr lang="en-GB" sz="1400" dirty="0" err="1">
+              <a:rPr lang="en-GB" sz="1500" dirty="0" err="1">
                 <a:solidFill>
                   <a:schemeClr val="tx2">
                     <a:lumMod val="50000"/>
@@ -15915,11 +15934,11 @@
               <a:t>includegraphics</a:t>
             </a:r>
             <a:r>
-              <a:rPr lang="en-GB" sz="1400" dirty="0"/>
+              <a:rPr lang="en-GB" sz="1500" dirty="0"/>
               <a:t>[width= 0.48</a:t>
             </a:r>
             <a:r>
-              <a:rPr lang="en-GB" sz="1400" dirty="0">
+              <a:rPr lang="en-GB" sz="1500" dirty="0">
                 <a:solidFill>
                   <a:schemeClr val="tx2">
                     <a:lumMod val="50000"/>
@@ -15930,7 +15949,7 @@
               <a:t>\</a:t>
             </a:r>
             <a:r>
-              <a:rPr lang="en-GB" sz="1400" dirty="0" err="1">
+              <a:rPr lang="en-GB" sz="1500" dirty="0" err="1">
                 <a:solidFill>
                   <a:schemeClr val="tx2">
                     <a:lumMod val="50000"/>
@@ -15941,8 +15960,16 @@
               <a:t>textwidth</a:t>
             </a:r>
             <a:r>
-              <a:rPr lang="en-GB" sz="1400" dirty="0"/>
-              <a:t>]{example-image-a}}</a:t>
+              <a:rPr lang="en-GB" sz="1500" dirty="0"/>
+              <a:t>]{</a:t>
+            </a:r>
+            <a:r>
+              <a:rPr lang="en-GB" sz="1500" dirty="0" err="1"/>
+              <a:t>thames_river</a:t>
+            </a:r>
+            <a:r>
+              <a:rPr lang="en-GB" sz="1500" dirty="0"/>
+              <a:t>}}</a:t>
             </a:r>
           </a:p>
           <a:p>
@@ -15950,7 +15977,7 @@
               <a:buNone/>
             </a:pPr>
             <a:r>
-              <a:rPr lang="en-GB" sz="1400" dirty="0">
+              <a:rPr lang="en-GB" sz="1500" dirty="0">
                 <a:solidFill>
                   <a:schemeClr val="tx2">
                     <a:lumMod val="50000"/>
@@ -15961,11 +15988,11 @@
               <a:t>\caption</a:t>
             </a:r>
             <a:r>
-              <a:rPr lang="en-GB" sz="1400" dirty="0"/>
-              <a:t>{Some figures}</a:t>
-            </a:r>
-            <a:r>
-              <a:rPr lang="en-GB" sz="1400" dirty="0">
+              <a:rPr lang="en-GB" sz="1500" dirty="0"/>
+              <a:t>{Rivers}</a:t>
+            </a:r>
+            <a:r>
+              <a:rPr lang="en-GB" sz="1500" dirty="0">
                 <a:solidFill>
                   <a:schemeClr val="tx2">
                     <a:lumMod val="50000"/>
@@ -15976,11 +16003,11 @@
               <a:t>\label</a:t>
             </a:r>
             <a:r>
-              <a:rPr lang="en-GB" sz="1400" dirty="0"/>
+              <a:rPr lang="en-GB" sz="1500" dirty="0"/>
               <a:t>{</a:t>
             </a:r>
             <a:r>
-              <a:rPr lang="en-GB" sz="1400" dirty="0">
+              <a:rPr lang="en-GB" sz="1500" dirty="0">
                 <a:solidFill>
                   <a:schemeClr val="accent4">
                     <a:lumMod val="75000"/>
@@ -15990,7 +16017,7 @@
               <a:t>figures</a:t>
             </a:r>
             <a:r>
-              <a:rPr lang="en-GB" sz="1400" dirty="0"/>
+              <a:rPr lang="en-GB" sz="1500" dirty="0"/>
               <a:t>}</a:t>
             </a:r>
           </a:p>
@@ -15999,7 +16026,7 @@
               <a:buNone/>
             </a:pPr>
             <a:r>
-              <a:rPr lang="en-GB" sz="1400" dirty="0">
+              <a:rPr lang="en-GB" sz="1500" dirty="0">
                 <a:solidFill>
                   <a:schemeClr val="tx2">
                     <a:lumMod val="50000"/>
@@ -16010,11 +16037,11 @@
               <a:t>\end</a:t>
             </a:r>
             <a:r>
-              <a:rPr lang="en-GB" sz="1400" dirty="0"/>
+              <a:rPr lang="en-GB" sz="1500" dirty="0"/>
               <a:t>{</a:t>
             </a:r>
             <a:r>
-              <a:rPr lang="en-GB" sz="1400" dirty="0">
+              <a:rPr lang="en-GB" sz="1500" dirty="0">
                 <a:solidFill>
                   <a:schemeClr val="accent4">
                     <a:lumMod val="75000"/>
@@ -16024,7 +16051,7 @@
               <a:t>figure</a:t>
             </a:r>
             <a:r>
-              <a:rPr lang="en-GB" sz="1400" dirty="0"/>
+              <a:rPr lang="en-GB" sz="1500" dirty="0"/>
               <a:t>}</a:t>
             </a:r>
           </a:p>
@@ -16032,14 +16059,14 @@
             <a:pPr marL="0" indent="0">
               <a:buNone/>
             </a:pPr>
-            <a:endParaRPr lang="en-GB" sz="1400" dirty="0"/>
+            <a:endParaRPr lang="en-GB" sz="1500" dirty="0"/>
           </a:p>
           <a:p>
             <a:pPr marL="0" indent="0">
               <a:buNone/>
             </a:pPr>
             <a:r>
-              <a:rPr lang="en-GB" sz="1400" dirty="0">
+              <a:rPr lang="en-GB" sz="1500" dirty="0">
                 <a:solidFill>
                   <a:schemeClr val="tx2">
                     <a:lumMod val="50000"/>
@@ -16050,25 +16077,25 @@
               <a:t>\ref</a:t>
             </a:r>
             <a:r>
-              <a:rPr lang="en-GB" sz="1400" dirty="0"/>
+              <a:rPr lang="en-GB" sz="1500" dirty="0"/>
               <a:t>{</a:t>
             </a:r>
             <a:r>
-              <a:rPr lang="en-GB" sz="1400" dirty="0">
+              <a:rPr lang="en-GB" sz="1500" dirty="0" err="1">
                 <a:solidFill>
                   <a:schemeClr val="accent4">
                     <a:lumMod val="75000"/>
                   </a:schemeClr>
                 </a:solidFill>
               </a:rPr>
-              <a:t>figure_2</a:t>
-            </a:r>
-            <a:r>
-              <a:rPr lang="en-GB" sz="1400" dirty="0"/>
+              <a:t>nile</a:t>
+            </a:r>
+            <a:r>
+              <a:rPr lang="en-GB" sz="1500" dirty="0"/>
               <a:t>} is part of </a:t>
             </a:r>
             <a:r>
-              <a:rPr lang="en-GB" sz="1400" dirty="0">
+              <a:rPr lang="en-GB" sz="1500" dirty="0">
                 <a:solidFill>
                   <a:schemeClr val="tx2">
                     <a:lumMod val="50000"/>
@@ -16079,24 +16106,24 @@
               <a:t>\ref</a:t>
             </a:r>
             <a:r>
-              <a:rPr lang="en-GB" sz="1400" dirty="0"/>
+              <a:rPr lang="en-GB" sz="1500" dirty="0"/>
               <a:t>{</a:t>
             </a:r>
             <a:r>
-              <a:rPr lang="en-GB" sz="1400" dirty="0">
+              <a:rPr lang="en-GB" sz="1500" dirty="0">
                 <a:solidFill>
                   <a:schemeClr val="accent4">
                     <a:lumMod val="75000"/>
                   </a:schemeClr>
                 </a:solidFill>
               </a:rPr>
-              <a:t>figures</a:t>
-            </a:r>
-            <a:r>
-              <a:rPr lang="en-GB" sz="1400" dirty="0"/>
+              <a:t>rivers</a:t>
+            </a:r>
+            <a:r>
+              <a:rPr lang="en-GB" sz="1500" dirty="0"/>
               <a:t>}.</a:t>
             </a:r>
-            <a:endParaRPr lang="en-GB" sz="1400" dirty="0">
+            <a:endParaRPr lang="en-GB" sz="1500" dirty="0">
               <a:solidFill>
                 <a:schemeClr val="tx2">
                   <a:lumMod val="50000"/>
@@ -16143,12 +16170,51 @@
           </a:fontRef>
         </p:style>
       </p:cxnSp>
+      <p:sp>
+        <p:nvSpPr>
+          <p:cNvPr id="6" name="TextBox 5">
+            <a:extLst>
+              <a:ext uri="{FF2B5EF4-FFF2-40B4-BE49-F238E27FC236}">
+                <a16:creationId xmlns:a16="http://schemas.microsoft.com/office/drawing/2014/main" id="{CF904172-DE3A-4AA5-B8AB-6E4C4800BE33}"/>
+              </a:ext>
+            </a:extLst>
+          </p:cNvPr>
+          <p:cNvSpPr txBox="1"/>
+          <p:nvPr/>
+        </p:nvSpPr>
+        <p:spPr>
+          <a:xfrm>
+            <a:off x="7357241" y="6498021"/>
+            <a:ext cx="1697422" cy="369332"/>
+          </a:xfrm>
+          <a:prstGeom prst="rect">
+            <a:avLst/>
+          </a:prstGeom>
+          <a:noFill/>
+        </p:spPr>
+        <p:txBody>
+          <a:bodyPr wrap="square" rtlCol="0">
+            <a:spAutoFit/>
+          </a:bodyPr>
+          <a:lstStyle/>
+          <a:p>
+            <a:r>
+              <a:rPr lang="en-GB" dirty="0">
+                <a:solidFill>
+                  <a:schemeClr val="accent2"/>
+                </a:solidFill>
+              </a:rPr>
+              <a:t>Problem Sheet</a:t>
+            </a:r>
+          </a:p>
+        </p:txBody>
+      </p:sp>
       <p:pic>
         <p:nvPicPr>
-          <p:cNvPr id="14" name="Picture 13">
+          <p:cNvPr id="5" name="Picture 4">
             <a:extLst>
               <a:ext uri="{FF2B5EF4-FFF2-40B4-BE49-F238E27FC236}">
-                <a16:creationId xmlns:a16="http://schemas.microsoft.com/office/drawing/2014/main" id="{70711CC9-D756-4B86-B22D-8651D4DB96E1}"/>
+                <a16:creationId xmlns:a16="http://schemas.microsoft.com/office/drawing/2014/main" id="{F2D45D91-E6CA-4D5E-A74D-DEE021FF3D41}"/>
               </a:ext>
             </a:extLst>
           </p:cNvPr>
@@ -16165,53 +16231,14 @@
         </p:blipFill>
         <p:spPr>
           <a:xfrm>
-            <a:off x="4692692" y="1619774"/>
-            <a:ext cx="4331752" cy="4527464"/>
+            <a:off x="4698021" y="1927386"/>
+            <a:ext cx="4206304" cy="3979771"/>
           </a:xfrm>
           <a:prstGeom prst="rect">
             <a:avLst/>
           </a:prstGeom>
         </p:spPr>
       </p:pic>
-      <p:sp>
-        <p:nvSpPr>
-          <p:cNvPr id="6" name="TextBox 5">
-            <a:extLst>
-              <a:ext uri="{FF2B5EF4-FFF2-40B4-BE49-F238E27FC236}">
-                <a16:creationId xmlns:a16="http://schemas.microsoft.com/office/drawing/2014/main" id="{CF904172-DE3A-4AA5-B8AB-6E4C4800BE33}"/>
-              </a:ext>
-            </a:extLst>
-          </p:cNvPr>
-          <p:cNvSpPr txBox="1"/>
-          <p:nvPr/>
-        </p:nvSpPr>
-        <p:spPr>
-          <a:xfrm>
-            <a:off x="7357241" y="6498021"/>
-            <a:ext cx="1697422" cy="369332"/>
-          </a:xfrm>
-          <a:prstGeom prst="rect">
-            <a:avLst/>
-          </a:prstGeom>
-          <a:noFill/>
-        </p:spPr>
-        <p:txBody>
-          <a:bodyPr wrap="square" rtlCol="0">
-            <a:spAutoFit/>
-          </a:bodyPr>
-          <a:lstStyle/>
-          <a:p>
-            <a:r>
-              <a:rPr lang="en-GB" dirty="0">
-                <a:solidFill>
-                  <a:schemeClr val="accent2"/>
-                </a:solidFill>
-              </a:rPr>
-              <a:t>Problem Sheet</a:t>
-            </a:r>
-          </a:p>
-        </p:txBody>
-      </p:sp>
     </p:spTree>
     <p:extLst>
       <p:ext uri="{BB962C8B-B14F-4D97-AF65-F5344CB8AC3E}">
@@ -16653,7 +16680,22 @@
             </a:r>
             <a:r>
               <a:rPr lang="en-GB" sz="2400" dirty="0"/>
-              <a:t>{\diff}[2]  {</a:t>
+              <a:t>{</a:t>
+            </a:r>
+            <a:r>
+              <a:rPr lang="en-GB" sz="2400" dirty="0">
+                <a:solidFill>
+                  <a:schemeClr val="tx2">
+                    <a:lumMod val="50000"/>
+                    <a:lumOff val="50000"/>
+                  </a:schemeClr>
+                </a:solidFill>
+              </a:rPr>
+              <a:t>\diff</a:t>
+            </a:r>
+            <a:r>
+              <a:rPr lang="en-GB" sz="2400" dirty="0"/>
+              <a:t>}[2]  {</a:t>
             </a:r>
             <a:r>
               <a:rPr lang="en-GB" sz="2400" dirty="0">
@@ -17169,7 +17211,7 @@
                     </a:schemeClr>
                   </a:solidFill>
                 </a:rPr>
-                <a:t>thor_2011</a:t>
+                <a:t>Thor_2011</a:t>
               </a:r>
               <a:r>
                 <a:rPr lang="en-GB" sz="2000" dirty="0"/>
@@ -17757,7 +17799,7 @@
                     </a:schemeClr>
                   </a:solidFill>
                 </a:rPr>
-                <a:t>thor_2011</a:t>
+                <a:t>Thor_2011</a:t>
               </a:r>
               <a:r>
                 <a:rPr lang="en-GB" sz="2400" dirty="0"/>
@@ -17808,7 +17850,7 @@
                     </a:schemeClr>
                   </a:solidFill>
                 </a:rPr>
-                <a:t>rowling_1997</a:t>
+                <a:t>Rowling_1997</a:t>
               </a:r>
               <a:r>
                 <a:rPr lang="en-GB" sz="2400" dirty="0"/>
@@ -18556,7 +18598,7 @@
                   </a:schemeClr>
                 </a:solidFill>
               </a:rPr>
-              <a:t>thor_2011, Rowling_1997</a:t>
+              <a:t>Thor_2011, Rowling_1997</a:t>
             </a:r>
             <a:r>
               <a:rPr lang="en-GB" sz="2000" dirty="0"/>
@@ -18658,7 +18700,7 @@
                   </a:schemeClr>
                 </a:solidFill>
               </a:rPr>
-              <a:t>thor_2011, Rowling_1997</a:t>
+              <a:t>Thor_2011, Rowling_1997</a:t>
             </a:r>
             <a:r>
               <a:rPr lang="en-GB" sz="2000" dirty="0"/>

--- a/Writing Theses in Latex Slides.pptx
+++ b/Writing Theses in Latex Slides.pptx
@@ -15804,7 +15804,7 @@
             </a:r>
             <a:r>
               <a:rPr lang="en-GB" sz="1500" dirty="0"/>
-              <a:t>[width= 0.48</a:t>
+              <a:t>[width= 0.52</a:t>
             </a:r>
             <a:r>
               <a:rPr lang="en-GB" sz="1500" dirty="0">
@@ -15935,7 +15935,7 @@
             </a:r>
             <a:r>
               <a:rPr lang="en-GB" sz="1500" dirty="0"/>
-              <a:t>[width= 0.48</a:t>
+              <a:t>[width= 0.44</a:t>
             </a:r>
             <a:r>
               <a:rPr lang="en-GB" sz="1500" dirty="0">

--- a/Writing Theses in Latex Slides.pptx
+++ b/Writing Theses in Latex Slides.pptx
@@ -3405,7 +3405,7 @@
             </a:r>
             <a:r>
               <a:rPr lang="en-GB" dirty="0"/>
-              <a:t>” command). In this case, we’ve asked for each figure to be just under half of the width of the text. Within the curly brackets following the “\</a:t>
+              <a:t>” command). In this case, we’ve asked for each figure to be around half of the width of the text (there’s some variation due to the aspect ratio of each image). Within the curly brackets following the “\</a:t>
             </a:r>
             <a:r>
               <a:rPr lang="en-GB" dirty="0" err="1"/>
@@ -3413,7 +3413,11 @@
             </a:r>
             <a:r>
               <a:rPr lang="en-GB" dirty="0"/>
-              <a:t>” command we also give each individual subfigure a label so we can reference it later. </a:t>
+              <a:t>” command we also give each individual subfigure a label so we can reference it </a:t>
+            </a:r>
+            <a:r>
+              <a:rPr lang="en-GB"/>
+              <a:t>later.</a:t>
             </a:r>
             <a:br>
               <a:rPr lang="en-GB" dirty="0"/>

--- a/Writing Theses in Latex Slides.pptx
+++ b/Writing Theses in Latex Slides.pptx
@@ -24,9 +24,9 @@
     <p:sldId id="300" r:id="rId12"/>
     <p:sldId id="303" r:id="rId13"/>
     <p:sldId id="304" r:id="rId14"/>
-    <p:sldId id="305" r:id="rId15"/>
-    <p:sldId id="306" r:id="rId16"/>
-    <p:sldId id="307" r:id="rId17"/>
+    <p:sldId id="307" r:id="rId15"/>
+    <p:sldId id="305" r:id="rId16"/>
+    <p:sldId id="306" r:id="rId17"/>
     <p:sldId id="308" r:id="rId18"/>
     <p:sldId id="309" r:id="rId19"/>
     <p:sldId id="310" r:id="rId20"/>
@@ -168,9 +168,9 @@
             <p14:sldId id="300"/>
             <p14:sldId id="303"/>
             <p14:sldId id="304"/>
+            <p14:sldId id="307"/>
             <p14:sldId id="305"/>
             <p14:sldId id="306"/>
-            <p14:sldId id="307"/>
             <p14:sldId id="308"/>
             <p14:sldId id="309"/>
             <p14:sldId id="310"/>
@@ -470,7 +470,7 @@
           <a:p>
             <a:fld id="{88EB714B-C3CC-4216-88C1-02913905B1CF}" type="datetimeFigureOut">
               <a:rPr lang="en-GB" smtClean="0"/>
-              <a:t>17/11/2020</a:t>
+              <a:t>16/02/2021</a:t>
             </a:fld>
             <a:endParaRPr lang="en-GB"/>
           </a:p>
@@ -987,6 +987,17 @@
               <a:t>The first part of the workshop focuses on the requirements which Imperial College sets out on your thesis and how to achieve them using LaTeX. The second half focuses on using some intermediate and advanced features of LaTeX which you might find useful in making your thesis as attractive and easy to make as possible.</a:t>
             </a:r>
           </a:p>
+          <a:p>
+            <a:pPr eaLnBrk="1" hangingPunct="1"/>
+            <a:endParaRPr lang="en-GB" altLang="en-US" dirty="0"/>
+          </a:p>
+          <a:p>
+            <a:pPr eaLnBrk="1" hangingPunct="1"/>
+            <a:r>
+              <a:rPr lang="en-GB" altLang="en-US" dirty="0"/>
+              <a:t>Note that this course does not aim to give you any guidance on how to write your thesis but, instead, focuses on how to format your document in LaTeX.</a:t>
+            </a:r>
+          </a:p>
         </p:txBody>
       </p:sp>
     </p:spTree>
@@ -1220,7 +1231,55 @@
           <a:p>
             <a:r>
               <a:rPr lang="en-GB" dirty="0"/>
-              <a:t>By using the geometry package we’re able to use the geometry command later in the preamble. We may provide a number of arguments to set up the page in different ways. Here, we simply say we want the margin to be 2cm on left, right, top and bottom. The package is capable of much more, including setting margins individually.</a:t>
+              <a:t>In this example, we use the </a:t>
+            </a:r>
+            <a:r>
+              <a:rPr lang="en-GB" dirty="0" err="1"/>
+              <a:t>setspace</a:t>
+            </a:r>
+            <a:r>
+              <a:rPr lang="en-GB" dirty="0"/>
+              <a:t> package and set the line-spacing to double-spaced using the </a:t>
+            </a:r>
+            <a:r>
+              <a:rPr lang="en-GB" dirty="0" err="1"/>
+              <a:t>linespread</a:t>
+            </a:r>
+            <a:r>
+              <a:rPr lang="en-GB" dirty="0"/>
+              <a:t> command. In the main section of the document, the first </a:t>
+            </a:r>
+            <a:r>
+              <a:rPr lang="en-GB" dirty="0" err="1"/>
+              <a:t>blindtext</a:t>
+            </a:r>
+            <a:r>
+              <a:rPr lang="en-GB" dirty="0"/>
+              <a:t> command produces double-spaced text. The second </a:t>
+            </a:r>
+            <a:r>
+              <a:rPr lang="en-GB" dirty="0" err="1"/>
+              <a:t>blindtext</a:t>
+            </a:r>
+            <a:r>
+              <a:rPr lang="en-GB" dirty="0"/>
+              <a:t> command is within a footnote and so is single-spaced at the bottom of the page. The third </a:t>
+            </a:r>
+            <a:r>
+              <a:rPr lang="en-GB" dirty="0" err="1"/>
+              <a:t>blindtext</a:t>
+            </a:r>
+            <a:r>
+              <a:rPr lang="en-GB" dirty="0"/>
+              <a:t> command is within the </a:t>
+            </a:r>
+            <a:r>
+              <a:rPr lang="en-GB" dirty="0" err="1"/>
+              <a:t>singlespace</a:t>
+            </a:r>
+            <a:r>
+              <a:rPr lang="en-GB" dirty="0"/>
+              <a:t> environment and so is single-spaced.</a:t>
             </a:r>
           </a:p>
           <a:p>
@@ -1325,7 +1384,7 @@
           <a:p>
             <a:r>
               <a:rPr lang="en-GB" dirty="0"/>
-              <a:t>By using the geometry package we’re able to use the geometry command later in the preamble. We may provide a number of arguments to set up the page in different ways. Here, we simply say we want the margin to be 2cm on left, right, top and bottom. The package is capable of much more, including setting margins individually.</a:t>
+              <a:t>Due to branding reasons, use of the Imperial crest is not allowed outside a limited range of uses and is not allowed on your thesis cover. However, you are allowed to use the Imperial College logo if you wish.</a:t>
             </a:r>
           </a:p>
           <a:p>
@@ -1334,7 +1393,7 @@
           <a:p>
             <a:r>
               <a:rPr lang="en-GB" dirty="0"/>
-              <a:t>Break for section 2 of Task Sheet.</a:t>
+              <a:t>Your thesis cover must contain the officially approved title of your thesis, your full name, the name “Imperial College” and the name of your department and the name of the degree you are submitting your thesis for. Your title page must also contain a page number. This causes a problem if you would normally use the “titlepage” construct in LaTeX as this specifically removes the page number from the page. There are a couple of ways around this. On the next slide, you will see the one of the simplest ones.</a:t>
             </a:r>
           </a:p>
         </p:txBody>
@@ -1421,7 +1480,41 @@
           <a:p>
             <a:r>
               <a:rPr lang="en-GB" dirty="0"/>
-              <a:t>Here we’ve used some features of LaTeX you probably know and some that might be new to you to create a title page. The include graphics command allows us to include the Imperial College logo. The “\</a:t>
+              <a:t>Here we’ve used some features of LaTeX you probably know and some that might be new to you to create a title page. This is on a normal page which is ended with the “\</a:t>
+            </a:r>
+            <a:r>
+              <a:rPr lang="en-GB" dirty="0" err="1"/>
+              <a:t>clearpage</a:t>
+            </a:r>
+            <a:r>
+              <a:rPr lang="en-GB" dirty="0"/>
+              <a:t>” command.</a:t>
+            </a:r>
+          </a:p>
+          <a:p>
+            <a:endParaRPr lang="en-GB" dirty="0"/>
+          </a:p>
+          <a:p>
+            <a:r>
+              <a:rPr lang="en-GB" dirty="0"/>
+              <a:t>The include graphics command allows us to include the Imperial College logo. Remember you will need to upload this to Overleaf or, if you’re using a compiler on your machine, place a corresponding image file in the same directory as your </a:t>
+            </a:r>
+            <a:r>
+              <a:rPr lang="en-GB" dirty="0" err="1"/>
+              <a:t>tex</a:t>
+            </a:r>
+            <a:r>
+              <a:rPr lang="en-GB" dirty="0"/>
+              <a:t> file.</a:t>
+            </a:r>
+          </a:p>
+          <a:p>
+            <a:endParaRPr lang="en-GB" dirty="0"/>
+          </a:p>
+          <a:p>
+            <a:r>
+              <a:rPr lang="en-GB" dirty="0"/>
+              <a:t>The “\</a:t>
             </a:r>
             <a:r>
               <a:rPr lang="en-GB" dirty="0" err="1"/>
@@ -1429,7 +1522,7 @@
             </a:r>
             <a:r>
               <a:rPr lang="en-GB" dirty="0"/>
-              <a:t>” command at the beginning and end of the page inserts vertical space which LaTeX will stretch to fill the vertical space. The “</a:t>
+              <a:t>” commands at the beginning and end of the page equally split any remaining vertical space after the rest of the page has been typeset. The “</a:t>
             </a:r>
             <a:r>
               <a:rPr lang="en-GB" dirty="0" err="1"/>
@@ -1621,7 +1714,7 @@
     </p:spTree>
     <p:extLst>
       <p:ext uri="{BB962C8B-B14F-4D97-AF65-F5344CB8AC3E}">
-        <p14:creationId xmlns:p14="http://schemas.microsoft.com/office/powerpoint/2010/main" val="3923964578"/>
+        <p14:creationId xmlns:p14="http://schemas.microsoft.com/office/powerpoint/2010/main" val="2825737762"/>
       </p:ext>
     </p:extLst>
   </p:cSld>
@@ -1675,7 +1768,10 @@
           <a:bodyPr/>
           <a:lstStyle/>
           <a:p>
-            <a:endParaRPr lang="en-GB" dirty="0"/>
+            <a:r>
+              <a:rPr lang="en-GB" dirty="0"/>
+              <a:t>Many things are required to be “at the beginning of your thesis” in the checklist. I’ve laid them out here in what I think is a sensible order.</a:t>
+            </a:r>
           </a:p>
         </p:txBody>
       </p:sp>
@@ -1705,7 +1801,7 @@
     </p:spTree>
     <p:extLst>
       <p:ext uri="{BB962C8B-B14F-4D97-AF65-F5344CB8AC3E}">
-        <p14:creationId xmlns:p14="http://schemas.microsoft.com/office/powerpoint/2010/main" val="3421625011"/>
+        <p14:creationId xmlns:p14="http://schemas.microsoft.com/office/powerpoint/2010/main" val="3923964578"/>
       </p:ext>
     </p:extLst>
   </p:cSld>
@@ -1789,7 +1885,7 @@
     </p:spTree>
     <p:extLst>
       <p:ext uri="{BB962C8B-B14F-4D97-AF65-F5344CB8AC3E}">
-        <p14:creationId xmlns:p14="http://schemas.microsoft.com/office/powerpoint/2010/main" val="2825737762"/>
+        <p14:creationId xmlns:p14="http://schemas.microsoft.com/office/powerpoint/2010/main" val="3421625011"/>
       </p:ext>
     </p:extLst>
   </p:cSld>
@@ -1845,7 +1941,7 @@
           <a:p>
             <a:r>
               <a:rPr lang="en-GB" dirty="0"/>
-              <a:t>Here we insert the Declaration of Originality, Copyright Statement and Abstract. The easiest way to do this is using the chapter command, which gives each a nice heading and puts it on its own page. The “*” after the chapter command tells LaTeX not to number this chapter or include it in tables of contents.</a:t>
+              <a:t>Here we insert the Abstract, Statement of Originality, Copyright Statement and Abstract. The easiest way to do this is using the chapter command, which gives each a nice heading and puts it on its own page. The “*” after the chapter command tells LaTeX not to number this chapter or include it in tables of contents.</a:t>
             </a:r>
           </a:p>
           <a:p>
@@ -2238,7 +2334,7 @@
             </a:r>
             <a:r>
               <a:rPr lang="en-GB" dirty="0"/>
-              <a:t>” commands you can insert a list of figures and list of tables respectively. Note that figures and tables are numbers are labelled “X.Y” where “X” is the chapter number and “Y” is the number of the figure/table in that chapter. The lists also slightly group figures and tables by chapter. </a:t>
+              <a:t>” commands you can insert a list of figures and list of tables respectively. Note that figures and tables are numbers are labelled “X.Y” where “X” is the chapter number and “Y” is the number of the figure/table in that chapter. The lists also slightly groups figures and tables by chapter. </a:t>
             </a:r>
           </a:p>
           <a:p>
@@ -2334,23 +2430,23 @@
           <a:p>
             <a:r>
               <a:rPr lang="en-GB" dirty="0"/>
-              <a:t>By using the “\</a:t>
+              <a:t>By default, the table of contents contains sections numbered to three levels deep (i.e. 1.2.3), but we can change this value using the </a:t>
             </a:r>
             <a:r>
               <a:rPr lang="en-GB" dirty="0" err="1"/>
-              <a:t>listoffigures</a:t>
-            </a:r>
-            <a:r>
-              <a:rPr lang="en-GB" dirty="0"/>
-              <a:t>” and “\</a:t>
+              <a:t>setcounter</a:t>
+            </a:r>
+            <a:r>
+              <a:rPr lang="en-GB" dirty="0"/>
+              <a:t> command. By following this with “</a:t>
             </a:r>
             <a:r>
               <a:rPr lang="en-GB" dirty="0" err="1"/>
-              <a:t>listoftables</a:t>
-            </a:r>
-            <a:r>
-              <a:rPr lang="en-GB" dirty="0"/>
-              <a:t>” commands you can insert a list of figures and list of tables respectively. Note that figures and tables are numbers are labelled “X.Y” where “X” is the chapter number and “Y” is the number of the figure/table in that chapter. The lists also slightly group figures and tables by chapter.</a:t>
+              <a:t>tocdepth</a:t>
+            </a:r>
+            <a:r>
+              <a:rPr lang="en-GB" dirty="0"/>
+              <a:t>” in curly brackets, this change a value that LaTeX uses when working out how to set out the table of contents. By setting this value to 0, we cause LaTeX to only display chapters in the contents. Setting it to 1 causes chapters and sections to be displayed and so on. This can be used to increase or decrease the amount of information contained in the contents.</a:t>
             </a:r>
             <a:br>
               <a:rPr lang="en-GB" dirty="0"/>
@@ -2574,19 +2670,6 @@
             <a:br>
               <a:rPr lang="en-GB" dirty="0"/>
             </a:br>
-            <a:br>
-              <a:rPr lang="en-GB" dirty="0"/>
-            </a:br>
-            <a:r>
-              <a:rPr lang="en-GB" dirty="0"/>
-              <a:t>Note that here we’ve used the filename “</a:t>
-            </a:r>
-            <a:r>
-              <a:rPr lang="en-GB" sz="1200" dirty="0"/>
-              <a:t>example-image-a”. This will use a default image to display. This can be useful for typesetting a document without having images to use. Your pdf will also compile quicker than if an external image is used.</a:t>
-            </a:r>
-          </a:p>
-          <a:p>
             <a:endParaRPr lang="en-GB" sz="1200" dirty="0"/>
           </a:p>
           <a:p>
@@ -2728,15 +2811,7 @@
             </a:r>
             <a:r>
               <a:rPr lang="en-GB" dirty="0"/>
-              <a:t> files. This has the side benefit that you can re-use some </a:t>
-            </a:r>
-            <a:r>
-              <a:rPr lang="en-GB" dirty="0" err="1"/>
-              <a:t>fo</a:t>
-            </a:r>
-            <a:r>
-              <a:rPr lang="en-GB" dirty="0"/>
-              <a:t> these files in other documents. For example, you could use the same file containing your preamble in several LaTeX documents.</a:t>
+              <a:t> files. This has the side benefit that you can re-use some of these files in other documents. For example, you could use the same file containing your preamble in several LaTeX documents.</a:t>
             </a:r>
           </a:p>
         </p:txBody>
@@ -3026,12 +3101,6 @@
             <a:endParaRPr lang="en-GB" dirty="0"/>
           </a:p>
           <a:p>
-            <a:endParaRPr lang="en-GB" dirty="0"/>
-          </a:p>
-          <a:p>
-            <a:endParaRPr lang="en-GB" dirty="0"/>
-          </a:p>
-          <a:p>
             <a:r>
               <a:rPr lang="en-GB" dirty="0"/>
               <a:t>Break for section 6 of Task Sheet</a:t>
@@ -3413,11 +3482,7 @@
             </a:r>
             <a:r>
               <a:rPr lang="en-GB" dirty="0"/>
-              <a:t>” command we also give each individual subfigure a label so we can reference it </a:t>
-            </a:r>
-            <a:r>
-              <a:rPr lang="en-GB"/>
-              <a:t>later.</a:t>
+              <a:t>” command we also give each individual subfigure a label so we can reference it later.</a:t>
             </a:r>
             <a:br>
               <a:rPr lang="en-GB" dirty="0"/>
@@ -3542,7 +3607,7 @@
           <a:p>
             <a:r>
               <a:rPr lang="en-GB" dirty="0"/>
-              <a:t>Overleaf is the online environment which we’ll be using to create and compile your LaTeX documents. College has a subscription to it so, if you sign up with your college email address, you can get the pro-version. You should have already signed up, made an account and compiled a pdf as indicated in the pre-course instructions.</a:t>
+              <a:t>Overleaf is the online environment which we’ll be using to create and compile your LaTeX documents. College has a subscription to it so, if you sign up with your college email address, you can get the pro-version. You should have already made an account as indicated in the pre-course instructions.</a:t>
             </a:r>
             <a:br>
               <a:rPr lang="en-GB" dirty="0"/>
@@ -3560,7 +3625,7 @@
             </a:r>
             <a:r>
               <a:rPr lang="en-GB" dirty="0"/>
-              <a:t> which can allow you carry on working on your documents offline using an offline editor.</a:t>
+              <a:t> which can allow you carry on working on your documents offline using an offline editor. Overleaf also has an integrated “review system” which might allow your supervisor to review your thesis in the same place that you’re writing it, saving a lot of flipping between documents.</a:t>
             </a:r>
             <a:br>
               <a:rPr lang="en-GB" dirty="0"/>
@@ -3665,7 +3730,7 @@
             </a:r>
             <a:r>
               <a:rPr lang="en-GB" dirty="0"/>
-              <a:t>” command to define a new command. This is a little like defining a macro or a function. “\</a:t>
+              <a:t>” command to define a new command. This is a little like defining a macro or a function in other programs or languages. “\</a:t>
             </a:r>
             <a:r>
               <a:rPr lang="en-GB" dirty="0" err="1"/>
@@ -3842,7 +3907,7 @@
             </a:r>
             <a:r>
               <a:rPr lang="en-GB" dirty="0"/>
-              <a:t> allow for your database of references to be exported as a “.bib” file. This is essentially a database of your references that LaTeX can interact with directly. This means you only need to enter your reference details once in your reference manager and it will feed through to your LaTeX documents including your thesis. If you combine this with the automatic population of fields in your reference manager you will never need to manually write the author of a reference again. This saves a lot of time and effort you can better spend elsewhere.</a:t>
+              <a:t> allow for your database of references to be exported as a “.bib” file. This is essentially a database of your references that LaTeX can interact with directly. This means you only need to enter your reference details once in your reference manager and it will feed through to your LaTeX documents including your thesis. If you combine this with the automatic population of fields in your reference manager you will never need to manually write out the details of a reference again. This saves a lot of time and effort you can better spend elsewhere.</a:t>
             </a:r>
           </a:p>
         </p:txBody>
@@ -4378,15 +4443,7 @@
             </a:r>
             <a:r>
               <a:rPr lang="en-GB" dirty="0"/>
-              <a:t>” command, </a:t>
-            </a:r>
-            <a:r>
-              <a:rPr lang="en-GB" dirty="0" err="1"/>
-              <a:t>seaparating</a:t>
-            </a:r>
-            <a:r>
-              <a:rPr lang="en-GB" dirty="0"/>
-              <a:t> them with commas. You can also provide additional details, such a referencing a chapter number by including them in square brackets between the “cite” command and the curly brackets.</a:t>
+              <a:t>” command, separating them with commas. You can also provide additional details, such a referencing a chapter number by including them in square brackets between the “cite” command and the curly brackets.</a:t>
             </a:r>
           </a:p>
           <a:p>
@@ -5007,6 +5064,31 @@
               <a:t>In addition, as figures are updates every time the thesis is recompiled, you can make changes to these figures and these will automatically be picked up in the new pdf version of the thesis – you don’t need to replace them manually.</a:t>
             </a:r>
           </a:p>
+          <a:p>
+            <a:endParaRPr lang="en-GB" dirty="0"/>
+          </a:p>
+          <a:p>
+            <a:r>
+              <a:rPr lang="en-GB" dirty="0"/>
+              <a:t>Finally, </a:t>
+            </a:r>
+            <a:r>
+              <a:rPr lang="en-GB" dirty="0" err="1"/>
+              <a:t>tex</a:t>
+            </a:r>
+            <a:r>
+              <a:rPr lang="en-GB" dirty="0"/>
+              <a:t> and bib files are stored in plain text, which is a very plain file format. As a result, they are less prone to corruption than files like Microsoft Word as they do not have their own formatting information that might not be compatible with a future release of a piece of software. This is particularly important when writing a long, important document over many years like a thesis. In addition, the use of plain text makes these files more amenable to “</a:t>
+            </a:r>
+            <a:r>
+              <a:rPr lang="en-GB" dirty="0" err="1"/>
+              <a:t>diff”ing</a:t>
+            </a:r>
+            <a:r>
+              <a:rPr lang="en-GB" dirty="0"/>
+              <a:t> if you’re using version control. If you don’t know what that means, don’t worry as it’s not the most important benefit.</a:t>
+            </a:r>
+          </a:p>
         </p:txBody>
       </p:sp>
       <p:sp>
@@ -5522,7 +5604,7 @@
           <a:p>
             <a:r>
               <a:rPr lang="en-GB" dirty="0"/>
-              <a:t>You’re obliged to use A4 paper in your thesis and are recommended to use double-sided pages for larger theses (which will apply to most of you). The differences between single-sided and double sided documents mainly affects certain types of headers and footers, such as whether page numbers are always on the top right or appear on the “outside” corner of a page, etc.</a:t>
+              <a:t>You’re will probably want to use A4 paper in your thesis and are recommended to use double-sided pages for larger theses (which will apply to most of you). The differences between single-sided and double sided documents mainly affects certain types of headers and footers, such as whether page numbers are always on the top right or appear on the “outside” corner of a page, etc.</a:t>
             </a:r>
           </a:p>
         </p:txBody>
@@ -5659,10 +5741,12 @@
             </a:r>
             <a:r>
               <a:rPr lang="en-GB" dirty="0"/>
-              <a:t>[X]” command to insert “X” copies of the “lorem ipsum…” nonsense text to check how your page looks. If you don’t have this package already installed, you may need to install it.</a:t>
-            </a:r>
-          </a:p>
-          <a:p>
+              <a:t>[X]” command to insert “X” copies of the “lorem ipsum…” nonsense text to check how your page </a:t>
+            </a:r>
+            <a:r>
+              <a:rPr lang="en-GB"/>
+              <a:t>looks.</a:t>
+            </a:r>
             <a:endParaRPr lang="en-GB" dirty="0"/>
           </a:p>
         </p:txBody>
@@ -6264,7 +6348,7 @@
           <a:p>
             <a:fld id="{EB0080F8-EA1C-491D-963C-2C881B2F918F}" type="datetimeFigureOut">
               <a:rPr lang="en-GB" smtClean="0"/>
-              <a:t>17/11/2020</a:t>
+              <a:t>16/02/2021</a:t>
             </a:fld>
             <a:endParaRPr lang="en-GB"/>
           </a:p>
@@ -6414,7 +6498,7 @@
           <a:p>
             <a:fld id="{EB0080F8-EA1C-491D-963C-2C881B2F918F}" type="datetimeFigureOut">
               <a:rPr lang="en-GB" smtClean="0"/>
-              <a:t>17/11/2020</a:t>
+              <a:t>16/02/2021</a:t>
             </a:fld>
             <a:endParaRPr lang="en-GB"/>
           </a:p>
@@ -7947,7 +8031,7 @@
           <a:p>
             <a:fld id="{EB0080F8-EA1C-491D-963C-2C881B2F918F}" type="datetimeFigureOut">
               <a:rPr lang="en-GB" smtClean="0"/>
-              <a:t>17/11/2020</a:t>
+              <a:t>16/02/2021</a:t>
             </a:fld>
             <a:endParaRPr lang="en-GB"/>
           </a:p>
@@ -8691,7 +8775,7 @@
         </p:spPr>
         <p:txBody>
           <a:bodyPr>
-            <a:normAutofit/>
+            <a:normAutofit lnSpcReduction="10000"/>
           </a:bodyPr>
           <a:lstStyle/>
           <a:p>
@@ -8842,14 +8926,47 @@
               </a:rPr>
               <a:t>blindtext</a:t>
             </a:r>
-            <a:endParaRPr lang="en-GB" sz="2400" dirty="0">
-              <a:solidFill>
-                <a:schemeClr val="tx2">
-                  <a:lumMod val="50000"/>
-                  <a:lumOff val="50000"/>
-                </a:schemeClr>
-              </a:solidFill>
-            </a:endParaRPr>
+            <a:r>
+              <a:rPr lang="en-GB" sz="2400" dirty="0">
+                <a:solidFill>
+                  <a:schemeClr val="tx2">
+                    <a:lumMod val="50000"/>
+                    <a:lumOff val="50000"/>
+                  </a:schemeClr>
+                </a:solidFill>
+              </a:rPr>
+              <a:t>\footnote</a:t>
+            </a:r>
+            <a:r>
+              <a:rPr lang="en-GB" sz="2400" dirty="0"/>
+              <a:t>{</a:t>
+            </a:r>
+            <a:r>
+              <a:rPr lang="en-GB" sz="2400" dirty="0">
+                <a:solidFill>
+                  <a:schemeClr val="tx2">
+                    <a:lumMod val="50000"/>
+                    <a:lumOff val="50000"/>
+                  </a:schemeClr>
+                </a:solidFill>
+              </a:rPr>
+              <a:t>\</a:t>
+            </a:r>
+            <a:r>
+              <a:rPr lang="en-GB" sz="2400" dirty="0" err="1">
+                <a:solidFill>
+                  <a:schemeClr val="tx2">
+                    <a:lumMod val="50000"/>
+                    <a:lumOff val="50000"/>
+                  </a:schemeClr>
+                </a:solidFill>
+              </a:rPr>
+              <a:t>blindtext</a:t>
+            </a:r>
+            <a:r>
+              <a:rPr lang="en-GB" sz="2400" dirty="0"/>
+              <a:t>}</a:t>
+            </a:r>
           </a:p>
           <a:p>
             <a:pPr marL="0" indent="0">
@@ -8998,12 +9115,51 @@
           </a:fontRef>
         </p:style>
       </p:cxnSp>
+      <p:sp>
+        <p:nvSpPr>
+          <p:cNvPr id="7" name="TextBox 6">
+            <a:extLst>
+              <a:ext uri="{FF2B5EF4-FFF2-40B4-BE49-F238E27FC236}">
+                <a16:creationId xmlns:a16="http://schemas.microsoft.com/office/drawing/2014/main" id="{75F34A1E-662A-4794-95B7-05097EF90B68}"/>
+              </a:ext>
+            </a:extLst>
+          </p:cNvPr>
+          <p:cNvSpPr txBox="1"/>
+          <p:nvPr/>
+        </p:nvSpPr>
+        <p:spPr>
+          <a:xfrm>
+            <a:off x="7357241" y="6498021"/>
+            <a:ext cx="1697422" cy="369332"/>
+          </a:xfrm>
+          <a:prstGeom prst="rect">
+            <a:avLst/>
+          </a:prstGeom>
+          <a:noFill/>
+        </p:spPr>
+        <p:txBody>
+          <a:bodyPr wrap="square" rtlCol="0">
+            <a:spAutoFit/>
+          </a:bodyPr>
+          <a:lstStyle/>
+          <a:p>
+            <a:r>
+              <a:rPr lang="en-GB" dirty="0">
+                <a:solidFill>
+                  <a:schemeClr val="accent2"/>
+                </a:solidFill>
+              </a:rPr>
+              <a:t>Problem Sheet</a:t>
+            </a:r>
+          </a:p>
+        </p:txBody>
+      </p:sp>
       <p:pic>
         <p:nvPicPr>
-          <p:cNvPr id="6" name="Picture 5">
+          <p:cNvPr id="8" name="Picture 7">
             <a:extLst>
               <a:ext uri="{FF2B5EF4-FFF2-40B4-BE49-F238E27FC236}">
-                <a16:creationId xmlns:a16="http://schemas.microsoft.com/office/drawing/2014/main" id="{092B134A-C00B-4A08-8450-5E4C933B151D}"/>
+                <a16:creationId xmlns:a16="http://schemas.microsoft.com/office/drawing/2014/main" id="{0146D5D8-1C09-4182-9DA8-8079115A7619}"/>
               </a:ext>
             </a:extLst>
           </p:cNvPr>
@@ -9020,53 +9176,14 @@
         </p:blipFill>
         <p:spPr>
           <a:xfrm>
-            <a:off x="4737249" y="1913469"/>
-            <a:ext cx="3802406" cy="3031061"/>
+            <a:off x="5100675" y="1417638"/>
+            <a:ext cx="3659697" cy="5026165"/>
           </a:xfrm>
           <a:prstGeom prst="rect">
             <a:avLst/>
           </a:prstGeom>
         </p:spPr>
       </p:pic>
-      <p:sp>
-        <p:nvSpPr>
-          <p:cNvPr id="7" name="TextBox 6">
-            <a:extLst>
-              <a:ext uri="{FF2B5EF4-FFF2-40B4-BE49-F238E27FC236}">
-                <a16:creationId xmlns:a16="http://schemas.microsoft.com/office/drawing/2014/main" id="{75F34A1E-662A-4794-95B7-05097EF90B68}"/>
-              </a:ext>
-            </a:extLst>
-          </p:cNvPr>
-          <p:cNvSpPr txBox="1"/>
-          <p:nvPr/>
-        </p:nvSpPr>
-        <p:spPr>
-          <a:xfrm>
-            <a:off x="7357241" y="6498021"/>
-            <a:ext cx="1697422" cy="369332"/>
-          </a:xfrm>
-          <a:prstGeom prst="rect">
-            <a:avLst/>
-          </a:prstGeom>
-          <a:noFill/>
-        </p:spPr>
-        <p:txBody>
-          <a:bodyPr wrap="square" rtlCol="0">
-            <a:spAutoFit/>
-          </a:bodyPr>
-          <a:lstStyle/>
-          <a:p>
-            <a:r>
-              <a:rPr lang="en-GB" dirty="0">
-                <a:solidFill>
-                  <a:schemeClr val="accent2"/>
-                </a:solidFill>
-              </a:rPr>
-              <a:t>Problem Sheet</a:t>
-            </a:r>
-          </a:p>
-        </p:txBody>
-      </p:sp>
     </p:spTree>
     <p:extLst>
       <p:ext uri="{BB962C8B-B14F-4D97-AF65-F5344CB8AC3E}">
@@ -9146,7 +9263,7 @@
         <p:spPr>
           <a:xfrm>
             <a:off x="457200" y="1417638"/>
-            <a:ext cx="8229600" cy="4525963"/>
+            <a:ext cx="5572539" cy="4887072"/>
           </a:xfrm>
         </p:spPr>
         <p:txBody>
@@ -9181,7 +9298,7 @@
           <a:p>
             <a:r>
               <a:rPr lang="en-GB" sz="2400" dirty="0"/>
-              <a:t>Must contain [Section 6 of checklist]:</a:t>
+              <a:t>Must contain [Section 4.5 of checklist]:</a:t>
             </a:r>
           </a:p>
           <a:p>
@@ -9210,6 +9327,12 @@
             <a:r>
               <a:rPr lang="en-GB" sz="2000" dirty="0"/>
               <a:t>The name of the degree for which your thesis is submitted</a:t>
+            </a:r>
+          </a:p>
+          <a:p>
+            <a:r>
+              <a:rPr lang="en-GB" sz="2400" dirty="0"/>
+              <a:t>Must also have a page number [Section 4.4 of checklist]</a:t>
             </a:r>
           </a:p>
         </p:txBody>
@@ -9243,7 +9366,7 @@
         </p:blipFill>
         <p:spPr bwMode="auto">
           <a:xfrm>
-            <a:off x="4687614" y="4314045"/>
+            <a:off x="5695622" y="4052078"/>
             <a:ext cx="3448378" cy="2252632"/>
           </a:xfrm>
           <a:prstGeom prst="rect">
@@ -9275,7 +9398,7 @@
         </p:nvGrpSpPr>
         <p:grpSpPr>
           <a:xfrm>
-            <a:off x="1807064" y="4162040"/>
+            <a:off x="5904965" y="1265634"/>
             <a:ext cx="2556641" cy="2556641"/>
             <a:chOff x="1807064" y="4162040"/>
             <a:chExt cx="2556641" cy="2556641"/>
@@ -10106,7 +10229,7 @@
           <a:p>
             <a:r>
               <a:rPr lang="en-GB" sz="4000" dirty="0"/>
-              <a:t>Declaration of Originality</a:t>
+              <a:t>Abstract</a:t>
             </a:r>
           </a:p>
         </p:txBody>
@@ -10139,29 +10262,21 @@
           <a:p>
             <a:r>
               <a:rPr lang="en-GB" sz="2400" dirty="0"/>
-              <a:t>You should include a declaration of originality in your own words [Section 7 of Checklist]</a:t>
-            </a:r>
-          </a:p>
-          <a:p>
-            <a:pPr lvl="1"/>
-            <a:r>
-              <a:rPr lang="en-GB" sz="2000" dirty="0"/>
-              <a:t>The work is your own</a:t>
-            </a:r>
-          </a:p>
-          <a:p>
-            <a:pPr lvl="1"/>
-            <a:r>
-              <a:rPr lang="en-GB" sz="2000" dirty="0"/>
-              <a:t>All else is appropriately referenced</a:t>
-            </a:r>
-          </a:p>
-          <a:p>
-            <a:pPr lvl="1"/>
-            <a:r>
-              <a:rPr lang="en-GB" sz="2000" dirty="0"/>
-              <a:t>Should appear at beginning of thesis</a:t>
-            </a:r>
+              <a:t>You should include an abstract </a:t>
+            </a:r>
+          </a:p>
+          <a:p>
+            <a:r>
+              <a:rPr lang="en-GB" sz="2400" dirty="0"/>
+              <a:t>Should be after the title page (section 7 of checklist)</a:t>
+            </a:r>
+          </a:p>
+          <a:p>
+            <a:r>
+              <a:rPr lang="en-GB" sz="2400" dirty="0"/>
+              <a:t>300 words or less</a:t>
+            </a:r>
+            <a:endParaRPr lang="en-GB" sz="2000" dirty="0"/>
           </a:p>
           <a:p>
             <a:pPr lvl="1"/>
@@ -10172,7 +10287,7 @@
     </p:spTree>
     <p:extLst>
       <p:ext uri="{BB962C8B-B14F-4D97-AF65-F5344CB8AC3E}">
-        <p14:creationId xmlns:p14="http://schemas.microsoft.com/office/powerpoint/2010/main" val="3238788747"/>
+        <p14:creationId xmlns:p14="http://schemas.microsoft.com/office/powerpoint/2010/main" val="3095168859"/>
       </p:ext>
     </p:extLst>
   </p:cSld>
@@ -10224,7 +10339,7 @@
           <a:p>
             <a:r>
               <a:rPr lang="en-GB" sz="4000" dirty="0"/>
-              <a:t>Copyright Declaration</a:t>
+              <a:t>Statement of Originality</a:t>
             </a:r>
           </a:p>
         </p:txBody>
@@ -10257,31 +10372,29 @@
           <a:p>
             <a:r>
               <a:rPr lang="en-GB" sz="2400" dirty="0"/>
-              <a:t>Your thesis will be released publicly</a:t>
-            </a:r>
-          </a:p>
-          <a:p>
-            <a:r>
-              <a:rPr lang="en-GB" sz="2400" dirty="0"/>
-              <a:t>College requires copyright statement [Section 8 of Checklist]</a:t>
-            </a:r>
-          </a:p>
-          <a:p>
-            <a:r>
-              <a:rPr lang="en-GB" sz="2400" dirty="0"/>
-              <a:t>Checklist provides a sample statement or you can use a </a:t>
-            </a:r>
-            <a:r>
-              <a:rPr lang="en-GB" sz="2400" dirty="0">
-                <a:hlinkClick r:id="rId3"/>
-              </a:rPr>
-              <a:t>Creative Commons </a:t>
-            </a:r>
-            <a:r>
-              <a:rPr lang="en-GB" sz="2400" dirty="0"/>
-              <a:t>statement</a:t>
-            </a:r>
-            <a:endParaRPr lang="en-GB" sz="2000" dirty="0"/>
+              <a:t>You should include a statement of originality in your own words [Section 5 of Checklist]</a:t>
+            </a:r>
+          </a:p>
+          <a:p>
+            <a:pPr lvl="1"/>
+            <a:r>
+              <a:rPr lang="en-GB" sz="2000" dirty="0"/>
+              <a:t>The work is your own</a:t>
+            </a:r>
+          </a:p>
+          <a:p>
+            <a:pPr lvl="1"/>
+            <a:r>
+              <a:rPr lang="en-GB" sz="2000" dirty="0"/>
+              <a:t>All else is appropriately referenced</a:t>
+            </a:r>
+          </a:p>
+          <a:p>
+            <a:pPr lvl="1"/>
+            <a:r>
+              <a:rPr lang="en-GB" sz="2000" dirty="0"/>
+              <a:t>Should appear at beginning of thesis</a:t>
+            </a:r>
           </a:p>
           <a:p>
             <a:pPr lvl="1"/>
@@ -10292,7 +10405,7 @@
     </p:spTree>
     <p:extLst>
       <p:ext uri="{BB962C8B-B14F-4D97-AF65-F5344CB8AC3E}">
-        <p14:creationId xmlns:p14="http://schemas.microsoft.com/office/powerpoint/2010/main" val="1414755311"/>
+        <p14:creationId xmlns:p14="http://schemas.microsoft.com/office/powerpoint/2010/main" val="3238788747"/>
       </p:ext>
     </p:extLst>
   </p:cSld>
@@ -10344,7 +10457,7 @@
           <a:p>
             <a:r>
               <a:rPr lang="en-GB" sz="4000" dirty="0"/>
-              <a:t>Abstract</a:t>
+              <a:t>Copyright Declaration</a:t>
             </a:r>
           </a:p>
         </p:txBody>
@@ -10377,13 +10490,29 @@
           <a:p>
             <a:r>
               <a:rPr lang="en-GB" sz="2400" dirty="0"/>
-              <a:t>Must be at start of thesis</a:t>
+              <a:t>Your thesis will be released publicly</a:t>
             </a:r>
           </a:p>
           <a:p>
             <a:r>
               <a:rPr lang="en-GB" sz="2400" dirty="0"/>
-              <a:t>300 words or less</a:t>
+              <a:t>College requires copyright statement [Section 6 of Checklist]</a:t>
+            </a:r>
+          </a:p>
+          <a:p>
+            <a:r>
+              <a:rPr lang="en-GB" sz="2400" dirty="0"/>
+              <a:t>Checklist provides a sample statement or you can use a </a:t>
+            </a:r>
+            <a:r>
+              <a:rPr lang="en-GB" sz="2400" dirty="0">
+                <a:hlinkClick r:id="rId3"/>
+              </a:rPr>
+              <a:t>Creative Commons </a:t>
+            </a:r>
+            <a:r>
+              <a:rPr lang="en-GB" sz="2400" dirty="0"/>
+              <a:t>statement</a:t>
             </a:r>
             <a:endParaRPr lang="en-GB" sz="2000" dirty="0"/>
           </a:p>
@@ -10396,7 +10525,7 @@
     </p:spTree>
     <p:extLst>
       <p:ext uri="{BB962C8B-B14F-4D97-AF65-F5344CB8AC3E}">
-        <p14:creationId xmlns:p14="http://schemas.microsoft.com/office/powerpoint/2010/main" val="3095168859"/>
+        <p14:creationId xmlns:p14="http://schemas.microsoft.com/office/powerpoint/2010/main" val="1414755311"/>
       </p:ext>
     </p:extLst>
   </p:cSld>
@@ -10491,7 +10620,7 @@
             </a:r>
             <a:r>
               <a:rPr lang="en-GB" sz="2400" dirty="0"/>
-              <a:t>*{Declaration of Originality}</a:t>
+              <a:t>*{Abstract}</a:t>
             </a:r>
           </a:p>
           <a:p>
@@ -10533,54 +10662,6 @@
             <a:pPr marL="0" indent="0">
               <a:buNone/>
             </a:pPr>
-            <a:endParaRPr lang="en-GB" sz="2400" dirty="0"/>
-          </a:p>
-          <a:p>
-            <a:pPr marL="0" indent="0">
-              <a:buNone/>
-            </a:pPr>
-            <a:r>
-              <a:rPr lang="en-GB" sz="2400" dirty="0">
-                <a:solidFill>
-                  <a:schemeClr val="tx2">
-                    <a:lumMod val="50000"/>
-                    <a:lumOff val="50000"/>
-                  </a:schemeClr>
-                </a:solidFill>
-              </a:rPr>
-              <a:t>\chapter</a:t>
-            </a:r>
-            <a:r>
-              <a:rPr lang="en-GB" sz="2400" dirty="0"/>
-              <a:t>*{Copyright Statement}</a:t>
-            </a:r>
-          </a:p>
-          <a:p>
-            <a:pPr marL="0" indent="0">
-              <a:buNone/>
-            </a:pPr>
-            <a:r>
-              <a:rPr lang="en-GB" sz="2400" dirty="0">
-                <a:solidFill>
-                  <a:schemeClr val="tx2">
-                    <a:lumMod val="50000"/>
-                    <a:lumOff val="50000"/>
-                  </a:schemeClr>
-                </a:solidFill>
-              </a:rPr>
-              <a:t>\</a:t>
-            </a:r>
-            <a:r>
-              <a:rPr lang="en-GB" sz="2400" dirty="0" err="1">
-                <a:solidFill>
-                  <a:schemeClr val="tx2">
-                    <a:lumMod val="50000"/>
-                    <a:lumOff val="50000"/>
-                  </a:schemeClr>
-                </a:solidFill>
-              </a:rPr>
-              <a:t>blindtext</a:t>
-            </a:r>
             <a:endParaRPr lang="en-GB" sz="2400" dirty="0">
               <a:solidFill>
                 <a:schemeClr val="tx2">
@@ -10594,12 +10675,6 @@
             <a:pPr marL="0" indent="0">
               <a:buNone/>
             </a:pPr>
-            <a:endParaRPr lang="en-GB" sz="2400" dirty="0"/>
-          </a:p>
-          <a:p>
-            <a:pPr marL="0" indent="0">
-              <a:buNone/>
-            </a:pPr>
             <a:r>
               <a:rPr lang="en-GB" sz="2400" dirty="0">
                 <a:solidFill>
@@ -10613,7 +10688,7 @@
             </a:r>
             <a:r>
               <a:rPr lang="en-GB" sz="2400" dirty="0"/>
-              <a:t>*{Abstract}</a:t>
+              <a:t>*{Statement of Originality}</a:t>
             </a:r>
           </a:p>
           <a:p>
@@ -10650,6 +10725,73 @@
                 </a:schemeClr>
               </a:solidFill>
             </a:endParaRPr>
+          </a:p>
+          <a:p>
+            <a:pPr marL="0" indent="0">
+              <a:buNone/>
+            </a:pPr>
+            <a:endParaRPr lang="en-GB" sz="2400" dirty="0"/>
+          </a:p>
+          <a:p>
+            <a:pPr marL="0" indent="0">
+              <a:buNone/>
+            </a:pPr>
+            <a:r>
+              <a:rPr lang="en-GB" sz="2400" dirty="0">
+                <a:solidFill>
+                  <a:schemeClr val="tx2">
+                    <a:lumMod val="50000"/>
+                    <a:lumOff val="50000"/>
+                  </a:schemeClr>
+                </a:solidFill>
+              </a:rPr>
+              <a:t>\chapter</a:t>
+            </a:r>
+            <a:r>
+              <a:rPr lang="en-GB" sz="2400" dirty="0"/>
+              <a:t>*{Copyright Statement}</a:t>
+            </a:r>
+          </a:p>
+          <a:p>
+            <a:pPr marL="0" indent="0">
+              <a:buNone/>
+            </a:pPr>
+            <a:r>
+              <a:rPr lang="en-GB" sz="2400" dirty="0">
+                <a:solidFill>
+                  <a:schemeClr val="tx2">
+                    <a:lumMod val="50000"/>
+                    <a:lumOff val="50000"/>
+                  </a:schemeClr>
+                </a:solidFill>
+              </a:rPr>
+              <a:t>\</a:t>
+            </a:r>
+            <a:r>
+              <a:rPr lang="en-GB" sz="2400" dirty="0" err="1">
+                <a:solidFill>
+                  <a:schemeClr val="tx2">
+                    <a:lumMod val="50000"/>
+                    <a:lumOff val="50000"/>
+                  </a:schemeClr>
+                </a:solidFill>
+              </a:rPr>
+              <a:t>blindtext</a:t>
+            </a:r>
+            <a:endParaRPr lang="en-GB" sz="2400" dirty="0">
+              <a:solidFill>
+                <a:schemeClr val="tx2">
+                  <a:lumMod val="50000"/>
+                  <a:lumOff val="50000"/>
+                </a:schemeClr>
+              </a:solidFill>
+            </a:endParaRPr>
+          </a:p>
+          <a:p>
+            <a:pPr marL="0" indent="0">
+              <a:buNone/>
+            </a:pPr>
+            <a:endParaRPr lang="en-GB" sz="2400" dirty="0"/>
           </a:p>
         </p:txBody>
       </p:sp>
@@ -10846,7 +10988,7 @@
           <a:p>
             <a:r>
               <a:rPr lang="en-GB" sz="2400" dirty="0"/>
-              <a:t>After the preamble material, include:</a:t>
+              <a:t>After the preamble material, include (Section 8 of Checklist):</a:t>
             </a:r>
           </a:p>
           <a:p>
@@ -12345,8 +12487,8 @@
         </p:nvSpPr>
         <p:spPr>
           <a:xfrm>
-            <a:off x="398722" y="2128400"/>
-            <a:ext cx="3967655" cy="4018838"/>
+            <a:off x="398722" y="2128399"/>
+            <a:ext cx="3967655" cy="4369621"/>
           </a:xfrm>
         </p:spPr>
         <p:txBody>
@@ -12543,7 +12685,7 @@
             </a:r>
             <a:r>
               <a:rPr lang="en-GB" sz="2000" dirty="0"/>
-              <a:t>[width=5cm] {example-image-a}</a:t>
+              <a:t>[width=5cm] {appendix}</a:t>
             </a:r>
           </a:p>
           <a:p>
@@ -12563,7 +12705,7 @@
             </a:r>
             <a:r>
               <a:rPr lang="en-GB" sz="2000" dirty="0"/>
-              <a:t>{A Figure in an appendix}</a:t>
+              <a:t>{The other kind of appendix}</a:t>
             </a:r>
           </a:p>
           <a:p>
@@ -12646,12 +12788,51 @@
           </a:fontRef>
         </p:style>
       </p:cxnSp>
+      <p:sp>
+        <p:nvSpPr>
+          <p:cNvPr id="7" name="TextBox 6">
+            <a:extLst>
+              <a:ext uri="{FF2B5EF4-FFF2-40B4-BE49-F238E27FC236}">
+                <a16:creationId xmlns:a16="http://schemas.microsoft.com/office/drawing/2014/main" id="{D116305D-C01C-4552-B614-E05E98A87BBA}"/>
+              </a:ext>
+            </a:extLst>
+          </p:cNvPr>
+          <p:cNvSpPr txBox="1"/>
+          <p:nvPr/>
+        </p:nvSpPr>
+        <p:spPr>
+          <a:xfrm>
+            <a:off x="7357241" y="6498021"/>
+            <a:ext cx="1697422" cy="369332"/>
+          </a:xfrm>
+          <a:prstGeom prst="rect">
+            <a:avLst/>
+          </a:prstGeom>
+          <a:noFill/>
+        </p:spPr>
+        <p:txBody>
+          <a:bodyPr wrap="square" rtlCol="0">
+            <a:spAutoFit/>
+          </a:bodyPr>
+          <a:lstStyle/>
+          <a:p>
+            <a:r>
+              <a:rPr lang="en-GB" dirty="0">
+                <a:solidFill>
+                  <a:schemeClr val="accent2"/>
+                </a:solidFill>
+              </a:rPr>
+              <a:t>Problem Sheet</a:t>
+            </a:r>
+          </a:p>
+        </p:txBody>
+      </p:sp>
       <p:pic>
         <p:nvPicPr>
-          <p:cNvPr id="6" name="Picture 5">
+          <p:cNvPr id="8" name="Picture 7">
             <a:extLst>
               <a:ext uri="{FF2B5EF4-FFF2-40B4-BE49-F238E27FC236}">
-                <a16:creationId xmlns:a16="http://schemas.microsoft.com/office/drawing/2014/main" id="{6667B02E-EF7C-4128-9EEC-AC101BB469A6}"/>
+                <a16:creationId xmlns:a16="http://schemas.microsoft.com/office/drawing/2014/main" id="{7A63903F-C06D-4DA9-A6A8-D715D3B2162F}"/>
               </a:ext>
             </a:extLst>
           </p:cNvPr>
@@ -12668,53 +12849,14 @@
         </p:blipFill>
         <p:spPr>
           <a:xfrm>
-            <a:off x="4983246" y="2649976"/>
-            <a:ext cx="3690486" cy="2975686"/>
+            <a:off x="4777624" y="2423319"/>
+            <a:ext cx="4228360" cy="3429000"/>
           </a:xfrm>
           <a:prstGeom prst="rect">
             <a:avLst/>
           </a:prstGeom>
         </p:spPr>
       </p:pic>
-      <p:sp>
-        <p:nvSpPr>
-          <p:cNvPr id="7" name="TextBox 6">
-            <a:extLst>
-              <a:ext uri="{FF2B5EF4-FFF2-40B4-BE49-F238E27FC236}">
-                <a16:creationId xmlns:a16="http://schemas.microsoft.com/office/drawing/2014/main" id="{D116305D-C01C-4552-B614-E05E98A87BBA}"/>
-              </a:ext>
-            </a:extLst>
-          </p:cNvPr>
-          <p:cNvSpPr txBox="1"/>
-          <p:nvPr/>
-        </p:nvSpPr>
-        <p:spPr>
-          <a:xfrm>
-            <a:off x="7357241" y="6498021"/>
-            <a:ext cx="1697422" cy="369332"/>
-          </a:xfrm>
-          <a:prstGeom prst="rect">
-            <a:avLst/>
-          </a:prstGeom>
-          <a:noFill/>
-        </p:spPr>
-        <p:txBody>
-          <a:bodyPr wrap="square" rtlCol="0">
-            <a:spAutoFit/>
-          </a:bodyPr>
-          <a:lstStyle/>
-          <a:p>
-            <a:r>
-              <a:rPr lang="en-GB" dirty="0">
-                <a:solidFill>
-                  <a:schemeClr val="accent2"/>
-                </a:solidFill>
-              </a:rPr>
-              <a:t>Problem Sheet</a:t>
-            </a:r>
-          </a:p>
-        </p:txBody>
-      </p:sp>
     </p:spTree>
     <p:extLst>
       <p:ext uri="{BB962C8B-B14F-4D97-AF65-F5344CB8AC3E}">
@@ -14956,45 +15098,6 @@
           </a:prstGeom>
         </p:spPr>
       </p:pic>
-      <p:sp>
-        <p:nvSpPr>
-          <p:cNvPr id="6" name="TextBox 5">
-            <a:extLst>
-              <a:ext uri="{FF2B5EF4-FFF2-40B4-BE49-F238E27FC236}">
-                <a16:creationId xmlns:a16="http://schemas.microsoft.com/office/drawing/2014/main" id="{B1A6920F-E40D-4947-85C4-DA0E3BEA57C9}"/>
-              </a:ext>
-            </a:extLst>
-          </p:cNvPr>
-          <p:cNvSpPr txBox="1"/>
-          <p:nvPr/>
-        </p:nvSpPr>
-        <p:spPr>
-          <a:xfrm>
-            <a:off x="7357241" y="6498021"/>
-            <a:ext cx="1697422" cy="369332"/>
-          </a:xfrm>
-          <a:prstGeom prst="rect">
-            <a:avLst/>
-          </a:prstGeom>
-          <a:noFill/>
-        </p:spPr>
-        <p:txBody>
-          <a:bodyPr wrap="square" rtlCol="0">
-            <a:spAutoFit/>
-          </a:bodyPr>
-          <a:lstStyle/>
-          <a:p>
-            <a:r>
-              <a:rPr lang="en-GB" dirty="0">
-                <a:solidFill>
-                  <a:schemeClr val="accent2"/>
-                </a:solidFill>
-              </a:rPr>
-              <a:t>Problem Sheet</a:t>
-            </a:r>
-          </a:p>
-        </p:txBody>
-      </p:sp>
     </p:spTree>
     <p:extLst>
       <p:ext uri="{BB962C8B-B14F-4D97-AF65-F5344CB8AC3E}">
@@ -16311,8 +16414,8 @@
         </p:nvSpPr>
         <p:spPr>
           <a:xfrm>
-            <a:off x="457200" y="1957138"/>
-            <a:ext cx="7840980" cy="5078313"/>
+            <a:off x="457200" y="1625833"/>
+            <a:ext cx="7840980" cy="5447645"/>
           </a:xfrm>
           <a:prstGeom prst="rect">
             <a:avLst/>
@@ -16398,6 +16501,16 @@
               <a:t>Github</a:t>
             </a:r>
             <a:endParaRPr lang="en-GB" sz="2400" dirty="0"/>
+          </a:p>
+          <a:p>
+            <a:pPr marL="914400" lvl="1" indent="-457200">
+              <a:buFont typeface="Arial" panose="020B0604020202020204" pitchFamily="34" charset="0"/>
+              <a:buChar char="•"/>
+            </a:pPr>
+            <a:r>
+              <a:rPr lang="en-GB" sz="2400" dirty="0"/>
+              <a:t>Integrated “review” system for feedback</a:t>
+            </a:r>
           </a:p>
           <a:p>
             <a:pPr marL="457200" indent="-457200">
@@ -19499,45 +19612,6 @@
           </a:prstGeom>
         </p:spPr>
       </p:pic>
-      <p:sp>
-        <p:nvSpPr>
-          <p:cNvPr id="7" name="TextBox 6">
-            <a:extLst>
-              <a:ext uri="{FF2B5EF4-FFF2-40B4-BE49-F238E27FC236}">
-                <a16:creationId xmlns:a16="http://schemas.microsoft.com/office/drawing/2014/main" id="{EC86ED1F-9D44-4C7A-B259-5FF5082C26A8}"/>
-              </a:ext>
-            </a:extLst>
-          </p:cNvPr>
-          <p:cNvSpPr txBox="1"/>
-          <p:nvPr/>
-        </p:nvSpPr>
-        <p:spPr>
-          <a:xfrm>
-            <a:off x="7357241" y="6498021"/>
-            <a:ext cx="1697422" cy="369332"/>
-          </a:xfrm>
-          <a:prstGeom prst="rect">
-            <a:avLst/>
-          </a:prstGeom>
-          <a:noFill/>
-        </p:spPr>
-        <p:txBody>
-          <a:bodyPr wrap="square" rtlCol="0">
-            <a:spAutoFit/>
-          </a:bodyPr>
-          <a:lstStyle/>
-          <a:p>
-            <a:r>
-              <a:rPr lang="en-GB" dirty="0">
-                <a:solidFill>
-                  <a:schemeClr val="accent2"/>
-                </a:solidFill>
-              </a:rPr>
-              <a:t>Problem Sheet</a:t>
-            </a:r>
-          </a:p>
-        </p:txBody>
-      </p:sp>
     </p:spTree>
     <p:extLst>
       <p:ext uri="{BB962C8B-B14F-4D97-AF65-F5344CB8AC3E}">
@@ -20379,6 +20453,48 @@
             </a:r>
           </a:p>
           <a:p>
+            <a:pPr fontAlgn="base">
+              <a:spcBef>
+                <a:spcPts val="600"/>
+              </a:spcBef>
+              <a:spcAft>
+                <a:spcPts val="600"/>
+              </a:spcAft>
+            </a:pPr>
+            <a:r>
+              <a:rPr lang="en-US" sz="2400" dirty="0"/>
+              <a:t>Files stored in plain-text</a:t>
+            </a:r>
+          </a:p>
+          <a:p>
+            <a:pPr lvl="1" fontAlgn="base">
+              <a:spcBef>
+                <a:spcPts val="600"/>
+              </a:spcBef>
+              <a:spcAft>
+                <a:spcPts val="600"/>
+              </a:spcAft>
+            </a:pPr>
+            <a:r>
+              <a:rPr lang="en-US" sz="2000" dirty="0"/>
+              <a:t>Less prone to corruption</a:t>
+            </a:r>
+          </a:p>
+          <a:p>
+            <a:pPr lvl="1" fontAlgn="base">
+              <a:spcBef>
+                <a:spcPts val="600"/>
+              </a:spcBef>
+              <a:spcAft>
+                <a:spcPts val="600"/>
+              </a:spcAft>
+            </a:pPr>
+            <a:r>
+              <a:rPr lang="en-US" sz="2000" dirty="0"/>
+              <a:t>Easier to “diff” when using version control</a:t>
+            </a:r>
+          </a:p>
+          <a:p>
             <a:pPr marL="0" lvl="0" indent="0" fontAlgn="base">
               <a:spcBef>
                 <a:spcPts val="600"/>
@@ -20946,7 +21062,7 @@
             </a:pPr>
             <a:r>
               <a:rPr lang="en-GB" sz="2400" dirty="0"/>
-              <a:t>You must use A4 paper [Section 2/3 of checklist]</a:t>
+              <a:t>Typically A4 paper</a:t>
             </a:r>
           </a:p>
           <a:p>
@@ -20960,7 +21076,7 @@
             </a:pPr>
             <a:r>
               <a:rPr lang="en-GB" sz="2400" dirty="0"/>
-              <a:t>Recommended double-sided over 100 pages, single-sided under 100 pages [Section 3 of Checklist]</a:t>
+              <a:t>You may want your pages to be double-sided</a:t>
             </a:r>
           </a:p>
           <a:p>
@@ -20974,7 +21090,7 @@
             </a:pPr>
             <a:r>
               <a:rPr lang="en-GB" sz="2400" dirty="0"/>
-              <a:t>All pages to be sequentially numbered in Arabic numerals including title page [Section 5 of Checklist]</a:t>
+              <a:t>All pages to be sequentially numbered in Arabic numerals including title page [Section 4.4 of Checklist]</a:t>
             </a:r>
           </a:p>
           <a:p>
@@ -21186,7 +21302,7 @@
             </a:pPr>
             <a:r>
               <a:rPr lang="en-GB" sz="2400" dirty="0"/>
-              <a:t>Margins must be at least 1cm [Checklist section 4]</a:t>
+              <a:t>For binding services, margins must typically be at least 1cm</a:t>
             </a:r>
           </a:p>
           <a:p>

--- a/Writing Theses in Latex Slides.pptx
+++ b/Writing Theses in Latex Slides.pptx
@@ -38,8 +38,8 @@
     <p:sldId id="315" r:id="rId26"/>
     <p:sldId id="317" r:id="rId27"/>
     <p:sldId id="313" r:id="rId28"/>
-    <p:sldId id="318" r:id="rId29"/>
-    <p:sldId id="314" r:id="rId30"/>
+    <p:sldId id="314" r:id="rId29"/>
+    <p:sldId id="318" r:id="rId30"/>
     <p:sldId id="286" r:id="rId31"/>
     <p:sldId id="319" r:id="rId32"/>
     <p:sldId id="321" r:id="rId33"/>
@@ -182,8 +182,8 @@
             <p14:sldId id="315"/>
             <p14:sldId id="317"/>
             <p14:sldId id="313"/>
+            <p14:sldId id="314"/>
             <p14:sldId id="318"/>
-            <p14:sldId id="314"/>
             <p14:sldId id="286"/>
             <p14:sldId id="319"/>
             <p14:sldId id="321"/>
@@ -470,7 +470,7 @@
           <a:p>
             <a:fld id="{88EB714B-C3CC-4216-88C1-02913905B1CF}" type="datetimeFigureOut">
               <a:rPr lang="en-GB" smtClean="0"/>
-              <a:t>16/02/2021</a:t>
+              <a:t>19/02/2021</a:t>
             </a:fld>
             <a:endParaRPr lang="en-GB"/>
           </a:p>
@@ -3214,6 +3214,14 @@
             </a:r>
             <a:r>
               <a:rPr lang="en-GB" dirty="0"/>
+              <a:t>” option and colour of your citations using the “</a:t>
+            </a:r>
+            <a:r>
+              <a:rPr lang="en-GB" dirty="0" err="1"/>
+              <a:t>citecolor</a:t>
+            </a:r>
+            <a:r>
+              <a:rPr lang="en-GB"/>
               <a:t>” option.</a:t>
             </a:r>
             <a:br>
@@ -3235,6 +3243,15 @@
             <a:r>
               <a:rPr lang="en-GB" dirty="0"/>
               <a:t>Overleaf Example: https://www.overleaf.com/read/tzdbtmdmtfhd</a:t>
+            </a:r>
+          </a:p>
+          <a:p>
+            <a:endParaRPr lang="en-GB" dirty="0"/>
+          </a:p>
+          <a:p>
+            <a:r>
+              <a:rPr lang="en-GB" dirty="0"/>
+              <a:t>Break for Section 7 of Task sheet</a:t>
             </a:r>
           </a:p>
         </p:txBody>
@@ -3321,7 +3338,7 @@
           <a:p>
             <a:r>
               <a:rPr lang="en-GB" dirty="0"/>
-              <a:t>Overleaf Example: https://www.overleaf.com/read/nwtfndvmfnpf</a:t>
+              <a:t>In LaTeX, a subfigure, is a figure which appears as one of multiple smaller figures within a larger figure. This collection of subfigures will always be placed together as a single figure. There are a number of ways of including subfigures in your thesis.</a:t>
             </a:r>
           </a:p>
           <a:p>
@@ -3330,7 +3347,92 @@
           <a:p>
             <a:r>
               <a:rPr lang="en-GB" dirty="0"/>
-              <a:t>Break for sections 7 and 8 of Task Sheet</a:t>
+              <a:t>The example I am showing you today uses the “</a:t>
+            </a:r>
+            <a:r>
+              <a:rPr lang="en-GB" dirty="0" err="1"/>
+              <a:t>subfig</a:t>
+            </a:r>
+            <a:r>
+              <a:rPr lang="en-GB" dirty="0"/>
+              <a:t>” package. Within the figure environment we use the “\</a:t>
+            </a:r>
+            <a:r>
+              <a:rPr lang="en-GB" dirty="0" err="1"/>
+              <a:t>subfloat</a:t>
+            </a:r>
+            <a:r>
+              <a:rPr lang="en-GB" dirty="0"/>
+              <a:t>” command once for each subfigure we wish to include. The “\</a:t>
+            </a:r>
+            <a:r>
+              <a:rPr lang="en-GB" dirty="0" err="1"/>
+              <a:t>subfloat</a:t>
+            </a:r>
+            <a:r>
+              <a:rPr lang="en-GB" dirty="0"/>
+              <a:t>” command is followed by the caption of the subfigure in square brackets. Then, in curly brackets, we use the “\</a:t>
+            </a:r>
+            <a:r>
+              <a:rPr lang="en-GB" dirty="0" err="1"/>
+              <a:t>includegraphics</a:t>
+            </a:r>
+            <a:r>
+              <a:rPr lang="en-GB" dirty="0"/>
+              <a:t>” command to actually include the graphics. The square brackets following the “\</a:t>
+            </a:r>
+            <a:r>
+              <a:rPr lang="en-GB" dirty="0" err="1"/>
+              <a:t>includegraphics</a:t>
+            </a:r>
+            <a:r>
+              <a:rPr lang="en-GB" dirty="0"/>
+              <a:t> command is here to specify the width of the figure in units of the width of text on the page at this point (which is referenced using the “\</a:t>
+            </a:r>
+            <a:r>
+              <a:rPr lang="en-GB" dirty="0" err="1"/>
+              <a:t>textwidth</a:t>
+            </a:r>
+            <a:r>
+              <a:rPr lang="en-GB" dirty="0"/>
+              <a:t>” command). In this case, we’ve asked for each figure to be around half of the width of the text (there’s some variation due to the aspect ratio of each image). Within the curly brackets following the “\</a:t>
+            </a:r>
+            <a:r>
+              <a:rPr lang="en-GB" dirty="0" err="1"/>
+              <a:t>subfloat</a:t>
+            </a:r>
+            <a:r>
+              <a:rPr lang="en-GB" dirty="0"/>
+              <a:t>” command we also give each individual subfigure a label so we can reference it later.</a:t>
+            </a:r>
+            <a:br>
+              <a:rPr lang="en-GB" dirty="0"/>
+            </a:br>
+            <a:br>
+              <a:rPr lang="en-GB" dirty="0"/>
+            </a:br>
+            <a:r>
+              <a:rPr lang="en-GB" dirty="0"/>
+              <a:t>Following the specification of the first and third figure we use the “\quad” command. This is a way of telling LaTeX to insert a small horizontal space between whatever came before and whatever comes next. Following the specification of the second subfigure we use a double-backslash to start a new line of subfigures within the overall figure we’re creating. This puts the third and fourth figures below the first and second.</a:t>
+            </a:r>
+          </a:p>
+          <a:p>
+            <a:endParaRPr lang="en-GB" dirty="0"/>
+          </a:p>
+          <a:p>
+            <a:r>
+              <a:rPr lang="en-GB" dirty="0"/>
+              <a:t>Finally, we use the “\caption” command to give the figure that is comprised of the subfigures a caption and the “\label” command to give it a label. We see that we get a nicely spaced array of subfigures, each with their own caption, inside a larger figure which also has its own caption. We can reference any of the subfigures or the containing figure.</a:t>
+            </a:r>
+            <a:br>
+              <a:rPr lang="en-GB" dirty="0"/>
+            </a:br>
+            <a:br>
+              <a:rPr lang="en-GB" dirty="0"/>
+            </a:br>
+            <a:r>
+              <a:rPr lang="en-GB" dirty="0"/>
+              <a:t>Overleaf Example: https://www.overleaf.com/read/htdvrmwgcyvd</a:t>
             </a:r>
           </a:p>
         </p:txBody>
@@ -3361,7 +3463,7 @@
     </p:spTree>
     <p:extLst>
       <p:ext uri="{BB962C8B-B14F-4D97-AF65-F5344CB8AC3E}">
-        <p14:creationId xmlns:p14="http://schemas.microsoft.com/office/powerpoint/2010/main" val="53672810"/>
+        <p14:creationId xmlns:p14="http://schemas.microsoft.com/office/powerpoint/2010/main" val="1494002939"/>
       </p:ext>
     </p:extLst>
   </p:cSld>
@@ -3417,7 +3519,7 @@
           <a:p>
             <a:r>
               <a:rPr lang="en-GB" dirty="0"/>
-              <a:t>In LaTeX, a subfigure, is a figure which appears as one of multiple smaller figures within a larger figure. This collection of subfigures will always be placed together as a single figure. There are a number of ways of including subfigures in your thesis.</a:t>
+              <a:t>Overleaf Example: https://www.overleaf.com/read/nwtfndvmfnpf</a:t>
             </a:r>
           </a:p>
           <a:p>
@@ -3426,101 +3528,7 @@
           <a:p>
             <a:r>
               <a:rPr lang="en-GB" dirty="0"/>
-              <a:t>The example I am showing you today uses the “</a:t>
-            </a:r>
-            <a:r>
-              <a:rPr lang="en-GB" dirty="0" err="1"/>
-              <a:t>subfig</a:t>
-            </a:r>
-            <a:r>
-              <a:rPr lang="en-GB" dirty="0"/>
-              <a:t>” package. Within the figure environment we use the “\</a:t>
-            </a:r>
-            <a:r>
-              <a:rPr lang="en-GB" dirty="0" err="1"/>
-              <a:t>subfloat</a:t>
-            </a:r>
-            <a:r>
-              <a:rPr lang="en-GB" dirty="0"/>
-              <a:t>” command once for each subfigure we wish to include. The “\</a:t>
-            </a:r>
-            <a:r>
-              <a:rPr lang="en-GB" dirty="0" err="1"/>
-              <a:t>subfloat</a:t>
-            </a:r>
-            <a:r>
-              <a:rPr lang="en-GB" dirty="0"/>
-              <a:t>” command is followed by the caption of the subfigure in square brackets. Then, in curly brackets, we use the “\</a:t>
-            </a:r>
-            <a:r>
-              <a:rPr lang="en-GB" dirty="0" err="1"/>
-              <a:t>includegraphics</a:t>
-            </a:r>
-            <a:r>
-              <a:rPr lang="en-GB" dirty="0"/>
-              <a:t>” command to actually include the graphics. The square brackets following the “\</a:t>
-            </a:r>
-            <a:r>
-              <a:rPr lang="en-GB" dirty="0" err="1"/>
-              <a:t>includegraphics</a:t>
-            </a:r>
-            <a:r>
-              <a:rPr lang="en-GB" dirty="0"/>
-              <a:t> command is here to specify the width of the figure in units of the width of text on the page at this point (which is referenced using the “\</a:t>
-            </a:r>
-            <a:r>
-              <a:rPr lang="en-GB" dirty="0" err="1"/>
-              <a:t>textwidth</a:t>
-            </a:r>
-            <a:r>
-              <a:rPr lang="en-GB" dirty="0"/>
-              <a:t>” command). In this case, we’ve asked for each figure to be around half of the width of the text (there’s some variation due to the aspect ratio of each image). Within the curly brackets following the “\</a:t>
-            </a:r>
-            <a:r>
-              <a:rPr lang="en-GB" dirty="0" err="1"/>
-              <a:t>subfloat</a:t>
-            </a:r>
-            <a:r>
-              <a:rPr lang="en-GB" dirty="0"/>
-              <a:t>” command we also give each individual subfigure a label so we can reference it later.</a:t>
-            </a:r>
-            <a:br>
-              <a:rPr lang="en-GB" dirty="0"/>
-            </a:br>
-            <a:br>
-              <a:rPr lang="en-GB" dirty="0"/>
-            </a:br>
-            <a:r>
-              <a:rPr lang="en-GB" dirty="0"/>
-              <a:t>Following the specification of the first and third figure we use the “\quad” command. This is a way of telling LaTeX to insert a small horizontal space between whatever came before and whatever comes next. Following the specification of the second subfigure we use a double-backslash to start a new line of subfigures within the overall figure we’re creating. This puts the third and fourth figures below the first and second.</a:t>
-            </a:r>
-          </a:p>
-          <a:p>
-            <a:endParaRPr lang="en-GB" dirty="0"/>
-          </a:p>
-          <a:p>
-            <a:r>
-              <a:rPr lang="en-GB" dirty="0"/>
-              <a:t>Finally, we use the “\caption” command to give the figure that is comprised of the subfigures a caption and the “\label” command to give it a label. We see that we get a nicely spaced array of subfigures, each with their own caption, inside a larger figure which also has its own caption. We can reference any of the subfigures or the containing figure.</a:t>
-            </a:r>
-            <a:br>
-              <a:rPr lang="en-GB" dirty="0"/>
-            </a:br>
-            <a:br>
-              <a:rPr lang="en-GB" dirty="0"/>
-            </a:br>
-            <a:r>
-              <a:rPr lang="en-GB" dirty="0"/>
-              <a:t>Overleaf Example: https://www.overleaf.com/read/htdvrmwgcyvd</a:t>
-            </a:r>
-          </a:p>
-          <a:p>
-            <a:endParaRPr lang="en-GB" dirty="0"/>
-          </a:p>
-          <a:p>
-            <a:r>
-              <a:rPr lang="en-GB" dirty="0"/>
-              <a:t>Break for section 9 of Task Sheet</a:t>
+              <a:t>Break for sections 8 and 9 of Task Sheet</a:t>
             </a:r>
           </a:p>
         </p:txBody>
@@ -3551,7 +3559,7 @@
     </p:spTree>
     <p:extLst>
       <p:ext uri="{BB962C8B-B14F-4D97-AF65-F5344CB8AC3E}">
-        <p14:creationId xmlns:p14="http://schemas.microsoft.com/office/powerpoint/2010/main" val="1494002939"/>
+        <p14:creationId xmlns:p14="http://schemas.microsoft.com/office/powerpoint/2010/main" val="53672810"/>
       </p:ext>
     </p:extLst>
   </p:cSld>
@@ -6348,7 +6356,7 @@
           <a:p>
             <a:fld id="{EB0080F8-EA1C-491D-963C-2C881B2F918F}" type="datetimeFigureOut">
               <a:rPr lang="en-GB" smtClean="0"/>
-              <a:t>16/02/2021</a:t>
+              <a:t>19/02/2021</a:t>
             </a:fld>
             <a:endParaRPr lang="en-GB"/>
           </a:p>
@@ -6498,7 +6506,7 @@
           <a:p>
             <a:fld id="{EB0080F8-EA1C-491D-963C-2C881B2F918F}" type="datetimeFigureOut">
               <a:rPr lang="en-GB" smtClean="0"/>
-              <a:t>16/02/2021</a:t>
+              <a:t>19/02/2021</a:t>
             </a:fld>
             <a:endParaRPr lang="en-GB"/>
           </a:p>
@@ -8031,7 +8039,7 @@
           <a:p>
             <a:fld id="{EB0080F8-EA1C-491D-963C-2C881B2F918F}" type="datetimeFigureOut">
               <a:rPr lang="en-GB" smtClean="0"/>
-              <a:t>16/02/2021</a:t>
+              <a:t>19/02/2021</a:t>
             </a:fld>
             <a:endParaRPr lang="en-GB"/>
           </a:p>
@@ -14771,8 +14779,8 @@
         </p:nvSpPr>
         <p:spPr>
           <a:xfrm>
-            <a:off x="398722" y="2128400"/>
-            <a:ext cx="3967655" cy="4018838"/>
+            <a:off x="398722" y="1770590"/>
+            <a:ext cx="4173278" cy="4369621"/>
           </a:xfrm>
         </p:spPr>
         <p:txBody>
@@ -14848,7 +14856,27 @@
                   </a:schemeClr>
                 </a:solidFill>
               </a:rPr>
-              <a:t>=blue</a:t>
+              <a:t>=blue, </a:t>
+            </a:r>
+            <a:r>
+              <a:rPr lang="en-GB" sz="2000" dirty="0" err="1">
+                <a:solidFill>
+                  <a:schemeClr val="accent4">
+                    <a:lumMod val="75000"/>
+                  </a:schemeClr>
+                </a:solidFill>
+              </a:rPr>
+              <a:t>citecolor</a:t>
+            </a:r>
+            <a:r>
+              <a:rPr lang="en-GB" sz="2000" dirty="0">
+                <a:solidFill>
+                  <a:schemeClr val="accent4">
+                    <a:lumMod val="75000"/>
+                  </a:schemeClr>
+                </a:solidFill>
+              </a:rPr>
+              <a:t>=red</a:t>
             </a:r>
             <a:r>
               <a:rPr lang="en-GB" sz="2000" dirty="0"/>
@@ -14970,6 +14998,46 @@
                 </a:solidFill>
               </a:rPr>
               <a:t>first_first_section</a:t>
+            </a:r>
+            <a:r>
+              <a:rPr lang="en-GB" sz="2000" dirty="0"/>
+              <a:t>} and read </a:t>
+            </a:r>
+            <a:r>
+              <a:rPr lang="en-GB" sz="2000" dirty="0">
+                <a:solidFill>
+                  <a:schemeClr val="tx2">
+                    <a:lumMod val="50000"/>
+                    <a:lumOff val="50000"/>
+                  </a:schemeClr>
+                </a:solidFill>
+              </a:rPr>
+              <a:t>\</a:t>
+            </a:r>
+            <a:r>
+              <a:rPr lang="en-GB" sz="2000" dirty="0" err="1">
+                <a:solidFill>
+                  <a:schemeClr val="tx2">
+                    <a:lumMod val="50000"/>
+                    <a:lumOff val="50000"/>
+                  </a:schemeClr>
+                </a:solidFill>
+              </a:rPr>
+              <a:t>citet</a:t>
+            </a:r>
+            <a:r>
+              <a:rPr lang="en-GB" sz="2000" dirty="0"/>
+              <a:t>{</a:t>
+            </a:r>
+            <a:r>
+              <a:rPr lang="en-GB" sz="2000" dirty="0">
+                <a:solidFill>
+                  <a:schemeClr val="accent2">
+                    <a:lumMod val="75000"/>
+                  </a:schemeClr>
+                </a:solidFill>
+              </a:rPr>
+              <a:t>Thor_2011</a:t>
             </a:r>
             <a:r>
               <a:rPr lang="en-GB" sz="2000" dirty="0"/>
@@ -15068,12 +15136,51 @@
           </a:fontRef>
         </p:style>
       </p:cxnSp>
+      <p:sp>
+        <p:nvSpPr>
+          <p:cNvPr id="6" name="TextBox 5">
+            <a:extLst>
+              <a:ext uri="{FF2B5EF4-FFF2-40B4-BE49-F238E27FC236}">
+                <a16:creationId xmlns:a16="http://schemas.microsoft.com/office/drawing/2014/main" id="{6C8FAF4D-4BF7-4B37-8E6A-A5836BF73F33}"/>
+              </a:ext>
+            </a:extLst>
+          </p:cNvPr>
+          <p:cNvSpPr txBox="1"/>
+          <p:nvPr/>
+        </p:nvSpPr>
+        <p:spPr>
+          <a:xfrm>
+            <a:off x="7357241" y="6498021"/>
+            <a:ext cx="1697422" cy="369332"/>
+          </a:xfrm>
+          <a:prstGeom prst="rect">
+            <a:avLst/>
+          </a:prstGeom>
+          <a:noFill/>
+        </p:spPr>
+        <p:txBody>
+          <a:bodyPr wrap="square" rtlCol="0">
+            <a:spAutoFit/>
+          </a:bodyPr>
+          <a:lstStyle/>
+          <a:p>
+            <a:r>
+              <a:rPr lang="en-GB" dirty="0">
+                <a:solidFill>
+                  <a:schemeClr val="accent2"/>
+                </a:solidFill>
+              </a:rPr>
+              <a:t>Problem Sheet</a:t>
+            </a:r>
+          </a:p>
+        </p:txBody>
+      </p:sp>
       <p:pic>
         <p:nvPicPr>
-          <p:cNvPr id="9" name="Picture 8">
+          <p:cNvPr id="7" name="Picture 6">
             <a:extLst>
               <a:ext uri="{FF2B5EF4-FFF2-40B4-BE49-F238E27FC236}">
-                <a16:creationId xmlns:a16="http://schemas.microsoft.com/office/drawing/2014/main" id="{2E19C8C3-86AB-4B77-AF62-93E75F11DE42}"/>
+                <a16:creationId xmlns:a16="http://schemas.microsoft.com/office/drawing/2014/main" id="{22E21FE2-F7DA-4513-950B-35300CECA53F}"/>
               </a:ext>
             </a:extLst>
           </p:cNvPr>
@@ -15090,8 +15197,8 @@
         </p:blipFill>
         <p:spPr>
           <a:xfrm>
-            <a:off x="4995347" y="2785241"/>
-            <a:ext cx="3916202" cy="2708496"/>
+            <a:off x="4842642" y="2581657"/>
+            <a:ext cx="3977658" cy="2757240"/>
           </a:xfrm>
           <a:prstGeom prst="rect">
             <a:avLst/>
@@ -15153,208 +15260,6 @@
           <a:p>
             <a:r>
               <a:rPr lang="en-GB" sz="4000" dirty="0"/>
-              <a:t>Graphics Path</a:t>
-            </a:r>
-          </a:p>
-        </p:txBody>
-      </p:sp>
-      <p:sp>
-        <p:nvSpPr>
-          <p:cNvPr id="7" name="Content Placeholder 6">
-            <a:extLst>
-              <a:ext uri="{FF2B5EF4-FFF2-40B4-BE49-F238E27FC236}">
-                <a16:creationId xmlns:a16="http://schemas.microsoft.com/office/drawing/2014/main" id="{A4668B92-0976-4E36-A913-C47498FEE667}"/>
-              </a:ext>
-            </a:extLst>
-          </p:cNvPr>
-          <p:cNvSpPr>
-            <a:spLocks noGrp="1"/>
-          </p:cNvSpPr>
-          <p:nvPr>
-            <p:ph idx="1"/>
-          </p:nvPr>
-        </p:nvSpPr>
-        <p:spPr>
-          <a:xfrm>
-            <a:off x="457200" y="1417638"/>
-            <a:ext cx="8229600" cy="4525963"/>
-          </a:xfrm>
-        </p:spPr>
-        <p:txBody>
-          <a:bodyPr/>
-          <a:lstStyle/>
-          <a:p>
-            <a:r>
-              <a:rPr lang="en-GB" sz="2800" dirty="0"/>
-              <a:t>You can set where LaTeX should look for the graphics to be used in your document</a:t>
-            </a:r>
-          </a:p>
-          <a:p>
-            <a:r>
-              <a:rPr lang="en-GB" sz="2800" dirty="0"/>
-              <a:t>Useful for separating figures for different chapters and the .</a:t>
-            </a:r>
-            <a:r>
-              <a:rPr lang="en-GB" sz="2800" dirty="0" err="1"/>
-              <a:t>tex</a:t>
-            </a:r>
-            <a:r>
-              <a:rPr lang="en-GB" sz="2800" dirty="0"/>
-              <a:t> files</a:t>
-            </a:r>
-          </a:p>
-          <a:p>
-            <a:r>
-              <a:rPr lang="en-GB" sz="2800" dirty="0"/>
-              <a:t>The command </a:t>
-            </a:r>
-            <a:r>
-              <a:rPr lang="en-GB" sz="2800" dirty="0">
-                <a:solidFill>
-                  <a:schemeClr val="tx2">
-                    <a:lumMod val="50000"/>
-                    <a:lumOff val="50000"/>
-                  </a:schemeClr>
-                </a:solidFill>
-              </a:rPr>
-              <a:t>\</a:t>
-            </a:r>
-            <a:r>
-              <a:rPr lang="en-GB" sz="2800" dirty="0" err="1">
-                <a:solidFill>
-                  <a:schemeClr val="tx2">
-                    <a:lumMod val="50000"/>
-                    <a:lumOff val="50000"/>
-                  </a:schemeClr>
-                </a:solidFill>
-              </a:rPr>
-              <a:t>graphicspath</a:t>
-            </a:r>
-            <a:r>
-              <a:rPr lang="en-GB" sz="2800" dirty="0">
-                <a:solidFill>
-                  <a:schemeClr val="tx2">
-                    <a:lumMod val="50000"/>
-                    <a:lumOff val="50000"/>
-                  </a:schemeClr>
-                </a:solidFill>
-              </a:rPr>
-              <a:t> {{./FOLDER1/} {./FOLDER2/}} </a:t>
-            </a:r>
-            <a:r>
-              <a:rPr lang="en-GB" sz="2800" dirty="0"/>
-              <a:t>will tell LaTeX to look in the folders named “FOLDER1” and “FOLDER2” in the directory of the .</a:t>
-            </a:r>
-            <a:r>
-              <a:rPr lang="en-GB" sz="2800" dirty="0" err="1"/>
-              <a:t>tex</a:t>
-            </a:r>
-            <a:r>
-              <a:rPr lang="en-GB" sz="2800" dirty="0"/>
-              <a:t> file</a:t>
-            </a:r>
-            <a:endParaRPr lang="en-GB" sz="2400" dirty="0"/>
-          </a:p>
-          <a:p>
-            <a:pPr lvl="1"/>
-            <a:endParaRPr lang="en-GB" sz="1600" dirty="0"/>
-          </a:p>
-        </p:txBody>
-      </p:sp>
-      <p:sp>
-        <p:nvSpPr>
-          <p:cNvPr id="4" name="TextBox 3">
-            <a:extLst>
-              <a:ext uri="{FF2B5EF4-FFF2-40B4-BE49-F238E27FC236}">
-                <a16:creationId xmlns:a16="http://schemas.microsoft.com/office/drawing/2014/main" id="{398C5D47-C6D2-45C0-8D24-2F32A438F365}"/>
-              </a:ext>
-            </a:extLst>
-          </p:cNvPr>
-          <p:cNvSpPr txBox="1"/>
-          <p:nvPr/>
-        </p:nvSpPr>
-        <p:spPr>
-          <a:xfrm>
-            <a:off x="7357241" y="6498021"/>
-            <a:ext cx="1697422" cy="369332"/>
-          </a:xfrm>
-          <a:prstGeom prst="rect">
-            <a:avLst/>
-          </a:prstGeom>
-          <a:noFill/>
-        </p:spPr>
-        <p:txBody>
-          <a:bodyPr wrap="square" rtlCol="0">
-            <a:spAutoFit/>
-          </a:bodyPr>
-          <a:lstStyle/>
-          <a:p>
-            <a:r>
-              <a:rPr lang="en-GB" dirty="0">
-                <a:solidFill>
-                  <a:schemeClr val="accent2"/>
-                </a:solidFill>
-              </a:rPr>
-              <a:t>Problem Sheet</a:t>
-            </a:r>
-          </a:p>
-        </p:txBody>
-      </p:sp>
-    </p:spTree>
-    <p:extLst>
-      <p:ext uri="{BB962C8B-B14F-4D97-AF65-F5344CB8AC3E}">
-        <p14:creationId xmlns:p14="http://schemas.microsoft.com/office/powerpoint/2010/main" val="358316703"/>
-      </p:ext>
-    </p:extLst>
-  </p:cSld>
-  <p:clrMapOvr>
-    <a:masterClrMapping/>
-  </p:clrMapOvr>
-  <mc:AlternateContent xmlns:mc="http://schemas.openxmlformats.org/markup-compatibility/2006" xmlns:p14="http://schemas.microsoft.com/office/powerpoint/2010/main">
-    <mc:Choice Requires="p14">
-      <p:transition p14:dur="10"/>
-    </mc:Choice>
-    <mc:Fallback xmlns="">
-      <p:transition/>
-    </mc:Fallback>
-  </mc:AlternateContent>
-</p:sld>
-</file>
-
-<file path=ppt/slides/slide29.xml><?xml version="1.0" encoding="utf-8"?>
-<p:sld xmlns:a="http://schemas.openxmlformats.org/drawingml/2006/main" xmlns:r="http://schemas.openxmlformats.org/officeDocument/2006/relationships" xmlns:p="http://schemas.openxmlformats.org/presentationml/2006/main">
-  <p:cSld>
-    <p:spTree>
-      <p:nvGrpSpPr>
-        <p:cNvPr id="1" name=""/>
-        <p:cNvGrpSpPr/>
-        <p:nvPr/>
-      </p:nvGrpSpPr>
-      <p:grpSpPr>
-        <a:xfrm>
-          <a:off x="0" y="0"/>
-          <a:ext cx="0" cy="0"/>
-          <a:chOff x="0" y="0"/>
-          <a:chExt cx="0" cy="0"/>
-        </a:xfrm>
-      </p:grpSpPr>
-      <p:sp>
-        <p:nvSpPr>
-          <p:cNvPr id="2" name="Title 1"/>
-          <p:cNvSpPr>
-            <a:spLocks noGrp="1"/>
-          </p:cNvSpPr>
-          <p:nvPr>
-            <p:ph type="title"/>
-          </p:nvPr>
-        </p:nvSpPr>
-        <p:spPr/>
-        <p:txBody>
-          <a:bodyPr/>
-          <a:lstStyle/>
-          <a:p>
-            <a:r>
-              <a:rPr lang="en-GB" sz="4000" dirty="0"/>
               <a:t>Subfigures</a:t>
             </a:r>
           </a:p>
@@ -16121,7 +16026,7 @@
                   </a:schemeClr>
                 </a:solidFill>
               </a:rPr>
-              <a:t>figures</a:t>
+              <a:t>rivers</a:t>
             </a:r>
             <a:r>
               <a:rPr lang="en-GB" sz="1500" dirty="0"/>
@@ -16277,45 +16182,6 @@
           </a:fontRef>
         </p:style>
       </p:cxnSp>
-      <p:sp>
-        <p:nvSpPr>
-          <p:cNvPr id="6" name="TextBox 5">
-            <a:extLst>
-              <a:ext uri="{FF2B5EF4-FFF2-40B4-BE49-F238E27FC236}">
-                <a16:creationId xmlns:a16="http://schemas.microsoft.com/office/drawing/2014/main" id="{CF904172-DE3A-4AA5-B8AB-6E4C4800BE33}"/>
-              </a:ext>
-            </a:extLst>
-          </p:cNvPr>
-          <p:cNvSpPr txBox="1"/>
-          <p:nvPr/>
-        </p:nvSpPr>
-        <p:spPr>
-          <a:xfrm>
-            <a:off x="7357241" y="6498021"/>
-            <a:ext cx="1697422" cy="369332"/>
-          </a:xfrm>
-          <a:prstGeom prst="rect">
-            <a:avLst/>
-          </a:prstGeom>
-          <a:noFill/>
-        </p:spPr>
-        <p:txBody>
-          <a:bodyPr wrap="square" rtlCol="0">
-            <a:spAutoFit/>
-          </a:bodyPr>
-          <a:lstStyle/>
-          <a:p>
-            <a:r>
-              <a:rPr lang="en-GB" dirty="0">
-                <a:solidFill>
-                  <a:schemeClr val="accent2"/>
-                </a:solidFill>
-              </a:rPr>
-              <a:t>Problem Sheet</a:t>
-            </a:r>
-          </a:p>
-        </p:txBody>
-      </p:sp>
       <p:pic>
         <p:nvPicPr>
           <p:cNvPr id="5" name="Picture 4">
@@ -16350,6 +16216,208 @@
     <p:extLst>
       <p:ext uri="{BB962C8B-B14F-4D97-AF65-F5344CB8AC3E}">
         <p14:creationId xmlns:p14="http://schemas.microsoft.com/office/powerpoint/2010/main" val="3366996886"/>
+      </p:ext>
+    </p:extLst>
+  </p:cSld>
+  <p:clrMapOvr>
+    <a:masterClrMapping/>
+  </p:clrMapOvr>
+  <mc:AlternateContent xmlns:mc="http://schemas.openxmlformats.org/markup-compatibility/2006" xmlns:p14="http://schemas.microsoft.com/office/powerpoint/2010/main">
+    <mc:Choice Requires="p14">
+      <p:transition p14:dur="10"/>
+    </mc:Choice>
+    <mc:Fallback xmlns="">
+      <p:transition/>
+    </mc:Fallback>
+  </mc:AlternateContent>
+</p:sld>
+</file>
+
+<file path=ppt/slides/slide29.xml><?xml version="1.0" encoding="utf-8"?>
+<p:sld xmlns:a="http://schemas.openxmlformats.org/drawingml/2006/main" xmlns:r="http://schemas.openxmlformats.org/officeDocument/2006/relationships" xmlns:p="http://schemas.openxmlformats.org/presentationml/2006/main">
+  <p:cSld>
+    <p:spTree>
+      <p:nvGrpSpPr>
+        <p:cNvPr id="1" name=""/>
+        <p:cNvGrpSpPr/>
+        <p:nvPr/>
+      </p:nvGrpSpPr>
+      <p:grpSpPr>
+        <a:xfrm>
+          <a:off x="0" y="0"/>
+          <a:ext cx="0" cy="0"/>
+          <a:chOff x="0" y="0"/>
+          <a:chExt cx="0" cy="0"/>
+        </a:xfrm>
+      </p:grpSpPr>
+      <p:sp>
+        <p:nvSpPr>
+          <p:cNvPr id="2" name="Title 1"/>
+          <p:cNvSpPr>
+            <a:spLocks noGrp="1"/>
+          </p:cNvSpPr>
+          <p:nvPr>
+            <p:ph type="title"/>
+          </p:nvPr>
+        </p:nvSpPr>
+        <p:spPr/>
+        <p:txBody>
+          <a:bodyPr/>
+          <a:lstStyle/>
+          <a:p>
+            <a:r>
+              <a:rPr lang="en-GB" sz="4000" dirty="0"/>
+              <a:t>Graphics Path</a:t>
+            </a:r>
+          </a:p>
+        </p:txBody>
+      </p:sp>
+      <p:sp>
+        <p:nvSpPr>
+          <p:cNvPr id="7" name="Content Placeholder 6">
+            <a:extLst>
+              <a:ext uri="{FF2B5EF4-FFF2-40B4-BE49-F238E27FC236}">
+                <a16:creationId xmlns:a16="http://schemas.microsoft.com/office/drawing/2014/main" id="{A4668B92-0976-4E36-A913-C47498FEE667}"/>
+              </a:ext>
+            </a:extLst>
+          </p:cNvPr>
+          <p:cNvSpPr>
+            <a:spLocks noGrp="1"/>
+          </p:cNvSpPr>
+          <p:nvPr>
+            <p:ph idx="1"/>
+          </p:nvPr>
+        </p:nvSpPr>
+        <p:spPr>
+          <a:xfrm>
+            <a:off x="457200" y="1417638"/>
+            <a:ext cx="8229600" cy="4525963"/>
+          </a:xfrm>
+        </p:spPr>
+        <p:txBody>
+          <a:bodyPr/>
+          <a:lstStyle/>
+          <a:p>
+            <a:r>
+              <a:rPr lang="en-GB" sz="2800" dirty="0"/>
+              <a:t>You can set where LaTeX should look for the graphics to be used in your document</a:t>
+            </a:r>
+          </a:p>
+          <a:p>
+            <a:r>
+              <a:rPr lang="en-GB" sz="2800" dirty="0"/>
+              <a:t>Useful for separating figures for different chapters and the .</a:t>
+            </a:r>
+            <a:r>
+              <a:rPr lang="en-GB" sz="2800" dirty="0" err="1"/>
+              <a:t>tex</a:t>
+            </a:r>
+            <a:r>
+              <a:rPr lang="en-GB" sz="2800" dirty="0"/>
+              <a:t> files</a:t>
+            </a:r>
+          </a:p>
+          <a:p>
+            <a:r>
+              <a:rPr lang="en-GB" sz="2800" dirty="0"/>
+              <a:t>The command </a:t>
+            </a:r>
+            <a:r>
+              <a:rPr lang="en-GB" sz="2800" dirty="0">
+                <a:solidFill>
+                  <a:schemeClr val="tx2">
+                    <a:lumMod val="50000"/>
+                    <a:lumOff val="50000"/>
+                  </a:schemeClr>
+                </a:solidFill>
+              </a:rPr>
+              <a:t>\</a:t>
+            </a:r>
+            <a:r>
+              <a:rPr lang="en-GB" sz="2800" dirty="0" err="1">
+                <a:solidFill>
+                  <a:schemeClr val="tx2">
+                    <a:lumMod val="50000"/>
+                    <a:lumOff val="50000"/>
+                  </a:schemeClr>
+                </a:solidFill>
+              </a:rPr>
+              <a:t>graphicspath</a:t>
+            </a:r>
+            <a:r>
+              <a:rPr lang="en-GB" sz="2800" dirty="0">
+                <a:solidFill>
+                  <a:schemeClr val="tx2">
+                    <a:lumMod val="50000"/>
+                    <a:lumOff val="50000"/>
+                  </a:schemeClr>
+                </a:solidFill>
+              </a:rPr>
+              <a:t> {{./FOLDER1/} {./FOLDER2/}} </a:t>
+            </a:r>
+            <a:r>
+              <a:rPr lang="en-GB" sz="2800" dirty="0"/>
+              <a:t>will tell LaTeX to look in the folders named “FOLDER1” and “FOLDER2” in the directory of the .</a:t>
+            </a:r>
+            <a:r>
+              <a:rPr lang="en-GB" sz="2800" dirty="0" err="1"/>
+              <a:t>tex</a:t>
+            </a:r>
+            <a:r>
+              <a:rPr lang="en-GB" sz="2800" dirty="0"/>
+              <a:t> file</a:t>
+            </a:r>
+            <a:endParaRPr lang="en-GB" sz="2400" dirty="0"/>
+          </a:p>
+          <a:p>
+            <a:pPr lvl="1"/>
+            <a:endParaRPr lang="en-GB" sz="1600" dirty="0"/>
+          </a:p>
+        </p:txBody>
+      </p:sp>
+      <p:sp>
+        <p:nvSpPr>
+          <p:cNvPr id="4" name="TextBox 3">
+            <a:extLst>
+              <a:ext uri="{FF2B5EF4-FFF2-40B4-BE49-F238E27FC236}">
+                <a16:creationId xmlns:a16="http://schemas.microsoft.com/office/drawing/2014/main" id="{398C5D47-C6D2-45C0-8D24-2F32A438F365}"/>
+              </a:ext>
+            </a:extLst>
+          </p:cNvPr>
+          <p:cNvSpPr txBox="1"/>
+          <p:nvPr/>
+        </p:nvSpPr>
+        <p:spPr>
+          <a:xfrm>
+            <a:off x="7357241" y="6498021"/>
+            <a:ext cx="1697422" cy="369332"/>
+          </a:xfrm>
+          <a:prstGeom prst="rect">
+            <a:avLst/>
+          </a:prstGeom>
+          <a:noFill/>
+        </p:spPr>
+        <p:txBody>
+          <a:bodyPr wrap="square" rtlCol="0">
+            <a:spAutoFit/>
+          </a:bodyPr>
+          <a:lstStyle/>
+          <a:p>
+            <a:r>
+              <a:rPr lang="en-GB" dirty="0">
+                <a:solidFill>
+                  <a:schemeClr val="accent2"/>
+                </a:solidFill>
+              </a:rPr>
+              <a:t>Problem Sheet</a:t>
+            </a:r>
+          </a:p>
+        </p:txBody>
+      </p:sp>
+    </p:spTree>
+    <p:extLst>
+      <p:ext uri="{BB962C8B-B14F-4D97-AF65-F5344CB8AC3E}">
+        <p14:creationId xmlns:p14="http://schemas.microsoft.com/office/powerpoint/2010/main" val="358316703"/>
       </p:ext>
     </p:extLst>
   </p:cSld>
@@ -21172,7 +21240,7 @@
                   </a:schemeClr>
                 </a:solidFill>
               </a:rPr>
-              <a:t>twosided</a:t>
+              <a:t>twoside</a:t>
             </a:r>
             <a:r>
               <a:rPr lang="en-GB" sz="2400" dirty="0"/>

--- a/Writing Theses in Latex Slides.pptx
+++ b/Writing Theses in Latex Slides.pptx
@@ -470,7 +470,7 @@
           <a:p>
             <a:fld id="{88EB714B-C3CC-4216-88C1-02913905B1CF}" type="datetimeFigureOut">
               <a:rPr lang="en-GB" smtClean="0"/>
-              <a:t>19/02/2021</a:t>
+              <a:t>19/03/2021</a:t>
             </a:fld>
             <a:endParaRPr lang="en-GB"/>
           </a:p>
@@ -6356,7 +6356,7 @@
           <a:p>
             <a:fld id="{EB0080F8-EA1C-491D-963C-2C881B2F918F}" type="datetimeFigureOut">
               <a:rPr lang="en-GB" smtClean="0"/>
-              <a:t>19/02/2021</a:t>
+              <a:t>19/03/2021</a:t>
             </a:fld>
             <a:endParaRPr lang="en-GB"/>
           </a:p>
@@ -6506,7 +6506,7 @@
           <a:p>
             <a:fld id="{EB0080F8-EA1C-491D-963C-2C881B2F918F}" type="datetimeFigureOut">
               <a:rPr lang="en-GB" smtClean="0"/>
-              <a:t>19/02/2021</a:t>
+              <a:t>19/03/2021</a:t>
             </a:fld>
             <a:endParaRPr lang="en-GB"/>
           </a:p>
@@ -8039,7 +8039,7 @@
           <a:p>
             <a:fld id="{EB0080F8-EA1C-491D-963C-2C881B2F918F}" type="datetimeFigureOut">
               <a:rPr lang="en-GB" smtClean="0"/>
-              <a:t>19/02/2021</a:t>
+              <a:t>19/03/2021</a:t>
             </a:fld>
             <a:endParaRPr lang="en-GB"/>
           </a:p>
@@ -8626,15 +8626,15 @@
               <a:t>May be achieved using the </a:t>
             </a:r>
             <a:r>
-              <a:rPr lang="en-GB" sz="2400" dirty="0" err="1">
-                <a:solidFill>
-                  <a:schemeClr val="tx2">
-                    <a:lumMod val="50000"/>
-                    <a:lumOff val="50000"/>
-                  </a:schemeClr>
-                </a:solidFill>
-              </a:rPr>
-              <a:t>setpsace</a:t>
+              <a:rPr lang="en-GB" sz="2400">
+                <a:solidFill>
+                  <a:schemeClr val="tx2">
+                    <a:lumMod val="50000"/>
+                    <a:lumOff val="50000"/>
+                  </a:schemeClr>
+                </a:solidFill>
+              </a:rPr>
+              <a:t>setspace</a:t>
             </a:r>
             <a:r>
               <a:rPr lang="en-GB" sz="2400" dirty="0"/>

--- a/Writing Theses in Latex Slides.pptx
+++ b/Writing Theses in Latex Slides.pptx
@@ -8626,7 +8626,7 @@
               <a:t>May be achieved using the </a:t>
             </a:r>
             <a:r>
-              <a:rPr lang="en-GB" sz="2400">
+              <a:rPr lang="en-GB" sz="2400" dirty="0" err="1">
                 <a:solidFill>
                   <a:schemeClr val="tx2">
                     <a:lumMod val="50000"/>
@@ -16212,6 +16212,45 @@
           </a:prstGeom>
         </p:spPr>
       </p:pic>
+      <p:sp>
+        <p:nvSpPr>
+          <p:cNvPr id="6" name="TextBox 5">
+            <a:extLst>
+              <a:ext uri="{FF2B5EF4-FFF2-40B4-BE49-F238E27FC236}">
+                <a16:creationId xmlns:a16="http://schemas.microsoft.com/office/drawing/2014/main" id="{21668616-D758-4993-9269-462401CCC31D}"/>
+              </a:ext>
+            </a:extLst>
+          </p:cNvPr>
+          <p:cNvSpPr txBox="1"/>
+          <p:nvPr/>
+        </p:nvSpPr>
+        <p:spPr>
+          <a:xfrm>
+            <a:off x="7357241" y="6498021"/>
+            <a:ext cx="1697422" cy="369332"/>
+          </a:xfrm>
+          <a:prstGeom prst="rect">
+            <a:avLst/>
+          </a:prstGeom>
+          <a:noFill/>
+        </p:spPr>
+        <p:txBody>
+          <a:bodyPr wrap="square" rtlCol="0">
+            <a:spAutoFit/>
+          </a:bodyPr>
+          <a:lstStyle/>
+          <a:p>
+            <a:r>
+              <a:rPr lang="en-GB" dirty="0">
+                <a:solidFill>
+                  <a:schemeClr val="accent2"/>
+                </a:solidFill>
+              </a:rPr>
+              <a:t>Problem Sheet</a:t>
+            </a:r>
+          </a:p>
+        </p:txBody>
+      </p:sp>
     </p:spTree>
     <p:extLst>
       <p:ext uri="{BB962C8B-B14F-4D97-AF65-F5344CB8AC3E}">

--- a/Writing Theses in Latex Slides.pptx
+++ b/Writing Theses in Latex Slides.pptx
@@ -5,10 +5,10 @@
     <p:sldMasterId id="2147483648" r:id="rId1"/>
   </p:sldMasterIdLst>
   <p:notesMasterIdLst>
-    <p:notesMasterId r:id="rId43"/>
+    <p:notesMasterId r:id="rId40"/>
   </p:notesMasterIdLst>
   <p:handoutMasterIdLst>
-    <p:handoutMasterId r:id="rId44"/>
+    <p:handoutMasterId r:id="rId41"/>
   </p:handoutMasterIdLst>
   <p:sldIdLst>
     <p:sldId id="264" r:id="rId2"/>
@@ -25,33 +25,30 @@
     <p:sldId id="303" r:id="rId13"/>
     <p:sldId id="304" r:id="rId14"/>
     <p:sldId id="307" r:id="rId15"/>
-    <p:sldId id="305" r:id="rId16"/>
-    <p:sldId id="306" r:id="rId17"/>
-    <p:sldId id="308" r:id="rId18"/>
-    <p:sldId id="309" r:id="rId19"/>
-    <p:sldId id="310" r:id="rId20"/>
-    <p:sldId id="311" r:id="rId21"/>
-    <p:sldId id="329" r:id="rId22"/>
-    <p:sldId id="320" r:id="rId23"/>
-    <p:sldId id="312" r:id="rId24"/>
-    <p:sldId id="316" r:id="rId25"/>
-    <p:sldId id="315" r:id="rId26"/>
-    <p:sldId id="317" r:id="rId27"/>
-    <p:sldId id="313" r:id="rId28"/>
-    <p:sldId id="314" r:id="rId29"/>
-    <p:sldId id="318" r:id="rId30"/>
-    <p:sldId id="286" r:id="rId31"/>
-    <p:sldId id="319" r:id="rId32"/>
-    <p:sldId id="321" r:id="rId33"/>
-    <p:sldId id="322" r:id="rId34"/>
-    <p:sldId id="323" r:id="rId35"/>
-    <p:sldId id="326" r:id="rId36"/>
-    <p:sldId id="325" r:id="rId37"/>
-    <p:sldId id="327" r:id="rId38"/>
-    <p:sldId id="330" r:id="rId39"/>
-    <p:sldId id="328" r:id="rId40"/>
-    <p:sldId id="331" r:id="rId41"/>
-    <p:sldId id="280" r:id="rId42"/>
+    <p:sldId id="308" r:id="rId16"/>
+    <p:sldId id="309" r:id="rId17"/>
+    <p:sldId id="310" r:id="rId18"/>
+    <p:sldId id="311" r:id="rId19"/>
+    <p:sldId id="332" r:id="rId20"/>
+    <p:sldId id="329" r:id="rId21"/>
+    <p:sldId id="312" r:id="rId22"/>
+    <p:sldId id="316" r:id="rId23"/>
+    <p:sldId id="315" r:id="rId24"/>
+    <p:sldId id="317" r:id="rId25"/>
+    <p:sldId id="313" r:id="rId26"/>
+    <p:sldId id="314" r:id="rId27"/>
+    <p:sldId id="318" r:id="rId28"/>
+    <p:sldId id="286" r:id="rId29"/>
+    <p:sldId id="319" r:id="rId30"/>
+    <p:sldId id="321" r:id="rId31"/>
+    <p:sldId id="322" r:id="rId32"/>
+    <p:sldId id="323" r:id="rId33"/>
+    <p:sldId id="326" r:id="rId34"/>
+    <p:sldId id="325" r:id="rId35"/>
+    <p:sldId id="327" r:id="rId36"/>
+    <p:sldId id="330" r:id="rId37"/>
+    <p:sldId id="328" r:id="rId38"/>
+    <p:sldId id="280" r:id="rId39"/>
   </p:sldIdLst>
   <p:sldSz cx="9144000" cy="6858000" type="screen4x3"/>
   <p:notesSz cx="7099300" cy="10234613"/>
@@ -169,14 +166,12 @@
             <p14:sldId id="303"/>
             <p14:sldId id="304"/>
             <p14:sldId id="307"/>
-            <p14:sldId id="305"/>
-            <p14:sldId id="306"/>
             <p14:sldId id="308"/>
             <p14:sldId id="309"/>
             <p14:sldId id="310"/>
             <p14:sldId id="311"/>
+            <p14:sldId id="332"/>
             <p14:sldId id="329"/>
-            <p14:sldId id="320"/>
             <p14:sldId id="312"/>
             <p14:sldId id="316"/>
             <p14:sldId id="315"/>
@@ -194,7 +189,6 @@
             <p14:sldId id="327"/>
             <p14:sldId id="330"/>
             <p14:sldId id="328"/>
-            <p14:sldId id="331"/>
             <p14:sldId id="280"/>
           </p14:sldIdLst>
         </p14:section>
@@ -470,7 +464,7 @@
           <a:p>
             <a:fld id="{88EB714B-C3CC-4216-88C1-02913905B1CF}" type="datetimeFigureOut">
               <a:rPr lang="en-GB" smtClean="0"/>
-              <a:t>19/03/2021</a:t>
+              <a:t>16/04/2021</a:t>
             </a:fld>
             <a:endParaRPr lang="en-GB"/>
           </a:p>
@@ -1059,15 +1053,7 @@
           <a:p>
             <a:r>
               <a:rPr lang="en-GB" dirty="0"/>
-              <a:t>Text is required to be 1.5 times or </a:t>
-            </a:r>
-            <a:r>
-              <a:rPr lang="en-GB" dirty="0" err="1"/>
-              <a:t>doublespaced</a:t>
-            </a:r>
-            <a:r>
-              <a:rPr lang="en-GB" dirty="0"/>
-              <a:t>, primarily to allow the examiners to annotate as they desire. The exceptions made for this are for indented quotations and footnotes.</a:t>
+              <a:t>You may want to use a larger line spacing for your thesis. This makes it easier for an examiner to annotate a printed copy of your thesis – and making life easier for them is not a bad thing.</a:t>
             </a:r>
           </a:p>
           <a:p>
@@ -1088,19 +1074,11 @@
             </a:r>
             <a:r>
               <a:rPr lang="en-GB" dirty="0" err="1"/>
-              <a:t>doublescpaing</a:t>
-            </a:r>
-            <a:r>
-              <a:rPr lang="en-GB" dirty="0"/>
-              <a:t>” or “\</a:t>
-            </a:r>
-            <a:r>
-              <a:rPr lang="en-GB" dirty="0" err="1"/>
-              <a:t>onehalfspacing</a:t>
-            </a:r>
-            <a:r>
-              <a:rPr lang="en-GB" dirty="0"/>
-              <a:t>” commands (with those all commands going in the preamble). This package will set the spacing everywhere but captions and footnotes. This is sufficient for most applications, but it doesn’t technically fulfil the requirement that only footnotes and quotes may be single-spaced.</a:t>
+              <a:t>linespread</a:t>
+            </a:r>
+            <a:r>
+              <a:rPr lang="en-GB" dirty="0"/>
+              <a:t> command where the argument in curly brackets gives the amount the normal spacing is to be multiplied by (so try using 1.5 or 2). This takes everywhere except the footnotes. Again, this command is placed in the preamble.</a:t>
             </a:r>
             <a:br>
               <a:rPr lang="en-GB" dirty="0"/>
@@ -1110,24 +1088,6 @@
             </a:br>
             <a:r>
               <a:rPr lang="en-GB" dirty="0"/>
-              <a:t>Another option is to use the “\</a:t>
-            </a:r>
-            <a:r>
-              <a:rPr lang="en-GB" dirty="0" err="1"/>
-              <a:t>linespread</a:t>
-            </a:r>
-            <a:r>
-              <a:rPr lang="en-GB" dirty="0"/>
-              <a:t> command where the argument in curly brackets gives the amount the normal spacing is to be multiplied by (so try using 1.5 or 2). This takes effect literally everywhere and so will definitely fulfil the thesis requirements. Again, this command is placed in the preamble.</a:t>
-            </a:r>
-            <a:br>
-              <a:rPr lang="en-GB" dirty="0"/>
-            </a:br>
-            <a:br>
-              <a:rPr lang="en-GB" dirty="0"/>
-            </a:br>
-            <a:r>
-              <a:rPr lang="en-GB" dirty="0"/>
               <a:t>The </a:t>
             </a:r>
             <a:r>
@@ -1144,7 +1104,7 @@
             </a:r>
             <a:r>
               <a:rPr lang="en-GB" dirty="0"/>
-              <a:t> environment which allows text in a selected part of the main document to be forced to be single-line spaced. This can be used for footnotes and quotations as required.</a:t>
+              <a:t> environment which allows text in a selected part of the main document to be forced to be single-line spaced. This can be used for extended quotations that the examiner shouldn’t need to annotate.</a:t>
             </a:r>
           </a:p>
         </p:txBody>
@@ -1384,16 +1344,7 @@
           <a:p>
             <a:r>
               <a:rPr lang="en-GB" dirty="0"/>
-              <a:t>Due to branding reasons, use of the Imperial crest is not allowed outside a limited range of uses and is not allowed on your thesis cover. However, you are allowed to use the Imperial College logo if you wish.</a:t>
-            </a:r>
-          </a:p>
-          <a:p>
-            <a:endParaRPr lang="en-GB" dirty="0"/>
-          </a:p>
-          <a:p>
-            <a:r>
-              <a:rPr lang="en-GB" dirty="0"/>
-              <a:t>Your thesis cover must contain the officially approved title of your thesis, your full name, the name “Imperial College” and the name of your department and the name of the degree you are submitting your thesis for. Your title page must also contain a page number. This causes a problem if you would normally use the “titlepage” construct in LaTeX as this specifically removes the page number from the page. There are a couple of ways around this. On the next slide, you will see the one of the simplest ones.</a:t>
+              <a:t>ICR doesn’t have strict requirements (that I’m aware of) of what is on your title page. But there are a few things you might like to include.</a:t>
             </a:r>
           </a:p>
         </p:txBody>
@@ -1497,7 +1448,7 @@
           <a:p>
             <a:r>
               <a:rPr lang="en-GB" dirty="0"/>
-              <a:t>The include graphics command allows us to include the Imperial College logo. Remember you will need to upload this to Overleaf or, if you’re using a compiler on your machine, place a corresponding image file in the same directory as your </a:t>
+              <a:t>The include graphics command allows us to include the ICR logo. Remember you will need to upload this to Overleaf or, if you’re using a compiler on your machine, place a corresponding image file in the same directory as your </a:t>
             </a:r>
             <a:r>
               <a:rPr lang="en-GB" dirty="0" err="1"/>
@@ -1572,15 +1523,7 @@
           <a:p>
             <a:r>
               <a:rPr lang="en-GB" dirty="0"/>
-              <a:t>We’ve chosen not to use the </a:t>
-            </a:r>
-            <a:r>
-              <a:rPr lang="en-GB" dirty="0" err="1"/>
-              <a:t>titlepage</a:t>
-            </a:r>
-            <a:r>
-              <a:rPr lang="en-GB" dirty="0"/>
-              <a:t> environment here as this environment excludes does not allow page numbers to appear and, as you may recall, we are specifically required to have a page number on the title page.</a:t>
+              <a:t>We’ve chosen not to use the titlepage environment here as this environment excludes does not allow page numbers to appear.</a:t>
             </a:r>
             <a:br>
               <a:rPr lang="en-GB" dirty="0"/>
@@ -1590,7 +1533,7 @@
             </a:br>
             <a:r>
               <a:rPr lang="en-GB" dirty="0"/>
-              <a:t>Overleaf example: https://www.overleaf.com/read/pxpnjjjztrkh</a:t>
+              <a:t>Overleaf example: https://www.overleaf.com/read/bfhqcfhxxbzt</a:t>
             </a:r>
           </a:p>
           <a:p>
@@ -1684,7 +1627,37 @@
           <a:bodyPr/>
           <a:lstStyle/>
           <a:p>
+            <a:r>
+              <a:rPr lang="en-GB" dirty="0"/>
+              <a:t>There are several short sections you might want to include at the start of your thesis.</a:t>
+            </a:r>
+          </a:p>
+          <a:p>
             <a:endParaRPr lang="en-GB" dirty="0"/>
+          </a:p>
+          <a:p>
+            <a:r>
+              <a:rPr lang="en-GB" dirty="0"/>
+              <a:t>An abstract tells the story of your thesis in a few hundred words.</a:t>
+            </a:r>
+          </a:p>
+          <a:p>
+            <a:endParaRPr lang="en-GB" dirty="0"/>
+          </a:p>
+          <a:p>
+            <a:r>
+              <a:rPr lang="en-GB" dirty="0"/>
+              <a:t>A statement of originality may be required to assert the work is your own (or otherwise properly referenced).</a:t>
+            </a:r>
+          </a:p>
+          <a:p>
+            <a:endParaRPr lang="en-GB" dirty="0"/>
+          </a:p>
+          <a:p>
+            <a:r>
+              <a:rPr lang="en-GB" dirty="0"/>
+              <a:t>A copyright declaration might be useful if others will see your thesis. It tells them what they might do with it. Perhaps select a Creative Commons licence: https://creativecommons.org/share-your-work/</a:t>
+            </a:r>
           </a:p>
         </p:txBody>
       </p:sp>
@@ -1770,7 +1743,25 @@
           <a:p>
             <a:r>
               <a:rPr lang="en-GB" dirty="0"/>
-              <a:t>Many things are required to be “at the beginning of your thesis” in the checklist. I’ve laid them out here in what I think is a sensible order.</a:t>
+              <a:t>Here we insert the Abstract, Statement of Originality, Copyright Statement and Abstract. The easiest way to do this is using the chapter command, which gives each a nice heading and puts it on its own page. The “*” after the chapter command tells LaTeX not to number this chapter or include it in tables of contents.</a:t>
+            </a:r>
+          </a:p>
+          <a:p>
+            <a:endParaRPr lang="en-GB" dirty="0"/>
+          </a:p>
+          <a:p>
+            <a:r>
+              <a:rPr lang="en-GB" dirty="0"/>
+              <a:t>Overleaf Example: https://www.overleaf.com/read/whzwtbfffwjz</a:t>
+            </a:r>
+          </a:p>
+          <a:p>
+            <a:endParaRPr lang="en-GB" dirty="0"/>
+          </a:p>
+          <a:p>
+            <a:r>
+              <a:rPr lang="en-GB" dirty="0"/>
+              <a:t>Break for section 4 of Task Sheet.</a:t>
             </a:r>
           </a:p>
         </p:txBody>
@@ -1801,7 +1792,7 @@
     </p:spTree>
     <p:extLst>
       <p:ext uri="{BB962C8B-B14F-4D97-AF65-F5344CB8AC3E}">
-        <p14:creationId xmlns:p14="http://schemas.microsoft.com/office/powerpoint/2010/main" val="3923964578"/>
+        <p14:creationId xmlns:p14="http://schemas.microsoft.com/office/powerpoint/2010/main" val="1726998111"/>
       </p:ext>
     </p:extLst>
   </p:cSld>
@@ -1855,7 +1846,10 @@
           <a:bodyPr/>
           <a:lstStyle/>
           <a:p>
-            <a:endParaRPr lang="en-GB" dirty="0"/>
+            <a:r>
+              <a:rPr lang="en-GB" dirty="0"/>
+              <a:t>You may want to include a table of contents, list of figures or list of tables in your document.</a:t>
+            </a:r>
           </a:p>
         </p:txBody>
       </p:sp>
@@ -1885,7 +1879,7 @@
     </p:spTree>
     <p:extLst>
       <p:ext uri="{BB962C8B-B14F-4D97-AF65-F5344CB8AC3E}">
-        <p14:creationId xmlns:p14="http://schemas.microsoft.com/office/powerpoint/2010/main" val="3421625011"/>
+        <p14:creationId xmlns:p14="http://schemas.microsoft.com/office/powerpoint/2010/main" val="3096999097"/>
       </p:ext>
     </p:extLst>
   </p:cSld>
@@ -1941,25 +1935,17 @@
           <a:p>
             <a:r>
               <a:rPr lang="en-GB" dirty="0"/>
-              <a:t>Here we insert the Abstract, Statement of Originality, Copyright Statement and Abstract. The easiest way to do this is using the chapter command, which gives each a nice heading and puts it on its own page. The “*” after the chapter command tells LaTeX not to number this chapter or include it in tables of contents.</a:t>
-            </a:r>
-          </a:p>
-          <a:p>
-            <a:endParaRPr lang="en-GB" dirty="0"/>
-          </a:p>
-          <a:p>
-            <a:r>
-              <a:rPr lang="en-GB" dirty="0"/>
-              <a:t>Overleaf Example: https://www.overleaf.com/read/whzwtbfffwjz</a:t>
-            </a:r>
-          </a:p>
-          <a:p>
-            <a:endParaRPr lang="en-GB" dirty="0"/>
-          </a:p>
-          <a:p>
-            <a:r>
-              <a:rPr lang="en-GB" dirty="0"/>
-              <a:t>Break for section 4 of Task Sheet.</a:t>
+              <a:t>Inserting a table of contents automatically picks up any chapters, sections and subsections in your document and produces a list of them with the associated page numbers. As mentioned before, declarations of sections with a “*” exclude those sections from the table of contents.</a:t>
+            </a:r>
+            <a:br>
+              <a:rPr lang="en-GB" dirty="0"/>
+            </a:br>
+            <a:br>
+              <a:rPr lang="en-GB" dirty="0"/>
+            </a:br>
+            <a:r>
+              <a:rPr lang="en-GB" dirty="0"/>
+              <a:t>Overleaf Example: https://www.overleaf.com/read/tdvwkqybytwd</a:t>
             </a:r>
           </a:p>
         </p:txBody>
@@ -1990,7 +1976,7 @@
     </p:spTree>
     <p:extLst>
       <p:ext uri="{BB962C8B-B14F-4D97-AF65-F5344CB8AC3E}">
-        <p14:creationId xmlns:p14="http://schemas.microsoft.com/office/powerpoint/2010/main" val="1726998111"/>
+        <p14:creationId xmlns:p14="http://schemas.microsoft.com/office/powerpoint/2010/main" val="937431937"/>
       </p:ext>
     </p:extLst>
   </p:cSld>
@@ -2046,7 +2032,32 @@
           <a:p>
             <a:r>
               <a:rPr lang="en-GB" dirty="0"/>
-              <a:t>You must include a table of contents, list of figures and list of tables in your document. This list must include any documents not printed as part of thesis, but submitted with the thesis, such as audio storage.</a:t>
+              <a:t>By using the “\</a:t>
+            </a:r>
+            <a:r>
+              <a:rPr lang="en-GB" dirty="0" err="1"/>
+              <a:t>listoffigures</a:t>
+            </a:r>
+            <a:r>
+              <a:rPr lang="en-GB" dirty="0"/>
+              <a:t>” and “\</a:t>
+            </a:r>
+            <a:r>
+              <a:rPr lang="en-GB" dirty="0" err="1"/>
+              <a:t>listoftables</a:t>
+            </a:r>
+            <a:r>
+              <a:rPr lang="en-GB" dirty="0"/>
+              <a:t>” commands you can insert a list of figures and list of tables respectively. Note that figures and tables are numbers are labelled “X.Y” where “X” is the chapter number and “Y” is the number of the figure/table in that chapter. The lists also slightly groups figures and tables by chapter. </a:t>
+            </a:r>
+          </a:p>
+          <a:p>
+            <a:endParaRPr lang="en-GB" dirty="0"/>
+          </a:p>
+          <a:p>
+            <a:r>
+              <a:rPr lang="en-GB" dirty="0"/>
+              <a:t>Overleaf Example: https://www.overleaf.com/read/xqrwgcydcznt</a:t>
             </a:r>
           </a:p>
         </p:txBody>
@@ -2077,7 +2088,7 @@
     </p:spTree>
     <p:extLst>
       <p:ext uri="{BB962C8B-B14F-4D97-AF65-F5344CB8AC3E}">
-        <p14:creationId xmlns:p14="http://schemas.microsoft.com/office/powerpoint/2010/main" val="3096999097"/>
+        <p14:creationId xmlns:p14="http://schemas.microsoft.com/office/powerpoint/2010/main" val="2980001491"/>
       </p:ext>
     </p:extLst>
   </p:cSld>
@@ -2133,17 +2144,16 @@
           <a:p>
             <a:r>
               <a:rPr lang="en-GB" dirty="0"/>
-              <a:t>Inserting a table of contents automatically picks up any chapters, sections and subsections in your document and produces a list of them with the associated page numbers. As mentioned before, declarations of sections with a “*” exclude those sections from the table of contents.</a:t>
-            </a:r>
-            <a:br>
-              <a:rPr lang="en-GB" dirty="0"/>
-            </a:br>
-            <a:br>
-              <a:rPr lang="en-GB" dirty="0"/>
-            </a:br>
-            <a:r>
-              <a:rPr lang="en-GB" dirty="0"/>
-              <a:t>Overleaf Example: https://www.overleaf.com/read/tdvwkqybytwd</a:t>
+              <a:t>A list of figures or list of tables will, by default, use the full caption in the list. However, this can lead to very long entries in the list. You can specify a shorter version of the caption in square brackets before the full caption in curly brackets.</a:t>
+            </a:r>
+          </a:p>
+          <a:p>
+            <a:endParaRPr lang="en-GB" dirty="0"/>
+          </a:p>
+          <a:p>
+            <a:r>
+              <a:rPr lang="en-GB" dirty="0"/>
+              <a:t>Overleaf Example: https://www.overleaf.com/read/kzkyphqqqppx</a:t>
             </a:r>
           </a:p>
         </p:txBody>
@@ -2174,7 +2184,7 @@
     </p:spTree>
     <p:extLst>
       <p:ext uri="{BB962C8B-B14F-4D97-AF65-F5344CB8AC3E}">
-        <p14:creationId xmlns:p14="http://schemas.microsoft.com/office/powerpoint/2010/main" val="937431937"/>
+        <p14:creationId xmlns:p14="http://schemas.microsoft.com/office/powerpoint/2010/main" val="3397460309"/>
       </p:ext>
     </p:extLst>
   </p:cSld>
@@ -2228,10 +2238,6 @@
           <a:bodyPr/>
           <a:lstStyle/>
           <a:p>
-            <a:r>
-              <a:rPr lang="en-US" dirty="0"/>
-              <a:t>Needs to updated with our learning outcomes</a:t>
-            </a:r>
             <a:endParaRPr lang="en-GB" dirty="0"/>
           </a:p>
         </p:txBody>
@@ -2318,32 +2324,33 @@
           <a:p>
             <a:r>
               <a:rPr lang="en-GB" dirty="0"/>
-              <a:t>By using the “\</a:t>
+              <a:t>By default, the table of contents contains sections numbered to three levels deep (i.e. 1.2.3), but we can change this value using the </a:t>
             </a:r>
             <a:r>
               <a:rPr lang="en-GB" dirty="0" err="1"/>
-              <a:t>listoffigures</a:t>
-            </a:r>
-            <a:r>
-              <a:rPr lang="en-GB" dirty="0"/>
-              <a:t>” and “\</a:t>
+              <a:t>setcounter</a:t>
+            </a:r>
+            <a:r>
+              <a:rPr lang="en-GB" dirty="0"/>
+              <a:t> command. By following this with “</a:t>
             </a:r>
             <a:r>
               <a:rPr lang="en-GB" dirty="0" err="1"/>
-              <a:t>listoftables</a:t>
-            </a:r>
-            <a:r>
-              <a:rPr lang="en-GB" dirty="0"/>
-              <a:t>” commands you can insert a list of figures and list of tables respectively. Note that figures and tables are numbers are labelled “X.Y” where “X” is the chapter number and “Y” is the number of the figure/table in that chapter. The lists also slightly groups figures and tables by chapter. </a:t>
-            </a:r>
-          </a:p>
-          <a:p>
-            <a:endParaRPr lang="en-GB" dirty="0"/>
-          </a:p>
-          <a:p>
-            <a:r>
-              <a:rPr lang="en-GB" dirty="0"/>
-              <a:t>Overleaf Example: https://www.overleaf.com/read/xqrwgcydcznt</a:t>
+              <a:t>tocdepth</a:t>
+            </a:r>
+            <a:r>
+              <a:rPr lang="en-GB" dirty="0"/>
+              <a:t>” in curly brackets, this change a value that LaTeX uses when working out how to set out the table of contents. By setting this value to 0, we cause LaTeX to only display chapters in the contents. Setting it to 1 causes chapters and sections to be displayed and so on. This can be used to increase or decrease the amount of information contained in the contents.</a:t>
+            </a:r>
+            <a:br>
+              <a:rPr lang="en-GB" dirty="0"/>
+            </a:br>
+            <a:br>
+              <a:rPr lang="en-GB" dirty="0"/>
+            </a:br>
+            <a:r>
+              <a:rPr lang="en-GB" dirty="0"/>
+              <a:t>Overleaf Example: https://www.overleaf.com/read/rfvdsyxthfww</a:t>
             </a:r>
           </a:p>
         </p:txBody>
@@ -2374,7 +2381,7 @@
     </p:spTree>
     <p:extLst>
       <p:ext uri="{BB962C8B-B14F-4D97-AF65-F5344CB8AC3E}">
-        <p14:creationId xmlns:p14="http://schemas.microsoft.com/office/powerpoint/2010/main" val="2980001491"/>
+        <p14:creationId xmlns:p14="http://schemas.microsoft.com/office/powerpoint/2010/main" val="3173018215"/>
       </p:ext>
     </p:extLst>
   </p:cSld>
@@ -2430,34 +2437,33 @@
           <a:p>
             <a:r>
               <a:rPr lang="en-GB" dirty="0"/>
-              <a:t>By default, the table of contents contains sections numbered to three levels deep (i.e. 1.2.3), but we can change this value using the </a:t>
-            </a:r>
-            <a:r>
-              <a:rPr lang="en-GB" dirty="0" err="1"/>
-              <a:t>setcounter</a:t>
-            </a:r>
-            <a:r>
-              <a:rPr lang="en-GB" dirty="0"/>
-              <a:t> command. By following this with “</a:t>
-            </a:r>
-            <a:r>
-              <a:rPr lang="en-GB" dirty="0" err="1"/>
-              <a:t>tocdepth</a:t>
-            </a:r>
-            <a:r>
-              <a:rPr lang="en-GB" dirty="0"/>
-              <a:t>” in curly brackets, this change a value that LaTeX uses when working out how to set out the table of contents. By setting this value to 0, we cause LaTeX to only display chapters in the contents. Setting it to 1 causes chapters and sections to be displayed and so on. This can be used to increase or decrease the amount of information contained in the contents.</a:t>
+              <a:t>You may use appendices to add material to your thesis that you will not be examined on but you feel examiners may wish to refer to. Within the “report” class, this is done by using the “\appendix” command. Following this command, all chapters will be appendices and will be labelled with letters. Similarly, figures will be numbered with A.1, etc. Appendices appear in the table of contents and so do figures and tables in appendices.</a:t>
             </a:r>
             <a:br>
               <a:rPr lang="en-GB" dirty="0"/>
             </a:br>
-            <a:br>
-              <a:rPr lang="en-GB" dirty="0"/>
-            </a:br>
-            <a:r>
-              <a:rPr lang="en-GB" dirty="0"/>
-              <a:t>Overleaf Example: https://www.overleaf.com/read/rfvdsyxthfww</a:t>
-            </a:r>
+            <a:endParaRPr lang="en-GB" sz="1200" dirty="0"/>
+          </a:p>
+          <a:p>
+            <a:r>
+              <a:rPr lang="en-GB" sz="1200" dirty="0"/>
+              <a:t>Overleaf Example: </a:t>
+            </a:r>
+            <a:r>
+              <a:rPr lang="en-GB" dirty="0"/>
+              <a:t>https://www.overleaf.com/read/rbtybvccgztw</a:t>
+            </a:r>
+            <a:endParaRPr lang="en-GB" sz="1200" dirty="0"/>
+          </a:p>
+          <a:p>
+            <a:endParaRPr lang="en-GB" sz="1200" dirty="0"/>
+          </a:p>
+          <a:p>
+            <a:r>
+              <a:rPr lang="en-GB" sz="1200" dirty="0"/>
+              <a:t>Break for Section 5 of Checklist</a:t>
+            </a:r>
+            <a:endParaRPr lang="en-GB" dirty="0"/>
           </a:p>
         </p:txBody>
       </p:sp>
@@ -2487,7 +2493,7 @@
     </p:spTree>
     <p:extLst>
       <p:ext uri="{BB962C8B-B14F-4D97-AF65-F5344CB8AC3E}">
-        <p14:creationId xmlns:p14="http://schemas.microsoft.com/office/powerpoint/2010/main" val="3173018215"/>
+        <p14:creationId xmlns:p14="http://schemas.microsoft.com/office/powerpoint/2010/main" val="2488530527"/>
       </p:ext>
     </p:extLst>
   </p:cSld>
@@ -2543,7 +2549,15 @@
           <a:p>
             <a:r>
               <a:rPr lang="en-GB" dirty="0"/>
-              <a:t>As we mentioned earlier, if you include any items with your thesis external to what’s printed in the pages of your thesis, you must include it in the contents. Fortunately, LaTeX allows you to add entries to the contents, list of tables and list of figures without the referenced items actually appearing in your pdf.</a:t>
+              <a:t>Your thesis is going to be a very large document indeed. If it is all in a single .</a:t>
+            </a:r>
+            <a:r>
+              <a:rPr lang="en-GB" dirty="0" err="1"/>
+              <a:t>tex</a:t>
+            </a:r>
+            <a:r>
+              <a:rPr lang="en-GB" dirty="0"/>
+              <a:t> document it will be difficult for you to navigate. Finding chapter 2 will take time, and you’ll have better things to spend it on.</a:t>
             </a:r>
           </a:p>
           <a:p>
@@ -2552,33 +2566,24 @@
           <a:p>
             <a:r>
               <a:rPr lang="en-GB" dirty="0"/>
-              <a:t>This is achieved with the “\</a:t>
+              <a:t>In addition, when you’re typesetting, you’ll often want to recompile your pdf multiple times to test  formatting. If you have to recompile you’re entire document every time, it will be a slow process.</a:t>
+            </a:r>
+          </a:p>
+          <a:p>
+            <a:endParaRPr lang="en-GB" dirty="0"/>
+          </a:p>
+          <a:p>
+            <a:r>
+              <a:rPr lang="en-GB" dirty="0"/>
+              <a:t>One strategy which solves both of these issues is to split your thesis into several .</a:t>
             </a:r>
             <a:r>
               <a:rPr lang="en-GB" dirty="0" err="1"/>
-              <a:t>addcontentsline</a:t>
-            </a:r>
-            <a:r>
-              <a:rPr lang="en-GB" dirty="0"/>
-              <a:t>” command. This is followed by either “toc”, “</a:t>
-            </a:r>
-            <a:r>
-              <a:rPr lang="en-GB" dirty="0" err="1"/>
-              <a:t>lof</a:t>
-            </a:r>
-            <a:r>
-              <a:rPr lang="en-GB" dirty="0"/>
-              <a:t>” or “lot” in curly brackets to show the item is to be added to the table of contents, list of figures or list of tables respectively. In another set of curly brackets, you may define the “level” of the entry. This will always be “figure” for an item in the list of figures and “table” for an item in the list of tables, but for a table of contents item it may be “chapter”, “section” or “subsection”. Finally, the name of the entry is included in curly brackets.</a:t>
-            </a:r>
-            <a:br>
-              <a:rPr lang="en-GB" dirty="0"/>
-            </a:br>
-            <a:br>
-              <a:rPr lang="en-GB" dirty="0"/>
-            </a:br>
-            <a:r>
-              <a:rPr lang="en-GB" dirty="0"/>
-              <a:t>Overleaf Example: https://www.overleaf.com/read/pttgcwksbpsc</a:t>
+              <a:t>tex</a:t>
+            </a:r>
+            <a:r>
+              <a:rPr lang="en-GB" dirty="0"/>
+              <a:t> files. This has the side benefit that you can re-use some of these files in other documents. For example, you could use the same file containing your preamble in several LaTeX documents.</a:t>
             </a:r>
           </a:p>
         </p:txBody>
@@ -2609,7 +2614,7 @@
     </p:spTree>
     <p:extLst>
       <p:ext uri="{BB962C8B-B14F-4D97-AF65-F5344CB8AC3E}">
-        <p14:creationId xmlns:p14="http://schemas.microsoft.com/office/powerpoint/2010/main" val="1283564292"/>
+        <p14:creationId xmlns:p14="http://schemas.microsoft.com/office/powerpoint/2010/main" val="2771320647"/>
       </p:ext>
     </p:extLst>
   </p:cSld>
@@ -2665,33 +2670,49 @@
           <a:p>
             <a:r>
               <a:rPr lang="en-GB" dirty="0"/>
-              <a:t>You may use appendices to add material to your thesis that you will not be examined on but you feel examiners may wish to refer to. Within the “report” class, this is done by using the “\appendix” command. Following this command, all chapters will be appendices and will be labelled with letters. Similarly, figures will be numbered with A.1, etc. Appendices appear in the table of contents and so do figures and tables in appendices.</a:t>
+              <a:t>The key to doing this is the include command. The three files on the right produce the same pdf as the single file on the right. The include command specifies the name of another .</a:t>
+            </a:r>
+            <a:r>
+              <a:rPr lang="en-GB" dirty="0" err="1"/>
+              <a:t>tex</a:t>
+            </a:r>
+            <a:r>
+              <a:rPr lang="en-GB" dirty="0"/>
+              <a:t> file to be included (don’t include the .</a:t>
+            </a:r>
+            <a:r>
+              <a:rPr lang="en-GB" dirty="0" err="1"/>
+              <a:t>tex</a:t>
+            </a:r>
+            <a:r>
+              <a:rPr lang="en-GB" dirty="0"/>
+              <a:t> extension). The files will be processed as though the commands were in a single continuous .</a:t>
+            </a:r>
+            <a:r>
+              <a:rPr lang="en-GB" dirty="0" err="1"/>
+              <a:t>tex</a:t>
+            </a:r>
+            <a:r>
+              <a:rPr lang="en-GB" dirty="0"/>
+              <a:t> file, with the exception that a new page will be inserted before the included material.</a:t>
             </a:r>
             <a:br>
               <a:rPr lang="en-GB" dirty="0"/>
             </a:br>
-            <a:endParaRPr lang="en-GB" sz="1200" dirty="0"/>
-          </a:p>
-          <a:p>
-            <a:r>
-              <a:rPr lang="en-GB" sz="1200" dirty="0"/>
-              <a:t>Overleaf Example: </a:t>
-            </a:r>
-            <a:r>
-              <a:rPr lang="en-GB" dirty="0"/>
-              <a:t>https://www.overleaf.com/read/rbtybvccgztw</a:t>
-            </a:r>
-            <a:endParaRPr lang="en-GB" sz="1200" dirty="0"/>
-          </a:p>
-          <a:p>
-            <a:endParaRPr lang="en-GB" sz="1200" dirty="0"/>
-          </a:p>
-          <a:p>
-            <a:r>
-              <a:rPr lang="en-GB" sz="1200" dirty="0"/>
-              <a:t>Break for Section 5 of Checklist</a:t>
-            </a:r>
-            <a:endParaRPr lang="en-GB" dirty="0"/>
+            <a:br>
+              <a:rPr lang="en-GB" dirty="0"/>
+            </a:br>
+            <a:r>
+              <a:rPr lang="en-GB" dirty="0"/>
+              <a:t>Overleaf Example (unsplit document): https://www.overleaf.com/read/sqwvtspkbchs</a:t>
+            </a:r>
+            <a:br>
+              <a:rPr lang="en-GB" dirty="0"/>
+            </a:br>
+            <a:r>
+              <a:rPr lang="en-GB" dirty="0"/>
+              <a:t>Overleaf Example (split document): https://www.overleaf.com/read/cmhxwpmfzrjj</a:t>
+            </a:r>
           </a:p>
         </p:txBody>
       </p:sp>
@@ -2721,7 +2742,7 @@
     </p:spTree>
     <p:extLst>
       <p:ext uri="{BB962C8B-B14F-4D97-AF65-F5344CB8AC3E}">
-        <p14:creationId xmlns:p14="http://schemas.microsoft.com/office/powerpoint/2010/main" val="2488530527"/>
+        <p14:creationId xmlns:p14="http://schemas.microsoft.com/office/powerpoint/2010/main" val="2892583370"/>
       </p:ext>
     </p:extLst>
   </p:cSld>
@@ -2777,7 +2798,15 @@
           <a:p>
             <a:r>
               <a:rPr lang="en-GB" dirty="0"/>
-              <a:t>Your thesis is going to be a very large document indeed. If it is all in a single .</a:t>
+              <a:t>In order to cause only a subset of included files to be used when the pdf is being compiled, the “\</a:t>
+            </a:r>
+            <a:r>
+              <a:rPr lang="en-GB" dirty="0" err="1"/>
+              <a:t>includeonly</a:t>
+            </a:r>
+            <a:r>
+              <a:rPr lang="en-GB" dirty="0"/>
+              <a:t>” command can be used in the preamble. This is followed by a list of .</a:t>
             </a:r>
             <a:r>
               <a:rPr lang="en-GB" dirty="0" err="1"/>
@@ -2785,25 +2814,7 @@
             </a:r>
             <a:r>
               <a:rPr lang="en-GB" dirty="0"/>
-              <a:t> document it will be difficult for you to navigate. Finding chapter 2 will take time, and you’ll have better things to spend it on.</a:t>
-            </a:r>
-          </a:p>
-          <a:p>
-            <a:endParaRPr lang="en-GB" dirty="0"/>
-          </a:p>
-          <a:p>
-            <a:r>
-              <a:rPr lang="en-GB" dirty="0"/>
-              <a:t>In addition, when you’re typesetting, you’ll often want to recompile your pdf multiple times to test  formatting. If you have to recompile you’re entire document every time, it will be a slow process.</a:t>
-            </a:r>
-          </a:p>
-          <a:p>
-            <a:endParaRPr lang="en-GB" dirty="0"/>
-          </a:p>
-          <a:p>
-            <a:r>
-              <a:rPr lang="en-GB" dirty="0"/>
-              <a:t>One strategy which solves both of these issues is to split your thesis into several .</a:t>
+              <a:t> files, separated by commas, which specify which included .</a:t>
             </a:r>
             <a:r>
               <a:rPr lang="en-GB" dirty="0" err="1"/>
@@ -2811,7 +2822,60 @@
             </a:r>
             <a:r>
               <a:rPr lang="en-GB" dirty="0"/>
-              <a:t> files. This has the side benefit that you can re-use some of these files in other documents. For example, you could use the same file containing your preamble in several LaTeX documents.</a:t>
+              <a:t> files are to be used. Note that, in this example, this means the “second” chapter is included and is labelled chapter 1, but the “first” chapter is not included at all.</a:t>
+            </a:r>
+          </a:p>
+          <a:p>
+            <a:endParaRPr lang="en-GB" dirty="0"/>
+          </a:p>
+          <a:p>
+            <a:r>
+              <a:rPr lang="en-GB" dirty="0"/>
+              <a:t>By excluding files in this way you can dramatically speed up the compilation of the pdf. This isn’t so much of an issue for modern computers, but you might still find it useful if you have a large and complex document.</a:t>
+            </a:r>
+          </a:p>
+          <a:p>
+            <a:endParaRPr lang="en-GB" dirty="0"/>
+          </a:p>
+          <a:p>
+            <a:r>
+              <a:rPr lang="en-GB" dirty="0"/>
+              <a:t>You cannot include a .</a:t>
+            </a:r>
+            <a:r>
+              <a:rPr lang="en-GB" dirty="0" err="1"/>
+              <a:t>tex</a:t>
+            </a:r>
+            <a:r>
+              <a:rPr lang="en-GB" dirty="0"/>
+              <a:t> file that includes another .</a:t>
+            </a:r>
+            <a:r>
+              <a:rPr lang="en-GB" dirty="0" err="1"/>
+              <a:t>tex</a:t>
+            </a:r>
+            <a:r>
+              <a:rPr lang="en-GB" dirty="0"/>
+              <a:t> file.</a:t>
+            </a:r>
+            <a:br>
+              <a:rPr lang="en-GB" dirty="0"/>
+            </a:br>
+            <a:br>
+              <a:rPr lang="en-GB" dirty="0"/>
+            </a:br>
+            <a:r>
+              <a:rPr lang="en-GB" dirty="0"/>
+              <a:t>Overleaf Example: https://www.overleaf.com/read/ygsypywvjrhb</a:t>
+            </a:r>
+          </a:p>
+          <a:p>
+            <a:endParaRPr lang="en-GB" dirty="0"/>
+          </a:p>
+          <a:p>
+            <a:r>
+              <a:rPr lang="en-GB" dirty="0"/>
+              <a:t>Break for section 6 of Task Sheet</a:t>
             </a:r>
           </a:p>
         </p:txBody>
@@ -2842,7 +2906,7 @@
     </p:spTree>
     <p:extLst>
       <p:ext uri="{BB962C8B-B14F-4D97-AF65-F5344CB8AC3E}">
-        <p14:creationId xmlns:p14="http://schemas.microsoft.com/office/powerpoint/2010/main" val="2771320647"/>
+        <p14:creationId xmlns:p14="http://schemas.microsoft.com/office/powerpoint/2010/main" val="2939621631"/>
       </p:ext>
     </p:extLst>
   </p:cSld>
@@ -2898,31 +2962,39 @@
           <a:p>
             <a:r>
               <a:rPr lang="en-GB" dirty="0"/>
-              <a:t>The key to doing this is the include command. The three files on the right produce the same pdf as the single file on the right. The include command specifies the name of another .</a:t>
+              <a:t>Normally, references will produce the correct number for the referenced section, figure, etc in a normal text form. However, we can turn them into active hyperlinks that will allow a user to jump to the relevant point in your document by clicking on the reference. You can modify your document so all references are turned into hyperlinks in this way using the “</a:t>
             </a:r>
             <a:r>
               <a:rPr lang="en-GB" dirty="0" err="1"/>
-              <a:t>tex</a:t>
-            </a:r>
-            <a:r>
-              <a:rPr lang="en-GB" dirty="0"/>
-              <a:t> file to be included (don’t include the .</a:t>
+              <a:t>hyperref</a:t>
+            </a:r>
+            <a:r>
+              <a:rPr lang="en-GB" dirty="0"/>
+              <a:t>” package. This package has a number of options you can use to customise your references. I strongly recommend setting the “</a:t>
             </a:r>
             <a:r>
               <a:rPr lang="en-GB" dirty="0" err="1"/>
-              <a:t>tex</a:t>
-            </a:r>
-            <a:r>
-              <a:rPr lang="en-GB" dirty="0"/>
-              <a:t> extension). The files will be processed as though the commands were in a single continuous .</a:t>
+              <a:t>colorlinks</a:t>
+            </a:r>
+            <a:r>
+              <a:rPr lang="en-GB" dirty="0"/>
+              <a:t>” option to “true”, feel free to experiment with what it looks like when you don’t do this. You can also set the colour of your links using the “</a:t>
             </a:r>
             <a:r>
               <a:rPr lang="en-GB" dirty="0" err="1"/>
-              <a:t>tex</a:t>
-            </a:r>
-            <a:r>
-              <a:rPr lang="en-GB" dirty="0"/>
-              <a:t> file, with the exception that a new page will be inserted before the included material.</a:t>
+              <a:t>linkcolor</a:t>
+            </a:r>
+            <a:r>
+              <a:rPr lang="en-GB" dirty="0"/>
+              <a:t>” option and colour of your citations using the “</a:t>
+            </a:r>
+            <a:r>
+              <a:rPr lang="en-GB" dirty="0" err="1"/>
+              <a:t>citecolor</a:t>
+            </a:r>
+            <a:r>
+              <a:rPr lang="en-GB"/>
+              <a:t>” option.</a:t>
             </a:r>
             <a:br>
               <a:rPr lang="en-GB" dirty="0"/>
@@ -2932,14 +3004,26 @@
             </a:br>
             <a:r>
               <a:rPr lang="en-GB" dirty="0"/>
-              <a:t>Overleaf Example (unsplit document): https://www.overleaf.com/read/sqwvtspkbchs</a:t>
+              <a:t>Putting hyperlinks into your thesis is a very good idea as it helps navigation of what is a very large document.</a:t>
             </a:r>
             <a:br>
               <a:rPr lang="en-GB" dirty="0"/>
             </a:br>
-            <a:r>
-              <a:rPr lang="en-GB" dirty="0"/>
-              <a:t>Overleaf Example (split document): https://www.overleaf.com/read/cmhxwpmfzrjj</a:t>
+            <a:br>
+              <a:rPr lang="en-GB" dirty="0"/>
+            </a:br>
+            <a:r>
+              <a:rPr lang="en-GB" dirty="0"/>
+              <a:t>Overleaf Example: https://www.overleaf.com/read/tzdbtmdmtfhd</a:t>
+            </a:r>
+          </a:p>
+          <a:p>
+            <a:endParaRPr lang="en-GB" dirty="0"/>
+          </a:p>
+          <a:p>
+            <a:r>
+              <a:rPr lang="en-GB" dirty="0"/>
+              <a:t>Break for Section 7 of Task sheet</a:t>
             </a:r>
           </a:p>
         </p:txBody>
@@ -2970,7 +3054,7 @@
     </p:spTree>
     <p:extLst>
       <p:ext uri="{BB962C8B-B14F-4D97-AF65-F5344CB8AC3E}">
-        <p14:creationId xmlns:p14="http://schemas.microsoft.com/office/powerpoint/2010/main" val="2892583370"/>
+        <p14:creationId xmlns:p14="http://schemas.microsoft.com/office/powerpoint/2010/main" val="4210007226"/>
       </p:ext>
     </p:extLst>
   </p:cSld>
@@ -3026,65 +3110,72 @@
           <a:p>
             <a:r>
               <a:rPr lang="en-GB" dirty="0"/>
-              <a:t>In order to cause only a subset of included files to be used when the pdf is being compiled, the “\</a:t>
+              <a:t>In LaTeX, a subfigure, is a figure which appears as one of multiple smaller figures within a larger figure. This collection of subfigures will always be placed together as a single figure. There are a number of ways of including subfigures in your thesis.</a:t>
+            </a:r>
+          </a:p>
+          <a:p>
+            <a:endParaRPr lang="en-GB" dirty="0"/>
+          </a:p>
+          <a:p>
+            <a:r>
+              <a:rPr lang="en-GB" dirty="0"/>
+              <a:t>The example I am showing you today uses the “</a:t>
             </a:r>
             <a:r>
               <a:rPr lang="en-GB" dirty="0" err="1"/>
-              <a:t>includeonly</a:t>
-            </a:r>
-            <a:r>
-              <a:rPr lang="en-GB" dirty="0"/>
-              <a:t>” command can be used in the preamble. This is followed by a list of .</a:t>
+              <a:t>subfig</a:t>
+            </a:r>
+            <a:r>
+              <a:rPr lang="en-GB" dirty="0"/>
+              <a:t>” package. Within the figure environment we use the “\</a:t>
             </a:r>
             <a:r>
               <a:rPr lang="en-GB" dirty="0" err="1"/>
-              <a:t>tex</a:t>
-            </a:r>
-            <a:r>
-              <a:rPr lang="en-GB" dirty="0"/>
-              <a:t> files, separated by commas, which specify which included .</a:t>
+              <a:t>subfloat</a:t>
+            </a:r>
+            <a:r>
+              <a:rPr lang="en-GB" dirty="0"/>
+              <a:t>” command once for each subfigure we wish to include. The “\</a:t>
             </a:r>
             <a:r>
               <a:rPr lang="en-GB" dirty="0" err="1"/>
-              <a:t>tex</a:t>
-            </a:r>
-            <a:r>
-              <a:rPr lang="en-GB" dirty="0"/>
-              <a:t> files are to be used. Note that, in this example, this means the “second” chapter is included and is labelled chapter 1, but the “first” chapter is not included at all.</a:t>
-            </a:r>
-          </a:p>
-          <a:p>
-            <a:endParaRPr lang="en-GB" dirty="0"/>
-          </a:p>
-          <a:p>
-            <a:r>
-              <a:rPr lang="en-GB" dirty="0"/>
-              <a:t>By excluding files in this way you can dramatically speed up the compilation of the pdf. This isn’t so much of an issue for modern computers, but you might still find it useful if you have a large and complex document.</a:t>
-            </a:r>
-          </a:p>
-          <a:p>
-            <a:endParaRPr lang="en-GB" dirty="0"/>
-          </a:p>
-          <a:p>
-            <a:r>
-              <a:rPr lang="en-GB" dirty="0"/>
-              <a:t>You cannot include a .</a:t>
+              <a:t>subfloat</a:t>
+            </a:r>
+            <a:r>
+              <a:rPr lang="en-GB" dirty="0"/>
+              <a:t>” command is followed by the caption of the subfigure in square brackets. Then, in curly brackets, we use the “\</a:t>
             </a:r>
             <a:r>
               <a:rPr lang="en-GB" dirty="0" err="1"/>
-              <a:t>tex</a:t>
-            </a:r>
-            <a:r>
-              <a:rPr lang="en-GB" dirty="0"/>
-              <a:t> file that includes another .</a:t>
+              <a:t>includegraphics</a:t>
+            </a:r>
+            <a:r>
+              <a:rPr lang="en-GB" dirty="0"/>
+              <a:t>” command to actually include the graphics. The square brackets following the “\</a:t>
             </a:r>
             <a:r>
               <a:rPr lang="en-GB" dirty="0" err="1"/>
-              <a:t>tex</a:t>
-            </a:r>
-            <a:r>
-              <a:rPr lang="en-GB" dirty="0"/>
-              <a:t> file.</a:t>
+              <a:t>includegraphics</a:t>
+            </a:r>
+            <a:r>
+              <a:rPr lang="en-GB" dirty="0"/>
+              <a:t> command is here to specify the width of the figure in units of the width of text on the page at this point (which is referenced using the “\</a:t>
+            </a:r>
+            <a:r>
+              <a:rPr lang="en-GB" dirty="0" err="1"/>
+              <a:t>textwidth</a:t>
+            </a:r>
+            <a:r>
+              <a:rPr lang="en-GB" dirty="0"/>
+              <a:t>” command). In this case, we’ve asked for each figure to be around half of the width of the text (there’s some variation due to the aspect ratio of each image). Within the curly brackets following the “\</a:t>
+            </a:r>
+            <a:r>
+              <a:rPr lang="en-GB" dirty="0" err="1"/>
+              <a:t>subfloat</a:t>
+            </a:r>
+            <a:r>
+              <a:rPr lang="en-GB" dirty="0"/>
+              <a:t>” command we also give each individual subfigure a label so we can reference it later.</a:t>
             </a:r>
             <a:br>
               <a:rPr lang="en-GB" dirty="0"/>
@@ -3094,7 +3185,7 @@
             </a:br>
             <a:r>
               <a:rPr lang="en-GB" dirty="0"/>
-              <a:t>Overleaf Example: https://www.overleaf.com/read/ygsypywvjrhb</a:t>
+              <a:t>Following the specification of the first and third figure we use the “\quad” command. This is a way of telling LaTeX to insert a small horizontal space between whatever came before and whatever comes next. Following the specification of the second subfigure we use a double-backslash to start a new line of subfigures within the overall figure we’re creating. This puts the third and fourth figures below the first and second.</a:t>
             </a:r>
           </a:p>
           <a:p>
@@ -3103,7 +3194,17 @@
           <a:p>
             <a:r>
               <a:rPr lang="en-GB" dirty="0"/>
-              <a:t>Break for section 6 of Task Sheet</a:t>
+              <a:t>Finally, we use the “\caption” command to give the figure that is comprised of the subfigures a caption and the “\label” command to give it a label. We see that we get a nicely spaced array of subfigures, each with their own caption, inside a larger figure which also has its own caption. We can reference any of the subfigures or the containing figure.</a:t>
+            </a:r>
+            <a:br>
+              <a:rPr lang="en-GB" dirty="0"/>
+            </a:br>
+            <a:br>
+              <a:rPr lang="en-GB" dirty="0"/>
+            </a:br>
+            <a:r>
+              <a:rPr lang="en-GB" dirty="0"/>
+              <a:t>Overleaf Example: https://www.overleaf.com/read/htdvrmwgcyvd</a:t>
             </a:r>
           </a:p>
         </p:txBody>
@@ -3134,7 +3235,7 @@
     </p:spTree>
     <p:extLst>
       <p:ext uri="{BB962C8B-B14F-4D97-AF65-F5344CB8AC3E}">
-        <p14:creationId xmlns:p14="http://schemas.microsoft.com/office/powerpoint/2010/main" val="2939621631"/>
+        <p14:creationId xmlns:p14="http://schemas.microsoft.com/office/powerpoint/2010/main" val="1494002939"/>
       </p:ext>
     </p:extLst>
   </p:cSld>
@@ -3190,59 +3291,7 @@
           <a:p>
             <a:r>
               <a:rPr lang="en-GB" dirty="0"/>
-              <a:t>Normally, references will produce the correct number for the referenced section, figure, etc in a normal text form. However, we can turn them into active hyperlinks that will allow a user to jump to the relevant point in your document by clicking on the reference. You can modify your document so all references are turned into hyperlinks in this way using the “</a:t>
-            </a:r>
-            <a:r>
-              <a:rPr lang="en-GB" dirty="0" err="1"/>
-              <a:t>hyperref</a:t>
-            </a:r>
-            <a:r>
-              <a:rPr lang="en-GB" dirty="0"/>
-              <a:t>” package. This package has a number of options you can use to customise your references. I strongly recommend setting the “</a:t>
-            </a:r>
-            <a:r>
-              <a:rPr lang="en-GB" dirty="0" err="1"/>
-              <a:t>colorlinks</a:t>
-            </a:r>
-            <a:r>
-              <a:rPr lang="en-GB" dirty="0"/>
-              <a:t>” option to “true”, feel free to experiment with what it looks like when you don’t do this. You can also set the colour of your links using the “</a:t>
-            </a:r>
-            <a:r>
-              <a:rPr lang="en-GB" dirty="0" err="1"/>
-              <a:t>linkcolor</a:t>
-            </a:r>
-            <a:r>
-              <a:rPr lang="en-GB" dirty="0"/>
-              <a:t>” option and colour of your citations using the “</a:t>
-            </a:r>
-            <a:r>
-              <a:rPr lang="en-GB" dirty="0" err="1"/>
-              <a:t>citecolor</a:t>
-            </a:r>
-            <a:r>
-              <a:rPr lang="en-GB"/>
-              <a:t>” option.</a:t>
-            </a:r>
-            <a:br>
-              <a:rPr lang="en-GB" dirty="0"/>
-            </a:br>
-            <a:br>
-              <a:rPr lang="en-GB" dirty="0"/>
-            </a:br>
-            <a:r>
-              <a:rPr lang="en-GB" dirty="0"/>
-              <a:t>Putting hyperlinks into your thesis is a very good idea as it helps navigation of what is a very large document.</a:t>
-            </a:r>
-            <a:br>
-              <a:rPr lang="en-GB" dirty="0"/>
-            </a:br>
-            <a:br>
-              <a:rPr lang="en-GB" dirty="0"/>
-            </a:br>
-            <a:r>
-              <a:rPr lang="en-GB" dirty="0"/>
-              <a:t>Overleaf Example: https://www.overleaf.com/read/tzdbtmdmtfhd</a:t>
+              <a:t>Overleaf Example: https://www.overleaf.com/read/nwtfndvmfnpf</a:t>
             </a:r>
           </a:p>
           <a:p>
@@ -3251,7 +3300,7 @@
           <a:p>
             <a:r>
               <a:rPr lang="en-GB" dirty="0"/>
-              <a:t>Break for Section 7 of Task sheet</a:t>
+              <a:t>Break for sections 8 and 9 of Task Sheet</a:t>
             </a:r>
           </a:p>
         </p:txBody>
@@ -3282,7 +3331,7 @@
     </p:spTree>
     <p:extLst>
       <p:ext uri="{BB962C8B-B14F-4D97-AF65-F5344CB8AC3E}">
-        <p14:creationId xmlns:p14="http://schemas.microsoft.com/office/powerpoint/2010/main" val="4210007226"/>
+        <p14:creationId xmlns:p14="http://schemas.microsoft.com/office/powerpoint/2010/main" val="53672810"/>
       </p:ext>
     </p:extLst>
   </p:cSld>
@@ -3338,7 +3387,39 @@
           <a:p>
             <a:r>
               <a:rPr lang="en-GB" dirty="0"/>
-              <a:t>In LaTeX, a subfigure, is a figure which appears as one of multiple smaller figures within a larger figure. This collection of subfigures will always be placed together as a single figure. There are a number of ways of including subfigures in your thesis.</a:t>
+              <a:t>In your preamble you can use the “\</a:t>
+            </a:r>
+            <a:r>
+              <a:rPr lang="en-GB" dirty="0" err="1"/>
+              <a:t>newcommand</a:t>
+            </a:r>
+            <a:r>
+              <a:rPr lang="en-GB" dirty="0"/>
+              <a:t>” command to define a new command. This is a little like defining a macro or a function in other programs or languages. “\</a:t>
+            </a:r>
+            <a:r>
+              <a:rPr lang="en-GB" dirty="0" err="1"/>
+              <a:t>newcommand</a:t>
+            </a:r>
+            <a:r>
+              <a:rPr lang="en-GB" dirty="0"/>
+              <a:t>” is followed by the name of the command in curly brackets. This is followed by the number of arguments the command (if there are arguments to the command). This is followed by the text that will be used in the body of the .</a:t>
+            </a:r>
+            <a:r>
+              <a:rPr lang="en-GB" dirty="0" err="1"/>
+              <a:t>tex</a:t>
+            </a:r>
+            <a:r>
+              <a:rPr lang="en-GB" dirty="0"/>
+              <a:t> file where the command is used. In this definition, if “#X” is included within curly brackets, this will insert the </a:t>
+            </a:r>
+            <a:r>
+              <a:rPr lang="en-GB" dirty="0" err="1"/>
+              <a:t>Xth</a:t>
+            </a:r>
+            <a:r>
+              <a:rPr lang="en-GB" dirty="0"/>
+              <a:t> argument in the text used.</a:t>
             </a:r>
           </a:p>
           <a:p>
@@ -3347,63 +3428,7 @@
           <a:p>
             <a:r>
               <a:rPr lang="en-GB" dirty="0"/>
-              <a:t>The example I am showing you today uses the “</a:t>
-            </a:r>
-            <a:r>
-              <a:rPr lang="en-GB" dirty="0" err="1"/>
-              <a:t>subfig</a:t>
-            </a:r>
-            <a:r>
-              <a:rPr lang="en-GB" dirty="0"/>
-              <a:t>” package. Within the figure environment we use the “\</a:t>
-            </a:r>
-            <a:r>
-              <a:rPr lang="en-GB" dirty="0" err="1"/>
-              <a:t>subfloat</a:t>
-            </a:r>
-            <a:r>
-              <a:rPr lang="en-GB" dirty="0"/>
-              <a:t>” command once for each subfigure we wish to include. The “\</a:t>
-            </a:r>
-            <a:r>
-              <a:rPr lang="en-GB" dirty="0" err="1"/>
-              <a:t>subfloat</a:t>
-            </a:r>
-            <a:r>
-              <a:rPr lang="en-GB" dirty="0"/>
-              <a:t>” command is followed by the caption of the subfigure in square brackets. Then, in curly brackets, we use the “\</a:t>
-            </a:r>
-            <a:r>
-              <a:rPr lang="en-GB" dirty="0" err="1"/>
-              <a:t>includegraphics</a:t>
-            </a:r>
-            <a:r>
-              <a:rPr lang="en-GB" dirty="0"/>
-              <a:t>” command to actually include the graphics. The square brackets following the “\</a:t>
-            </a:r>
-            <a:r>
-              <a:rPr lang="en-GB" dirty="0" err="1"/>
-              <a:t>includegraphics</a:t>
-            </a:r>
-            <a:r>
-              <a:rPr lang="en-GB" dirty="0"/>
-              <a:t> command is here to specify the width of the figure in units of the width of text on the page at this point (which is referenced using the “\</a:t>
-            </a:r>
-            <a:r>
-              <a:rPr lang="en-GB" dirty="0" err="1"/>
-              <a:t>textwidth</a:t>
-            </a:r>
-            <a:r>
-              <a:rPr lang="en-GB" dirty="0"/>
-              <a:t>” command). In this case, we’ve asked for each figure to be around half of the width of the text (there’s some variation due to the aspect ratio of each image). Within the curly brackets following the “\</a:t>
-            </a:r>
-            <a:r>
-              <a:rPr lang="en-GB" dirty="0" err="1"/>
-              <a:t>subfloat</a:t>
-            </a:r>
-            <a:r>
-              <a:rPr lang="en-GB" dirty="0"/>
-              <a:t>” command we also give each individual subfigure a label so we can reference it later.</a:t>
+              <a:t>To use the command in the document, you can use “\COMMAND_NAME” to invoke the command. This is followed by a the arguments of the command, each in their own set of curly brackets.</a:t>
             </a:r>
             <a:br>
               <a:rPr lang="en-GB" dirty="0"/>
@@ -3413,16 +3438,7 @@
             </a:br>
             <a:r>
               <a:rPr lang="en-GB" dirty="0"/>
-              <a:t>Following the specification of the first and third figure we use the “\quad” command. This is a way of telling LaTeX to insert a small horizontal space between whatever came before and whatever comes next. Following the specification of the second subfigure we use a double-backslash to start a new line of subfigures within the overall figure we’re creating. This puts the third and fourth figures below the first and second.</a:t>
-            </a:r>
-          </a:p>
-          <a:p>
-            <a:endParaRPr lang="en-GB" dirty="0"/>
-          </a:p>
-          <a:p>
-            <a:r>
-              <a:rPr lang="en-GB" dirty="0"/>
-              <a:t>Finally, we use the “\caption” command to give the figure that is comprised of the subfigures a caption and the “\label” command to give it a label. We see that we get a nicely spaced array of subfigures, each with their own caption, inside a larger figure which also has its own caption. We can reference any of the subfigures or the containing figure.</a:t>
+              <a:t>This can be very useful for automating text you use repeatedly that is the same or similar every time but is long-winded to write out.</a:t>
             </a:r>
             <a:br>
               <a:rPr lang="en-GB" dirty="0"/>
@@ -3432,7 +3448,26 @@
             </a:br>
             <a:r>
               <a:rPr lang="en-GB" dirty="0"/>
-              <a:t>Overleaf Example: https://www.overleaf.com/read/htdvrmwgcyvd</a:t>
+              <a:t>It’s also possible to redefine existing commands or define new environments, but this won’t be covered in this course.</a:t>
+            </a:r>
+            <a:br>
+              <a:rPr lang="en-GB" dirty="0"/>
+            </a:br>
+            <a:endParaRPr lang="en-GB" dirty="0"/>
+          </a:p>
+          <a:p>
+            <a:r>
+              <a:rPr lang="en-GB" dirty="0"/>
+              <a:t>Overleaf Example: https://www.overleaf.com/read/hxttrgqqvpyp</a:t>
+            </a:r>
+          </a:p>
+          <a:p>
+            <a:endParaRPr lang="en-GB" dirty="0"/>
+          </a:p>
+          <a:p>
+            <a:r>
+              <a:rPr lang="en-GB" dirty="0"/>
+              <a:t>Break for section 10 of Task Sheet</a:t>
             </a:r>
           </a:p>
         </p:txBody>
@@ -3463,7 +3498,7 @@
     </p:spTree>
     <p:extLst>
       <p:ext uri="{BB962C8B-B14F-4D97-AF65-F5344CB8AC3E}">
-        <p14:creationId xmlns:p14="http://schemas.microsoft.com/office/powerpoint/2010/main" val="1494002939"/>
+        <p14:creationId xmlns:p14="http://schemas.microsoft.com/office/powerpoint/2010/main" val="2909380669"/>
       </p:ext>
     </p:extLst>
   </p:cSld>
@@ -3519,16 +3554,25 @@
           <a:p>
             <a:r>
               <a:rPr lang="en-GB" dirty="0"/>
-              <a:t>Overleaf Example: https://www.overleaf.com/read/nwtfndvmfnpf</a:t>
-            </a:r>
-          </a:p>
-          <a:p>
-            <a:endParaRPr lang="en-GB" dirty="0"/>
-          </a:p>
-          <a:p>
-            <a:r>
-              <a:rPr lang="en-GB" dirty="0"/>
-              <a:t>Break for sections 8 and 9 of Task Sheet</a:t>
+              <a:t>Your thesis is likely to have dozens or hundreds of references and so a more advanced way to deal with your references is preferable. There are many ways to deal with your references and many ways to personalise your citations. We’re going to run through one way to achieve a streamlined approach to referencing and introduce a few options you might want to consider for personalising your references.</a:t>
+            </a:r>
+            <a:br>
+              <a:rPr lang="en-GB" dirty="0"/>
+            </a:br>
+            <a:br>
+              <a:rPr lang="en-GB" dirty="0"/>
+            </a:br>
+            <a:r>
+              <a:rPr lang="en-GB" dirty="0"/>
+              <a:t>Many reference managers such as EndNote, Mendeley and </a:t>
+            </a:r>
+            <a:r>
+              <a:rPr lang="en-GB" dirty="0" err="1"/>
+              <a:t>JabRef</a:t>
+            </a:r>
+            <a:r>
+              <a:rPr lang="en-GB" dirty="0"/>
+              <a:t> allow for your database of references to be exported as a “.bib” file. This is essentially a database of your references that LaTeX can interact with directly. This means you only need to enter your reference details once in your reference manager and it will feed through to your LaTeX documents including your thesis. If you combine this with the automatic population of fields in your reference manager you will never need to manually write out the details of a reference again. This saves a lot of time and effort you can better spend elsewhere.</a:t>
             </a:r>
           </a:p>
         </p:txBody>
@@ -3559,7 +3603,7 @@
     </p:spTree>
     <p:extLst>
       <p:ext uri="{BB962C8B-B14F-4D97-AF65-F5344CB8AC3E}">
-        <p14:creationId xmlns:p14="http://schemas.microsoft.com/office/powerpoint/2010/main" val="53672810"/>
+        <p14:creationId xmlns:p14="http://schemas.microsoft.com/office/powerpoint/2010/main" val="1094947271"/>
       </p:ext>
     </p:extLst>
   </p:cSld>
@@ -3730,23 +3774,41 @@
           <a:p>
             <a:r>
               <a:rPr lang="en-GB" dirty="0"/>
-              <a:t>In your preamble you can use the “\</a:t>
+              <a:t>A “.bib” file consists of one entry for each reference. An new entry is begun with a “@” symbol and the name of the type of entry it is. Here, we have one article and one book. There are many other types such as “report”, “conference” and even “</a:t>
             </a:r>
             <a:r>
               <a:rPr lang="en-GB" dirty="0" err="1"/>
-              <a:t>newcommand</a:t>
-            </a:r>
-            <a:r>
-              <a:rPr lang="en-GB" dirty="0"/>
-              <a:t>” command to define a new command. This is a little like defining a macro or a function in other programs or languages. “\</a:t>
-            </a:r>
-            <a:r>
-              <a:rPr lang="en-GB" dirty="0" err="1"/>
-              <a:t>newcommand</a:t>
-            </a:r>
-            <a:r>
-              <a:rPr lang="en-GB" dirty="0"/>
-              <a:t>” is followed by the name of the command in curly brackets. This is followed by the number of arguments the command (if there are arguments to the command). This is followed by the text that will be used in the body of the .</a:t>
+              <a:t>phdthesis</a:t>
+            </a:r>
+            <a:r>
+              <a:rPr lang="en-GB" dirty="0"/>
+              <a:t>”. See here for some more examples: </a:t>
+            </a:r>
+            <a:r>
+              <a:rPr lang="en-GB" dirty="0">
+                <a:hlinkClick r:id="rId3"/>
+              </a:rPr>
+              <a:t>https://www.verbosus.com/bibtex-style-examples.html</a:t>
+            </a:r>
+            <a:endParaRPr lang="en-GB" dirty="0"/>
+          </a:p>
+          <a:p>
+            <a:endParaRPr lang="en-GB" dirty="0"/>
+          </a:p>
+          <a:p>
+            <a:r>
+              <a:rPr lang="en-GB" dirty="0"/>
+              <a:t> Within curly brackets, the first entry is a label for your reference. Following that, we then have a series of fields which define the contents of the reference. These come in the format “field name = field value” and are separated by commas. Different entries are valid for different entry types. For instance, both our entries here have “author”, “title” and “year” fields but the article has the fields “journal”, “volume”, “number” and “pages” fields whilst the book has a “publisher” field.</a:t>
+            </a:r>
+            <a:br>
+              <a:rPr lang="en-GB" dirty="0"/>
+            </a:br>
+            <a:br>
+              <a:rPr lang="en-GB" dirty="0"/>
+            </a:br>
+            <a:r>
+              <a:rPr lang="en-GB" dirty="0"/>
+              <a:t>When you compile your main .</a:t>
             </a:r>
             <a:r>
               <a:rPr lang="en-GB" dirty="0" err="1"/>
@@ -3754,15 +3816,7 @@
             </a:r>
             <a:r>
               <a:rPr lang="en-GB" dirty="0"/>
-              <a:t> file where the command is used. In this definition, if “#X” is included within curly brackets, this will insert the </a:t>
-            </a:r>
-            <a:r>
-              <a:rPr lang="en-GB" dirty="0" err="1"/>
-              <a:t>Xth</a:t>
-            </a:r>
-            <a:r>
-              <a:rPr lang="en-GB" dirty="0"/>
-              <a:t> argument in the text used.</a:t>
+              <a:t> file, your bibliography will appear and any entries that are cited will appear in your bibliography. Entries you have not cited will not be included by default.</a:t>
             </a:r>
           </a:p>
           <a:p>
@@ -3771,46 +3825,7 @@
           <a:p>
             <a:r>
               <a:rPr lang="en-GB" dirty="0"/>
-              <a:t>To use the command in the document, you can use “\COMMAND_NAME” to invoke the command. This is followed by a the arguments of the command, each in their own set of curly brackets.</a:t>
-            </a:r>
-            <a:br>
-              <a:rPr lang="en-GB" dirty="0"/>
-            </a:br>
-            <a:br>
-              <a:rPr lang="en-GB" dirty="0"/>
-            </a:br>
-            <a:r>
-              <a:rPr lang="en-GB" dirty="0"/>
-              <a:t>This can be very useful for automating text you use repeatedly that is the same or similar every time but is long-winded to write out.</a:t>
-            </a:r>
-            <a:br>
-              <a:rPr lang="en-GB" dirty="0"/>
-            </a:br>
-            <a:br>
-              <a:rPr lang="en-GB" dirty="0"/>
-            </a:br>
-            <a:r>
-              <a:rPr lang="en-GB" dirty="0"/>
-              <a:t>It’s also possible to redefine existing commands or define new environments, but this won’t be covered in this course.</a:t>
-            </a:r>
-            <a:br>
-              <a:rPr lang="en-GB" dirty="0"/>
-            </a:br>
-            <a:endParaRPr lang="en-GB" dirty="0"/>
-          </a:p>
-          <a:p>
-            <a:r>
-              <a:rPr lang="en-GB" dirty="0"/>
-              <a:t>Overleaf Example: https://www.overleaf.com/read/hxttrgqqvpyp</a:t>
-            </a:r>
-          </a:p>
-          <a:p>
-            <a:endParaRPr lang="en-GB" dirty="0"/>
-          </a:p>
-          <a:p>
-            <a:r>
-              <a:rPr lang="en-GB" dirty="0"/>
-              <a:t>Break for section 10 of Task Sheet</a:t>
+              <a:t>Overleaf example: https://www.overleaf.com/read/tfrbytxxqszf</a:t>
             </a:r>
           </a:p>
         </p:txBody>
@@ -3841,7 +3856,7 @@
     </p:spTree>
     <p:extLst>
       <p:ext uri="{BB962C8B-B14F-4D97-AF65-F5344CB8AC3E}">
-        <p14:creationId xmlns:p14="http://schemas.microsoft.com/office/powerpoint/2010/main" val="2909380669"/>
+        <p14:creationId xmlns:p14="http://schemas.microsoft.com/office/powerpoint/2010/main" val="2985834625"/>
       </p:ext>
     </p:extLst>
   </p:cSld>
@@ -3897,7 +3912,39 @@
           <a:p>
             <a:r>
               <a:rPr lang="en-GB" dirty="0"/>
-              <a:t>Your thesis is likely to have dozens or hundreds of references and so a more advanced way to deal with your references is preferable. There are many ways to deal with your references and many ways to personalise your citations. We’re going to run through one way to achieve a streamlined approach to referencing and introduce a few options you might want to consider for personalising your references.</a:t>
+              <a:t>In your main .</a:t>
+            </a:r>
+            <a:r>
+              <a:rPr lang="en-GB" dirty="0" err="1"/>
+              <a:t>tex</a:t>
+            </a:r>
+            <a:r>
+              <a:rPr lang="en-GB" dirty="0"/>
+              <a:t> file, you need to use the package “</a:t>
+            </a:r>
+            <a:r>
+              <a:rPr lang="en-GB" dirty="0" err="1"/>
+              <a:t>natbib</a:t>
+            </a:r>
+            <a:r>
+              <a:rPr lang="en-GB" dirty="0"/>
+              <a:t>” in your preamble. You can then cite a reference using the “</a:t>
+            </a:r>
+            <a:r>
+              <a:rPr lang="en-GB" dirty="0" err="1"/>
+              <a:t>citet</a:t>
+            </a:r>
+            <a:r>
+              <a:rPr lang="en-GB" dirty="0"/>
+              <a:t>” command with the label of the reference. This produces a reference which is “textual” in the sense that the author name is written in normal text as if it’s being read as part of the sentence. You can also use “</a:t>
+            </a:r>
+            <a:r>
+              <a:rPr lang="en-GB" dirty="0" err="1"/>
+              <a:t>citep</a:t>
+            </a:r>
+            <a:r>
+              <a:rPr lang="en-GB" dirty="0"/>
+              <a:t>” to include the entire reference within brackets. This can be useful for when you don’t intend for the reference to be read as part of the sentence, but to act as an addendum.</a:t>
             </a:r>
             <a:br>
               <a:rPr lang="en-GB" dirty="0"/>
@@ -3907,16 +3954,45 @@
             </a:br>
             <a:r>
               <a:rPr lang="en-GB" dirty="0"/>
-              <a:t>Many reference managers such as EndNote, Mendeley and </a:t>
+              <a:t>After the main body of your text, select a bibliography style (we’ll use “</a:t>
             </a:r>
             <a:r>
               <a:rPr lang="en-GB" dirty="0" err="1"/>
-              <a:t>JabRef</a:t>
-            </a:r>
-            <a:r>
-              <a:rPr lang="en-GB" dirty="0"/>
-              <a:t> allow for your database of references to be exported as a “.bib” file. This is essentially a database of your references that LaTeX can interact with directly. This means you only need to enter your reference details once in your reference manager and it will feed through to your LaTeX documents including your thesis. If you combine this with the automatic population of fields in your reference manager you will never need to manually write out the details of a reference again. This saves a lot of time and effort you can better spend elsewhere.</a:t>
-            </a:r>
+              <a:t>plainnat</a:t>
+            </a:r>
+            <a:r>
+              <a:rPr lang="en-GB" dirty="0"/>
+              <a:t>” for now). Then, use the “\bibliography” command to actually insert your bibliography into your text. This is followed by the name of your “.bib” file in curly brackets (do not include the “.bib” extension here).</a:t>
+            </a:r>
+          </a:p>
+          <a:p>
+            <a:endParaRPr lang="en-GB" dirty="0"/>
+          </a:p>
+          <a:p>
+            <a:pPr marL="0" marR="0" lvl="0" indent="0" algn="l" defTabSz="914400" rtl="0" eaLnBrk="1" fontAlgn="auto" latinLnBrk="0" hangingPunct="1">
+              <a:lnSpc>
+                <a:spcPct val="100000"/>
+              </a:lnSpc>
+              <a:spcBef>
+                <a:spcPts val="0"/>
+              </a:spcBef>
+              <a:spcAft>
+                <a:spcPts val="0"/>
+              </a:spcAft>
+              <a:buClrTx/>
+              <a:buSzTx/>
+              <a:buFontTx/>
+              <a:buNone/>
+              <a:tabLst/>
+              <a:defRPr/>
+            </a:pPr>
+            <a:r>
+              <a:rPr lang="en-GB" dirty="0"/>
+              <a:t>Overleaf example: https://www.overleaf.com/read/tfrbytxxqszf</a:t>
+            </a:r>
+          </a:p>
+          <a:p>
+            <a:endParaRPr lang="en-GB" dirty="0"/>
           </a:p>
         </p:txBody>
       </p:sp>
@@ -3946,7 +4022,7 @@
     </p:spTree>
     <p:extLst>
       <p:ext uri="{BB962C8B-B14F-4D97-AF65-F5344CB8AC3E}">
-        <p14:creationId xmlns:p14="http://schemas.microsoft.com/office/powerpoint/2010/main" val="1094947271"/>
+        <p14:creationId xmlns:p14="http://schemas.microsoft.com/office/powerpoint/2010/main" val="529073958"/>
       </p:ext>
     </p:extLst>
   </p:cSld>
@@ -4002,31 +4078,15 @@
           <a:p>
             <a:r>
               <a:rPr lang="en-GB" dirty="0"/>
-              <a:t>A “.bib” file consists of one entry for each reference. An new entry is begun with a “@” symbol and the name of the type of entry it is. Here, we have one article and one book. There are many other types such as “report”, “conference” and even “</a:t>
+              <a:t>There are a number of different ways you can personalise your references. Here we’ll look at different options you can use with the </a:t>
             </a:r>
             <a:r>
               <a:rPr lang="en-GB" dirty="0" err="1"/>
-              <a:t>phdthesis</a:t>
-            </a:r>
-            <a:r>
-              <a:rPr lang="en-GB" dirty="0"/>
-              <a:t>”. See here for some more examples: </a:t>
-            </a:r>
-            <a:r>
-              <a:rPr lang="en-GB" dirty="0">
-                <a:hlinkClick r:id="rId3"/>
-              </a:rPr>
-              <a:t>https://www.verbosus.com/bibtex-style-examples.html</a:t>
-            </a:r>
-            <a:endParaRPr lang="en-GB" dirty="0"/>
-          </a:p>
-          <a:p>
-            <a:endParaRPr lang="en-GB" dirty="0"/>
-          </a:p>
-          <a:p>
-            <a:r>
-              <a:rPr lang="en-GB" dirty="0"/>
-              <a:t> Within curly brackets, the first entry is a label for your reference. Following that, we then have a series of fields which define the contents of the reference. These come in the format “field name = field value” and are separated by commas. Different entries are valid for different entry types. For instance, both our entries here have “author”, “title” and “year” fields but the article has the fields “journal”, “volume”, “number” and “pages” fields whilst the book has a “publisher” field.</a:t>
+              <a:t>natbib</a:t>
+            </a:r>
+            <a:r>
+              <a:rPr lang="en-GB" dirty="0"/>
+              <a:t> package which will alter how your reference appear.</a:t>
             </a:r>
             <a:br>
               <a:rPr lang="en-GB" dirty="0"/>
@@ -4036,15 +4096,7 @@
             </a:br>
             <a:r>
               <a:rPr lang="en-GB" dirty="0"/>
-              <a:t>When you compile your main .</a:t>
-            </a:r>
-            <a:r>
-              <a:rPr lang="en-GB" dirty="0" err="1"/>
-              <a:t>tex</a:t>
-            </a:r>
-            <a:r>
-              <a:rPr lang="en-GB" dirty="0"/>
-              <a:t> file, your bibliography will appear and any entries that are cited will appear in your bibliography. Entries you have not cited will not be included by default.</a:t>
+              <a:t>Using the “numbers” option will cause you to use numerical references instead of textual references. “round” will cause your references to use round brackets instead of square brackets. “super” causes your citations to appear in super-script, similar to a footnote.</a:t>
             </a:r>
           </a:p>
           <a:p>
@@ -4053,8 +4105,23 @@
           <a:p>
             <a:r>
               <a:rPr lang="en-GB" dirty="0"/>
-              <a:t>Overleaf example: https://www.overleaf.com/read/tfrbytxxqszf</a:t>
-            </a:r>
+              <a:t>Overleaf Example (numbers): https://www.overleaf.com/read/nyhjxjvhvqpk</a:t>
+            </a:r>
+          </a:p>
+          <a:p>
+            <a:r>
+              <a:rPr lang="en-GB" dirty="0"/>
+              <a:t>Overleaf Example (round): https://www.overleaf.com/read/dfvnydjfjpfb</a:t>
+            </a:r>
+          </a:p>
+          <a:p>
+            <a:r>
+              <a:rPr lang="en-GB" dirty="0"/>
+              <a:t>Overleaf Example (super): https://www.overleaf.com/read/zgtgtvqhcvfc</a:t>
+            </a:r>
+          </a:p>
+          <a:p>
+            <a:endParaRPr lang="en-GB" dirty="0"/>
           </a:p>
         </p:txBody>
       </p:sp>
@@ -4084,7 +4151,7 @@
     </p:spTree>
     <p:extLst>
       <p:ext uri="{BB962C8B-B14F-4D97-AF65-F5344CB8AC3E}">
-        <p14:creationId xmlns:p14="http://schemas.microsoft.com/office/powerpoint/2010/main" val="2985834625"/>
+        <p14:creationId xmlns:p14="http://schemas.microsoft.com/office/powerpoint/2010/main" val="3708384690"/>
       </p:ext>
     </p:extLst>
   </p:cSld>
@@ -4140,23 +4207,7 @@
           <a:p>
             <a:r>
               <a:rPr lang="en-GB" dirty="0"/>
-              <a:t>In your main .</a:t>
-            </a:r>
-            <a:r>
-              <a:rPr lang="en-GB" dirty="0" err="1"/>
-              <a:t>tex</a:t>
-            </a:r>
-            <a:r>
-              <a:rPr lang="en-GB" dirty="0"/>
-              <a:t> file, you need to use the package “</a:t>
-            </a:r>
-            <a:r>
-              <a:rPr lang="en-GB" dirty="0" err="1"/>
-              <a:t>natbib</a:t>
-            </a:r>
-            <a:r>
-              <a:rPr lang="en-GB" dirty="0"/>
-              <a:t>” in your preamble. You can then cite a reference using the “</a:t>
+              <a:t>There are more ways you can make a citation. You can include multiple citations within a single “</a:t>
             </a:r>
             <a:r>
               <a:rPr lang="en-GB" dirty="0" err="1"/>
@@ -4164,7 +4215,7 @@
             </a:r>
             <a:r>
               <a:rPr lang="en-GB" dirty="0"/>
-              <a:t>” command with the label of the reference. This produces a reference which is “textual” in the sense that the author name is written in normal text as if it’s being read as part of the sentence. You can also use “</a:t>
+              <a:t>” or “</a:t>
             </a:r>
             <a:r>
               <a:rPr lang="en-GB" dirty="0" err="1"/>
@@ -4172,55 +4223,17 @@
             </a:r>
             <a:r>
               <a:rPr lang="en-GB" dirty="0"/>
-              <a:t>” to include the entire reference within brackets. This can be useful for when you don’t intend for the reference to be read as part of the sentence, but to act as an addendum.</a:t>
-            </a:r>
-            <a:br>
-              <a:rPr lang="en-GB" dirty="0"/>
-            </a:br>
-            <a:br>
-              <a:rPr lang="en-GB" dirty="0"/>
-            </a:br>
-            <a:r>
-              <a:rPr lang="en-GB" dirty="0"/>
-              <a:t>After the main body of your text, select a bibliography style (we’ll use “</a:t>
-            </a:r>
-            <a:r>
-              <a:rPr lang="en-GB" dirty="0" err="1"/>
-              <a:t>plainnat</a:t>
-            </a:r>
-            <a:r>
-              <a:rPr lang="en-GB" dirty="0"/>
-              <a:t>” for now). Then, use the “\bibliography” command to actually insert your bibliography into your text. This is followed by the name of your “.bib” file in curly brackets (do not include the “.bib” extension here).</a:t>
+              <a:t>” command, separating them with commas. You can also provide additional details, such a referencing a chapter number by including them in square brackets between the “cite” command and the curly brackets.</a:t>
             </a:r>
           </a:p>
           <a:p>
             <a:endParaRPr lang="en-GB" dirty="0"/>
           </a:p>
           <a:p>
-            <a:pPr marL="0" marR="0" lvl="0" indent="0" algn="l" defTabSz="914400" rtl="0" eaLnBrk="1" fontAlgn="auto" latinLnBrk="0" hangingPunct="1">
-              <a:lnSpc>
-                <a:spcPct val="100000"/>
-              </a:lnSpc>
-              <a:spcBef>
-                <a:spcPts val="0"/>
-              </a:spcBef>
-              <a:spcAft>
-                <a:spcPts val="0"/>
-              </a:spcAft>
-              <a:buClrTx/>
-              <a:buSzTx/>
-              <a:buFontTx/>
-              <a:buNone/>
-              <a:tabLst/>
-              <a:defRPr/>
-            </a:pPr>
-            <a:r>
-              <a:rPr lang="en-GB" dirty="0"/>
-              <a:t>Overleaf example: https://www.overleaf.com/read/tfrbytxxqszf</a:t>
-            </a:r>
-          </a:p>
-          <a:p>
-            <a:endParaRPr lang="en-GB" dirty="0"/>
+            <a:r>
+              <a:rPr lang="en-GB" dirty="0"/>
+              <a:t>Overleaf Example: https://www.overleaf.com/read/cqbhnvfsfzpp</a:t>
+            </a:r>
           </a:p>
         </p:txBody>
       </p:sp>
@@ -4250,7 +4263,7 @@
     </p:spTree>
     <p:extLst>
       <p:ext uri="{BB962C8B-B14F-4D97-AF65-F5344CB8AC3E}">
-        <p14:creationId xmlns:p14="http://schemas.microsoft.com/office/powerpoint/2010/main" val="529073958"/>
+        <p14:creationId xmlns:p14="http://schemas.microsoft.com/office/powerpoint/2010/main" val="1451178539"/>
       </p:ext>
     </p:extLst>
   </p:cSld>
@@ -4306,15 +4319,16 @@
           <a:p>
             <a:r>
               <a:rPr lang="en-GB" dirty="0"/>
-              <a:t>There are a number of different ways you can personalise your references. Here we’ll look at different options you can use with the </a:t>
-            </a:r>
-            <a:r>
-              <a:rPr lang="en-GB" dirty="0" err="1"/>
-              <a:t>natbib</a:t>
-            </a:r>
-            <a:r>
-              <a:rPr lang="en-GB" dirty="0"/>
-              <a:t> package which will alter how your reference appear.</a:t>
+              <a:t>There are a few “gotchas” regarding references and bibliographies. These are things that you might expect to work one way, but they actually work a different way.</a:t>
+            </a:r>
+          </a:p>
+          <a:p>
+            <a:endParaRPr lang="en-GB" dirty="0"/>
+          </a:p>
+          <a:p>
+            <a:r>
+              <a:rPr lang="en-GB" dirty="0"/>
+              <a:t>The first is capitalisation. In titles and names, LaTeX will use it’s own rules for capitalisation. In titles, the default is to make everything lower-case. This can provide a big problem, particularly for acronyms. However, you can force LaTeX to preserve your original capitalisation by placing the phrase in curly brackets.</a:t>
             </a:r>
             <a:br>
               <a:rPr lang="en-GB" dirty="0"/>
@@ -4324,7 +4338,7 @@
             </a:br>
             <a:r>
               <a:rPr lang="en-GB" dirty="0"/>
-              <a:t>Using the “numbers” option will cause you to use numerical references instead of textual references. “round” will cause your references to use round brackets instead of square brackets. “super” causes your citations to appear in super-script, similar to a footnote.</a:t>
+              <a:t>If you include accented letters in your bibliography, this will not result in an accent appearing in your bibliography as LaTeX doesn’t know how to parse the character. Instead, you need to include the LaTeX code for accented character in your “.bib” file.</a:t>
             </a:r>
           </a:p>
           <a:p>
@@ -4333,23 +4347,17 @@
           <a:p>
             <a:r>
               <a:rPr lang="en-GB" dirty="0"/>
-              <a:t>Overleaf Example (numbers): https://www.overleaf.com/read/nyhjxjvhvqpk</a:t>
-            </a:r>
-          </a:p>
-          <a:p>
-            <a:r>
-              <a:rPr lang="en-GB" dirty="0"/>
-              <a:t>Overleaf Example (round): https://www.overleaf.com/read/dfvnydjfjpfb</a:t>
-            </a:r>
-          </a:p>
-          <a:p>
-            <a:r>
-              <a:rPr lang="en-GB" dirty="0"/>
-              <a:t>Overleaf Example (super): https://www.overleaf.com/read/zgtgtvqhcvfc</a:t>
+              <a:t>There a couple of ways of entering multiple author names. You might think that separating author names by commas will work, but this will not produce the desired effect. This is partially because commas are often used between a surname and first names in author specifications. Instead, you can separate names with “and” or with semi-colons.</a:t>
             </a:r>
           </a:p>
           <a:p>
             <a:endParaRPr lang="en-GB" dirty="0"/>
+          </a:p>
+          <a:p>
+            <a:r>
+              <a:rPr lang="en-GB" dirty="0"/>
+              <a:t>Break for section 11 of Task Sheet</a:t>
+            </a:r>
           </a:p>
         </p:txBody>
       </p:sp>
@@ -4379,7 +4387,7 @@
     </p:spTree>
     <p:extLst>
       <p:ext uri="{BB962C8B-B14F-4D97-AF65-F5344CB8AC3E}">
-        <p14:creationId xmlns:p14="http://schemas.microsoft.com/office/powerpoint/2010/main" val="3708384690"/>
+        <p14:creationId xmlns:p14="http://schemas.microsoft.com/office/powerpoint/2010/main" val="3041713323"/>
       </p:ext>
     </p:extLst>
   </p:cSld>
@@ -4435,32 +4443,51 @@
           <a:p>
             <a:r>
               <a:rPr lang="en-GB" dirty="0"/>
-              <a:t>There are more ways you can make a citation. You can include multiple citations within a single “</a:t>
+              <a:t>The acronym package provides a useful way to deal with acronyms in your document. Inside the “acronym” environment, you can use the “\</a:t>
             </a:r>
             <a:r>
               <a:rPr lang="en-GB" dirty="0" err="1"/>
-              <a:t>citet</a:t>
-            </a:r>
-            <a:r>
-              <a:rPr lang="en-GB" dirty="0"/>
-              <a:t>” or “</a:t>
+              <a:t>acro</a:t>
+            </a:r>
+            <a:r>
+              <a:rPr lang="en-GB" dirty="0"/>
+              <a:t>” command to define an acronym. This command is followed by two sets of curly brackets. The first contains the abbreviated version of the acronym. The second contains the expanded version of the acronym. Defining acronyms in this way creates a list of acronyms at the location of the “acronym” environment in your pdf. It’s also possible to define acronyms using the “\</a:t>
             </a:r>
             <a:r>
               <a:rPr lang="en-GB" dirty="0" err="1"/>
-              <a:t>citep</a:t>
-            </a:r>
-            <a:r>
-              <a:rPr lang="en-GB" dirty="0"/>
-              <a:t>” command, separating them with commas. You can also provide additional details, such a referencing a chapter number by including them in square brackets between the “cite” command and the curly brackets.</a:t>
-            </a:r>
-          </a:p>
-          <a:p>
-            <a:endParaRPr lang="en-GB" dirty="0"/>
-          </a:p>
-          <a:p>
-            <a:r>
-              <a:rPr lang="en-GB" dirty="0"/>
-              <a:t>Overleaf Example: https://www.overleaf.com/read/cqbhnvfsfzpp</a:t>
+              <a:t>acrodef</a:t>
+            </a:r>
+            <a:r>
+              <a:rPr lang="en-GB" dirty="0"/>
+              <a:t>” command in the preamble to avoid a list of acronyms if desired.</a:t>
+            </a:r>
+            <a:br>
+              <a:rPr lang="en-GB" dirty="0"/>
+            </a:br>
+            <a:br>
+              <a:rPr lang="en-GB" dirty="0"/>
+            </a:br>
+            <a:r>
+              <a:rPr lang="en-GB" dirty="0"/>
+              <a:t>In the main text you may use the commands “\ac” and “\</a:t>
+            </a:r>
+            <a:r>
+              <a:rPr lang="en-GB" dirty="0" err="1"/>
+              <a:t>acp</a:t>
+            </a:r>
+            <a:r>
+              <a:rPr lang="en-GB" dirty="0"/>
+              <a:t>” to insert the acronym or the plural of the acronym respectively. The first time an acronym is used this way both the expanded and contracted version of the acronym will be inserted. In subsequent cases only the contracted version is used.</a:t>
+            </a:r>
+            <a:br>
+              <a:rPr lang="en-GB" dirty="0"/>
+            </a:br>
+            <a:br>
+              <a:rPr lang="en-GB" dirty="0"/>
+            </a:br>
+            <a:r>
+              <a:rPr lang="en-GB" dirty="0"/>
+              <a:t>Overleaf Example: https://www.overleaf.com/read/jqsvjjpgjzjp</a:t>
             </a:r>
           </a:p>
         </p:txBody>
@@ -4491,7 +4518,7 @@
     </p:spTree>
     <p:extLst>
       <p:ext uri="{BB962C8B-B14F-4D97-AF65-F5344CB8AC3E}">
-        <p14:creationId xmlns:p14="http://schemas.microsoft.com/office/powerpoint/2010/main" val="1451178539"/>
+        <p14:creationId xmlns:p14="http://schemas.microsoft.com/office/powerpoint/2010/main" val="374641908"/>
       </p:ext>
     </p:extLst>
   </p:cSld>
@@ -4547,16 +4574,39 @@
           <a:p>
             <a:r>
               <a:rPr lang="en-GB" dirty="0"/>
-              <a:t>There are a few “gotchas” regarding references and bibliographies. These are things that you might expect to work one way, but they actually work a different way.</a:t>
-            </a:r>
-          </a:p>
-          <a:p>
-            <a:endParaRPr lang="en-GB" dirty="0"/>
-          </a:p>
-          <a:p>
-            <a:r>
-              <a:rPr lang="en-GB" dirty="0"/>
-              <a:t>The first is capitalisation. In titles and names, LaTeX will use it’s own rules for capitalisation. In titles, the default is to make everything lower-case. This can provide a big problem, particularly for acronyms. However, you can force LaTeX to preserve your original capitalisation by placing the phrase in curly brackets.</a:t>
+              <a:t>The “</a:t>
+            </a:r>
+            <a:r>
+              <a:rPr lang="en-GB" dirty="0" err="1"/>
+              <a:t>amsmath</a:t>
+            </a:r>
+            <a:r>
+              <a:rPr lang="en-GB" dirty="0"/>
+              <a:t>” package (which is a fairly standard package to use when dealing with maths) introduces the “</a:t>
+            </a:r>
+            <a:r>
+              <a:rPr lang="en-GB" dirty="0" err="1"/>
+              <a:t>alignat</a:t>
+            </a:r>
+            <a:r>
+              <a:rPr lang="en-GB" dirty="0"/>
+              <a:t>” environment. This environment allows </a:t>
+            </a:r>
+            <a:r>
+              <a:rPr lang="en-GB" dirty="0" err="1"/>
+              <a:t>mulriple</a:t>
+            </a:r>
+            <a:r>
+              <a:rPr lang="en-GB" dirty="0"/>
+              <a:t> equations to be specified in the same construct. Its contents are processed in “</a:t>
+            </a:r>
+            <a:r>
+              <a:rPr lang="en-GB" dirty="0" err="1"/>
+              <a:t>mathmode</a:t>
+            </a:r>
+            <a:r>
+              <a:rPr lang="en-GB" dirty="0"/>
+              <a:t>” and individual lines in it are treated as different equations for numbering purposes.</a:t>
             </a:r>
             <a:br>
               <a:rPr lang="en-GB" dirty="0"/>
@@ -4566,7 +4616,15 @@
             </a:br>
             <a:r>
               <a:rPr lang="en-GB" dirty="0"/>
-              <a:t>If you include accented letters in your bibliography, this will not result in an accent appearing in your bibliography as LaTeX doesn’t know how to parse the character. Instead, you need to include the LaTeX code for accented character in your “.bib” file.</a:t>
+              <a:t>What it also allows you to do is to align your equations. The number in curly brackets following the “\begin{</a:t>
+            </a:r>
+            <a:r>
+              <a:rPr lang="en-GB" dirty="0" err="1"/>
+              <a:t>alignat</a:t>
+            </a:r>
+            <a:r>
+              <a:rPr lang="en-GB" dirty="0"/>
+              <a:t>}” command defines how many alignment points may be used for each equation. Equations are separated with a double backslash and the alignment points are specified using the ampersand character “&amp;”. For each equation you may use up to the maximum number of alignment points specified (here, it is 2). LaTeX will then ensure the first alignment point in each equation is vertically aligned. This can be very useful for ensuring even large blocks of equations are easy to read.</a:t>
             </a:r>
           </a:p>
           <a:p>
@@ -4575,7 +4633,7 @@
           <a:p>
             <a:r>
               <a:rPr lang="en-GB" dirty="0"/>
-              <a:t>There a couple of ways of entering multiple author names. You might think that separating author names by commas will work, but this will not produce the desired effect. This is partially because commas are often used between a surname and first names in author specifications. Instead, you can separate names with “and” or with semi-colons.</a:t>
+              <a:t>Overleaf Example: https://www.overleaf.com/read/trrzvqnfwshx</a:t>
             </a:r>
           </a:p>
           <a:p>
@@ -4584,7 +4642,7 @@
           <a:p>
             <a:r>
               <a:rPr lang="en-GB" dirty="0"/>
-              <a:t>Break for section 11 of Task Sheet</a:t>
+              <a:t>Break for sections 12 and 13 of task sheet</a:t>
             </a:r>
           </a:p>
         </p:txBody>
@@ -4615,7 +4673,7 @@
     </p:spTree>
     <p:extLst>
       <p:ext uri="{BB962C8B-B14F-4D97-AF65-F5344CB8AC3E}">
-        <p14:creationId xmlns:p14="http://schemas.microsoft.com/office/powerpoint/2010/main" val="3041713323"/>
+        <p14:creationId xmlns:p14="http://schemas.microsoft.com/office/powerpoint/2010/main" val="554150285"/>
       </p:ext>
     </p:extLst>
   </p:cSld>
@@ -4671,51 +4729,23 @@
           <a:p>
             <a:r>
               <a:rPr lang="en-GB" dirty="0"/>
-              <a:t>The acronym package provides a useful way to deal with acronyms in your document. Inside the “acronym” environment, you can use the “\</a:t>
+              <a:t>If you want to do something in LaTeX but don’t know how, the first thing to do is to Google it. Somebody has almost certainly had your problem/desire before and you can copy their solution most of the time. On many occasions, you’ll find the answer of </a:t>
             </a:r>
             <a:r>
               <a:rPr lang="en-GB" dirty="0" err="1"/>
-              <a:t>acro</a:t>
-            </a:r>
-            <a:r>
-              <a:rPr lang="en-GB" dirty="0"/>
-              <a:t>” command to define an acronym. This command is followed by two sets of curly brackets. The first contains the abbreviated version of the acronym. The second contains the expanded version of the acronym. Defining acronyms in this way creates a list of acronyms at the location of the “acronym” environment in your pdf. It’s also possible to define acronyms using the “\</a:t>
+              <a:t>stackexchange</a:t>
+            </a:r>
+            <a:r>
+              <a:rPr lang="en-GB" dirty="0"/>
+              <a:t>. As well as being a useful environment to develop and run LaTeX, Overleaf has an extensive library of documentation on LaTeX’s functions. There’s also a very good </a:t>
             </a:r>
             <a:r>
               <a:rPr lang="en-GB" dirty="0" err="1"/>
-              <a:t>acrodef</a:t>
-            </a:r>
-            <a:r>
-              <a:rPr lang="en-GB" dirty="0"/>
-              <a:t>” command in the preamble to avoid a list of acronyms if desired.</a:t>
-            </a:r>
-            <a:br>
-              <a:rPr lang="en-GB" dirty="0"/>
-            </a:br>
-            <a:br>
-              <a:rPr lang="en-GB" dirty="0"/>
-            </a:br>
-            <a:r>
-              <a:rPr lang="en-GB" dirty="0"/>
-              <a:t>In the main text you may use the commands “\ac” and “\</a:t>
-            </a:r>
-            <a:r>
-              <a:rPr lang="en-GB" dirty="0" err="1"/>
-              <a:t>acp</a:t>
-            </a:r>
-            <a:r>
-              <a:rPr lang="en-GB" dirty="0"/>
-              <a:t>” to insert the acronym or the plural of the acronym respectively. The first time an acronym is used this way both the expanded and contracted version of the acronym will be inserted. In subsequent cases only the contracted version is used.</a:t>
-            </a:r>
-            <a:br>
-              <a:rPr lang="en-GB" dirty="0"/>
-            </a:br>
-            <a:br>
-              <a:rPr lang="en-GB" dirty="0"/>
-            </a:br>
-            <a:r>
-              <a:rPr lang="en-GB" dirty="0"/>
-              <a:t>Overleaf Example: https://www.overleaf.com/read/jqsvjjpgjzjp</a:t>
+              <a:t>wikibook</a:t>
+            </a:r>
+            <a:r>
+              <a:rPr lang="en-GB" dirty="0"/>
+              <a:t> that contains a good description of the functionality of LaTeX. There’s also a good table maker which allows you to define tables in a more natural and graphical way and have it return the equivalent LaTeX code. Finally, there’s an equation editor which allows you to define equations in a more graphical fashion and have it return the equivalent LaTeX code.</a:t>
             </a:r>
           </a:p>
         </p:txBody>
@@ -4746,7 +4776,7 @@
     </p:spTree>
     <p:extLst>
       <p:ext uri="{BB962C8B-B14F-4D97-AF65-F5344CB8AC3E}">
-        <p14:creationId xmlns:p14="http://schemas.microsoft.com/office/powerpoint/2010/main" val="374641908"/>
+        <p14:creationId xmlns:p14="http://schemas.microsoft.com/office/powerpoint/2010/main" val="1445805806"/>
       </p:ext>
     </p:extLst>
   </p:cSld>
@@ -4775,236 +4805,229 @@
       </p:grpSpPr>
       <p:sp>
         <p:nvSpPr>
-          <p:cNvPr id="2" name="Slide Image Placeholder 1"/>
+          <p:cNvPr id="108546" name="Rectangle 7"/>
           <p:cNvSpPr>
-            <a:spLocks noGrp="1" noRot="1" noChangeAspect="1"/>
+            <a:spLocks noGrp="1" noChangeArrowheads="1"/>
+          </p:cNvSpPr>
+          <p:nvPr>
+            <p:ph type="sldNum" sz="quarter" idx="5"/>
+          </p:nvPr>
+        </p:nvSpPr>
+        <p:spPr>
+          <a:noFill/>
+          <a:extLst>
+            <a:ext uri="{909E8E84-426E-40DD-AFC4-6F175D3DCCD1}">
+              <a14:hiddenFill xmlns:a14="http://schemas.microsoft.com/office/drawing/2010/main">
+                <a:solidFill>
+                  <a:srgbClr val="FFFFFF"/>
+                </a:solidFill>
+              </a14:hiddenFill>
+            </a:ext>
+            <a:ext uri="{91240B29-F687-4F45-9708-019B960494DF}">
+              <a14:hiddenLine xmlns:a14="http://schemas.microsoft.com/office/drawing/2010/main" w="9525">
+                <a:solidFill>
+                  <a:srgbClr val="000000"/>
+                </a:solidFill>
+                <a:miter lim="800000"/>
+                <a:headEnd/>
+                <a:tailEnd/>
+              </a14:hiddenLine>
+            </a:ext>
+          </a:extLst>
+        </p:spPr>
+        <p:txBody>
+          <a:bodyPr/>
+          <a:lstStyle>
+            <a:lvl1pPr eaLnBrk="0" hangingPunct="0">
+              <a:spcBef>
+                <a:spcPct val="30000"/>
+              </a:spcBef>
+              <a:defRPr sz="1400">
+                <a:solidFill>
+                  <a:schemeClr val="tx1"/>
+                </a:solidFill>
+                <a:latin typeface="Times New Roman" pitchFamily="18" charset="0"/>
+              </a:defRPr>
+            </a:lvl1pPr>
+            <a:lvl2pPr marL="867807" indent="-333772" eaLnBrk="0" hangingPunct="0">
+              <a:spcBef>
+                <a:spcPct val="30000"/>
+              </a:spcBef>
+              <a:defRPr sz="1400">
+                <a:solidFill>
+                  <a:schemeClr val="tx1"/>
+                </a:solidFill>
+                <a:latin typeface="Times New Roman" pitchFamily="18" charset="0"/>
+              </a:defRPr>
+            </a:lvl2pPr>
+            <a:lvl3pPr marL="1335090" indent="-267019" eaLnBrk="0" hangingPunct="0">
+              <a:spcBef>
+                <a:spcPct val="30000"/>
+              </a:spcBef>
+              <a:defRPr sz="1400">
+                <a:solidFill>
+                  <a:schemeClr val="tx1"/>
+                </a:solidFill>
+                <a:latin typeface="Times New Roman" pitchFamily="18" charset="0"/>
+              </a:defRPr>
+            </a:lvl3pPr>
+            <a:lvl4pPr marL="1869126" indent="-267019" eaLnBrk="0" hangingPunct="0">
+              <a:spcBef>
+                <a:spcPct val="30000"/>
+              </a:spcBef>
+              <a:defRPr sz="1400">
+                <a:solidFill>
+                  <a:schemeClr val="tx1"/>
+                </a:solidFill>
+                <a:latin typeface="Times New Roman" pitchFamily="18" charset="0"/>
+              </a:defRPr>
+            </a:lvl4pPr>
+            <a:lvl5pPr marL="2403162" indent="-267019" eaLnBrk="0" hangingPunct="0">
+              <a:spcBef>
+                <a:spcPct val="30000"/>
+              </a:spcBef>
+              <a:defRPr sz="1400">
+                <a:solidFill>
+                  <a:schemeClr val="tx1"/>
+                </a:solidFill>
+                <a:latin typeface="Times New Roman" pitchFamily="18" charset="0"/>
+              </a:defRPr>
+            </a:lvl5pPr>
+            <a:lvl6pPr marL="2937196" indent="-267019" eaLnBrk="0" fontAlgn="base" hangingPunct="0">
+              <a:spcBef>
+                <a:spcPct val="30000"/>
+              </a:spcBef>
+              <a:spcAft>
+                <a:spcPct val="0"/>
+              </a:spcAft>
+              <a:defRPr sz="1400">
+                <a:solidFill>
+                  <a:schemeClr val="tx1"/>
+                </a:solidFill>
+                <a:latin typeface="Times New Roman" pitchFamily="18" charset="0"/>
+              </a:defRPr>
+            </a:lvl6pPr>
+            <a:lvl7pPr marL="3471233" indent="-267019" eaLnBrk="0" fontAlgn="base" hangingPunct="0">
+              <a:spcBef>
+                <a:spcPct val="30000"/>
+              </a:spcBef>
+              <a:spcAft>
+                <a:spcPct val="0"/>
+              </a:spcAft>
+              <a:defRPr sz="1400">
+                <a:solidFill>
+                  <a:schemeClr val="tx1"/>
+                </a:solidFill>
+                <a:latin typeface="Times New Roman" pitchFamily="18" charset="0"/>
+              </a:defRPr>
+            </a:lvl7pPr>
+            <a:lvl8pPr marL="4005269" indent="-267019" eaLnBrk="0" fontAlgn="base" hangingPunct="0">
+              <a:spcBef>
+                <a:spcPct val="30000"/>
+              </a:spcBef>
+              <a:spcAft>
+                <a:spcPct val="0"/>
+              </a:spcAft>
+              <a:defRPr sz="1400">
+                <a:solidFill>
+                  <a:schemeClr val="tx1"/>
+                </a:solidFill>
+                <a:latin typeface="Times New Roman" pitchFamily="18" charset="0"/>
+              </a:defRPr>
+            </a:lvl8pPr>
+            <a:lvl9pPr marL="4539304" indent="-267019" eaLnBrk="0" fontAlgn="base" hangingPunct="0">
+              <a:spcBef>
+                <a:spcPct val="30000"/>
+              </a:spcBef>
+              <a:spcAft>
+                <a:spcPct val="0"/>
+              </a:spcAft>
+              <a:defRPr sz="1400">
+                <a:solidFill>
+                  <a:schemeClr val="tx1"/>
+                </a:solidFill>
+                <a:latin typeface="Times New Roman" pitchFamily="18" charset="0"/>
+              </a:defRPr>
+            </a:lvl9pPr>
+          </a:lstStyle>
+          <a:p>
+            <a:pPr eaLnBrk="1" hangingPunct="1">
+              <a:spcBef>
+                <a:spcPct val="0"/>
+              </a:spcBef>
+            </a:pPr>
+            <a:fld id="{02925A89-94DB-4D01-BF69-778533A1DF9B}" type="slidenum">
+              <a:rPr lang="en-US" altLang="en-US" smtClean="0"/>
+              <a:pPr eaLnBrk="1" hangingPunct="1">
+                <a:spcBef>
+                  <a:spcPct val="0"/>
+                </a:spcBef>
+              </a:pPr>
+              <a:t>38</a:t>
+            </a:fld>
+            <a:endParaRPr lang="en-US" altLang="en-US"/>
+          </a:p>
+        </p:txBody>
+      </p:sp>
+      <p:sp>
+        <p:nvSpPr>
+          <p:cNvPr id="108547" name="Rectangle 2"/>
+          <p:cNvSpPr>
+            <a:spLocks noGrp="1" noRot="1" noChangeAspect="1" noChangeArrowheads="1" noTextEdit="1"/>
           </p:cNvSpPr>
           <p:nvPr>
             <p:ph type="sldImg"/>
           </p:nvPr>
         </p:nvSpPr>
-        <p:spPr/>
-      </p:sp>
-      <p:sp>
-        <p:nvSpPr>
-          <p:cNvPr id="3" name="Notes Placeholder 2"/>
+        <p:spPr>
+          <a:ln/>
+        </p:spPr>
+      </p:sp>
+      <p:sp>
+        <p:nvSpPr>
+          <p:cNvPr id="108548" name="Rectangle 3"/>
           <p:cNvSpPr>
-            <a:spLocks noGrp="1"/>
+            <a:spLocks noGrp="1" noChangeArrowheads="1"/>
           </p:cNvSpPr>
           <p:nvPr>
             <p:ph type="body" idx="1"/>
           </p:nvPr>
         </p:nvSpPr>
-        <p:spPr/>
+        <p:spPr>
+          <a:noFill/>
+          <a:extLst>
+            <a:ext uri="{909E8E84-426E-40DD-AFC4-6F175D3DCCD1}">
+              <a14:hiddenFill xmlns:a14="http://schemas.microsoft.com/office/drawing/2010/main">
+                <a:solidFill>
+                  <a:srgbClr val="FFFFFF"/>
+                </a:solidFill>
+              </a14:hiddenFill>
+            </a:ext>
+            <a:ext uri="{91240B29-F687-4F45-9708-019B960494DF}">
+              <a14:hiddenLine xmlns:a14="http://schemas.microsoft.com/office/drawing/2010/main" w="9525">
+                <a:solidFill>
+                  <a:srgbClr val="000000"/>
+                </a:solidFill>
+                <a:miter lim="800000"/>
+                <a:headEnd/>
+                <a:tailEnd/>
+              </a14:hiddenLine>
+            </a:ext>
+          </a:extLst>
+        </p:spPr>
         <p:txBody>
           <a:bodyPr/>
           <a:lstStyle/>
           <a:p>
-            <a:r>
-              <a:rPr lang="en-GB" dirty="0"/>
-              <a:t>The “</a:t>
-            </a:r>
-            <a:r>
-              <a:rPr lang="en-GB" dirty="0" err="1"/>
-              <a:t>amsmath</a:t>
-            </a:r>
-            <a:r>
-              <a:rPr lang="en-GB" dirty="0"/>
-              <a:t>” package (which is a fairly standard package to use when dealing with maths) introduces the “</a:t>
-            </a:r>
-            <a:r>
-              <a:rPr lang="en-GB" dirty="0" err="1"/>
-              <a:t>alignat</a:t>
-            </a:r>
-            <a:r>
-              <a:rPr lang="en-GB" dirty="0"/>
-              <a:t>” environment. This environment allows </a:t>
-            </a:r>
-            <a:r>
-              <a:rPr lang="en-GB" dirty="0" err="1"/>
-              <a:t>mulriple</a:t>
-            </a:r>
-            <a:r>
-              <a:rPr lang="en-GB" dirty="0"/>
-              <a:t> equations to be specified in the same construct. Its contents are processed in “</a:t>
-            </a:r>
-            <a:r>
-              <a:rPr lang="en-GB" dirty="0" err="1"/>
-              <a:t>mathmode</a:t>
-            </a:r>
-            <a:r>
-              <a:rPr lang="en-GB" dirty="0"/>
-              <a:t>” and individual lines in it are treated as different equations for numbering purposes.</a:t>
-            </a:r>
-            <a:br>
-              <a:rPr lang="en-GB" dirty="0"/>
-            </a:br>
-            <a:br>
-              <a:rPr lang="en-GB" dirty="0"/>
-            </a:br>
-            <a:r>
-              <a:rPr lang="en-GB" dirty="0"/>
-              <a:t>What it also allows you to do is to align your equations. The number in curly brackets following the “\begin{</a:t>
-            </a:r>
-            <a:r>
-              <a:rPr lang="en-GB" dirty="0" err="1"/>
-              <a:t>alignat</a:t>
-            </a:r>
-            <a:r>
-              <a:rPr lang="en-GB" dirty="0"/>
-              <a:t>}” command defines how many alignment points may be used for each equation. Equations are separated with a double backslash and the alignment points are specified using the ampersand character “&amp;”. For each equation you may use up to the maximum number of alignment points specified (here, it is 2). LaTeX will then ensure the first alignment point in each equation is vertically aligned. This can be very useful for ensuring even large blocks of equations are easy to read.</a:t>
-            </a:r>
-          </a:p>
-          <a:p>
-            <a:endParaRPr lang="en-GB" dirty="0"/>
-          </a:p>
-          <a:p>
-            <a:r>
-              <a:rPr lang="en-GB" dirty="0"/>
-              <a:t>Overleaf Example: https://www.overleaf.com/read/trrzvqnfwshx</a:t>
-            </a:r>
-          </a:p>
-          <a:p>
-            <a:endParaRPr lang="en-GB" dirty="0"/>
-          </a:p>
-          <a:p>
-            <a:r>
-              <a:rPr lang="en-GB" dirty="0"/>
-              <a:t>Break for sections 12 and 13 of task sheet</a:t>
-            </a:r>
-          </a:p>
-        </p:txBody>
-      </p:sp>
-      <p:sp>
-        <p:nvSpPr>
-          <p:cNvPr id="4" name="Slide Number Placeholder 3"/>
-          <p:cNvSpPr>
-            <a:spLocks noGrp="1"/>
-          </p:cNvSpPr>
-          <p:nvPr>
-            <p:ph type="sldNum" sz="quarter" idx="10"/>
-          </p:nvPr>
-        </p:nvSpPr>
-        <p:spPr/>
-        <p:txBody>
-          <a:bodyPr/>
-          <a:lstStyle/>
-          <a:p>
-            <a:fld id="{6A641EC8-C9F8-4A58-A1A7-F7D817526EEC}" type="slidenum">
-              <a:rPr lang="en-GB" smtClean="0"/>
-              <a:t>38</a:t>
-            </a:fld>
-            <a:endParaRPr lang="en-GB"/>
+            <a:pPr eaLnBrk="1" hangingPunct="1"/>
+            <a:endParaRPr lang="en-GB" altLang="en-US" dirty="0"/>
           </a:p>
         </p:txBody>
       </p:sp>
     </p:spTree>
     <p:extLst>
       <p:ext uri="{BB962C8B-B14F-4D97-AF65-F5344CB8AC3E}">
-        <p14:creationId xmlns:p14="http://schemas.microsoft.com/office/powerpoint/2010/main" val="554150285"/>
-      </p:ext>
-    </p:extLst>
-  </p:cSld>
-  <p:clrMapOvr>
-    <a:masterClrMapping/>
-  </p:clrMapOvr>
-</p:notes>
-</file>
-
-<file path=ppt/notesSlides/notesSlide39.xml><?xml version="1.0" encoding="utf-8"?>
-<p:notes xmlns:a="http://schemas.openxmlformats.org/drawingml/2006/main" xmlns:r="http://schemas.openxmlformats.org/officeDocument/2006/relationships" xmlns:p="http://schemas.openxmlformats.org/presentationml/2006/main">
-  <p:cSld>
-    <p:spTree>
-      <p:nvGrpSpPr>
-        <p:cNvPr id="1" name=""/>
-        <p:cNvGrpSpPr/>
-        <p:nvPr/>
-      </p:nvGrpSpPr>
-      <p:grpSpPr>
-        <a:xfrm>
-          <a:off x="0" y="0"/>
-          <a:ext cx="0" cy="0"/>
-          <a:chOff x="0" y="0"/>
-          <a:chExt cx="0" cy="0"/>
-        </a:xfrm>
-      </p:grpSpPr>
-      <p:sp>
-        <p:nvSpPr>
-          <p:cNvPr id="2" name="Slide Image Placeholder 1"/>
-          <p:cNvSpPr>
-            <a:spLocks noGrp="1" noRot="1" noChangeAspect="1"/>
-          </p:cNvSpPr>
-          <p:nvPr>
-            <p:ph type="sldImg"/>
-          </p:nvPr>
-        </p:nvSpPr>
-        <p:spPr/>
-      </p:sp>
-      <p:sp>
-        <p:nvSpPr>
-          <p:cNvPr id="3" name="Notes Placeholder 2"/>
-          <p:cNvSpPr>
-            <a:spLocks noGrp="1"/>
-          </p:cNvSpPr>
-          <p:nvPr>
-            <p:ph type="body" idx="1"/>
-          </p:nvPr>
-        </p:nvSpPr>
-        <p:spPr/>
-        <p:txBody>
-          <a:bodyPr/>
-          <a:lstStyle/>
-          <a:p>
-            <a:r>
-              <a:rPr lang="en-GB" dirty="0"/>
-              <a:t>If you want to do something in LaTeX but don’t know how, the first thing to do is to Google it. Somebody has almost certainly had your problem/desire before and you can copy their solution most of the time. On many occasions, you’ll find the answer of </a:t>
-            </a:r>
-            <a:r>
-              <a:rPr lang="en-GB" dirty="0" err="1"/>
-              <a:t>stackexchange</a:t>
-            </a:r>
-            <a:r>
-              <a:rPr lang="en-GB" dirty="0"/>
-              <a:t>. As well as being a useful environment to develop and run LaTeX, Overleaf has an extensive library of documentation on LaTeX’s functions. There’s also a very good </a:t>
-            </a:r>
-            <a:r>
-              <a:rPr lang="en-GB" dirty="0" err="1"/>
-              <a:t>wikibook</a:t>
-            </a:r>
-            <a:r>
-              <a:rPr lang="en-GB" dirty="0"/>
-              <a:t> that contains a good description of the functionality of LaTeX. There’s also a good table maker which allows you to define tables in a more natural and graphical way and have it return the equivalent LaTeX code. Finally, there’s an equation editor which allows you to define equations in a more graphical fashion and have it return the equivalent LaTeX code.</a:t>
-            </a:r>
-          </a:p>
-        </p:txBody>
-      </p:sp>
-      <p:sp>
-        <p:nvSpPr>
-          <p:cNvPr id="4" name="Slide Number Placeholder 3"/>
-          <p:cNvSpPr>
-            <a:spLocks noGrp="1"/>
-          </p:cNvSpPr>
-          <p:nvPr>
-            <p:ph type="sldNum" sz="quarter" idx="10"/>
-          </p:nvPr>
-        </p:nvSpPr>
-        <p:spPr/>
-        <p:txBody>
-          <a:bodyPr/>
-          <a:lstStyle/>
-          <a:p>
-            <a:fld id="{6A641EC8-C9F8-4A58-A1A7-F7D817526EEC}" type="slidenum">
-              <a:rPr lang="en-GB" smtClean="0"/>
-              <a:t>39</a:t>
-            </a:fld>
-            <a:endParaRPr lang="en-GB"/>
-          </a:p>
-        </p:txBody>
-      </p:sp>
-    </p:spTree>
-    <p:extLst>
-      <p:ext uri="{BB962C8B-B14F-4D97-AF65-F5344CB8AC3E}">
-        <p14:creationId xmlns:p14="http://schemas.microsoft.com/office/powerpoint/2010/main" val="1445805806"/>
+        <p14:creationId xmlns:p14="http://schemas.microsoft.com/office/powerpoint/2010/main" val="1829525107"/>
       </p:ext>
     </p:extLst>
   </p:cSld>
@@ -5135,341 +5158,6 @@
 </p:notes>
 </file>
 
-<file path=ppt/notesSlides/notesSlide40.xml><?xml version="1.0" encoding="utf-8"?>
-<p:notes xmlns:a="http://schemas.openxmlformats.org/drawingml/2006/main" xmlns:r="http://schemas.openxmlformats.org/officeDocument/2006/relationships" xmlns:p="http://schemas.openxmlformats.org/presentationml/2006/main">
-  <p:cSld>
-    <p:spTree>
-      <p:nvGrpSpPr>
-        <p:cNvPr id="1" name=""/>
-        <p:cNvGrpSpPr/>
-        <p:nvPr/>
-      </p:nvGrpSpPr>
-      <p:grpSpPr>
-        <a:xfrm>
-          <a:off x="0" y="0"/>
-          <a:ext cx="0" cy="0"/>
-          <a:chOff x="0" y="0"/>
-          <a:chExt cx="0" cy="0"/>
-        </a:xfrm>
-      </p:grpSpPr>
-      <p:sp>
-        <p:nvSpPr>
-          <p:cNvPr id="2" name="Slide Image Placeholder 1"/>
-          <p:cNvSpPr>
-            <a:spLocks noGrp="1" noRot="1" noChangeAspect="1"/>
-          </p:cNvSpPr>
-          <p:nvPr>
-            <p:ph type="sldImg"/>
-          </p:nvPr>
-        </p:nvSpPr>
-        <p:spPr/>
-      </p:sp>
-      <p:sp>
-        <p:nvSpPr>
-          <p:cNvPr id="3" name="Notes Placeholder 2"/>
-          <p:cNvSpPr>
-            <a:spLocks noGrp="1"/>
-          </p:cNvSpPr>
-          <p:nvPr>
-            <p:ph type="body" idx="1"/>
-          </p:nvPr>
-        </p:nvSpPr>
-        <p:spPr/>
-        <p:txBody>
-          <a:bodyPr/>
-          <a:lstStyle/>
-          <a:p>
-            <a:endParaRPr lang="en-GB" dirty="0"/>
-          </a:p>
-        </p:txBody>
-      </p:sp>
-      <p:sp>
-        <p:nvSpPr>
-          <p:cNvPr id="4" name="Slide Number Placeholder 3"/>
-          <p:cNvSpPr>
-            <a:spLocks noGrp="1"/>
-          </p:cNvSpPr>
-          <p:nvPr>
-            <p:ph type="sldNum" sz="quarter" idx="10"/>
-          </p:nvPr>
-        </p:nvSpPr>
-        <p:spPr/>
-        <p:txBody>
-          <a:bodyPr/>
-          <a:lstStyle/>
-          <a:p>
-            <a:fld id="{6A641EC8-C9F8-4A58-A1A7-F7D817526EEC}" type="slidenum">
-              <a:rPr lang="en-GB" smtClean="0"/>
-              <a:t>40</a:t>
-            </a:fld>
-            <a:endParaRPr lang="en-GB"/>
-          </a:p>
-        </p:txBody>
-      </p:sp>
-    </p:spTree>
-    <p:extLst>
-      <p:ext uri="{BB962C8B-B14F-4D97-AF65-F5344CB8AC3E}">
-        <p14:creationId xmlns:p14="http://schemas.microsoft.com/office/powerpoint/2010/main" val="1492413823"/>
-      </p:ext>
-    </p:extLst>
-  </p:cSld>
-  <p:clrMapOvr>
-    <a:masterClrMapping/>
-  </p:clrMapOvr>
-</p:notes>
-</file>
-
-<file path=ppt/notesSlides/notesSlide41.xml><?xml version="1.0" encoding="utf-8"?>
-<p:notes xmlns:a="http://schemas.openxmlformats.org/drawingml/2006/main" xmlns:r="http://schemas.openxmlformats.org/officeDocument/2006/relationships" xmlns:p="http://schemas.openxmlformats.org/presentationml/2006/main">
-  <p:cSld>
-    <p:spTree>
-      <p:nvGrpSpPr>
-        <p:cNvPr id="1" name=""/>
-        <p:cNvGrpSpPr/>
-        <p:nvPr/>
-      </p:nvGrpSpPr>
-      <p:grpSpPr>
-        <a:xfrm>
-          <a:off x="0" y="0"/>
-          <a:ext cx="0" cy="0"/>
-          <a:chOff x="0" y="0"/>
-          <a:chExt cx="0" cy="0"/>
-        </a:xfrm>
-      </p:grpSpPr>
-      <p:sp>
-        <p:nvSpPr>
-          <p:cNvPr id="108546" name="Rectangle 7"/>
-          <p:cNvSpPr>
-            <a:spLocks noGrp="1" noChangeArrowheads="1"/>
-          </p:cNvSpPr>
-          <p:nvPr>
-            <p:ph type="sldNum" sz="quarter" idx="5"/>
-          </p:nvPr>
-        </p:nvSpPr>
-        <p:spPr>
-          <a:noFill/>
-          <a:extLst>
-            <a:ext uri="{909E8E84-426E-40DD-AFC4-6F175D3DCCD1}">
-              <a14:hiddenFill xmlns:a14="http://schemas.microsoft.com/office/drawing/2010/main">
-                <a:solidFill>
-                  <a:srgbClr val="FFFFFF"/>
-                </a:solidFill>
-              </a14:hiddenFill>
-            </a:ext>
-            <a:ext uri="{91240B29-F687-4F45-9708-019B960494DF}">
-              <a14:hiddenLine xmlns:a14="http://schemas.microsoft.com/office/drawing/2010/main" w="9525">
-                <a:solidFill>
-                  <a:srgbClr val="000000"/>
-                </a:solidFill>
-                <a:miter lim="800000"/>
-                <a:headEnd/>
-                <a:tailEnd/>
-              </a14:hiddenLine>
-            </a:ext>
-          </a:extLst>
-        </p:spPr>
-        <p:txBody>
-          <a:bodyPr/>
-          <a:lstStyle>
-            <a:lvl1pPr eaLnBrk="0" hangingPunct="0">
-              <a:spcBef>
-                <a:spcPct val="30000"/>
-              </a:spcBef>
-              <a:defRPr sz="1400">
-                <a:solidFill>
-                  <a:schemeClr val="tx1"/>
-                </a:solidFill>
-                <a:latin typeface="Times New Roman" pitchFamily="18" charset="0"/>
-              </a:defRPr>
-            </a:lvl1pPr>
-            <a:lvl2pPr marL="867807" indent="-333772" eaLnBrk="0" hangingPunct="0">
-              <a:spcBef>
-                <a:spcPct val="30000"/>
-              </a:spcBef>
-              <a:defRPr sz="1400">
-                <a:solidFill>
-                  <a:schemeClr val="tx1"/>
-                </a:solidFill>
-                <a:latin typeface="Times New Roman" pitchFamily="18" charset="0"/>
-              </a:defRPr>
-            </a:lvl2pPr>
-            <a:lvl3pPr marL="1335090" indent="-267019" eaLnBrk="0" hangingPunct="0">
-              <a:spcBef>
-                <a:spcPct val="30000"/>
-              </a:spcBef>
-              <a:defRPr sz="1400">
-                <a:solidFill>
-                  <a:schemeClr val="tx1"/>
-                </a:solidFill>
-                <a:latin typeface="Times New Roman" pitchFamily="18" charset="0"/>
-              </a:defRPr>
-            </a:lvl3pPr>
-            <a:lvl4pPr marL="1869126" indent="-267019" eaLnBrk="0" hangingPunct="0">
-              <a:spcBef>
-                <a:spcPct val="30000"/>
-              </a:spcBef>
-              <a:defRPr sz="1400">
-                <a:solidFill>
-                  <a:schemeClr val="tx1"/>
-                </a:solidFill>
-                <a:latin typeface="Times New Roman" pitchFamily="18" charset="0"/>
-              </a:defRPr>
-            </a:lvl4pPr>
-            <a:lvl5pPr marL="2403162" indent="-267019" eaLnBrk="0" hangingPunct="0">
-              <a:spcBef>
-                <a:spcPct val="30000"/>
-              </a:spcBef>
-              <a:defRPr sz="1400">
-                <a:solidFill>
-                  <a:schemeClr val="tx1"/>
-                </a:solidFill>
-                <a:latin typeface="Times New Roman" pitchFamily="18" charset="0"/>
-              </a:defRPr>
-            </a:lvl5pPr>
-            <a:lvl6pPr marL="2937196" indent="-267019" eaLnBrk="0" fontAlgn="base" hangingPunct="0">
-              <a:spcBef>
-                <a:spcPct val="30000"/>
-              </a:spcBef>
-              <a:spcAft>
-                <a:spcPct val="0"/>
-              </a:spcAft>
-              <a:defRPr sz="1400">
-                <a:solidFill>
-                  <a:schemeClr val="tx1"/>
-                </a:solidFill>
-                <a:latin typeface="Times New Roman" pitchFamily="18" charset="0"/>
-              </a:defRPr>
-            </a:lvl6pPr>
-            <a:lvl7pPr marL="3471233" indent="-267019" eaLnBrk="0" fontAlgn="base" hangingPunct="0">
-              <a:spcBef>
-                <a:spcPct val="30000"/>
-              </a:spcBef>
-              <a:spcAft>
-                <a:spcPct val="0"/>
-              </a:spcAft>
-              <a:defRPr sz="1400">
-                <a:solidFill>
-                  <a:schemeClr val="tx1"/>
-                </a:solidFill>
-                <a:latin typeface="Times New Roman" pitchFamily="18" charset="0"/>
-              </a:defRPr>
-            </a:lvl7pPr>
-            <a:lvl8pPr marL="4005269" indent="-267019" eaLnBrk="0" fontAlgn="base" hangingPunct="0">
-              <a:spcBef>
-                <a:spcPct val="30000"/>
-              </a:spcBef>
-              <a:spcAft>
-                <a:spcPct val="0"/>
-              </a:spcAft>
-              <a:defRPr sz="1400">
-                <a:solidFill>
-                  <a:schemeClr val="tx1"/>
-                </a:solidFill>
-                <a:latin typeface="Times New Roman" pitchFamily="18" charset="0"/>
-              </a:defRPr>
-            </a:lvl8pPr>
-            <a:lvl9pPr marL="4539304" indent="-267019" eaLnBrk="0" fontAlgn="base" hangingPunct="0">
-              <a:spcBef>
-                <a:spcPct val="30000"/>
-              </a:spcBef>
-              <a:spcAft>
-                <a:spcPct val="0"/>
-              </a:spcAft>
-              <a:defRPr sz="1400">
-                <a:solidFill>
-                  <a:schemeClr val="tx1"/>
-                </a:solidFill>
-                <a:latin typeface="Times New Roman" pitchFamily="18" charset="0"/>
-              </a:defRPr>
-            </a:lvl9pPr>
-          </a:lstStyle>
-          <a:p>
-            <a:pPr eaLnBrk="1" hangingPunct="1">
-              <a:spcBef>
-                <a:spcPct val="0"/>
-              </a:spcBef>
-            </a:pPr>
-            <a:fld id="{02925A89-94DB-4D01-BF69-778533A1DF9B}" type="slidenum">
-              <a:rPr lang="en-US" altLang="en-US" smtClean="0"/>
-              <a:pPr eaLnBrk="1" hangingPunct="1">
-                <a:spcBef>
-                  <a:spcPct val="0"/>
-                </a:spcBef>
-              </a:pPr>
-              <a:t>41</a:t>
-            </a:fld>
-            <a:endParaRPr lang="en-US" altLang="en-US"/>
-          </a:p>
-        </p:txBody>
-      </p:sp>
-      <p:sp>
-        <p:nvSpPr>
-          <p:cNvPr id="108547" name="Rectangle 2"/>
-          <p:cNvSpPr>
-            <a:spLocks noGrp="1" noRot="1" noChangeAspect="1" noChangeArrowheads="1" noTextEdit="1"/>
-          </p:cNvSpPr>
-          <p:nvPr>
-            <p:ph type="sldImg"/>
-          </p:nvPr>
-        </p:nvSpPr>
-        <p:spPr>
-          <a:ln/>
-        </p:spPr>
-      </p:sp>
-      <p:sp>
-        <p:nvSpPr>
-          <p:cNvPr id="108548" name="Rectangle 3"/>
-          <p:cNvSpPr>
-            <a:spLocks noGrp="1" noChangeArrowheads="1"/>
-          </p:cNvSpPr>
-          <p:nvPr>
-            <p:ph type="body" idx="1"/>
-          </p:nvPr>
-        </p:nvSpPr>
-        <p:spPr>
-          <a:noFill/>
-          <a:extLst>
-            <a:ext uri="{909E8E84-426E-40DD-AFC4-6F175D3DCCD1}">
-              <a14:hiddenFill xmlns:a14="http://schemas.microsoft.com/office/drawing/2010/main">
-                <a:solidFill>
-                  <a:srgbClr val="FFFFFF"/>
-                </a:solidFill>
-              </a14:hiddenFill>
-            </a:ext>
-            <a:ext uri="{91240B29-F687-4F45-9708-019B960494DF}">
-              <a14:hiddenLine xmlns:a14="http://schemas.microsoft.com/office/drawing/2010/main" w="9525">
-                <a:solidFill>
-                  <a:srgbClr val="000000"/>
-                </a:solidFill>
-                <a:miter lim="800000"/>
-                <a:headEnd/>
-                <a:tailEnd/>
-              </a14:hiddenLine>
-            </a:ext>
-          </a:extLst>
-        </p:spPr>
-        <p:txBody>
-          <a:bodyPr/>
-          <a:lstStyle/>
-          <a:p>
-            <a:pPr eaLnBrk="1" hangingPunct="1"/>
-            <a:endParaRPr lang="en-GB" altLang="en-US" dirty="0"/>
-          </a:p>
-        </p:txBody>
-      </p:sp>
-    </p:spTree>
-    <p:extLst>
-      <p:ext uri="{BB962C8B-B14F-4D97-AF65-F5344CB8AC3E}">
-        <p14:creationId xmlns:p14="http://schemas.microsoft.com/office/powerpoint/2010/main" val="1829525107"/>
-      </p:ext>
-    </p:extLst>
-  </p:cSld>
-  <p:clrMapOvr>
-    <a:masterClrMapping/>
-  </p:clrMapOvr>
-</p:notes>
-</file>
-
 <file path=ppt/notesSlides/notesSlide5.xml><?xml version="1.0" encoding="utf-8"?>
 <p:notes xmlns:a="http://schemas.openxmlformats.org/drawingml/2006/main" xmlns:r="http://schemas.openxmlformats.org/officeDocument/2006/relationships" xmlns:p="http://schemas.openxmlformats.org/presentationml/2006/main">
   <p:cSld>
@@ -5516,7 +5204,7 @@
           <a:p>
             <a:r>
               <a:rPr lang="en-GB" dirty="0"/>
-              <a:t>This course focuses mostly on how to use LaTeX to produce a thesis and will not provide an in-depth discussion of the regulations surrounding your thesis. You should make sure you know what exact requirements are relevant to your programme and double-check everything presented here. However, it will be useful to take a quick look at some formatting requirements and how we can use LaTeX to achieve them.</a:t>
+              <a:t>This course focuses mostly on how to use LaTeX to produce a thesis and will not provide an in-depth discussion of the regulations surrounding your thesis. You should make sure you know what exact requirements are relevant to your programme and double-check everything presented here. One set of requirements is the guidance from Library Theses Office, which is included in this repository. This contains a couple of requirements and a little guidance, but few strict requirements. </a:t>
             </a:r>
           </a:p>
           <a:p>
@@ -5525,7 +5213,25 @@
           <a:p>
             <a:r>
               <a:rPr lang="en-GB" dirty="0"/>
-              <a:t>There are several conditions for different types of theses. I’ll be focussing on university-wide requirements for PhD theses. Some of the basic requirements that we won’t dwell on but are useful background are given here. Your thesis must be written in English and has a word limit. You can use material from any papers you might have completed, but you cannot just copy-and-paste them. Your thesis needs to form a coherent narrative. You need to give a full bibliography and cite references appropriately. The fact that you will be examined on this document means you want it to be easy for examiners to read and review. Finally, once you’ve satisfied the requirements of your programme, you’re free to make sensible ideas regarding formatting. So you can personalise your thesis to some extent.</a:t>
+              <a:t>The only hard and fast rule is that it must be under 100,000 words, excluding your bibliography and appendices. Taking a word count in a LaTeX document isn’t always straightforward. Luckily, Overleaf provides this functionality in the “menu” tab.</a:t>
+            </a:r>
+          </a:p>
+          <a:p>
+            <a:endParaRPr lang="en-GB" dirty="0"/>
+          </a:p>
+          <a:p>
+            <a:r>
+              <a:rPr lang="en-GB" dirty="0"/>
+              <a:t>If you want some extra information on ICR’s view on what a “good thesis” looks like, try following the link to the “Good Viva” video.</a:t>
+            </a:r>
+          </a:p>
+          <a:p>
+            <a:endParaRPr lang="en-GB" dirty="0"/>
+          </a:p>
+          <a:p>
+            <a:r>
+              <a:rPr lang="en-GB" dirty="0"/>
+              <a:t>Instead of focusing on the requirements of your course, I’m going to give you guidance based on what I consider to be good practice. This is loosely based on Imperial’s thesis guidance. The remainder of the guide focuses on things that I think are useful for developing a thesis which looks good and how to set up an effective and efficient workflow.</a:t>
             </a:r>
           </a:p>
         </p:txBody>
@@ -5612,7 +5318,32 @@
           <a:p>
             <a:r>
               <a:rPr lang="en-GB" dirty="0"/>
-              <a:t>You’re will probably want to use A4 paper in your thesis and are recommended to use double-sided pages for larger theses (which will apply to most of you). The differences between single-sided and double sided documents mainly affects certain types of headers and footers, such as whether page numbers are always on the top right or appear on the “outside” corner of a page, etc.</a:t>
+              <a:t>You’re will probably want to use A4 paper in your thesis and I would recommend you use double-sided. The differences between single-sided and double sided documents mainly affects certain types of headers and footers, such as whether page numbers are always on the top right or appear on the “outside” corner of a page, etc.</a:t>
+            </a:r>
+          </a:p>
+          <a:p>
+            <a:endParaRPr lang="en-GB" dirty="0"/>
+          </a:p>
+          <a:p>
+            <a:r>
+              <a:rPr lang="en-GB" dirty="0"/>
+              <a:t>The LTO document suggests using the Arial font. However, this isn’t actually supported in LaTeX as it’s a </a:t>
+            </a:r>
+            <a:r>
+              <a:rPr lang="en-GB" dirty="0" err="1"/>
+              <a:t>propietary</a:t>
+            </a:r>
+            <a:r>
+              <a:rPr lang="en-GB" dirty="0"/>
+              <a:t> font. One option is to change the default font of your document using the </a:t>
+            </a:r>
+            <a:r>
+              <a:rPr lang="en-GB" dirty="0" err="1"/>
+              <a:t>helvet</a:t>
+            </a:r>
+            <a:r>
+              <a:rPr lang="en-GB" dirty="0"/>
+              <a:t> package and changing the default font family.</a:t>
             </a:r>
           </a:p>
         </p:txBody>
@@ -5699,15 +5430,7 @@
           <a:p>
             <a:r>
               <a:rPr lang="en-GB" dirty="0"/>
-              <a:t>The </a:t>
-            </a:r>
-            <a:r>
-              <a:rPr lang="en-GB" dirty="0" err="1"/>
-              <a:t>eThesis</a:t>
-            </a:r>
-            <a:r>
-              <a:rPr lang="en-GB" dirty="0"/>
-              <a:t> service requires only 1cm for binding purposes, so you can have margins anywhere up from 1cm. You should centre your content (i.e. have the same margins on left and right). The geometry package gives you the required control over the set up of the page including margins.</a:t>
+              <a:t>Typically, binding services require margins of at least 1cm. The geometry package gives you the required control over the set up of the page including margins.</a:t>
             </a:r>
           </a:p>
           <a:p>
@@ -5749,13 +5472,8 @@
             </a:r>
             <a:r>
               <a:rPr lang="en-GB" dirty="0"/>
-              <a:t>[X]” command to insert “X” copies of the “lorem ipsum…” nonsense text to check how your page </a:t>
-            </a:r>
-            <a:r>
-              <a:rPr lang="en-GB"/>
-              <a:t>looks.</a:t>
-            </a:r>
-            <a:endParaRPr lang="en-GB" dirty="0"/>
+              <a:t>[X]” command to insert “X” copies of the “lorem ipsum…” nonsense text to check how your page looks.</a:t>
+            </a:r>
           </a:p>
         </p:txBody>
       </p:sp>
@@ -5841,7 +5559,7 @@
           <a:p>
             <a:r>
               <a:rPr lang="en-GB" dirty="0"/>
-              <a:t>By using the geometry package we’re able to use the geometry command later in the preamble. We may provide a number of arguments to set up the page in different ways. Here, we simply say we want the margin to be 2cm on left, right, top and bottom. The package is capable of much more, including setting margins individually.</a:t>
+              <a:t>By using the geometry package we’re able to use the geometry command later in the preamble. We may provide a number of arguments to set up the page in different ways. Here, we simply say we want the margin to be 2cm on left, right and top, and 3cm on the bottom.</a:t>
             </a:r>
           </a:p>
           <a:p>
@@ -5850,7 +5568,7 @@
           <a:p>
             <a:r>
               <a:rPr lang="en-GB" dirty="0"/>
-              <a:t>Overleaf example: https://www.overleaf.com/read/knnndjjmthjv</a:t>
+              <a:t>Overleaf example: https://www.overleaf.com/read/wnxddkjdvvqs</a:t>
             </a:r>
           </a:p>
           <a:p>
@@ -5946,7 +5664,7 @@
           <a:p>
             <a:r>
               <a:rPr lang="en-GB" dirty="0"/>
-              <a:t>Footnotes aren’t required in a thesis, although you might find them useful. We’re about to need them for another section so I’ll introduce them now.  A footnote is inserted simply through the use of the footnote command, with the contents of the footnote contained in curly brackets.</a:t>
+              <a:t>Footnotes aren’t required in a thesis, although you might find them useful. They’re useful context for another section so I’ll introduce them now.  A footnote is inserted simply through the use of the footnote command, with the contents of the footnote contained in curly brackets.</a:t>
             </a:r>
             <a:br>
               <a:rPr lang="en-GB" dirty="0"/>
@@ -6356,7 +6074,7 @@
           <a:p>
             <a:fld id="{EB0080F8-EA1C-491D-963C-2C881B2F918F}" type="datetimeFigureOut">
               <a:rPr lang="en-GB" smtClean="0"/>
-              <a:t>19/03/2021</a:t>
+              <a:t>16/04/2021</a:t>
             </a:fld>
             <a:endParaRPr lang="en-GB"/>
           </a:p>
@@ -6506,7 +6224,7 @@
           <a:p>
             <a:fld id="{EB0080F8-EA1C-491D-963C-2C881B2F918F}" type="datetimeFigureOut">
               <a:rPr lang="en-GB" smtClean="0"/>
-              <a:t>19/03/2021</a:t>
+              <a:t>16/04/2021</a:t>
             </a:fld>
             <a:endParaRPr lang="en-GB"/>
           </a:p>
@@ -8039,7 +7757,7 @@
           <a:p>
             <a:fld id="{EB0080F8-EA1C-491D-963C-2C881B2F918F}" type="datetimeFigureOut">
               <a:rPr lang="en-GB" smtClean="0"/>
-              <a:t>19/03/2021</a:t>
+              <a:t>16/04/2021</a:t>
             </a:fld>
             <a:endParaRPr lang="en-GB"/>
           </a:p>
@@ -8610,14 +8328,7 @@
           <a:p>
             <a:r>
               <a:rPr lang="en-GB" sz="2400" dirty="0"/>
-              <a:t>Text should be 1.5 or double spaced [Section 4 of Checklist]</a:t>
-            </a:r>
-          </a:p>
-          <a:p>
-            <a:pPr lvl="1"/>
-            <a:r>
-              <a:rPr lang="en-GB" sz="2000" dirty="0"/>
-              <a:t>Except indented quotations and footnotes</a:t>
+              <a:t>Using a larger line spacing (1.5 times or double-spaced) can make your thesis easier for examiners to annotate</a:t>
             </a:r>
           </a:p>
           <a:p>
@@ -8668,6 +8379,13 @@
             </a:r>
           </a:p>
           <a:p>
+            <a:pPr lvl="1"/>
+            <a:r>
+              <a:rPr lang="en-GB" sz="2000" dirty="0"/>
+              <a:t>Footnotes are excepted from this</a:t>
+            </a:r>
+          </a:p>
+          <a:p>
             <a:r>
               <a:rPr lang="en-GB" sz="2400" dirty="0"/>
               <a:t>The </a:t>
@@ -8701,6 +8419,13 @@
             <a:r>
               <a:rPr lang="en-GB" sz="2400" dirty="0"/>
               <a:t> environment</a:t>
+            </a:r>
+          </a:p>
+          <a:p>
+            <a:pPr lvl="1"/>
+            <a:r>
+              <a:rPr lang="en-GB" sz="2000" dirty="0"/>
+              <a:t>Could be useful for indented block quotations</a:t>
             </a:r>
           </a:p>
         </p:txBody>
@@ -8778,12 +8503,12 @@
         <p:spPr>
           <a:xfrm>
             <a:off x="457200" y="1424427"/>
-            <a:ext cx="3967655" cy="4453759"/>
+            <a:ext cx="4114798" cy="4453759"/>
           </a:xfrm>
         </p:spPr>
         <p:txBody>
           <a:bodyPr>
-            <a:normAutofit lnSpcReduction="10000"/>
+            <a:normAutofit/>
           </a:bodyPr>
           <a:lstStyle/>
           <a:p>
@@ -9230,6 +8955,36 @@
           <a:chExt cx="0" cy="0"/>
         </a:xfrm>
       </p:grpSpPr>
+      <p:pic>
+        <p:nvPicPr>
+          <p:cNvPr id="4" name="Picture 3" descr="Logo&#10;&#10;Description automatically generated with low confidence">
+            <a:extLst>
+              <a:ext uri="{FF2B5EF4-FFF2-40B4-BE49-F238E27FC236}">
+                <a16:creationId xmlns:a16="http://schemas.microsoft.com/office/drawing/2014/main" id="{3D6C5C9E-F92D-4576-BB9F-8369F895B1B9}"/>
+              </a:ext>
+            </a:extLst>
+          </p:cNvPr>
+          <p:cNvPicPr>
+            <a:picLocks noChangeAspect="1"/>
+          </p:cNvPicPr>
+          <p:nvPr/>
+        </p:nvPicPr>
+        <p:blipFill>
+          <a:blip r:embed="rId3"/>
+          <a:stretch>
+            <a:fillRect/>
+          </a:stretch>
+        </p:blipFill>
+        <p:spPr>
+          <a:xfrm>
+            <a:off x="1716933" y="3429001"/>
+            <a:ext cx="5710133" cy="2997820"/>
+          </a:xfrm>
+          <a:prstGeom prst="rect">
+            <a:avLst/>
+          </a:prstGeom>
+        </p:spPr>
+      </p:pic>
       <p:sp>
         <p:nvSpPr>
           <p:cNvPr id="2" name="Title 1"/>
@@ -9271,7 +9026,7 @@
         <p:spPr>
           <a:xfrm>
             <a:off x="457200" y="1417638"/>
-            <a:ext cx="5572539" cy="4887072"/>
+            <a:ext cx="8342243" cy="4887072"/>
           </a:xfrm>
         </p:spPr>
         <p:txBody>
@@ -9280,54 +9035,28 @@
           <a:p>
             <a:r>
               <a:rPr lang="en-GB" sz="2400" dirty="0"/>
-              <a:t>You are </a:t>
-            </a:r>
-            <a:r>
-              <a:rPr lang="en-GB" sz="2400" dirty="0">
-                <a:hlinkClick r:id="rId3"/>
-              </a:rPr>
-              <a:t>not permitted </a:t>
-            </a:r>
-            <a:r>
-              <a:rPr lang="en-GB" sz="2400" dirty="0"/>
-              <a:t>to use the Imperial crest on your front cover, use the </a:t>
-            </a:r>
-            <a:r>
-              <a:rPr lang="en-GB" sz="2400" dirty="0">
-                <a:hlinkClick r:id="rId4"/>
-              </a:rPr>
-              <a:t>Imperial logo </a:t>
-            </a:r>
-            <a:r>
-              <a:rPr lang="en-GB" sz="2400" dirty="0"/>
-              <a:t>instead.</a:t>
-            </a:r>
-          </a:p>
-          <a:p>
-            <a:r>
-              <a:rPr lang="en-GB" sz="2400" dirty="0"/>
-              <a:t>Must contain [Section 4.5 of checklist]:</a:t>
+              <a:t>Thins you might want to include:</a:t>
             </a:r>
           </a:p>
           <a:p>
             <a:pPr lvl="1"/>
             <a:r>
               <a:rPr lang="en-GB" sz="2000" dirty="0"/>
-              <a:t>Officially approved title of thesis</a:t>
+              <a:t>Title of thesis</a:t>
             </a:r>
           </a:p>
           <a:p>
             <a:pPr lvl="1"/>
             <a:r>
               <a:rPr lang="en-GB" sz="2000" dirty="0"/>
-              <a:t>Your full name</a:t>
+              <a:t>Your name</a:t>
             </a:r>
           </a:p>
           <a:p>
             <a:pPr lvl="1"/>
             <a:r>
               <a:rPr lang="en-GB" sz="2000" dirty="0"/>
-              <a:t>Imperial College London and the name of your Department</a:t>
+              <a:t>“Institute of Cancer Research” and your department/group</a:t>
             </a:r>
           </a:p>
           <a:p>
@@ -9338,175 +9067,14 @@
             </a:r>
           </a:p>
           <a:p>
-            <a:r>
-              <a:rPr lang="en-GB" sz="2400" dirty="0"/>
-              <a:t>Must also have a page number [Section 4.4 of checklist]</a:t>
+            <a:pPr lvl="1"/>
+            <a:r>
+              <a:rPr lang="en-GB" sz="2000" dirty="0"/>
+              <a:t>ICR logo</a:t>
             </a:r>
           </a:p>
         </p:txBody>
       </p:sp>
-      <p:pic>
-        <p:nvPicPr>
-          <p:cNvPr id="1030" name="Picture 6" descr="Imperial College Logo - blue on white background">
-            <a:extLst>
-              <a:ext uri="{FF2B5EF4-FFF2-40B4-BE49-F238E27FC236}">
-                <a16:creationId xmlns:a16="http://schemas.microsoft.com/office/drawing/2014/main" id="{3D70AD50-080F-4191-9769-15F9517D7130}"/>
-              </a:ext>
-            </a:extLst>
-          </p:cNvPr>
-          <p:cNvPicPr>
-            <a:picLocks noChangeAspect="1" noChangeArrowheads="1"/>
-          </p:cNvPicPr>
-          <p:nvPr/>
-        </p:nvPicPr>
-        <p:blipFill>
-          <a:blip r:embed="rId5">
-            <a:extLst>
-              <a:ext uri="{28A0092B-C50C-407E-A947-70E740481C1C}">
-                <a14:useLocalDpi xmlns:a14="http://schemas.microsoft.com/office/drawing/2010/main" val="0"/>
-              </a:ext>
-            </a:extLst>
-          </a:blip>
-          <a:srcRect/>
-          <a:stretch>
-            <a:fillRect/>
-          </a:stretch>
-        </p:blipFill>
-        <p:spPr bwMode="auto">
-          <a:xfrm>
-            <a:off x="5695622" y="4052078"/>
-            <a:ext cx="3448378" cy="2252632"/>
-          </a:xfrm>
-          <a:prstGeom prst="rect">
-            <a:avLst/>
-          </a:prstGeom>
-          <a:noFill/>
-          <a:extLst>
-            <a:ext uri="{909E8E84-426E-40DD-AFC4-6F175D3DCCD1}">
-              <a14:hiddenFill xmlns:a14="http://schemas.microsoft.com/office/drawing/2010/main">
-                <a:solidFill>
-                  <a:srgbClr val="FFFFFF"/>
-                </a:solidFill>
-              </a14:hiddenFill>
-            </a:ext>
-          </a:extLst>
-        </p:spPr>
-      </p:pic>
-      <p:grpSp>
-        <p:nvGrpSpPr>
-          <p:cNvPr id="9" name="Group 8">
-            <a:extLst>
-              <a:ext uri="{FF2B5EF4-FFF2-40B4-BE49-F238E27FC236}">
-                <a16:creationId xmlns:a16="http://schemas.microsoft.com/office/drawing/2014/main" id="{665C1955-BB1F-4FAE-8E23-734187DD0E1D}"/>
-              </a:ext>
-            </a:extLst>
-          </p:cNvPr>
-          <p:cNvGrpSpPr/>
-          <p:nvPr/>
-        </p:nvGrpSpPr>
-        <p:grpSpPr>
-          <a:xfrm>
-            <a:off x="5904965" y="1265634"/>
-            <a:ext cx="2556641" cy="2556641"/>
-            <a:chOff x="1807064" y="4162040"/>
-            <a:chExt cx="2556641" cy="2556641"/>
-          </a:xfrm>
-        </p:grpSpPr>
-        <p:pic>
-          <p:nvPicPr>
-            <p:cNvPr id="1028" name="Picture 4" descr="Imperial College London crest.svg">
-              <a:extLst>
-                <a:ext uri="{FF2B5EF4-FFF2-40B4-BE49-F238E27FC236}">
-                  <a16:creationId xmlns:a16="http://schemas.microsoft.com/office/drawing/2014/main" id="{FA2FD2D0-9C46-4AA9-B3A9-189E32AEA52D}"/>
-                </a:ext>
-              </a:extLst>
-            </p:cNvPr>
-            <p:cNvPicPr>
-              <a:picLocks noChangeAspect="1" noChangeArrowheads="1"/>
-            </p:cNvPicPr>
-            <p:nvPr/>
-          </p:nvPicPr>
-          <p:blipFill>
-            <a:blip r:embed="rId6">
-              <a:extLst>
-                <a:ext uri="{28A0092B-C50C-407E-A947-70E740481C1C}">
-                  <a14:useLocalDpi xmlns:a14="http://schemas.microsoft.com/office/drawing/2010/main" val="0"/>
-                </a:ext>
-              </a:extLst>
-            </a:blip>
-            <a:srcRect/>
-            <a:stretch>
-              <a:fillRect/>
-            </a:stretch>
-          </p:blipFill>
-          <p:spPr bwMode="auto">
-            <a:xfrm>
-              <a:off x="2219676" y="4517394"/>
-              <a:ext cx="1731418" cy="1845935"/>
-            </a:xfrm>
-            <a:prstGeom prst="rect">
-              <a:avLst/>
-            </a:prstGeom>
-            <a:noFill/>
-            <a:extLst>
-              <a:ext uri="{909E8E84-426E-40DD-AFC4-6F175D3DCCD1}">
-                <a14:hiddenFill xmlns:a14="http://schemas.microsoft.com/office/drawing/2010/main">
-                  <a:solidFill>
-                    <a:srgbClr val="FFFFFF"/>
-                  </a:solidFill>
-                </a14:hiddenFill>
-              </a:ext>
-            </a:extLst>
-          </p:spPr>
-        </p:pic>
-        <p:pic>
-          <p:nvPicPr>
-            <p:cNvPr id="1032" name="Picture 8" descr="Image result for no entry symbol">
-              <a:extLst>
-                <a:ext uri="{FF2B5EF4-FFF2-40B4-BE49-F238E27FC236}">
-                  <a16:creationId xmlns:a16="http://schemas.microsoft.com/office/drawing/2014/main" id="{A94C6EF9-CE62-4468-95C7-64241E4E21A6}"/>
-                </a:ext>
-              </a:extLst>
-            </p:cNvPr>
-            <p:cNvPicPr>
-              <a:picLocks noChangeAspect="1" noChangeArrowheads="1"/>
-            </p:cNvPicPr>
-            <p:nvPr/>
-          </p:nvPicPr>
-          <p:blipFill>
-            <a:blip r:embed="rId7">
-              <a:extLst>
-                <a:ext uri="{28A0092B-C50C-407E-A947-70E740481C1C}">
-                  <a14:useLocalDpi xmlns:a14="http://schemas.microsoft.com/office/drawing/2010/main" val="0"/>
-                </a:ext>
-              </a:extLst>
-            </a:blip>
-            <a:srcRect/>
-            <a:stretch>
-              <a:fillRect/>
-            </a:stretch>
-          </p:blipFill>
-          <p:spPr bwMode="auto">
-            <a:xfrm>
-              <a:off x="1807064" y="4162040"/>
-              <a:ext cx="2556641" cy="2556641"/>
-            </a:xfrm>
-            <a:prstGeom prst="rect">
-              <a:avLst/>
-            </a:prstGeom>
-            <a:noFill/>
-            <a:extLst>
-              <a:ext uri="{909E8E84-426E-40DD-AFC4-6F175D3DCCD1}">
-                <a14:hiddenFill xmlns:a14="http://schemas.microsoft.com/office/drawing/2010/main">
-                  <a:solidFill>
-                    <a:srgbClr val="FFFFFF"/>
-                  </a:solidFill>
-                </a14:hiddenFill>
-              </a:ext>
-            </a:extLst>
-          </p:spPr>
-        </p:pic>
-      </p:grpSp>
     </p:spTree>
     <p:extLst>
       <p:ext uri="{BB962C8B-B14F-4D97-AF65-F5344CB8AC3E}">
@@ -9545,6 +9113,36 @@
           <a:chExt cx="0" cy="0"/>
         </a:xfrm>
       </p:grpSpPr>
+      <p:pic>
+        <p:nvPicPr>
+          <p:cNvPr id="7" name="Picture 6">
+            <a:extLst>
+              <a:ext uri="{FF2B5EF4-FFF2-40B4-BE49-F238E27FC236}">
+                <a16:creationId xmlns:a16="http://schemas.microsoft.com/office/drawing/2014/main" id="{31A4747E-505D-4E3D-B52D-B51055B307DE}"/>
+              </a:ext>
+            </a:extLst>
+          </p:cNvPr>
+          <p:cNvPicPr>
+            <a:picLocks noChangeAspect="1"/>
+          </p:cNvPicPr>
+          <p:nvPr/>
+        </p:nvPicPr>
+        <p:blipFill>
+          <a:blip r:embed="rId3"/>
+          <a:stretch>
+            <a:fillRect/>
+          </a:stretch>
+        </p:blipFill>
+        <p:spPr>
+          <a:xfrm>
+            <a:off x="4824198" y="1175795"/>
+            <a:ext cx="4009747" cy="5564069"/>
+          </a:xfrm>
+          <a:prstGeom prst="rect">
+            <a:avLst/>
+          </a:prstGeom>
+        </p:spPr>
+      </p:pic>
       <p:sp>
         <p:nvSpPr>
           <p:cNvPr id="2" name="Title 1"/>
@@ -9620,7 +9218,7 @@
             </a:r>
             <a:r>
               <a:rPr lang="en-GB" sz="1100" dirty="0" err="1"/>
-              <a:t>imperial_logo</a:t>
+              <a:t>icr_logo</a:t>
             </a:r>
             <a:r>
               <a:rPr lang="en-GB" sz="1100" dirty="0"/>
@@ -10113,36 +9711,6 @@
           </a:fontRef>
         </p:style>
       </p:cxnSp>
-      <p:pic>
-        <p:nvPicPr>
-          <p:cNvPr id="9" name="Picture 8">
-            <a:extLst>
-              <a:ext uri="{FF2B5EF4-FFF2-40B4-BE49-F238E27FC236}">
-                <a16:creationId xmlns:a16="http://schemas.microsoft.com/office/drawing/2014/main" id="{AC81B7A4-5EB2-4397-9391-4C3808A50FD6}"/>
-              </a:ext>
-            </a:extLst>
-          </p:cNvPr>
-          <p:cNvPicPr>
-            <a:picLocks noChangeAspect="1"/>
-          </p:cNvPicPr>
-          <p:nvPr/>
-        </p:nvPicPr>
-        <p:blipFill>
-          <a:blip r:embed="rId3"/>
-          <a:stretch>
-            <a:fillRect/>
-          </a:stretch>
-        </p:blipFill>
-        <p:spPr>
-          <a:xfrm>
-            <a:off x="4719146" y="1303284"/>
-            <a:ext cx="3648094" cy="5132932"/>
-          </a:xfrm>
-          <a:prstGeom prst="rect">
-            <a:avLst/>
-          </a:prstGeom>
-        </p:spPr>
-      </p:pic>
       <p:sp>
         <p:nvSpPr>
           <p:cNvPr id="6" name="TextBox 5">
@@ -10237,7 +9805,7 @@
           <a:p>
             <a:r>
               <a:rPr lang="en-GB" sz="4000" dirty="0"/>
-              <a:t>Abstract</a:t>
+              <a:t>Thesis Preamble</a:t>
             </a:r>
           </a:p>
         </p:txBody>
@@ -10270,19 +9838,25 @@
           <a:p>
             <a:r>
               <a:rPr lang="en-GB" sz="2400" dirty="0"/>
-              <a:t>You should include an abstract </a:t>
+              <a:t>There are several things you might want to include at the start of your thesis</a:t>
             </a:r>
           </a:p>
           <a:p>
             <a:r>
               <a:rPr lang="en-GB" sz="2400" dirty="0"/>
-              <a:t>Should be after the title page (section 7 of checklist)</a:t>
+              <a:t>Abstract</a:t>
             </a:r>
           </a:p>
           <a:p>
             <a:r>
               <a:rPr lang="en-GB" sz="2400" dirty="0"/>
-              <a:t>300 words or less</a:t>
+              <a:t>Statement of Originality</a:t>
+            </a:r>
+          </a:p>
+          <a:p>
+            <a:r>
+              <a:rPr lang="en-GB" sz="2400" dirty="0"/>
+              <a:t>Copyright Declaration</a:t>
             </a:r>
             <a:endParaRPr lang="en-GB" sz="2000" dirty="0"/>
           </a:p>
@@ -10314,244 +9888,6 @@
 </file>
 
 <file path=ppt/slides/slide15.xml><?xml version="1.0" encoding="utf-8"?>
-<p:sld xmlns:a="http://schemas.openxmlformats.org/drawingml/2006/main" xmlns:r="http://schemas.openxmlformats.org/officeDocument/2006/relationships" xmlns:p="http://schemas.openxmlformats.org/presentationml/2006/main">
-  <p:cSld>
-    <p:spTree>
-      <p:nvGrpSpPr>
-        <p:cNvPr id="1" name=""/>
-        <p:cNvGrpSpPr/>
-        <p:nvPr/>
-      </p:nvGrpSpPr>
-      <p:grpSpPr>
-        <a:xfrm>
-          <a:off x="0" y="0"/>
-          <a:ext cx="0" cy="0"/>
-          <a:chOff x="0" y="0"/>
-          <a:chExt cx="0" cy="0"/>
-        </a:xfrm>
-      </p:grpSpPr>
-      <p:sp>
-        <p:nvSpPr>
-          <p:cNvPr id="2" name="Title 1"/>
-          <p:cNvSpPr>
-            <a:spLocks noGrp="1"/>
-          </p:cNvSpPr>
-          <p:nvPr>
-            <p:ph type="title"/>
-          </p:nvPr>
-        </p:nvSpPr>
-        <p:spPr/>
-        <p:txBody>
-          <a:bodyPr/>
-          <a:lstStyle/>
-          <a:p>
-            <a:r>
-              <a:rPr lang="en-GB" sz="4000" dirty="0"/>
-              <a:t>Statement of Originality</a:t>
-            </a:r>
-          </a:p>
-        </p:txBody>
-      </p:sp>
-      <p:sp>
-        <p:nvSpPr>
-          <p:cNvPr id="7" name="Content Placeholder 6">
-            <a:extLst>
-              <a:ext uri="{FF2B5EF4-FFF2-40B4-BE49-F238E27FC236}">
-                <a16:creationId xmlns:a16="http://schemas.microsoft.com/office/drawing/2014/main" id="{A4668B92-0976-4E36-A913-C47498FEE667}"/>
-              </a:ext>
-            </a:extLst>
-          </p:cNvPr>
-          <p:cNvSpPr>
-            <a:spLocks noGrp="1"/>
-          </p:cNvSpPr>
-          <p:nvPr>
-            <p:ph idx="1"/>
-          </p:nvPr>
-        </p:nvSpPr>
-        <p:spPr>
-          <a:xfrm>
-            <a:off x="457200" y="1417638"/>
-            <a:ext cx="8229600" cy="4525963"/>
-          </a:xfrm>
-        </p:spPr>
-        <p:txBody>
-          <a:bodyPr/>
-          <a:lstStyle/>
-          <a:p>
-            <a:r>
-              <a:rPr lang="en-GB" sz="2400" dirty="0"/>
-              <a:t>You should include a statement of originality in your own words [Section 5 of Checklist]</a:t>
-            </a:r>
-          </a:p>
-          <a:p>
-            <a:pPr lvl="1"/>
-            <a:r>
-              <a:rPr lang="en-GB" sz="2000" dirty="0"/>
-              <a:t>The work is your own</a:t>
-            </a:r>
-          </a:p>
-          <a:p>
-            <a:pPr lvl="1"/>
-            <a:r>
-              <a:rPr lang="en-GB" sz="2000" dirty="0"/>
-              <a:t>All else is appropriately referenced</a:t>
-            </a:r>
-          </a:p>
-          <a:p>
-            <a:pPr lvl="1"/>
-            <a:r>
-              <a:rPr lang="en-GB" sz="2000" dirty="0"/>
-              <a:t>Should appear at beginning of thesis</a:t>
-            </a:r>
-          </a:p>
-          <a:p>
-            <a:pPr lvl="1"/>
-            <a:endParaRPr lang="en-GB" sz="1600" dirty="0"/>
-          </a:p>
-        </p:txBody>
-      </p:sp>
-    </p:spTree>
-    <p:extLst>
-      <p:ext uri="{BB962C8B-B14F-4D97-AF65-F5344CB8AC3E}">
-        <p14:creationId xmlns:p14="http://schemas.microsoft.com/office/powerpoint/2010/main" val="3238788747"/>
-      </p:ext>
-    </p:extLst>
-  </p:cSld>
-  <p:clrMapOvr>
-    <a:masterClrMapping/>
-  </p:clrMapOvr>
-  <mc:AlternateContent xmlns:mc="http://schemas.openxmlformats.org/markup-compatibility/2006" xmlns:p14="http://schemas.microsoft.com/office/powerpoint/2010/main">
-    <mc:Choice Requires="p14">
-      <p:transition p14:dur="10"/>
-    </mc:Choice>
-    <mc:Fallback xmlns="">
-      <p:transition/>
-    </mc:Fallback>
-  </mc:AlternateContent>
-</p:sld>
-</file>
-
-<file path=ppt/slides/slide16.xml><?xml version="1.0" encoding="utf-8"?>
-<p:sld xmlns:a="http://schemas.openxmlformats.org/drawingml/2006/main" xmlns:r="http://schemas.openxmlformats.org/officeDocument/2006/relationships" xmlns:p="http://schemas.openxmlformats.org/presentationml/2006/main">
-  <p:cSld>
-    <p:spTree>
-      <p:nvGrpSpPr>
-        <p:cNvPr id="1" name=""/>
-        <p:cNvGrpSpPr/>
-        <p:nvPr/>
-      </p:nvGrpSpPr>
-      <p:grpSpPr>
-        <a:xfrm>
-          <a:off x="0" y="0"/>
-          <a:ext cx="0" cy="0"/>
-          <a:chOff x="0" y="0"/>
-          <a:chExt cx="0" cy="0"/>
-        </a:xfrm>
-      </p:grpSpPr>
-      <p:sp>
-        <p:nvSpPr>
-          <p:cNvPr id="2" name="Title 1"/>
-          <p:cNvSpPr>
-            <a:spLocks noGrp="1"/>
-          </p:cNvSpPr>
-          <p:nvPr>
-            <p:ph type="title"/>
-          </p:nvPr>
-        </p:nvSpPr>
-        <p:spPr/>
-        <p:txBody>
-          <a:bodyPr/>
-          <a:lstStyle/>
-          <a:p>
-            <a:r>
-              <a:rPr lang="en-GB" sz="4000" dirty="0"/>
-              <a:t>Copyright Declaration</a:t>
-            </a:r>
-          </a:p>
-        </p:txBody>
-      </p:sp>
-      <p:sp>
-        <p:nvSpPr>
-          <p:cNvPr id="7" name="Content Placeholder 6">
-            <a:extLst>
-              <a:ext uri="{FF2B5EF4-FFF2-40B4-BE49-F238E27FC236}">
-                <a16:creationId xmlns:a16="http://schemas.microsoft.com/office/drawing/2014/main" id="{A4668B92-0976-4E36-A913-C47498FEE667}"/>
-              </a:ext>
-            </a:extLst>
-          </p:cNvPr>
-          <p:cNvSpPr>
-            <a:spLocks noGrp="1"/>
-          </p:cNvSpPr>
-          <p:nvPr>
-            <p:ph idx="1"/>
-          </p:nvPr>
-        </p:nvSpPr>
-        <p:spPr>
-          <a:xfrm>
-            <a:off x="457200" y="1417638"/>
-            <a:ext cx="8229600" cy="4525963"/>
-          </a:xfrm>
-        </p:spPr>
-        <p:txBody>
-          <a:bodyPr/>
-          <a:lstStyle/>
-          <a:p>
-            <a:r>
-              <a:rPr lang="en-GB" sz="2400" dirty="0"/>
-              <a:t>Your thesis will be released publicly</a:t>
-            </a:r>
-          </a:p>
-          <a:p>
-            <a:r>
-              <a:rPr lang="en-GB" sz="2400" dirty="0"/>
-              <a:t>College requires copyright statement [Section 6 of Checklist]</a:t>
-            </a:r>
-          </a:p>
-          <a:p>
-            <a:r>
-              <a:rPr lang="en-GB" sz="2400" dirty="0"/>
-              <a:t>Checklist provides a sample statement or you can use a </a:t>
-            </a:r>
-            <a:r>
-              <a:rPr lang="en-GB" sz="2400" dirty="0">
-                <a:hlinkClick r:id="rId3"/>
-              </a:rPr>
-              <a:t>Creative Commons </a:t>
-            </a:r>
-            <a:r>
-              <a:rPr lang="en-GB" sz="2400" dirty="0"/>
-              <a:t>statement</a:t>
-            </a:r>
-            <a:endParaRPr lang="en-GB" sz="2000" dirty="0"/>
-          </a:p>
-          <a:p>
-            <a:pPr lvl="1"/>
-            <a:endParaRPr lang="en-GB" sz="1600" dirty="0"/>
-          </a:p>
-        </p:txBody>
-      </p:sp>
-    </p:spTree>
-    <p:extLst>
-      <p:ext uri="{BB962C8B-B14F-4D97-AF65-F5344CB8AC3E}">
-        <p14:creationId xmlns:p14="http://schemas.microsoft.com/office/powerpoint/2010/main" val="1414755311"/>
-      </p:ext>
-    </p:extLst>
-  </p:cSld>
-  <p:clrMapOvr>
-    <a:masterClrMapping/>
-  </p:clrMapOvr>
-  <mc:AlternateContent xmlns:mc="http://schemas.openxmlformats.org/markup-compatibility/2006" xmlns:p14="http://schemas.microsoft.com/office/powerpoint/2010/main">
-    <mc:Choice Requires="p14">
-      <p:transition p14:dur="10"/>
-    </mc:Choice>
-    <mc:Fallback xmlns="">
-      <p:transition/>
-    </mc:Fallback>
-  </mc:AlternateContent>
-</p:sld>
-</file>
-
-<file path=ppt/slides/slide17.xml><?xml version="1.0" encoding="utf-8"?>
 <p:sld xmlns:a="http://schemas.openxmlformats.org/drawingml/2006/main" xmlns:r="http://schemas.openxmlformats.org/officeDocument/2006/relationships" xmlns:p="http://schemas.openxmlformats.org/presentationml/2006/main">
   <p:cSld>
     <p:spTree>
@@ -10929,7 +10265,7 @@
 </p:sld>
 </file>
 
-<file path=ppt/slides/slide18.xml><?xml version="1.0" encoding="utf-8"?>
+<file path=ppt/slides/slide16.xml><?xml version="1.0" encoding="utf-8"?>
 <p:sld xmlns:a="http://schemas.openxmlformats.org/drawingml/2006/main" xmlns:r="http://schemas.openxmlformats.org/officeDocument/2006/relationships" xmlns:p="http://schemas.openxmlformats.org/presentationml/2006/main">
   <p:cSld>
     <p:spTree>
@@ -11053,7 +10389,7 @@
 </p:sld>
 </file>
 
-<file path=ppt/slides/slide19.xml><?xml version="1.0" encoding="utf-8"?>
+<file path=ppt/slides/slide17.xml><?xml version="1.0" encoding="utf-8"?>
 <p:sld xmlns:a="http://schemas.openxmlformats.org/drawingml/2006/main" xmlns:r="http://schemas.openxmlformats.org/officeDocument/2006/relationships" xmlns:p="http://schemas.openxmlformats.org/presentationml/2006/main">
   <p:cSld>
     <p:spTree>
@@ -11418,130 +10754,7 @@
 </p:sld>
 </file>
 
-<file path=ppt/slides/slide2.xml><?xml version="1.0" encoding="utf-8"?>
-<p:sld xmlns:a="http://schemas.openxmlformats.org/drawingml/2006/main" xmlns:r="http://schemas.openxmlformats.org/officeDocument/2006/relationships" xmlns:p="http://schemas.openxmlformats.org/presentationml/2006/main">
-  <p:cSld>
-    <p:spTree>
-      <p:nvGrpSpPr>
-        <p:cNvPr id="1" name=""/>
-        <p:cNvGrpSpPr/>
-        <p:nvPr/>
-      </p:nvGrpSpPr>
-      <p:grpSpPr>
-        <a:xfrm>
-          <a:off x="0" y="0"/>
-          <a:ext cx="0" cy="0"/>
-          <a:chOff x="0" y="0"/>
-          <a:chExt cx="0" cy="0"/>
-        </a:xfrm>
-      </p:grpSpPr>
-      <p:sp>
-        <p:nvSpPr>
-          <p:cNvPr id="2" name="Title 1"/>
-          <p:cNvSpPr>
-            <a:spLocks noGrp="1"/>
-          </p:cNvSpPr>
-          <p:nvPr>
-            <p:ph type="title"/>
-          </p:nvPr>
-        </p:nvSpPr>
-        <p:spPr/>
-        <p:txBody>
-          <a:bodyPr/>
-          <a:lstStyle/>
-          <a:p>
-            <a:r>
-              <a:rPr lang="en-GB" sz="4000" dirty="0"/>
-              <a:t>Learning Outcomes</a:t>
-            </a:r>
-          </a:p>
-        </p:txBody>
-      </p:sp>
-      <p:sp>
-        <p:nvSpPr>
-          <p:cNvPr id="3" name="Content Placeholder 2"/>
-          <p:cNvSpPr>
-            <a:spLocks noGrp="1"/>
-          </p:cNvSpPr>
-          <p:nvPr>
-            <p:ph idx="1"/>
-          </p:nvPr>
-        </p:nvSpPr>
-        <p:spPr>
-          <a:xfrm>
-            <a:off x="457200" y="1600200"/>
-            <a:ext cx="8435280" cy="4876800"/>
-          </a:xfrm>
-        </p:spPr>
-        <p:txBody>
-          <a:bodyPr>
-            <a:normAutofit/>
-          </a:bodyPr>
-          <a:lstStyle/>
-          <a:p>
-            <a:r>
-              <a:rPr lang="en-GB" sz="3000" b="1" dirty="0"/>
-              <a:t>Identify</a:t>
-            </a:r>
-            <a:r>
-              <a:rPr lang="en-GB" sz="3000" dirty="0"/>
-              <a:t> an array of useful LaTeX packages</a:t>
-            </a:r>
-          </a:p>
-          <a:p>
-            <a:r>
-              <a:rPr lang="en-GB" sz="3000" b="1" dirty="0"/>
-              <a:t>Recognise</a:t>
-            </a:r>
-            <a:r>
-              <a:rPr lang="en-GB" sz="3000" dirty="0"/>
-              <a:t> when and how to split large documents into manageable subdocuments</a:t>
-            </a:r>
-          </a:p>
-          <a:p>
-            <a:r>
-              <a:rPr lang="en-GB" sz="3000" b="1" dirty="0"/>
-              <a:t>Employ</a:t>
-            </a:r>
-            <a:r>
-              <a:rPr lang="en-GB" sz="3000" dirty="0"/>
-              <a:t> custom formatting and referencing</a:t>
-            </a:r>
-          </a:p>
-          <a:p>
-            <a:r>
-              <a:rPr lang="en-GB" sz="3000" b="1" dirty="0"/>
-              <a:t>Develop</a:t>
-            </a:r>
-            <a:r>
-              <a:rPr lang="en-GB" sz="3000" dirty="0"/>
-              <a:t> a full thesis template </a:t>
-            </a:r>
-          </a:p>
-        </p:txBody>
-      </p:sp>
-    </p:spTree>
-    <p:extLst>
-      <p:ext uri="{BB962C8B-B14F-4D97-AF65-F5344CB8AC3E}">
-        <p14:creationId xmlns:p14="http://schemas.microsoft.com/office/powerpoint/2010/main" val="3248724752"/>
-      </p:ext>
-    </p:extLst>
-  </p:cSld>
-  <p:clrMapOvr>
-    <a:masterClrMapping/>
-  </p:clrMapOvr>
-  <mc:AlternateContent xmlns:mc="http://schemas.openxmlformats.org/markup-compatibility/2006" xmlns:p14="http://schemas.microsoft.com/office/powerpoint/2010/main">
-    <mc:Choice Requires="p14">
-      <p:transition p14:dur="10"/>
-    </mc:Choice>
-    <mc:Fallback xmlns="">
-      <p:transition/>
-    </mc:Fallback>
-  </mc:AlternateContent>
-</p:sld>
-</file>
-
-<file path=ppt/slides/slide20.xml><?xml version="1.0" encoding="utf-8"?>
+<file path=ppt/slides/slide18.xml><?xml version="1.0" encoding="utf-8"?>
 <p:sld xmlns:a="http://schemas.openxmlformats.org/drawingml/2006/main" xmlns:r="http://schemas.openxmlformats.org/officeDocument/2006/relationships" xmlns:p="http://schemas.openxmlformats.org/presentationml/2006/main">
   <p:cSld>
     <p:spTree>
@@ -11725,7 +10938,477 @@
 </p:sld>
 </file>
 
-<file path=ppt/slides/slide21.xml><?xml version="1.0" encoding="utf-8"?>
+<file path=ppt/slides/slide19.xml><?xml version="1.0" encoding="utf-8"?>
+<p:sld xmlns:a="http://schemas.openxmlformats.org/drawingml/2006/main" xmlns:r="http://schemas.openxmlformats.org/officeDocument/2006/relationships" xmlns:p="http://schemas.openxmlformats.org/presentationml/2006/main">
+  <p:cSld>
+    <p:spTree>
+      <p:nvGrpSpPr>
+        <p:cNvPr id="1" name=""/>
+        <p:cNvGrpSpPr/>
+        <p:nvPr/>
+      </p:nvGrpSpPr>
+      <p:grpSpPr>
+        <a:xfrm>
+          <a:off x="0" y="0"/>
+          <a:ext cx="0" cy="0"/>
+          <a:chOff x="0" y="0"/>
+          <a:chExt cx="0" cy="0"/>
+        </a:xfrm>
+      </p:grpSpPr>
+      <p:sp>
+        <p:nvSpPr>
+          <p:cNvPr id="2" name="Title 1"/>
+          <p:cNvSpPr>
+            <a:spLocks noGrp="1"/>
+          </p:cNvSpPr>
+          <p:nvPr>
+            <p:ph type="title"/>
+          </p:nvPr>
+        </p:nvSpPr>
+        <p:spPr/>
+        <p:txBody>
+          <a:bodyPr/>
+          <a:lstStyle/>
+          <a:p>
+            <a:r>
+              <a:rPr lang="en-GB" sz="4000" dirty="0"/>
+              <a:t>Short Captions</a:t>
+            </a:r>
+          </a:p>
+        </p:txBody>
+      </p:sp>
+      <p:sp>
+        <p:nvSpPr>
+          <p:cNvPr id="3" name="Content Placeholder 2"/>
+          <p:cNvSpPr>
+            <a:spLocks noGrp="1"/>
+          </p:cNvSpPr>
+          <p:nvPr>
+            <p:ph idx="1"/>
+          </p:nvPr>
+        </p:nvSpPr>
+        <p:spPr>
+          <a:xfrm>
+            <a:off x="457200" y="1722784"/>
+            <a:ext cx="3967655" cy="4373216"/>
+          </a:xfrm>
+        </p:spPr>
+        <p:txBody>
+          <a:bodyPr>
+            <a:noAutofit/>
+          </a:bodyPr>
+          <a:lstStyle/>
+          <a:p>
+            <a:pPr marL="0" indent="0">
+              <a:buNone/>
+            </a:pPr>
+            <a:r>
+              <a:rPr lang="en-GB" sz="2400" dirty="0">
+                <a:solidFill>
+                  <a:schemeClr val="tx2">
+                    <a:lumMod val="50000"/>
+                    <a:lumOff val="50000"/>
+                  </a:schemeClr>
+                </a:solidFill>
+              </a:rPr>
+              <a:t>\</a:t>
+            </a:r>
+            <a:r>
+              <a:rPr lang="en-GB" sz="2400" dirty="0" err="1">
+                <a:solidFill>
+                  <a:schemeClr val="tx2">
+                    <a:lumMod val="50000"/>
+                    <a:lumOff val="50000"/>
+                  </a:schemeClr>
+                </a:solidFill>
+              </a:rPr>
+              <a:t>listoffigures</a:t>
+            </a:r>
+            <a:endParaRPr lang="en-GB" sz="2400" dirty="0">
+              <a:solidFill>
+                <a:schemeClr val="tx2">
+                  <a:lumMod val="50000"/>
+                  <a:lumOff val="50000"/>
+                </a:schemeClr>
+              </a:solidFill>
+            </a:endParaRPr>
+          </a:p>
+          <a:p>
+            <a:pPr marL="0" indent="0">
+              <a:buNone/>
+            </a:pPr>
+            <a:endParaRPr lang="en-GB" sz="2400" dirty="0">
+              <a:solidFill>
+                <a:schemeClr val="tx2">
+                  <a:lumMod val="50000"/>
+                  <a:lumOff val="50000"/>
+                </a:schemeClr>
+              </a:solidFill>
+            </a:endParaRPr>
+          </a:p>
+          <a:p>
+            <a:pPr marL="0" indent="0">
+              <a:buNone/>
+            </a:pPr>
+            <a:r>
+              <a:rPr lang="en-GB" sz="2400" dirty="0">
+                <a:solidFill>
+                  <a:schemeClr val="tx2">
+                    <a:lumMod val="50000"/>
+                    <a:lumOff val="50000"/>
+                  </a:schemeClr>
+                </a:solidFill>
+              </a:rPr>
+              <a:t>\begin</a:t>
+            </a:r>
+            <a:r>
+              <a:rPr lang="en-GB" sz="2400" dirty="0"/>
+              <a:t>{</a:t>
+            </a:r>
+            <a:r>
+              <a:rPr lang="en-GB" sz="2400" dirty="0">
+                <a:solidFill>
+                  <a:schemeClr val="accent4"/>
+                </a:solidFill>
+              </a:rPr>
+              <a:t>figure</a:t>
+            </a:r>
+            <a:r>
+              <a:rPr lang="en-GB" sz="2400" dirty="0"/>
+              <a:t>}</a:t>
+            </a:r>
+          </a:p>
+          <a:p>
+            <a:pPr marL="0" indent="0">
+              <a:buNone/>
+            </a:pPr>
+            <a:r>
+              <a:rPr lang="en-GB" sz="2400" dirty="0">
+                <a:solidFill>
+                  <a:schemeClr val="tx2">
+                    <a:lumMod val="50000"/>
+                    <a:lumOff val="50000"/>
+                  </a:schemeClr>
+                </a:solidFill>
+              </a:rPr>
+              <a:t>   \</a:t>
+            </a:r>
+            <a:r>
+              <a:rPr lang="en-GB" sz="2400" dirty="0" err="1">
+                <a:solidFill>
+                  <a:schemeClr val="tx2">
+                    <a:lumMod val="50000"/>
+                    <a:lumOff val="50000"/>
+                  </a:schemeClr>
+                </a:solidFill>
+              </a:rPr>
+              <a:t>centering</a:t>
+            </a:r>
+            <a:endParaRPr lang="en-GB" sz="2400" dirty="0">
+              <a:solidFill>
+                <a:schemeClr val="tx2">
+                  <a:lumMod val="50000"/>
+                  <a:lumOff val="50000"/>
+                </a:schemeClr>
+              </a:solidFill>
+            </a:endParaRPr>
+          </a:p>
+          <a:p>
+            <a:pPr marL="0" indent="0">
+              <a:buNone/>
+            </a:pPr>
+            <a:r>
+              <a:rPr lang="en-GB" sz="2400" dirty="0">
+                <a:solidFill>
+                  <a:schemeClr val="tx2">
+                    <a:lumMod val="50000"/>
+                    <a:lumOff val="50000"/>
+                  </a:schemeClr>
+                </a:solidFill>
+              </a:rPr>
+              <a:t>   \</a:t>
+            </a:r>
+            <a:r>
+              <a:rPr lang="en-GB" sz="2400" dirty="0" err="1">
+                <a:solidFill>
+                  <a:schemeClr val="tx2">
+                    <a:lumMod val="50000"/>
+                    <a:lumOff val="50000"/>
+                  </a:schemeClr>
+                </a:solidFill>
+              </a:rPr>
+              <a:t>includegraphics</a:t>
+            </a:r>
+            <a:r>
+              <a:rPr lang="en-GB" sz="2400" dirty="0"/>
+              <a:t>[width = 9cm]{melanoma} </a:t>
+            </a:r>
+          </a:p>
+          <a:p>
+            <a:pPr marL="0" indent="0">
+              <a:buNone/>
+            </a:pPr>
+            <a:r>
+              <a:rPr lang="en-GB" sz="2400" dirty="0">
+                <a:solidFill>
+                  <a:schemeClr val="tx2">
+                    <a:lumMod val="50000"/>
+                    <a:lumOff val="50000"/>
+                  </a:schemeClr>
+                </a:solidFill>
+              </a:rPr>
+              <a:t>   \caption</a:t>
+            </a:r>
+            <a:r>
+              <a:rPr lang="en-GB" sz="2400" dirty="0"/>
+              <a:t>[Melanoma]{A melanoma of approximately 2.5 cm by 1.5 cm}</a:t>
+            </a:r>
+          </a:p>
+          <a:p>
+            <a:pPr marL="0" indent="0">
+              <a:buNone/>
+            </a:pPr>
+            <a:r>
+              <a:rPr lang="en-GB" sz="2400" dirty="0">
+                <a:solidFill>
+                  <a:schemeClr val="tx2">
+                    <a:lumMod val="50000"/>
+                    <a:lumOff val="50000"/>
+                  </a:schemeClr>
+                </a:solidFill>
+              </a:rPr>
+              <a:t>\end</a:t>
+            </a:r>
+            <a:r>
+              <a:rPr lang="en-GB" sz="2400" dirty="0"/>
+              <a:t>{</a:t>
+            </a:r>
+            <a:r>
+              <a:rPr lang="en-GB" sz="2400" dirty="0">
+                <a:solidFill>
+                  <a:schemeClr val="accent4"/>
+                </a:solidFill>
+              </a:rPr>
+              <a:t>figure</a:t>
+            </a:r>
+            <a:r>
+              <a:rPr lang="en-GB" sz="2400" dirty="0"/>
+              <a:t>}</a:t>
+            </a:r>
+          </a:p>
+        </p:txBody>
+      </p:sp>
+      <p:cxnSp>
+        <p:nvCxnSpPr>
+          <p:cNvPr id="4" name="Straight Connector 3">
+            <a:extLst>
+              <a:ext uri="{FF2B5EF4-FFF2-40B4-BE49-F238E27FC236}">
+                <a16:creationId xmlns:a16="http://schemas.microsoft.com/office/drawing/2014/main" id="{5F977231-9817-4997-8C71-01F70F4EFE4B}"/>
+              </a:ext>
+            </a:extLst>
+          </p:cNvPr>
+          <p:cNvCxnSpPr/>
+          <p:nvPr/>
+        </p:nvCxnSpPr>
+        <p:spPr>
+          <a:xfrm>
+            <a:off x="4572000" y="1417638"/>
+            <a:ext cx="0" cy="5440362"/>
+          </a:xfrm>
+          <a:prstGeom prst="line">
+            <a:avLst/>
+          </a:prstGeom>
+        </p:spPr>
+        <p:style>
+          <a:lnRef idx="2">
+            <a:schemeClr val="accent1"/>
+          </a:lnRef>
+          <a:fillRef idx="0">
+            <a:schemeClr val="accent1"/>
+          </a:fillRef>
+          <a:effectRef idx="1">
+            <a:schemeClr val="accent1"/>
+          </a:effectRef>
+          <a:fontRef idx="minor">
+            <a:schemeClr val="tx1"/>
+          </a:fontRef>
+        </p:style>
+      </p:cxnSp>
+      <p:pic>
+        <p:nvPicPr>
+          <p:cNvPr id="6" name="Picture 5">
+            <a:extLst>
+              <a:ext uri="{FF2B5EF4-FFF2-40B4-BE49-F238E27FC236}">
+                <a16:creationId xmlns:a16="http://schemas.microsoft.com/office/drawing/2014/main" id="{74CBC0ED-6B63-4F77-ACA7-A7E30301604E}"/>
+              </a:ext>
+            </a:extLst>
+          </p:cNvPr>
+          <p:cNvPicPr>
+            <a:picLocks noChangeAspect="1"/>
+          </p:cNvPicPr>
+          <p:nvPr/>
+        </p:nvPicPr>
+        <p:blipFill>
+          <a:blip r:embed="rId3"/>
+          <a:stretch>
+            <a:fillRect/>
+          </a:stretch>
+        </p:blipFill>
+        <p:spPr>
+          <a:xfrm>
+            <a:off x="5826593" y="1271864"/>
+            <a:ext cx="1843276" cy="5165724"/>
+          </a:xfrm>
+          <a:prstGeom prst="rect">
+            <a:avLst/>
+          </a:prstGeom>
+        </p:spPr>
+      </p:pic>
+    </p:spTree>
+    <p:extLst>
+      <p:ext uri="{BB962C8B-B14F-4D97-AF65-F5344CB8AC3E}">
+        <p14:creationId xmlns:p14="http://schemas.microsoft.com/office/powerpoint/2010/main" val="3995581583"/>
+      </p:ext>
+    </p:extLst>
+  </p:cSld>
+  <p:clrMapOvr>
+    <a:masterClrMapping/>
+  </p:clrMapOvr>
+  <mc:AlternateContent xmlns:mc="http://schemas.openxmlformats.org/markup-compatibility/2006">
+    <mc:Choice xmlns:p14="http://schemas.microsoft.com/office/powerpoint/2010/main" Requires="p14">
+      <p:transition p14:dur="10"/>
+    </mc:Choice>
+    <mc:Fallback>
+      <p:transition/>
+    </mc:Fallback>
+  </mc:AlternateContent>
+</p:sld>
+</file>
+
+<file path=ppt/slides/slide2.xml><?xml version="1.0" encoding="utf-8"?>
+<p:sld xmlns:a="http://schemas.openxmlformats.org/drawingml/2006/main" xmlns:r="http://schemas.openxmlformats.org/officeDocument/2006/relationships" xmlns:p="http://schemas.openxmlformats.org/presentationml/2006/main">
+  <p:cSld>
+    <p:spTree>
+      <p:nvGrpSpPr>
+        <p:cNvPr id="1" name=""/>
+        <p:cNvGrpSpPr/>
+        <p:nvPr/>
+      </p:nvGrpSpPr>
+      <p:grpSpPr>
+        <a:xfrm>
+          <a:off x="0" y="0"/>
+          <a:ext cx="0" cy="0"/>
+          <a:chOff x="0" y="0"/>
+          <a:chExt cx="0" cy="0"/>
+        </a:xfrm>
+      </p:grpSpPr>
+      <p:sp>
+        <p:nvSpPr>
+          <p:cNvPr id="2" name="Title 1"/>
+          <p:cNvSpPr>
+            <a:spLocks noGrp="1"/>
+          </p:cNvSpPr>
+          <p:nvPr>
+            <p:ph type="title"/>
+          </p:nvPr>
+        </p:nvSpPr>
+        <p:spPr/>
+        <p:txBody>
+          <a:bodyPr/>
+          <a:lstStyle/>
+          <a:p>
+            <a:r>
+              <a:rPr lang="en-GB" sz="4000" dirty="0"/>
+              <a:t>Learning Outcomes</a:t>
+            </a:r>
+          </a:p>
+        </p:txBody>
+      </p:sp>
+      <p:sp>
+        <p:nvSpPr>
+          <p:cNvPr id="3" name="Content Placeholder 2"/>
+          <p:cNvSpPr>
+            <a:spLocks noGrp="1"/>
+          </p:cNvSpPr>
+          <p:nvPr>
+            <p:ph idx="1"/>
+          </p:nvPr>
+        </p:nvSpPr>
+        <p:spPr>
+          <a:xfrm>
+            <a:off x="457200" y="1600200"/>
+            <a:ext cx="8435280" cy="4876800"/>
+          </a:xfrm>
+        </p:spPr>
+        <p:txBody>
+          <a:bodyPr>
+            <a:normAutofit/>
+          </a:bodyPr>
+          <a:lstStyle/>
+          <a:p>
+            <a:r>
+              <a:rPr lang="en-GB" sz="3000" b="1" dirty="0"/>
+              <a:t>Identify</a:t>
+            </a:r>
+            <a:r>
+              <a:rPr lang="en-GB" sz="3000" dirty="0"/>
+              <a:t> an array of useful LaTeX packages</a:t>
+            </a:r>
+          </a:p>
+          <a:p>
+            <a:r>
+              <a:rPr lang="en-GB" sz="3000" b="1" dirty="0"/>
+              <a:t>Recognise</a:t>
+            </a:r>
+            <a:r>
+              <a:rPr lang="en-GB" sz="3000" dirty="0"/>
+              <a:t> when and how to split large documents into manageable subdocuments</a:t>
+            </a:r>
+          </a:p>
+          <a:p>
+            <a:r>
+              <a:rPr lang="en-GB" sz="3000" b="1" dirty="0"/>
+              <a:t>Employ</a:t>
+            </a:r>
+            <a:r>
+              <a:rPr lang="en-GB" sz="3000" dirty="0"/>
+              <a:t> custom formatting and referencing</a:t>
+            </a:r>
+          </a:p>
+          <a:p>
+            <a:r>
+              <a:rPr lang="en-GB" sz="3000" b="1" dirty="0"/>
+              <a:t>Develop</a:t>
+            </a:r>
+            <a:r>
+              <a:rPr lang="en-GB" sz="3000" dirty="0"/>
+              <a:t> a full thesis template </a:t>
+            </a:r>
+          </a:p>
+        </p:txBody>
+      </p:sp>
+    </p:spTree>
+    <p:extLst>
+      <p:ext uri="{BB962C8B-B14F-4D97-AF65-F5344CB8AC3E}">
+        <p14:creationId xmlns:p14="http://schemas.microsoft.com/office/powerpoint/2010/main" val="3248724752"/>
+      </p:ext>
+    </p:extLst>
+  </p:cSld>
+  <p:clrMapOvr>
+    <a:masterClrMapping/>
+  </p:clrMapOvr>
+  <mc:AlternateContent xmlns:mc="http://schemas.openxmlformats.org/markup-compatibility/2006" xmlns:p14="http://schemas.microsoft.com/office/powerpoint/2010/main">
+    <mc:Choice Requires="p14">
+      <p:transition p14:dur="10"/>
+    </mc:Choice>
+    <mc:Fallback xmlns="">
+      <p:transition/>
+    </mc:Fallback>
+  </mc:AlternateContent>
+</p:sld>
+</file>
+
+<file path=ppt/slides/slide20.xml><?xml version="1.0" encoding="utf-8"?>
 <p:sld xmlns:a="http://schemas.openxmlformats.org/drawingml/2006/main" xmlns:r="http://schemas.openxmlformats.org/officeDocument/2006/relationships" xmlns:p="http://schemas.openxmlformats.org/presentationml/2006/main">
   <p:cSld>
     <p:spTree>
@@ -11921,530 +11604,7 @@
 </p:sld>
 </file>
 
-<file path=ppt/slides/slide22.xml><?xml version="1.0" encoding="utf-8"?>
-<p:sld xmlns:a="http://schemas.openxmlformats.org/drawingml/2006/main" xmlns:r="http://schemas.openxmlformats.org/officeDocument/2006/relationships" xmlns:p="http://schemas.openxmlformats.org/presentationml/2006/main">
-  <p:cSld>
-    <p:spTree>
-      <p:nvGrpSpPr>
-        <p:cNvPr id="1" name=""/>
-        <p:cNvGrpSpPr/>
-        <p:nvPr/>
-      </p:nvGrpSpPr>
-      <p:grpSpPr>
-        <a:xfrm>
-          <a:off x="0" y="0"/>
-          <a:ext cx="0" cy="0"/>
-          <a:chOff x="0" y="0"/>
-          <a:chExt cx="0" cy="0"/>
-        </a:xfrm>
-      </p:grpSpPr>
-      <p:sp>
-        <p:nvSpPr>
-          <p:cNvPr id="2" name="Title 1"/>
-          <p:cNvSpPr>
-            <a:spLocks noGrp="1"/>
-          </p:cNvSpPr>
-          <p:nvPr>
-            <p:ph type="title"/>
-          </p:nvPr>
-        </p:nvSpPr>
-        <p:spPr/>
-        <p:txBody>
-          <a:bodyPr/>
-          <a:lstStyle/>
-          <a:p>
-            <a:r>
-              <a:rPr lang="en-GB" sz="4000" dirty="0"/>
-              <a:t>Extra Contents Items</a:t>
-            </a:r>
-          </a:p>
-        </p:txBody>
-      </p:sp>
-      <p:sp>
-        <p:nvSpPr>
-          <p:cNvPr id="3" name="Content Placeholder 2"/>
-          <p:cNvSpPr>
-            <a:spLocks noGrp="1"/>
-          </p:cNvSpPr>
-          <p:nvPr>
-            <p:ph idx="1"/>
-          </p:nvPr>
-        </p:nvSpPr>
-        <p:spPr>
-          <a:xfrm>
-            <a:off x="530773" y="1399244"/>
-            <a:ext cx="3967655" cy="5184117"/>
-          </a:xfrm>
-        </p:spPr>
-        <p:txBody>
-          <a:bodyPr>
-            <a:noAutofit/>
-          </a:bodyPr>
-          <a:lstStyle/>
-          <a:p>
-            <a:pPr marL="0" indent="0">
-              <a:buNone/>
-            </a:pPr>
-            <a:r>
-              <a:rPr lang="en-GB" sz="1800" dirty="0">
-                <a:solidFill>
-                  <a:schemeClr val="tx2">
-                    <a:lumMod val="50000"/>
-                    <a:lumOff val="50000"/>
-                  </a:schemeClr>
-                </a:solidFill>
-              </a:rPr>
-              <a:t>\</a:t>
-            </a:r>
-            <a:r>
-              <a:rPr lang="en-GB" sz="1800" dirty="0" err="1">
-                <a:solidFill>
-                  <a:schemeClr val="tx2">
-                    <a:lumMod val="50000"/>
-                    <a:lumOff val="50000"/>
-                  </a:schemeClr>
-                </a:solidFill>
-              </a:rPr>
-              <a:t>tableofcontents</a:t>
-            </a:r>
-            <a:endParaRPr lang="en-GB" sz="1800" dirty="0">
-              <a:solidFill>
-                <a:schemeClr val="tx2">
-                  <a:lumMod val="50000"/>
-                  <a:lumOff val="50000"/>
-                </a:schemeClr>
-              </a:solidFill>
-            </a:endParaRPr>
-          </a:p>
-          <a:p>
-            <a:pPr marL="0" indent="0">
-              <a:buNone/>
-            </a:pPr>
-            <a:r>
-              <a:rPr lang="en-GB" sz="1800" dirty="0">
-                <a:solidFill>
-                  <a:schemeClr val="tx2">
-                    <a:lumMod val="50000"/>
-                    <a:lumOff val="50000"/>
-                  </a:schemeClr>
-                </a:solidFill>
-              </a:rPr>
-              <a:t>\</a:t>
-            </a:r>
-            <a:r>
-              <a:rPr lang="en-GB" sz="1800" dirty="0" err="1">
-                <a:solidFill>
-                  <a:schemeClr val="tx2">
-                    <a:lumMod val="50000"/>
-                    <a:lumOff val="50000"/>
-                  </a:schemeClr>
-                </a:solidFill>
-              </a:rPr>
-              <a:t>listoftables</a:t>
-            </a:r>
-            <a:endParaRPr lang="en-GB" sz="1800" dirty="0">
-              <a:solidFill>
-                <a:schemeClr val="tx2">
-                  <a:lumMod val="50000"/>
-                  <a:lumOff val="50000"/>
-                </a:schemeClr>
-              </a:solidFill>
-            </a:endParaRPr>
-          </a:p>
-          <a:p>
-            <a:pPr marL="0" indent="0">
-              <a:buNone/>
-            </a:pPr>
-            <a:r>
-              <a:rPr lang="en-GB" sz="1800" dirty="0">
-                <a:solidFill>
-                  <a:schemeClr val="tx2">
-                    <a:lumMod val="50000"/>
-                    <a:lumOff val="50000"/>
-                  </a:schemeClr>
-                </a:solidFill>
-              </a:rPr>
-              <a:t>\</a:t>
-            </a:r>
-            <a:r>
-              <a:rPr lang="en-GB" sz="1800" dirty="0" err="1">
-                <a:solidFill>
-                  <a:schemeClr val="tx2">
-                    <a:lumMod val="50000"/>
-                    <a:lumOff val="50000"/>
-                  </a:schemeClr>
-                </a:solidFill>
-              </a:rPr>
-              <a:t>listoffigures</a:t>
-            </a:r>
-            <a:br>
-              <a:rPr lang="en-GB" sz="1800" dirty="0">
-                <a:solidFill>
-                  <a:schemeClr val="tx2">
-                    <a:lumMod val="50000"/>
-                    <a:lumOff val="50000"/>
-                  </a:schemeClr>
-                </a:solidFill>
-              </a:rPr>
-            </a:br>
-            <a:endParaRPr lang="en-GB" sz="1800" dirty="0">
-              <a:solidFill>
-                <a:schemeClr val="tx2">
-                  <a:lumMod val="50000"/>
-                  <a:lumOff val="50000"/>
-                </a:schemeClr>
-              </a:solidFill>
-            </a:endParaRPr>
-          </a:p>
-          <a:p>
-            <a:pPr marL="0" indent="0">
-              <a:buNone/>
-            </a:pPr>
-            <a:r>
-              <a:rPr lang="en-GB" sz="1800" dirty="0">
-                <a:solidFill>
-                  <a:schemeClr val="tx2">
-                    <a:lumMod val="50000"/>
-                    <a:lumOff val="50000"/>
-                  </a:schemeClr>
-                </a:solidFill>
-              </a:rPr>
-              <a:t>\chapter</a:t>
-            </a:r>
-            <a:r>
-              <a:rPr lang="en-GB" sz="1800" dirty="0"/>
-              <a:t>{First Chapter}</a:t>
-            </a:r>
-          </a:p>
-          <a:p>
-            <a:pPr marL="0" indent="0">
-              <a:buNone/>
-            </a:pPr>
-            <a:r>
-              <a:rPr lang="en-GB" sz="1800" dirty="0">
-                <a:solidFill>
-                  <a:schemeClr val="tx2">
-                    <a:lumMod val="50000"/>
-                    <a:lumOff val="50000"/>
-                  </a:schemeClr>
-                </a:solidFill>
-              </a:rPr>
-              <a:t>\</a:t>
-            </a:r>
-            <a:r>
-              <a:rPr lang="en-GB" sz="1800" dirty="0" err="1">
-                <a:solidFill>
-                  <a:schemeClr val="tx2">
-                    <a:lumMod val="50000"/>
-                    <a:lumOff val="50000"/>
-                  </a:schemeClr>
-                </a:solidFill>
-              </a:rPr>
-              <a:t>addcontentsline</a:t>
-            </a:r>
-            <a:r>
-              <a:rPr lang="en-GB" sz="1800" dirty="0"/>
-              <a:t>{toc}{section} {Phantom Section}</a:t>
-            </a:r>
-            <a:br>
-              <a:rPr lang="en-GB" sz="1800" dirty="0"/>
-            </a:br>
-            <a:endParaRPr lang="en-GB" sz="1800" dirty="0"/>
-          </a:p>
-          <a:p>
-            <a:pPr marL="0" indent="0">
-              <a:buNone/>
-            </a:pPr>
-            <a:r>
-              <a:rPr lang="en-GB" sz="1800" dirty="0">
-                <a:solidFill>
-                  <a:schemeClr val="tx2">
-                    <a:lumMod val="50000"/>
-                    <a:lumOff val="50000"/>
-                  </a:schemeClr>
-                </a:solidFill>
-              </a:rPr>
-              <a:t>\</a:t>
-            </a:r>
-            <a:r>
-              <a:rPr lang="en-GB" sz="1800" dirty="0" err="1">
-                <a:solidFill>
-                  <a:schemeClr val="tx2">
-                    <a:lumMod val="50000"/>
-                    <a:lumOff val="50000"/>
-                  </a:schemeClr>
-                </a:solidFill>
-              </a:rPr>
-              <a:t>addcontentsline</a:t>
-            </a:r>
-            <a:r>
-              <a:rPr lang="en-GB" sz="1800" dirty="0"/>
-              <a:t>{toc}{chapter} {Phantom Chapter}</a:t>
-            </a:r>
-          </a:p>
-          <a:p>
-            <a:pPr marL="0" indent="0">
-              <a:buNone/>
-            </a:pPr>
-            <a:r>
-              <a:rPr lang="en-GB" sz="1800" dirty="0">
-                <a:solidFill>
-                  <a:schemeClr val="tx2">
-                    <a:lumMod val="50000"/>
-                    <a:lumOff val="50000"/>
-                  </a:schemeClr>
-                </a:solidFill>
-              </a:rPr>
-              <a:t>\</a:t>
-            </a:r>
-            <a:r>
-              <a:rPr lang="en-GB" sz="1800" dirty="0" err="1">
-                <a:solidFill>
-                  <a:schemeClr val="tx2">
-                    <a:lumMod val="50000"/>
-                    <a:lumOff val="50000"/>
-                  </a:schemeClr>
-                </a:solidFill>
-              </a:rPr>
-              <a:t>addcontentsline</a:t>
-            </a:r>
-            <a:r>
-              <a:rPr lang="en-GB" sz="1800" dirty="0"/>
-              <a:t>{toc}{subsection} {Phantom Subsection}</a:t>
-            </a:r>
-            <a:br>
-              <a:rPr lang="en-GB" sz="1800" dirty="0"/>
-            </a:br>
-            <a:endParaRPr lang="en-GB" sz="1800" dirty="0"/>
-          </a:p>
-          <a:p>
-            <a:pPr marL="0" indent="0">
-              <a:buNone/>
-            </a:pPr>
-            <a:r>
-              <a:rPr lang="en-GB" sz="1800" dirty="0">
-                <a:solidFill>
-                  <a:schemeClr val="tx2">
-                    <a:lumMod val="50000"/>
-                    <a:lumOff val="50000"/>
-                  </a:schemeClr>
-                </a:solidFill>
-              </a:rPr>
-              <a:t>\</a:t>
-            </a:r>
-            <a:r>
-              <a:rPr lang="en-GB" sz="1800" dirty="0" err="1">
-                <a:solidFill>
-                  <a:schemeClr val="tx2">
-                    <a:lumMod val="50000"/>
-                    <a:lumOff val="50000"/>
-                  </a:schemeClr>
-                </a:solidFill>
-              </a:rPr>
-              <a:t>addcontentsline</a:t>
-            </a:r>
-            <a:r>
-              <a:rPr lang="en-GB" sz="1800" dirty="0"/>
-              <a:t>{</a:t>
-            </a:r>
-            <a:r>
-              <a:rPr lang="en-GB" sz="1800" dirty="0" err="1"/>
-              <a:t>lof</a:t>
-            </a:r>
-            <a:r>
-              <a:rPr lang="en-GB" sz="1800" dirty="0"/>
-              <a:t>}{figure} {Phantom Figure}</a:t>
-            </a:r>
-          </a:p>
-          <a:p>
-            <a:pPr marL="0" indent="0">
-              <a:buNone/>
-            </a:pPr>
-            <a:r>
-              <a:rPr lang="en-GB" sz="1800" dirty="0">
-                <a:solidFill>
-                  <a:schemeClr val="tx2">
-                    <a:lumMod val="50000"/>
-                    <a:lumOff val="50000"/>
-                  </a:schemeClr>
-                </a:solidFill>
-              </a:rPr>
-              <a:t>\</a:t>
-            </a:r>
-            <a:r>
-              <a:rPr lang="en-GB" sz="1800" dirty="0" err="1">
-                <a:solidFill>
-                  <a:schemeClr val="tx2">
-                    <a:lumMod val="50000"/>
-                    <a:lumOff val="50000"/>
-                  </a:schemeClr>
-                </a:solidFill>
-              </a:rPr>
-              <a:t>addcontentsline</a:t>
-            </a:r>
-            <a:r>
-              <a:rPr lang="en-GB" sz="1800" dirty="0"/>
-              <a:t>{lot}{table} {Phantom Table}</a:t>
-            </a:r>
-            <a:endParaRPr lang="en-GB" sz="1800" dirty="0">
-              <a:solidFill>
-                <a:schemeClr val="tx2">
-                  <a:lumMod val="50000"/>
-                  <a:lumOff val="50000"/>
-                </a:schemeClr>
-              </a:solidFill>
-            </a:endParaRPr>
-          </a:p>
-        </p:txBody>
-      </p:sp>
-      <p:cxnSp>
-        <p:nvCxnSpPr>
-          <p:cNvPr id="4" name="Straight Connector 3">
-            <a:extLst>
-              <a:ext uri="{FF2B5EF4-FFF2-40B4-BE49-F238E27FC236}">
-                <a16:creationId xmlns:a16="http://schemas.microsoft.com/office/drawing/2014/main" id="{5F977231-9817-4997-8C71-01F70F4EFE4B}"/>
-              </a:ext>
-            </a:extLst>
-          </p:cNvPr>
-          <p:cNvCxnSpPr/>
-          <p:nvPr/>
-        </p:nvCxnSpPr>
-        <p:spPr>
-          <a:xfrm>
-            <a:off x="4572000" y="1417638"/>
-            <a:ext cx="0" cy="5440362"/>
-          </a:xfrm>
-          <a:prstGeom prst="line">
-            <a:avLst/>
-          </a:prstGeom>
-        </p:spPr>
-        <p:style>
-          <a:lnRef idx="2">
-            <a:schemeClr val="accent1"/>
-          </a:lnRef>
-          <a:fillRef idx="0">
-            <a:schemeClr val="accent1"/>
-          </a:fillRef>
-          <a:effectRef idx="1">
-            <a:schemeClr val="accent1"/>
-          </a:effectRef>
-          <a:fontRef idx="minor">
-            <a:schemeClr val="tx1"/>
-          </a:fontRef>
-        </p:style>
-      </p:cxnSp>
-      <p:pic>
-        <p:nvPicPr>
-          <p:cNvPr id="6" name="Picture 5">
-            <a:extLst>
-              <a:ext uri="{FF2B5EF4-FFF2-40B4-BE49-F238E27FC236}">
-                <a16:creationId xmlns:a16="http://schemas.microsoft.com/office/drawing/2014/main" id="{5CED71EC-37E5-46CA-99D0-9FF49BC9A4E2}"/>
-              </a:ext>
-            </a:extLst>
-          </p:cNvPr>
-          <p:cNvPicPr>
-            <a:picLocks noChangeAspect="1"/>
-          </p:cNvPicPr>
-          <p:nvPr/>
-        </p:nvPicPr>
-        <p:blipFill>
-          <a:blip r:embed="rId3"/>
-          <a:stretch>
-            <a:fillRect/>
-          </a:stretch>
-        </p:blipFill>
-        <p:spPr>
-          <a:xfrm>
-            <a:off x="4798353" y="1399245"/>
-            <a:ext cx="4060210" cy="1953555"/>
-          </a:xfrm>
-          <a:prstGeom prst="rect">
-            <a:avLst/>
-          </a:prstGeom>
-        </p:spPr>
-      </p:pic>
-      <p:pic>
-        <p:nvPicPr>
-          <p:cNvPr id="11" name="Picture 10">
-            <a:extLst>
-              <a:ext uri="{FF2B5EF4-FFF2-40B4-BE49-F238E27FC236}">
-                <a16:creationId xmlns:a16="http://schemas.microsoft.com/office/drawing/2014/main" id="{E61C1947-0460-46DF-957C-C3A22084D2EA}"/>
-              </a:ext>
-            </a:extLst>
-          </p:cNvPr>
-          <p:cNvPicPr>
-            <a:picLocks noChangeAspect="1"/>
-          </p:cNvPicPr>
-          <p:nvPr/>
-        </p:nvPicPr>
-        <p:blipFill>
-          <a:blip r:embed="rId4"/>
-          <a:stretch>
-            <a:fillRect/>
-          </a:stretch>
-        </p:blipFill>
-        <p:spPr>
-          <a:xfrm>
-            <a:off x="4798353" y="3886494"/>
-            <a:ext cx="4060209" cy="1015053"/>
-          </a:xfrm>
-          <a:prstGeom prst="rect">
-            <a:avLst/>
-          </a:prstGeom>
-        </p:spPr>
-      </p:pic>
-      <p:pic>
-        <p:nvPicPr>
-          <p:cNvPr id="13" name="Picture 12">
-            <a:extLst>
-              <a:ext uri="{FF2B5EF4-FFF2-40B4-BE49-F238E27FC236}">
-                <a16:creationId xmlns:a16="http://schemas.microsoft.com/office/drawing/2014/main" id="{BD5AA9EA-2576-4CC7-A358-86B2F7320EDA}"/>
-              </a:ext>
-            </a:extLst>
-          </p:cNvPr>
-          <p:cNvPicPr>
-            <a:picLocks noChangeAspect="1"/>
-          </p:cNvPicPr>
-          <p:nvPr/>
-        </p:nvPicPr>
-        <p:blipFill>
-          <a:blip r:embed="rId5"/>
-          <a:stretch>
-            <a:fillRect/>
-          </a:stretch>
-        </p:blipFill>
-        <p:spPr>
-          <a:xfrm>
-            <a:off x="4798354" y="5458755"/>
-            <a:ext cx="4060208" cy="1028915"/>
-          </a:xfrm>
-          <a:prstGeom prst="rect">
-            <a:avLst/>
-          </a:prstGeom>
-        </p:spPr>
-      </p:pic>
-    </p:spTree>
-    <p:extLst>
-      <p:ext uri="{BB962C8B-B14F-4D97-AF65-F5344CB8AC3E}">
-        <p14:creationId xmlns:p14="http://schemas.microsoft.com/office/powerpoint/2010/main" val="1478524040"/>
-      </p:ext>
-    </p:extLst>
-  </p:cSld>
-  <p:clrMapOvr>
-    <a:masterClrMapping/>
-  </p:clrMapOvr>
-  <mc:AlternateContent xmlns:mc="http://schemas.openxmlformats.org/markup-compatibility/2006" xmlns:p14="http://schemas.microsoft.com/office/powerpoint/2010/main">
-    <mc:Choice Requires="p14">
-      <p:transition p14:dur="10"/>
-    </mc:Choice>
-    <mc:Fallback xmlns="">
-      <p:transition/>
-    </mc:Fallback>
-  </mc:AlternateContent>
-</p:sld>
-</file>
-
-<file path=ppt/slides/slide23.xml><?xml version="1.0" encoding="utf-8"?>
+<file path=ppt/slides/slide21.xml><?xml version="1.0" encoding="utf-8"?>
 <p:sld xmlns:a="http://schemas.openxmlformats.org/drawingml/2006/main" xmlns:r="http://schemas.openxmlformats.org/officeDocument/2006/relationships" xmlns:p="http://schemas.openxmlformats.org/presentationml/2006/main">
   <p:cSld>
     <p:spTree>
@@ -12886,7 +12046,7 @@
 </p:sld>
 </file>
 
-<file path=ppt/slides/slide24.xml><?xml version="1.0" encoding="utf-8"?>
+<file path=ppt/slides/slide22.xml><?xml version="1.0" encoding="utf-8"?>
 <p:sld xmlns:a="http://schemas.openxmlformats.org/drawingml/2006/main" xmlns:r="http://schemas.openxmlformats.org/officeDocument/2006/relationships" xmlns:p="http://schemas.openxmlformats.org/presentationml/2006/main">
   <p:cSld>
     <p:spTree>
@@ -13026,7 +12186,7 @@
 </p:sld>
 </file>
 
-<file path=ppt/slides/slide25.xml><?xml version="1.0" encoding="utf-8"?>
+<file path=ppt/slides/slide23.xml><?xml version="1.0" encoding="utf-8"?>
 <p:sld xmlns:a="http://schemas.openxmlformats.org/drawingml/2006/main" xmlns:r="http://schemas.openxmlformats.org/officeDocument/2006/relationships" xmlns:p="http://schemas.openxmlformats.org/presentationml/2006/main">
   <p:cSld>
     <p:spTree>
@@ -13927,7 +13087,7 @@
 </p:sld>
 </file>
 
-<file path=ppt/slides/slide26.xml><?xml version="1.0" encoding="utf-8"?>
+<file path=ppt/slides/slide24.xml><?xml version="1.0" encoding="utf-8"?>
 <p:sld xmlns:a="http://schemas.openxmlformats.org/drawingml/2006/main" xmlns:r="http://schemas.openxmlformats.org/officeDocument/2006/relationships" xmlns:p="http://schemas.openxmlformats.org/presentationml/2006/main">
   <p:cSld>
     <p:spTree>
@@ -14728,7 +13888,7 @@
 </p:sld>
 </file>
 
-<file path=ppt/slides/slide27.xml><?xml version="1.0" encoding="utf-8"?>
+<file path=ppt/slides/slide25.xml><?xml version="1.0" encoding="utf-8"?>
 <p:sld xmlns:a="http://schemas.openxmlformats.org/drawingml/2006/main" xmlns:r="http://schemas.openxmlformats.org/officeDocument/2006/relationships" xmlns:p="http://schemas.openxmlformats.org/presentationml/2006/main">
   <p:cSld>
     <p:spTree>
@@ -15226,7 +14386,7 @@
 </p:sld>
 </file>
 
-<file path=ppt/slides/slide28.xml><?xml version="1.0" encoding="utf-8"?>
+<file path=ppt/slides/slide26.xml><?xml version="1.0" encoding="utf-8"?>
 <p:sld xmlns:a="http://schemas.openxmlformats.org/drawingml/2006/main" xmlns:r="http://schemas.openxmlformats.org/officeDocument/2006/relationships" xmlns:p="http://schemas.openxmlformats.org/presentationml/2006/main">
   <p:cSld>
     <p:spTree>
@@ -16272,6 +15432,703 @@
 </p:sld>
 </file>
 
+<file path=ppt/slides/slide27.xml><?xml version="1.0" encoding="utf-8"?>
+<p:sld xmlns:a="http://schemas.openxmlformats.org/drawingml/2006/main" xmlns:r="http://schemas.openxmlformats.org/officeDocument/2006/relationships" xmlns:p="http://schemas.openxmlformats.org/presentationml/2006/main">
+  <p:cSld>
+    <p:spTree>
+      <p:nvGrpSpPr>
+        <p:cNvPr id="1" name=""/>
+        <p:cNvGrpSpPr/>
+        <p:nvPr/>
+      </p:nvGrpSpPr>
+      <p:grpSpPr>
+        <a:xfrm>
+          <a:off x="0" y="0"/>
+          <a:ext cx="0" cy="0"/>
+          <a:chOff x="0" y="0"/>
+          <a:chExt cx="0" cy="0"/>
+        </a:xfrm>
+      </p:grpSpPr>
+      <p:sp>
+        <p:nvSpPr>
+          <p:cNvPr id="2" name="Title 1"/>
+          <p:cNvSpPr>
+            <a:spLocks noGrp="1"/>
+          </p:cNvSpPr>
+          <p:nvPr>
+            <p:ph type="title"/>
+          </p:nvPr>
+        </p:nvSpPr>
+        <p:spPr/>
+        <p:txBody>
+          <a:bodyPr/>
+          <a:lstStyle/>
+          <a:p>
+            <a:r>
+              <a:rPr lang="en-GB" sz="4000" dirty="0"/>
+              <a:t>Graphics Path</a:t>
+            </a:r>
+          </a:p>
+        </p:txBody>
+      </p:sp>
+      <p:sp>
+        <p:nvSpPr>
+          <p:cNvPr id="7" name="Content Placeholder 6">
+            <a:extLst>
+              <a:ext uri="{FF2B5EF4-FFF2-40B4-BE49-F238E27FC236}">
+                <a16:creationId xmlns:a16="http://schemas.microsoft.com/office/drawing/2014/main" id="{A4668B92-0976-4E36-A913-C47498FEE667}"/>
+              </a:ext>
+            </a:extLst>
+          </p:cNvPr>
+          <p:cNvSpPr>
+            <a:spLocks noGrp="1"/>
+          </p:cNvSpPr>
+          <p:nvPr>
+            <p:ph idx="1"/>
+          </p:nvPr>
+        </p:nvSpPr>
+        <p:spPr>
+          <a:xfrm>
+            <a:off x="457200" y="1417638"/>
+            <a:ext cx="8229600" cy="4525963"/>
+          </a:xfrm>
+        </p:spPr>
+        <p:txBody>
+          <a:bodyPr/>
+          <a:lstStyle/>
+          <a:p>
+            <a:r>
+              <a:rPr lang="en-GB" sz="2800" dirty="0"/>
+              <a:t>You can set where LaTeX should look for the graphics to be used in your document</a:t>
+            </a:r>
+          </a:p>
+          <a:p>
+            <a:r>
+              <a:rPr lang="en-GB" sz="2800" dirty="0"/>
+              <a:t>Useful for separating figures for different chapters and the .</a:t>
+            </a:r>
+            <a:r>
+              <a:rPr lang="en-GB" sz="2800" dirty="0" err="1"/>
+              <a:t>tex</a:t>
+            </a:r>
+            <a:r>
+              <a:rPr lang="en-GB" sz="2800" dirty="0"/>
+              <a:t> files</a:t>
+            </a:r>
+          </a:p>
+          <a:p>
+            <a:r>
+              <a:rPr lang="en-GB" sz="2800" dirty="0"/>
+              <a:t>The command </a:t>
+            </a:r>
+            <a:r>
+              <a:rPr lang="en-GB" sz="2800" dirty="0">
+                <a:solidFill>
+                  <a:schemeClr val="tx2">
+                    <a:lumMod val="50000"/>
+                    <a:lumOff val="50000"/>
+                  </a:schemeClr>
+                </a:solidFill>
+              </a:rPr>
+              <a:t>\</a:t>
+            </a:r>
+            <a:r>
+              <a:rPr lang="en-GB" sz="2800" dirty="0" err="1">
+                <a:solidFill>
+                  <a:schemeClr val="tx2">
+                    <a:lumMod val="50000"/>
+                    <a:lumOff val="50000"/>
+                  </a:schemeClr>
+                </a:solidFill>
+              </a:rPr>
+              <a:t>graphicspath</a:t>
+            </a:r>
+            <a:r>
+              <a:rPr lang="en-GB" sz="2800" dirty="0">
+                <a:solidFill>
+                  <a:schemeClr val="tx2">
+                    <a:lumMod val="50000"/>
+                    <a:lumOff val="50000"/>
+                  </a:schemeClr>
+                </a:solidFill>
+              </a:rPr>
+              <a:t> {{./FOLDER1/} {./FOLDER2/}} </a:t>
+            </a:r>
+            <a:r>
+              <a:rPr lang="en-GB" sz="2800" dirty="0"/>
+              <a:t>will tell LaTeX to look in the folders named “FOLDER1” and “FOLDER2” in the directory of the .</a:t>
+            </a:r>
+            <a:r>
+              <a:rPr lang="en-GB" sz="2800" dirty="0" err="1"/>
+              <a:t>tex</a:t>
+            </a:r>
+            <a:r>
+              <a:rPr lang="en-GB" sz="2800" dirty="0"/>
+              <a:t> file</a:t>
+            </a:r>
+            <a:endParaRPr lang="en-GB" sz="2400" dirty="0"/>
+          </a:p>
+          <a:p>
+            <a:pPr lvl="1"/>
+            <a:endParaRPr lang="en-GB" sz="1600" dirty="0"/>
+          </a:p>
+        </p:txBody>
+      </p:sp>
+      <p:sp>
+        <p:nvSpPr>
+          <p:cNvPr id="4" name="TextBox 3">
+            <a:extLst>
+              <a:ext uri="{FF2B5EF4-FFF2-40B4-BE49-F238E27FC236}">
+                <a16:creationId xmlns:a16="http://schemas.microsoft.com/office/drawing/2014/main" id="{398C5D47-C6D2-45C0-8D24-2F32A438F365}"/>
+              </a:ext>
+            </a:extLst>
+          </p:cNvPr>
+          <p:cNvSpPr txBox="1"/>
+          <p:nvPr/>
+        </p:nvSpPr>
+        <p:spPr>
+          <a:xfrm>
+            <a:off x="7357241" y="6498021"/>
+            <a:ext cx="1697422" cy="369332"/>
+          </a:xfrm>
+          <a:prstGeom prst="rect">
+            <a:avLst/>
+          </a:prstGeom>
+          <a:noFill/>
+        </p:spPr>
+        <p:txBody>
+          <a:bodyPr wrap="square" rtlCol="0">
+            <a:spAutoFit/>
+          </a:bodyPr>
+          <a:lstStyle/>
+          <a:p>
+            <a:r>
+              <a:rPr lang="en-GB" dirty="0">
+                <a:solidFill>
+                  <a:schemeClr val="accent2"/>
+                </a:solidFill>
+              </a:rPr>
+              <a:t>Problem Sheet</a:t>
+            </a:r>
+          </a:p>
+        </p:txBody>
+      </p:sp>
+    </p:spTree>
+    <p:extLst>
+      <p:ext uri="{BB962C8B-B14F-4D97-AF65-F5344CB8AC3E}">
+        <p14:creationId xmlns:p14="http://schemas.microsoft.com/office/powerpoint/2010/main" val="358316703"/>
+      </p:ext>
+    </p:extLst>
+  </p:cSld>
+  <p:clrMapOvr>
+    <a:masterClrMapping/>
+  </p:clrMapOvr>
+  <mc:AlternateContent xmlns:mc="http://schemas.openxmlformats.org/markup-compatibility/2006" xmlns:p14="http://schemas.microsoft.com/office/powerpoint/2010/main">
+    <mc:Choice Requires="p14">
+      <p:transition p14:dur="10"/>
+    </mc:Choice>
+    <mc:Fallback xmlns="">
+      <p:transition/>
+    </mc:Fallback>
+  </mc:AlternateContent>
+</p:sld>
+</file>
+
+<file path=ppt/slides/slide28.xml><?xml version="1.0" encoding="utf-8"?>
+<p:sld xmlns:a="http://schemas.openxmlformats.org/drawingml/2006/main" xmlns:r="http://schemas.openxmlformats.org/officeDocument/2006/relationships" xmlns:p="http://schemas.openxmlformats.org/presentationml/2006/main">
+  <p:cSld>
+    <p:spTree>
+      <p:nvGrpSpPr>
+        <p:cNvPr id="1" name=""/>
+        <p:cNvGrpSpPr/>
+        <p:nvPr/>
+      </p:nvGrpSpPr>
+      <p:grpSpPr>
+        <a:xfrm>
+          <a:off x="0" y="0"/>
+          <a:ext cx="0" cy="0"/>
+          <a:chOff x="0" y="0"/>
+          <a:chExt cx="0" cy="0"/>
+        </a:xfrm>
+      </p:grpSpPr>
+      <p:sp>
+        <p:nvSpPr>
+          <p:cNvPr id="2" name="Title 1"/>
+          <p:cNvSpPr>
+            <a:spLocks noGrp="1"/>
+          </p:cNvSpPr>
+          <p:nvPr>
+            <p:ph type="title"/>
+          </p:nvPr>
+        </p:nvSpPr>
+        <p:spPr/>
+        <p:txBody>
+          <a:bodyPr/>
+          <a:lstStyle/>
+          <a:p>
+            <a:r>
+              <a:rPr lang="en-GB" sz="4000" dirty="0"/>
+              <a:t>Custom Commands</a:t>
+            </a:r>
+          </a:p>
+        </p:txBody>
+      </p:sp>
+      <p:cxnSp>
+        <p:nvCxnSpPr>
+          <p:cNvPr id="12" name="Straight Connector 11"/>
+          <p:cNvCxnSpPr/>
+          <p:nvPr/>
+        </p:nvCxnSpPr>
+        <p:spPr>
+          <a:xfrm>
+            <a:off x="4572000" y="1417638"/>
+            <a:ext cx="0" cy="5440362"/>
+          </a:xfrm>
+          <a:prstGeom prst="line">
+            <a:avLst/>
+          </a:prstGeom>
+        </p:spPr>
+        <p:style>
+          <a:lnRef idx="2">
+            <a:schemeClr val="accent1"/>
+          </a:lnRef>
+          <a:fillRef idx="0">
+            <a:schemeClr val="accent1"/>
+          </a:fillRef>
+          <a:effectRef idx="1">
+            <a:schemeClr val="accent1"/>
+          </a:effectRef>
+          <a:fontRef idx="minor">
+            <a:schemeClr val="tx1"/>
+          </a:fontRef>
+        </p:style>
+      </p:cxnSp>
+      <p:sp>
+        <p:nvSpPr>
+          <p:cNvPr id="4" name="Rectangle 2"/>
+          <p:cNvSpPr>
+            <a:spLocks noChangeArrowheads="1"/>
+          </p:cNvSpPr>
+          <p:nvPr/>
+        </p:nvSpPr>
+        <p:spPr bwMode="auto">
+          <a:xfrm>
+            <a:off x="379360" y="1686591"/>
+            <a:ext cx="4166693" cy="4154984"/>
+          </a:xfrm>
+          <a:prstGeom prst="rect">
+            <a:avLst/>
+          </a:prstGeom>
+          <a:noFill/>
+          <a:ln>
+            <a:noFill/>
+          </a:ln>
+          <a:effectLst/>
+        </p:spPr>
+        <p:txBody>
+          <a:bodyPr vert="horz" wrap="square" lIns="91440" tIns="45720" rIns="91440" bIns="45720" numCol="1" anchor="ctr" anchorCtr="0" compatLnSpc="1">
+            <a:prstTxWarp prst="textNoShape">
+              <a:avLst/>
+            </a:prstTxWarp>
+            <a:spAutoFit/>
+          </a:bodyPr>
+          <a:lstStyle/>
+          <a:p>
+            <a:r>
+              <a:rPr lang="en-GB" sz="2400" dirty="0">
+                <a:solidFill>
+                  <a:schemeClr val="tx2">
+                    <a:lumMod val="50000"/>
+                    <a:lumOff val="50000"/>
+                  </a:schemeClr>
+                </a:solidFill>
+              </a:rPr>
+              <a:t>\</a:t>
+            </a:r>
+            <a:r>
+              <a:rPr lang="en-GB" sz="2400" dirty="0" err="1">
+                <a:solidFill>
+                  <a:schemeClr val="tx2">
+                    <a:lumMod val="50000"/>
+                    <a:lumOff val="50000"/>
+                  </a:schemeClr>
+                </a:solidFill>
+              </a:rPr>
+              <a:t>newcommand</a:t>
+            </a:r>
+            <a:r>
+              <a:rPr lang="en-GB" sz="2400" dirty="0"/>
+              <a:t>{</a:t>
+            </a:r>
+            <a:r>
+              <a:rPr lang="en-GB" sz="2400" dirty="0">
+                <a:solidFill>
+                  <a:schemeClr val="tx2">
+                    <a:lumMod val="50000"/>
+                    <a:lumOff val="50000"/>
+                  </a:schemeClr>
+                </a:solidFill>
+              </a:rPr>
+              <a:t>\</a:t>
+            </a:r>
+            <a:r>
+              <a:rPr lang="en-GB" sz="2400" dirty="0" err="1">
+                <a:solidFill>
+                  <a:schemeClr val="tx2">
+                    <a:lumMod val="50000"/>
+                    <a:lumOff val="50000"/>
+                  </a:schemeClr>
+                </a:solidFill>
+              </a:rPr>
+              <a:t>hardmaths</a:t>
+            </a:r>
+            <a:r>
+              <a:rPr lang="en-GB" sz="2400" dirty="0"/>
+              <a:t>} {</a:t>
+            </a:r>
+            <a:r>
+              <a:rPr lang="en-GB" sz="2400" dirty="0">
+                <a:solidFill>
+                  <a:schemeClr val="tx2">
+                    <a:lumMod val="50000"/>
+                    <a:lumOff val="50000"/>
+                  </a:schemeClr>
+                </a:solidFill>
+              </a:rPr>
+              <a:t>\frac</a:t>
+            </a:r>
+            <a:r>
+              <a:rPr lang="en-GB" sz="2400" dirty="0"/>
+              <a:t>{</a:t>
+            </a:r>
+            <a:r>
+              <a:rPr lang="en-GB" sz="2400" dirty="0">
+                <a:solidFill>
+                  <a:schemeClr val="tx2">
+                    <a:lumMod val="50000"/>
+                    <a:lumOff val="50000"/>
+                  </a:schemeClr>
+                </a:solidFill>
+              </a:rPr>
+              <a:t>\sin</a:t>
+            </a:r>
+            <a:r>
+              <a:rPr lang="en-GB" sz="2400" dirty="0"/>
+              <a:t>{(x\pi)}} {2</a:t>
+            </a:r>
+            <a:r>
+              <a:rPr lang="en-GB" sz="2400" dirty="0">
+                <a:solidFill>
+                  <a:schemeClr val="accent1">
+                    <a:lumMod val="60000"/>
+                    <a:lumOff val="40000"/>
+                  </a:schemeClr>
+                </a:solidFill>
+              </a:rPr>
+              <a:t>\alpha</a:t>
+            </a:r>
+            <a:r>
+              <a:rPr lang="en-GB" sz="2400" dirty="0"/>
+              <a:t>}}</a:t>
+            </a:r>
+          </a:p>
+          <a:p>
+            <a:endParaRPr lang="en-GB" sz="2400" dirty="0"/>
+          </a:p>
+          <a:p>
+            <a:r>
+              <a:rPr lang="en-GB" sz="2400" dirty="0">
+                <a:solidFill>
+                  <a:schemeClr val="tx2">
+                    <a:lumMod val="50000"/>
+                    <a:lumOff val="50000"/>
+                  </a:schemeClr>
+                </a:solidFill>
+              </a:rPr>
+              <a:t>\</a:t>
+            </a:r>
+            <a:r>
+              <a:rPr lang="en-GB" sz="2400" dirty="0" err="1">
+                <a:solidFill>
+                  <a:schemeClr val="tx2">
+                    <a:lumMod val="50000"/>
+                    <a:lumOff val="50000"/>
+                  </a:schemeClr>
+                </a:solidFill>
+              </a:rPr>
+              <a:t>newcommand</a:t>
+            </a:r>
+            <a:r>
+              <a:rPr lang="en-GB" sz="2400" dirty="0"/>
+              <a:t>{</a:t>
+            </a:r>
+            <a:r>
+              <a:rPr lang="en-GB" sz="2400" dirty="0">
+                <a:solidFill>
+                  <a:schemeClr val="tx2">
+                    <a:lumMod val="50000"/>
+                    <a:lumOff val="50000"/>
+                  </a:schemeClr>
+                </a:solidFill>
+              </a:rPr>
+              <a:t>\diff</a:t>
+            </a:r>
+            <a:r>
+              <a:rPr lang="en-GB" sz="2400" dirty="0"/>
+              <a:t>}[2]  {</a:t>
+            </a:r>
+            <a:r>
+              <a:rPr lang="en-GB" sz="2400" dirty="0">
+                <a:solidFill>
+                  <a:schemeClr val="tx2">
+                    <a:lumMod val="50000"/>
+                    <a:lumOff val="50000"/>
+                  </a:schemeClr>
+                </a:solidFill>
+              </a:rPr>
+              <a:t>\frac{\</a:t>
+            </a:r>
+            <a:r>
+              <a:rPr lang="en-GB" sz="2400" dirty="0" err="1">
+                <a:solidFill>
+                  <a:schemeClr val="tx2">
+                    <a:lumMod val="50000"/>
+                    <a:lumOff val="50000"/>
+                  </a:schemeClr>
+                </a:solidFill>
+              </a:rPr>
+              <a:t>textrm</a:t>
+            </a:r>
+            <a:r>
+              <a:rPr lang="en-GB" sz="2400" dirty="0"/>
+              <a:t>{d}{#1}} {</a:t>
+            </a:r>
+            <a:r>
+              <a:rPr lang="en-GB" sz="2400" dirty="0">
+                <a:solidFill>
+                  <a:schemeClr val="tx2">
+                    <a:lumMod val="50000"/>
+                    <a:lumOff val="50000"/>
+                  </a:schemeClr>
+                </a:solidFill>
+              </a:rPr>
+              <a:t>\</a:t>
+            </a:r>
+            <a:r>
+              <a:rPr lang="en-GB" sz="2400" dirty="0" err="1">
+                <a:solidFill>
+                  <a:schemeClr val="tx2">
+                    <a:lumMod val="50000"/>
+                    <a:lumOff val="50000"/>
+                  </a:schemeClr>
+                </a:solidFill>
+              </a:rPr>
+              <a:t>textrm</a:t>
+            </a:r>
+            <a:r>
+              <a:rPr lang="en-GB" sz="2400" dirty="0"/>
+              <a:t>{d}{#2}}}</a:t>
+            </a:r>
+          </a:p>
+          <a:p>
+            <a:endParaRPr lang="en-GB" sz="2400" dirty="0"/>
+          </a:p>
+          <a:p>
+            <a:r>
+              <a:rPr lang="en-GB" sz="2400" dirty="0">
+                <a:solidFill>
+                  <a:schemeClr val="tx2">
+                    <a:lumMod val="50000"/>
+                    <a:lumOff val="50000"/>
+                  </a:schemeClr>
+                </a:solidFill>
+              </a:rPr>
+              <a:t>\begin</a:t>
+            </a:r>
+            <a:r>
+              <a:rPr lang="en-GB" sz="2400" dirty="0"/>
+              <a:t>{document}</a:t>
+            </a:r>
+          </a:p>
+          <a:p>
+            <a:endParaRPr lang="en-GB" sz="2400" dirty="0"/>
+          </a:p>
+          <a:p>
+            <a:r>
+              <a:rPr lang="en-GB" sz="2400" dirty="0"/>
+              <a:t>A quick way to write </a:t>
+            </a:r>
+            <a:r>
+              <a:rPr lang="en-GB" sz="2400" dirty="0">
+                <a:solidFill>
+                  <a:schemeClr val="accent3">
+                    <a:lumMod val="60000"/>
+                    <a:lumOff val="40000"/>
+                  </a:schemeClr>
+                </a:solidFill>
+              </a:rPr>
+              <a:t>$</a:t>
+            </a:r>
+            <a:r>
+              <a:rPr lang="en-GB" sz="2400" dirty="0">
+                <a:solidFill>
+                  <a:schemeClr val="accent1">
+                    <a:lumMod val="60000"/>
+                    <a:lumOff val="40000"/>
+                  </a:schemeClr>
+                </a:solidFill>
+              </a:rPr>
+              <a:t>\diff</a:t>
+            </a:r>
+            <a:r>
+              <a:rPr lang="en-GB" sz="2400" dirty="0">
+                <a:solidFill>
+                  <a:schemeClr val="accent3">
+                    <a:lumMod val="60000"/>
+                    <a:lumOff val="40000"/>
+                  </a:schemeClr>
+                </a:solidFill>
+              </a:rPr>
+              <a:t>{y}{x}</a:t>
+            </a:r>
+            <a:r>
+              <a:rPr lang="en-GB" sz="2400" dirty="0"/>
+              <a:t>=</a:t>
+            </a:r>
+            <a:r>
+              <a:rPr lang="en-GB" sz="2400" dirty="0">
+                <a:solidFill>
+                  <a:schemeClr val="accent1">
+                    <a:lumMod val="60000"/>
+                    <a:lumOff val="40000"/>
+                  </a:schemeClr>
+                </a:solidFill>
+              </a:rPr>
+              <a:t>\</a:t>
+            </a:r>
+            <a:r>
+              <a:rPr lang="en-GB" sz="2400" dirty="0" err="1">
+                <a:solidFill>
+                  <a:schemeClr val="accent1">
+                    <a:lumMod val="60000"/>
+                    <a:lumOff val="40000"/>
+                  </a:schemeClr>
+                </a:solidFill>
+              </a:rPr>
+              <a:t>hardmaths</a:t>
+            </a:r>
+            <a:r>
+              <a:rPr lang="en-GB" sz="2400" dirty="0">
+                <a:solidFill>
+                  <a:schemeClr val="accent3">
+                    <a:lumMod val="60000"/>
+                    <a:lumOff val="40000"/>
+                  </a:schemeClr>
+                </a:solidFill>
+              </a:rPr>
+              <a:t>$</a:t>
+            </a:r>
+            <a:endParaRPr lang="en-US" altLang="en-US" sz="2400" dirty="0">
+              <a:solidFill>
+                <a:schemeClr val="accent3">
+                  <a:lumMod val="60000"/>
+                  <a:lumOff val="40000"/>
+                </a:schemeClr>
+              </a:solidFill>
+            </a:endParaRPr>
+          </a:p>
+        </p:txBody>
+      </p:sp>
+      <p:pic>
+        <p:nvPicPr>
+          <p:cNvPr id="13" name="Picture 12">
+            <a:extLst>
+              <a:ext uri="{FF2B5EF4-FFF2-40B4-BE49-F238E27FC236}">
+                <a16:creationId xmlns:a16="http://schemas.microsoft.com/office/drawing/2014/main" id="{8A08522B-9567-425D-856D-8B35D8CEF722}"/>
+              </a:ext>
+            </a:extLst>
+          </p:cNvPr>
+          <p:cNvPicPr>
+            <a:picLocks noChangeAspect="1"/>
+          </p:cNvPicPr>
+          <p:nvPr/>
+        </p:nvPicPr>
+        <p:blipFill>
+          <a:blip r:embed="rId3"/>
+          <a:stretch>
+            <a:fillRect/>
+          </a:stretch>
+        </p:blipFill>
+        <p:spPr>
+          <a:xfrm>
+            <a:off x="4809198" y="3599955"/>
+            <a:ext cx="3955441" cy="537864"/>
+          </a:xfrm>
+          <a:prstGeom prst="rect">
+            <a:avLst/>
+          </a:prstGeom>
+        </p:spPr>
+      </p:pic>
+      <p:sp>
+        <p:nvSpPr>
+          <p:cNvPr id="6" name="TextBox 5">
+            <a:extLst>
+              <a:ext uri="{FF2B5EF4-FFF2-40B4-BE49-F238E27FC236}">
+                <a16:creationId xmlns:a16="http://schemas.microsoft.com/office/drawing/2014/main" id="{60A5A0E4-D0CF-4B28-8E87-60A3B3E341C1}"/>
+              </a:ext>
+            </a:extLst>
+          </p:cNvPr>
+          <p:cNvSpPr txBox="1"/>
+          <p:nvPr/>
+        </p:nvSpPr>
+        <p:spPr>
+          <a:xfrm>
+            <a:off x="7357241" y="6498021"/>
+            <a:ext cx="1697422" cy="369332"/>
+          </a:xfrm>
+          <a:prstGeom prst="rect">
+            <a:avLst/>
+          </a:prstGeom>
+          <a:noFill/>
+        </p:spPr>
+        <p:txBody>
+          <a:bodyPr wrap="square" rtlCol="0">
+            <a:spAutoFit/>
+          </a:bodyPr>
+          <a:lstStyle/>
+          <a:p>
+            <a:r>
+              <a:rPr lang="en-GB" dirty="0">
+                <a:solidFill>
+                  <a:schemeClr val="accent2"/>
+                </a:solidFill>
+              </a:rPr>
+              <a:t>Problem Sheet</a:t>
+            </a:r>
+          </a:p>
+        </p:txBody>
+      </p:sp>
+    </p:spTree>
+    <p:extLst>
+      <p:ext uri="{BB962C8B-B14F-4D97-AF65-F5344CB8AC3E}">
+        <p14:creationId xmlns:p14="http://schemas.microsoft.com/office/powerpoint/2010/main" val="1666026033"/>
+      </p:ext>
+    </p:extLst>
+  </p:cSld>
+  <p:clrMapOvr>
+    <a:masterClrMapping/>
+  </p:clrMapOvr>
+  <mc:AlternateContent xmlns:mc="http://schemas.openxmlformats.org/markup-compatibility/2006" xmlns:p14="http://schemas.microsoft.com/office/powerpoint/2010/main">
+    <mc:Choice Requires="p14">
+      <p:transition p14:dur="10"/>
+    </mc:Choice>
+    <mc:Fallback xmlns="">
+      <p:transition/>
+    </mc:Fallback>
+  </mc:AlternateContent>
+</p:sld>
+</file>
+
 <file path=ppt/slides/slide29.xml><?xml version="1.0" encoding="utf-8"?>
 <p:sld xmlns:a="http://schemas.openxmlformats.org/drawingml/2006/main" xmlns:r="http://schemas.openxmlformats.org/officeDocument/2006/relationships" xmlns:p="http://schemas.openxmlformats.org/presentationml/2006/main">
   <p:cSld>
@@ -16306,7 +16163,7 @@
           <a:p>
             <a:r>
               <a:rPr lang="en-GB" sz="4000" dirty="0"/>
-              <a:t>Graphics Path</a:t>
+              <a:t>Bibliography Management</a:t>
             </a:r>
           </a:p>
         </p:txBody>
@@ -16339,124 +16196,40 @@
           <a:p>
             <a:r>
               <a:rPr lang="en-GB" sz="2800" dirty="0"/>
-              <a:t>You can set where LaTeX should look for the graphics to be used in your document</a:t>
+              <a:t>You will likely have a large number of references in your thesis</a:t>
             </a:r>
           </a:p>
           <a:p>
             <a:r>
               <a:rPr lang="en-GB" sz="2800" dirty="0"/>
-              <a:t>Useful for separating figures for different chapters and the .</a:t>
+              <a:t>There are many ways to include references and citations in LaTeX</a:t>
+            </a:r>
+          </a:p>
+          <a:p>
+            <a:r>
+              <a:rPr lang="en-GB" sz="2800" dirty="0"/>
+              <a:t>Many reference management programs allow the exporting of </a:t>
             </a:r>
             <a:r>
               <a:rPr lang="en-GB" sz="2800" dirty="0" err="1"/>
-              <a:t>tex</a:t>
+              <a:t>bibliogrpahies</a:t>
             </a:r>
             <a:r>
               <a:rPr lang="en-GB" sz="2800" dirty="0"/>
-              <a:t> files</a:t>
-            </a:r>
-          </a:p>
-          <a:p>
-            <a:r>
-              <a:rPr lang="en-GB" sz="2800" dirty="0"/>
-              <a:t>The command </a:t>
-            </a:r>
-            <a:r>
-              <a:rPr lang="en-GB" sz="2800" dirty="0">
-                <a:solidFill>
-                  <a:schemeClr val="tx2">
-                    <a:lumMod val="50000"/>
-                    <a:lumOff val="50000"/>
-                  </a:schemeClr>
-                </a:solidFill>
-              </a:rPr>
-              <a:t>\</a:t>
-            </a:r>
-            <a:r>
-              <a:rPr lang="en-GB" sz="2800" dirty="0" err="1">
-                <a:solidFill>
-                  <a:schemeClr val="tx2">
-                    <a:lumMod val="50000"/>
-                    <a:lumOff val="50000"/>
-                  </a:schemeClr>
-                </a:solidFill>
-              </a:rPr>
-              <a:t>graphicspath</a:t>
-            </a:r>
-            <a:r>
-              <a:rPr lang="en-GB" sz="2800" dirty="0">
-                <a:solidFill>
-                  <a:schemeClr val="tx2">
-                    <a:lumMod val="50000"/>
-                    <a:lumOff val="50000"/>
-                  </a:schemeClr>
-                </a:solidFill>
-              </a:rPr>
-              <a:t> {{./FOLDER1/} {./FOLDER2/}} </a:t>
-            </a:r>
-            <a:r>
-              <a:rPr lang="en-GB" sz="2800" dirty="0"/>
-              <a:t>will tell LaTeX to look in the folders named “FOLDER1” and “FOLDER2” in the directory of the .</a:t>
-            </a:r>
-            <a:r>
-              <a:rPr lang="en-GB" sz="2800" dirty="0" err="1"/>
-              <a:t>tex</a:t>
-            </a:r>
-            <a:r>
-              <a:rPr lang="en-GB" sz="2800" dirty="0"/>
-              <a:t> file</a:t>
+              <a:t> in a .bib file</a:t>
             </a:r>
             <a:endParaRPr lang="en-GB" sz="2400" dirty="0"/>
           </a:p>
           <a:p>
             <a:pPr lvl="1"/>
             <a:endParaRPr lang="en-GB" sz="1600" dirty="0"/>
-          </a:p>
-        </p:txBody>
-      </p:sp>
-      <p:sp>
-        <p:nvSpPr>
-          <p:cNvPr id="4" name="TextBox 3">
-            <a:extLst>
-              <a:ext uri="{FF2B5EF4-FFF2-40B4-BE49-F238E27FC236}">
-                <a16:creationId xmlns:a16="http://schemas.microsoft.com/office/drawing/2014/main" id="{398C5D47-C6D2-45C0-8D24-2F32A438F365}"/>
-              </a:ext>
-            </a:extLst>
-          </p:cNvPr>
-          <p:cNvSpPr txBox="1"/>
-          <p:nvPr/>
-        </p:nvSpPr>
-        <p:spPr>
-          <a:xfrm>
-            <a:off x="7357241" y="6498021"/>
-            <a:ext cx="1697422" cy="369332"/>
-          </a:xfrm>
-          <a:prstGeom prst="rect">
-            <a:avLst/>
-          </a:prstGeom>
-          <a:noFill/>
-        </p:spPr>
-        <p:txBody>
-          <a:bodyPr wrap="square" rtlCol="0">
-            <a:spAutoFit/>
-          </a:bodyPr>
-          <a:lstStyle/>
-          <a:p>
-            <a:r>
-              <a:rPr lang="en-GB" dirty="0">
-                <a:solidFill>
-                  <a:schemeClr val="accent2"/>
-                </a:solidFill>
-              </a:rPr>
-              <a:t>Problem Sheet</a:t>
-            </a:r>
           </a:p>
         </p:txBody>
       </p:sp>
     </p:spTree>
     <p:extLst>
       <p:ext uri="{BB962C8B-B14F-4D97-AF65-F5344CB8AC3E}">
-        <p14:creationId xmlns:p14="http://schemas.microsoft.com/office/powerpoint/2010/main" val="358316703"/>
+        <p14:creationId xmlns:p14="http://schemas.microsoft.com/office/powerpoint/2010/main" val="594696012"/>
       </p:ext>
     </p:extLst>
   </p:cSld>
@@ -16646,7 +16419,7 @@
             </a:pPr>
             <a:r>
               <a:rPr lang="en-GB" sz="2400" dirty="0"/>
-              <a:t>Data stored online</a:t>
+              <a:t>Data stored online – patient records</a:t>
             </a:r>
           </a:p>
           <a:p>
@@ -16679,619 +16452,6 @@
 </file>
 
 <file path=ppt/slides/slide30.xml><?xml version="1.0" encoding="utf-8"?>
-<p:sld xmlns:a="http://schemas.openxmlformats.org/drawingml/2006/main" xmlns:r="http://schemas.openxmlformats.org/officeDocument/2006/relationships" xmlns:p="http://schemas.openxmlformats.org/presentationml/2006/main">
-  <p:cSld>
-    <p:spTree>
-      <p:nvGrpSpPr>
-        <p:cNvPr id="1" name=""/>
-        <p:cNvGrpSpPr/>
-        <p:nvPr/>
-      </p:nvGrpSpPr>
-      <p:grpSpPr>
-        <a:xfrm>
-          <a:off x="0" y="0"/>
-          <a:ext cx="0" cy="0"/>
-          <a:chOff x="0" y="0"/>
-          <a:chExt cx="0" cy="0"/>
-        </a:xfrm>
-      </p:grpSpPr>
-      <p:sp>
-        <p:nvSpPr>
-          <p:cNvPr id="2" name="Title 1"/>
-          <p:cNvSpPr>
-            <a:spLocks noGrp="1"/>
-          </p:cNvSpPr>
-          <p:nvPr>
-            <p:ph type="title"/>
-          </p:nvPr>
-        </p:nvSpPr>
-        <p:spPr/>
-        <p:txBody>
-          <a:bodyPr/>
-          <a:lstStyle/>
-          <a:p>
-            <a:r>
-              <a:rPr lang="en-GB" sz="4000" dirty="0"/>
-              <a:t>Custom Commands</a:t>
-            </a:r>
-          </a:p>
-        </p:txBody>
-      </p:sp>
-      <p:cxnSp>
-        <p:nvCxnSpPr>
-          <p:cNvPr id="12" name="Straight Connector 11"/>
-          <p:cNvCxnSpPr/>
-          <p:nvPr/>
-        </p:nvCxnSpPr>
-        <p:spPr>
-          <a:xfrm>
-            <a:off x="4572000" y="1417638"/>
-            <a:ext cx="0" cy="5440362"/>
-          </a:xfrm>
-          <a:prstGeom prst="line">
-            <a:avLst/>
-          </a:prstGeom>
-        </p:spPr>
-        <p:style>
-          <a:lnRef idx="2">
-            <a:schemeClr val="accent1"/>
-          </a:lnRef>
-          <a:fillRef idx="0">
-            <a:schemeClr val="accent1"/>
-          </a:fillRef>
-          <a:effectRef idx="1">
-            <a:schemeClr val="accent1"/>
-          </a:effectRef>
-          <a:fontRef idx="minor">
-            <a:schemeClr val="tx1"/>
-          </a:fontRef>
-        </p:style>
-      </p:cxnSp>
-      <p:sp>
-        <p:nvSpPr>
-          <p:cNvPr id="4" name="Rectangle 2"/>
-          <p:cNvSpPr>
-            <a:spLocks noChangeArrowheads="1"/>
-          </p:cNvSpPr>
-          <p:nvPr/>
-        </p:nvSpPr>
-        <p:spPr bwMode="auto">
-          <a:xfrm>
-            <a:off x="379360" y="1686591"/>
-            <a:ext cx="4166693" cy="4154984"/>
-          </a:xfrm>
-          <a:prstGeom prst="rect">
-            <a:avLst/>
-          </a:prstGeom>
-          <a:noFill/>
-          <a:ln>
-            <a:noFill/>
-          </a:ln>
-          <a:effectLst/>
-        </p:spPr>
-        <p:txBody>
-          <a:bodyPr vert="horz" wrap="square" lIns="91440" tIns="45720" rIns="91440" bIns="45720" numCol="1" anchor="ctr" anchorCtr="0" compatLnSpc="1">
-            <a:prstTxWarp prst="textNoShape">
-              <a:avLst/>
-            </a:prstTxWarp>
-            <a:spAutoFit/>
-          </a:bodyPr>
-          <a:lstStyle/>
-          <a:p>
-            <a:r>
-              <a:rPr lang="en-GB" sz="2400" dirty="0">
-                <a:solidFill>
-                  <a:schemeClr val="tx2">
-                    <a:lumMod val="50000"/>
-                    <a:lumOff val="50000"/>
-                  </a:schemeClr>
-                </a:solidFill>
-              </a:rPr>
-              <a:t>\</a:t>
-            </a:r>
-            <a:r>
-              <a:rPr lang="en-GB" sz="2400" dirty="0" err="1">
-                <a:solidFill>
-                  <a:schemeClr val="tx2">
-                    <a:lumMod val="50000"/>
-                    <a:lumOff val="50000"/>
-                  </a:schemeClr>
-                </a:solidFill>
-              </a:rPr>
-              <a:t>newcommand</a:t>
-            </a:r>
-            <a:r>
-              <a:rPr lang="en-GB" sz="2400" dirty="0"/>
-              <a:t>{</a:t>
-            </a:r>
-            <a:r>
-              <a:rPr lang="en-GB" sz="2400" dirty="0">
-                <a:solidFill>
-                  <a:schemeClr val="tx2">
-                    <a:lumMod val="50000"/>
-                    <a:lumOff val="50000"/>
-                  </a:schemeClr>
-                </a:solidFill>
-              </a:rPr>
-              <a:t>\</a:t>
-            </a:r>
-            <a:r>
-              <a:rPr lang="en-GB" sz="2400" dirty="0" err="1">
-                <a:solidFill>
-                  <a:schemeClr val="tx2">
-                    <a:lumMod val="50000"/>
-                    <a:lumOff val="50000"/>
-                  </a:schemeClr>
-                </a:solidFill>
-              </a:rPr>
-              <a:t>hardmaths</a:t>
-            </a:r>
-            <a:r>
-              <a:rPr lang="en-GB" sz="2400" dirty="0"/>
-              <a:t>} {</a:t>
-            </a:r>
-            <a:r>
-              <a:rPr lang="en-GB" sz="2400" dirty="0">
-                <a:solidFill>
-                  <a:schemeClr val="tx2">
-                    <a:lumMod val="50000"/>
-                    <a:lumOff val="50000"/>
-                  </a:schemeClr>
-                </a:solidFill>
-              </a:rPr>
-              <a:t>\frac</a:t>
-            </a:r>
-            <a:r>
-              <a:rPr lang="en-GB" sz="2400" dirty="0"/>
-              <a:t>{</a:t>
-            </a:r>
-            <a:r>
-              <a:rPr lang="en-GB" sz="2400" dirty="0">
-                <a:solidFill>
-                  <a:schemeClr val="tx2">
-                    <a:lumMod val="50000"/>
-                    <a:lumOff val="50000"/>
-                  </a:schemeClr>
-                </a:solidFill>
-              </a:rPr>
-              <a:t>\sin</a:t>
-            </a:r>
-            <a:r>
-              <a:rPr lang="en-GB" sz="2400" dirty="0"/>
-              <a:t>{(x\pi)}} {2</a:t>
-            </a:r>
-            <a:r>
-              <a:rPr lang="en-GB" sz="2400" dirty="0">
-                <a:solidFill>
-                  <a:schemeClr val="accent1">
-                    <a:lumMod val="60000"/>
-                    <a:lumOff val="40000"/>
-                  </a:schemeClr>
-                </a:solidFill>
-              </a:rPr>
-              <a:t>\alpha</a:t>
-            </a:r>
-            <a:r>
-              <a:rPr lang="en-GB" sz="2400" dirty="0"/>
-              <a:t>}}</a:t>
-            </a:r>
-          </a:p>
-          <a:p>
-            <a:endParaRPr lang="en-GB" sz="2400" dirty="0"/>
-          </a:p>
-          <a:p>
-            <a:r>
-              <a:rPr lang="en-GB" sz="2400" dirty="0">
-                <a:solidFill>
-                  <a:schemeClr val="tx2">
-                    <a:lumMod val="50000"/>
-                    <a:lumOff val="50000"/>
-                  </a:schemeClr>
-                </a:solidFill>
-              </a:rPr>
-              <a:t>\</a:t>
-            </a:r>
-            <a:r>
-              <a:rPr lang="en-GB" sz="2400" dirty="0" err="1">
-                <a:solidFill>
-                  <a:schemeClr val="tx2">
-                    <a:lumMod val="50000"/>
-                    <a:lumOff val="50000"/>
-                  </a:schemeClr>
-                </a:solidFill>
-              </a:rPr>
-              <a:t>newcommand</a:t>
-            </a:r>
-            <a:r>
-              <a:rPr lang="en-GB" sz="2400" dirty="0"/>
-              <a:t>{</a:t>
-            </a:r>
-            <a:r>
-              <a:rPr lang="en-GB" sz="2400" dirty="0">
-                <a:solidFill>
-                  <a:schemeClr val="tx2">
-                    <a:lumMod val="50000"/>
-                    <a:lumOff val="50000"/>
-                  </a:schemeClr>
-                </a:solidFill>
-              </a:rPr>
-              <a:t>\diff</a:t>
-            </a:r>
-            <a:r>
-              <a:rPr lang="en-GB" sz="2400" dirty="0"/>
-              <a:t>}[2]  {</a:t>
-            </a:r>
-            <a:r>
-              <a:rPr lang="en-GB" sz="2400" dirty="0">
-                <a:solidFill>
-                  <a:schemeClr val="tx2">
-                    <a:lumMod val="50000"/>
-                    <a:lumOff val="50000"/>
-                  </a:schemeClr>
-                </a:solidFill>
-              </a:rPr>
-              <a:t>\frac{\</a:t>
-            </a:r>
-            <a:r>
-              <a:rPr lang="en-GB" sz="2400" dirty="0" err="1">
-                <a:solidFill>
-                  <a:schemeClr val="tx2">
-                    <a:lumMod val="50000"/>
-                    <a:lumOff val="50000"/>
-                  </a:schemeClr>
-                </a:solidFill>
-              </a:rPr>
-              <a:t>textrm</a:t>
-            </a:r>
-            <a:r>
-              <a:rPr lang="en-GB" sz="2400" dirty="0"/>
-              <a:t>{d}{#1}} {</a:t>
-            </a:r>
-            <a:r>
-              <a:rPr lang="en-GB" sz="2400" dirty="0">
-                <a:solidFill>
-                  <a:schemeClr val="tx2">
-                    <a:lumMod val="50000"/>
-                    <a:lumOff val="50000"/>
-                  </a:schemeClr>
-                </a:solidFill>
-              </a:rPr>
-              <a:t>\</a:t>
-            </a:r>
-            <a:r>
-              <a:rPr lang="en-GB" sz="2400" dirty="0" err="1">
-                <a:solidFill>
-                  <a:schemeClr val="tx2">
-                    <a:lumMod val="50000"/>
-                    <a:lumOff val="50000"/>
-                  </a:schemeClr>
-                </a:solidFill>
-              </a:rPr>
-              <a:t>textrm</a:t>
-            </a:r>
-            <a:r>
-              <a:rPr lang="en-GB" sz="2400" dirty="0"/>
-              <a:t>{d}{#2}}}</a:t>
-            </a:r>
-          </a:p>
-          <a:p>
-            <a:endParaRPr lang="en-GB" sz="2400" dirty="0"/>
-          </a:p>
-          <a:p>
-            <a:r>
-              <a:rPr lang="en-GB" sz="2400" dirty="0">
-                <a:solidFill>
-                  <a:schemeClr val="tx2">
-                    <a:lumMod val="50000"/>
-                    <a:lumOff val="50000"/>
-                  </a:schemeClr>
-                </a:solidFill>
-              </a:rPr>
-              <a:t>\begin</a:t>
-            </a:r>
-            <a:r>
-              <a:rPr lang="en-GB" sz="2400" dirty="0"/>
-              <a:t>{document}</a:t>
-            </a:r>
-          </a:p>
-          <a:p>
-            <a:endParaRPr lang="en-GB" sz="2400" dirty="0"/>
-          </a:p>
-          <a:p>
-            <a:r>
-              <a:rPr lang="en-GB" sz="2400" dirty="0"/>
-              <a:t>A quick way to write </a:t>
-            </a:r>
-            <a:r>
-              <a:rPr lang="en-GB" sz="2400" dirty="0">
-                <a:solidFill>
-                  <a:schemeClr val="accent3">
-                    <a:lumMod val="60000"/>
-                    <a:lumOff val="40000"/>
-                  </a:schemeClr>
-                </a:solidFill>
-              </a:rPr>
-              <a:t>$</a:t>
-            </a:r>
-            <a:r>
-              <a:rPr lang="en-GB" sz="2400" dirty="0">
-                <a:solidFill>
-                  <a:schemeClr val="accent1">
-                    <a:lumMod val="60000"/>
-                    <a:lumOff val="40000"/>
-                  </a:schemeClr>
-                </a:solidFill>
-              </a:rPr>
-              <a:t>\diff</a:t>
-            </a:r>
-            <a:r>
-              <a:rPr lang="en-GB" sz="2400" dirty="0">
-                <a:solidFill>
-                  <a:schemeClr val="accent3">
-                    <a:lumMod val="60000"/>
-                    <a:lumOff val="40000"/>
-                  </a:schemeClr>
-                </a:solidFill>
-              </a:rPr>
-              <a:t>{y}{x}</a:t>
-            </a:r>
-            <a:r>
-              <a:rPr lang="en-GB" sz="2400" dirty="0"/>
-              <a:t>=</a:t>
-            </a:r>
-            <a:r>
-              <a:rPr lang="en-GB" sz="2400" dirty="0">
-                <a:solidFill>
-                  <a:schemeClr val="accent1">
-                    <a:lumMod val="60000"/>
-                    <a:lumOff val="40000"/>
-                  </a:schemeClr>
-                </a:solidFill>
-              </a:rPr>
-              <a:t>\</a:t>
-            </a:r>
-            <a:r>
-              <a:rPr lang="en-GB" sz="2400" dirty="0" err="1">
-                <a:solidFill>
-                  <a:schemeClr val="accent1">
-                    <a:lumMod val="60000"/>
-                    <a:lumOff val="40000"/>
-                  </a:schemeClr>
-                </a:solidFill>
-              </a:rPr>
-              <a:t>hardmaths</a:t>
-            </a:r>
-            <a:r>
-              <a:rPr lang="en-GB" sz="2400" dirty="0">
-                <a:solidFill>
-                  <a:schemeClr val="accent3">
-                    <a:lumMod val="60000"/>
-                    <a:lumOff val="40000"/>
-                  </a:schemeClr>
-                </a:solidFill>
-              </a:rPr>
-              <a:t>$</a:t>
-            </a:r>
-            <a:endParaRPr lang="en-US" altLang="en-US" sz="2400" dirty="0">
-              <a:solidFill>
-                <a:schemeClr val="accent3">
-                  <a:lumMod val="60000"/>
-                  <a:lumOff val="40000"/>
-                </a:schemeClr>
-              </a:solidFill>
-            </a:endParaRPr>
-          </a:p>
-        </p:txBody>
-      </p:sp>
-      <p:pic>
-        <p:nvPicPr>
-          <p:cNvPr id="13" name="Picture 12">
-            <a:extLst>
-              <a:ext uri="{FF2B5EF4-FFF2-40B4-BE49-F238E27FC236}">
-                <a16:creationId xmlns:a16="http://schemas.microsoft.com/office/drawing/2014/main" id="{8A08522B-9567-425D-856D-8B35D8CEF722}"/>
-              </a:ext>
-            </a:extLst>
-          </p:cNvPr>
-          <p:cNvPicPr>
-            <a:picLocks noChangeAspect="1"/>
-          </p:cNvPicPr>
-          <p:nvPr/>
-        </p:nvPicPr>
-        <p:blipFill>
-          <a:blip r:embed="rId3"/>
-          <a:stretch>
-            <a:fillRect/>
-          </a:stretch>
-        </p:blipFill>
-        <p:spPr>
-          <a:xfrm>
-            <a:off x="4809198" y="3599955"/>
-            <a:ext cx="3955441" cy="537864"/>
-          </a:xfrm>
-          <a:prstGeom prst="rect">
-            <a:avLst/>
-          </a:prstGeom>
-        </p:spPr>
-      </p:pic>
-      <p:sp>
-        <p:nvSpPr>
-          <p:cNvPr id="6" name="TextBox 5">
-            <a:extLst>
-              <a:ext uri="{FF2B5EF4-FFF2-40B4-BE49-F238E27FC236}">
-                <a16:creationId xmlns:a16="http://schemas.microsoft.com/office/drawing/2014/main" id="{60A5A0E4-D0CF-4B28-8E87-60A3B3E341C1}"/>
-              </a:ext>
-            </a:extLst>
-          </p:cNvPr>
-          <p:cNvSpPr txBox="1"/>
-          <p:nvPr/>
-        </p:nvSpPr>
-        <p:spPr>
-          <a:xfrm>
-            <a:off x="7357241" y="6498021"/>
-            <a:ext cx="1697422" cy="369332"/>
-          </a:xfrm>
-          <a:prstGeom prst="rect">
-            <a:avLst/>
-          </a:prstGeom>
-          <a:noFill/>
-        </p:spPr>
-        <p:txBody>
-          <a:bodyPr wrap="square" rtlCol="0">
-            <a:spAutoFit/>
-          </a:bodyPr>
-          <a:lstStyle/>
-          <a:p>
-            <a:r>
-              <a:rPr lang="en-GB" dirty="0">
-                <a:solidFill>
-                  <a:schemeClr val="accent2"/>
-                </a:solidFill>
-              </a:rPr>
-              <a:t>Problem Sheet</a:t>
-            </a:r>
-          </a:p>
-        </p:txBody>
-      </p:sp>
-    </p:spTree>
-    <p:extLst>
-      <p:ext uri="{BB962C8B-B14F-4D97-AF65-F5344CB8AC3E}">
-        <p14:creationId xmlns:p14="http://schemas.microsoft.com/office/powerpoint/2010/main" val="1666026033"/>
-      </p:ext>
-    </p:extLst>
-  </p:cSld>
-  <p:clrMapOvr>
-    <a:masterClrMapping/>
-  </p:clrMapOvr>
-  <mc:AlternateContent xmlns:mc="http://schemas.openxmlformats.org/markup-compatibility/2006" xmlns:p14="http://schemas.microsoft.com/office/powerpoint/2010/main">
-    <mc:Choice Requires="p14">
-      <p:transition p14:dur="10"/>
-    </mc:Choice>
-    <mc:Fallback xmlns="">
-      <p:transition/>
-    </mc:Fallback>
-  </mc:AlternateContent>
-</p:sld>
-</file>
-
-<file path=ppt/slides/slide31.xml><?xml version="1.0" encoding="utf-8"?>
-<p:sld xmlns:a="http://schemas.openxmlformats.org/drawingml/2006/main" xmlns:r="http://schemas.openxmlformats.org/officeDocument/2006/relationships" xmlns:p="http://schemas.openxmlformats.org/presentationml/2006/main">
-  <p:cSld>
-    <p:spTree>
-      <p:nvGrpSpPr>
-        <p:cNvPr id="1" name=""/>
-        <p:cNvGrpSpPr/>
-        <p:nvPr/>
-      </p:nvGrpSpPr>
-      <p:grpSpPr>
-        <a:xfrm>
-          <a:off x="0" y="0"/>
-          <a:ext cx="0" cy="0"/>
-          <a:chOff x="0" y="0"/>
-          <a:chExt cx="0" cy="0"/>
-        </a:xfrm>
-      </p:grpSpPr>
-      <p:sp>
-        <p:nvSpPr>
-          <p:cNvPr id="2" name="Title 1"/>
-          <p:cNvSpPr>
-            <a:spLocks noGrp="1"/>
-          </p:cNvSpPr>
-          <p:nvPr>
-            <p:ph type="title"/>
-          </p:nvPr>
-        </p:nvSpPr>
-        <p:spPr/>
-        <p:txBody>
-          <a:bodyPr/>
-          <a:lstStyle/>
-          <a:p>
-            <a:r>
-              <a:rPr lang="en-GB" sz="4000" dirty="0"/>
-              <a:t>Bibliography Management</a:t>
-            </a:r>
-          </a:p>
-        </p:txBody>
-      </p:sp>
-      <p:sp>
-        <p:nvSpPr>
-          <p:cNvPr id="7" name="Content Placeholder 6">
-            <a:extLst>
-              <a:ext uri="{FF2B5EF4-FFF2-40B4-BE49-F238E27FC236}">
-                <a16:creationId xmlns:a16="http://schemas.microsoft.com/office/drawing/2014/main" id="{A4668B92-0976-4E36-A913-C47498FEE667}"/>
-              </a:ext>
-            </a:extLst>
-          </p:cNvPr>
-          <p:cNvSpPr>
-            <a:spLocks noGrp="1"/>
-          </p:cNvSpPr>
-          <p:nvPr>
-            <p:ph idx="1"/>
-          </p:nvPr>
-        </p:nvSpPr>
-        <p:spPr>
-          <a:xfrm>
-            <a:off x="457200" y="1417638"/>
-            <a:ext cx="8229600" cy="4525963"/>
-          </a:xfrm>
-        </p:spPr>
-        <p:txBody>
-          <a:bodyPr/>
-          <a:lstStyle/>
-          <a:p>
-            <a:r>
-              <a:rPr lang="en-GB" sz="2800" dirty="0"/>
-              <a:t>You will likely have a large number of references in your thesis</a:t>
-            </a:r>
-          </a:p>
-          <a:p>
-            <a:r>
-              <a:rPr lang="en-GB" sz="2800" dirty="0"/>
-              <a:t>There are many ways to include references and citations in LaTeX</a:t>
-            </a:r>
-          </a:p>
-          <a:p>
-            <a:r>
-              <a:rPr lang="en-GB" sz="2800" dirty="0"/>
-              <a:t>Many reference management programs allow the exporting of </a:t>
-            </a:r>
-            <a:r>
-              <a:rPr lang="en-GB" sz="2800" dirty="0" err="1"/>
-              <a:t>bibliogrpahies</a:t>
-            </a:r>
-            <a:r>
-              <a:rPr lang="en-GB" sz="2800" dirty="0"/>
-              <a:t> in a .bib file</a:t>
-            </a:r>
-            <a:endParaRPr lang="en-GB" sz="2400" dirty="0"/>
-          </a:p>
-          <a:p>
-            <a:pPr lvl="1"/>
-            <a:endParaRPr lang="en-GB" sz="1600" dirty="0"/>
-          </a:p>
-        </p:txBody>
-      </p:sp>
-    </p:spTree>
-    <p:extLst>
-      <p:ext uri="{BB962C8B-B14F-4D97-AF65-F5344CB8AC3E}">
-        <p14:creationId xmlns:p14="http://schemas.microsoft.com/office/powerpoint/2010/main" val="594696012"/>
-      </p:ext>
-    </p:extLst>
-  </p:cSld>
-  <p:clrMapOvr>
-    <a:masterClrMapping/>
-  </p:clrMapOvr>
-  <mc:AlternateContent xmlns:mc="http://schemas.openxmlformats.org/markup-compatibility/2006" xmlns:p14="http://schemas.microsoft.com/office/powerpoint/2010/main">
-    <mc:Choice Requires="p14">
-      <p:transition p14:dur="10"/>
-    </mc:Choice>
-    <mc:Fallback xmlns="">
-      <p:transition/>
-    </mc:Fallback>
-  </mc:AlternateContent>
-</p:sld>
-</file>
-
-<file path=ppt/slides/slide32.xml><?xml version="1.0" encoding="utf-8"?>
 <p:sld xmlns:a="http://schemas.openxmlformats.org/drawingml/2006/main" xmlns:r="http://schemas.openxmlformats.org/officeDocument/2006/relationships" xmlns:p="http://schemas.openxmlformats.org/presentationml/2006/main">
   <p:cSld>
     <p:spTree>
@@ -17761,7 +16921,7 @@
 </p:sld>
 </file>
 
-<file path=ppt/slides/slide33.xml><?xml version="1.0" encoding="utf-8"?>
+<file path=ppt/slides/slide31.xml><?xml version="1.0" encoding="utf-8"?>
 <p:sld xmlns:a="http://schemas.openxmlformats.org/drawingml/2006/main" xmlns:r="http://schemas.openxmlformats.org/officeDocument/2006/relationships" xmlns:p="http://schemas.openxmlformats.org/presentationml/2006/main">
   <p:cSld>
     <p:spTree>
@@ -18213,7 +17373,7 @@
 </p:sld>
 </file>
 
-<file path=ppt/slides/slide34.xml><?xml version="1.0" encoding="utf-8"?>
+<file path=ppt/slides/slide32.xml><?xml version="1.0" encoding="utf-8"?>
 <p:sld xmlns:a="http://schemas.openxmlformats.org/drawingml/2006/main" xmlns:r="http://schemas.openxmlformats.org/officeDocument/2006/relationships" xmlns:p="http://schemas.openxmlformats.org/presentationml/2006/main">
   <p:cSld>
     <p:spTree>
@@ -18678,7 +17838,7 @@
 </p:sld>
 </file>
 
-<file path=ppt/slides/slide35.xml><?xml version="1.0" encoding="utf-8"?>
+<file path=ppt/slides/slide33.xml><?xml version="1.0" encoding="utf-8"?>
 <p:sld xmlns:a="http://schemas.openxmlformats.org/drawingml/2006/main" xmlns:r="http://schemas.openxmlformats.org/officeDocument/2006/relationships" xmlns:p="http://schemas.openxmlformats.org/presentationml/2006/main">
   <p:cSld>
     <p:spTree>
@@ -18984,7 +18144,7 @@
 </p:sld>
 </file>
 
-<file path=ppt/slides/slide36.xml><?xml version="1.0" encoding="utf-8"?>
+<file path=ppt/slides/slide34.xml><?xml version="1.0" encoding="utf-8"?>
 <p:sld xmlns:a="http://schemas.openxmlformats.org/drawingml/2006/main" xmlns:r="http://schemas.openxmlformats.org/officeDocument/2006/relationships" xmlns:p="http://schemas.openxmlformats.org/presentationml/2006/main">
   <p:cSld>
     <p:spTree>
@@ -19262,7 +18422,7 @@
 </p:sld>
 </file>
 
-<file path=ppt/slides/slide37.xml><?xml version="1.0" encoding="utf-8"?>
+<file path=ppt/slides/slide35.xml><?xml version="1.0" encoding="utf-8"?>
 <p:sld xmlns:a="http://schemas.openxmlformats.org/drawingml/2006/main" xmlns:r="http://schemas.openxmlformats.org/officeDocument/2006/relationships" xmlns:p="http://schemas.openxmlformats.org/presentationml/2006/main">
   <p:cSld>
     <p:spTree>
@@ -19740,7 +18900,7 @@
 </p:sld>
 </file>
 
-<file path=ppt/slides/slide38.xml><?xml version="1.0" encoding="utf-8"?>
+<file path=ppt/slides/slide36.xml><?xml version="1.0" encoding="utf-8"?>
 <p:sld xmlns:a="http://schemas.openxmlformats.org/drawingml/2006/main" xmlns:r="http://schemas.openxmlformats.org/officeDocument/2006/relationships" xmlns:p="http://schemas.openxmlformats.org/presentationml/2006/main">
   <p:cSld>
     <p:spTree>
@@ -20222,7 +19382,7 @@
 </p:sld>
 </file>
 
-<file path=ppt/slides/slide39.xml><?xml version="1.0" encoding="utf-8"?>
+<file path=ppt/slides/slide37.xml><?xml version="1.0" encoding="utf-8"?>
 <p:sld xmlns:a="http://schemas.openxmlformats.org/drawingml/2006/main" xmlns:r="http://schemas.openxmlformats.org/officeDocument/2006/relationships" xmlns:p="http://schemas.openxmlformats.org/presentationml/2006/main">
   <p:cSld>
     <p:spTree>
@@ -20438,6 +19598,143 @@
 </p:sld>
 </file>
 
+<file path=ppt/slides/slide38.xml><?xml version="1.0" encoding="utf-8"?>
+<p:sld xmlns:a="http://schemas.openxmlformats.org/drawingml/2006/main" xmlns:r="http://schemas.openxmlformats.org/officeDocument/2006/relationships" xmlns:p="http://schemas.openxmlformats.org/presentationml/2006/main">
+  <p:cSld>
+    <p:spTree>
+      <p:nvGrpSpPr>
+        <p:cNvPr id="1" name=""/>
+        <p:cNvGrpSpPr/>
+        <p:nvPr/>
+      </p:nvGrpSpPr>
+      <p:grpSpPr>
+        <a:xfrm>
+          <a:off x="0" y="0"/>
+          <a:ext cx="0" cy="0"/>
+          <a:chOff x="0" y="0"/>
+          <a:chExt cx="0" cy="0"/>
+        </a:xfrm>
+      </p:grpSpPr>
+      <p:sp>
+        <p:nvSpPr>
+          <p:cNvPr id="3074" name="Rectangle 2"/>
+          <p:cNvSpPr>
+            <a:spLocks noGrp="1" noChangeArrowheads="1"/>
+          </p:cNvSpPr>
+          <p:nvPr>
+            <p:ph type="title"/>
+          </p:nvPr>
+        </p:nvSpPr>
+        <p:spPr>
+          <a:xfrm>
+            <a:off x="401319" y="1270635"/>
+            <a:ext cx="6981613" cy="1567815"/>
+          </a:xfrm>
+        </p:spPr>
+        <p:txBody>
+          <a:bodyPr>
+            <a:noAutofit/>
+          </a:bodyPr>
+          <a:lstStyle/>
+          <a:p>
+            <a:pPr marL="0" indent="0"/>
+            <a:r>
+              <a:rPr lang="en-GB" sz="4000" b="1" dirty="0"/>
+              <a:t>Writing Theses in </a:t>
+            </a:r>
+            <a:r>
+              <a:rPr lang="en-GB" sz="4000" b="1" dirty="0" err="1"/>
+              <a:t>LaTeX</a:t>
+            </a:r>
+            <a:endParaRPr lang="en-GB" sz="4000" b="1" dirty="0"/>
+          </a:p>
+        </p:txBody>
+      </p:sp>
+      <p:sp>
+        <p:nvSpPr>
+          <p:cNvPr id="3" name="Subtitle 2"/>
+          <p:cNvSpPr>
+            <a:spLocks noGrp="1"/>
+          </p:cNvSpPr>
+          <p:nvPr>
+            <p:ph type="subTitle" idx="1"/>
+          </p:nvPr>
+        </p:nvSpPr>
+        <p:spPr>
+          <a:xfrm>
+            <a:off x="401319" y="3194756"/>
+            <a:ext cx="8341362" cy="383822"/>
+          </a:xfrm>
+        </p:spPr>
+        <p:txBody>
+          <a:bodyPr/>
+          <a:lstStyle/>
+          <a:p>
+            <a:r>
+              <a:rPr lang="en-GB" sz="1400" dirty="0"/>
+              <a:t>Distributed under </a:t>
+            </a:r>
+            <a:r>
+              <a:rPr lang="en-GB" sz="1400" dirty="0">
+                <a:hlinkClick r:id="rId3"/>
+              </a:rPr>
+              <a:t>Creative Commons Attribution-</a:t>
+            </a:r>
+            <a:r>
+              <a:rPr lang="en-GB" sz="1400" dirty="0" err="1">
+                <a:hlinkClick r:id="rId3"/>
+              </a:rPr>
+              <a:t>NonCommercial</a:t>
+            </a:r>
+            <a:r>
+              <a:rPr lang="en-GB" sz="1400" dirty="0">
+                <a:hlinkClick r:id="rId3"/>
+              </a:rPr>
+              <a:t>-</a:t>
+            </a:r>
+            <a:r>
+              <a:rPr lang="en-GB" sz="1400" dirty="0" err="1">
+                <a:hlinkClick r:id="rId3"/>
+              </a:rPr>
+              <a:t>ShareAlike</a:t>
+            </a:r>
+            <a:r>
+              <a:rPr lang="en-GB" sz="1400" dirty="0">
+                <a:hlinkClick r:id="rId3"/>
+              </a:rPr>
+              <a:t> 4.0 International</a:t>
+            </a:r>
+            <a:endParaRPr lang="en-GB" sz="1400" dirty="0"/>
+          </a:p>
+          <a:p>
+            <a:r>
+              <a:rPr lang="en-GB" sz="2400" dirty="0"/>
+              <a:t> </a:t>
+            </a:r>
+          </a:p>
+        </p:txBody>
+      </p:sp>
+    </p:spTree>
+    <p:extLst>
+      <p:ext uri="{BB962C8B-B14F-4D97-AF65-F5344CB8AC3E}">
+        <p14:creationId xmlns:p14="http://schemas.microsoft.com/office/powerpoint/2010/main" val="3649744382"/>
+      </p:ext>
+    </p:extLst>
+  </p:cSld>
+  <p:clrMapOvr>
+    <a:masterClrMapping/>
+  </p:clrMapOvr>
+  <mc:AlternateContent xmlns:mc="http://schemas.openxmlformats.org/markup-compatibility/2006" xmlns:p14="http://schemas.microsoft.com/office/powerpoint/2010/main">
+    <mc:Choice Requires="p14">
+      <p:transition p14:dur="10"/>
+    </mc:Choice>
+    <mc:Fallback xmlns="">
+      <p:transition/>
+    </mc:Fallback>
+  </mc:AlternateContent>
+</p:sld>
+</file>
+
 <file path=ppt/slides/slide4.xml><?xml version="1.0" encoding="utf-8"?>
 <p:sld xmlns:a="http://schemas.openxmlformats.org/drawingml/2006/main" xmlns:r="http://schemas.openxmlformats.org/officeDocument/2006/relationships" xmlns:p="http://schemas.openxmlformats.org/presentationml/2006/main">
   <p:cSld>
@@ -20619,267 +19916,6 @@
     <p:extLst>
       <p:ext uri="{BB962C8B-B14F-4D97-AF65-F5344CB8AC3E}">
         <p14:creationId xmlns:p14="http://schemas.microsoft.com/office/powerpoint/2010/main" val="764725023"/>
-      </p:ext>
-    </p:extLst>
-  </p:cSld>
-  <p:clrMapOvr>
-    <a:masterClrMapping/>
-  </p:clrMapOvr>
-  <mc:AlternateContent xmlns:mc="http://schemas.openxmlformats.org/markup-compatibility/2006" xmlns:p14="http://schemas.microsoft.com/office/powerpoint/2010/main">
-    <mc:Choice Requires="p14">
-      <p:transition p14:dur="10"/>
-    </mc:Choice>
-    <mc:Fallback xmlns="">
-      <p:transition/>
-    </mc:Fallback>
-  </mc:AlternateContent>
-</p:sld>
-</file>
-
-<file path=ppt/slides/slide40.xml><?xml version="1.0" encoding="utf-8"?>
-<p:sld xmlns:a="http://schemas.openxmlformats.org/drawingml/2006/main" xmlns:r="http://schemas.openxmlformats.org/officeDocument/2006/relationships" xmlns:p="http://schemas.openxmlformats.org/presentationml/2006/main">
-  <p:cSld>
-    <p:spTree>
-      <p:nvGrpSpPr>
-        <p:cNvPr id="1" name=""/>
-        <p:cNvGrpSpPr/>
-        <p:nvPr/>
-      </p:nvGrpSpPr>
-      <p:grpSpPr>
-        <a:xfrm>
-          <a:off x="0" y="0"/>
-          <a:ext cx="0" cy="0"/>
-          <a:chOff x="0" y="0"/>
-          <a:chExt cx="0" cy="0"/>
-        </a:xfrm>
-      </p:grpSpPr>
-      <p:sp>
-        <p:nvSpPr>
-          <p:cNvPr id="2" name="Title 1"/>
-          <p:cNvSpPr>
-            <a:spLocks noGrp="1"/>
-          </p:cNvSpPr>
-          <p:nvPr>
-            <p:ph type="title"/>
-          </p:nvPr>
-        </p:nvSpPr>
-        <p:spPr/>
-        <p:txBody>
-          <a:bodyPr/>
-          <a:lstStyle/>
-          <a:p>
-            <a:r>
-              <a:rPr lang="en-GB" sz="4000" dirty="0"/>
-              <a:t>Feedback</a:t>
-            </a:r>
-          </a:p>
-        </p:txBody>
-      </p:sp>
-      <p:sp>
-        <p:nvSpPr>
-          <p:cNvPr id="3" name="Content Placeholder 2"/>
-          <p:cNvSpPr>
-            <a:spLocks noGrp="1"/>
-          </p:cNvSpPr>
-          <p:nvPr>
-            <p:ph idx="1"/>
-          </p:nvPr>
-        </p:nvSpPr>
-        <p:spPr>
-          <a:xfrm>
-            <a:off x="457200" y="1600200"/>
-            <a:ext cx="8435280" cy="4876800"/>
-          </a:xfrm>
-        </p:spPr>
-        <p:txBody>
-          <a:bodyPr>
-            <a:normAutofit/>
-          </a:bodyPr>
-          <a:lstStyle/>
-          <a:p>
-            <a:r>
-              <a:rPr lang="en-GB" sz="3000" dirty="0"/>
-              <a:t>Once you’ve completed this course, please provide feedback</a:t>
-            </a:r>
-          </a:p>
-          <a:p>
-            <a:pPr lvl="1"/>
-            <a:r>
-              <a:rPr lang="en-GB" sz="2600" dirty="0"/>
-              <a:t>The link is </a:t>
-            </a:r>
-            <a:r>
-              <a:rPr lang="en-GB" sz="2600" b="0" i="0" u="sng" dirty="0">
-                <a:solidFill>
-                  <a:srgbClr val="954F72"/>
-                </a:solidFill>
-                <a:effectLst/>
-                <a:hlinkClick r:id="rId3"/>
-              </a:rPr>
-              <a:t>http://bit.ly/rcds2021</a:t>
-            </a:r>
-            <a:endParaRPr lang="en-GB" sz="2600" dirty="0"/>
-          </a:p>
-          <a:p>
-            <a:pPr lvl="1"/>
-            <a:r>
-              <a:rPr lang="en-GB" sz="2600" dirty="0"/>
-              <a:t>You should also have received an email with this link</a:t>
-            </a:r>
-          </a:p>
-          <a:p>
-            <a:pPr lvl="1"/>
-            <a:r>
-              <a:rPr lang="en-GB" sz="2600" dirty="0"/>
-              <a:t>This helps us improve the class for future students</a:t>
-            </a:r>
-          </a:p>
-          <a:p>
-            <a:endParaRPr lang="en-GB" sz="3000" dirty="0"/>
-          </a:p>
-        </p:txBody>
-      </p:sp>
-    </p:spTree>
-    <p:extLst>
-      <p:ext uri="{BB962C8B-B14F-4D97-AF65-F5344CB8AC3E}">
-        <p14:creationId xmlns:p14="http://schemas.microsoft.com/office/powerpoint/2010/main" val="2122788927"/>
-      </p:ext>
-    </p:extLst>
-  </p:cSld>
-  <p:clrMapOvr>
-    <a:masterClrMapping/>
-  </p:clrMapOvr>
-  <mc:AlternateContent xmlns:mc="http://schemas.openxmlformats.org/markup-compatibility/2006" xmlns:p14="http://schemas.microsoft.com/office/powerpoint/2010/main">
-    <mc:Choice Requires="p14">
-      <p:transition p14:dur="10"/>
-    </mc:Choice>
-    <mc:Fallback xmlns="">
-      <p:transition/>
-    </mc:Fallback>
-  </mc:AlternateContent>
-</p:sld>
-</file>
-
-<file path=ppt/slides/slide41.xml><?xml version="1.0" encoding="utf-8"?>
-<p:sld xmlns:a="http://schemas.openxmlformats.org/drawingml/2006/main" xmlns:r="http://schemas.openxmlformats.org/officeDocument/2006/relationships" xmlns:p="http://schemas.openxmlformats.org/presentationml/2006/main">
-  <p:cSld>
-    <p:spTree>
-      <p:nvGrpSpPr>
-        <p:cNvPr id="1" name=""/>
-        <p:cNvGrpSpPr/>
-        <p:nvPr/>
-      </p:nvGrpSpPr>
-      <p:grpSpPr>
-        <a:xfrm>
-          <a:off x="0" y="0"/>
-          <a:ext cx="0" cy="0"/>
-          <a:chOff x="0" y="0"/>
-          <a:chExt cx="0" cy="0"/>
-        </a:xfrm>
-      </p:grpSpPr>
-      <p:sp>
-        <p:nvSpPr>
-          <p:cNvPr id="3074" name="Rectangle 2"/>
-          <p:cNvSpPr>
-            <a:spLocks noGrp="1" noChangeArrowheads="1"/>
-          </p:cNvSpPr>
-          <p:nvPr>
-            <p:ph type="title"/>
-          </p:nvPr>
-        </p:nvSpPr>
-        <p:spPr>
-          <a:xfrm>
-            <a:off x="401319" y="1270635"/>
-            <a:ext cx="6981613" cy="1567815"/>
-          </a:xfrm>
-        </p:spPr>
-        <p:txBody>
-          <a:bodyPr>
-            <a:noAutofit/>
-          </a:bodyPr>
-          <a:lstStyle/>
-          <a:p>
-            <a:pPr marL="0" indent="0"/>
-            <a:r>
-              <a:rPr lang="en-GB" sz="4000" b="1" dirty="0"/>
-              <a:t>Writing Theses in </a:t>
-            </a:r>
-            <a:r>
-              <a:rPr lang="en-GB" sz="4000" b="1" dirty="0" err="1"/>
-              <a:t>LaTeX</a:t>
-            </a:r>
-            <a:endParaRPr lang="en-GB" sz="4000" b="1" dirty="0"/>
-          </a:p>
-        </p:txBody>
-      </p:sp>
-      <p:sp>
-        <p:nvSpPr>
-          <p:cNvPr id="3" name="Subtitle 2"/>
-          <p:cNvSpPr>
-            <a:spLocks noGrp="1"/>
-          </p:cNvSpPr>
-          <p:nvPr>
-            <p:ph type="subTitle" idx="1"/>
-          </p:nvPr>
-        </p:nvSpPr>
-        <p:spPr>
-          <a:xfrm>
-            <a:off x="401319" y="3194756"/>
-            <a:ext cx="8341362" cy="383822"/>
-          </a:xfrm>
-        </p:spPr>
-        <p:txBody>
-          <a:bodyPr/>
-          <a:lstStyle/>
-          <a:p>
-            <a:r>
-              <a:rPr lang="en-GB" sz="1400" dirty="0"/>
-              <a:t>Distributed under </a:t>
-            </a:r>
-            <a:r>
-              <a:rPr lang="en-GB" sz="1400" dirty="0">
-                <a:hlinkClick r:id="rId3"/>
-              </a:rPr>
-              <a:t>Creative Commons Attribution-</a:t>
-            </a:r>
-            <a:r>
-              <a:rPr lang="en-GB" sz="1400" dirty="0" err="1">
-                <a:hlinkClick r:id="rId3"/>
-              </a:rPr>
-              <a:t>NonCommercial</a:t>
-            </a:r>
-            <a:r>
-              <a:rPr lang="en-GB" sz="1400" dirty="0">
-                <a:hlinkClick r:id="rId3"/>
-              </a:rPr>
-              <a:t>-</a:t>
-            </a:r>
-            <a:r>
-              <a:rPr lang="en-GB" sz="1400" dirty="0" err="1">
-                <a:hlinkClick r:id="rId3"/>
-              </a:rPr>
-              <a:t>ShareAlike</a:t>
-            </a:r>
-            <a:r>
-              <a:rPr lang="en-GB" sz="1400" dirty="0">
-                <a:hlinkClick r:id="rId3"/>
-              </a:rPr>
-              <a:t> 4.0 International</a:t>
-            </a:r>
-            <a:endParaRPr lang="en-GB" sz="1400" dirty="0"/>
-          </a:p>
-          <a:p>
-            <a:r>
-              <a:rPr lang="en-GB" sz="2400" dirty="0"/>
-              <a:t> </a:t>
-            </a:r>
-          </a:p>
-        </p:txBody>
-      </p:sp>
-    </p:spTree>
-    <p:extLst>
-      <p:ext uri="{BB962C8B-B14F-4D97-AF65-F5344CB8AC3E}">
-        <p14:creationId xmlns:p14="http://schemas.microsoft.com/office/powerpoint/2010/main" val="3649744382"/>
       </p:ext>
     </p:extLst>
   </p:cSld>
@@ -20931,7 +19967,7 @@
           <a:p>
             <a:r>
               <a:rPr lang="en-GB" sz="4000" dirty="0"/>
-              <a:t>Imperial Thesis Requirements</a:t>
+              <a:t>Thesis Requirements</a:t>
             </a:r>
           </a:p>
         </p:txBody>
@@ -20967,12 +20003,9 @@
               </a:spcAft>
             </a:pPr>
             <a:r>
-              <a:rPr lang="en-GB" sz="2400" dirty="0">
-                <a:hlinkClick r:id="rId3"/>
-              </a:rPr>
-              <a:t>Theses for Imperial College Research Degrees Checklist</a:t>
-            </a:r>
-            <a:endParaRPr lang="en-GB" sz="2400" dirty="0"/>
+              <a:rPr lang="en-GB" sz="2400" dirty="0"/>
+              <a:t>Library Theses Office guidance included in repository</a:t>
+            </a:r>
           </a:p>
           <a:p>
             <a:pPr fontAlgn="base">
@@ -20984,12 +20017,9 @@
               </a:spcAft>
             </a:pPr>
             <a:r>
-              <a:rPr lang="en-GB" sz="2400" dirty="0">
-                <a:hlinkClick r:id="rId4"/>
-              </a:rPr>
-              <a:t>Academic Regulations</a:t>
-            </a:r>
-            <a:endParaRPr lang="en-GB" sz="2400" dirty="0"/>
+              <a:rPr lang="en-GB" sz="2400" dirty="0"/>
+              <a:t>Few restrictive requirements</a:t>
+            </a:r>
           </a:p>
           <a:p>
             <a:pPr fontAlgn="base">
@@ -21002,7 +20032,21 @@
             </a:pPr>
             <a:r>
               <a:rPr lang="en-GB" sz="2400" dirty="0"/>
-              <a:t>Written in English</a:t>
+              <a:t>Not longer than 100,000 words (excluding bibliography and appendices)</a:t>
+            </a:r>
+          </a:p>
+          <a:p>
+            <a:pPr lvl="1" fontAlgn="base">
+              <a:spcBef>
+                <a:spcPts val="600"/>
+              </a:spcBef>
+              <a:spcAft>
+                <a:spcPts val="600"/>
+              </a:spcAft>
+            </a:pPr>
+            <a:r>
+              <a:rPr lang="en-GB" sz="2000" dirty="0"/>
+              <a:t>Can check in “Menu” of Overleaf</a:t>
             </a:r>
           </a:p>
           <a:p>
@@ -21015,8 +20059,14 @@
               </a:spcAft>
             </a:pPr>
             <a:r>
+              <a:rPr lang="en-GB" sz="2400" dirty="0">
+                <a:hlinkClick r:id="rId3"/>
+              </a:rPr>
+              <a:t>Good Viva </a:t>
+            </a:r>
+            <a:r>
               <a:rPr lang="en-GB" sz="2400" dirty="0"/>
-              <a:t>Not longer than 100,000 words</a:t>
+              <a:t>video provided by ICR</a:t>
             </a:r>
           </a:p>
           <a:p>
@@ -21030,11 +20080,11 @@
             </a:pPr>
             <a:r>
               <a:rPr lang="en-GB" sz="2400" dirty="0"/>
-              <a:t>Cannot be copy-pasted papers</a:t>
-            </a:r>
-          </a:p>
-          <a:p>
-            <a:pPr fontAlgn="base">
+              <a:t>This course largely aims to give you guidance based on good practice</a:t>
+            </a:r>
+          </a:p>
+          <a:p>
+            <a:pPr lvl="1" fontAlgn="base">
               <a:spcBef>
                 <a:spcPts val="600"/>
               </a:spcBef>
@@ -21043,36 +20093,8 @@
               </a:spcAft>
             </a:pPr>
             <a:r>
-              <a:rPr lang="en-GB" sz="2400" dirty="0"/>
-              <a:t>Include full bibliography and references</a:t>
-            </a:r>
-          </a:p>
-          <a:p>
-            <a:pPr fontAlgn="base">
-              <a:spcBef>
-                <a:spcPts val="600"/>
-              </a:spcBef>
-              <a:spcAft>
-                <a:spcPts val="600"/>
-              </a:spcAft>
-            </a:pPr>
-            <a:r>
-              <a:rPr lang="en-GB" sz="2400" dirty="0"/>
-              <a:t>You will be examined on this by examiners in your viva</a:t>
-            </a:r>
-          </a:p>
-          <a:p>
-            <a:pPr fontAlgn="base">
-              <a:spcBef>
-                <a:spcPts val="600"/>
-              </a:spcBef>
-              <a:spcAft>
-                <a:spcPts val="600"/>
-              </a:spcAft>
-            </a:pPr>
-            <a:r>
-              <a:rPr lang="en-GB" sz="2400" dirty="0"/>
-              <a:t>“Any formatting information that is not explicitly outlined in these guidance notes is up to the judgement of the student, and reasonable solutions will be accepted.”</a:t>
+              <a:rPr lang="en-GB" sz="2000" dirty="0"/>
+              <a:t>Loosely based on Imperial’s thesis requirements</a:t>
             </a:r>
           </a:p>
         </p:txBody>
@@ -21149,13 +20171,13 @@
         </p:nvSpPr>
         <p:spPr>
           <a:xfrm>
-            <a:off x="457200" y="1600200"/>
-            <a:ext cx="8435280" cy="3875690"/>
+            <a:off x="457200" y="1600199"/>
+            <a:ext cx="8435280" cy="4588565"/>
           </a:xfrm>
         </p:spPr>
         <p:txBody>
           <a:bodyPr>
-            <a:normAutofit/>
+            <a:normAutofit lnSpcReduction="10000"/>
           </a:bodyPr>
           <a:lstStyle/>
           <a:p>
@@ -21197,7 +20219,21 @@
             </a:pPr>
             <a:r>
               <a:rPr lang="en-GB" sz="2400" dirty="0"/>
-              <a:t>All pages to be sequentially numbered in Arabic numerals including title page [Section 4.4 of Checklist]</a:t>
+              <a:t>LTO suggests using Arial size 12 font</a:t>
+            </a:r>
+          </a:p>
+          <a:p>
+            <a:pPr lvl="1" fontAlgn="base">
+              <a:spcBef>
+                <a:spcPts val="600"/>
+              </a:spcBef>
+              <a:spcAft>
+                <a:spcPts val="600"/>
+              </a:spcAft>
+            </a:pPr>
+            <a:r>
+              <a:rPr lang="en-GB" sz="2000" dirty="0"/>
+              <a:t>Arial not supported in LaTeX, but Helvetica provides a very similar font</a:t>
             </a:r>
           </a:p>
           <a:p>
@@ -21299,6 +20335,147 @@
             <a:r>
               <a:rPr lang="en-GB" sz="2400" dirty="0"/>
               <a:t>} </a:t>
+            </a:r>
+          </a:p>
+          <a:p>
+            <a:pPr marL="0" indent="0" fontAlgn="base">
+              <a:spcBef>
+                <a:spcPts val="600"/>
+              </a:spcBef>
+              <a:spcAft>
+                <a:spcPts val="600"/>
+              </a:spcAft>
+              <a:buNone/>
+            </a:pPr>
+            <a:r>
+              <a:rPr lang="en-GB" sz="2400" dirty="0">
+                <a:solidFill>
+                  <a:schemeClr val="tx2">
+                    <a:lumMod val="50000"/>
+                    <a:lumOff val="50000"/>
+                  </a:schemeClr>
+                </a:solidFill>
+              </a:rPr>
+              <a:t>\</a:t>
+            </a:r>
+            <a:r>
+              <a:rPr lang="en-GB" sz="2400" dirty="0" err="1">
+                <a:solidFill>
+                  <a:schemeClr val="tx2">
+                    <a:lumMod val="50000"/>
+                    <a:lumOff val="50000"/>
+                  </a:schemeClr>
+                </a:solidFill>
+              </a:rPr>
+              <a:t>usepackage</a:t>
+            </a:r>
+            <a:r>
+              <a:rPr lang="en-GB" sz="2400" dirty="0"/>
+              <a:t>{</a:t>
+            </a:r>
+            <a:r>
+              <a:rPr lang="en-GB" sz="2400" dirty="0" err="1">
+                <a:solidFill>
+                  <a:schemeClr val="tx2">
+                    <a:lumMod val="50000"/>
+                    <a:lumOff val="50000"/>
+                  </a:schemeClr>
+                </a:solidFill>
+              </a:rPr>
+              <a:t>helvet</a:t>
+            </a:r>
+            <a:r>
+              <a:rPr lang="en-GB" sz="2400" dirty="0"/>
+              <a:t>}</a:t>
+            </a:r>
+          </a:p>
+          <a:p>
+            <a:pPr marL="0" indent="0" fontAlgn="base">
+              <a:spcBef>
+                <a:spcPts val="600"/>
+              </a:spcBef>
+              <a:spcAft>
+                <a:spcPts val="600"/>
+              </a:spcAft>
+              <a:buNone/>
+            </a:pPr>
+            <a:r>
+              <a:rPr lang="en-GB" sz="2400" dirty="0">
+                <a:solidFill>
+                  <a:schemeClr val="tx2">
+                    <a:lumMod val="50000"/>
+                    <a:lumOff val="50000"/>
+                  </a:schemeClr>
+                </a:solidFill>
+              </a:rPr>
+              <a:t>\</a:t>
+            </a:r>
+            <a:r>
+              <a:rPr lang="en-GB" sz="2400" dirty="0" err="1">
+                <a:solidFill>
+                  <a:schemeClr val="tx2">
+                    <a:lumMod val="50000"/>
+                    <a:lumOff val="50000"/>
+                  </a:schemeClr>
+                </a:solidFill>
+              </a:rPr>
+              <a:t>renewcommand</a:t>
+            </a:r>
+            <a:r>
+              <a:rPr lang="en-GB" sz="2400" dirty="0"/>
+              <a:t>{</a:t>
+            </a:r>
+            <a:r>
+              <a:rPr lang="en-GB" sz="2400" dirty="0">
+                <a:solidFill>
+                  <a:schemeClr val="tx2">
+                    <a:lumMod val="50000"/>
+                    <a:lumOff val="50000"/>
+                  </a:schemeClr>
+                </a:solidFill>
+              </a:rPr>
+              <a:t>\</a:t>
+            </a:r>
+            <a:r>
+              <a:rPr lang="en-GB" sz="2400" dirty="0" err="1">
+                <a:solidFill>
+                  <a:schemeClr val="tx2">
+                    <a:lumMod val="50000"/>
+                    <a:lumOff val="50000"/>
+                  </a:schemeClr>
+                </a:solidFill>
+              </a:rPr>
+              <a:t>familydefault</a:t>
+            </a:r>
+            <a:r>
+              <a:rPr lang="en-GB" sz="2400" dirty="0"/>
+              <a:t>}{</a:t>
+            </a:r>
+            <a:r>
+              <a:rPr lang="en-GB" sz="2400" dirty="0">
+                <a:solidFill>
+                  <a:schemeClr val="tx2">
+                    <a:lumMod val="50000"/>
+                    <a:lumOff val="50000"/>
+                  </a:schemeClr>
+                </a:solidFill>
+              </a:rPr>
+              <a:t>\</a:t>
+            </a:r>
+            <a:r>
+              <a:rPr lang="en-GB" sz="2400" dirty="0" err="1">
+                <a:solidFill>
+                  <a:schemeClr val="tx2">
+                    <a:lumMod val="50000"/>
+                    <a:lumOff val="50000"/>
+                  </a:schemeClr>
+                </a:solidFill>
+              </a:rPr>
+              <a:t>sfdefault</a:t>
+            </a:r>
+            <a:r>
+              <a:rPr lang="en-GB" sz="2400" dirty="0"/>
+              <a:t>}</a:t>
             </a:r>
           </a:p>
         </p:txBody>
@@ -21395,7 +20572,7 @@
             </a:pPr>
             <a:r>
               <a:rPr lang="en-GB" sz="2400" dirty="0"/>
-              <a:t>Margins must be even on both sides [Checklist Section 4]</a:t>
+              <a:t>For binding services, margins must typically be at least 1cm (but check with whichever binding service you use)</a:t>
             </a:r>
           </a:p>
           <a:p>
@@ -21409,7 +20586,7 @@
             </a:pPr>
             <a:r>
               <a:rPr lang="en-GB" sz="2400" dirty="0"/>
-              <a:t>For binding services, margins must typically be at least 1cm</a:t>
+              <a:t>Often pages look nicer with a larger bottom margin</a:t>
             </a:r>
           </a:p>
           <a:p>
@@ -21536,6 +20713,36 @@
           <a:chExt cx="0" cy="0"/>
         </a:xfrm>
       </p:grpSpPr>
+      <p:pic>
+        <p:nvPicPr>
+          <p:cNvPr id="10" name="Picture 9">
+            <a:extLst>
+              <a:ext uri="{FF2B5EF4-FFF2-40B4-BE49-F238E27FC236}">
+                <a16:creationId xmlns:a16="http://schemas.microsoft.com/office/drawing/2014/main" id="{7EA1B5FB-280E-44CE-A03E-74EB3C8ABE9D}"/>
+              </a:ext>
+            </a:extLst>
+          </p:cNvPr>
+          <p:cNvPicPr>
+            <a:picLocks noChangeAspect="1"/>
+          </p:cNvPicPr>
+          <p:nvPr/>
+        </p:nvPicPr>
+        <p:blipFill>
+          <a:blip r:embed="rId3"/>
+          <a:stretch>
+            <a:fillRect/>
+          </a:stretch>
+        </p:blipFill>
+        <p:spPr>
+          <a:xfrm>
+            <a:off x="4986417" y="1205947"/>
+            <a:ext cx="4068246" cy="5661405"/>
+          </a:xfrm>
+          <a:prstGeom prst="rect">
+            <a:avLst/>
+          </a:prstGeom>
+        </p:spPr>
+      </p:pic>
       <p:sp>
         <p:nvSpPr>
           <p:cNvPr id="2" name="Title 1"/>
@@ -21576,7 +20783,7 @@
         </p:spPr>
         <p:txBody>
           <a:bodyPr>
-            <a:normAutofit/>
+            <a:normAutofit lnSpcReduction="10000"/>
           </a:bodyPr>
           <a:lstStyle/>
           <a:p>
@@ -21629,6 +20836,12 @@
             <a:pPr marL="0" indent="0">
               <a:buNone/>
             </a:pPr>
+            <a:endParaRPr lang="en-GB" sz="2400" dirty="0"/>
+          </a:p>
+          <a:p>
+            <a:pPr marL="0" indent="0">
+              <a:buNone/>
+            </a:pPr>
             <a:r>
               <a:rPr lang="en-GB" sz="2400" dirty="0">
                 <a:solidFill>
@@ -21663,7 +20876,7 @@
                   </a:schemeClr>
                 </a:solidFill>
               </a:rPr>
-              <a:t>margin=2cm</a:t>
+              <a:t>top=2cm, left= 2cm, right = 2cm, bottom=3cm</a:t>
             </a:r>
             <a:r>
               <a:rPr lang="en-GB" sz="2400" dirty="0"/>
@@ -21836,36 +21049,6 @@
           </a:fontRef>
         </p:style>
       </p:cxnSp>
-      <p:pic>
-        <p:nvPicPr>
-          <p:cNvPr id="7" name="Picture 6">
-            <a:extLst>
-              <a:ext uri="{FF2B5EF4-FFF2-40B4-BE49-F238E27FC236}">
-                <a16:creationId xmlns:a16="http://schemas.microsoft.com/office/drawing/2014/main" id="{F2559630-000F-4CDC-9204-C2E97FBBB037}"/>
-              </a:ext>
-            </a:extLst>
-          </p:cNvPr>
-          <p:cNvPicPr>
-            <a:picLocks noChangeAspect="1"/>
-          </p:cNvPicPr>
-          <p:nvPr/>
-        </p:nvPicPr>
-        <p:blipFill>
-          <a:blip r:embed="rId3"/>
-          <a:stretch>
-            <a:fillRect/>
-          </a:stretch>
-        </p:blipFill>
-        <p:spPr>
-          <a:xfrm>
-            <a:off x="4903058" y="1227082"/>
-            <a:ext cx="4021210" cy="5628290"/>
-          </a:xfrm>
-          <a:prstGeom prst="rect">
-            <a:avLst/>
-          </a:prstGeom>
-        </p:spPr>
-      </p:pic>
       <p:sp>
         <p:nvSpPr>
           <p:cNvPr id="6" name="TextBox 5">

--- a/Writing Theses in Latex Slides.pptx
+++ b/Writing Theses in Latex Slides.pptx
@@ -10332,7 +10332,7 @@
           <a:p>
             <a:r>
               <a:rPr lang="en-GB" sz="2400" dirty="0"/>
-              <a:t>After the preamble material, include (Section 8 of Checklist):</a:t>
+              <a:t>After the preamble material, you may want to include</a:t>
             </a:r>
           </a:p>
           <a:p>
@@ -10355,16 +10355,6 @@
               <a:rPr lang="en-GB" sz="2400" dirty="0"/>
               <a:t>List of Tables</a:t>
             </a:r>
-          </a:p>
-          <a:p>
-            <a:r>
-              <a:rPr lang="en-GB" sz="2800" dirty="0"/>
-              <a:t>Must include any external materials</a:t>
-            </a:r>
-          </a:p>
-          <a:p>
-            <a:pPr lvl="1"/>
-            <a:endParaRPr lang="en-GB" sz="1600" dirty="0"/>
           </a:p>
         </p:txBody>
       </p:sp>

--- a/Writing Theses in Latex Slides.pptx
+++ b/Writing Theses in Latex Slides.pptx
@@ -5,10 +5,10 @@
     <p:sldMasterId id="2147483648" r:id="rId1"/>
   </p:sldMasterIdLst>
   <p:notesMasterIdLst>
-    <p:notesMasterId r:id="rId43"/>
+    <p:notesMasterId r:id="rId44"/>
   </p:notesMasterIdLst>
   <p:handoutMasterIdLst>
-    <p:handoutMasterId r:id="rId44"/>
+    <p:handoutMasterId r:id="rId45"/>
   </p:handoutMasterIdLst>
   <p:sldIdLst>
     <p:sldId id="264" r:id="rId2"/>
@@ -39,19 +39,20 @@
     <p:sldId id="317" r:id="rId27"/>
     <p:sldId id="313" r:id="rId28"/>
     <p:sldId id="314" r:id="rId29"/>
-    <p:sldId id="318" r:id="rId30"/>
-    <p:sldId id="286" r:id="rId31"/>
-    <p:sldId id="319" r:id="rId32"/>
-    <p:sldId id="321" r:id="rId33"/>
-    <p:sldId id="322" r:id="rId34"/>
-    <p:sldId id="323" r:id="rId35"/>
-    <p:sldId id="326" r:id="rId36"/>
-    <p:sldId id="325" r:id="rId37"/>
-    <p:sldId id="327" r:id="rId38"/>
-    <p:sldId id="330" r:id="rId39"/>
-    <p:sldId id="328" r:id="rId40"/>
-    <p:sldId id="331" r:id="rId41"/>
-    <p:sldId id="280" r:id="rId42"/>
+    <p:sldId id="332" r:id="rId30"/>
+    <p:sldId id="318" r:id="rId31"/>
+    <p:sldId id="286" r:id="rId32"/>
+    <p:sldId id="319" r:id="rId33"/>
+    <p:sldId id="321" r:id="rId34"/>
+    <p:sldId id="322" r:id="rId35"/>
+    <p:sldId id="323" r:id="rId36"/>
+    <p:sldId id="326" r:id="rId37"/>
+    <p:sldId id="325" r:id="rId38"/>
+    <p:sldId id="327" r:id="rId39"/>
+    <p:sldId id="330" r:id="rId40"/>
+    <p:sldId id="328" r:id="rId41"/>
+    <p:sldId id="331" r:id="rId42"/>
+    <p:sldId id="280" r:id="rId43"/>
   </p:sldIdLst>
   <p:sldSz cx="9144000" cy="6858000" type="screen4x3"/>
   <p:notesSz cx="7099300" cy="10234613"/>
@@ -183,6 +184,7 @@
             <p14:sldId id="317"/>
             <p14:sldId id="313"/>
             <p14:sldId id="314"/>
+            <p14:sldId id="332"/>
             <p14:sldId id="318"/>
             <p14:sldId id="286"/>
             <p14:sldId id="319"/>
@@ -470,7 +472,7 @@
           <a:p>
             <a:fld id="{88EB714B-C3CC-4216-88C1-02913905B1CF}" type="datetimeFigureOut">
               <a:rPr lang="en-GB" smtClean="0"/>
-              <a:t>19/03/2021</a:t>
+              <a:t>01/10/2021</a:t>
             </a:fld>
             <a:endParaRPr lang="en-GB"/>
           </a:p>
@@ -3519,7 +3521,7 @@
           <a:p>
             <a:r>
               <a:rPr lang="en-GB" dirty="0"/>
-              <a:t>Overleaf Example: https://www.overleaf.com/read/nwtfndvmfnpf</a:t>
+              <a:t>Sometimes when writing a caption you might want to use a long caption to give a lot of information about the figure, table, etc. However, the same caption would take up a lot of space and give unnecessary detail in the list of figures or list of tables. In this case, it’s possible to specify a shorter caption to be used in the list of figures or list of tables by specifying it in square brackets after the word captions and before the full caption which is specified in curly brackets.</a:t>
             </a:r>
           </a:p>
           <a:p>
@@ -3528,7 +3530,24 @@
           <a:p>
             <a:r>
               <a:rPr lang="en-GB" dirty="0"/>
-              <a:t>Break for sections 8 and 9 of Task Sheet</a:t>
+              <a:t>Because of the way the captions for subfigures are defined/used, it’s not possible or necessary to do this </a:t>
+            </a:r>
+            <a:r>
+              <a:rPr lang="en-GB"/>
+              <a:t>for subfigure </a:t>
+            </a:r>
+            <a:r>
+              <a:rPr lang="en-GB" dirty="0"/>
+              <a:t>captions, although it is possible to specify a short caption for a figure which contains subfigures.</a:t>
+            </a:r>
+          </a:p>
+          <a:p>
+            <a:endParaRPr lang="en-GB" dirty="0"/>
+          </a:p>
+          <a:p>
+            <a:r>
+              <a:rPr lang="en-GB" dirty="0"/>
+              <a:t>Overleaf example: https://www.overleaf.com/read/kjjswpdcxsfn</a:t>
             </a:r>
           </a:p>
         </p:txBody>
@@ -3559,7 +3578,7 @@
     </p:spTree>
     <p:extLst>
       <p:ext uri="{BB962C8B-B14F-4D97-AF65-F5344CB8AC3E}">
-        <p14:creationId xmlns:p14="http://schemas.microsoft.com/office/powerpoint/2010/main" val="53672810"/>
+        <p14:creationId xmlns:p14="http://schemas.microsoft.com/office/powerpoint/2010/main" val="2584514555"/>
       </p:ext>
     </p:extLst>
   </p:cSld>
@@ -3730,39 +3749,7 @@
           <a:p>
             <a:r>
               <a:rPr lang="en-GB" dirty="0"/>
-              <a:t>In your preamble you can use the “\</a:t>
-            </a:r>
-            <a:r>
-              <a:rPr lang="en-GB" dirty="0" err="1"/>
-              <a:t>newcommand</a:t>
-            </a:r>
-            <a:r>
-              <a:rPr lang="en-GB" dirty="0"/>
-              <a:t>” command to define a new command. This is a little like defining a macro or a function in other programs or languages. “\</a:t>
-            </a:r>
-            <a:r>
-              <a:rPr lang="en-GB" dirty="0" err="1"/>
-              <a:t>newcommand</a:t>
-            </a:r>
-            <a:r>
-              <a:rPr lang="en-GB" dirty="0"/>
-              <a:t>” is followed by the name of the command in curly brackets. This is followed by the number of arguments the command (if there are arguments to the command). This is followed by the text that will be used in the body of the .</a:t>
-            </a:r>
-            <a:r>
-              <a:rPr lang="en-GB" dirty="0" err="1"/>
-              <a:t>tex</a:t>
-            </a:r>
-            <a:r>
-              <a:rPr lang="en-GB" dirty="0"/>
-              <a:t> file where the command is used. In this definition, if “#X” is included within curly brackets, this will insert the </a:t>
-            </a:r>
-            <a:r>
-              <a:rPr lang="en-GB" dirty="0" err="1"/>
-              <a:t>Xth</a:t>
-            </a:r>
-            <a:r>
-              <a:rPr lang="en-GB" dirty="0"/>
-              <a:t> argument in the text used.</a:t>
+              <a:t>Overleaf Example: https://www.overleaf.com/read/nwtfndvmfnpf</a:t>
             </a:r>
           </a:p>
           <a:p>
@@ -3771,46 +3758,7 @@
           <a:p>
             <a:r>
               <a:rPr lang="en-GB" dirty="0"/>
-              <a:t>To use the command in the document, you can use “\COMMAND_NAME” to invoke the command. This is followed by a the arguments of the command, each in their own set of curly brackets.</a:t>
-            </a:r>
-            <a:br>
-              <a:rPr lang="en-GB" dirty="0"/>
-            </a:br>
-            <a:br>
-              <a:rPr lang="en-GB" dirty="0"/>
-            </a:br>
-            <a:r>
-              <a:rPr lang="en-GB" dirty="0"/>
-              <a:t>This can be very useful for automating text you use repeatedly that is the same or similar every time but is long-winded to write out.</a:t>
-            </a:r>
-            <a:br>
-              <a:rPr lang="en-GB" dirty="0"/>
-            </a:br>
-            <a:br>
-              <a:rPr lang="en-GB" dirty="0"/>
-            </a:br>
-            <a:r>
-              <a:rPr lang="en-GB" dirty="0"/>
-              <a:t>It’s also possible to redefine existing commands or define new environments, but this won’t be covered in this course.</a:t>
-            </a:r>
-            <a:br>
-              <a:rPr lang="en-GB" dirty="0"/>
-            </a:br>
-            <a:endParaRPr lang="en-GB" dirty="0"/>
-          </a:p>
-          <a:p>
-            <a:r>
-              <a:rPr lang="en-GB" dirty="0"/>
-              <a:t>Overleaf Example: https://www.overleaf.com/read/hxttrgqqvpyp</a:t>
-            </a:r>
-          </a:p>
-          <a:p>
-            <a:endParaRPr lang="en-GB" dirty="0"/>
-          </a:p>
-          <a:p>
-            <a:r>
-              <a:rPr lang="en-GB" dirty="0"/>
-              <a:t>Break for section 10 of Task Sheet</a:t>
+              <a:t>Break for sections 8 and 9 of Task Sheet</a:t>
             </a:r>
           </a:p>
         </p:txBody>
@@ -3841,7 +3789,7 @@
     </p:spTree>
     <p:extLst>
       <p:ext uri="{BB962C8B-B14F-4D97-AF65-F5344CB8AC3E}">
-        <p14:creationId xmlns:p14="http://schemas.microsoft.com/office/powerpoint/2010/main" val="2909380669"/>
+        <p14:creationId xmlns:p14="http://schemas.microsoft.com/office/powerpoint/2010/main" val="53672810"/>
       </p:ext>
     </p:extLst>
   </p:cSld>
@@ -3897,7 +3845,48 @@
           <a:p>
             <a:r>
               <a:rPr lang="en-GB" dirty="0"/>
-              <a:t>Your thesis is likely to have dozens or hundreds of references and so a more advanced way to deal with your references is preferable. There are many ways to deal with your references and many ways to personalise your citations. We’re going to run through one way to achieve a streamlined approach to referencing and introduce a few options you might want to consider for personalising your references.</a:t>
+              <a:t>In your preamble you can use the “\</a:t>
+            </a:r>
+            <a:r>
+              <a:rPr lang="en-GB" dirty="0" err="1"/>
+              <a:t>newcommand</a:t>
+            </a:r>
+            <a:r>
+              <a:rPr lang="en-GB" dirty="0"/>
+              <a:t>” command to define a new command. This is a little like defining a macro or a function in other programs or languages. “\</a:t>
+            </a:r>
+            <a:r>
+              <a:rPr lang="en-GB" dirty="0" err="1"/>
+              <a:t>newcommand</a:t>
+            </a:r>
+            <a:r>
+              <a:rPr lang="en-GB" dirty="0"/>
+              <a:t>” is followed by the name of the command in curly brackets. This is followed by the number of arguments the command (if there are arguments to the command). This is followed by the text that will be used in the body of the .</a:t>
+            </a:r>
+            <a:r>
+              <a:rPr lang="en-GB" dirty="0" err="1"/>
+              <a:t>tex</a:t>
+            </a:r>
+            <a:r>
+              <a:rPr lang="en-GB" dirty="0"/>
+              <a:t> file where the command is used. In this definition, if “#X” is included within curly brackets, this will insert the </a:t>
+            </a:r>
+            <a:r>
+              <a:rPr lang="en-GB" dirty="0" err="1"/>
+              <a:t>Xth</a:t>
+            </a:r>
+            <a:r>
+              <a:rPr lang="en-GB" dirty="0"/>
+              <a:t> argument in the text used.</a:t>
+            </a:r>
+          </a:p>
+          <a:p>
+            <a:endParaRPr lang="en-GB" dirty="0"/>
+          </a:p>
+          <a:p>
+            <a:r>
+              <a:rPr lang="en-GB" dirty="0"/>
+              <a:t>To use the command in the document, you can use “\COMMAND_NAME” to invoke the command. This is followed by a the arguments of the command, each in their own set of curly brackets.</a:t>
             </a:r>
             <a:br>
               <a:rPr lang="en-GB" dirty="0"/>
@@ -3907,15 +3896,36 @@
             </a:br>
             <a:r>
               <a:rPr lang="en-GB" dirty="0"/>
-              <a:t>Many reference managers such as EndNote, Mendeley and </a:t>
-            </a:r>
-            <a:r>
-              <a:rPr lang="en-GB" dirty="0" err="1"/>
-              <a:t>JabRef</a:t>
-            </a:r>
-            <a:r>
-              <a:rPr lang="en-GB" dirty="0"/>
-              <a:t> allow for your database of references to be exported as a “.bib” file. This is essentially a database of your references that LaTeX can interact with directly. This means you only need to enter your reference details once in your reference manager and it will feed through to your LaTeX documents including your thesis. If you combine this with the automatic population of fields in your reference manager you will never need to manually write out the details of a reference again. This saves a lot of time and effort you can better spend elsewhere.</a:t>
+              <a:t>This can be very useful for automating text you use repeatedly that is the same or similar every time but is long-winded to write out.</a:t>
+            </a:r>
+            <a:br>
+              <a:rPr lang="en-GB" dirty="0"/>
+            </a:br>
+            <a:br>
+              <a:rPr lang="en-GB" dirty="0"/>
+            </a:br>
+            <a:r>
+              <a:rPr lang="en-GB" dirty="0"/>
+              <a:t>It’s also possible to redefine existing commands or define new environments, but this won’t be covered in this course.</a:t>
+            </a:r>
+            <a:br>
+              <a:rPr lang="en-GB" dirty="0"/>
+            </a:br>
+            <a:endParaRPr lang="en-GB" dirty="0"/>
+          </a:p>
+          <a:p>
+            <a:r>
+              <a:rPr lang="en-GB" dirty="0"/>
+              <a:t>Overleaf Example: https://www.overleaf.com/read/hxttrgqqvpyp</a:t>
+            </a:r>
+          </a:p>
+          <a:p>
+            <a:endParaRPr lang="en-GB" dirty="0"/>
+          </a:p>
+          <a:p>
+            <a:r>
+              <a:rPr lang="en-GB" dirty="0"/>
+              <a:t>Break for section 10 of Task Sheet</a:t>
             </a:r>
           </a:p>
         </p:txBody>
@@ -3946,7 +3956,7 @@
     </p:spTree>
     <p:extLst>
       <p:ext uri="{BB962C8B-B14F-4D97-AF65-F5344CB8AC3E}">
-        <p14:creationId xmlns:p14="http://schemas.microsoft.com/office/powerpoint/2010/main" val="1094947271"/>
+        <p14:creationId xmlns:p14="http://schemas.microsoft.com/office/powerpoint/2010/main" val="2909380669"/>
       </p:ext>
     </p:extLst>
   </p:cSld>
@@ -4002,31 +4012,7 @@
           <a:p>
             <a:r>
               <a:rPr lang="en-GB" dirty="0"/>
-              <a:t>A “.bib” file consists of one entry for each reference. An new entry is begun with a “@” symbol and the name of the type of entry it is. Here, we have one article and one book. There are many other types such as “report”, “conference” and even “</a:t>
-            </a:r>
-            <a:r>
-              <a:rPr lang="en-GB" dirty="0" err="1"/>
-              <a:t>phdthesis</a:t>
-            </a:r>
-            <a:r>
-              <a:rPr lang="en-GB" dirty="0"/>
-              <a:t>”. See here for some more examples: </a:t>
-            </a:r>
-            <a:r>
-              <a:rPr lang="en-GB" dirty="0">
-                <a:hlinkClick r:id="rId3"/>
-              </a:rPr>
-              <a:t>https://www.verbosus.com/bibtex-style-examples.html</a:t>
-            </a:r>
-            <a:endParaRPr lang="en-GB" dirty="0"/>
-          </a:p>
-          <a:p>
-            <a:endParaRPr lang="en-GB" dirty="0"/>
-          </a:p>
-          <a:p>
-            <a:r>
-              <a:rPr lang="en-GB" dirty="0"/>
-              <a:t> Within curly brackets, the first entry is a label for your reference. Following that, we then have a series of fields which define the contents of the reference. These come in the format “field name = field value” and are separated by commas. Different entries are valid for different entry types. For instance, both our entries here have “author”, “title” and “year” fields but the article has the fields “journal”, “volume”, “number” and “pages” fields whilst the book has a “publisher” field.</a:t>
+              <a:t>Your thesis is likely to have dozens or hundreds of references and so a more advanced way to deal with your references is preferable. There are many ways to deal with your references and many ways to personalise your citations. We’re going to run through one way to achieve a streamlined approach to referencing and introduce a few options you might want to consider for personalising your references.</a:t>
             </a:r>
             <a:br>
               <a:rPr lang="en-GB" dirty="0"/>
@@ -4036,24 +4022,15 @@
             </a:br>
             <a:r>
               <a:rPr lang="en-GB" dirty="0"/>
-              <a:t>When you compile your main .</a:t>
+              <a:t>Many reference managers such as EndNote, Mendeley and </a:t>
             </a:r>
             <a:r>
               <a:rPr lang="en-GB" dirty="0" err="1"/>
-              <a:t>tex</a:t>
-            </a:r>
-            <a:r>
-              <a:rPr lang="en-GB" dirty="0"/>
-              <a:t> file, your bibliography will appear and any entries that are cited will appear in your bibliography. Entries you have not cited will not be included by default.</a:t>
-            </a:r>
-          </a:p>
-          <a:p>
-            <a:endParaRPr lang="en-GB" dirty="0"/>
-          </a:p>
-          <a:p>
-            <a:r>
-              <a:rPr lang="en-GB" dirty="0"/>
-              <a:t>Overleaf example: https://www.overleaf.com/read/tfrbytxxqszf</a:t>
+              <a:t>JabRef</a:t>
+            </a:r>
+            <a:r>
+              <a:rPr lang="en-GB" dirty="0"/>
+              <a:t> allow for your database of references to be exported as a “.bib” file. This is essentially a database of your references that LaTeX can interact with directly. This means you only need to enter your reference details once in your reference manager and it will feed through to your LaTeX documents including your thesis. If you combine this with the automatic population of fields in your reference manager you will never need to manually write out the details of a reference again. This saves a lot of time and effort you can better spend elsewhere.</a:t>
             </a:r>
           </a:p>
         </p:txBody>
@@ -4084,7 +4061,7 @@
     </p:spTree>
     <p:extLst>
       <p:ext uri="{BB962C8B-B14F-4D97-AF65-F5344CB8AC3E}">
-        <p14:creationId xmlns:p14="http://schemas.microsoft.com/office/powerpoint/2010/main" val="2985834625"/>
+        <p14:creationId xmlns:p14="http://schemas.microsoft.com/office/powerpoint/2010/main" val="1094947271"/>
       </p:ext>
     </p:extLst>
   </p:cSld>
@@ -4140,7 +4117,41 @@
           <a:p>
             <a:r>
               <a:rPr lang="en-GB" dirty="0"/>
-              <a:t>In your main .</a:t>
+              <a:t>A “.bib” file consists of one entry for each reference. An new entry is begun with a “@” symbol and the name of the type of entry it is. Here, we have one article and one book. There are many other types such as “report”, “conference” and even “</a:t>
+            </a:r>
+            <a:r>
+              <a:rPr lang="en-GB" dirty="0" err="1"/>
+              <a:t>phdthesis</a:t>
+            </a:r>
+            <a:r>
+              <a:rPr lang="en-GB" dirty="0"/>
+              <a:t>”. See here for some more examples: </a:t>
+            </a:r>
+            <a:r>
+              <a:rPr lang="en-GB" dirty="0">
+                <a:hlinkClick r:id="rId3"/>
+              </a:rPr>
+              <a:t>https://www.verbosus.com/bibtex-style-examples.html</a:t>
+            </a:r>
+            <a:endParaRPr lang="en-GB" dirty="0"/>
+          </a:p>
+          <a:p>
+            <a:endParaRPr lang="en-GB" dirty="0"/>
+          </a:p>
+          <a:p>
+            <a:r>
+              <a:rPr lang="en-GB" dirty="0"/>
+              <a:t> Within curly brackets, the first entry is a label for your reference. Following that, we then have a series of fields which define the contents of the reference. These come in the format “field name = field value” and are separated by commas. Different entries are valid for different entry types. For instance, both our entries here have “author”, “title” and “year” fields but the article has the fields “journal”, “volume”, “number” and “pages” fields whilst the book has a “publisher” field.</a:t>
+            </a:r>
+            <a:br>
+              <a:rPr lang="en-GB" dirty="0"/>
+            </a:br>
+            <a:br>
+              <a:rPr lang="en-GB" dirty="0"/>
+            </a:br>
+            <a:r>
+              <a:rPr lang="en-GB" dirty="0"/>
+              <a:t>When you compile your main .</a:t>
             </a:r>
             <a:r>
               <a:rPr lang="en-GB" dirty="0" err="1"/>
@@ -4148,79 +4159,17 @@
             </a:r>
             <a:r>
               <a:rPr lang="en-GB" dirty="0"/>
-              <a:t> file, you need to use the package “</a:t>
-            </a:r>
-            <a:r>
-              <a:rPr lang="en-GB" dirty="0" err="1"/>
-              <a:t>natbib</a:t>
-            </a:r>
-            <a:r>
-              <a:rPr lang="en-GB" dirty="0"/>
-              <a:t>” in your preamble. You can then cite a reference using the “</a:t>
-            </a:r>
-            <a:r>
-              <a:rPr lang="en-GB" dirty="0" err="1"/>
-              <a:t>citet</a:t>
-            </a:r>
-            <a:r>
-              <a:rPr lang="en-GB" dirty="0"/>
-              <a:t>” command with the label of the reference. This produces a reference which is “textual” in the sense that the author name is written in normal text as if it’s being read as part of the sentence. You can also use “</a:t>
-            </a:r>
-            <a:r>
-              <a:rPr lang="en-GB" dirty="0" err="1"/>
-              <a:t>citep</a:t>
-            </a:r>
-            <a:r>
-              <a:rPr lang="en-GB" dirty="0"/>
-              <a:t>” to include the entire reference within brackets. This can be useful for when you don’t intend for the reference to be read as part of the sentence, but to act as an addendum.</a:t>
-            </a:r>
-            <a:br>
-              <a:rPr lang="en-GB" dirty="0"/>
-            </a:br>
-            <a:br>
-              <a:rPr lang="en-GB" dirty="0"/>
-            </a:br>
-            <a:r>
-              <a:rPr lang="en-GB" dirty="0"/>
-              <a:t>After the main body of your text, select a bibliography style (we’ll use “</a:t>
-            </a:r>
-            <a:r>
-              <a:rPr lang="en-GB" dirty="0" err="1"/>
-              <a:t>plainnat</a:t>
-            </a:r>
-            <a:r>
-              <a:rPr lang="en-GB" dirty="0"/>
-              <a:t>” for now). Then, use the “\bibliography” command to actually insert your bibliography into your text. This is followed by the name of your “.bib” file in curly brackets (do not include the “.bib” extension here).</a:t>
+              <a:t> file, your bibliography will appear and any entries that are cited will appear in your bibliography. Entries you have not cited will not be included by default.</a:t>
             </a:r>
           </a:p>
           <a:p>
             <a:endParaRPr lang="en-GB" dirty="0"/>
           </a:p>
           <a:p>
-            <a:pPr marL="0" marR="0" lvl="0" indent="0" algn="l" defTabSz="914400" rtl="0" eaLnBrk="1" fontAlgn="auto" latinLnBrk="0" hangingPunct="1">
-              <a:lnSpc>
-                <a:spcPct val="100000"/>
-              </a:lnSpc>
-              <a:spcBef>
-                <a:spcPts val="0"/>
-              </a:spcBef>
-              <a:spcAft>
-                <a:spcPts val="0"/>
-              </a:spcAft>
-              <a:buClrTx/>
-              <a:buSzTx/>
-              <a:buFontTx/>
-              <a:buNone/>
-              <a:tabLst/>
-              <a:defRPr/>
-            </a:pPr>
             <a:r>
               <a:rPr lang="en-GB" dirty="0"/>
               <a:t>Overleaf example: https://www.overleaf.com/read/tfrbytxxqszf</a:t>
             </a:r>
-          </a:p>
-          <a:p>
-            <a:endParaRPr lang="en-GB" dirty="0"/>
           </a:p>
         </p:txBody>
       </p:sp>
@@ -4250,7 +4199,7 @@
     </p:spTree>
     <p:extLst>
       <p:ext uri="{BB962C8B-B14F-4D97-AF65-F5344CB8AC3E}">
-        <p14:creationId xmlns:p14="http://schemas.microsoft.com/office/powerpoint/2010/main" val="529073958"/>
+        <p14:creationId xmlns:p14="http://schemas.microsoft.com/office/powerpoint/2010/main" val="2985834625"/>
       </p:ext>
     </p:extLst>
   </p:cSld>
@@ -4306,7 +4255,15 @@
           <a:p>
             <a:r>
               <a:rPr lang="en-GB" dirty="0"/>
-              <a:t>There are a number of different ways you can personalise your references. Here we’ll look at different options you can use with the </a:t>
+              <a:t>In your main .</a:t>
+            </a:r>
+            <a:r>
+              <a:rPr lang="en-GB" dirty="0" err="1"/>
+              <a:t>tex</a:t>
+            </a:r>
+            <a:r>
+              <a:rPr lang="en-GB" dirty="0"/>
+              <a:t> file, you need to use the package “</a:t>
             </a:r>
             <a:r>
               <a:rPr lang="en-GB" dirty="0" err="1"/>
@@ -4314,7 +4271,23 @@
             </a:r>
             <a:r>
               <a:rPr lang="en-GB" dirty="0"/>
-              <a:t> package which will alter how your reference appear.</a:t>
+              <a:t>” in your preamble. You can then cite a reference using the “</a:t>
+            </a:r>
+            <a:r>
+              <a:rPr lang="en-GB" dirty="0" err="1"/>
+              <a:t>citet</a:t>
+            </a:r>
+            <a:r>
+              <a:rPr lang="en-GB" dirty="0"/>
+              <a:t>” command with the label of the reference. This produces a reference which is “textual” in the sense that the author name is written in normal text as if it’s being read as part of the sentence. You can also use “</a:t>
+            </a:r>
+            <a:r>
+              <a:rPr lang="en-GB" dirty="0" err="1"/>
+              <a:t>citep</a:t>
+            </a:r>
+            <a:r>
+              <a:rPr lang="en-GB" dirty="0"/>
+              <a:t>” to include the entire reference within brackets. This can be useful for when you don’t intend for the reference to be read as part of the sentence, but to act as an addendum.</a:t>
             </a:r>
             <a:br>
               <a:rPr lang="en-GB" dirty="0"/>
@@ -4324,28 +4297,41 @@
             </a:br>
             <a:r>
               <a:rPr lang="en-GB" dirty="0"/>
-              <a:t>Using the “numbers” option will cause you to use numerical references instead of textual references. “round” will cause your references to use round brackets instead of square brackets. “super” causes your citations to appear in super-script, similar to a footnote.</a:t>
+              <a:t>After the main body of your text, select a bibliography style (we’ll use “</a:t>
+            </a:r>
+            <a:r>
+              <a:rPr lang="en-GB" dirty="0" err="1"/>
+              <a:t>plainnat</a:t>
+            </a:r>
+            <a:r>
+              <a:rPr lang="en-GB" dirty="0"/>
+              <a:t>” for now). Then, use the “\bibliography” command to actually insert your bibliography into your text. This is followed by the name of your “.bib” file in curly brackets (do not include the “.bib” extension here).</a:t>
             </a:r>
           </a:p>
           <a:p>
             <a:endParaRPr lang="en-GB" dirty="0"/>
           </a:p>
           <a:p>
-            <a:r>
-              <a:rPr lang="en-GB" dirty="0"/>
-              <a:t>Overleaf Example (numbers): https://www.overleaf.com/read/nyhjxjvhvqpk</a:t>
-            </a:r>
-          </a:p>
-          <a:p>
-            <a:r>
-              <a:rPr lang="en-GB" dirty="0"/>
-              <a:t>Overleaf Example (round): https://www.overleaf.com/read/dfvnydjfjpfb</a:t>
-            </a:r>
-          </a:p>
-          <a:p>
-            <a:r>
-              <a:rPr lang="en-GB" dirty="0"/>
-              <a:t>Overleaf Example (super): https://www.overleaf.com/read/zgtgtvqhcvfc</a:t>
+            <a:pPr marL="0" marR="0" lvl="0" indent="0" algn="l" defTabSz="914400" rtl="0" eaLnBrk="1" fontAlgn="auto" latinLnBrk="0" hangingPunct="1">
+              <a:lnSpc>
+                <a:spcPct val="100000"/>
+              </a:lnSpc>
+              <a:spcBef>
+                <a:spcPts val="0"/>
+              </a:spcBef>
+              <a:spcAft>
+                <a:spcPts val="0"/>
+              </a:spcAft>
+              <a:buClrTx/>
+              <a:buSzTx/>
+              <a:buFontTx/>
+              <a:buNone/>
+              <a:tabLst/>
+              <a:defRPr/>
+            </a:pPr>
+            <a:r>
+              <a:rPr lang="en-GB" dirty="0"/>
+              <a:t>Overleaf example: https://www.overleaf.com/read/tfrbytxxqszf</a:t>
             </a:r>
           </a:p>
           <a:p>
@@ -4379,7 +4365,7 @@
     </p:spTree>
     <p:extLst>
       <p:ext uri="{BB962C8B-B14F-4D97-AF65-F5344CB8AC3E}">
-        <p14:creationId xmlns:p14="http://schemas.microsoft.com/office/powerpoint/2010/main" val="3708384690"/>
+        <p14:creationId xmlns:p14="http://schemas.microsoft.com/office/powerpoint/2010/main" val="529073958"/>
       </p:ext>
     </p:extLst>
   </p:cSld>
@@ -4435,23 +4421,25 @@
           <a:p>
             <a:r>
               <a:rPr lang="en-GB" dirty="0"/>
-              <a:t>There are more ways you can make a citation. You can include multiple citations within a single “</a:t>
+              <a:t>There are a number of different ways you can personalise your references. Here we’ll look at different options you can use with the </a:t>
             </a:r>
             <a:r>
               <a:rPr lang="en-GB" dirty="0" err="1"/>
-              <a:t>citet</a:t>
-            </a:r>
-            <a:r>
-              <a:rPr lang="en-GB" dirty="0"/>
-              <a:t>” or “</a:t>
-            </a:r>
-            <a:r>
-              <a:rPr lang="en-GB" dirty="0" err="1"/>
-              <a:t>citep</a:t>
-            </a:r>
-            <a:r>
-              <a:rPr lang="en-GB" dirty="0"/>
-              <a:t>” command, separating them with commas. You can also provide additional details, such a referencing a chapter number by including them in square brackets between the “cite” command and the curly brackets.</a:t>
+              <a:t>natbib</a:t>
+            </a:r>
+            <a:r>
+              <a:rPr lang="en-GB" dirty="0"/>
+              <a:t> package which will alter how your reference appear.</a:t>
+            </a:r>
+            <a:br>
+              <a:rPr lang="en-GB" dirty="0"/>
+            </a:br>
+            <a:br>
+              <a:rPr lang="en-GB" dirty="0"/>
+            </a:br>
+            <a:r>
+              <a:rPr lang="en-GB" dirty="0"/>
+              <a:t>Using the “numbers” option will cause you to use numerical references instead of textual references. “round” will cause your references to use round brackets instead of square brackets. “super” causes your citations to appear in super-script, similar to a footnote.</a:t>
             </a:r>
           </a:p>
           <a:p>
@@ -4460,8 +4448,23 @@
           <a:p>
             <a:r>
               <a:rPr lang="en-GB" dirty="0"/>
-              <a:t>Overleaf Example: https://www.overleaf.com/read/cqbhnvfsfzpp</a:t>
-            </a:r>
+              <a:t>Overleaf Example (numbers): https://www.overleaf.com/read/nyhjxjvhvqpk</a:t>
+            </a:r>
+          </a:p>
+          <a:p>
+            <a:r>
+              <a:rPr lang="en-GB" dirty="0"/>
+              <a:t>Overleaf Example (round): https://www.overleaf.com/read/dfvnydjfjpfb</a:t>
+            </a:r>
+          </a:p>
+          <a:p>
+            <a:r>
+              <a:rPr lang="en-GB" dirty="0"/>
+              <a:t>Overleaf Example (super): https://www.overleaf.com/read/zgtgtvqhcvfc</a:t>
+            </a:r>
+          </a:p>
+          <a:p>
+            <a:endParaRPr lang="en-GB" dirty="0"/>
           </a:p>
         </p:txBody>
       </p:sp>
@@ -4491,7 +4494,7 @@
     </p:spTree>
     <p:extLst>
       <p:ext uri="{BB962C8B-B14F-4D97-AF65-F5344CB8AC3E}">
-        <p14:creationId xmlns:p14="http://schemas.microsoft.com/office/powerpoint/2010/main" val="1451178539"/>
+        <p14:creationId xmlns:p14="http://schemas.microsoft.com/office/powerpoint/2010/main" val="3708384690"/>
       </p:ext>
     </p:extLst>
   </p:cSld>
@@ -4547,7 +4550,23 @@
           <a:p>
             <a:r>
               <a:rPr lang="en-GB" dirty="0"/>
-              <a:t>There are a few “gotchas” regarding references and bibliographies. These are things that you might expect to work one way, but they actually work a different way.</a:t>
+              <a:t>There are more ways you can make a citation. You can include multiple citations within a single “</a:t>
+            </a:r>
+            <a:r>
+              <a:rPr lang="en-GB" dirty="0" err="1"/>
+              <a:t>citet</a:t>
+            </a:r>
+            <a:r>
+              <a:rPr lang="en-GB" dirty="0"/>
+              <a:t>” or “</a:t>
+            </a:r>
+            <a:r>
+              <a:rPr lang="en-GB" dirty="0" err="1"/>
+              <a:t>citep</a:t>
+            </a:r>
+            <a:r>
+              <a:rPr lang="en-GB" dirty="0"/>
+              <a:t>” command, separating them with commas. You can also provide additional details, such a referencing a chapter number by including them in square brackets between the “cite” command and the curly brackets.</a:t>
             </a:r>
           </a:p>
           <a:p>
@@ -4556,35 +4575,7 @@
           <a:p>
             <a:r>
               <a:rPr lang="en-GB" dirty="0"/>
-              <a:t>The first is capitalisation. In titles and names, LaTeX will use it’s own rules for capitalisation. In titles, the default is to make everything lower-case. This can provide a big problem, particularly for acronyms. However, you can force LaTeX to preserve your original capitalisation by placing the phrase in curly brackets.</a:t>
-            </a:r>
-            <a:br>
-              <a:rPr lang="en-GB" dirty="0"/>
-            </a:br>
-            <a:br>
-              <a:rPr lang="en-GB" dirty="0"/>
-            </a:br>
-            <a:r>
-              <a:rPr lang="en-GB" dirty="0"/>
-              <a:t>If you include accented letters in your bibliography, this will not result in an accent appearing in your bibliography as LaTeX doesn’t know how to parse the character. Instead, you need to include the LaTeX code for accented character in your “.bib” file.</a:t>
-            </a:r>
-          </a:p>
-          <a:p>
-            <a:endParaRPr lang="en-GB" dirty="0"/>
-          </a:p>
-          <a:p>
-            <a:r>
-              <a:rPr lang="en-GB" dirty="0"/>
-              <a:t>There a couple of ways of entering multiple author names. You might think that separating author names by commas will work, but this will not produce the desired effect. This is partially because commas are often used between a surname and first names in author specifications. Instead, you can separate names with “and” or with semi-colons.</a:t>
-            </a:r>
-          </a:p>
-          <a:p>
-            <a:endParaRPr lang="en-GB" dirty="0"/>
-          </a:p>
-          <a:p>
-            <a:r>
-              <a:rPr lang="en-GB" dirty="0"/>
-              <a:t>Break for section 11 of Task Sheet</a:t>
+              <a:t>Overleaf Example: https://www.overleaf.com/read/cqbhnvfsfzpp</a:t>
             </a:r>
           </a:p>
         </p:txBody>
@@ -4615,7 +4606,7 @@
     </p:spTree>
     <p:extLst>
       <p:ext uri="{BB962C8B-B14F-4D97-AF65-F5344CB8AC3E}">
-        <p14:creationId xmlns:p14="http://schemas.microsoft.com/office/powerpoint/2010/main" val="3041713323"/>
+        <p14:creationId xmlns:p14="http://schemas.microsoft.com/office/powerpoint/2010/main" val="1451178539"/>
       </p:ext>
     </p:extLst>
   </p:cSld>
@@ -4671,23 +4662,16 @@
           <a:p>
             <a:r>
               <a:rPr lang="en-GB" dirty="0"/>
-              <a:t>The acronym package provides a useful way to deal with acronyms in your document. Inside the “acronym” environment, you can use the “\</a:t>
-            </a:r>
-            <a:r>
-              <a:rPr lang="en-GB" dirty="0" err="1"/>
-              <a:t>acro</a:t>
-            </a:r>
-            <a:r>
-              <a:rPr lang="en-GB" dirty="0"/>
-              <a:t>” command to define an acronym. This command is followed by two sets of curly brackets. The first contains the abbreviated version of the acronym. The second contains the expanded version of the acronym. Defining acronyms in this way creates a list of acronyms at the location of the “acronym” environment in your pdf. It’s also possible to define acronyms using the “\</a:t>
-            </a:r>
-            <a:r>
-              <a:rPr lang="en-GB" dirty="0" err="1"/>
-              <a:t>acrodef</a:t>
-            </a:r>
-            <a:r>
-              <a:rPr lang="en-GB" dirty="0"/>
-              <a:t>” command in the preamble to avoid a list of acronyms if desired.</a:t>
+              <a:t>There are a few “gotchas” regarding references and bibliographies. These are things that you might expect to work one way, but they actually work a different way.</a:t>
+            </a:r>
+          </a:p>
+          <a:p>
+            <a:endParaRPr lang="en-GB" dirty="0"/>
+          </a:p>
+          <a:p>
+            <a:r>
+              <a:rPr lang="en-GB" dirty="0"/>
+              <a:t>The first is capitalisation. In titles and names, LaTeX will use it’s own rules for capitalisation. In titles, the default is to make everything lower-case. This can provide a big problem, particularly for acronyms. However, you can force LaTeX to preserve your original capitalisation by placing the phrase in curly brackets.</a:t>
             </a:r>
             <a:br>
               <a:rPr lang="en-GB" dirty="0"/>
@@ -4697,25 +4681,25 @@
             </a:br>
             <a:r>
               <a:rPr lang="en-GB" dirty="0"/>
-              <a:t>In the main text you may use the commands “\ac” and “\</a:t>
-            </a:r>
-            <a:r>
-              <a:rPr lang="en-GB" dirty="0" err="1"/>
-              <a:t>acp</a:t>
-            </a:r>
-            <a:r>
-              <a:rPr lang="en-GB" dirty="0"/>
-              <a:t>” to insert the acronym or the plural of the acronym respectively. The first time an acronym is used this way both the expanded and contracted version of the acronym will be inserted. In subsequent cases only the contracted version is used.</a:t>
-            </a:r>
-            <a:br>
-              <a:rPr lang="en-GB" dirty="0"/>
-            </a:br>
-            <a:br>
-              <a:rPr lang="en-GB" dirty="0"/>
-            </a:br>
-            <a:r>
-              <a:rPr lang="en-GB" dirty="0"/>
-              <a:t>Overleaf Example: https://www.overleaf.com/read/jqsvjjpgjzjp</a:t>
+              <a:t>If you include accented letters in your bibliography, this will not result in an accent appearing in your bibliography as LaTeX doesn’t know how to parse the character. Instead, you need to include the LaTeX code for accented character in your “.bib” file.</a:t>
+            </a:r>
+          </a:p>
+          <a:p>
+            <a:endParaRPr lang="en-GB" dirty="0"/>
+          </a:p>
+          <a:p>
+            <a:r>
+              <a:rPr lang="en-GB" dirty="0"/>
+              <a:t>There a couple of ways of entering multiple author names. You might think that separating author names by commas will work, but this will not produce the desired effect. This is partially because commas are often used between a surname and first names in author specifications. Instead, you can separate names with “and” or with semi-colons.</a:t>
+            </a:r>
+          </a:p>
+          <a:p>
+            <a:endParaRPr lang="en-GB" dirty="0"/>
+          </a:p>
+          <a:p>
+            <a:r>
+              <a:rPr lang="en-GB" dirty="0"/>
+              <a:t>Break for section 11 of Task Sheet</a:t>
             </a:r>
           </a:p>
         </p:txBody>
@@ -4746,7 +4730,7 @@
     </p:spTree>
     <p:extLst>
       <p:ext uri="{BB962C8B-B14F-4D97-AF65-F5344CB8AC3E}">
-        <p14:creationId xmlns:p14="http://schemas.microsoft.com/office/powerpoint/2010/main" val="374641908"/>
+        <p14:creationId xmlns:p14="http://schemas.microsoft.com/office/powerpoint/2010/main" val="3041713323"/>
       </p:ext>
     </p:extLst>
   </p:cSld>
@@ -4802,39 +4786,23 @@
           <a:p>
             <a:r>
               <a:rPr lang="en-GB" dirty="0"/>
-              <a:t>The “</a:t>
+              <a:t>The acronym package provides a useful way to deal with acronyms in your document. Inside the “acronym” environment, you can use the “\</a:t>
             </a:r>
             <a:r>
               <a:rPr lang="en-GB" dirty="0" err="1"/>
-              <a:t>amsmath</a:t>
-            </a:r>
-            <a:r>
-              <a:rPr lang="en-GB" dirty="0"/>
-              <a:t>” package (which is a fairly standard package to use when dealing with maths) introduces the “</a:t>
+              <a:t>acro</a:t>
+            </a:r>
+            <a:r>
+              <a:rPr lang="en-GB" dirty="0"/>
+              <a:t>” command to define an acronym. This command is followed by two sets of curly brackets. The first contains the abbreviated version of the acronym. The second contains the expanded version of the acronym. Defining acronyms in this way creates a list of acronyms at the location of the “acronym” environment in your pdf. It’s also possible to define acronyms using the “\</a:t>
             </a:r>
             <a:r>
               <a:rPr lang="en-GB" dirty="0" err="1"/>
-              <a:t>alignat</a:t>
-            </a:r>
-            <a:r>
-              <a:rPr lang="en-GB" dirty="0"/>
-              <a:t>” environment. This environment allows </a:t>
-            </a:r>
-            <a:r>
-              <a:rPr lang="en-GB" dirty="0" err="1"/>
-              <a:t>mulriple</a:t>
-            </a:r>
-            <a:r>
-              <a:rPr lang="en-GB" dirty="0"/>
-              <a:t> equations to be specified in the same construct. Its contents are processed in “</a:t>
-            </a:r>
-            <a:r>
-              <a:rPr lang="en-GB" dirty="0" err="1"/>
-              <a:t>mathmode</a:t>
-            </a:r>
-            <a:r>
-              <a:rPr lang="en-GB" dirty="0"/>
-              <a:t>” and individual lines in it are treated as different equations for numbering purposes.</a:t>
+              <a:t>acrodef</a:t>
+            </a:r>
+            <a:r>
+              <a:rPr lang="en-GB" dirty="0"/>
+              <a:t>” command in the preamble to avoid a list of acronyms if desired.</a:t>
             </a:r>
             <a:br>
               <a:rPr lang="en-GB" dirty="0"/>
@@ -4844,33 +4812,25 @@
             </a:br>
             <a:r>
               <a:rPr lang="en-GB" dirty="0"/>
-              <a:t>What it also allows you to do is to align your equations. The number in curly brackets following the “\begin{</a:t>
+              <a:t>In the main text you may use the commands “\ac” and “\</a:t>
             </a:r>
             <a:r>
               <a:rPr lang="en-GB" dirty="0" err="1"/>
-              <a:t>alignat</a:t>
-            </a:r>
-            <a:r>
-              <a:rPr lang="en-GB" dirty="0"/>
-              <a:t>}” command defines how many alignment points may be used for each equation. Equations are separated with a double backslash and the alignment points are specified using the ampersand character “&amp;”. For each equation you may use up to the maximum number of alignment points specified (here, it is 2). LaTeX will then ensure the first alignment point in each equation is vertically aligned. This can be very useful for ensuring even large blocks of equations are easy to read.</a:t>
-            </a:r>
-          </a:p>
-          <a:p>
-            <a:endParaRPr lang="en-GB" dirty="0"/>
-          </a:p>
-          <a:p>
-            <a:r>
-              <a:rPr lang="en-GB" dirty="0"/>
-              <a:t>Overleaf Example: https://www.overleaf.com/read/trrzvqnfwshx</a:t>
-            </a:r>
-          </a:p>
-          <a:p>
-            <a:endParaRPr lang="en-GB" dirty="0"/>
-          </a:p>
-          <a:p>
-            <a:r>
-              <a:rPr lang="en-GB" dirty="0"/>
-              <a:t>Break for sections 12 and 13 of task sheet</a:t>
+              <a:t>acp</a:t>
+            </a:r>
+            <a:r>
+              <a:rPr lang="en-GB" dirty="0"/>
+              <a:t>” to insert the acronym or the plural of the acronym respectively. The first time an acronym is used this way both the expanded and contracted version of the acronym will be inserted. In subsequent cases only the contracted version is used.</a:t>
+            </a:r>
+            <a:br>
+              <a:rPr lang="en-GB" dirty="0"/>
+            </a:br>
+            <a:br>
+              <a:rPr lang="en-GB" dirty="0"/>
+            </a:br>
+            <a:r>
+              <a:rPr lang="en-GB" dirty="0"/>
+              <a:t>Overleaf Example: https://www.overleaf.com/read/jqsvjjpgjzjp</a:t>
             </a:r>
           </a:p>
         </p:txBody>
@@ -4901,7 +4861,7 @@
     </p:spTree>
     <p:extLst>
       <p:ext uri="{BB962C8B-B14F-4D97-AF65-F5344CB8AC3E}">
-        <p14:creationId xmlns:p14="http://schemas.microsoft.com/office/powerpoint/2010/main" val="554150285"/>
+        <p14:creationId xmlns:p14="http://schemas.microsoft.com/office/powerpoint/2010/main" val="374641908"/>
       </p:ext>
     </p:extLst>
   </p:cSld>
@@ -4957,23 +4917,75 @@
           <a:p>
             <a:r>
               <a:rPr lang="en-GB" dirty="0"/>
-              <a:t>If you want to do something in LaTeX but don’t know how, the first thing to do is to Google it. Somebody has almost certainly had your problem/desire before and you can copy their solution most of the time. On many occasions, you’ll find the answer of </a:t>
+              <a:t>The “</a:t>
             </a:r>
             <a:r>
               <a:rPr lang="en-GB" dirty="0" err="1"/>
-              <a:t>stackexchange</a:t>
-            </a:r>
-            <a:r>
-              <a:rPr lang="en-GB" dirty="0"/>
-              <a:t>. As well as being a useful environment to develop and run LaTeX, Overleaf has an extensive library of documentation on LaTeX’s functions. There’s also a very good </a:t>
+              <a:t>amsmath</a:t>
+            </a:r>
+            <a:r>
+              <a:rPr lang="en-GB" dirty="0"/>
+              <a:t>” package (which is a fairly standard package to use when dealing with maths) introduces the “</a:t>
             </a:r>
             <a:r>
               <a:rPr lang="en-GB" dirty="0" err="1"/>
-              <a:t>wikibook</a:t>
-            </a:r>
-            <a:r>
-              <a:rPr lang="en-GB" dirty="0"/>
-              <a:t> that contains a good description of the functionality of LaTeX. There’s also a good table maker which allows you to define tables in a more natural and graphical way and have it return the equivalent LaTeX code. Finally, there’s an equation editor which allows you to define equations in a more graphical fashion and have it return the equivalent LaTeX code.</a:t>
+              <a:t>alignat</a:t>
+            </a:r>
+            <a:r>
+              <a:rPr lang="en-GB" dirty="0"/>
+              <a:t>” environment. This environment allows </a:t>
+            </a:r>
+            <a:r>
+              <a:rPr lang="en-GB" dirty="0" err="1"/>
+              <a:t>mulriple</a:t>
+            </a:r>
+            <a:r>
+              <a:rPr lang="en-GB" dirty="0"/>
+              <a:t> equations to be specified in the same construct. Its contents are processed in “</a:t>
+            </a:r>
+            <a:r>
+              <a:rPr lang="en-GB" dirty="0" err="1"/>
+              <a:t>mathmode</a:t>
+            </a:r>
+            <a:r>
+              <a:rPr lang="en-GB" dirty="0"/>
+              <a:t>” and individual lines in it are treated as different equations for numbering purposes.</a:t>
+            </a:r>
+            <a:br>
+              <a:rPr lang="en-GB" dirty="0"/>
+            </a:br>
+            <a:br>
+              <a:rPr lang="en-GB" dirty="0"/>
+            </a:br>
+            <a:r>
+              <a:rPr lang="en-GB" dirty="0"/>
+              <a:t>What it also allows you to do is to align your equations. The number in curly brackets following the “\begin{</a:t>
+            </a:r>
+            <a:r>
+              <a:rPr lang="en-GB" dirty="0" err="1"/>
+              <a:t>alignat</a:t>
+            </a:r>
+            <a:r>
+              <a:rPr lang="en-GB" dirty="0"/>
+              <a:t>}” command defines how many alignment points may be used for each equation. Equations are separated with a double backslash and the alignment points are specified using the ampersand character “&amp;”. For each equation you may use up to the maximum number of alignment points specified (here, it is 2). LaTeX will then ensure the first alignment point in each equation is vertically aligned. This can be very useful for ensuring even large blocks of equations are easy to read.</a:t>
+            </a:r>
+          </a:p>
+          <a:p>
+            <a:endParaRPr lang="en-GB" dirty="0"/>
+          </a:p>
+          <a:p>
+            <a:r>
+              <a:rPr lang="en-GB" dirty="0"/>
+              <a:t>Overleaf Example: https://www.overleaf.com/read/trrzvqnfwshx</a:t>
+            </a:r>
+          </a:p>
+          <a:p>
+            <a:endParaRPr lang="en-GB" dirty="0"/>
+          </a:p>
+          <a:p>
+            <a:r>
+              <a:rPr lang="en-GB" dirty="0"/>
+              <a:t>Break for sections 12 and 13 of task sheet</a:t>
             </a:r>
           </a:p>
         </p:txBody>
@@ -5004,7 +5016,7 @@
     </p:spTree>
     <p:extLst>
       <p:ext uri="{BB962C8B-B14F-4D97-AF65-F5344CB8AC3E}">
-        <p14:creationId xmlns:p14="http://schemas.microsoft.com/office/powerpoint/2010/main" val="1445805806"/>
+        <p14:creationId xmlns:p14="http://schemas.microsoft.com/office/powerpoint/2010/main" val="554150285"/>
       </p:ext>
     </p:extLst>
   </p:cSld>
@@ -5179,7 +5191,26 @@
           <a:bodyPr/>
           <a:lstStyle/>
           <a:p>
-            <a:endParaRPr lang="en-GB" dirty="0"/>
+            <a:r>
+              <a:rPr lang="en-GB" dirty="0"/>
+              <a:t>If you want to do something in LaTeX but don’t know how, the first thing to do is to Google it. Somebody has almost certainly had your problem/desire before and you can copy their solution most of the time. On many occasions, you’ll find the answer of </a:t>
+            </a:r>
+            <a:r>
+              <a:rPr lang="en-GB" dirty="0" err="1"/>
+              <a:t>stackexchange</a:t>
+            </a:r>
+            <a:r>
+              <a:rPr lang="en-GB" dirty="0"/>
+              <a:t>. As well as being a useful environment to develop and run LaTeX, Overleaf has an extensive library of documentation on LaTeX’s functions. There’s also a very good </a:t>
+            </a:r>
+            <a:r>
+              <a:rPr lang="en-GB" dirty="0" err="1"/>
+              <a:t>wikibook</a:t>
+            </a:r>
+            <a:r>
+              <a:rPr lang="en-GB" dirty="0"/>
+              <a:t> that contains a good description of the functionality of LaTeX. There’s also a good table maker which allows you to define tables in a more natural and graphical way and have it return the equivalent LaTeX code. Finally, there’s an equation editor which allows you to define equations in a more graphical fashion and have it return the equivalent LaTeX code.</a:t>
+            </a:r>
           </a:p>
         </p:txBody>
       </p:sp>
@@ -5209,7 +5240,7 @@
     </p:spTree>
     <p:extLst>
       <p:ext uri="{BB962C8B-B14F-4D97-AF65-F5344CB8AC3E}">
-        <p14:creationId xmlns:p14="http://schemas.microsoft.com/office/powerpoint/2010/main" val="1492413823"/>
+        <p14:creationId xmlns:p14="http://schemas.microsoft.com/office/powerpoint/2010/main" val="1445805806"/>
       </p:ext>
     </p:extLst>
   </p:cSld>
@@ -5238,6 +5269,90 @@
       </p:grpSpPr>
       <p:sp>
         <p:nvSpPr>
+          <p:cNvPr id="2" name="Slide Image Placeholder 1"/>
+          <p:cNvSpPr>
+            <a:spLocks noGrp="1" noRot="1" noChangeAspect="1"/>
+          </p:cNvSpPr>
+          <p:nvPr>
+            <p:ph type="sldImg"/>
+          </p:nvPr>
+        </p:nvSpPr>
+        <p:spPr/>
+      </p:sp>
+      <p:sp>
+        <p:nvSpPr>
+          <p:cNvPr id="3" name="Notes Placeholder 2"/>
+          <p:cNvSpPr>
+            <a:spLocks noGrp="1"/>
+          </p:cNvSpPr>
+          <p:nvPr>
+            <p:ph type="body" idx="1"/>
+          </p:nvPr>
+        </p:nvSpPr>
+        <p:spPr/>
+        <p:txBody>
+          <a:bodyPr/>
+          <a:lstStyle/>
+          <a:p>
+            <a:endParaRPr lang="en-GB" dirty="0"/>
+          </a:p>
+        </p:txBody>
+      </p:sp>
+      <p:sp>
+        <p:nvSpPr>
+          <p:cNvPr id="4" name="Slide Number Placeholder 3"/>
+          <p:cNvSpPr>
+            <a:spLocks noGrp="1"/>
+          </p:cNvSpPr>
+          <p:nvPr>
+            <p:ph type="sldNum" sz="quarter" idx="10"/>
+          </p:nvPr>
+        </p:nvSpPr>
+        <p:spPr/>
+        <p:txBody>
+          <a:bodyPr/>
+          <a:lstStyle/>
+          <a:p>
+            <a:fld id="{6A641EC8-C9F8-4A58-A1A7-F7D817526EEC}" type="slidenum">
+              <a:rPr lang="en-GB" smtClean="0"/>
+              <a:t>41</a:t>
+            </a:fld>
+            <a:endParaRPr lang="en-GB"/>
+          </a:p>
+        </p:txBody>
+      </p:sp>
+    </p:spTree>
+    <p:extLst>
+      <p:ext uri="{BB962C8B-B14F-4D97-AF65-F5344CB8AC3E}">
+        <p14:creationId xmlns:p14="http://schemas.microsoft.com/office/powerpoint/2010/main" val="1492413823"/>
+      </p:ext>
+    </p:extLst>
+  </p:cSld>
+  <p:clrMapOvr>
+    <a:masterClrMapping/>
+  </p:clrMapOvr>
+</p:notes>
+</file>
+
+<file path=ppt/notesSlides/notesSlide42.xml><?xml version="1.0" encoding="utf-8"?>
+<p:notes xmlns:a="http://schemas.openxmlformats.org/drawingml/2006/main" xmlns:r="http://schemas.openxmlformats.org/officeDocument/2006/relationships" xmlns:p="http://schemas.openxmlformats.org/presentationml/2006/main">
+  <p:cSld>
+    <p:spTree>
+      <p:nvGrpSpPr>
+        <p:cNvPr id="1" name=""/>
+        <p:cNvGrpSpPr/>
+        <p:nvPr/>
+      </p:nvGrpSpPr>
+      <p:grpSpPr>
+        <a:xfrm>
+          <a:off x="0" y="0"/>
+          <a:ext cx="0" cy="0"/>
+          <a:chOff x="0" y="0"/>
+          <a:chExt cx="0" cy="0"/>
+        </a:xfrm>
+      </p:grpSpPr>
+      <p:sp>
+        <p:nvSpPr>
           <p:cNvPr id="108546" name="Rectangle 7"/>
           <p:cNvSpPr>
             <a:spLocks noGrp="1" noChangeArrowheads="1"/>
@@ -5396,7 +5511,7 @@
                   <a:spcPct val="0"/>
                 </a:spcBef>
               </a:pPr>
-              <a:t>41</a:t>
+              <a:t>42</a:t>
             </a:fld>
             <a:endParaRPr lang="en-US" altLang="en-US"/>
           </a:p>
@@ -6356,7 +6471,7 @@
           <a:p>
             <a:fld id="{EB0080F8-EA1C-491D-963C-2C881B2F918F}" type="datetimeFigureOut">
               <a:rPr lang="en-GB" smtClean="0"/>
-              <a:t>19/03/2021</a:t>
+              <a:t>01/10/2021</a:t>
             </a:fld>
             <a:endParaRPr lang="en-GB"/>
           </a:p>
@@ -6506,7 +6621,7 @@
           <a:p>
             <a:fld id="{EB0080F8-EA1C-491D-963C-2C881B2F918F}" type="datetimeFigureOut">
               <a:rPr lang="en-GB" smtClean="0"/>
-              <a:t>19/03/2021</a:t>
+              <a:t>01/10/2021</a:t>
             </a:fld>
             <a:endParaRPr lang="en-GB"/>
           </a:p>
@@ -8039,7 +8154,7 @@
           <a:p>
             <a:fld id="{EB0080F8-EA1C-491D-963C-2C881B2F918F}" type="datetimeFigureOut">
               <a:rPr lang="en-GB" smtClean="0"/>
-              <a:t>19/03/2021</a:t>
+              <a:t>01/10/2021</a:t>
             </a:fld>
             <a:endParaRPr lang="en-GB"/>
           </a:p>
@@ -16212,45 +16327,6 @@
           </a:prstGeom>
         </p:spPr>
       </p:pic>
-      <p:sp>
-        <p:nvSpPr>
-          <p:cNvPr id="6" name="TextBox 5">
-            <a:extLst>
-              <a:ext uri="{FF2B5EF4-FFF2-40B4-BE49-F238E27FC236}">
-                <a16:creationId xmlns:a16="http://schemas.microsoft.com/office/drawing/2014/main" id="{21668616-D758-4993-9269-462401CCC31D}"/>
-              </a:ext>
-            </a:extLst>
-          </p:cNvPr>
-          <p:cNvSpPr txBox="1"/>
-          <p:nvPr/>
-        </p:nvSpPr>
-        <p:spPr>
-          <a:xfrm>
-            <a:off x="7357241" y="6498021"/>
-            <a:ext cx="1697422" cy="369332"/>
-          </a:xfrm>
-          <a:prstGeom prst="rect">
-            <a:avLst/>
-          </a:prstGeom>
-          <a:noFill/>
-        </p:spPr>
-        <p:txBody>
-          <a:bodyPr wrap="square" rtlCol="0">
-            <a:spAutoFit/>
-          </a:bodyPr>
-          <a:lstStyle/>
-          <a:p>
-            <a:r>
-              <a:rPr lang="en-GB" dirty="0">
-                <a:solidFill>
-                  <a:schemeClr val="accent2"/>
-                </a:solidFill>
-              </a:rPr>
-              <a:t>Problem Sheet</a:t>
-            </a:r>
-          </a:p>
-        </p:txBody>
-      </p:sp>
     </p:spTree>
     <p:extLst>
       <p:ext uri="{BB962C8B-B14F-4D97-AF65-F5344CB8AC3E}">
@@ -16306,168 +16382,568 @@
           <a:p>
             <a:r>
               <a:rPr lang="en-GB" sz="4000" dirty="0"/>
-              <a:t>Graphics Path</a:t>
+              <a:t>Short Captions</a:t>
             </a:r>
           </a:p>
         </p:txBody>
       </p:sp>
-      <p:sp>
-        <p:nvSpPr>
-          <p:cNvPr id="7" name="Content Placeholder 6">
+      <p:cxnSp>
+        <p:nvCxnSpPr>
+          <p:cNvPr id="4" name="Straight Connector 3">
             <a:extLst>
               <a:ext uri="{FF2B5EF4-FFF2-40B4-BE49-F238E27FC236}">
-                <a16:creationId xmlns:a16="http://schemas.microsoft.com/office/drawing/2014/main" id="{A4668B92-0976-4E36-A913-C47498FEE667}"/>
+                <a16:creationId xmlns:a16="http://schemas.microsoft.com/office/drawing/2014/main" id="{5F977231-9817-4997-8C71-01F70F4EFE4B}"/>
               </a:ext>
             </a:extLst>
           </p:cNvPr>
-          <p:cNvSpPr>
-            <a:spLocks noGrp="1"/>
-          </p:cNvSpPr>
-          <p:nvPr>
-            <p:ph idx="1"/>
-          </p:nvPr>
-        </p:nvSpPr>
+          <p:cNvCxnSpPr/>
+          <p:nvPr/>
+        </p:nvCxnSpPr>
         <p:spPr>
           <a:xfrm>
-            <a:off x="457200" y="1417638"/>
-            <a:ext cx="8229600" cy="4525963"/>
+            <a:off x="4572000" y="1417638"/>
+            <a:ext cx="0" cy="5440362"/>
           </a:xfrm>
+          <a:prstGeom prst="line">
+            <a:avLst/>
+          </a:prstGeom>
         </p:spPr>
-        <p:txBody>
-          <a:bodyPr/>
-          <a:lstStyle/>
-          <a:p>
-            <a:r>
-              <a:rPr lang="en-GB" sz="2800" dirty="0"/>
-              <a:t>You can set where LaTeX should look for the graphics to be used in your document</a:t>
-            </a:r>
-          </a:p>
-          <a:p>
-            <a:r>
-              <a:rPr lang="en-GB" sz="2800" dirty="0"/>
-              <a:t>Useful for separating figures for different chapters and the .</a:t>
-            </a:r>
-            <a:r>
-              <a:rPr lang="en-GB" sz="2800" dirty="0" err="1"/>
-              <a:t>tex</a:t>
-            </a:r>
-            <a:r>
-              <a:rPr lang="en-GB" sz="2800" dirty="0"/>
-              <a:t> files</a:t>
-            </a:r>
-          </a:p>
-          <a:p>
-            <a:r>
-              <a:rPr lang="en-GB" sz="2800" dirty="0"/>
-              <a:t>The command </a:t>
-            </a:r>
-            <a:r>
-              <a:rPr lang="en-GB" sz="2800" dirty="0">
-                <a:solidFill>
-                  <a:schemeClr val="tx2">
-                    <a:lumMod val="50000"/>
-                    <a:lumOff val="50000"/>
-                  </a:schemeClr>
-                </a:solidFill>
-              </a:rPr>
-              <a:t>\</a:t>
-            </a:r>
-            <a:r>
-              <a:rPr lang="en-GB" sz="2800" dirty="0" err="1">
-                <a:solidFill>
-                  <a:schemeClr val="tx2">
-                    <a:lumMod val="50000"/>
-                    <a:lumOff val="50000"/>
-                  </a:schemeClr>
-                </a:solidFill>
-              </a:rPr>
-              <a:t>graphicspath</a:t>
-            </a:r>
-            <a:r>
-              <a:rPr lang="en-GB" sz="2800" dirty="0">
-                <a:solidFill>
-                  <a:schemeClr val="tx2">
-                    <a:lumMod val="50000"/>
-                    <a:lumOff val="50000"/>
-                  </a:schemeClr>
-                </a:solidFill>
-              </a:rPr>
-              <a:t> {{./FOLDER1/} {./FOLDER2/}} </a:t>
-            </a:r>
-            <a:r>
-              <a:rPr lang="en-GB" sz="2800" dirty="0"/>
-              <a:t>will tell LaTeX to look in the folders named “FOLDER1” and “FOLDER2” in the directory of the .</a:t>
-            </a:r>
-            <a:r>
-              <a:rPr lang="en-GB" sz="2800" dirty="0" err="1"/>
-              <a:t>tex</a:t>
-            </a:r>
-            <a:r>
-              <a:rPr lang="en-GB" sz="2800" dirty="0"/>
-              <a:t> file</a:t>
-            </a:r>
-            <a:endParaRPr lang="en-GB" sz="2400" dirty="0"/>
-          </a:p>
-          <a:p>
-            <a:pPr lvl="1"/>
-            <a:endParaRPr lang="en-GB" sz="1600" dirty="0"/>
-          </a:p>
-        </p:txBody>
-      </p:sp>
-      <p:sp>
-        <p:nvSpPr>
-          <p:cNvPr id="4" name="TextBox 3">
+        <p:style>
+          <a:lnRef idx="2">
+            <a:schemeClr val="accent1"/>
+          </a:lnRef>
+          <a:fillRef idx="0">
+            <a:schemeClr val="accent1"/>
+          </a:fillRef>
+          <a:effectRef idx="1">
+            <a:schemeClr val="accent1"/>
+          </a:effectRef>
+          <a:fontRef idx="minor">
+            <a:schemeClr val="tx1"/>
+          </a:fontRef>
+        </p:style>
+      </p:cxnSp>
+      <p:sp>
+        <p:nvSpPr>
+          <p:cNvPr id="7" name="Content Placeholder 2">
             <a:extLst>
               <a:ext uri="{FF2B5EF4-FFF2-40B4-BE49-F238E27FC236}">
-                <a16:creationId xmlns:a16="http://schemas.microsoft.com/office/drawing/2014/main" id="{398C5D47-C6D2-45C0-8D24-2F32A438F365}"/>
+                <a16:creationId xmlns:a16="http://schemas.microsoft.com/office/drawing/2014/main" id="{1660634B-E7CA-4B71-874A-B0734D57E95E}"/>
               </a:ext>
             </a:extLst>
           </p:cNvPr>
-          <p:cNvSpPr txBox="1"/>
+          <p:cNvSpPr txBox="1">
+            <a:spLocks/>
+          </p:cNvSpPr>
           <p:nvPr/>
         </p:nvSpPr>
         <p:spPr>
           <a:xfrm>
-            <a:off x="7357241" y="6498021"/>
-            <a:ext cx="1697422" cy="369332"/>
+            <a:off x="457200" y="1288488"/>
+            <a:ext cx="3967655" cy="4970079"/>
           </a:xfrm>
           <a:prstGeom prst="rect">
             <a:avLst/>
           </a:prstGeom>
-          <a:noFill/>
         </p:spPr>
         <p:txBody>
-          <a:bodyPr wrap="square" rtlCol="0">
-            <a:spAutoFit/>
+          <a:bodyPr>
+            <a:noAutofit/>
           </a:bodyPr>
-          <a:lstStyle/>
-          <a:p>
-            <a:r>
-              <a:rPr lang="en-GB" dirty="0">
-                <a:solidFill>
-                  <a:schemeClr val="accent2"/>
-                </a:solidFill>
-              </a:rPr>
-              <a:t>Problem Sheet</a:t>
+          <a:lstStyle>
+            <a:lvl1pPr marL="342900" indent="-342900" algn="l" defTabSz="457200" rtl="0" eaLnBrk="1" latinLnBrk="0" hangingPunct="1">
+              <a:spcBef>
+                <a:spcPct val="20000"/>
+              </a:spcBef>
+              <a:buFont typeface="Arial"/>
+              <a:buChar char="•"/>
+              <a:defRPr sz="3200" kern="1200">
+                <a:solidFill>
+                  <a:schemeClr val="tx1"/>
+                </a:solidFill>
+                <a:latin typeface="+mn-lt"/>
+                <a:ea typeface="+mn-ea"/>
+                <a:cs typeface="+mn-cs"/>
+              </a:defRPr>
+            </a:lvl1pPr>
+            <a:lvl2pPr marL="742950" indent="-285750" algn="l" defTabSz="457200" rtl="0" eaLnBrk="1" latinLnBrk="0" hangingPunct="1">
+              <a:spcBef>
+                <a:spcPct val="20000"/>
+              </a:spcBef>
+              <a:buFont typeface="Arial"/>
+              <a:buChar char="–"/>
+              <a:defRPr sz="2800" kern="1200">
+                <a:solidFill>
+                  <a:schemeClr val="tx1"/>
+                </a:solidFill>
+                <a:latin typeface="+mn-lt"/>
+                <a:ea typeface="+mn-ea"/>
+                <a:cs typeface="+mn-cs"/>
+              </a:defRPr>
+            </a:lvl2pPr>
+            <a:lvl3pPr marL="1143000" indent="-228600" algn="l" defTabSz="457200" rtl="0" eaLnBrk="1" latinLnBrk="0" hangingPunct="1">
+              <a:spcBef>
+                <a:spcPct val="20000"/>
+              </a:spcBef>
+              <a:buFont typeface="Arial"/>
+              <a:buChar char="•"/>
+              <a:defRPr sz="2400" kern="1200">
+                <a:solidFill>
+                  <a:schemeClr val="tx1"/>
+                </a:solidFill>
+                <a:latin typeface="+mn-lt"/>
+                <a:ea typeface="+mn-ea"/>
+                <a:cs typeface="+mn-cs"/>
+              </a:defRPr>
+            </a:lvl3pPr>
+            <a:lvl4pPr marL="1600200" indent="-228600" algn="l" defTabSz="457200" rtl="0" eaLnBrk="1" latinLnBrk="0" hangingPunct="1">
+              <a:spcBef>
+                <a:spcPct val="20000"/>
+              </a:spcBef>
+              <a:buFont typeface="Arial"/>
+              <a:buChar char="–"/>
+              <a:defRPr sz="2000" kern="1200">
+                <a:solidFill>
+                  <a:schemeClr val="tx1"/>
+                </a:solidFill>
+                <a:latin typeface="+mn-lt"/>
+                <a:ea typeface="+mn-ea"/>
+                <a:cs typeface="+mn-cs"/>
+              </a:defRPr>
+            </a:lvl4pPr>
+            <a:lvl5pPr marL="1828800" indent="0" algn="l" defTabSz="457200" rtl="0" eaLnBrk="1" latinLnBrk="0" hangingPunct="1">
+              <a:spcBef>
+                <a:spcPct val="20000"/>
+              </a:spcBef>
+              <a:buFont typeface="Arial"/>
+              <a:buNone/>
+              <a:defRPr sz="2000" kern="1200">
+                <a:solidFill>
+                  <a:schemeClr val="tx1"/>
+                </a:solidFill>
+                <a:latin typeface="+mn-lt"/>
+                <a:ea typeface="+mn-ea"/>
+                <a:cs typeface="+mn-cs"/>
+              </a:defRPr>
+            </a:lvl5pPr>
+            <a:lvl6pPr marL="2514600" indent="-228600" algn="l" defTabSz="457200" rtl="0" eaLnBrk="1" latinLnBrk="0" hangingPunct="1">
+              <a:spcBef>
+                <a:spcPct val="20000"/>
+              </a:spcBef>
+              <a:buFont typeface="Arial"/>
+              <a:buChar char="•"/>
+              <a:defRPr sz="2000" kern="1200">
+                <a:solidFill>
+                  <a:schemeClr val="tx1"/>
+                </a:solidFill>
+                <a:latin typeface="+mn-lt"/>
+                <a:ea typeface="+mn-ea"/>
+                <a:cs typeface="+mn-cs"/>
+              </a:defRPr>
+            </a:lvl6pPr>
+            <a:lvl7pPr marL="2971800" indent="-228600" algn="l" defTabSz="457200" rtl="0" eaLnBrk="1" latinLnBrk="0" hangingPunct="1">
+              <a:spcBef>
+                <a:spcPct val="20000"/>
+              </a:spcBef>
+              <a:buFont typeface="Arial"/>
+              <a:buChar char="•"/>
+              <a:defRPr sz="2000" kern="1200">
+                <a:solidFill>
+                  <a:schemeClr val="tx1"/>
+                </a:solidFill>
+                <a:latin typeface="+mn-lt"/>
+                <a:ea typeface="+mn-ea"/>
+                <a:cs typeface="+mn-cs"/>
+              </a:defRPr>
+            </a:lvl7pPr>
+            <a:lvl8pPr marL="3429000" indent="-228600" algn="l" defTabSz="457200" rtl="0" eaLnBrk="1" latinLnBrk="0" hangingPunct="1">
+              <a:spcBef>
+                <a:spcPct val="20000"/>
+              </a:spcBef>
+              <a:buFont typeface="Arial"/>
+              <a:buChar char="•"/>
+              <a:defRPr sz="2000" kern="1200">
+                <a:solidFill>
+                  <a:schemeClr val="tx1"/>
+                </a:solidFill>
+                <a:latin typeface="+mn-lt"/>
+                <a:ea typeface="+mn-ea"/>
+                <a:cs typeface="+mn-cs"/>
+              </a:defRPr>
+            </a:lvl8pPr>
+            <a:lvl9pPr marL="3886200" indent="-228600" algn="l" defTabSz="457200" rtl="0" eaLnBrk="1" latinLnBrk="0" hangingPunct="1">
+              <a:spcBef>
+                <a:spcPct val="20000"/>
+              </a:spcBef>
+              <a:buFont typeface="Arial"/>
+              <a:buChar char="•"/>
+              <a:defRPr sz="2000" kern="1200">
+                <a:solidFill>
+                  <a:schemeClr val="tx1"/>
+                </a:solidFill>
+                <a:latin typeface="+mn-lt"/>
+                <a:ea typeface="+mn-ea"/>
+                <a:cs typeface="+mn-cs"/>
+              </a:defRPr>
+            </a:lvl9pPr>
+          </a:lstStyle>
+          <a:p>
+            <a:pPr marL="0" indent="0">
+              <a:buFont typeface="Arial"/>
+              <a:buNone/>
+            </a:pPr>
+            <a:r>
+              <a:rPr lang="en-GB" sz="2000" dirty="0">
+                <a:solidFill>
+                  <a:schemeClr val="tx2">
+                    <a:lumMod val="50000"/>
+                    <a:lumOff val="50000"/>
+                  </a:schemeClr>
+                </a:solidFill>
+              </a:rPr>
+              <a:t>\</a:t>
+            </a:r>
+            <a:r>
+              <a:rPr lang="en-GB" sz="2000" dirty="0" err="1">
+                <a:solidFill>
+                  <a:schemeClr val="tx2">
+                    <a:lumMod val="50000"/>
+                    <a:lumOff val="50000"/>
+                  </a:schemeClr>
+                </a:solidFill>
+              </a:rPr>
+              <a:t>usepackage</a:t>
+            </a:r>
+            <a:r>
+              <a:rPr lang="en-GB" sz="2000" dirty="0"/>
+              <a:t>{</a:t>
+            </a:r>
+            <a:r>
+              <a:rPr lang="en-GB" sz="2000" dirty="0" err="1">
+                <a:solidFill>
+                  <a:schemeClr val="tx2">
+                    <a:lumMod val="50000"/>
+                    <a:lumOff val="50000"/>
+                  </a:schemeClr>
+                </a:solidFill>
+              </a:rPr>
+              <a:t>graphicx</a:t>
+            </a:r>
+            <a:r>
+              <a:rPr lang="en-GB" sz="2000" dirty="0"/>
+              <a:t>}</a:t>
+            </a:r>
+          </a:p>
+          <a:p>
+            <a:pPr marL="0" indent="0">
+              <a:buFont typeface="Arial"/>
+              <a:buNone/>
+            </a:pPr>
+            <a:r>
+              <a:rPr lang="en-GB" sz="2000" dirty="0">
+                <a:solidFill>
+                  <a:schemeClr val="tx2">
+                    <a:lumMod val="50000"/>
+                    <a:lumOff val="50000"/>
+                  </a:schemeClr>
+                </a:solidFill>
+              </a:rPr>
+              <a:t>\begin</a:t>
+            </a:r>
+            <a:r>
+              <a:rPr lang="en-GB" sz="2000" dirty="0"/>
+              <a:t>{</a:t>
+            </a:r>
+            <a:r>
+              <a:rPr lang="en-GB" sz="2000" dirty="0">
+                <a:solidFill>
+                  <a:schemeClr val="accent2">
+                    <a:lumMod val="75000"/>
+                  </a:schemeClr>
+                </a:solidFill>
+              </a:rPr>
+              <a:t>document</a:t>
+            </a:r>
+            <a:r>
+              <a:rPr lang="en-GB" sz="2000" dirty="0"/>
+              <a:t>}</a:t>
+            </a:r>
+          </a:p>
+          <a:p>
+            <a:pPr marL="0" indent="0">
+              <a:buFont typeface="Arial"/>
+              <a:buNone/>
+            </a:pPr>
+            <a:r>
+              <a:rPr lang="en-GB" sz="2000" dirty="0">
+                <a:solidFill>
+                  <a:schemeClr val="tx2">
+                    <a:lumMod val="50000"/>
+                    <a:lumOff val="50000"/>
+                  </a:schemeClr>
+                </a:solidFill>
+              </a:rPr>
+              <a:t>\</a:t>
+            </a:r>
+            <a:r>
+              <a:rPr lang="en-GB" sz="2000" dirty="0" err="1">
+                <a:solidFill>
+                  <a:schemeClr val="tx2">
+                    <a:lumMod val="50000"/>
+                    <a:lumOff val="50000"/>
+                  </a:schemeClr>
+                </a:solidFill>
+              </a:rPr>
+              <a:t>listoffigures</a:t>
+            </a:r>
+            <a:endParaRPr lang="en-GB" sz="2000" dirty="0">
+              <a:solidFill>
+                <a:schemeClr val="tx2">
+                  <a:lumMod val="50000"/>
+                  <a:lumOff val="50000"/>
+                </a:schemeClr>
+              </a:solidFill>
+            </a:endParaRPr>
+          </a:p>
+          <a:p>
+            <a:pPr marL="0" indent="0">
+              <a:buFont typeface="Arial"/>
+              <a:buNone/>
+            </a:pPr>
+            <a:endParaRPr lang="en-GB" sz="2000" dirty="0"/>
+          </a:p>
+          <a:p>
+            <a:pPr marL="0" indent="0">
+              <a:buFont typeface="Arial"/>
+              <a:buNone/>
+            </a:pPr>
+            <a:r>
+              <a:rPr lang="en-GB" sz="2000" dirty="0">
+                <a:solidFill>
+                  <a:schemeClr val="tx2">
+                    <a:lumMod val="50000"/>
+                    <a:lumOff val="50000"/>
+                  </a:schemeClr>
+                </a:solidFill>
+              </a:rPr>
+              <a:t>\begin</a:t>
+            </a:r>
+            <a:r>
+              <a:rPr lang="en-GB" sz="2000" dirty="0"/>
+              <a:t>{</a:t>
+            </a:r>
+            <a:r>
+              <a:rPr lang="en-GB" sz="2000" dirty="0">
+                <a:solidFill>
+                  <a:schemeClr val="accent2">
+                    <a:lumMod val="75000"/>
+                  </a:schemeClr>
+                </a:solidFill>
+              </a:rPr>
+              <a:t>figure</a:t>
+            </a:r>
+            <a:r>
+              <a:rPr lang="en-GB" sz="2000" dirty="0"/>
+              <a:t>}    </a:t>
+            </a:r>
+          </a:p>
+          <a:p>
+            <a:pPr marL="0" indent="0">
+              <a:buFont typeface="Arial"/>
+              <a:buNone/>
+            </a:pPr>
+            <a:r>
+              <a:rPr lang="en-GB" sz="2000" dirty="0">
+                <a:solidFill>
+                  <a:schemeClr val="tx2">
+                    <a:lumMod val="50000"/>
+                    <a:lumOff val="50000"/>
+                  </a:schemeClr>
+                </a:solidFill>
+              </a:rPr>
+              <a:t>\</a:t>
+            </a:r>
+            <a:r>
+              <a:rPr lang="en-GB" sz="2000" dirty="0" err="1">
+                <a:solidFill>
+                  <a:schemeClr val="tx2">
+                    <a:lumMod val="50000"/>
+                    <a:lumOff val="50000"/>
+                  </a:schemeClr>
+                </a:solidFill>
+              </a:rPr>
+              <a:t>centering</a:t>
+            </a:r>
+            <a:r>
+              <a:rPr lang="en-GB" sz="2000" dirty="0">
+                <a:solidFill>
+                  <a:schemeClr val="tx2">
+                    <a:lumMod val="50000"/>
+                    <a:lumOff val="50000"/>
+                  </a:schemeClr>
+                </a:solidFill>
+              </a:rPr>
+              <a:t> \</a:t>
+            </a:r>
+            <a:r>
+              <a:rPr lang="en-GB" sz="2000" dirty="0" err="1">
+                <a:solidFill>
+                  <a:schemeClr val="tx2">
+                    <a:lumMod val="50000"/>
+                    <a:lumOff val="50000"/>
+                  </a:schemeClr>
+                </a:solidFill>
+              </a:rPr>
+              <a:t>includegraphics</a:t>
+            </a:r>
+            <a:r>
+              <a:rPr lang="en-GB" sz="2000" dirty="0"/>
+              <a:t>[width=0.9 </a:t>
+            </a:r>
+            <a:r>
+              <a:rPr lang="en-GB" sz="2000" dirty="0">
+                <a:solidFill>
+                  <a:schemeClr val="tx2">
+                    <a:lumMod val="50000"/>
+                    <a:lumOff val="50000"/>
+                  </a:schemeClr>
+                </a:solidFill>
+              </a:rPr>
+              <a:t>\</a:t>
+            </a:r>
+            <a:r>
+              <a:rPr lang="en-GB" sz="2000" dirty="0" err="1">
+                <a:solidFill>
+                  <a:schemeClr val="tx2">
+                    <a:lumMod val="50000"/>
+                    <a:lumOff val="50000"/>
+                  </a:schemeClr>
+                </a:solidFill>
+              </a:rPr>
+              <a:t>textwidth</a:t>
+            </a:r>
+            <a:r>
+              <a:rPr lang="en-GB" sz="2000" dirty="0"/>
+              <a:t>]{</a:t>
+            </a:r>
+            <a:r>
+              <a:rPr lang="en-GB" sz="2000" dirty="0">
+                <a:solidFill>
+                  <a:schemeClr val="accent2">
+                    <a:lumMod val="75000"/>
+                  </a:schemeClr>
+                </a:solidFill>
+              </a:rPr>
+              <a:t>earth</a:t>
+            </a:r>
+            <a:r>
+              <a:rPr lang="en-GB" sz="2000" dirty="0"/>
+              <a:t>}</a:t>
+            </a:r>
+          </a:p>
+          <a:p>
+            <a:pPr marL="0" indent="0">
+              <a:buFont typeface="Arial"/>
+              <a:buNone/>
+            </a:pPr>
+            <a:r>
+              <a:rPr lang="en-GB" sz="2000" dirty="0">
+                <a:solidFill>
+                  <a:schemeClr val="tx2">
+                    <a:lumMod val="50000"/>
+                    <a:lumOff val="50000"/>
+                  </a:schemeClr>
+                </a:solidFill>
+              </a:rPr>
+              <a:t>\caption</a:t>
+            </a:r>
+            <a:r>
+              <a:rPr lang="en-GB" sz="2000" dirty="0"/>
+              <a:t>[Planet Earth]{Earth is the third planet from the Sun. It has a radius of 6371km and orbits the Sun at a distance of 150 million km.}</a:t>
+            </a:r>
+          </a:p>
+          <a:p>
+            <a:pPr marL="0" indent="0">
+              <a:buFont typeface="Arial"/>
+              <a:buNone/>
+            </a:pPr>
+            <a:r>
+              <a:rPr lang="en-GB" sz="2000" dirty="0">
+                <a:solidFill>
+                  <a:schemeClr val="tx2">
+                    <a:lumMod val="50000"/>
+                    <a:lumOff val="50000"/>
+                  </a:schemeClr>
+                </a:solidFill>
+              </a:rPr>
+              <a:t>\end</a:t>
+            </a:r>
+            <a:r>
+              <a:rPr lang="en-GB" sz="2000" dirty="0"/>
+              <a:t>{</a:t>
+            </a:r>
+            <a:r>
+              <a:rPr lang="en-GB" sz="2000" dirty="0">
+                <a:solidFill>
+                  <a:schemeClr val="accent2">
+                    <a:lumMod val="75000"/>
+                  </a:schemeClr>
+                </a:solidFill>
+              </a:rPr>
+              <a:t>figure</a:t>
+            </a:r>
+            <a:r>
+              <a:rPr lang="en-GB" sz="2000" dirty="0"/>
+              <a:t>}</a:t>
             </a:r>
           </a:p>
         </p:txBody>
       </p:sp>
+      <p:pic>
+        <p:nvPicPr>
+          <p:cNvPr id="11" name="Picture 10">
+            <a:extLst>
+              <a:ext uri="{FF2B5EF4-FFF2-40B4-BE49-F238E27FC236}">
+                <a16:creationId xmlns:a16="http://schemas.microsoft.com/office/drawing/2014/main" id="{08AEEE69-6C95-40FA-AD37-2E29B2E9F069}"/>
+              </a:ext>
+            </a:extLst>
+          </p:cNvPr>
+          <p:cNvPicPr>
+            <a:picLocks noChangeAspect="1"/>
+          </p:cNvPicPr>
+          <p:nvPr/>
+        </p:nvPicPr>
+        <p:blipFill>
+          <a:blip r:embed="rId3"/>
+          <a:stretch>
+            <a:fillRect/>
+          </a:stretch>
+        </p:blipFill>
+        <p:spPr>
+          <a:xfrm>
+            <a:off x="4719146" y="1288488"/>
+            <a:ext cx="4418252" cy="4970079"/>
+          </a:xfrm>
+          <a:prstGeom prst="rect">
+            <a:avLst/>
+          </a:prstGeom>
+        </p:spPr>
+      </p:pic>
     </p:spTree>
     <p:extLst>
       <p:ext uri="{BB962C8B-B14F-4D97-AF65-F5344CB8AC3E}">
-        <p14:creationId xmlns:p14="http://schemas.microsoft.com/office/powerpoint/2010/main" val="358316703"/>
+        <p14:creationId xmlns:p14="http://schemas.microsoft.com/office/powerpoint/2010/main" val="2809834161"/>
       </p:ext>
     </p:extLst>
   </p:cSld>
   <p:clrMapOvr>
     <a:masterClrMapping/>
   </p:clrMapOvr>
-  <mc:AlternateContent xmlns:mc="http://schemas.openxmlformats.org/markup-compatibility/2006" xmlns:p14="http://schemas.microsoft.com/office/powerpoint/2010/main">
-    <mc:Choice Requires="p14">
+  <mc:AlternateContent xmlns:mc="http://schemas.openxmlformats.org/markup-compatibility/2006">
+    <mc:Choice xmlns:p14="http://schemas.microsoft.com/office/powerpoint/2010/main" Requires="p14">
       <p:transition p14:dur="10"/>
     </mc:Choice>
-    <mc:Fallback xmlns="">
+    <mc:Fallback>
       <p:transition/>
     </mc:Fallback>
   </mc:AlternateContent>
@@ -16712,413 +17188,120 @@
           <a:p>
             <a:r>
               <a:rPr lang="en-GB" sz="4000" dirty="0"/>
-              <a:t>Custom Commands</a:t>
+              <a:t>Graphics Path</a:t>
             </a:r>
           </a:p>
         </p:txBody>
       </p:sp>
-      <p:cxnSp>
-        <p:nvCxnSpPr>
-          <p:cNvPr id="12" name="Straight Connector 11"/>
-          <p:cNvCxnSpPr/>
-          <p:nvPr/>
-        </p:nvCxnSpPr>
-        <p:spPr>
-          <a:xfrm>
-            <a:off x="4572000" y="1417638"/>
-            <a:ext cx="0" cy="5440362"/>
-          </a:xfrm>
-          <a:prstGeom prst="line">
-            <a:avLst/>
-          </a:prstGeom>
-        </p:spPr>
-        <p:style>
-          <a:lnRef idx="2">
-            <a:schemeClr val="accent1"/>
-          </a:lnRef>
-          <a:fillRef idx="0">
-            <a:schemeClr val="accent1"/>
-          </a:fillRef>
-          <a:effectRef idx="1">
-            <a:schemeClr val="accent1"/>
-          </a:effectRef>
-          <a:fontRef idx="minor">
-            <a:schemeClr val="tx1"/>
-          </a:fontRef>
-        </p:style>
-      </p:cxnSp>
-      <p:sp>
-        <p:nvSpPr>
-          <p:cNvPr id="4" name="Rectangle 2"/>
-          <p:cNvSpPr>
-            <a:spLocks noChangeArrowheads="1"/>
-          </p:cNvSpPr>
-          <p:nvPr/>
-        </p:nvSpPr>
-        <p:spPr bwMode="auto">
-          <a:xfrm>
-            <a:off x="379360" y="1686591"/>
-            <a:ext cx="4166693" cy="4154984"/>
-          </a:xfrm>
-          <a:prstGeom prst="rect">
-            <a:avLst/>
-          </a:prstGeom>
-          <a:noFill/>
-          <a:ln>
-            <a:noFill/>
-          </a:ln>
-          <a:effectLst/>
-        </p:spPr>
-        <p:txBody>
-          <a:bodyPr vert="horz" wrap="square" lIns="91440" tIns="45720" rIns="91440" bIns="45720" numCol="1" anchor="ctr" anchorCtr="0" compatLnSpc="1">
-            <a:prstTxWarp prst="textNoShape">
-              <a:avLst/>
-            </a:prstTxWarp>
-            <a:spAutoFit/>
-          </a:bodyPr>
-          <a:lstStyle/>
-          <a:p>
-            <a:r>
-              <a:rPr lang="en-GB" sz="2400" dirty="0">
-                <a:solidFill>
-                  <a:schemeClr val="tx2">
-                    <a:lumMod val="50000"/>
-                    <a:lumOff val="50000"/>
-                  </a:schemeClr>
-                </a:solidFill>
-              </a:rPr>
-              <a:t>\</a:t>
-            </a:r>
-            <a:r>
-              <a:rPr lang="en-GB" sz="2400" dirty="0" err="1">
-                <a:solidFill>
-                  <a:schemeClr val="tx2">
-                    <a:lumMod val="50000"/>
-                    <a:lumOff val="50000"/>
-                  </a:schemeClr>
-                </a:solidFill>
-              </a:rPr>
-              <a:t>newcommand</a:t>
-            </a:r>
-            <a:r>
-              <a:rPr lang="en-GB" sz="2400" dirty="0"/>
-              <a:t>{</a:t>
-            </a:r>
-            <a:r>
-              <a:rPr lang="en-GB" sz="2400" dirty="0">
-                <a:solidFill>
-                  <a:schemeClr val="tx2">
-                    <a:lumMod val="50000"/>
-                    <a:lumOff val="50000"/>
-                  </a:schemeClr>
-                </a:solidFill>
-              </a:rPr>
-              <a:t>\</a:t>
-            </a:r>
-            <a:r>
-              <a:rPr lang="en-GB" sz="2400" dirty="0" err="1">
-                <a:solidFill>
-                  <a:schemeClr val="tx2">
-                    <a:lumMod val="50000"/>
-                    <a:lumOff val="50000"/>
-                  </a:schemeClr>
-                </a:solidFill>
-              </a:rPr>
-              <a:t>hardmaths</a:t>
-            </a:r>
-            <a:r>
-              <a:rPr lang="en-GB" sz="2400" dirty="0"/>
-              <a:t>} {</a:t>
-            </a:r>
-            <a:r>
-              <a:rPr lang="en-GB" sz="2400" dirty="0">
-                <a:solidFill>
-                  <a:schemeClr val="tx2">
-                    <a:lumMod val="50000"/>
-                    <a:lumOff val="50000"/>
-                  </a:schemeClr>
-                </a:solidFill>
-              </a:rPr>
-              <a:t>\frac</a:t>
-            </a:r>
-            <a:r>
-              <a:rPr lang="en-GB" sz="2400" dirty="0"/>
-              <a:t>{</a:t>
-            </a:r>
-            <a:r>
-              <a:rPr lang="en-GB" sz="2400" dirty="0">
-                <a:solidFill>
-                  <a:schemeClr val="tx2">
-                    <a:lumMod val="50000"/>
-                    <a:lumOff val="50000"/>
-                  </a:schemeClr>
-                </a:solidFill>
-              </a:rPr>
-              <a:t>\sin</a:t>
-            </a:r>
-            <a:r>
-              <a:rPr lang="en-GB" sz="2400" dirty="0"/>
-              <a:t>{(x\pi)}} {2</a:t>
-            </a:r>
-            <a:r>
-              <a:rPr lang="en-GB" sz="2400" dirty="0">
-                <a:solidFill>
-                  <a:schemeClr val="accent1">
-                    <a:lumMod val="60000"/>
-                    <a:lumOff val="40000"/>
-                  </a:schemeClr>
-                </a:solidFill>
-              </a:rPr>
-              <a:t>\alpha</a:t>
-            </a:r>
-            <a:r>
-              <a:rPr lang="en-GB" sz="2400" dirty="0"/>
-              <a:t>}}</a:t>
-            </a:r>
-          </a:p>
-          <a:p>
-            <a:endParaRPr lang="en-GB" sz="2400" dirty="0"/>
-          </a:p>
-          <a:p>
-            <a:r>
-              <a:rPr lang="en-GB" sz="2400" dirty="0">
-                <a:solidFill>
-                  <a:schemeClr val="tx2">
-                    <a:lumMod val="50000"/>
-                    <a:lumOff val="50000"/>
-                  </a:schemeClr>
-                </a:solidFill>
-              </a:rPr>
-              <a:t>\</a:t>
-            </a:r>
-            <a:r>
-              <a:rPr lang="en-GB" sz="2400" dirty="0" err="1">
-                <a:solidFill>
-                  <a:schemeClr val="tx2">
-                    <a:lumMod val="50000"/>
-                    <a:lumOff val="50000"/>
-                  </a:schemeClr>
-                </a:solidFill>
-              </a:rPr>
-              <a:t>newcommand</a:t>
-            </a:r>
-            <a:r>
-              <a:rPr lang="en-GB" sz="2400" dirty="0"/>
-              <a:t>{</a:t>
-            </a:r>
-            <a:r>
-              <a:rPr lang="en-GB" sz="2400" dirty="0">
-                <a:solidFill>
-                  <a:schemeClr val="tx2">
-                    <a:lumMod val="50000"/>
-                    <a:lumOff val="50000"/>
-                  </a:schemeClr>
-                </a:solidFill>
-              </a:rPr>
-              <a:t>\diff</a:t>
-            </a:r>
-            <a:r>
-              <a:rPr lang="en-GB" sz="2400" dirty="0"/>
-              <a:t>}[2]  {</a:t>
-            </a:r>
-            <a:r>
-              <a:rPr lang="en-GB" sz="2400" dirty="0">
-                <a:solidFill>
-                  <a:schemeClr val="tx2">
-                    <a:lumMod val="50000"/>
-                    <a:lumOff val="50000"/>
-                  </a:schemeClr>
-                </a:solidFill>
-              </a:rPr>
-              <a:t>\frac{\</a:t>
-            </a:r>
-            <a:r>
-              <a:rPr lang="en-GB" sz="2400" dirty="0" err="1">
-                <a:solidFill>
-                  <a:schemeClr val="tx2">
-                    <a:lumMod val="50000"/>
-                    <a:lumOff val="50000"/>
-                  </a:schemeClr>
-                </a:solidFill>
-              </a:rPr>
-              <a:t>textrm</a:t>
-            </a:r>
-            <a:r>
-              <a:rPr lang="en-GB" sz="2400" dirty="0"/>
-              <a:t>{d}{#1}} {</a:t>
-            </a:r>
-            <a:r>
-              <a:rPr lang="en-GB" sz="2400" dirty="0">
-                <a:solidFill>
-                  <a:schemeClr val="tx2">
-                    <a:lumMod val="50000"/>
-                    <a:lumOff val="50000"/>
-                  </a:schemeClr>
-                </a:solidFill>
-              </a:rPr>
-              <a:t>\</a:t>
-            </a:r>
-            <a:r>
-              <a:rPr lang="en-GB" sz="2400" dirty="0" err="1">
-                <a:solidFill>
-                  <a:schemeClr val="tx2">
-                    <a:lumMod val="50000"/>
-                    <a:lumOff val="50000"/>
-                  </a:schemeClr>
-                </a:solidFill>
-              </a:rPr>
-              <a:t>textrm</a:t>
-            </a:r>
-            <a:r>
-              <a:rPr lang="en-GB" sz="2400" dirty="0"/>
-              <a:t>{d}{#2}}}</a:t>
-            </a:r>
-          </a:p>
-          <a:p>
-            <a:endParaRPr lang="en-GB" sz="2400" dirty="0"/>
-          </a:p>
-          <a:p>
-            <a:r>
-              <a:rPr lang="en-GB" sz="2400" dirty="0">
-                <a:solidFill>
-                  <a:schemeClr val="tx2">
-                    <a:lumMod val="50000"/>
-                    <a:lumOff val="50000"/>
-                  </a:schemeClr>
-                </a:solidFill>
-              </a:rPr>
-              <a:t>\begin</a:t>
-            </a:r>
-            <a:r>
-              <a:rPr lang="en-GB" sz="2400" dirty="0"/>
-              <a:t>{document}</a:t>
-            </a:r>
-          </a:p>
-          <a:p>
-            <a:endParaRPr lang="en-GB" sz="2400" dirty="0"/>
-          </a:p>
-          <a:p>
-            <a:r>
-              <a:rPr lang="en-GB" sz="2400" dirty="0"/>
-              <a:t>A quick way to write </a:t>
-            </a:r>
-            <a:r>
-              <a:rPr lang="en-GB" sz="2400" dirty="0">
-                <a:solidFill>
-                  <a:schemeClr val="accent3">
-                    <a:lumMod val="60000"/>
-                    <a:lumOff val="40000"/>
-                  </a:schemeClr>
-                </a:solidFill>
-              </a:rPr>
-              <a:t>$</a:t>
-            </a:r>
-            <a:r>
-              <a:rPr lang="en-GB" sz="2400" dirty="0">
-                <a:solidFill>
-                  <a:schemeClr val="accent1">
-                    <a:lumMod val="60000"/>
-                    <a:lumOff val="40000"/>
-                  </a:schemeClr>
-                </a:solidFill>
-              </a:rPr>
-              <a:t>\diff</a:t>
-            </a:r>
-            <a:r>
-              <a:rPr lang="en-GB" sz="2400" dirty="0">
-                <a:solidFill>
-                  <a:schemeClr val="accent3">
-                    <a:lumMod val="60000"/>
-                    <a:lumOff val="40000"/>
-                  </a:schemeClr>
-                </a:solidFill>
-              </a:rPr>
-              <a:t>{y}{x}</a:t>
-            </a:r>
-            <a:r>
-              <a:rPr lang="en-GB" sz="2400" dirty="0"/>
-              <a:t>=</a:t>
-            </a:r>
-            <a:r>
-              <a:rPr lang="en-GB" sz="2400" dirty="0">
-                <a:solidFill>
-                  <a:schemeClr val="accent1">
-                    <a:lumMod val="60000"/>
-                    <a:lumOff val="40000"/>
-                  </a:schemeClr>
-                </a:solidFill>
-              </a:rPr>
-              <a:t>\</a:t>
-            </a:r>
-            <a:r>
-              <a:rPr lang="en-GB" sz="2400" dirty="0" err="1">
-                <a:solidFill>
-                  <a:schemeClr val="accent1">
-                    <a:lumMod val="60000"/>
-                    <a:lumOff val="40000"/>
-                  </a:schemeClr>
-                </a:solidFill>
-              </a:rPr>
-              <a:t>hardmaths</a:t>
-            </a:r>
-            <a:r>
-              <a:rPr lang="en-GB" sz="2400" dirty="0">
-                <a:solidFill>
-                  <a:schemeClr val="accent3">
-                    <a:lumMod val="60000"/>
-                    <a:lumOff val="40000"/>
-                  </a:schemeClr>
-                </a:solidFill>
-              </a:rPr>
-              <a:t>$</a:t>
-            </a:r>
-            <a:endParaRPr lang="en-US" altLang="en-US" sz="2400" dirty="0">
-              <a:solidFill>
-                <a:schemeClr val="accent3">
-                  <a:lumMod val="60000"/>
-                  <a:lumOff val="40000"/>
-                </a:schemeClr>
-              </a:solidFill>
-            </a:endParaRPr>
-          </a:p>
-        </p:txBody>
-      </p:sp>
-      <p:pic>
-        <p:nvPicPr>
-          <p:cNvPr id="13" name="Picture 12">
+      <p:sp>
+        <p:nvSpPr>
+          <p:cNvPr id="7" name="Content Placeholder 6">
             <a:extLst>
               <a:ext uri="{FF2B5EF4-FFF2-40B4-BE49-F238E27FC236}">
-                <a16:creationId xmlns:a16="http://schemas.microsoft.com/office/drawing/2014/main" id="{8A08522B-9567-425D-856D-8B35D8CEF722}"/>
+                <a16:creationId xmlns:a16="http://schemas.microsoft.com/office/drawing/2014/main" id="{A4668B92-0976-4E36-A913-C47498FEE667}"/>
               </a:ext>
             </a:extLst>
           </p:cNvPr>
-          <p:cNvPicPr>
-            <a:picLocks noChangeAspect="1"/>
-          </p:cNvPicPr>
-          <p:nvPr/>
-        </p:nvPicPr>
-        <p:blipFill>
-          <a:blip r:embed="rId3"/>
-          <a:stretch>
-            <a:fillRect/>
-          </a:stretch>
-        </p:blipFill>
+          <p:cNvSpPr>
+            <a:spLocks noGrp="1"/>
+          </p:cNvSpPr>
+          <p:nvPr>
+            <p:ph idx="1"/>
+          </p:nvPr>
+        </p:nvSpPr>
         <p:spPr>
           <a:xfrm>
-            <a:off x="4809198" y="3599955"/>
-            <a:ext cx="3955441" cy="537864"/>
+            <a:off x="457200" y="1417638"/>
+            <a:ext cx="8229600" cy="4525963"/>
           </a:xfrm>
-          <a:prstGeom prst="rect">
-            <a:avLst/>
-          </a:prstGeom>
         </p:spPr>
-      </p:pic>
-      <p:sp>
-        <p:nvSpPr>
-          <p:cNvPr id="6" name="TextBox 5">
+        <p:txBody>
+          <a:bodyPr/>
+          <a:lstStyle/>
+          <a:p>
+            <a:r>
+              <a:rPr lang="en-GB" sz="2800" dirty="0"/>
+              <a:t>You can set where LaTeX should look for the graphics to be used in your document</a:t>
+            </a:r>
+          </a:p>
+          <a:p>
+            <a:r>
+              <a:rPr lang="en-GB" sz="2800" dirty="0"/>
+              <a:t>Useful for separating figures for different chapters and the .</a:t>
+            </a:r>
+            <a:r>
+              <a:rPr lang="en-GB" sz="2800" dirty="0" err="1"/>
+              <a:t>tex</a:t>
+            </a:r>
+            <a:r>
+              <a:rPr lang="en-GB" sz="2800" dirty="0"/>
+              <a:t> files</a:t>
+            </a:r>
+          </a:p>
+          <a:p>
+            <a:r>
+              <a:rPr lang="en-GB" sz="2800" dirty="0"/>
+              <a:t>The command </a:t>
+            </a:r>
+            <a:r>
+              <a:rPr lang="en-GB" sz="2800" dirty="0">
+                <a:solidFill>
+                  <a:schemeClr val="tx2">
+                    <a:lumMod val="50000"/>
+                    <a:lumOff val="50000"/>
+                  </a:schemeClr>
+                </a:solidFill>
+              </a:rPr>
+              <a:t>\</a:t>
+            </a:r>
+            <a:r>
+              <a:rPr lang="en-GB" sz="2800" dirty="0" err="1">
+                <a:solidFill>
+                  <a:schemeClr val="tx2">
+                    <a:lumMod val="50000"/>
+                    <a:lumOff val="50000"/>
+                  </a:schemeClr>
+                </a:solidFill>
+              </a:rPr>
+              <a:t>graphicspath</a:t>
+            </a:r>
+            <a:r>
+              <a:rPr lang="en-GB" sz="2800" dirty="0">
+                <a:solidFill>
+                  <a:schemeClr val="tx2">
+                    <a:lumMod val="50000"/>
+                    <a:lumOff val="50000"/>
+                  </a:schemeClr>
+                </a:solidFill>
+              </a:rPr>
+              <a:t> {{./FOLDER1/} {./FOLDER2/}} </a:t>
+            </a:r>
+            <a:r>
+              <a:rPr lang="en-GB" sz="2800" dirty="0"/>
+              <a:t>will tell LaTeX to look in the folders named “FOLDER1” and “FOLDER2” in the directory of the .</a:t>
+            </a:r>
+            <a:r>
+              <a:rPr lang="en-GB" sz="2800" dirty="0" err="1"/>
+              <a:t>tex</a:t>
+            </a:r>
+            <a:r>
+              <a:rPr lang="en-GB" sz="2800" dirty="0"/>
+              <a:t> file</a:t>
+            </a:r>
+            <a:endParaRPr lang="en-GB" sz="2400" dirty="0"/>
+          </a:p>
+          <a:p>
+            <a:pPr lvl="1"/>
+            <a:endParaRPr lang="en-GB" sz="1600" dirty="0"/>
+          </a:p>
+        </p:txBody>
+      </p:sp>
+      <p:sp>
+        <p:nvSpPr>
+          <p:cNvPr id="4" name="TextBox 3">
             <a:extLst>
               <a:ext uri="{FF2B5EF4-FFF2-40B4-BE49-F238E27FC236}">
-                <a16:creationId xmlns:a16="http://schemas.microsoft.com/office/drawing/2014/main" id="{60A5A0E4-D0CF-4B28-8E87-60A3B3E341C1}"/>
+                <a16:creationId xmlns:a16="http://schemas.microsoft.com/office/drawing/2014/main" id="{398C5D47-C6D2-45C0-8D24-2F32A438F365}"/>
               </a:ext>
             </a:extLst>
           </p:cNvPr>
@@ -17155,7 +17338,7 @@
     </p:spTree>
     <p:extLst>
       <p:ext uri="{BB962C8B-B14F-4D97-AF65-F5344CB8AC3E}">
-        <p14:creationId xmlns:p14="http://schemas.microsoft.com/office/powerpoint/2010/main" val="1666026033"/>
+        <p14:creationId xmlns:p14="http://schemas.microsoft.com/office/powerpoint/2010/main" val="358316703"/>
       </p:ext>
     </p:extLst>
   </p:cSld>
@@ -17207,6 +17390,501 @@
           <a:p>
             <a:r>
               <a:rPr lang="en-GB" sz="4000" dirty="0"/>
+              <a:t>Custom Commands</a:t>
+            </a:r>
+          </a:p>
+        </p:txBody>
+      </p:sp>
+      <p:cxnSp>
+        <p:nvCxnSpPr>
+          <p:cNvPr id="12" name="Straight Connector 11"/>
+          <p:cNvCxnSpPr/>
+          <p:nvPr/>
+        </p:nvCxnSpPr>
+        <p:spPr>
+          <a:xfrm>
+            <a:off x="4572000" y="1417638"/>
+            <a:ext cx="0" cy="5440362"/>
+          </a:xfrm>
+          <a:prstGeom prst="line">
+            <a:avLst/>
+          </a:prstGeom>
+        </p:spPr>
+        <p:style>
+          <a:lnRef idx="2">
+            <a:schemeClr val="accent1"/>
+          </a:lnRef>
+          <a:fillRef idx="0">
+            <a:schemeClr val="accent1"/>
+          </a:fillRef>
+          <a:effectRef idx="1">
+            <a:schemeClr val="accent1"/>
+          </a:effectRef>
+          <a:fontRef idx="minor">
+            <a:schemeClr val="tx1"/>
+          </a:fontRef>
+        </p:style>
+      </p:cxnSp>
+      <p:sp>
+        <p:nvSpPr>
+          <p:cNvPr id="4" name="Rectangle 2"/>
+          <p:cNvSpPr>
+            <a:spLocks noChangeArrowheads="1"/>
+          </p:cNvSpPr>
+          <p:nvPr/>
+        </p:nvSpPr>
+        <p:spPr bwMode="auto">
+          <a:xfrm>
+            <a:off x="379360" y="1686591"/>
+            <a:ext cx="4166693" cy="4154984"/>
+          </a:xfrm>
+          <a:prstGeom prst="rect">
+            <a:avLst/>
+          </a:prstGeom>
+          <a:noFill/>
+          <a:ln>
+            <a:noFill/>
+          </a:ln>
+          <a:effectLst/>
+        </p:spPr>
+        <p:txBody>
+          <a:bodyPr vert="horz" wrap="square" lIns="91440" tIns="45720" rIns="91440" bIns="45720" numCol="1" anchor="ctr" anchorCtr="0" compatLnSpc="1">
+            <a:prstTxWarp prst="textNoShape">
+              <a:avLst/>
+            </a:prstTxWarp>
+            <a:spAutoFit/>
+          </a:bodyPr>
+          <a:lstStyle/>
+          <a:p>
+            <a:r>
+              <a:rPr lang="en-GB" sz="2400" dirty="0">
+                <a:solidFill>
+                  <a:schemeClr val="tx2">
+                    <a:lumMod val="50000"/>
+                    <a:lumOff val="50000"/>
+                  </a:schemeClr>
+                </a:solidFill>
+              </a:rPr>
+              <a:t>\</a:t>
+            </a:r>
+            <a:r>
+              <a:rPr lang="en-GB" sz="2400" dirty="0" err="1">
+                <a:solidFill>
+                  <a:schemeClr val="tx2">
+                    <a:lumMod val="50000"/>
+                    <a:lumOff val="50000"/>
+                  </a:schemeClr>
+                </a:solidFill>
+              </a:rPr>
+              <a:t>newcommand</a:t>
+            </a:r>
+            <a:r>
+              <a:rPr lang="en-GB" sz="2400" dirty="0"/>
+              <a:t>{</a:t>
+            </a:r>
+            <a:r>
+              <a:rPr lang="en-GB" sz="2400" dirty="0">
+                <a:solidFill>
+                  <a:schemeClr val="tx2">
+                    <a:lumMod val="50000"/>
+                    <a:lumOff val="50000"/>
+                  </a:schemeClr>
+                </a:solidFill>
+              </a:rPr>
+              <a:t>\</a:t>
+            </a:r>
+            <a:r>
+              <a:rPr lang="en-GB" sz="2400" dirty="0" err="1">
+                <a:solidFill>
+                  <a:schemeClr val="tx2">
+                    <a:lumMod val="50000"/>
+                    <a:lumOff val="50000"/>
+                  </a:schemeClr>
+                </a:solidFill>
+              </a:rPr>
+              <a:t>hardmaths</a:t>
+            </a:r>
+            <a:r>
+              <a:rPr lang="en-GB" sz="2400" dirty="0"/>
+              <a:t>} {</a:t>
+            </a:r>
+            <a:r>
+              <a:rPr lang="en-GB" sz="2400" dirty="0">
+                <a:solidFill>
+                  <a:schemeClr val="tx2">
+                    <a:lumMod val="50000"/>
+                    <a:lumOff val="50000"/>
+                  </a:schemeClr>
+                </a:solidFill>
+              </a:rPr>
+              <a:t>\frac</a:t>
+            </a:r>
+            <a:r>
+              <a:rPr lang="en-GB" sz="2400" dirty="0"/>
+              <a:t>{</a:t>
+            </a:r>
+            <a:r>
+              <a:rPr lang="en-GB" sz="2400" dirty="0">
+                <a:solidFill>
+                  <a:schemeClr val="tx2">
+                    <a:lumMod val="50000"/>
+                    <a:lumOff val="50000"/>
+                  </a:schemeClr>
+                </a:solidFill>
+              </a:rPr>
+              <a:t>\sin</a:t>
+            </a:r>
+            <a:r>
+              <a:rPr lang="en-GB" sz="2400" dirty="0"/>
+              <a:t>{(x\pi)}} {2</a:t>
+            </a:r>
+            <a:r>
+              <a:rPr lang="en-GB" sz="2400" dirty="0">
+                <a:solidFill>
+                  <a:schemeClr val="accent1">
+                    <a:lumMod val="60000"/>
+                    <a:lumOff val="40000"/>
+                  </a:schemeClr>
+                </a:solidFill>
+              </a:rPr>
+              <a:t>\alpha</a:t>
+            </a:r>
+            <a:r>
+              <a:rPr lang="en-GB" sz="2400" dirty="0"/>
+              <a:t>}}</a:t>
+            </a:r>
+          </a:p>
+          <a:p>
+            <a:endParaRPr lang="en-GB" sz="2400" dirty="0"/>
+          </a:p>
+          <a:p>
+            <a:r>
+              <a:rPr lang="en-GB" sz="2400" dirty="0">
+                <a:solidFill>
+                  <a:schemeClr val="tx2">
+                    <a:lumMod val="50000"/>
+                    <a:lumOff val="50000"/>
+                  </a:schemeClr>
+                </a:solidFill>
+              </a:rPr>
+              <a:t>\</a:t>
+            </a:r>
+            <a:r>
+              <a:rPr lang="en-GB" sz="2400" dirty="0" err="1">
+                <a:solidFill>
+                  <a:schemeClr val="tx2">
+                    <a:lumMod val="50000"/>
+                    <a:lumOff val="50000"/>
+                  </a:schemeClr>
+                </a:solidFill>
+              </a:rPr>
+              <a:t>newcommand</a:t>
+            </a:r>
+            <a:r>
+              <a:rPr lang="en-GB" sz="2400" dirty="0"/>
+              <a:t>{</a:t>
+            </a:r>
+            <a:r>
+              <a:rPr lang="en-GB" sz="2400" dirty="0">
+                <a:solidFill>
+                  <a:schemeClr val="tx2">
+                    <a:lumMod val="50000"/>
+                    <a:lumOff val="50000"/>
+                  </a:schemeClr>
+                </a:solidFill>
+              </a:rPr>
+              <a:t>\diff</a:t>
+            </a:r>
+            <a:r>
+              <a:rPr lang="en-GB" sz="2400" dirty="0"/>
+              <a:t>}[2]  {</a:t>
+            </a:r>
+            <a:r>
+              <a:rPr lang="en-GB" sz="2400" dirty="0">
+                <a:solidFill>
+                  <a:schemeClr val="tx2">
+                    <a:lumMod val="50000"/>
+                    <a:lumOff val="50000"/>
+                  </a:schemeClr>
+                </a:solidFill>
+              </a:rPr>
+              <a:t>\frac{\</a:t>
+            </a:r>
+            <a:r>
+              <a:rPr lang="en-GB" sz="2400" dirty="0" err="1">
+                <a:solidFill>
+                  <a:schemeClr val="tx2">
+                    <a:lumMod val="50000"/>
+                    <a:lumOff val="50000"/>
+                  </a:schemeClr>
+                </a:solidFill>
+              </a:rPr>
+              <a:t>textrm</a:t>
+            </a:r>
+            <a:r>
+              <a:rPr lang="en-GB" sz="2400" dirty="0"/>
+              <a:t>{d}{#1}} {</a:t>
+            </a:r>
+            <a:r>
+              <a:rPr lang="en-GB" sz="2400" dirty="0">
+                <a:solidFill>
+                  <a:schemeClr val="tx2">
+                    <a:lumMod val="50000"/>
+                    <a:lumOff val="50000"/>
+                  </a:schemeClr>
+                </a:solidFill>
+              </a:rPr>
+              <a:t>\</a:t>
+            </a:r>
+            <a:r>
+              <a:rPr lang="en-GB" sz="2400" dirty="0" err="1">
+                <a:solidFill>
+                  <a:schemeClr val="tx2">
+                    <a:lumMod val="50000"/>
+                    <a:lumOff val="50000"/>
+                  </a:schemeClr>
+                </a:solidFill>
+              </a:rPr>
+              <a:t>textrm</a:t>
+            </a:r>
+            <a:r>
+              <a:rPr lang="en-GB" sz="2400" dirty="0"/>
+              <a:t>{d}{#2}}}</a:t>
+            </a:r>
+          </a:p>
+          <a:p>
+            <a:endParaRPr lang="en-GB" sz="2400" dirty="0"/>
+          </a:p>
+          <a:p>
+            <a:r>
+              <a:rPr lang="en-GB" sz="2400" dirty="0">
+                <a:solidFill>
+                  <a:schemeClr val="tx2">
+                    <a:lumMod val="50000"/>
+                    <a:lumOff val="50000"/>
+                  </a:schemeClr>
+                </a:solidFill>
+              </a:rPr>
+              <a:t>\begin</a:t>
+            </a:r>
+            <a:r>
+              <a:rPr lang="en-GB" sz="2400" dirty="0"/>
+              <a:t>{document}</a:t>
+            </a:r>
+          </a:p>
+          <a:p>
+            <a:endParaRPr lang="en-GB" sz="2400" dirty="0"/>
+          </a:p>
+          <a:p>
+            <a:r>
+              <a:rPr lang="en-GB" sz="2400" dirty="0"/>
+              <a:t>A quick way to write </a:t>
+            </a:r>
+            <a:r>
+              <a:rPr lang="en-GB" sz="2400" dirty="0">
+                <a:solidFill>
+                  <a:schemeClr val="accent3">
+                    <a:lumMod val="60000"/>
+                    <a:lumOff val="40000"/>
+                  </a:schemeClr>
+                </a:solidFill>
+              </a:rPr>
+              <a:t>$</a:t>
+            </a:r>
+            <a:r>
+              <a:rPr lang="en-GB" sz="2400" dirty="0">
+                <a:solidFill>
+                  <a:schemeClr val="accent1">
+                    <a:lumMod val="60000"/>
+                    <a:lumOff val="40000"/>
+                  </a:schemeClr>
+                </a:solidFill>
+              </a:rPr>
+              <a:t>\diff</a:t>
+            </a:r>
+            <a:r>
+              <a:rPr lang="en-GB" sz="2400" dirty="0">
+                <a:solidFill>
+                  <a:schemeClr val="accent3">
+                    <a:lumMod val="60000"/>
+                    <a:lumOff val="40000"/>
+                  </a:schemeClr>
+                </a:solidFill>
+              </a:rPr>
+              <a:t>{y}{x}</a:t>
+            </a:r>
+            <a:r>
+              <a:rPr lang="en-GB" sz="2400" dirty="0"/>
+              <a:t>=</a:t>
+            </a:r>
+            <a:r>
+              <a:rPr lang="en-GB" sz="2400" dirty="0">
+                <a:solidFill>
+                  <a:schemeClr val="accent1">
+                    <a:lumMod val="60000"/>
+                    <a:lumOff val="40000"/>
+                  </a:schemeClr>
+                </a:solidFill>
+              </a:rPr>
+              <a:t>\</a:t>
+            </a:r>
+            <a:r>
+              <a:rPr lang="en-GB" sz="2400" dirty="0" err="1">
+                <a:solidFill>
+                  <a:schemeClr val="accent1">
+                    <a:lumMod val="60000"/>
+                    <a:lumOff val="40000"/>
+                  </a:schemeClr>
+                </a:solidFill>
+              </a:rPr>
+              <a:t>hardmaths</a:t>
+            </a:r>
+            <a:r>
+              <a:rPr lang="en-GB" sz="2400" dirty="0">
+                <a:solidFill>
+                  <a:schemeClr val="accent3">
+                    <a:lumMod val="60000"/>
+                    <a:lumOff val="40000"/>
+                  </a:schemeClr>
+                </a:solidFill>
+              </a:rPr>
+              <a:t>$</a:t>
+            </a:r>
+            <a:endParaRPr lang="en-US" altLang="en-US" sz="2400" dirty="0">
+              <a:solidFill>
+                <a:schemeClr val="accent3">
+                  <a:lumMod val="60000"/>
+                  <a:lumOff val="40000"/>
+                </a:schemeClr>
+              </a:solidFill>
+            </a:endParaRPr>
+          </a:p>
+        </p:txBody>
+      </p:sp>
+      <p:pic>
+        <p:nvPicPr>
+          <p:cNvPr id="13" name="Picture 12">
+            <a:extLst>
+              <a:ext uri="{FF2B5EF4-FFF2-40B4-BE49-F238E27FC236}">
+                <a16:creationId xmlns:a16="http://schemas.microsoft.com/office/drawing/2014/main" id="{8A08522B-9567-425D-856D-8B35D8CEF722}"/>
+              </a:ext>
+            </a:extLst>
+          </p:cNvPr>
+          <p:cNvPicPr>
+            <a:picLocks noChangeAspect="1"/>
+          </p:cNvPicPr>
+          <p:nvPr/>
+        </p:nvPicPr>
+        <p:blipFill>
+          <a:blip r:embed="rId3"/>
+          <a:stretch>
+            <a:fillRect/>
+          </a:stretch>
+        </p:blipFill>
+        <p:spPr>
+          <a:xfrm>
+            <a:off x="4809198" y="3599955"/>
+            <a:ext cx="3955441" cy="537864"/>
+          </a:xfrm>
+          <a:prstGeom prst="rect">
+            <a:avLst/>
+          </a:prstGeom>
+        </p:spPr>
+      </p:pic>
+      <p:sp>
+        <p:nvSpPr>
+          <p:cNvPr id="6" name="TextBox 5">
+            <a:extLst>
+              <a:ext uri="{FF2B5EF4-FFF2-40B4-BE49-F238E27FC236}">
+                <a16:creationId xmlns:a16="http://schemas.microsoft.com/office/drawing/2014/main" id="{60A5A0E4-D0CF-4B28-8E87-60A3B3E341C1}"/>
+              </a:ext>
+            </a:extLst>
+          </p:cNvPr>
+          <p:cNvSpPr txBox="1"/>
+          <p:nvPr/>
+        </p:nvSpPr>
+        <p:spPr>
+          <a:xfrm>
+            <a:off x="7357241" y="6498021"/>
+            <a:ext cx="1697422" cy="369332"/>
+          </a:xfrm>
+          <a:prstGeom prst="rect">
+            <a:avLst/>
+          </a:prstGeom>
+          <a:noFill/>
+        </p:spPr>
+        <p:txBody>
+          <a:bodyPr wrap="square" rtlCol="0">
+            <a:spAutoFit/>
+          </a:bodyPr>
+          <a:lstStyle/>
+          <a:p>
+            <a:r>
+              <a:rPr lang="en-GB" dirty="0">
+                <a:solidFill>
+                  <a:schemeClr val="accent2"/>
+                </a:solidFill>
+              </a:rPr>
+              <a:t>Problem Sheet</a:t>
+            </a:r>
+          </a:p>
+        </p:txBody>
+      </p:sp>
+    </p:spTree>
+    <p:extLst>
+      <p:ext uri="{BB962C8B-B14F-4D97-AF65-F5344CB8AC3E}">
+        <p14:creationId xmlns:p14="http://schemas.microsoft.com/office/powerpoint/2010/main" val="1666026033"/>
+      </p:ext>
+    </p:extLst>
+  </p:cSld>
+  <p:clrMapOvr>
+    <a:masterClrMapping/>
+  </p:clrMapOvr>
+  <mc:AlternateContent xmlns:mc="http://schemas.openxmlformats.org/markup-compatibility/2006" xmlns:p14="http://schemas.microsoft.com/office/powerpoint/2010/main">
+    <mc:Choice Requires="p14">
+      <p:transition p14:dur="10"/>
+    </mc:Choice>
+    <mc:Fallback xmlns="">
+      <p:transition/>
+    </mc:Fallback>
+  </mc:AlternateContent>
+</p:sld>
+</file>
+
+<file path=ppt/slides/slide32.xml><?xml version="1.0" encoding="utf-8"?>
+<p:sld xmlns:a="http://schemas.openxmlformats.org/drawingml/2006/main" xmlns:r="http://schemas.openxmlformats.org/officeDocument/2006/relationships" xmlns:p="http://schemas.openxmlformats.org/presentationml/2006/main">
+  <p:cSld>
+    <p:spTree>
+      <p:nvGrpSpPr>
+        <p:cNvPr id="1" name=""/>
+        <p:cNvGrpSpPr/>
+        <p:nvPr/>
+      </p:nvGrpSpPr>
+      <p:grpSpPr>
+        <a:xfrm>
+          <a:off x="0" y="0"/>
+          <a:ext cx="0" cy="0"/>
+          <a:chOff x="0" y="0"/>
+          <a:chExt cx="0" cy="0"/>
+        </a:xfrm>
+      </p:grpSpPr>
+      <p:sp>
+        <p:nvSpPr>
+          <p:cNvPr id="2" name="Title 1"/>
+          <p:cNvSpPr>
+            <a:spLocks noGrp="1"/>
+          </p:cNvSpPr>
+          <p:nvPr>
+            <p:ph type="title"/>
+          </p:nvPr>
+        </p:nvSpPr>
+        <p:spPr/>
+        <p:txBody>
+          <a:bodyPr/>
+          <a:lstStyle/>
+          <a:p>
+            <a:r>
+              <a:rPr lang="en-GB" sz="4000" dirty="0"/>
               <a:t>Bibliography Management</a:t>
             </a:r>
           </a:p>
@@ -17291,7 +17969,7 @@
 </p:sld>
 </file>
 
-<file path=ppt/slides/slide32.xml><?xml version="1.0" encoding="utf-8"?>
+<file path=ppt/slides/slide33.xml><?xml version="1.0" encoding="utf-8"?>
 <p:sld xmlns:a="http://schemas.openxmlformats.org/drawingml/2006/main" xmlns:r="http://schemas.openxmlformats.org/officeDocument/2006/relationships" xmlns:p="http://schemas.openxmlformats.org/presentationml/2006/main">
   <p:cSld>
     <p:spTree>
@@ -17761,7 +18439,7 @@
 </p:sld>
 </file>
 
-<file path=ppt/slides/slide33.xml><?xml version="1.0" encoding="utf-8"?>
+<file path=ppt/slides/slide34.xml><?xml version="1.0" encoding="utf-8"?>
 <p:sld xmlns:a="http://schemas.openxmlformats.org/drawingml/2006/main" xmlns:r="http://schemas.openxmlformats.org/officeDocument/2006/relationships" xmlns:p="http://schemas.openxmlformats.org/presentationml/2006/main">
   <p:cSld>
     <p:spTree>
@@ -18213,7 +18891,7 @@
 </p:sld>
 </file>
 
-<file path=ppt/slides/slide34.xml><?xml version="1.0" encoding="utf-8"?>
+<file path=ppt/slides/slide35.xml><?xml version="1.0" encoding="utf-8"?>
 <p:sld xmlns:a="http://schemas.openxmlformats.org/drawingml/2006/main" xmlns:r="http://schemas.openxmlformats.org/officeDocument/2006/relationships" xmlns:p="http://schemas.openxmlformats.org/presentationml/2006/main">
   <p:cSld>
     <p:spTree>
@@ -18678,7 +19356,7 @@
 </p:sld>
 </file>
 
-<file path=ppt/slides/slide35.xml><?xml version="1.0" encoding="utf-8"?>
+<file path=ppt/slides/slide36.xml><?xml version="1.0" encoding="utf-8"?>
 <p:sld xmlns:a="http://schemas.openxmlformats.org/drawingml/2006/main" xmlns:r="http://schemas.openxmlformats.org/officeDocument/2006/relationships" xmlns:p="http://schemas.openxmlformats.org/presentationml/2006/main">
   <p:cSld>
     <p:spTree>
@@ -18984,7 +19662,7 @@
 </p:sld>
 </file>
 
-<file path=ppt/slides/slide36.xml><?xml version="1.0" encoding="utf-8"?>
+<file path=ppt/slides/slide37.xml><?xml version="1.0" encoding="utf-8"?>
 <p:sld xmlns:a="http://schemas.openxmlformats.org/drawingml/2006/main" xmlns:r="http://schemas.openxmlformats.org/officeDocument/2006/relationships" xmlns:p="http://schemas.openxmlformats.org/presentationml/2006/main">
   <p:cSld>
     <p:spTree>
@@ -19262,7 +19940,7 @@
 </p:sld>
 </file>
 
-<file path=ppt/slides/slide37.xml><?xml version="1.0" encoding="utf-8"?>
+<file path=ppt/slides/slide38.xml><?xml version="1.0" encoding="utf-8"?>
 <p:sld xmlns:a="http://schemas.openxmlformats.org/drawingml/2006/main" xmlns:r="http://schemas.openxmlformats.org/officeDocument/2006/relationships" xmlns:p="http://schemas.openxmlformats.org/presentationml/2006/main">
   <p:cSld>
     <p:spTree>
@@ -19740,7 +20418,7 @@
 </p:sld>
 </file>
 
-<file path=ppt/slides/slide38.xml><?xml version="1.0" encoding="utf-8"?>
+<file path=ppt/slides/slide39.xml><?xml version="1.0" encoding="utf-8"?>
 <p:sld xmlns:a="http://schemas.openxmlformats.org/drawingml/2006/main" xmlns:r="http://schemas.openxmlformats.org/officeDocument/2006/relationships" xmlns:p="http://schemas.openxmlformats.org/presentationml/2006/main">
   <p:cSld>
     <p:spTree>
@@ -20222,7 +20900,205 @@
 </p:sld>
 </file>
 
-<file path=ppt/slides/slide39.xml><?xml version="1.0" encoding="utf-8"?>
+<file path=ppt/slides/slide4.xml><?xml version="1.0" encoding="utf-8"?>
+<p:sld xmlns:a="http://schemas.openxmlformats.org/drawingml/2006/main" xmlns:r="http://schemas.openxmlformats.org/officeDocument/2006/relationships" xmlns:p="http://schemas.openxmlformats.org/presentationml/2006/main">
+  <p:cSld>
+    <p:spTree>
+      <p:nvGrpSpPr>
+        <p:cNvPr id="1" name=""/>
+        <p:cNvGrpSpPr/>
+        <p:nvPr/>
+      </p:nvGrpSpPr>
+      <p:grpSpPr>
+        <a:xfrm>
+          <a:off x="0" y="0"/>
+          <a:ext cx="0" cy="0"/>
+          <a:chOff x="0" y="0"/>
+          <a:chExt cx="0" cy="0"/>
+        </a:xfrm>
+      </p:grpSpPr>
+      <p:sp>
+        <p:nvSpPr>
+          <p:cNvPr id="2" name="Title 1"/>
+          <p:cNvSpPr>
+            <a:spLocks noGrp="1"/>
+          </p:cNvSpPr>
+          <p:nvPr>
+            <p:ph type="title"/>
+          </p:nvPr>
+        </p:nvSpPr>
+        <p:spPr/>
+        <p:txBody>
+          <a:bodyPr/>
+          <a:lstStyle/>
+          <a:p>
+            <a:r>
+              <a:rPr lang="en-GB" sz="4000" dirty="0"/>
+              <a:t>Writing Theses in LaTeX</a:t>
+            </a:r>
+          </a:p>
+        </p:txBody>
+      </p:sp>
+      <p:sp>
+        <p:nvSpPr>
+          <p:cNvPr id="3" name="Content Placeholder 2"/>
+          <p:cNvSpPr>
+            <a:spLocks noGrp="1"/>
+          </p:cNvSpPr>
+          <p:nvPr>
+            <p:ph idx="1"/>
+          </p:nvPr>
+        </p:nvSpPr>
+        <p:spPr>
+          <a:xfrm>
+            <a:off x="457200" y="1600200"/>
+            <a:ext cx="8435280" cy="4876800"/>
+          </a:xfrm>
+        </p:spPr>
+        <p:txBody>
+          <a:bodyPr>
+            <a:normAutofit/>
+          </a:bodyPr>
+          <a:lstStyle/>
+          <a:p>
+            <a:pPr fontAlgn="base">
+              <a:spcBef>
+                <a:spcPts val="600"/>
+              </a:spcBef>
+              <a:spcAft>
+                <a:spcPts val="600"/>
+              </a:spcAft>
+            </a:pPr>
+            <a:r>
+              <a:rPr lang="en-US" sz="2400" dirty="0"/>
+              <a:t>Excellent Technical Typesetting</a:t>
+            </a:r>
+          </a:p>
+          <a:p>
+            <a:pPr fontAlgn="base">
+              <a:spcBef>
+                <a:spcPts val="600"/>
+              </a:spcBef>
+              <a:spcAft>
+                <a:spcPts val="600"/>
+              </a:spcAft>
+            </a:pPr>
+            <a:r>
+              <a:rPr lang="en-US" sz="2400" dirty="0"/>
+              <a:t>Easy to iterate document-wide formatting</a:t>
+            </a:r>
+          </a:p>
+          <a:p>
+            <a:pPr fontAlgn="base">
+              <a:spcBef>
+                <a:spcPts val="600"/>
+              </a:spcBef>
+              <a:spcAft>
+                <a:spcPts val="600"/>
+              </a:spcAft>
+            </a:pPr>
+            <a:r>
+              <a:rPr lang="en-US" sz="2400" dirty="0"/>
+              <a:t>Easy to include and reference figures/equations </a:t>
+            </a:r>
+            <a:r>
+              <a:rPr lang="en-US" sz="2400" dirty="0" err="1"/>
+              <a:t>etc</a:t>
+            </a:r>
+            <a:endParaRPr lang="en-US" sz="2400" dirty="0"/>
+          </a:p>
+          <a:p>
+            <a:pPr fontAlgn="base">
+              <a:spcBef>
+                <a:spcPts val="600"/>
+              </a:spcBef>
+              <a:spcAft>
+                <a:spcPts val="600"/>
+              </a:spcAft>
+            </a:pPr>
+            <a:r>
+              <a:rPr lang="en-US" sz="2400" dirty="0"/>
+              <a:t>Easy to iterate figures</a:t>
+            </a:r>
+          </a:p>
+          <a:p>
+            <a:pPr fontAlgn="base">
+              <a:spcBef>
+                <a:spcPts val="600"/>
+              </a:spcBef>
+              <a:spcAft>
+                <a:spcPts val="600"/>
+              </a:spcAft>
+            </a:pPr>
+            <a:r>
+              <a:rPr lang="en-US" sz="2400" dirty="0"/>
+              <a:t>Files stored in plain-text</a:t>
+            </a:r>
+          </a:p>
+          <a:p>
+            <a:pPr lvl="1" fontAlgn="base">
+              <a:spcBef>
+                <a:spcPts val="600"/>
+              </a:spcBef>
+              <a:spcAft>
+                <a:spcPts val="600"/>
+              </a:spcAft>
+            </a:pPr>
+            <a:r>
+              <a:rPr lang="en-US" sz="2000" dirty="0"/>
+              <a:t>Less prone to corruption</a:t>
+            </a:r>
+          </a:p>
+          <a:p>
+            <a:pPr lvl="1" fontAlgn="base">
+              <a:spcBef>
+                <a:spcPts val="600"/>
+              </a:spcBef>
+              <a:spcAft>
+                <a:spcPts val="600"/>
+              </a:spcAft>
+            </a:pPr>
+            <a:r>
+              <a:rPr lang="en-US" sz="2000" dirty="0"/>
+              <a:t>Easier to “diff” when using version control</a:t>
+            </a:r>
+          </a:p>
+          <a:p>
+            <a:pPr marL="0" lvl="0" indent="0" fontAlgn="base">
+              <a:spcBef>
+                <a:spcPts val="600"/>
+              </a:spcBef>
+              <a:spcAft>
+                <a:spcPts val="600"/>
+              </a:spcAft>
+              <a:buNone/>
+            </a:pPr>
+            <a:endParaRPr lang="en-GB" sz="2400" dirty="0"/>
+          </a:p>
+        </p:txBody>
+      </p:sp>
+    </p:spTree>
+    <p:extLst>
+      <p:ext uri="{BB962C8B-B14F-4D97-AF65-F5344CB8AC3E}">
+        <p14:creationId xmlns:p14="http://schemas.microsoft.com/office/powerpoint/2010/main" val="764725023"/>
+      </p:ext>
+    </p:extLst>
+  </p:cSld>
+  <p:clrMapOvr>
+    <a:masterClrMapping/>
+  </p:clrMapOvr>
+  <mc:AlternateContent xmlns:mc="http://schemas.openxmlformats.org/markup-compatibility/2006" xmlns:p14="http://schemas.microsoft.com/office/powerpoint/2010/main">
+    <mc:Choice Requires="p14">
+      <p:transition p14:dur="10"/>
+    </mc:Choice>
+    <mc:Fallback xmlns="">
+      <p:transition/>
+    </mc:Fallback>
+  </mc:AlternateContent>
+</p:sld>
+</file>
+
+<file path=ppt/slides/slide40.xml><?xml version="1.0" encoding="utf-8"?>
 <p:sld xmlns:a="http://schemas.openxmlformats.org/drawingml/2006/main" xmlns:r="http://schemas.openxmlformats.org/officeDocument/2006/relationships" xmlns:p="http://schemas.openxmlformats.org/presentationml/2006/main">
   <p:cSld>
     <p:spTree>
@@ -20438,205 +21314,7 @@
 </p:sld>
 </file>
 
-<file path=ppt/slides/slide4.xml><?xml version="1.0" encoding="utf-8"?>
-<p:sld xmlns:a="http://schemas.openxmlformats.org/drawingml/2006/main" xmlns:r="http://schemas.openxmlformats.org/officeDocument/2006/relationships" xmlns:p="http://schemas.openxmlformats.org/presentationml/2006/main">
-  <p:cSld>
-    <p:spTree>
-      <p:nvGrpSpPr>
-        <p:cNvPr id="1" name=""/>
-        <p:cNvGrpSpPr/>
-        <p:nvPr/>
-      </p:nvGrpSpPr>
-      <p:grpSpPr>
-        <a:xfrm>
-          <a:off x="0" y="0"/>
-          <a:ext cx="0" cy="0"/>
-          <a:chOff x="0" y="0"/>
-          <a:chExt cx="0" cy="0"/>
-        </a:xfrm>
-      </p:grpSpPr>
-      <p:sp>
-        <p:nvSpPr>
-          <p:cNvPr id="2" name="Title 1"/>
-          <p:cNvSpPr>
-            <a:spLocks noGrp="1"/>
-          </p:cNvSpPr>
-          <p:nvPr>
-            <p:ph type="title"/>
-          </p:nvPr>
-        </p:nvSpPr>
-        <p:spPr/>
-        <p:txBody>
-          <a:bodyPr/>
-          <a:lstStyle/>
-          <a:p>
-            <a:r>
-              <a:rPr lang="en-GB" sz="4000" dirty="0"/>
-              <a:t>Writing Theses in LaTeX</a:t>
-            </a:r>
-          </a:p>
-        </p:txBody>
-      </p:sp>
-      <p:sp>
-        <p:nvSpPr>
-          <p:cNvPr id="3" name="Content Placeholder 2"/>
-          <p:cNvSpPr>
-            <a:spLocks noGrp="1"/>
-          </p:cNvSpPr>
-          <p:nvPr>
-            <p:ph idx="1"/>
-          </p:nvPr>
-        </p:nvSpPr>
-        <p:spPr>
-          <a:xfrm>
-            <a:off x="457200" y="1600200"/>
-            <a:ext cx="8435280" cy="4876800"/>
-          </a:xfrm>
-        </p:spPr>
-        <p:txBody>
-          <a:bodyPr>
-            <a:normAutofit/>
-          </a:bodyPr>
-          <a:lstStyle/>
-          <a:p>
-            <a:pPr fontAlgn="base">
-              <a:spcBef>
-                <a:spcPts val="600"/>
-              </a:spcBef>
-              <a:spcAft>
-                <a:spcPts val="600"/>
-              </a:spcAft>
-            </a:pPr>
-            <a:r>
-              <a:rPr lang="en-US" sz="2400" dirty="0"/>
-              <a:t>Excellent Technical Typesetting</a:t>
-            </a:r>
-          </a:p>
-          <a:p>
-            <a:pPr fontAlgn="base">
-              <a:spcBef>
-                <a:spcPts val="600"/>
-              </a:spcBef>
-              <a:spcAft>
-                <a:spcPts val="600"/>
-              </a:spcAft>
-            </a:pPr>
-            <a:r>
-              <a:rPr lang="en-US" sz="2400" dirty="0"/>
-              <a:t>Easy to iterate document-wide formatting</a:t>
-            </a:r>
-          </a:p>
-          <a:p>
-            <a:pPr fontAlgn="base">
-              <a:spcBef>
-                <a:spcPts val="600"/>
-              </a:spcBef>
-              <a:spcAft>
-                <a:spcPts val="600"/>
-              </a:spcAft>
-            </a:pPr>
-            <a:r>
-              <a:rPr lang="en-US" sz="2400" dirty="0"/>
-              <a:t>Easy to include and reference figures/equations </a:t>
-            </a:r>
-            <a:r>
-              <a:rPr lang="en-US" sz="2400" dirty="0" err="1"/>
-              <a:t>etc</a:t>
-            </a:r>
-            <a:endParaRPr lang="en-US" sz="2400" dirty="0"/>
-          </a:p>
-          <a:p>
-            <a:pPr fontAlgn="base">
-              <a:spcBef>
-                <a:spcPts val="600"/>
-              </a:spcBef>
-              <a:spcAft>
-                <a:spcPts val="600"/>
-              </a:spcAft>
-            </a:pPr>
-            <a:r>
-              <a:rPr lang="en-US" sz="2400" dirty="0"/>
-              <a:t>Easy to iterate figures</a:t>
-            </a:r>
-          </a:p>
-          <a:p>
-            <a:pPr fontAlgn="base">
-              <a:spcBef>
-                <a:spcPts val="600"/>
-              </a:spcBef>
-              <a:spcAft>
-                <a:spcPts val="600"/>
-              </a:spcAft>
-            </a:pPr>
-            <a:r>
-              <a:rPr lang="en-US" sz="2400" dirty="0"/>
-              <a:t>Files stored in plain-text</a:t>
-            </a:r>
-          </a:p>
-          <a:p>
-            <a:pPr lvl="1" fontAlgn="base">
-              <a:spcBef>
-                <a:spcPts val="600"/>
-              </a:spcBef>
-              <a:spcAft>
-                <a:spcPts val="600"/>
-              </a:spcAft>
-            </a:pPr>
-            <a:r>
-              <a:rPr lang="en-US" sz="2000" dirty="0"/>
-              <a:t>Less prone to corruption</a:t>
-            </a:r>
-          </a:p>
-          <a:p>
-            <a:pPr lvl="1" fontAlgn="base">
-              <a:spcBef>
-                <a:spcPts val="600"/>
-              </a:spcBef>
-              <a:spcAft>
-                <a:spcPts val="600"/>
-              </a:spcAft>
-            </a:pPr>
-            <a:r>
-              <a:rPr lang="en-US" sz="2000" dirty="0"/>
-              <a:t>Easier to “diff” when using version control</a:t>
-            </a:r>
-          </a:p>
-          <a:p>
-            <a:pPr marL="0" lvl="0" indent="0" fontAlgn="base">
-              <a:spcBef>
-                <a:spcPts val="600"/>
-              </a:spcBef>
-              <a:spcAft>
-                <a:spcPts val="600"/>
-              </a:spcAft>
-              <a:buNone/>
-            </a:pPr>
-            <a:endParaRPr lang="en-GB" sz="2400" dirty="0"/>
-          </a:p>
-        </p:txBody>
-      </p:sp>
-    </p:spTree>
-    <p:extLst>
-      <p:ext uri="{BB962C8B-B14F-4D97-AF65-F5344CB8AC3E}">
-        <p14:creationId xmlns:p14="http://schemas.microsoft.com/office/powerpoint/2010/main" val="764725023"/>
-      </p:ext>
-    </p:extLst>
-  </p:cSld>
-  <p:clrMapOvr>
-    <a:masterClrMapping/>
-  </p:clrMapOvr>
-  <mc:AlternateContent xmlns:mc="http://schemas.openxmlformats.org/markup-compatibility/2006" xmlns:p14="http://schemas.microsoft.com/office/powerpoint/2010/main">
-    <mc:Choice Requires="p14">
-      <p:transition p14:dur="10"/>
-    </mc:Choice>
-    <mc:Fallback xmlns="">
-      <p:transition/>
-    </mc:Fallback>
-  </mc:AlternateContent>
-</p:sld>
-</file>
-
-<file path=ppt/slides/slide40.xml><?xml version="1.0" encoding="utf-8"?>
+<file path=ppt/slides/slide41.xml><?xml version="1.0" encoding="utf-8"?>
 <p:sld xmlns:a="http://schemas.openxmlformats.org/drawingml/2006/main" xmlns:r="http://schemas.openxmlformats.org/officeDocument/2006/relationships" xmlns:p="http://schemas.openxmlformats.org/presentationml/2006/main">
   <p:cSld>
     <p:spTree>
@@ -20760,7 +21438,7 @@
 </p:sld>
 </file>
 
-<file path=ppt/slides/slide41.xml><?xml version="1.0" encoding="utf-8"?>
+<file path=ppt/slides/slide42.xml><?xml version="1.0" encoding="utf-8"?>
 <p:sld xmlns:a="http://schemas.openxmlformats.org/drawingml/2006/main" xmlns:r="http://schemas.openxmlformats.org/officeDocument/2006/relationships" xmlns:p="http://schemas.openxmlformats.org/presentationml/2006/main">
   <p:cSld>
     <p:spTree>

--- a/Writing Theses in Latex Slides.pptx
+++ b/Writing Theses in Latex Slides.pptx
@@ -472,7 +472,7 @@
           <a:p>
             <a:fld id="{88EB714B-C3CC-4216-88C1-02913905B1CF}" type="datetimeFigureOut">
               <a:rPr lang="en-GB" smtClean="0"/>
-              <a:t>01/10/2021</a:t>
+              <a:t>04/10/2021</a:t>
             </a:fld>
             <a:endParaRPr lang="en-GB"/>
           </a:p>
@@ -6471,7 +6471,7 @@
           <a:p>
             <a:fld id="{EB0080F8-EA1C-491D-963C-2C881B2F918F}" type="datetimeFigureOut">
               <a:rPr lang="en-GB" smtClean="0"/>
-              <a:t>01/10/2021</a:t>
+              <a:t>04/10/2021</a:t>
             </a:fld>
             <a:endParaRPr lang="en-GB"/>
           </a:p>
@@ -6621,7 +6621,7 @@
           <a:p>
             <a:fld id="{EB0080F8-EA1C-491D-963C-2C881B2F918F}" type="datetimeFigureOut">
               <a:rPr lang="en-GB" smtClean="0"/>
-              <a:t>01/10/2021</a:t>
+              <a:t>04/10/2021</a:t>
             </a:fld>
             <a:endParaRPr lang="en-GB"/>
           </a:p>
@@ -8154,7 +8154,7 @@
           <a:p>
             <a:fld id="{EB0080F8-EA1C-491D-963C-2C881B2F918F}" type="datetimeFigureOut">
               <a:rPr lang="en-GB" smtClean="0"/>
-              <a:t>01/10/2021</a:t>
+              <a:t>04/10/2021</a:t>
             </a:fld>
             <a:endParaRPr lang="en-GB"/>
           </a:p>
@@ -8636,7 +8636,7 @@
           <a:p>
             <a:r>
               <a:rPr lang="en-GB" sz="2400" dirty="0"/>
-              <a:t>Graduate School Teaching Fellow</a:t>
+              <a:t>Graduate School Senior Teaching Fellow</a:t>
             </a:r>
           </a:p>
         </p:txBody>
@@ -16939,11 +16939,11 @@
   <p:clrMapOvr>
     <a:masterClrMapping/>
   </p:clrMapOvr>
-  <mc:AlternateContent xmlns:mc="http://schemas.openxmlformats.org/markup-compatibility/2006">
-    <mc:Choice xmlns:p14="http://schemas.microsoft.com/office/powerpoint/2010/main" Requires="p14">
+  <mc:AlternateContent xmlns:mc="http://schemas.openxmlformats.org/markup-compatibility/2006" xmlns:p14="http://schemas.microsoft.com/office/powerpoint/2010/main">
+    <mc:Choice Requires="p14">
       <p:transition p14:dur="10"/>
     </mc:Choice>
-    <mc:Fallback>
+    <mc:Fallback xmlns="">
       <p:transition/>
     </mc:Fallback>
   </mc:AlternateContent>
@@ -21387,16 +21387,27 @@
               <a:t>The link is </a:t>
             </a:r>
             <a:r>
-              <a:rPr lang="en-GB" sz="2600" b="0" i="0" u="sng" dirty="0">
-                <a:solidFill>
-                  <a:srgbClr val="954F72"/>
+              <a:rPr lang="en-GB" sz="2600" u="sng" dirty="0">
+                <a:solidFill>
+                  <a:srgbClr val="000000"/>
                 </a:solidFill>
                 <a:effectLst/>
+                <a:latin typeface="Arial" panose="020B0604020202020204" pitchFamily="34" charset="0"/>
+                <a:ea typeface="Times New Roman" panose="02020603050405020304" pitchFamily="18" charset="0"/>
+                <a:cs typeface="Arial" panose="020B0604020202020204" pitchFamily="34" charset="0"/>
                 <a:hlinkClick r:id="rId3"/>
               </a:rPr>
-              <a:t>http://bit.ly/rcds2021</a:t>
-            </a:r>
-            <a:endParaRPr lang="en-GB" sz="2600" dirty="0"/>
+              <a:t>tinyurl.com/rcds2021-22</a:t>
+            </a:r>
+            <a:endParaRPr lang="en-GB" sz="2600" u="sng" dirty="0">
+              <a:solidFill>
+                <a:srgbClr val="000000"/>
+              </a:solidFill>
+              <a:effectLst/>
+              <a:latin typeface="Arial" panose="020B0604020202020204" pitchFamily="34" charset="0"/>
+              <a:ea typeface="Times New Roman" panose="02020603050405020304" pitchFamily="18" charset="0"/>
+              <a:cs typeface="Arial" panose="020B0604020202020204" pitchFamily="34" charset="0"/>
+            </a:endParaRPr>
           </a:p>
           <a:p>
             <a:pPr lvl="1"/>

--- a/Writing Theses in Latex Slides.pptx
+++ b/Writing Theses in Latex Slides.pptx
@@ -5,54 +5,56 @@
     <p:sldMasterId id="2147483648" r:id="rId1"/>
   </p:sldMasterIdLst>
   <p:notesMasterIdLst>
-    <p:notesMasterId r:id="rId44"/>
+    <p:notesMasterId r:id="rId46"/>
   </p:notesMasterIdLst>
   <p:handoutMasterIdLst>
-    <p:handoutMasterId r:id="rId45"/>
+    <p:handoutMasterId r:id="rId47"/>
   </p:handoutMasterIdLst>
   <p:sldIdLst>
     <p:sldId id="264" r:id="rId2"/>
-    <p:sldId id="267" r:id="rId3"/>
-    <p:sldId id="292" r:id="rId4"/>
-    <p:sldId id="268" r:id="rId5"/>
-    <p:sldId id="295" r:id="rId6"/>
-    <p:sldId id="296" r:id="rId7"/>
-    <p:sldId id="297" r:id="rId8"/>
-    <p:sldId id="298" r:id="rId9"/>
-    <p:sldId id="302" r:id="rId10"/>
-    <p:sldId id="301" r:id="rId11"/>
-    <p:sldId id="300" r:id="rId12"/>
-    <p:sldId id="303" r:id="rId13"/>
-    <p:sldId id="304" r:id="rId14"/>
-    <p:sldId id="307" r:id="rId15"/>
-    <p:sldId id="305" r:id="rId16"/>
-    <p:sldId id="306" r:id="rId17"/>
-    <p:sldId id="308" r:id="rId18"/>
-    <p:sldId id="309" r:id="rId19"/>
-    <p:sldId id="310" r:id="rId20"/>
-    <p:sldId id="311" r:id="rId21"/>
-    <p:sldId id="329" r:id="rId22"/>
-    <p:sldId id="320" r:id="rId23"/>
-    <p:sldId id="312" r:id="rId24"/>
-    <p:sldId id="316" r:id="rId25"/>
-    <p:sldId id="315" r:id="rId26"/>
-    <p:sldId id="317" r:id="rId27"/>
-    <p:sldId id="313" r:id="rId28"/>
-    <p:sldId id="314" r:id="rId29"/>
-    <p:sldId id="332" r:id="rId30"/>
-    <p:sldId id="318" r:id="rId31"/>
-    <p:sldId id="286" r:id="rId32"/>
-    <p:sldId id="319" r:id="rId33"/>
-    <p:sldId id="321" r:id="rId34"/>
-    <p:sldId id="322" r:id="rId35"/>
-    <p:sldId id="323" r:id="rId36"/>
-    <p:sldId id="326" r:id="rId37"/>
-    <p:sldId id="325" r:id="rId38"/>
-    <p:sldId id="327" r:id="rId39"/>
-    <p:sldId id="330" r:id="rId40"/>
-    <p:sldId id="328" r:id="rId41"/>
-    <p:sldId id="331" r:id="rId42"/>
-    <p:sldId id="280" r:id="rId43"/>
+    <p:sldId id="258" r:id="rId3"/>
+    <p:sldId id="257" r:id="rId4"/>
+    <p:sldId id="267" r:id="rId5"/>
+    <p:sldId id="292" r:id="rId6"/>
+    <p:sldId id="268" r:id="rId7"/>
+    <p:sldId id="295" r:id="rId8"/>
+    <p:sldId id="296" r:id="rId9"/>
+    <p:sldId id="297" r:id="rId10"/>
+    <p:sldId id="298" r:id="rId11"/>
+    <p:sldId id="302" r:id="rId12"/>
+    <p:sldId id="301" r:id="rId13"/>
+    <p:sldId id="300" r:id="rId14"/>
+    <p:sldId id="303" r:id="rId15"/>
+    <p:sldId id="304" r:id="rId16"/>
+    <p:sldId id="307" r:id="rId17"/>
+    <p:sldId id="305" r:id="rId18"/>
+    <p:sldId id="306" r:id="rId19"/>
+    <p:sldId id="308" r:id="rId20"/>
+    <p:sldId id="309" r:id="rId21"/>
+    <p:sldId id="310" r:id="rId22"/>
+    <p:sldId id="311" r:id="rId23"/>
+    <p:sldId id="329" r:id="rId24"/>
+    <p:sldId id="320" r:id="rId25"/>
+    <p:sldId id="312" r:id="rId26"/>
+    <p:sldId id="316" r:id="rId27"/>
+    <p:sldId id="315" r:id="rId28"/>
+    <p:sldId id="317" r:id="rId29"/>
+    <p:sldId id="313" r:id="rId30"/>
+    <p:sldId id="314" r:id="rId31"/>
+    <p:sldId id="332" r:id="rId32"/>
+    <p:sldId id="318" r:id="rId33"/>
+    <p:sldId id="286" r:id="rId34"/>
+    <p:sldId id="319" r:id="rId35"/>
+    <p:sldId id="321" r:id="rId36"/>
+    <p:sldId id="322" r:id="rId37"/>
+    <p:sldId id="323" r:id="rId38"/>
+    <p:sldId id="326" r:id="rId39"/>
+    <p:sldId id="325" r:id="rId40"/>
+    <p:sldId id="327" r:id="rId41"/>
+    <p:sldId id="330" r:id="rId42"/>
+    <p:sldId id="328" r:id="rId43"/>
+    <p:sldId id="331" r:id="rId44"/>
+    <p:sldId id="280" r:id="rId45"/>
   </p:sldIdLst>
   <p:sldSz cx="9144000" cy="6858000" type="screen4x3"/>
   <p:notesSz cx="7099300" cy="10234613"/>
@@ -157,6 +159,8 @@
         <p14:section name="Introduction" id="{45EEEAF5-8C61-4410-A3AB-B2CD0B57ECF0}">
           <p14:sldIdLst>
             <p14:sldId id="264"/>
+            <p14:sldId id="258"/>
+            <p14:sldId id="257"/>
             <p14:sldId id="267"/>
             <p14:sldId id="292"/>
             <p14:sldId id="268"/>
@@ -1168,7 +1172,7 @@
           <a:p>
             <a:fld id="{6A641EC8-C9F8-4A58-A1A7-F7D817526EEC}" type="slidenum">
               <a:rPr lang="en-GB" smtClean="0"/>
-              <a:t>10</a:t>
+              <a:t>12</a:t>
             </a:fld>
             <a:endParaRPr lang="en-GB"/>
           </a:p>
@@ -1321,7 +1325,7 @@
           <a:p>
             <a:fld id="{6A641EC8-C9F8-4A58-A1A7-F7D817526EEC}" type="slidenum">
               <a:rPr lang="en-GB" smtClean="0"/>
-              <a:t>11</a:t>
+              <a:t>13</a:t>
             </a:fld>
             <a:endParaRPr lang="en-GB"/>
           </a:p>
@@ -1417,7 +1421,7 @@
           <a:p>
             <a:fld id="{6A641EC8-C9F8-4A58-A1A7-F7D817526EEC}" type="slidenum">
               <a:rPr lang="en-GB" smtClean="0"/>
-              <a:t>12</a:t>
+              <a:t>14</a:t>
             </a:fld>
             <a:endParaRPr lang="en-GB"/>
           </a:p>
@@ -1623,7 +1627,7 @@
           <a:p>
             <a:fld id="{6A641EC8-C9F8-4A58-A1A7-F7D817526EEC}" type="slidenum">
               <a:rPr lang="en-GB" smtClean="0"/>
-              <a:t>13</a:t>
+              <a:t>15</a:t>
             </a:fld>
             <a:endParaRPr lang="en-GB"/>
           </a:p>
@@ -1707,7 +1711,7 @@
           <a:p>
             <a:fld id="{6A641EC8-C9F8-4A58-A1A7-F7D817526EEC}" type="slidenum">
               <a:rPr lang="en-GB" smtClean="0"/>
-              <a:t>14</a:t>
+              <a:t>16</a:t>
             </a:fld>
             <a:endParaRPr lang="en-GB"/>
           </a:p>
@@ -1794,7 +1798,7 @@
           <a:p>
             <a:fld id="{6A641EC8-C9F8-4A58-A1A7-F7D817526EEC}" type="slidenum">
               <a:rPr lang="en-GB" smtClean="0"/>
-              <a:t>15</a:t>
+              <a:t>17</a:t>
             </a:fld>
             <a:endParaRPr lang="en-GB"/>
           </a:p>
@@ -1878,7 +1882,7 @@
           <a:p>
             <a:fld id="{6A641EC8-C9F8-4A58-A1A7-F7D817526EEC}" type="slidenum">
               <a:rPr lang="en-GB" smtClean="0"/>
-              <a:t>16</a:t>
+              <a:t>18</a:t>
             </a:fld>
             <a:endParaRPr lang="en-GB"/>
           </a:p>
@@ -1983,7 +1987,7 @@
           <a:p>
             <a:fld id="{6A641EC8-C9F8-4A58-A1A7-F7D817526EEC}" type="slidenum">
               <a:rPr lang="en-GB" smtClean="0"/>
-              <a:t>17</a:t>
+              <a:t>19</a:t>
             </a:fld>
             <a:endParaRPr lang="en-GB"/>
           </a:p>
@@ -2070,7 +2074,7 @@
           <a:p>
             <a:fld id="{6A641EC8-C9F8-4A58-A1A7-F7D817526EEC}" type="slidenum">
               <a:rPr lang="en-GB" smtClean="0"/>
-              <a:t>18</a:t>
+              <a:t>20</a:t>
             </a:fld>
             <a:endParaRPr lang="en-GB"/>
           </a:p>
@@ -2167,7 +2171,7 @@
           <a:p>
             <a:fld id="{6A641EC8-C9F8-4A58-A1A7-F7D817526EEC}" type="slidenum">
               <a:rPr lang="en-GB" smtClean="0"/>
-              <a:t>19</a:t>
+              <a:t>21</a:t>
             </a:fld>
             <a:endParaRPr lang="en-GB"/>
           </a:p>
@@ -2255,7 +2259,7 @@
           <a:p>
             <a:fld id="{6A641EC8-C9F8-4A58-A1A7-F7D817526EEC}" type="slidenum">
               <a:rPr lang="en-GB" smtClean="0"/>
-              <a:t>2</a:t>
+              <a:t>4</a:t>
             </a:fld>
             <a:endParaRPr lang="en-GB"/>
           </a:p>
@@ -2367,7 +2371,7 @@
           <a:p>
             <a:fld id="{6A641EC8-C9F8-4A58-A1A7-F7D817526EEC}" type="slidenum">
               <a:rPr lang="en-GB" smtClean="0"/>
-              <a:t>20</a:t>
+              <a:t>22</a:t>
             </a:fld>
             <a:endParaRPr lang="en-GB"/>
           </a:p>
@@ -2480,7 +2484,7 @@
           <a:p>
             <a:fld id="{6A641EC8-C9F8-4A58-A1A7-F7D817526EEC}" type="slidenum">
               <a:rPr lang="en-GB" smtClean="0"/>
-              <a:t>21</a:t>
+              <a:t>23</a:t>
             </a:fld>
             <a:endParaRPr lang="en-GB"/>
           </a:p>
@@ -2602,7 +2606,7 @@
           <a:p>
             <a:fld id="{6A641EC8-C9F8-4A58-A1A7-F7D817526EEC}" type="slidenum">
               <a:rPr lang="en-GB" smtClean="0"/>
-              <a:t>22</a:t>
+              <a:t>24</a:t>
             </a:fld>
             <a:endParaRPr lang="en-GB"/>
           </a:p>
@@ -2714,7 +2718,7 @@
           <a:p>
             <a:fld id="{6A641EC8-C9F8-4A58-A1A7-F7D817526EEC}" type="slidenum">
               <a:rPr lang="en-GB" smtClean="0"/>
-              <a:t>23</a:t>
+              <a:t>25</a:t>
             </a:fld>
             <a:endParaRPr lang="en-GB"/>
           </a:p>
@@ -2835,7 +2839,7 @@
           <a:p>
             <a:fld id="{6A641EC8-C9F8-4A58-A1A7-F7D817526EEC}" type="slidenum">
               <a:rPr lang="en-GB" smtClean="0"/>
-              <a:t>24</a:t>
+              <a:t>26</a:t>
             </a:fld>
             <a:endParaRPr lang="en-GB"/>
           </a:p>
@@ -2963,7 +2967,7 @@
           <a:p>
             <a:fld id="{6A641EC8-C9F8-4A58-A1A7-F7D817526EEC}" type="slidenum">
               <a:rPr lang="en-GB" smtClean="0"/>
-              <a:t>25</a:t>
+              <a:t>27</a:t>
             </a:fld>
             <a:endParaRPr lang="en-GB"/>
           </a:p>
@@ -3127,7 +3131,7 @@
           <a:p>
             <a:fld id="{6A641EC8-C9F8-4A58-A1A7-F7D817526EEC}" type="slidenum">
               <a:rPr lang="en-GB" smtClean="0"/>
-              <a:t>26</a:t>
+              <a:t>28</a:t>
             </a:fld>
             <a:endParaRPr lang="en-GB"/>
           </a:p>
@@ -3275,7 +3279,7 @@
           <a:p>
             <a:fld id="{6A641EC8-C9F8-4A58-A1A7-F7D817526EEC}" type="slidenum">
               <a:rPr lang="en-GB" smtClean="0"/>
-              <a:t>27</a:t>
+              <a:t>29</a:t>
             </a:fld>
             <a:endParaRPr lang="en-GB"/>
           </a:p>
@@ -3456,7 +3460,7 @@
           <a:p>
             <a:fld id="{6A641EC8-C9F8-4A58-A1A7-F7D817526EEC}" type="slidenum">
               <a:rPr lang="en-GB" smtClean="0"/>
-              <a:t>28</a:t>
+              <a:t>30</a:t>
             </a:fld>
             <a:endParaRPr lang="en-GB"/>
           </a:p>
@@ -3569,7 +3573,7 @@
           <a:p>
             <a:fld id="{6A641EC8-C9F8-4A58-A1A7-F7D817526EEC}" type="slidenum">
               <a:rPr lang="en-GB" smtClean="0"/>
-              <a:t>29</a:t>
+              <a:t>31</a:t>
             </a:fld>
             <a:endParaRPr lang="en-GB"/>
           </a:p>
@@ -3684,7 +3688,7 @@
           <a:p>
             <a:fld id="{6A641EC8-C9F8-4A58-A1A7-F7D817526EEC}" type="slidenum">
               <a:rPr lang="en-GB" smtClean="0"/>
-              <a:t>3</a:t>
+              <a:t>5</a:t>
             </a:fld>
             <a:endParaRPr lang="en-GB"/>
           </a:p>
@@ -3780,7 +3784,7 @@
           <a:p>
             <a:fld id="{6A641EC8-C9F8-4A58-A1A7-F7D817526EEC}" type="slidenum">
               <a:rPr lang="en-GB" smtClean="0"/>
-              <a:t>30</a:t>
+              <a:t>32</a:t>
             </a:fld>
             <a:endParaRPr lang="en-GB"/>
           </a:p>
@@ -3947,7 +3951,7 @@
           <a:p>
             <a:fld id="{6A641EC8-C9F8-4A58-A1A7-F7D817526EEC}" type="slidenum">
               <a:rPr lang="en-GB" smtClean="0"/>
-              <a:t>31</a:t>
+              <a:t>33</a:t>
             </a:fld>
             <a:endParaRPr lang="en-GB"/>
           </a:p>
@@ -4052,7 +4056,7 @@
           <a:p>
             <a:fld id="{6A641EC8-C9F8-4A58-A1A7-F7D817526EEC}" type="slidenum">
               <a:rPr lang="en-GB" smtClean="0"/>
-              <a:t>32</a:t>
+              <a:t>34</a:t>
             </a:fld>
             <a:endParaRPr lang="en-GB"/>
           </a:p>
@@ -4190,7 +4194,7 @@
           <a:p>
             <a:fld id="{6A641EC8-C9F8-4A58-A1A7-F7D817526EEC}" type="slidenum">
               <a:rPr lang="en-GB" smtClean="0"/>
-              <a:t>33</a:t>
+              <a:t>35</a:t>
             </a:fld>
             <a:endParaRPr lang="en-GB"/>
           </a:p>
@@ -4356,7 +4360,7 @@
           <a:p>
             <a:fld id="{6A641EC8-C9F8-4A58-A1A7-F7D817526EEC}" type="slidenum">
               <a:rPr lang="en-GB" smtClean="0"/>
-              <a:t>34</a:t>
+              <a:t>36</a:t>
             </a:fld>
             <a:endParaRPr lang="en-GB"/>
           </a:p>
@@ -4485,7 +4489,7 @@
           <a:p>
             <a:fld id="{6A641EC8-C9F8-4A58-A1A7-F7D817526EEC}" type="slidenum">
               <a:rPr lang="en-GB" smtClean="0"/>
-              <a:t>35</a:t>
+              <a:t>37</a:t>
             </a:fld>
             <a:endParaRPr lang="en-GB"/>
           </a:p>
@@ -4597,7 +4601,7 @@
           <a:p>
             <a:fld id="{6A641EC8-C9F8-4A58-A1A7-F7D817526EEC}" type="slidenum">
               <a:rPr lang="en-GB" smtClean="0"/>
-              <a:t>36</a:t>
+              <a:t>38</a:t>
             </a:fld>
             <a:endParaRPr lang="en-GB"/>
           </a:p>
@@ -4721,7 +4725,7 @@
           <a:p>
             <a:fld id="{6A641EC8-C9F8-4A58-A1A7-F7D817526EEC}" type="slidenum">
               <a:rPr lang="en-GB" smtClean="0"/>
-              <a:t>37</a:t>
+              <a:t>39</a:t>
             </a:fld>
             <a:endParaRPr lang="en-GB"/>
           </a:p>
@@ -4852,7 +4856,7 @@
           <a:p>
             <a:fld id="{6A641EC8-C9F8-4A58-A1A7-F7D817526EEC}" type="slidenum">
               <a:rPr lang="en-GB" smtClean="0"/>
-              <a:t>38</a:t>
+              <a:t>40</a:t>
             </a:fld>
             <a:endParaRPr lang="en-GB"/>
           </a:p>
@@ -5007,7 +5011,7 @@
           <a:p>
             <a:fld id="{6A641EC8-C9F8-4A58-A1A7-F7D817526EEC}" type="slidenum">
               <a:rPr lang="en-GB" smtClean="0"/>
-              <a:t>39</a:t>
+              <a:t>41</a:t>
             </a:fld>
             <a:endParaRPr lang="en-GB"/>
           </a:p>
@@ -5128,7 +5132,7 @@
           <a:p>
             <a:fld id="{6A641EC8-C9F8-4A58-A1A7-F7D817526EEC}" type="slidenum">
               <a:rPr lang="en-GB" smtClean="0"/>
-              <a:t>4</a:t>
+              <a:t>6</a:t>
             </a:fld>
             <a:endParaRPr lang="en-GB"/>
           </a:p>
@@ -5231,7 +5235,7 @@
           <a:p>
             <a:fld id="{6A641EC8-C9F8-4A58-A1A7-F7D817526EEC}" type="slidenum">
               <a:rPr lang="en-GB" smtClean="0"/>
-              <a:t>40</a:t>
+              <a:t>42</a:t>
             </a:fld>
             <a:endParaRPr lang="en-GB"/>
           </a:p>
@@ -5315,7 +5319,7 @@
           <a:p>
             <a:fld id="{6A641EC8-C9F8-4A58-A1A7-F7D817526EEC}" type="slidenum">
               <a:rPr lang="en-GB" smtClean="0"/>
-              <a:t>41</a:t>
+              <a:t>43</a:t>
             </a:fld>
             <a:endParaRPr lang="en-GB"/>
           </a:p>
@@ -5511,7 +5515,7 @@
                   <a:spcPct val="0"/>
                 </a:spcBef>
               </a:pPr>
-              <a:t>42</a:t>
+              <a:t>44</a:t>
             </a:fld>
             <a:endParaRPr lang="en-US" altLang="en-US"/>
           </a:p>
@@ -5662,7 +5666,7 @@
           <a:p>
             <a:fld id="{6A641EC8-C9F8-4A58-A1A7-F7D817526EEC}" type="slidenum">
               <a:rPr lang="en-GB" smtClean="0"/>
-              <a:t>5</a:t>
+              <a:t>7</a:t>
             </a:fld>
             <a:endParaRPr lang="en-GB"/>
           </a:p>
@@ -5749,7 +5753,7 @@
           <a:p>
             <a:fld id="{6A641EC8-C9F8-4A58-A1A7-F7D817526EEC}" type="slidenum">
               <a:rPr lang="en-GB" smtClean="0"/>
-              <a:t>6</a:t>
+              <a:t>8</a:t>
             </a:fld>
             <a:endParaRPr lang="en-GB"/>
           </a:p>
@@ -5891,7 +5895,7 @@
           <a:p>
             <a:fld id="{6A641EC8-C9F8-4A58-A1A7-F7D817526EEC}" type="slidenum">
               <a:rPr lang="en-GB" smtClean="0"/>
-              <a:t>7</a:t>
+              <a:t>9</a:t>
             </a:fld>
             <a:endParaRPr lang="en-GB"/>
           </a:p>
@@ -5996,7 +6000,7 @@
           <a:p>
             <a:fld id="{6A641EC8-C9F8-4A58-A1A7-F7D817526EEC}" type="slidenum">
               <a:rPr lang="en-GB" smtClean="0"/>
-              <a:t>8</a:t>
+              <a:t>10</a:t>
             </a:fld>
             <a:endParaRPr lang="en-GB"/>
           </a:p>
@@ -6093,7 +6097,7 @@
           <a:p>
             <a:fld id="{6A641EC8-C9F8-4A58-A1A7-F7D817526EEC}" type="slidenum">
               <a:rPr lang="en-GB" smtClean="0"/>
-              <a:t>9</a:t>
+              <a:t>11</a:t>
             </a:fld>
             <a:endParaRPr lang="en-GB"/>
           </a:p>
@@ -8696,6 +8700,608 @@
           <a:p>
             <a:r>
               <a:rPr lang="en-GB" sz="4000" dirty="0"/>
+              <a:t>Margins</a:t>
+            </a:r>
+          </a:p>
+        </p:txBody>
+      </p:sp>
+      <p:sp>
+        <p:nvSpPr>
+          <p:cNvPr id="3" name="Content Placeholder 2"/>
+          <p:cNvSpPr>
+            <a:spLocks noGrp="1"/>
+          </p:cNvSpPr>
+          <p:nvPr>
+            <p:ph idx="1"/>
+          </p:nvPr>
+        </p:nvSpPr>
+        <p:spPr>
+          <a:xfrm>
+            <a:off x="457200" y="1600199"/>
+            <a:ext cx="3967655" cy="4453759"/>
+          </a:xfrm>
+        </p:spPr>
+        <p:txBody>
+          <a:bodyPr>
+            <a:normAutofit/>
+          </a:bodyPr>
+          <a:lstStyle/>
+          <a:p>
+            <a:pPr marL="0" indent="0">
+              <a:buNone/>
+            </a:pPr>
+            <a:r>
+              <a:rPr lang="en-GB" sz="2400" dirty="0">
+                <a:solidFill>
+                  <a:schemeClr val="tx2">
+                    <a:lumMod val="50000"/>
+                    <a:lumOff val="50000"/>
+                  </a:schemeClr>
+                </a:solidFill>
+              </a:rPr>
+              <a:t>\</a:t>
+            </a:r>
+            <a:r>
+              <a:rPr lang="en-GB" sz="2400" dirty="0" err="1">
+                <a:solidFill>
+                  <a:schemeClr val="tx2">
+                    <a:lumMod val="50000"/>
+                    <a:lumOff val="50000"/>
+                  </a:schemeClr>
+                </a:solidFill>
+              </a:rPr>
+              <a:t>usepackage</a:t>
+            </a:r>
+            <a:r>
+              <a:rPr lang="en-GB" sz="2400" dirty="0"/>
+              <a:t>{</a:t>
+            </a:r>
+            <a:r>
+              <a:rPr lang="en-GB" sz="2400" dirty="0" err="1">
+                <a:solidFill>
+                  <a:schemeClr val="tx2">
+                    <a:lumMod val="50000"/>
+                    <a:lumOff val="50000"/>
+                  </a:schemeClr>
+                </a:solidFill>
+              </a:rPr>
+              <a:t>blindtext</a:t>
+            </a:r>
+            <a:r>
+              <a:rPr lang="en-GB" sz="2400" dirty="0"/>
+              <a:t>}</a:t>
+            </a:r>
+          </a:p>
+          <a:p>
+            <a:pPr marL="0" indent="0">
+              <a:buNone/>
+            </a:pPr>
+            <a:r>
+              <a:rPr lang="en-GB" sz="2400" dirty="0">
+                <a:solidFill>
+                  <a:schemeClr val="tx2">
+                    <a:lumMod val="50000"/>
+                    <a:lumOff val="50000"/>
+                  </a:schemeClr>
+                </a:solidFill>
+              </a:rPr>
+              <a:t>\</a:t>
+            </a:r>
+            <a:r>
+              <a:rPr lang="en-GB" sz="2400" dirty="0" err="1">
+                <a:solidFill>
+                  <a:schemeClr val="tx2">
+                    <a:lumMod val="50000"/>
+                    <a:lumOff val="50000"/>
+                  </a:schemeClr>
+                </a:solidFill>
+              </a:rPr>
+              <a:t>usepackage</a:t>
+            </a:r>
+            <a:r>
+              <a:rPr lang="en-GB" sz="2400" dirty="0"/>
+              <a:t>[</a:t>
+            </a:r>
+            <a:r>
+              <a:rPr lang="en-GB" sz="2400" dirty="0">
+                <a:solidFill>
+                  <a:schemeClr val="accent4">
+                    <a:lumMod val="75000"/>
+                  </a:schemeClr>
+                </a:solidFill>
+              </a:rPr>
+              <a:t>margin=2cm</a:t>
+            </a:r>
+            <a:r>
+              <a:rPr lang="en-GB" sz="2400" dirty="0"/>
+              <a:t>] {</a:t>
+            </a:r>
+            <a:r>
+              <a:rPr lang="en-GB" sz="2400" dirty="0">
+                <a:solidFill>
+                  <a:schemeClr val="tx2">
+                    <a:lumMod val="50000"/>
+                    <a:lumOff val="50000"/>
+                  </a:schemeClr>
+                </a:solidFill>
+              </a:rPr>
+              <a:t>geometry</a:t>
+            </a:r>
+            <a:r>
+              <a:rPr lang="en-GB" sz="2400" dirty="0"/>
+              <a:t>}</a:t>
+            </a:r>
+          </a:p>
+          <a:p>
+            <a:pPr marL="0" indent="0">
+              <a:buNone/>
+            </a:pPr>
+            <a:endParaRPr lang="en-GB" sz="2400" dirty="0"/>
+          </a:p>
+          <a:p>
+            <a:pPr marL="0" indent="0">
+              <a:buNone/>
+            </a:pPr>
+            <a:r>
+              <a:rPr lang="en-GB" sz="2400" dirty="0">
+                <a:solidFill>
+                  <a:schemeClr val="tx2">
+                    <a:lumMod val="50000"/>
+                    <a:lumOff val="50000"/>
+                  </a:schemeClr>
+                </a:solidFill>
+              </a:rPr>
+              <a:t>\begin</a:t>
+            </a:r>
+            <a:r>
+              <a:rPr lang="en-GB" sz="2400" dirty="0"/>
+              <a:t>{</a:t>
+            </a:r>
+            <a:r>
+              <a:rPr lang="en-GB" sz="2400" dirty="0">
+                <a:solidFill>
+                  <a:schemeClr val="accent4">
+                    <a:lumMod val="75000"/>
+                  </a:schemeClr>
+                </a:solidFill>
+              </a:rPr>
+              <a:t>document</a:t>
+            </a:r>
+            <a:r>
+              <a:rPr lang="en-GB" sz="2400" dirty="0"/>
+              <a:t>}</a:t>
+            </a:r>
+            <a:br>
+              <a:rPr lang="en-GB" sz="2400" dirty="0"/>
+            </a:br>
+            <a:endParaRPr lang="en-GB" sz="2400" dirty="0"/>
+          </a:p>
+          <a:p>
+            <a:pPr marL="0" indent="0">
+              <a:buNone/>
+            </a:pPr>
+            <a:r>
+              <a:rPr lang="en-GB" sz="2400" dirty="0">
+                <a:solidFill>
+                  <a:schemeClr val="tx2">
+                    <a:lumMod val="50000"/>
+                    <a:lumOff val="50000"/>
+                  </a:schemeClr>
+                </a:solidFill>
+              </a:rPr>
+              <a:t>\</a:t>
+            </a:r>
+            <a:r>
+              <a:rPr lang="en-GB" sz="2400" dirty="0" err="1">
+                <a:solidFill>
+                  <a:schemeClr val="tx2">
+                    <a:lumMod val="50000"/>
+                    <a:lumOff val="50000"/>
+                  </a:schemeClr>
+                </a:solidFill>
+              </a:rPr>
+              <a:t>blindtext</a:t>
+            </a:r>
+            <a:r>
+              <a:rPr lang="en-GB" sz="2400" dirty="0"/>
+              <a:t>[10]</a:t>
+            </a:r>
+            <a:br>
+              <a:rPr lang="en-GB" sz="2400" dirty="0"/>
+            </a:br>
+            <a:endParaRPr lang="en-GB" sz="2400" dirty="0"/>
+          </a:p>
+          <a:p>
+            <a:pPr marL="0" indent="0">
+              <a:buNone/>
+            </a:pPr>
+            <a:r>
+              <a:rPr lang="en-GB" sz="2400" dirty="0">
+                <a:solidFill>
+                  <a:schemeClr val="tx2">
+                    <a:lumMod val="50000"/>
+                    <a:lumOff val="50000"/>
+                  </a:schemeClr>
+                </a:solidFill>
+              </a:rPr>
+              <a:t>\end</a:t>
+            </a:r>
+            <a:r>
+              <a:rPr lang="en-GB" sz="2400" dirty="0"/>
+              <a:t>{</a:t>
+            </a:r>
+            <a:r>
+              <a:rPr lang="en-GB" sz="2400" dirty="0">
+                <a:solidFill>
+                  <a:schemeClr val="accent4">
+                    <a:lumMod val="75000"/>
+                  </a:schemeClr>
+                </a:solidFill>
+              </a:rPr>
+              <a:t>document</a:t>
+            </a:r>
+            <a:r>
+              <a:rPr lang="en-GB" sz="2400" dirty="0"/>
+              <a:t>}</a:t>
+            </a:r>
+          </a:p>
+        </p:txBody>
+      </p:sp>
+      <p:cxnSp>
+        <p:nvCxnSpPr>
+          <p:cNvPr id="4" name="Straight Connector 3">
+            <a:extLst>
+              <a:ext uri="{FF2B5EF4-FFF2-40B4-BE49-F238E27FC236}">
+                <a16:creationId xmlns:a16="http://schemas.microsoft.com/office/drawing/2014/main" id="{5F977231-9817-4997-8C71-01F70F4EFE4B}"/>
+              </a:ext>
+            </a:extLst>
+          </p:cNvPr>
+          <p:cNvCxnSpPr/>
+          <p:nvPr/>
+        </p:nvCxnSpPr>
+        <p:spPr>
+          <a:xfrm>
+            <a:off x="4572000" y="1417638"/>
+            <a:ext cx="0" cy="5440362"/>
+          </a:xfrm>
+          <a:prstGeom prst="line">
+            <a:avLst/>
+          </a:prstGeom>
+        </p:spPr>
+        <p:style>
+          <a:lnRef idx="2">
+            <a:schemeClr val="accent1"/>
+          </a:lnRef>
+          <a:fillRef idx="0">
+            <a:schemeClr val="accent1"/>
+          </a:fillRef>
+          <a:effectRef idx="1">
+            <a:schemeClr val="accent1"/>
+          </a:effectRef>
+          <a:fontRef idx="minor">
+            <a:schemeClr val="tx1"/>
+          </a:fontRef>
+        </p:style>
+      </p:cxnSp>
+      <p:pic>
+        <p:nvPicPr>
+          <p:cNvPr id="7" name="Picture 6">
+            <a:extLst>
+              <a:ext uri="{FF2B5EF4-FFF2-40B4-BE49-F238E27FC236}">
+                <a16:creationId xmlns:a16="http://schemas.microsoft.com/office/drawing/2014/main" id="{F2559630-000F-4CDC-9204-C2E97FBBB037}"/>
+              </a:ext>
+            </a:extLst>
+          </p:cNvPr>
+          <p:cNvPicPr>
+            <a:picLocks noChangeAspect="1"/>
+          </p:cNvPicPr>
+          <p:nvPr/>
+        </p:nvPicPr>
+        <p:blipFill>
+          <a:blip r:embed="rId3"/>
+          <a:stretch>
+            <a:fillRect/>
+          </a:stretch>
+        </p:blipFill>
+        <p:spPr>
+          <a:xfrm>
+            <a:off x="4903058" y="1227082"/>
+            <a:ext cx="4021210" cy="5628290"/>
+          </a:xfrm>
+          <a:prstGeom prst="rect">
+            <a:avLst/>
+          </a:prstGeom>
+        </p:spPr>
+      </p:pic>
+      <p:sp>
+        <p:nvSpPr>
+          <p:cNvPr id="6" name="TextBox 5">
+            <a:extLst>
+              <a:ext uri="{FF2B5EF4-FFF2-40B4-BE49-F238E27FC236}">
+                <a16:creationId xmlns:a16="http://schemas.microsoft.com/office/drawing/2014/main" id="{099674D9-4038-4AB1-BAD9-3C9EF5FD6E6A}"/>
+              </a:ext>
+            </a:extLst>
+          </p:cNvPr>
+          <p:cNvSpPr txBox="1"/>
+          <p:nvPr/>
+        </p:nvSpPr>
+        <p:spPr>
+          <a:xfrm>
+            <a:off x="7357241" y="6498021"/>
+            <a:ext cx="1697422" cy="369332"/>
+          </a:xfrm>
+          <a:prstGeom prst="rect">
+            <a:avLst/>
+          </a:prstGeom>
+          <a:noFill/>
+        </p:spPr>
+        <p:txBody>
+          <a:bodyPr wrap="square" rtlCol="0">
+            <a:spAutoFit/>
+          </a:bodyPr>
+          <a:lstStyle/>
+          <a:p>
+            <a:r>
+              <a:rPr lang="en-GB" dirty="0">
+                <a:solidFill>
+                  <a:schemeClr val="accent2"/>
+                </a:solidFill>
+              </a:rPr>
+              <a:t>Problem Sheet</a:t>
+            </a:r>
+          </a:p>
+        </p:txBody>
+      </p:sp>
+    </p:spTree>
+    <p:extLst>
+      <p:ext uri="{BB962C8B-B14F-4D97-AF65-F5344CB8AC3E}">
+        <p14:creationId xmlns:p14="http://schemas.microsoft.com/office/powerpoint/2010/main" val="220242497"/>
+      </p:ext>
+    </p:extLst>
+  </p:cSld>
+  <p:clrMapOvr>
+    <a:masterClrMapping/>
+  </p:clrMapOvr>
+  <mc:AlternateContent xmlns:mc="http://schemas.openxmlformats.org/markup-compatibility/2006" xmlns:p14="http://schemas.microsoft.com/office/powerpoint/2010/main">
+    <mc:Choice Requires="p14">
+      <p:transition p14:dur="10"/>
+    </mc:Choice>
+    <mc:Fallback xmlns="">
+      <p:transition/>
+    </mc:Fallback>
+  </mc:AlternateContent>
+</p:sld>
+</file>
+
+<file path=ppt/slides/slide11.xml><?xml version="1.0" encoding="utf-8"?>
+<p:sld xmlns:a="http://schemas.openxmlformats.org/drawingml/2006/main" xmlns:r="http://schemas.openxmlformats.org/officeDocument/2006/relationships" xmlns:p="http://schemas.openxmlformats.org/presentationml/2006/main">
+  <p:cSld>
+    <p:spTree>
+      <p:nvGrpSpPr>
+        <p:cNvPr id="1" name=""/>
+        <p:cNvGrpSpPr/>
+        <p:nvPr/>
+      </p:nvGrpSpPr>
+      <p:grpSpPr>
+        <a:xfrm>
+          <a:off x="0" y="0"/>
+          <a:ext cx="0" cy="0"/>
+          <a:chOff x="0" y="0"/>
+          <a:chExt cx="0" cy="0"/>
+        </a:xfrm>
+      </p:grpSpPr>
+      <p:sp>
+        <p:nvSpPr>
+          <p:cNvPr id="2" name="Title 1"/>
+          <p:cNvSpPr>
+            <a:spLocks noGrp="1"/>
+          </p:cNvSpPr>
+          <p:nvPr>
+            <p:ph type="title"/>
+          </p:nvPr>
+        </p:nvSpPr>
+        <p:spPr/>
+        <p:txBody>
+          <a:bodyPr/>
+          <a:lstStyle/>
+          <a:p>
+            <a:r>
+              <a:rPr lang="en-GB" sz="4000" dirty="0"/>
+              <a:t>Footnotes</a:t>
+            </a:r>
+          </a:p>
+        </p:txBody>
+      </p:sp>
+      <p:sp>
+        <p:nvSpPr>
+          <p:cNvPr id="3" name="Content Placeholder 2"/>
+          <p:cNvSpPr>
+            <a:spLocks noGrp="1"/>
+          </p:cNvSpPr>
+          <p:nvPr>
+            <p:ph idx="1"/>
+          </p:nvPr>
+        </p:nvSpPr>
+        <p:spPr>
+          <a:xfrm>
+            <a:off x="457200" y="2994820"/>
+            <a:ext cx="3967655" cy="1142999"/>
+          </a:xfrm>
+        </p:spPr>
+        <p:txBody>
+          <a:bodyPr>
+            <a:normAutofit lnSpcReduction="10000"/>
+          </a:bodyPr>
+          <a:lstStyle/>
+          <a:p>
+            <a:pPr marL="0" indent="0">
+              <a:buNone/>
+            </a:pPr>
+            <a:r>
+              <a:rPr lang="en-GB" sz="2400" dirty="0">
+                <a:solidFill>
+                  <a:schemeClr val="tx2">
+                    <a:lumMod val="50000"/>
+                    <a:lumOff val="50000"/>
+                  </a:schemeClr>
+                </a:solidFill>
+              </a:rPr>
+              <a:t>\</a:t>
+            </a:r>
+            <a:r>
+              <a:rPr lang="en-GB" sz="2400" dirty="0" err="1">
+                <a:solidFill>
+                  <a:schemeClr val="tx2">
+                    <a:lumMod val="50000"/>
+                    <a:lumOff val="50000"/>
+                  </a:schemeClr>
+                </a:solidFill>
+              </a:rPr>
+              <a:t>blindtext</a:t>
+            </a:r>
+            <a:r>
+              <a:rPr lang="en-GB" sz="2400" dirty="0">
+                <a:solidFill>
+                  <a:schemeClr val="tx2">
+                    <a:lumMod val="50000"/>
+                    <a:lumOff val="50000"/>
+                  </a:schemeClr>
+                </a:solidFill>
+              </a:rPr>
+              <a:t> \footnote</a:t>
+            </a:r>
+            <a:r>
+              <a:rPr lang="en-GB" sz="2400" dirty="0"/>
+              <a:t>{Some gibberish}</a:t>
+            </a:r>
+            <a:br>
+              <a:rPr lang="en-GB" sz="2400" dirty="0"/>
+            </a:br>
+            <a:endParaRPr lang="en-GB" sz="2400" dirty="0"/>
+          </a:p>
+        </p:txBody>
+      </p:sp>
+      <p:cxnSp>
+        <p:nvCxnSpPr>
+          <p:cNvPr id="4" name="Straight Connector 3">
+            <a:extLst>
+              <a:ext uri="{FF2B5EF4-FFF2-40B4-BE49-F238E27FC236}">
+                <a16:creationId xmlns:a16="http://schemas.microsoft.com/office/drawing/2014/main" id="{5F977231-9817-4997-8C71-01F70F4EFE4B}"/>
+              </a:ext>
+            </a:extLst>
+          </p:cNvPr>
+          <p:cNvCxnSpPr/>
+          <p:nvPr/>
+        </p:nvCxnSpPr>
+        <p:spPr>
+          <a:xfrm>
+            <a:off x="4572000" y="1417638"/>
+            <a:ext cx="0" cy="5440362"/>
+          </a:xfrm>
+          <a:prstGeom prst="line">
+            <a:avLst/>
+          </a:prstGeom>
+        </p:spPr>
+        <p:style>
+          <a:lnRef idx="2">
+            <a:schemeClr val="accent1"/>
+          </a:lnRef>
+          <a:fillRef idx="0">
+            <a:schemeClr val="accent1"/>
+          </a:fillRef>
+          <a:effectRef idx="1">
+            <a:schemeClr val="accent1"/>
+          </a:effectRef>
+          <a:fontRef idx="minor">
+            <a:schemeClr val="tx1"/>
+          </a:fontRef>
+        </p:style>
+      </p:cxnSp>
+      <p:pic>
+        <p:nvPicPr>
+          <p:cNvPr id="7" name="Picture 6" descr="A close up of text on a white background&#10;&#10;Description automatically generated">
+            <a:extLst>
+              <a:ext uri="{FF2B5EF4-FFF2-40B4-BE49-F238E27FC236}">
+                <a16:creationId xmlns:a16="http://schemas.microsoft.com/office/drawing/2014/main" id="{851570A0-8F6A-469A-A514-F85EC4A8E54D}"/>
+              </a:ext>
+            </a:extLst>
+          </p:cNvPr>
+          <p:cNvPicPr>
+            <a:picLocks noChangeAspect="1"/>
+          </p:cNvPicPr>
+          <p:nvPr/>
+        </p:nvPicPr>
+        <p:blipFill>
+          <a:blip r:embed="rId3"/>
+          <a:stretch>
+            <a:fillRect/>
+          </a:stretch>
+        </p:blipFill>
+        <p:spPr>
+          <a:xfrm>
+            <a:off x="4904397" y="2286000"/>
+            <a:ext cx="4068938" cy="3429000"/>
+          </a:xfrm>
+          <a:prstGeom prst="rect">
+            <a:avLst/>
+          </a:prstGeom>
+        </p:spPr>
+      </p:pic>
+    </p:spTree>
+    <p:extLst>
+      <p:ext uri="{BB962C8B-B14F-4D97-AF65-F5344CB8AC3E}">
+        <p14:creationId xmlns:p14="http://schemas.microsoft.com/office/powerpoint/2010/main" val="3346626588"/>
+      </p:ext>
+    </p:extLst>
+  </p:cSld>
+  <p:clrMapOvr>
+    <a:masterClrMapping/>
+  </p:clrMapOvr>
+  <mc:AlternateContent xmlns:mc="http://schemas.openxmlformats.org/markup-compatibility/2006" xmlns:p14="http://schemas.microsoft.com/office/powerpoint/2010/main">
+    <mc:Choice Requires="p14">
+      <p:transition p14:dur="10"/>
+    </mc:Choice>
+    <mc:Fallback xmlns="">
+      <p:transition/>
+    </mc:Fallback>
+  </mc:AlternateContent>
+</p:sld>
+</file>
+
+<file path=ppt/slides/slide12.xml><?xml version="1.0" encoding="utf-8"?>
+<p:sld xmlns:a="http://schemas.openxmlformats.org/drawingml/2006/main" xmlns:r="http://schemas.openxmlformats.org/officeDocument/2006/relationships" xmlns:p="http://schemas.openxmlformats.org/presentationml/2006/main">
+  <p:cSld>
+    <p:spTree>
+      <p:nvGrpSpPr>
+        <p:cNvPr id="1" name=""/>
+        <p:cNvGrpSpPr/>
+        <p:nvPr/>
+      </p:nvGrpSpPr>
+      <p:grpSpPr>
+        <a:xfrm>
+          <a:off x="0" y="0"/>
+          <a:ext cx="0" cy="0"/>
+          <a:chOff x="0" y="0"/>
+          <a:chExt cx="0" cy="0"/>
+        </a:xfrm>
+      </p:grpSpPr>
+      <p:sp>
+        <p:nvSpPr>
+          <p:cNvPr id="2" name="Title 1"/>
+          <p:cNvSpPr>
+            <a:spLocks noGrp="1"/>
+          </p:cNvSpPr>
+          <p:nvPr>
+            <p:ph type="title"/>
+          </p:nvPr>
+        </p:nvSpPr>
+        <p:spPr/>
+        <p:txBody>
+          <a:bodyPr/>
+          <a:lstStyle/>
+          <a:p>
+            <a:r>
+              <a:rPr lang="en-GB" sz="4000" dirty="0"/>
               <a:t>Line Spacing</a:t>
             </a:r>
           </a:p>
@@ -8841,7 +9447,7 @@
 </p:sld>
 </file>
 
-<file path=ppt/slides/slide11.xml><?xml version="1.0" encoding="utf-8"?>
+<file path=ppt/slides/slide13.xml><?xml version="1.0" encoding="utf-8"?>
 <p:sld xmlns:a="http://schemas.openxmlformats.org/drawingml/2006/main" xmlns:r="http://schemas.openxmlformats.org/officeDocument/2006/relationships" xmlns:p="http://schemas.openxmlformats.org/presentationml/2006/main">
   <p:cSld>
     <p:spTree>
@@ -9328,7 +9934,7 @@
 </p:sld>
 </file>
 
-<file path=ppt/slides/slide12.xml><?xml version="1.0" encoding="utf-8"?>
+<file path=ppt/slides/slide14.xml><?xml version="1.0" encoding="utf-8"?>
 <p:sld xmlns:a="http://schemas.openxmlformats.org/drawingml/2006/main" xmlns:r="http://schemas.openxmlformats.org/officeDocument/2006/relationships" xmlns:p="http://schemas.openxmlformats.org/presentationml/2006/main">
   <p:cSld>
     <p:spTree>
@@ -9643,7 +10249,7 @@
 </p:sld>
 </file>
 
-<file path=ppt/slides/slide13.xml><?xml version="1.0" encoding="utf-8"?>
+<file path=ppt/slides/slide15.xml><?xml version="1.0" encoding="utf-8"?>
 <p:sld xmlns:a="http://schemas.openxmlformats.org/drawingml/2006/main" xmlns:r="http://schemas.openxmlformats.org/officeDocument/2006/relationships" xmlns:p="http://schemas.openxmlformats.org/presentationml/2006/main">
   <p:cSld>
     <p:spTree>
@@ -10318,7 +10924,7 @@
 </p:sld>
 </file>
 
-<file path=ppt/slides/slide14.xml><?xml version="1.0" encoding="utf-8"?>
+<file path=ppt/slides/slide16.xml><?xml version="1.0" encoding="utf-8"?>
 <p:sld xmlns:a="http://schemas.openxmlformats.org/drawingml/2006/main" xmlns:r="http://schemas.openxmlformats.org/officeDocument/2006/relationships" xmlns:p="http://schemas.openxmlformats.org/presentationml/2006/main">
   <p:cSld>
     <p:spTree>
@@ -10428,7 +11034,7 @@
 </p:sld>
 </file>
 
-<file path=ppt/slides/slide15.xml><?xml version="1.0" encoding="utf-8"?>
+<file path=ppt/slides/slide17.xml><?xml version="1.0" encoding="utf-8"?>
 <p:sld xmlns:a="http://schemas.openxmlformats.org/drawingml/2006/main" xmlns:r="http://schemas.openxmlformats.org/officeDocument/2006/relationships" xmlns:p="http://schemas.openxmlformats.org/presentationml/2006/main">
   <p:cSld>
     <p:spTree>
@@ -10546,7 +11152,7 @@
 </p:sld>
 </file>
 
-<file path=ppt/slides/slide16.xml><?xml version="1.0" encoding="utf-8"?>
+<file path=ppt/slides/slide18.xml><?xml version="1.0" encoding="utf-8"?>
 <p:sld xmlns:a="http://schemas.openxmlformats.org/drawingml/2006/main" xmlns:r="http://schemas.openxmlformats.org/officeDocument/2006/relationships" xmlns:p="http://schemas.openxmlformats.org/presentationml/2006/main">
   <p:cSld>
     <p:spTree>
@@ -10666,7 +11272,7 @@
 </p:sld>
 </file>
 
-<file path=ppt/slides/slide17.xml><?xml version="1.0" encoding="utf-8"?>
+<file path=ppt/slides/slide19.xml><?xml version="1.0" encoding="utf-8"?>
 <p:sld xmlns:a="http://schemas.openxmlformats.org/drawingml/2006/main" xmlns:r="http://schemas.openxmlformats.org/officeDocument/2006/relationships" xmlns:p="http://schemas.openxmlformats.org/presentationml/2006/main">
   <p:cSld>
     <p:spTree>
@@ -11044,7 +11650,213 @@
 </p:sld>
 </file>
 
-<file path=ppt/slides/slide18.xml><?xml version="1.0" encoding="utf-8"?>
+<file path=ppt/slides/slide2.xml><?xml version="1.0" encoding="utf-8"?>
+<p:sld xmlns:a="http://schemas.openxmlformats.org/drawingml/2006/main" xmlns:r="http://schemas.openxmlformats.org/officeDocument/2006/relationships" xmlns:p="http://schemas.openxmlformats.org/presentationml/2006/main">
+  <p:cSld>
+    <p:spTree>
+      <p:nvGrpSpPr>
+        <p:cNvPr id="1" name=""/>
+        <p:cNvGrpSpPr/>
+        <p:nvPr/>
+      </p:nvGrpSpPr>
+      <p:grpSpPr>
+        <a:xfrm>
+          <a:off x="0" y="0"/>
+          <a:ext cx="0" cy="0"/>
+          <a:chOff x="0" y="0"/>
+          <a:chExt cx="0" cy="0"/>
+        </a:xfrm>
+      </p:grpSpPr>
+      <p:sp>
+        <p:nvSpPr>
+          <p:cNvPr id="4" name="Title 1"/>
+          <p:cNvSpPr txBox="1">
+            <a:spLocks/>
+          </p:cNvSpPr>
+          <p:nvPr/>
+        </p:nvSpPr>
+        <p:spPr>
+          <a:xfrm>
+            <a:off x="401320" y="472966"/>
+            <a:ext cx="5778764" cy="961696"/>
+          </a:xfrm>
+          <a:prstGeom prst="rect">
+            <a:avLst/>
+          </a:prstGeom>
+        </p:spPr>
+        <p:txBody>
+          <a:bodyPr anchor="b"/>
+          <a:lstStyle>
+            <a:lvl1pPr algn="l" defTabSz="457200" rtl="0" eaLnBrk="1" latinLnBrk="0" hangingPunct="1">
+              <a:lnSpc>
+                <a:spcPct val="90000"/>
+              </a:lnSpc>
+              <a:spcBef>
+                <a:spcPct val="0"/>
+              </a:spcBef>
+              <a:buNone/>
+              <a:defRPr sz="4000" b="1" i="0" kern="1200" baseline="0">
+                <a:solidFill>
+                  <a:schemeClr val="tx2"/>
+                </a:solidFill>
+                <a:latin typeface="+mj-lt"/>
+                <a:ea typeface="+mj-ea"/>
+                <a:cs typeface="MetaOT-Bold"/>
+              </a:defRPr>
+            </a:lvl1pPr>
+          </a:lstStyle>
+          <a:p>
+            <a:r>
+              <a:rPr lang="en-US" sz="3200" dirty="0">
+                <a:solidFill>
+                  <a:schemeClr val="accent3"/>
+                </a:solidFill>
+              </a:rPr>
+              <a:t>Expectations:  Covid-safe teaching environments</a:t>
+            </a:r>
+          </a:p>
+        </p:txBody>
+      </p:sp>
+      <p:sp>
+        <p:nvSpPr>
+          <p:cNvPr id="5" name="Subtitle 2"/>
+          <p:cNvSpPr>
+            <a:spLocks noGrp="1"/>
+          </p:cNvSpPr>
+          <p:nvPr>
+            <p:ph type="subTitle" idx="1"/>
+          </p:nvPr>
+        </p:nvSpPr>
+        <p:spPr>
+          <a:xfrm>
+            <a:off x="401320" y="1631731"/>
+            <a:ext cx="8490432" cy="4548352"/>
+          </a:xfrm>
+        </p:spPr>
+        <p:txBody>
+          <a:bodyPr lIns="91440" tIns="45720" rIns="91440" bIns="45720" anchor="t"/>
+          <a:lstStyle/>
+          <a:p>
+            <a:r>
+              <a:rPr lang="en-US" sz="2200" u="sng" dirty="0">
+                <a:ea typeface="+mj-lt"/>
+                <a:cs typeface="+mj-lt"/>
+              </a:rPr>
+              <a:t>Face coverings</a:t>
+            </a:r>
+          </a:p>
+          <a:p>
+            <a:pPr marL="457200" indent="-457200">
+              <a:buFont typeface="Arial" panose="020B0604020202020204" pitchFamily="34" charset="0"/>
+              <a:buChar char="•"/>
+            </a:pPr>
+            <a:r>
+              <a:rPr lang="en-GB" sz="2200" dirty="0">
+                <a:latin typeface="+mn-lt"/>
+                <a:ea typeface="Calibri" panose="020F0502020204030204" pitchFamily="34" charset="0"/>
+                <a:cs typeface="Times New Roman"/>
+              </a:rPr>
+              <a:t>You are expected to wear a face covering </a:t>
+            </a:r>
+            <a:endParaRPr lang="en-GB" sz="2200" dirty="0"/>
+          </a:p>
+          <a:p>
+            <a:pPr marL="457200" indent="-457200">
+              <a:buFont typeface="Arial" panose="020B0604020202020204" pitchFamily="34" charset="0"/>
+              <a:buChar char="•"/>
+            </a:pPr>
+            <a:r>
+              <a:rPr lang="en-US" sz="2200" dirty="0">
+                <a:ea typeface="+mj-lt"/>
+                <a:cs typeface="+mj-lt"/>
+              </a:rPr>
+              <a:t>Tutors will deliver their workshop 2 meters distance from </a:t>
+            </a:r>
+            <a:r>
+              <a:rPr lang="en-US" sz="2200">
+                <a:ea typeface="+mj-lt"/>
+                <a:cs typeface="+mj-lt"/>
+              </a:rPr>
+              <a:t>you </a:t>
+            </a:r>
+            <a:endParaRPr lang="en-US" sz="2200" dirty="0">
+              <a:ea typeface="+mj-lt"/>
+              <a:cs typeface="+mj-lt"/>
+            </a:endParaRPr>
+          </a:p>
+          <a:p>
+            <a:endParaRPr lang="en-US" sz="2200" u="sng" dirty="0">
+              <a:latin typeface="+mn-lt"/>
+              <a:ea typeface="+mj-lt"/>
+              <a:cs typeface="+mj-lt"/>
+            </a:endParaRPr>
+          </a:p>
+          <a:p>
+            <a:r>
+              <a:rPr lang="en-US" sz="2200" u="sng" dirty="0">
+                <a:latin typeface="+mn-lt"/>
+                <a:ea typeface="+mj-lt"/>
+                <a:cs typeface="+mj-lt"/>
+              </a:rPr>
+              <a:t>Hygiene</a:t>
+            </a:r>
+            <a:endParaRPr lang="en-GB" sz="2200" u="sng" dirty="0">
+              <a:latin typeface="+mn-lt"/>
+              <a:ea typeface="Calibri" panose="020F0502020204030204" pitchFamily="34" charset="0"/>
+              <a:cs typeface="Times New Roman"/>
+            </a:endParaRPr>
+          </a:p>
+          <a:p>
+            <a:pPr marL="457200" indent="-457200">
+              <a:buFont typeface="Arial" panose="020B0604020202020204" pitchFamily="34" charset="0"/>
+              <a:buChar char="•"/>
+            </a:pPr>
+            <a:r>
+              <a:rPr lang="en-US" sz="2200" dirty="0"/>
+              <a:t>Where hand </a:t>
+            </a:r>
+            <a:r>
+              <a:rPr lang="en-US" sz="2200" dirty="0" err="1"/>
+              <a:t>sanitiser</a:t>
+            </a:r>
+            <a:r>
+              <a:rPr lang="en-US" sz="2200" dirty="0"/>
+              <a:t> is available, please use it</a:t>
+            </a:r>
+          </a:p>
+          <a:p>
+            <a:pPr marL="457200" indent="-457200">
+              <a:buFont typeface="Arial" panose="020B0604020202020204" pitchFamily="34" charset="0"/>
+              <a:buChar char="•"/>
+            </a:pPr>
+            <a:r>
+              <a:rPr lang="en-US" sz="2200" dirty="0"/>
+              <a:t>Please wipe down any communal/shared course materials/equipment </a:t>
+            </a:r>
+          </a:p>
+          <a:p>
+            <a:pPr marL="457200" indent="-457200">
+              <a:buFont typeface="Arial" panose="020B0604020202020204" pitchFamily="34" charset="0"/>
+              <a:buChar char="•"/>
+            </a:pPr>
+            <a:endParaRPr lang="en-US" sz="2400" dirty="0"/>
+          </a:p>
+        </p:txBody>
+      </p:sp>
+    </p:spTree>
+    <p:extLst>
+      <p:ext uri="{BB962C8B-B14F-4D97-AF65-F5344CB8AC3E}">
+        <p14:creationId xmlns:p14="http://schemas.microsoft.com/office/powerpoint/2010/main" val="70908208"/>
+      </p:ext>
+    </p:extLst>
+  </p:cSld>
+  <p:clrMapOvr>
+    <a:masterClrMapping/>
+  </p:clrMapOvr>
+</p:sld>
+</file>
+
+<file path=ppt/slides/slide20.xml><?xml version="1.0" encoding="utf-8"?>
 <p:sld xmlns:a="http://schemas.openxmlformats.org/drawingml/2006/main" xmlns:r="http://schemas.openxmlformats.org/officeDocument/2006/relationships" xmlns:p="http://schemas.openxmlformats.org/presentationml/2006/main">
   <p:cSld>
     <p:spTree>
@@ -11168,7 +11980,7 @@
 </p:sld>
 </file>
 
-<file path=ppt/slides/slide19.xml><?xml version="1.0" encoding="utf-8"?>
+<file path=ppt/slides/slide21.xml><?xml version="1.0" encoding="utf-8"?>
 <p:sld xmlns:a="http://schemas.openxmlformats.org/drawingml/2006/main" xmlns:r="http://schemas.openxmlformats.org/officeDocument/2006/relationships" xmlns:p="http://schemas.openxmlformats.org/presentationml/2006/main">
   <p:cSld>
     <p:spTree>
@@ -11533,130 +12345,7 @@
 </p:sld>
 </file>
 
-<file path=ppt/slides/slide2.xml><?xml version="1.0" encoding="utf-8"?>
-<p:sld xmlns:a="http://schemas.openxmlformats.org/drawingml/2006/main" xmlns:r="http://schemas.openxmlformats.org/officeDocument/2006/relationships" xmlns:p="http://schemas.openxmlformats.org/presentationml/2006/main">
-  <p:cSld>
-    <p:spTree>
-      <p:nvGrpSpPr>
-        <p:cNvPr id="1" name=""/>
-        <p:cNvGrpSpPr/>
-        <p:nvPr/>
-      </p:nvGrpSpPr>
-      <p:grpSpPr>
-        <a:xfrm>
-          <a:off x="0" y="0"/>
-          <a:ext cx="0" cy="0"/>
-          <a:chOff x="0" y="0"/>
-          <a:chExt cx="0" cy="0"/>
-        </a:xfrm>
-      </p:grpSpPr>
-      <p:sp>
-        <p:nvSpPr>
-          <p:cNvPr id="2" name="Title 1"/>
-          <p:cNvSpPr>
-            <a:spLocks noGrp="1"/>
-          </p:cNvSpPr>
-          <p:nvPr>
-            <p:ph type="title"/>
-          </p:nvPr>
-        </p:nvSpPr>
-        <p:spPr/>
-        <p:txBody>
-          <a:bodyPr/>
-          <a:lstStyle/>
-          <a:p>
-            <a:r>
-              <a:rPr lang="en-GB" sz="4000" dirty="0"/>
-              <a:t>Learning Outcomes</a:t>
-            </a:r>
-          </a:p>
-        </p:txBody>
-      </p:sp>
-      <p:sp>
-        <p:nvSpPr>
-          <p:cNvPr id="3" name="Content Placeholder 2"/>
-          <p:cNvSpPr>
-            <a:spLocks noGrp="1"/>
-          </p:cNvSpPr>
-          <p:nvPr>
-            <p:ph idx="1"/>
-          </p:nvPr>
-        </p:nvSpPr>
-        <p:spPr>
-          <a:xfrm>
-            <a:off x="457200" y="1600200"/>
-            <a:ext cx="8435280" cy="4876800"/>
-          </a:xfrm>
-        </p:spPr>
-        <p:txBody>
-          <a:bodyPr>
-            <a:normAutofit/>
-          </a:bodyPr>
-          <a:lstStyle/>
-          <a:p>
-            <a:r>
-              <a:rPr lang="en-GB" sz="3000" b="1" dirty="0"/>
-              <a:t>Identify</a:t>
-            </a:r>
-            <a:r>
-              <a:rPr lang="en-GB" sz="3000" dirty="0"/>
-              <a:t> an array of useful LaTeX packages</a:t>
-            </a:r>
-          </a:p>
-          <a:p>
-            <a:r>
-              <a:rPr lang="en-GB" sz="3000" b="1" dirty="0"/>
-              <a:t>Recognise</a:t>
-            </a:r>
-            <a:r>
-              <a:rPr lang="en-GB" sz="3000" dirty="0"/>
-              <a:t> when and how to split large documents into manageable subdocuments</a:t>
-            </a:r>
-          </a:p>
-          <a:p>
-            <a:r>
-              <a:rPr lang="en-GB" sz="3000" b="1" dirty="0"/>
-              <a:t>Employ</a:t>
-            </a:r>
-            <a:r>
-              <a:rPr lang="en-GB" sz="3000" dirty="0"/>
-              <a:t> custom formatting and referencing</a:t>
-            </a:r>
-          </a:p>
-          <a:p>
-            <a:r>
-              <a:rPr lang="en-GB" sz="3000" b="1" dirty="0"/>
-              <a:t>Develop</a:t>
-            </a:r>
-            <a:r>
-              <a:rPr lang="en-GB" sz="3000" dirty="0"/>
-              <a:t> a full thesis template </a:t>
-            </a:r>
-          </a:p>
-        </p:txBody>
-      </p:sp>
-    </p:spTree>
-    <p:extLst>
-      <p:ext uri="{BB962C8B-B14F-4D97-AF65-F5344CB8AC3E}">
-        <p14:creationId xmlns:p14="http://schemas.microsoft.com/office/powerpoint/2010/main" val="3248724752"/>
-      </p:ext>
-    </p:extLst>
-  </p:cSld>
-  <p:clrMapOvr>
-    <a:masterClrMapping/>
-  </p:clrMapOvr>
-  <mc:AlternateContent xmlns:mc="http://schemas.openxmlformats.org/markup-compatibility/2006" xmlns:p14="http://schemas.microsoft.com/office/powerpoint/2010/main">
-    <mc:Choice Requires="p14">
-      <p:transition p14:dur="10"/>
-    </mc:Choice>
-    <mc:Fallback xmlns="">
-      <p:transition/>
-    </mc:Fallback>
-  </mc:AlternateContent>
-</p:sld>
-</file>
-
-<file path=ppt/slides/slide20.xml><?xml version="1.0" encoding="utf-8"?>
+<file path=ppt/slides/slide22.xml><?xml version="1.0" encoding="utf-8"?>
 <p:sld xmlns:a="http://schemas.openxmlformats.org/drawingml/2006/main" xmlns:r="http://schemas.openxmlformats.org/officeDocument/2006/relationships" xmlns:p="http://schemas.openxmlformats.org/presentationml/2006/main">
   <p:cSld>
     <p:spTree>
@@ -11840,7 +12529,7 @@
 </p:sld>
 </file>
 
-<file path=ppt/slides/slide21.xml><?xml version="1.0" encoding="utf-8"?>
+<file path=ppt/slides/slide23.xml><?xml version="1.0" encoding="utf-8"?>
 <p:sld xmlns:a="http://schemas.openxmlformats.org/drawingml/2006/main" xmlns:r="http://schemas.openxmlformats.org/officeDocument/2006/relationships" xmlns:p="http://schemas.openxmlformats.org/presentationml/2006/main">
   <p:cSld>
     <p:spTree>
@@ -12036,7 +12725,7 @@
 </p:sld>
 </file>
 
-<file path=ppt/slides/slide22.xml><?xml version="1.0" encoding="utf-8"?>
+<file path=ppt/slides/slide24.xml><?xml version="1.0" encoding="utf-8"?>
 <p:sld xmlns:a="http://schemas.openxmlformats.org/drawingml/2006/main" xmlns:r="http://schemas.openxmlformats.org/officeDocument/2006/relationships" xmlns:p="http://schemas.openxmlformats.org/presentationml/2006/main">
   <p:cSld>
     <p:spTree>
@@ -12559,7 +13248,7 @@
 </p:sld>
 </file>
 
-<file path=ppt/slides/slide23.xml><?xml version="1.0" encoding="utf-8"?>
+<file path=ppt/slides/slide25.xml><?xml version="1.0" encoding="utf-8"?>
 <p:sld xmlns:a="http://schemas.openxmlformats.org/drawingml/2006/main" xmlns:r="http://schemas.openxmlformats.org/officeDocument/2006/relationships" xmlns:p="http://schemas.openxmlformats.org/presentationml/2006/main">
   <p:cSld>
     <p:spTree>
@@ -13001,7 +13690,7 @@
 </p:sld>
 </file>
 
-<file path=ppt/slides/slide24.xml><?xml version="1.0" encoding="utf-8"?>
+<file path=ppt/slides/slide26.xml><?xml version="1.0" encoding="utf-8"?>
 <p:sld xmlns:a="http://schemas.openxmlformats.org/drawingml/2006/main" xmlns:r="http://schemas.openxmlformats.org/officeDocument/2006/relationships" xmlns:p="http://schemas.openxmlformats.org/presentationml/2006/main">
   <p:cSld>
     <p:spTree>
@@ -13141,7 +13830,7 @@
 </p:sld>
 </file>
 
-<file path=ppt/slides/slide25.xml><?xml version="1.0" encoding="utf-8"?>
+<file path=ppt/slides/slide27.xml><?xml version="1.0" encoding="utf-8"?>
 <p:sld xmlns:a="http://schemas.openxmlformats.org/drawingml/2006/main" xmlns:r="http://schemas.openxmlformats.org/officeDocument/2006/relationships" xmlns:p="http://schemas.openxmlformats.org/presentationml/2006/main">
   <p:cSld>
     <p:spTree>
@@ -14042,7 +14731,7 @@
 </p:sld>
 </file>
 
-<file path=ppt/slides/slide26.xml><?xml version="1.0" encoding="utf-8"?>
+<file path=ppt/slides/slide28.xml><?xml version="1.0" encoding="utf-8"?>
 <p:sld xmlns:a="http://schemas.openxmlformats.org/drawingml/2006/main" xmlns:r="http://schemas.openxmlformats.org/officeDocument/2006/relationships" xmlns:p="http://schemas.openxmlformats.org/presentationml/2006/main">
   <p:cSld>
     <p:spTree>
@@ -14843,7 +15532,7 @@
 </p:sld>
 </file>
 
-<file path=ppt/slides/slide27.xml><?xml version="1.0" encoding="utf-8"?>
+<file path=ppt/slides/slide29.xml><?xml version="1.0" encoding="utf-8"?>
 <p:sld xmlns:a="http://schemas.openxmlformats.org/drawingml/2006/main" xmlns:r="http://schemas.openxmlformats.org/officeDocument/2006/relationships" xmlns:p="http://schemas.openxmlformats.org/presentationml/2006/main">
   <p:cSld>
     <p:spTree>
@@ -15341,7 +16030,164 @@
 </p:sld>
 </file>
 
-<file path=ppt/slides/slide28.xml><?xml version="1.0" encoding="utf-8"?>
+<file path=ppt/slides/slide3.xml><?xml version="1.0" encoding="utf-8"?>
+<p:sld xmlns:a="http://schemas.openxmlformats.org/drawingml/2006/main" xmlns:r="http://schemas.openxmlformats.org/officeDocument/2006/relationships" xmlns:p="http://schemas.openxmlformats.org/presentationml/2006/main">
+  <p:cSld>
+    <p:spTree>
+      <p:nvGrpSpPr>
+        <p:cNvPr id="1" name=""/>
+        <p:cNvGrpSpPr/>
+        <p:nvPr/>
+      </p:nvGrpSpPr>
+      <p:grpSpPr>
+        <a:xfrm>
+          <a:off x="0" y="0"/>
+          <a:ext cx="0" cy="0"/>
+          <a:chOff x="0" y="0"/>
+          <a:chExt cx="0" cy="0"/>
+        </a:xfrm>
+      </p:grpSpPr>
+      <p:sp>
+        <p:nvSpPr>
+          <p:cNvPr id="4" name="Title 1"/>
+          <p:cNvSpPr txBox="1">
+            <a:spLocks/>
+          </p:cNvSpPr>
+          <p:nvPr/>
+        </p:nvSpPr>
+        <p:spPr>
+          <a:xfrm>
+            <a:off x="401319" y="472966"/>
+            <a:ext cx="5558047" cy="930165"/>
+          </a:xfrm>
+          <a:prstGeom prst="rect">
+            <a:avLst/>
+          </a:prstGeom>
+        </p:spPr>
+        <p:txBody>
+          <a:bodyPr anchor="b"/>
+          <a:lstStyle>
+            <a:lvl1pPr algn="l" defTabSz="457200" rtl="0" eaLnBrk="1" latinLnBrk="0" hangingPunct="1">
+              <a:lnSpc>
+                <a:spcPct val="90000"/>
+              </a:lnSpc>
+              <a:spcBef>
+                <a:spcPct val="0"/>
+              </a:spcBef>
+              <a:buNone/>
+              <a:defRPr sz="4000" b="1" i="0" kern="1200" baseline="0">
+                <a:solidFill>
+                  <a:schemeClr val="tx2"/>
+                </a:solidFill>
+                <a:latin typeface="+mj-lt"/>
+                <a:ea typeface="+mj-ea"/>
+                <a:cs typeface="MetaOT-Bold"/>
+              </a:defRPr>
+            </a:lvl1pPr>
+          </a:lstStyle>
+          <a:p>
+            <a:r>
+              <a:rPr lang="en-US" sz="3200" dirty="0">
+                <a:solidFill>
+                  <a:schemeClr val="accent3"/>
+                </a:solidFill>
+              </a:rPr>
+              <a:t>Expectations:  Covid-safe teaching environments</a:t>
+            </a:r>
+          </a:p>
+        </p:txBody>
+      </p:sp>
+      <p:sp>
+        <p:nvSpPr>
+          <p:cNvPr id="5" name="Subtitle 2"/>
+          <p:cNvSpPr>
+            <a:spLocks noGrp="1"/>
+          </p:cNvSpPr>
+          <p:nvPr>
+            <p:ph type="subTitle" idx="1"/>
+          </p:nvPr>
+        </p:nvSpPr>
+        <p:spPr>
+          <a:xfrm>
+            <a:off x="189186" y="1450427"/>
+            <a:ext cx="8797158" cy="4020208"/>
+          </a:xfrm>
+        </p:spPr>
+        <p:txBody>
+          <a:bodyPr lIns="91440" tIns="45720" rIns="91440" bIns="45720" anchor="t"/>
+          <a:lstStyle/>
+          <a:p>
+            <a:r>
+              <a:rPr lang="en-US" sz="2200" u="sng" dirty="0"/>
+              <a:t>For the purpose of contact tracing</a:t>
+            </a:r>
+            <a:endParaRPr lang="en-US" sz="2200" dirty="0"/>
+          </a:p>
+          <a:p>
+            <a:endParaRPr lang="en-US" sz="2200" dirty="0"/>
+          </a:p>
+          <a:p>
+            <a:r>
+              <a:rPr lang="en-US" sz="2200" dirty="0"/>
+              <a:t>For our standard workshops:</a:t>
+            </a:r>
+          </a:p>
+          <a:p>
+            <a:pPr marL="342900" indent="-342900">
+              <a:buFont typeface="Arial" panose="020B0604020202020204" pitchFamily="34" charset="0"/>
+              <a:buChar char="•"/>
+            </a:pPr>
+            <a:r>
+              <a:rPr lang="en-US" sz="2200" dirty="0"/>
+              <a:t>We will provide the CCT Hub with the complete list of attendees at this workshop</a:t>
+            </a:r>
+          </a:p>
+          <a:p>
+            <a:endParaRPr lang="en-US" sz="2200" dirty="0"/>
+          </a:p>
+          <a:p>
+            <a:r>
+              <a:rPr lang="en-US" sz="2200" dirty="0"/>
+              <a:t>Where our workshops are held in lecture theatres:</a:t>
+            </a:r>
+          </a:p>
+          <a:p>
+            <a:pPr marL="342900" indent="-342900">
+              <a:buFont typeface="Arial" panose="020B0604020202020204" pitchFamily="34" charset="0"/>
+              <a:buChar char="•"/>
+            </a:pPr>
+            <a:r>
+              <a:rPr lang="en-US" sz="2200" dirty="0"/>
+              <a:t>You should keep a record of colleagues that you are sat in </a:t>
+            </a:r>
+            <a:r>
+              <a:rPr lang="en-US" sz="2200"/>
+              <a:t>close contact with </a:t>
+            </a:r>
+            <a:r>
+              <a:rPr lang="en-US" sz="2200" dirty="0"/>
+              <a:t>(within 2 meters)</a:t>
+            </a:r>
+          </a:p>
+          <a:p>
+            <a:endParaRPr lang="en-US" dirty="0"/>
+          </a:p>
+        </p:txBody>
+      </p:sp>
+    </p:spTree>
+    <p:extLst>
+      <p:ext uri="{BB962C8B-B14F-4D97-AF65-F5344CB8AC3E}">
+        <p14:creationId xmlns:p14="http://schemas.microsoft.com/office/powerpoint/2010/main" val="3238657636"/>
+      </p:ext>
+    </p:extLst>
+  </p:cSld>
+  <p:clrMapOvr>
+    <a:masterClrMapping/>
+  </p:clrMapOvr>
+</p:sld>
+</file>
+
+<file path=ppt/slides/slide30.xml><?xml version="1.0" encoding="utf-8"?>
 <p:sld xmlns:a="http://schemas.openxmlformats.org/drawingml/2006/main" xmlns:r="http://schemas.openxmlformats.org/officeDocument/2006/relationships" xmlns:p="http://schemas.openxmlformats.org/presentationml/2006/main">
   <p:cSld>
     <p:spTree>
@@ -16348,7 +17194,7 @@
 </p:sld>
 </file>
 
-<file path=ppt/slides/slide29.xml><?xml version="1.0" encoding="utf-8"?>
+<file path=ppt/slides/slide31.xml><?xml version="1.0" encoding="utf-8"?>
 <p:sld xmlns:a="http://schemas.openxmlformats.org/drawingml/2006/main" xmlns:r="http://schemas.openxmlformats.org/officeDocument/2006/relationships" xmlns:p="http://schemas.openxmlformats.org/presentationml/2006/main">
   <p:cSld>
     <p:spTree>
@@ -16950,211 +17796,7 @@
 </p:sld>
 </file>
 
-<file path=ppt/slides/slide3.xml><?xml version="1.0" encoding="utf-8"?>
-<p:sld xmlns:a="http://schemas.openxmlformats.org/drawingml/2006/main" xmlns:r="http://schemas.openxmlformats.org/officeDocument/2006/relationships" xmlns:p="http://schemas.openxmlformats.org/presentationml/2006/main">
-  <p:cSld>
-    <p:spTree>
-      <p:nvGrpSpPr>
-        <p:cNvPr id="1" name=""/>
-        <p:cNvGrpSpPr/>
-        <p:nvPr/>
-      </p:nvGrpSpPr>
-      <p:grpSpPr>
-        <a:xfrm>
-          <a:off x="0" y="0"/>
-          <a:ext cx="0" cy="0"/>
-          <a:chOff x="0" y="0"/>
-          <a:chExt cx="0" cy="0"/>
-        </a:xfrm>
-      </p:grpSpPr>
-      <p:sp>
-        <p:nvSpPr>
-          <p:cNvPr id="2" name="Title 1"/>
-          <p:cNvSpPr>
-            <a:spLocks noGrp="1"/>
-          </p:cNvSpPr>
-          <p:nvPr>
-            <p:ph type="title"/>
-          </p:nvPr>
-        </p:nvSpPr>
-        <p:spPr/>
-        <p:txBody>
-          <a:bodyPr/>
-          <a:lstStyle/>
-          <a:p>
-            <a:r>
-              <a:rPr lang="en-GB" sz="4000" dirty="0"/>
-              <a:t>Overleaf</a:t>
-            </a:r>
-          </a:p>
-        </p:txBody>
-      </p:sp>
-      <p:sp>
-        <p:nvSpPr>
-          <p:cNvPr id="3" name="TextBox 2"/>
-          <p:cNvSpPr txBox="1"/>
-          <p:nvPr/>
-        </p:nvSpPr>
-        <p:spPr>
-          <a:xfrm>
-            <a:off x="457200" y="1625833"/>
-            <a:ext cx="7840980" cy="5447645"/>
-          </a:xfrm>
-          <a:prstGeom prst="rect">
-            <a:avLst/>
-          </a:prstGeom>
-          <a:noFill/>
-        </p:spPr>
-        <p:txBody>
-          <a:bodyPr wrap="square" rtlCol="0">
-            <a:spAutoFit/>
-          </a:bodyPr>
-          <a:lstStyle/>
-          <a:p>
-            <a:pPr marL="457200" indent="-457200">
-              <a:buFont typeface="Arial" panose="020B0604020202020204" pitchFamily="34" charset="0"/>
-              <a:buChar char="•"/>
-            </a:pPr>
-            <a:r>
-              <a:rPr lang="en-GB" sz="2400" dirty="0"/>
-              <a:t>Online environment for creating and compiling LaTeX documents</a:t>
-            </a:r>
-          </a:p>
-          <a:p>
-            <a:pPr marL="457200" indent="-457200">
-              <a:buFont typeface="Arial" panose="020B0604020202020204" pitchFamily="34" charset="0"/>
-              <a:buChar char="•"/>
-            </a:pPr>
-            <a:r>
-              <a:rPr lang="en-GB" sz="2400" dirty="0"/>
-              <a:t>Pros</a:t>
-            </a:r>
-          </a:p>
-          <a:p>
-            <a:pPr marL="914400" lvl="1" indent="-457200">
-              <a:buFont typeface="Arial" panose="020B0604020202020204" pitchFamily="34" charset="0"/>
-              <a:buChar char="•"/>
-            </a:pPr>
-            <a:r>
-              <a:rPr lang="en-GB" sz="2400" dirty="0"/>
-              <a:t>Cross-platform</a:t>
-            </a:r>
-          </a:p>
-          <a:p>
-            <a:pPr marL="914400" lvl="1" indent="-457200">
-              <a:buFont typeface="Arial" panose="020B0604020202020204" pitchFamily="34" charset="0"/>
-              <a:buChar char="•"/>
-            </a:pPr>
-            <a:r>
-              <a:rPr lang="en-GB" sz="2400" dirty="0"/>
-              <a:t>Complete</a:t>
-            </a:r>
-          </a:p>
-          <a:p>
-            <a:pPr marL="914400" lvl="1" indent="-457200">
-              <a:buFont typeface="Arial" panose="020B0604020202020204" pitchFamily="34" charset="0"/>
-              <a:buChar char="•"/>
-            </a:pPr>
-            <a:r>
-              <a:rPr lang="en-GB" sz="2400" dirty="0"/>
-              <a:t>Easy to use</a:t>
-            </a:r>
-          </a:p>
-          <a:p>
-            <a:pPr marL="914400" lvl="1" indent="-457200">
-              <a:buFont typeface="Arial" panose="020B0604020202020204" pitchFamily="34" charset="0"/>
-              <a:buChar char="•"/>
-            </a:pPr>
-            <a:r>
-              <a:rPr lang="en-GB" sz="2400" dirty="0"/>
-              <a:t>Allows collaboration</a:t>
-            </a:r>
-          </a:p>
-          <a:p>
-            <a:pPr marL="914400" lvl="1" indent="-457200">
-              <a:buFont typeface="Arial" panose="020B0604020202020204" pitchFamily="34" charset="0"/>
-              <a:buChar char="•"/>
-            </a:pPr>
-            <a:r>
-              <a:rPr lang="en-GB" sz="2400" dirty="0"/>
-              <a:t>Cloud syncing with Dropbox and </a:t>
-            </a:r>
-            <a:r>
-              <a:rPr lang="en-GB" sz="2400" dirty="0" err="1"/>
-              <a:t>Github</a:t>
-            </a:r>
-            <a:endParaRPr lang="en-GB" sz="2400" dirty="0"/>
-          </a:p>
-          <a:p>
-            <a:pPr marL="914400" lvl="1" indent="-457200">
-              <a:buFont typeface="Arial" panose="020B0604020202020204" pitchFamily="34" charset="0"/>
-              <a:buChar char="•"/>
-            </a:pPr>
-            <a:r>
-              <a:rPr lang="en-GB" sz="2400" dirty="0"/>
-              <a:t>Integrated “review” system for feedback</a:t>
-            </a:r>
-          </a:p>
-          <a:p>
-            <a:pPr marL="457200" indent="-457200">
-              <a:buFont typeface="Arial" panose="020B0604020202020204" pitchFamily="34" charset="0"/>
-              <a:buChar char="•"/>
-            </a:pPr>
-            <a:r>
-              <a:rPr lang="en-GB" sz="2400" dirty="0"/>
-              <a:t>Cons</a:t>
-            </a:r>
-          </a:p>
-          <a:p>
-            <a:pPr marL="914400" lvl="1" indent="-457200">
-              <a:buFont typeface="Arial" panose="020B0604020202020204" pitchFamily="34" charset="0"/>
-              <a:buChar char="•"/>
-            </a:pPr>
-            <a:r>
-              <a:rPr lang="en-GB" sz="2400" dirty="0"/>
-              <a:t>Editor online only</a:t>
-            </a:r>
-          </a:p>
-          <a:p>
-            <a:pPr marL="914400" lvl="1" indent="-457200">
-              <a:buFont typeface="Arial" panose="020B0604020202020204" pitchFamily="34" charset="0"/>
-              <a:buChar char="•"/>
-            </a:pPr>
-            <a:r>
-              <a:rPr lang="en-GB" sz="2400" dirty="0"/>
-              <a:t>Data stored online</a:t>
-            </a:r>
-          </a:p>
-          <a:p>
-            <a:endParaRPr lang="en-GB" sz="3000" dirty="0"/>
-          </a:p>
-          <a:p>
-            <a:endParaRPr lang="en-GB" sz="3000" dirty="0"/>
-          </a:p>
-        </p:txBody>
-      </p:sp>
-    </p:spTree>
-    <p:extLst>
-      <p:ext uri="{BB962C8B-B14F-4D97-AF65-F5344CB8AC3E}">
-        <p14:creationId xmlns:p14="http://schemas.microsoft.com/office/powerpoint/2010/main" val="3718216746"/>
-      </p:ext>
-    </p:extLst>
-  </p:cSld>
-  <p:clrMapOvr>
-    <a:masterClrMapping/>
-  </p:clrMapOvr>
-  <mc:AlternateContent xmlns:mc="http://schemas.openxmlformats.org/markup-compatibility/2006" xmlns:p14="http://schemas.microsoft.com/office/powerpoint/2010/main">
-    <mc:Choice Requires="p14">
-      <p:transition p14:dur="10"/>
-    </mc:Choice>
-    <mc:Fallback xmlns="">
-      <p:transition/>
-    </mc:Fallback>
-  </mc:AlternateContent>
-</p:sld>
-</file>
-
-<file path=ppt/slides/slide30.xml><?xml version="1.0" encoding="utf-8"?>
+<file path=ppt/slides/slide32.xml><?xml version="1.0" encoding="utf-8"?>
 <p:sld xmlns:a="http://schemas.openxmlformats.org/drawingml/2006/main" xmlns:r="http://schemas.openxmlformats.org/officeDocument/2006/relationships" xmlns:p="http://schemas.openxmlformats.org/presentationml/2006/main">
   <p:cSld>
     <p:spTree>
@@ -17356,7 +17998,7 @@
 </p:sld>
 </file>
 
-<file path=ppt/slides/slide31.xml><?xml version="1.0" encoding="utf-8"?>
+<file path=ppt/slides/slide33.xml><?xml version="1.0" encoding="utf-8"?>
 <p:sld xmlns:a="http://schemas.openxmlformats.org/drawingml/2006/main" xmlns:r="http://schemas.openxmlformats.org/officeDocument/2006/relationships" xmlns:p="http://schemas.openxmlformats.org/presentationml/2006/main">
   <p:cSld>
     <p:spTree>
@@ -17851,7 +18493,7 @@
 </p:sld>
 </file>
 
-<file path=ppt/slides/slide32.xml><?xml version="1.0" encoding="utf-8"?>
+<file path=ppt/slides/slide34.xml><?xml version="1.0" encoding="utf-8"?>
 <p:sld xmlns:a="http://schemas.openxmlformats.org/drawingml/2006/main" xmlns:r="http://schemas.openxmlformats.org/officeDocument/2006/relationships" xmlns:p="http://schemas.openxmlformats.org/presentationml/2006/main">
   <p:cSld>
     <p:spTree>
@@ -17969,7 +18611,7 @@
 </p:sld>
 </file>
 
-<file path=ppt/slides/slide33.xml><?xml version="1.0" encoding="utf-8"?>
+<file path=ppt/slides/slide35.xml><?xml version="1.0" encoding="utf-8"?>
 <p:sld xmlns:a="http://schemas.openxmlformats.org/drawingml/2006/main" xmlns:r="http://schemas.openxmlformats.org/officeDocument/2006/relationships" xmlns:p="http://schemas.openxmlformats.org/presentationml/2006/main">
   <p:cSld>
     <p:spTree>
@@ -18439,7 +19081,7 @@
 </p:sld>
 </file>
 
-<file path=ppt/slides/slide34.xml><?xml version="1.0" encoding="utf-8"?>
+<file path=ppt/slides/slide36.xml><?xml version="1.0" encoding="utf-8"?>
 <p:sld xmlns:a="http://schemas.openxmlformats.org/drawingml/2006/main" xmlns:r="http://schemas.openxmlformats.org/officeDocument/2006/relationships" xmlns:p="http://schemas.openxmlformats.org/presentationml/2006/main">
   <p:cSld>
     <p:spTree>
@@ -18891,7 +19533,7 @@
 </p:sld>
 </file>
 
-<file path=ppt/slides/slide35.xml><?xml version="1.0" encoding="utf-8"?>
+<file path=ppt/slides/slide37.xml><?xml version="1.0" encoding="utf-8"?>
 <p:sld xmlns:a="http://schemas.openxmlformats.org/drawingml/2006/main" xmlns:r="http://schemas.openxmlformats.org/officeDocument/2006/relationships" xmlns:p="http://schemas.openxmlformats.org/presentationml/2006/main">
   <p:cSld>
     <p:spTree>
@@ -19356,7 +19998,7 @@
 </p:sld>
 </file>
 
-<file path=ppt/slides/slide36.xml><?xml version="1.0" encoding="utf-8"?>
+<file path=ppt/slides/slide38.xml><?xml version="1.0" encoding="utf-8"?>
 <p:sld xmlns:a="http://schemas.openxmlformats.org/drawingml/2006/main" xmlns:r="http://schemas.openxmlformats.org/officeDocument/2006/relationships" xmlns:p="http://schemas.openxmlformats.org/presentationml/2006/main">
   <p:cSld>
     <p:spTree>
@@ -19662,7 +20304,7 @@
 </p:sld>
 </file>
 
-<file path=ppt/slides/slide37.xml><?xml version="1.0" encoding="utf-8"?>
+<file path=ppt/slides/slide39.xml><?xml version="1.0" encoding="utf-8"?>
 <p:sld xmlns:a="http://schemas.openxmlformats.org/drawingml/2006/main" xmlns:r="http://schemas.openxmlformats.org/officeDocument/2006/relationships" xmlns:p="http://schemas.openxmlformats.org/presentationml/2006/main">
   <p:cSld>
     <p:spTree>
@@ -19940,7 +20582,130 @@
 </p:sld>
 </file>
 
-<file path=ppt/slides/slide38.xml><?xml version="1.0" encoding="utf-8"?>
+<file path=ppt/slides/slide4.xml><?xml version="1.0" encoding="utf-8"?>
+<p:sld xmlns:a="http://schemas.openxmlformats.org/drawingml/2006/main" xmlns:r="http://schemas.openxmlformats.org/officeDocument/2006/relationships" xmlns:p="http://schemas.openxmlformats.org/presentationml/2006/main">
+  <p:cSld>
+    <p:spTree>
+      <p:nvGrpSpPr>
+        <p:cNvPr id="1" name=""/>
+        <p:cNvGrpSpPr/>
+        <p:nvPr/>
+      </p:nvGrpSpPr>
+      <p:grpSpPr>
+        <a:xfrm>
+          <a:off x="0" y="0"/>
+          <a:ext cx="0" cy="0"/>
+          <a:chOff x="0" y="0"/>
+          <a:chExt cx="0" cy="0"/>
+        </a:xfrm>
+      </p:grpSpPr>
+      <p:sp>
+        <p:nvSpPr>
+          <p:cNvPr id="2" name="Title 1"/>
+          <p:cNvSpPr>
+            <a:spLocks noGrp="1"/>
+          </p:cNvSpPr>
+          <p:nvPr>
+            <p:ph type="title"/>
+          </p:nvPr>
+        </p:nvSpPr>
+        <p:spPr/>
+        <p:txBody>
+          <a:bodyPr/>
+          <a:lstStyle/>
+          <a:p>
+            <a:r>
+              <a:rPr lang="en-GB" sz="4000" dirty="0"/>
+              <a:t>Learning Outcomes</a:t>
+            </a:r>
+          </a:p>
+        </p:txBody>
+      </p:sp>
+      <p:sp>
+        <p:nvSpPr>
+          <p:cNvPr id="3" name="Content Placeholder 2"/>
+          <p:cNvSpPr>
+            <a:spLocks noGrp="1"/>
+          </p:cNvSpPr>
+          <p:nvPr>
+            <p:ph idx="1"/>
+          </p:nvPr>
+        </p:nvSpPr>
+        <p:spPr>
+          <a:xfrm>
+            <a:off x="457200" y="1600200"/>
+            <a:ext cx="8435280" cy="4876800"/>
+          </a:xfrm>
+        </p:spPr>
+        <p:txBody>
+          <a:bodyPr>
+            <a:normAutofit/>
+          </a:bodyPr>
+          <a:lstStyle/>
+          <a:p>
+            <a:r>
+              <a:rPr lang="en-GB" sz="3000" b="1" dirty="0"/>
+              <a:t>Identify</a:t>
+            </a:r>
+            <a:r>
+              <a:rPr lang="en-GB" sz="3000" dirty="0"/>
+              <a:t> an array of useful LaTeX packages</a:t>
+            </a:r>
+          </a:p>
+          <a:p>
+            <a:r>
+              <a:rPr lang="en-GB" sz="3000" b="1" dirty="0"/>
+              <a:t>Recognise</a:t>
+            </a:r>
+            <a:r>
+              <a:rPr lang="en-GB" sz="3000" dirty="0"/>
+              <a:t> when and how to split large documents into manageable subdocuments</a:t>
+            </a:r>
+          </a:p>
+          <a:p>
+            <a:r>
+              <a:rPr lang="en-GB" sz="3000" b="1" dirty="0"/>
+              <a:t>Employ</a:t>
+            </a:r>
+            <a:r>
+              <a:rPr lang="en-GB" sz="3000" dirty="0"/>
+              <a:t> custom formatting and referencing</a:t>
+            </a:r>
+          </a:p>
+          <a:p>
+            <a:r>
+              <a:rPr lang="en-GB" sz="3000" b="1" dirty="0"/>
+              <a:t>Develop</a:t>
+            </a:r>
+            <a:r>
+              <a:rPr lang="en-GB" sz="3000" dirty="0"/>
+              <a:t> a full thesis template </a:t>
+            </a:r>
+          </a:p>
+        </p:txBody>
+      </p:sp>
+    </p:spTree>
+    <p:extLst>
+      <p:ext uri="{BB962C8B-B14F-4D97-AF65-F5344CB8AC3E}">
+        <p14:creationId xmlns:p14="http://schemas.microsoft.com/office/powerpoint/2010/main" val="3248724752"/>
+      </p:ext>
+    </p:extLst>
+  </p:cSld>
+  <p:clrMapOvr>
+    <a:masterClrMapping/>
+  </p:clrMapOvr>
+  <mc:AlternateContent xmlns:mc="http://schemas.openxmlformats.org/markup-compatibility/2006" xmlns:p14="http://schemas.microsoft.com/office/powerpoint/2010/main">
+    <mc:Choice Requires="p14">
+      <p:transition p14:dur="10"/>
+    </mc:Choice>
+    <mc:Fallback xmlns="">
+      <p:transition/>
+    </mc:Fallback>
+  </mc:AlternateContent>
+</p:sld>
+</file>
+
+<file path=ppt/slides/slide40.xml><?xml version="1.0" encoding="utf-8"?>
 <p:sld xmlns:a="http://schemas.openxmlformats.org/drawingml/2006/main" xmlns:r="http://schemas.openxmlformats.org/officeDocument/2006/relationships" xmlns:p="http://schemas.openxmlformats.org/presentationml/2006/main">
   <p:cSld>
     <p:spTree>
@@ -20418,7 +21183,7 @@
 </p:sld>
 </file>
 
-<file path=ppt/slides/slide39.xml><?xml version="1.0" encoding="utf-8"?>
+<file path=ppt/slides/slide41.xml><?xml version="1.0" encoding="utf-8"?>
 <p:sld xmlns:a="http://schemas.openxmlformats.org/drawingml/2006/main" xmlns:r="http://schemas.openxmlformats.org/officeDocument/2006/relationships" xmlns:p="http://schemas.openxmlformats.org/presentationml/2006/main">
   <p:cSld>
     <p:spTree>
@@ -20900,205 +21665,7 @@
 </p:sld>
 </file>
 
-<file path=ppt/slides/slide4.xml><?xml version="1.0" encoding="utf-8"?>
-<p:sld xmlns:a="http://schemas.openxmlformats.org/drawingml/2006/main" xmlns:r="http://schemas.openxmlformats.org/officeDocument/2006/relationships" xmlns:p="http://schemas.openxmlformats.org/presentationml/2006/main">
-  <p:cSld>
-    <p:spTree>
-      <p:nvGrpSpPr>
-        <p:cNvPr id="1" name=""/>
-        <p:cNvGrpSpPr/>
-        <p:nvPr/>
-      </p:nvGrpSpPr>
-      <p:grpSpPr>
-        <a:xfrm>
-          <a:off x="0" y="0"/>
-          <a:ext cx="0" cy="0"/>
-          <a:chOff x="0" y="0"/>
-          <a:chExt cx="0" cy="0"/>
-        </a:xfrm>
-      </p:grpSpPr>
-      <p:sp>
-        <p:nvSpPr>
-          <p:cNvPr id="2" name="Title 1"/>
-          <p:cNvSpPr>
-            <a:spLocks noGrp="1"/>
-          </p:cNvSpPr>
-          <p:nvPr>
-            <p:ph type="title"/>
-          </p:nvPr>
-        </p:nvSpPr>
-        <p:spPr/>
-        <p:txBody>
-          <a:bodyPr/>
-          <a:lstStyle/>
-          <a:p>
-            <a:r>
-              <a:rPr lang="en-GB" sz="4000" dirty="0"/>
-              <a:t>Writing Theses in LaTeX</a:t>
-            </a:r>
-          </a:p>
-        </p:txBody>
-      </p:sp>
-      <p:sp>
-        <p:nvSpPr>
-          <p:cNvPr id="3" name="Content Placeholder 2"/>
-          <p:cNvSpPr>
-            <a:spLocks noGrp="1"/>
-          </p:cNvSpPr>
-          <p:nvPr>
-            <p:ph idx="1"/>
-          </p:nvPr>
-        </p:nvSpPr>
-        <p:spPr>
-          <a:xfrm>
-            <a:off x="457200" y="1600200"/>
-            <a:ext cx="8435280" cy="4876800"/>
-          </a:xfrm>
-        </p:spPr>
-        <p:txBody>
-          <a:bodyPr>
-            <a:normAutofit/>
-          </a:bodyPr>
-          <a:lstStyle/>
-          <a:p>
-            <a:pPr fontAlgn="base">
-              <a:spcBef>
-                <a:spcPts val="600"/>
-              </a:spcBef>
-              <a:spcAft>
-                <a:spcPts val="600"/>
-              </a:spcAft>
-            </a:pPr>
-            <a:r>
-              <a:rPr lang="en-US" sz="2400" dirty="0"/>
-              <a:t>Excellent Technical Typesetting</a:t>
-            </a:r>
-          </a:p>
-          <a:p>
-            <a:pPr fontAlgn="base">
-              <a:spcBef>
-                <a:spcPts val="600"/>
-              </a:spcBef>
-              <a:spcAft>
-                <a:spcPts val="600"/>
-              </a:spcAft>
-            </a:pPr>
-            <a:r>
-              <a:rPr lang="en-US" sz="2400" dirty="0"/>
-              <a:t>Easy to iterate document-wide formatting</a:t>
-            </a:r>
-          </a:p>
-          <a:p>
-            <a:pPr fontAlgn="base">
-              <a:spcBef>
-                <a:spcPts val="600"/>
-              </a:spcBef>
-              <a:spcAft>
-                <a:spcPts val="600"/>
-              </a:spcAft>
-            </a:pPr>
-            <a:r>
-              <a:rPr lang="en-US" sz="2400" dirty="0"/>
-              <a:t>Easy to include and reference figures/equations </a:t>
-            </a:r>
-            <a:r>
-              <a:rPr lang="en-US" sz="2400" dirty="0" err="1"/>
-              <a:t>etc</a:t>
-            </a:r>
-            <a:endParaRPr lang="en-US" sz="2400" dirty="0"/>
-          </a:p>
-          <a:p>
-            <a:pPr fontAlgn="base">
-              <a:spcBef>
-                <a:spcPts val="600"/>
-              </a:spcBef>
-              <a:spcAft>
-                <a:spcPts val="600"/>
-              </a:spcAft>
-            </a:pPr>
-            <a:r>
-              <a:rPr lang="en-US" sz="2400" dirty="0"/>
-              <a:t>Easy to iterate figures</a:t>
-            </a:r>
-          </a:p>
-          <a:p>
-            <a:pPr fontAlgn="base">
-              <a:spcBef>
-                <a:spcPts val="600"/>
-              </a:spcBef>
-              <a:spcAft>
-                <a:spcPts val="600"/>
-              </a:spcAft>
-            </a:pPr>
-            <a:r>
-              <a:rPr lang="en-US" sz="2400" dirty="0"/>
-              <a:t>Files stored in plain-text</a:t>
-            </a:r>
-          </a:p>
-          <a:p>
-            <a:pPr lvl="1" fontAlgn="base">
-              <a:spcBef>
-                <a:spcPts val="600"/>
-              </a:spcBef>
-              <a:spcAft>
-                <a:spcPts val="600"/>
-              </a:spcAft>
-            </a:pPr>
-            <a:r>
-              <a:rPr lang="en-US" sz="2000" dirty="0"/>
-              <a:t>Less prone to corruption</a:t>
-            </a:r>
-          </a:p>
-          <a:p>
-            <a:pPr lvl="1" fontAlgn="base">
-              <a:spcBef>
-                <a:spcPts val="600"/>
-              </a:spcBef>
-              <a:spcAft>
-                <a:spcPts val="600"/>
-              </a:spcAft>
-            </a:pPr>
-            <a:r>
-              <a:rPr lang="en-US" sz="2000" dirty="0"/>
-              <a:t>Easier to “diff” when using version control</a:t>
-            </a:r>
-          </a:p>
-          <a:p>
-            <a:pPr marL="0" lvl="0" indent="0" fontAlgn="base">
-              <a:spcBef>
-                <a:spcPts val="600"/>
-              </a:spcBef>
-              <a:spcAft>
-                <a:spcPts val="600"/>
-              </a:spcAft>
-              <a:buNone/>
-            </a:pPr>
-            <a:endParaRPr lang="en-GB" sz="2400" dirty="0"/>
-          </a:p>
-        </p:txBody>
-      </p:sp>
-    </p:spTree>
-    <p:extLst>
-      <p:ext uri="{BB962C8B-B14F-4D97-AF65-F5344CB8AC3E}">
-        <p14:creationId xmlns:p14="http://schemas.microsoft.com/office/powerpoint/2010/main" val="764725023"/>
-      </p:ext>
-    </p:extLst>
-  </p:cSld>
-  <p:clrMapOvr>
-    <a:masterClrMapping/>
-  </p:clrMapOvr>
-  <mc:AlternateContent xmlns:mc="http://schemas.openxmlformats.org/markup-compatibility/2006" xmlns:p14="http://schemas.microsoft.com/office/powerpoint/2010/main">
-    <mc:Choice Requires="p14">
-      <p:transition p14:dur="10"/>
-    </mc:Choice>
-    <mc:Fallback xmlns="">
-      <p:transition/>
-    </mc:Fallback>
-  </mc:AlternateContent>
-</p:sld>
-</file>
-
-<file path=ppt/slides/slide40.xml><?xml version="1.0" encoding="utf-8"?>
+<file path=ppt/slides/slide42.xml><?xml version="1.0" encoding="utf-8"?>
 <p:sld xmlns:a="http://schemas.openxmlformats.org/drawingml/2006/main" xmlns:r="http://schemas.openxmlformats.org/officeDocument/2006/relationships" xmlns:p="http://schemas.openxmlformats.org/presentationml/2006/main">
   <p:cSld>
     <p:spTree>
@@ -21314,7 +21881,7 @@
 </p:sld>
 </file>
 
-<file path=ppt/slides/slide41.xml><?xml version="1.0" encoding="utf-8"?>
+<file path=ppt/slides/slide43.xml><?xml version="1.0" encoding="utf-8"?>
 <p:sld xmlns:a="http://schemas.openxmlformats.org/drawingml/2006/main" xmlns:r="http://schemas.openxmlformats.org/officeDocument/2006/relationships" xmlns:p="http://schemas.openxmlformats.org/presentationml/2006/main">
   <p:cSld>
     <p:spTree>
@@ -21449,7 +22016,7 @@
 </p:sld>
 </file>
 
-<file path=ppt/slides/slide42.xml><?xml version="1.0" encoding="utf-8"?>
+<file path=ppt/slides/slide44.xml><?xml version="1.0" encoding="utf-8"?>
 <p:sld xmlns:a="http://schemas.openxmlformats.org/drawingml/2006/main" xmlns:r="http://schemas.openxmlformats.org/officeDocument/2006/relationships" xmlns:p="http://schemas.openxmlformats.org/presentationml/2006/main">
   <p:cSld>
     <p:spTree>
@@ -21620,156 +22187,159 @@
           <a:p>
             <a:r>
               <a:rPr lang="en-GB" sz="4000" dirty="0"/>
-              <a:t>Imperial Thesis Requirements</a:t>
+              <a:t>Overleaf</a:t>
             </a:r>
           </a:p>
         </p:txBody>
       </p:sp>
       <p:sp>
         <p:nvSpPr>
-          <p:cNvPr id="3" name="Content Placeholder 2"/>
-          <p:cNvSpPr>
-            <a:spLocks noGrp="1"/>
-          </p:cNvSpPr>
-          <p:nvPr>
-            <p:ph idx="1"/>
-          </p:nvPr>
+          <p:cNvPr id="3" name="TextBox 2"/>
+          <p:cNvSpPr txBox="1"/>
+          <p:nvPr/>
         </p:nvSpPr>
         <p:spPr>
           <a:xfrm>
-            <a:off x="457200" y="1600200"/>
-            <a:ext cx="8435280" cy="4876800"/>
+            <a:off x="457200" y="1625833"/>
+            <a:ext cx="7840980" cy="5447645"/>
           </a:xfrm>
+          <a:prstGeom prst="rect">
+            <a:avLst/>
+          </a:prstGeom>
+          <a:noFill/>
         </p:spPr>
         <p:txBody>
-          <a:bodyPr>
-            <a:normAutofit/>
+          <a:bodyPr wrap="square" rtlCol="0">
+            <a:spAutoFit/>
           </a:bodyPr>
           <a:lstStyle/>
           <a:p>
-            <a:pPr fontAlgn="base">
-              <a:spcBef>
-                <a:spcPts val="600"/>
-              </a:spcBef>
-              <a:spcAft>
-                <a:spcPts val="600"/>
-              </a:spcAft>
+            <a:pPr marL="457200" indent="-457200">
+              <a:buFont typeface="Arial" panose="020B0604020202020204" pitchFamily="34" charset="0"/>
+              <a:buChar char="•"/>
             </a:pPr>
             <a:r>
-              <a:rPr lang="en-GB" sz="2400" dirty="0">
-                <a:hlinkClick r:id="rId3"/>
-              </a:rPr>
-              <a:t>Theses for Imperial College Research Degrees Checklist</a:t>
+              <a:rPr lang="en-GB" sz="2400" dirty="0"/>
+              <a:t>Online environment for creating and compiling LaTeX documents</a:t>
+            </a:r>
+          </a:p>
+          <a:p>
+            <a:pPr marL="457200" indent="-457200">
+              <a:buFont typeface="Arial" panose="020B0604020202020204" pitchFamily="34" charset="0"/>
+              <a:buChar char="•"/>
+            </a:pPr>
+            <a:r>
+              <a:rPr lang="en-GB" sz="2400" dirty="0"/>
+              <a:t>Pros</a:t>
+            </a:r>
+          </a:p>
+          <a:p>
+            <a:pPr marL="914400" lvl="1" indent="-457200">
+              <a:buFont typeface="Arial" panose="020B0604020202020204" pitchFamily="34" charset="0"/>
+              <a:buChar char="•"/>
+            </a:pPr>
+            <a:r>
+              <a:rPr lang="en-GB" sz="2400" dirty="0"/>
+              <a:t>Cross-platform</a:t>
+            </a:r>
+          </a:p>
+          <a:p>
+            <a:pPr marL="914400" lvl="1" indent="-457200">
+              <a:buFont typeface="Arial" panose="020B0604020202020204" pitchFamily="34" charset="0"/>
+              <a:buChar char="•"/>
+            </a:pPr>
+            <a:r>
+              <a:rPr lang="en-GB" sz="2400" dirty="0"/>
+              <a:t>Complete</a:t>
+            </a:r>
+          </a:p>
+          <a:p>
+            <a:pPr marL="914400" lvl="1" indent="-457200">
+              <a:buFont typeface="Arial" panose="020B0604020202020204" pitchFamily="34" charset="0"/>
+              <a:buChar char="•"/>
+            </a:pPr>
+            <a:r>
+              <a:rPr lang="en-GB" sz="2400" dirty="0"/>
+              <a:t>Easy to use</a:t>
+            </a:r>
+          </a:p>
+          <a:p>
+            <a:pPr marL="914400" lvl="1" indent="-457200">
+              <a:buFont typeface="Arial" panose="020B0604020202020204" pitchFamily="34" charset="0"/>
+              <a:buChar char="•"/>
+            </a:pPr>
+            <a:r>
+              <a:rPr lang="en-GB" sz="2400" dirty="0"/>
+              <a:t>Allows collaboration</a:t>
+            </a:r>
+          </a:p>
+          <a:p>
+            <a:pPr marL="914400" lvl="1" indent="-457200">
+              <a:buFont typeface="Arial" panose="020B0604020202020204" pitchFamily="34" charset="0"/>
+              <a:buChar char="•"/>
+            </a:pPr>
+            <a:r>
+              <a:rPr lang="en-GB" sz="2400" dirty="0"/>
+              <a:t>Cloud syncing with Dropbox and </a:t>
+            </a:r>
+            <a:r>
+              <a:rPr lang="en-GB" sz="2400" dirty="0" err="1"/>
+              <a:t>Github</a:t>
             </a:r>
             <a:endParaRPr lang="en-GB" sz="2400" dirty="0"/>
           </a:p>
           <a:p>
-            <a:pPr fontAlgn="base">
-              <a:spcBef>
-                <a:spcPts val="600"/>
-              </a:spcBef>
-              <a:spcAft>
-                <a:spcPts val="600"/>
-              </a:spcAft>
+            <a:pPr marL="914400" lvl="1" indent="-457200">
+              <a:buFont typeface="Arial" panose="020B0604020202020204" pitchFamily="34" charset="0"/>
+              <a:buChar char="•"/>
             </a:pPr>
             <a:r>
-              <a:rPr lang="en-GB" sz="2400" dirty="0">
-                <a:hlinkClick r:id="rId4"/>
-              </a:rPr>
-              <a:t>Academic Regulations</a:t>
-            </a:r>
-            <a:endParaRPr lang="en-GB" sz="2400" dirty="0"/>
-          </a:p>
-          <a:p>
-            <a:pPr fontAlgn="base">
-              <a:spcBef>
-                <a:spcPts val="600"/>
-              </a:spcBef>
-              <a:spcAft>
-                <a:spcPts val="600"/>
-              </a:spcAft>
+              <a:rPr lang="en-GB" sz="2400" dirty="0"/>
+              <a:t>Integrated “review” system for feedback</a:t>
+            </a:r>
+          </a:p>
+          <a:p>
+            <a:pPr marL="457200" indent="-457200">
+              <a:buFont typeface="Arial" panose="020B0604020202020204" pitchFamily="34" charset="0"/>
+              <a:buChar char="•"/>
             </a:pPr>
             <a:r>
               <a:rPr lang="en-GB" sz="2400" dirty="0"/>
-              <a:t>Written in English</a:t>
-            </a:r>
-          </a:p>
-          <a:p>
-            <a:pPr fontAlgn="base">
-              <a:spcBef>
-                <a:spcPts val="600"/>
-              </a:spcBef>
-              <a:spcAft>
-                <a:spcPts val="600"/>
-              </a:spcAft>
+              <a:t>Cons</a:t>
+            </a:r>
+          </a:p>
+          <a:p>
+            <a:pPr marL="914400" lvl="1" indent="-457200">
+              <a:buFont typeface="Arial" panose="020B0604020202020204" pitchFamily="34" charset="0"/>
+              <a:buChar char="•"/>
             </a:pPr>
             <a:r>
               <a:rPr lang="en-GB" sz="2400" dirty="0"/>
-              <a:t>Not longer than 100,000 words</a:t>
-            </a:r>
-          </a:p>
-          <a:p>
-            <a:pPr fontAlgn="base">
-              <a:spcBef>
-                <a:spcPts val="600"/>
-              </a:spcBef>
-              <a:spcAft>
-                <a:spcPts val="600"/>
-              </a:spcAft>
+              <a:t>Editor online only</a:t>
+            </a:r>
+          </a:p>
+          <a:p>
+            <a:pPr marL="914400" lvl="1" indent="-457200">
+              <a:buFont typeface="Arial" panose="020B0604020202020204" pitchFamily="34" charset="0"/>
+              <a:buChar char="•"/>
             </a:pPr>
             <a:r>
               <a:rPr lang="en-GB" sz="2400" dirty="0"/>
-              <a:t>Cannot be copy-pasted papers</a:t>
-            </a:r>
-          </a:p>
-          <a:p>
-            <a:pPr fontAlgn="base">
-              <a:spcBef>
-                <a:spcPts val="600"/>
-              </a:spcBef>
-              <a:spcAft>
-                <a:spcPts val="600"/>
-              </a:spcAft>
-            </a:pPr>
-            <a:r>
-              <a:rPr lang="en-GB" sz="2400" dirty="0"/>
-              <a:t>Include full bibliography and references</a:t>
-            </a:r>
-          </a:p>
-          <a:p>
-            <a:pPr fontAlgn="base">
-              <a:spcBef>
-                <a:spcPts val="600"/>
-              </a:spcBef>
-              <a:spcAft>
-                <a:spcPts val="600"/>
-              </a:spcAft>
-            </a:pPr>
-            <a:r>
-              <a:rPr lang="en-GB" sz="2400" dirty="0"/>
-              <a:t>You will be examined on this by examiners in your viva</a:t>
-            </a:r>
-          </a:p>
-          <a:p>
-            <a:pPr fontAlgn="base">
-              <a:spcBef>
-                <a:spcPts val="600"/>
-              </a:spcBef>
-              <a:spcAft>
-                <a:spcPts val="600"/>
-              </a:spcAft>
-            </a:pPr>
-            <a:r>
-              <a:rPr lang="en-GB" sz="2400" dirty="0"/>
-              <a:t>“Any formatting information that is not explicitly outlined in these guidance notes is up to the judgement of the student, and reasonable solutions will be accepted.”</a:t>
-            </a:r>
+              <a:t>Data stored online</a:t>
+            </a:r>
+          </a:p>
+          <a:p>
+            <a:endParaRPr lang="en-GB" sz="3000" dirty="0"/>
+          </a:p>
+          <a:p>
+            <a:endParaRPr lang="en-GB" sz="3000" dirty="0"/>
           </a:p>
         </p:txBody>
       </p:sp>
     </p:spTree>
     <p:extLst>
       <p:ext uri="{BB962C8B-B14F-4D97-AF65-F5344CB8AC3E}">
-        <p14:creationId xmlns:p14="http://schemas.microsoft.com/office/powerpoint/2010/main" val="3485628822"/>
+        <p14:creationId xmlns:p14="http://schemas.microsoft.com/office/powerpoint/2010/main" val="3718216746"/>
       </p:ext>
     </p:extLst>
   </p:cSld>
@@ -21821,7 +22391,7 @@
           <a:p>
             <a:r>
               <a:rPr lang="en-GB" sz="4000" dirty="0"/>
-              <a:t>Paper Size and Pagination</a:t>
+              <a:t>Writing Theses in LaTeX</a:t>
             </a:r>
           </a:p>
         </p:txBody>
@@ -21839,7 +22409,7 @@
         <p:spPr>
           <a:xfrm>
             <a:off x="457200" y="1600200"/>
-            <a:ext cx="8435280" cy="3875690"/>
+            <a:ext cx="8435280" cy="4876800"/>
           </a:xfrm>
         </p:spPr>
         <p:txBody>
@@ -21857,8 +22427,8 @@
               </a:spcAft>
             </a:pPr>
             <a:r>
-              <a:rPr lang="en-GB" sz="2400" dirty="0"/>
-              <a:t>Typically A4 paper</a:t>
+              <a:rPr lang="en-US" sz="2400" dirty="0"/>
+              <a:t>Excellent Technical Typesetting</a:t>
             </a:r>
           </a:p>
           <a:p>
@@ -21871,8 +22441,8 @@
               </a:spcAft>
             </a:pPr>
             <a:r>
-              <a:rPr lang="en-GB" sz="2400" dirty="0"/>
-              <a:t>You may want your pages to be double-sided</a:t>
+              <a:rPr lang="en-US" sz="2400" dirty="0"/>
+              <a:t>Easy to iterate document-wide formatting</a:t>
             </a:r>
           </a:p>
           <a:p>
@@ -21885,9 +22455,14 @@
               </a:spcAft>
             </a:pPr>
             <a:r>
-              <a:rPr lang="en-GB" sz="2400" dirty="0"/>
-              <a:t>All pages to be sequentially numbered in Arabic numerals including title page [Section 4.4 of Checklist]</a:t>
-            </a:r>
+              <a:rPr lang="en-US" sz="2400" dirty="0"/>
+              <a:t>Easy to include and reference figures/equations </a:t>
+            </a:r>
+            <a:r>
+              <a:rPr lang="en-US" sz="2400" dirty="0" err="1"/>
+              <a:t>etc</a:t>
+            </a:r>
+            <a:endParaRPr lang="en-US" sz="2400" dirty="0"/>
           </a:p>
           <a:p>
             <a:pPr fontAlgn="base">
@@ -21899,8 +22474,8 @@
               </a:spcAft>
             </a:pPr>
             <a:r>
-              <a:rPr lang="en-GB" sz="2400" dirty="0"/>
-              <a:t>Achieved in the preamble:</a:t>
+              <a:rPr lang="en-US" sz="2400" dirty="0"/>
+              <a:t>Easy to iterate figures</a:t>
             </a:r>
           </a:p>
           <a:p>
@@ -21912,10 +22487,41 @@
                 <a:spcPts val="600"/>
               </a:spcAft>
             </a:pPr>
-            <a:endParaRPr lang="en-GB" sz="2400" dirty="0"/>
-          </a:p>
-          <a:p>
-            <a:pPr marL="0" indent="0" fontAlgn="base">
+            <a:r>
+              <a:rPr lang="en-US" sz="2400" dirty="0"/>
+              <a:t>Files stored in plain-text</a:t>
+            </a:r>
+          </a:p>
+          <a:p>
+            <a:pPr lvl="1" fontAlgn="base">
+              <a:spcBef>
+                <a:spcPts val="600"/>
+              </a:spcBef>
+              <a:spcAft>
+                <a:spcPts val="600"/>
+              </a:spcAft>
+            </a:pPr>
+            <a:r>
+              <a:rPr lang="en-US" sz="2000" dirty="0"/>
+              <a:t>Less prone to corruption</a:t>
+            </a:r>
+          </a:p>
+          <a:p>
+            <a:pPr lvl="1" fontAlgn="base">
+              <a:spcBef>
+                <a:spcPts val="600"/>
+              </a:spcBef>
+              <a:spcAft>
+                <a:spcPts val="600"/>
+              </a:spcAft>
+            </a:pPr>
+            <a:r>
+              <a:rPr lang="en-US" sz="2000" dirty="0"/>
+              <a:t>Easier to “diff” when using version control</a:t>
+            </a:r>
+          </a:p>
+          <a:p>
+            <a:pPr marL="0" lvl="0" indent="0" fontAlgn="base">
               <a:spcBef>
                 <a:spcPts val="600"/>
               </a:spcBef>
@@ -21924,78 +22530,14 @@
               </a:spcAft>
               <a:buNone/>
             </a:pPr>
-            <a:r>
-              <a:rPr lang="en-GB" sz="2400" dirty="0">
-                <a:solidFill>
-                  <a:schemeClr val="tx2">
-                    <a:lumMod val="50000"/>
-                    <a:lumOff val="50000"/>
-                  </a:schemeClr>
-                </a:solidFill>
-              </a:rPr>
-              <a:t>\</a:t>
-            </a:r>
-            <a:r>
-              <a:rPr lang="en-GB" sz="2400" dirty="0" err="1">
-                <a:solidFill>
-                  <a:schemeClr val="tx2">
-                    <a:lumMod val="50000"/>
-                    <a:lumOff val="50000"/>
-                  </a:schemeClr>
-                </a:solidFill>
-              </a:rPr>
-              <a:t>documentclass</a:t>
-            </a:r>
-            <a:r>
-              <a:rPr lang="en-GB" sz="2400" dirty="0"/>
-              <a:t>[</a:t>
-            </a:r>
-            <a:r>
-              <a:rPr lang="en-GB" sz="2400" dirty="0">
-                <a:solidFill>
-                  <a:schemeClr val="accent4">
-                    <a:lumMod val="75000"/>
-                  </a:schemeClr>
-                </a:solidFill>
-              </a:rPr>
-              <a:t>12pt, a4paper, </a:t>
-            </a:r>
-            <a:r>
-              <a:rPr lang="en-GB" sz="2400" dirty="0" err="1">
-                <a:solidFill>
-                  <a:schemeClr val="accent4">
-                    <a:lumMod val="75000"/>
-                  </a:schemeClr>
-                </a:solidFill>
-              </a:rPr>
-              <a:t>twoside</a:t>
-            </a:r>
-            <a:r>
-              <a:rPr lang="en-GB" sz="2400" dirty="0"/>
-              <a:t>]{</a:t>
-            </a:r>
-            <a:r>
-              <a:rPr lang="en-GB" sz="2400" dirty="0">
-                <a:solidFill>
-                  <a:schemeClr val="tx2">
-                    <a:lumMod val="50000"/>
-                    <a:lumOff val="50000"/>
-                  </a:schemeClr>
-                </a:solidFill>
-              </a:rPr>
-              <a:t>report</a:t>
-            </a:r>
-            <a:r>
-              <a:rPr lang="en-GB" sz="2400" dirty="0"/>
-              <a:t>} </a:t>
-            </a:r>
+            <a:endParaRPr lang="en-GB" sz="2400" dirty="0"/>
           </a:p>
         </p:txBody>
       </p:sp>
     </p:spTree>
     <p:extLst>
       <p:ext uri="{BB962C8B-B14F-4D97-AF65-F5344CB8AC3E}">
-        <p14:creationId xmlns:p14="http://schemas.microsoft.com/office/powerpoint/2010/main" val="2191292543"/>
+        <p14:creationId xmlns:p14="http://schemas.microsoft.com/office/powerpoint/2010/main" val="764725023"/>
       </p:ext>
     </p:extLst>
   </p:cSld>
@@ -22047,7 +22589,7 @@
           <a:p>
             <a:r>
               <a:rPr lang="en-GB" sz="4000" dirty="0"/>
-              <a:t>Margins</a:t>
+              <a:t>Imperial Thesis Requirements</a:t>
             </a:r>
           </a:p>
         </p:txBody>
@@ -22064,8 +22606,8 @@
         </p:nvSpPr>
         <p:spPr>
           <a:xfrm>
-            <a:off x="457200" y="1600199"/>
-            <a:ext cx="8435280" cy="4453759"/>
+            <a:off x="457200" y="1600200"/>
+            <a:ext cx="8435280" cy="4876800"/>
           </a:xfrm>
         </p:spPr>
         <p:txBody>
@@ -22083,9 +22625,12 @@
               </a:spcAft>
             </a:pPr>
             <a:r>
-              <a:rPr lang="en-GB" sz="2400" dirty="0"/>
-              <a:t>Margins must be even on both sides [Checklist Section 4]</a:t>
-            </a:r>
+              <a:rPr lang="en-GB" sz="2400" dirty="0">
+                <a:hlinkClick r:id="rId3"/>
+              </a:rPr>
+              <a:t>Theses for Imperial College Research Degrees Checklist</a:t>
+            </a:r>
+            <a:endParaRPr lang="en-GB" sz="2400" dirty="0"/>
           </a:p>
           <a:p>
             <a:pPr fontAlgn="base">
@@ -22097,9 +22642,12 @@
               </a:spcAft>
             </a:pPr>
             <a:r>
-              <a:rPr lang="en-GB" sz="2400" dirty="0"/>
-              <a:t>For binding services, margins must typically be at least 1cm</a:t>
-            </a:r>
+              <a:rPr lang="en-GB" sz="2400" dirty="0">
+                <a:hlinkClick r:id="rId4"/>
+              </a:rPr>
+              <a:t>Academic Regulations</a:t>
+            </a:r>
+            <a:endParaRPr lang="en-GB" sz="2400" dirty="0"/>
           </a:p>
           <a:p>
             <a:pPr fontAlgn="base">
@@ -22112,22 +22660,7 @@
             </a:pPr>
             <a:r>
               <a:rPr lang="en-GB" sz="2400" dirty="0"/>
-              <a:t>The </a:t>
-            </a:r>
-            <a:r>
-              <a:rPr lang="en-GB" sz="2400" dirty="0">
-                <a:solidFill>
-                  <a:schemeClr val="tx2">
-                    <a:lumMod val="50000"/>
-                    <a:lumOff val="50000"/>
-                  </a:schemeClr>
-                </a:solidFill>
-              </a:rPr>
-              <a:t>geometry</a:t>
-            </a:r>
-            <a:r>
-              <a:rPr lang="en-GB" sz="2400" dirty="0"/>
-              <a:t> package allows us to set margins</a:t>
+              <a:t>Written in English</a:t>
             </a:r>
           </a:p>
           <a:p>
@@ -22141,48 +22674,63 @@
             </a:pPr>
             <a:r>
               <a:rPr lang="en-GB" sz="2400" dirty="0"/>
-              <a:t>The </a:t>
-            </a:r>
-            <a:r>
-              <a:rPr lang="en-GB" sz="2400" dirty="0" err="1">
-                <a:solidFill>
-                  <a:schemeClr val="tx2">
-                    <a:lumMod val="50000"/>
-                    <a:lumOff val="50000"/>
-                  </a:schemeClr>
-                </a:solidFill>
-              </a:rPr>
-              <a:t>blindtext</a:t>
-            </a:r>
+              <a:t>Not longer than 100,000 words</a:t>
+            </a:r>
+          </a:p>
+          <a:p>
+            <a:pPr fontAlgn="base">
+              <a:spcBef>
+                <a:spcPts val="600"/>
+              </a:spcBef>
+              <a:spcAft>
+                <a:spcPts val="600"/>
+              </a:spcAft>
+            </a:pPr>
             <a:r>
               <a:rPr lang="en-GB" sz="2400" dirty="0"/>
-              <a:t> package and </a:t>
-            </a:r>
-            <a:r>
-              <a:rPr lang="en-GB" sz="2400" dirty="0">
-                <a:solidFill>
-                  <a:schemeClr val="tx2">
-                    <a:lumMod val="50000"/>
-                    <a:lumOff val="50000"/>
-                  </a:schemeClr>
-                </a:solidFill>
-              </a:rPr>
-              <a:t>\</a:t>
-            </a:r>
-            <a:r>
-              <a:rPr lang="en-GB" sz="2400" dirty="0" err="1">
-                <a:solidFill>
-                  <a:schemeClr val="tx2">
-                    <a:lumMod val="50000"/>
-                    <a:lumOff val="50000"/>
-                  </a:schemeClr>
-                </a:solidFill>
-              </a:rPr>
-              <a:t>blindtext</a:t>
-            </a:r>
+              <a:t>Cannot be copy-pasted papers</a:t>
+            </a:r>
+          </a:p>
+          <a:p>
+            <a:pPr fontAlgn="base">
+              <a:spcBef>
+                <a:spcPts val="600"/>
+              </a:spcBef>
+              <a:spcAft>
+                <a:spcPts val="600"/>
+              </a:spcAft>
+            </a:pPr>
             <a:r>
               <a:rPr lang="en-GB" sz="2400" dirty="0"/>
-              <a:t>[X] command allows us to insert sample text for testing typesetting</a:t>
+              <a:t>Include full bibliography and references</a:t>
+            </a:r>
+          </a:p>
+          <a:p>
+            <a:pPr fontAlgn="base">
+              <a:spcBef>
+                <a:spcPts val="600"/>
+              </a:spcBef>
+              <a:spcAft>
+                <a:spcPts val="600"/>
+              </a:spcAft>
+            </a:pPr>
+            <a:r>
+              <a:rPr lang="en-GB" sz="2400" dirty="0"/>
+              <a:t>You will be examined on this by examiners in your viva</a:t>
+            </a:r>
+          </a:p>
+          <a:p>
+            <a:pPr fontAlgn="base">
+              <a:spcBef>
+                <a:spcPts val="600"/>
+              </a:spcBef>
+              <a:spcAft>
+                <a:spcPts val="600"/>
+              </a:spcAft>
+            </a:pPr>
+            <a:r>
+              <a:rPr lang="en-GB" sz="2400" dirty="0"/>
+              <a:t>“Any formatting information that is not explicitly outlined in these guidance notes is up to the judgement of the student, and reasonable solutions will be accepted.”</a:t>
             </a:r>
           </a:p>
         </p:txBody>
@@ -22190,7 +22738,7 @@
     </p:spTree>
     <p:extLst>
       <p:ext uri="{BB962C8B-B14F-4D97-AF65-F5344CB8AC3E}">
-        <p14:creationId xmlns:p14="http://schemas.microsoft.com/office/powerpoint/2010/main" val="2812092125"/>
+        <p14:creationId xmlns:p14="http://schemas.microsoft.com/office/powerpoint/2010/main" val="3485628822"/>
       </p:ext>
     </p:extLst>
   </p:cSld>
@@ -22242,7 +22790,7 @@
           <a:p>
             <a:r>
               <a:rPr lang="en-GB" sz="4000" dirty="0"/>
-              <a:t>Margins</a:t>
+              <a:t>Paper Size and Pagination</a:t>
             </a:r>
           </a:p>
         </p:txBody>
@@ -22259,8 +22807,8 @@
         </p:nvSpPr>
         <p:spPr>
           <a:xfrm>
-            <a:off x="457200" y="1600199"/>
-            <a:ext cx="3967655" cy="4453759"/>
+            <a:off x="457200" y="1600200"/>
+            <a:ext cx="8435280" cy="3875690"/>
           </a:xfrm>
         </p:spPr>
         <p:txBody>
@@ -22269,7 +22817,80 @@
           </a:bodyPr>
           <a:lstStyle/>
           <a:p>
-            <a:pPr marL="0" indent="0">
+            <a:pPr fontAlgn="base">
+              <a:spcBef>
+                <a:spcPts val="600"/>
+              </a:spcBef>
+              <a:spcAft>
+                <a:spcPts val="600"/>
+              </a:spcAft>
+            </a:pPr>
+            <a:r>
+              <a:rPr lang="en-GB" sz="2400" dirty="0"/>
+              <a:t>Typically A4 paper</a:t>
+            </a:r>
+          </a:p>
+          <a:p>
+            <a:pPr fontAlgn="base">
+              <a:spcBef>
+                <a:spcPts val="600"/>
+              </a:spcBef>
+              <a:spcAft>
+                <a:spcPts val="600"/>
+              </a:spcAft>
+            </a:pPr>
+            <a:r>
+              <a:rPr lang="en-GB" sz="2400" dirty="0"/>
+              <a:t>You may want your pages to be double-sided</a:t>
+            </a:r>
+          </a:p>
+          <a:p>
+            <a:pPr fontAlgn="base">
+              <a:spcBef>
+                <a:spcPts val="600"/>
+              </a:spcBef>
+              <a:spcAft>
+                <a:spcPts val="600"/>
+              </a:spcAft>
+            </a:pPr>
+            <a:r>
+              <a:rPr lang="en-GB" sz="2400" dirty="0"/>
+              <a:t>All pages to be sequentially numbered in Arabic numerals including title page [Section 4.4 of Checklist]</a:t>
+            </a:r>
+          </a:p>
+          <a:p>
+            <a:pPr fontAlgn="base">
+              <a:spcBef>
+                <a:spcPts val="600"/>
+              </a:spcBef>
+              <a:spcAft>
+                <a:spcPts val="600"/>
+              </a:spcAft>
+            </a:pPr>
+            <a:r>
+              <a:rPr lang="en-GB" sz="2400" dirty="0"/>
+              <a:t>Achieved in the preamble:</a:t>
+            </a:r>
+          </a:p>
+          <a:p>
+            <a:pPr fontAlgn="base">
+              <a:spcBef>
+                <a:spcPts val="600"/>
+              </a:spcBef>
+              <a:spcAft>
+                <a:spcPts val="600"/>
+              </a:spcAft>
+            </a:pPr>
+            <a:endParaRPr lang="en-GB" sz="2400" dirty="0"/>
+          </a:p>
+          <a:p>
+            <a:pPr marL="0" indent="0" fontAlgn="base">
+              <a:spcBef>
+                <a:spcPts val="600"/>
+              </a:spcBef>
+              <a:spcAft>
+                <a:spcPts val="600"/>
+              </a:spcAft>
               <a:buNone/>
             </a:pPr>
             <a:r>
@@ -22292,53 +22913,7 @@
                   </a:schemeClr>
                 </a:solidFill>
               </a:rPr>
-              <a:t>usepackage</a:t>
-            </a:r>
-            <a:r>
-              <a:rPr lang="en-GB" sz="2400" dirty="0"/>
-              <a:t>{</a:t>
-            </a:r>
-            <a:r>
-              <a:rPr lang="en-GB" sz="2400" dirty="0" err="1">
-                <a:solidFill>
-                  <a:schemeClr val="tx2">
-                    <a:lumMod val="50000"/>
-                    <a:lumOff val="50000"/>
-                  </a:schemeClr>
-                </a:solidFill>
-              </a:rPr>
-              <a:t>blindtext</a:t>
-            </a:r>
-            <a:r>
-              <a:rPr lang="en-GB" sz="2400" dirty="0"/>
-              <a:t>}</a:t>
-            </a:r>
-          </a:p>
-          <a:p>
-            <a:pPr marL="0" indent="0">
-              <a:buNone/>
-            </a:pPr>
-            <a:r>
-              <a:rPr lang="en-GB" sz="2400" dirty="0">
-                <a:solidFill>
-                  <a:schemeClr val="tx2">
-                    <a:lumMod val="50000"/>
-                    <a:lumOff val="50000"/>
-                  </a:schemeClr>
-                </a:solidFill>
-              </a:rPr>
-              <a:t>\</a:t>
-            </a:r>
-            <a:r>
-              <a:rPr lang="en-GB" sz="2400" dirty="0" err="1">
-                <a:solidFill>
-                  <a:schemeClr val="tx2">
-                    <a:lumMod val="50000"/>
-                    <a:lumOff val="50000"/>
-                  </a:schemeClr>
-                </a:solidFill>
-              </a:rPr>
-              <a:t>usepackage</a:t>
+              <a:t>documentclass</a:t>
             </a:r>
             <a:r>
               <a:rPr lang="en-GB" sz="2400" dirty="0"/>
@@ -22352,244 +22927,36 @@
                   </a:schemeClr>
                 </a:solidFill>
               </a:rPr>
-              <a:t>margin=2cm</a:t>
-            </a:r>
-            <a:r>
-              <a:rPr lang="en-GB" sz="2400" dirty="0"/>
-              <a:t>] {</a:t>
-            </a:r>
-            <a:r>
-              <a:rPr lang="en-GB" sz="2400" dirty="0">
-                <a:solidFill>
-                  <a:schemeClr val="tx2">
-                    <a:lumMod val="50000"/>
-                    <a:lumOff val="50000"/>
-                  </a:schemeClr>
-                </a:solidFill>
-              </a:rPr>
-              <a:t>geometry</a:t>
-            </a:r>
-            <a:r>
-              <a:rPr lang="en-GB" sz="2400" dirty="0"/>
-              <a:t>}</a:t>
-            </a:r>
-          </a:p>
-          <a:p>
-            <a:pPr marL="0" indent="0">
-              <a:buNone/>
-            </a:pPr>
-            <a:endParaRPr lang="en-GB" sz="2400" dirty="0"/>
-          </a:p>
-          <a:p>
-            <a:pPr marL="0" indent="0">
-              <a:buNone/>
-            </a:pPr>
-            <a:r>
-              <a:rPr lang="en-GB" sz="2400" dirty="0">
-                <a:solidFill>
-                  <a:schemeClr val="tx2">
-                    <a:lumMod val="50000"/>
-                    <a:lumOff val="50000"/>
-                  </a:schemeClr>
-                </a:solidFill>
-              </a:rPr>
-              <a:t>\begin</a:t>
-            </a:r>
-            <a:r>
-              <a:rPr lang="en-GB" sz="2400" dirty="0"/>
-              <a:t>{</a:t>
-            </a:r>
-            <a:r>
-              <a:rPr lang="en-GB" sz="2400" dirty="0">
+              <a:t>12pt, a4paper, </a:t>
+            </a:r>
+            <a:r>
+              <a:rPr lang="en-GB" sz="2400" dirty="0" err="1">
                 <a:solidFill>
                   <a:schemeClr val="accent4">
                     <a:lumMod val="75000"/>
                   </a:schemeClr>
                 </a:solidFill>
               </a:rPr>
-              <a:t>document</a:t>
+              <a:t>twoside</a:t>
             </a:r>
             <a:r>
               <a:rPr lang="en-GB" sz="2400" dirty="0"/>
-              <a:t>}</a:t>
-            </a:r>
-            <a:br>
+              <a:t>]{</a:t>
+            </a:r>
+            <a:r>
+              <a:rPr lang="en-GB" sz="2400" dirty="0">
+                <a:solidFill>
+                  <a:schemeClr val="tx2">
+                    <a:lumMod val="50000"/>
+                    <a:lumOff val="50000"/>
+                  </a:schemeClr>
+                </a:solidFill>
+              </a:rPr>
+              <a:t>report</a:t>
+            </a:r>
+            <a:r>
               <a:rPr lang="en-GB" sz="2400" dirty="0"/>
-            </a:br>
-            <a:endParaRPr lang="en-GB" sz="2400" dirty="0"/>
-          </a:p>
-          <a:p>
-            <a:pPr marL="0" indent="0">
-              <a:buNone/>
-            </a:pPr>
-            <a:r>
-              <a:rPr lang="en-GB" sz="2400" dirty="0">
-                <a:solidFill>
-                  <a:schemeClr val="tx2">
-                    <a:lumMod val="50000"/>
-                    <a:lumOff val="50000"/>
-                  </a:schemeClr>
-                </a:solidFill>
-              </a:rPr>
-              <a:t>\</a:t>
-            </a:r>
-            <a:r>
-              <a:rPr lang="en-GB" sz="2400" dirty="0" err="1">
-                <a:solidFill>
-                  <a:schemeClr val="tx2">
-                    <a:lumMod val="50000"/>
-                    <a:lumOff val="50000"/>
-                  </a:schemeClr>
-                </a:solidFill>
-              </a:rPr>
-              <a:t>blindtext</a:t>
-            </a:r>
-            <a:r>
-              <a:rPr lang="en-GB" sz="2400" dirty="0"/>
-              <a:t>[10]</a:t>
-            </a:r>
-            <a:br>
-              <a:rPr lang="en-GB" sz="2400" dirty="0"/>
-            </a:br>
-            <a:endParaRPr lang="en-GB" sz="2400" dirty="0"/>
-          </a:p>
-          <a:p>
-            <a:pPr marL="0" indent="0">
-              <a:buNone/>
-            </a:pPr>
-            <a:r>
-              <a:rPr lang="en-GB" sz="2400" dirty="0">
-                <a:solidFill>
-                  <a:schemeClr val="tx2">
-                    <a:lumMod val="50000"/>
-                    <a:lumOff val="50000"/>
-                  </a:schemeClr>
-                </a:solidFill>
-              </a:rPr>
-              <a:t>\end</a:t>
-            </a:r>
-            <a:r>
-              <a:rPr lang="en-GB" sz="2400" dirty="0"/>
-              <a:t>{</a:t>
-            </a:r>
-            <a:r>
-              <a:rPr lang="en-GB" sz="2400" dirty="0">
-                <a:solidFill>
-                  <a:schemeClr val="accent4">
-                    <a:lumMod val="75000"/>
-                  </a:schemeClr>
-                </a:solidFill>
-              </a:rPr>
-              <a:t>document</a:t>
-            </a:r>
-            <a:r>
-              <a:rPr lang="en-GB" sz="2400" dirty="0"/>
-              <a:t>}</a:t>
-            </a:r>
-          </a:p>
-        </p:txBody>
-      </p:sp>
-      <p:cxnSp>
-        <p:nvCxnSpPr>
-          <p:cNvPr id="4" name="Straight Connector 3">
-            <a:extLst>
-              <a:ext uri="{FF2B5EF4-FFF2-40B4-BE49-F238E27FC236}">
-                <a16:creationId xmlns:a16="http://schemas.microsoft.com/office/drawing/2014/main" id="{5F977231-9817-4997-8C71-01F70F4EFE4B}"/>
-              </a:ext>
-            </a:extLst>
-          </p:cNvPr>
-          <p:cNvCxnSpPr/>
-          <p:nvPr/>
-        </p:nvCxnSpPr>
-        <p:spPr>
-          <a:xfrm>
-            <a:off x="4572000" y="1417638"/>
-            <a:ext cx="0" cy="5440362"/>
-          </a:xfrm>
-          <a:prstGeom prst="line">
-            <a:avLst/>
-          </a:prstGeom>
-        </p:spPr>
-        <p:style>
-          <a:lnRef idx="2">
-            <a:schemeClr val="accent1"/>
-          </a:lnRef>
-          <a:fillRef idx="0">
-            <a:schemeClr val="accent1"/>
-          </a:fillRef>
-          <a:effectRef idx="1">
-            <a:schemeClr val="accent1"/>
-          </a:effectRef>
-          <a:fontRef idx="minor">
-            <a:schemeClr val="tx1"/>
-          </a:fontRef>
-        </p:style>
-      </p:cxnSp>
-      <p:pic>
-        <p:nvPicPr>
-          <p:cNvPr id="7" name="Picture 6">
-            <a:extLst>
-              <a:ext uri="{FF2B5EF4-FFF2-40B4-BE49-F238E27FC236}">
-                <a16:creationId xmlns:a16="http://schemas.microsoft.com/office/drawing/2014/main" id="{F2559630-000F-4CDC-9204-C2E97FBBB037}"/>
-              </a:ext>
-            </a:extLst>
-          </p:cNvPr>
-          <p:cNvPicPr>
-            <a:picLocks noChangeAspect="1"/>
-          </p:cNvPicPr>
-          <p:nvPr/>
-        </p:nvPicPr>
-        <p:blipFill>
-          <a:blip r:embed="rId3"/>
-          <a:stretch>
-            <a:fillRect/>
-          </a:stretch>
-        </p:blipFill>
-        <p:spPr>
-          <a:xfrm>
-            <a:off x="4903058" y="1227082"/>
-            <a:ext cx="4021210" cy="5628290"/>
-          </a:xfrm>
-          <a:prstGeom prst="rect">
-            <a:avLst/>
-          </a:prstGeom>
-        </p:spPr>
-      </p:pic>
-      <p:sp>
-        <p:nvSpPr>
-          <p:cNvPr id="6" name="TextBox 5">
-            <a:extLst>
-              <a:ext uri="{FF2B5EF4-FFF2-40B4-BE49-F238E27FC236}">
-                <a16:creationId xmlns:a16="http://schemas.microsoft.com/office/drawing/2014/main" id="{099674D9-4038-4AB1-BAD9-3C9EF5FD6E6A}"/>
-              </a:ext>
-            </a:extLst>
-          </p:cNvPr>
-          <p:cNvSpPr txBox="1"/>
-          <p:nvPr/>
-        </p:nvSpPr>
-        <p:spPr>
-          <a:xfrm>
-            <a:off x="7357241" y="6498021"/>
-            <a:ext cx="1697422" cy="369332"/>
-          </a:xfrm>
-          <a:prstGeom prst="rect">
-            <a:avLst/>
-          </a:prstGeom>
-          <a:noFill/>
-        </p:spPr>
-        <p:txBody>
-          <a:bodyPr wrap="square" rtlCol="0">
-            <a:spAutoFit/>
-          </a:bodyPr>
-          <a:lstStyle/>
-          <a:p>
-            <a:r>
-              <a:rPr lang="en-GB" dirty="0">
-                <a:solidFill>
-                  <a:schemeClr val="accent2"/>
-                </a:solidFill>
-              </a:rPr>
-              <a:t>Problem Sheet</a:t>
+              <a:t>} </a:t>
             </a:r>
           </a:p>
         </p:txBody>
@@ -22597,7 +22964,7 @@
     </p:spTree>
     <p:extLst>
       <p:ext uri="{BB962C8B-B14F-4D97-AF65-F5344CB8AC3E}">
-        <p14:creationId xmlns:p14="http://schemas.microsoft.com/office/powerpoint/2010/main" val="220242497"/>
+        <p14:creationId xmlns:p14="http://schemas.microsoft.com/office/powerpoint/2010/main" val="2191292543"/>
       </p:ext>
     </p:extLst>
   </p:cSld>
@@ -22649,7 +23016,7 @@
           <a:p>
             <a:r>
               <a:rPr lang="en-GB" sz="4000" dirty="0"/>
-              <a:t>Footnotes</a:t>
+              <a:t>Margins</a:t>
             </a:r>
           </a:p>
         </p:txBody>
@@ -22666,20 +23033,57 @@
         </p:nvSpPr>
         <p:spPr>
           <a:xfrm>
-            <a:off x="457200" y="2994820"/>
-            <a:ext cx="3967655" cy="1142999"/>
+            <a:off x="457200" y="1600199"/>
+            <a:ext cx="8435280" cy="4453759"/>
           </a:xfrm>
         </p:spPr>
         <p:txBody>
           <a:bodyPr>
-            <a:normAutofit lnSpcReduction="10000"/>
+            <a:normAutofit/>
           </a:bodyPr>
           <a:lstStyle/>
           <a:p>
-            <a:pPr marL="0" indent="0">
-              <a:buNone/>
+            <a:pPr fontAlgn="base">
+              <a:spcBef>
+                <a:spcPts val="600"/>
+              </a:spcBef>
+              <a:spcAft>
+                <a:spcPts val="600"/>
+              </a:spcAft>
             </a:pPr>
             <a:r>
+              <a:rPr lang="en-GB" sz="2400" dirty="0"/>
+              <a:t>Margins must be even on both sides [Checklist Section 4]</a:t>
+            </a:r>
+          </a:p>
+          <a:p>
+            <a:pPr fontAlgn="base">
+              <a:spcBef>
+                <a:spcPts val="600"/>
+              </a:spcBef>
+              <a:spcAft>
+                <a:spcPts val="600"/>
+              </a:spcAft>
+            </a:pPr>
+            <a:r>
+              <a:rPr lang="en-GB" sz="2400" dirty="0"/>
+              <a:t>For binding services, margins must typically be at least 1cm</a:t>
+            </a:r>
+          </a:p>
+          <a:p>
+            <a:pPr fontAlgn="base">
+              <a:spcBef>
+                <a:spcPts val="600"/>
+              </a:spcBef>
+              <a:spcAft>
+                <a:spcPts val="600"/>
+              </a:spcAft>
+            </a:pPr>
+            <a:r>
+              <a:rPr lang="en-GB" sz="2400" dirty="0"/>
+              <a:t>The </a:t>
+            </a:r>
+            <a:r>
               <a:rPr lang="en-GB" sz="2400" dirty="0">
                 <a:solidFill>
                   <a:schemeClr val="tx2">
@@ -22688,6 +23092,50 @@
                   </a:schemeClr>
                 </a:solidFill>
               </a:rPr>
+              <a:t>geometry</a:t>
+            </a:r>
+            <a:r>
+              <a:rPr lang="en-GB" sz="2400" dirty="0"/>
+              <a:t> package allows us to set margins</a:t>
+            </a:r>
+          </a:p>
+          <a:p>
+            <a:pPr fontAlgn="base">
+              <a:spcBef>
+                <a:spcPts val="600"/>
+              </a:spcBef>
+              <a:spcAft>
+                <a:spcPts val="600"/>
+              </a:spcAft>
+            </a:pPr>
+            <a:r>
+              <a:rPr lang="en-GB" sz="2400" dirty="0"/>
+              <a:t>The </a:t>
+            </a:r>
+            <a:r>
+              <a:rPr lang="en-GB" sz="2400" dirty="0" err="1">
+                <a:solidFill>
+                  <a:schemeClr val="tx2">
+                    <a:lumMod val="50000"/>
+                    <a:lumOff val="50000"/>
+                  </a:schemeClr>
+                </a:solidFill>
+              </a:rPr>
+              <a:t>blindtext</a:t>
+            </a:r>
+            <a:r>
+              <a:rPr lang="en-GB" sz="2400" dirty="0"/>
+              <a:t> package and </a:t>
+            </a:r>
+            <a:r>
+              <a:rPr lang="en-GB" sz="2400" dirty="0">
+                <a:solidFill>
+                  <a:schemeClr val="tx2">
+                    <a:lumMod val="50000"/>
+                    <a:lumOff val="50000"/>
+                  </a:schemeClr>
+                </a:solidFill>
+              </a:rPr>
               <a:t>\</a:t>
             </a:r>
             <a:r>
@@ -22702,97 +23150,16 @@
               <a:t>blindtext</a:t>
             </a:r>
             <a:r>
-              <a:rPr lang="en-GB" sz="2400" dirty="0">
-                <a:solidFill>
-                  <a:schemeClr val="tx2">
-                    <a:lumMod val="50000"/>
-                    <a:lumOff val="50000"/>
-                  </a:schemeClr>
-                </a:solidFill>
-              </a:rPr>
-              <a:t> \footnote</a:t>
-            </a:r>
-            <a:r>
               <a:rPr lang="en-GB" sz="2400" dirty="0"/>
-              <a:t>{Some gibberish}</a:t>
-            </a:r>
-            <a:br>
-              <a:rPr lang="en-GB" sz="2400" dirty="0"/>
-            </a:br>
-            <a:endParaRPr lang="en-GB" sz="2400" dirty="0"/>
+              <a:t>[X] command allows us to insert sample text for testing typesetting</a:t>
+            </a:r>
           </a:p>
         </p:txBody>
       </p:sp>
-      <p:cxnSp>
-        <p:nvCxnSpPr>
-          <p:cNvPr id="4" name="Straight Connector 3">
-            <a:extLst>
-              <a:ext uri="{FF2B5EF4-FFF2-40B4-BE49-F238E27FC236}">
-                <a16:creationId xmlns:a16="http://schemas.microsoft.com/office/drawing/2014/main" id="{5F977231-9817-4997-8C71-01F70F4EFE4B}"/>
-              </a:ext>
-            </a:extLst>
-          </p:cNvPr>
-          <p:cNvCxnSpPr/>
-          <p:nvPr/>
-        </p:nvCxnSpPr>
-        <p:spPr>
-          <a:xfrm>
-            <a:off x="4572000" y="1417638"/>
-            <a:ext cx="0" cy="5440362"/>
-          </a:xfrm>
-          <a:prstGeom prst="line">
-            <a:avLst/>
-          </a:prstGeom>
-        </p:spPr>
-        <p:style>
-          <a:lnRef idx="2">
-            <a:schemeClr val="accent1"/>
-          </a:lnRef>
-          <a:fillRef idx="0">
-            <a:schemeClr val="accent1"/>
-          </a:fillRef>
-          <a:effectRef idx="1">
-            <a:schemeClr val="accent1"/>
-          </a:effectRef>
-          <a:fontRef idx="minor">
-            <a:schemeClr val="tx1"/>
-          </a:fontRef>
-        </p:style>
-      </p:cxnSp>
-      <p:pic>
-        <p:nvPicPr>
-          <p:cNvPr id="7" name="Picture 6" descr="A close up of text on a white background&#10;&#10;Description automatically generated">
-            <a:extLst>
-              <a:ext uri="{FF2B5EF4-FFF2-40B4-BE49-F238E27FC236}">
-                <a16:creationId xmlns:a16="http://schemas.microsoft.com/office/drawing/2014/main" id="{851570A0-8F6A-469A-A514-F85EC4A8E54D}"/>
-              </a:ext>
-            </a:extLst>
-          </p:cNvPr>
-          <p:cNvPicPr>
-            <a:picLocks noChangeAspect="1"/>
-          </p:cNvPicPr>
-          <p:nvPr/>
-        </p:nvPicPr>
-        <p:blipFill>
-          <a:blip r:embed="rId3"/>
-          <a:stretch>
-            <a:fillRect/>
-          </a:stretch>
-        </p:blipFill>
-        <p:spPr>
-          <a:xfrm>
-            <a:off x="4904397" y="2286000"/>
-            <a:ext cx="4068938" cy="3429000"/>
-          </a:xfrm>
-          <a:prstGeom prst="rect">
-            <a:avLst/>
-          </a:prstGeom>
-        </p:spPr>
-      </p:pic>
     </p:spTree>
     <p:extLst>
       <p:ext uri="{BB962C8B-B14F-4D97-AF65-F5344CB8AC3E}">
-        <p14:creationId xmlns:p14="http://schemas.microsoft.com/office/powerpoint/2010/main" val="3346626588"/>
+        <p14:creationId xmlns:p14="http://schemas.microsoft.com/office/powerpoint/2010/main" val="2812092125"/>
       </p:ext>
     </p:extLst>
   </p:cSld>

--- a/Writing Theses in Latex Slides.pptx
+++ b/Writing Theses in Latex Slides.pptx
@@ -5,56 +5,57 @@
     <p:sldMasterId id="2147483648" r:id="rId1"/>
   </p:sldMasterIdLst>
   <p:notesMasterIdLst>
-    <p:notesMasterId r:id="rId46"/>
+    <p:notesMasterId r:id="rId47"/>
   </p:notesMasterIdLst>
   <p:handoutMasterIdLst>
-    <p:handoutMasterId r:id="rId47"/>
+    <p:handoutMasterId r:id="rId48"/>
   </p:handoutMasterIdLst>
   <p:sldIdLst>
     <p:sldId id="264" r:id="rId2"/>
-    <p:sldId id="258" r:id="rId3"/>
-    <p:sldId id="257" r:id="rId4"/>
-    <p:sldId id="267" r:id="rId5"/>
-    <p:sldId id="292" r:id="rId6"/>
-    <p:sldId id="268" r:id="rId7"/>
-    <p:sldId id="295" r:id="rId8"/>
-    <p:sldId id="296" r:id="rId9"/>
-    <p:sldId id="297" r:id="rId10"/>
-    <p:sldId id="298" r:id="rId11"/>
-    <p:sldId id="302" r:id="rId12"/>
-    <p:sldId id="301" r:id="rId13"/>
-    <p:sldId id="300" r:id="rId14"/>
-    <p:sldId id="303" r:id="rId15"/>
-    <p:sldId id="304" r:id="rId16"/>
-    <p:sldId id="307" r:id="rId17"/>
-    <p:sldId id="305" r:id="rId18"/>
-    <p:sldId id="306" r:id="rId19"/>
-    <p:sldId id="308" r:id="rId20"/>
-    <p:sldId id="309" r:id="rId21"/>
-    <p:sldId id="310" r:id="rId22"/>
-    <p:sldId id="311" r:id="rId23"/>
-    <p:sldId id="329" r:id="rId24"/>
-    <p:sldId id="320" r:id="rId25"/>
-    <p:sldId id="312" r:id="rId26"/>
-    <p:sldId id="316" r:id="rId27"/>
-    <p:sldId id="315" r:id="rId28"/>
-    <p:sldId id="317" r:id="rId29"/>
-    <p:sldId id="313" r:id="rId30"/>
-    <p:sldId id="314" r:id="rId31"/>
-    <p:sldId id="332" r:id="rId32"/>
-    <p:sldId id="318" r:id="rId33"/>
-    <p:sldId id="286" r:id="rId34"/>
-    <p:sldId id="319" r:id="rId35"/>
-    <p:sldId id="321" r:id="rId36"/>
-    <p:sldId id="322" r:id="rId37"/>
-    <p:sldId id="323" r:id="rId38"/>
-    <p:sldId id="326" r:id="rId39"/>
-    <p:sldId id="325" r:id="rId40"/>
-    <p:sldId id="327" r:id="rId41"/>
-    <p:sldId id="330" r:id="rId42"/>
-    <p:sldId id="328" r:id="rId43"/>
-    <p:sldId id="331" r:id="rId44"/>
-    <p:sldId id="280" r:id="rId45"/>
+    <p:sldId id="504" r:id="rId3"/>
+    <p:sldId id="258" r:id="rId4"/>
+    <p:sldId id="257" r:id="rId5"/>
+    <p:sldId id="267" r:id="rId6"/>
+    <p:sldId id="292" r:id="rId7"/>
+    <p:sldId id="268" r:id="rId8"/>
+    <p:sldId id="295" r:id="rId9"/>
+    <p:sldId id="296" r:id="rId10"/>
+    <p:sldId id="297" r:id="rId11"/>
+    <p:sldId id="298" r:id="rId12"/>
+    <p:sldId id="302" r:id="rId13"/>
+    <p:sldId id="301" r:id="rId14"/>
+    <p:sldId id="300" r:id="rId15"/>
+    <p:sldId id="303" r:id="rId16"/>
+    <p:sldId id="304" r:id="rId17"/>
+    <p:sldId id="307" r:id="rId18"/>
+    <p:sldId id="305" r:id="rId19"/>
+    <p:sldId id="306" r:id="rId20"/>
+    <p:sldId id="308" r:id="rId21"/>
+    <p:sldId id="309" r:id="rId22"/>
+    <p:sldId id="310" r:id="rId23"/>
+    <p:sldId id="311" r:id="rId24"/>
+    <p:sldId id="329" r:id="rId25"/>
+    <p:sldId id="320" r:id="rId26"/>
+    <p:sldId id="312" r:id="rId27"/>
+    <p:sldId id="316" r:id="rId28"/>
+    <p:sldId id="315" r:id="rId29"/>
+    <p:sldId id="317" r:id="rId30"/>
+    <p:sldId id="313" r:id="rId31"/>
+    <p:sldId id="314" r:id="rId32"/>
+    <p:sldId id="332" r:id="rId33"/>
+    <p:sldId id="318" r:id="rId34"/>
+    <p:sldId id="286" r:id="rId35"/>
+    <p:sldId id="319" r:id="rId36"/>
+    <p:sldId id="321" r:id="rId37"/>
+    <p:sldId id="322" r:id="rId38"/>
+    <p:sldId id="323" r:id="rId39"/>
+    <p:sldId id="326" r:id="rId40"/>
+    <p:sldId id="325" r:id="rId41"/>
+    <p:sldId id="327" r:id="rId42"/>
+    <p:sldId id="330" r:id="rId43"/>
+    <p:sldId id="328" r:id="rId44"/>
+    <p:sldId id="331" r:id="rId45"/>
+    <p:sldId id="280" r:id="rId46"/>
   </p:sldIdLst>
   <p:sldSz cx="9144000" cy="6858000" type="screen4x3"/>
   <p:notesSz cx="7099300" cy="10234613"/>
@@ -159,6 +160,7 @@
         <p14:section name="Introduction" id="{45EEEAF5-8C61-4410-A3AB-B2CD0B57ECF0}">
           <p14:sldIdLst>
             <p14:sldId id="264"/>
+            <p14:sldId id="504"/>
             <p14:sldId id="258"/>
             <p14:sldId id="257"/>
             <p14:sldId id="267"/>
@@ -476,7 +478,7 @@
           <a:p>
             <a:fld id="{88EB714B-C3CC-4216-88C1-02913905B1CF}" type="datetimeFigureOut">
               <a:rPr lang="en-GB" smtClean="0"/>
-              <a:t>04/10/2021</a:t>
+              <a:t>12/10/2021</a:t>
             </a:fld>
             <a:endParaRPr lang="en-GB"/>
           </a:p>
@@ -1172,7 +1174,7 @@
           <a:p>
             <a:fld id="{6A641EC8-C9F8-4A58-A1A7-F7D817526EEC}" type="slidenum">
               <a:rPr lang="en-GB" smtClean="0"/>
-              <a:t>12</a:t>
+              <a:t>13</a:t>
             </a:fld>
             <a:endParaRPr lang="en-GB"/>
           </a:p>
@@ -1325,7 +1327,7 @@
           <a:p>
             <a:fld id="{6A641EC8-C9F8-4A58-A1A7-F7D817526EEC}" type="slidenum">
               <a:rPr lang="en-GB" smtClean="0"/>
-              <a:t>13</a:t>
+              <a:t>14</a:t>
             </a:fld>
             <a:endParaRPr lang="en-GB"/>
           </a:p>
@@ -1421,7 +1423,7 @@
           <a:p>
             <a:fld id="{6A641EC8-C9F8-4A58-A1A7-F7D817526EEC}" type="slidenum">
               <a:rPr lang="en-GB" smtClean="0"/>
-              <a:t>14</a:t>
+              <a:t>15</a:t>
             </a:fld>
             <a:endParaRPr lang="en-GB"/>
           </a:p>
@@ -1627,7 +1629,7 @@
           <a:p>
             <a:fld id="{6A641EC8-C9F8-4A58-A1A7-F7D817526EEC}" type="slidenum">
               <a:rPr lang="en-GB" smtClean="0"/>
-              <a:t>15</a:t>
+              <a:t>16</a:t>
             </a:fld>
             <a:endParaRPr lang="en-GB"/>
           </a:p>
@@ -1711,7 +1713,7 @@
           <a:p>
             <a:fld id="{6A641EC8-C9F8-4A58-A1A7-F7D817526EEC}" type="slidenum">
               <a:rPr lang="en-GB" smtClean="0"/>
-              <a:t>16</a:t>
+              <a:t>17</a:t>
             </a:fld>
             <a:endParaRPr lang="en-GB"/>
           </a:p>
@@ -1798,7 +1800,7 @@
           <a:p>
             <a:fld id="{6A641EC8-C9F8-4A58-A1A7-F7D817526EEC}" type="slidenum">
               <a:rPr lang="en-GB" smtClean="0"/>
-              <a:t>17</a:t>
+              <a:t>18</a:t>
             </a:fld>
             <a:endParaRPr lang="en-GB"/>
           </a:p>
@@ -1882,7 +1884,7 @@
           <a:p>
             <a:fld id="{6A641EC8-C9F8-4A58-A1A7-F7D817526EEC}" type="slidenum">
               <a:rPr lang="en-GB" smtClean="0"/>
-              <a:t>18</a:t>
+              <a:t>19</a:t>
             </a:fld>
             <a:endParaRPr lang="en-GB"/>
           </a:p>
@@ -1987,7 +1989,7 @@
           <a:p>
             <a:fld id="{6A641EC8-C9F8-4A58-A1A7-F7D817526EEC}" type="slidenum">
               <a:rPr lang="en-GB" smtClean="0"/>
-              <a:t>19</a:t>
+              <a:t>20</a:t>
             </a:fld>
             <a:endParaRPr lang="en-GB"/>
           </a:p>
@@ -2074,7 +2076,7 @@
           <a:p>
             <a:fld id="{6A641EC8-C9F8-4A58-A1A7-F7D817526EEC}" type="slidenum">
               <a:rPr lang="en-GB" smtClean="0"/>
-              <a:t>20</a:t>
+              <a:t>21</a:t>
             </a:fld>
             <a:endParaRPr lang="en-GB"/>
           </a:p>
@@ -2171,7 +2173,7 @@
           <a:p>
             <a:fld id="{6A641EC8-C9F8-4A58-A1A7-F7D817526EEC}" type="slidenum">
               <a:rPr lang="en-GB" smtClean="0"/>
-              <a:t>21</a:t>
+              <a:t>22</a:t>
             </a:fld>
             <a:endParaRPr lang="en-GB"/>
           </a:p>
@@ -2259,7 +2261,7 @@
           <a:p>
             <a:fld id="{6A641EC8-C9F8-4A58-A1A7-F7D817526EEC}" type="slidenum">
               <a:rPr lang="en-GB" smtClean="0"/>
-              <a:t>4</a:t>
+              <a:t>5</a:t>
             </a:fld>
             <a:endParaRPr lang="en-GB"/>
           </a:p>
@@ -2371,7 +2373,7 @@
           <a:p>
             <a:fld id="{6A641EC8-C9F8-4A58-A1A7-F7D817526EEC}" type="slidenum">
               <a:rPr lang="en-GB" smtClean="0"/>
-              <a:t>22</a:t>
+              <a:t>23</a:t>
             </a:fld>
             <a:endParaRPr lang="en-GB"/>
           </a:p>
@@ -2484,7 +2486,7 @@
           <a:p>
             <a:fld id="{6A641EC8-C9F8-4A58-A1A7-F7D817526EEC}" type="slidenum">
               <a:rPr lang="en-GB" smtClean="0"/>
-              <a:t>23</a:t>
+              <a:t>24</a:t>
             </a:fld>
             <a:endParaRPr lang="en-GB"/>
           </a:p>
@@ -2606,7 +2608,7 @@
           <a:p>
             <a:fld id="{6A641EC8-C9F8-4A58-A1A7-F7D817526EEC}" type="slidenum">
               <a:rPr lang="en-GB" smtClean="0"/>
-              <a:t>24</a:t>
+              <a:t>25</a:t>
             </a:fld>
             <a:endParaRPr lang="en-GB"/>
           </a:p>
@@ -2718,7 +2720,7 @@
           <a:p>
             <a:fld id="{6A641EC8-C9F8-4A58-A1A7-F7D817526EEC}" type="slidenum">
               <a:rPr lang="en-GB" smtClean="0"/>
-              <a:t>25</a:t>
+              <a:t>26</a:t>
             </a:fld>
             <a:endParaRPr lang="en-GB"/>
           </a:p>
@@ -2839,7 +2841,7 @@
           <a:p>
             <a:fld id="{6A641EC8-C9F8-4A58-A1A7-F7D817526EEC}" type="slidenum">
               <a:rPr lang="en-GB" smtClean="0"/>
-              <a:t>26</a:t>
+              <a:t>27</a:t>
             </a:fld>
             <a:endParaRPr lang="en-GB"/>
           </a:p>
@@ -2967,7 +2969,7 @@
           <a:p>
             <a:fld id="{6A641EC8-C9F8-4A58-A1A7-F7D817526EEC}" type="slidenum">
               <a:rPr lang="en-GB" smtClean="0"/>
-              <a:t>27</a:t>
+              <a:t>28</a:t>
             </a:fld>
             <a:endParaRPr lang="en-GB"/>
           </a:p>
@@ -3131,7 +3133,7 @@
           <a:p>
             <a:fld id="{6A641EC8-C9F8-4A58-A1A7-F7D817526EEC}" type="slidenum">
               <a:rPr lang="en-GB" smtClean="0"/>
-              <a:t>28</a:t>
+              <a:t>29</a:t>
             </a:fld>
             <a:endParaRPr lang="en-GB"/>
           </a:p>
@@ -3279,7 +3281,7 @@
           <a:p>
             <a:fld id="{6A641EC8-C9F8-4A58-A1A7-F7D817526EEC}" type="slidenum">
               <a:rPr lang="en-GB" smtClean="0"/>
-              <a:t>29</a:t>
+              <a:t>30</a:t>
             </a:fld>
             <a:endParaRPr lang="en-GB"/>
           </a:p>
@@ -3460,7 +3462,7 @@
           <a:p>
             <a:fld id="{6A641EC8-C9F8-4A58-A1A7-F7D817526EEC}" type="slidenum">
               <a:rPr lang="en-GB" smtClean="0"/>
-              <a:t>30</a:t>
+              <a:t>31</a:t>
             </a:fld>
             <a:endParaRPr lang="en-GB"/>
           </a:p>
@@ -3573,7 +3575,7 @@
           <a:p>
             <a:fld id="{6A641EC8-C9F8-4A58-A1A7-F7D817526EEC}" type="slidenum">
               <a:rPr lang="en-GB" smtClean="0"/>
-              <a:t>31</a:t>
+              <a:t>32</a:t>
             </a:fld>
             <a:endParaRPr lang="en-GB"/>
           </a:p>
@@ -3688,7 +3690,7 @@
           <a:p>
             <a:fld id="{6A641EC8-C9F8-4A58-A1A7-F7D817526EEC}" type="slidenum">
               <a:rPr lang="en-GB" smtClean="0"/>
-              <a:t>5</a:t>
+              <a:t>6</a:t>
             </a:fld>
             <a:endParaRPr lang="en-GB"/>
           </a:p>
@@ -3784,7 +3786,7 @@
           <a:p>
             <a:fld id="{6A641EC8-C9F8-4A58-A1A7-F7D817526EEC}" type="slidenum">
               <a:rPr lang="en-GB" smtClean="0"/>
-              <a:t>32</a:t>
+              <a:t>33</a:t>
             </a:fld>
             <a:endParaRPr lang="en-GB"/>
           </a:p>
@@ -3951,7 +3953,7 @@
           <a:p>
             <a:fld id="{6A641EC8-C9F8-4A58-A1A7-F7D817526EEC}" type="slidenum">
               <a:rPr lang="en-GB" smtClean="0"/>
-              <a:t>33</a:t>
+              <a:t>34</a:t>
             </a:fld>
             <a:endParaRPr lang="en-GB"/>
           </a:p>
@@ -4056,7 +4058,7 @@
           <a:p>
             <a:fld id="{6A641EC8-C9F8-4A58-A1A7-F7D817526EEC}" type="slidenum">
               <a:rPr lang="en-GB" smtClean="0"/>
-              <a:t>34</a:t>
+              <a:t>35</a:t>
             </a:fld>
             <a:endParaRPr lang="en-GB"/>
           </a:p>
@@ -4194,7 +4196,7 @@
           <a:p>
             <a:fld id="{6A641EC8-C9F8-4A58-A1A7-F7D817526EEC}" type="slidenum">
               <a:rPr lang="en-GB" smtClean="0"/>
-              <a:t>35</a:t>
+              <a:t>36</a:t>
             </a:fld>
             <a:endParaRPr lang="en-GB"/>
           </a:p>
@@ -4360,7 +4362,7 @@
           <a:p>
             <a:fld id="{6A641EC8-C9F8-4A58-A1A7-F7D817526EEC}" type="slidenum">
               <a:rPr lang="en-GB" smtClean="0"/>
-              <a:t>36</a:t>
+              <a:t>37</a:t>
             </a:fld>
             <a:endParaRPr lang="en-GB"/>
           </a:p>
@@ -4489,7 +4491,7 @@
           <a:p>
             <a:fld id="{6A641EC8-C9F8-4A58-A1A7-F7D817526EEC}" type="slidenum">
               <a:rPr lang="en-GB" smtClean="0"/>
-              <a:t>37</a:t>
+              <a:t>38</a:t>
             </a:fld>
             <a:endParaRPr lang="en-GB"/>
           </a:p>
@@ -4601,7 +4603,7 @@
           <a:p>
             <a:fld id="{6A641EC8-C9F8-4A58-A1A7-F7D817526EEC}" type="slidenum">
               <a:rPr lang="en-GB" smtClean="0"/>
-              <a:t>38</a:t>
+              <a:t>39</a:t>
             </a:fld>
             <a:endParaRPr lang="en-GB"/>
           </a:p>
@@ -4725,7 +4727,7 @@
           <a:p>
             <a:fld id="{6A641EC8-C9F8-4A58-A1A7-F7D817526EEC}" type="slidenum">
               <a:rPr lang="en-GB" smtClean="0"/>
-              <a:t>39</a:t>
+              <a:t>40</a:t>
             </a:fld>
             <a:endParaRPr lang="en-GB"/>
           </a:p>
@@ -4856,7 +4858,7 @@
           <a:p>
             <a:fld id="{6A641EC8-C9F8-4A58-A1A7-F7D817526EEC}" type="slidenum">
               <a:rPr lang="en-GB" smtClean="0"/>
-              <a:t>40</a:t>
+              <a:t>41</a:t>
             </a:fld>
             <a:endParaRPr lang="en-GB"/>
           </a:p>
@@ -5011,7 +5013,7 @@
           <a:p>
             <a:fld id="{6A641EC8-C9F8-4A58-A1A7-F7D817526EEC}" type="slidenum">
               <a:rPr lang="en-GB" smtClean="0"/>
-              <a:t>41</a:t>
+              <a:t>42</a:t>
             </a:fld>
             <a:endParaRPr lang="en-GB"/>
           </a:p>
@@ -5132,7 +5134,7 @@
           <a:p>
             <a:fld id="{6A641EC8-C9F8-4A58-A1A7-F7D817526EEC}" type="slidenum">
               <a:rPr lang="en-GB" smtClean="0"/>
-              <a:t>6</a:t>
+              <a:t>7</a:t>
             </a:fld>
             <a:endParaRPr lang="en-GB"/>
           </a:p>
@@ -5235,7 +5237,7 @@
           <a:p>
             <a:fld id="{6A641EC8-C9F8-4A58-A1A7-F7D817526EEC}" type="slidenum">
               <a:rPr lang="en-GB" smtClean="0"/>
-              <a:t>42</a:t>
+              <a:t>43</a:t>
             </a:fld>
             <a:endParaRPr lang="en-GB"/>
           </a:p>
@@ -5319,7 +5321,7 @@
           <a:p>
             <a:fld id="{6A641EC8-C9F8-4A58-A1A7-F7D817526EEC}" type="slidenum">
               <a:rPr lang="en-GB" smtClean="0"/>
-              <a:t>43</a:t>
+              <a:t>44</a:t>
             </a:fld>
             <a:endParaRPr lang="en-GB"/>
           </a:p>
@@ -5515,7 +5517,7 @@
                   <a:spcPct val="0"/>
                 </a:spcBef>
               </a:pPr>
-              <a:t>44</a:t>
+              <a:t>45</a:t>
             </a:fld>
             <a:endParaRPr lang="en-US" altLang="en-US"/>
           </a:p>
@@ -5666,7 +5668,7 @@
           <a:p>
             <a:fld id="{6A641EC8-C9F8-4A58-A1A7-F7D817526EEC}" type="slidenum">
               <a:rPr lang="en-GB" smtClean="0"/>
-              <a:t>7</a:t>
+              <a:t>8</a:t>
             </a:fld>
             <a:endParaRPr lang="en-GB"/>
           </a:p>
@@ -5753,7 +5755,7 @@
           <a:p>
             <a:fld id="{6A641EC8-C9F8-4A58-A1A7-F7D817526EEC}" type="slidenum">
               <a:rPr lang="en-GB" smtClean="0"/>
-              <a:t>8</a:t>
+              <a:t>9</a:t>
             </a:fld>
             <a:endParaRPr lang="en-GB"/>
           </a:p>
@@ -5895,7 +5897,7 @@
           <a:p>
             <a:fld id="{6A641EC8-C9F8-4A58-A1A7-F7D817526EEC}" type="slidenum">
               <a:rPr lang="en-GB" smtClean="0"/>
-              <a:t>9</a:t>
+              <a:t>10</a:t>
             </a:fld>
             <a:endParaRPr lang="en-GB"/>
           </a:p>
@@ -6000,7 +6002,7 @@
           <a:p>
             <a:fld id="{6A641EC8-C9F8-4A58-A1A7-F7D817526EEC}" type="slidenum">
               <a:rPr lang="en-GB" smtClean="0"/>
-              <a:t>10</a:t>
+              <a:t>11</a:t>
             </a:fld>
             <a:endParaRPr lang="en-GB"/>
           </a:p>
@@ -6097,7 +6099,7 @@
           <a:p>
             <a:fld id="{6A641EC8-C9F8-4A58-A1A7-F7D817526EEC}" type="slidenum">
               <a:rPr lang="en-GB" smtClean="0"/>
-              <a:t>11</a:t>
+              <a:t>12</a:t>
             </a:fld>
             <a:endParaRPr lang="en-GB"/>
           </a:p>
@@ -6475,7 +6477,7 @@
           <a:p>
             <a:fld id="{EB0080F8-EA1C-491D-963C-2C881B2F918F}" type="datetimeFigureOut">
               <a:rPr lang="en-GB" smtClean="0"/>
-              <a:t>04/10/2021</a:t>
+              <a:t>12/10/2021</a:t>
             </a:fld>
             <a:endParaRPr lang="en-GB"/>
           </a:p>
@@ -6625,7 +6627,7 @@
           <a:p>
             <a:fld id="{EB0080F8-EA1C-491D-963C-2C881B2F918F}" type="datetimeFigureOut">
               <a:rPr lang="en-GB" smtClean="0"/>
-              <a:t>04/10/2021</a:t>
+              <a:t>12/10/2021</a:t>
             </a:fld>
             <a:endParaRPr lang="en-GB"/>
           </a:p>
@@ -8158,7 +8160,7 @@
           <a:p>
             <a:fld id="{EB0080F8-EA1C-491D-963C-2C881B2F918F}" type="datetimeFigureOut">
               <a:rPr lang="en-GB" smtClean="0"/>
-              <a:t>04/10/2021</a:t>
+              <a:t>12/10/2021</a:t>
             </a:fld>
             <a:endParaRPr lang="en-GB"/>
           </a:p>
@@ -8718,6 +8720,201 @@
         <p:spPr>
           <a:xfrm>
             <a:off x="457200" y="1600199"/>
+            <a:ext cx="8435280" cy="4453759"/>
+          </a:xfrm>
+        </p:spPr>
+        <p:txBody>
+          <a:bodyPr>
+            <a:normAutofit/>
+          </a:bodyPr>
+          <a:lstStyle/>
+          <a:p>
+            <a:pPr fontAlgn="base">
+              <a:spcBef>
+                <a:spcPts val="600"/>
+              </a:spcBef>
+              <a:spcAft>
+                <a:spcPts val="600"/>
+              </a:spcAft>
+            </a:pPr>
+            <a:r>
+              <a:rPr lang="en-GB" sz="2400" dirty="0"/>
+              <a:t>Margins must be even on both sides [Checklist Section 4]</a:t>
+            </a:r>
+          </a:p>
+          <a:p>
+            <a:pPr fontAlgn="base">
+              <a:spcBef>
+                <a:spcPts val="600"/>
+              </a:spcBef>
+              <a:spcAft>
+                <a:spcPts val="600"/>
+              </a:spcAft>
+            </a:pPr>
+            <a:r>
+              <a:rPr lang="en-GB" sz="2400" dirty="0"/>
+              <a:t>For binding services, margins must typically be at least 1cm</a:t>
+            </a:r>
+          </a:p>
+          <a:p>
+            <a:pPr fontAlgn="base">
+              <a:spcBef>
+                <a:spcPts val="600"/>
+              </a:spcBef>
+              <a:spcAft>
+                <a:spcPts val="600"/>
+              </a:spcAft>
+            </a:pPr>
+            <a:r>
+              <a:rPr lang="en-GB" sz="2400" dirty="0"/>
+              <a:t>The </a:t>
+            </a:r>
+            <a:r>
+              <a:rPr lang="en-GB" sz="2400" dirty="0">
+                <a:solidFill>
+                  <a:schemeClr val="tx2">
+                    <a:lumMod val="50000"/>
+                    <a:lumOff val="50000"/>
+                  </a:schemeClr>
+                </a:solidFill>
+              </a:rPr>
+              <a:t>geometry</a:t>
+            </a:r>
+            <a:r>
+              <a:rPr lang="en-GB" sz="2400" dirty="0"/>
+              <a:t> package allows us to set margins</a:t>
+            </a:r>
+          </a:p>
+          <a:p>
+            <a:pPr fontAlgn="base">
+              <a:spcBef>
+                <a:spcPts val="600"/>
+              </a:spcBef>
+              <a:spcAft>
+                <a:spcPts val="600"/>
+              </a:spcAft>
+            </a:pPr>
+            <a:r>
+              <a:rPr lang="en-GB" sz="2400" dirty="0"/>
+              <a:t>The </a:t>
+            </a:r>
+            <a:r>
+              <a:rPr lang="en-GB" sz="2400" dirty="0" err="1">
+                <a:solidFill>
+                  <a:schemeClr val="tx2">
+                    <a:lumMod val="50000"/>
+                    <a:lumOff val="50000"/>
+                  </a:schemeClr>
+                </a:solidFill>
+              </a:rPr>
+              <a:t>blindtext</a:t>
+            </a:r>
+            <a:r>
+              <a:rPr lang="en-GB" sz="2400" dirty="0"/>
+              <a:t> package and </a:t>
+            </a:r>
+            <a:r>
+              <a:rPr lang="en-GB" sz="2400" dirty="0">
+                <a:solidFill>
+                  <a:schemeClr val="tx2">
+                    <a:lumMod val="50000"/>
+                    <a:lumOff val="50000"/>
+                  </a:schemeClr>
+                </a:solidFill>
+              </a:rPr>
+              <a:t>\</a:t>
+            </a:r>
+            <a:r>
+              <a:rPr lang="en-GB" sz="2400" dirty="0" err="1">
+                <a:solidFill>
+                  <a:schemeClr val="tx2">
+                    <a:lumMod val="50000"/>
+                    <a:lumOff val="50000"/>
+                  </a:schemeClr>
+                </a:solidFill>
+              </a:rPr>
+              <a:t>blindtext</a:t>
+            </a:r>
+            <a:r>
+              <a:rPr lang="en-GB" sz="2400" dirty="0"/>
+              <a:t>[X] command allows us to insert sample text for testing typesetting</a:t>
+            </a:r>
+          </a:p>
+        </p:txBody>
+      </p:sp>
+    </p:spTree>
+    <p:extLst>
+      <p:ext uri="{BB962C8B-B14F-4D97-AF65-F5344CB8AC3E}">
+        <p14:creationId xmlns:p14="http://schemas.microsoft.com/office/powerpoint/2010/main" val="2812092125"/>
+      </p:ext>
+    </p:extLst>
+  </p:cSld>
+  <p:clrMapOvr>
+    <a:masterClrMapping/>
+  </p:clrMapOvr>
+  <mc:AlternateContent xmlns:mc="http://schemas.openxmlformats.org/markup-compatibility/2006" xmlns:p14="http://schemas.microsoft.com/office/powerpoint/2010/main">
+    <mc:Choice Requires="p14">
+      <p:transition p14:dur="10"/>
+    </mc:Choice>
+    <mc:Fallback xmlns="">
+      <p:transition/>
+    </mc:Fallback>
+  </mc:AlternateContent>
+</p:sld>
+</file>
+
+<file path=ppt/slides/slide11.xml><?xml version="1.0" encoding="utf-8"?>
+<p:sld xmlns:a="http://schemas.openxmlformats.org/drawingml/2006/main" xmlns:r="http://schemas.openxmlformats.org/officeDocument/2006/relationships" xmlns:p="http://schemas.openxmlformats.org/presentationml/2006/main">
+  <p:cSld>
+    <p:spTree>
+      <p:nvGrpSpPr>
+        <p:cNvPr id="1" name=""/>
+        <p:cNvGrpSpPr/>
+        <p:nvPr/>
+      </p:nvGrpSpPr>
+      <p:grpSpPr>
+        <a:xfrm>
+          <a:off x="0" y="0"/>
+          <a:ext cx="0" cy="0"/>
+          <a:chOff x="0" y="0"/>
+          <a:chExt cx="0" cy="0"/>
+        </a:xfrm>
+      </p:grpSpPr>
+      <p:sp>
+        <p:nvSpPr>
+          <p:cNvPr id="2" name="Title 1"/>
+          <p:cNvSpPr>
+            <a:spLocks noGrp="1"/>
+          </p:cNvSpPr>
+          <p:nvPr>
+            <p:ph type="title"/>
+          </p:nvPr>
+        </p:nvSpPr>
+        <p:spPr/>
+        <p:txBody>
+          <a:bodyPr/>
+          <a:lstStyle/>
+          <a:p>
+            <a:r>
+              <a:rPr lang="en-GB" sz="4000" dirty="0"/>
+              <a:t>Margins</a:t>
+            </a:r>
+          </a:p>
+        </p:txBody>
+      </p:sp>
+      <p:sp>
+        <p:nvSpPr>
+          <p:cNvPr id="3" name="Content Placeholder 2"/>
+          <p:cNvSpPr>
+            <a:spLocks noGrp="1"/>
+          </p:cNvSpPr>
+          <p:nvPr>
+            <p:ph idx="1"/>
+          </p:nvPr>
+        </p:nvSpPr>
+        <p:spPr>
+          <a:xfrm>
+            <a:off x="457200" y="1600199"/>
             <a:ext cx="3967655" cy="4453759"/>
           </a:xfrm>
         </p:spPr>
@@ -9073,7 +9270,7 @@
 </p:sld>
 </file>
 
-<file path=ppt/slides/slide11.xml><?xml version="1.0" encoding="utf-8"?>
+<file path=ppt/slides/slide12.xml><?xml version="1.0" encoding="utf-8"?>
 <p:sld xmlns:a="http://schemas.openxmlformats.org/drawingml/2006/main" xmlns:r="http://schemas.openxmlformats.org/officeDocument/2006/relationships" xmlns:p="http://schemas.openxmlformats.org/presentationml/2006/main">
   <p:cSld>
     <p:spTree>
@@ -9268,7 +9465,7 @@
 </p:sld>
 </file>
 
-<file path=ppt/slides/slide12.xml><?xml version="1.0" encoding="utf-8"?>
+<file path=ppt/slides/slide13.xml><?xml version="1.0" encoding="utf-8"?>
 <p:sld xmlns:a="http://schemas.openxmlformats.org/drawingml/2006/main" xmlns:r="http://schemas.openxmlformats.org/officeDocument/2006/relationships" xmlns:p="http://schemas.openxmlformats.org/presentationml/2006/main">
   <p:cSld>
     <p:spTree>
@@ -9447,7 +9644,7 @@
 </p:sld>
 </file>
 
-<file path=ppt/slides/slide13.xml><?xml version="1.0" encoding="utf-8"?>
+<file path=ppt/slides/slide14.xml><?xml version="1.0" encoding="utf-8"?>
 <p:sld xmlns:a="http://schemas.openxmlformats.org/drawingml/2006/main" xmlns:r="http://schemas.openxmlformats.org/officeDocument/2006/relationships" xmlns:p="http://schemas.openxmlformats.org/presentationml/2006/main">
   <p:cSld>
     <p:spTree>
@@ -9934,7 +10131,7 @@
 </p:sld>
 </file>
 
-<file path=ppt/slides/slide14.xml><?xml version="1.0" encoding="utf-8"?>
+<file path=ppt/slides/slide15.xml><?xml version="1.0" encoding="utf-8"?>
 <p:sld xmlns:a="http://schemas.openxmlformats.org/drawingml/2006/main" xmlns:r="http://schemas.openxmlformats.org/officeDocument/2006/relationships" xmlns:p="http://schemas.openxmlformats.org/presentationml/2006/main">
   <p:cSld>
     <p:spTree>
@@ -10249,7 +10446,7 @@
 </p:sld>
 </file>
 
-<file path=ppt/slides/slide15.xml><?xml version="1.0" encoding="utf-8"?>
+<file path=ppt/slides/slide16.xml><?xml version="1.0" encoding="utf-8"?>
 <p:sld xmlns:a="http://schemas.openxmlformats.org/drawingml/2006/main" xmlns:r="http://schemas.openxmlformats.org/officeDocument/2006/relationships" xmlns:p="http://schemas.openxmlformats.org/presentationml/2006/main">
   <p:cSld>
     <p:spTree>
@@ -10924,116 +11121,6 @@
 </p:sld>
 </file>
 
-<file path=ppt/slides/slide16.xml><?xml version="1.0" encoding="utf-8"?>
-<p:sld xmlns:a="http://schemas.openxmlformats.org/drawingml/2006/main" xmlns:r="http://schemas.openxmlformats.org/officeDocument/2006/relationships" xmlns:p="http://schemas.openxmlformats.org/presentationml/2006/main">
-  <p:cSld>
-    <p:spTree>
-      <p:nvGrpSpPr>
-        <p:cNvPr id="1" name=""/>
-        <p:cNvGrpSpPr/>
-        <p:nvPr/>
-      </p:nvGrpSpPr>
-      <p:grpSpPr>
-        <a:xfrm>
-          <a:off x="0" y="0"/>
-          <a:ext cx="0" cy="0"/>
-          <a:chOff x="0" y="0"/>
-          <a:chExt cx="0" cy="0"/>
-        </a:xfrm>
-      </p:grpSpPr>
-      <p:sp>
-        <p:nvSpPr>
-          <p:cNvPr id="2" name="Title 1"/>
-          <p:cNvSpPr>
-            <a:spLocks noGrp="1"/>
-          </p:cNvSpPr>
-          <p:nvPr>
-            <p:ph type="title"/>
-          </p:nvPr>
-        </p:nvSpPr>
-        <p:spPr/>
-        <p:txBody>
-          <a:bodyPr/>
-          <a:lstStyle/>
-          <a:p>
-            <a:r>
-              <a:rPr lang="en-GB" sz="4000" dirty="0"/>
-              <a:t>Abstract</a:t>
-            </a:r>
-          </a:p>
-        </p:txBody>
-      </p:sp>
-      <p:sp>
-        <p:nvSpPr>
-          <p:cNvPr id="7" name="Content Placeholder 6">
-            <a:extLst>
-              <a:ext uri="{FF2B5EF4-FFF2-40B4-BE49-F238E27FC236}">
-                <a16:creationId xmlns:a16="http://schemas.microsoft.com/office/drawing/2014/main" id="{A4668B92-0976-4E36-A913-C47498FEE667}"/>
-              </a:ext>
-            </a:extLst>
-          </p:cNvPr>
-          <p:cNvSpPr>
-            <a:spLocks noGrp="1"/>
-          </p:cNvSpPr>
-          <p:nvPr>
-            <p:ph idx="1"/>
-          </p:nvPr>
-        </p:nvSpPr>
-        <p:spPr>
-          <a:xfrm>
-            <a:off x="457200" y="1417638"/>
-            <a:ext cx="8229600" cy="4525963"/>
-          </a:xfrm>
-        </p:spPr>
-        <p:txBody>
-          <a:bodyPr/>
-          <a:lstStyle/>
-          <a:p>
-            <a:r>
-              <a:rPr lang="en-GB" sz="2400" dirty="0"/>
-              <a:t>You should include an abstract </a:t>
-            </a:r>
-          </a:p>
-          <a:p>
-            <a:r>
-              <a:rPr lang="en-GB" sz="2400" dirty="0"/>
-              <a:t>Should be after the title page (section 7 of checklist)</a:t>
-            </a:r>
-          </a:p>
-          <a:p>
-            <a:r>
-              <a:rPr lang="en-GB" sz="2400" dirty="0"/>
-              <a:t>300 words or less</a:t>
-            </a:r>
-            <a:endParaRPr lang="en-GB" sz="2000" dirty="0"/>
-          </a:p>
-          <a:p>
-            <a:pPr lvl="1"/>
-            <a:endParaRPr lang="en-GB" sz="1600" dirty="0"/>
-          </a:p>
-        </p:txBody>
-      </p:sp>
-    </p:spTree>
-    <p:extLst>
-      <p:ext uri="{BB962C8B-B14F-4D97-AF65-F5344CB8AC3E}">
-        <p14:creationId xmlns:p14="http://schemas.microsoft.com/office/powerpoint/2010/main" val="3095168859"/>
-      </p:ext>
-    </p:extLst>
-  </p:cSld>
-  <p:clrMapOvr>
-    <a:masterClrMapping/>
-  </p:clrMapOvr>
-  <mc:AlternateContent xmlns:mc="http://schemas.openxmlformats.org/markup-compatibility/2006" xmlns:p14="http://schemas.microsoft.com/office/powerpoint/2010/main">
-    <mc:Choice Requires="p14">
-      <p:transition p14:dur="10"/>
-    </mc:Choice>
-    <mc:Fallback xmlns="">
-      <p:transition/>
-    </mc:Fallback>
-  </mc:AlternateContent>
-</p:sld>
-</file>
-
 <file path=ppt/slides/slide17.xml><?xml version="1.0" encoding="utf-8"?>
 <p:sld xmlns:a="http://schemas.openxmlformats.org/drawingml/2006/main" xmlns:r="http://schemas.openxmlformats.org/officeDocument/2006/relationships" xmlns:p="http://schemas.openxmlformats.org/presentationml/2006/main">
   <p:cSld>
@@ -11068,7 +11155,7 @@
           <a:p>
             <a:r>
               <a:rPr lang="en-GB" sz="4000" dirty="0"/>
-              <a:t>Statement of Originality</a:t>
+              <a:t>Abstract</a:t>
             </a:r>
           </a:p>
         </p:txBody>
@@ -11101,29 +11188,21 @@
           <a:p>
             <a:r>
               <a:rPr lang="en-GB" sz="2400" dirty="0"/>
-              <a:t>You should include a statement of originality in your own words [Section 5 of Checklist]</a:t>
-            </a:r>
-          </a:p>
-          <a:p>
-            <a:pPr lvl="1"/>
-            <a:r>
-              <a:rPr lang="en-GB" sz="2000" dirty="0"/>
-              <a:t>The work is your own</a:t>
-            </a:r>
-          </a:p>
-          <a:p>
-            <a:pPr lvl="1"/>
-            <a:r>
-              <a:rPr lang="en-GB" sz="2000" dirty="0"/>
-              <a:t>All else is appropriately referenced</a:t>
-            </a:r>
-          </a:p>
-          <a:p>
-            <a:pPr lvl="1"/>
-            <a:r>
-              <a:rPr lang="en-GB" sz="2000" dirty="0"/>
-              <a:t>Should appear at beginning of thesis</a:t>
-            </a:r>
+              <a:t>You should include an abstract </a:t>
+            </a:r>
+          </a:p>
+          <a:p>
+            <a:r>
+              <a:rPr lang="en-GB" sz="2400" dirty="0"/>
+              <a:t>Should be after the title page (section 7 of checklist)</a:t>
+            </a:r>
+          </a:p>
+          <a:p>
+            <a:r>
+              <a:rPr lang="en-GB" sz="2400" dirty="0"/>
+              <a:t>300 words or less</a:t>
+            </a:r>
+            <a:endParaRPr lang="en-GB" sz="2000" dirty="0"/>
           </a:p>
           <a:p>
             <a:pPr lvl="1"/>
@@ -11134,7 +11213,7 @@
     </p:spTree>
     <p:extLst>
       <p:ext uri="{BB962C8B-B14F-4D97-AF65-F5344CB8AC3E}">
-        <p14:creationId xmlns:p14="http://schemas.microsoft.com/office/powerpoint/2010/main" val="3238788747"/>
+        <p14:creationId xmlns:p14="http://schemas.microsoft.com/office/powerpoint/2010/main" val="3095168859"/>
       </p:ext>
     </p:extLst>
   </p:cSld>
@@ -11186,6 +11265,124 @@
           <a:p>
             <a:r>
               <a:rPr lang="en-GB" sz="4000" dirty="0"/>
+              <a:t>Statement of Originality</a:t>
+            </a:r>
+          </a:p>
+        </p:txBody>
+      </p:sp>
+      <p:sp>
+        <p:nvSpPr>
+          <p:cNvPr id="7" name="Content Placeholder 6">
+            <a:extLst>
+              <a:ext uri="{FF2B5EF4-FFF2-40B4-BE49-F238E27FC236}">
+                <a16:creationId xmlns:a16="http://schemas.microsoft.com/office/drawing/2014/main" id="{A4668B92-0976-4E36-A913-C47498FEE667}"/>
+              </a:ext>
+            </a:extLst>
+          </p:cNvPr>
+          <p:cNvSpPr>
+            <a:spLocks noGrp="1"/>
+          </p:cNvSpPr>
+          <p:nvPr>
+            <p:ph idx="1"/>
+          </p:nvPr>
+        </p:nvSpPr>
+        <p:spPr>
+          <a:xfrm>
+            <a:off x="457200" y="1417638"/>
+            <a:ext cx="8229600" cy="4525963"/>
+          </a:xfrm>
+        </p:spPr>
+        <p:txBody>
+          <a:bodyPr/>
+          <a:lstStyle/>
+          <a:p>
+            <a:r>
+              <a:rPr lang="en-GB" sz="2400" dirty="0"/>
+              <a:t>You should include a statement of originality in your own words [Section 5 of Checklist]</a:t>
+            </a:r>
+          </a:p>
+          <a:p>
+            <a:pPr lvl="1"/>
+            <a:r>
+              <a:rPr lang="en-GB" sz="2000" dirty="0"/>
+              <a:t>The work is your own</a:t>
+            </a:r>
+          </a:p>
+          <a:p>
+            <a:pPr lvl="1"/>
+            <a:r>
+              <a:rPr lang="en-GB" sz="2000" dirty="0"/>
+              <a:t>All else is appropriately referenced</a:t>
+            </a:r>
+          </a:p>
+          <a:p>
+            <a:pPr lvl="1"/>
+            <a:r>
+              <a:rPr lang="en-GB" sz="2000" dirty="0"/>
+              <a:t>Should appear at beginning of thesis</a:t>
+            </a:r>
+          </a:p>
+          <a:p>
+            <a:pPr lvl="1"/>
+            <a:endParaRPr lang="en-GB" sz="1600" dirty="0"/>
+          </a:p>
+        </p:txBody>
+      </p:sp>
+    </p:spTree>
+    <p:extLst>
+      <p:ext uri="{BB962C8B-B14F-4D97-AF65-F5344CB8AC3E}">
+        <p14:creationId xmlns:p14="http://schemas.microsoft.com/office/powerpoint/2010/main" val="3238788747"/>
+      </p:ext>
+    </p:extLst>
+  </p:cSld>
+  <p:clrMapOvr>
+    <a:masterClrMapping/>
+  </p:clrMapOvr>
+  <mc:AlternateContent xmlns:mc="http://schemas.openxmlformats.org/markup-compatibility/2006" xmlns:p14="http://schemas.microsoft.com/office/powerpoint/2010/main">
+    <mc:Choice Requires="p14">
+      <p:transition p14:dur="10"/>
+    </mc:Choice>
+    <mc:Fallback xmlns="">
+      <p:transition/>
+    </mc:Fallback>
+  </mc:AlternateContent>
+</p:sld>
+</file>
+
+<file path=ppt/slides/slide19.xml><?xml version="1.0" encoding="utf-8"?>
+<p:sld xmlns:a="http://schemas.openxmlformats.org/drawingml/2006/main" xmlns:r="http://schemas.openxmlformats.org/officeDocument/2006/relationships" xmlns:p="http://schemas.openxmlformats.org/presentationml/2006/main">
+  <p:cSld>
+    <p:spTree>
+      <p:nvGrpSpPr>
+        <p:cNvPr id="1" name=""/>
+        <p:cNvGrpSpPr/>
+        <p:nvPr/>
+      </p:nvGrpSpPr>
+      <p:grpSpPr>
+        <a:xfrm>
+          <a:off x="0" y="0"/>
+          <a:ext cx="0" cy="0"/>
+          <a:chOff x="0" y="0"/>
+          <a:chExt cx="0" cy="0"/>
+        </a:xfrm>
+      </p:grpSpPr>
+      <p:sp>
+        <p:nvSpPr>
+          <p:cNvPr id="2" name="Title 1"/>
+          <p:cNvSpPr>
+            <a:spLocks noGrp="1"/>
+          </p:cNvSpPr>
+          <p:nvPr>
+            <p:ph type="title"/>
+          </p:nvPr>
+        </p:nvSpPr>
+        <p:spPr/>
+        <p:txBody>
+          <a:bodyPr/>
+          <a:lstStyle/>
+          <a:p>
+            <a:r>
+              <a:rPr lang="en-GB" sz="4000" dirty="0"/>
               <a:t>Copyright Declaration</a:t>
             </a:r>
           </a:p>
@@ -11272,7 +11469,133 @@
 </p:sld>
 </file>
 
-<file path=ppt/slides/slide19.xml><?xml version="1.0" encoding="utf-8"?>
+<file path=ppt/slides/slide2.xml><?xml version="1.0" encoding="utf-8"?>
+<p:sld xmlns:a="http://schemas.openxmlformats.org/drawingml/2006/main" xmlns:r="http://schemas.openxmlformats.org/officeDocument/2006/relationships" xmlns:p="http://schemas.openxmlformats.org/presentationml/2006/main">
+  <p:cSld>
+    <p:spTree>
+      <p:nvGrpSpPr>
+        <p:cNvPr id="1" name=""/>
+        <p:cNvGrpSpPr/>
+        <p:nvPr/>
+      </p:nvGrpSpPr>
+      <p:grpSpPr>
+        <a:xfrm>
+          <a:off x="0" y="0"/>
+          <a:ext cx="0" cy="0"/>
+          <a:chOff x="0" y="0"/>
+          <a:chExt cx="0" cy="0"/>
+        </a:xfrm>
+      </p:grpSpPr>
+      <p:sp>
+        <p:nvSpPr>
+          <p:cNvPr id="2" name="Title 1"/>
+          <p:cNvSpPr>
+            <a:spLocks noGrp="1"/>
+          </p:cNvSpPr>
+          <p:nvPr>
+            <p:ph type="title"/>
+          </p:nvPr>
+        </p:nvSpPr>
+        <p:spPr>
+          <a:xfrm>
+            <a:off x="401319" y="1431416"/>
+            <a:ext cx="8388117" cy="4549506"/>
+          </a:xfrm>
+        </p:spPr>
+        <p:txBody>
+          <a:bodyPr/>
+          <a:lstStyle/>
+          <a:p>
+            <a:pPr algn="ctr"/>
+            <a:r>
+              <a:rPr lang="en-GB" sz="2800" u="sng" dirty="0"/>
+              <a:t>Important Information on Marking your Attendance on Inkpath</a:t>
+            </a:r>
+            <a:br>
+              <a:rPr lang="en-GB" sz="2800" u="sng" dirty="0"/>
+            </a:br>
+            <a:br>
+              <a:rPr lang="en-GB" sz="2800" u="sng" dirty="0"/>
+            </a:br>
+            <a:br>
+              <a:rPr lang="en-GB" sz="2800" dirty="0"/>
+            </a:br>
+            <a:r>
+              <a:rPr lang="en-GB" sz="2800" dirty="0"/>
+              <a:t>After this course you will receive an email from the Graduate School administration team which will provide you with a QR code and instructions to mark your attendance at this course on Inkpath. </a:t>
+            </a:r>
+            <a:br>
+              <a:rPr lang="en-GB" sz="2800" dirty="0"/>
+            </a:br>
+            <a:br>
+              <a:rPr lang="en-GB" sz="2800" dirty="0"/>
+            </a:br>
+            <a:r>
+              <a:rPr lang="en-GB" sz="2800" dirty="0"/>
+              <a:t>Please </a:t>
+            </a:r>
+            <a:r>
+              <a:rPr lang="en-GB" sz="2800" u="sng" dirty="0"/>
+              <a:t>do not</a:t>
+            </a:r>
+            <a:r>
+              <a:rPr lang="en-GB" sz="2800" dirty="0"/>
+              <a:t> mark your attendance until you have received an email from the Graduate School. </a:t>
+            </a:r>
+          </a:p>
+        </p:txBody>
+      </p:sp>
+      <p:sp>
+        <p:nvSpPr>
+          <p:cNvPr id="7" name="TextBox 6"/>
+          <p:cNvSpPr txBox="1"/>
+          <p:nvPr/>
+        </p:nvSpPr>
+        <p:spPr>
+          <a:xfrm>
+            <a:off x="552450" y="3214433"/>
+            <a:ext cx="2171700" cy="830997"/>
+          </a:xfrm>
+          <a:prstGeom prst="rect">
+            <a:avLst/>
+          </a:prstGeom>
+          <a:noFill/>
+        </p:spPr>
+        <p:txBody>
+          <a:bodyPr wrap="square" rtlCol="0">
+            <a:spAutoFit/>
+          </a:bodyPr>
+          <a:lstStyle/>
+          <a:p>
+            <a:endParaRPr lang="en-GB" sz="2400" dirty="0">
+              <a:solidFill>
+                <a:srgbClr val="002060"/>
+              </a:solidFill>
+            </a:endParaRPr>
+          </a:p>
+          <a:p>
+            <a:endParaRPr lang="en-GB" sz="2400" dirty="0">
+              <a:solidFill>
+                <a:srgbClr val="002060"/>
+              </a:solidFill>
+            </a:endParaRPr>
+          </a:p>
+        </p:txBody>
+      </p:sp>
+    </p:spTree>
+    <p:extLst>
+      <p:ext uri="{BB962C8B-B14F-4D97-AF65-F5344CB8AC3E}">
+        <p14:creationId xmlns:p14="http://schemas.microsoft.com/office/powerpoint/2010/main" val="3686223621"/>
+      </p:ext>
+    </p:extLst>
+  </p:cSld>
+  <p:clrMapOvr>
+    <a:masterClrMapping/>
+  </p:clrMapOvr>
+</p:sld>
+</file>
+
+<file path=ppt/slides/slide20.xml><?xml version="1.0" encoding="utf-8"?>
 <p:sld xmlns:a="http://schemas.openxmlformats.org/drawingml/2006/main" xmlns:r="http://schemas.openxmlformats.org/officeDocument/2006/relationships" xmlns:p="http://schemas.openxmlformats.org/presentationml/2006/main">
   <p:cSld>
     <p:spTree>
@@ -11650,213 +11973,7 @@
 </p:sld>
 </file>
 
-<file path=ppt/slides/slide2.xml><?xml version="1.0" encoding="utf-8"?>
-<p:sld xmlns:a="http://schemas.openxmlformats.org/drawingml/2006/main" xmlns:r="http://schemas.openxmlformats.org/officeDocument/2006/relationships" xmlns:p="http://schemas.openxmlformats.org/presentationml/2006/main">
-  <p:cSld>
-    <p:spTree>
-      <p:nvGrpSpPr>
-        <p:cNvPr id="1" name=""/>
-        <p:cNvGrpSpPr/>
-        <p:nvPr/>
-      </p:nvGrpSpPr>
-      <p:grpSpPr>
-        <a:xfrm>
-          <a:off x="0" y="0"/>
-          <a:ext cx="0" cy="0"/>
-          <a:chOff x="0" y="0"/>
-          <a:chExt cx="0" cy="0"/>
-        </a:xfrm>
-      </p:grpSpPr>
-      <p:sp>
-        <p:nvSpPr>
-          <p:cNvPr id="4" name="Title 1"/>
-          <p:cNvSpPr txBox="1">
-            <a:spLocks/>
-          </p:cNvSpPr>
-          <p:nvPr/>
-        </p:nvSpPr>
-        <p:spPr>
-          <a:xfrm>
-            <a:off x="401320" y="472966"/>
-            <a:ext cx="5778764" cy="961696"/>
-          </a:xfrm>
-          <a:prstGeom prst="rect">
-            <a:avLst/>
-          </a:prstGeom>
-        </p:spPr>
-        <p:txBody>
-          <a:bodyPr anchor="b"/>
-          <a:lstStyle>
-            <a:lvl1pPr algn="l" defTabSz="457200" rtl="0" eaLnBrk="1" latinLnBrk="0" hangingPunct="1">
-              <a:lnSpc>
-                <a:spcPct val="90000"/>
-              </a:lnSpc>
-              <a:spcBef>
-                <a:spcPct val="0"/>
-              </a:spcBef>
-              <a:buNone/>
-              <a:defRPr sz="4000" b="1" i="0" kern="1200" baseline="0">
-                <a:solidFill>
-                  <a:schemeClr val="tx2"/>
-                </a:solidFill>
-                <a:latin typeface="+mj-lt"/>
-                <a:ea typeface="+mj-ea"/>
-                <a:cs typeface="MetaOT-Bold"/>
-              </a:defRPr>
-            </a:lvl1pPr>
-          </a:lstStyle>
-          <a:p>
-            <a:r>
-              <a:rPr lang="en-US" sz="3200" dirty="0">
-                <a:solidFill>
-                  <a:schemeClr val="accent3"/>
-                </a:solidFill>
-              </a:rPr>
-              <a:t>Expectations:  Covid-safe teaching environments</a:t>
-            </a:r>
-          </a:p>
-        </p:txBody>
-      </p:sp>
-      <p:sp>
-        <p:nvSpPr>
-          <p:cNvPr id="5" name="Subtitle 2"/>
-          <p:cNvSpPr>
-            <a:spLocks noGrp="1"/>
-          </p:cNvSpPr>
-          <p:nvPr>
-            <p:ph type="subTitle" idx="1"/>
-          </p:nvPr>
-        </p:nvSpPr>
-        <p:spPr>
-          <a:xfrm>
-            <a:off x="401320" y="1631731"/>
-            <a:ext cx="8490432" cy="4548352"/>
-          </a:xfrm>
-        </p:spPr>
-        <p:txBody>
-          <a:bodyPr lIns="91440" tIns="45720" rIns="91440" bIns="45720" anchor="t"/>
-          <a:lstStyle/>
-          <a:p>
-            <a:r>
-              <a:rPr lang="en-US" sz="2200" u="sng" dirty="0">
-                <a:ea typeface="+mj-lt"/>
-                <a:cs typeface="+mj-lt"/>
-              </a:rPr>
-              <a:t>Face coverings</a:t>
-            </a:r>
-          </a:p>
-          <a:p>
-            <a:pPr marL="457200" indent="-457200">
-              <a:buFont typeface="Arial" panose="020B0604020202020204" pitchFamily="34" charset="0"/>
-              <a:buChar char="•"/>
-            </a:pPr>
-            <a:r>
-              <a:rPr lang="en-GB" sz="2200" dirty="0">
-                <a:latin typeface="+mn-lt"/>
-                <a:ea typeface="Calibri" panose="020F0502020204030204" pitchFamily="34" charset="0"/>
-                <a:cs typeface="Times New Roman"/>
-              </a:rPr>
-              <a:t>You are expected to wear a face covering </a:t>
-            </a:r>
-            <a:endParaRPr lang="en-GB" sz="2200" dirty="0"/>
-          </a:p>
-          <a:p>
-            <a:pPr marL="457200" indent="-457200">
-              <a:buFont typeface="Arial" panose="020B0604020202020204" pitchFamily="34" charset="0"/>
-              <a:buChar char="•"/>
-            </a:pPr>
-            <a:r>
-              <a:rPr lang="en-US" sz="2200" dirty="0">
-                <a:ea typeface="+mj-lt"/>
-                <a:cs typeface="+mj-lt"/>
-              </a:rPr>
-              <a:t>Tutors will deliver their workshop 2 meters distance from </a:t>
-            </a:r>
-            <a:r>
-              <a:rPr lang="en-US" sz="2200">
-                <a:ea typeface="+mj-lt"/>
-                <a:cs typeface="+mj-lt"/>
-              </a:rPr>
-              <a:t>you </a:t>
-            </a:r>
-            <a:endParaRPr lang="en-US" sz="2200" dirty="0">
-              <a:ea typeface="+mj-lt"/>
-              <a:cs typeface="+mj-lt"/>
-            </a:endParaRPr>
-          </a:p>
-          <a:p>
-            <a:endParaRPr lang="en-US" sz="2200" u="sng" dirty="0">
-              <a:latin typeface="+mn-lt"/>
-              <a:ea typeface="+mj-lt"/>
-              <a:cs typeface="+mj-lt"/>
-            </a:endParaRPr>
-          </a:p>
-          <a:p>
-            <a:r>
-              <a:rPr lang="en-US" sz="2200" u="sng" dirty="0">
-                <a:latin typeface="+mn-lt"/>
-                <a:ea typeface="+mj-lt"/>
-                <a:cs typeface="+mj-lt"/>
-              </a:rPr>
-              <a:t>Hygiene</a:t>
-            </a:r>
-            <a:endParaRPr lang="en-GB" sz="2200" u="sng" dirty="0">
-              <a:latin typeface="+mn-lt"/>
-              <a:ea typeface="Calibri" panose="020F0502020204030204" pitchFamily="34" charset="0"/>
-              <a:cs typeface="Times New Roman"/>
-            </a:endParaRPr>
-          </a:p>
-          <a:p>
-            <a:pPr marL="457200" indent="-457200">
-              <a:buFont typeface="Arial" panose="020B0604020202020204" pitchFamily="34" charset="0"/>
-              <a:buChar char="•"/>
-            </a:pPr>
-            <a:r>
-              <a:rPr lang="en-US" sz="2200" dirty="0"/>
-              <a:t>Where hand </a:t>
-            </a:r>
-            <a:r>
-              <a:rPr lang="en-US" sz="2200" dirty="0" err="1"/>
-              <a:t>sanitiser</a:t>
-            </a:r>
-            <a:r>
-              <a:rPr lang="en-US" sz="2200" dirty="0"/>
-              <a:t> is available, please use it</a:t>
-            </a:r>
-          </a:p>
-          <a:p>
-            <a:pPr marL="457200" indent="-457200">
-              <a:buFont typeface="Arial" panose="020B0604020202020204" pitchFamily="34" charset="0"/>
-              <a:buChar char="•"/>
-            </a:pPr>
-            <a:r>
-              <a:rPr lang="en-US" sz="2200" dirty="0"/>
-              <a:t>Please wipe down any communal/shared course materials/equipment </a:t>
-            </a:r>
-          </a:p>
-          <a:p>
-            <a:pPr marL="457200" indent="-457200">
-              <a:buFont typeface="Arial" panose="020B0604020202020204" pitchFamily="34" charset="0"/>
-              <a:buChar char="•"/>
-            </a:pPr>
-            <a:endParaRPr lang="en-US" sz="2400" dirty="0"/>
-          </a:p>
-        </p:txBody>
-      </p:sp>
-    </p:spTree>
-    <p:extLst>
-      <p:ext uri="{BB962C8B-B14F-4D97-AF65-F5344CB8AC3E}">
-        <p14:creationId xmlns:p14="http://schemas.microsoft.com/office/powerpoint/2010/main" val="70908208"/>
-      </p:ext>
-    </p:extLst>
-  </p:cSld>
-  <p:clrMapOvr>
-    <a:masterClrMapping/>
-  </p:clrMapOvr>
-</p:sld>
-</file>
-
-<file path=ppt/slides/slide20.xml><?xml version="1.0" encoding="utf-8"?>
+<file path=ppt/slides/slide21.xml><?xml version="1.0" encoding="utf-8"?>
 <p:sld xmlns:a="http://schemas.openxmlformats.org/drawingml/2006/main" xmlns:r="http://schemas.openxmlformats.org/officeDocument/2006/relationships" xmlns:p="http://schemas.openxmlformats.org/presentationml/2006/main">
   <p:cSld>
     <p:spTree>
@@ -11980,7 +12097,7 @@
 </p:sld>
 </file>
 
-<file path=ppt/slides/slide21.xml><?xml version="1.0" encoding="utf-8"?>
+<file path=ppt/slides/slide22.xml><?xml version="1.0" encoding="utf-8"?>
 <p:sld xmlns:a="http://schemas.openxmlformats.org/drawingml/2006/main" xmlns:r="http://schemas.openxmlformats.org/officeDocument/2006/relationships" xmlns:p="http://schemas.openxmlformats.org/presentationml/2006/main">
   <p:cSld>
     <p:spTree>
@@ -12345,7 +12462,7 @@
 </p:sld>
 </file>
 
-<file path=ppt/slides/slide22.xml><?xml version="1.0" encoding="utf-8"?>
+<file path=ppt/slides/slide23.xml><?xml version="1.0" encoding="utf-8"?>
 <p:sld xmlns:a="http://schemas.openxmlformats.org/drawingml/2006/main" xmlns:r="http://schemas.openxmlformats.org/officeDocument/2006/relationships" xmlns:p="http://schemas.openxmlformats.org/presentationml/2006/main">
   <p:cSld>
     <p:spTree>
@@ -12529,7 +12646,7 @@
 </p:sld>
 </file>
 
-<file path=ppt/slides/slide23.xml><?xml version="1.0" encoding="utf-8"?>
+<file path=ppt/slides/slide24.xml><?xml version="1.0" encoding="utf-8"?>
 <p:sld xmlns:a="http://schemas.openxmlformats.org/drawingml/2006/main" xmlns:r="http://schemas.openxmlformats.org/officeDocument/2006/relationships" xmlns:p="http://schemas.openxmlformats.org/presentationml/2006/main">
   <p:cSld>
     <p:spTree>
@@ -12725,7 +12842,7 @@
 </p:sld>
 </file>
 
-<file path=ppt/slides/slide24.xml><?xml version="1.0" encoding="utf-8"?>
+<file path=ppt/slides/slide25.xml><?xml version="1.0" encoding="utf-8"?>
 <p:sld xmlns:a="http://schemas.openxmlformats.org/drawingml/2006/main" xmlns:r="http://schemas.openxmlformats.org/officeDocument/2006/relationships" xmlns:p="http://schemas.openxmlformats.org/presentationml/2006/main">
   <p:cSld>
     <p:spTree>
@@ -13248,7 +13365,7 @@
 </p:sld>
 </file>
 
-<file path=ppt/slides/slide25.xml><?xml version="1.0" encoding="utf-8"?>
+<file path=ppt/slides/slide26.xml><?xml version="1.0" encoding="utf-8"?>
 <p:sld xmlns:a="http://schemas.openxmlformats.org/drawingml/2006/main" xmlns:r="http://schemas.openxmlformats.org/officeDocument/2006/relationships" xmlns:p="http://schemas.openxmlformats.org/presentationml/2006/main">
   <p:cSld>
     <p:spTree>
@@ -13690,7 +13807,7 @@
 </p:sld>
 </file>
 
-<file path=ppt/slides/slide26.xml><?xml version="1.0" encoding="utf-8"?>
+<file path=ppt/slides/slide27.xml><?xml version="1.0" encoding="utf-8"?>
 <p:sld xmlns:a="http://schemas.openxmlformats.org/drawingml/2006/main" xmlns:r="http://schemas.openxmlformats.org/officeDocument/2006/relationships" xmlns:p="http://schemas.openxmlformats.org/presentationml/2006/main">
   <p:cSld>
     <p:spTree>
@@ -13830,7 +13947,7 @@
 </p:sld>
 </file>
 
-<file path=ppt/slides/slide27.xml><?xml version="1.0" encoding="utf-8"?>
+<file path=ppt/slides/slide28.xml><?xml version="1.0" encoding="utf-8"?>
 <p:sld xmlns:a="http://schemas.openxmlformats.org/drawingml/2006/main" xmlns:r="http://schemas.openxmlformats.org/officeDocument/2006/relationships" xmlns:p="http://schemas.openxmlformats.org/presentationml/2006/main">
   <p:cSld>
     <p:spTree>
@@ -14731,7 +14848,7 @@
 </p:sld>
 </file>
 
-<file path=ppt/slides/slide28.xml><?xml version="1.0" encoding="utf-8"?>
+<file path=ppt/slides/slide29.xml><?xml version="1.0" encoding="utf-8"?>
 <p:sld xmlns:a="http://schemas.openxmlformats.org/drawingml/2006/main" xmlns:r="http://schemas.openxmlformats.org/officeDocument/2006/relationships" xmlns:p="http://schemas.openxmlformats.org/presentationml/2006/main">
   <p:cSld>
     <p:spTree>
@@ -15532,7 +15649,213 @@
 </p:sld>
 </file>
 
-<file path=ppt/slides/slide29.xml><?xml version="1.0" encoding="utf-8"?>
+<file path=ppt/slides/slide3.xml><?xml version="1.0" encoding="utf-8"?>
+<p:sld xmlns:a="http://schemas.openxmlformats.org/drawingml/2006/main" xmlns:r="http://schemas.openxmlformats.org/officeDocument/2006/relationships" xmlns:p="http://schemas.openxmlformats.org/presentationml/2006/main">
+  <p:cSld>
+    <p:spTree>
+      <p:nvGrpSpPr>
+        <p:cNvPr id="1" name=""/>
+        <p:cNvGrpSpPr/>
+        <p:nvPr/>
+      </p:nvGrpSpPr>
+      <p:grpSpPr>
+        <a:xfrm>
+          <a:off x="0" y="0"/>
+          <a:ext cx="0" cy="0"/>
+          <a:chOff x="0" y="0"/>
+          <a:chExt cx="0" cy="0"/>
+        </a:xfrm>
+      </p:grpSpPr>
+      <p:sp>
+        <p:nvSpPr>
+          <p:cNvPr id="4" name="Title 1"/>
+          <p:cNvSpPr txBox="1">
+            <a:spLocks/>
+          </p:cNvSpPr>
+          <p:nvPr/>
+        </p:nvSpPr>
+        <p:spPr>
+          <a:xfrm>
+            <a:off x="401320" y="472966"/>
+            <a:ext cx="5778764" cy="961696"/>
+          </a:xfrm>
+          <a:prstGeom prst="rect">
+            <a:avLst/>
+          </a:prstGeom>
+        </p:spPr>
+        <p:txBody>
+          <a:bodyPr anchor="b"/>
+          <a:lstStyle>
+            <a:lvl1pPr algn="l" defTabSz="457200" rtl="0" eaLnBrk="1" latinLnBrk="0" hangingPunct="1">
+              <a:lnSpc>
+                <a:spcPct val="90000"/>
+              </a:lnSpc>
+              <a:spcBef>
+                <a:spcPct val="0"/>
+              </a:spcBef>
+              <a:buNone/>
+              <a:defRPr sz="4000" b="1" i="0" kern="1200" baseline="0">
+                <a:solidFill>
+                  <a:schemeClr val="tx2"/>
+                </a:solidFill>
+                <a:latin typeface="+mj-lt"/>
+                <a:ea typeface="+mj-ea"/>
+                <a:cs typeface="MetaOT-Bold"/>
+              </a:defRPr>
+            </a:lvl1pPr>
+          </a:lstStyle>
+          <a:p>
+            <a:r>
+              <a:rPr lang="en-US" sz="3200" dirty="0">
+                <a:solidFill>
+                  <a:schemeClr val="accent3"/>
+                </a:solidFill>
+              </a:rPr>
+              <a:t>Expectations:  Covid-safe teaching environments</a:t>
+            </a:r>
+          </a:p>
+        </p:txBody>
+      </p:sp>
+      <p:sp>
+        <p:nvSpPr>
+          <p:cNvPr id="5" name="Subtitle 2"/>
+          <p:cNvSpPr>
+            <a:spLocks noGrp="1"/>
+          </p:cNvSpPr>
+          <p:nvPr>
+            <p:ph type="subTitle" idx="1"/>
+          </p:nvPr>
+        </p:nvSpPr>
+        <p:spPr>
+          <a:xfrm>
+            <a:off x="401320" y="1631731"/>
+            <a:ext cx="8490432" cy="4548352"/>
+          </a:xfrm>
+        </p:spPr>
+        <p:txBody>
+          <a:bodyPr lIns="91440" tIns="45720" rIns="91440" bIns="45720" anchor="t"/>
+          <a:lstStyle/>
+          <a:p>
+            <a:r>
+              <a:rPr lang="en-US" sz="2200" u="sng" dirty="0">
+                <a:ea typeface="+mj-lt"/>
+                <a:cs typeface="+mj-lt"/>
+              </a:rPr>
+              <a:t>Face coverings</a:t>
+            </a:r>
+          </a:p>
+          <a:p>
+            <a:pPr marL="457200" indent="-457200">
+              <a:buFont typeface="Arial" panose="020B0604020202020204" pitchFamily="34" charset="0"/>
+              <a:buChar char="•"/>
+            </a:pPr>
+            <a:r>
+              <a:rPr lang="en-GB" sz="2200" dirty="0">
+                <a:latin typeface="+mn-lt"/>
+                <a:ea typeface="Calibri" panose="020F0502020204030204" pitchFamily="34" charset="0"/>
+                <a:cs typeface="Times New Roman"/>
+              </a:rPr>
+              <a:t>You are expected to wear a face covering </a:t>
+            </a:r>
+            <a:endParaRPr lang="en-GB" sz="2200" dirty="0"/>
+          </a:p>
+          <a:p>
+            <a:pPr marL="457200" indent="-457200">
+              <a:buFont typeface="Arial" panose="020B0604020202020204" pitchFamily="34" charset="0"/>
+              <a:buChar char="•"/>
+            </a:pPr>
+            <a:r>
+              <a:rPr lang="en-US" sz="2200" dirty="0">
+                <a:ea typeface="+mj-lt"/>
+                <a:cs typeface="+mj-lt"/>
+              </a:rPr>
+              <a:t>Tutors will deliver their workshop 2 meters distance from </a:t>
+            </a:r>
+            <a:r>
+              <a:rPr lang="en-US" sz="2200">
+                <a:ea typeface="+mj-lt"/>
+                <a:cs typeface="+mj-lt"/>
+              </a:rPr>
+              <a:t>you </a:t>
+            </a:r>
+            <a:endParaRPr lang="en-US" sz="2200" dirty="0">
+              <a:ea typeface="+mj-lt"/>
+              <a:cs typeface="+mj-lt"/>
+            </a:endParaRPr>
+          </a:p>
+          <a:p>
+            <a:endParaRPr lang="en-US" sz="2200" u="sng" dirty="0">
+              <a:latin typeface="+mn-lt"/>
+              <a:ea typeface="+mj-lt"/>
+              <a:cs typeface="+mj-lt"/>
+            </a:endParaRPr>
+          </a:p>
+          <a:p>
+            <a:r>
+              <a:rPr lang="en-US" sz="2200" u="sng" dirty="0">
+                <a:latin typeface="+mn-lt"/>
+                <a:ea typeface="+mj-lt"/>
+                <a:cs typeface="+mj-lt"/>
+              </a:rPr>
+              <a:t>Hygiene</a:t>
+            </a:r>
+            <a:endParaRPr lang="en-GB" sz="2200" u="sng" dirty="0">
+              <a:latin typeface="+mn-lt"/>
+              <a:ea typeface="Calibri" panose="020F0502020204030204" pitchFamily="34" charset="0"/>
+              <a:cs typeface="Times New Roman"/>
+            </a:endParaRPr>
+          </a:p>
+          <a:p>
+            <a:pPr marL="457200" indent="-457200">
+              <a:buFont typeface="Arial" panose="020B0604020202020204" pitchFamily="34" charset="0"/>
+              <a:buChar char="•"/>
+            </a:pPr>
+            <a:r>
+              <a:rPr lang="en-US" sz="2200" dirty="0"/>
+              <a:t>Where hand </a:t>
+            </a:r>
+            <a:r>
+              <a:rPr lang="en-US" sz="2200" dirty="0" err="1"/>
+              <a:t>sanitiser</a:t>
+            </a:r>
+            <a:r>
+              <a:rPr lang="en-US" sz="2200" dirty="0"/>
+              <a:t> is available, please use it</a:t>
+            </a:r>
+          </a:p>
+          <a:p>
+            <a:pPr marL="457200" indent="-457200">
+              <a:buFont typeface="Arial" panose="020B0604020202020204" pitchFamily="34" charset="0"/>
+              <a:buChar char="•"/>
+            </a:pPr>
+            <a:r>
+              <a:rPr lang="en-US" sz="2200" dirty="0"/>
+              <a:t>Please wipe down any communal/shared course materials/equipment </a:t>
+            </a:r>
+          </a:p>
+          <a:p>
+            <a:pPr marL="457200" indent="-457200">
+              <a:buFont typeface="Arial" panose="020B0604020202020204" pitchFamily="34" charset="0"/>
+              <a:buChar char="•"/>
+            </a:pPr>
+            <a:endParaRPr lang="en-US" sz="2400" dirty="0"/>
+          </a:p>
+        </p:txBody>
+      </p:sp>
+    </p:spTree>
+    <p:extLst>
+      <p:ext uri="{BB962C8B-B14F-4D97-AF65-F5344CB8AC3E}">
+        <p14:creationId xmlns:p14="http://schemas.microsoft.com/office/powerpoint/2010/main" val="70908208"/>
+      </p:ext>
+    </p:extLst>
+  </p:cSld>
+  <p:clrMapOvr>
+    <a:masterClrMapping/>
+  </p:clrMapOvr>
+</p:sld>
+</file>
+
+<file path=ppt/slides/slide30.xml><?xml version="1.0" encoding="utf-8"?>
 <p:sld xmlns:a="http://schemas.openxmlformats.org/drawingml/2006/main" xmlns:r="http://schemas.openxmlformats.org/officeDocument/2006/relationships" xmlns:p="http://schemas.openxmlformats.org/presentationml/2006/main">
   <p:cSld>
     <p:spTree>
@@ -16030,164 +16353,7 @@
 </p:sld>
 </file>
 
-<file path=ppt/slides/slide3.xml><?xml version="1.0" encoding="utf-8"?>
-<p:sld xmlns:a="http://schemas.openxmlformats.org/drawingml/2006/main" xmlns:r="http://schemas.openxmlformats.org/officeDocument/2006/relationships" xmlns:p="http://schemas.openxmlformats.org/presentationml/2006/main">
-  <p:cSld>
-    <p:spTree>
-      <p:nvGrpSpPr>
-        <p:cNvPr id="1" name=""/>
-        <p:cNvGrpSpPr/>
-        <p:nvPr/>
-      </p:nvGrpSpPr>
-      <p:grpSpPr>
-        <a:xfrm>
-          <a:off x="0" y="0"/>
-          <a:ext cx="0" cy="0"/>
-          <a:chOff x="0" y="0"/>
-          <a:chExt cx="0" cy="0"/>
-        </a:xfrm>
-      </p:grpSpPr>
-      <p:sp>
-        <p:nvSpPr>
-          <p:cNvPr id="4" name="Title 1"/>
-          <p:cNvSpPr txBox="1">
-            <a:spLocks/>
-          </p:cNvSpPr>
-          <p:nvPr/>
-        </p:nvSpPr>
-        <p:spPr>
-          <a:xfrm>
-            <a:off x="401319" y="472966"/>
-            <a:ext cx="5558047" cy="930165"/>
-          </a:xfrm>
-          <a:prstGeom prst="rect">
-            <a:avLst/>
-          </a:prstGeom>
-        </p:spPr>
-        <p:txBody>
-          <a:bodyPr anchor="b"/>
-          <a:lstStyle>
-            <a:lvl1pPr algn="l" defTabSz="457200" rtl="0" eaLnBrk="1" latinLnBrk="0" hangingPunct="1">
-              <a:lnSpc>
-                <a:spcPct val="90000"/>
-              </a:lnSpc>
-              <a:spcBef>
-                <a:spcPct val="0"/>
-              </a:spcBef>
-              <a:buNone/>
-              <a:defRPr sz="4000" b="1" i="0" kern="1200" baseline="0">
-                <a:solidFill>
-                  <a:schemeClr val="tx2"/>
-                </a:solidFill>
-                <a:latin typeface="+mj-lt"/>
-                <a:ea typeface="+mj-ea"/>
-                <a:cs typeface="MetaOT-Bold"/>
-              </a:defRPr>
-            </a:lvl1pPr>
-          </a:lstStyle>
-          <a:p>
-            <a:r>
-              <a:rPr lang="en-US" sz="3200" dirty="0">
-                <a:solidFill>
-                  <a:schemeClr val="accent3"/>
-                </a:solidFill>
-              </a:rPr>
-              <a:t>Expectations:  Covid-safe teaching environments</a:t>
-            </a:r>
-          </a:p>
-        </p:txBody>
-      </p:sp>
-      <p:sp>
-        <p:nvSpPr>
-          <p:cNvPr id="5" name="Subtitle 2"/>
-          <p:cNvSpPr>
-            <a:spLocks noGrp="1"/>
-          </p:cNvSpPr>
-          <p:nvPr>
-            <p:ph type="subTitle" idx="1"/>
-          </p:nvPr>
-        </p:nvSpPr>
-        <p:spPr>
-          <a:xfrm>
-            <a:off x="189186" y="1450427"/>
-            <a:ext cx="8797158" cy="4020208"/>
-          </a:xfrm>
-        </p:spPr>
-        <p:txBody>
-          <a:bodyPr lIns="91440" tIns="45720" rIns="91440" bIns="45720" anchor="t"/>
-          <a:lstStyle/>
-          <a:p>
-            <a:r>
-              <a:rPr lang="en-US" sz="2200" u="sng" dirty="0"/>
-              <a:t>For the purpose of contact tracing</a:t>
-            </a:r>
-            <a:endParaRPr lang="en-US" sz="2200" dirty="0"/>
-          </a:p>
-          <a:p>
-            <a:endParaRPr lang="en-US" sz="2200" dirty="0"/>
-          </a:p>
-          <a:p>
-            <a:r>
-              <a:rPr lang="en-US" sz="2200" dirty="0"/>
-              <a:t>For our standard workshops:</a:t>
-            </a:r>
-          </a:p>
-          <a:p>
-            <a:pPr marL="342900" indent="-342900">
-              <a:buFont typeface="Arial" panose="020B0604020202020204" pitchFamily="34" charset="0"/>
-              <a:buChar char="•"/>
-            </a:pPr>
-            <a:r>
-              <a:rPr lang="en-US" sz="2200" dirty="0"/>
-              <a:t>We will provide the CCT Hub with the complete list of attendees at this workshop</a:t>
-            </a:r>
-          </a:p>
-          <a:p>
-            <a:endParaRPr lang="en-US" sz="2200" dirty="0"/>
-          </a:p>
-          <a:p>
-            <a:r>
-              <a:rPr lang="en-US" sz="2200" dirty="0"/>
-              <a:t>Where our workshops are held in lecture theatres:</a:t>
-            </a:r>
-          </a:p>
-          <a:p>
-            <a:pPr marL="342900" indent="-342900">
-              <a:buFont typeface="Arial" panose="020B0604020202020204" pitchFamily="34" charset="0"/>
-              <a:buChar char="•"/>
-            </a:pPr>
-            <a:r>
-              <a:rPr lang="en-US" sz="2200" dirty="0"/>
-              <a:t>You should keep a record of colleagues that you are sat in </a:t>
-            </a:r>
-            <a:r>
-              <a:rPr lang="en-US" sz="2200"/>
-              <a:t>close contact with </a:t>
-            </a:r>
-            <a:r>
-              <a:rPr lang="en-US" sz="2200" dirty="0"/>
-              <a:t>(within 2 meters)</a:t>
-            </a:r>
-          </a:p>
-          <a:p>
-            <a:endParaRPr lang="en-US" dirty="0"/>
-          </a:p>
-        </p:txBody>
-      </p:sp>
-    </p:spTree>
-    <p:extLst>
-      <p:ext uri="{BB962C8B-B14F-4D97-AF65-F5344CB8AC3E}">
-        <p14:creationId xmlns:p14="http://schemas.microsoft.com/office/powerpoint/2010/main" val="3238657636"/>
-      </p:ext>
-    </p:extLst>
-  </p:cSld>
-  <p:clrMapOvr>
-    <a:masterClrMapping/>
-  </p:clrMapOvr>
-</p:sld>
-</file>
-
-<file path=ppt/slides/slide30.xml><?xml version="1.0" encoding="utf-8"?>
+<file path=ppt/slides/slide31.xml><?xml version="1.0" encoding="utf-8"?>
 <p:sld xmlns:a="http://schemas.openxmlformats.org/drawingml/2006/main" xmlns:r="http://schemas.openxmlformats.org/officeDocument/2006/relationships" xmlns:p="http://schemas.openxmlformats.org/presentationml/2006/main">
   <p:cSld>
     <p:spTree>
@@ -17194,7 +17360,7 @@
 </p:sld>
 </file>
 
-<file path=ppt/slides/slide31.xml><?xml version="1.0" encoding="utf-8"?>
+<file path=ppt/slides/slide32.xml><?xml version="1.0" encoding="utf-8"?>
 <p:sld xmlns:a="http://schemas.openxmlformats.org/drawingml/2006/main" xmlns:r="http://schemas.openxmlformats.org/officeDocument/2006/relationships" xmlns:p="http://schemas.openxmlformats.org/presentationml/2006/main">
   <p:cSld>
     <p:spTree>
@@ -17796,208 +17962,6 @@
 </p:sld>
 </file>
 
-<file path=ppt/slides/slide32.xml><?xml version="1.0" encoding="utf-8"?>
-<p:sld xmlns:a="http://schemas.openxmlformats.org/drawingml/2006/main" xmlns:r="http://schemas.openxmlformats.org/officeDocument/2006/relationships" xmlns:p="http://schemas.openxmlformats.org/presentationml/2006/main">
-  <p:cSld>
-    <p:spTree>
-      <p:nvGrpSpPr>
-        <p:cNvPr id="1" name=""/>
-        <p:cNvGrpSpPr/>
-        <p:nvPr/>
-      </p:nvGrpSpPr>
-      <p:grpSpPr>
-        <a:xfrm>
-          <a:off x="0" y="0"/>
-          <a:ext cx="0" cy="0"/>
-          <a:chOff x="0" y="0"/>
-          <a:chExt cx="0" cy="0"/>
-        </a:xfrm>
-      </p:grpSpPr>
-      <p:sp>
-        <p:nvSpPr>
-          <p:cNvPr id="2" name="Title 1"/>
-          <p:cNvSpPr>
-            <a:spLocks noGrp="1"/>
-          </p:cNvSpPr>
-          <p:nvPr>
-            <p:ph type="title"/>
-          </p:nvPr>
-        </p:nvSpPr>
-        <p:spPr/>
-        <p:txBody>
-          <a:bodyPr/>
-          <a:lstStyle/>
-          <a:p>
-            <a:r>
-              <a:rPr lang="en-GB" sz="4000" dirty="0"/>
-              <a:t>Graphics Path</a:t>
-            </a:r>
-          </a:p>
-        </p:txBody>
-      </p:sp>
-      <p:sp>
-        <p:nvSpPr>
-          <p:cNvPr id="7" name="Content Placeholder 6">
-            <a:extLst>
-              <a:ext uri="{FF2B5EF4-FFF2-40B4-BE49-F238E27FC236}">
-                <a16:creationId xmlns:a16="http://schemas.microsoft.com/office/drawing/2014/main" id="{A4668B92-0976-4E36-A913-C47498FEE667}"/>
-              </a:ext>
-            </a:extLst>
-          </p:cNvPr>
-          <p:cNvSpPr>
-            <a:spLocks noGrp="1"/>
-          </p:cNvSpPr>
-          <p:nvPr>
-            <p:ph idx="1"/>
-          </p:nvPr>
-        </p:nvSpPr>
-        <p:spPr>
-          <a:xfrm>
-            <a:off x="457200" y="1417638"/>
-            <a:ext cx="8229600" cy="4525963"/>
-          </a:xfrm>
-        </p:spPr>
-        <p:txBody>
-          <a:bodyPr/>
-          <a:lstStyle/>
-          <a:p>
-            <a:r>
-              <a:rPr lang="en-GB" sz="2800" dirty="0"/>
-              <a:t>You can set where LaTeX should look for the graphics to be used in your document</a:t>
-            </a:r>
-          </a:p>
-          <a:p>
-            <a:r>
-              <a:rPr lang="en-GB" sz="2800" dirty="0"/>
-              <a:t>Useful for separating figures for different chapters and the .</a:t>
-            </a:r>
-            <a:r>
-              <a:rPr lang="en-GB" sz="2800" dirty="0" err="1"/>
-              <a:t>tex</a:t>
-            </a:r>
-            <a:r>
-              <a:rPr lang="en-GB" sz="2800" dirty="0"/>
-              <a:t> files</a:t>
-            </a:r>
-          </a:p>
-          <a:p>
-            <a:r>
-              <a:rPr lang="en-GB" sz="2800" dirty="0"/>
-              <a:t>The command </a:t>
-            </a:r>
-            <a:r>
-              <a:rPr lang="en-GB" sz="2800" dirty="0">
-                <a:solidFill>
-                  <a:schemeClr val="tx2">
-                    <a:lumMod val="50000"/>
-                    <a:lumOff val="50000"/>
-                  </a:schemeClr>
-                </a:solidFill>
-              </a:rPr>
-              <a:t>\</a:t>
-            </a:r>
-            <a:r>
-              <a:rPr lang="en-GB" sz="2800" dirty="0" err="1">
-                <a:solidFill>
-                  <a:schemeClr val="tx2">
-                    <a:lumMod val="50000"/>
-                    <a:lumOff val="50000"/>
-                  </a:schemeClr>
-                </a:solidFill>
-              </a:rPr>
-              <a:t>graphicspath</a:t>
-            </a:r>
-            <a:r>
-              <a:rPr lang="en-GB" sz="2800" dirty="0">
-                <a:solidFill>
-                  <a:schemeClr val="tx2">
-                    <a:lumMod val="50000"/>
-                    <a:lumOff val="50000"/>
-                  </a:schemeClr>
-                </a:solidFill>
-              </a:rPr>
-              <a:t> {{./FOLDER1/} {./FOLDER2/}} </a:t>
-            </a:r>
-            <a:r>
-              <a:rPr lang="en-GB" sz="2800" dirty="0"/>
-              <a:t>will tell LaTeX to look in the folders named “FOLDER1” and “FOLDER2” in the directory of the .</a:t>
-            </a:r>
-            <a:r>
-              <a:rPr lang="en-GB" sz="2800" dirty="0" err="1"/>
-              <a:t>tex</a:t>
-            </a:r>
-            <a:r>
-              <a:rPr lang="en-GB" sz="2800" dirty="0"/>
-              <a:t> file</a:t>
-            </a:r>
-            <a:endParaRPr lang="en-GB" sz="2400" dirty="0"/>
-          </a:p>
-          <a:p>
-            <a:pPr lvl="1"/>
-            <a:endParaRPr lang="en-GB" sz="1600" dirty="0"/>
-          </a:p>
-        </p:txBody>
-      </p:sp>
-      <p:sp>
-        <p:nvSpPr>
-          <p:cNvPr id="4" name="TextBox 3">
-            <a:extLst>
-              <a:ext uri="{FF2B5EF4-FFF2-40B4-BE49-F238E27FC236}">
-                <a16:creationId xmlns:a16="http://schemas.microsoft.com/office/drawing/2014/main" id="{398C5D47-C6D2-45C0-8D24-2F32A438F365}"/>
-              </a:ext>
-            </a:extLst>
-          </p:cNvPr>
-          <p:cNvSpPr txBox="1"/>
-          <p:nvPr/>
-        </p:nvSpPr>
-        <p:spPr>
-          <a:xfrm>
-            <a:off x="7357241" y="6498021"/>
-            <a:ext cx="1697422" cy="369332"/>
-          </a:xfrm>
-          <a:prstGeom prst="rect">
-            <a:avLst/>
-          </a:prstGeom>
-          <a:noFill/>
-        </p:spPr>
-        <p:txBody>
-          <a:bodyPr wrap="square" rtlCol="0">
-            <a:spAutoFit/>
-          </a:bodyPr>
-          <a:lstStyle/>
-          <a:p>
-            <a:r>
-              <a:rPr lang="en-GB" dirty="0">
-                <a:solidFill>
-                  <a:schemeClr val="accent2"/>
-                </a:solidFill>
-              </a:rPr>
-              <a:t>Problem Sheet</a:t>
-            </a:r>
-          </a:p>
-        </p:txBody>
-      </p:sp>
-    </p:spTree>
-    <p:extLst>
-      <p:ext uri="{BB962C8B-B14F-4D97-AF65-F5344CB8AC3E}">
-        <p14:creationId xmlns:p14="http://schemas.microsoft.com/office/powerpoint/2010/main" val="358316703"/>
-      </p:ext>
-    </p:extLst>
-  </p:cSld>
-  <p:clrMapOvr>
-    <a:masterClrMapping/>
-  </p:clrMapOvr>
-  <mc:AlternateContent xmlns:mc="http://schemas.openxmlformats.org/markup-compatibility/2006" xmlns:p14="http://schemas.microsoft.com/office/powerpoint/2010/main">
-    <mc:Choice Requires="p14">
-      <p:transition p14:dur="10"/>
-    </mc:Choice>
-    <mc:Fallback xmlns="">
-      <p:transition/>
-    </mc:Fallback>
-  </mc:AlternateContent>
-</p:sld>
-</file>
-
 <file path=ppt/slides/slide33.xml><?xml version="1.0" encoding="utf-8"?>
 <p:sld xmlns:a="http://schemas.openxmlformats.org/drawingml/2006/main" xmlns:r="http://schemas.openxmlformats.org/officeDocument/2006/relationships" xmlns:p="http://schemas.openxmlformats.org/presentationml/2006/main">
   <p:cSld>
@@ -18032,413 +17996,120 @@
           <a:p>
             <a:r>
               <a:rPr lang="en-GB" sz="4000" dirty="0"/>
-              <a:t>Custom Commands</a:t>
+              <a:t>Graphics Path</a:t>
             </a:r>
           </a:p>
         </p:txBody>
       </p:sp>
-      <p:cxnSp>
-        <p:nvCxnSpPr>
-          <p:cNvPr id="12" name="Straight Connector 11"/>
-          <p:cNvCxnSpPr/>
-          <p:nvPr/>
-        </p:nvCxnSpPr>
-        <p:spPr>
-          <a:xfrm>
-            <a:off x="4572000" y="1417638"/>
-            <a:ext cx="0" cy="5440362"/>
-          </a:xfrm>
-          <a:prstGeom prst="line">
-            <a:avLst/>
-          </a:prstGeom>
-        </p:spPr>
-        <p:style>
-          <a:lnRef idx="2">
-            <a:schemeClr val="accent1"/>
-          </a:lnRef>
-          <a:fillRef idx="0">
-            <a:schemeClr val="accent1"/>
-          </a:fillRef>
-          <a:effectRef idx="1">
-            <a:schemeClr val="accent1"/>
-          </a:effectRef>
-          <a:fontRef idx="minor">
-            <a:schemeClr val="tx1"/>
-          </a:fontRef>
-        </p:style>
-      </p:cxnSp>
-      <p:sp>
-        <p:nvSpPr>
-          <p:cNvPr id="4" name="Rectangle 2"/>
-          <p:cNvSpPr>
-            <a:spLocks noChangeArrowheads="1"/>
-          </p:cNvSpPr>
-          <p:nvPr/>
-        </p:nvSpPr>
-        <p:spPr bwMode="auto">
-          <a:xfrm>
-            <a:off x="379360" y="1686591"/>
-            <a:ext cx="4166693" cy="4154984"/>
-          </a:xfrm>
-          <a:prstGeom prst="rect">
-            <a:avLst/>
-          </a:prstGeom>
-          <a:noFill/>
-          <a:ln>
-            <a:noFill/>
-          </a:ln>
-          <a:effectLst/>
-        </p:spPr>
-        <p:txBody>
-          <a:bodyPr vert="horz" wrap="square" lIns="91440" tIns="45720" rIns="91440" bIns="45720" numCol="1" anchor="ctr" anchorCtr="0" compatLnSpc="1">
-            <a:prstTxWarp prst="textNoShape">
-              <a:avLst/>
-            </a:prstTxWarp>
-            <a:spAutoFit/>
-          </a:bodyPr>
-          <a:lstStyle/>
-          <a:p>
-            <a:r>
-              <a:rPr lang="en-GB" sz="2400" dirty="0">
-                <a:solidFill>
-                  <a:schemeClr val="tx2">
-                    <a:lumMod val="50000"/>
-                    <a:lumOff val="50000"/>
-                  </a:schemeClr>
-                </a:solidFill>
-              </a:rPr>
-              <a:t>\</a:t>
-            </a:r>
-            <a:r>
-              <a:rPr lang="en-GB" sz="2400" dirty="0" err="1">
-                <a:solidFill>
-                  <a:schemeClr val="tx2">
-                    <a:lumMod val="50000"/>
-                    <a:lumOff val="50000"/>
-                  </a:schemeClr>
-                </a:solidFill>
-              </a:rPr>
-              <a:t>newcommand</a:t>
-            </a:r>
-            <a:r>
-              <a:rPr lang="en-GB" sz="2400" dirty="0"/>
-              <a:t>{</a:t>
-            </a:r>
-            <a:r>
-              <a:rPr lang="en-GB" sz="2400" dirty="0">
-                <a:solidFill>
-                  <a:schemeClr val="tx2">
-                    <a:lumMod val="50000"/>
-                    <a:lumOff val="50000"/>
-                  </a:schemeClr>
-                </a:solidFill>
-              </a:rPr>
-              <a:t>\</a:t>
-            </a:r>
-            <a:r>
-              <a:rPr lang="en-GB" sz="2400" dirty="0" err="1">
-                <a:solidFill>
-                  <a:schemeClr val="tx2">
-                    <a:lumMod val="50000"/>
-                    <a:lumOff val="50000"/>
-                  </a:schemeClr>
-                </a:solidFill>
-              </a:rPr>
-              <a:t>hardmaths</a:t>
-            </a:r>
-            <a:r>
-              <a:rPr lang="en-GB" sz="2400" dirty="0"/>
-              <a:t>} {</a:t>
-            </a:r>
-            <a:r>
-              <a:rPr lang="en-GB" sz="2400" dirty="0">
-                <a:solidFill>
-                  <a:schemeClr val="tx2">
-                    <a:lumMod val="50000"/>
-                    <a:lumOff val="50000"/>
-                  </a:schemeClr>
-                </a:solidFill>
-              </a:rPr>
-              <a:t>\frac</a:t>
-            </a:r>
-            <a:r>
-              <a:rPr lang="en-GB" sz="2400" dirty="0"/>
-              <a:t>{</a:t>
-            </a:r>
-            <a:r>
-              <a:rPr lang="en-GB" sz="2400" dirty="0">
-                <a:solidFill>
-                  <a:schemeClr val="tx2">
-                    <a:lumMod val="50000"/>
-                    <a:lumOff val="50000"/>
-                  </a:schemeClr>
-                </a:solidFill>
-              </a:rPr>
-              <a:t>\sin</a:t>
-            </a:r>
-            <a:r>
-              <a:rPr lang="en-GB" sz="2400" dirty="0"/>
-              <a:t>{(x\pi)}} {2</a:t>
-            </a:r>
-            <a:r>
-              <a:rPr lang="en-GB" sz="2400" dirty="0">
-                <a:solidFill>
-                  <a:schemeClr val="accent1">
-                    <a:lumMod val="60000"/>
-                    <a:lumOff val="40000"/>
-                  </a:schemeClr>
-                </a:solidFill>
-              </a:rPr>
-              <a:t>\alpha</a:t>
-            </a:r>
-            <a:r>
-              <a:rPr lang="en-GB" sz="2400" dirty="0"/>
-              <a:t>}}</a:t>
-            </a:r>
-          </a:p>
-          <a:p>
-            <a:endParaRPr lang="en-GB" sz="2400" dirty="0"/>
-          </a:p>
-          <a:p>
-            <a:r>
-              <a:rPr lang="en-GB" sz="2400" dirty="0">
-                <a:solidFill>
-                  <a:schemeClr val="tx2">
-                    <a:lumMod val="50000"/>
-                    <a:lumOff val="50000"/>
-                  </a:schemeClr>
-                </a:solidFill>
-              </a:rPr>
-              <a:t>\</a:t>
-            </a:r>
-            <a:r>
-              <a:rPr lang="en-GB" sz="2400" dirty="0" err="1">
-                <a:solidFill>
-                  <a:schemeClr val="tx2">
-                    <a:lumMod val="50000"/>
-                    <a:lumOff val="50000"/>
-                  </a:schemeClr>
-                </a:solidFill>
-              </a:rPr>
-              <a:t>newcommand</a:t>
-            </a:r>
-            <a:r>
-              <a:rPr lang="en-GB" sz="2400" dirty="0"/>
-              <a:t>{</a:t>
-            </a:r>
-            <a:r>
-              <a:rPr lang="en-GB" sz="2400" dirty="0">
-                <a:solidFill>
-                  <a:schemeClr val="tx2">
-                    <a:lumMod val="50000"/>
-                    <a:lumOff val="50000"/>
-                  </a:schemeClr>
-                </a:solidFill>
-              </a:rPr>
-              <a:t>\diff</a:t>
-            </a:r>
-            <a:r>
-              <a:rPr lang="en-GB" sz="2400" dirty="0"/>
-              <a:t>}[2]  {</a:t>
-            </a:r>
-            <a:r>
-              <a:rPr lang="en-GB" sz="2400" dirty="0">
-                <a:solidFill>
-                  <a:schemeClr val="tx2">
-                    <a:lumMod val="50000"/>
-                    <a:lumOff val="50000"/>
-                  </a:schemeClr>
-                </a:solidFill>
-              </a:rPr>
-              <a:t>\frac{\</a:t>
-            </a:r>
-            <a:r>
-              <a:rPr lang="en-GB" sz="2400" dirty="0" err="1">
-                <a:solidFill>
-                  <a:schemeClr val="tx2">
-                    <a:lumMod val="50000"/>
-                    <a:lumOff val="50000"/>
-                  </a:schemeClr>
-                </a:solidFill>
-              </a:rPr>
-              <a:t>textrm</a:t>
-            </a:r>
-            <a:r>
-              <a:rPr lang="en-GB" sz="2400" dirty="0"/>
-              <a:t>{d}{#1}} {</a:t>
-            </a:r>
-            <a:r>
-              <a:rPr lang="en-GB" sz="2400" dirty="0">
-                <a:solidFill>
-                  <a:schemeClr val="tx2">
-                    <a:lumMod val="50000"/>
-                    <a:lumOff val="50000"/>
-                  </a:schemeClr>
-                </a:solidFill>
-              </a:rPr>
-              <a:t>\</a:t>
-            </a:r>
-            <a:r>
-              <a:rPr lang="en-GB" sz="2400" dirty="0" err="1">
-                <a:solidFill>
-                  <a:schemeClr val="tx2">
-                    <a:lumMod val="50000"/>
-                    <a:lumOff val="50000"/>
-                  </a:schemeClr>
-                </a:solidFill>
-              </a:rPr>
-              <a:t>textrm</a:t>
-            </a:r>
-            <a:r>
-              <a:rPr lang="en-GB" sz="2400" dirty="0"/>
-              <a:t>{d}{#2}}}</a:t>
-            </a:r>
-          </a:p>
-          <a:p>
-            <a:endParaRPr lang="en-GB" sz="2400" dirty="0"/>
-          </a:p>
-          <a:p>
-            <a:r>
-              <a:rPr lang="en-GB" sz="2400" dirty="0">
-                <a:solidFill>
-                  <a:schemeClr val="tx2">
-                    <a:lumMod val="50000"/>
-                    <a:lumOff val="50000"/>
-                  </a:schemeClr>
-                </a:solidFill>
-              </a:rPr>
-              <a:t>\begin</a:t>
-            </a:r>
-            <a:r>
-              <a:rPr lang="en-GB" sz="2400" dirty="0"/>
-              <a:t>{document}</a:t>
-            </a:r>
-          </a:p>
-          <a:p>
-            <a:endParaRPr lang="en-GB" sz="2400" dirty="0"/>
-          </a:p>
-          <a:p>
-            <a:r>
-              <a:rPr lang="en-GB" sz="2400" dirty="0"/>
-              <a:t>A quick way to write </a:t>
-            </a:r>
-            <a:r>
-              <a:rPr lang="en-GB" sz="2400" dirty="0">
-                <a:solidFill>
-                  <a:schemeClr val="accent3">
-                    <a:lumMod val="60000"/>
-                    <a:lumOff val="40000"/>
-                  </a:schemeClr>
-                </a:solidFill>
-              </a:rPr>
-              <a:t>$</a:t>
-            </a:r>
-            <a:r>
-              <a:rPr lang="en-GB" sz="2400" dirty="0">
-                <a:solidFill>
-                  <a:schemeClr val="accent1">
-                    <a:lumMod val="60000"/>
-                    <a:lumOff val="40000"/>
-                  </a:schemeClr>
-                </a:solidFill>
-              </a:rPr>
-              <a:t>\diff</a:t>
-            </a:r>
-            <a:r>
-              <a:rPr lang="en-GB" sz="2400" dirty="0">
-                <a:solidFill>
-                  <a:schemeClr val="accent3">
-                    <a:lumMod val="60000"/>
-                    <a:lumOff val="40000"/>
-                  </a:schemeClr>
-                </a:solidFill>
-              </a:rPr>
-              <a:t>{y}{x}</a:t>
-            </a:r>
-            <a:r>
-              <a:rPr lang="en-GB" sz="2400" dirty="0"/>
-              <a:t>=</a:t>
-            </a:r>
-            <a:r>
-              <a:rPr lang="en-GB" sz="2400" dirty="0">
-                <a:solidFill>
-                  <a:schemeClr val="accent1">
-                    <a:lumMod val="60000"/>
-                    <a:lumOff val="40000"/>
-                  </a:schemeClr>
-                </a:solidFill>
-              </a:rPr>
-              <a:t>\</a:t>
-            </a:r>
-            <a:r>
-              <a:rPr lang="en-GB" sz="2400" dirty="0" err="1">
-                <a:solidFill>
-                  <a:schemeClr val="accent1">
-                    <a:lumMod val="60000"/>
-                    <a:lumOff val="40000"/>
-                  </a:schemeClr>
-                </a:solidFill>
-              </a:rPr>
-              <a:t>hardmaths</a:t>
-            </a:r>
-            <a:r>
-              <a:rPr lang="en-GB" sz="2400" dirty="0">
-                <a:solidFill>
-                  <a:schemeClr val="accent3">
-                    <a:lumMod val="60000"/>
-                    <a:lumOff val="40000"/>
-                  </a:schemeClr>
-                </a:solidFill>
-              </a:rPr>
-              <a:t>$</a:t>
-            </a:r>
-            <a:endParaRPr lang="en-US" altLang="en-US" sz="2400" dirty="0">
-              <a:solidFill>
-                <a:schemeClr val="accent3">
-                  <a:lumMod val="60000"/>
-                  <a:lumOff val="40000"/>
-                </a:schemeClr>
-              </a:solidFill>
-            </a:endParaRPr>
-          </a:p>
-        </p:txBody>
-      </p:sp>
-      <p:pic>
-        <p:nvPicPr>
-          <p:cNvPr id="13" name="Picture 12">
+      <p:sp>
+        <p:nvSpPr>
+          <p:cNvPr id="7" name="Content Placeholder 6">
             <a:extLst>
               <a:ext uri="{FF2B5EF4-FFF2-40B4-BE49-F238E27FC236}">
-                <a16:creationId xmlns:a16="http://schemas.microsoft.com/office/drawing/2014/main" id="{8A08522B-9567-425D-856D-8B35D8CEF722}"/>
+                <a16:creationId xmlns:a16="http://schemas.microsoft.com/office/drawing/2014/main" id="{A4668B92-0976-4E36-A913-C47498FEE667}"/>
               </a:ext>
             </a:extLst>
           </p:cNvPr>
-          <p:cNvPicPr>
-            <a:picLocks noChangeAspect="1"/>
-          </p:cNvPicPr>
-          <p:nvPr/>
-        </p:nvPicPr>
-        <p:blipFill>
-          <a:blip r:embed="rId3"/>
-          <a:stretch>
-            <a:fillRect/>
-          </a:stretch>
-        </p:blipFill>
+          <p:cNvSpPr>
+            <a:spLocks noGrp="1"/>
+          </p:cNvSpPr>
+          <p:nvPr>
+            <p:ph idx="1"/>
+          </p:nvPr>
+        </p:nvSpPr>
         <p:spPr>
           <a:xfrm>
-            <a:off x="4809198" y="3599955"/>
-            <a:ext cx="3955441" cy="537864"/>
+            <a:off x="457200" y="1417638"/>
+            <a:ext cx="8229600" cy="4525963"/>
           </a:xfrm>
-          <a:prstGeom prst="rect">
-            <a:avLst/>
-          </a:prstGeom>
         </p:spPr>
-      </p:pic>
-      <p:sp>
-        <p:nvSpPr>
-          <p:cNvPr id="6" name="TextBox 5">
+        <p:txBody>
+          <a:bodyPr/>
+          <a:lstStyle/>
+          <a:p>
+            <a:r>
+              <a:rPr lang="en-GB" sz="2800" dirty="0"/>
+              <a:t>You can set where LaTeX should look for the graphics to be used in your document</a:t>
+            </a:r>
+          </a:p>
+          <a:p>
+            <a:r>
+              <a:rPr lang="en-GB" sz="2800" dirty="0"/>
+              <a:t>Useful for separating figures for different chapters and the .</a:t>
+            </a:r>
+            <a:r>
+              <a:rPr lang="en-GB" sz="2800" dirty="0" err="1"/>
+              <a:t>tex</a:t>
+            </a:r>
+            <a:r>
+              <a:rPr lang="en-GB" sz="2800" dirty="0"/>
+              <a:t> files</a:t>
+            </a:r>
+          </a:p>
+          <a:p>
+            <a:r>
+              <a:rPr lang="en-GB" sz="2800" dirty="0"/>
+              <a:t>The command </a:t>
+            </a:r>
+            <a:r>
+              <a:rPr lang="en-GB" sz="2800" dirty="0">
+                <a:solidFill>
+                  <a:schemeClr val="tx2">
+                    <a:lumMod val="50000"/>
+                    <a:lumOff val="50000"/>
+                  </a:schemeClr>
+                </a:solidFill>
+              </a:rPr>
+              <a:t>\</a:t>
+            </a:r>
+            <a:r>
+              <a:rPr lang="en-GB" sz="2800" dirty="0" err="1">
+                <a:solidFill>
+                  <a:schemeClr val="tx2">
+                    <a:lumMod val="50000"/>
+                    <a:lumOff val="50000"/>
+                  </a:schemeClr>
+                </a:solidFill>
+              </a:rPr>
+              <a:t>graphicspath</a:t>
+            </a:r>
+            <a:r>
+              <a:rPr lang="en-GB" sz="2800" dirty="0">
+                <a:solidFill>
+                  <a:schemeClr val="tx2">
+                    <a:lumMod val="50000"/>
+                    <a:lumOff val="50000"/>
+                  </a:schemeClr>
+                </a:solidFill>
+              </a:rPr>
+              <a:t> {{./FOLDER1/} {./FOLDER2/}} </a:t>
+            </a:r>
+            <a:r>
+              <a:rPr lang="en-GB" sz="2800" dirty="0"/>
+              <a:t>will tell LaTeX to look in the folders named “FOLDER1” and “FOLDER2” in the directory of the .</a:t>
+            </a:r>
+            <a:r>
+              <a:rPr lang="en-GB" sz="2800" dirty="0" err="1"/>
+              <a:t>tex</a:t>
+            </a:r>
+            <a:r>
+              <a:rPr lang="en-GB" sz="2800" dirty="0"/>
+              <a:t> file</a:t>
+            </a:r>
+            <a:endParaRPr lang="en-GB" sz="2400" dirty="0"/>
+          </a:p>
+          <a:p>
+            <a:pPr lvl="1"/>
+            <a:endParaRPr lang="en-GB" sz="1600" dirty="0"/>
+          </a:p>
+        </p:txBody>
+      </p:sp>
+      <p:sp>
+        <p:nvSpPr>
+          <p:cNvPr id="4" name="TextBox 3">
             <a:extLst>
               <a:ext uri="{FF2B5EF4-FFF2-40B4-BE49-F238E27FC236}">
-                <a16:creationId xmlns:a16="http://schemas.microsoft.com/office/drawing/2014/main" id="{60A5A0E4-D0CF-4B28-8E87-60A3B3E341C1}"/>
+                <a16:creationId xmlns:a16="http://schemas.microsoft.com/office/drawing/2014/main" id="{398C5D47-C6D2-45C0-8D24-2F32A438F365}"/>
               </a:ext>
             </a:extLst>
           </p:cNvPr>
@@ -18475,7 +18146,7 @@
     </p:spTree>
     <p:extLst>
       <p:ext uri="{BB962C8B-B14F-4D97-AF65-F5344CB8AC3E}">
-        <p14:creationId xmlns:p14="http://schemas.microsoft.com/office/powerpoint/2010/main" val="1666026033"/>
+        <p14:creationId xmlns:p14="http://schemas.microsoft.com/office/powerpoint/2010/main" val="358316703"/>
       </p:ext>
     </p:extLst>
   </p:cSld>
@@ -18527,6 +18198,501 @@
           <a:p>
             <a:r>
               <a:rPr lang="en-GB" sz="4000" dirty="0"/>
+              <a:t>Custom Commands</a:t>
+            </a:r>
+          </a:p>
+        </p:txBody>
+      </p:sp>
+      <p:cxnSp>
+        <p:nvCxnSpPr>
+          <p:cNvPr id="12" name="Straight Connector 11"/>
+          <p:cNvCxnSpPr/>
+          <p:nvPr/>
+        </p:nvCxnSpPr>
+        <p:spPr>
+          <a:xfrm>
+            <a:off x="4572000" y="1417638"/>
+            <a:ext cx="0" cy="5440362"/>
+          </a:xfrm>
+          <a:prstGeom prst="line">
+            <a:avLst/>
+          </a:prstGeom>
+        </p:spPr>
+        <p:style>
+          <a:lnRef idx="2">
+            <a:schemeClr val="accent1"/>
+          </a:lnRef>
+          <a:fillRef idx="0">
+            <a:schemeClr val="accent1"/>
+          </a:fillRef>
+          <a:effectRef idx="1">
+            <a:schemeClr val="accent1"/>
+          </a:effectRef>
+          <a:fontRef idx="minor">
+            <a:schemeClr val="tx1"/>
+          </a:fontRef>
+        </p:style>
+      </p:cxnSp>
+      <p:sp>
+        <p:nvSpPr>
+          <p:cNvPr id="4" name="Rectangle 2"/>
+          <p:cNvSpPr>
+            <a:spLocks noChangeArrowheads="1"/>
+          </p:cNvSpPr>
+          <p:nvPr/>
+        </p:nvSpPr>
+        <p:spPr bwMode="auto">
+          <a:xfrm>
+            <a:off x="379360" y="1686591"/>
+            <a:ext cx="4166693" cy="4154984"/>
+          </a:xfrm>
+          <a:prstGeom prst="rect">
+            <a:avLst/>
+          </a:prstGeom>
+          <a:noFill/>
+          <a:ln>
+            <a:noFill/>
+          </a:ln>
+          <a:effectLst/>
+        </p:spPr>
+        <p:txBody>
+          <a:bodyPr vert="horz" wrap="square" lIns="91440" tIns="45720" rIns="91440" bIns="45720" numCol="1" anchor="ctr" anchorCtr="0" compatLnSpc="1">
+            <a:prstTxWarp prst="textNoShape">
+              <a:avLst/>
+            </a:prstTxWarp>
+            <a:spAutoFit/>
+          </a:bodyPr>
+          <a:lstStyle/>
+          <a:p>
+            <a:r>
+              <a:rPr lang="en-GB" sz="2400" dirty="0">
+                <a:solidFill>
+                  <a:schemeClr val="tx2">
+                    <a:lumMod val="50000"/>
+                    <a:lumOff val="50000"/>
+                  </a:schemeClr>
+                </a:solidFill>
+              </a:rPr>
+              <a:t>\</a:t>
+            </a:r>
+            <a:r>
+              <a:rPr lang="en-GB" sz="2400" dirty="0" err="1">
+                <a:solidFill>
+                  <a:schemeClr val="tx2">
+                    <a:lumMod val="50000"/>
+                    <a:lumOff val="50000"/>
+                  </a:schemeClr>
+                </a:solidFill>
+              </a:rPr>
+              <a:t>newcommand</a:t>
+            </a:r>
+            <a:r>
+              <a:rPr lang="en-GB" sz="2400" dirty="0"/>
+              <a:t>{</a:t>
+            </a:r>
+            <a:r>
+              <a:rPr lang="en-GB" sz="2400" dirty="0">
+                <a:solidFill>
+                  <a:schemeClr val="tx2">
+                    <a:lumMod val="50000"/>
+                    <a:lumOff val="50000"/>
+                  </a:schemeClr>
+                </a:solidFill>
+              </a:rPr>
+              <a:t>\</a:t>
+            </a:r>
+            <a:r>
+              <a:rPr lang="en-GB" sz="2400" dirty="0" err="1">
+                <a:solidFill>
+                  <a:schemeClr val="tx2">
+                    <a:lumMod val="50000"/>
+                    <a:lumOff val="50000"/>
+                  </a:schemeClr>
+                </a:solidFill>
+              </a:rPr>
+              <a:t>hardmaths</a:t>
+            </a:r>
+            <a:r>
+              <a:rPr lang="en-GB" sz="2400" dirty="0"/>
+              <a:t>} {</a:t>
+            </a:r>
+            <a:r>
+              <a:rPr lang="en-GB" sz="2400" dirty="0">
+                <a:solidFill>
+                  <a:schemeClr val="tx2">
+                    <a:lumMod val="50000"/>
+                    <a:lumOff val="50000"/>
+                  </a:schemeClr>
+                </a:solidFill>
+              </a:rPr>
+              <a:t>\frac</a:t>
+            </a:r>
+            <a:r>
+              <a:rPr lang="en-GB" sz="2400" dirty="0"/>
+              <a:t>{</a:t>
+            </a:r>
+            <a:r>
+              <a:rPr lang="en-GB" sz="2400" dirty="0">
+                <a:solidFill>
+                  <a:schemeClr val="tx2">
+                    <a:lumMod val="50000"/>
+                    <a:lumOff val="50000"/>
+                  </a:schemeClr>
+                </a:solidFill>
+              </a:rPr>
+              <a:t>\sin</a:t>
+            </a:r>
+            <a:r>
+              <a:rPr lang="en-GB" sz="2400" dirty="0"/>
+              <a:t>{(x\pi)}} {2</a:t>
+            </a:r>
+            <a:r>
+              <a:rPr lang="en-GB" sz="2400" dirty="0">
+                <a:solidFill>
+                  <a:schemeClr val="accent1">
+                    <a:lumMod val="60000"/>
+                    <a:lumOff val="40000"/>
+                  </a:schemeClr>
+                </a:solidFill>
+              </a:rPr>
+              <a:t>\alpha</a:t>
+            </a:r>
+            <a:r>
+              <a:rPr lang="en-GB" sz="2400" dirty="0"/>
+              <a:t>}}</a:t>
+            </a:r>
+          </a:p>
+          <a:p>
+            <a:endParaRPr lang="en-GB" sz="2400" dirty="0"/>
+          </a:p>
+          <a:p>
+            <a:r>
+              <a:rPr lang="en-GB" sz="2400" dirty="0">
+                <a:solidFill>
+                  <a:schemeClr val="tx2">
+                    <a:lumMod val="50000"/>
+                    <a:lumOff val="50000"/>
+                  </a:schemeClr>
+                </a:solidFill>
+              </a:rPr>
+              <a:t>\</a:t>
+            </a:r>
+            <a:r>
+              <a:rPr lang="en-GB" sz="2400" dirty="0" err="1">
+                <a:solidFill>
+                  <a:schemeClr val="tx2">
+                    <a:lumMod val="50000"/>
+                    <a:lumOff val="50000"/>
+                  </a:schemeClr>
+                </a:solidFill>
+              </a:rPr>
+              <a:t>newcommand</a:t>
+            </a:r>
+            <a:r>
+              <a:rPr lang="en-GB" sz="2400" dirty="0"/>
+              <a:t>{</a:t>
+            </a:r>
+            <a:r>
+              <a:rPr lang="en-GB" sz="2400" dirty="0">
+                <a:solidFill>
+                  <a:schemeClr val="tx2">
+                    <a:lumMod val="50000"/>
+                    <a:lumOff val="50000"/>
+                  </a:schemeClr>
+                </a:solidFill>
+              </a:rPr>
+              <a:t>\diff</a:t>
+            </a:r>
+            <a:r>
+              <a:rPr lang="en-GB" sz="2400" dirty="0"/>
+              <a:t>}[2]  {</a:t>
+            </a:r>
+            <a:r>
+              <a:rPr lang="en-GB" sz="2400" dirty="0">
+                <a:solidFill>
+                  <a:schemeClr val="tx2">
+                    <a:lumMod val="50000"/>
+                    <a:lumOff val="50000"/>
+                  </a:schemeClr>
+                </a:solidFill>
+              </a:rPr>
+              <a:t>\frac{\</a:t>
+            </a:r>
+            <a:r>
+              <a:rPr lang="en-GB" sz="2400" dirty="0" err="1">
+                <a:solidFill>
+                  <a:schemeClr val="tx2">
+                    <a:lumMod val="50000"/>
+                    <a:lumOff val="50000"/>
+                  </a:schemeClr>
+                </a:solidFill>
+              </a:rPr>
+              <a:t>textrm</a:t>
+            </a:r>
+            <a:r>
+              <a:rPr lang="en-GB" sz="2400" dirty="0"/>
+              <a:t>{d}{#1}} {</a:t>
+            </a:r>
+            <a:r>
+              <a:rPr lang="en-GB" sz="2400" dirty="0">
+                <a:solidFill>
+                  <a:schemeClr val="tx2">
+                    <a:lumMod val="50000"/>
+                    <a:lumOff val="50000"/>
+                  </a:schemeClr>
+                </a:solidFill>
+              </a:rPr>
+              <a:t>\</a:t>
+            </a:r>
+            <a:r>
+              <a:rPr lang="en-GB" sz="2400" dirty="0" err="1">
+                <a:solidFill>
+                  <a:schemeClr val="tx2">
+                    <a:lumMod val="50000"/>
+                    <a:lumOff val="50000"/>
+                  </a:schemeClr>
+                </a:solidFill>
+              </a:rPr>
+              <a:t>textrm</a:t>
+            </a:r>
+            <a:r>
+              <a:rPr lang="en-GB" sz="2400" dirty="0"/>
+              <a:t>{d}{#2}}}</a:t>
+            </a:r>
+          </a:p>
+          <a:p>
+            <a:endParaRPr lang="en-GB" sz="2400" dirty="0"/>
+          </a:p>
+          <a:p>
+            <a:r>
+              <a:rPr lang="en-GB" sz="2400" dirty="0">
+                <a:solidFill>
+                  <a:schemeClr val="tx2">
+                    <a:lumMod val="50000"/>
+                    <a:lumOff val="50000"/>
+                  </a:schemeClr>
+                </a:solidFill>
+              </a:rPr>
+              <a:t>\begin</a:t>
+            </a:r>
+            <a:r>
+              <a:rPr lang="en-GB" sz="2400" dirty="0"/>
+              <a:t>{document}</a:t>
+            </a:r>
+          </a:p>
+          <a:p>
+            <a:endParaRPr lang="en-GB" sz="2400" dirty="0"/>
+          </a:p>
+          <a:p>
+            <a:r>
+              <a:rPr lang="en-GB" sz="2400" dirty="0"/>
+              <a:t>A quick way to write </a:t>
+            </a:r>
+            <a:r>
+              <a:rPr lang="en-GB" sz="2400" dirty="0">
+                <a:solidFill>
+                  <a:schemeClr val="accent3">
+                    <a:lumMod val="60000"/>
+                    <a:lumOff val="40000"/>
+                  </a:schemeClr>
+                </a:solidFill>
+              </a:rPr>
+              <a:t>$</a:t>
+            </a:r>
+            <a:r>
+              <a:rPr lang="en-GB" sz="2400" dirty="0">
+                <a:solidFill>
+                  <a:schemeClr val="accent1">
+                    <a:lumMod val="60000"/>
+                    <a:lumOff val="40000"/>
+                  </a:schemeClr>
+                </a:solidFill>
+              </a:rPr>
+              <a:t>\diff</a:t>
+            </a:r>
+            <a:r>
+              <a:rPr lang="en-GB" sz="2400" dirty="0">
+                <a:solidFill>
+                  <a:schemeClr val="accent3">
+                    <a:lumMod val="60000"/>
+                    <a:lumOff val="40000"/>
+                  </a:schemeClr>
+                </a:solidFill>
+              </a:rPr>
+              <a:t>{y}{x}</a:t>
+            </a:r>
+            <a:r>
+              <a:rPr lang="en-GB" sz="2400" dirty="0"/>
+              <a:t>=</a:t>
+            </a:r>
+            <a:r>
+              <a:rPr lang="en-GB" sz="2400" dirty="0">
+                <a:solidFill>
+                  <a:schemeClr val="accent1">
+                    <a:lumMod val="60000"/>
+                    <a:lumOff val="40000"/>
+                  </a:schemeClr>
+                </a:solidFill>
+              </a:rPr>
+              <a:t>\</a:t>
+            </a:r>
+            <a:r>
+              <a:rPr lang="en-GB" sz="2400" dirty="0" err="1">
+                <a:solidFill>
+                  <a:schemeClr val="accent1">
+                    <a:lumMod val="60000"/>
+                    <a:lumOff val="40000"/>
+                  </a:schemeClr>
+                </a:solidFill>
+              </a:rPr>
+              <a:t>hardmaths</a:t>
+            </a:r>
+            <a:r>
+              <a:rPr lang="en-GB" sz="2400" dirty="0">
+                <a:solidFill>
+                  <a:schemeClr val="accent3">
+                    <a:lumMod val="60000"/>
+                    <a:lumOff val="40000"/>
+                  </a:schemeClr>
+                </a:solidFill>
+              </a:rPr>
+              <a:t>$</a:t>
+            </a:r>
+            <a:endParaRPr lang="en-US" altLang="en-US" sz="2400" dirty="0">
+              <a:solidFill>
+                <a:schemeClr val="accent3">
+                  <a:lumMod val="60000"/>
+                  <a:lumOff val="40000"/>
+                </a:schemeClr>
+              </a:solidFill>
+            </a:endParaRPr>
+          </a:p>
+        </p:txBody>
+      </p:sp>
+      <p:pic>
+        <p:nvPicPr>
+          <p:cNvPr id="13" name="Picture 12">
+            <a:extLst>
+              <a:ext uri="{FF2B5EF4-FFF2-40B4-BE49-F238E27FC236}">
+                <a16:creationId xmlns:a16="http://schemas.microsoft.com/office/drawing/2014/main" id="{8A08522B-9567-425D-856D-8B35D8CEF722}"/>
+              </a:ext>
+            </a:extLst>
+          </p:cNvPr>
+          <p:cNvPicPr>
+            <a:picLocks noChangeAspect="1"/>
+          </p:cNvPicPr>
+          <p:nvPr/>
+        </p:nvPicPr>
+        <p:blipFill>
+          <a:blip r:embed="rId3"/>
+          <a:stretch>
+            <a:fillRect/>
+          </a:stretch>
+        </p:blipFill>
+        <p:spPr>
+          <a:xfrm>
+            <a:off x="4809198" y="3599955"/>
+            <a:ext cx="3955441" cy="537864"/>
+          </a:xfrm>
+          <a:prstGeom prst="rect">
+            <a:avLst/>
+          </a:prstGeom>
+        </p:spPr>
+      </p:pic>
+      <p:sp>
+        <p:nvSpPr>
+          <p:cNvPr id="6" name="TextBox 5">
+            <a:extLst>
+              <a:ext uri="{FF2B5EF4-FFF2-40B4-BE49-F238E27FC236}">
+                <a16:creationId xmlns:a16="http://schemas.microsoft.com/office/drawing/2014/main" id="{60A5A0E4-D0CF-4B28-8E87-60A3B3E341C1}"/>
+              </a:ext>
+            </a:extLst>
+          </p:cNvPr>
+          <p:cNvSpPr txBox="1"/>
+          <p:nvPr/>
+        </p:nvSpPr>
+        <p:spPr>
+          <a:xfrm>
+            <a:off x="7357241" y="6498021"/>
+            <a:ext cx="1697422" cy="369332"/>
+          </a:xfrm>
+          <a:prstGeom prst="rect">
+            <a:avLst/>
+          </a:prstGeom>
+          <a:noFill/>
+        </p:spPr>
+        <p:txBody>
+          <a:bodyPr wrap="square" rtlCol="0">
+            <a:spAutoFit/>
+          </a:bodyPr>
+          <a:lstStyle/>
+          <a:p>
+            <a:r>
+              <a:rPr lang="en-GB" dirty="0">
+                <a:solidFill>
+                  <a:schemeClr val="accent2"/>
+                </a:solidFill>
+              </a:rPr>
+              <a:t>Problem Sheet</a:t>
+            </a:r>
+          </a:p>
+        </p:txBody>
+      </p:sp>
+    </p:spTree>
+    <p:extLst>
+      <p:ext uri="{BB962C8B-B14F-4D97-AF65-F5344CB8AC3E}">
+        <p14:creationId xmlns:p14="http://schemas.microsoft.com/office/powerpoint/2010/main" val="1666026033"/>
+      </p:ext>
+    </p:extLst>
+  </p:cSld>
+  <p:clrMapOvr>
+    <a:masterClrMapping/>
+  </p:clrMapOvr>
+  <mc:AlternateContent xmlns:mc="http://schemas.openxmlformats.org/markup-compatibility/2006" xmlns:p14="http://schemas.microsoft.com/office/powerpoint/2010/main">
+    <mc:Choice Requires="p14">
+      <p:transition p14:dur="10"/>
+    </mc:Choice>
+    <mc:Fallback xmlns="">
+      <p:transition/>
+    </mc:Fallback>
+  </mc:AlternateContent>
+</p:sld>
+</file>
+
+<file path=ppt/slides/slide35.xml><?xml version="1.0" encoding="utf-8"?>
+<p:sld xmlns:a="http://schemas.openxmlformats.org/drawingml/2006/main" xmlns:r="http://schemas.openxmlformats.org/officeDocument/2006/relationships" xmlns:p="http://schemas.openxmlformats.org/presentationml/2006/main">
+  <p:cSld>
+    <p:spTree>
+      <p:nvGrpSpPr>
+        <p:cNvPr id="1" name=""/>
+        <p:cNvGrpSpPr/>
+        <p:nvPr/>
+      </p:nvGrpSpPr>
+      <p:grpSpPr>
+        <a:xfrm>
+          <a:off x="0" y="0"/>
+          <a:ext cx="0" cy="0"/>
+          <a:chOff x="0" y="0"/>
+          <a:chExt cx="0" cy="0"/>
+        </a:xfrm>
+      </p:grpSpPr>
+      <p:sp>
+        <p:nvSpPr>
+          <p:cNvPr id="2" name="Title 1"/>
+          <p:cNvSpPr>
+            <a:spLocks noGrp="1"/>
+          </p:cNvSpPr>
+          <p:nvPr>
+            <p:ph type="title"/>
+          </p:nvPr>
+        </p:nvSpPr>
+        <p:spPr/>
+        <p:txBody>
+          <a:bodyPr/>
+          <a:lstStyle/>
+          <a:p>
+            <a:r>
+              <a:rPr lang="en-GB" sz="4000" dirty="0"/>
               <a:t>Bibliography Management</a:t>
             </a:r>
           </a:p>
@@ -18611,7 +18777,7 @@
 </p:sld>
 </file>
 
-<file path=ppt/slides/slide35.xml><?xml version="1.0" encoding="utf-8"?>
+<file path=ppt/slides/slide36.xml><?xml version="1.0" encoding="utf-8"?>
 <p:sld xmlns:a="http://schemas.openxmlformats.org/drawingml/2006/main" xmlns:r="http://schemas.openxmlformats.org/officeDocument/2006/relationships" xmlns:p="http://schemas.openxmlformats.org/presentationml/2006/main">
   <p:cSld>
     <p:spTree>
@@ -19081,7 +19247,7 @@
 </p:sld>
 </file>
 
-<file path=ppt/slides/slide36.xml><?xml version="1.0" encoding="utf-8"?>
+<file path=ppt/slides/slide37.xml><?xml version="1.0" encoding="utf-8"?>
 <p:sld xmlns:a="http://schemas.openxmlformats.org/drawingml/2006/main" xmlns:r="http://schemas.openxmlformats.org/officeDocument/2006/relationships" xmlns:p="http://schemas.openxmlformats.org/presentationml/2006/main">
   <p:cSld>
     <p:spTree>
@@ -19533,7 +19699,7 @@
 </p:sld>
 </file>
 
-<file path=ppt/slides/slide37.xml><?xml version="1.0" encoding="utf-8"?>
+<file path=ppt/slides/slide38.xml><?xml version="1.0" encoding="utf-8"?>
 <p:sld xmlns:a="http://schemas.openxmlformats.org/drawingml/2006/main" xmlns:r="http://schemas.openxmlformats.org/officeDocument/2006/relationships" xmlns:p="http://schemas.openxmlformats.org/presentationml/2006/main">
   <p:cSld>
     <p:spTree>
@@ -19998,7 +20164,7 @@
 </p:sld>
 </file>
 
-<file path=ppt/slides/slide38.xml><?xml version="1.0" encoding="utf-8"?>
+<file path=ppt/slides/slide39.xml><?xml version="1.0" encoding="utf-8"?>
 <p:sld xmlns:a="http://schemas.openxmlformats.org/drawingml/2006/main" xmlns:r="http://schemas.openxmlformats.org/officeDocument/2006/relationships" xmlns:p="http://schemas.openxmlformats.org/presentationml/2006/main">
   <p:cSld>
     <p:spTree>
@@ -20304,7 +20470,164 @@
 </p:sld>
 </file>
 
-<file path=ppt/slides/slide39.xml><?xml version="1.0" encoding="utf-8"?>
+<file path=ppt/slides/slide4.xml><?xml version="1.0" encoding="utf-8"?>
+<p:sld xmlns:a="http://schemas.openxmlformats.org/drawingml/2006/main" xmlns:r="http://schemas.openxmlformats.org/officeDocument/2006/relationships" xmlns:p="http://schemas.openxmlformats.org/presentationml/2006/main">
+  <p:cSld>
+    <p:spTree>
+      <p:nvGrpSpPr>
+        <p:cNvPr id="1" name=""/>
+        <p:cNvGrpSpPr/>
+        <p:nvPr/>
+      </p:nvGrpSpPr>
+      <p:grpSpPr>
+        <a:xfrm>
+          <a:off x="0" y="0"/>
+          <a:ext cx="0" cy="0"/>
+          <a:chOff x="0" y="0"/>
+          <a:chExt cx="0" cy="0"/>
+        </a:xfrm>
+      </p:grpSpPr>
+      <p:sp>
+        <p:nvSpPr>
+          <p:cNvPr id="4" name="Title 1"/>
+          <p:cNvSpPr txBox="1">
+            <a:spLocks/>
+          </p:cNvSpPr>
+          <p:nvPr/>
+        </p:nvSpPr>
+        <p:spPr>
+          <a:xfrm>
+            <a:off x="401319" y="472966"/>
+            <a:ext cx="5558047" cy="930165"/>
+          </a:xfrm>
+          <a:prstGeom prst="rect">
+            <a:avLst/>
+          </a:prstGeom>
+        </p:spPr>
+        <p:txBody>
+          <a:bodyPr anchor="b"/>
+          <a:lstStyle>
+            <a:lvl1pPr algn="l" defTabSz="457200" rtl="0" eaLnBrk="1" latinLnBrk="0" hangingPunct="1">
+              <a:lnSpc>
+                <a:spcPct val="90000"/>
+              </a:lnSpc>
+              <a:spcBef>
+                <a:spcPct val="0"/>
+              </a:spcBef>
+              <a:buNone/>
+              <a:defRPr sz="4000" b="1" i="0" kern="1200" baseline="0">
+                <a:solidFill>
+                  <a:schemeClr val="tx2"/>
+                </a:solidFill>
+                <a:latin typeface="+mj-lt"/>
+                <a:ea typeface="+mj-ea"/>
+                <a:cs typeface="MetaOT-Bold"/>
+              </a:defRPr>
+            </a:lvl1pPr>
+          </a:lstStyle>
+          <a:p>
+            <a:r>
+              <a:rPr lang="en-US" sz="3200" dirty="0">
+                <a:solidFill>
+                  <a:schemeClr val="accent3"/>
+                </a:solidFill>
+              </a:rPr>
+              <a:t>Expectations:  Covid-safe teaching environments</a:t>
+            </a:r>
+          </a:p>
+        </p:txBody>
+      </p:sp>
+      <p:sp>
+        <p:nvSpPr>
+          <p:cNvPr id="5" name="Subtitle 2"/>
+          <p:cNvSpPr>
+            <a:spLocks noGrp="1"/>
+          </p:cNvSpPr>
+          <p:nvPr>
+            <p:ph type="subTitle" idx="1"/>
+          </p:nvPr>
+        </p:nvSpPr>
+        <p:spPr>
+          <a:xfrm>
+            <a:off x="189186" y="1450427"/>
+            <a:ext cx="8797158" cy="4020208"/>
+          </a:xfrm>
+        </p:spPr>
+        <p:txBody>
+          <a:bodyPr lIns="91440" tIns="45720" rIns="91440" bIns="45720" anchor="t"/>
+          <a:lstStyle/>
+          <a:p>
+            <a:r>
+              <a:rPr lang="en-US" sz="2200" u="sng" dirty="0"/>
+              <a:t>For the purpose of contact tracing</a:t>
+            </a:r>
+            <a:endParaRPr lang="en-US" sz="2200" dirty="0"/>
+          </a:p>
+          <a:p>
+            <a:endParaRPr lang="en-US" sz="2200" dirty="0"/>
+          </a:p>
+          <a:p>
+            <a:r>
+              <a:rPr lang="en-US" sz="2200" dirty="0"/>
+              <a:t>For our standard workshops:</a:t>
+            </a:r>
+          </a:p>
+          <a:p>
+            <a:pPr marL="342900" indent="-342900">
+              <a:buFont typeface="Arial" panose="020B0604020202020204" pitchFamily="34" charset="0"/>
+              <a:buChar char="•"/>
+            </a:pPr>
+            <a:r>
+              <a:rPr lang="en-US" sz="2200" dirty="0"/>
+              <a:t>We will provide the CCT Hub with the complete list of attendees at this workshop</a:t>
+            </a:r>
+          </a:p>
+          <a:p>
+            <a:endParaRPr lang="en-US" sz="2200" dirty="0"/>
+          </a:p>
+          <a:p>
+            <a:r>
+              <a:rPr lang="en-US" sz="2200" dirty="0"/>
+              <a:t>Where our workshops are held in lecture theatres:</a:t>
+            </a:r>
+          </a:p>
+          <a:p>
+            <a:pPr marL="342900" indent="-342900">
+              <a:buFont typeface="Arial" panose="020B0604020202020204" pitchFamily="34" charset="0"/>
+              <a:buChar char="•"/>
+            </a:pPr>
+            <a:r>
+              <a:rPr lang="en-US" sz="2200" dirty="0"/>
+              <a:t>You should keep a record of colleagues that you are sat in </a:t>
+            </a:r>
+            <a:r>
+              <a:rPr lang="en-US" sz="2200"/>
+              <a:t>close contact with </a:t>
+            </a:r>
+            <a:r>
+              <a:rPr lang="en-US" sz="2200" dirty="0"/>
+              <a:t>(within 2 meters)</a:t>
+            </a:r>
+          </a:p>
+          <a:p>
+            <a:endParaRPr lang="en-US" dirty="0"/>
+          </a:p>
+        </p:txBody>
+      </p:sp>
+    </p:spTree>
+    <p:extLst>
+      <p:ext uri="{BB962C8B-B14F-4D97-AF65-F5344CB8AC3E}">
+        <p14:creationId xmlns:p14="http://schemas.microsoft.com/office/powerpoint/2010/main" val="3238657636"/>
+      </p:ext>
+    </p:extLst>
+  </p:cSld>
+  <p:clrMapOvr>
+    <a:masterClrMapping/>
+  </p:clrMapOvr>
+</p:sld>
+</file>
+
+<file path=ppt/slides/slide40.xml><?xml version="1.0" encoding="utf-8"?>
 <p:sld xmlns:a="http://schemas.openxmlformats.org/drawingml/2006/main" xmlns:r="http://schemas.openxmlformats.org/officeDocument/2006/relationships" xmlns:p="http://schemas.openxmlformats.org/presentationml/2006/main">
   <p:cSld>
     <p:spTree>
@@ -20582,130 +20905,7 @@
 </p:sld>
 </file>
 
-<file path=ppt/slides/slide4.xml><?xml version="1.0" encoding="utf-8"?>
-<p:sld xmlns:a="http://schemas.openxmlformats.org/drawingml/2006/main" xmlns:r="http://schemas.openxmlformats.org/officeDocument/2006/relationships" xmlns:p="http://schemas.openxmlformats.org/presentationml/2006/main">
-  <p:cSld>
-    <p:spTree>
-      <p:nvGrpSpPr>
-        <p:cNvPr id="1" name=""/>
-        <p:cNvGrpSpPr/>
-        <p:nvPr/>
-      </p:nvGrpSpPr>
-      <p:grpSpPr>
-        <a:xfrm>
-          <a:off x="0" y="0"/>
-          <a:ext cx="0" cy="0"/>
-          <a:chOff x="0" y="0"/>
-          <a:chExt cx="0" cy="0"/>
-        </a:xfrm>
-      </p:grpSpPr>
-      <p:sp>
-        <p:nvSpPr>
-          <p:cNvPr id="2" name="Title 1"/>
-          <p:cNvSpPr>
-            <a:spLocks noGrp="1"/>
-          </p:cNvSpPr>
-          <p:nvPr>
-            <p:ph type="title"/>
-          </p:nvPr>
-        </p:nvSpPr>
-        <p:spPr/>
-        <p:txBody>
-          <a:bodyPr/>
-          <a:lstStyle/>
-          <a:p>
-            <a:r>
-              <a:rPr lang="en-GB" sz="4000" dirty="0"/>
-              <a:t>Learning Outcomes</a:t>
-            </a:r>
-          </a:p>
-        </p:txBody>
-      </p:sp>
-      <p:sp>
-        <p:nvSpPr>
-          <p:cNvPr id="3" name="Content Placeholder 2"/>
-          <p:cNvSpPr>
-            <a:spLocks noGrp="1"/>
-          </p:cNvSpPr>
-          <p:nvPr>
-            <p:ph idx="1"/>
-          </p:nvPr>
-        </p:nvSpPr>
-        <p:spPr>
-          <a:xfrm>
-            <a:off x="457200" y="1600200"/>
-            <a:ext cx="8435280" cy="4876800"/>
-          </a:xfrm>
-        </p:spPr>
-        <p:txBody>
-          <a:bodyPr>
-            <a:normAutofit/>
-          </a:bodyPr>
-          <a:lstStyle/>
-          <a:p>
-            <a:r>
-              <a:rPr lang="en-GB" sz="3000" b="1" dirty="0"/>
-              <a:t>Identify</a:t>
-            </a:r>
-            <a:r>
-              <a:rPr lang="en-GB" sz="3000" dirty="0"/>
-              <a:t> an array of useful LaTeX packages</a:t>
-            </a:r>
-          </a:p>
-          <a:p>
-            <a:r>
-              <a:rPr lang="en-GB" sz="3000" b="1" dirty="0"/>
-              <a:t>Recognise</a:t>
-            </a:r>
-            <a:r>
-              <a:rPr lang="en-GB" sz="3000" dirty="0"/>
-              <a:t> when and how to split large documents into manageable subdocuments</a:t>
-            </a:r>
-          </a:p>
-          <a:p>
-            <a:r>
-              <a:rPr lang="en-GB" sz="3000" b="1" dirty="0"/>
-              <a:t>Employ</a:t>
-            </a:r>
-            <a:r>
-              <a:rPr lang="en-GB" sz="3000" dirty="0"/>
-              <a:t> custom formatting and referencing</a:t>
-            </a:r>
-          </a:p>
-          <a:p>
-            <a:r>
-              <a:rPr lang="en-GB" sz="3000" b="1" dirty="0"/>
-              <a:t>Develop</a:t>
-            </a:r>
-            <a:r>
-              <a:rPr lang="en-GB" sz="3000" dirty="0"/>
-              <a:t> a full thesis template </a:t>
-            </a:r>
-          </a:p>
-        </p:txBody>
-      </p:sp>
-    </p:spTree>
-    <p:extLst>
-      <p:ext uri="{BB962C8B-B14F-4D97-AF65-F5344CB8AC3E}">
-        <p14:creationId xmlns:p14="http://schemas.microsoft.com/office/powerpoint/2010/main" val="3248724752"/>
-      </p:ext>
-    </p:extLst>
-  </p:cSld>
-  <p:clrMapOvr>
-    <a:masterClrMapping/>
-  </p:clrMapOvr>
-  <mc:AlternateContent xmlns:mc="http://schemas.openxmlformats.org/markup-compatibility/2006" xmlns:p14="http://schemas.microsoft.com/office/powerpoint/2010/main">
-    <mc:Choice Requires="p14">
-      <p:transition p14:dur="10"/>
-    </mc:Choice>
-    <mc:Fallback xmlns="">
-      <p:transition/>
-    </mc:Fallback>
-  </mc:AlternateContent>
-</p:sld>
-</file>
-
-<file path=ppt/slides/slide40.xml><?xml version="1.0" encoding="utf-8"?>
+<file path=ppt/slides/slide41.xml><?xml version="1.0" encoding="utf-8"?>
 <p:sld xmlns:a="http://schemas.openxmlformats.org/drawingml/2006/main" xmlns:r="http://schemas.openxmlformats.org/officeDocument/2006/relationships" xmlns:p="http://schemas.openxmlformats.org/presentationml/2006/main">
   <p:cSld>
     <p:spTree>
@@ -21183,7 +21383,7 @@
 </p:sld>
 </file>
 
-<file path=ppt/slides/slide41.xml><?xml version="1.0" encoding="utf-8"?>
+<file path=ppt/slides/slide42.xml><?xml version="1.0" encoding="utf-8"?>
 <p:sld xmlns:a="http://schemas.openxmlformats.org/drawingml/2006/main" xmlns:r="http://schemas.openxmlformats.org/officeDocument/2006/relationships" xmlns:p="http://schemas.openxmlformats.org/presentationml/2006/main">
   <p:cSld>
     <p:spTree>
@@ -21665,7 +21865,7 @@
 </p:sld>
 </file>
 
-<file path=ppt/slides/slide42.xml><?xml version="1.0" encoding="utf-8"?>
+<file path=ppt/slides/slide43.xml><?xml version="1.0" encoding="utf-8"?>
 <p:sld xmlns:a="http://schemas.openxmlformats.org/drawingml/2006/main" xmlns:r="http://schemas.openxmlformats.org/officeDocument/2006/relationships" xmlns:p="http://schemas.openxmlformats.org/presentationml/2006/main">
   <p:cSld>
     <p:spTree>
@@ -21881,7 +22081,7 @@
 </p:sld>
 </file>
 
-<file path=ppt/slides/slide43.xml><?xml version="1.0" encoding="utf-8"?>
+<file path=ppt/slides/slide44.xml><?xml version="1.0" encoding="utf-8"?>
 <p:sld xmlns:a="http://schemas.openxmlformats.org/drawingml/2006/main" xmlns:r="http://schemas.openxmlformats.org/officeDocument/2006/relationships" xmlns:p="http://schemas.openxmlformats.org/presentationml/2006/main">
   <p:cSld>
     <p:spTree>
@@ -22016,7 +22216,7 @@
 </p:sld>
 </file>
 
-<file path=ppt/slides/slide44.xml><?xml version="1.0" encoding="utf-8"?>
+<file path=ppt/slides/slide45.xml><?xml version="1.0" encoding="utf-8"?>
 <p:sld xmlns:a="http://schemas.openxmlformats.org/drawingml/2006/main" xmlns:r="http://schemas.openxmlformats.org/officeDocument/2006/relationships" xmlns:p="http://schemas.openxmlformats.org/presentationml/2006/main">
   <p:cSld>
     <p:spTree>
@@ -22187,159 +22387,78 @@
           <a:p>
             <a:r>
               <a:rPr lang="en-GB" sz="4000" dirty="0"/>
-              <a:t>Overleaf</a:t>
+              <a:t>Learning Outcomes</a:t>
             </a:r>
           </a:p>
         </p:txBody>
       </p:sp>
       <p:sp>
         <p:nvSpPr>
-          <p:cNvPr id="3" name="TextBox 2"/>
-          <p:cNvSpPr txBox="1"/>
-          <p:nvPr/>
+          <p:cNvPr id="3" name="Content Placeholder 2"/>
+          <p:cNvSpPr>
+            <a:spLocks noGrp="1"/>
+          </p:cNvSpPr>
+          <p:nvPr>
+            <p:ph idx="1"/>
+          </p:nvPr>
         </p:nvSpPr>
         <p:spPr>
           <a:xfrm>
-            <a:off x="457200" y="1625833"/>
-            <a:ext cx="7840980" cy="5447645"/>
+            <a:off x="457200" y="1600200"/>
+            <a:ext cx="8435280" cy="4876800"/>
           </a:xfrm>
-          <a:prstGeom prst="rect">
-            <a:avLst/>
-          </a:prstGeom>
-          <a:noFill/>
         </p:spPr>
         <p:txBody>
-          <a:bodyPr wrap="square" rtlCol="0">
-            <a:spAutoFit/>
+          <a:bodyPr>
+            <a:normAutofit/>
           </a:bodyPr>
           <a:lstStyle/>
           <a:p>
-            <a:pPr marL="457200" indent="-457200">
-              <a:buFont typeface="Arial" panose="020B0604020202020204" pitchFamily="34" charset="0"/>
-              <a:buChar char="•"/>
-            </a:pPr>
-            <a:r>
-              <a:rPr lang="en-GB" sz="2400" dirty="0"/>
-              <a:t>Online environment for creating and compiling LaTeX documents</a:t>
-            </a:r>
-          </a:p>
-          <a:p>
-            <a:pPr marL="457200" indent="-457200">
-              <a:buFont typeface="Arial" panose="020B0604020202020204" pitchFamily="34" charset="0"/>
-              <a:buChar char="•"/>
-            </a:pPr>
-            <a:r>
-              <a:rPr lang="en-GB" sz="2400" dirty="0"/>
-              <a:t>Pros</a:t>
-            </a:r>
-          </a:p>
-          <a:p>
-            <a:pPr marL="914400" lvl="1" indent="-457200">
-              <a:buFont typeface="Arial" panose="020B0604020202020204" pitchFamily="34" charset="0"/>
-              <a:buChar char="•"/>
-            </a:pPr>
-            <a:r>
-              <a:rPr lang="en-GB" sz="2400" dirty="0"/>
-              <a:t>Cross-platform</a:t>
-            </a:r>
-          </a:p>
-          <a:p>
-            <a:pPr marL="914400" lvl="1" indent="-457200">
-              <a:buFont typeface="Arial" panose="020B0604020202020204" pitchFamily="34" charset="0"/>
-              <a:buChar char="•"/>
-            </a:pPr>
-            <a:r>
-              <a:rPr lang="en-GB" sz="2400" dirty="0"/>
-              <a:t>Complete</a:t>
-            </a:r>
-          </a:p>
-          <a:p>
-            <a:pPr marL="914400" lvl="1" indent="-457200">
-              <a:buFont typeface="Arial" panose="020B0604020202020204" pitchFamily="34" charset="0"/>
-              <a:buChar char="•"/>
-            </a:pPr>
-            <a:r>
-              <a:rPr lang="en-GB" sz="2400" dirty="0"/>
-              <a:t>Easy to use</a:t>
-            </a:r>
-          </a:p>
-          <a:p>
-            <a:pPr marL="914400" lvl="1" indent="-457200">
-              <a:buFont typeface="Arial" panose="020B0604020202020204" pitchFamily="34" charset="0"/>
-              <a:buChar char="•"/>
-            </a:pPr>
-            <a:r>
-              <a:rPr lang="en-GB" sz="2400" dirty="0"/>
-              <a:t>Allows collaboration</a:t>
-            </a:r>
-          </a:p>
-          <a:p>
-            <a:pPr marL="914400" lvl="1" indent="-457200">
-              <a:buFont typeface="Arial" panose="020B0604020202020204" pitchFamily="34" charset="0"/>
-              <a:buChar char="•"/>
-            </a:pPr>
-            <a:r>
-              <a:rPr lang="en-GB" sz="2400" dirty="0"/>
-              <a:t>Cloud syncing with Dropbox and </a:t>
-            </a:r>
-            <a:r>
-              <a:rPr lang="en-GB" sz="2400" dirty="0" err="1"/>
-              <a:t>Github</a:t>
-            </a:r>
-            <a:endParaRPr lang="en-GB" sz="2400" dirty="0"/>
-          </a:p>
-          <a:p>
-            <a:pPr marL="914400" lvl="1" indent="-457200">
-              <a:buFont typeface="Arial" panose="020B0604020202020204" pitchFamily="34" charset="0"/>
-              <a:buChar char="•"/>
-            </a:pPr>
-            <a:r>
-              <a:rPr lang="en-GB" sz="2400" dirty="0"/>
-              <a:t>Integrated “review” system for feedback</a:t>
-            </a:r>
-          </a:p>
-          <a:p>
-            <a:pPr marL="457200" indent="-457200">
-              <a:buFont typeface="Arial" panose="020B0604020202020204" pitchFamily="34" charset="0"/>
-              <a:buChar char="•"/>
-            </a:pPr>
-            <a:r>
-              <a:rPr lang="en-GB" sz="2400" dirty="0"/>
-              <a:t>Cons</a:t>
-            </a:r>
-          </a:p>
-          <a:p>
-            <a:pPr marL="914400" lvl="1" indent="-457200">
-              <a:buFont typeface="Arial" panose="020B0604020202020204" pitchFamily="34" charset="0"/>
-              <a:buChar char="•"/>
-            </a:pPr>
-            <a:r>
-              <a:rPr lang="en-GB" sz="2400" dirty="0"/>
-              <a:t>Editor online only</a:t>
-            </a:r>
-          </a:p>
-          <a:p>
-            <a:pPr marL="914400" lvl="1" indent="-457200">
-              <a:buFont typeface="Arial" panose="020B0604020202020204" pitchFamily="34" charset="0"/>
-              <a:buChar char="•"/>
-            </a:pPr>
-            <a:r>
-              <a:rPr lang="en-GB" sz="2400" dirty="0"/>
-              <a:t>Data stored online</a:t>
-            </a:r>
-          </a:p>
-          <a:p>
-            <a:endParaRPr lang="en-GB" sz="3000" dirty="0"/>
-          </a:p>
-          <a:p>
-            <a:endParaRPr lang="en-GB" sz="3000" dirty="0"/>
+            <a:r>
+              <a:rPr lang="en-GB" sz="3000" b="1" dirty="0"/>
+              <a:t>Identify</a:t>
+            </a:r>
+            <a:r>
+              <a:rPr lang="en-GB" sz="3000" dirty="0"/>
+              <a:t> an array of useful LaTeX packages</a:t>
+            </a:r>
+          </a:p>
+          <a:p>
+            <a:r>
+              <a:rPr lang="en-GB" sz="3000" b="1" dirty="0"/>
+              <a:t>Recognise</a:t>
+            </a:r>
+            <a:r>
+              <a:rPr lang="en-GB" sz="3000" dirty="0"/>
+              <a:t> when and how to split large documents into manageable subdocuments</a:t>
+            </a:r>
+          </a:p>
+          <a:p>
+            <a:r>
+              <a:rPr lang="en-GB" sz="3000" b="1" dirty="0"/>
+              <a:t>Employ</a:t>
+            </a:r>
+            <a:r>
+              <a:rPr lang="en-GB" sz="3000" dirty="0"/>
+              <a:t> custom formatting and referencing</a:t>
+            </a:r>
+          </a:p>
+          <a:p>
+            <a:r>
+              <a:rPr lang="en-GB" sz="3000" b="1" dirty="0"/>
+              <a:t>Develop</a:t>
+            </a:r>
+            <a:r>
+              <a:rPr lang="en-GB" sz="3000" dirty="0"/>
+              <a:t> a full thesis template </a:t>
+            </a:r>
           </a:p>
         </p:txBody>
       </p:sp>
     </p:spTree>
     <p:extLst>
       <p:ext uri="{BB962C8B-B14F-4D97-AF65-F5344CB8AC3E}">
-        <p14:creationId xmlns:p14="http://schemas.microsoft.com/office/powerpoint/2010/main" val="3718216746"/>
+        <p14:creationId xmlns:p14="http://schemas.microsoft.com/office/powerpoint/2010/main" val="3248724752"/>
       </p:ext>
     </p:extLst>
   </p:cSld>
@@ -22391,153 +22510,159 @@
           <a:p>
             <a:r>
               <a:rPr lang="en-GB" sz="4000" dirty="0"/>
-              <a:t>Writing Theses in LaTeX</a:t>
+              <a:t>Overleaf</a:t>
             </a:r>
           </a:p>
         </p:txBody>
       </p:sp>
       <p:sp>
         <p:nvSpPr>
-          <p:cNvPr id="3" name="Content Placeholder 2"/>
-          <p:cNvSpPr>
-            <a:spLocks noGrp="1"/>
-          </p:cNvSpPr>
-          <p:nvPr>
-            <p:ph idx="1"/>
-          </p:nvPr>
+          <p:cNvPr id="3" name="TextBox 2"/>
+          <p:cNvSpPr txBox="1"/>
+          <p:nvPr/>
         </p:nvSpPr>
         <p:spPr>
           <a:xfrm>
-            <a:off x="457200" y="1600200"/>
-            <a:ext cx="8435280" cy="4876800"/>
+            <a:off x="457200" y="1625833"/>
+            <a:ext cx="7840980" cy="5447645"/>
           </a:xfrm>
+          <a:prstGeom prst="rect">
+            <a:avLst/>
+          </a:prstGeom>
+          <a:noFill/>
         </p:spPr>
         <p:txBody>
-          <a:bodyPr>
-            <a:normAutofit/>
+          <a:bodyPr wrap="square" rtlCol="0">
+            <a:spAutoFit/>
           </a:bodyPr>
           <a:lstStyle/>
           <a:p>
-            <a:pPr fontAlgn="base">
-              <a:spcBef>
-                <a:spcPts val="600"/>
-              </a:spcBef>
-              <a:spcAft>
-                <a:spcPts val="600"/>
-              </a:spcAft>
+            <a:pPr marL="457200" indent="-457200">
+              <a:buFont typeface="Arial" panose="020B0604020202020204" pitchFamily="34" charset="0"/>
+              <a:buChar char="•"/>
             </a:pPr>
             <a:r>
-              <a:rPr lang="en-US" sz="2400" dirty="0"/>
-              <a:t>Excellent Technical Typesetting</a:t>
-            </a:r>
-          </a:p>
-          <a:p>
-            <a:pPr fontAlgn="base">
-              <a:spcBef>
-                <a:spcPts val="600"/>
-              </a:spcBef>
-              <a:spcAft>
-                <a:spcPts val="600"/>
-              </a:spcAft>
+              <a:rPr lang="en-GB" sz="2400" dirty="0"/>
+              <a:t>Online environment for creating and compiling LaTeX documents</a:t>
+            </a:r>
+          </a:p>
+          <a:p>
+            <a:pPr marL="457200" indent="-457200">
+              <a:buFont typeface="Arial" panose="020B0604020202020204" pitchFamily="34" charset="0"/>
+              <a:buChar char="•"/>
             </a:pPr>
             <a:r>
-              <a:rPr lang="en-US" sz="2400" dirty="0"/>
-              <a:t>Easy to iterate document-wide formatting</a:t>
-            </a:r>
-          </a:p>
-          <a:p>
-            <a:pPr fontAlgn="base">
-              <a:spcBef>
-                <a:spcPts val="600"/>
-              </a:spcBef>
-              <a:spcAft>
-                <a:spcPts val="600"/>
-              </a:spcAft>
+              <a:rPr lang="en-GB" sz="2400" dirty="0"/>
+              <a:t>Pros</a:t>
+            </a:r>
+          </a:p>
+          <a:p>
+            <a:pPr marL="914400" lvl="1" indent="-457200">
+              <a:buFont typeface="Arial" panose="020B0604020202020204" pitchFamily="34" charset="0"/>
+              <a:buChar char="•"/>
             </a:pPr>
             <a:r>
-              <a:rPr lang="en-US" sz="2400" dirty="0"/>
-              <a:t>Easy to include and reference figures/equations </a:t>
-            </a:r>
-            <a:r>
-              <a:rPr lang="en-US" sz="2400" dirty="0" err="1"/>
-              <a:t>etc</a:t>
-            </a:r>
-            <a:endParaRPr lang="en-US" sz="2400" dirty="0"/>
-          </a:p>
-          <a:p>
-            <a:pPr fontAlgn="base">
-              <a:spcBef>
-                <a:spcPts val="600"/>
-              </a:spcBef>
-              <a:spcAft>
-                <a:spcPts val="600"/>
-              </a:spcAft>
+              <a:rPr lang="en-GB" sz="2400" dirty="0"/>
+              <a:t>Cross-platform</a:t>
+            </a:r>
+          </a:p>
+          <a:p>
+            <a:pPr marL="914400" lvl="1" indent="-457200">
+              <a:buFont typeface="Arial" panose="020B0604020202020204" pitchFamily="34" charset="0"/>
+              <a:buChar char="•"/>
             </a:pPr>
             <a:r>
-              <a:rPr lang="en-US" sz="2400" dirty="0"/>
-              <a:t>Easy to iterate figures</a:t>
-            </a:r>
-          </a:p>
-          <a:p>
-            <a:pPr fontAlgn="base">
-              <a:spcBef>
-                <a:spcPts val="600"/>
-              </a:spcBef>
-              <a:spcAft>
-                <a:spcPts val="600"/>
-              </a:spcAft>
+              <a:rPr lang="en-GB" sz="2400" dirty="0"/>
+              <a:t>Complete</a:t>
+            </a:r>
+          </a:p>
+          <a:p>
+            <a:pPr marL="914400" lvl="1" indent="-457200">
+              <a:buFont typeface="Arial" panose="020B0604020202020204" pitchFamily="34" charset="0"/>
+              <a:buChar char="•"/>
             </a:pPr>
             <a:r>
-              <a:rPr lang="en-US" sz="2400" dirty="0"/>
-              <a:t>Files stored in plain-text</a:t>
-            </a:r>
-          </a:p>
-          <a:p>
-            <a:pPr lvl="1" fontAlgn="base">
-              <a:spcBef>
-                <a:spcPts val="600"/>
-              </a:spcBef>
-              <a:spcAft>
-                <a:spcPts val="600"/>
-              </a:spcAft>
+              <a:rPr lang="en-GB" sz="2400" dirty="0"/>
+              <a:t>Easy to use</a:t>
+            </a:r>
+          </a:p>
+          <a:p>
+            <a:pPr marL="914400" lvl="1" indent="-457200">
+              <a:buFont typeface="Arial" panose="020B0604020202020204" pitchFamily="34" charset="0"/>
+              <a:buChar char="•"/>
             </a:pPr>
             <a:r>
-              <a:rPr lang="en-US" sz="2000" dirty="0"/>
-              <a:t>Less prone to corruption</a:t>
-            </a:r>
-          </a:p>
-          <a:p>
-            <a:pPr lvl="1" fontAlgn="base">
-              <a:spcBef>
-                <a:spcPts val="600"/>
-              </a:spcBef>
-              <a:spcAft>
-                <a:spcPts val="600"/>
-              </a:spcAft>
+              <a:rPr lang="en-GB" sz="2400" dirty="0"/>
+              <a:t>Allows collaboration</a:t>
+            </a:r>
+          </a:p>
+          <a:p>
+            <a:pPr marL="914400" lvl="1" indent="-457200">
+              <a:buFont typeface="Arial" panose="020B0604020202020204" pitchFamily="34" charset="0"/>
+              <a:buChar char="•"/>
             </a:pPr>
             <a:r>
-              <a:rPr lang="en-US" sz="2000" dirty="0"/>
-              <a:t>Easier to “diff” when using version control</a:t>
-            </a:r>
-          </a:p>
-          <a:p>
-            <a:pPr marL="0" lvl="0" indent="0" fontAlgn="base">
-              <a:spcBef>
-                <a:spcPts val="600"/>
-              </a:spcBef>
-              <a:spcAft>
-                <a:spcPts val="600"/>
-              </a:spcAft>
-              <a:buNone/>
+              <a:rPr lang="en-GB" sz="2400" dirty="0"/>
+              <a:t>Cloud syncing with Dropbox and </a:t>
+            </a:r>
+            <a:r>
+              <a:rPr lang="en-GB" sz="2400" dirty="0" err="1"/>
+              <a:t>Github</a:t>
+            </a:r>
+            <a:endParaRPr lang="en-GB" sz="2400" dirty="0"/>
+          </a:p>
+          <a:p>
+            <a:pPr marL="914400" lvl="1" indent="-457200">
+              <a:buFont typeface="Arial" panose="020B0604020202020204" pitchFamily="34" charset="0"/>
+              <a:buChar char="•"/>
             </a:pPr>
-            <a:endParaRPr lang="en-GB" sz="2400" dirty="0"/>
+            <a:r>
+              <a:rPr lang="en-GB" sz="2400" dirty="0"/>
+              <a:t>Integrated “review” system for feedback</a:t>
+            </a:r>
+          </a:p>
+          <a:p>
+            <a:pPr marL="457200" indent="-457200">
+              <a:buFont typeface="Arial" panose="020B0604020202020204" pitchFamily="34" charset="0"/>
+              <a:buChar char="•"/>
+            </a:pPr>
+            <a:r>
+              <a:rPr lang="en-GB" sz="2400" dirty="0"/>
+              <a:t>Cons</a:t>
+            </a:r>
+          </a:p>
+          <a:p>
+            <a:pPr marL="914400" lvl="1" indent="-457200">
+              <a:buFont typeface="Arial" panose="020B0604020202020204" pitchFamily="34" charset="0"/>
+              <a:buChar char="•"/>
+            </a:pPr>
+            <a:r>
+              <a:rPr lang="en-GB" sz="2400" dirty="0"/>
+              <a:t>Editor online only</a:t>
+            </a:r>
+          </a:p>
+          <a:p>
+            <a:pPr marL="914400" lvl="1" indent="-457200">
+              <a:buFont typeface="Arial" panose="020B0604020202020204" pitchFamily="34" charset="0"/>
+              <a:buChar char="•"/>
+            </a:pPr>
+            <a:r>
+              <a:rPr lang="en-GB" sz="2400" dirty="0"/>
+              <a:t>Data stored online</a:t>
+            </a:r>
+          </a:p>
+          <a:p>
+            <a:endParaRPr lang="en-GB" sz="3000" dirty="0"/>
+          </a:p>
+          <a:p>
+            <a:endParaRPr lang="en-GB" sz="3000" dirty="0"/>
           </a:p>
         </p:txBody>
       </p:sp>
     </p:spTree>
     <p:extLst>
       <p:ext uri="{BB962C8B-B14F-4D97-AF65-F5344CB8AC3E}">
-        <p14:creationId xmlns:p14="http://schemas.microsoft.com/office/powerpoint/2010/main" val="764725023"/>
+        <p14:creationId xmlns:p14="http://schemas.microsoft.com/office/powerpoint/2010/main" val="3718216746"/>
       </p:ext>
     </p:extLst>
   </p:cSld>
@@ -22589,7 +22714,7 @@
           <a:p>
             <a:r>
               <a:rPr lang="en-GB" sz="4000" dirty="0"/>
-              <a:t>Imperial Thesis Requirements</a:t>
+              <a:t>Writing Theses in LaTeX</a:t>
             </a:r>
           </a:p>
         </p:txBody>
@@ -22625,12 +22750,9 @@
               </a:spcAft>
             </a:pPr>
             <a:r>
-              <a:rPr lang="en-GB" sz="2400" dirty="0">
-                <a:hlinkClick r:id="rId3"/>
-              </a:rPr>
-              <a:t>Theses for Imperial College Research Degrees Checklist</a:t>
-            </a:r>
-            <a:endParaRPr lang="en-GB" sz="2400" dirty="0"/>
+              <a:rPr lang="en-US" sz="2400" dirty="0"/>
+              <a:t>Excellent Technical Typesetting</a:t>
+            </a:r>
           </a:p>
           <a:p>
             <a:pPr fontAlgn="base">
@@ -22642,12 +22764,9 @@
               </a:spcAft>
             </a:pPr>
             <a:r>
-              <a:rPr lang="en-GB" sz="2400" dirty="0">
-                <a:hlinkClick r:id="rId4"/>
-              </a:rPr>
-              <a:t>Academic Regulations</a:t>
-            </a:r>
-            <a:endParaRPr lang="en-GB" sz="2400" dirty="0"/>
+              <a:rPr lang="en-US" sz="2400" dirty="0"/>
+              <a:t>Easy to iterate document-wide formatting</a:t>
+            </a:r>
           </a:p>
           <a:p>
             <a:pPr fontAlgn="base">
@@ -22659,9 +22778,14 @@
               </a:spcAft>
             </a:pPr>
             <a:r>
-              <a:rPr lang="en-GB" sz="2400" dirty="0"/>
-              <a:t>Written in English</a:t>
-            </a:r>
+              <a:rPr lang="en-US" sz="2400" dirty="0"/>
+              <a:t>Easy to include and reference figures/equations </a:t>
+            </a:r>
+            <a:r>
+              <a:rPr lang="en-US" sz="2400" dirty="0" err="1"/>
+              <a:t>etc</a:t>
+            </a:r>
+            <a:endParaRPr lang="en-US" sz="2400" dirty="0"/>
           </a:p>
           <a:p>
             <a:pPr fontAlgn="base">
@@ -22673,8 +22797,8 @@
               </a:spcAft>
             </a:pPr>
             <a:r>
-              <a:rPr lang="en-GB" sz="2400" dirty="0"/>
-              <a:t>Not longer than 100,000 words</a:t>
+              <a:rPr lang="en-US" sz="2400" dirty="0"/>
+              <a:t>Easy to iterate figures</a:t>
             </a:r>
           </a:p>
           <a:p>
@@ -22687,12 +22811,12 @@
               </a:spcAft>
             </a:pPr>
             <a:r>
-              <a:rPr lang="en-GB" sz="2400" dirty="0"/>
-              <a:t>Cannot be copy-pasted papers</a:t>
-            </a:r>
-          </a:p>
-          <a:p>
-            <a:pPr fontAlgn="base">
+              <a:rPr lang="en-US" sz="2400" dirty="0"/>
+              <a:t>Files stored in plain-text</a:t>
+            </a:r>
+          </a:p>
+          <a:p>
+            <a:pPr lvl="1" fontAlgn="base">
               <a:spcBef>
                 <a:spcPts val="600"/>
               </a:spcBef>
@@ -22701,12 +22825,12 @@
               </a:spcAft>
             </a:pPr>
             <a:r>
-              <a:rPr lang="en-GB" sz="2400" dirty="0"/>
-              <a:t>Include full bibliography and references</a:t>
-            </a:r>
-          </a:p>
-          <a:p>
-            <a:pPr fontAlgn="base">
+              <a:rPr lang="en-US" sz="2000" dirty="0"/>
+              <a:t>Less prone to corruption</a:t>
+            </a:r>
+          </a:p>
+          <a:p>
+            <a:pPr lvl="1" fontAlgn="base">
               <a:spcBef>
                 <a:spcPts val="600"/>
               </a:spcBef>
@@ -22715,30 +22839,28 @@
               </a:spcAft>
             </a:pPr>
             <a:r>
-              <a:rPr lang="en-GB" sz="2400" dirty="0"/>
-              <a:t>You will be examined on this by examiners in your viva</a:t>
-            </a:r>
-          </a:p>
-          <a:p>
-            <a:pPr fontAlgn="base">
+              <a:rPr lang="en-US" sz="2000" dirty="0"/>
+              <a:t>Easier to “diff” when using version control</a:t>
+            </a:r>
+          </a:p>
+          <a:p>
+            <a:pPr marL="0" lvl="0" indent="0" fontAlgn="base">
               <a:spcBef>
                 <a:spcPts val="600"/>
               </a:spcBef>
               <a:spcAft>
                 <a:spcPts val="600"/>
               </a:spcAft>
+              <a:buNone/>
             </a:pPr>
-            <a:r>
-              <a:rPr lang="en-GB" sz="2400" dirty="0"/>
-              <a:t>“Any formatting information that is not explicitly outlined in these guidance notes is up to the judgement of the student, and reasonable solutions will be accepted.”</a:t>
-            </a:r>
+            <a:endParaRPr lang="en-GB" sz="2400" dirty="0"/>
           </a:p>
         </p:txBody>
       </p:sp>
     </p:spTree>
     <p:extLst>
       <p:ext uri="{BB962C8B-B14F-4D97-AF65-F5344CB8AC3E}">
-        <p14:creationId xmlns:p14="http://schemas.microsoft.com/office/powerpoint/2010/main" val="3485628822"/>
+        <p14:creationId xmlns:p14="http://schemas.microsoft.com/office/powerpoint/2010/main" val="764725023"/>
       </p:ext>
     </p:extLst>
   </p:cSld>
@@ -22790,7 +22912,7 @@
           <a:p>
             <a:r>
               <a:rPr lang="en-GB" sz="4000" dirty="0"/>
-              <a:t>Paper Size and Pagination</a:t>
+              <a:t>Imperial Thesis Requirements</a:t>
             </a:r>
           </a:p>
         </p:txBody>
@@ -22808,7 +22930,7 @@
         <p:spPr>
           <a:xfrm>
             <a:off x="457200" y="1600200"/>
-            <a:ext cx="8435280" cy="3875690"/>
+            <a:ext cx="8435280" cy="4876800"/>
           </a:xfrm>
         </p:spPr>
         <p:txBody>
@@ -22826,9 +22948,12 @@
               </a:spcAft>
             </a:pPr>
             <a:r>
-              <a:rPr lang="en-GB" sz="2400" dirty="0"/>
-              <a:t>Typically A4 paper</a:t>
-            </a:r>
+              <a:rPr lang="en-GB" sz="2400" dirty="0">
+                <a:hlinkClick r:id="rId3"/>
+              </a:rPr>
+              <a:t>Theses for Imperial College Research Degrees Checklist</a:t>
+            </a:r>
+            <a:endParaRPr lang="en-GB" sz="2400" dirty="0"/>
           </a:p>
           <a:p>
             <a:pPr fontAlgn="base">
@@ -22840,9 +22965,12 @@
               </a:spcAft>
             </a:pPr>
             <a:r>
-              <a:rPr lang="en-GB" sz="2400" dirty="0"/>
-              <a:t>You may want your pages to be double-sided</a:t>
-            </a:r>
+              <a:rPr lang="en-GB" sz="2400" dirty="0">
+                <a:hlinkClick r:id="rId4"/>
+              </a:rPr>
+              <a:t>Academic Regulations</a:t>
+            </a:r>
+            <a:endParaRPr lang="en-GB" sz="2400" dirty="0"/>
           </a:p>
           <a:p>
             <a:pPr fontAlgn="base">
@@ -22855,7 +22983,7 @@
             </a:pPr>
             <a:r>
               <a:rPr lang="en-GB" sz="2400" dirty="0"/>
-              <a:t>All pages to be sequentially numbered in Arabic numerals including title page [Section 4.4 of Checklist]</a:t>
+              <a:t>Written in English</a:t>
             </a:r>
           </a:p>
           <a:p>
@@ -22869,7 +22997,7 @@
             </a:pPr>
             <a:r>
               <a:rPr lang="en-GB" sz="2400" dirty="0"/>
-              <a:t>Achieved in the preamble:</a:t>
+              <a:t>Not longer than 100,000 words</a:t>
             </a:r>
           </a:p>
           <a:p>
@@ -22881,82 +23009,51 @@
                 <a:spcPts val="600"/>
               </a:spcAft>
             </a:pPr>
-            <a:endParaRPr lang="en-GB" sz="2400" dirty="0"/>
-          </a:p>
-          <a:p>
-            <a:pPr marL="0" indent="0" fontAlgn="base">
+            <a:r>
+              <a:rPr lang="en-GB" sz="2400" dirty="0"/>
+              <a:t>Cannot be copy-pasted papers</a:t>
+            </a:r>
+          </a:p>
+          <a:p>
+            <a:pPr fontAlgn="base">
               <a:spcBef>
                 <a:spcPts val="600"/>
               </a:spcBef>
               <a:spcAft>
                 <a:spcPts val="600"/>
               </a:spcAft>
-              <a:buNone/>
             </a:pPr>
             <a:r>
-              <a:rPr lang="en-GB" sz="2400" dirty="0">
-                <a:solidFill>
-                  <a:schemeClr val="tx2">
-                    <a:lumMod val="50000"/>
-                    <a:lumOff val="50000"/>
-                  </a:schemeClr>
-                </a:solidFill>
-              </a:rPr>
-              <a:t>\</a:t>
-            </a:r>
-            <a:r>
-              <a:rPr lang="en-GB" sz="2400" dirty="0" err="1">
-                <a:solidFill>
-                  <a:schemeClr val="tx2">
-                    <a:lumMod val="50000"/>
-                    <a:lumOff val="50000"/>
-                  </a:schemeClr>
-                </a:solidFill>
-              </a:rPr>
-              <a:t>documentclass</a:t>
-            </a:r>
-            <a:r>
               <a:rPr lang="en-GB" sz="2400" dirty="0"/>
-              <a:t>[</a:t>
-            </a:r>
-            <a:r>
-              <a:rPr lang="en-GB" sz="2400" dirty="0">
-                <a:solidFill>
-                  <a:schemeClr val="accent4">
-                    <a:lumMod val="75000"/>
-                  </a:schemeClr>
-                </a:solidFill>
-              </a:rPr>
-              <a:t>12pt, a4paper, </a:t>
-            </a:r>
-            <a:r>
-              <a:rPr lang="en-GB" sz="2400" dirty="0" err="1">
-                <a:solidFill>
-                  <a:schemeClr val="accent4">
-                    <a:lumMod val="75000"/>
-                  </a:schemeClr>
-                </a:solidFill>
-              </a:rPr>
-              <a:t>twoside</a:t>
-            </a:r>
+              <a:t>Include full bibliography and references</a:t>
+            </a:r>
+          </a:p>
+          <a:p>
+            <a:pPr fontAlgn="base">
+              <a:spcBef>
+                <a:spcPts val="600"/>
+              </a:spcBef>
+              <a:spcAft>
+                <a:spcPts val="600"/>
+              </a:spcAft>
+            </a:pPr>
             <a:r>
               <a:rPr lang="en-GB" sz="2400" dirty="0"/>
-              <a:t>]{</a:t>
-            </a:r>
-            <a:r>
-              <a:rPr lang="en-GB" sz="2400" dirty="0">
-                <a:solidFill>
-                  <a:schemeClr val="tx2">
-                    <a:lumMod val="50000"/>
-                    <a:lumOff val="50000"/>
-                  </a:schemeClr>
-                </a:solidFill>
-              </a:rPr>
-              <a:t>report</a:t>
-            </a:r>
+              <a:t>You will be examined on this by examiners in your viva</a:t>
+            </a:r>
+          </a:p>
+          <a:p>
+            <a:pPr fontAlgn="base">
+              <a:spcBef>
+                <a:spcPts val="600"/>
+              </a:spcBef>
+              <a:spcAft>
+                <a:spcPts val="600"/>
+              </a:spcAft>
+            </a:pPr>
             <a:r>
               <a:rPr lang="en-GB" sz="2400" dirty="0"/>
-              <a:t>} </a:t>
+              <a:t>“Any formatting information that is not explicitly outlined in these guidance notes is up to the judgement of the student, and reasonable solutions will be accepted.”</a:t>
             </a:r>
           </a:p>
         </p:txBody>
@@ -22964,7 +23061,7 @@
     </p:spTree>
     <p:extLst>
       <p:ext uri="{BB962C8B-B14F-4D97-AF65-F5344CB8AC3E}">
-        <p14:creationId xmlns:p14="http://schemas.microsoft.com/office/powerpoint/2010/main" val="2191292543"/>
+        <p14:creationId xmlns:p14="http://schemas.microsoft.com/office/powerpoint/2010/main" val="3485628822"/>
       </p:ext>
     </p:extLst>
   </p:cSld>
@@ -23016,7 +23113,7 @@
           <a:p>
             <a:r>
               <a:rPr lang="en-GB" sz="4000" dirty="0"/>
-              <a:t>Margins</a:t>
+              <a:t>Paper Size and Pagination</a:t>
             </a:r>
           </a:p>
         </p:txBody>
@@ -23033,8 +23130,8 @@
         </p:nvSpPr>
         <p:spPr>
           <a:xfrm>
-            <a:off x="457200" y="1600199"/>
-            <a:ext cx="8435280" cy="4453759"/>
+            <a:off x="457200" y="1600200"/>
+            <a:ext cx="8435280" cy="3875690"/>
           </a:xfrm>
         </p:spPr>
         <p:txBody>
@@ -23053,7 +23150,7 @@
             </a:pPr>
             <a:r>
               <a:rPr lang="en-GB" sz="2400" dirty="0"/>
-              <a:t>Margins must be even on both sides [Checklist Section 4]</a:t>
+              <a:t>Typically A4 paper</a:t>
             </a:r>
           </a:p>
           <a:p>
@@ -23067,7 +23164,7 @@
             </a:pPr>
             <a:r>
               <a:rPr lang="en-GB" sz="2400" dirty="0"/>
-              <a:t>For binding services, margins must typically be at least 1cm</a:t>
+              <a:t>You may want your pages to be double-sided</a:t>
             </a:r>
           </a:p>
           <a:p>
@@ -23081,22 +23178,7 @@
             </a:pPr>
             <a:r>
               <a:rPr lang="en-GB" sz="2400" dirty="0"/>
-              <a:t>The </a:t>
-            </a:r>
-            <a:r>
-              <a:rPr lang="en-GB" sz="2400" dirty="0">
-                <a:solidFill>
-                  <a:schemeClr val="tx2">
-                    <a:lumMod val="50000"/>
-                    <a:lumOff val="50000"/>
-                  </a:schemeClr>
-                </a:solidFill>
-              </a:rPr>
-              <a:t>geometry</a:t>
-            </a:r>
-            <a:r>
-              <a:rPr lang="en-GB" sz="2400" dirty="0"/>
-              <a:t> package allows us to set margins</a:t>
+              <a:t>All pages to be sequentially numbered in Arabic numerals including title page [Section 4.4 of Checklist]</a:t>
             </a:r>
           </a:p>
           <a:p>
@@ -23110,7 +23192,40 @@
             </a:pPr>
             <a:r>
               <a:rPr lang="en-GB" sz="2400" dirty="0"/>
-              <a:t>The </a:t>
+              <a:t>Achieved in the preamble:</a:t>
+            </a:r>
+          </a:p>
+          <a:p>
+            <a:pPr fontAlgn="base">
+              <a:spcBef>
+                <a:spcPts val="600"/>
+              </a:spcBef>
+              <a:spcAft>
+                <a:spcPts val="600"/>
+              </a:spcAft>
+            </a:pPr>
+            <a:endParaRPr lang="en-GB" sz="2400" dirty="0"/>
+          </a:p>
+          <a:p>
+            <a:pPr marL="0" indent="0" fontAlgn="base">
+              <a:spcBef>
+                <a:spcPts val="600"/>
+              </a:spcBef>
+              <a:spcAft>
+                <a:spcPts val="600"/>
+              </a:spcAft>
+              <a:buNone/>
+            </a:pPr>
+            <a:r>
+              <a:rPr lang="en-GB" sz="2400" dirty="0">
+                <a:solidFill>
+                  <a:schemeClr val="tx2">
+                    <a:lumMod val="50000"/>
+                    <a:lumOff val="50000"/>
+                  </a:schemeClr>
+                </a:solidFill>
+              </a:rPr>
+              <a:t>\</a:t>
             </a:r>
             <a:r>
               <a:rPr lang="en-GB" sz="2400" dirty="0" err="1">
@@ -23121,37 +23236,50 @@
                   </a:schemeClr>
                 </a:solidFill>
               </a:rPr>
-              <a:t>blindtext</a:t>
+              <a:t>documentclass</a:t>
             </a:r>
             <a:r>
               <a:rPr lang="en-GB" sz="2400" dirty="0"/>
-              <a:t> package and </a:t>
+              <a:t>[</a:t>
             </a:r>
             <a:r>
               <a:rPr lang="en-GB" sz="2400" dirty="0">
                 <a:solidFill>
-                  <a:schemeClr val="tx2">
-                    <a:lumMod val="50000"/>
-                    <a:lumOff val="50000"/>
-                  </a:schemeClr>
-                </a:solidFill>
-              </a:rPr>
-              <a:t>\</a:t>
+                  <a:schemeClr val="accent4">
+                    <a:lumMod val="75000"/>
+                  </a:schemeClr>
+                </a:solidFill>
+              </a:rPr>
+              <a:t>12pt, a4paper, </a:t>
             </a:r>
             <a:r>
               <a:rPr lang="en-GB" sz="2400" dirty="0" err="1">
                 <a:solidFill>
-                  <a:schemeClr val="tx2">
-                    <a:lumMod val="50000"/>
-                    <a:lumOff val="50000"/>
-                  </a:schemeClr>
-                </a:solidFill>
-              </a:rPr>
-              <a:t>blindtext</a:t>
+                  <a:schemeClr val="accent4">
+                    <a:lumMod val="75000"/>
+                  </a:schemeClr>
+                </a:solidFill>
+              </a:rPr>
+              <a:t>twoside</a:t>
             </a:r>
             <a:r>
               <a:rPr lang="en-GB" sz="2400" dirty="0"/>
-              <a:t>[X] command allows us to insert sample text for testing typesetting</a:t>
+              <a:t>]{</a:t>
+            </a:r>
+            <a:r>
+              <a:rPr lang="en-GB" sz="2400" dirty="0">
+                <a:solidFill>
+                  <a:schemeClr val="tx2">
+                    <a:lumMod val="50000"/>
+                    <a:lumOff val="50000"/>
+                  </a:schemeClr>
+                </a:solidFill>
+              </a:rPr>
+              <a:t>report</a:t>
+            </a:r>
+            <a:r>
+              <a:rPr lang="en-GB" sz="2400" dirty="0"/>
+              <a:t>} </a:t>
             </a:r>
           </a:p>
         </p:txBody>
@@ -23159,7 +23287,7 @@
     </p:spTree>
     <p:extLst>
       <p:ext uri="{BB962C8B-B14F-4D97-AF65-F5344CB8AC3E}">
-        <p14:creationId xmlns:p14="http://schemas.microsoft.com/office/powerpoint/2010/main" val="2812092125"/>
+        <p14:creationId xmlns:p14="http://schemas.microsoft.com/office/powerpoint/2010/main" val="2191292543"/>
       </p:ext>
     </p:extLst>
   </p:cSld>

--- a/Writing Theses in Latex Slides.pptx
+++ b/Writing Theses in Latex Slides.pptx
@@ -478,7 +478,7 @@
           <a:p>
             <a:fld id="{88EB714B-C3CC-4216-88C1-02913905B1CF}" type="datetimeFigureOut">
               <a:rPr lang="en-GB" smtClean="0"/>
-              <a:t>12/10/2021</a:t>
+              <a:t>04/11/2021</a:t>
             </a:fld>
             <a:endParaRPr lang="en-GB"/>
           </a:p>
@@ -6477,7 +6477,7 @@
           <a:p>
             <a:fld id="{EB0080F8-EA1C-491D-963C-2C881B2F918F}" type="datetimeFigureOut">
               <a:rPr lang="en-GB" smtClean="0"/>
-              <a:t>12/10/2021</a:t>
+              <a:t>04/11/2021</a:t>
             </a:fld>
             <a:endParaRPr lang="en-GB"/>
           </a:p>
@@ -6627,7 +6627,7 @@
           <a:p>
             <a:fld id="{EB0080F8-EA1C-491D-963C-2C881B2F918F}" type="datetimeFigureOut">
               <a:rPr lang="en-GB" smtClean="0"/>
-              <a:t>12/10/2021</a:t>
+              <a:t>04/11/2021</a:t>
             </a:fld>
             <a:endParaRPr lang="en-GB"/>
           </a:p>
@@ -8160,7 +8160,7 @@
           <a:p>
             <a:fld id="{EB0080F8-EA1C-491D-963C-2C881B2F918F}" type="datetimeFigureOut">
               <a:rPr lang="en-GB" smtClean="0"/>
-              <a:t>12/10/2021</a:t>
+              <a:t>04/11/2021</a:t>
             </a:fld>
             <a:endParaRPr lang="en-GB"/>
           </a:p>
@@ -11499,7 +11499,7 @@
         <p:spPr>
           <a:xfrm>
             <a:off x="401319" y="1431416"/>
-            <a:ext cx="8388117" cy="4549506"/>
+            <a:ext cx="8388117" cy="3535439"/>
           </a:xfrm>
         </p:spPr>
         <p:txBody>
@@ -11522,7 +11522,7 @@
             </a:br>
             <a:r>
               <a:rPr lang="en-GB" sz="2800" dirty="0"/>
-              <a:t>After this course you will receive an email from the Graduate School administration team which will provide you with a QR code and instructions to mark your attendance at this course on Inkpath. </a:t>
+              <a:t>At the end of this course you will be shown instructions of how to mark your attendance on Inkpath</a:t>
             </a:r>
             <a:br>
               <a:rPr lang="en-GB" sz="2800" dirty="0"/>
@@ -11540,7 +11540,7 @@
             </a:r>
             <a:r>
               <a:rPr lang="en-GB" sz="2800" dirty="0"/>
-              <a:t> mark your attendance until you have received an email from the Graduate School. </a:t>
+              <a:t> mark your attendance until then.</a:t>
             </a:r>
           </a:p>
         </p:txBody>

--- a/Writing Theses in Latex Slides.pptx
+++ b/Writing Theses in Latex Slides.pptx
@@ -478,7 +478,7 @@
           <a:p>
             <a:fld id="{88EB714B-C3CC-4216-88C1-02913905B1CF}" type="datetimeFigureOut">
               <a:rPr lang="en-GB" smtClean="0"/>
-              <a:t>04/11/2021</a:t>
+              <a:t>19/11/2021</a:t>
             </a:fld>
             <a:endParaRPr lang="en-GB"/>
           </a:p>
@@ -6477,7 +6477,7 @@
           <a:p>
             <a:fld id="{EB0080F8-EA1C-491D-963C-2C881B2F918F}" type="datetimeFigureOut">
               <a:rPr lang="en-GB" smtClean="0"/>
-              <a:t>04/11/2021</a:t>
+              <a:t>19/11/2021</a:t>
             </a:fld>
             <a:endParaRPr lang="en-GB"/>
           </a:p>
@@ -6627,7 +6627,7 @@
           <a:p>
             <a:fld id="{EB0080F8-EA1C-491D-963C-2C881B2F918F}" type="datetimeFigureOut">
               <a:rPr lang="en-GB" smtClean="0"/>
-              <a:t>04/11/2021</a:t>
+              <a:t>19/11/2021</a:t>
             </a:fld>
             <a:endParaRPr lang="en-GB"/>
           </a:p>
@@ -8160,7 +8160,7 @@
           <a:p>
             <a:fld id="{EB0080F8-EA1C-491D-963C-2C881B2F918F}" type="datetimeFigureOut">
               <a:rPr lang="en-GB" smtClean="0"/>
-              <a:t>04/11/2021</a:t>
+              <a:t>19/11/2021</a:t>
             </a:fld>
             <a:endParaRPr lang="en-GB"/>
           </a:p>
@@ -11499,7 +11499,7 @@
         <p:spPr>
           <a:xfrm>
             <a:off x="401319" y="1431416"/>
-            <a:ext cx="8388117" cy="3535439"/>
+            <a:ext cx="8388117" cy="4605702"/>
           </a:xfrm>
         </p:spPr>
         <p:txBody>
@@ -11522,26 +11522,26 @@
             </a:br>
             <a:r>
               <a:rPr lang="en-GB" sz="2800" dirty="0"/>
-              <a:t>At the end of this course you will be shown instructions of how to mark your attendance on Inkpath</a:t>
+              <a:t>I will show you a QR code at the end of the session allowing you to mark your attendance on Inkpath. Please do not mark your attendance until then.</a:t>
             </a:r>
             <a:br>
               <a:rPr lang="en-GB" sz="2800" dirty="0"/>
             </a:br>
             <a:br>
-              <a:rPr lang="en-GB" sz="2800" dirty="0"/>
+              <a:rPr lang="en-GB" sz="2800" dirty="0">
+                <a:latin typeface="Calibri" panose="020F0502020204030204" pitchFamily="34" charset="0"/>
+                <a:cs typeface="Calibri" panose="020F0502020204030204" pitchFamily="34" charset="0"/>
+              </a:rPr>
             </a:br>
             <a:r>
-              <a:rPr lang="en-GB" sz="2800" dirty="0"/>
-              <a:t>Please </a:t>
-            </a:r>
-            <a:r>
-              <a:rPr lang="en-GB" sz="2800" u="sng" dirty="0"/>
-              <a:t>do not</a:t>
-            </a:r>
-            <a:r>
-              <a:rPr lang="en-GB" sz="2800" dirty="0"/>
-              <a:t> mark your attendance until then.</a:t>
-            </a:r>
+              <a:rPr lang="en-GB" sz="2800" dirty="0">
+                <a:effectLst/>
+                <a:ea typeface="Times New Roman" panose="02020603050405020304" pitchFamily="18" charset="0"/>
+                <a:cs typeface="Calibri" panose="020F0502020204030204" pitchFamily="34" charset="0"/>
+              </a:rPr>
+              <a:t>If you are not a Postgraduate Research student and didn’t book via Inkpath, your attendance will be marked on a separate database.</a:t>
+            </a:r>
+            <a:endParaRPr lang="en-GB" sz="2800" dirty="0"/>
           </a:p>
         </p:txBody>
       </p:sp>

--- a/Writing Theses in Latex Slides.pptx
+++ b/Writing Theses in Latex Slides.pptx
@@ -478,7 +478,7 @@
           <a:p>
             <a:fld id="{88EB714B-C3CC-4216-88C1-02913905B1CF}" type="datetimeFigureOut">
               <a:rPr lang="en-GB" smtClean="0"/>
-              <a:t>19/11/2021</a:t>
+              <a:t>27/01/2022</a:t>
             </a:fld>
             <a:endParaRPr lang="en-GB"/>
           </a:p>
@@ -6477,7 +6477,7 @@
           <a:p>
             <a:fld id="{EB0080F8-EA1C-491D-963C-2C881B2F918F}" type="datetimeFigureOut">
               <a:rPr lang="en-GB" smtClean="0"/>
-              <a:t>19/11/2021</a:t>
+              <a:t>27/01/2022</a:t>
             </a:fld>
             <a:endParaRPr lang="en-GB"/>
           </a:p>
@@ -6627,7 +6627,7 @@
           <a:p>
             <a:fld id="{EB0080F8-EA1C-491D-963C-2C881B2F918F}" type="datetimeFigureOut">
               <a:rPr lang="en-GB" smtClean="0"/>
-              <a:t>19/11/2021</a:t>
+              <a:t>27/01/2022</a:t>
             </a:fld>
             <a:endParaRPr lang="en-GB"/>
           </a:p>
@@ -8160,7 +8160,7 @@
           <a:p>
             <a:fld id="{EB0080F8-EA1C-491D-963C-2C881B2F918F}" type="datetimeFigureOut">
               <a:rPr lang="en-GB" smtClean="0"/>
-              <a:t>19/11/2021</a:t>
+              <a:t>27/01/2022</a:t>
             </a:fld>
             <a:endParaRPr lang="en-GB"/>
           </a:p>
@@ -19741,13 +19741,15 @@
       <p:cxnSp>
         <p:nvCxnSpPr>
           <p:cNvPr id="11" name="Straight Connector 10"/>
-          <p:cNvCxnSpPr/>
+          <p:cNvCxnSpPr>
+            <a:cxnSpLocks/>
+          </p:cNvCxnSpPr>
           <p:nvPr/>
         </p:nvCxnSpPr>
         <p:spPr>
           <a:xfrm>
             <a:off x="4572000" y="1417638"/>
-            <a:ext cx="0" cy="5440362"/>
+            <a:ext cx="0" cy="4393883"/>
           </a:xfrm>
           <a:prstGeom prst="line">
             <a:avLst/>
@@ -19915,7 +19917,7 @@
         </p:blipFill>
         <p:spPr>
           <a:xfrm>
-            <a:off x="4842355" y="3437007"/>
+            <a:off x="4842355" y="3214268"/>
             <a:ext cx="3974523" cy="670474"/>
           </a:xfrm>
           <a:prstGeom prst="rect">
@@ -19942,7 +19944,7 @@
         </p:nvSpPr>
         <p:spPr>
           <a:xfrm>
-            <a:off x="191387" y="3564182"/>
+            <a:off x="191387" y="3349450"/>
             <a:ext cx="4221840" cy="400110"/>
           </a:xfrm>
           <a:prstGeom prst="rect">
@@ -20032,7 +20034,7 @@
         </p:nvSpPr>
         <p:spPr>
           <a:xfrm>
-            <a:off x="191387" y="5173278"/>
+            <a:off x="191387" y="4795515"/>
             <a:ext cx="4221840" cy="400110"/>
           </a:xfrm>
           <a:prstGeom prst="rect">
@@ -20130,7 +20132,7 @@
         </p:blipFill>
         <p:spPr>
           <a:xfrm>
-            <a:off x="4842355" y="4935145"/>
+            <a:off x="4842355" y="4619068"/>
             <a:ext cx="3528366" cy="876376"/>
           </a:xfrm>
           <a:prstGeom prst="rect">
@@ -20143,6 +20145,51 @@
           </a:ln>
         </p:spPr>
       </p:pic>
+      <p:sp>
+        <p:nvSpPr>
+          <p:cNvPr id="6" name="TextBox 5">
+            <a:extLst>
+              <a:ext uri="{FF2B5EF4-FFF2-40B4-BE49-F238E27FC236}">
+                <a16:creationId xmlns:a16="http://schemas.microsoft.com/office/drawing/2014/main" id="{48D6B5E1-1D67-4E95-932D-F025ED774AA5}"/>
+              </a:ext>
+            </a:extLst>
+          </p:cNvPr>
+          <p:cNvSpPr txBox="1"/>
+          <p:nvPr/>
+        </p:nvSpPr>
+        <p:spPr>
+          <a:xfrm>
+            <a:off x="350874" y="6039293"/>
+            <a:ext cx="8494633" cy="369332"/>
+          </a:xfrm>
+          <a:prstGeom prst="rect">
+            <a:avLst/>
+          </a:prstGeom>
+          <a:noFill/>
+        </p:spPr>
+        <p:txBody>
+          <a:bodyPr wrap="none" rtlCol="0">
+            <a:spAutoFit/>
+          </a:bodyPr>
+          <a:lstStyle/>
+          <a:p>
+            <a:r>
+              <a:rPr lang="en-GB" dirty="0"/>
+              <a:t>The library provides </a:t>
+            </a:r>
+            <a:r>
+              <a:rPr lang="en-GB" dirty="0">
+                <a:hlinkClick r:id="rId6"/>
+              </a:rPr>
+              <a:t>some guidance </a:t>
+            </a:r>
+            <a:r>
+              <a:rPr lang="en-GB" dirty="0"/>
+              <a:t>on matching some specific referencing styles</a:t>
+            </a:r>
+          </a:p>
+        </p:txBody>
+      </p:sp>
     </p:spTree>
     <p:extLst>
       <p:ext uri="{BB962C8B-B14F-4D97-AF65-F5344CB8AC3E}">

--- a/Writing Theses in Latex Slides.pptx
+++ b/Writing Theses in Latex Slides.pptx
@@ -13,8 +13,8 @@
   <p:sldIdLst>
     <p:sldId id="264" r:id="rId2"/>
     <p:sldId id="504" r:id="rId3"/>
-    <p:sldId id="258" r:id="rId4"/>
-    <p:sldId id="257" r:id="rId5"/>
+    <p:sldId id="505" r:id="rId4"/>
+    <p:sldId id="506" r:id="rId5"/>
     <p:sldId id="267" r:id="rId6"/>
     <p:sldId id="292" r:id="rId7"/>
     <p:sldId id="268" r:id="rId8"/>
@@ -161,8 +161,8 @@
           <p14:sldIdLst>
             <p14:sldId id="264"/>
             <p14:sldId id="504"/>
-            <p14:sldId id="258"/>
-            <p14:sldId id="257"/>
+            <p14:sldId id="505"/>
+            <p14:sldId id="506"/>
             <p14:sldId id="267"/>
             <p14:sldId id="292"/>
             <p14:sldId id="268"/>
@@ -478,7 +478,7 @@
           <a:p>
             <a:fld id="{88EB714B-C3CC-4216-88C1-02913905B1CF}" type="datetimeFigureOut">
               <a:rPr lang="en-GB" smtClean="0"/>
-              <a:t>27/01/2022</a:t>
+              <a:t>02/02/2022</a:t>
             </a:fld>
             <a:endParaRPr lang="en-GB"/>
           </a:p>
@@ -6477,7 +6477,7 @@
           <a:p>
             <a:fld id="{EB0080F8-EA1C-491D-963C-2C881B2F918F}" type="datetimeFigureOut">
               <a:rPr lang="en-GB" smtClean="0"/>
-              <a:t>27/01/2022</a:t>
+              <a:t>02/02/2022</a:t>
             </a:fld>
             <a:endParaRPr lang="en-GB"/>
           </a:p>
@@ -6627,7 +6627,7 @@
           <a:p>
             <a:fld id="{EB0080F8-EA1C-491D-963C-2C881B2F918F}" type="datetimeFigureOut">
               <a:rPr lang="en-GB" smtClean="0"/>
-              <a:t>27/01/2022</a:t>
+              <a:t>02/02/2022</a:t>
             </a:fld>
             <a:endParaRPr lang="en-GB"/>
           </a:p>
@@ -8160,7 +8160,7 @@
           <a:p>
             <a:fld id="{EB0080F8-EA1C-491D-963C-2C881B2F918F}" type="datetimeFigureOut">
               <a:rPr lang="en-GB" smtClean="0"/>
-              <a:t>27/01/2022</a:t>
+              <a:t>02/02/2022</a:t>
             </a:fld>
             <a:endParaRPr lang="en-GB"/>
           </a:p>
@@ -15706,7 +15706,7 @@
           </a:lstStyle>
           <a:p>
             <a:r>
-              <a:rPr lang="en-US" sz="3200" dirty="0">
+              <a:rPr lang="en-US" sz="3200">
                 <a:solidFill>
                   <a:schemeClr val="accent3"/>
                 </a:solidFill>
@@ -15737,7 +15737,7 @@
           <a:lstStyle/>
           <a:p>
             <a:r>
-              <a:rPr lang="en-US" sz="2200" u="sng" dirty="0">
+              <a:rPr lang="en-US" sz="2200" u="sng">
                 <a:ea typeface="+mj-lt"/>
                 <a:cs typeface="+mj-lt"/>
               </a:rPr>
@@ -15750,14 +15750,14 @@
               <a:buChar char="•"/>
             </a:pPr>
             <a:r>
-              <a:rPr lang="en-GB" sz="2200" dirty="0">
+              <a:rPr lang="en-GB" sz="2200">
                 <a:latin typeface="+mn-lt"/>
                 <a:ea typeface="Calibri" panose="020F0502020204030204" pitchFamily="34" charset="0"/>
                 <a:cs typeface="Times New Roman"/>
               </a:rPr>
               <a:t>You are expected to wear a face covering </a:t>
             </a:r>
-            <a:endParaRPr lang="en-GB" sz="2200" dirty="0"/>
+            <a:endParaRPr lang="en-GB" sz="2200"/>
           </a:p>
           <a:p>
             <a:pPr marL="457200" indent="-457200">
@@ -15765,26 +15765,15 @@
               <a:buChar char="•"/>
             </a:pPr>
             <a:r>
-              <a:rPr lang="en-US" sz="2200" dirty="0">
-                <a:ea typeface="+mj-lt"/>
-                <a:cs typeface="+mj-lt"/>
-              </a:rPr>
-              <a:t>Tutors will deliver their workshop 2 meters distance from </a:t>
-            </a:r>
-            <a:r>
               <a:rPr lang="en-US" sz="2200">
                 <a:ea typeface="+mj-lt"/>
                 <a:cs typeface="+mj-lt"/>
               </a:rPr>
-              <a:t>you </a:t>
-            </a:r>
-            <a:endParaRPr lang="en-US" sz="2200" dirty="0">
-              <a:ea typeface="+mj-lt"/>
-              <a:cs typeface="+mj-lt"/>
-            </a:endParaRPr>
-          </a:p>
-          <a:p>
-            <a:endParaRPr lang="en-US" sz="2200" u="sng" dirty="0">
+              <a:t>Tutors will deliver their workshop 2 meters distance from you </a:t>
+            </a:r>
+          </a:p>
+          <a:p>
+            <a:endParaRPr lang="en-US" sz="2200" u="sng">
               <a:latin typeface="+mn-lt"/>
               <a:ea typeface="+mj-lt"/>
               <a:cs typeface="+mj-lt"/>
@@ -15792,14 +15781,14 @@
           </a:p>
           <a:p>
             <a:r>
-              <a:rPr lang="en-US" sz="2200" u="sng" dirty="0">
+              <a:rPr lang="en-US" sz="2200" u="sng">
                 <a:latin typeface="+mn-lt"/>
                 <a:ea typeface="+mj-lt"/>
                 <a:cs typeface="+mj-lt"/>
               </a:rPr>
               <a:t>Hygiene</a:t>
             </a:r>
-            <a:endParaRPr lang="en-GB" sz="2200" u="sng" dirty="0">
+            <a:endParaRPr lang="en-GB" sz="2200" u="sng">
               <a:latin typeface="+mn-lt"/>
               <a:ea typeface="Calibri" panose="020F0502020204030204" pitchFamily="34" charset="0"/>
               <a:cs typeface="Times New Roman"/>
@@ -15811,15 +15800,15 @@
               <a:buChar char="•"/>
             </a:pPr>
             <a:r>
-              <a:rPr lang="en-US" sz="2200" dirty="0"/>
+              <a:rPr lang="en-US" sz="2200"/>
               <a:t>Where hand </a:t>
             </a:r>
             <a:r>
-              <a:rPr lang="en-US" sz="2200" dirty="0" err="1"/>
+              <a:rPr lang="en-US" sz="2200" err="1"/>
               <a:t>sanitiser</a:t>
             </a:r>
             <a:r>
-              <a:rPr lang="en-US" sz="2200" dirty="0"/>
+              <a:rPr lang="en-US" sz="2200"/>
               <a:t> is available, please use it</a:t>
             </a:r>
           </a:p>
@@ -15829,7 +15818,7 @@
               <a:buChar char="•"/>
             </a:pPr>
             <a:r>
-              <a:rPr lang="en-US" sz="2200" dirty="0"/>
+              <a:rPr lang="en-US" sz="2200"/>
               <a:t>Please wipe down any communal/shared course materials/equipment </a:t>
             </a:r>
           </a:p>
@@ -15838,14 +15827,14 @@
               <a:buFont typeface="Arial" panose="020B0604020202020204" pitchFamily="34" charset="0"/>
               <a:buChar char="•"/>
             </a:pPr>
-            <a:endParaRPr lang="en-US" sz="2400" dirty="0"/>
+            <a:endParaRPr lang="en-US" sz="2400"/>
           </a:p>
         </p:txBody>
       </p:sp>
     </p:spTree>
     <p:extLst>
       <p:ext uri="{BB962C8B-B14F-4D97-AF65-F5344CB8AC3E}">
-        <p14:creationId xmlns:p14="http://schemas.microsoft.com/office/powerpoint/2010/main" val="70908208"/>
+        <p14:creationId xmlns:p14="http://schemas.microsoft.com/office/powerpoint/2010/main" val="3335899296"/>
       </p:ext>
     </p:extLst>
   </p:cSld>
@@ -20574,7 +20563,7 @@
           </a:lstStyle>
           <a:p>
             <a:r>
-              <a:rPr lang="en-US" sz="3200" dirty="0">
+              <a:rPr lang="en-US" sz="3200">
                 <a:solidFill>
                   <a:schemeClr val="accent3"/>
                 </a:solidFill>
@@ -20605,17 +20594,17 @@
           <a:lstStyle/>
           <a:p>
             <a:r>
-              <a:rPr lang="en-US" sz="2200" u="sng" dirty="0"/>
+              <a:rPr lang="en-US" sz="2200" u="sng"/>
               <a:t>For the purpose of contact tracing</a:t>
             </a:r>
-            <a:endParaRPr lang="en-US" sz="2200" dirty="0"/>
-          </a:p>
-          <a:p>
-            <a:endParaRPr lang="en-US" sz="2200" dirty="0"/>
-          </a:p>
-          <a:p>
-            <a:r>
-              <a:rPr lang="en-US" sz="2200" dirty="0"/>
+            <a:endParaRPr lang="en-US" sz="2200"/>
+          </a:p>
+          <a:p>
+            <a:endParaRPr lang="en-US" sz="2200"/>
+          </a:p>
+          <a:p>
+            <a:r>
+              <a:rPr lang="en-US" sz="2200"/>
               <a:t>For our standard workshops:</a:t>
             </a:r>
           </a:p>
@@ -20625,16 +20614,16 @@
               <a:buChar char="•"/>
             </a:pPr>
             <a:r>
-              <a:rPr lang="en-US" sz="2200" dirty="0"/>
+              <a:rPr lang="en-US" sz="2200"/>
               <a:t>We will provide the CCT Hub with the complete list of attendees at this workshop</a:t>
             </a:r>
           </a:p>
           <a:p>
-            <a:endParaRPr lang="en-US" sz="2200" dirty="0"/>
-          </a:p>
-          <a:p>
-            <a:r>
-              <a:rPr lang="en-US" sz="2200" dirty="0"/>
+            <a:endParaRPr lang="en-US" sz="2200"/>
+          </a:p>
+          <a:p>
+            <a:r>
+              <a:rPr lang="en-US" sz="2200"/>
               <a:t>Where our workshops are held in lecture theatres:</a:t>
             </a:r>
           </a:p>
@@ -20644,27 +20633,19 @@
               <a:buChar char="•"/>
             </a:pPr>
             <a:r>
-              <a:rPr lang="en-US" sz="2200" dirty="0"/>
-              <a:t>You should keep a record of colleagues that you are sat in </a:t>
-            </a:r>
-            <a:r>
               <a:rPr lang="en-US" sz="2200"/>
-              <a:t>close contact with </a:t>
-            </a:r>
-            <a:r>
-              <a:rPr lang="en-US" sz="2200" dirty="0"/>
-              <a:t>(within 2 meters)</a:t>
-            </a:r>
-          </a:p>
-          <a:p>
-            <a:endParaRPr lang="en-US" dirty="0"/>
+              <a:t>You should keep a record of colleagues that you are sat in close contact with (within 2 meters)</a:t>
+            </a:r>
+          </a:p>
+          <a:p>
+            <a:endParaRPr lang="en-US"/>
           </a:p>
         </p:txBody>
       </p:sp>
     </p:spTree>
     <p:extLst>
       <p:ext uri="{BB962C8B-B14F-4D97-AF65-F5344CB8AC3E}">
-        <p14:creationId xmlns:p14="http://schemas.microsoft.com/office/powerpoint/2010/main" val="3238657636"/>
+        <p14:creationId xmlns:p14="http://schemas.microsoft.com/office/powerpoint/2010/main" val="2133740525"/>
       </p:ext>
     </p:extLst>
   </p:cSld>

--- a/Writing Theses in Latex Slides.pptx
+++ b/Writing Theses in Latex Slides.pptx
@@ -5,57 +5,56 @@
     <p:sldMasterId id="2147483648" r:id="rId1"/>
   </p:sldMasterIdLst>
   <p:notesMasterIdLst>
-    <p:notesMasterId r:id="rId47"/>
+    <p:notesMasterId r:id="rId46"/>
   </p:notesMasterIdLst>
   <p:handoutMasterIdLst>
-    <p:handoutMasterId r:id="rId48"/>
+    <p:handoutMasterId r:id="rId47"/>
   </p:handoutMasterIdLst>
   <p:sldIdLst>
     <p:sldId id="264" r:id="rId2"/>
     <p:sldId id="504" r:id="rId3"/>
-    <p:sldId id="505" r:id="rId4"/>
-    <p:sldId id="506" r:id="rId5"/>
-    <p:sldId id="267" r:id="rId6"/>
-    <p:sldId id="292" r:id="rId7"/>
-    <p:sldId id="268" r:id="rId8"/>
-    <p:sldId id="295" r:id="rId9"/>
-    <p:sldId id="296" r:id="rId10"/>
-    <p:sldId id="297" r:id="rId11"/>
-    <p:sldId id="298" r:id="rId12"/>
-    <p:sldId id="302" r:id="rId13"/>
-    <p:sldId id="301" r:id="rId14"/>
-    <p:sldId id="300" r:id="rId15"/>
-    <p:sldId id="303" r:id="rId16"/>
-    <p:sldId id="304" r:id="rId17"/>
-    <p:sldId id="307" r:id="rId18"/>
-    <p:sldId id="305" r:id="rId19"/>
-    <p:sldId id="306" r:id="rId20"/>
-    <p:sldId id="308" r:id="rId21"/>
-    <p:sldId id="309" r:id="rId22"/>
-    <p:sldId id="310" r:id="rId23"/>
-    <p:sldId id="311" r:id="rId24"/>
-    <p:sldId id="329" r:id="rId25"/>
-    <p:sldId id="320" r:id="rId26"/>
-    <p:sldId id="312" r:id="rId27"/>
-    <p:sldId id="316" r:id="rId28"/>
-    <p:sldId id="315" r:id="rId29"/>
-    <p:sldId id="317" r:id="rId30"/>
-    <p:sldId id="313" r:id="rId31"/>
-    <p:sldId id="314" r:id="rId32"/>
-    <p:sldId id="332" r:id="rId33"/>
-    <p:sldId id="318" r:id="rId34"/>
-    <p:sldId id="286" r:id="rId35"/>
-    <p:sldId id="319" r:id="rId36"/>
-    <p:sldId id="321" r:id="rId37"/>
-    <p:sldId id="322" r:id="rId38"/>
-    <p:sldId id="323" r:id="rId39"/>
-    <p:sldId id="326" r:id="rId40"/>
-    <p:sldId id="325" r:id="rId41"/>
-    <p:sldId id="327" r:id="rId42"/>
-    <p:sldId id="330" r:id="rId43"/>
-    <p:sldId id="328" r:id="rId44"/>
-    <p:sldId id="331" r:id="rId45"/>
-    <p:sldId id="280" r:id="rId46"/>
+    <p:sldId id="258" r:id="rId4"/>
+    <p:sldId id="267" r:id="rId5"/>
+    <p:sldId id="292" r:id="rId6"/>
+    <p:sldId id="268" r:id="rId7"/>
+    <p:sldId id="295" r:id="rId8"/>
+    <p:sldId id="296" r:id="rId9"/>
+    <p:sldId id="297" r:id="rId10"/>
+    <p:sldId id="298" r:id="rId11"/>
+    <p:sldId id="302" r:id="rId12"/>
+    <p:sldId id="301" r:id="rId13"/>
+    <p:sldId id="300" r:id="rId14"/>
+    <p:sldId id="303" r:id="rId15"/>
+    <p:sldId id="304" r:id="rId16"/>
+    <p:sldId id="307" r:id="rId17"/>
+    <p:sldId id="305" r:id="rId18"/>
+    <p:sldId id="306" r:id="rId19"/>
+    <p:sldId id="308" r:id="rId20"/>
+    <p:sldId id="309" r:id="rId21"/>
+    <p:sldId id="310" r:id="rId22"/>
+    <p:sldId id="311" r:id="rId23"/>
+    <p:sldId id="329" r:id="rId24"/>
+    <p:sldId id="320" r:id="rId25"/>
+    <p:sldId id="312" r:id="rId26"/>
+    <p:sldId id="316" r:id="rId27"/>
+    <p:sldId id="315" r:id="rId28"/>
+    <p:sldId id="317" r:id="rId29"/>
+    <p:sldId id="313" r:id="rId30"/>
+    <p:sldId id="314" r:id="rId31"/>
+    <p:sldId id="332" r:id="rId32"/>
+    <p:sldId id="318" r:id="rId33"/>
+    <p:sldId id="286" r:id="rId34"/>
+    <p:sldId id="319" r:id="rId35"/>
+    <p:sldId id="321" r:id="rId36"/>
+    <p:sldId id="322" r:id="rId37"/>
+    <p:sldId id="323" r:id="rId38"/>
+    <p:sldId id="326" r:id="rId39"/>
+    <p:sldId id="325" r:id="rId40"/>
+    <p:sldId id="327" r:id="rId41"/>
+    <p:sldId id="330" r:id="rId42"/>
+    <p:sldId id="328" r:id="rId43"/>
+    <p:sldId id="331" r:id="rId44"/>
+    <p:sldId id="280" r:id="rId45"/>
   </p:sldIdLst>
   <p:sldSz cx="9144000" cy="6858000" type="screen4x3"/>
   <p:notesSz cx="7099300" cy="10234613"/>
@@ -161,8 +160,7 @@
           <p14:sldIdLst>
             <p14:sldId id="264"/>
             <p14:sldId id="504"/>
-            <p14:sldId id="505"/>
-            <p14:sldId id="506"/>
+            <p14:sldId id="258"/>
             <p14:sldId id="267"/>
             <p14:sldId id="292"/>
             <p14:sldId id="268"/>
@@ -478,7 +476,7 @@
           <a:p>
             <a:fld id="{88EB714B-C3CC-4216-88C1-02913905B1CF}" type="datetimeFigureOut">
               <a:rPr lang="en-GB" smtClean="0"/>
-              <a:t>02/02/2022</a:t>
+              <a:t>08/03/2022</a:t>
             </a:fld>
             <a:endParaRPr lang="en-GB"/>
           </a:p>
@@ -1174,7 +1172,7 @@
           <a:p>
             <a:fld id="{6A641EC8-C9F8-4A58-A1A7-F7D817526EEC}" type="slidenum">
               <a:rPr lang="en-GB" smtClean="0"/>
-              <a:t>13</a:t>
+              <a:t>12</a:t>
             </a:fld>
             <a:endParaRPr lang="en-GB"/>
           </a:p>
@@ -1327,7 +1325,7 @@
           <a:p>
             <a:fld id="{6A641EC8-C9F8-4A58-A1A7-F7D817526EEC}" type="slidenum">
               <a:rPr lang="en-GB" smtClean="0"/>
-              <a:t>14</a:t>
+              <a:t>13</a:t>
             </a:fld>
             <a:endParaRPr lang="en-GB"/>
           </a:p>
@@ -1423,7 +1421,7 @@
           <a:p>
             <a:fld id="{6A641EC8-C9F8-4A58-A1A7-F7D817526EEC}" type="slidenum">
               <a:rPr lang="en-GB" smtClean="0"/>
-              <a:t>15</a:t>
+              <a:t>14</a:t>
             </a:fld>
             <a:endParaRPr lang="en-GB"/>
           </a:p>
@@ -1629,7 +1627,7 @@
           <a:p>
             <a:fld id="{6A641EC8-C9F8-4A58-A1A7-F7D817526EEC}" type="slidenum">
               <a:rPr lang="en-GB" smtClean="0"/>
-              <a:t>16</a:t>
+              <a:t>15</a:t>
             </a:fld>
             <a:endParaRPr lang="en-GB"/>
           </a:p>
@@ -1713,7 +1711,7 @@
           <a:p>
             <a:fld id="{6A641EC8-C9F8-4A58-A1A7-F7D817526EEC}" type="slidenum">
               <a:rPr lang="en-GB" smtClean="0"/>
-              <a:t>17</a:t>
+              <a:t>16</a:t>
             </a:fld>
             <a:endParaRPr lang="en-GB"/>
           </a:p>
@@ -1800,7 +1798,7 @@
           <a:p>
             <a:fld id="{6A641EC8-C9F8-4A58-A1A7-F7D817526EEC}" type="slidenum">
               <a:rPr lang="en-GB" smtClean="0"/>
-              <a:t>18</a:t>
+              <a:t>17</a:t>
             </a:fld>
             <a:endParaRPr lang="en-GB"/>
           </a:p>
@@ -1884,7 +1882,7 @@
           <a:p>
             <a:fld id="{6A641EC8-C9F8-4A58-A1A7-F7D817526EEC}" type="slidenum">
               <a:rPr lang="en-GB" smtClean="0"/>
-              <a:t>19</a:t>
+              <a:t>18</a:t>
             </a:fld>
             <a:endParaRPr lang="en-GB"/>
           </a:p>
@@ -1989,7 +1987,7 @@
           <a:p>
             <a:fld id="{6A641EC8-C9F8-4A58-A1A7-F7D817526EEC}" type="slidenum">
               <a:rPr lang="en-GB" smtClean="0"/>
-              <a:t>20</a:t>
+              <a:t>19</a:t>
             </a:fld>
             <a:endParaRPr lang="en-GB"/>
           </a:p>
@@ -2076,7 +2074,7 @@
           <a:p>
             <a:fld id="{6A641EC8-C9F8-4A58-A1A7-F7D817526EEC}" type="slidenum">
               <a:rPr lang="en-GB" smtClean="0"/>
-              <a:t>21</a:t>
+              <a:t>20</a:t>
             </a:fld>
             <a:endParaRPr lang="en-GB"/>
           </a:p>
@@ -2173,7 +2171,7 @@
           <a:p>
             <a:fld id="{6A641EC8-C9F8-4A58-A1A7-F7D817526EEC}" type="slidenum">
               <a:rPr lang="en-GB" smtClean="0"/>
-              <a:t>22</a:t>
+              <a:t>21</a:t>
             </a:fld>
             <a:endParaRPr lang="en-GB"/>
           </a:p>
@@ -2261,7 +2259,7 @@
           <a:p>
             <a:fld id="{6A641EC8-C9F8-4A58-A1A7-F7D817526EEC}" type="slidenum">
               <a:rPr lang="en-GB" smtClean="0"/>
-              <a:t>5</a:t>
+              <a:t>4</a:t>
             </a:fld>
             <a:endParaRPr lang="en-GB"/>
           </a:p>
@@ -2373,7 +2371,7 @@
           <a:p>
             <a:fld id="{6A641EC8-C9F8-4A58-A1A7-F7D817526EEC}" type="slidenum">
               <a:rPr lang="en-GB" smtClean="0"/>
-              <a:t>23</a:t>
+              <a:t>22</a:t>
             </a:fld>
             <a:endParaRPr lang="en-GB"/>
           </a:p>
@@ -2486,7 +2484,7 @@
           <a:p>
             <a:fld id="{6A641EC8-C9F8-4A58-A1A7-F7D817526EEC}" type="slidenum">
               <a:rPr lang="en-GB" smtClean="0"/>
-              <a:t>24</a:t>
+              <a:t>23</a:t>
             </a:fld>
             <a:endParaRPr lang="en-GB"/>
           </a:p>
@@ -2608,7 +2606,7 @@
           <a:p>
             <a:fld id="{6A641EC8-C9F8-4A58-A1A7-F7D817526EEC}" type="slidenum">
               <a:rPr lang="en-GB" smtClean="0"/>
-              <a:t>25</a:t>
+              <a:t>24</a:t>
             </a:fld>
             <a:endParaRPr lang="en-GB"/>
           </a:p>
@@ -2720,7 +2718,7 @@
           <a:p>
             <a:fld id="{6A641EC8-C9F8-4A58-A1A7-F7D817526EEC}" type="slidenum">
               <a:rPr lang="en-GB" smtClean="0"/>
-              <a:t>26</a:t>
+              <a:t>25</a:t>
             </a:fld>
             <a:endParaRPr lang="en-GB"/>
           </a:p>
@@ -2841,7 +2839,7 @@
           <a:p>
             <a:fld id="{6A641EC8-C9F8-4A58-A1A7-F7D817526EEC}" type="slidenum">
               <a:rPr lang="en-GB" smtClean="0"/>
-              <a:t>27</a:t>
+              <a:t>26</a:t>
             </a:fld>
             <a:endParaRPr lang="en-GB"/>
           </a:p>
@@ -2969,7 +2967,7 @@
           <a:p>
             <a:fld id="{6A641EC8-C9F8-4A58-A1A7-F7D817526EEC}" type="slidenum">
               <a:rPr lang="en-GB" smtClean="0"/>
-              <a:t>28</a:t>
+              <a:t>27</a:t>
             </a:fld>
             <a:endParaRPr lang="en-GB"/>
           </a:p>
@@ -3133,7 +3131,7 @@
           <a:p>
             <a:fld id="{6A641EC8-C9F8-4A58-A1A7-F7D817526EEC}" type="slidenum">
               <a:rPr lang="en-GB" smtClean="0"/>
-              <a:t>29</a:t>
+              <a:t>28</a:t>
             </a:fld>
             <a:endParaRPr lang="en-GB"/>
           </a:p>
@@ -3281,7 +3279,7 @@
           <a:p>
             <a:fld id="{6A641EC8-C9F8-4A58-A1A7-F7D817526EEC}" type="slidenum">
               <a:rPr lang="en-GB" smtClean="0"/>
-              <a:t>30</a:t>
+              <a:t>29</a:t>
             </a:fld>
             <a:endParaRPr lang="en-GB"/>
           </a:p>
@@ -3462,7 +3460,7 @@
           <a:p>
             <a:fld id="{6A641EC8-C9F8-4A58-A1A7-F7D817526EEC}" type="slidenum">
               <a:rPr lang="en-GB" smtClean="0"/>
-              <a:t>31</a:t>
+              <a:t>30</a:t>
             </a:fld>
             <a:endParaRPr lang="en-GB"/>
           </a:p>
@@ -3575,7 +3573,7 @@
           <a:p>
             <a:fld id="{6A641EC8-C9F8-4A58-A1A7-F7D817526EEC}" type="slidenum">
               <a:rPr lang="en-GB" smtClean="0"/>
-              <a:t>32</a:t>
+              <a:t>31</a:t>
             </a:fld>
             <a:endParaRPr lang="en-GB"/>
           </a:p>
@@ -3690,7 +3688,7 @@
           <a:p>
             <a:fld id="{6A641EC8-C9F8-4A58-A1A7-F7D817526EEC}" type="slidenum">
               <a:rPr lang="en-GB" smtClean="0"/>
-              <a:t>6</a:t>
+              <a:t>5</a:t>
             </a:fld>
             <a:endParaRPr lang="en-GB"/>
           </a:p>
@@ -3786,7 +3784,7 @@
           <a:p>
             <a:fld id="{6A641EC8-C9F8-4A58-A1A7-F7D817526EEC}" type="slidenum">
               <a:rPr lang="en-GB" smtClean="0"/>
-              <a:t>33</a:t>
+              <a:t>32</a:t>
             </a:fld>
             <a:endParaRPr lang="en-GB"/>
           </a:p>
@@ -3953,7 +3951,7 @@
           <a:p>
             <a:fld id="{6A641EC8-C9F8-4A58-A1A7-F7D817526EEC}" type="slidenum">
               <a:rPr lang="en-GB" smtClean="0"/>
-              <a:t>34</a:t>
+              <a:t>33</a:t>
             </a:fld>
             <a:endParaRPr lang="en-GB"/>
           </a:p>
@@ -4058,7 +4056,7 @@
           <a:p>
             <a:fld id="{6A641EC8-C9F8-4A58-A1A7-F7D817526EEC}" type="slidenum">
               <a:rPr lang="en-GB" smtClean="0"/>
-              <a:t>35</a:t>
+              <a:t>34</a:t>
             </a:fld>
             <a:endParaRPr lang="en-GB"/>
           </a:p>
@@ -4196,7 +4194,7 @@
           <a:p>
             <a:fld id="{6A641EC8-C9F8-4A58-A1A7-F7D817526EEC}" type="slidenum">
               <a:rPr lang="en-GB" smtClean="0"/>
-              <a:t>36</a:t>
+              <a:t>35</a:t>
             </a:fld>
             <a:endParaRPr lang="en-GB"/>
           </a:p>
@@ -4362,7 +4360,7 @@
           <a:p>
             <a:fld id="{6A641EC8-C9F8-4A58-A1A7-F7D817526EEC}" type="slidenum">
               <a:rPr lang="en-GB" smtClean="0"/>
-              <a:t>37</a:t>
+              <a:t>36</a:t>
             </a:fld>
             <a:endParaRPr lang="en-GB"/>
           </a:p>
@@ -4491,7 +4489,7 @@
           <a:p>
             <a:fld id="{6A641EC8-C9F8-4A58-A1A7-F7D817526EEC}" type="slidenum">
               <a:rPr lang="en-GB" smtClean="0"/>
-              <a:t>38</a:t>
+              <a:t>37</a:t>
             </a:fld>
             <a:endParaRPr lang="en-GB"/>
           </a:p>
@@ -4603,7 +4601,7 @@
           <a:p>
             <a:fld id="{6A641EC8-C9F8-4A58-A1A7-F7D817526EEC}" type="slidenum">
               <a:rPr lang="en-GB" smtClean="0"/>
-              <a:t>39</a:t>
+              <a:t>38</a:t>
             </a:fld>
             <a:endParaRPr lang="en-GB"/>
           </a:p>
@@ -4727,7 +4725,7 @@
           <a:p>
             <a:fld id="{6A641EC8-C9F8-4A58-A1A7-F7D817526EEC}" type="slidenum">
               <a:rPr lang="en-GB" smtClean="0"/>
-              <a:t>40</a:t>
+              <a:t>39</a:t>
             </a:fld>
             <a:endParaRPr lang="en-GB"/>
           </a:p>
@@ -4858,7 +4856,7 @@
           <a:p>
             <a:fld id="{6A641EC8-C9F8-4A58-A1A7-F7D817526EEC}" type="slidenum">
               <a:rPr lang="en-GB" smtClean="0"/>
-              <a:t>41</a:t>
+              <a:t>40</a:t>
             </a:fld>
             <a:endParaRPr lang="en-GB"/>
           </a:p>
@@ -5013,7 +5011,7 @@
           <a:p>
             <a:fld id="{6A641EC8-C9F8-4A58-A1A7-F7D817526EEC}" type="slidenum">
               <a:rPr lang="en-GB" smtClean="0"/>
-              <a:t>42</a:t>
+              <a:t>41</a:t>
             </a:fld>
             <a:endParaRPr lang="en-GB"/>
           </a:p>
@@ -5134,7 +5132,7 @@
           <a:p>
             <a:fld id="{6A641EC8-C9F8-4A58-A1A7-F7D817526EEC}" type="slidenum">
               <a:rPr lang="en-GB" smtClean="0"/>
-              <a:t>7</a:t>
+              <a:t>6</a:t>
             </a:fld>
             <a:endParaRPr lang="en-GB"/>
           </a:p>
@@ -5237,7 +5235,7 @@
           <a:p>
             <a:fld id="{6A641EC8-C9F8-4A58-A1A7-F7D817526EEC}" type="slidenum">
               <a:rPr lang="en-GB" smtClean="0"/>
-              <a:t>43</a:t>
+              <a:t>42</a:t>
             </a:fld>
             <a:endParaRPr lang="en-GB"/>
           </a:p>
@@ -5321,7 +5319,7 @@
           <a:p>
             <a:fld id="{6A641EC8-C9F8-4A58-A1A7-F7D817526EEC}" type="slidenum">
               <a:rPr lang="en-GB" smtClean="0"/>
-              <a:t>44</a:t>
+              <a:t>43</a:t>
             </a:fld>
             <a:endParaRPr lang="en-GB"/>
           </a:p>
@@ -5517,7 +5515,7 @@
                   <a:spcPct val="0"/>
                 </a:spcBef>
               </a:pPr>
-              <a:t>45</a:t>
+              <a:t>44</a:t>
             </a:fld>
             <a:endParaRPr lang="en-US" altLang="en-US"/>
           </a:p>
@@ -5668,7 +5666,7 @@
           <a:p>
             <a:fld id="{6A641EC8-C9F8-4A58-A1A7-F7D817526EEC}" type="slidenum">
               <a:rPr lang="en-GB" smtClean="0"/>
-              <a:t>8</a:t>
+              <a:t>7</a:t>
             </a:fld>
             <a:endParaRPr lang="en-GB"/>
           </a:p>
@@ -5755,7 +5753,7 @@
           <a:p>
             <a:fld id="{6A641EC8-C9F8-4A58-A1A7-F7D817526EEC}" type="slidenum">
               <a:rPr lang="en-GB" smtClean="0"/>
-              <a:t>9</a:t>
+              <a:t>8</a:t>
             </a:fld>
             <a:endParaRPr lang="en-GB"/>
           </a:p>
@@ -5897,7 +5895,7 @@
           <a:p>
             <a:fld id="{6A641EC8-C9F8-4A58-A1A7-F7D817526EEC}" type="slidenum">
               <a:rPr lang="en-GB" smtClean="0"/>
-              <a:t>10</a:t>
+              <a:t>9</a:t>
             </a:fld>
             <a:endParaRPr lang="en-GB"/>
           </a:p>
@@ -6002,7 +6000,7 @@
           <a:p>
             <a:fld id="{6A641EC8-C9F8-4A58-A1A7-F7D817526EEC}" type="slidenum">
               <a:rPr lang="en-GB" smtClean="0"/>
-              <a:t>11</a:t>
+              <a:t>10</a:t>
             </a:fld>
             <a:endParaRPr lang="en-GB"/>
           </a:p>
@@ -6099,7 +6097,7 @@
           <a:p>
             <a:fld id="{6A641EC8-C9F8-4A58-A1A7-F7D817526EEC}" type="slidenum">
               <a:rPr lang="en-GB" smtClean="0"/>
-              <a:t>12</a:t>
+              <a:t>11</a:t>
             </a:fld>
             <a:endParaRPr lang="en-GB"/>
           </a:p>
@@ -6477,7 +6475,7 @@
           <a:p>
             <a:fld id="{EB0080F8-EA1C-491D-963C-2C881B2F918F}" type="datetimeFigureOut">
               <a:rPr lang="en-GB" smtClean="0"/>
-              <a:t>02/02/2022</a:t>
+              <a:t>08/03/2022</a:t>
             </a:fld>
             <a:endParaRPr lang="en-GB"/>
           </a:p>
@@ -6627,7 +6625,7 @@
           <a:p>
             <a:fld id="{EB0080F8-EA1C-491D-963C-2C881B2F918F}" type="datetimeFigureOut">
               <a:rPr lang="en-GB" smtClean="0"/>
-              <a:t>02/02/2022</a:t>
+              <a:t>08/03/2022</a:t>
             </a:fld>
             <a:endParaRPr lang="en-GB"/>
           </a:p>
@@ -8160,7 +8158,7 @@
           <a:p>
             <a:fld id="{EB0080F8-EA1C-491D-963C-2C881B2F918F}" type="datetimeFigureOut">
               <a:rPr lang="en-GB" smtClean="0"/>
-              <a:t>02/02/2022</a:t>
+              <a:t>08/03/2022</a:t>
             </a:fld>
             <a:endParaRPr lang="en-GB"/>
           </a:p>
@@ -8720,201 +8718,6 @@
         <p:spPr>
           <a:xfrm>
             <a:off x="457200" y="1600199"/>
-            <a:ext cx="8435280" cy="4453759"/>
-          </a:xfrm>
-        </p:spPr>
-        <p:txBody>
-          <a:bodyPr>
-            <a:normAutofit/>
-          </a:bodyPr>
-          <a:lstStyle/>
-          <a:p>
-            <a:pPr fontAlgn="base">
-              <a:spcBef>
-                <a:spcPts val="600"/>
-              </a:spcBef>
-              <a:spcAft>
-                <a:spcPts val="600"/>
-              </a:spcAft>
-            </a:pPr>
-            <a:r>
-              <a:rPr lang="en-GB" sz="2400" dirty="0"/>
-              <a:t>Margins must be even on both sides [Checklist Section 4]</a:t>
-            </a:r>
-          </a:p>
-          <a:p>
-            <a:pPr fontAlgn="base">
-              <a:spcBef>
-                <a:spcPts val="600"/>
-              </a:spcBef>
-              <a:spcAft>
-                <a:spcPts val="600"/>
-              </a:spcAft>
-            </a:pPr>
-            <a:r>
-              <a:rPr lang="en-GB" sz="2400" dirty="0"/>
-              <a:t>For binding services, margins must typically be at least 1cm</a:t>
-            </a:r>
-          </a:p>
-          <a:p>
-            <a:pPr fontAlgn="base">
-              <a:spcBef>
-                <a:spcPts val="600"/>
-              </a:spcBef>
-              <a:spcAft>
-                <a:spcPts val="600"/>
-              </a:spcAft>
-            </a:pPr>
-            <a:r>
-              <a:rPr lang="en-GB" sz="2400" dirty="0"/>
-              <a:t>The </a:t>
-            </a:r>
-            <a:r>
-              <a:rPr lang="en-GB" sz="2400" dirty="0">
-                <a:solidFill>
-                  <a:schemeClr val="tx2">
-                    <a:lumMod val="50000"/>
-                    <a:lumOff val="50000"/>
-                  </a:schemeClr>
-                </a:solidFill>
-              </a:rPr>
-              <a:t>geometry</a:t>
-            </a:r>
-            <a:r>
-              <a:rPr lang="en-GB" sz="2400" dirty="0"/>
-              <a:t> package allows us to set margins</a:t>
-            </a:r>
-          </a:p>
-          <a:p>
-            <a:pPr fontAlgn="base">
-              <a:spcBef>
-                <a:spcPts val="600"/>
-              </a:spcBef>
-              <a:spcAft>
-                <a:spcPts val="600"/>
-              </a:spcAft>
-            </a:pPr>
-            <a:r>
-              <a:rPr lang="en-GB" sz="2400" dirty="0"/>
-              <a:t>The </a:t>
-            </a:r>
-            <a:r>
-              <a:rPr lang="en-GB" sz="2400" dirty="0" err="1">
-                <a:solidFill>
-                  <a:schemeClr val="tx2">
-                    <a:lumMod val="50000"/>
-                    <a:lumOff val="50000"/>
-                  </a:schemeClr>
-                </a:solidFill>
-              </a:rPr>
-              <a:t>blindtext</a:t>
-            </a:r>
-            <a:r>
-              <a:rPr lang="en-GB" sz="2400" dirty="0"/>
-              <a:t> package and </a:t>
-            </a:r>
-            <a:r>
-              <a:rPr lang="en-GB" sz="2400" dirty="0">
-                <a:solidFill>
-                  <a:schemeClr val="tx2">
-                    <a:lumMod val="50000"/>
-                    <a:lumOff val="50000"/>
-                  </a:schemeClr>
-                </a:solidFill>
-              </a:rPr>
-              <a:t>\</a:t>
-            </a:r>
-            <a:r>
-              <a:rPr lang="en-GB" sz="2400" dirty="0" err="1">
-                <a:solidFill>
-                  <a:schemeClr val="tx2">
-                    <a:lumMod val="50000"/>
-                    <a:lumOff val="50000"/>
-                  </a:schemeClr>
-                </a:solidFill>
-              </a:rPr>
-              <a:t>blindtext</a:t>
-            </a:r>
-            <a:r>
-              <a:rPr lang="en-GB" sz="2400" dirty="0"/>
-              <a:t>[X] command allows us to insert sample text for testing typesetting</a:t>
-            </a:r>
-          </a:p>
-        </p:txBody>
-      </p:sp>
-    </p:spTree>
-    <p:extLst>
-      <p:ext uri="{BB962C8B-B14F-4D97-AF65-F5344CB8AC3E}">
-        <p14:creationId xmlns:p14="http://schemas.microsoft.com/office/powerpoint/2010/main" val="2812092125"/>
-      </p:ext>
-    </p:extLst>
-  </p:cSld>
-  <p:clrMapOvr>
-    <a:masterClrMapping/>
-  </p:clrMapOvr>
-  <mc:AlternateContent xmlns:mc="http://schemas.openxmlformats.org/markup-compatibility/2006" xmlns:p14="http://schemas.microsoft.com/office/powerpoint/2010/main">
-    <mc:Choice Requires="p14">
-      <p:transition p14:dur="10"/>
-    </mc:Choice>
-    <mc:Fallback xmlns="">
-      <p:transition/>
-    </mc:Fallback>
-  </mc:AlternateContent>
-</p:sld>
-</file>
-
-<file path=ppt/slides/slide11.xml><?xml version="1.0" encoding="utf-8"?>
-<p:sld xmlns:a="http://schemas.openxmlformats.org/drawingml/2006/main" xmlns:r="http://schemas.openxmlformats.org/officeDocument/2006/relationships" xmlns:p="http://schemas.openxmlformats.org/presentationml/2006/main">
-  <p:cSld>
-    <p:spTree>
-      <p:nvGrpSpPr>
-        <p:cNvPr id="1" name=""/>
-        <p:cNvGrpSpPr/>
-        <p:nvPr/>
-      </p:nvGrpSpPr>
-      <p:grpSpPr>
-        <a:xfrm>
-          <a:off x="0" y="0"/>
-          <a:ext cx="0" cy="0"/>
-          <a:chOff x="0" y="0"/>
-          <a:chExt cx="0" cy="0"/>
-        </a:xfrm>
-      </p:grpSpPr>
-      <p:sp>
-        <p:nvSpPr>
-          <p:cNvPr id="2" name="Title 1"/>
-          <p:cNvSpPr>
-            <a:spLocks noGrp="1"/>
-          </p:cNvSpPr>
-          <p:nvPr>
-            <p:ph type="title"/>
-          </p:nvPr>
-        </p:nvSpPr>
-        <p:spPr/>
-        <p:txBody>
-          <a:bodyPr/>
-          <a:lstStyle/>
-          <a:p>
-            <a:r>
-              <a:rPr lang="en-GB" sz="4000" dirty="0"/>
-              <a:t>Margins</a:t>
-            </a:r>
-          </a:p>
-        </p:txBody>
-      </p:sp>
-      <p:sp>
-        <p:nvSpPr>
-          <p:cNvPr id="3" name="Content Placeholder 2"/>
-          <p:cNvSpPr>
-            <a:spLocks noGrp="1"/>
-          </p:cNvSpPr>
-          <p:nvPr>
-            <p:ph idx="1"/>
-          </p:nvPr>
-        </p:nvSpPr>
-        <p:spPr>
-          <a:xfrm>
-            <a:off x="457200" y="1600199"/>
             <a:ext cx="3967655" cy="4453759"/>
           </a:xfrm>
         </p:spPr>
@@ -9270,7 +9073,7 @@
 </p:sld>
 </file>
 
-<file path=ppt/slides/slide12.xml><?xml version="1.0" encoding="utf-8"?>
+<file path=ppt/slides/slide11.xml><?xml version="1.0" encoding="utf-8"?>
 <p:sld xmlns:a="http://schemas.openxmlformats.org/drawingml/2006/main" xmlns:r="http://schemas.openxmlformats.org/officeDocument/2006/relationships" xmlns:p="http://schemas.openxmlformats.org/presentationml/2006/main">
   <p:cSld>
     <p:spTree>
@@ -9465,7 +9268,7 @@
 </p:sld>
 </file>
 
-<file path=ppt/slides/slide13.xml><?xml version="1.0" encoding="utf-8"?>
+<file path=ppt/slides/slide12.xml><?xml version="1.0" encoding="utf-8"?>
 <p:sld xmlns:a="http://schemas.openxmlformats.org/drawingml/2006/main" xmlns:r="http://schemas.openxmlformats.org/officeDocument/2006/relationships" xmlns:p="http://schemas.openxmlformats.org/presentationml/2006/main">
   <p:cSld>
     <p:spTree>
@@ -9644,7 +9447,7 @@
 </p:sld>
 </file>
 
-<file path=ppt/slides/slide14.xml><?xml version="1.0" encoding="utf-8"?>
+<file path=ppt/slides/slide13.xml><?xml version="1.0" encoding="utf-8"?>
 <p:sld xmlns:a="http://schemas.openxmlformats.org/drawingml/2006/main" xmlns:r="http://schemas.openxmlformats.org/officeDocument/2006/relationships" xmlns:p="http://schemas.openxmlformats.org/presentationml/2006/main">
   <p:cSld>
     <p:spTree>
@@ -10131,7 +9934,7 @@
 </p:sld>
 </file>
 
-<file path=ppt/slides/slide15.xml><?xml version="1.0" encoding="utf-8"?>
+<file path=ppt/slides/slide14.xml><?xml version="1.0" encoding="utf-8"?>
 <p:sld xmlns:a="http://schemas.openxmlformats.org/drawingml/2006/main" xmlns:r="http://schemas.openxmlformats.org/officeDocument/2006/relationships" xmlns:p="http://schemas.openxmlformats.org/presentationml/2006/main">
   <p:cSld>
     <p:spTree>
@@ -10446,7 +10249,7 @@
 </p:sld>
 </file>
 
-<file path=ppt/slides/slide16.xml><?xml version="1.0" encoding="utf-8"?>
+<file path=ppt/slides/slide15.xml><?xml version="1.0" encoding="utf-8"?>
 <p:sld xmlns:a="http://schemas.openxmlformats.org/drawingml/2006/main" xmlns:r="http://schemas.openxmlformats.org/officeDocument/2006/relationships" xmlns:p="http://schemas.openxmlformats.org/presentationml/2006/main">
   <p:cSld>
     <p:spTree>
@@ -11121,6 +10924,116 @@
 </p:sld>
 </file>
 
+<file path=ppt/slides/slide16.xml><?xml version="1.0" encoding="utf-8"?>
+<p:sld xmlns:a="http://schemas.openxmlformats.org/drawingml/2006/main" xmlns:r="http://schemas.openxmlformats.org/officeDocument/2006/relationships" xmlns:p="http://schemas.openxmlformats.org/presentationml/2006/main">
+  <p:cSld>
+    <p:spTree>
+      <p:nvGrpSpPr>
+        <p:cNvPr id="1" name=""/>
+        <p:cNvGrpSpPr/>
+        <p:nvPr/>
+      </p:nvGrpSpPr>
+      <p:grpSpPr>
+        <a:xfrm>
+          <a:off x="0" y="0"/>
+          <a:ext cx="0" cy="0"/>
+          <a:chOff x="0" y="0"/>
+          <a:chExt cx="0" cy="0"/>
+        </a:xfrm>
+      </p:grpSpPr>
+      <p:sp>
+        <p:nvSpPr>
+          <p:cNvPr id="2" name="Title 1"/>
+          <p:cNvSpPr>
+            <a:spLocks noGrp="1"/>
+          </p:cNvSpPr>
+          <p:nvPr>
+            <p:ph type="title"/>
+          </p:nvPr>
+        </p:nvSpPr>
+        <p:spPr/>
+        <p:txBody>
+          <a:bodyPr/>
+          <a:lstStyle/>
+          <a:p>
+            <a:r>
+              <a:rPr lang="en-GB" sz="4000" dirty="0"/>
+              <a:t>Abstract</a:t>
+            </a:r>
+          </a:p>
+        </p:txBody>
+      </p:sp>
+      <p:sp>
+        <p:nvSpPr>
+          <p:cNvPr id="7" name="Content Placeholder 6">
+            <a:extLst>
+              <a:ext uri="{FF2B5EF4-FFF2-40B4-BE49-F238E27FC236}">
+                <a16:creationId xmlns:a16="http://schemas.microsoft.com/office/drawing/2014/main" id="{A4668B92-0976-4E36-A913-C47498FEE667}"/>
+              </a:ext>
+            </a:extLst>
+          </p:cNvPr>
+          <p:cNvSpPr>
+            <a:spLocks noGrp="1"/>
+          </p:cNvSpPr>
+          <p:nvPr>
+            <p:ph idx="1"/>
+          </p:nvPr>
+        </p:nvSpPr>
+        <p:spPr>
+          <a:xfrm>
+            <a:off x="457200" y="1417638"/>
+            <a:ext cx="8229600" cy="4525963"/>
+          </a:xfrm>
+        </p:spPr>
+        <p:txBody>
+          <a:bodyPr/>
+          <a:lstStyle/>
+          <a:p>
+            <a:r>
+              <a:rPr lang="en-GB" sz="2400" dirty="0"/>
+              <a:t>You should include an abstract </a:t>
+            </a:r>
+          </a:p>
+          <a:p>
+            <a:r>
+              <a:rPr lang="en-GB" sz="2400" dirty="0"/>
+              <a:t>Should be after the title page (section 7 of checklist)</a:t>
+            </a:r>
+          </a:p>
+          <a:p>
+            <a:r>
+              <a:rPr lang="en-GB" sz="2400" dirty="0"/>
+              <a:t>300 words or less</a:t>
+            </a:r>
+            <a:endParaRPr lang="en-GB" sz="2000" dirty="0"/>
+          </a:p>
+          <a:p>
+            <a:pPr lvl="1"/>
+            <a:endParaRPr lang="en-GB" sz="1600" dirty="0"/>
+          </a:p>
+        </p:txBody>
+      </p:sp>
+    </p:spTree>
+    <p:extLst>
+      <p:ext uri="{BB962C8B-B14F-4D97-AF65-F5344CB8AC3E}">
+        <p14:creationId xmlns:p14="http://schemas.microsoft.com/office/powerpoint/2010/main" val="3095168859"/>
+      </p:ext>
+    </p:extLst>
+  </p:cSld>
+  <p:clrMapOvr>
+    <a:masterClrMapping/>
+  </p:clrMapOvr>
+  <mc:AlternateContent xmlns:mc="http://schemas.openxmlformats.org/markup-compatibility/2006" xmlns:p14="http://schemas.microsoft.com/office/powerpoint/2010/main">
+    <mc:Choice Requires="p14">
+      <p:transition p14:dur="10"/>
+    </mc:Choice>
+    <mc:Fallback xmlns="">
+      <p:transition/>
+    </mc:Fallback>
+  </mc:AlternateContent>
+</p:sld>
+</file>
+
 <file path=ppt/slides/slide17.xml><?xml version="1.0" encoding="utf-8"?>
 <p:sld xmlns:a="http://schemas.openxmlformats.org/drawingml/2006/main" xmlns:r="http://schemas.openxmlformats.org/officeDocument/2006/relationships" xmlns:p="http://schemas.openxmlformats.org/presentationml/2006/main">
   <p:cSld>
@@ -11155,7 +11068,7 @@
           <a:p>
             <a:r>
               <a:rPr lang="en-GB" sz="4000" dirty="0"/>
-              <a:t>Abstract</a:t>
+              <a:t>Statement of Originality</a:t>
             </a:r>
           </a:p>
         </p:txBody>
@@ -11188,21 +11101,29 @@
           <a:p>
             <a:r>
               <a:rPr lang="en-GB" sz="2400" dirty="0"/>
-              <a:t>You should include an abstract </a:t>
-            </a:r>
-          </a:p>
-          <a:p>
-            <a:r>
-              <a:rPr lang="en-GB" sz="2400" dirty="0"/>
-              <a:t>Should be after the title page (section 7 of checklist)</a:t>
-            </a:r>
-          </a:p>
-          <a:p>
-            <a:r>
-              <a:rPr lang="en-GB" sz="2400" dirty="0"/>
-              <a:t>300 words or less</a:t>
-            </a:r>
-            <a:endParaRPr lang="en-GB" sz="2000" dirty="0"/>
+              <a:t>You should include a statement of originality in your own words [Section 5 of Checklist]</a:t>
+            </a:r>
+          </a:p>
+          <a:p>
+            <a:pPr lvl="1"/>
+            <a:r>
+              <a:rPr lang="en-GB" sz="2000" dirty="0"/>
+              <a:t>The work is your own</a:t>
+            </a:r>
+          </a:p>
+          <a:p>
+            <a:pPr lvl="1"/>
+            <a:r>
+              <a:rPr lang="en-GB" sz="2000" dirty="0"/>
+              <a:t>All else is appropriately referenced</a:t>
+            </a:r>
+          </a:p>
+          <a:p>
+            <a:pPr lvl="1"/>
+            <a:r>
+              <a:rPr lang="en-GB" sz="2000" dirty="0"/>
+              <a:t>Should appear at beginning of thesis</a:t>
+            </a:r>
           </a:p>
           <a:p>
             <a:pPr lvl="1"/>
@@ -11213,7 +11134,7 @@
     </p:spTree>
     <p:extLst>
       <p:ext uri="{BB962C8B-B14F-4D97-AF65-F5344CB8AC3E}">
-        <p14:creationId xmlns:p14="http://schemas.microsoft.com/office/powerpoint/2010/main" val="3095168859"/>
+        <p14:creationId xmlns:p14="http://schemas.microsoft.com/office/powerpoint/2010/main" val="3238788747"/>
       </p:ext>
     </p:extLst>
   </p:cSld>
@@ -11265,124 +11186,6 @@
           <a:p>
             <a:r>
               <a:rPr lang="en-GB" sz="4000" dirty="0"/>
-              <a:t>Statement of Originality</a:t>
-            </a:r>
-          </a:p>
-        </p:txBody>
-      </p:sp>
-      <p:sp>
-        <p:nvSpPr>
-          <p:cNvPr id="7" name="Content Placeholder 6">
-            <a:extLst>
-              <a:ext uri="{FF2B5EF4-FFF2-40B4-BE49-F238E27FC236}">
-                <a16:creationId xmlns:a16="http://schemas.microsoft.com/office/drawing/2014/main" id="{A4668B92-0976-4E36-A913-C47498FEE667}"/>
-              </a:ext>
-            </a:extLst>
-          </p:cNvPr>
-          <p:cNvSpPr>
-            <a:spLocks noGrp="1"/>
-          </p:cNvSpPr>
-          <p:nvPr>
-            <p:ph idx="1"/>
-          </p:nvPr>
-        </p:nvSpPr>
-        <p:spPr>
-          <a:xfrm>
-            <a:off x="457200" y="1417638"/>
-            <a:ext cx="8229600" cy="4525963"/>
-          </a:xfrm>
-        </p:spPr>
-        <p:txBody>
-          <a:bodyPr/>
-          <a:lstStyle/>
-          <a:p>
-            <a:r>
-              <a:rPr lang="en-GB" sz="2400" dirty="0"/>
-              <a:t>You should include a statement of originality in your own words [Section 5 of Checklist]</a:t>
-            </a:r>
-          </a:p>
-          <a:p>
-            <a:pPr lvl="1"/>
-            <a:r>
-              <a:rPr lang="en-GB" sz="2000" dirty="0"/>
-              <a:t>The work is your own</a:t>
-            </a:r>
-          </a:p>
-          <a:p>
-            <a:pPr lvl="1"/>
-            <a:r>
-              <a:rPr lang="en-GB" sz="2000" dirty="0"/>
-              <a:t>All else is appropriately referenced</a:t>
-            </a:r>
-          </a:p>
-          <a:p>
-            <a:pPr lvl="1"/>
-            <a:r>
-              <a:rPr lang="en-GB" sz="2000" dirty="0"/>
-              <a:t>Should appear at beginning of thesis</a:t>
-            </a:r>
-          </a:p>
-          <a:p>
-            <a:pPr lvl="1"/>
-            <a:endParaRPr lang="en-GB" sz="1600" dirty="0"/>
-          </a:p>
-        </p:txBody>
-      </p:sp>
-    </p:spTree>
-    <p:extLst>
-      <p:ext uri="{BB962C8B-B14F-4D97-AF65-F5344CB8AC3E}">
-        <p14:creationId xmlns:p14="http://schemas.microsoft.com/office/powerpoint/2010/main" val="3238788747"/>
-      </p:ext>
-    </p:extLst>
-  </p:cSld>
-  <p:clrMapOvr>
-    <a:masterClrMapping/>
-  </p:clrMapOvr>
-  <mc:AlternateContent xmlns:mc="http://schemas.openxmlformats.org/markup-compatibility/2006" xmlns:p14="http://schemas.microsoft.com/office/powerpoint/2010/main">
-    <mc:Choice Requires="p14">
-      <p:transition p14:dur="10"/>
-    </mc:Choice>
-    <mc:Fallback xmlns="">
-      <p:transition/>
-    </mc:Fallback>
-  </mc:AlternateContent>
-</p:sld>
-</file>
-
-<file path=ppt/slides/slide19.xml><?xml version="1.0" encoding="utf-8"?>
-<p:sld xmlns:a="http://schemas.openxmlformats.org/drawingml/2006/main" xmlns:r="http://schemas.openxmlformats.org/officeDocument/2006/relationships" xmlns:p="http://schemas.openxmlformats.org/presentationml/2006/main">
-  <p:cSld>
-    <p:spTree>
-      <p:nvGrpSpPr>
-        <p:cNvPr id="1" name=""/>
-        <p:cNvGrpSpPr/>
-        <p:nvPr/>
-      </p:nvGrpSpPr>
-      <p:grpSpPr>
-        <a:xfrm>
-          <a:off x="0" y="0"/>
-          <a:ext cx="0" cy="0"/>
-          <a:chOff x="0" y="0"/>
-          <a:chExt cx="0" cy="0"/>
-        </a:xfrm>
-      </p:grpSpPr>
-      <p:sp>
-        <p:nvSpPr>
-          <p:cNvPr id="2" name="Title 1"/>
-          <p:cNvSpPr>
-            <a:spLocks noGrp="1"/>
-          </p:cNvSpPr>
-          <p:nvPr>
-            <p:ph type="title"/>
-          </p:nvPr>
-        </p:nvSpPr>
-        <p:spPr/>
-        <p:txBody>
-          <a:bodyPr/>
-          <a:lstStyle/>
-          <a:p>
-            <a:r>
-              <a:rPr lang="en-GB" sz="4000" dirty="0"/>
               <a:t>Copyright Declaration</a:t>
             </a:r>
           </a:p>
@@ -11469,133 +11272,7 @@
 </p:sld>
 </file>
 
-<file path=ppt/slides/slide2.xml><?xml version="1.0" encoding="utf-8"?>
-<p:sld xmlns:a="http://schemas.openxmlformats.org/drawingml/2006/main" xmlns:r="http://schemas.openxmlformats.org/officeDocument/2006/relationships" xmlns:p="http://schemas.openxmlformats.org/presentationml/2006/main">
-  <p:cSld>
-    <p:spTree>
-      <p:nvGrpSpPr>
-        <p:cNvPr id="1" name=""/>
-        <p:cNvGrpSpPr/>
-        <p:nvPr/>
-      </p:nvGrpSpPr>
-      <p:grpSpPr>
-        <a:xfrm>
-          <a:off x="0" y="0"/>
-          <a:ext cx="0" cy="0"/>
-          <a:chOff x="0" y="0"/>
-          <a:chExt cx="0" cy="0"/>
-        </a:xfrm>
-      </p:grpSpPr>
-      <p:sp>
-        <p:nvSpPr>
-          <p:cNvPr id="2" name="Title 1"/>
-          <p:cNvSpPr>
-            <a:spLocks noGrp="1"/>
-          </p:cNvSpPr>
-          <p:nvPr>
-            <p:ph type="title"/>
-          </p:nvPr>
-        </p:nvSpPr>
-        <p:spPr>
-          <a:xfrm>
-            <a:off x="401319" y="1431416"/>
-            <a:ext cx="8388117" cy="4605702"/>
-          </a:xfrm>
-        </p:spPr>
-        <p:txBody>
-          <a:bodyPr/>
-          <a:lstStyle/>
-          <a:p>
-            <a:pPr algn="ctr"/>
-            <a:r>
-              <a:rPr lang="en-GB" sz="2800" u="sng" dirty="0"/>
-              <a:t>Important Information on Marking your Attendance on Inkpath</a:t>
-            </a:r>
-            <a:br>
-              <a:rPr lang="en-GB" sz="2800" u="sng" dirty="0"/>
-            </a:br>
-            <a:br>
-              <a:rPr lang="en-GB" sz="2800" u="sng" dirty="0"/>
-            </a:br>
-            <a:br>
-              <a:rPr lang="en-GB" sz="2800" dirty="0"/>
-            </a:br>
-            <a:r>
-              <a:rPr lang="en-GB" sz="2800" dirty="0"/>
-              <a:t>I will show you a QR code at the end of the session allowing you to mark your attendance on Inkpath. Please do not mark your attendance until then.</a:t>
-            </a:r>
-            <a:br>
-              <a:rPr lang="en-GB" sz="2800" dirty="0"/>
-            </a:br>
-            <a:br>
-              <a:rPr lang="en-GB" sz="2800" dirty="0">
-                <a:latin typeface="Calibri" panose="020F0502020204030204" pitchFamily="34" charset="0"/>
-                <a:cs typeface="Calibri" panose="020F0502020204030204" pitchFamily="34" charset="0"/>
-              </a:rPr>
-            </a:br>
-            <a:r>
-              <a:rPr lang="en-GB" sz="2800" dirty="0">
-                <a:effectLst/>
-                <a:ea typeface="Times New Roman" panose="02020603050405020304" pitchFamily="18" charset="0"/>
-                <a:cs typeface="Calibri" panose="020F0502020204030204" pitchFamily="34" charset="0"/>
-              </a:rPr>
-              <a:t>If you are not a Postgraduate Research student and didn’t book via Inkpath, your attendance will be marked on a separate database.</a:t>
-            </a:r>
-            <a:endParaRPr lang="en-GB" sz="2800" dirty="0"/>
-          </a:p>
-        </p:txBody>
-      </p:sp>
-      <p:sp>
-        <p:nvSpPr>
-          <p:cNvPr id="7" name="TextBox 6"/>
-          <p:cNvSpPr txBox="1"/>
-          <p:nvPr/>
-        </p:nvSpPr>
-        <p:spPr>
-          <a:xfrm>
-            <a:off x="552450" y="3214433"/>
-            <a:ext cx="2171700" cy="830997"/>
-          </a:xfrm>
-          <a:prstGeom prst="rect">
-            <a:avLst/>
-          </a:prstGeom>
-          <a:noFill/>
-        </p:spPr>
-        <p:txBody>
-          <a:bodyPr wrap="square" rtlCol="0">
-            <a:spAutoFit/>
-          </a:bodyPr>
-          <a:lstStyle/>
-          <a:p>
-            <a:endParaRPr lang="en-GB" sz="2400" dirty="0">
-              <a:solidFill>
-                <a:srgbClr val="002060"/>
-              </a:solidFill>
-            </a:endParaRPr>
-          </a:p>
-          <a:p>
-            <a:endParaRPr lang="en-GB" sz="2400" dirty="0">
-              <a:solidFill>
-                <a:srgbClr val="002060"/>
-              </a:solidFill>
-            </a:endParaRPr>
-          </a:p>
-        </p:txBody>
-      </p:sp>
-    </p:spTree>
-    <p:extLst>
-      <p:ext uri="{BB962C8B-B14F-4D97-AF65-F5344CB8AC3E}">
-        <p14:creationId xmlns:p14="http://schemas.microsoft.com/office/powerpoint/2010/main" val="3686223621"/>
-      </p:ext>
-    </p:extLst>
-  </p:cSld>
-  <p:clrMapOvr>
-    <a:masterClrMapping/>
-  </p:clrMapOvr>
-</p:sld>
-</file>
-
-<file path=ppt/slides/slide20.xml><?xml version="1.0" encoding="utf-8"?>
+<file path=ppt/slides/slide19.xml><?xml version="1.0" encoding="utf-8"?>
 <p:sld xmlns:a="http://schemas.openxmlformats.org/drawingml/2006/main" xmlns:r="http://schemas.openxmlformats.org/officeDocument/2006/relationships" xmlns:p="http://schemas.openxmlformats.org/presentationml/2006/main">
   <p:cSld>
     <p:spTree>
@@ -11973,7 +11650,133 @@
 </p:sld>
 </file>
 
-<file path=ppt/slides/slide21.xml><?xml version="1.0" encoding="utf-8"?>
+<file path=ppt/slides/slide2.xml><?xml version="1.0" encoding="utf-8"?>
+<p:sld xmlns:a="http://schemas.openxmlformats.org/drawingml/2006/main" xmlns:r="http://schemas.openxmlformats.org/officeDocument/2006/relationships" xmlns:p="http://schemas.openxmlformats.org/presentationml/2006/main">
+  <p:cSld>
+    <p:spTree>
+      <p:nvGrpSpPr>
+        <p:cNvPr id="1" name=""/>
+        <p:cNvGrpSpPr/>
+        <p:nvPr/>
+      </p:nvGrpSpPr>
+      <p:grpSpPr>
+        <a:xfrm>
+          <a:off x="0" y="0"/>
+          <a:ext cx="0" cy="0"/>
+          <a:chOff x="0" y="0"/>
+          <a:chExt cx="0" cy="0"/>
+        </a:xfrm>
+      </p:grpSpPr>
+      <p:sp>
+        <p:nvSpPr>
+          <p:cNvPr id="2" name="Title 1"/>
+          <p:cNvSpPr>
+            <a:spLocks noGrp="1"/>
+          </p:cNvSpPr>
+          <p:nvPr>
+            <p:ph type="title"/>
+          </p:nvPr>
+        </p:nvSpPr>
+        <p:spPr>
+          <a:xfrm>
+            <a:off x="401319" y="1431416"/>
+            <a:ext cx="8388117" cy="4605702"/>
+          </a:xfrm>
+        </p:spPr>
+        <p:txBody>
+          <a:bodyPr/>
+          <a:lstStyle/>
+          <a:p>
+            <a:pPr algn="ctr"/>
+            <a:r>
+              <a:rPr lang="en-GB" sz="2800" u="sng" dirty="0"/>
+              <a:t>Important Information on Marking your Attendance on Inkpath</a:t>
+            </a:r>
+            <a:br>
+              <a:rPr lang="en-GB" sz="2800" u="sng" dirty="0"/>
+            </a:br>
+            <a:br>
+              <a:rPr lang="en-GB" sz="2800" u="sng" dirty="0"/>
+            </a:br>
+            <a:br>
+              <a:rPr lang="en-GB" sz="2800" dirty="0"/>
+            </a:br>
+            <a:r>
+              <a:rPr lang="en-GB" sz="2800" dirty="0"/>
+              <a:t>I will show you a QR code at the end of the session allowing you to mark your attendance on Inkpath. Please do not mark your attendance until then.</a:t>
+            </a:r>
+            <a:br>
+              <a:rPr lang="en-GB" sz="2800" dirty="0"/>
+            </a:br>
+            <a:br>
+              <a:rPr lang="en-GB" sz="2800" dirty="0">
+                <a:latin typeface="Calibri" panose="020F0502020204030204" pitchFamily="34" charset="0"/>
+                <a:cs typeface="Calibri" panose="020F0502020204030204" pitchFamily="34" charset="0"/>
+              </a:rPr>
+            </a:br>
+            <a:r>
+              <a:rPr lang="en-GB" sz="2800" dirty="0">
+                <a:effectLst/>
+                <a:ea typeface="Times New Roman" panose="02020603050405020304" pitchFamily="18" charset="0"/>
+                <a:cs typeface="Calibri" panose="020F0502020204030204" pitchFamily="34" charset="0"/>
+              </a:rPr>
+              <a:t>If you are not a Postgraduate Research student and didn’t book via Inkpath, your attendance will be marked on a separate database.</a:t>
+            </a:r>
+            <a:endParaRPr lang="en-GB" sz="2800" dirty="0"/>
+          </a:p>
+        </p:txBody>
+      </p:sp>
+      <p:sp>
+        <p:nvSpPr>
+          <p:cNvPr id="7" name="TextBox 6"/>
+          <p:cNvSpPr txBox="1"/>
+          <p:nvPr/>
+        </p:nvSpPr>
+        <p:spPr>
+          <a:xfrm>
+            <a:off x="552450" y="3214433"/>
+            <a:ext cx="2171700" cy="830997"/>
+          </a:xfrm>
+          <a:prstGeom prst="rect">
+            <a:avLst/>
+          </a:prstGeom>
+          <a:noFill/>
+        </p:spPr>
+        <p:txBody>
+          <a:bodyPr wrap="square" rtlCol="0">
+            <a:spAutoFit/>
+          </a:bodyPr>
+          <a:lstStyle/>
+          <a:p>
+            <a:endParaRPr lang="en-GB" sz="2400" dirty="0">
+              <a:solidFill>
+                <a:srgbClr val="002060"/>
+              </a:solidFill>
+            </a:endParaRPr>
+          </a:p>
+          <a:p>
+            <a:endParaRPr lang="en-GB" sz="2400" dirty="0">
+              <a:solidFill>
+                <a:srgbClr val="002060"/>
+              </a:solidFill>
+            </a:endParaRPr>
+          </a:p>
+        </p:txBody>
+      </p:sp>
+    </p:spTree>
+    <p:extLst>
+      <p:ext uri="{BB962C8B-B14F-4D97-AF65-F5344CB8AC3E}">
+        <p14:creationId xmlns:p14="http://schemas.microsoft.com/office/powerpoint/2010/main" val="3686223621"/>
+      </p:ext>
+    </p:extLst>
+  </p:cSld>
+  <p:clrMapOvr>
+    <a:masterClrMapping/>
+  </p:clrMapOvr>
+</p:sld>
+</file>
+
+<file path=ppt/slides/slide20.xml><?xml version="1.0" encoding="utf-8"?>
 <p:sld xmlns:a="http://schemas.openxmlformats.org/drawingml/2006/main" xmlns:r="http://schemas.openxmlformats.org/officeDocument/2006/relationships" xmlns:p="http://schemas.openxmlformats.org/presentationml/2006/main">
   <p:cSld>
     <p:spTree>
@@ -12097,7 +11900,7 @@
 </p:sld>
 </file>
 
-<file path=ppt/slides/slide22.xml><?xml version="1.0" encoding="utf-8"?>
+<file path=ppt/slides/slide21.xml><?xml version="1.0" encoding="utf-8"?>
 <p:sld xmlns:a="http://schemas.openxmlformats.org/drawingml/2006/main" xmlns:r="http://schemas.openxmlformats.org/officeDocument/2006/relationships" xmlns:p="http://schemas.openxmlformats.org/presentationml/2006/main">
   <p:cSld>
     <p:spTree>
@@ -12462,7 +12265,7 @@
 </p:sld>
 </file>
 
-<file path=ppt/slides/slide23.xml><?xml version="1.0" encoding="utf-8"?>
+<file path=ppt/slides/slide22.xml><?xml version="1.0" encoding="utf-8"?>
 <p:sld xmlns:a="http://schemas.openxmlformats.org/drawingml/2006/main" xmlns:r="http://schemas.openxmlformats.org/officeDocument/2006/relationships" xmlns:p="http://schemas.openxmlformats.org/presentationml/2006/main">
   <p:cSld>
     <p:spTree>
@@ -12646,7 +12449,7 @@
 </p:sld>
 </file>
 
-<file path=ppt/slides/slide24.xml><?xml version="1.0" encoding="utf-8"?>
+<file path=ppt/slides/slide23.xml><?xml version="1.0" encoding="utf-8"?>
 <p:sld xmlns:a="http://schemas.openxmlformats.org/drawingml/2006/main" xmlns:r="http://schemas.openxmlformats.org/officeDocument/2006/relationships" xmlns:p="http://schemas.openxmlformats.org/presentationml/2006/main">
   <p:cSld>
     <p:spTree>
@@ -12842,7 +12645,7 @@
 </p:sld>
 </file>
 
-<file path=ppt/slides/slide25.xml><?xml version="1.0" encoding="utf-8"?>
+<file path=ppt/slides/slide24.xml><?xml version="1.0" encoding="utf-8"?>
 <p:sld xmlns:a="http://schemas.openxmlformats.org/drawingml/2006/main" xmlns:r="http://schemas.openxmlformats.org/officeDocument/2006/relationships" xmlns:p="http://schemas.openxmlformats.org/presentationml/2006/main">
   <p:cSld>
     <p:spTree>
@@ -13365,7 +13168,7 @@
 </p:sld>
 </file>
 
-<file path=ppt/slides/slide26.xml><?xml version="1.0" encoding="utf-8"?>
+<file path=ppt/slides/slide25.xml><?xml version="1.0" encoding="utf-8"?>
 <p:sld xmlns:a="http://schemas.openxmlformats.org/drawingml/2006/main" xmlns:r="http://schemas.openxmlformats.org/officeDocument/2006/relationships" xmlns:p="http://schemas.openxmlformats.org/presentationml/2006/main">
   <p:cSld>
     <p:spTree>
@@ -13807,7 +13610,7 @@
 </p:sld>
 </file>
 
-<file path=ppt/slides/slide27.xml><?xml version="1.0" encoding="utf-8"?>
+<file path=ppt/slides/slide26.xml><?xml version="1.0" encoding="utf-8"?>
 <p:sld xmlns:a="http://schemas.openxmlformats.org/drawingml/2006/main" xmlns:r="http://schemas.openxmlformats.org/officeDocument/2006/relationships" xmlns:p="http://schemas.openxmlformats.org/presentationml/2006/main">
   <p:cSld>
     <p:spTree>
@@ -13947,7 +13750,7 @@
 </p:sld>
 </file>
 
-<file path=ppt/slides/slide28.xml><?xml version="1.0" encoding="utf-8"?>
+<file path=ppt/slides/slide27.xml><?xml version="1.0" encoding="utf-8"?>
 <p:sld xmlns:a="http://schemas.openxmlformats.org/drawingml/2006/main" xmlns:r="http://schemas.openxmlformats.org/officeDocument/2006/relationships" xmlns:p="http://schemas.openxmlformats.org/presentationml/2006/main">
   <p:cSld>
     <p:spTree>
@@ -14848,7 +14651,7 @@
 </p:sld>
 </file>
 
-<file path=ppt/slides/slide29.xml><?xml version="1.0" encoding="utf-8"?>
+<file path=ppt/slides/slide28.xml><?xml version="1.0" encoding="utf-8"?>
 <p:sld xmlns:a="http://schemas.openxmlformats.org/drawingml/2006/main" xmlns:r="http://schemas.openxmlformats.org/officeDocument/2006/relationships" xmlns:p="http://schemas.openxmlformats.org/presentationml/2006/main">
   <p:cSld>
     <p:spTree>
@@ -15649,202 +15452,7 @@
 </p:sld>
 </file>
 
-<file path=ppt/slides/slide3.xml><?xml version="1.0" encoding="utf-8"?>
-<p:sld xmlns:a="http://schemas.openxmlformats.org/drawingml/2006/main" xmlns:r="http://schemas.openxmlformats.org/officeDocument/2006/relationships" xmlns:p="http://schemas.openxmlformats.org/presentationml/2006/main">
-  <p:cSld>
-    <p:spTree>
-      <p:nvGrpSpPr>
-        <p:cNvPr id="1" name=""/>
-        <p:cNvGrpSpPr/>
-        <p:nvPr/>
-      </p:nvGrpSpPr>
-      <p:grpSpPr>
-        <a:xfrm>
-          <a:off x="0" y="0"/>
-          <a:ext cx="0" cy="0"/>
-          <a:chOff x="0" y="0"/>
-          <a:chExt cx="0" cy="0"/>
-        </a:xfrm>
-      </p:grpSpPr>
-      <p:sp>
-        <p:nvSpPr>
-          <p:cNvPr id="4" name="Title 1"/>
-          <p:cNvSpPr txBox="1">
-            <a:spLocks/>
-          </p:cNvSpPr>
-          <p:nvPr/>
-        </p:nvSpPr>
-        <p:spPr>
-          <a:xfrm>
-            <a:off x="401320" y="472966"/>
-            <a:ext cx="5778764" cy="961696"/>
-          </a:xfrm>
-          <a:prstGeom prst="rect">
-            <a:avLst/>
-          </a:prstGeom>
-        </p:spPr>
-        <p:txBody>
-          <a:bodyPr anchor="b"/>
-          <a:lstStyle>
-            <a:lvl1pPr algn="l" defTabSz="457200" rtl="0" eaLnBrk="1" latinLnBrk="0" hangingPunct="1">
-              <a:lnSpc>
-                <a:spcPct val="90000"/>
-              </a:lnSpc>
-              <a:spcBef>
-                <a:spcPct val="0"/>
-              </a:spcBef>
-              <a:buNone/>
-              <a:defRPr sz="4000" b="1" i="0" kern="1200" baseline="0">
-                <a:solidFill>
-                  <a:schemeClr val="tx2"/>
-                </a:solidFill>
-                <a:latin typeface="+mj-lt"/>
-                <a:ea typeface="+mj-ea"/>
-                <a:cs typeface="MetaOT-Bold"/>
-              </a:defRPr>
-            </a:lvl1pPr>
-          </a:lstStyle>
-          <a:p>
-            <a:r>
-              <a:rPr lang="en-US" sz="3200">
-                <a:solidFill>
-                  <a:schemeClr val="accent3"/>
-                </a:solidFill>
-              </a:rPr>
-              <a:t>Expectations:  Covid-safe teaching environments</a:t>
-            </a:r>
-          </a:p>
-        </p:txBody>
-      </p:sp>
-      <p:sp>
-        <p:nvSpPr>
-          <p:cNvPr id="5" name="Subtitle 2"/>
-          <p:cNvSpPr>
-            <a:spLocks noGrp="1"/>
-          </p:cNvSpPr>
-          <p:nvPr>
-            <p:ph type="subTitle" idx="1"/>
-          </p:nvPr>
-        </p:nvSpPr>
-        <p:spPr>
-          <a:xfrm>
-            <a:off x="401320" y="1631731"/>
-            <a:ext cx="8490432" cy="4548352"/>
-          </a:xfrm>
-        </p:spPr>
-        <p:txBody>
-          <a:bodyPr lIns="91440" tIns="45720" rIns="91440" bIns="45720" anchor="t"/>
-          <a:lstStyle/>
-          <a:p>
-            <a:r>
-              <a:rPr lang="en-US" sz="2200" u="sng">
-                <a:ea typeface="+mj-lt"/>
-                <a:cs typeface="+mj-lt"/>
-              </a:rPr>
-              <a:t>Face coverings</a:t>
-            </a:r>
-          </a:p>
-          <a:p>
-            <a:pPr marL="457200" indent="-457200">
-              <a:buFont typeface="Arial" panose="020B0604020202020204" pitchFamily="34" charset="0"/>
-              <a:buChar char="•"/>
-            </a:pPr>
-            <a:r>
-              <a:rPr lang="en-GB" sz="2200">
-                <a:latin typeface="+mn-lt"/>
-                <a:ea typeface="Calibri" panose="020F0502020204030204" pitchFamily="34" charset="0"/>
-                <a:cs typeface="Times New Roman"/>
-              </a:rPr>
-              <a:t>You are expected to wear a face covering </a:t>
-            </a:r>
-            <a:endParaRPr lang="en-GB" sz="2200"/>
-          </a:p>
-          <a:p>
-            <a:pPr marL="457200" indent="-457200">
-              <a:buFont typeface="Arial" panose="020B0604020202020204" pitchFamily="34" charset="0"/>
-              <a:buChar char="•"/>
-            </a:pPr>
-            <a:r>
-              <a:rPr lang="en-US" sz="2200">
-                <a:ea typeface="+mj-lt"/>
-                <a:cs typeface="+mj-lt"/>
-              </a:rPr>
-              <a:t>Tutors will deliver their workshop 2 meters distance from you </a:t>
-            </a:r>
-          </a:p>
-          <a:p>
-            <a:endParaRPr lang="en-US" sz="2200" u="sng">
-              <a:latin typeface="+mn-lt"/>
-              <a:ea typeface="+mj-lt"/>
-              <a:cs typeface="+mj-lt"/>
-            </a:endParaRPr>
-          </a:p>
-          <a:p>
-            <a:r>
-              <a:rPr lang="en-US" sz="2200" u="sng">
-                <a:latin typeface="+mn-lt"/>
-                <a:ea typeface="+mj-lt"/>
-                <a:cs typeface="+mj-lt"/>
-              </a:rPr>
-              <a:t>Hygiene</a:t>
-            </a:r>
-            <a:endParaRPr lang="en-GB" sz="2200" u="sng">
-              <a:latin typeface="+mn-lt"/>
-              <a:ea typeface="Calibri" panose="020F0502020204030204" pitchFamily="34" charset="0"/>
-              <a:cs typeface="Times New Roman"/>
-            </a:endParaRPr>
-          </a:p>
-          <a:p>
-            <a:pPr marL="457200" indent="-457200">
-              <a:buFont typeface="Arial" panose="020B0604020202020204" pitchFamily="34" charset="0"/>
-              <a:buChar char="•"/>
-            </a:pPr>
-            <a:r>
-              <a:rPr lang="en-US" sz="2200"/>
-              <a:t>Where hand </a:t>
-            </a:r>
-            <a:r>
-              <a:rPr lang="en-US" sz="2200" err="1"/>
-              <a:t>sanitiser</a:t>
-            </a:r>
-            <a:r>
-              <a:rPr lang="en-US" sz="2200"/>
-              <a:t> is available, please use it</a:t>
-            </a:r>
-          </a:p>
-          <a:p>
-            <a:pPr marL="457200" indent="-457200">
-              <a:buFont typeface="Arial" panose="020B0604020202020204" pitchFamily="34" charset="0"/>
-              <a:buChar char="•"/>
-            </a:pPr>
-            <a:r>
-              <a:rPr lang="en-US" sz="2200"/>
-              <a:t>Please wipe down any communal/shared course materials/equipment </a:t>
-            </a:r>
-          </a:p>
-          <a:p>
-            <a:pPr marL="457200" indent="-457200">
-              <a:buFont typeface="Arial" panose="020B0604020202020204" pitchFamily="34" charset="0"/>
-              <a:buChar char="•"/>
-            </a:pPr>
-            <a:endParaRPr lang="en-US" sz="2400"/>
-          </a:p>
-        </p:txBody>
-      </p:sp>
-    </p:spTree>
-    <p:extLst>
-      <p:ext uri="{BB962C8B-B14F-4D97-AF65-F5344CB8AC3E}">
-        <p14:creationId xmlns:p14="http://schemas.microsoft.com/office/powerpoint/2010/main" val="3335899296"/>
-      </p:ext>
-    </p:extLst>
-  </p:cSld>
-  <p:clrMapOvr>
-    <a:masterClrMapping/>
-  </p:clrMapOvr>
-</p:sld>
-</file>
-
-<file path=ppt/slides/slide30.xml><?xml version="1.0" encoding="utf-8"?>
+<file path=ppt/slides/slide29.xml><?xml version="1.0" encoding="utf-8"?>
 <p:sld xmlns:a="http://schemas.openxmlformats.org/drawingml/2006/main" xmlns:r="http://schemas.openxmlformats.org/officeDocument/2006/relationships" xmlns:p="http://schemas.openxmlformats.org/presentationml/2006/main">
   <p:cSld>
     <p:spTree>
@@ -16342,7 +15950,199 @@
 </p:sld>
 </file>
 
-<file path=ppt/slides/slide31.xml><?xml version="1.0" encoding="utf-8"?>
+<file path=ppt/slides/slide3.xml><?xml version="1.0" encoding="utf-8"?>
+<p:sld xmlns:a="http://schemas.openxmlformats.org/drawingml/2006/main" xmlns:r="http://schemas.openxmlformats.org/officeDocument/2006/relationships" xmlns:p="http://schemas.openxmlformats.org/presentationml/2006/main">
+  <p:cSld>
+    <p:spTree>
+      <p:nvGrpSpPr>
+        <p:cNvPr id="1" name=""/>
+        <p:cNvGrpSpPr/>
+        <p:nvPr/>
+      </p:nvGrpSpPr>
+      <p:grpSpPr>
+        <a:xfrm>
+          <a:off x="0" y="0"/>
+          <a:ext cx="0" cy="0"/>
+          <a:chOff x="0" y="0"/>
+          <a:chExt cx="0" cy="0"/>
+        </a:xfrm>
+      </p:grpSpPr>
+      <p:sp>
+        <p:nvSpPr>
+          <p:cNvPr id="4" name="Title 1"/>
+          <p:cNvSpPr txBox="1">
+            <a:spLocks/>
+          </p:cNvSpPr>
+          <p:nvPr/>
+        </p:nvSpPr>
+        <p:spPr>
+          <a:xfrm>
+            <a:off x="401320" y="472966"/>
+            <a:ext cx="5778764" cy="961696"/>
+          </a:xfrm>
+          <a:prstGeom prst="rect">
+            <a:avLst/>
+          </a:prstGeom>
+        </p:spPr>
+        <p:txBody>
+          <a:bodyPr anchor="b"/>
+          <a:lstStyle>
+            <a:lvl1pPr algn="l" defTabSz="457200" rtl="0" eaLnBrk="1" latinLnBrk="0" hangingPunct="1">
+              <a:lnSpc>
+                <a:spcPct val="90000"/>
+              </a:lnSpc>
+              <a:spcBef>
+                <a:spcPct val="0"/>
+              </a:spcBef>
+              <a:buNone/>
+              <a:defRPr sz="4000" b="1" i="0" kern="1200" baseline="0">
+                <a:solidFill>
+                  <a:schemeClr val="tx2"/>
+                </a:solidFill>
+                <a:latin typeface="+mj-lt"/>
+                <a:ea typeface="+mj-ea"/>
+                <a:cs typeface="MetaOT-Bold"/>
+              </a:defRPr>
+            </a:lvl1pPr>
+          </a:lstStyle>
+          <a:p>
+            <a:r>
+              <a:rPr lang="en-US" sz="3200">
+                <a:solidFill>
+                  <a:schemeClr val="accent3"/>
+                </a:solidFill>
+              </a:rPr>
+              <a:t>Expectations:  Covid-safe teaching environments</a:t>
+            </a:r>
+          </a:p>
+        </p:txBody>
+      </p:sp>
+      <p:sp>
+        <p:nvSpPr>
+          <p:cNvPr id="5" name="Subtitle 2"/>
+          <p:cNvSpPr>
+            <a:spLocks noGrp="1"/>
+          </p:cNvSpPr>
+          <p:nvPr>
+            <p:ph type="subTitle" idx="1"/>
+          </p:nvPr>
+        </p:nvSpPr>
+        <p:spPr>
+          <a:xfrm>
+            <a:off x="401320" y="1631731"/>
+            <a:ext cx="8490432" cy="4548352"/>
+          </a:xfrm>
+        </p:spPr>
+        <p:txBody>
+          <a:bodyPr lIns="91440" tIns="45720" rIns="91440" bIns="45720" anchor="t"/>
+          <a:lstStyle/>
+          <a:p>
+            <a:r>
+              <a:rPr lang="en-US" sz="2200" u="sng">
+                <a:solidFill>
+                  <a:schemeClr val="tx1"/>
+                </a:solidFill>
+                <a:ea typeface="+mj-lt"/>
+                <a:cs typeface="+mj-lt"/>
+              </a:rPr>
+              <a:t>Face coverings</a:t>
+            </a:r>
+          </a:p>
+          <a:p>
+            <a:pPr marL="457200" indent="-457200">
+              <a:buFont typeface="Arial" panose="020B0604020202020204" pitchFamily="34" charset="0"/>
+              <a:buChar char="•"/>
+            </a:pPr>
+            <a:r>
+              <a:rPr lang="en-GB" sz="2200" b="0" i="0">
+                <a:solidFill>
+                  <a:schemeClr val="tx1"/>
+                </a:solidFill>
+                <a:effectLst/>
+                <a:latin typeface="+mn-lt"/>
+              </a:rPr>
+              <a:t>While infection rates remain high, we encourage all members of our community to continue wearing face coverings in most indoor settings on campus, including Graduate School workshops</a:t>
+            </a:r>
+          </a:p>
+          <a:p>
+            <a:endParaRPr lang="en-US" sz="2200" u="sng">
+              <a:solidFill>
+                <a:schemeClr val="tx1"/>
+              </a:solidFill>
+              <a:ea typeface="+mj-lt"/>
+              <a:cs typeface="+mj-lt"/>
+            </a:endParaRPr>
+          </a:p>
+          <a:p>
+            <a:r>
+              <a:rPr lang="en-US" sz="2200" u="sng">
+                <a:solidFill>
+                  <a:schemeClr val="tx1"/>
+                </a:solidFill>
+                <a:latin typeface="+mn-lt"/>
+                <a:ea typeface="+mj-lt"/>
+                <a:cs typeface="+mj-lt"/>
+              </a:rPr>
+              <a:t>Hygiene</a:t>
+            </a:r>
+            <a:endParaRPr lang="en-GB" sz="2200" u="sng">
+              <a:solidFill>
+                <a:schemeClr val="tx1"/>
+              </a:solidFill>
+              <a:latin typeface="+mn-lt"/>
+              <a:ea typeface="Calibri" panose="020F0502020204030204" pitchFamily="34" charset="0"/>
+              <a:cs typeface="Times New Roman"/>
+            </a:endParaRPr>
+          </a:p>
+          <a:p>
+            <a:pPr marL="457200" indent="-457200">
+              <a:buFont typeface="Arial" panose="020B0604020202020204" pitchFamily="34" charset="0"/>
+              <a:buChar char="•"/>
+            </a:pPr>
+            <a:r>
+              <a:rPr lang="en-US" sz="2200">
+                <a:solidFill>
+                  <a:schemeClr val="tx1"/>
+                </a:solidFill>
+              </a:rPr>
+              <a:t>Where hand </a:t>
+            </a:r>
+            <a:r>
+              <a:rPr lang="en-US" sz="2200" err="1">
+                <a:solidFill>
+                  <a:schemeClr val="tx1"/>
+                </a:solidFill>
+              </a:rPr>
+              <a:t>sanitiser</a:t>
+            </a:r>
+            <a:r>
+              <a:rPr lang="en-US" sz="2200">
+                <a:solidFill>
+                  <a:schemeClr val="tx1"/>
+                </a:solidFill>
+              </a:rPr>
+              <a:t> is available, please use it</a:t>
+            </a:r>
+          </a:p>
+          <a:p>
+            <a:endParaRPr lang="en-US" sz="2400"/>
+          </a:p>
+        </p:txBody>
+      </p:sp>
+    </p:spTree>
+    <p:extLst>
+      <p:ext uri="{BB962C8B-B14F-4D97-AF65-F5344CB8AC3E}">
+        <p14:creationId xmlns:p14="http://schemas.microsoft.com/office/powerpoint/2010/main" val="70908208"/>
+      </p:ext>
+    </p:extLst>
+  </p:cSld>
+  <p:clrMapOvr>
+    <a:masterClrMapping/>
+  </p:clrMapOvr>
+</p:sld>
+</file>
+
+<file path=ppt/slides/slide30.xml><?xml version="1.0" encoding="utf-8"?>
 <p:sld xmlns:a="http://schemas.openxmlformats.org/drawingml/2006/main" xmlns:r="http://schemas.openxmlformats.org/officeDocument/2006/relationships" xmlns:p="http://schemas.openxmlformats.org/presentationml/2006/main">
   <p:cSld>
     <p:spTree>
@@ -17349,7 +17149,7 @@
 </p:sld>
 </file>
 
-<file path=ppt/slides/slide32.xml><?xml version="1.0" encoding="utf-8"?>
+<file path=ppt/slides/slide31.xml><?xml version="1.0" encoding="utf-8"?>
 <p:sld xmlns:a="http://schemas.openxmlformats.org/drawingml/2006/main" xmlns:r="http://schemas.openxmlformats.org/officeDocument/2006/relationships" xmlns:p="http://schemas.openxmlformats.org/presentationml/2006/main">
   <p:cSld>
     <p:spTree>
@@ -17951,6 +17751,208 @@
 </p:sld>
 </file>
 
+<file path=ppt/slides/slide32.xml><?xml version="1.0" encoding="utf-8"?>
+<p:sld xmlns:a="http://schemas.openxmlformats.org/drawingml/2006/main" xmlns:r="http://schemas.openxmlformats.org/officeDocument/2006/relationships" xmlns:p="http://schemas.openxmlformats.org/presentationml/2006/main">
+  <p:cSld>
+    <p:spTree>
+      <p:nvGrpSpPr>
+        <p:cNvPr id="1" name=""/>
+        <p:cNvGrpSpPr/>
+        <p:nvPr/>
+      </p:nvGrpSpPr>
+      <p:grpSpPr>
+        <a:xfrm>
+          <a:off x="0" y="0"/>
+          <a:ext cx="0" cy="0"/>
+          <a:chOff x="0" y="0"/>
+          <a:chExt cx="0" cy="0"/>
+        </a:xfrm>
+      </p:grpSpPr>
+      <p:sp>
+        <p:nvSpPr>
+          <p:cNvPr id="2" name="Title 1"/>
+          <p:cNvSpPr>
+            <a:spLocks noGrp="1"/>
+          </p:cNvSpPr>
+          <p:nvPr>
+            <p:ph type="title"/>
+          </p:nvPr>
+        </p:nvSpPr>
+        <p:spPr/>
+        <p:txBody>
+          <a:bodyPr/>
+          <a:lstStyle/>
+          <a:p>
+            <a:r>
+              <a:rPr lang="en-GB" sz="4000" dirty="0"/>
+              <a:t>Graphics Path</a:t>
+            </a:r>
+          </a:p>
+        </p:txBody>
+      </p:sp>
+      <p:sp>
+        <p:nvSpPr>
+          <p:cNvPr id="7" name="Content Placeholder 6">
+            <a:extLst>
+              <a:ext uri="{FF2B5EF4-FFF2-40B4-BE49-F238E27FC236}">
+                <a16:creationId xmlns:a16="http://schemas.microsoft.com/office/drawing/2014/main" id="{A4668B92-0976-4E36-A913-C47498FEE667}"/>
+              </a:ext>
+            </a:extLst>
+          </p:cNvPr>
+          <p:cNvSpPr>
+            <a:spLocks noGrp="1"/>
+          </p:cNvSpPr>
+          <p:nvPr>
+            <p:ph idx="1"/>
+          </p:nvPr>
+        </p:nvSpPr>
+        <p:spPr>
+          <a:xfrm>
+            <a:off x="457200" y="1417638"/>
+            <a:ext cx="8229600" cy="4525963"/>
+          </a:xfrm>
+        </p:spPr>
+        <p:txBody>
+          <a:bodyPr/>
+          <a:lstStyle/>
+          <a:p>
+            <a:r>
+              <a:rPr lang="en-GB" sz="2800" dirty="0"/>
+              <a:t>You can set where LaTeX should look for the graphics to be used in your document</a:t>
+            </a:r>
+          </a:p>
+          <a:p>
+            <a:r>
+              <a:rPr lang="en-GB" sz="2800" dirty="0"/>
+              <a:t>Useful for separating figures for different chapters and the .</a:t>
+            </a:r>
+            <a:r>
+              <a:rPr lang="en-GB" sz="2800" dirty="0" err="1"/>
+              <a:t>tex</a:t>
+            </a:r>
+            <a:r>
+              <a:rPr lang="en-GB" sz="2800" dirty="0"/>
+              <a:t> files</a:t>
+            </a:r>
+          </a:p>
+          <a:p>
+            <a:r>
+              <a:rPr lang="en-GB" sz="2800" dirty="0"/>
+              <a:t>The command </a:t>
+            </a:r>
+            <a:r>
+              <a:rPr lang="en-GB" sz="2800" dirty="0">
+                <a:solidFill>
+                  <a:schemeClr val="tx2">
+                    <a:lumMod val="50000"/>
+                    <a:lumOff val="50000"/>
+                  </a:schemeClr>
+                </a:solidFill>
+              </a:rPr>
+              <a:t>\</a:t>
+            </a:r>
+            <a:r>
+              <a:rPr lang="en-GB" sz="2800" dirty="0" err="1">
+                <a:solidFill>
+                  <a:schemeClr val="tx2">
+                    <a:lumMod val="50000"/>
+                    <a:lumOff val="50000"/>
+                  </a:schemeClr>
+                </a:solidFill>
+              </a:rPr>
+              <a:t>graphicspath</a:t>
+            </a:r>
+            <a:r>
+              <a:rPr lang="en-GB" sz="2800" dirty="0">
+                <a:solidFill>
+                  <a:schemeClr val="tx2">
+                    <a:lumMod val="50000"/>
+                    <a:lumOff val="50000"/>
+                  </a:schemeClr>
+                </a:solidFill>
+              </a:rPr>
+              <a:t> {{./FOLDER1/} {./FOLDER2/}} </a:t>
+            </a:r>
+            <a:r>
+              <a:rPr lang="en-GB" sz="2800" dirty="0"/>
+              <a:t>will tell LaTeX to look in the folders named “FOLDER1” and “FOLDER2” in the directory of the .</a:t>
+            </a:r>
+            <a:r>
+              <a:rPr lang="en-GB" sz="2800" dirty="0" err="1"/>
+              <a:t>tex</a:t>
+            </a:r>
+            <a:r>
+              <a:rPr lang="en-GB" sz="2800" dirty="0"/>
+              <a:t> file</a:t>
+            </a:r>
+            <a:endParaRPr lang="en-GB" sz="2400" dirty="0"/>
+          </a:p>
+          <a:p>
+            <a:pPr lvl="1"/>
+            <a:endParaRPr lang="en-GB" sz="1600" dirty="0"/>
+          </a:p>
+        </p:txBody>
+      </p:sp>
+      <p:sp>
+        <p:nvSpPr>
+          <p:cNvPr id="4" name="TextBox 3">
+            <a:extLst>
+              <a:ext uri="{FF2B5EF4-FFF2-40B4-BE49-F238E27FC236}">
+                <a16:creationId xmlns:a16="http://schemas.microsoft.com/office/drawing/2014/main" id="{398C5D47-C6D2-45C0-8D24-2F32A438F365}"/>
+              </a:ext>
+            </a:extLst>
+          </p:cNvPr>
+          <p:cNvSpPr txBox="1"/>
+          <p:nvPr/>
+        </p:nvSpPr>
+        <p:spPr>
+          <a:xfrm>
+            <a:off x="7357241" y="6498021"/>
+            <a:ext cx="1697422" cy="369332"/>
+          </a:xfrm>
+          <a:prstGeom prst="rect">
+            <a:avLst/>
+          </a:prstGeom>
+          <a:noFill/>
+        </p:spPr>
+        <p:txBody>
+          <a:bodyPr wrap="square" rtlCol="0">
+            <a:spAutoFit/>
+          </a:bodyPr>
+          <a:lstStyle/>
+          <a:p>
+            <a:r>
+              <a:rPr lang="en-GB" dirty="0">
+                <a:solidFill>
+                  <a:schemeClr val="accent2"/>
+                </a:solidFill>
+              </a:rPr>
+              <a:t>Problem Sheet</a:t>
+            </a:r>
+          </a:p>
+        </p:txBody>
+      </p:sp>
+    </p:spTree>
+    <p:extLst>
+      <p:ext uri="{BB962C8B-B14F-4D97-AF65-F5344CB8AC3E}">
+        <p14:creationId xmlns:p14="http://schemas.microsoft.com/office/powerpoint/2010/main" val="358316703"/>
+      </p:ext>
+    </p:extLst>
+  </p:cSld>
+  <p:clrMapOvr>
+    <a:masterClrMapping/>
+  </p:clrMapOvr>
+  <mc:AlternateContent xmlns:mc="http://schemas.openxmlformats.org/markup-compatibility/2006" xmlns:p14="http://schemas.microsoft.com/office/powerpoint/2010/main">
+    <mc:Choice Requires="p14">
+      <p:transition p14:dur="10"/>
+    </mc:Choice>
+    <mc:Fallback xmlns="">
+      <p:transition/>
+    </mc:Fallback>
+  </mc:AlternateContent>
+</p:sld>
+</file>
+
 <file path=ppt/slides/slide33.xml><?xml version="1.0" encoding="utf-8"?>
 <p:sld xmlns:a="http://schemas.openxmlformats.org/drawingml/2006/main" xmlns:r="http://schemas.openxmlformats.org/officeDocument/2006/relationships" xmlns:p="http://schemas.openxmlformats.org/presentationml/2006/main">
   <p:cSld>
@@ -17985,120 +17987,413 @@
           <a:p>
             <a:r>
               <a:rPr lang="en-GB" sz="4000" dirty="0"/>
-              <a:t>Graphics Path</a:t>
+              <a:t>Custom Commands</a:t>
             </a:r>
           </a:p>
         </p:txBody>
       </p:sp>
-      <p:sp>
-        <p:nvSpPr>
-          <p:cNvPr id="7" name="Content Placeholder 6">
+      <p:cxnSp>
+        <p:nvCxnSpPr>
+          <p:cNvPr id="12" name="Straight Connector 11"/>
+          <p:cNvCxnSpPr/>
+          <p:nvPr/>
+        </p:nvCxnSpPr>
+        <p:spPr>
+          <a:xfrm>
+            <a:off x="4572000" y="1417638"/>
+            <a:ext cx="0" cy="5440362"/>
+          </a:xfrm>
+          <a:prstGeom prst="line">
+            <a:avLst/>
+          </a:prstGeom>
+        </p:spPr>
+        <p:style>
+          <a:lnRef idx="2">
+            <a:schemeClr val="accent1"/>
+          </a:lnRef>
+          <a:fillRef idx="0">
+            <a:schemeClr val="accent1"/>
+          </a:fillRef>
+          <a:effectRef idx="1">
+            <a:schemeClr val="accent1"/>
+          </a:effectRef>
+          <a:fontRef idx="minor">
+            <a:schemeClr val="tx1"/>
+          </a:fontRef>
+        </p:style>
+      </p:cxnSp>
+      <p:sp>
+        <p:nvSpPr>
+          <p:cNvPr id="4" name="Rectangle 2"/>
+          <p:cNvSpPr>
+            <a:spLocks noChangeArrowheads="1"/>
+          </p:cNvSpPr>
+          <p:nvPr/>
+        </p:nvSpPr>
+        <p:spPr bwMode="auto">
+          <a:xfrm>
+            <a:off x="379360" y="1686591"/>
+            <a:ext cx="4166693" cy="4154984"/>
+          </a:xfrm>
+          <a:prstGeom prst="rect">
+            <a:avLst/>
+          </a:prstGeom>
+          <a:noFill/>
+          <a:ln>
+            <a:noFill/>
+          </a:ln>
+          <a:effectLst/>
+        </p:spPr>
+        <p:txBody>
+          <a:bodyPr vert="horz" wrap="square" lIns="91440" tIns="45720" rIns="91440" bIns="45720" numCol="1" anchor="ctr" anchorCtr="0" compatLnSpc="1">
+            <a:prstTxWarp prst="textNoShape">
+              <a:avLst/>
+            </a:prstTxWarp>
+            <a:spAutoFit/>
+          </a:bodyPr>
+          <a:lstStyle/>
+          <a:p>
+            <a:r>
+              <a:rPr lang="en-GB" sz="2400" dirty="0">
+                <a:solidFill>
+                  <a:schemeClr val="tx2">
+                    <a:lumMod val="50000"/>
+                    <a:lumOff val="50000"/>
+                  </a:schemeClr>
+                </a:solidFill>
+              </a:rPr>
+              <a:t>\</a:t>
+            </a:r>
+            <a:r>
+              <a:rPr lang="en-GB" sz="2400" dirty="0" err="1">
+                <a:solidFill>
+                  <a:schemeClr val="tx2">
+                    <a:lumMod val="50000"/>
+                    <a:lumOff val="50000"/>
+                  </a:schemeClr>
+                </a:solidFill>
+              </a:rPr>
+              <a:t>newcommand</a:t>
+            </a:r>
+            <a:r>
+              <a:rPr lang="en-GB" sz="2400" dirty="0"/>
+              <a:t>{</a:t>
+            </a:r>
+            <a:r>
+              <a:rPr lang="en-GB" sz="2400" dirty="0">
+                <a:solidFill>
+                  <a:schemeClr val="tx2">
+                    <a:lumMod val="50000"/>
+                    <a:lumOff val="50000"/>
+                  </a:schemeClr>
+                </a:solidFill>
+              </a:rPr>
+              <a:t>\</a:t>
+            </a:r>
+            <a:r>
+              <a:rPr lang="en-GB" sz="2400" dirty="0" err="1">
+                <a:solidFill>
+                  <a:schemeClr val="tx2">
+                    <a:lumMod val="50000"/>
+                    <a:lumOff val="50000"/>
+                  </a:schemeClr>
+                </a:solidFill>
+              </a:rPr>
+              <a:t>hardmaths</a:t>
+            </a:r>
+            <a:r>
+              <a:rPr lang="en-GB" sz="2400" dirty="0"/>
+              <a:t>} {</a:t>
+            </a:r>
+            <a:r>
+              <a:rPr lang="en-GB" sz="2400" dirty="0">
+                <a:solidFill>
+                  <a:schemeClr val="tx2">
+                    <a:lumMod val="50000"/>
+                    <a:lumOff val="50000"/>
+                  </a:schemeClr>
+                </a:solidFill>
+              </a:rPr>
+              <a:t>\frac</a:t>
+            </a:r>
+            <a:r>
+              <a:rPr lang="en-GB" sz="2400" dirty="0"/>
+              <a:t>{</a:t>
+            </a:r>
+            <a:r>
+              <a:rPr lang="en-GB" sz="2400" dirty="0">
+                <a:solidFill>
+                  <a:schemeClr val="tx2">
+                    <a:lumMod val="50000"/>
+                    <a:lumOff val="50000"/>
+                  </a:schemeClr>
+                </a:solidFill>
+              </a:rPr>
+              <a:t>\sin</a:t>
+            </a:r>
+            <a:r>
+              <a:rPr lang="en-GB" sz="2400" dirty="0"/>
+              <a:t>{(x\pi)}} {2</a:t>
+            </a:r>
+            <a:r>
+              <a:rPr lang="en-GB" sz="2400" dirty="0">
+                <a:solidFill>
+                  <a:schemeClr val="accent1">
+                    <a:lumMod val="60000"/>
+                    <a:lumOff val="40000"/>
+                  </a:schemeClr>
+                </a:solidFill>
+              </a:rPr>
+              <a:t>\alpha</a:t>
+            </a:r>
+            <a:r>
+              <a:rPr lang="en-GB" sz="2400" dirty="0"/>
+              <a:t>}}</a:t>
+            </a:r>
+          </a:p>
+          <a:p>
+            <a:endParaRPr lang="en-GB" sz="2400" dirty="0"/>
+          </a:p>
+          <a:p>
+            <a:r>
+              <a:rPr lang="en-GB" sz="2400" dirty="0">
+                <a:solidFill>
+                  <a:schemeClr val="tx2">
+                    <a:lumMod val="50000"/>
+                    <a:lumOff val="50000"/>
+                  </a:schemeClr>
+                </a:solidFill>
+              </a:rPr>
+              <a:t>\</a:t>
+            </a:r>
+            <a:r>
+              <a:rPr lang="en-GB" sz="2400" dirty="0" err="1">
+                <a:solidFill>
+                  <a:schemeClr val="tx2">
+                    <a:lumMod val="50000"/>
+                    <a:lumOff val="50000"/>
+                  </a:schemeClr>
+                </a:solidFill>
+              </a:rPr>
+              <a:t>newcommand</a:t>
+            </a:r>
+            <a:r>
+              <a:rPr lang="en-GB" sz="2400" dirty="0"/>
+              <a:t>{</a:t>
+            </a:r>
+            <a:r>
+              <a:rPr lang="en-GB" sz="2400" dirty="0">
+                <a:solidFill>
+                  <a:schemeClr val="tx2">
+                    <a:lumMod val="50000"/>
+                    <a:lumOff val="50000"/>
+                  </a:schemeClr>
+                </a:solidFill>
+              </a:rPr>
+              <a:t>\diff</a:t>
+            </a:r>
+            <a:r>
+              <a:rPr lang="en-GB" sz="2400" dirty="0"/>
+              <a:t>}[2]  {</a:t>
+            </a:r>
+            <a:r>
+              <a:rPr lang="en-GB" sz="2400" dirty="0">
+                <a:solidFill>
+                  <a:schemeClr val="tx2">
+                    <a:lumMod val="50000"/>
+                    <a:lumOff val="50000"/>
+                  </a:schemeClr>
+                </a:solidFill>
+              </a:rPr>
+              <a:t>\frac{\</a:t>
+            </a:r>
+            <a:r>
+              <a:rPr lang="en-GB" sz="2400" dirty="0" err="1">
+                <a:solidFill>
+                  <a:schemeClr val="tx2">
+                    <a:lumMod val="50000"/>
+                    <a:lumOff val="50000"/>
+                  </a:schemeClr>
+                </a:solidFill>
+              </a:rPr>
+              <a:t>textrm</a:t>
+            </a:r>
+            <a:r>
+              <a:rPr lang="en-GB" sz="2400" dirty="0"/>
+              <a:t>{d}{#1}} {</a:t>
+            </a:r>
+            <a:r>
+              <a:rPr lang="en-GB" sz="2400" dirty="0">
+                <a:solidFill>
+                  <a:schemeClr val="tx2">
+                    <a:lumMod val="50000"/>
+                    <a:lumOff val="50000"/>
+                  </a:schemeClr>
+                </a:solidFill>
+              </a:rPr>
+              <a:t>\</a:t>
+            </a:r>
+            <a:r>
+              <a:rPr lang="en-GB" sz="2400" dirty="0" err="1">
+                <a:solidFill>
+                  <a:schemeClr val="tx2">
+                    <a:lumMod val="50000"/>
+                    <a:lumOff val="50000"/>
+                  </a:schemeClr>
+                </a:solidFill>
+              </a:rPr>
+              <a:t>textrm</a:t>
+            </a:r>
+            <a:r>
+              <a:rPr lang="en-GB" sz="2400" dirty="0"/>
+              <a:t>{d}{#2}}}</a:t>
+            </a:r>
+          </a:p>
+          <a:p>
+            <a:endParaRPr lang="en-GB" sz="2400" dirty="0"/>
+          </a:p>
+          <a:p>
+            <a:r>
+              <a:rPr lang="en-GB" sz="2400" dirty="0">
+                <a:solidFill>
+                  <a:schemeClr val="tx2">
+                    <a:lumMod val="50000"/>
+                    <a:lumOff val="50000"/>
+                  </a:schemeClr>
+                </a:solidFill>
+              </a:rPr>
+              <a:t>\begin</a:t>
+            </a:r>
+            <a:r>
+              <a:rPr lang="en-GB" sz="2400" dirty="0"/>
+              <a:t>{document}</a:t>
+            </a:r>
+          </a:p>
+          <a:p>
+            <a:endParaRPr lang="en-GB" sz="2400" dirty="0"/>
+          </a:p>
+          <a:p>
+            <a:r>
+              <a:rPr lang="en-GB" sz="2400" dirty="0"/>
+              <a:t>A quick way to write </a:t>
+            </a:r>
+            <a:r>
+              <a:rPr lang="en-GB" sz="2400" dirty="0">
+                <a:solidFill>
+                  <a:schemeClr val="accent3">
+                    <a:lumMod val="60000"/>
+                    <a:lumOff val="40000"/>
+                  </a:schemeClr>
+                </a:solidFill>
+              </a:rPr>
+              <a:t>$</a:t>
+            </a:r>
+            <a:r>
+              <a:rPr lang="en-GB" sz="2400" dirty="0">
+                <a:solidFill>
+                  <a:schemeClr val="accent1">
+                    <a:lumMod val="60000"/>
+                    <a:lumOff val="40000"/>
+                  </a:schemeClr>
+                </a:solidFill>
+              </a:rPr>
+              <a:t>\diff</a:t>
+            </a:r>
+            <a:r>
+              <a:rPr lang="en-GB" sz="2400" dirty="0">
+                <a:solidFill>
+                  <a:schemeClr val="accent3">
+                    <a:lumMod val="60000"/>
+                    <a:lumOff val="40000"/>
+                  </a:schemeClr>
+                </a:solidFill>
+              </a:rPr>
+              <a:t>{y}{x}</a:t>
+            </a:r>
+            <a:r>
+              <a:rPr lang="en-GB" sz="2400" dirty="0"/>
+              <a:t>=</a:t>
+            </a:r>
+            <a:r>
+              <a:rPr lang="en-GB" sz="2400" dirty="0">
+                <a:solidFill>
+                  <a:schemeClr val="accent1">
+                    <a:lumMod val="60000"/>
+                    <a:lumOff val="40000"/>
+                  </a:schemeClr>
+                </a:solidFill>
+              </a:rPr>
+              <a:t>\</a:t>
+            </a:r>
+            <a:r>
+              <a:rPr lang="en-GB" sz="2400" dirty="0" err="1">
+                <a:solidFill>
+                  <a:schemeClr val="accent1">
+                    <a:lumMod val="60000"/>
+                    <a:lumOff val="40000"/>
+                  </a:schemeClr>
+                </a:solidFill>
+              </a:rPr>
+              <a:t>hardmaths</a:t>
+            </a:r>
+            <a:r>
+              <a:rPr lang="en-GB" sz="2400" dirty="0">
+                <a:solidFill>
+                  <a:schemeClr val="accent3">
+                    <a:lumMod val="60000"/>
+                    <a:lumOff val="40000"/>
+                  </a:schemeClr>
+                </a:solidFill>
+              </a:rPr>
+              <a:t>$</a:t>
+            </a:r>
+            <a:endParaRPr lang="en-US" altLang="en-US" sz="2400" dirty="0">
+              <a:solidFill>
+                <a:schemeClr val="accent3">
+                  <a:lumMod val="60000"/>
+                  <a:lumOff val="40000"/>
+                </a:schemeClr>
+              </a:solidFill>
+            </a:endParaRPr>
+          </a:p>
+        </p:txBody>
+      </p:sp>
+      <p:pic>
+        <p:nvPicPr>
+          <p:cNvPr id="13" name="Picture 12">
             <a:extLst>
               <a:ext uri="{FF2B5EF4-FFF2-40B4-BE49-F238E27FC236}">
-                <a16:creationId xmlns:a16="http://schemas.microsoft.com/office/drawing/2014/main" id="{A4668B92-0976-4E36-A913-C47498FEE667}"/>
+                <a16:creationId xmlns:a16="http://schemas.microsoft.com/office/drawing/2014/main" id="{8A08522B-9567-425D-856D-8B35D8CEF722}"/>
               </a:ext>
             </a:extLst>
           </p:cNvPr>
-          <p:cNvSpPr>
-            <a:spLocks noGrp="1"/>
-          </p:cNvSpPr>
-          <p:nvPr>
-            <p:ph idx="1"/>
-          </p:nvPr>
-        </p:nvSpPr>
+          <p:cNvPicPr>
+            <a:picLocks noChangeAspect="1"/>
+          </p:cNvPicPr>
+          <p:nvPr/>
+        </p:nvPicPr>
+        <p:blipFill>
+          <a:blip r:embed="rId3"/>
+          <a:stretch>
+            <a:fillRect/>
+          </a:stretch>
+        </p:blipFill>
         <p:spPr>
           <a:xfrm>
-            <a:off x="457200" y="1417638"/>
-            <a:ext cx="8229600" cy="4525963"/>
+            <a:off x="4809198" y="3599955"/>
+            <a:ext cx="3955441" cy="537864"/>
           </a:xfrm>
+          <a:prstGeom prst="rect">
+            <a:avLst/>
+          </a:prstGeom>
         </p:spPr>
-        <p:txBody>
-          <a:bodyPr/>
-          <a:lstStyle/>
-          <a:p>
-            <a:r>
-              <a:rPr lang="en-GB" sz="2800" dirty="0"/>
-              <a:t>You can set where LaTeX should look for the graphics to be used in your document</a:t>
-            </a:r>
-          </a:p>
-          <a:p>
-            <a:r>
-              <a:rPr lang="en-GB" sz="2800" dirty="0"/>
-              <a:t>Useful for separating figures for different chapters and the .</a:t>
-            </a:r>
-            <a:r>
-              <a:rPr lang="en-GB" sz="2800" dirty="0" err="1"/>
-              <a:t>tex</a:t>
-            </a:r>
-            <a:r>
-              <a:rPr lang="en-GB" sz="2800" dirty="0"/>
-              <a:t> files</a:t>
-            </a:r>
-          </a:p>
-          <a:p>
-            <a:r>
-              <a:rPr lang="en-GB" sz="2800" dirty="0"/>
-              <a:t>The command </a:t>
-            </a:r>
-            <a:r>
-              <a:rPr lang="en-GB" sz="2800" dirty="0">
-                <a:solidFill>
-                  <a:schemeClr val="tx2">
-                    <a:lumMod val="50000"/>
-                    <a:lumOff val="50000"/>
-                  </a:schemeClr>
-                </a:solidFill>
-              </a:rPr>
-              <a:t>\</a:t>
-            </a:r>
-            <a:r>
-              <a:rPr lang="en-GB" sz="2800" dirty="0" err="1">
-                <a:solidFill>
-                  <a:schemeClr val="tx2">
-                    <a:lumMod val="50000"/>
-                    <a:lumOff val="50000"/>
-                  </a:schemeClr>
-                </a:solidFill>
-              </a:rPr>
-              <a:t>graphicspath</a:t>
-            </a:r>
-            <a:r>
-              <a:rPr lang="en-GB" sz="2800" dirty="0">
-                <a:solidFill>
-                  <a:schemeClr val="tx2">
-                    <a:lumMod val="50000"/>
-                    <a:lumOff val="50000"/>
-                  </a:schemeClr>
-                </a:solidFill>
-              </a:rPr>
-              <a:t> {{./FOLDER1/} {./FOLDER2/}} </a:t>
-            </a:r>
-            <a:r>
-              <a:rPr lang="en-GB" sz="2800" dirty="0"/>
-              <a:t>will tell LaTeX to look in the folders named “FOLDER1” and “FOLDER2” in the directory of the .</a:t>
-            </a:r>
-            <a:r>
-              <a:rPr lang="en-GB" sz="2800" dirty="0" err="1"/>
-              <a:t>tex</a:t>
-            </a:r>
-            <a:r>
-              <a:rPr lang="en-GB" sz="2800" dirty="0"/>
-              <a:t> file</a:t>
-            </a:r>
-            <a:endParaRPr lang="en-GB" sz="2400" dirty="0"/>
-          </a:p>
-          <a:p>
-            <a:pPr lvl="1"/>
-            <a:endParaRPr lang="en-GB" sz="1600" dirty="0"/>
-          </a:p>
-        </p:txBody>
-      </p:sp>
-      <p:sp>
-        <p:nvSpPr>
-          <p:cNvPr id="4" name="TextBox 3">
+      </p:pic>
+      <p:sp>
+        <p:nvSpPr>
+          <p:cNvPr id="6" name="TextBox 5">
             <a:extLst>
               <a:ext uri="{FF2B5EF4-FFF2-40B4-BE49-F238E27FC236}">
-                <a16:creationId xmlns:a16="http://schemas.microsoft.com/office/drawing/2014/main" id="{398C5D47-C6D2-45C0-8D24-2F32A438F365}"/>
+                <a16:creationId xmlns:a16="http://schemas.microsoft.com/office/drawing/2014/main" id="{60A5A0E4-D0CF-4B28-8E87-60A3B3E341C1}"/>
               </a:ext>
             </a:extLst>
           </p:cNvPr>
@@ -18135,7 +18430,7 @@
     </p:spTree>
     <p:extLst>
       <p:ext uri="{BB962C8B-B14F-4D97-AF65-F5344CB8AC3E}">
-        <p14:creationId xmlns:p14="http://schemas.microsoft.com/office/powerpoint/2010/main" val="358316703"/>
+        <p14:creationId xmlns:p14="http://schemas.microsoft.com/office/powerpoint/2010/main" val="1666026033"/>
       </p:ext>
     </p:extLst>
   </p:cSld>
@@ -18187,501 +18482,6 @@
           <a:p>
             <a:r>
               <a:rPr lang="en-GB" sz="4000" dirty="0"/>
-              <a:t>Custom Commands</a:t>
-            </a:r>
-          </a:p>
-        </p:txBody>
-      </p:sp>
-      <p:cxnSp>
-        <p:nvCxnSpPr>
-          <p:cNvPr id="12" name="Straight Connector 11"/>
-          <p:cNvCxnSpPr/>
-          <p:nvPr/>
-        </p:nvCxnSpPr>
-        <p:spPr>
-          <a:xfrm>
-            <a:off x="4572000" y="1417638"/>
-            <a:ext cx="0" cy="5440362"/>
-          </a:xfrm>
-          <a:prstGeom prst="line">
-            <a:avLst/>
-          </a:prstGeom>
-        </p:spPr>
-        <p:style>
-          <a:lnRef idx="2">
-            <a:schemeClr val="accent1"/>
-          </a:lnRef>
-          <a:fillRef idx="0">
-            <a:schemeClr val="accent1"/>
-          </a:fillRef>
-          <a:effectRef idx="1">
-            <a:schemeClr val="accent1"/>
-          </a:effectRef>
-          <a:fontRef idx="minor">
-            <a:schemeClr val="tx1"/>
-          </a:fontRef>
-        </p:style>
-      </p:cxnSp>
-      <p:sp>
-        <p:nvSpPr>
-          <p:cNvPr id="4" name="Rectangle 2"/>
-          <p:cNvSpPr>
-            <a:spLocks noChangeArrowheads="1"/>
-          </p:cNvSpPr>
-          <p:nvPr/>
-        </p:nvSpPr>
-        <p:spPr bwMode="auto">
-          <a:xfrm>
-            <a:off x="379360" y="1686591"/>
-            <a:ext cx="4166693" cy="4154984"/>
-          </a:xfrm>
-          <a:prstGeom prst="rect">
-            <a:avLst/>
-          </a:prstGeom>
-          <a:noFill/>
-          <a:ln>
-            <a:noFill/>
-          </a:ln>
-          <a:effectLst/>
-        </p:spPr>
-        <p:txBody>
-          <a:bodyPr vert="horz" wrap="square" lIns="91440" tIns="45720" rIns="91440" bIns="45720" numCol="1" anchor="ctr" anchorCtr="0" compatLnSpc="1">
-            <a:prstTxWarp prst="textNoShape">
-              <a:avLst/>
-            </a:prstTxWarp>
-            <a:spAutoFit/>
-          </a:bodyPr>
-          <a:lstStyle/>
-          <a:p>
-            <a:r>
-              <a:rPr lang="en-GB" sz="2400" dirty="0">
-                <a:solidFill>
-                  <a:schemeClr val="tx2">
-                    <a:lumMod val="50000"/>
-                    <a:lumOff val="50000"/>
-                  </a:schemeClr>
-                </a:solidFill>
-              </a:rPr>
-              <a:t>\</a:t>
-            </a:r>
-            <a:r>
-              <a:rPr lang="en-GB" sz="2400" dirty="0" err="1">
-                <a:solidFill>
-                  <a:schemeClr val="tx2">
-                    <a:lumMod val="50000"/>
-                    <a:lumOff val="50000"/>
-                  </a:schemeClr>
-                </a:solidFill>
-              </a:rPr>
-              <a:t>newcommand</a:t>
-            </a:r>
-            <a:r>
-              <a:rPr lang="en-GB" sz="2400" dirty="0"/>
-              <a:t>{</a:t>
-            </a:r>
-            <a:r>
-              <a:rPr lang="en-GB" sz="2400" dirty="0">
-                <a:solidFill>
-                  <a:schemeClr val="tx2">
-                    <a:lumMod val="50000"/>
-                    <a:lumOff val="50000"/>
-                  </a:schemeClr>
-                </a:solidFill>
-              </a:rPr>
-              <a:t>\</a:t>
-            </a:r>
-            <a:r>
-              <a:rPr lang="en-GB" sz="2400" dirty="0" err="1">
-                <a:solidFill>
-                  <a:schemeClr val="tx2">
-                    <a:lumMod val="50000"/>
-                    <a:lumOff val="50000"/>
-                  </a:schemeClr>
-                </a:solidFill>
-              </a:rPr>
-              <a:t>hardmaths</a:t>
-            </a:r>
-            <a:r>
-              <a:rPr lang="en-GB" sz="2400" dirty="0"/>
-              <a:t>} {</a:t>
-            </a:r>
-            <a:r>
-              <a:rPr lang="en-GB" sz="2400" dirty="0">
-                <a:solidFill>
-                  <a:schemeClr val="tx2">
-                    <a:lumMod val="50000"/>
-                    <a:lumOff val="50000"/>
-                  </a:schemeClr>
-                </a:solidFill>
-              </a:rPr>
-              <a:t>\frac</a:t>
-            </a:r>
-            <a:r>
-              <a:rPr lang="en-GB" sz="2400" dirty="0"/>
-              <a:t>{</a:t>
-            </a:r>
-            <a:r>
-              <a:rPr lang="en-GB" sz="2400" dirty="0">
-                <a:solidFill>
-                  <a:schemeClr val="tx2">
-                    <a:lumMod val="50000"/>
-                    <a:lumOff val="50000"/>
-                  </a:schemeClr>
-                </a:solidFill>
-              </a:rPr>
-              <a:t>\sin</a:t>
-            </a:r>
-            <a:r>
-              <a:rPr lang="en-GB" sz="2400" dirty="0"/>
-              <a:t>{(x\pi)}} {2</a:t>
-            </a:r>
-            <a:r>
-              <a:rPr lang="en-GB" sz="2400" dirty="0">
-                <a:solidFill>
-                  <a:schemeClr val="accent1">
-                    <a:lumMod val="60000"/>
-                    <a:lumOff val="40000"/>
-                  </a:schemeClr>
-                </a:solidFill>
-              </a:rPr>
-              <a:t>\alpha</a:t>
-            </a:r>
-            <a:r>
-              <a:rPr lang="en-GB" sz="2400" dirty="0"/>
-              <a:t>}}</a:t>
-            </a:r>
-          </a:p>
-          <a:p>
-            <a:endParaRPr lang="en-GB" sz="2400" dirty="0"/>
-          </a:p>
-          <a:p>
-            <a:r>
-              <a:rPr lang="en-GB" sz="2400" dirty="0">
-                <a:solidFill>
-                  <a:schemeClr val="tx2">
-                    <a:lumMod val="50000"/>
-                    <a:lumOff val="50000"/>
-                  </a:schemeClr>
-                </a:solidFill>
-              </a:rPr>
-              <a:t>\</a:t>
-            </a:r>
-            <a:r>
-              <a:rPr lang="en-GB" sz="2400" dirty="0" err="1">
-                <a:solidFill>
-                  <a:schemeClr val="tx2">
-                    <a:lumMod val="50000"/>
-                    <a:lumOff val="50000"/>
-                  </a:schemeClr>
-                </a:solidFill>
-              </a:rPr>
-              <a:t>newcommand</a:t>
-            </a:r>
-            <a:r>
-              <a:rPr lang="en-GB" sz="2400" dirty="0"/>
-              <a:t>{</a:t>
-            </a:r>
-            <a:r>
-              <a:rPr lang="en-GB" sz="2400" dirty="0">
-                <a:solidFill>
-                  <a:schemeClr val="tx2">
-                    <a:lumMod val="50000"/>
-                    <a:lumOff val="50000"/>
-                  </a:schemeClr>
-                </a:solidFill>
-              </a:rPr>
-              <a:t>\diff</a:t>
-            </a:r>
-            <a:r>
-              <a:rPr lang="en-GB" sz="2400" dirty="0"/>
-              <a:t>}[2]  {</a:t>
-            </a:r>
-            <a:r>
-              <a:rPr lang="en-GB" sz="2400" dirty="0">
-                <a:solidFill>
-                  <a:schemeClr val="tx2">
-                    <a:lumMod val="50000"/>
-                    <a:lumOff val="50000"/>
-                  </a:schemeClr>
-                </a:solidFill>
-              </a:rPr>
-              <a:t>\frac{\</a:t>
-            </a:r>
-            <a:r>
-              <a:rPr lang="en-GB" sz="2400" dirty="0" err="1">
-                <a:solidFill>
-                  <a:schemeClr val="tx2">
-                    <a:lumMod val="50000"/>
-                    <a:lumOff val="50000"/>
-                  </a:schemeClr>
-                </a:solidFill>
-              </a:rPr>
-              <a:t>textrm</a:t>
-            </a:r>
-            <a:r>
-              <a:rPr lang="en-GB" sz="2400" dirty="0"/>
-              <a:t>{d}{#1}} {</a:t>
-            </a:r>
-            <a:r>
-              <a:rPr lang="en-GB" sz="2400" dirty="0">
-                <a:solidFill>
-                  <a:schemeClr val="tx2">
-                    <a:lumMod val="50000"/>
-                    <a:lumOff val="50000"/>
-                  </a:schemeClr>
-                </a:solidFill>
-              </a:rPr>
-              <a:t>\</a:t>
-            </a:r>
-            <a:r>
-              <a:rPr lang="en-GB" sz="2400" dirty="0" err="1">
-                <a:solidFill>
-                  <a:schemeClr val="tx2">
-                    <a:lumMod val="50000"/>
-                    <a:lumOff val="50000"/>
-                  </a:schemeClr>
-                </a:solidFill>
-              </a:rPr>
-              <a:t>textrm</a:t>
-            </a:r>
-            <a:r>
-              <a:rPr lang="en-GB" sz="2400" dirty="0"/>
-              <a:t>{d}{#2}}}</a:t>
-            </a:r>
-          </a:p>
-          <a:p>
-            <a:endParaRPr lang="en-GB" sz="2400" dirty="0"/>
-          </a:p>
-          <a:p>
-            <a:r>
-              <a:rPr lang="en-GB" sz="2400" dirty="0">
-                <a:solidFill>
-                  <a:schemeClr val="tx2">
-                    <a:lumMod val="50000"/>
-                    <a:lumOff val="50000"/>
-                  </a:schemeClr>
-                </a:solidFill>
-              </a:rPr>
-              <a:t>\begin</a:t>
-            </a:r>
-            <a:r>
-              <a:rPr lang="en-GB" sz="2400" dirty="0"/>
-              <a:t>{document}</a:t>
-            </a:r>
-          </a:p>
-          <a:p>
-            <a:endParaRPr lang="en-GB" sz="2400" dirty="0"/>
-          </a:p>
-          <a:p>
-            <a:r>
-              <a:rPr lang="en-GB" sz="2400" dirty="0"/>
-              <a:t>A quick way to write </a:t>
-            </a:r>
-            <a:r>
-              <a:rPr lang="en-GB" sz="2400" dirty="0">
-                <a:solidFill>
-                  <a:schemeClr val="accent3">
-                    <a:lumMod val="60000"/>
-                    <a:lumOff val="40000"/>
-                  </a:schemeClr>
-                </a:solidFill>
-              </a:rPr>
-              <a:t>$</a:t>
-            </a:r>
-            <a:r>
-              <a:rPr lang="en-GB" sz="2400" dirty="0">
-                <a:solidFill>
-                  <a:schemeClr val="accent1">
-                    <a:lumMod val="60000"/>
-                    <a:lumOff val="40000"/>
-                  </a:schemeClr>
-                </a:solidFill>
-              </a:rPr>
-              <a:t>\diff</a:t>
-            </a:r>
-            <a:r>
-              <a:rPr lang="en-GB" sz="2400" dirty="0">
-                <a:solidFill>
-                  <a:schemeClr val="accent3">
-                    <a:lumMod val="60000"/>
-                    <a:lumOff val="40000"/>
-                  </a:schemeClr>
-                </a:solidFill>
-              </a:rPr>
-              <a:t>{y}{x}</a:t>
-            </a:r>
-            <a:r>
-              <a:rPr lang="en-GB" sz="2400" dirty="0"/>
-              <a:t>=</a:t>
-            </a:r>
-            <a:r>
-              <a:rPr lang="en-GB" sz="2400" dirty="0">
-                <a:solidFill>
-                  <a:schemeClr val="accent1">
-                    <a:lumMod val="60000"/>
-                    <a:lumOff val="40000"/>
-                  </a:schemeClr>
-                </a:solidFill>
-              </a:rPr>
-              <a:t>\</a:t>
-            </a:r>
-            <a:r>
-              <a:rPr lang="en-GB" sz="2400" dirty="0" err="1">
-                <a:solidFill>
-                  <a:schemeClr val="accent1">
-                    <a:lumMod val="60000"/>
-                    <a:lumOff val="40000"/>
-                  </a:schemeClr>
-                </a:solidFill>
-              </a:rPr>
-              <a:t>hardmaths</a:t>
-            </a:r>
-            <a:r>
-              <a:rPr lang="en-GB" sz="2400" dirty="0">
-                <a:solidFill>
-                  <a:schemeClr val="accent3">
-                    <a:lumMod val="60000"/>
-                    <a:lumOff val="40000"/>
-                  </a:schemeClr>
-                </a:solidFill>
-              </a:rPr>
-              <a:t>$</a:t>
-            </a:r>
-            <a:endParaRPr lang="en-US" altLang="en-US" sz="2400" dirty="0">
-              <a:solidFill>
-                <a:schemeClr val="accent3">
-                  <a:lumMod val="60000"/>
-                  <a:lumOff val="40000"/>
-                </a:schemeClr>
-              </a:solidFill>
-            </a:endParaRPr>
-          </a:p>
-        </p:txBody>
-      </p:sp>
-      <p:pic>
-        <p:nvPicPr>
-          <p:cNvPr id="13" name="Picture 12">
-            <a:extLst>
-              <a:ext uri="{FF2B5EF4-FFF2-40B4-BE49-F238E27FC236}">
-                <a16:creationId xmlns:a16="http://schemas.microsoft.com/office/drawing/2014/main" id="{8A08522B-9567-425D-856D-8B35D8CEF722}"/>
-              </a:ext>
-            </a:extLst>
-          </p:cNvPr>
-          <p:cNvPicPr>
-            <a:picLocks noChangeAspect="1"/>
-          </p:cNvPicPr>
-          <p:nvPr/>
-        </p:nvPicPr>
-        <p:blipFill>
-          <a:blip r:embed="rId3"/>
-          <a:stretch>
-            <a:fillRect/>
-          </a:stretch>
-        </p:blipFill>
-        <p:spPr>
-          <a:xfrm>
-            <a:off x="4809198" y="3599955"/>
-            <a:ext cx="3955441" cy="537864"/>
-          </a:xfrm>
-          <a:prstGeom prst="rect">
-            <a:avLst/>
-          </a:prstGeom>
-        </p:spPr>
-      </p:pic>
-      <p:sp>
-        <p:nvSpPr>
-          <p:cNvPr id="6" name="TextBox 5">
-            <a:extLst>
-              <a:ext uri="{FF2B5EF4-FFF2-40B4-BE49-F238E27FC236}">
-                <a16:creationId xmlns:a16="http://schemas.microsoft.com/office/drawing/2014/main" id="{60A5A0E4-D0CF-4B28-8E87-60A3B3E341C1}"/>
-              </a:ext>
-            </a:extLst>
-          </p:cNvPr>
-          <p:cNvSpPr txBox="1"/>
-          <p:nvPr/>
-        </p:nvSpPr>
-        <p:spPr>
-          <a:xfrm>
-            <a:off x="7357241" y="6498021"/>
-            <a:ext cx="1697422" cy="369332"/>
-          </a:xfrm>
-          <a:prstGeom prst="rect">
-            <a:avLst/>
-          </a:prstGeom>
-          <a:noFill/>
-        </p:spPr>
-        <p:txBody>
-          <a:bodyPr wrap="square" rtlCol="0">
-            <a:spAutoFit/>
-          </a:bodyPr>
-          <a:lstStyle/>
-          <a:p>
-            <a:r>
-              <a:rPr lang="en-GB" dirty="0">
-                <a:solidFill>
-                  <a:schemeClr val="accent2"/>
-                </a:solidFill>
-              </a:rPr>
-              <a:t>Problem Sheet</a:t>
-            </a:r>
-          </a:p>
-        </p:txBody>
-      </p:sp>
-    </p:spTree>
-    <p:extLst>
-      <p:ext uri="{BB962C8B-B14F-4D97-AF65-F5344CB8AC3E}">
-        <p14:creationId xmlns:p14="http://schemas.microsoft.com/office/powerpoint/2010/main" val="1666026033"/>
-      </p:ext>
-    </p:extLst>
-  </p:cSld>
-  <p:clrMapOvr>
-    <a:masterClrMapping/>
-  </p:clrMapOvr>
-  <mc:AlternateContent xmlns:mc="http://schemas.openxmlformats.org/markup-compatibility/2006" xmlns:p14="http://schemas.microsoft.com/office/powerpoint/2010/main">
-    <mc:Choice Requires="p14">
-      <p:transition p14:dur="10"/>
-    </mc:Choice>
-    <mc:Fallback xmlns="">
-      <p:transition/>
-    </mc:Fallback>
-  </mc:AlternateContent>
-</p:sld>
-</file>
-
-<file path=ppt/slides/slide35.xml><?xml version="1.0" encoding="utf-8"?>
-<p:sld xmlns:a="http://schemas.openxmlformats.org/drawingml/2006/main" xmlns:r="http://schemas.openxmlformats.org/officeDocument/2006/relationships" xmlns:p="http://schemas.openxmlformats.org/presentationml/2006/main">
-  <p:cSld>
-    <p:spTree>
-      <p:nvGrpSpPr>
-        <p:cNvPr id="1" name=""/>
-        <p:cNvGrpSpPr/>
-        <p:nvPr/>
-      </p:nvGrpSpPr>
-      <p:grpSpPr>
-        <a:xfrm>
-          <a:off x="0" y="0"/>
-          <a:ext cx="0" cy="0"/>
-          <a:chOff x="0" y="0"/>
-          <a:chExt cx="0" cy="0"/>
-        </a:xfrm>
-      </p:grpSpPr>
-      <p:sp>
-        <p:nvSpPr>
-          <p:cNvPr id="2" name="Title 1"/>
-          <p:cNvSpPr>
-            <a:spLocks noGrp="1"/>
-          </p:cNvSpPr>
-          <p:nvPr>
-            <p:ph type="title"/>
-          </p:nvPr>
-        </p:nvSpPr>
-        <p:spPr/>
-        <p:txBody>
-          <a:bodyPr/>
-          <a:lstStyle/>
-          <a:p>
-            <a:r>
-              <a:rPr lang="en-GB" sz="4000" dirty="0"/>
               <a:t>Bibliography Management</a:t>
             </a:r>
           </a:p>
@@ -18766,7 +18566,7 @@
 </p:sld>
 </file>
 
-<file path=ppt/slides/slide36.xml><?xml version="1.0" encoding="utf-8"?>
+<file path=ppt/slides/slide35.xml><?xml version="1.0" encoding="utf-8"?>
 <p:sld xmlns:a="http://schemas.openxmlformats.org/drawingml/2006/main" xmlns:r="http://schemas.openxmlformats.org/officeDocument/2006/relationships" xmlns:p="http://schemas.openxmlformats.org/presentationml/2006/main">
   <p:cSld>
     <p:spTree>
@@ -19236,7 +19036,7 @@
 </p:sld>
 </file>
 
-<file path=ppt/slides/slide37.xml><?xml version="1.0" encoding="utf-8"?>
+<file path=ppt/slides/slide36.xml><?xml version="1.0" encoding="utf-8"?>
 <p:sld xmlns:a="http://schemas.openxmlformats.org/drawingml/2006/main" xmlns:r="http://schemas.openxmlformats.org/officeDocument/2006/relationships" xmlns:p="http://schemas.openxmlformats.org/presentationml/2006/main">
   <p:cSld>
     <p:spTree>
@@ -19688,7 +19488,7 @@
 </p:sld>
 </file>
 
-<file path=ppt/slides/slide38.xml><?xml version="1.0" encoding="utf-8"?>
+<file path=ppt/slides/slide37.xml><?xml version="1.0" encoding="utf-8"?>
 <p:sld xmlns:a="http://schemas.openxmlformats.org/drawingml/2006/main" xmlns:r="http://schemas.openxmlformats.org/officeDocument/2006/relationships" xmlns:p="http://schemas.openxmlformats.org/presentationml/2006/main">
   <p:cSld>
     <p:spTree>
@@ -20200,7 +20000,7 @@
 </p:sld>
 </file>
 
-<file path=ppt/slides/slide39.xml><?xml version="1.0" encoding="utf-8"?>
+<file path=ppt/slides/slide38.xml><?xml version="1.0" encoding="utf-8"?>
 <p:sld xmlns:a="http://schemas.openxmlformats.org/drawingml/2006/main" xmlns:r="http://schemas.openxmlformats.org/officeDocument/2006/relationships" xmlns:p="http://schemas.openxmlformats.org/presentationml/2006/main">
   <p:cSld>
     <p:spTree>
@@ -20506,156 +20306,7 @@
 </p:sld>
 </file>
 
-<file path=ppt/slides/slide4.xml><?xml version="1.0" encoding="utf-8"?>
-<p:sld xmlns:a="http://schemas.openxmlformats.org/drawingml/2006/main" xmlns:r="http://schemas.openxmlformats.org/officeDocument/2006/relationships" xmlns:p="http://schemas.openxmlformats.org/presentationml/2006/main">
-  <p:cSld>
-    <p:spTree>
-      <p:nvGrpSpPr>
-        <p:cNvPr id="1" name=""/>
-        <p:cNvGrpSpPr/>
-        <p:nvPr/>
-      </p:nvGrpSpPr>
-      <p:grpSpPr>
-        <a:xfrm>
-          <a:off x="0" y="0"/>
-          <a:ext cx="0" cy="0"/>
-          <a:chOff x="0" y="0"/>
-          <a:chExt cx="0" cy="0"/>
-        </a:xfrm>
-      </p:grpSpPr>
-      <p:sp>
-        <p:nvSpPr>
-          <p:cNvPr id="4" name="Title 1"/>
-          <p:cNvSpPr txBox="1">
-            <a:spLocks/>
-          </p:cNvSpPr>
-          <p:nvPr/>
-        </p:nvSpPr>
-        <p:spPr>
-          <a:xfrm>
-            <a:off x="401319" y="472966"/>
-            <a:ext cx="5558047" cy="930165"/>
-          </a:xfrm>
-          <a:prstGeom prst="rect">
-            <a:avLst/>
-          </a:prstGeom>
-        </p:spPr>
-        <p:txBody>
-          <a:bodyPr anchor="b"/>
-          <a:lstStyle>
-            <a:lvl1pPr algn="l" defTabSz="457200" rtl="0" eaLnBrk="1" latinLnBrk="0" hangingPunct="1">
-              <a:lnSpc>
-                <a:spcPct val="90000"/>
-              </a:lnSpc>
-              <a:spcBef>
-                <a:spcPct val="0"/>
-              </a:spcBef>
-              <a:buNone/>
-              <a:defRPr sz="4000" b="1" i="0" kern="1200" baseline="0">
-                <a:solidFill>
-                  <a:schemeClr val="tx2"/>
-                </a:solidFill>
-                <a:latin typeface="+mj-lt"/>
-                <a:ea typeface="+mj-ea"/>
-                <a:cs typeface="MetaOT-Bold"/>
-              </a:defRPr>
-            </a:lvl1pPr>
-          </a:lstStyle>
-          <a:p>
-            <a:r>
-              <a:rPr lang="en-US" sz="3200">
-                <a:solidFill>
-                  <a:schemeClr val="accent3"/>
-                </a:solidFill>
-              </a:rPr>
-              <a:t>Expectations:  Covid-safe teaching environments</a:t>
-            </a:r>
-          </a:p>
-        </p:txBody>
-      </p:sp>
-      <p:sp>
-        <p:nvSpPr>
-          <p:cNvPr id="5" name="Subtitle 2"/>
-          <p:cNvSpPr>
-            <a:spLocks noGrp="1"/>
-          </p:cNvSpPr>
-          <p:nvPr>
-            <p:ph type="subTitle" idx="1"/>
-          </p:nvPr>
-        </p:nvSpPr>
-        <p:spPr>
-          <a:xfrm>
-            <a:off x="189186" y="1450427"/>
-            <a:ext cx="8797158" cy="4020208"/>
-          </a:xfrm>
-        </p:spPr>
-        <p:txBody>
-          <a:bodyPr lIns="91440" tIns="45720" rIns="91440" bIns="45720" anchor="t"/>
-          <a:lstStyle/>
-          <a:p>
-            <a:r>
-              <a:rPr lang="en-US" sz="2200" u="sng"/>
-              <a:t>For the purpose of contact tracing</a:t>
-            </a:r>
-            <a:endParaRPr lang="en-US" sz="2200"/>
-          </a:p>
-          <a:p>
-            <a:endParaRPr lang="en-US" sz="2200"/>
-          </a:p>
-          <a:p>
-            <a:r>
-              <a:rPr lang="en-US" sz="2200"/>
-              <a:t>For our standard workshops:</a:t>
-            </a:r>
-          </a:p>
-          <a:p>
-            <a:pPr marL="342900" indent="-342900">
-              <a:buFont typeface="Arial" panose="020B0604020202020204" pitchFamily="34" charset="0"/>
-              <a:buChar char="•"/>
-            </a:pPr>
-            <a:r>
-              <a:rPr lang="en-US" sz="2200"/>
-              <a:t>We will provide the CCT Hub with the complete list of attendees at this workshop</a:t>
-            </a:r>
-          </a:p>
-          <a:p>
-            <a:endParaRPr lang="en-US" sz="2200"/>
-          </a:p>
-          <a:p>
-            <a:r>
-              <a:rPr lang="en-US" sz="2200"/>
-              <a:t>Where our workshops are held in lecture theatres:</a:t>
-            </a:r>
-          </a:p>
-          <a:p>
-            <a:pPr marL="342900" indent="-342900">
-              <a:buFont typeface="Arial" panose="020B0604020202020204" pitchFamily="34" charset="0"/>
-              <a:buChar char="•"/>
-            </a:pPr>
-            <a:r>
-              <a:rPr lang="en-US" sz="2200"/>
-              <a:t>You should keep a record of colleagues that you are sat in close contact with (within 2 meters)</a:t>
-            </a:r>
-          </a:p>
-          <a:p>
-            <a:endParaRPr lang="en-US"/>
-          </a:p>
-        </p:txBody>
-      </p:sp>
-    </p:spTree>
-    <p:extLst>
-      <p:ext uri="{BB962C8B-B14F-4D97-AF65-F5344CB8AC3E}">
-        <p14:creationId xmlns:p14="http://schemas.microsoft.com/office/powerpoint/2010/main" val="2133740525"/>
-      </p:ext>
-    </p:extLst>
-  </p:cSld>
-  <p:clrMapOvr>
-    <a:masterClrMapping/>
-  </p:clrMapOvr>
-</p:sld>
-</file>
-
-<file path=ppt/slides/slide40.xml><?xml version="1.0" encoding="utf-8"?>
+<file path=ppt/slides/slide39.xml><?xml version="1.0" encoding="utf-8"?>
 <p:sld xmlns:a="http://schemas.openxmlformats.org/drawingml/2006/main" xmlns:r="http://schemas.openxmlformats.org/officeDocument/2006/relationships" xmlns:p="http://schemas.openxmlformats.org/presentationml/2006/main">
   <p:cSld>
     <p:spTree>
@@ -20933,7 +20584,130 @@
 </p:sld>
 </file>
 
-<file path=ppt/slides/slide41.xml><?xml version="1.0" encoding="utf-8"?>
+<file path=ppt/slides/slide4.xml><?xml version="1.0" encoding="utf-8"?>
+<p:sld xmlns:a="http://schemas.openxmlformats.org/drawingml/2006/main" xmlns:r="http://schemas.openxmlformats.org/officeDocument/2006/relationships" xmlns:p="http://schemas.openxmlformats.org/presentationml/2006/main">
+  <p:cSld>
+    <p:spTree>
+      <p:nvGrpSpPr>
+        <p:cNvPr id="1" name=""/>
+        <p:cNvGrpSpPr/>
+        <p:nvPr/>
+      </p:nvGrpSpPr>
+      <p:grpSpPr>
+        <a:xfrm>
+          <a:off x="0" y="0"/>
+          <a:ext cx="0" cy="0"/>
+          <a:chOff x="0" y="0"/>
+          <a:chExt cx="0" cy="0"/>
+        </a:xfrm>
+      </p:grpSpPr>
+      <p:sp>
+        <p:nvSpPr>
+          <p:cNvPr id="2" name="Title 1"/>
+          <p:cNvSpPr>
+            <a:spLocks noGrp="1"/>
+          </p:cNvSpPr>
+          <p:nvPr>
+            <p:ph type="title"/>
+          </p:nvPr>
+        </p:nvSpPr>
+        <p:spPr/>
+        <p:txBody>
+          <a:bodyPr/>
+          <a:lstStyle/>
+          <a:p>
+            <a:r>
+              <a:rPr lang="en-GB" sz="4000" dirty="0"/>
+              <a:t>Learning Outcomes</a:t>
+            </a:r>
+          </a:p>
+        </p:txBody>
+      </p:sp>
+      <p:sp>
+        <p:nvSpPr>
+          <p:cNvPr id="3" name="Content Placeholder 2"/>
+          <p:cNvSpPr>
+            <a:spLocks noGrp="1"/>
+          </p:cNvSpPr>
+          <p:nvPr>
+            <p:ph idx="1"/>
+          </p:nvPr>
+        </p:nvSpPr>
+        <p:spPr>
+          <a:xfrm>
+            <a:off x="457200" y="1600200"/>
+            <a:ext cx="8435280" cy="4876800"/>
+          </a:xfrm>
+        </p:spPr>
+        <p:txBody>
+          <a:bodyPr>
+            <a:normAutofit/>
+          </a:bodyPr>
+          <a:lstStyle/>
+          <a:p>
+            <a:r>
+              <a:rPr lang="en-GB" sz="3000" b="1" dirty="0"/>
+              <a:t>Identify</a:t>
+            </a:r>
+            <a:r>
+              <a:rPr lang="en-GB" sz="3000" dirty="0"/>
+              <a:t> an array of useful LaTeX packages</a:t>
+            </a:r>
+          </a:p>
+          <a:p>
+            <a:r>
+              <a:rPr lang="en-GB" sz="3000" b="1" dirty="0"/>
+              <a:t>Recognise</a:t>
+            </a:r>
+            <a:r>
+              <a:rPr lang="en-GB" sz="3000" dirty="0"/>
+              <a:t> when and how to split large documents into manageable subdocuments</a:t>
+            </a:r>
+          </a:p>
+          <a:p>
+            <a:r>
+              <a:rPr lang="en-GB" sz="3000" b="1" dirty="0"/>
+              <a:t>Employ</a:t>
+            </a:r>
+            <a:r>
+              <a:rPr lang="en-GB" sz="3000" dirty="0"/>
+              <a:t> custom formatting and referencing</a:t>
+            </a:r>
+          </a:p>
+          <a:p>
+            <a:r>
+              <a:rPr lang="en-GB" sz="3000" b="1" dirty="0"/>
+              <a:t>Develop</a:t>
+            </a:r>
+            <a:r>
+              <a:rPr lang="en-GB" sz="3000" dirty="0"/>
+              <a:t> a full thesis template </a:t>
+            </a:r>
+          </a:p>
+        </p:txBody>
+      </p:sp>
+    </p:spTree>
+    <p:extLst>
+      <p:ext uri="{BB962C8B-B14F-4D97-AF65-F5344CB8AC3E}">
+        <p14:creationId xmlns:p14="http://schemas.microsoft.com/office/powerpoint/2010/main" val="3248724752"/>
+      </p:ext>
+    </p:extLst>
+  </p:cSld>
+  <p:clrMapOvr>
+    <a:masterClrMapping/>
+  </p:clrMapOvr>
+  <mc:AlternateContent xmlns:mc="http://schemas.openxmlformats.org/markup-compatibility/2006" xmlns:p14="http://schemas.microsoft.com/office/powerpoint/2010/main">
+    <mc:Choice Requires="p14">
+      <p:transition p14:dur="10"/>
+    </mc:Choice>
+    <mc:Fallback xmlns="">
+      <p:transition/>
+    </mc:Fallback>
+  </mc:AlternateContent>
+</p:sld>
+</file>
+
+<file path=ppt/slides/slide40.xml><?xml version="1.0" encoding="utf-8"?>
 <p:sld xmlns:a="http://schemas.openxmlformats.org/drawingml/2006/main" xmlns:r="http://schemas.openxmlformats.org/officeDocument/2006/relationships" xmlns:p="http://schemas.openxmlformats.org/presentationml/2006/main">
   <p:cSld>
     <p:spTree>
@@ -21411,7 +21185,7 @@
 </p:sld>
 </file>
 
-<file path=ppt/slides/slide42.xml><?xml version="1.0" encoding="utf-8"?>
+<file path=ppt/slides/slide41.xml><?xml version="1.0" encoding="utf-8"?>
 <p:sld xmlns:a="http://schemas.openxmlformats.org/drawingml/2006/main" xmlns:r="http://schemas.openxmlformats.org/officeDocument/2006/relationships" xmlns:p="http://schemas.openxmlformats.org/presentationml/2006/main">
   <p:cSld>
     <p:spTree>
@@ -21893,7 +21667,7 @@
 </p:sld>
 </file>
 
-<file path=ppt/slides/slide43.xml><?xml version="1.0" encoding="utf-8"?>
+<file path=ppt/slides/slide42.xml><?xml version="1.0" encoding="utf-8"?>
 <p:sld xmlns:a="http://schemas.openxmlformats.org/drawingml/2006/main" xmlns:r="http://schemas.openxmlformats.org/officeDocument/2006/relationships" xmlns:p="http://schemas.openxmlformats.org/presentationml/2006/main">
   <p:cSld>
     <p:spTree>
@@ -22109,7 +21883,7 @@
 </p:sld>
 </file>
 
-<file path=ppt/slides/slide44.xml><?xml version="1.0" encoding="utf-8"?>
+<file path=ppt/slides/slide43.xml><?xml version="1.0" encoding="utf-8"?>
 <p:sld xmlns:a="http://schemas.openxmlformats.org/drawingml/2006/main" xmlns:r="http://schemas.openxmlformats.org/officeDocument/2006/relationships" xmlns:p="http://schemas.openxmlformats.org/presentationml/2006/main">
   <p:cSld>
     <p:spTree>
@@ -22244,7 +22018,7 @@
 </p:sld>
 </file>
 
-<file path=ppt/slides/slide45.xml><?xml version="1.0" encoding="utf-8"?>
+<file path=ppt/slides/slide44.xml><?xml version="1.0" encoding="utf-8"?>
 <p:sld xmlns:a="http://schemas.openxmlformats.org/drawingml/2006/main" xmlns:r="http://schemas.openxmlformats.org/officeDocument/2006/relationships" xmlns:p="http://schemas.openxmlformats.org/presentationml/2006/main">
   <p:cSld>
     <p:spTree>
@@ -22415,78 +22189,159 @@
           <a:p>
             <a:r>
               <a:rPr lang="en-GB" sz="4000" dirty="0"/>
-              <a:t>Learning Outcomes</a:t>
+              <a:t>Overleaf</a:t>
             </a:r>
           </a:p>
         </p:txBody>
       </p:sp>
       <p:sp>
         <p:nvSpPr>
-          <p:cNvPr id="3" name="Content Placeholder 2"/>
-          <p:cNvSpPr>
-            <a:spLocks noGrp="1"/>
-          </p:cNvSpPr>
-          <p:nvPr>
-            <p:ph idx="1"/>
-          </p:nvPr>
+          <p:cNvPr id="3" name="TextBox 2"/>
+          <p:cNvSpPr txBox="1"/>
+          <p:nvPr/>
         </p:nvSpPr>
         <p:spPr>
           <a:xfrm>
-            <a:off x="457200" y="1600200"/>
-            <a:ext cx="8435280" cy="4876800"/>
+            <a:off x="457200" y="1625833"/>
+            <a:ext cx="7840980" cy="5447645"/>
           </a:xfrm>
+          <a:prstGeom prst="rect">
+            <a:avLst/>
+          </a:prstGeom>
+          <a:noFill/>
         </p:spPr>
         <p:txBody>
-          <a:bodyPr>
-            <a:normAutofit/>
+          <a:bodyPr wrap="square" rtlCol="0">
+            <a:spAutoFit/>
           </a:bodyPr>
           <a:lstStyle/>
           <a:p>
-            <a:r>
-              <a:rPr lang="en-GB" sz="3000" b="1" dirty="0"/>
-              <a:t>Identify</a:t>
-            </a:r>
-            <a:r>
-              <a:rPr lang="en-GB" sz="3000" dirty="0"/>
-              <a:t> an array of useful LaTeX packages</a:t>
-            </a:r>
-          </a:p>
-          <a:p>
-            <a:r>
-              <a:rPr lang="en-GB" sz="3000" b="1" dirty="0"/>
-              <a:t>Recognise</a:t>
-            </a:r>
-            <a:r>
-              <a:rPr lang="en-GB" sz="3000" dirty="0"/>
-              <a:t> when and how to split large documents into manageable subdocuments</a:t>
-            </a:r>
-          </a:p>
-          <a:p>
-            <a:r>
-              <a:rPr lang="en-GB" sz="3000" b="1" dirty="0"/>
-              <a:t>Employ</a:t>
-            </a:r>
-            <a:r>
-              <a:rPr lang="en-GB" sz="3000" dirty="0"/>
-              <a:t> custom formatting and referencing</a:t>
-            </a:r>
-          </a:p>
-          <a:p>
-            <a:r>
-              <a:rPr lang="en-GB" sz="3000" b="1" dirty="0"/>
-              <a:t>Develop</a:t>
-            </a:r>
-            <a:r>
-              <a:rPr lang="en-GB" sz="3000" dirty="0"/>
-              <a:t> a full thesis template </a:t>
-            </a:r>
+            <a:pPr marL="457200" indent="-457200">
+              <a:buFont typeface="Arial" panose="020B0604020202020204" pitchFamily="34" charset="0"/>
+              <a:buChar char="•"/>
+            </a:pPr>
+            <a:r>
+              <a:rPr lang="en-GB" sz="2400" dirty="0"/>
+              <a:t>Online environment for creating and compiling LaTeX documents</a:t>
+            </a:r>
+          </a:p>
+          <a:p>
+            <a:pPr marL="457200" indent="-457200">
+              <a:buFont typeface="Arial" panose="020B0604020202020204" pitchFamily="34" charset="0"/>
+              <a:buChar char="•"/>
+            </a:pPr>
+            <a:r>
+              <a:rPr lang="en-GB" sz="2400" dirty="0"/>
+              <a:t>Pros</a:t>
+            </a:r>
+          </a:p>
+          <a:p>
+            <a:pPr marL="914400" lvl="1" indent="-457200">
+              <a:buFont typeface="Arial" panose="020B0604020202020204" pitchFamily="34" charset="0"/>
+              <a:buChar char="•"/>
+            </a:pPr>
+            <a:r>
+              <a:rPr lang="en-GB" sz="2400" dirty="0"/>
+              <a:t>Cross-platform</a:t>
+            </a:r>
+          </a:p>
+          <a:p>
+            <a:pPr marL="914400" lvl="1" indent="-457200">
+              <a:buFont typeface="Arial" panose="020B0604020202020204" pitchFamily="34" charset="0"/>
+              <a:buChar char="•"/>
+            </a:pPr>
+            <a:r>
+              <a:rPr lang="en-GB" sz="2400" dirty="0"/>
+              <a:t>Complete</a:t>
+            </a:r>
+          </a:p>
+          <a:p>
+            <a:pPr marL="914400" lvl="1" indent="-457200">
+              <a:buFont typeface="Arial" panose="020B0604020202020204" pitchFamily="34" charset="0"/>
+              <a:buChar char="•"/>
+            </a:pPr>
+            <a:r>
+              <a:rPr lang="en-GB" sz="2400" dirty="0"/>
+              <a:t>Easy to use</a:t>
+            </a:r>
+          </a:p>
+          <a:p>
+            <a:pPr marL="914400" lvl="1" indent="-457200">
+              <a:buFont typeface="Arial" panose="020B0604020202020204" pitchFamily="34" charset="0"/>
+              <a:buChar char="•"/>
+            </a:pPr>
+            <a:r>
+              <a:rPr lang="en-GB" sz="2400" dirty="0"/>
+              <a:t>Allows collaboration</a:t>
+            </a:r>
+          </a:p>
+          <a:p>
+            <a:pPr marL="914400" lvl="1" indent="-457200">
+              <a:buFont typeface="Arial" panose="020B0604020202020204" pitchFamily="34" charset="0"/>
+              <a:buChar char="•"/>
+            </a:pPr>
+            <a:r>
+              <a:rPr lang="en-GB" sz="2400" dirty="0"/>
+              <a:t>Cloud syncing with Dropbox and </a:t>
+            </a:r>
+            <a:r>
+              <a:rPr lang="en-GB" sz="2400" dirty="0" err="1"/>
+              <a:t>Github</a:t>
+            </a:r>
+            <a:endParaRPr lang="en-GB" sz="2400" dirty="0"/>
+          </a:p>
+          <a:p>
+            <a:pPr marL="914400" lvl="1" indent="-457200">
+              <a:buFont typeface="Arial" panose="020B0604020202020204" pitchFamily="34" charset="0"/>
+              <a:buChar char="•"/>
+            </a:pPr>
+            <a:r>
+              <a:rPr lang="en-GB" sz="2400" dirty="0"/>
+              <a:t>Integrated “review” system for feedback</a:t>
+            </a:r>
+          </a:p>
+          <a:p>
+            <a:pPr marL="457200" indent="-457200">
+              <a:buFont typeface="Arial" panose="020B0604020202020204" pitchFamily="34" charset="0"/>
+              <a:buChar char="•"/>
+            </a:pPr>
+            <a:r>
+              <a:rPr lang="en-GB" sz="2400" dirty="0"/>
+              <a:t>Cons</a:t>
+            </a:r>
+          </a:p>
+          <a:p>
+            <a:pPr marL="914400" lvl="1" indent="-457200">
+              <a:buFont typeface="Arial" panose="020B0604020202020204" pitchFamily="34" charset="0"/>
+              <a:buChar char="•"/>
+            </a:pPr>
+            <a:r>
+              <a:rPr lang="en-GB" sz="2400" dirty="0"/>
+              <a:t>Editor online only</a:t>
+            </a:r>
+          </a:p>
+          <a:p>
+            <a:pPr marL="914400" lvl="1" indent="-457200">
+              <a:buFont typeface="Arial" panose="020B0604020202020204" pitchFamily="34" charset="0"/>
+              <a:buChar char="•"/>
+            </a:pPr>
+            <a:r>
+              <a:rPr lang="en-GB" sz="2400" dirty="0"/>
+              <a:t>Data stored online</a:t>
+            </a:r>
+          </a:p>
+          <a:p>
+            <a:endParaRPr lang="en-GB" sz="3000" dirty="0"/>
+          </a:p>
+          <a:p>
+            <a:endParaRPr lang="en-GB" sz="3000" dirty="0"/>
           </a:p>
         </p:txBody>
       </p:sp>
     </p:spTree>
     <p:extLst>
       <p:ext uri="{BB962C8B-B14F-4D97-AF65-F5344CB8AC3E}">
-        <p14:creationId xmlns:p14="http://schemas.microsoft.com/office/powerpoint/2010/main" val="3248724752"/>
+        <p14:creationId xmlns:p14="http://schemas.microsoft.com/office/powerpoint/2010/main" val="3718216746"/>
       </p:ext>
     </p:extLst>
   </p:cSld>
@@ -22538,159 +22393,153 @@
           <a:p>
             <a:r>
               <a:rPr lang="en-GB" sz="4000" dirty="0"/>
-              <a:t>Overleaf</a:t>
+              <a:t>Writing Theses in LaTeX</a:t>
             </a:r>
           </a:p>
         </p:txBody>
       </p:sp>
       <p:sp>
         <p:nvSpPr>
-          <p:cNvPr id="3" name="TextBox 2"/>
-          <p:cNvSpPr txBox="1"/>
-          <p:nvPr/>
+          <p:cNvPr id="3" name="Content Placeholder 2"/>
+          <p:cNvSpPr>
+            <a:spLocks noGrp="1"/>
+          </p:cNvSpPr>
+          <p:nvPr>
+            <p:ph idx="1"/>
+          </p:nvPr>
         </p:nvSpPr>
         <p:spPr>
           <a:xfrm>
-            <a:off x="457200" y="1625833"/>
-            <a:ext cx="7840980" cy="5447645"/>
+            <a:off x="457200" y="1600200"/>
+            <a:ext cx="8435280" cy="4876800"/>
           </a:xfrm>
-          <a:prstGeom prst="rect">
-            <a:avLst/>
-          </a:prstGeom>
-          <a:noFill/>
         </p:spPr>
         <p:txBody>
-          <a:bodyPr wrap="square" rtlCol="0">
-            <a:spAutoFit/>
+          <a:bodyPr>
+            <a:normAutofit/>
           </a:bodyPr>
           <a:lstStyle/>
           <a:p>
-            <a:pPr marL="457200" indent="-457200">
-              <a:buFont typeface="Arial" panose="020B0604020202020204" pitchFamily="34" charset="0"/>
-              <a:buChar char="•"/>
+            <a:pPr fontAlgn="base">
+              <a:spcBef>
+                <a:spcPts val="600"/>
+              </a:spcBef>
+              <a:spcAft>
+                <a:spcPts val="600"/>
+              </a:spcAft>
             </a:pPr>
             <a:r>
-              <a:rPr lang="en-GB" sz="2400" dirty="0"/>
-              <a:t>Online environment for creating and compiling LaTeX documents</a:t>
-            </a:r>
-          </a:p>
-          <a:p>
-            <a:pPr marL="457200" indent="-457200">
-              <a:buFont typeface="Arial" panose="020B0604020202020204" pitchFamily="34" charset="0"/>
-              <a:buChar char="•"/>
+              <a:rPr lang="en-US" sz="2400" dirty="0"/>
+              <a:t>Excellent Technical Typesetting</a:t>
+            </a:r>
+          </a:p>
+          <a:p>
+            <a:pPr fontAlgn="base">
+              <a:spcBef>
+                <a:spcPts val="600"/>
+              </a:spcBef>
+              <a:spcAft>
+                <a:spcPts val="600"/>
+              </a:spcAft>
             </a:pPr>
             <a:r>
-              <a:rPr lang="en-GB" sz="2400" dirty="0"/>
-              <a:t>Pros</a:t>
-            </a:r>
-          </a:p>
-          <a:p>
-            <a:pPr marL="914400" lvl="1" indent="-457200">
-              <a:buFont typeface="Arial" panose="020B0604020202020204" pitchFamily="34" charset="0"/>
-              <a:buChar char="•"/>
+              <a:rPr lang="en-US" sz="2400" dirty="0"/>
+              <a:t>Easy to iterate document-wide formatting</a:t>
+            </a:r>
+          </a:p>
+          <a:p>
+            <a:pPr fontAlgn="base">
+              <a:spcBef>
+                <a:spcPts val="600"/>
+              </a:spcBef>
+              <a:spcAft>
+                <a:spcPts val="600"/>
+              </a:spcAft>
             </a:pPr>
             <a:r>
-              <a:rPr lang="en-GB" sz="2400" dirty="0"/>
-              <a:t>Cross-platform</a:t>
-            </a:r>
-          </a:p>
-          <a:p>
-            <a:pPr marL="914400" lvl="1" indent="-457200">
-              <a:buFont typeface="Arial" panose="020B0604020202020204" pitchFamily="34" charset="0"/>
-              <a:buChar char="•"/>
+              <a:rPr lang="en-US" sz="2400" dirty="0"/>
+              <a:t>Easy to include and reference figures/equations </a:t>
+            </a:r>
+            <a:r>
+              <a:rPr lang="en-US" sz="2400" dirty="0" err="1"/>
+              <a:t>etc</a:t>
+            </a:r>
+            <a:endParaRPr lang="en-US" sz="2400" dirty="0"/>
+          </a:p>
+          <a:p>
+            <a:pPr fontAlgn="base">
+              <a:spcBef>
+                <a:spcPts val="600"/>
+              </a:spcBef>
+              <a:spcAft>
+                <a:spcPts val="600"/>
+              </a:spcAft>
             </a:pPr>
             <a:r>
-              <a:rPr lang="en-GB" sz="2400" dirty="0"/>
-              <a:t>Complete</a:t>
-            </a:r>
-          </a:p>
-          <a:p>
-            <a:pPr marL="914400" lvl="1" indent="-457200">
-              <a:buFont typeface="Arial" panose="020B0604020202020204" pitchFamily="34" charset="0"/>
-              <a:buChar char="•"/>
+              <a:rPr lang="en-US" sz="2400" dirty="0"/>
+              <a:t>Easy to iterate figures</a:t>
+            </a:r>
+          </a:p>
+          <a:p>
+            <a:pPr fontAlgn="base">
+              <a:spcBef>
+                <a:spcPts val="600"/>
+              </a:spcBef>
+              <a:spcAft>
+                <a:spcPts val="600"/>
+              </a:spcAft>
             </a:pPr>
             <a:r>
-              <a:rPr lang="en-GB" sz="2400" dirty="0"/>
-              <a:t>Easy to use</a:t>
-            </a:r>
-          </a:p>
-          <a:p>
-            <a:pPr marL="914400" lvl="1" indent="-457200">
-              <a:buFont typeface="Arial" panose="020B0604020202020204" pitchFamily="34" charset="0"/>
-              <a:buChar char="•"/>
+              <a:rPr lang="en-US" sz="2400" dirty="0"/>
+              <a:t>Files stored in plain-text</a:t>
+            </a:r>
+          </a:p>
+          <a:p>
+            <a:pPr lvl="1" fontAlgn="base">
+              <a:spcBef>
+                <a:spcPts val="600"/>
+              </a:spcBef>
+              <a:spcAft>
+                <a:spcPts val="600"/>
+              </a:spcAft>
             </a:pPr>
             <a:r>
-              <a:rPr lang="en-GB" sz="2400" dirty="0"/>
-              <a:t>Allows collaboration</a:t>
-            </a:r>
-          </a:p>
-          <a:p>
-            <a:pPr marL="914400" lvl="1" indent="-457200">
-              <a:buFont typeface="Arial" panose="020B0604020202020204" pitchFamily="34" charset="0"/>
-              <a:buChar char="•"/>
+              <a:rPr lang="en-US" sz="2000" dirty="0"/>
+              <a:t>Less prone to corruption</a:t>
+            </a:r>
+          </a:p>
+          <a:p>
+            <a:pPr lvl="1" fontAlgn="base">
+              <a:spcBef>
+                <a:spcPts val="600"/>
+              </a:spcBef>
+              <a:spcAft>
+                <a:spcPts val="600"/>
+              </a:spcAft>
             </a:pPr>
             <a:r>
-              <a:rPr lang="en-GB" sz="2400" dirty="0"/>
-              <a:t>Cloud syncing with Dropbox and </a:t>
-            </a:r>
-            <a:r>
-              <a:rPr lang="en-GB" sz="2400" dirty="0" err="1"/>
-              <a:t>Github</a:t>
-            </a:r>
+              <a:rPr lang="en-US" sz="2000" dirty="0"/>
+              <a:t>Easier to “diff” when using version control</a:t>
+            </a:r>
+          </a:p>
+          <a:p>
+            <a:pPr marL="0" lvl="0" indent="0" fontAlgn="base">
+              <a:spcBef>
+                <a:spcPts val="600"/>
+              </a:spcBef>
+              <a:spcAft>
+                <a:spcPts val="600"/>
+              </a:spcAft>
+              <a:buNone/>
+            </a:pPr>
             <a:endParaRPr lang="en-GB" sz="2400" dirty="0"/>
-          </a:p>
-          <a:p>
-            <a:pPr marL="914400" lvl="1" indent="-457200">
-              <a:buFont typeface="Arial" panose="020B0604020202020204" pitchFamily="34" charset="0"/>
-              <a:buChar char="•"/>
-            </a:pPr>
-            <a:r>
-              <a:rPr lang="en-GB" sz="2400" dirty="0"/>
-              <a:t>Integrated “review” system for feedback</a:t>
-            </a:r>
-          </a:p>
-          <a:p>
-            <a:pPr marL="457200" indent="-457200">
-              <a:buFont typeface="Arial" panose="020B0604020202020204" pitchFamily="34" charset="0"/>
-              <a:buChar char="•"/>
-            </a:pPr>
-            <a:r>
-              <a:rPr lang="en-GB" sz="2400" dirty="0"/>
-              <a:t>Cons</a:t>
-            </a:r>
-          </a:p>
-          <a:p>
-            <a:pPr marL="914400" lvl="1" indent="-457200">
-              <a:buFont typeface="Arial" panose="020B0604020202020204" pitchFamily="34" charset="0"/>
-              <a:buChar char="•"/>
-            </a:pPr>
-            <a:r>
-              <a:rPr lang="en-GB" sz="2400" dirty="0"/>
-              <a:t>Editor online only</a:t>
-            </a:r>
-          </a:p>
-          <a:p>
-            <a:pPr marL="914400" lvl="1" indent="-457200">
-              <a:buFont typeface="Arial" panose="020B0604020202020204" pitchFamily="34" charset="0"/>
-              <a:buChar char="•"/>
-            </a:pPr>
-            <a:r>
-              <a:rPr lang="en-GB" sz="2400" dirty="0"/>
-              <a:t>Data stored online</a:t>
-            </a:r>
-          </a:p>
-          <a:p>
-            <a:endParaRPr lang="en-GB" sz="3000" dirty="0"/>
-          </a:p>
-          <a:p>
-            <a:endParaRPr lang="en-GB" sz="3000" dirty="0"/>
           </a:p>
         </p:txBody>
       </p:sp>
     </p:spTree>
     <p:extLst>
       <p:ext uri="{BB962C8B-B14F-4D97-AF65-F5344CB8AC3E}">
-        <p14:creationId xmlns:p14="http://schemas.microsoft.com/office/powerpoint/2010/main" val="3718216746"/>
+        <p14:creationId xmlns:p14="http://schemas.microsoft.com/office/powerpoint/2010/main" val="764725023"/>
       </p:ext>
     </p:extLst>
   </p:cSld>
@@ -22742,7 +22591,7 @@
           <a:p>
             <a:r>
               <a:rPr lang="en-GB" sz="4000" dirty="0"/>
-              <a:t>Writing Theses in LaTeX</a:t>
+              <a:t>Imperial Thesis Requirements</a:t>
             </a:r>
           </a:p>
         </p:txBody>
@@ -22778,9 +22627,12 @@
               </a:spcAft>
             </a:pPr>
             <a:r>
-              <a:rPr lang="en-US" sz="2400" dirty="0"/>
-              <a:t>Excellent Technical Typesetting</a:t>
-            </a:r>
+              <a:rPr lang="en-GB" sz="2400" dirty="0">
+                <a:hlinkClick r:id="rId3"/>
+              </a:rPr>
+              <a:t>Theses for Imperial College Research Degrees Checklist</a:t>
+            </a:r>
+            <a:endParaRPr lang="en-GB" sz="2400" dirty="0"/>
           </a:p>
           <a:p>
             <a:pPr fontAlgn="base">
@@ -22792,9 +22644,12 @@
               </a:spcAft>
             </a:pPr>
             <a:r>
-              <a:rPr lang="en-US" sz="2400" dirty="0"/>
-              <a:t>Easy to iterate document-wide formatting</a:t>
-            </a:r>
+              <a:rPr lang="en-GB" sz="2400" dirty="0">
+                <a:hlinkClick r:id="rId4"/>
+              </a:rPr>
+              <a:t>Academic Regulations</a:t>
+            </a:r>
+            <a:endParaRPr lang="en-GB" sz="2400" dirty="0"/>
           </a:p>
           <a:p>
             <a:pPr fontAlgn="base">
@@ -22806,14 +22661,9 @@
               </a:spcAft>
             </a:pPr>
             <a:r>
-              <a:rPr lang="en-US" sz="2400" dirty="0"/>
-              <a:t>Easy to include and reference figures/equations </a:t>
-            </a:r>
-            <a:r>
-              <a:rPr lang="en-US" sz="2400" dirty="0" err="1"/>
-              <a:t>etc</a:t>
-            </a:r>
-            <a:endParaRPr lang="en-US" sz="2400" dirty="0"/>
+              <a:rPr lang="en-GB" sz="2400" dirty="0"/>
+              <a:t>Written in English</a:t>
+            </a:r>
           </a:p>
           <a:p>
             <a:pPr fontAlgn="base">
@@ -22825,8 +22675,8 @@
               </a:spcAft>
             </a:pPr>
             <a:r>
-              <a:rPr lang="en-US" sz="2400" dirty="0"/>
-              <a:t>Easy to iterate figures</a:t>
+              <a:rPr lang="en-GB" sz="2400" dirty="0"/>
+              <a:t>Not longer than 100,000 words</a:t>
             </a:r>
           </a:p>
           <a:p>
@@ -22839,12 +22689,12 @@
               </a:spcAft>
             </a:pPr>
             <a:r>
-              <a:rPr lang="en-US" sz="2400" dirty="0"/>
-              <a:t>Files stored in plain-text</a:t>
-            </a:r>
-          </a:p>
-          <a:p>
-            <a:pPr lvl="1" fontAlgn="base">
+              <a:rPr lang="en-GB" sz="2400" dirty="0"/>
+              <a:t>Cannot be copy-pasted papers</a:t>
+            </a:r>
+          </a:p>
+          <a:p>
+            <a:pPr fontAlgn="base">
               <a:spcBef>
                 <a:spcPts val="600"/>
               </a:spcBef>
@@ -22853,12 +22703,12 @@
               </a:spcAft>
             </a:pPr>
             <a:r>
-              <a:rPr lang="en-US" sz="2000" dirty="0"/>
-              <a:t>Less prone to corruption</a:t>
-            </a:r>
-          </a:p>
-          <a:p>
-            <a:pPr lvl="1" fontAlgn="base">
+              <a:rPr lang="en-GB" sz="2400" dirty="0"/>
+              <a:t>Include full bibliography and references</a:t>
+            </a:r>
+          </a:p>
+          <a:p>
+            <a:pPr fontAlgn="base">
               <a:spcBef>
                 <a:spcPts val="600"/>
               </a:spcBef>
@@ -22867,28 +22717,30 @@
               </a:spcAft>
             </a:pPr>
             <a:r>
-              <a:rPr lang="en-US" sz="2000" dirty="0"/>
-              <a:t>Easier to “diff” when using version control</a:t>
-            </a:r>
-          </a:p>
-          <a:p>
-            <a:pPr marL="0" lvl="0" indent="0" fontAlgn="base">
+              <a:rPr lang="en-GB" sz="2400" dirty="0"/>
+              <a:t>You will be examined on this by examiners in your viva</a:t>
+            </a:r>
+          </a:p>
+          <a:p>
+            <a:pPr fontAlgn="base">
               <a:spcBef>
                 <a:spcPts val="600"/>
               </a:spcBef>
               <a:spcAft>
                 <a:spcPts val="600"/>
               </a:spcAft>
-              <a:buNone/>
             </a:pPr>
-            <a:endParaRPr lang="en-GB" sz="2400" dirty="0"/>
+            <a:r>
+              <a:rPr lang="en-GB" sz="2400" dirty="0"/>
+              <a:t>“Any formatting information that is not explicitly outlined in these guidance notes is up to the judgement of the student, and reasonable solutions will be accepted.”</a:t>
+            </a:r>
           </a:p>
         </p:txBody>
       </p:sp>
     </p:spTree>
     <p:extLst>
       <p:ext uri="{BB962C8B-B14F-4D97-AF65-F5344CB8AC3E}">
-        <p14:creationId xmlns:p14="http://schemas.microsoft.com/office/powerpoint/2010/main" val="764725023"/>
+        <p14:creationId xmlns:p14="http://schemas.microsoft.com/office/powerpoint/2010/main" val="3485628822"/>
       </p:ext>
     </p:extLst>
   </p:cSld>
@@ -22940,7 +22792,7 @@
           <a:p>
             <a:r>
               <a:rPr lang="en-GB" sz="4000" dirty="0"/>
-              <a:t>Imperial Thesis Requirements</a:t>
+              <a:t>Paper Size and Pagination</a:t>
             </a:r>
           </a:p>
         </p:txBody>
@@ -22958,7 +22810,7 @@
         <p:spPr>
           <a:xfrm>
             <a:off x="457200" y="1600200"/>
-            <a:ext cx="8435280" cy="4876800"/>
+            <a:ext cx="8435280" cy="3875690"/>
           </a:xfrm>
         </p:spPr>
         <p:txBody>
@@ -22976,12 +22828,9 @@
               </a:spcAft>
             </a:pPr>
             <a:r>
-              <a:rPr lang="en-GB" sz="2400" dirty="0">
-                <a:hlinkClick r:id="rId3"/>
-              </a:rPr>
-              <a:t>Theses for Imperial College Research Degrees Checklist</a:t>
-            </a:r>
-            <a:endParaRPr lang="en-GB" sz="2400" dirty="0"/>
+              <a:rPr lang="en-GB" sz="2400" dirty="0"/>
+              <a:t>Typically A4 paper</a:t>
+            </a:r>
           </a:p>
           <a:p>
             <a:pPr fontAlgn="base">
@@ -22993,12 +22842,9 @@
               </a:spcAft>
             </a:pPr>
             <a:r>
-              <a:rPr lang="en-GB" sz="2400" dirty="0">
-                <a:hlinkClick r:id="rId4"/>
-              </a:rPr>
-              <a:t>Academic Regulations</a:t>
-            </a:r>
-            <a:endParaRPr lang="en-GB" sz="2400" dirty="0"/>
+              <a:rPr lang="en-GB" sz="2400" dirty="0"/>
+              <a:t>You may want your pages to be double-sided</a:t>
+            </a:r>
           </a:p>
           <a:p>
             <a:pPr fontAlgn="base">
@@ -23011,7 +22857,7 @@
             </a:pPr>
             <a:r>
               <a:rPr lang="en-GB" sz="2400" dirty="0"/>
-              <a:t>Written in English</a:t>
+              <a:t>All pages to be sequentially numbered in Arabic numerals including title page [Section 4.4 of Checklist]</a:t>
             </a:r>
           </a:p>
           <a:p>
@@ -23025,7 +22871,7 @@
             </a:pPr>
             <a:r>
               <a:rPr lang="en-GB" sz="2400" dirty="0"/>
-              <a:t>Not longer than 100,000 words</a:t>
+              <a:t>Achieved in the preamble:</a:t>
             </a:r>
           </a:p>
           <a:p>
@@ -23037,51 +22883,82 @@
                 <a:spcPts val="600"/>
               </a:spcAft>
             </a:pPr>
-            <a:r>
-              <a:rPr lang="en-GB" sz="2400" dirty="0"/>
-              <a:t>Cannot be copy-pasted papers</a:t>
-            </a:r>
-          </a:p>
-          <a:p>
-            <a:pPr fontAlgn="base">
+            <a:endParaRPr lang="en-GB" sz="2400" dirty="0"/>
+          </a:p>
+          <a:p>
+            <a:pPr marL="0" indent="0" fontAlgn="base">
               <a:spcBef>
                 <a:spcPts val="600"/>
               </a:spcBef>
               <a:spcAft>
                 <a:spcPts val="600"/>
               </a:spcAft>
+              <a:buNone/>
             </a:pPr>
             <a:r>
+              <a:rPr lang="en-GB" sz="2400" dirty="0">
+                <a:solidFill>
+                  <a:schemeClr val="tx2">
+                    <a:lumMod val="50000"/>
+                    <a:lumOff val="50000"/>
+                  </a:schemeClr>
+                </a:solidFill>
+              </a:rPr>
+              <a:t>\</a:t>
+            </a:r>
+            <a:r>
+              <a:rPr lang="en-GB" sz="2400" dirty="0" err="1">
+                <a:solidFill>
+                  <a:schemeClr val="tx2">
+                    <a:lumMod val="50000"/>
+                    <a:lumOff val="50000"/>
+                  </a:schemeClr>
+                </a:solidFill>
+              </a:rPr>
+              <a:t>documentclass</a:t>
+            </a:r>
+            <a:r>
               <a:rPr lang="en-GB" sz="2400" dirty="0"/>
-              <a:t>Include full bibliography and references</a:t>
-            </a:r>
-          </a:p>
-          <a:p>
-            <a:pPr fontAlgn="base">
-              <a:spcBef>
-                <a:spcPts val="600"/>
-              </a:spcBef>
-              <a:spcAft>
-                <a:spcPts val="600"/>
-              </a:spcAft>
-            </a:pPr>
+              <a:t>[</a:t>
+            </a:r>
+            <a:r>
+              <a:rPr lang="en-GB" sz="2400" dirty="0">
+                <a:solidFill>
+                  <a:schemeClr val="accent4">
+                    <a:lumMod val="75000"/>
+                  </a:schemeClr>
+                </a:solidFill>
+              </a:rPr>
+              <a:t>12pt, a4paper, </a:t>
+            </a:r>
+            <a:r>
+              <a:rPr lang="en-GB" sz="2400" dirty="0" err="1">
+                <a:solidFill>
+                  <a:schemeClr val="accent4">
+                    <a:lumMod val="75000"/>
+                  </a:schemeClr>
+                </a:solidFill>
+              </a:rPr>
+              <a:t>twoside</a:t>
+            </a:r>
             <a:r>
               <a:rPr lang="en-GB" sz="2400" dirty="0"/>
-              <a:t>You will be examined on this by examiners in your viva</a:t>
-            </a:r>
-          </a:p>
-          <a:p>
-            <a:pPr fontAlgn="base">
-              <a:spcBef>
-                <a:spcPts val="600"/>
-              </a:spcBef>
-              <a:spcAft>
-                <a:spcPts val="600"/>
-              </a:spcAft>
-            </a:pPr>
+              <a:t>]{</a:t>
+            </a:r>
+            <a:r>
+              <a:rPr lang="en-GB" sz="2400" dirty="0">
+                <a:solidFill>
+                  <a:schemeClr val="tx2">
+                    <a:lumMod val="50000"/>
+                    <a:lumOff val="50000"/>
+                  </a:schemeClr>
+                </a:solidFill>
+              </a:rPr>
+              <a:t>report</a:t>
+            </a:r>
             <a:r>
               <a:rPr lang="en-GB" sz="2400" dirty="0"/>
-              <a:t>“Any formatting information that is not explicitly outlined in these guidance notes is up to the judgement of the student, and reasonable solutions will be accepted.”</a:t>
+              <a:t>} </a:t>
             </a:r>
           </a:p>
         </p:txBody>
@@ -23089,7 +22966,7 @@
     </p:spTree>
     <p:extLst>
       <p:ext uri="{BB962C8B-B14F-4D97-AF65-F5344CB8AC3E}">
-        <p14:creationId xmlns:p14="http://schemas.microsoft.com/office/powerpoint/2010/main" val="3485628822"/>
+        <p14:creationId xmlns:p14="http://schemas.microsoft.com/office/powerpoint/2010/main" val="2191292543"/>
       </p:ext>
     </p:extLst>
   </p:cSld>
@@ -23141,7 +23018,7 @@
           <a:p>
             <a:r>
               <a:rPr lang="en-GB" sz="4000" dirty="0"/>
-              <a:t>Paper Size and Pagination</a:t>
+              <a:t>Margins</a:t>
             </a:r>
           </a:p>
         </p:txBody>
@@ -23158,8 +23035,8 @@
         </p:nvSpPr>
         <p:spPr>
           <a:xfrm>
-            <a:off x="457200" y="1600200"/>
-            <a:ext cx="8435280" cy="3875690"/>
+            <a:off x="457200" y="1600199"/>
+            <a:ext cx="8435280" cy="4453759"/>
           </a:xfrm>
         </p:spPr>
         <p:txBody>
@@ -23178,7 +23055,7 @@
             </a:pPr>
             <a:r>
               <a:rPr lang="en-GB" sz="2400" dirty="0"/>
-              <a:t>Typically A4 paper</a:t>
+              <a:t>Margins must be even on both sides [Checklist Section 4]</a:t>
             </a:r>
           </a:p>
           <a:p>
@@ -23192,7 +23069,7 @@
             </a:pPr>
             <a:r>
               <a:rPr lang="en-GB" sz="2400" dirty="0"/>
-              <a:t>You may want your pages to be double-sided</a:t>
+              <a:t>For binding services, margins must typically be at least 1cm</a:t>
             </a:r>
           </a:p>
           <a:p>
@@ -23206,7 +23083,22 @@
             </a:pPr>
             <a:r>
               <a:rPr lang="en-GB" sz="2400" dirty="0"/>
-              <a:t>All pages to be sequentially numbered in Arabic numerals including title page [Section 4.4 of Checklist]</a:t>
+              <a:t>The </a:t>
+            </a:r>
+            <a:r>
+              <a:rPr lang="en-GB" sz="2400" dirty="0">
+                <a:solidFill>
+                  <a:schemeClr val="tx2">
+                    <a:lumMod val="50000"/>
+                    <a:lumOff val="50000"/>
+                  </a:schemeClr>
+                </a:solidFill>
+              </a:rPr>
+              <a:t>geometry</a:t>
+            </a:r>
+            <a:r>
+              <a:rPr lang="en-GB" sz="2400" dirty="0"/>
+              <a:t> package allows us to set margins</a:t>
             </a:r>
           </a:p>
           <a:p>
@@ -23220,30 +23112,23 @@
             </a:pPr>
             <a:r>
               <a:rPr lang="en-GB" sz="2400" dirty="0"/>
-              <a:t>Achieved in the preamble:</a:t>
-            </a:r>
-          </a:p>
-          <a:p>
-            <a:pPr fontAlgn="base">
-              <a:spcBef>
-                <a:spcPts val="600"/>
-              </a:spcBef>
-              <a:spcAft>
-                <a:spcPts val="600"/>
-              </a:spcAft>
-            </a:pPr>
-            <a:endParaRPr lang="en-GB" sz="2400" dirty="0"/>
-          </a:p>
-          <a:p>
-            <a:pPr marL="0" indent="0" fontAlgn="base">
-              <a:spcBef>
-                <a:spcPts val="600"/>
-              </a:spcBef>
-              <a:spcAft>
-                <a:spcPts val="600"/>
-              </a:spcAft>
-              <a:buNone/>
-            </a:pPr>
+              <a:t>The </a:t>
+            </a:r>
+            <a:r>
+              <a:rPr lang="en-GB" sz="2400" dirty="0" err="1">
+                <a:solidFill>
+                  <a:schemeClr val="tx2">
+                    <a:lumMod val="50000"/>
+                    <a:lumOff val="50000"/>
+                  </a:schemeClr>
+                </a:solidFill>
+              </a:rPr>
+              <a:t>blindtext</a:t>
+            </a:r>
+            <a:r>
+              <a:rPr lang="en-GB" sz="2400" dirty="0"/>
+              <a:t> package and </a:t>
+            </a:r>
             <a:r>
               <a:rPr lang="en-GB" sz="2400" dirty="0">
                 <a:solidFill>
@@ -23264,50 +23149,11 @@
                   </a:schemeClr>
                 </a:solidFill>
               </a:rPr>
-              <a:t>documentclass</a:t>
+              <a:t>blindtext</a:t>
             </a:r>
             <a:r>
               <a:rPr lang="en-GB" sz="2400" dirty="0"/>
-              <a:t>[</a:t>
-            </a:r>
-            <a:r>
-              <a:rPr lang="en-GB" sz="2400" dirty="0">
-                <a:solidFill>
-                  <a:schemeClr val="accent4">
-                    <a:lumMod val="75000"/>
-                  </a:schemeClr>
-                </a:solidFill>
-              </a:rPr>
-              <a:t>12pt, a4paper, </a:t>
-            </a:r>
-            <a:r>
-              <a:rPr lang="en-GB" sz="2400" dirty="0" err="1">
-                <a:solidFill>
-                  <a:schemeClr val="accent4">
-                    <a:lumMod val="75000"/>
-                  </a:schemeClr>
-                </a:solidFill>
-              </a:rPr>
-              <a:t>twoside</a:t>
-            </a:r>
-            <a:r>
-              <a:rPr lang="en-GB" sz="2400" dirty="0"/>
-              <a:t>]{</a:t>
-            </a:r>
-            <a:r>
-              <a:rPr lang="en-GB" sz="2400" dirty="0">
-                <a:solidFill>
-                  <a:schemeClr val="tx2">
-                    <a:lumMod val="50000"/>
-                    <a:lumOff val="50000"/>
-                  </a:schemeClr>
-                </a:solidFill>
-              </a:rPr>
-              <a:t>report</a:t>
-            </a:r>
-            <a:r>
-              <a:rPr lang="en-GB" sz="2400" dirty="0"/>
-              <a:t>} </a:t>
+              <a:t>[X] command allows us to insert sample text for testing typesetting</a:t>
             </a:r>
           </a:p>
         </p:txBody>
@@ -23315,7 +23161,7 @@
     </p:spTree>
     <p:extLst>
       <p:ext uri="{BB962C8B-B14F-4D97-AF65-F5344CB8AC3E}">
-        <p14:creationId xmlns:p14="http://schemas.microsoft.com/office/powerpoint/2010/main" val="2191292543"/>
+        <p14:creationId xmlns:p14="http://schemas.microsoft.com/office/powerpoint/2010/main" val="2812092125"/>
       </p:ext>
     </p:extLst>
   </p:cSld>

--- a/Writing Theses in Latex Slides.pptx
+++ b/Writing Theses in Latex Slides.pptx
@@ -13,7 +13,7 @@
   <p:sldIdLst>
     <p:sldId id="264" r:id="rId2"/>
     <p:sldId id="504" r:id="rId3"/>
-    <p:sldId id="258" r:id="rId4"/>
+    <p:sldId id="538" r:id="rId4"/>
     <p:sldId id="267" r:id="rId5"/>
     <p:sldId id="292" r:id="rId6"/>
     <p:sldId id="268" r:id="rId7"/>
@@ -160,7 +160,7 @@
           <p14:sldIdLst>
             <p14:sldId id="264"/>
             <p14:sldId id="504"/>
-            <p14:sldId id="258"/>
+            <p14:sldId id="538"/>
             <p14:sldId id="267"/>
             <p14:sldId id="292"/>
             <p14:sldId id="268"/>
@@ -476,7 +476,7 @@
           <a:p>
             <a:fld id="{88EB714B-C3CC-4216-88C1-02913905B1CF}" type="datetimeFigureOut">
               <a:rPr lang="en-GB" smtClean="0"/>
-              <a:t>08/03/2022</a:t>
+              <a:t>08/04/2022</a:t>
             </a:fld>
             <a:endParaRPr lang="en-GB"/>
           </a:p>
@@ -6475,7 +6475,7 @@
           <a:p>
             <a:fld id="{EB0080F8-EA1C-491D-963C-2C881B2F918F}" type="datetimeFigureOut">
               <a:rPr lang="en-GB" smtClean="0"/>
-              <a:t>08/03/2022</a:t>
+              <a:t>08/04/2022</a:t>
             </a:fld>
             <a:endParaRPr lang="en-GB"/>
           </a:p>
@@ -6625,7 +6625,7 @@
           <a:p>
             <a:fld id="{EB0080F8-EA1C-491D-963C-2C881B2F918F}" type="datetimeFigureOut">
               <a:rPr lang="en-GB" smtClean="0"/>
-              <a:t>08/03/2022</a:t>
+              <a:t>08/04/2022</a:t>
             </a:fld>
             <a:endParaRPr lang="en-GB"/>
           </a:p>
@@ -8158,7 +8158,7 @@
           <a:p>
             <a:fld id="{EB0080F8-EA1C-491D-963C-2C881B2F918F}" type="datetimeFigureOut">
               <a:rPr lang="en-GB" smtClean="0"/>
-              <a:t>08/03/2022</a:t>
+              <a:t>08/04/2022</a:t>
             </a:fld>
             <a:endParaRPr lang="en-GB"/>
           </a:p>
@@ -16007,7 +16007,7 @@
           </a:lstStyle>
           <a:p>
             <a:r>
-              <a:rPr lang="en-US" sz="3200">
+              <a:rPr lang="en-US" sz="3200" dirty="0">
                 <a:solidFill>
                   <a:schemeClr val="accent3"/>
                 </a:solidFill>
@@ -16037,102 +16037,137 @@
           <a:bodyPr lIns="91440" tIns="45720" rIns="91440" bIns="45720" anchor="t"/>
           <a:lstStyle/>
           <a:p>
-            <a:r>
-              <a:rPr lang="en-US" sz="2200" u="sng">
-                <a:solidFill>
-                  <a:schemeClr val="tx1"/>
-                </a:solidFill>
-                <a:ea typeface="+mj-lt"/>
-                <a:cs typeface="+mj-lt"/>
-              </a:rPr>
-              <a:t>Face coverings</a:t>
-            </a:r>
-          </a:p>
-          <a:p>
-            <a:pPr marL="457200" indent="-457200">
+            <a:pPr marL="285750" indent="-285750">
               <a:buFont typeface="Arial" panose="020B0604020202020204" pitchFamily="34" charset="0"/>
               <a:buChar char="•"/>
             </a:pPr>
             <a:r>
-              <a:rPr lang="en-GB" sz="2200" b="0" i="0">
+              <a:rPr lang="en-GB" sz="2400" dirty="0">
                 <a:solidFill>
                   <a:schemeClr val="tx1"/>
                 </a:solidFill>
-                <a:effectLst/>
-                <a:latin typeface="+mn-lt"/>
-              </a:rPr>
-              <a:t>While infection rates remain high, we encourage all members of our community to continue wearing face coverings in most indoor settings on campus, including Graduate School workshops</a:t>
-            </a:r>
-          </a:p>
-          <a:p>
-            <a:endParaRPr lang="en-US" sz="2200" u="sng">
+                <a:latin typeface="Arial" panose="020B0604020202020204" pitchFamily="34" charset="0"/>
+                <a:ea typeface="MS PGothic" panose="020B0600070205080204" pitchFamily="34" charset="-128"/>
+              </a:rPr>
+              <a:t>You are encouraged to wear a face covering indoors, especially in crowded, enclosed spaces, unless you are exempt.  This includes </a:t>
+            </a:r>
+            <a:r>
+              <a:rPr lang="en-GB" sz="2400" b="1" dirty="0">
+                <a:solidFill>
+                  <a:schemeClr val="tx1"/>
+                </a:solidFill>
+                <a:latin typeface="Arial" panose="020B0604020202020204" pitchFamily="34" charset="0"/>
+                <a:ea typeface="MS PGothic" panose="020B0600070205080204" pitchFamily="34" charset="-128"/>
+              </a:rPr>
+              <a:t>for Graduate School workshops</a:t>
+            </a:r>
+          </a:p>
+          <a:p>
+            <a:endParaRPr lang="en-US" sz="2400" dirty="0">
               <a:solidFill>
                 <a:schemeClr val="tx1"/>
               </a:solidFill>
-              <a:ea typeface="+mj-lt"/>
-              <a:cs typeface="+mj-lt"/>
             </a:endParaRPr>
           </a:p>
           <a:p>
-            <a:r>
-              <a:rPr lang="en-US" sz="2200" u="sng">
+            <a:pPr marL="285750" indent="-285750">
+              <a:buFont typeface="Arial" panose="020B0604020202020204" pitchFamily="34" charset="0"/>
+              <a:buChar char="•"/>
+            </a:pPr>
+            <a:r>
+              <a:rPr lang="en-GB" sz="2400" dirty="0">
                 <a:solidFill>
                   <a:schemeClr val="tx1"/>
                 </a:solidFill>
-                <a:latin typeface="+mn-lt"/>
-                <a:ea typeface="+mj-lt"/>
-                <a:cs typeface="+mj-lt"/>
-              </a:rPr>
-              <a:t>Hygiene</a:t>
-            </a:r>
-            <a:endParaRPr lang="en-GB" sz="2200" u="sng">
+                <a:effectLst/>
+                <a:latin typeface="Arial" panose="020B0604020202020204" pitchFamily="34" charset="0"/>
+                <a:ea typeface="MS PGothic" panose="020B0600070205080204" pitchFamily="34" charset="-128"/>
+              </a:rPr>
+              <a:t>Cover your coughs and sneezes to reduce the spread of particles </a:t>
+            </a:r>
+          </a:p>
+          <a:p>
+            <a:endParaRPr lang="en-GB" sz="2400" dirty="0">
               <a:solidFill>
                 <a:schemeClr val="tx1"/>
               </a:solidFill>
-              <a:latin typeface="+mn-lt"/>
-              <a:ea typeface="Calibri" panose="020F0502020204030204" pitchFamily="34" charset="0"/>
-              <a:cs typeface="Times New Roman"/>
+              <a:effectLst/>
+              <a:latin typeface="Arial" panose="020B0604020202020204" pitchFamily="34" charset="0"/>
+              <a:ea typeface="MS PGothic" panose="020B0600070205080204" pitchFamily="34" charset="-128"/>
             </a:endParaRPr>
           </a:p>
           <a:p>
-            <a:pPr marL="457200" indent="-457200">
+            <a:pPr marL="285750" indent="-285750">
               <a:buFont typeface="Arial" panose="020B0604020202020204" pitchFamily="34" charset="0"/>
               <a:buChar char="•"/>
             </a:pPr>
             <a:r>
-              <a:rPr lang="en-US" sz="2200">
+              <a:rPr lang="en-GB" sz="2400" dirty="0">
                 <a:solidFill>
                   <a:schemeClr val="tx1"/>
                 </a:solidFill>
-              </a:rPr>
-              <a:t>Where hand </a:t>
-            </a:r>
-            <a:r>
-              <a:rPr lang="en-US" sz="2200" err="1">
+                <a:latin typeface="Arial" panose="020B0604020202020204" pitchFamily="34" charset="0"/>
+                <a:ea typeface="MS PGothic" panose="020B0600070205080204" pitchFamily="34" charset="-128"/>
+              </a:rPr>
+              <a:t>R</a:t>
+            </a:r>
+            <a:r>
+              <a:rPr lang="en-GB" sz="2400" dirty="0">
                 <a:solidFill>
                   <a:schemeClr val="tx1"/>
                 </a:solidFill>
-              </a:rPr>
-              <a:t>sanitiser</a:t>
-            </a:r>
-            <a:r>
-              <a:rPr lang="en-US" sz="2200">
+                <a:effectLst/>
+                <a:latin typeface="Arial" panose="020B0604020202020204" pitchFamily="34" charset="0"/>
+                <a:ea typeface="MS PGothic" panose="020B0600070205080204" pitchFamily="34" charset="-128"/>
+              </a:rPr>
+              <a:t>espect people’s wishes for extra space </a:t>
+            </a:r>
+          </a:p>
+          <a:p>
+            <a:endParaRPr lang="en-GB" sz="2400" dirty="0">
+              <a:solidFill>
+                <a:schemeClr val="tx1"/>
+              </a:solidFill>
+              <a:latin typeface="Arial" panose="020B0604020202020204" pitchFamily="34" charset="0"/>
+              <a:ea typeface="MS PGothic" panose="020B0600070205080204" pitchFamily="34" charset="-128"/>
+            </a:endParaRPr>
+          </a:p>
+          <a:p>
+            <a:pPr marL="285750" indent="-285750">
+              <a:buFont typeface="Arial" panose="020B0604020202020204" pitchFamily="34" charset="0"/>
+              <a:buChar char="•"/>
+            </a:pPr>
+            <a:r>
+              <a:rPr lang="en-GB" sz="2400" dirty="0">
                 <a:solidFill>
                   <a:schemeClr val="tx1"/>
                 </a:solidFill>
-              </a:rPr>
-              <a:t> is available, please use it</a:t>
-            </a:r>
-          </a:p>
-          <a:p>
-            <a:endParaRPr lang="en-US" sz="2400"/>
+                <a:effectLst/>
+                <a:latin typeface="Arial" panose="020B0604020202020204" pitchFamily="34" charset="0"/>
+                <a:ea typeface="MS PGothic" panose="020B0600070205080204" pitchFamily="34" charset="-128"/>
+              </a:rPr>
+              <a:t>Use hand sanitiser where it is available to you</a:t>
+            </a:r>
+          </a:p>
+          <a:p>
+            <a:r>
+              <a:rPr lang="en-GB" sz="2400" dirty="0">
+                <a:solidFill>
+                  <a:schemeClr val="tx1"/>
+                </a:solidFill>
+                <a:effectLst/>
+                <a:latin typeface="Arial" panose="020B0604020202020204" pitchFamily="34" charset="0"/>
+                <a:ea typeface="MS PGothic" panose="020B0600070205080204" pitchFamily="34" charset="-128"/>
+              </a:rPr>
+              <a:t> </a:t>
+            </a:r>
           </a:p>
         </p:txBody>
       </p:sp>
     </p:spTree>
     <p:extLst>
       <p:ext uri="{BB962C8B-B14F-4D97-AF65-F5344CB8AC3E}">
-        <p14:creationId xmlns:p14="http://schemas.microsoft.com/office/powerpoint/2010/main" val="70908208"/>
+        <p14:creationId xmlns:p14="http://schemas.microsoft.com/office/powerpoint/2010/main" val="2596273163"/>
       </p:ext>
     </p:extLst>
   </p:cSld>

--- a/Writing Theses in Latex Slides.pptx
+++ b/Writing Theses in Latex Slides.pptx
@@ -476,7 +476,7 @@
           <a:p>
             <a:fld id="{88EB714B-C3CC-4216-88C1-02913905B1CF}" type="datetimeFigureOut">
               <a:rPr lang="en-GB" smtClean="0"/>
-              <a:t>08/04/2022</a:t>
+              <a:t>03/05/2022</a:t>
             </a:fld>
             <a:endParaRPr lang="en-GB"/>
           </a:p>
@@ -6475,7 +6475,7 @@
           <a:p>
             <a:fld id="{EB0080F8-EA1C-491D-963C-2C881B2F918F}" type="datetimeFigureOut">
               <a:rPr lang="en-GB" smtClean="0"/>
-              <a:t>08/04/2022</a:t>
+              <a:t>03/05/2022</a:t>
             </a:fld>
             <a:endParaRPr lang="en-GB"/>
           </a:p>
@@ -6625,7 +6625,7 @@
           <a:p>
             <a:fld id="{EB0080F8-EA1C-491D-963C-2C881B2F918F}" type="datetimeFigureOut">
               <a:rPr lang="en-GB" smtClean="0"/>
-              <a:t>08/04/2022</a:t>
+              <a:t>03/05/2022</a:t>
             </a:fld>
             <a:endParaRPr lang="en-GB"/>
           </a:p>
@@ -8158,7 +8158,7 @@
           <a:p>
             <a:fld id="{EB0080F8-EA1C-491D-963C-2C881B2F918F}" type="datetimeFigureOut">
               <a:rPr lang="en-GB" smtClean="0"/>
-              <a:t>08/04/2022</a:t>
+              <a:t>03/05/2022</a:t>
             </a:fld>
             <a:endParaRPr lang="en-GB"/>
           </a:p>
@@ -10903,6 +10903,110 @@
           </a:p>
         </p:txBody>
       </p:sp>
+      <p:sp>
+        <p:nvSpPr>
+          <p:cNvPr id="5" name="TextBox 4">
+            <a:extLst>
+              <a:ext uri="{FF2B5EF4-FFF2-40B4-BE49-F238E27FC236}">
+                <a16:creationId xmlns:a16="http://schemas.microsoft.com/office/drawing/2014/main" id="{E1B7330F-D5CB-45DF-8FB3-3DCD9A0E8D21}"/>
+              </a:ext>
+            </a:extLst>
+          </p:cNvPr>
+          <p:cNvSpPr txBox="1"/>
+          <p:nvPr/>
+        </p:nvSpPr>
+        <p:spPr>
+          <a:xfrm>
+            <a:off x="3040641" y="862419"/>
+            <a:ext cx="3357009" cy="307777"/>
+          </a:xfrm>
+          <a:prstGeom prst="rect">
+            <a:avLst/>
+          </a:prstGeom>
+          <a:noFill/>
+          <a:ln>
+            <a:solidFill>
+              <a:srgbClr val="FF0000"/>
+            </a:solidFill>
+          </a:ln>
+        </p:spPr>
+        <p:txBody>
+          <a:bodyPr wrap="none" rtlCol="0">
+            <a:spAutoFit/>
+          </a:bodyPr>
+          <a:lstStyle/>
+          <a:p>
+            <a:r>
+              <a:rPr lang="en-GB" sz="1400" dirty="0">
+                <a:solidFill>
+                  <a:srgbClr val="FF0000"/>
+                </a:solidFill>
+              </a:rPr>
+              <a:t>Remember to use the </a:t>
+            </a:r>
+            <a:r>
+              <a:rPr lang="en-GB" sz="1400" dirty="0" err="1">
+                <a:solidFill>
+                  <a:srgbClr val="FF0000"/>
+                </a:solidFill>
+              </a:rPr>
+              <a:t>graphicx</a:t>
+            </a:r>
+            <a:r>
+              <a:rPr lang="en-GB" sz="1400" dirty="0">
+                <a:solidFill>
+                  <a:srgbClr val="FF0000"/>
+                </a:solidFill>
+              </a:rPr>
+              <a:t> package</a:t>
+            </a:r>
+          </a:p>
+        </p:txBody>
+      </p:sp>
+      <p:cxnSp>
+        <p:nvCxnSpPr>
+          <p:cNvPr id="8" name="Straight Arrow Connector 7">
+            <a:extLst>
+              <a:ext uri="{FF2B5EF4-FFF2-40B4-BE49-F238E27FC236}">
+                <a16:creationId xmlns:a16="http://schemas.microsoft.com/office/drawing/2014/main" id="{D0065E72-F589-49E1-8CC9-4908DA224E11}"/>
+              </a:ext>
+            </a:extLst>
+          </p:cNvPr>
+          <p:cNvCxnSpPr>
+            <a:stCxn id="5" idx="1"/>
+          </p:cNvCxnSpPr>
+          <p:nvPr/>
+        </p:nvCxnSpPr>
+        <p:spPr>
+          <a:xfrm flipH="1">
+            <a:off x="865762" y="1016308"/>
+            <a:ext cx="2174879" cy="286976"/>
+          </a:xfrm>
+          <a:prstGeom prst="straightConnector1">
+            <a:avLst/>
+          </a:prstGeom>
+          <a:ln>
+            <a:solidFill>
+              <a:srgbClr val="FF0000"/>
+            </a:solidFill>
+            <a:tailEnd type="triangle"/>
+          </a:ln>
+        </p:spPr>
+        <p:style>
+          <a:lnRef idx="2">
+            <a:schemeClr val="accent1"/>
+          </a:lnRef>
+          <a:fillRef idx="0">
+            <a:schemeClr val="accent1"/>
+          </a:fillRef>
+          <a:effectRef idx="1">
+            <a:schemeClr val="accent1"/>
+          </a:effectRef>
+          <a:fontRef idx="minor">
+            <a:schemeClr val="tx1"/>
+          </a:fontRef>
+        </p:style>
+      </p:cxnSp>
     </p:spTree>
     <p:extLst>
       <p:ext uri="{BB962C8B-B14F-4D97-AF65-F5344CB8AC3E}">

--- a/Writing Theses in Latex Slides.pptx
+++ b/Writing Theses in Latex Slides.pptx
@@ -5,56 +5,55 @@
     <p:sldMasterId id="2147483648" r:id="rId1"/>
   </p:sldMasterIdLst>
   <p:notesMasterIdLst>
-    <p:notesMasterId r:id="rId46"/>
+    <p:notesMasterId r:id="rId45"/>
   </p:notesMasterIdLst>
   <p:handoutMasterIdLst>
-    <p:handoutMasterId r:id="rId47"/>
+    <p:handoutMasterId r:id="rId46"/>
   </p:handoutMasterIdLst>
   <p:sldIdLst>
     <p:sldId id="264" r:id="rId2"/>
     <p:sldId id="504" r:id="rId3"/>
-    <p:sldId id="538" r:id="rId4"/>
-    <p:sldId id="267" r:id="rId5"/>
-    <p:sldId id="292" r:id="rId6"/>
-    <p:sldId id="268" r:id="rId7"/>
-    <p:sldId id="295" r:id="rId8"/>
-    <p:sldId id="296" r:id="rId9"/>
-    <p:sldId id="297" r:id="rId10"/>
-    <p:sldId id="298" r:id="rId11"/>
-    <p:sldId id="302" r:id="rId12"/>
-    <p:sldId id="301" r:id="rId13"/>
-    <p:sldId id="300" r:id="rId14"/>
-    <p:sldId id="303" r:id="rId15"/>
-    <p:sldId id="304" r:id="rId16"/>
-    <p:sldId id="307" r:id="rId17"/>
-    <p:sldId id="305" r:id="rId18"/>
-    <p:sldId id="306" r:id="rId19"/>
-    <p:sldId id="308" r:id="rId20"/>
-    <p:sldId id="309" r:id="rId21"/>
-    <p:sldId id="310" r:id="rId22"/>
-    <p:sldId id="311" r:id="rId23"/>
-    <p:sldId id="329" r:id="rId24"/>
-    <p:sldId id="320" r:id="rId25"/>
-    <p:sldId id="312" r:id="rId26"/>
-    <p:sldId id="316" r:id="rId27"/>
-    <p:sldId id="315" r:id="rId28"/>
-    <p:sldId id="317" r:id="rId29"/>
-    <p:sldId id="313" r:id="rId30"/>
-    <p:sldId id="314" r:id="rId31"/>
-    <p:sldId id="332" r:id="rId32"/>
-    <p:sldId id="318" r:id="rId33"/>
-    <p:sldId id="286" r:id="rId34"/>
-    <p:sldId id="319" r:id="rId35"/>
-    <p:sldId id="321" r:id="rId36"/>
-    <p:sldId id="322" r:id="rId37"/>
-    <p:sldId id="323" r:id="rId38"/>
-    <p:sldId id="326" r:id="rId39"/>
-    <p:sldId id="325" r:id="rId40"/>
-    <p:sldId id="327" r:id="rId41"/>
-    <p:sldId id="330" r:id="rId42"/>
-    <p:sldId id="328" r:id="rId43"/>
-    <p:sldId id="331" r:id="rId44"/>
-    <p:sldId id="280" r:id="rId45"/>
+    <p:sldId id="267" r:id="rId4"/>
+    <p:sldId id="292" r:id="rId5"/>
+    <p:sldId id="268" r:id="rId6"/>
+    <p:sldId id="295" r:id="rId7"/>
+    <p:sldId id="296" r:id="rId8"/>
+    <p:sldId id="297" r:id="rId9"/>
+    <p:sldId id="298" r:id="rId10"/>
+    <p:sldId id="302" r:id="rId11"/>
+    <p:sldId id="301" r:id="rId12"/>
+    <p:sldId id="300" r:id="rId13"/>
+    <p:sldId id="303" r:id="rId14"/>
+    <p:sldId id="304" r:id="rId15"/>
+    <p:sldId id="307" r:id="rId16"/>
+    <p:sldId id="305" r:id="rId17"/>
+    <p:sldId id="306" r:id="rId18"/>
+    <p:sldId id="308" r:id="rId19"/>
+    <p:sldId id="309" r:id="rId20"/>
+    <p:sldId id="310" r:id="rId21"/>
+    <p:sldId id="311" r:id="rId22"/>
+    <p:sldId id="329" r:id="rId23"/>
+    <p:sldId id="320" r:id="rId24"/>
+    <p:sldId id="312" r:id="rId25"/>
+    <p:sldId id="316" r:id="rId26"/>
+    <p:sldId id="315" r:id="rId27"/>
+    <p:sldId id="317" r:id="rId28"/>
+    <p:sldId id="313" r:id="rId29"/>
+    <p:sldId id="314" r:id="rId30"/>
+    <p:sldId id="332" r:id="rId31"/>
+    <p:sldId id="318" r:id="rId32"/>
+    <p:sldId id="286" r:id="rId33"/>
+    <p:sldId id="319" r:id="rId34"/>
+    <p:sldId id="321" r:id="rId35"/>
+    <p:sldId id="322" r:id="rId36"/>
+    <p:sldId id="323" r:id="rId37"/>
+    <p:sldId id="326" r:id="rId38"/>
+    <p:sldId id="325" r:id="rId39"/>
+    <p:sldId id="327" r:id="rId40"/>
+    <p:sldId id="330" r:id="rId41"/>
+    <p:sldId id="328" r:id="rId42"/>
+    <p:sldId id="331" r:id="rId43"/>
+    <p:sldId id="280" r:id="rId44"/>
   </p:sldIdLst>
   <p:sldSz cx="9144000" cy="6858000" type="screen4x3"/>
   <p:notesSz cx="7099300" cy="10234613"/>
@@ -160,7 +159,6 @@
           <p14:sldIdLst>
             <p14:sldId id="264"/>
             <p14:sldId id="504"/>
-            <p14:sldId id="538"/>
             <p14:sldId id="267"/>
             <p14:sldId id="292"/>
             <p14:sldId id="268"/>
@@ -476,7 +474,7 @@
           <a:p>
             <a:fld id="{88EB714B-C3CC-4216-88C1-02913905B1CF}" type="datetimeFigureOut">
               <a:rPr lang="en-GB" smtClean="0"/>
-              <a:t>03/05/2022</a:t>
+              <a:t>20/05/2022</a:t>
             </a:fld>
             <a:endParaRPr lang="en-GB"/>
           </a:p>
@@ -1172,7 +1170,7 @@
           <a:p>
             <a:fld id="{6A641EC8-C9F8-4A58-A1A7-F7D817526EEC}" type="slidenum">
               <a:rPr lang="en-GB" smtClean="0"/>
-              <a:t>12</a:t>
+              <a:t>11</a:t>
             </a:fld>
             <a:endParaRPr lang="en-GB"/>
           </a:p>
@@ -1325,7 +1323,7 @@
           <a:p>
             <a:fld id="{6A641EC8-C9F8-4A58-A1A7-F7D817526EEC}" type="slidenum">
               <a:rPr lang="en-GB" smtClean="0"/>
-              <a:t>13</a:t>
+              <a:t>12</a:t>
             </a:fld>
             <a:endParaRPr lang="en-GB"/>
           </a:p>
@@ -1421,7 +1419,7 @@
           <a:p>
             <a:fld id="{6A641EC8-C9F8-4A58-A1A7-F7D817526EEC}" type="slidenum">
               <a:rPr lang="en-GB" smtClean="0"/>
-              <a:t>14</a:t>
+              <a:t>13</a:t>
             </a:fld>
             <a:endParaRPr lang="en-GB"/>
           </a:p>
@@ -1627,7 +1625,7 @@
           <a:p>
             <a:fld id="{6A641EC8-C9F8-4A58-A1A7-F7D817526EEC}" type="slidenum">
               <a:rPr lang="en-GB" smtClean="0"/>
-              <a:t>15</a:t>
+              <a:t>14</a:t>
             </a:fld>
             <a:endParaRPr lang="en-GB"/>
           </a:p>
@@ -1711,7 +1709,7 @@
           <a:p>
             <a:fld id="{6A641EC8-C9F8-4A58-A1A7-F7D817526EEC}" type="slidenum">
               <a:rPr lang="en-GB" smtClean="0"/>
-              <a:t>16</a:t>
+              <a:t>15</a:t>
             </a:fld>
             <a:endParaRPr lang="en-GB"/>
           </a:p>
@@ -1798,7 +1796,7 @@
           <a:p>
             <a:fld id="{6A641EC8-C9F8-4A58-A1A7-F7D817526EEC}" type="slidenum">
               <a:rPr lang="en-GB" smtClean="0"/>
-              <a:t>17</a:t>
+              <a:t>16</a:t>
             </a:fld>
             <a:endParaRPr lang="en-GB"/>
           </a:p>
@@ -1882,7 +1880,7 @@
           <a:p>
             <a:fld id="{6A641EC8-C9F8-4A58-A1A7-F7D817526EEC}" type="slidenum">
               <a:rPr lang="en-GB" smtClean="0"/>
-              <a:t>18</a:t>
+              <a:t>17</a:t>
             </a:fld>
             <a:endParaRPr lang="en-GB"/>
           </a:p>
@@ -1987,7 +1985,7 @@
           <a:p>
             <a:fld id="{6A641EC8-C9F8-4A58-A1A7-F7D817526EEC}" type="slidenum">
               <a:rPr lang="en-GB" smtClean="0"/>
-              <a:t>19</a:t>
+              <a:t>18</a:t>
             </a:fld>
             <a:endParaRPr lang="en-GB"/>
           </a:p>
@@ -2074,7 +2072,7 @@
           <a:p>
             <a:fld id="{6A641EC8-C9F8-4A58-A1A7-F7D817526EEC}" type="slidenum">
               <a:rPr lang="en-GB" smtClean="0"/>
-              <a:t>20</a:t>
+              <a:t>19</a:t>
             </a:fld>
             <a:endParaRPr lang="en-GB"/>
           </a:p>
@@ -2171,7 +2169,7 @@
           <a:p>
             <a:fld id="{6A641EC8-C9F8-4A58-A1A7-F7D817526EEC}" type="slidenum">
               <a:rPr lang="en-GB" smtClean="0"/>
-              <a:t>21</a:t>
+              <a:t>20</a:t>
             </a:fld>
             <a:endParaRPr lang="en-GB"/>
           </a:p>
@@ -2259,7 +2257,7 @@
           <a:p>
             <a:fld id="{6A641EC8-C9F8-4A58-A1A7-F7D817526EEC}" type="slidenum">
               <a:rPr lang="en-GB" smtClean="0"/>
-              <a:t>4</a:t>
+              <a:t>3</a:t>
             </a:fld>
             <a:endParaRPr lang="en-GB"/>
           </a:p>
@@ -2371,7 +2369,7 @@
           <a:p>
             <a:fld id="{6A641EC8-C9F8-4A58-A1A7-F7D817526EEC}" type="slidenum">
               <a:rPr lang="en-GB" smtClean="0"/>
-              <a:t>22</a:t>
+              <a:t>21</a:t>
             </a:fld>
             <a:endParaRPr lang="en-GB"/>
           </a:p>
@@ -2484,7 +2482,7 @@
           <a:p>
             <a:fld id="{6A641EC8-C9F8-4A58-A1A7-F7D817526EEC}" type="slidenum">
               <a:rPr lang="en-GB" smtClean="0"/>
-              <a:t>23</a:t>
+              <a:t>22</a:t>
             </a:fld>
             <a:endParaRPr lang="en-GB"/>
           </a:p>
@@ -2606,7 +2604,7 @@
           <a:p>
             <a:fld id="{6A641EC8-C9F8-4A58-A1A7-F7D817526EEC}" type="slidenum">
               <a:rPr lang="en-GB" smtClean="0"/>
-              <a:t>24</a:t>
+              <a:t>23</a:t>
             </a:fld>
             <a:endParaRPr lang="en-GB"/>
           </a:p>
@@ -2718,7 +2716,7 @@
           <a:p>
             <a:fld id="{6A641EC8-C9F8-4A58-A1A7-F7D817526EEC}" type="slidenum">
               <a:rPr lang="en-GB" smtClean="0"/>
-              <a:t>25</a:t>
+              <a:t>24</a:t>
             </a:fld>
             <a:endParaRPr lang="en-GB"/>
           </a:p>
@@ -2839,7 +2837,7 @@
           <a:p>
             <a:fld id="{6A641EC8-C9F8-4A58-A1A7-F7D817526EEC}" type="slidenum">
               <a:rPr lang="en-GB" smtClean="0"/>
-              <a:t>26</a:t>
+              <a:t>25</a:t>
             </a:fld>
             <a:endParaRPr lang="en-GB"/>
           </a:p>
@@ -2967,7 +2965,7 @@
           <a:p>
             <a:fld id="{6A641EC8-C9F8-4A58-A1A7-F7D817526EEC}" type="slidenum">
               <a:rPr lang="en-GB" smtClean="0"/>
-              <a:t>27</a:t>
+              <a:t>26</a:t>
             </a:fld>
             <a:endParaRPr lang="en-GB"/>
           </a:p>
@@ -3131,7 +3129,7 @@
           <a:p>
             <a:fld id="{6A641EC8-C9F8-4A58-A1A7-F7D817526EEC}" type="slidenum">
               <a:rPr lang="en-GB" smtClean="0"/>
-              <a:t>28</a:t>
+              <a:t>27</a:t>
             </a:fld>
             <a:endParaRPr lang="en-GB"/>
           </a:p>
@@ -3279,7 +3277,7 @@
           <a:p>
             <a:fld id="{6A641EC8-C9F8-4A58-A1A7-F7D817526EEC}" type="slidenum">
               <a:rPr lang="en-GB" smtClean="0"/>
-              <a:t>29</a:t>
+              <a:t>28</a:t>
             </a:fld>
             <a:endParaRPr lang="en-GB"/>
           </a:p>
@@ -3460,7 +3458,7 @@
           <a:p>
             <a:fld id="{6A641EC8-C9F8-4A58-A1A7-F7D817526EEC}" type="slidenum">
               <a:rPr lang="en-GB" smtClean="0"/>
-              <a:t>30</a:t>
+              <a:t>29</a:t>
             </a:fld>
             <a:endParaRPr lang="en-GB"/>
           </a:p>
@@ -3573,7 +3571,7 @@
           <a:p>
             <a:fld id="{6A641EC8-C9F8-4A58-A1A7-F7D817526EEC}" type="slidenum">
               <a:rPr lang="en-GB" smtClean="0"/>
-              <a:t>31</a:t>
+              <a:t>30</a:t>
             </a:fld>
             <a:endParaRPr lang="en-GB"/>
           </a:p>
@@ -3688,7 +3686,7 @@
           <a:p>
             <a:fld id="{6A641EC8-C9F8-4A58-A1A7-F7D817526EEC}" type="slidenum">
               <a:rPr lang="en-GB" smtClean="0"/>
-              <a:t>5</a:t>
+              <a:t>4</a:t>
             </a:fld>
             <a:endParaRPr lang="en-GB"/>
           </a:p>
@@ -3784,7 +3782,7 @@
           <a:p>
             <a:fld id="{6A641EC8-C9F8-4A58-A1A7-F7D817526EEC}" type="slidenum">
               <a:rPr lang="en-GB" smtClean="0"/>
-              <a:t>32</a:t>
+              <a:t>31</a:t>
             </a:fld>
             <a:endParaRPr lang="en-GB"/>
           </a:p>
@@ -3951,7 +3949,7 @@
           <a:p>
             <a:fld id="{6A641EC8-C9F8-4A58-A1A7-F7D817526EEC}" type="slidenum">
               <a:rPr lang="en-GB" smtClean="0"/>
-              <a:t>33</a:t>
+              <a:t>32</a:t>
             </a:fld>
             <a:endParaRPr lang="en-GB"/>
           </a:p>
@@ -4056,7 +4054,7 @@
           <a:p>
             <a:fld id="{6A641EC8-C9F8-4A58-A1A7-F7D817526EEC}" type="slidenum">
               <a:rPr lang="en-GB" smtClean="0"/>
-              <a:t>34</a:t>
+              <a:t>33</a:t>
             </a:fld>
             <a:endParaRPr lang="en-GB"/>
           </a:p>
@@ -4194,7 +4192,7 @@
           <a:p>
             <a:fld id="{6A641EC8-C9F8-4A58-A1A7-F7D817526EEC}" type="slidenum">
               <a:rPr lang="en-GB" smtClean="0"/>
-              <a:t>35</a:t>
+              <a:t>34</a:t>
             </a:fld>
             <a:endParaRPr lang="en-GB"/>
           </a:p>
@@ -4360,7 +4358,7 @@
           <a:p>
             <a:fld id="{6A641EC8-C9F8-4A58-A1A7-F7D817526EEC}" type="slidenum">
               <a:rPr lang="en-GB" smtClean="0"/>
-              <a:t>36</a:t>
+              <a:t>35</a:t>
             </a:fld>
             <a:endParaRPr lang="en-GB"/>
           </a:p>
@@ -4489,7 +4487,7 @@
           <a:p>
             <a:fld id="{6A641EC8-C9F8-4A58-A1A7-F7D817526EEC}" type="slidenum">
               <a:rPr lang="en-GB" smtClean="0"/>
-              <a:t>37</a:t>
+              <a:t>36</a:t>
             </a:fld>
             <a:endParaRPr lang="en-GB"/>
           </a:p>
@@ -4601,7 +4599,7 @@
           <a:p>
             <a:fld id="{6A641EC8-C9F8-4A58-A1A7-F7D817526EEC}" type="slidenum">
               <a:rPr lang="en-GB" smtClean="0"/>
-              <a:t>38</a:t>
+              <a:t>37</a:t>
             </a:fld>
             <a:endParaRPr lang="en-GB"/>
           </a:p>
@@ -4725,7 +4723,7 @@
           <a:p>
             <a:fld id="{6A641EC8-C9F8-4A58-A1A7-F7D817526EEC}" type="slidenum">
               <a:rPr lang="en-GB" smtClean="0"/>
-              <a:t>39</a:t>
+              <a:t>38</a:t>
             </a:fld>
             <a:endParaRPr lang="en-GB"/>
           </a:p>
@@ -4856,7 +4854,7 @@
           <a:p>
             <a:fld id="{6A641EC8-C9F8-4A58-A1A7-F7D817526EEC}" type="slidenum">
               <a:rPr lang="en-GB" smtClean="0"/>
-              <a:t>40</a:t>
+              <a:t>39</a:t>
             </a:fld>
             <a:endParaRPr lang="en-GB"/>
           </a:p>
@@ -5011,7 +5009,7 @@
           <a:p>
             <a:fld id="{6A641EC8-C9F8-4A58-A1A7-F7D817526EEC}" type="slidenum">
               <a:rPr lang="en-GB" smtClean="0"/>
-              <a:t>41</a:t>
+              <a:t>40</a:t>
             </a:fld>
             <a:endParaRPr lang="en-GB"/>
           </a:p>
@@ -5132,7 +5130,7 @@
           <a:p>
             <a:fld id="{6A641EC8-C9F8-4A58-A1A7-F7D817526EEC}" type="slidenum">
               <a:rPr lang="en-GB" smtClean="0"/>
-              <a:t>6</a:t>
+              <a:t>5</a:t>
             </a:fld>
             <a:endParaRPr lang="en-GB"/>
           </a:p>
@@ -5235,7 +5233,7 @@
           <a:p>
             <a:fld id="{6A641EC8-C9F8-4A58-A1A7-F7D817526EEC}" type="slidenum">
               <a:rPr lang="en-GB" smtClean="0"/>
-              <a:t>42</a:t>
+              <a:t>41</a:t>
             </a:fld>
             <a:endParaRPr lang="en-GB"/>
           </a:p>
@@ -5319,7 +5317,7 @@
           <a:p>
             <a:fld id="{6A641EC8-C9F8-4A58-A1A7-F7D817526EEC}" type="slidenum">
               <a:rPr lang="en-GB" smtClean="0"/>
-              <a:t>43</a:t>
+              <a:t>42</a:t>
             </a:fld>
             <a:endParaRPr lang="en-GB"/>
           </a:p>
@@ -5515,7 +5513,7 @@
                   <a:spcPct val="0"/>
                 </a:spcBef>
               </a:pPr>
-              <a:t>44</a:t>
+              <a:t>43</a:t>
             </a:fld>
             <a:endParaRPr lang="en-US" altLang="en-US"/>
           </a:p>
@@ -5666,7 +5664,7 @@
           <a:p>
             <a:fld id="{6A641EC8-C9F8-4A58-A1A7-F7D817526EEC}" type="slidenum">
               <a:rPr lang="en-GB" smtClean="0"/>
-              <a:t>7</a:t>
+              <a:t>6</a:t>
             </a:fld>
             <a:endParaRPr lang="en-GB"/>
           </a:p>
@@ -5753,7 +5751,7 @@
           <a:p>
             <a:fld id="{6A641EC8-C9F8-4A58-A1A7-F7D817526EEC}" type="slidenum">
               <a:rPr lang="en-GB" smtClean="0"/>
-              <a:t>8</a:t>
+              <a:t>7</a:t>
             </a:fld>
             <a:endParaRPr lang="en-GB"/>
           </a:p>
@@ -5895,7 +5893,7 @@
           <a:p>
             <a:fld id="{6A641EC8-C9F8-4A58-A1A7-F7D817526EEC}" type="slidenum">
               <a:rPr lang="en-GB" smtClean="0"/>
-              <a:t>9</a:t>
+              <a:t>8</a:t>
             </a:fld>
             <a:endParaRPr lang="en-GB"/>
           </a:p>
@@ -6000,7 +5998,7 @@
           <a:p>
             <a:fld id="{6A641EC8-C9F8-4A58-A1A7-F7D817526EEC}" type="slidenum">
               <a:rPr lang="en-GB" smtClean="0"/>
-              <a:t>10</a:t>
+              <a:t>9</a:t>
             </a:fld>
             <a:endParaRPr lang="en-GB"/>
           </a:p>
@@ -6097,7 +6095,7 @@
           <a:p>
             <a:fld id="{6A641EC8-C9F8-4A58-A1A7-F7D817526EEC}" type="slidenum">
               <a:rPr lang="en-GB" smtClean="0"/>
-              <a:t>11</a:t>
+              <a:t>10</a:t>
             </a:fld>
             <a:endParaRPr lang="en-GB"/>
           </a:p>
@@ -6475,7 +6473,7 @@
           <a:p>
             <a:fld id="{EB0080F8-EA1C-491D-963C-2C881B2F918F}" type="datetimeFigureOut">
               <a:rPr lang="en-GB" smtClean="0"/>
-              <a:t>03/05/2022</a:t>
+              <a:t>20/05/2022</a:t>
             </a:fld>
             <a:endParaRPr lang="en-GB"/>
           </a:p>
@@ -6625,7 +6623,7 @@
           <a:p>
             <a:fld id="{EB0080F8-EA1C-491D-963C-2C881B2F918F}" type="datetimeFigureOut">
               <a:rPr lang="en-GB" smtClean="0"/>
-              <a:t>03/05/2022</a:t>
+              <a:t>20/05/2022</a:t>
             </a:fld>
             <a:endParaRPr lang="en-GB"/>
           </a:p>
@@ -8158,7 +8156,7 @@
           <a:p>
             <a:fld id="{EB0080F8-EA1C-491D-963C-2C881B2F918F}" type="datetimeFigureOut">
               <a:rPr lang="en-GB" smtClean="0"/>
-              <a:t>03/05/2022</a:t>
+              <a:t>20/05/2022</a:t>
             </a:fld>
             <a:endParaRPr lang="en-GB"/>
           </a:p>
@@ -8700,413 +8698,6 @@
           <a:p>
             <a:r>
               <a:rPr lang="en-GB" sz="4000" dirty="0"/>
-              <a:t>Margins</a:t>
-            </a:r>
-          </a:p>
-        </p:txBody>
-      </p:sp>
-      <p:sp>
-        <p:nvSpPr>
-          <p:cNvPr id="3" name="Content Placeholder 2"/>
-          <p:cNvSpPr>
-            <a:spLocks noGrp="1"/>
-          </p:cNvSpPr>
-          <p:nvPr>
-            <p:ph idx="1"/>
-          </p:nvPr>
-        </p:nvSpPr>
-        <p:spPr>
-          <a:xfrm>
-            <a:off x="457200" y="1600199"/>
-            <a:ext cx="3967655" cy="4453759"/>
-          </a:xfrm>
-        </p:spPr>
-        <p:txBody>
-          <a:bodyPr>
-            <a:normAutofit/>
-          </a:bodyPr>
-          <a:lstStyle/>
-          <a:p>
-            <a:pPr marL="0" indent="0">
-              <a:buNone/>
-            </a:pPr>
-            <a:r>
-              <a:rPr lang="en-GB" sz="2400" dirty="0">
-                <a:solidFill>
-                  <a:schemeClr val="tx2">
-                    <a:lumMod val="50000"/>
-                    <a:lumOff val="50000"/>
-                  </a:schemeClr>
-                </a:solidFill>
-              </a:rPr>
-              <a:t>\</a:t>
-            </a:r>
-            <a:r>
-              <a:rPr lang="en-GB" sz="2400" dirty="0" err="1">
-                <a:solidFill>
-                  <a:schemeClr val="tx2">
-                    <a:lumMod val="50000"/>
-                    <a:lumOff val="50000"/>
-                  </a:schemeClr>
-                </a:solidFill>
-              </a:rPr>
-              <a:t>usepackage</a:t>
-            </a:r>
-            <a:r>
-              <a:rPr lang="en-GB" sz="2400" dirty="0"/>
-              <a:t>{</a:t>
-            </a:r>
-            <a:r>
-              <a:rPr lang="en-GB" sz="2400" dirty="0" err="1">
-                <a:solidFill>
-                  <a:schemeClr val="tx2">
-                    <a:lumMod val="50000"/>
-                    <a:lumOff val="50000"/>
-                  </a:schemeClr>
-                </a:solidFill>
-              </a:rPr>
-              <a:t>blindtext</a:t>
-            </a:r>
-            <a:r>
-              <a:rPr lang="en-GB" sz="2400" dirty="0"/>
-              <a:t>}</a:t>
-            </a:r>
-          </a:p>
-          <a:p>
-            <a:pPr marL="0" indent="0">
-              <a:buNone/>
-            </a:pPr>
-            <a:r>
-              <a:rPr lang="en-GB" sz="2400" dirty="0">
-                <a:solidFill>
-                  <a:schemeClr val="tx2">
-                    <a:lumMod val="50000"/>
-                    <a:lumOff val="50000"/>
-                  </a:schemeClr>
-                </a:solidFill>
-              </a:rPr>
-              <a:t>\</a:t>
-            </a:r>
-            <a:r>
-              <a:rPr lang="en-GB" sz="2400" dirty="0" err="1">
-                <a:solidFill>
-                  <a:schemeClr val="tx2">
-                    <a:lumMod val="50000"/>
-                    <a:lumOff val="50000"/>
-                  </a:schemeClr>
-                </a:solidFill>
-              </a:rPr>
-              <a:t>usepackage</a:t>
-            </a:r>
-            <a:r>
-              <a:rPr lang="en-GB" sz="2400" dirty="0"/>
-              <a:t>[</a:t>
-            </a:r>
-            <a:r>
-              <a:rPr lang="en-GB" sz="2400" dirty="0">
-                <a:solidFill>
-                  <a:schemeClr val="accent4">
-                    <a:lumMod val="75000"/>
-                  </a:schemeClr>
-                </a:solidFill>
-              </a:rPr>
-              <a:t>margin=2cm</a:t>
-            </a:r>
-            <a:r>
-              <a:rPr lang="en-GB" sz="2400" dirty="0"/>
-              <a:t>] {</a:t>
-            </a:r>
-            <a:r>
-              <a:rPr lang="en-GB" sz="2400" dirty="0">
-                <a:solidFill>
-                  <a:schemeClr val="tx2">
-                    <a:lumMod val="50000"/>
-                    <a:lumOff val="50000"/>
-                  </a:schemeClr>
-                </a:solidFill>
-              </a:rPr>
-              <a:t>geometry</a:t>
-            </a:r>
-            <a:r>
-              <a:rPr lang="en-GB" sz="2400" dirty="0"/>
-              <a:t>}</a:t>
-            </a:r>
-          </a:p>
-          <a:p>
-            <a:pPr marL="0" indent="0">
-              <a:buNone/>
-            </a:pPr>
-            <a:endParaRPr lang="en-GB" sz="2400" dirty="0"/>
-          </a:p>
-          <a:p>
-            <a:pPr marL="0" indent="0">
-              <a:buNone/>
-            </a:pPr>
-            <a:r>
-              <a:rPr lang="en-GB" sz="2400" dirty="0">
-                <a:solidFill>
-                  <a:schemeClr val="tx2">
-                    <a:lumMod val="50000"/>
-                    <a:lumOff val="50000"/>
-                  </a:schemeClr>
-                </a:solidFill>
-              </a:rPr>
-              <a:t>\begin</a:t>
-            </a:r>
-            <a:r>
-              <a:rPr lang="en-GB" sz="2400" dirty="0"/>
-              <a:t>{</a:t>
-            </a:r>
-            <a:r>
-              <a:rPr lang="en-GB" sz="2400" dirty="0">
-                <a:solidFill>
-                  <a:schemeClr val="accent4">
-                    <a:lumMod val="75000"/>
-                  </a:schemeClr>
-                </a:solidFill>
-              </a:rPr>
-              <a:t>document</a:t>
-            </a:r>
-            <a:r>
-              <a:rPr lang="en-GB" sz="2400" dirty="0"/>
-              <a:t>}</a:t>
-            </a:r>
-            <a:br>
-              <a:rPr lang="en-GB" sz="2400" dirty="0"/>
-            </a:br>
-            <a:endParaRPr lang="en-GB" sz="2400" dirty="0"/>
-          </a:p>
-          <a:p>
-            <a:pPr marL="0" indent="0">
-              <a:buNone/>
-            </a:pPr>
-            <a:r>
-              <a:rPr lang="en-GB" sz="2400" dirty="0">
-                <a:solidFill>
-                  <a:schemeClr val="tx2">
-                    <a:lumMod val="50000"/>
-                    <a:lumOff val="50000"/>
-                  </a:schemeClr>
-                </a:solidFill>
-              </a:rPr>
-              <a:t>\</a:t>
-            </a:r>
-            <a:r>
-              <a:rPr lang="en-GB" sz="2400" dirty="0" err="1">
-                <a:solidFill>
-                  <a:schemeClr val="tx2">
-                    <a:lumMod val="50000"/>
-                    <a:lumOff val="50000"/>
-                  </a:schemeClr>
-                </a:solidFill>
-              </a:rPr>
-              <a:t>blindtext</a:t>
-            </a:r>
-            <a:r>
-              <a:rPr lang="en-GB" sz="2400" dirty="0"/>
-              <a:t>[10]</a:t>
-            </a:r>
-            <a:br>
-              <a:rPr lang="en-GB" sz="2400" dirty="0"/>
-            </a:br>
-            <a:endParaRPr lang="en-GB" sz="2400" dirty="0"/>
-          </a:p>
-          <a:p>
-            <a:pPr marL="0" indent="0">
-              <a:buNone/>
-            </a:pPr>
-            <a:r>
-              <a:rPr lang="en-GB" sz="2400" dirty="0">
-                <a:solidFill>
-                  <a:schemeClr val="tx2">
-                    <a:lumMod val="50000"/>
-                    <a:lumOff val="50000"/>
-                  </a:schemeClr>
-                </a:solidFill>
-              </a:rPr>
-              <a:t>\end</a:t>
-            </a:r>
-            <a:r>
-              <a:rPr lang="en-GB" sz="2400" dirty="0"/>
-              <a:t>{</a:t>
-            </a:r>
-            <a:r>
-              <a:rPr lang="en-GB" sz="2400" dirty="0">
-                <a:solidFill>
-                  <a:schemeClr val="accent4">
-                    <a:lumMod val="75000"/>
-                  </a:schemeClr>
-                </a:solidFill>
-              </a:rPr>
-              <a:t>document</a:t>
-            </a:r>
-            <a:r>
-              <a:rPr lang="en-GB" sz="2400" dirty="0"/>
-              <a:t>}</a:t>
-            </a:r>
-          </a:p>
-        </p:txBody>
-      </p:sp>
-      <p:cxnSp>
-        <p:nvCxnSpPr>
-          <p:cNvPr id="4" name="Straight Connector 3">
-            <a:extLst>
-              <a:ext uri="{FF2B5EF4-FFF2-40B4-BE49-F238E27FC236}">
-                <a16:creationId xmlns:a16="http://schemas.microsoft.com/office/drawing/2014/main" id="{5F977231-9817-4997-8C71-01F70F4EFE4B}"/>
-              </a:ext>
-            </a:extLst>
-          </p:cNvPr>
-          <p:cNvCxnSpPr/>
-          <p:nvPr/>
-        </p:nvCxnSpPr>
-        <p:spPr>
-          <a:xfrm>
-            <a:off x="4572000" y="1417638"/>
-            <a:ext cx="0" cy="5440362"/>
-          </a:xfrm>
-          <a:prstGeom prst="line">
-            <a:avLst/>
-          </a:prstGeom>
-        </p:spPr>
-        <p:style>
-          <a:lnRef idx="2">
-            <a:schemeClr val="accent1"/>
-          </a:lnRef>
-          <a:fillRef idx="0">
-            <a:schemeClr val="accent1"/>
-          </a:fillRef>
-          <a:effectRef idx="1">
-            <a:schemeClr val="accent1"/>
-          </a:effectRef>
-          <a:fontRef idx="minor">
-            <a:schemeClr val="tx1"/>
-          </a:fontRef>
-        </p:style>
-      </p:cxnSp>
-      <p:pic>
-        <p:nvPicPr>
-          <p:cNvPr id="7" name="Picture 6">
-            <a:extLst>
-              <a:ext uri="{FF2B5EF4-FFF2-40B4-BE49-F238E27FC236}">
-                <a16:creationId xmlns:a16="http://schemas.microsoft.com/office/drawing/2014/main" id="{F2559630-000F-4CDC-9204-C2E97FBBB037}"/>
-              </a:ext>
-            </a:extLst>
-          </p:cNvPr>
-          <p:cNvPicPr>
-            <a:picLocks noChangeAspect="1"/>
-          </p:cNvPicPr>
-          <p:nvPr/>
-        </p:nvPicPr>
-        <p:blipFill>
-          <a:blip r:embed="rId3"/>
-          <a:stretch>
-            <a:fillRect/>
-          </a:stretch>
-        </p:blipFill>
-        <p:spPr>
-          <a:xfrm>
-            <a:off x="4903058" y="1227082"/>
-            <a:ext cx="4021210" cy="5628290"/>
-          </a:xfrm>
-          <a:prstGeom prst="rect">
-            <a:avLst/>
-          </a:prstGeom>
-        </p:spPr>
-      </p:pic>
-      <p:sp>
-        <p:nvSpPr>
-          <p:cNvPr id="6" name="TextBox 5">
-            <a:extLst>
-              <a:ext uri="{FF2B5EF4-FFF2-40B4-BE49-F238E27FC236}">
-                <a16:creationId xmlns:a16="http://schemas.microsoft.com/office/drawing/2014/main" id="{099674D9-4038-4AB1-BAD9-3C9EF5FD6E6A}"/>
-              </a:ext>
-            </a:extLst>
-          </p:cNvPr>
-          <p:cNvSpPr txBox="1"/>
-          <p:nvPr/>
-        </p:nvSpPr>
-        <p:spPr>
-          <a:xfrm>
-            <a:off x="7357241" y="6498021"/>
-            <a:ext cx="1697422" cy="369332"/>
-          </a:xfrm>
-          <a:prstGeom prst="rect">
-            <a:avLst/>
-          </a:prstGeom>
-          <a:noFill/>
-        </p:spPr>
-        <p:txBody>
-          <a:bodyPr wrap="square" rtlCol="0">
-            <a:spAutoFit/>
-          </a:bodyPr>
-          <a:lstStyle/>
-          <a:p>
-            <a:r>
-              <a:rPr lang="en-GB" dirty="0">
-                <a:solidFill>
-                  <a:schemeClr val="accent2"/>
-                </a:solidFill>
-              </a:rPr>
-              <a:t>Problem Sheet</a:t>
-            </a:r>
-          </a:p>
-        </p:txBody>
-      </p:sp>
-    </p:spTree>
-    <p:extLst>
-      <p:ext uri="{BB962C8B-B14F-4D97-AF65-F5344CB8AC3E}">
-        <p14:creationId xmlns:p14="http://schemas.microsoft.com/office/powerpoint/2010/main" val="220242497"/>
-      </p:ext>
-    </p:extLst>
-  </p:cSld>
-  <p:clrMapOvr>
-    <a:masterClrMapping/>
-  </p:clrMapOvr>
-  <mc:AlternateContent xmlns:mc="http://schemas.openxmlformats.org/markup-compatibility/2006" xmlns:p14="http://schemas.microsoft.com/office/powerpoint/2010/main">
-    <mc:Choice Requires="p14">
-      <p:transition p14:dur="10"/>
-    </mc:Choice>
-    <mc:Fallback xmlns="">
-      <p:transition/>
-    </mc:Fallback>
-  </mc:AlternateContent>
-</p:sld>
-</file>
-
-<file path=ppt/slides/slide11.xml><?xml version="1.0" encoding="utf-8"?>
-<p:sld xmlns:a="http://schemas.openxmlformats.org/drawingml/2006/main" xmlns:r="http://schemas.openxmlformats.org/officeDocument/2006/relationships" xmlns:p="http://schemas.openxmlformats.org/presentationml/2006/main">
-  <p:cSld>
-    <p:spTree>
-      <p:nvGrpSpPr>
-        <p:cNvPr id="1" name=""/>
-        <p:cNvGrpSpPr/>
-        <p:nvPr/>
-      </p:nvGrpSpPr>
-      <p:grpSpPr>
-        <a:xfrm>
-          <a:off x="0" y="0"/>
-          <a:ext cx="0" cy="0"/>
-          <a:chOff x="0" y="0"/>
-          <a:chExt cx="0" cy="0"/>
-        </a:xfrm>
-      </p:grpSpPr>
-      <p:sp>
-        <p:nvSpPr>
-          <p:cNvPr id="2" name="Title 1"/>
-          <p:cNvSpPr>
-            <a:spLocks noGrp="1"/>
-          </p:cNvSpPr>
-          <p:nvPr>
-            <p:ph type="title"/>
-          </p:nvPr>
-        </p:nvSpPr>
-        <p:spPr/>
-        <p:txBody>
-          <a:bodyPr/>
-          <a:lstStyle/>
-          <a:p>
-            <a:r>
-              <a:rPr lang="en-GB" sz="4000" dirty="0"/>
               <a:t>Footnotes</a:t>
             </a:r>
           </a:p>
@@ -9268,7 +8859,7 @@
 </p:sld>
 </file>
 
-<file path=ppt/slides/slide12.xml><?xml version="1.0" encoding="utf-8"?>
+<file path=ppt/slides/slide11.xml><?xml version="1.0" encoding="utf-8"?>
 <p:sld xmlns:a="http://schemas.openxmlformats.org/drawingml/2006/main" xmlns:r="http://schemas.openxmlformats.org/officeDocument/2006/relationships" xmlns:p="http://schemas.openxmlformats.org/presentationml/2006/main">
   <p:cSld>
     <p:spTree>
@@ -9447,7 +9038,7 @@
 </p:sld>
 </file>
 
-<file path=ppt/slides/slide13.xml><?xml version="1.0" encoding="utf-8"?>
+<file path=ppt/slides/slide12.xml><?xml version="1.0" encoding="utf-8"?>
 <p:sld xmlns:a="http://schemas.openxmlformats.org/drawingml/2006/main" xmlns:r="http://schemas.openxmlformats.org/officeDocument/2006/relationships" xmlns:p="http://schemas.openxmlformats.org/presentationml/2006/main">
   <p:cSld>
     <p:spTree>
@@ -9934,7 +9525,7 @@
 </p:sld>
 </file>
 
-<file path=ppt/slides/slide14.xml><?xml version="1.0" encoding="utf-8"?>
+<file path=ppt/slides/slide13.xml><?xml version="1.0" encoding="utf-8"?>
 <p:sld xmlns:a="http://schemas.openxmlformats.org/drawingml/2006/main" xmlns:r="http://schemas.openxmlformats.org/officeDocument/2006/relationships" xmlns:p="http://schemas.openxmlformats.org/presentationml/2006/main">
   <p:cSld>
     <p:spTree>
@@ -10249,7 +9840,7 @@
 </p:sld>
 </file>
 
-<file path=ppt/slides/slide15.xml><?xml version="1.0" encoding="utf-8"?>
+<file path=ppt/slides/slide14.xml><?xml version="1.0" encoding="utf-8"?>
 <p:sld xmlns:a="http://schemas.openxmlformats.org/drawingml/2006/main" xmlns:r="http://schemas.openxmlformats.org/officeDocument/2006/relationships" xmlns:p="http://schemas.openxmlformats.org/presentationml/2006/main">
   <p:cSld>
     <p:spTree>
@@ -11028,6 +10619,116 @@
 </p:sld>
 </file>
 
+<file path=ppt/slides/slide15.xml><?xml version="1.0" encoding="utf-8"?>
+<p:sld xmlns:a="http://schemas.openxmlformats.org/drawingml/2006/main" xmlns:r="http://schemas.openxmlformats.org/officeDocument/2006/relationships" xmlns:p="http://schemas.openxmlformats.org/presentationml/2006/main">
+  <p:cSld>
+    <p:spTree>
+      <p:nvGrpSpPr>
+        <p:cNvPr id="1" name=""/>
+        <p:cNvGrpSpPr/>
+        <p:nvPr/>
+      </p:nvGrpSpPr>
+      <p:grpSpPr>
+        <a:xfrm>
+          <a:off x="0" y="0"/>
+          <a:ext cx="0" cy="0"/>
+          <a:chOff x="0" y="0"/>
+          <a:chExt cx="0" cy="0"/>
+        </a:xfrm>
+      </p:grpSpPr>
+      <p:sp>
+        <p:nvSpPr>
+          <p:cNvPr id="2" name="Title 1"/>
+          <p:cNvSpPr>
+            <a:spLocks noGrp="1"/>
+          </p:cNvSpPr>
+          <p:nvPr>
+            <p:ph type="title"/>
+          </p:nvPr>
+        </p:nvSpPr>
+        <p:spPr/>
+        <p:txBody>
+          <a:bodyPr/>
+          <a:lstStyle/>
+          <a:p>
+            <a:r>
+              <a:rPr lang="en-GB" sz="4000" dirty="0"/>
+              <a:t>Abstract</a:t>
+            </a:r>
+          </a:p>
+        </p:txBody>
+      </p:sp>
+      <p:sp>
+        <p:nvSpPr>
+          <p:cNvPr id="7" name="Content Placeholder 6">
+            <a:extLst>
+              <a:ext uri="{FF2B5EF4-FFF2-40B4-BE49-F238E27FC236}">
+                <a16:creationId xmlns:a16="http://schemas.microsoft.com/office/drawing/2014/main" id="{A4668B92-0976-4E36-A913-C47498FEE667}"/>
+              </a:ext>
+            </a:extLst>
+          </p:cNvPr>
+          <p:cNvSpPr>
+            <a:spLocks noGrp="1"/>
+          </p:cNvSpPr>
+          <p:nvPr>
+            <p:ph idx="1"/>
+          </p:nvPr>
+        </p:nvSpPr>
+        <p:spPr>
+          <a:xfrm>
+            <a:off x="457200" y="1417638"/>
+            <a:ext cx="8229600" cy="4525963"/>
+          </a:xfrm>
+        </p:spPr>
+        <p:txBody>
+          <a:bodyPr/>
+          <a:lstStyle/>
+          <a:p>
+            <a:r>
+              <a:rPr lang="en-GB" sz="2400" dirty="0"/>
+              <a:t>You should include an abstract </a:t>
+            </a:r>
+          </a:p>
+          <a:p>
+            <a:r>
+              <a:rPr lang="en-GB" sz="2400" dirty="0"/>
+              <a:t>Should be after the title page (section 7 of checklist)</a:t>
+            </a:r>
+          </a:p>
+          <a:p>
+            <a:r>
+              <a:rPr lang="en-GB" sz="2400" dirty="0"/>
+              <a:t>300 words or less</a:t>
+            </a:r>
+            <a:endParaRPr lang="en-GB" sz="2000" dirty="0"/>
+          </a:p>
+          <a:p>
+            <a:pPr lvl="1"/>
+            <a:endParaRPr lang="en-GB" sz="1600" dirty="0"/>
+          </a:p>
+        </p:txBody>
+      </p:sp>
+    </p:spTree>
+    <p:extLst>
+      <p:ext uri="{BB962C8B-B14F-4D97-AF65-F5344CB8AC3E}">
+        <p14:creationId xmlns:p14="http://schemas.microsoft.com/office/powerpoint/2010/main" val="3095168859"/>
+      </p:ext>
+    </p:extLst>
+  </p:cSld>
+  <p:clrMapOvr>
+    <a:masterClrMapping/>
+  </p:clrMapOvr>
+  <mc:AlternateContent xmlns:mc="http://schemas.openxmlformats.org/markup-compatibility/2006" xmlns:p14="http://schemas.microsoft.com/office/powerpoint/2010/main">
+    <mc:Choice Requires="p14">
+      <p:transition p14:dur="10"/>
+    </mc:Choice>
+    <mc:Fallback xmlns="">
+      <p:transition/>
+    </mc:Fallback>
+  </mc:AlternateContent>
+</p:sld>
+</file>
+
 <file path=ppt/slides/slide16.xml><?xml version="1.0" encoding="utf-8"?>
 <p:sld xmlns:a="http://schemas.openxmlformats.org/drawingml/2006/main" xmlns:r="http://schemas.openxmlformats.org/officeDocument/2006/relationships" xmlns:p="http://schemas.openxmlformats.org/presentationml/2006/main">
   <p:cSld>
@@ -11062,7 +10763,7 @@
           <a:p>
             <a:r>
               <a:rPr lang="en-GB" sz="4000" dirty="0"/>
-              <a:t>Abstract</a:t>
+              <a:t>Statement of Originality</a:t>
             </a:r>
           </a:p>
         </p:txBody>
@@ -11095,21 +10796,29 @@
           <a:p>
             <a:r>
               <a:rPr lang="en-GB" sz="2400" dirty="0"/>
-              <a:t>You should include an abstract </a:t>
-            </a:r>
-          </a:p>
-          <a:p>
-            <a:r>
-              <a:rPr lang="en-GB" sz="2400" dirty="0"/>
-              <a:t>Should be after the title page (section 7 of checklist)</a:t>
-            </a:r>
-          </a:p>
-          <a:p>
-            <a:r>
-              <a:rPr lang="en-GB" sz="2400" dirty="0"/>
-              <a:t>300 words or less</a:t>
-            </a:r>
-            <a:endParaRPr lang="en-GB" sz="2000" dirty="0"/>
+              <a:t>You should include a statement of originality in your own words [Section 5 of Checklist]</a:t>
+            </a:r>
+          </a:p>
+          <a:p>
+            <a:pPr lvl="1"/>
+            <a:r>
+              <a:rPr lang="en-GB" sz="2000" dirty="0"/>
+              <a:t>The work is your own</a:t>
+            </a:r>
+          </a:p>
+          <a:p>
+            <a:pPr lvl="1"/>
+            <a:r>
+              <a:rPr lang="en-GB" sz="2000" dirty="0"/>
+              <a:t>All else is appropriately referenced</a:t>
+            </a:r>
+          </a:p>
+          <a:p>
+            <a:pPr lvl="1"/>
+            <a:r>
+              <a:rPr lang="en-GB" sz="2000" dirty="0"/>
+              <a:t>Should appear at beginning of thesis</a:t>
+            </a:r>
           </a:p>
           <a:p>
             <a:pPr lvl="1"/>
@@ -11120,7 +10829,7 @@
     </p:spTree>
     <p:extLst>
       <p:ext uri="{BB962C8B-B14F-4D97-AF65-F5344CB8AC3E}">
-        <p14:creationId xmlns:p14="http://schemas.microsoft.com/office/powerpoint/2010/main" val="3095168859"/>
+        <p14:creationId xmlns:p14="http://schemas.microsoft.com/office/powerpoint/2010/main" val="3238788747"/>
       </p:ext>
     </p:extLst>
   </p:cSld>
@@ -11172,124 +10881,6 @@
           <a:p>
             <a:r>
               <a:rPr lang="en-GB" sz="4000" dirty="0"/>
-              <a:t>Statement of Originality</a:t>
-            </a:r>
-          </a:p>
-        </p:txBody>
-      </p:sp>
-      <p:sp>
-        <p:nvSpPr>
-          <p:cNvPr id="7" name="Content Placeholder 6">
-            <a:extLst>
-              <a:ext uri="{FF2B5EF4-FFF2-40B4-BE49-F238E27FC236}">
-                <a16:creationId xmlns:a16="http://schemas.microsoft.com/office/drawing/2014/main" id="{A4668B92-0976-4E36-A913-C47498FEE667}"/>
-              </a:ext>
-            </a:extLst>
-          </p:cNvPr>
-          <p:cNvSpPr>
-            <a:spLocks noGrp="1"/>
-          </p:cNvSpPr>
-          <p:nvPr>
-            <p:ph idx="1"/>
-          </p:nvPr>
-        </p:nvSpPr>
-        <p:spPr>
-          <a:xfrm>
-            <a:off x="457200" y="1417638"/>
-            <a:ext cx="8229600" cy="4525963"/>
-          </a:xfrm>
-        </p:spPr>
-        <p:txBody>
-          <a:bodyPr/>
-          <a:lstStyle/>
-          <a:p>
-            <a:r>
-              <a:rPr lang="en-GB" sz="2400" dirty="0"/>
-              <a:t>You should include a statement of originality in your own words [Section 5 of Checklist]</a:t>
-            </a:r>
-          </a:p>
-          <a:p>
-            <a:pPr lvl="1"/>
-            <a:r>
-              <a:rPr lang="en-GB" sz="2000" dirty="0"/>
-              <a:t>The work is your own</a:t>
-            </a:r>
-          </a:p>
-          <a:p>
-            <a:pPr lvl="1"/>
-            <a:r>
-              <a:rPr lang="en-GB" sz="2000" dirty="0"/>
-              <a:t>All else is appropriately referenced</a:t>
-            </a:r>
-          </a:p>
-          <a:p>
-            <a:pPr lvl="1"/>
-            <a:r>
-              <a:rPr lang="en-GB" sz="2000" dirty="0"/>
-              <a:t>Should appear at beginning of thesis</a:t>
-            </a:r>
-          </a:p>
-          <a:p>
-            <a:pPr lvl="1"/>
-            <a:endParaRPr lang="en-GB" sz="1600" dirty="0"/>
-          </a:p>
-        </p:txBody>
-      </p:sp>
-    </p:spTree>
-    <p:extLst>
-      <p:ext uri="{BB962C8B-B14F-4D97-AF65-F5344CB8AC3E}">
-        <p14:creationId xmlns:p14="http://schemas.microsoft.com/office/powerpoint/2010/main" val="3238788747"/>
-      </p:ext>
-    </p:extLst>
-  </p:cSld>
-  <p:clrMapOvr>
-    <a:masterClrMapping/>
-  </p:clrMapOvr>
-  <mc:AlternateContent xmlns:mc="http://schemas.openxmlformats.org/markup-compatibility/2006" xmlns:p14="http://schemas.microsoft.com/office/powerpoint/2010/main">
-    <mc:Choice Requires="p14">
-      <p:transition p14:dur="10"/>
-    </mc:Choice>
-    <mc:Fallback xmlns="">
-      <p:transition/>
-    </mc:Fallback>
-  </mc:AlternateContent>
-</p:sld>
-</file>
-
-<file path=ppt/slides/slide18.xml><?xml version="1.0" encoding="utf-8"?>
-<p:sld xmlns:a="http://schemas.openxmlformats.org/drawingml/2006/main" xmlns:r="http://schemas.openxmlformats.org/officeDocument/2006/relationships" xmlns:p="http://schemas.openxmlformats.org/presentationml/2006/main">
-  <p:cSld>
-    <p:spTree>
-      <p:nvGrpSpPr>
-        <p:cNvPr id="1" name=""/>
-        <p:cNvGrpSpPr/>
-        <p:nvPr/>
-      </p:nvGrpSpPr>
-      <p:grpSpPr>
-        <a:xfrm>
-          <a:off x="0" y="0"/>
-          <a:ext cx="0" cy="0"/>
-          <a:chOff x="0" y="0"/>
-          <a:chExt cx="0" cy="0"/>
-        </a:xfrm>
-      </p:grpSpPr>
-      <p:sp>
-        <p:nvSpPr>
-          <p:cNvPr id="2" name="Title 1"/>
-          <p:cNvSpPr>
-            <a:spLocks noGrp="1"/>
-          </p:cNvSpPr>
-          <p:nvPr>
-            <p:ph type="title"/>
-          </p:nvPr>
-        </p:nvSpPr>
-        <p:spPr/>
-        <p:txBody>
-          <a:bodyPr/>
-          <a:lstStyle/>
-          <a:p>
-            <a:r>
-              <a:rPr lang="en-GB" sz="4000" dirty="0"/>
               <a:t>Copyright Declaration</a:t>
             </a:r>
           </a:p>
@@ -11376,7 +10967,7 @@
 </p:sld>
 </file>
 
-<file path=ppt/slides/slide19.xml><?xml version="1.0" encoding="utf-8"?>
+<file path=ppt/slides/slide18.xml><?xml version="1.0" encoding="utf-8"?>
 <p:sld xmlns:a="http://schemas.openxmlformats.org/drawingml/2006/main" xmlns:r="http://schemas.openxmlformats.org/officeDocument/2006/relationships" xmlns:p="http://schemas.openxmlformats.org/presentationml/2006/main">
   <p:cSld>
     <p:spTree>
@@ -11754,133 +11345,7 @@
 </p:sld>
 </file>
 
-<file path=ppt/slides/slide2.xml><?xml version="1.0" encoding="utf-8"?>
-<p:sld xmlns:a="http://schemas.openxmlformats.org/drawingml/2006/main" xmlns:r="http://schemas.openxmlformats.org/officeDocument/2006/relationships" xmlns:p="http://schemas.openxmlformats.org/presentationml/2006/main">
-  <p:cSld>
-    <p:spTree>
-      <p:nvGrpSpPr>
-        <p:cNvPr id="1" name=""/>
-        <p:cNvGrpSpPr/>
-        <p:nvPr/>
-      </p:nvGrpSpPr>
-      <p:grpSpPr>
-        <a:xfrm>
-          <a:off x="0" y="0"/>
-          <a:ext cx="0" cy="0"/>
-          <a:chOff x="0" y="0"/>
-          <a:chExt cx="0" cy="0"/>
-        </a:xfrm>
-      </p:grpSpPr>
-      <p:sp>
-        <p:nvSpPr>
-          <p:cNvPr id="2" name="Title 1"/>
-          <p:cNvSpPr>
-            <a:spLocks noGrp="1"/>
-          </p:cNvSpPr>
-          <p:nvPr>
-            <p:ph type="title"/>
-          </p:nvPr>
-        </p:nvSpPr>
-        <p:spPr>
-          <a:xfrm>
-            <a:off x="401319" y="1431416"/>
-            <a:ext cx="8388117" cy="4605702"/>
-          </a:xfrm>
-        </p:spPr>
-        <p:txBody>
-          <a:bodyPr/>
-          <a:lstStyle/>
-          <a:p>
-            <a:pPr algn="ctr"/>
-            <a:r>
-              <a:rPr lang="en-GB" sz="2800" u="sng" dirty="0"/>
-              <a:t>Important Information on Marking your Attendance on Inkpath</a:t>
-            </a:r>
-            <a:br>
-              <a:rPr lang="en-GB" sz="2800" u="sng" dirty="0"/>
-            </a:br>
-            <a:br>
-              <a:rPr lang="en-GB" sz="2800" u="sng" dirty="0"/>
-            </a:br>
-            <a:br>
-              <a:rPr lang="en-GB" sz="2800" dirty="0"/>
-            </a:br>
-            <a:r>
-              <a:rPr lang="en-GB" sz="2800" dirty="0"/>
-              <a:t>I will show you a QR code at the end of the session allowing you to mark your attendance on Inkpath. Please do not mark your attendance until then.</a:t>
-            </a:r>
-            <a:br>
-              <a:rPr lang="en-GB" sz="2800" dirty="0"/>
-            </a:br>
-            <a:br>
-              <a:rPr lang="en-GB" sz="2800" dirty="0">
-                <a:latin typeface="Calibri" panose="020F0502020204030204" pitchFamily="34" charset="0"/>
-                <a:cs typeface="Calibri" panose="020F0502020204030204" pitchFamily="34" charset="0"/>
-              </a:rPr>
-            </a:br>
-            <a:r>
-              <a:rPr lang="en-GB" sz="2800" dirty="0">
-                <a:effectLst/>
-                <a:ea typeface="Times New Roman" panose="02020603050405020304" pitchFamily="18" charset="0"/>
-                <a:cs typeface="Calibri" panose="020F0502020204030204" pitchFamily="34" charset="0"/>
-              </a:rPr>
-              <a:t>If you are not a Postgraduate Research student and didn’t book via Inkpath, your attendance will be marked on a separate database.</a:t>
-            </a:r>
-            <a:endParaRPr lang="en-GB" sz="2800" dirty="0"/>
-          </a:p>
-        </p:txBody>
-      </p:sp>
-      <p:sp>
-        <p:nvSpPr>
-          <p:cNvPr id="7" name="TextBox 6"/>
-          <p:cNvSpPr txBox="1"/>
-          <p:nvPr/>
-        </p:nvSpPr>
-        <p:spPr>
-          <a:xfrm>
-            <a:off x="552450" y="3214433"/>
-            <a:ext cx="2171700" cy="830997"/>
-          </a:xfrm>
-          <a:prstGeom prst="rect">
-            <a:avLst/>
-          </a:prstGeom>
-          <a:noFill/>
-        </p:spPr>
-        <p:txBody>
-          <a:bodyPr wrap="square" rtlCol="0">
-            <a:spAutoFit/>
-          </a:bodyPr>
-          <a:lstStyle/>
-          <a:p>
-            <a:endParaRPr lang="en-GB" sz="2400" dirty="0">
-              <a:solidFill>
-                <a:srgbClr val="002060"/>
-              </a:solidFill>
-            </a:endParaRPr>
-          </a:p>
-          <a:p>
-            <a:endParaRPr lang="en-GB" sz="2400" dirty="0">
-              <a:solidFill>
-                <a:srgbClr val="002060"/>
-              </a:solidFill>
-            </a:endParaRPr>
-          </a:p>
-        </p:txBody>
-      </p:sp>
-    </p:spTree>
-    <p:extLst>
-      <p:ext uri="{BB962C8B-B14F-4D97-AF65-F5344CB8AC3E}">
-        <p14:creationId xmlns:p14="http://schemas.microsoft.com/office/powerpoint/2010/main" val="3686223621"/>
-      </p:ext>
-    </p:extLst>
-  </p:cSld>
-  <p:clrMapOvr>
-    <a:masterClrMapping/>
-  </p:clrMapOvr>
-</p:sld>
-</file>
-
-<file path=ppt/slides/slide20.xml><?xml version="1.0" encoding="utf-8"?>
+<file path=ppt/slides/slide19.xml><?xml version="1.0" encoding="utf-8"?>
 <p:sld xmlns:a="http://schemas.openxmlformats.org/drawingml/2006/main" xmlns:r="http://schemas.openxmlformats.org/officeDocument/2006/relationships" xmlns:p="http://schemas.openxmlformats.org/presentationml/2006/main">
   <p:cSld>
     <p:spTree>
@@ -12004,7 +11469,133 @@
 </p:sld>
 </file>
 
-<file path=ppt/slides/slide21.xml><?xml version="1.0" encoding="utf-8"?>
+<file path=ppt/slides/slide2.xml><?xml version="1.0" encoding="utf-8"?>
+<p:sld xmlns:a="http://schemas.openxmlformats.org/drawingml/2006/main" xmlns:r="http://schemas.openxmlformats.org/officeDocument/2006/relationships" xmlns:p="http://schemas.openxmlformats.org/presentationml/2006/main">
+  <p:cSld>
+    <p:spTree>
+      <p:nvGrpSpPr>
+        <p:cNvPr id="1" name=""/>
+        <p:cNvGrpSpPr/>
+        <p:nvPr/>
+      </p:nvGrpSpPr>
+      <p:grpSpPr>
+        <a:xfrm>
+          <a:off x="0" y="0"/>
+          <a:ext cx="0" cy="0"/>
+          <a:chOff x="0" y="0"/>
+          <a:chExt cx="0" cy="0"/>
+        </a:xfrm>
+      </p:grpSpPr>
+      <p:sp>
+        <p:nvSpPr>
+          <p:cNvPr id="2" name="Title 1"/>
+          <p:cNvSpPr>
+            <a:spLocks noGrp="1"/>
+          </p:cNvSpPr>
+          <p:nvPr>
+            <p:ph type="title"/>
+          </p:nvPr>
+        </p:nvSpPr>
+        <p:spPr>
+          <a:xfrm>
+            <a:off x="401319" y="1431416"/>
+            <a:ext cx="8388117" cy="4605702"/>
+          </a:xfrm>
+        </p:spPr>
+        <p:txBody>
+          <a:bodyPr/>
+          <a:lstStyle/>
+          <a:p>
+            <a:pPr algn="ctr"/>
+            <a:r>
+              <a:rPr lang="en-GB" sz="2800" u="sng" dirty="0"/>
+              <a:t>Important Information on Marking your Attendance on Inkpath</a:t>
+            </a:r>
+            <a:br>
+              <a:rPr lang="en-GB" sz="2800" u="sng" dirty="0"/>
+            </a:br>
+            <a:br>
+              <a:rPr lang="en-GB" sz="2800" u="sng" dirty="0"/>
+            </a:br>
+            <a:br>
+              <a:rPr lang="en-GB" sz="2800" dirty="0"/>
+            </a:br>
+            <a:r>
+              <a:rPr lang="en-GB" sz="2800" dirty="0"/>
+              <a:t>I will show you a QR code at the end of the session allowing you to mark your attendance on Inkpath. Please do not mark your attendance until then.</a:t>
+            </a:r>
+            <a:br>
+              <a:rPr lang="en-GB" sz="2800" dirty="0"/>
+            </a:br>
+            <a:br>
+              <a:rPr lang="en-GB" sz="2800" dirty="0">
+                <a:latin typeface="Calibri" panose="020F0502020204030204" pitchFamily="34" charset="0"/>
+                <a:cs typeface="Calibri" panose="020F0502020204030204" pitchFamily="34" charset="0"/>
+              </a:rPr>
+            </a:br>
+            <a:r>
+              <a:rPr lang="en-GB" sz="2800" dirty="0">
+                <a:effectLst/>
+                <a:ea typeface="Times New Roman" panose="02020603050405020304" pitchFamily="18" charset="0"/>
+                <a:cs typeface="Calibri" panose="020F0502020204030204" pitchFamily="34" charset="0"/>
+              </a:rPr>
+              <a:t>If you are not a Postgraduate Research student and didn’t book via Inkpath, your attendance will be marked on a separate database.</a:t>
+            </a:r>
+            <a:endParaRPr lang="en-GB" sz="2800" dirty="0"/>
+          </a:p>
+        </p:txBody>
+      </p:sp>
+      <p:sp>
+        <p:nvSpPr>
+          <p:cNvPr id="7" name="TextBox 6"/>
+          <p:cNvSpPr txBox="1"/>
+          <p:nvPr/>
+        </p:nvSpPr>
+        <p:spPr>
+          <a:xfrm>
+            <a:off x="552450" y="3214433"/>
+            <a:ext cx="2171700" cy="830997"/>
+          </a:xfrm>
+          <a:prstGeom prst="rect">
+            <a:avLst/>
+          </a:prstGeom>
+          <a:noFill/>
+        </p:spPr>
+        <p:txBody>
+          <a:bodyPr wrap="square" rtlCol="0">
+            <a:spAutoFit/>
+          </a:bodyPr>
+          <a:lstStyle/>
+          <a:p>
+            <a:endParaRPr lang="en-GB" sz="2400" dirty="0">
+              <a:solidFill>
+                <a:srgbClr val="002060"/>
+              </a:solidFill>
+            </a:endParaRPr>
+          </a:p>
+          <a:p>
+            <a:endParaRPr lang="en-GB" sz="2400" dirty="0">
+              <a:solidFill>
+                <a:srgbClr val="002060"/>
+              </a:solidFill>
+            </a:endParaRPr>
+          </a:p>
+        </p:txBody>
+      </p:sp>
+    </p:spTree>
+    <p:extLst>
+      <p:ext uri="{BB962C8B-B14F-4D97-AF65-F5344CB8AC3E}">
+        <p14:creationId xmlns:p14="http://schemas.microsoft.com/office/powerpoint/2010/main" val="3686223621"/>
+      </p:ext>
+    </p:extLst>
+  </p:cSld>
+  <p:clrMapOvr>
+    <a:masterClrMapping/>
+  </p:clrMapOvr>
+</p:sld>
+</file>
+
+<file path=ppt/slides/slide20.xml><?xml version="1.0" encoding="utf-8"?>
 <p:sld xmlns:a="http://schemas.openxmlformats.org/drawingml/2006/main" xmlns:r="http://schemas.openxmlformats.org/officeDocument/2006/relationships" xmlns:p="http://schemas.openxmlformats.org/presentationml/2006/main">
   <p:cSld>
     <p:spTree>
@@ -12369,7 +11960,7 @@
 </p:sld>
 </file>
 
-<file path=ppt/slides/slide22.xml><?xml version="1.0" encoding="utf-8"?>
+<file path=ppt/slides/slide21.xml><?xml version="1.0" encoding="utf-8"?>
 <p:sld xmlns:a="http://schemas.openxmlformats.org/drawingml/2006/main" xmlns:r="http://schemas.openxmlformats.org/officeDocument/2006/relationships" xmlns:p="http://schemas.openxmlformats.org/presentationml/2006/main">
   <p:cSld>
     <p:spTree>
@@ -12553,7 +12144,7 @@
 </p:sld>
 </file>
 
-<file path=ppt/slides/slide23.xml><?xml version="1.0" encoding="utf-8"?>
+<file path=ppt/slides/slide22.xml><?xml version="1.0" encoding="utf-8"?>
 <p:sld xmlns:a="http://schemas.openxmlformats.org/drawingml/2006/main" xmlns:r="http://schemas.openxmlformats.org/officeDocument/2006/relationships" xmlns:p="http://schemas.openxmlformats.org/presentationml/2006/main">
   <p:cSld>
     <p:spTree>
@@ -12749,7 +12340,7 @@
 </p:sld>
 </file>
 
-<file path=ppt/slides/slide24.xml><?xml version="1.0" encoding="utf-8"?>
+<file path=ppt/slides/slide23.xml><?xml version="1.0" encoding="utf-8"?>
 <p:sld xmlns:a="http://schemas.openxmlformats.org/drawingml/2006/main" xmlns:r="http://schemas.openxmlformats.org/officeDocument/2006/relationships" xmlns:p="http://schemas.openxmlformats.org/presentationml/2006/main">
   <p:cSld>
     <p:spTree>
@@ -13272,7 +12863,7 @@
 </p:sld>
 </file>
 
-<file path=ppt/slides/slide25.xml><?xml version="1.0" encoding="utf-8"?>
+<file path=ppt/slides/slide24.xml><?xml version="1.0" encoding="utf-8"?>
 <p:sld xmlns:a="http://schemas.openxmlformats.org/drawingml/2006/main" xmlns:r="http://schemas.openxmlformats.org/officeDocument/2006/relationships" xmlns:p="http://schemas.openxmlformats.org/presentationml/2006/main">
   <p:cSld>
     <p:spTree>
@@ -13714,7 +13305,7 @@
 </p:sld>
 </file>
 
-<file path=ppt/slides/slide26.xml><?xml version="1.0" encoding="utf-8"?>
+<file path=ppt/slides/slide25.xml><?xml version="1.0" encoding="utf-8"?>
 <p:sld xmlns:a="http://schemas.openxmlformats.org/drawingml/2006/main" xmlns:r="http://schemas.openxmlformats.org/officeDocument/2006/relationships" xmlns:p="http://schemas.openxmlformats.org/presentationml/2006/main">
   <p:cSld>
     <p:spTree>
@@ -13854,7 +13445,7 @@
 </p:sld>
 </file>
 
-<file path=ppt/slides/slide27.xml><?xml version="1.0" encoding="utf-8"?>
+<file path=ppt/slides/slide26.xml><?xml version="1.0" encoding="utf-8"?>
 <p:sld xmlns:a="http://schemas.openxmlformats.org/drawingml/2006/main" xmlns:r="http://schemas.openxmlformats.org/officeDocument/2006/relationships" xmlns:p="http://schemas.openxmlformats.org/presentationml/2006/main">
   <p:cSld>
     <p:spTree>
@@ -14755,7 +14346,7 @@
 </p:sld>
 </file>
 
-<file path=ppt/slides/slide28.xml><?xml version="1.0" encoding="utf-8"?>
+<file path=ppt/slides/slide27.xml><?xml version="1.0" encoding="utf-8"?>
 <p:sld xmlns:a="http://schemas.openxmlformats.org/drawingml/2006/main" xmlns:r="http://schemas.openxmlformats.org/officeDocument/2006/relationships" xmlns:p="http://schemas.openxmlformats.org/presentationml/2006/main">
   <p:cSld>
     <p:spTree>
@@ -15556,7 +15147,7 @@
 </p:sld>
 </file>
 
-<file path=ppt/slides/slide29.xml><?xml version="1.0" encoding="utf-8"?>
+<file path=ppt/slides/slide28.xml><?xml version="1.0" encoding="utf-8"?>
 <p:sld xmlns:a="http://schemas.openxmlformats.org/drawingml/2006/main" xmlns:r="http://schemas.openxmlformats.org/officeDocument/2006/relationships" xmlns:p="http://schemas.openxmlformats.org/presentationml/2006/main">
   <p:cSld>
     <p:spTree>
@@ -16054,234 +15645,7 @@
 </p:sld>
 </file>
 
-<file path=ppt/slides/slide3.xml><?xml version="1.0" encoding="utf-8"?>
-<p:sld xmlns:a="http://schemas.openxmlformats.org/drawingml/2006/main" xmlns:r="http://schemas.openxmlformats.org/officeDocument/2006/relationships" xmlns:p="http://schemas.openxmlformats.org/presentationml/2006/main">
-  <p:cSld>
-    <p:spTree>
-      <p:nvGrpSpPr>
-        <p:cNvPr id="1" name=""/>
-        <p:cNvGrpSpPr/>
-        <p:nvPr/>
-      </p:nvGrpSpPr>
-      <p:grpSpPr>
-        <a:xfrm>
-          <a:off x="0" y="0"/>
-          <a:ext cx="0" cy="0"/>
-          <a:chOff x="0" y="0"/>
-          <a:chExt cx="0" cy="0"/>
-        </a:xfrm>
-      </p:grpSpPr>
-      <p:sp>
-        <p:nvSpPr>
-          <p:cNvPr id="4" name="Title 1"/>
-          <p:cNvSpPr txBox="1">
-            <a:spLocks/>
-          </p:cNvSpPr>
-          <p:nvPr/>
-        </p:nvSpPr>
-        <p:spPr>
-          <a:xfrm>
-            <a:off x="401320" y="472966"/>
-            <a:ext cx="5778764" cy="961696"/>
-          </a:xfrm>
-          <a:prstGeom prst="rect">
-            <a:avLst/>
-          </a:prstGeom>
-        </p:spPr>
-        <p:txBody>
-          <a:bodyPr anchor="b"/>
-          <a:lstStyle>
-            <a:lvl1pPr algn="l" defTabSz="457200" rtl="0" eaLnBrk="1" latinLnBrk="0" hangingPunct="1">
-              <a:lnSpc>
-                <a:spcPct val="90000"/>
-              </a:lnSpc>
-              <a:spcBef>
-                <a:spcPct val="0"/>
-              </a:spcBef>
-              <a:buNone/>
-              <a:defRPr sz="4000" b="1" i="0" kern="1200" baseline="0">
-                <a:solidFill>
-                  <a:schemeClr val="tx2"/>
-                </a:solidFill>
-                <a:latin typeface="+mj-lt"/>
-                <a:ea typeface="+mj-ea"/>
-                <a:cs typeface="MetaOT-Bold"/>
-              </a:defRPr>
-            </a:lvl1pPr>
-          </a:lstStyle>
-          <a:p>
-            <a:r>
-              <a:rPr lang="en-US" sz="3200" dirty="0">
-                <a:solidFill>
-                  <a:schemeClr val="accent3"/>
-                </a:solidFill>
-              </a:rPr>
-              <a:t>Expectations:  Covid-safe teaching environments</a:t>
-            </a:r>
-          </a:p>
-        </p:txBody>
-      </p:sp>
-      <p:sp>
-        <p:nvSpPr>
-          <p:cNvPr id="5" name="Subtitle 2"/>
-          <p:cNvSpPr>
-            <a:spLocks noGrp="1"/>
-          </p:cNvSpPr>
-          <p:nvPr>
-            <p:ph type="subTitle" idx="1"/>
-          </p:nvPr>
-        </p:nvSpPr>
-        <p:spPr>
-          <a:xfrm>
-            <a:off x="401320" y="1631731"/>
-            <a:ext cx="8490432" cy="4548352"/>
-          </a:xfrm>
-        </p:spPr>
-        <p:txBody>
-          <a:bodyPr lIns="91440" tIns="45720" rIns="91440" bIns="45720" anchor="t"/>
-          <a:lstStyle/>
-          <a:p>
-            <a:pPr marL="285750" indent="-285750">
-              <a:buFont typeface="Arial" panose="020B0604020202020204" pitchFamily="34" charset="0"/>
-              <a:buChar char="•"/>
-            </a:pPr>
-            <a:r>
-              <a:rPr lang="en-GB" sz="2400" dirty="0">
-                <a:solidFill>
-                  <a:schemeClr val="tx1"/>
-                </a:solidFill>
-                <a:latin typeface="Arial" panose="020B0604020202020204" pitchFamily="34" charset="0"/>
-                <a:ea typeface="MS PGothic" panose="020B0600070205080204" pitchFamily="34" charset="-128"/>
-              </a:rPr>
-              <a:t>You are encouraged to wear a face covering indoors, especially in crowded, enclosed spaces, unless you are exempt.  This includes </a:t>
-            </a:r>
-            <a:r>
-              <a:rPr lang="en-GB" sz="2400" b="1" dirty="0">
-                <a:solidFill>
-                  <a:schemeClr val="tx1"/>
-                </a:solidFill>
-                <a:latin typeface="Arial" panose="020B0604020202020204" pitchFamily="34" charset="0"/>
-                <a:ea typeface="MS PGothic" panose="020B0600070205080204" pitchFamily="34" charset="-128"/>
-              </a:rPr>
-              <a:t>for Graduate School workshops</a:t>
-            </a:r>
-          </a:p>
-          <a:p>
-            <a:endParaRPr lang="en-US" sz="2400" dirty="0">
-              <a:solidFill>
-                <a:schemeClr val="tx1"/>
-              </a:solidFill>
-            </a:endParaRPr>
-          </a:p>
-          <a:p>
-            <a:pPr marL="285750" indent="-285750">
-              <a:buFont typeface="Arial" panose="020B0604020202020204" pitchFamily="34" charset="0"/>
-              <a:buChar char="•"/>
-            </a:pPr>
-            <a:r>
-              <a:rPr lang="en-GB" sz="2400" dirty="0">
-                <a:solidFill>
-                  <a:schemeClr val="tx1"/>
-                </a:solidFill>
-                <a:effectLst/>
-                <a:latin typeface="Arial" panose="020B0604020202020204" pitchFamily="34" charset="0"/>
-                <a:ea typeface="MS PGothic" panose="020B0600070205080204" pitchFamily="34" charset="-128"/>
-              </a:rPr>
-              <a:t>Cover your coughs and sneezes to reduce the spread of particles </a:t>
-            </a:r>
-          </a:p>
-          <a:p>
-            <a:endParaRPr lang="en-GB" sz="2400" dirty="0">
-              <a:solidFill>
-                <a:schemeClr val="tx1"/>
-              </a:solidFill>
-              <a:effectLst/>
-              <a:latin typeface="Arial" panose="020B0604020202020204" pitchFamily="34" charset="0"/>
-              <a:ea typeface="MS PGothic" panose="020B0600070205080204" pitchFamily="34" charset="-128"/>
-            </a:endParaRPr>
-          </a:p>
-          <a:p>
-            <a:pPr marL="285750" indent="-285750">
-              <a:buFont typeface="Arial" panose="020B0604020202020204" pitchFamily="34" charset="0"/>
-              <a:buChar char="•"/>
-            </a:pPr>
-            <a:r>
-              <a:rPr lang="en-GB" sz="2400" dirty="0">
-                <a:solidFill>
-                  <a:schemeClr val="tx1"/>
-                </a:solidFill>
-                <a:latin typeface="Arial" panose="020B0604020202020204" pitchFamily="34" charset="0"/>
-                <a:ea typeface="MS PGothic" panose="020B0600070205080204" pitchFamily="34" charset="-128"/>
-              </a:rPr>
-              <a:t>R</a:t>
-            </a:r>
-            <a:r>
-              <a:rPr lang="en-GB" sz="2400" dirty="0">
-                <a:solidFill>
-                  <a:schemeClr val="tx1"/>
-                </a:solidFill>
-                <a:effectLst/>
-                <a:latin typeface="Arial" panose="020B0604020202020204" pitchFamily="34" charset="0"/>
-                <a:ea typeface="MS PGothic" panose="020B0600070205080204" pitchFamily="34" charset="-128"/>
-              </a:rPr>
-              <a:t>espect people’s wishes for extra space </a:t>
-            </a:r>
-          </a:p>
-          <a:p>
-            <a:endParaRPr lang="en-GB" sz="2400" dirty="0">
-              <a:solidFill>
-                <a:schemeClr val="tx1"/>
-              </a:solidFill>
-              <a:latin typeface="Arial" panose="020B0604020202020204" pitchFamily="34" charset="0"/>
-              <a:ea typeface="MS PGothic" panose="020B0600070205080204" pitchFamily="34" charset="-128"/>
-            </a:endParaRPr>
-          </a:p>
-          <a:p>
-            <a:pPr marL="285750" indent="-285750">
-              <a:buFont typeface="Arial" panose="020B0604020202020204" pitchFamily="34" charset="0"/>
-              <a:buChar char="•"/>
-            </a:pPr>
-            <a:r>
-              <a:rPr lang="en-GB" sz="2400" dirty="0">
-                <a:solidFill>
-                  <a:schemeClr val="tx1"/>
-                </a:solidFill>
-                <a:effectLst/>
-                <a:latin typeface="Arial" panose="020B0604020202020204" pitchFamily="34" charset="0"/>
-                <a:ea typeface="MS PGothic" panose="020B0600070205080204" pitchFamily="34" charset="-128"/>
-              </a:rPr>
-              <a:t>Use hand sanitiser where it is available to you</a:t>
-            </a:r>
-          </a:p>
-          <a:p>
-            <a:r>
-              <a:rPr lang="en-GB" sz="2400" dirty="0">
-                <a:solidFill>
-                  <a:schemeClr val="tx1"/>
-                </a:solidFill>
-                <a:effectLst/>
-                <a:latin typeface="Arial" panose="020B0604020202020204" pitchFamily="34" charset="0"/>
-                <a:ea typeface="MS PGothic" panose="020B0600070205080204" pitchFamily="34" charset="-128"/>
-              </a:rPr>
-              <a:t> </a:t>
-            </a:r>
-          </a:p>
-        </p:txBody>
-      </p:sp>
-    </p:spTree>
-    <p:extLst>
-      <p:ext uri="{BB962C8B-B14F-4D97-AF65-F5344CB8AC3E}">
-        <p14:creationId xmlns:p14="http://schemas.microsoft.com/office/powerpoint/2010/main" val="2596273163"/>
-      </p:ext>
-    </p:extLst>
-  </p:cSld>
-  <p:clrMapOvr>
-    <a:masterClrMapping/>
-  </p:clrMapOvr>
-</p:sld>
-</file>
-
-<file path=ppt/slides/slide30.xml><?xml version="1.0" encoding="utf-8"?>
+<file path=ppt/slides/slide29.xml><?xml version="1.0" encoding="utf-8"?>
 <p:sld xmlns:a="http://schemas.openxmlformats.org/drawingml/2006/main" xmlns:r="http://schemas.openxmlformats.org/officeDocument/2006/relationships" xmlns:p="http://schemas.openxmlformats.org/presentationml/2006/main">
   <p:cSld>
     <p:spTree>
@@ -17288,7 +16652,130 @@
 </p:sld>
 </file>
 
-<file path=ppt/slides/slide31.xml><?xml version="1.0" encoding="utf-8"?>
+<file path=ppt/slides/slide3.xml><?xml version="1.0" encoding="utf-8"?>
+<p:sld xmlns:a="http://schemas.openxmlformats.org/drawingml/2006/main" xmlns:r="http://schemas.openxmlformats.org/officeDocument/2006/relationships" xmlns:p="http://schemas.openxmlformats.org/presentationml/2006/main">
+  <p:cSld>
+    <p:spTree>
+      <p:nvGrpSpPr>
+        <p:cNvPr id="1" name=""/>
+        <p:cNvGrpSpPr/>
+        <p:nvPr/>
+      </p:nvGrpSpPr>
+      <p:grpSpPr>
+        <a:xfrm>
+          <a:off x="0" y="0"/>
+          <a:ext cx="0" cy="0"/>
+          <a:chOff x="0" y="0"/>
+          <a:chExt cx="0" cy="0"/>
+        </a:xfrm>
+      </p:grpSpPr>
+      <p:sp>
+        <p:nvSpPr>
+          <p:cNvPr id="2" name="Title 1"/>
+          <p:cNvSpPr>
+            <a:spLocks noGrp="1"/>
+          </p:cNvSpPr>
+          <p:nvPr>
+            <p:ph type="title"/>
+          </p:nvPr>
+        </p:nvSpPr>
+        <p:spPr/>
+        <p:txBody>
+          <a:bodyPr/>
+          <a:lstStyle/>
+          <a:p>
+            <a:r>
+              <a:rPr lang="en-GB" sz="4000" dirty="0"/>
+              <a:t>Learning Outcomes</a:t>
+            </a:r>
+          </a:p>
+        </p:txBody>
+      </p:sp>
+      <p:sp>
+        <p:nvSpPr>
+          <p:cNvPr id="3" name="Content Placeholder 2"/>
+          <p:cNvSpPr>
+            <a:spLocks noGrp="1"/>
+          </p:cNvSpPr>
+          <p:nvPr>
+            <p:ph idx="1"/>
+          </p:nvPr>
+        </p:nvSpPr>
+        <p:spPr>
+          <a:xfrm>
+            <a:off x="457200" y="1600200"/>
+            <a:ext cx="8435280" cy="4876800"/>
+          </a:xfrm>
+        </p:spPr>
+        <p:txBody>
+          <a:bodyPr>
+            <a:normAutofit/>
+          </a:bodyPr>
+          <a:lstStyle/>
+          <a:p>
+            <a:r>
+              <a:rPr lang="en-GB" sz="3000" b="1" dirty="0"/>
+              <a:t>Identify</a:t>
+            </a:r>
+            <a:r>
+              <a:rPr lang="en-GB" sz="3000" dirty="0"/>
+              <a:t> an array of useful LaTeX packages</a:t>
+            </a:r>
+          </a:p>
+          <a:p>
+            <a:r>
+              <a:rPr lang="en-GB" sz="3000" b="1" dirty="0"/>
+              <a:t>Recognise</a:t>
+            </a:r>
+            <a:r>
+              <a:rPr lang="en-GB" sz="3000" dirty="0"/>
+              <a:t> when and how to split large documents into manageable subdocuments</a:t>
+            </a:r>
+          </a:p>
+          <a:p>
+            <a:r>
+              <a:rPr lang="en-GB" sz="3000" b="1" dirty="0"/>
+              <a:t>Employ</a:t>
+            </a:r>
+            <a:r>
+              <a:rPr lang="en-GB" sz="3000" dirty="0"/>
+              <a:t> custom formatting and referencing</a:t>
+            </a:r>
+          </a:p>
+          <a:p>
+            <a:r>
+              <a:rPr lang="en-GB" sz="3000" b="1" dirty="0"/>
+              <a:t>Develop</a:t>
+            </a:r>
+            <a:r>
+              <a:rPr lang="en-GB" sz="3000" dirty="0"/>
+              <a:t> a full thesis template </a:t>
+            </a:r>
+          </a:p>
+        </p:txBody>
+      </p:sp>
+    </p:spTree>
+    <p:extLst>
+      <p:ext uri="{BB962C8B-B14F-4D97-AF65-F5344CB8AC3E}">
+        <p14:creationId xmlns:p14="http://schemas.microsoft.com/office/powerpoint/2010/main" val="3248724752"/>
+      </p:ext>
+    </p:extLst>
+  </p:cSld>
+  <p:clrMapOvr>
+    <a:masterClrMapping/>
+  </p:clrMapOvr>
+  <mc:AlternateContent xmlns:mc="http://schemas.openxmlformats.org/markup-compatibility/2006" xmlns:p14="http://schemas.microsoft.com/office/powerpoint/2010/main">
+    <mc:Choice Requires="p14">
+      <p:transition p14:dur="10"/>
+    </mc:Choice>
+    <mc:Fallback xmlns="">
+      <p:transition/>
+    </mc:Fallback>
+  </mc:AlternateContent>
+</p:sld>
+</file>
+
+<file path=ppt/slides/slide30.xml><?xml version="1.0" encoding="utf-8"?>
 <p:sld xmlns:a="http://schemas.openxmlformats.org/drawingml/2006/main" xmlns:r="http://schemas.openxmlformats.org/officeDocument/2006/relationships" xmlns:p="http://schemas.openxmlformats.org/presentationml/2006/main">
   <p:cSld>
     <p:spTree>
@@ -17890,6 +17377,208 @@
 </p:sld>
 </file>
 
+<file path=ppt/slides/slide31.xml><?xml version="1.0" encoding="utf-8"?>
+<p:sld xmlns:a="http://schemas.openxmlformats.org/drawingml/2006/main" xmlns:r="http://schemas.openxmlformats.org/officeDocument/2006/relationships" xmlns:p="http://schemas.openxmlformats.org/presentationml/2006/main">
+  <p:cSld>
+    <p:spTree>
+      <p:nvGrpSpPr>
+        <p:cNvPr id="1" name=""/>
+        <p:cNvGrpSpPr/>
+        <p:nvPr/>
+      </p:nvGrpSpPr>
+      <p:grpSpPr>
+        <a:xfrm>
+          <a:off x="0" y="0"/>
+          <a:ext cx="0" cy="0"/>
+          <a:chOff x="0" y="0"/>
+          <a:chExt cx="0" cy="0"/>
+        </a:xfrm>
+      </p:grpSpPr>
+      <p:sp>
+        <p:nvSpPr>
+          <p:cNvPr id="2" name="Title 1"/>
+          <p:cNvSpPr>
+            <a:spLocks noGrp="1"/>
+          </p:cNvSpPr>
+          <p:nvPr>
+            <p:ph type="title"/>
+          </p:nvPr>
+        </p:nvSpPr>
+        <p:spPr/>
+        <p:txBody>
+          <a:bodyPr/>
+          <a:lstStyle/>
+          <a:p>
+            <a:r>
+              <a:rPr lang="en-GB" sz="4000" dirty="0"/>
+              <a:t>Graphics Path</a:t>
+            </a:r>
+          </a:p>
+        </p:txBody>
+      </p:sp>
+      <p:sp>
+        <p:nvSpPr>
+          <p:cNvPr id="7" name="Content Placeholder 6">
+            <a:extLst>
+              <a:ext uri="{FF2B5EF4-FFF2-40B4-BE49-F238E27FC236}">
+                <a16:creationId xmlns:a16="http://schemas.microsoft.com/office/drawing/2014/main" id="{A4668B92-0976-4E36-A913-C47498FEE667}"/>
+              </a:ext>
+            </a:extLst>
+          </p:cNvPr>
+          <p:cNvSpPr>
+            <a:spLocks noGrp="1"/>
+          </p:cNvSpPr>
+          <p:nvPr>
+            <p:ph idx="1"/>
+          </p:nvPr>
+        </p:nvSpPr>
+        <p:spPr>
+          <a:xfrm>
+            <a:off x="457200" y="1417638"/>
+            <a:ext cx="8229600" cy="4525963"/>
+          </a:xfrm>
+        </p:spPr>
+        <p:txBody>
+          <a:bodyPr/>
+          <a:lstStyle/>
+          <a:p>
+            <a:r>
+              <a:rPr lang="en-GB" sz="2800" dirty="0"/>
+              <a:t>You can set where LaTeX should look for the graphics to be used in your document</a:t>
+            </a:r>
+          </a:p>
+          <a:p>
+            <a:r>
+              <a:rPr lang="en-GB" sz="2800" dirty="0"/>
+              <a:t>Useful for separating figures for different chapters and the .</a:t>
+            </a:r>
+            <a:r>
+              <a:rPr lang="en-GB" sz="2800" dirty="0" err="1"/>
+              <a:t>tex</a:t>
+            </a:r>
+            <a:r>
+              <a:rPr lang="en-GB" sz="2800" dirty="0"/>
+              <a:t> files</a:t>
+            </a:r>
+          </a:p>
+          <a:p>
+            <a:r>
+              <a:rPr lang="en-GB" sz="2800" dirty="0"/>
+              <a:t>The command </a:t>
+            </a:r>
+            <a:r>
+              <a:rPr lang="en-GB" sz="2800" dirty="0">
+                <a:solidFill>
+                  <a:schemeClr val="tx2">
+                    <a:lumMod val="50000"/>
+                    <a:lumOff val="50000"/>
+                  </a:schemeClr>
+                </a:solidFill>
+              </a:rPr>
+              <a:t>\</a:t>
+            </a:r>
+            <a:r>
+              <a:rPr lang="en-GB" sz="2800" dirty="0" err="1">
+                <a:solidFill>
+                  <a:schemeClr val="tx2">
+                    <a:lumMod val="50000"/>
+                    <a:lumOff val="50000"/>
+                  </a:schemeClr>
+                </a:solidFill>
+              </a:rPr>
+              <a:t>graphicspath</a:t>
+            </a:r>
+            <a:r>
+              <a:rPr lang="en-GB" sz="2800" dirty="0">
+                <a:solidFill>
+                  <a:schemeClr val="tx2">
+                    <a:lumMod val="50000"/>
+                    <a:lumOff val="50000"/>
+                  </a:schemeClr>
+                </a:solidFill>
+              </a:rPr>
+              <a:t> {{./FOLDER1/} {./FOLDER2/}} </a:t>
+            </a:r>
+            <a:r>
+              <a:rPr lang="en-GB" sz="2800" dirty="0"/>
+              <a:t>will tell LaTeX to look in the folders named “FOLDER1” and “FOLDER2” in the directory of the .</a:t>
+            </a:r>
+            <a:r>
+              <a:rPr lang="en-GB" sz="2800" dirty="0" err="1"/>
+              <a:t>tex</a:t>
+            </a:r>
+            <a:r>
+              <a:rPr lang="en-GB" sz="2800" dirty="0"/>
+              <a:t> file</a:t>
+            </a:r>
+            <a:endParaRPr lang="en-GB" sz="2400" dirty="0"/>
+          </a:p>
+          <a:p>
+            <a:pPr lvl="1"/>
+            <a:endParaRPr lang="en-GB" sz="1600" dirty="0"/>
+          </a:p>
+        </p:txBody>
+      </p:sp>
+      <p:sp>
+        <p:nvSpPr>
+          <p:cNvPr id="4" name="TextBox 3">
+            <a:extLst>
+              <a:ext uri="{FF2B5EF4-FFF2-40B4-BE49-F238E27FC236}">
+                <a16:creationId xmlns:a16="http://schemas.microsoft.com/office/drawing/2014/main" id="{398C5D47-C6D2-45C0-8D24-2F32A438F365}"/>
+              </a:ext>
+            </a:extLst>
+          </p:cNvPr>
+          <p:cNvSpPr txBox="1"/>
+          <p:nvPr/>
+        </p:nvSpPr>
+        <p:spPr>
+          <a:xfrm>
+            <a:off x="7357241" y="6498021"/>
+            <a:ext cx="1697422" cy="369332"/>
+          </a:xfrm>
+          <a:prstGeom prst="rect">
+            <a:avLst/>
+          </a:prstGeom>
+          <a:noFill/>
+        </p:spPr>
+        <p:txBody>
+          <a:bodyPr wrap="square" rtlCol="0">
+            <a:spAutoFit/>
+          </a:bodyPr>
+          <a:lstStyle/>
+          <a:p>
+            <a:r>
+              <a:rPr lang="en-GB" dirty="0">
+                <a:solidFill>
+                  <a:schemeClr val="accent2"/>
+                </a:solidFill>
+              </a:rPr>
+              <a:t>Problem Sheet</a:t>
+            </a:r>
+          </a:p>
+        </p:txBody>
+      </p:sp>
+    </p:spTree>
+    <p:extLst>
+      <p:ext uri="{BB962C8B-B14F-4D97-AF65-F5344CB8AC3E}">
+        <p14:creationId xmlns:p14="http://schemas.microsoft.com/office/powerpoint/2010/main" val="358316703"/>
+      </p:ext>
+    </p:extLst>
+  </p:cSld>
+  <p:clrMapOvr>
+    <a:masterClrMapping/>
+  </p:clrMapOvr>
+  <mc:AlternateContent xmlns:mc="http://schemas.openxmlformats.org/markup-compatibility/2006" xmlns:p14="http://schemas.microsoft.com/office/powerpoint/2010/main">
+    <mc:Choice Requires="p14">
+      <p:transition p14:dur="10"/>
+    </mc:Choice>
+    <mc:Fallback xmlns="">
+      <p:transition/>
+    </mc:Fallback>
+  </mc:AlternateContent>
+</p:sld>
+</file>
+
 <file path=ppt/slides/slide32.xml><?xml version="1.0" encoding="utf-8"?>
 <p:sld xmlns:a="http://schemas.openxmlformats.org/drawingml/2006/main" xmlns:r="http://schemas.openxmlformats.org/officeDocument/2006/relationships" xmlns:p="http://schemas.openxmlformats.org/presentationml/2006/main">
   <p:cSld>
@@ -17924,120 +17613,413 @@
           <a:p>
             <a:r>
               <a:rPr lang="en-GB" sz="4000" dirty="0"/>
-              <a:t>Graphics Path</a:t>
+              <a:t>Custom Commands</a:t>
             </a:r>
           </a:p>
         </p:txBody>
       </p:sp>
-      <p:sp>
-        <p:nvSpPr>
-          <p:cNvPr id="7" name="Content Placeholder 6">
+      <p:cxnSp>
+        <p:nvCxnSpPr>
+          <p:cNvPr id="12" name="Straight Connector 11"/>
+          <p:cNvCxnSpPr/>
+          <p:nvPr/>
+        </p:nvCxnSpPr>
+        <p:spPr>
+          <a:xfrm>
+            <a:off x="4572000" y="1417638"/>
+            <a:ext cx="0" cy="5440362"/>
+          </a:xfrm>
+          <a:prstGeom prst="line">
+            <a:avLst/>
+          </a:prstGeom>
+        </p:spPr>
+        <p:style>
+          <a:lnRef idx="2">
+            <a:schemeClr val="accent1"/>
+          </a:lnRef>
+          <a:fillRef idx="0">
+            <a:schemeClr val="accent1"/>
+          </a:fillRef>
+          <a:effectRef idx="1">
+            <a:schemeClr val="accent1"/>
+          </a:effectRef>
+          <a:fontRef idx="minor">
+            <a:schemeClr val="tx1"/>
+          </a:fontRef>
+        </p:style>
+      </p:cxnSp>
+      <p:sp>
+        <p:nvSpPr>
+          <p:cNvPr id="4" name="Rectangle 2"/>
+          <p:cNvSpPr>
+            <a:spLocks noChangeArrowheads="1"/>
+          </p:cNvSpPr>
+          <p:nvPr/>
+        </p:nvSpPr>
+        <p:spPr bwMode="auto">
+          <a:xfrm>
+            <a:off x="379360" y="1686591"/>
+            <a:ext cx="4166693" cy="4154984"/>
+          </a:xfrm>
+          <a:prstGeom prst="rect">
+            <a:avLst/>
+          </a:prstGeom>
+          <a:noFill/>
+          <a:ln>
+            <a:noFill/>
+          </a:ln>
+          <a:effectLst/>
+        </p:spPr>
+        <p:txBody>
+          <a:bodyPr vert="horz" wrap="square" lIns="91440" tIns="45720" rIns="91440" bIns="45720" numCol="1" anchor="ctr" anchorCtr="0" compatLnSpc="1">
+            <a:prstTxWarp prst="textNoShape">
+              <a:avLst/>
+            </a:prstTxWarp>
+            <a:spAutoFit/>
+          </a:bodyPr>
+          <a:lstStyle/>
+          <a:p>
+            <a:r>
+              <a:rPr lang="en-GB" sz="2400" dirty="0">
+                <a:solidFill>
+                  <a:schemeClr val="tx2">
+                    <a:lumMod val="50000"/>
+                    <a:lumOff val="50000"/>
+                  </a:schemeClr>
+                </a:solidFill>
+              </a:rPr>
+              <a:t>\</a:t>
+            </a:r>
+            <a:r>
+              <a:rPr lang="en-GB" sz="2400" dirty="0" err="1">
+                <a:solidFill>
+                  <a:schemeClr val="tx2">
+                    <a:lumMod val="50000"/>
+                    <a:lumOff val="50000"/>
+                  </a:schemeClr>
+                </a:solidFill>
+              </a:rPr>
+              <a:t>newcommand</a:t>
+            </a:r>
+            <a:r>
+              <a:rPr lang="en-GB" sz="2400" dirty="0"/>
+              <a:t>{</a:t>
+            </a:r>
+            <a:r>
+              <a:rPr lang="en-GB" sz="2400" dirty="0">
+                <a:solidFill>
+                  <a:schemeClr val="tx2">
+                    <a:lumMod val="50000"/>
+                    <a:lumOff val="50000"/>
+                  </a:schemeClr>
+                </a:solidFill>
+              </a:rPr>
+              <a:t>\</a:t>
+            </a:r>
+            <a:r>
+              <a:rPr lang="en-GB" sz="2400" dirty="0" err="1">
+                <a:solidFill>
+                  <a:schemeClr val="tx2">
+                    <a:lumMod val="50000"/>
+                    <a:lumOff val="50000"/>
+                  </a:schemeClr>
+                </a:solidFill>
+              </a:rPr>
+              <a:t>hardmaths</a:t>
+            </a:r>
+            <a:r>
+              <a:rPr lang="en-GB" sz="2400" dirty="0"/>
+              <a:t>} {</a:t>
+            </a:r>
+            <a:r>
+              <a:rPr lang="en-GB" sz="2400" dirty="0">
+                <a:solidFill>
+                  <a:schemeClr val="tx2">
+                    <a:lumMod val="50000"/>
+                    <a:lumOff val="50000"/>
+                  </a:schemeClr>
+                </a:solidFill>
+              </a:rPr>
+              <a:t>\frac</a:t>
+            </a:r>
+            <a:r>
+              <a:rPr lang="en-GB" sz="2400" dirty="0"/>
+              <a:t>{</a:t>
+            </a:r>
+            <a:r>
+              <a:rPr lang="en-GB" sz="2400" dirty="0">
+                <a:solidFill>
+                  <a:schemeClr val="tx2">
+                    <a:lumMod val="50000"/>
+                    <a:lumOff val="50000"/>
+                  </a:schemeClr>
+                </a:solidFill>
+              </a:rPr>
+              <a:t>\sin</a:t>
+            </a:r>
+            <a:r>
+              <a:rPr lang="en-GB" sz="2400" dirty="0"/>
+              <a:t>{(x\pi)}} {2</a:t>
+            </a:r>
+            <a:r>
+              <a:rPr lang="en-GB" sz="2400" dirty="0">
+                <a:solidFill>
+                  <a:schemeClr val="accent1">
+                    <a:lumMod val="60000"/>
+                    <a:lumOff val="40000"/>
+                  </a:schemeClr>
+                </a:solidFill>
+              </a:rPr>
+              <a:t>\alpha</a:t>
+            </a:r>
+            <a:r>
+              <a:rPr lang="en-GB" sz="2400" dirty="0"/>
+              <a:t>}}</a:t>
+            </a:r>
+          </a:p>
+          <a:p>
+            <a:endParaRPr lang="en-GB" sz="2400" dirty="0"/>
+          </a:p>
+          <a:p>
+            <a:r>
+              <a:rPr lang="en-GB" sz="2400" dirty="0">
+                <a:solidFill>
+                  <a:schemeClr val="tx2">
+                    <a:lumMod val="50000"/>
+                    <a:lumOff val="50000"/>
+                  </a:schemeClr>
+                </a:solidFill>
+              </a:rPr>
+              <a:t>\</a:t>
+            </a:r>
+            <a:r>
+              <a:rPr lang="en-GB" sz="2400" dirty="0" err="1">
+                <a:solidFill>
+                  <a:schemeClr val="tx2">
+                    <a:lumMod val="50000"/>
+                    <a:lumOff val="50000"/>
+                  </a:schemeClr>
+                </a:solidFill>
+              </a:rPr>
+              <a:t>newcommand</a:t>
+            </a:r>
+            <a:r>
+              <a:rPr lang="en-GB" sz="2400" dirty="0"/>
+              <a:t>{</a:t>
+            </a:r>
+            <a:r>
+              <a:rPr lang="en-GB" sz="2400" dirty="0">
+                <a:solidFill>
+                  <a:schemeClr val="tx2">
+                    <a:lumMod val="50000"/>
+                    <a:lumOff val="50000"/>
+                  </a:schemeClr>
+                </a:solidFill>
+              </a:rPr>
+              <a:t>\diff</a:t>
+            </a:r>
+            <a:r>
+              <a:rPr lang="en-GB" sz="2400" dirty="0"/>
+              <a:t>}[2]  {</a:t>
+            </a:r>
+            <a:r>
+              <a:rPr lang="en-GB" sz="2400" dirty="0">
+                <a:solidFill>
+                  <a:schemeClr val="tx2">
+                    <a:lumMod val="50000"/>
+                    <a:lumOff val="50000"/>
+                  </a:schemeClr>
+                </a:solidFill>
+              </a:rPr>
+              <a:t>\frac{\</a:t>
+            </a:r>
+            <a:r>
+              <a:rPr lang="en-GB" sz="2400" dirty="0" err="1">
+                <a:solidFill>
+                  <a:schemeClr val="tx2">
+                    <a:lumMod val="50000"/>
+                    <a:lumOff val="50000"/>
+                  </a:schemeClr>
+                </a:solidFill>
+              </a:rPr>
+              <a:t>textrm</a:t>
+            </a:r>
+            <a:r>
+              <a:rPr lang="en-GB" sz="2400" dirty="0"/>
+              <a:t>{d}{#1}} {</a:t>
+            </a:r>
+            <a:r>
+              <a:rPr lang="en-GB" sz="2400" dirty="0">
+                <a:solidFill>
+                  <a:schemeClr val="tx2">
+                    <a:lumMod val="50000"/>
+                    <a:lumOff val="50000"/>
+                  </a:schemeClr>
+                </a:solidFill>
+              </a:rPr>
+              <a:t>\</a:t>
+            </a:r>
+            <a:r>
+              <a:rPr lang="en-GB" sz="2400" dirty="0" err="1">
+                <a:solidFill>
+                  <a:schemeClr val="tx2">
+                    <a:lumMod val="50000"/>
+                    <a:lumOff val="50000"/>
+                  </a:schemeClr>
+                </a:solidFill>
+              </a:rPr>
+              <a:t>textrm</a:t>
+            </a:r>
+            <a:r>
+              <a:rPr lang="en-GB" sz="2400" dirty="0"/>
+              <a:t>{d}{#2}}}</a:t>
+            </a:r>
+          </a:p>
+          <a:p>
+            <a:endParaRPr lang="en-GB" sz="2400" dirty="0"/>
+          </a:p>
+          <a:p>
+            <a:r>
+              <a:rPr lang="en-GB" sz="2400" dirty="0">
+                <a:solidFill>
+                  <a:schemeClr val="tx2">
+                    <a:lumMod val="50000"/>
+                    <a:lumOff val="50000"/>
+                  </a:schemeClr>
+                </a:solidFill>
+              </a:rPr>
+              <a:t>\begin</a:t>
+            </a:r>
+            <a:r>
+              <a:rPr lang="en-GB" sz="2400" dirty="0"/>
+              <a:t>{document}</a:t>
+            </a:r>
+          </a:p>
+          <a:p>
+            <a:endParaRPr lang="en-GB" sz="2400" dirty="0"/>
+          </a:p>
+          <a:p>
+            <a:r>
+              <a:rPr lang="en-GB" sz="2400" dirty="0"/>
+              <a:t>A quick way to write </a:t>
+            </a:r>
+            <a:r>
+              <a:rPr lang="en-GB" sz="2400" dirty="0">
+                <a:solidFill>
+                  <a:schemeClr val="accent3">
+                    <a:lumMod val="60000"/>
+                    <a:lumOff val="40000"/>
+                  </a:schemeClr>
+                </a:solidFill>
+              </a:rPr>
+              <a:t>$</a:t>
+            </a:r>
+            <a:r>
+              <a:rPr lang="en-GB" sz="2400" dirty="0">
+                <a:solidFill>
+                  <a:schemeClr val="accent1">
+                    <a:lumMod val="60000"/>
+                    <a:lumOff val="40000"/>
+                  </a:schemeClr>
+                </a:solidFill>
+              </a:rPr>
+              <a:t>\diff</a:t>
+            </a:r>
+            <a:r>
+              <a:rPr lang="en-GB" sz="2400" dirty="0">
+                <a:solidFill>
+                  <a:schemeClr val="accent3">
+                    <a:lumMod val="60000"/>
+                    <a:lumOff val="40000"/>
+                  </a:schemeClr>
+                </a:solidFill>
+              </a:rPr>
+              <a:t>{y}{x}</a:t>
+            </a:r>
+            <a:r>
+              <a:rPr lang="en-GB" sz="2400" dirty="0"/>
+              <a:t>=</a:t>
+            </a:r>
+            <a:r>
+              <a:rPr lang="en-GB" sz="2400" dirty="0">
+                <a:solidFill>
+                  <a:schemeClr val="accent1">
+                    <a:lumMod val="60000"/>
+                    <a:lumOff val="40000"/>
+                  </a:schemeClr>
+                </a:solidFill>
+              </a:rPr>
+              <a:t>\</a:t>
+            </a:r>
+            <a:r>
+              <a:rPr lang="en-GB" sz="2400" dirty="0" err="1">
+                <a:solidFill>
+                  <a:schemeClr val="accent1">
+                    <a:lumMod val="60000"/>
+                    <a:lumOff val="40000"/>
+                  </a:schemeClr>
+                </a:solidFill>
+              </a:rPr>
+              <a:t>hardmaths</a:t>
+            </a:r>
+            <a:r>
+              <a:rPr lang="en-GB" sz="2400" dirty="0">
+                <a:solidFill>
+                  <a:schemeClr val="accent3">
+                    <a:lumMod val="60000"/>
+                    <a:lumOff val="40000"/>
+                  </a:schemeClr>
+                </a:solidFill>
+              </a:rPr>
+              <a:t>$</a:t>
+            </a:r>
+            <a:endParaRPr lang="en-US" altLang="en-US" sz="2400" dirty="0">
+              <a:solidFill>
+                <a:schemeClr val="accent3">
+                  <a:lumMod val="60000"/>
+                  <a:lumOff val="40000"/>
+                </a:schemeClr>
+              </a:solidFill>
+            </a:endParaRPr>
+          </a:p>
+        </p:txBody>
+      </p:sp>
+      <p:pic>
+        <p:nvPicPr>
+          <p:cNvPr id="13" name="Picture 12">
             <a:extLst>
               <a:ext uri="{FF2B5EF4-FFF2-40B4-BE49-F238E27FC236}">
-                <a16:creationId xmlns:a16="http://schemas.microsoft.com/office/drawing/2014/main" id="{A4668B92-0976-4E36-A913-C47498FEE667}"/>
+                <a16:creationId xmlns:a16="http://schemas.microsoft.com/office/drawing/2014/main" id="{8A08522B-9567-425D-856D-8B35D8CEF722}"/>
               </a:ext>
             </a:extLst>
           </p:cNvPr>
-          <p:cNvSpPr>
-            <a:spLocks noGrp="1"/>
-          </p:cNvSpPr>
-          <p:nvPr>
-            <p:ph idx="1"/>
-          </p:nvPr>
-        </p:nvSpPr>
+          <p:cNvPicPr>
+            <a:picLocks noChangeAspect="1"/>
+          </p:cNvPicPr>
+          <p:nvPr/>
+        </p:nvPicPr>
+        <p:blipFill>
+          <a:blip r:embed="rId3"/>
+          <a:stretch>
+            <a:fillRect/>
+          </a:stretch>
+        </p:blipFill>
         <p:spPr>
           <a:xfrm>
-            <a:off x="457200" y="1417638"/>
-            <a:ext cx="8229600" cy="4525963"/>
+            <a:off x="4809198" y="3599955"/>
+            <a:ext cx="3955441" cy="537864"/>
           </a:xfrm>
+          <a:prstGeom prst="rect">
+            <a:avLst/>
+          </a:prstGeom>
         </p:spPr>
-        <p:txBody>
-          <a:bodyPr/>
-          <a:lstStyle/>
-          <a:p>
-            <a:r>
-              <a:rPr lang="en-GB" sz="2800" dirty="0"/>
-              <a:t>You can set where LaTeX should look for the graphics to be used in your document</a:t>
-            </a:r>
-          </a:p>
-          <a:p>
-            <a:r>
-              <a:rPr lang="en-GB" sz="2800" dirty="0"/>
-              <a:t>Useful for separating figures for different chapters and the .</a:t>
-            </a:r>
-            <a:r>
-              <a:rPr lang="en-GB" sz="2800" dirty="0" err="1"/>
-              <a:t>tex</a:t>
-            </a:r>
-            <a:r>
-              <a:rPr lang="en-GB" sz="2800" dirty="0"/>
-              <a:t> files</a:t>
-            </a:r>
-          </a:p>
-          <a:p>
-            <a:r>
-              <a:rPr lang="en-GB" sz="2800" dirty="0"/>
-              <a:t>The command </a:t>
-            </a:r>
-            <a:r>
-              <a:rPr lang="en-GB" sz="2800" dirty="0">
-                <a:solidFill>
-                  <a:schemeClr val="tx2">
-                    <a:lumMod val="50000"/>
-                    <a:lumOff val="50000"/>
-                  </a:schemeClr>
-                </a:solidFill>
-              </a:rPr>
-              <a:t>\</a:t>
-            </a:r>
-            <a:r>
-              <a:rPr lang="en-GB" sz="2800" dirty="0" err="1">
-                <a:solidFill>
-                  <a:schemeClr val="tx2">
-                    <a:lumMod val="50000"/>
-                    <a:lumOff val="50000"/>
-                  </a:schemeClr>
-                </a:solidFill>
-              </a:rPr>
-              <a:t>graphicspath</a:t>
-            </a:r>
-            <a:r>
-              <a:rPr lang="en-GB" sz="2800" dirty="0">
-                <a:solidFill>
-                  <a:schemeClr val="tx2">
-                    <a:lumMod val="50000"/>
-                    <a:lumOff val="50000"/>
-                  </a:schemeClr>
-                </a:solidFill>
-              </a:rPr>
-              <a:t> {{./FOLDER1/} {./FOLDER2/}} </a:t>
-            </a:r>
-            <a:r>
-              <a:rPr lang="en-GB" sz="2800" dirty="0"/>
-              <a:t>will tell LaTeX to look in the folders named “FOLDER1” and “FOLDER2” in the directory of the .</a:t>
-            </a:r>
-            <a:r>
-              <a:rPr lang="en-GB" sz="2800" dirty="0" err="1"/>
-              <a:t>tex</a:t>
-            </a:r>
-            <a:r>
-              <a:rPr lang="en-GB" sz="2800" dirty="0"/>
-              <a:t> file</a:t>
-            </a:r>
-            <a:endParaRPr lang="en-GB" sz="2400" dirty="0"/>
-          </a:p>
-          <a:p>
-            <a:pPr lvl="1"/>
-            <a:endParaRPr lang="en-GB" sz="1600" dirty="0"/>
-          </a:p>
-        </p:txBody>
-      </p:sp>
-      <p:sp>
-        <p:nvSpPr>
-          <p:cNvPr id="4" name="TextBox 3">
+      </p:pic>
+      <p:sp>
+        <p:nvSpPr>
+          <p:cNvPr id="6" name="TextBox 5">
             <a:extLst>
               <a:ext uri="{FF2B5EF4-FFF2-40B4-BE49-F238E27FC236}">
-                <a16:creationId xmlns:a16="http://schemas.microsoft.com/office/drawing/2014/main" id="{398C5D47-C6D2-45C0-8D24-2F32A438F365}"/>
+                <a16:creationId xmlns:a16="http://schemas.microsoft.com/office/drawing/2014/main" id="{60A5A0E4-D0CF-4B28-8E87-60A3B3E341C1}"/>
               </a:ext>
             </a:extLst>
           </p:cNvPr>
@@ -18074,7 +18056,7 @@
     </p:spTree>
     <p:extLst>
       <p:ext uri="{BB962C8B-B14F-4D97-AF65-F5344CB8AC3E}">
-        <p14:creationId xmlns:p14="http://schemas.microsoft.com/office/powerpoint/2010/main" val="358316703"/>
+        <p14:creationId xmlns:p14="http://schemas.microsoft.com/office/powerpoint/2010/main" val="1666026033"/>
       </p:ext>
     </p:extLst>
   </p:cSld>
@@ -18126,501 +18108,6 @@
           <a:p>
             <a:r>
               <a:rPr lang="en-GB" sz="4000" dirty="0"/>
-              <a:t>Custom Commands</a:t>
-            </a:r>
-          </a:p>
-        </p:txBody>
-      </p:sp>
-      <p:cxnSp>
-        <p:nvCxnSpPr>
-          <p:cNvPr id="12" name="Straight Connector 11"/>
-          <p:cNvCxnSpPr/>
-          <p:nvPr/>
-        </p:nvCxnSpPr>
-        <p:spPr>
-          <a:xfrm>
-            <a:off x="4572000" y="1417638"/>
-            <a:ext cx="0" cy="5440362"/>
-          </a:xfrm>
-          <a:prstGeom prst="line">
-            <a:avLst/>
-          </a:prstGeom>
-        </p:spPr>
-        <p:style>
-          <a:lnRef idx="2">
-            <a:schemeClr val="accent1"/>
-          </a:lnRef>
-          <a:fillRef idx="0">
-            <a:schemeClr val="accent1"/>
-          </a:fillRef>
-          <a:effectRef idx="1">
-            <a:schemeClr val="accent1"/>
-          </a:effectRef>
-          <a:fontRef idx="minor">
-            <a:schemeClr val="tx1"/>
-          </a:fontRef>
-        </p:style>
-      </p:cxnSp>
-      <p:sp>
-        <p:nvSpPr>
-          <p:cNvPr id="4" name="Rectangle 2"/>
-          <p:cNvSpPr>
-            <a:spLocks noChangeArrowheads="1"/>
-          </p:cNvSpPr>
-          <p:nvPr/>
-        </p:nvSpPr>
-        <p:spPr bwMode="auto">
-          <a:xfrm>
-            <a:off x="379360" y="1686591"/>
-            <a:ext cx="4166693" cy="4154984"/>
-          </a:xfrm>
-          <a:prstGeom prst="rect">
-            <a:avLst/>
-          </a:prstGeom>
-          <a:noFill/>
-          <a:ln>
-            <a:noFill/>
-          </a:ln>
-          <a:effectLst/>
-        </p:spPr>
-        <p:txBody>
-          <a:bodyPr vert="horz" wrap="square" lIns="91440" tIns="45720" rIns="91440" bIns="45720" numCol="1" anchor="ctr" anchorCtr="0" compatLnSpc="1">
-            <a:prstTxWarp prst="textNoShape">
-              <a:avLst/>
-            </a:prstTxWarp>
-            <a:spAutoFit/>
-          </a:bodyPr>
-          <a:lstStyle/>
-          <a:p>
-            <a:r>
-              <a:rPr lang="en-GB" sz="2400" dirty="0">
-                <a:solidFill>
-                  <a:schemeClr val="tx2">
-                    <a:lumMod val="50000"/>
-                    <a:lumOff val="50000"/>
-                  </a:schemeClr>
-                </a:solidFill>
-              </a:rPr>
-              <a:t>\</a:t>
-            </a:r>
-            <a:r>
-              <a:rPr lang="en-GB" sz="2400" dirty="0" err="1">
-                <a:solidFill>
-                  <a:schemeClr val="tx2">
-                    <a:lumMod val="50000"/>
-                    <a:lumOff val="50000"/>
-                  </a:schemeClr>
-                </a:solidFill>
-              </a:rPr>
-              <a:t>newcommand</a:t>
-            </a:r>
-            <a:r>
-              <a:rPr lang="en-GB" sz="2400" dirty="0"/>
-              <a:t>{</a:t>
-            </a:r>
-            <a:r>
-              <a:rPr lang="en-GB" sz="2400" dirty="0">
-                <a:solidFill>
-                  <a:schemeClr val="tx2">
-                    <a:lumMod val="50000"/>
-                    <a:lumOff val="50000"/>
-                  </a:schemeClr>
-                </a:solidFill>
-              </a:rPr>
-              <a:t>\</a:t>
-            </a:r>
-            <a:r>
-              <a:rPr lang="en-GB" sz="2400" dirty="0" err="1">
-                <a:solidFill>
-                  <a:schemeClr val="tx2">
-                    <a:lumMod val="50000"/>
-                    <a:lumOff val="50000"/>
-                  </a:schemeClr>
-                </a:solidFill>
-              </a:rPr>
-              <a:t>hardmaths</a:t>
-            </a:r>
-            <a:r>
-              <a:rPr lang="en-GB" sz="2400" dirty="0"/>
-              <a:t>} {</a:t>
-            </a:r>
-            <a:r>
-              <a:rPr lang="en-GB" sz="2400" dirty="0">
-                <a:solidFill>
-                  <a:schemeClr val="tx2">
-                    <a:lumMod val="50000"/>
-                    <a:lumOff val="50000"/>
-                  </a:schemeClr>
-                </a:solidFill>
-              </a:rPr>
-              <a:t>\frac</a:t>
-            </a:r>
-            <a:r>
-              <a:rPr lang="en-GB" sz="2400" dirty="0"/>
-              <a:t>{</a:t>
-            </a:r>
-            <a:r>
-              <a:rPr lang="en-GB" sz="2400" dirty="0">
-                <a:solidFill>
-                  <a:schemeClr val="tx2">
-                    <a:lumMod val="50000"/>
-                    <a:lumOff val="50000"/>
-                  </a:schemeClr>
-                </a:solidFill>
-              </a:rPr>
-              <a:t>\sin</a:t>
-            </a:r>
-            <a:r>
-              <a:rPr lang="en-GB" sz="2400" dirty="0"/>
-              <a:t>{(x\pi)}} {2</a:t>
-            </a:r>
-            <a:r>
-              <a:rPr lang="en-GB" sz="2400" dirty="0">
-                <a:solidFill>
-                  <a:schemeClr val="accent1">
-                    <a:lumMod val="60000"/>
-                    <a:lumOff val="40000"/>
-                  </a:schemeClr>
-                </a:solidFill>
-              </a:rPr>
-              <a:t>\alpha</a:t>
-            </a:r>
-            <a:r>
-              <a:rPr lang="en-GB" sz="2400" dirty="0"/>
-              <a:t>}}</a:t>
-            </a:r>
-          </a:p>
-          <a:p>
-            <a:endParaRPr lang="en-GB" sz="2400" dirty="0"/>
-          </a:p>
-          <a:p>
-            <a:r>
-              <a:rPr lang="en-GB" sz="2400" dirty="0">
-                <a:solidFill>
-                  <a:schemeClr val="tx2">
-                    <a:lumMod val="50000"/>
-                    <a:lumOff val="50000"/>
-                  </a:schemeClr>
-                </a:solidFill>
-              </a:rPr>
-              <a:t>\</a:t>
-            </a:r>
-            <a:r>
-              <a:rPr lang="en-GB" sz="2400" dirty="0" err="1">
-                <a:solidFill>
-                  <a:schemeClr val="tx2">
-                    <a:lumMod val="50000"/>
-                    <a:lumOff val="50000"/>
-                  </a:schemeClr>
-                </a:solidFill>
-              </a:rPr>
-              <a:t>newcommand</a:t>
-            </a:r>
-            <a:r>
-              <a:rPr lang="en-GB" sz="2400" dirty="0"/>
-              <a:t>{</a:t>
-            </a:r>
-            <a:r>
-              <a:rPr lang="en-GB" sz="2400" dirty="0">
-                <a:solidFill>
-                  <a:schemeClr val="tx2">
-                    <a:lumMod val="50000"/>
-                    <a:lumOff val="50000"/>
-                  </a:schemeClr>
-                </a:solidFill>
-              </a:rPr>
-              <a:t>\diff</a:t>
-            </a:r>
-            <a:r>
-              <a:rPr lang="en-GB" sz="2400" dirty="0"/>
-              <a:t>}[2]  {</a:t>
-            </a:r>
-            <a:r>
-              <a:rPr lang="en-GB" sz="2400" dirty="0">
-                <a:solidFill>
-                  <a:schemeClr val="tx2">
-                    <a:lumMod val="50000"/>
-                    <a:lumOff val="50000"/>
-                  </a:schemeClr>
-                </a:solidFill>
-              </a:rPr>
-              <a:t>\frac{\</a:t>
-            </a:r>
-            <a:r>
-              <a:rPr lang="en-GB" sz="2400" dirty="0" err="1">
-                <a:solidFill>
-                  <a:schemeClr val="tx2">
-                    <a:lumMod val="50000"/>
-                    <a:lumOff val="50000"/>
-                  </a:schemeClr>
-                </a:solidFill>
-              </a:rPr>
-              <a:t>textrm</a:t>
-            </a:r>
-            <a:r>
-              <a:rPr lang="en-GB" sz="2400" dirty="0"/>
-              <a:t>{d}{#1}} {</a:t>
-            </a:r>
-            <a:r>
-              <a:rPr lang="en-GB" sz="2400" dirty="0">
-                <a:solidFill>
-                  <a:schemeClr val="tx2">
-                    <a:lumMod val="50000"/>
-                    <a:lumOff val="50000"/>
-                  </a:schemeClr>
-                </a:solidFill>
-              </a:rPr>
-              <a:t>\</a:t>
-            </a:r>
-            <a:r>
-              <a:rPr lang="en-GB" sz="2400" dirty="0" err="1">
-                <a:solidFill>
-                  <a:schemeClr val="tx2">
-                    <a:lumMod val="50000"/>
-                    <a:lumOff val="50000"/>
-                  </a:schemeClr>
-                </a:solidFill>
-              </a:rPr>
-              <a:t>textrm</a:t>
-            </a:r>
-            <a:r>
-              <a:rPr lang="en-GB" sz="2400" dirty="0"/>
-              <a:t>{d}{#2}}}</a:t>
-            </a:r>
-          </a:p>
-          <a:p>
-            <a:endParaRPr lang="en-GB" sz="2400" dirty="0"/>
-          </a:p>
-          <a:p>
-            <a:r>
-              <a:rPr lang="en-GB" sz="2400" dirty="0">
-                <a:solidFill>
-                  <a:schemeClr val="tx2">
-                    <a:lumMod val="50000"/>
-                    <a:lumOff val="50000"/>
-                  </a:schemeClr>
-                </a:solidFill>
-              </a:rPr>
-              <a:t>\begin</a:t>
-            </a:r>
-            <a:r>
-              <a:rPr lang="en-GB" sz="2400" dirty="0"/>
-              <a:t>{document}</a:t>
-            </a:r>
-          </a:p>
-          <a:p>
-            <a:endParaRPr lang="en-GB" sz="2400" dirty="0"/>
-          </a:p>
-          <a:p>
-            <a:r>
-              <a:rPr lang="en-GB" sz="2400" dirty="0"/>
-              <a:t>A quick way to write </a:t>
-            </a:r>
-            <a:r>
-              <a:rPr lang="en-GB" sz="2400" dirty="0">
-                <a:solidFill>
-                  <a:schemeClr val="accent3">
-                    <a:lumMod val="60000"/>
-                    <a:lumOff val="40000"/>
-                  </a:schemeClr>
-                </a:solidFill>
-              </a:rPr>
-              <a:t>$</a:t>
-            </a:r>
-            <a:r>
-              <a:rPr lang="en-GB" sz="2400" dirty="0">
-                <a:solidFill>
-                  <a:schemeClr val="accent1">
-                    <a:lumMod val="60000"/>
-                    <a:lumOff val="40000"/>
-                  </a:schemeClr>
-                </a:solidFill>
-              </a:rPr>
-              <a:t>\diff</a:t>
-            </a:r>
-            <a:r>
-              <a:rPr lang="en-GB" sz="2400" dirty="0">
-                <a:solidFill>
-                  <a:schemeClr val="accent3">
-                    <a:lumMod val="60000"/>
-                    <a:lumOff val="40000"/>
-                  </a:schemeClr>
-                </a:solidFill>
-              </a:rPr>
-              <a:t>{y}{x}</a:t>
-            </a:r>
-            <a:r>
-              <a:rPr lang="en-GB" sz="2400" dirty="0"/>
-              <a:t>=</a:t>
-            </a:r>
-            <a:r>
-              <a:rPr lang="en-GB" sz="2400" dirty="0">
-                <a:solidFill>
-                  <a:schemeClr val="accent1">
-                    <a:lumMod val="60000"/>
-                    <a:lumOff val="40000"/>
-                  </a:schemeClr>
-                </a:solidFill>
-              </a:rPr>
-              <a:t>\</a:t>
-            </a:r>
-            <a:r>
-              <a:rPr lang="en-GB" sz="2400" dirty="0" err="1">
-                <a:solidFill>
-                  <a:schemeClr val="accent1">
-                    <a:lumMod val="60000"/>
-                    <a:lumOff val="40000"/>
-                  </a:schemeClr>
-                </a:solidFill>
-              </a:rPr>
-              <a:t>hardmaths</a:t>
-            </a:r>
-            <a:r>
-              <a:rPr lang="en-GB" sz="2400" dirty="0">
-                <a:solidFill>
-                  <a:schemeClr val="accent3">
-                    <a:lumMod val="60000"/>
-                    <a:lumOff val="40000"/>
-                  </a:schemeClr>
-                </a:solidFill>
-              </a:rPr>
-              <a:t>$</a:t>
-            </a:r>
-            <a:endParaRPr lang="en-US" altLang="en-US" sz="2400" dirty="0">
-              <a:solidFill>
-                <a:schemeClr val="accent3">
-                  <a:lumMod val="60000"/>
-                  <a:lumOff val="40000"/>
-                </a:schemeClr>
-              </a:solidFill>
-            </a:endParaRPr>
-          </a:p>
-        </p:txBody>
-      </p:sp>
-      <p:pic>
-        <p:nvPicPr>
-          <p:cNvPr id="13" name="Picture 12">
-            <a:extLst>
-              <a:ext uri="{FF2B5EF4-FFF2-40B4-BE49-F238E27FC236}">
-                <a16:creationId xmlns:a16="http://schemas.microsoft.com/office/drawing/2014/main" id="{8A08522B-9567-425D-856D-8B35D8CEF722}"/>
-              </a:ext>
-            </a:extLst>
-          </p:cNvPr>
-          <p:cNvPicPr>
-            <a:picLocks noChangeAspect="1"/>
-          </p:cNvPicPr>
-          <p:nvPr/>
-        </p:nvPicPr>
-        <p:blipFill>
-          <a:blip r:embed="rId3"/>
-          <a:stretch>
-            <a:fillRect/>
-          </a:stretch>
-        </p:blipFill>
-        <p:spPr>
-          <a:xfrm>
-            <a:off x="4809198" y="3599955"/>
-            <a:ext cx="3955441" cy="537864"/>
-          </a:xfrm>
-          <a:prstGeom prst="rect">
-            <a:avLst/>
-          </a:prstGeom>
-        </p:spPr>
-      </p:pic>
-      <p:sp>
-        <p:nvSpPr>
-          <p:cNvPr id="6" name="TextBox 5">
-            <a:extLst>
-              <a:ext uri="{FF2B5EF4-FFF2-40B4-BE49-F238E27FC236}">
-                <a16:creationId xmlns:a16="http://schemas.microsoft.com/office/drawing/2014/main" id="{60A5A0E4-D0CF-4B28-8E87-60A3B3E341C1}"/>
-              </a:ext>
-            </a:extLst>
-          </p:cNvPr>
-          <p:cNvSpPr txBox="1"/>
-          <p:nvPr/>
-        </p:nvSpPr>
-        <p:spPr>
-          <a:xfrm>
-            <a:off x="7357241" y="6498021"/>
-            <a:ext cx="1697422" cy="369332"/>
-          </a:xfrm>
-          <a:prstGeom prst="rect">
-            <a:avLst/>
-          </a:prstGeom>
-          <a:noFill/>
-        </p:spPr>
-        <p:txBody>
-          <a:bodyPr wrap="square" rtlCol="0">
-            <a:spAutoFit/>
-          </a:bodyPr>
-          <a:lstStyle/>
-          <a:p>
-            <a:r>
-              <a:rPr lang="en-GB" dirty="0">
-                <a:solidFill>
-                  <a:schemeClr val="accent2"/>
-                </a:solidFill>
-              </a:rPr>
-              <a:t>Problem Sheet</a:t>
-            </a:r>
-          </a:p>
-        </p:txBody>
-      </p:sp>
-    </p:spTree>
-    <p:extLst>
-      <p:ext uri="{BB962C8B-B14F-4D97-AF65-F5344CB8AC3E}">
-        <p14:creationId xmlns:p14="http://schemas.microsoft.com/office/powerpoint/2010/main" val="1666026033"/>
-      </p:ext>
-    </p:extLst>
-  </p:cSld>
-  <p:clrMapOvr>
-    <a:masterClrMapping/>
-  </p:clrMapOvr>
-  <mc:AlternateContent xmlns:mc="http://schemas.openxmlformats.org/markup-compatibility/2006" xmlns:p14="http://schemas.microsoft.com/office/powerpoint/2010/main">
-    <mc:Choice Requires="p14">
-      <p:transition p14:dur="10"/>
-    </mc:Choice>
-    <mc:Fallback xmlns="">
-      <p:transition/>
-    </mc:Fallback>
-  </mc:AlternateContent>
-</p:sld>
-</file>
-
-<file path=ppt/slides/slide34.xml><?xml version="1.0" encoding="utf-8"?>
-<p:sld xmlns:a="http://schemas.openxmlformats.org/drawingml/2006/main" xmlns:r="http://schemas.openxmlformats.org/officeDocument/2006/relationships" xmlns:p="http://schemas.openxmlformats.org/presentationml/2006/main">
-  <p:cSld>
-    <p:spTree>
-      <p:nvGrpSpPr>
-        <p:cNvPr id="1" name=""/>
-        <p:cNvGrpSpPr/>
-        <p:nvPr/>
-      </p:nvGrpSpPr>
-      <p:grpSpPr>
-        <a:xfrm>
-          <a:off x="0" y="0"/>
-          <a:ext cx="0" cy="0"/>
-          <a:chOff x="0" y="0"/>
-          <a:chExt cx="0" cy="0"/>
-        </a:xfrm>
-      </p:grpSpPr>
-      <p:sp>
-        <p:nvSpPr>
-          <p:cNvPr id="2" name="Title 1"/>
-          <p:cNvSpPr>
-            <a:spLocks noGrp="1"/>
-          </p:cNvSpPr>
-          <p:nvPr>
-            <p:ph type="title"/>
-          </p:nvPr>
-        </p:nvSpPr>
-        <p:spPr/>
-        <p:txBody>
-          <a:bodyPr/>
-          <a:lstStyle/>
-          <a:p>
-            <a:r>
-              <a:rPr lang="en-GB" sz="4000" dirty="0"/>
               <a:t>Bibliography Management</a:t>
             </a:r>
           </a:p>
@@ -18705,7 +18192,7 @@
 </p:sld>
 </file>
 
-<file path=ppt/slides/slide35.xml><?xml version="1.0" encoding="utf-8"?>
+<file path=ppt/slides/slide34.xml><?xml version="1.0" encoding="utf-8"?>
 <p:sld xmlns:a="http://schemas.openxmlformats.org/drawingml/2006/main" xmlns:r="http://schemas.openxmlformats.org/officeDocument/2006/relationships" xmlns:p="http://schemas.openxmlformats.org/presentationml/2006/main">
   <p:cSld>
     <p:spTree>
@@ -19175,7 +18662,7 @@
 </p:sld>
 </file>
 
-<file path=ppt/slides/slide36.xml><?xml version="1.0" encoding="utf-8"?>
+<file path=ppt/slides/slide35.xml><?xml version="1.0" encoding="utf-8"?>
 <p:sld xmlns:a="http://schemas.openxmlformats.org/drawingml/2006/main" xmlns:r="http://schemas.openxmlformats.org/officeDocument/2006/relationships" xmlns:p="http://schemas.openxmlformats.org/presentationml/2006/main">
   <p:cSld>
     <p:spTree>
@@ -19627,7 +19114,7 @@
 </p:sld>
 </file>
 
-<file path=ppt/slides/slide37.xml><?xml version="1.0" encoding="utf-8"?>
+<file path=ppt/slides/slide36.xml><?xml version="1.0" encoding="utf-8"?>
 <p:sld xmlns:a="http://schemas.openxmlformats.org/drawingml/2006/main" xmlns:r="http://schemas.openxmlformats.org/officeDocument/2006/relationships" xmlns:p="http://schemas.openxmlformats.org/presentationml/2006/main">
   <p:cSld>
     <p:spTree>
@@ -20139,7 +19626,7 @@
 </p:sld>
 </file>
 
-<file path=ppt/slides/slide38.xml><?xml version="1.0" encoding="utf-8"?>
+<file path=ppt/slides/slide37.xml><?xml version="1.0" encoding="utf-8"?>
 <p:sld xmlns:a="http://schemas.openxmlformats.org/drawingml/2006/main" xmlns:r="http://schemas.openxmlformats.org/officeDocument/2006/relationships" xmlns:p="http://schemas.openxmlformats.org/presentationml/2006/main">
   <p:cSld>
     <p:spTree>
@@ -20445,7 +19932,7 @@
 </p:sld>
 </file>
 
-<file path=ppt/slides/slide39.xml><?xml version="1.0" encoding="utf-8"?>
+<file path=ppt/slides/slide38.xml><?xml version="1.0" encoding="utf-8"?>
 <p:sld xmlns:a="http://schemas.openxmlformats.org/drawingml/2006/main" xmlns:r="http://schemas.openxmlformats.org/officeDocument/2006/relationships" xmlns:p="http://schemas.openxmlformats.org/presentationml/2006/main">
   <p:cSld>
     <p:spTree>
@@ -20723,130 +20210,7 @@
 </p:sld>
 </file>
 
-<file path=ppt/slides/slide4.xml><?xml version="1.0" encoding="utf-8"?>
-<p:sld xmlns:a="http://schemas.openxmlformats.org/drawingml/2006/main" xmlns:r="http://schemas.openxmlformats.org/officeDocument/2006/relationships" xmlns:p="http://schemas.openxmlformats.org/presentationml/2006/main">
-  <p:cSld>
-    <p:spTree>
-      <p:nvGrpSpPr>
-        <p:cNvPr id="1" name=""/>
-        <p:cNvGrpSpPr/>
-        <p:nvPr/>
-      </p:nvGrpSpPr>
-      <p:grpSpPr>
-        <a:xfrm>
-          <a:off x="0" y="0"/>
-          <a:ext cx="0" cy="0"/>
-          <a:chOff x="0" y="0"/>
-          <a:chExt cx="0" cy="0"/>
-        </a:xfrm>
-      </p:grpSpPr>
-      <p:sp>
-        <p:nvSpPr>
-          <p:cNvPr id="2" name="Title 1"/>
-          <p:cNvSpPr>
-            <a:spLocks noGrp="1"/>
-          </p:cNvSpPr>
-          <p:nvPr>
-            <p:ph type="title"/>
-          </p:nvPr>
-        </p:nvSpPr>
-        <p:spPr/>
-        <p:txBody>
-          <a:bodyPr/>
-          <a:lstStyle/>
-          <a:p>
-            <a:r>
-              <a:rPr lang="en-GB" sz="4000" dirty="0"/>
-              <a:t>Learning Outcomes</a:t>
-            </a:r>
-          </a:p>
-        </p:txBody>
-      </p:sp>
-      <p:sp>
-        <p:nvSpPr>
-          <p:cNvPr id="3" name="Content Placeholder 2"/>
-          <p:cNvSpPr>
-            <a:spLocks noGrp="1"/>
-          </p:cNvSpPr>
-          <p:nvPr>
-            <p:ph idx="1"/>
-          </p:nvPr>
-        </p:nvSpPr>
-        <p:spPr>
-          <a:xfrm>
-            <a:off x="457200" y="1600200"/>
-            <a:ext cx="8435280" cy="4876800"/>
-          </a:xfrm>
-        </p:spPr>
-        <p:txBody>
-          <a:bodyPr>
-            <a:normAutofit/>
-          </a:bodyPr>
-          <a:lstStyle/>
-          <a:p>
-            <a:r>
-              <a:rPr lang="en-GB" sz="3000" b="1" dirty="0"/>
-              <a:t>Identify</a:t>
-            </a:r>
-            <a:r>
-              <a:rPr lang="en-GB" sz="3000" dirty="0"/>
-              <a:t> an array of useful LaTeX packages</a:t>
-            </a:r>
-          </a:p>
-          <a:p>
-            <a:r>
-              <a:rPr lang="en-GB" sz="3000" b="1" dirty="0"/>
-              <a:t>Recognise</a:t>
-            </a:r>
-            <a:r>
-              <a:rPr lang="en-GB" sz="3000" dirty="0"/>
-              <a:t> when and how to split large documents into manageable subdocuments</a:t>
-            </a:r>
-          </a:p>
-          <a:p>
-            <a:r>
-              <a:rPr lang="en-GB" sz="3000" b="1" dirty="0"/>
-              <a:t>Employ</a:t>
-            </a:r>
-            <a:r>
-              <a:rPr lang="en-GB" sz="3000" dirty="0"/>
-              <a:t> custom formatting and referencing</a:t>
-            </a:r>
-          </a:p>
-          <a:p>
-            <a:r>
-              <a:rPr lang="en-GB" sz="3000" b="1" dirty="0"/>
-              <a:t>Develop</a:t>
-            </a:r>
-            <a:r>
-              <a:rPr lang="en-GB" sz="3000" dirty="0"/>
-              <a:t> a full thesis template </a:t>
-            </a:r>
-          </a:p>
-        </p:txBody>
-      </p:sp>
-    </p:spTree>
-    <p:extLst>
-      <p:ext uri="{BB962C8B-B14F-4D97-AF65-F5344CB8AC3E}">
-        <p14:creationId xmlns:p14="http://schemas.microsoft.com/office/powerpoint/2010/main" val="3248724752"/>
-      </p:ext>
-    </p:extLst>
-  </p:cSld>
-  <p:clrMapOvr>
-    <a:masterClrMapping/>
-  </p:clrMapOvr>
-  <mc:AlternateContent xmlns:mc="http://schemas.openxmlformats.org/markup-compatibility/2006" xmlns:p14="http://schemas.microsoft.com/office/powerpoint/2010/main">
-    <mc:Choice Requires="p14">
-      <p:transition p14:dur="10"/>
-    </mc:Choice>
-    <mc:Fallback xmlns="">
-      <p:transition/>
-    </mc:Fallback>
-  </mc:AlternateContent>
-</p:sld>
-</file>
-
-<file path=ppt/slides/slide40.xml><?xml version="1.0" encoding="utf-8"?>
+<file path=ppt/slides/slide39.xml><?xml version="1.0" encoding="utf-8"?>
 <p:sld xmlns:a="http://schemas.openxmlformats.org/drawingml/2006/main" xmlns:r="http://schemas.openxmlformats.org/officeDocument/2006/relationships" xmlns:p="http://schemas.openxmlformats.org/presentationml/2006/main">
   <p:cSld>
     <p:spTree>
@@ -21324,7 +20688,211 @@
 </p:sld>
 </file>
 
-<file path=ppt/slides/slide41.xml><?xml version="1.0" encoding="utf-8"?>
+<file path=ppt/slides/slide4.xml><?xml version="1.0" encoding="utf-8"?>
+<p:sld xmlns:a="http://schemas.openxmlformats.org/drawingml/2006/main" xmlns:r="http://schemas.openxmlformats.org/officeDocument/2006/relationships" xmlns:p="http://schemas.openxmlformats.org/presentationml/2006/main">
+  <p:cSld>
+    <p:spTree>
+      <p:nvGrpSpPr>
+        <p:cNvPr id="1" name=""/>
+        <p:cNvGrpSpPr/>
+        <p:nvPr/>
+      </p:nvGrpSpPr>
+      <p:grpSpPr>
+        <a:xfrm>
+          <a:off x="0" y="0"/>
+          <a:ext cx="0" cy="0"/>
+          <a:chOff x="0" y="0"/>
+          <a:chExt cx="0" cy="0"/>
+        </a:xfrm>
+      </p:grpSpPr>
+      <p:sp>
+        <p:nvSpPr>
+          <p:cNvPr id="2" name="Title 1"/>
+          <p:cNvSpPr>
+            <a:spLocks noGrp="1"/>
+          </p:cNvSpPr>
+          <p:nvPr>
+            <p:ph type="title"/>
+          </p:nvPr>
+        </p:nvSpPr>
+        <p:spPr/>
+        <p:txBody>
+          <a:bodyPr/>
+          <a:lstStyle/>
+          <a:p>
+            <a:r>
+              <a:rPr lang="en-GB" sz="4000" dirty="0"/>
+              <a:t>Overleaf</a:t>
+            </a:r>
+          </a:p>
+        </p:txBody>
+      </p:sp>
+      <p:sp>
+        <p:nvSpPr>
+          <p:cNvPr id="3" name="TextBox 2"/>
+          <p:cNvSpPr txBox="1"/>
+          <p:nvPr/>
+        </p:nvSpPr>
+        <p:spPr>
+          <a:xfrm>
+            <a:off x="457200" y="1625833"/>
+            <a:ext cx="7840980" cy="5447645"/>
+          </a:xfrm>
+          <a:prstGeom prst="rect">
+            <a:avLst/>
+          </a:prstGeom>
+          <a:noFill/>
+        </p:spPr>
+        <p:txBody>
+          <a:bodyPr wrap="square" rtlCol="0">
+            <a:spAutoFit/>
+          </a:bodyPr>
+          <a:lstStyle/>
+          <a:p>
+            <a:pPr marL="457200" indent="-457200">
+              <a:buFont typeface="Arial" panose="020B0604020202020204" pitchFamily="34" charset="0"/>
+              <a:buChar char="•"/>
+            </a:pPr>
+            <a:r>
+              <a:rPr lang="en-GB" sz="2400" dirty="0"/>
+              <a:t>Online environment for creating and compiling LaTeX documents</a:t>
+            </a:r>
+          </a:p>
+          <a:p>
+            <a:pPr marL="457200" indent="-457200">
+              <a:buFont typeface="Arial" panose="020B0604020202020204" pitchFamily="34" charset="0"/>
+              <a:buChar char="•"/>
+            </a:pPr>
+            <a:r>
+              <a:rPr lang="en-GB" sz="2400" dirty="0"/>
+              <a:t>Pros</a:t>
+            </a:r>
+          </a:p>
+          <a:p>
+            <a:pPr marL="914400" lvl="1" indent="-457200">
+              <a:buFont typeface="Arial" panose="020B0604020202020204" pitchFamily="34" charset="0"/>
+              <a:buChar char="•"/>
+            </a:pPr>
+            <a:r>
+              <a:rPr lang="en-GB" sz="2400" dirty="0"/>
+              <a:t>Cross-platform</a:t>
+            </a:r>
+          </a:p>
+          <a:p>
+            <a:pPr marL="914400" lvl="1" indent="-457200">
+              <a:buFont typeface="Arial" panose="020B0604020202020204" pitchFamily="34" charset="0"/>
+              <a:buChar char="•"/>
+            </a:pPr>
+            <a:r>
+              <a:rPr lang="en-GB" sz="2400" dirty="0"/>
+              <a:t>Complete</a:t>
+            </a:r>
+          </a:p>
+          <a:p>
+            <a:pPr marL="914400" lvl="1" indent="-457200">
+              <a:buFont typeface="Arial" panose="020B0604020202020204" pitchFamily="34" charset="0"/>
+              <a:buChar char="•"/>
+            </a:pPr>
+            <a:r>
+              <a:rPr lang="en-GB" sz="2400" dirty="0"/>
+              <a:t>Easy to use</a:t>
+            </a:r>
+          </a:p>
+          <a:p>
+            <a:pPr marL="914400" lvl="1" indent="-457200">
+              <a:buFont typeface="Arial" panose="020B0604020202020204" pitchFamily="34" charset="0"/>
+              <a:buChar char="•"/>
+            </a:pPr>
+            <a:r>
+              <a:rPr lang="en-GB" sz="2400" dirty="0"/>
+              <a:t>Allows collaboration</a:t>
+            </a:r>
+          </a:p>
+          <a:p>
+            <a:pPr marL="914400" lvl="1" indent="-457200">
+              <a:buFont typeface="Arial" panose="020B0604020202020204" pitchFamily="34" charset="0"/>
+              <a:buChar char="•"/>
+            </a:pPr>
+            <a:r>
+              <a:rPr lang="en-GB" sz="2400" dirty="0"/>
+              <a:t>Cloud syncing with Dropbox and </a:t>
+            </a:r>
+            <a:r>
+              <a:rPr lang="en-GB" sz="2400" dirty="0" err="1"/>
+              <a:t>Github</a:t>
+            </a:r>
+            <a:endParaRPr lang="en-GB" sz="2400" dirty="0"/>
+          </a:p>
+          <a:p>
+            <a:pPr marL="914400" lvl="1" indent="-457200">
+              <a:buFont typeface="Arial" panose="020B0604020202020204" pitchFamily="34" charset="0"/>
+              <a:buChar char="•"/>
+            </a:pPr>
+            <a:r>
+              <a:rPr lang="en-GB" sz="2400" dirty="0"/>
+              <a:t>Integrated “review” system for feedback</a:t>
+            </a:r>
+          </a:p>
+          <a:p>
+            <a:pPr marL="457200" indent="-457200">
+              <a:buFont typeface="Arial" panose="020B0604020202020204" pitchFamily="34" charset="0"/>
+              <a:buChar char="•"/>
+            </a:pPr>
+            <a:r>
+              <a:rPr lang="en-GB" sz="2400" dirty="0"/>
+              <a:t>Cons</a:t>
+            </a:r>
+          </a:p>
+          <a:p>
+            <a:pPr marL="914400" lvl="1" indent="-457200">
+              <a:buFont typeface="Arial" panose="020B0604020202020204" pitchFamily="34" charset="0"/>
+              <a:buChar char="•"/>
+            </a:pPr>
+            <a:r>
+              <a:rPr lang="en-GB" sz="2400" dirty="0"/>
+              <a:t>Editor online only</a:t>
+            </a:r>
+          </a:p>
+          <a:p>
+            <a:pPr marL="914400" lvl="1" indent="-457200">
+              <a:buFont typeface="Arial" panose="020B0604020202020204" pitchFamily="34" charset="0"/>
+              <a:buChar char="•"/>
+            </a:pPr>
+            <a:r>
+              <a:rPr lang="en-GB" sz="2400" dirty="0"/>
+              <a:t>Data stored online</a:t>
+            </a:r>
+          </a:p>
+          <a:p>
+            <a:endParaRPr lang="en-GB" sz="3000" dirty="0"/>
+          </a:p>
+          <a:p>
+            <a:endParaRPr lang="en-GB" sz="3000" dirty="0"/>
+          </a:p>
+        </p:txBody>
+      </p:sp>
+    </p:spTree>
+    <p:extLst>
+      <p:ext uri="{BB962C8B-B14F-4D97-AF65-F5344CB8AC3E}">
+        <p14:creationId xmlns:p14="http://schemas.microsoft.com/office/powerpoint/2010/main" val="3718216746"/>
+      </p:ext>
+    </p:extLst>
+  </p:cSld>
+  <p:clrMapOvr>
+    <a:masterClrMapping/>
+  </p:clrMapOvr>
+  <mc:AlternateContent xmlns:mc="http://schemas.openxmlformats.org/markup-compatibility/2006" xmlns:p14="http://schemas.microsoft.com/office/powerpoint/2010/main">
+    <mc:Choice Requires="p14">
+      <p:transition p14:dur="10"/>
+    </mc:Choice>
+    <mc:Fallback xmlns="">
+      <p:transition/>
+    </mc:Fallback>
+  </mc:AlternateContent>
+</p:sld>
+</file>
+
+<file path=ppt/slides/slide40.xml><?xml version="1.0" encoding="utf-8"?>
 <p:sld xmlns:a="http://schemas.openxmlformats.org/drawingml/2006/main" xmlns:r="http://schemas.openxmlformats.org/officeDocument/2006/relationships" xmlns:p="http://schemas.openxmlformats.org/presentationml/2006/main">
   <p:cSld>
     <p:spTree>
@@ -21806,7 +21374,7 @@
 </p:sld>
 </file>
 
-<file path=ppt/slides/slide42.xml><?xml version="1.0" encoding="utf-8"?>
+<file path=ppt/slides/slide41.xml><?xml version="1.0" encoding="utf-8"?>
 <p:sld xmlns:a="http://schemas.openxmlformats.org/drawingml/2006/main" xmlns:r="http://schemas.openxmlformats.org/officeDocument/2006/relationships" xmlns:p="http://schemas.openxmlformats.org/presentationml/2006/main">
   <p:cSld>
     <p:spTree>
@@ -22022,7 +21590,7 @@
 </p:sld>
 </file>
 
-<file path=ppt/slides/slide43.xml><?xml version="1.0" encoding="utf-8"?>
+<file path=ppt/slides/slide42.xml><?xml version="1.0" encoding="utf-8"?>
 <p:sld xmlns:a="http://schemas.openxmlformats.org/drawingml/2006/main" xmlns:r="http://schemas.openxmlformats.org/officeDocument/2006/relationships" xmlns:p="http://schemas.openxmlformats.org/presentationml/2006/main">
   <p:cSld>
     <p:spTree>
@@ -22157,7 +21725,7 @@
 </p:sld>
 </file>
 
-<file path=ppt/slides/slide44.xml><?xml version="1.0" encoding="utf-8"?>
+<file path=ppt/slides/slide43.xml><?xml version="1.0" encoding="utf-8"?>
 <p:sld xmlns:a="http://schemas.openxmlformats.org/drawingml/2006/main" xmlns:r="http://schemas.openxmlformats.org/officeDocument/2006/relationships" xmlns:p="http://schemas.openxmlformats.org/presentationml/2006/main">
   <p:cSld>
     <p:spTree>
@@ -22328,159 +21896,153 @@
           <a:p>
             <a:r>
               <a:rPr lang="en-GB" sz="4000" dirty="0"/>
-              <a:t>Overleaf</a:t>
+              <a:t>Writing Theses in LaTeX</a:t>
             </a:r>
           </a:p>
         </p:txBody>
       </p:sp>
       <p:sp>
         <p:nvSpPr>
-          <p:cNvPr id="3" name="TextBox 2"/>
-          <p:cNvSpPr txBox="1"/>
-          <p:nvPr/>
+          <p:cNvPr id="3" name="Content Placeholder 2"/>
+          <p:cNvSpPr>
+            <a:spLocks noGrp="1"/>
+          </p:cNvSpPr>
+          <p:nvPr>
+            <p:ph idx="1"/>
+          </p:nvPr>
         </p:nvSpPr>
         <p:spPr>
           <a:xfrm>
-            <a:off x="457200" y="1625833"/>
-            <a:ext cx="7840980" cy="5447645"/>
+            <a:off x="457200" y="1600200"/>
+            <a:ext cx="8435280" cy="4876800"/>
           </a:xfrm>
-          <a:prstGeom prst="rect">
-            <a:avLst/>
-          </a:prstGeom>
-          <a:noFill/>
         </p:spPr>
         <p:txBody>
-          <a:bodyPr wrap="square" rtlCol="0">
-            <a:spAutoFit/>
+          <a:bodyPr>
+            <a:normAutofit/>
           </a:bodyPr>
           <a:lstStyle/>
           <a:p>
-            <a:pPr marL="457200" indent="-457200">
-              <a:buFont typeface="Arial" panose="020B0604020202020204" pitchFamily="34" charset="0"/>
-              <a:buChar char="•"/>
+            <a:pPr fontAlgn="base">
+              <a:spcBef>
+                <a:spcPts val="600"/>
+              </a:spcBef>
+              <a:spcAft>
+                <a:spcPts val="600"/>
+              </a:spcAft>
             </a:pPr>
             <a:r>
-              <a:rPr lang="en-GB" sz="2400" dirty="0"/>
-              <a:t>Online environment for creating and compiling LaTeX documents</a:t>
-            </a:r>
-          </a:p>
-          <a:p>
-            <a:pPr marL="457200" indent="-457200">
-              <a:buFont typeface="Arial" panose="020B0604020202020204" pitchFamily="34" charset="0"/>
-              <a:buChar char="•"/>
+              <a:rPr lang="en-US" sz="2400" dirty="0"/>
+              <a:t>Excellent Technical Typesetting</a:t>
+            </a:r>
+          </a:p>
+          <a:p>
+            <a:pPr fontAlgn="base">
+              <a:spcBef>
+                <a:spcPts val="600"/>
+              </a:spcBef>
+              <a:spcAft>
+                <a:spcPts val="600"/>
+              </a:spcAft>
             </a:pPr>
             <a:r>
-              <a:rPr lang="en-GB" sz="2400" dirty="0"/>
-              <a:t>Pros</a:t>
-            </a:r>
-          </a:p>
-          <a:p>
-            <a:pPr marL="914400" lvl="1" indent="-457200">
-              <a:buFont typeface="Arial" panose="020B0604020202020204" pitchFamily="34" charset="0"/>
-              <a:buChar char="•"/>
+              <a:rPr lang="en-US" sz="2400" dirty="0"/>
+              <a:t>Easy to iterate document-wide formatting</a:t>
+            </a:r>
+          </a:p>
+          <a:p>
+            <a:pPr fontAlgn="base">
+              <a:spcBef>
+                <a:spcPts val="600"/>
+              </a:spcBef>
+              <a:spcAft>
+                <a:spcPts val="600"/>
+              </a:spcAft>
             </a:pPr>
             <a:r>
-              <a:rPr lang="en-GB" sz="2400" dirty="0"/>
-              <a:t>Cross-platform</a:t>
-            </a:r>
-          </a:p>
-          <a:p>
-            <a:pPr marL="914400" lvl="1" indent="-457200">
-              <a:buFont typeface="Arial" panose="020B0604020202020204" pitchFamily="34" charset="0"/>
-              <a:buChar char="•"/>
+              <a:rPr lang="en-US" sz="2400" dirty="0"/>
+              <a:t>Easy to include and reference figures/equations </a:t>
+            </a:r>
+            <a:r>
+              <a:rPr lang="en-US" sz="2400" dirty="0" err="1"/>
+              <a:t>etc</a:t>
+            </a:r>
+            <a:endParaRPr lang="en-US" sz="2400" dirty="0"/>
+          </a:p>
+          <a:p>
+            <a:pPr fontAlgn="base">
+              <a:spcBef>
+                <a:spcPts val="600"/>
+              </a:spcBef>
+              <a:spcAft>
+                <a:spcPts val="600"/>
+              </a:spcAft>
             </a:pPr>
             <a:r>
-              <a:rPr lang="en-GB" sz="2400" dirty="0"/>
-              <a:t>Complete</a:t>
-            </a:r>
-          </a:p>
-          <a:p>
-            <a:pPr marL="914400" lvl="1" indent="-457200">
-              <a:buFont typeface="Arial" panose="020B0604020202020204" pitchFamily="34" charset="0"/>
-              <a:buChar char="•"/>
+              <a:rPr lang="en-US" sz="2400" dirty="0"/>
+              <a:t>Easy to iterate figures</a:t>
+            </a:r>
+          </a:p>
+          <a:p>
+            <a:pPr fontAlgn="base">
+              <a:spcBef>
+                <a:spcPts val="600"/>
+              </a:spcBef>
+              <a:spcAft>
+                <a:spcPts val="600"/>
+              </a:spcAft>
             </a:pPr>
             <a:r>
-              <a:rPr lang="en-GB" sz="2400" dirty="0"/>
-              <a:t>Easy to use</a:t>
-            </a:r>
-          </a:p>
-          <a:p>
-            <a:pPr marL="914400" lvl="1" indent="-457200">
-              <a:buFont typeface="Arial" panose="020B0604020202020204" pitchFamily="34" charset="0"/>
-              <a:buChar char="•"/>
+              <a:rPr lang="en-US" sz="2400" dirty="0"/>
+              <a:t>Files stored in plain-text</a:t>
+            </a:r>
+          </a:p>
+          <a:p>
+            <a:pPr lvl="1" fontAlgn="base">
+              <a:spcBef>
+                <a:spcPts val="600"/>
+              </a:spcBef>
+              <a:spcAft>
+                <a:spcPts val="600"/>
+              </a:spcAft>
             </a:pPr>
             <a:r>
-              <a:rPr lang="en-GB" sz="2400" dirty="0"/>
-              <a:t>Allows collaboration</a:t>
-            </a:r>
-          </a:p>
-          <a:p>
-            <a:pPr marL="914400" lvl="1" indent="-457200">
-              <a:buFont typeface="Arial" panose="020B0604020202020204" pitchFamily="34" charset="0"/>
-              <a:buChar char="•"/>
+              <a:rPr lang="en-US" sz="2000" dirty="0"/>
+              <a:t>Less prone to corruption</a:t>
+            </a:r>
+          </a:p>
+          <a:p>
+            <a:pPr lvl="1" fontAlgn="base">
+              <a:spcBef>
+                <a:spcPts val="600"/>
+              </a:spcBef>
+              <a:spcAft>
+                <a:spcPts val="600"/>
+              </a:spcAft>
             </a:pPr>
             <a:r>
-              <a:rPr lang="en-GB" sz="2400" dirty="0"/>
-              <a:t>Cloud syncing with Dropbox and </a:t>
-            </a:r>
-            <a:r>
-              <a:rPr lang="en-GB" sz="2400" dirty="0" err="1"/>
-              <a:t>Github</a:t>
-            </a:r>
+              <a:rPr lang="en-US" sz="2000" dirty="0"/>
+              <a:t>Easier to “diff” when using version control</a:t>
+            </a:r>
+          </a:p>
+          <a:p>
+            <a:pPr marL="0" lvl="0" indent="0" fontAlgn="base">
+              <a:spcBef>
+                <a:spcPts val="600"/>
+              </a:spcBef>
+              <a:spcAft>
+                <a:spcPts val="600"/>
+              </a:spcAft>
+              <a:buNone/>
+            </a:pPr>
             <a:endParaRPr lang="en-GB" sz="2400" dirty="0"/>
-          </a:p>
-          <a:p>
-            <a:pPr marL="914400" lvl="1" indent="-457200">
-              <a:buFont typeface="Arial" panose="020B0604020202020204" pitchFamily="34" charset="0"/>
-              <a:buChar char="•"/>
-            </a:pPr>
-            <a:r>
-              <a:rPr lang="en-GB" sz="2400" dirty="0"/>
-              <a:t>Integrated “review” system for feedback</a:t>
-            </a:r>
-          </a:p>
-          <a:p>
-            <a:pPr marL="457200" indent="-457200">
-              <a:buFont typeface="Arial" panose="020B0604020202020204" pitchFamily="34" charset="0"/>
-              <a:buChar char="•"/>
-            </a:pPr>
-            <a:r>
-              <a:rPr lang="en-GB" sz="2400" dirty="0"/>
-              <a:t>Cons</a:t>
-            </a:r>
-          </a:p>
-          <a:p>
-            <a:pPr marL="914400" lvl="1" indent="-457200">
-              <a:buFont typeface="Arial" panose="020B0604020202020204" pitchFamily="34" charset="0"/>
-              <a:buChar char="•"/>
-            </a:pPr>
-            <a:r>
-              <a:rPr lang="en-GB" sz="2400" dirty="0"/>
-              <a:t>Editor online only</a:t>
-            </a:r>
-          </a:p>
-          <a:p>
-            <a:pPr marL="914400" lvl="1" indent="-457200">
-              <a:buFont typeface="Arial" panose="020B0604020202020204" pitchFamily="34" charset="0"/>
-              <a:buChar char="•"/>
-            </a:pPr>
-            <a:r>
-              <a:rPr lang="en-GB" sz="2400" dirty="0"/>
-              <a:t>Data stored online</a:t>
-            </a:r>
-          </a:p>
-          <a:p>
-            <a:endParaRPr lang="en-GB" sz="3000" dirty="0"/>
-          </a:p>
-          <a:p>
-            <a:endParaRPr lang="en-GB" sz="3000" dirty="0"/>
           </a:p>
         </p:txBody>
       </p:sp>
     </p:spTree>
     <p:extLst>
       <p:ext uri="{BB962C8B-B14F-4D97-AF65-F5344CB8AC3E}">
-        <p14:creationId xmlns:p14="http://schemas.microsoft.com/office/powerpoint/2010/main" val="3718216746"/>
+        <p14:creationId xmlns:p14="http://schemas.microsoft.com/office/powerpoint/2010/main" val="764725023"/>
       </p:ext>
     </p:extLst>
   </p:cSld>
@@ -22532,7 +22094,7 @@
           <a:p>
             <a:r>
               <a:rPr lang="en-GB" sz="4000" dirty="0"/>
-              <a:t>Writing Theses in LaTeX</a:t>
+              <a:t>Imperial Thesis Requirements</a:t>
             </a:r>
           </a:p>
         </p:txBody>
@@ -22568,9 +22130,12 @@
               </a:spcAft>
             </a:pPr>
             <a:r>
-              <a:rPr lang="en-US" sz="2400" dirty="0"/>
-              <a:t>Excellent Technical Typesetting</a:t>
-            </a:r>
+              <a:rPr lang="en-GB" sz="2400" dirty="0">
+                <a:hlinkClick r:id="rId3"/>
+              </a:rPr>
+              <a:t>Theses for Imperial College Research Degrees Checklist</a:t>
+            </a:r>
+            <a:endParaRPr lang="en-GB" sz="2400" dirty="0"/>
           </a:p>
           <a:p>
             <a:pPr fontAlgn="base">
@@ -22582,9 +22147,12 @@
               </a:spcAft>
             </a:pPr>
             <a:r>
-              <a:rPr lang="en-US" sz="2400" dirty="0"/>
-              <a:t>Easy to iterate document-wide formatting</a:t>
-            </a:r>
+              <a:rPr lang="en-GB" sz="2400" dirty="0">
+                <a:hlinkClick r:id="rId4"/>
+              </a:rPr>
+              <a:t>Academic Regulations</a:t>
+            </a:r>
+            <a:endParaRPr lang="en-GB" sz="2400" dirty="0"/>
           </a:p>
           <a:p>
             <a:pPr fontAlgn="base">
@@ -22596,14 +22164,9 @@
               </a:spcAft>
             </a:pPr>
             <a:r>
-              <a:rPr lang="en-US" sz="2400" dirty="0"/>
-              <a:t>Easy to include and reference figures/equations </a:t>
-            </a:r>
-            <a:r>
-              <a:rPr lang="en-US" sz="2400" dirty="0" err="1"/>
-              <a:t>etc</a:t>
-            </a:r>
-            <a:endParaRPr lang="en-US" sz="2400" dirty="0"/>
+              <a:rPr lang="en-GB" sz="2400" dirty="0"/>
+              <a:t>Written in English</a:t>
+            </a:r>
           </a:p>
           <a:p>
             <a:pPr fontAlgn="base">
@@ -22615,8 +22178,8 @@
               </a:spcAft>
             </a:pPr>
             <a:r>
-              <a:rPr lang="en-US" sz="2400" dirty="0"/>
-              <a:t>Easy to iterate figures</a:t>
+              <a:rPr lang="en-GB" sz="2400" dirty="0"/>
+              <a:t>Not longer than 100,000 words</a:t>
             </a:r>
           </a:p>
           <a:p>
@@ -22629,12 +22192,12 @@
               </a:spcAft>
             </a:pPr>
             <a:r>
-              <a:rPr lang="en-US" sz="2400" dirty="0"/>
-              <a:t>Files stored in plain-text</a:t>
-            </a:r>
-          </a:p>
-          <a:p>
-            <a:pPr lvl="1" fontAlgn="base">
+              <a:rPr lang="en-GB" sz="2400" dirty="0"/>
+              <a:t>Cannot be copy-pasted papers</a:t>
+            </a:r>
+          </a:p>
+          <a:p>
+            <a:pPr fontAlgn="base">
               <a:spcBef>
                 <a:spcPts val="600"/>
               </a:spcBef>
@@ -22643,12 +22206,12 @@
               </a:spcAft>
             </a:pPr>
             <a:r>
-              <a:rPr lang="en-US" sz="2000" dirty="0"/>
-              <a:t>Less prone to corruption</a:t>
-            </a:r>
-          </a:p>
-          <a:p>
-            <a:pPr lvl="1" fontAlgn="base">
+              <a:rPr lang="en-GB" sz="2400" dirty="0"/>
+              <a:t>Include full bibliography and references</a:t>
+            </a:r>
+          </a:p>
+          <a:p>
+            <a:pPr fontAlgn="base">
               <a:spcBef>
                 <a:spcPts val="600"/>
               </a:spcBef>
@@ -22657,28 +22220,30 @@
               </a:spcAft>
             </a:pPr>
             <a:r>
-              <a:rPr lang="en-US" sz="2000" dirty="0"/>
-              <a:t>Easier to “diff” when using version control</a:t>
-            </a:r>
-          </a:p>
-          <a:p>
-            <a:pPr marL="0" lvl="0" indent="0" fontAlgn="base">
+              <a:rPr lang="en-GB" sz="2400" dirty="0"/>
+              <a:t>You will be examined on this by examiners in your viva</a:t>
+            </a:r>
+          </a:p>
+          <a:p>
+            <a:pPr fontAlgn="base">
               <a:spcBef>
                 <a:spcPts val="600"/>
               </a:spcBef>
               <a:spcAft>
                 <a:spcPts val="600"/>
               </a:spcAft>
-              <a:buNone/>
             </a:pPr>
-            <a:endParaRPr lang="en-GB" sz="2400" dirty="0"/>
+            <a:r>
+              <a:rPr lang="en-GB" sz="2400" dirty="0"/>
+              <a:t>“Any formatting information that is not explicitly outlined in these guidance notes is up to the judgement of the student, and reasonable solutions will be accepted.”</a:t>
+            </a:r>
           </a:p>
         </p:txBody>
       </p:sp>
     </p:spTree>
     <p:extLst>
       <p:ext uri="{BB962C8B-B14F-4D97-AF65-F5344CB8AC3E}">
-        <p14:creationId xmlns:p14="http://schemas.microsoft.com/office/powerpoint/2010/main" val="764725023"/>
+        <p14:creationId xmlns:p14="http://schemas.microsoft.com/office/powerpoint/2010/main" val="3485628822"/>
       </p:ext>
     </p:extLst>
   </p:cSld>
@@ -22730,7 +22295,7 @@
           <a:p>
             <a:r>
               <a:rPr lang="en-GB" sz="4000" dirty="0"/>
-              <a:t>Imperial Thesis Requirements</a:t>
+              <a:t>Paper Size and Pagination</a:t>
             </a:r>
           </a:p>
         </p:txBody>
@@ -22748,7 +22313,7 @@
         <p:spPr>
           <a:xfrm>
             <a:off x="457200" y="1600200"/>
-            <a:ext cx="8435280" cy="4876800"/>
+            <a:ext cx="8435280" cy="3875690"/>
           </a:xfrm>
         </p:spPr>
         <p:txBody>
@@ -22766,12 +22331,9 @@
               </a:spcAft>
             </a:pPr>
             <a:r>
-              <a:rPr lang="en-GB" sz="2400" dirty="0">
-                <a:hlinkClick r:id="rId3"/>
-              </a:rPr>
-              <a:t>Theses for Imperial College Research Degrees Checklist</a:t>
-            </a:r>
-            <a:endParaRPr lang="en-GB" sz="2400" dirty="0"/>
+              <a:rPr lang="en-GB" sz="2400" dirty="0"/>
+              <a:t>Typically A4 paper</a:t>
+            </a:r>
           </a:p>
           <a:p>
             <a:pPr fontAlgn="base">
@@ -22783,12 +22345,9 @@
               </a:spcAft>
             </a:pPr>
             <a:r>
-              <a:rPr lang="en-GB" sz="2400" dirty="0">
-                <a:hlinkClick r:id="rId4"/>
-              </a:rPr>
-              <a:t>Academic Regulations</a:t>
-            </a:r>
-            <a:endParaRPr lang="en-GB" sz="2400" dirty="0"/>
+              <a:rPr lang="en-GB" sz="2400" dirty="0"/>
+              <a:t>You may want your pages to be double-sided</a:t>
+            </a:r>
           </a:p>
           <a:p>
             <a:pPr fontAlgn="base">
@@ -22801,7 +22360,7 @@
             </a:pPr>
             <a:r>
               <a:rPr lang="en-GB" sz="2400" dirty="0"/>
-              <a:t>Written in English</a:t>
+              <a:t>All pages to be sequentially numbered in Arabic numerals including title page [Section 4.4 of Checklist]</a:t>
             </a:r>
           </a:p>
           <a:p>
@@ -22815,7 +22374,7 @@
             </a:pPr>
             <a:r>
               <a:rPr lang="en-GB" sz="2400" dirty="0"/>
-              <a:t>Not longer than 100,000 words</a:t>
+              <a:t>Achieved in the preamble:</a:t>
             </a:r>
           </a:p>
           <a:p>
@@ -22827,51 +22386,82 @@
                 <a:spcPts val="600"/>
               </a:spcAft>
             </a:pPr>
-            <a:r>
-              <a:rPr lang="en-GB" sz="2400" dirty="0"/>
-              <a:t>Cannot be copy-pasted papers</a:t>
-            </a:r>
-          </a:p>
-          <a:p>
-            <a:pPr fontAlgn="base">
+            <a:endParaRPr lang="en-GB" sz="2400" dirty="0"/>
+          </a:p>
+          <a:p>
+            <a:pPr marL="0" indent="0" fontAlgn="base">
               <a:spcBef>
                 <a:spcPts val="600"/>
               </a:spcBef>
               <a:spcAft>
                 <a:spcPts val="600"/>
               </a:spcAft>
+              <a:buNone/>
             </a:pPr>
             <a:r>
+              <a:rPr lang="en-GB" sz="2400" dirty="0">
+                <a:solidFill>
+                  <a:schemeClr val="tx2">
+                    <a:lumMod val="50000"/>
+                    <a:lumOff val="50000"/>
+                  </a:schemeClr>
+                </a:solidFill>
+              </a:rPr>
+              <a:t>\</a:t>
+            </a:r>
+            <a:r>
+              <a:rPr lang="en-GB" sz="2400" dirty="0" err="1">
+                <a:solidFill>
+                  <a:schemeClr val="tx2">
+                    <a:lumMod val="50000"/>
+                    <a:lumOff val="50000"/>
+                  </a:schemeClr>
+                </a:solidFill>
+              </a:rPr>
+              <a:t>documentclass</a:t>
+            </a:r>
+            <a:r>
               <a:rPr lang="en-GB" sz="2400" dirty="0"/>
-              <a:t>Include full bibliography and references</a:t>
-            </a:r>
-          </a:p>
-          <a:p>
-            <a:pPr fontAlgn="base">
-              <a:spcBef>
-                <a:spcPts val="600"/>
-              </a:spcBef>
-              <a:spcAft>
-                <a:spcPts val="600"/>
-              </a:spcAft>
-            </a:pPr>
+              <a:t>[</a:t>
+            </a:r>
+            <a:r>
+              <a:rPr lang="en-GB" sz="2400" dirty="0">
+                <a:solidFill>
+                  <a:schemeClr val="accent4">
+                    <a:lumMod val="75000"/>
+                  </a:schemeClr>
+                </a:solidFill>
+              </a:rPr>
+              <a:t>12pt, a4paper, </a:t>
+            </a:r>
+            <a:r>
+              <a:rPr lang="en-GB" sz="2400" dirty="0" err="1">
+                <a:solidFill>
+                  <a:schemeClr val="accent4">
+                    <a:lumMod val="75000"/>
+                  </a:schemeClr>
+                </a:solidFill>
+              </a:rPr>
+              <a:t>twoside</a:t>
+            </a:r>
             <a:r>
               <a:rPr lang="en-GB" sz="2400" dirty="0"/>
-              <a:t>You will be examined on this by examiners in your viva</a:t>
-            </a:r>
-          </a:p>
-          <a:p>
-            <a:pPr fontAlgn="base">
-              <a:spcBef>
-                <a:spcPts val="600"/>
-              </a:spcBef>
-              <a:spcAft>
-                <a:spcPts val="600"/>
-              </a:spcAft>
-            </a:pPr>
+              <a:t>]{</a:t>
+            </a:r>
+            <a:r>
+              <a:rPr lang="en-GB" sz="2400" dirty="0">
+                <a:solidFill>
+                  <a:schemeClr val="tx2">
+                    <a:lumMod val="50000"/>
+                    <a:lumOff val="50000"/>
+                  </a:schemeClr>
+                </a:solidFill>
+              </a:rPr>
+              <a:t>report</a:t>
+            </a:r>
             <a:r>
               <a:rPr lang="en-GB" sz="2400" dirty="0"/>
-              <a:t>“Any formatting information that is not explicitly outlined in these guidance notes is up to the judgement of the student, and reasonable solutions will be accepted.”</a:t>
+              <a:t>} </a:t>
             </a:r>
           </a:p>
         </p:txBody>
@@ -22879,7 +22469,7 @@
     </p:spTree>
     <p:extLst>
       <p:ext uri="{BB962C8B-B14F-4D97-AF65-F5344CB8AC3E}">
-        <p14:creationId xmlns:p14="http://schemas.microsoft.com/office/powerpoint/2010/main" val="3485628822"/>
+        <p14:creationId xmlns:p14="http://schemas.microsoft.com/office/powerpoint/2010/main" val="2191292543"/>
       </p:ext>
     </p:extLst>
   </p:cSld>
@@ -22931,7 +22521,7 @@
           <a:p>
             <a:r>
               <a:rPr lang="en-GB" sz="4000" dirty="0"/>
-              <a:t>Paper Size and Pagination</a:t>
+              <a:t>Margins</a:t>
             </a:r>
           </a:p>
         </p:txBody>
@@ -22948,8 +22538,8 @@
         </p:nvSpPr>
         <p:spPr>
           <a:xfrm>
-            <a:off x="457200" y="1600200"/>
-            <a:ext cx="8435280" cy="3875690"/>
+            <a:off x="457200" y="1600199"/>
+            <a:ext cx="8435280" cy="4453759"/>
           </a:xfrm>
         </p:spPr>
         <p:txBody>
@@ -22968,7 +22558,7 @@
             </a:pPr>
             <a:r>
               <a:rPr lang="en-GB" sz="2400" dirty="0"/>
-              <a:t>Typically A4 paper</a:t>
+              <a:t>Margins must be even on both sides [Checklist Section 4]</a:t>
             </a:r>
           </a:p>
           <a:p>
@@ -22982,7 +22572,7 @@
             </a:pPr>
             <a:r>
               <a:rPr lang="en-GB" sz="2400" dirty="0"/>
-              <a:t>You may want your pages to be double-sided</a:t>
+              <a:t>For binding services, margins must typically be at least 1cm</a:t>
             </a:r>
           </a:p>
           <a:p>
@@ -22996,7 +22586,22 @@
             </a:pPr>
             <a:r>
               <a:rPr lang="en-GB" sz="2400" dirty="0"/>
-              <a:t>All pages to be sequentially numbered in Arabic numerals including title page [Section 4.4 of Checklist]</a:t>
+              <a:t>The </a:t>
+            </a:r>
+            <a:r>
+              <a:rPr lang="en-GB" sz="2400" dirty="0">
+                <a:solidFill>
+                  <a:schemeClr val="tx2">
+                    <a:lumMod val="50000"/>
+                    <a:lumOff val="50000"/>
+                  </a:schemeClr>
+                </a:solidFill>
+              </a:rPr>
+              <a:t>geometry</a:t>
+            </a:r>
+            <a:r>
+              <a:rPr lang="en-GB" sz="2400" dirty="0"/>
+              <a:t> package allows us to set margins</a:t>
             </a:r>
           </a:p>
           <a:p>
@@ -23010,30 +22615,23 @@
             </a:pPr>
             <a:r>
               <a:rPr lang="en-GB" sz="2400" dirty="0"/>
-              <a:t>Achieved in the preamble:</a:t>
-            </a:r>
-          </a:p>
-          <a:p>
-            <a:pPr fontAlgn="base">
-              <a:spcBef>
-                <a:spcPts val="600"/>
-              </a:spcBef>
-              <a:spcAft>
-                <a:spcPts val="600"/>
-              </a:spcAft>
-            </a:pPr>
-            <a:endParaRPr lang="en-GB" sz="2400" dirty="0"/>
-          </a:p>
-          <a:p>
-            <a:pPr marL="0" indent="0" fontAlgn="base">
-              <a:spcBef>
-                <a:spcPts val="600"/>
-              </a:spcBef>
-              <a:spcAft>
-                <a:spcPts val="600"/>
-              </a:spcAft>
-              <a:buNone/>
-            </a:pPr>
+              <a:t>The </a:t>
+            </a:r>
+            <a:r>
+              <a:rPr lang="en-GB" sz="2400" dirty="0" err="1">
+                <a:solidFill>
+                  <a:schemeClr val="tx2">
+                    <a:lumMod val="50000"/>
+                    <a:lumOff val="50000"/>
+                  </a:schemeClr>
+                </a:solidFill>
+              </a:rPr>
+              <a:t>blindtext</a:t>
+            </a:r>
+            <a:r>
+              <a:rPr lang="en-GB" sz="2400" dirty="0"/>
+              <a:t> package and </a:t>
+            </a:r>
             <a:r>
               <a:rPr lang="en-GB" sz="2400" dirty="0">
                 <a:solidFill>
@@ -23054,50 +22652,11 @@
                   </a:schemeClr>
                 </a:solidFill>
               </a:rPr>
-              <a:t>documentclass</a:t>
+              <a:t>blindtext</a:t>
             </a:r>
             <a:r>
               <a:rPr lang="en-GB" sz="2400" dirty="0"/>
-              <a:t>[</a:t>
-            </a:r>
-            <a:r>
-              <a:rPr lang="en-GB" sz="2400" dirty="0">
-                <a:solidFill>
-                  <a:schemeClr val="accent4">
-                    <a:lumMod val="75000"/>
-                  </a:schemeClr>
-                </a:solidFill>
-              </a:rPr>
-              <a:t>12pt, a4paper, </a:t>
-            </a:r>
-            <a:r>
-              <a:rPr lang="en-GB" sz="2400" dirty="0" err="1">
-                <a:solidFill>
-                  <a:schemeClr val="accent4">
-                    <a:lumMod val="75000"/>
-                  </a:schemeClr>
-                </a:solidFill>
-              </a:rPr>
-              <a:t>twoside</a:t>
-            </a:r>
-            <a:r>
-              <a:rPr lang="en-GB" sz="2400" dirty="0"/>
-              <a:t>]{</a:t>
-            </a:r>
-            <a:r>
-              <a:rPr lang="en-GB" sz="2400" dirty="0">
-                <a:solidFill>
-                  <a:schemeClr val="tx2">
-                    <a:lumMod val="50000"/>
-                    <a:lumOff val="50000"/>
-                  </a:schemeClr>
-                </a:solidFill>
-              </a:rPr>
-              <a:t>report</a:t>
-            </a:r>
-            <a:r>
-              <a:rPr lang="en-GB" sz="2400" dirty="0"/>
-              <a:t>} </a:t>
+              <a:t>[X] command allows us to insert sample text for testing typesetting</a:t>
             </a:r>
           </a:p>
         </p:txBody>
@@ -23105,7 +22664,7 @@
     </p:spTree>
     <p:extLst>
       <p:ext uri="{BB962C8B-B14F-4D97-AF65-F5344CB8AC3E}">
-        <p14:creationId xmlns:p14="http://schemas.microsoft.com/office/powerpoint/2010/main" val="2191292543"/>
+        <p14:creationId xmlns:p14="http://schemas.microsoft.com/office/powerpoint/2010/main" val="2812092125"/>
       </p:ext>
     </p:extLst>
   </p:cSld>
@@ -23175,7 +22734,7 @@
         <p:spPr>
           <a:xfrm>
             <a:off x="457200" y="1600199"/>
-            <a:ext cx="8435280" cy="4453759"/>
+            <a:ext cx="3967655" cy="4453759"/>
           </a:xfrm>
         </p:spPr>
         <p:txBody>
@@ -23184,90 +22743,194 @@
           </a:bodyPr>
           <a:lstStyle/>
           <a:p>
-            <a:pPr fontAlgn="base">
-              <a:spcBef>
-                <a:spcPts val="600"/>
-              </a:spcBef>
-              <a:spcAft>
-                <a:spcPts val="600"/>
-              </a:spcAft>
+            <a:pPr marL="0" indent="0">
+              <a:buNone/>
             </a:pPr>
             <a:r>
+              <a:rPr lang="en-GB" sz="2400" dirty="0">
+                <a:solidFill>
+                  <a:schemeClr val="tx2">
+                    <a:lumMod val="50000"/>
+                    <a:lumOff val="50000"/>
+                  </a:schemeClr>
+                </a:solidFill>
+              </a:rPr>
+              <a:t>\</a:t>
+            </a:r>
+            <a:r>
+              <a:rPr lang="en-GB" sz="2400" dirty="0" err="1">
+                <a:solidFill>
+                  <a:schemeClr val="tx2">
+                    <a:lumMod val="50000"/>
+                    <a:lumOff val="50000"/>
+                  </a:schemeClr>
+                </a:solidFill>
+              </a:rPr>
+              <a:t>usepackage</a:t>
+            </a:r>
+            <a:r>
               <a:rPr lang="en-GB" sz="2400" dirty="0"/>
-              <a:t>Margins must be even on both sides [Checklist Section 4]</a:t>
-            </a:r>
-          </a:p>
-          <a:p>
-            <a:pPr fontAlgn="base">
-              <a:spcBef>
-                <a:spcPts val="600"/>
-              </a:spcBef>
-              <a:spcAft>
-                <a:spcPts val="600"/>
-              </a:spcAft>
+              <a:t>{</a:t>
+            </a:r>
+            <a:r>
+              <a:rPr lang="en-GB" sz="2400" dirty="0" err="1">
+                <a:solidFill>
+                  <a:schemeClr val="tx2">
+                    <a:lumMod val="50000"/>
+                    <a:lumOff val="50000"/>
+                  </a:schemeClr>
+                </a:solidFill>
+              </a:rPr>
+              <a:t>blindtext</a:t>
+            </a:r>
+            <a:r>
+              <a:rPr lang="en-GB" sz="2400" dirty="0"/>
+              <a:t>}</a:t>
+            </a:r>
+          </a:p>
+          <a:p>
+            <a:pPr marL="0" indent="0">
+              <a:buNone/>
             </a:pPr>
             <a:r>
+              <a:rPr lang="en-GB" sz="2400" dirty="0">
+                <a:solidFill>
+                  <a:schemeClr val="tx2">
+                    <a:lumMod val="50000"/>
+                    <a:lumOff val="50000"/>
+                  </a:schemeClr>
+                </a:solidFill>
+              </a:rPr>
+              <a:t>\</a:t>
+            </a:r>
+            <a:r>
+              <a:rPr lang="en-GB" sz="2400" dirty="0" err="1">
+                <a:solidFill>
+                  <a:schemeClr val="tx2">
+                    <a:lumMod val="50000"/>
+                    <a:lumOff val="50000"/>
+                  </a:schemeClr>
+                </a:solidFill>
+              </a:rPr>
+              <a:t>usepackage</a:t>
+            </a:r>
+            <a:r>
               <a:rPr lang="en-GB" sz="2400" dirty="0"/>
-              <a:t>For binding services, margins must typically be at least 1cm</a:t>
-            </a:r>
-          </a:p>
-          <a:p>
-            <a:pPr fontAlgn="base">
-              <a:spcBef>
-                <a:spcPts val="600"/>
-              </a:spcBef>
-              <a:spcAft>
-                <a:spcPts val="600"/>
-              </a:spcAft>
+              <a:t>[</a:t>
+            </a:r>
+            <a:r>
+              <a:rPr lang="en-GB" sz="2400" dirty="0">
+                <a:solidFill>
+                  <a:schemeClr val="accent4">
+                    <a:lumMod val="75000"/>
+                  </a:schemeClr>
+                </a:solidFill>
+              </a:rPr>
+              <a:t>margin=2cm</a:t>
+            </a:r>
+            <a:r>
+              <a:rPr lang="en-GB" sz="2400" dirty="0"/>
+              <a:t>] {</a:t>
+            </a:r>
+            <a:r>
+              <a:rPr lang="en-GB" sz="2400" dirty="0">
+                <a:solidFill>
+                  <a:schemeClr val="tx2">
+                    <a:lumMod val="50000"/>
+                    <a:lumOff val="50000"/>
+                  </a:schemeClr>
+                </a:solidFill>
+              </a:rPr>
+              <a:t>geometry</a:t>
+            </a:r>
+            <a:r>
+              <a:rPr lang="en-GB" sz="2400" dirty="0"/>
+              <a:t>}</a:t>
+            </a:r>
+          </a:p>
+          <a:p>
+            <a:pPr marL="0" indent="0">
+              <a:buNone/>
             </a:pPr>
+            <a:endParaRPr lang="en-GB" sz="2400" dirty="0"/>
+          </a:p>
+          <a:p>
+            <a:pPr marL="0" indent="0">
+              <a:buNone/>
+            </a:pPr>
+            <a:r>
+              <a:rPr lang="en-GB" sz="2400" dirty="0">
+                <a:solidFill>
+                  <a:schemeClr val="tx2">
+                    <a:lumMod val="50000"/>
+                    <a:lumOff val="50000"/>
+                  </a:schemeClr>
+                </a:solidFill>
+              </a:rPr>
+              <a:t>\begin</a:t>
+            </a:r>
             <a:r>
               <a:rPr lang="en-GB" sz="2400" dirty="0"/>
-              <a:t>The </a:t>
+              <a:t>{</a:t>
             </a:r>
             <a:r>
               <a:rPr lang="en-GB" sz="2400" dirty="0">
                 <a:solidFill>
-                  <a:schemeClr val="tx2">
-                    <a:lumMod val="50000"/>
-                    <a:lumOff val="50000"/>
-                  </a:schemeClr>
-                </a:solidFill>
-              </a:rPr>
-              <a:t>geometry</a:t>
+                  <a:schemeClr val="accent4">
+                    <a:lumMod val="75000"/>
+                  </a:schemeClr>
+                </a:solidFill>
+              </a:rPr>
+              <a:t>document</a:t>
             </a:r>
             <a:r>
               <a:rPr lang="en-GB" sz="2400" dirty="0"/>
-              <a:t> package allows us to set margins</a:t>
-            </a:r>
-          </a:p>
-          <a:p>
-            <a:pPr fontAlgn="base">
-              <a:spcBef>
-                <a:spcPts val="600"/>
-              </a:spcBef>
-              <a:spcAft>
-                <a:spcPts val="600"/>
-              </a:spcAft>
+              <a:t>}</a:t>
+            </a:r>
+            <a:br>
+              <a:rPr lang="en-GB" sz="2400" dirty="0"/>
+            </a:br>
+            <a:endParaRPr lang="en-GB" sz="2400" dirty="0"/>
+          </a:p>
+          <a:p>
+            <a:pPr marL="0" indent="0">
+              <a:buNone/>
             </a:pPr>
             <a:r>
+              <a:rPr lang="en-GB" sz="2400" dirty="0">
+                <a:solidFill>
+                  <a:schemeClr val="tx2">
+                    <a:lumMod val="50000"/>
+                    <a:lumOff val="50000"/>
+                  </a:schemeClr>
+                </a:solidFill>
+              </a:rPr>
+              <a:t>\</a:t>
+            </a:r>
+            <a:r>
+              <a:rPr lang="en-GB" sz="2400" dirty="0" err="1">
+                <a:solidFill>
+                  <a:schemeClr val="tx2">
+                    <a:lumMod val="50000"/>
+                    <a:lumOff val="50000"/>
+                  </a:schemeClr>
+                </a:solidFill>
+              </a:rPr>
+              <a:t>blindtext</a:t>
+            </a:r>
+            <a:r>
               <a:rPr lang="en-GB" sz="2400" dirty="0"/>
-              <a:t>The </a:t>
-            </a:r>
-            <a:r>
-              <a:rPr lang="en-GB" sz="2400" dirty="0" err="1">
-                <a:solidFill>
-                  <a:schemeClr val="tx2">
-                    <a:lumMod val="50000"/>
-                    <a:lumOff val="50000"/>
-                  </a:schemeClr>
-                </a:solidFill>
-              </a:rPr>
-              <a:t>blindtext</a:t>
-            </a:r>
-            <a:r>
+              <a:t>[10]</a:t>
+            </a:r>
+            <a:br>
               <a:rPr lang="en-GB" sz="2400" dirty="0"/>
-              <a:t> package and </a:t>
-            </a:r>
+            </a:br>
+            <a:endParaRPr lang="en-GB" sz="2400" dirty="0"/>
+          </a:p>
+          <a:p>
+            <a:pPr marL="0" indent="0">
+              <a:buNone/>
+            </a:pPr>
             <a:r>
               <a:rPr lang="en-GB" sz="2400" dirty="0">
                 <a:solidFill>
@@ -23277,22 +22940,130 @@
                   </a:schemeClr>
                 </a:solidFill>
               </a:rPr>
-              <a:t>\</a:t>
-            </a:r>
-            <a:r>
-              <a:rPr lang="en-GB" sz="2400" dirty="0" err="1">
-                <a:solidFill>
-                  <a:schemeClr val="tx2">
-                    <a:lumMod val="50000"/>
-                    <a:lumOff val="50000"/>
-                  </a:schemeClr>
-                </a:solidFill>
-              </a:rPr>
-              <a:t>blindtext</a:t>
+              <a:t>\end</a:t>
             </a:r>
             <a:r>
               <a:rPr lang="en-GB" sz="2400" dirty="0"/>
-              <a:t>[X] command allows us to insert sample text for testing typesetting</a:t>
+              <a:t>{</a:t>
+            </a:r>
+            <a:r>
+              <a:rPr lang="en-GB" sz="2400" dirty="0">
+                <a:solidFill>
+                  <a:schemeClr val="accent4">
+                    <a:lumMod val="75000"/>
+                  </a:schemeClr>
+                </a:solidFill>
+              </a:rPr>
+              <a:t>document</a:t>
+            </a:r>
+            <a:r>
+              <a:rPr lang="en-GB" sz="2400" dirty="0"/>
+              <a:t>}</a:t>
+            </a:r>
+          </a:p>
+        </p:txBody>
+      </p:sp>
+      <p:cxnSp>
+        <p:nvCxnSpPr>
+          <p:cNvPr id="4" name="Straight Connector 3">
+            <a:extLst>
+              <a:ext uri="{FF2B5EF4-FFF2-40B4-BE49-F238E27FC236}">
+                <a16:creationId xmlns:a16="http://schemas.microsoft.com/office/drawing/2014/main" id="{5F977231-9817-4997-8C71-01F70F4EFE4B}"/>
+              </a:ext>
+            </a:extLst>
+          </p:cNvPr>
+          <p:cNvCxnSpPr/>
+          <p:nvPr/>
+        </p:nvCxnSpPr>
+        <p:spPr>
+          <a:xfrm>
+            <a:off x="4572000" y="1417638"/>
+            <a:ext cx="0" cy="5440362"/>
+          </a:xfrm>
+          <a:prstGeom prst="line">
+            <a:avLst/>
+          </a:prstGeom>
+        </p:spPr>
+        <p:style>
+          <a:lnRef idx="2">
+            <a:schemeClr val="accent1"/>
+          </a:lnRef>
+          <a:fillRef idx="0">
+            <a:schemeClr val="accent1"/>
+          </a:fillRef>
+          <a:effectRef idx="1">
+            <a:schemeClr val="accent1"/>
+          </a:effectRef>
+          <a:fontRef idx="minor">
+            <a:schemeClr val="tx1"/>
+          </a:fontRef>
+        </p:style>
+      </p:cxnSp>
+      <p:pic>
+        <p:nvPicPr>
+          <p:cNvPr id="7" name="Picture 6">
+            <a:extLst>
+              <a:ext uri="{FF2B5EF4-FFF2-40B4-BE49-F238E27FC236}">
+                <a16:creationId xmlns:a16="http://schemas.microsoft.com/office/drawing/2014/main" id="{F2559630-000F-4CDC-9204-C2E97FBBB037}"/>
+              </a:ext>
+            </a:extLst>
+          </p:cNvPr>
+          <p:cNvPicPr>
+            <a:picLocks noChangeAspect="1"/>
+          </p:cNvPicPr>
+          <p:nvPr/>
+        </p:nvPicPr>
+        <p:blipFill>
+          <a:blip r:embed="rId3"/>
+          <a:stretch>
+            <a:fillRect/>
+          </a:stretch>
+        </p:blipFill>
+        <p:spPr>
+          <a:xfrm>
+            <a:off x="4903058" y="1227082"/>
+            <a:ext cx="4021210" cy="5628290"/>
+          </a:xfrm>
+          <a:prstGeom prst="rect">
+            <a:avLst/>
+          </a:prstGeom>
+        </p:spPr>
+      </p:pic>
+      <p:sp>
+        <p:nvSpPr>
+          <p:cNvPr id="6" name="TextBox 5">
+            <a:extLst>
+              <a:ext uri="{FF2B5EF4-FFF2-40B4-BE49-F238E27FC236}">
+                <a16:creationId xmlns:a16="http://schemas.microsoft.com/office/drawing/2014/main" id="{099674D9-4038-4AB1-BAD9-3C9EF5FD6E6A}"/>
+              </a:ext>
+            </a:extLst>
+          </p:cNvPr>
+          <p:cNvSpPr txBox="1"/>
+          <p:nvPr/>
+        </p:nvSpPr>
+        <p:spPr>
+          <a:xfrm>
+            <a:off x="7357241" y="6498021"/>
+            <a:ext cx="1697422" cy="369332"/>
+          </a:xfrm>
+          <a:prstGeom prst="rect">
+            <a:avLst/>
+          </a:prstGeom>
+          <a:noFill/>
+        </p:spPr>
+        <p:txBody>
+          <a:bodyPr wrap="square" rtlCol="0">
+            <a:spAutoFit/>
+          </a:bodyPr>
+          <a:lstStyle/>
+          <a:p>
+            <a:r>
+              <a:rPr lang="en-GB" dirty="0">
+                <a:solidFill>
+                  <a:schemeClr val="accent2"/>
+                </a:solidFill>
+              </a:rPr>
+              <a:t>Problem Sheet</a:t>
             </a:r>
           </a:p>
         </p:txBody>
@@ -23300,7 +23071,7 @@
     </p:spTree>
     <p:extLst>
       <p:ext uri="{BB962C8B-B14F-4D97-AF65-F5344CB8AC3E}">
-        <p14:creationId xmlns:p14="http://schemas.microsoft.com/office/powerpoint/2010/main" val="2812092125"/>
+        <p14:creationId xmlns:p14="http://schemas.microsoft.com/office/powerpoint/2010/main" val="220242497"/>
       </p:ext>
     </p:extLst>
   </p:cSld>

--- a/Writing Theses in Latex Slides.pptx
+++ b/Writing Theses in Latex Slides.pptx
@@ -5,10 +5,10 @@
     <p:sldMasterId id="2147483648" r:id="rId1"/>
   </p:sldMasterIdLst>
   <p:notesMasterIdLst>
-    <p:notesMasterId r:id="rId45"/>
+    <p:notesMasterId r:id="rId44"/>
   </p:notesMasterIdLst>
   <p:handoutMasterIdLst>
-    <p:handoutMasterId r:id="rId46"/>
+    <p:handoutMasterId r:id="rId45"/>
   </p:handoutMasterIdLst>
   <p:sldIdLst>
     <p:sldId id="264" r:id="rId2"/>
@@ -51,9 +51,8 @@
     <p:sldId id="325" r:id="rId39"/>
     <p:sldId id="327" r:id="rId40"/>
     <p:sldId id="330" r:id="rId41"/>
-    <p:sldId id="328" r:id="rId42"/>
-    <p:sldId id="331" r:id="rId43"/>
-    <p:sldId id="280" r:id="rId44"/>
+    <p:sldId id="335" r:id="rId42"/>
+    <p:sldId id="280" r:id="rId43"/>
   </p:sldIdLst>
   <p:sldSz cx="9144000" cy="6858000" type="screen4x3"/>
   <p:notesSz cx="7099300" cy="10234613"/>
@@ -197,8 +196,7 @@
             <p14:sldId id="325"/>
             <p14:sldId id="327"/>
             <p14:sldId id="330"/>
-            <p14:sldId id="328"/>
-            <p14:sldId id="331"/>
+            <p14:sldId id="335"/>
             <p14:sldId id="280"/>
           </p14:sldIdLst>
         </p14:section>
@@ -223,6 +221,49 @@
     </p:ext>
   </p:extLst>
 </p:presentation>
+</file>
+
+<file path=ppt/revisionInfo.xml><?xml version="1.0" encoding="utf-8"?>
+<p1510:revInfo xmlns:a="http://schemas.openxmlformats.org/drawingml/2006/main" xmlns:r="http://schemas.openxmlformats.org/officeDocument/2006/relationships" xmlns:p1510="http://schemas.microsoft.com/office/powerpoint/2015/10/main">
+  <p1510:revLst>
+    <p1510:client id="{D8103D45-09F7-4688-9DAE-2960EEBE232E}" v="1" dt="2022-10-10T14:03:12.596"/>
+  </p1510:revLst>
+</p1510:revInfo>
+</file>
+
+<file path=ppt/changesInfos/changesInfo1.xml><?xml version="1.0" encoding="utf-8"?>
+<pc:chgInfo xmlns:a="http://schemas.openxmlformats.org/drawingml/2006/main" xmlns:r="http://schemas.openxmlformats.org/officeDocument/2006/relationships" xmlns:ac="http://schemas.microsoft.com/office/drawing/2013/main/command" xmlns:pc="http://schemas.microsoft.com/office/powerpoint/2013/main/command">
+  <pc:docChgLst>
+    <pc:chgData name="Cooling, Chris" userId="6dcf99c9-2ba5-410a-8445-0893a3d1421f" providerId="ADAL" clId="{D8103D45-09F7-4688-9DAE-2960EEBE232E}"/>
+    <pc:docChg chg="addSld delSld modSld modSection">
+      <pc:chgData name="Cooling, Chris" userId="6dcf99c9-2ba5-410a-8445-0893a3d1421f" providerId="ADAL" clId="{D8103D45-09F7-4688-9DAE-2960EEBE232E}" dt="2022-10-10T14:03:18.971" v="2" actId="47"/>
+      <pc:docMkLst>
+        <pc:docMk/>
+      </pc:docMkLst>
+      <pc:sldChg chg="del">
+        <pc:chgData name="Cooling, Chris" userId="6dcf99c9-2ba5-410a-8445-0893a3d1421f" providerId="ADAL" clId="{D8103D45-09F7-4688-9DAE-2960EEBE232E}" dt="2022-10-10T14:03:18.971" v="2" actId="47"/>
+        <pc:sldMkLst>
+          <pc:docMk/>
+          <pc:sldMk cId="1331705178" sldId="328"/>
+        </pc:sldMkLst>
+      </pc:sldChg>
+      <pc:sldChg chg="del">
+        <pc:chgData name="Cooling, Chris" userId="6dcf99c9-2ba5-410a-8445-0893a3d1421f" providerId="ADAL" clId="{D8103D45-09F7-4688-9DAE-2960EEBE232E}" dt="2022-10-10T14:03:10.496" v="0" actId="47"/>
+        <pc:sldMkLst>
+          <pc:docMk/>
+          <pc:sldMk cId="2122788927" sldId="331"/>
+        </pc:sldMkLst>
+      </pc:sldChg>
+      <pc:sldChg chg="add">
+        <pc:chgData name="Cooling, Chris" userId="6dcf99c9-2ba5-410a-8445-0893a3d1421f" providerId="ADAL" clId="{D8103D45-09F7-4688-9DAE-2960EEBE232E}" dt="2022-10-10T14:03:12.595" v="1"/>
+        <pc:sldMkLst>
+          <pc:docMk/>
+          <pc:sldMk cId="466020703" sldId="335"/>
+        </pc:sldMkLst>
+      </pc:sldChg>
+    </pc:docChg>
+  </pc:docChgLst>
+</pc:chgInfo>
 </file>
 
 <file path=ppt/handoutMasters/handoutMaster1.xml><?xml version="1.0" encoding="utf-8"?>
@@ -474,7 +515,7 @@
           <a:p>
             <a:fld id="{88EB714B-C3CC-4216-88C1-02913905B1CF}" type="datetimeFigureOut">
               <a:rPr lang="en-GB" smtClean="0"/>
-              <a:t>20/05/2022</a:t>
+              <a:t>10/10/2022</a:t>
             </a:fld>
             <a:endParaRPr lang="en-GB"/>
           </a:p>
@@ -5193,26 +5234,7 @@
           <a:bodyPr/>
           <a:lstStyle/>
           <a:p>
-            <a:r>
-              <a:rPr lang="en-GB" dirty="0"/>
-              <a:t>If you want to do something in LaTeX but don’t know how, the first thing to do is to Google it. Somebody has almost certainly had your problem/desire before and you can copy their solution most of the time. On many occasions, you’ll find the answer of </a:t>
-            </a:r>
-            <a:r>
-              <a:rPr lang="en-GB" dirty="0" err="1"/>
-              <a:t>stackexchange</a:t>
-            </a:r>
-            <a:r>
-              <a:rPr lang="en-GB" dirty="0"/>
-              <a:t>. As well as being a useful environment to develop and run LaTeX, Overleaf has an extensive library of documentation on LaTeX’s functions. There’s also a very good </a:t>
-            </a:r>
-            <a:r>
-              <a:rPr lang="en-GB" dirty="0" err="1"/>
-              <a:t>wikibook</a:t>
-            </a:r>
-            <a:r>
-              <a:rPr lang="en-GB" dirty="0"/>
-              <a:t> that contains a good description of the functionality of LaTeX. There’s also a good table maker which allows you to define tables in a more natural and graphical way and have it return the equivalent LaTeX code. Finally, there’s an equation editor which allows you to define equations in a more graphical fashion and have it return the equivalent LaTeX code.</a:t>
-            </a:r>
+            <a:endParaRPr lang="en-GB" dirty="0"/>
           </a:p>
         </p:txBody>
       </p:sp>
@@ -5242,7 +5264,7 @@
     </p:spTree>
     <p:extLst>
       <p:ext uri="{BB962C8B-B14F-4D97-AF65-F5344CB8AC3E}">
-        <p14:creationId xmlns:p14="http://schemas.microsoft.com/office/powerpoint/2010/main" val="1445805806"/>
+        <p14:creationId xmlns:p14="http://schemas.microsoft.com/office/powerpoint/2010/main" val="1492413823"/>
       </p:ext>
     </p:extLst>
   </p:cSld>
@@ -5271,90 +5293,6 @@
       </p:grpSpPr>
       <p:sp>
         <p:nvSpPr>
-          <p:cNvPr id="2" name="Slide Image Placeholder 1"/>
-          <p:cNvSpPr>
-            <a:spLocks noGrp="1" noRot="1" noChangeAspect="1"/>
-          </p:cNvSpPr>
-          <p:nvPr>
-            <p:ph type="sldImg"/>
-          </p:nvPr>
-        </p:nvSpPr>
-        <p:spPr/>
-      </p:sp>
-      <p:sp>
-        <p:nvSpPr>
-          <p:cNvPr id="3" name="Notes Placeholder 2"/>
-          <p:cNvSpPr>
-            <a:spLocks noGrp="1"/>
-          </p:cNvSpPr>
-          <p:nvPr>
-            <p:ph type="body" idx="1"/>
-          </p:nvPr>
-        </p:nvSpPr>
-        <p:spPr/>
-        <p:txBody>
-          <a:bodyPr/>
-          <a:lstStyle/>
-          <a:p>
-            <a:endParaRPr lang="en-GB" dirty="0"/>
-          </a:p>
-        </p:txBody>
-      </p:sp>
-      <p:sp>
-        <p:nvSpPr>
-          <p:cNvPr id="4" name="Slide Number Placeholder 3"/>
-          <p:cNvSpPr>
-            <a:spLocks noGrp="1"/>
-          </p:cNvSpPr>
-          <p:nvPr>
-            <p:ph type="sldNum" sz="quarter" idx="10"/>
-          </p:nvPr>
-        </p:nvSpPr>
-        <p:spPr/>
-        <p:txBody>
-          <a:bodyPr/>
-          <a:lstStyle/>
-          <a:p>
-            <a:fld id="{6A641EC8-C9F8-4A58-A1A7-F7D817526EEC}" type="slidenum">
-              <a:rPr lang="en-GB" smtClean="0"/>
-              <a:t>42</a:t>
-            </a:fld>
-            <a:endParaRPr lang="en-GB"/>
-          </a:p>
-        </p:txBody>
-      </p:sp>
-    </p:spTree>
-    <p:extLst>
-      <p:ext uri="{BB962C8B-B14F-4D97-AF65-F5344CB8AC3E}">
-        <p14:creationId xmlns:p14="http://schemas.microsoft.com/office/powerpoint/2010/main" val="1492413823"/>
-      </p:ext>
-    </p:extLst>
-  </p:cSld>
-  <p:clrMapOvr>
-    <a:masterClrMapping/>
-  </p:clrMapOvr>
-</p:notes>
-</file>
-
-<file path=ppt/notesSlides/notesSlide42.xml><?xml version="1.0" encoding="utf-8"?>
-<p:notes xmlns:a="http://schemas.openxmlformats.org/drawingml/2006/main" xmlns:r="http://schemas.openxmlformats.org/officeDocument/2006/relationships" xmlns:p="http://schemas.openxmlformats.org/presentationml/2006/main">
-  <p:cSld>
-    <p:spTree>
-      <p:nvGrpSpPr>
-        <p:cNvPr id="1" name=""/>
-        <p:cNvGrpSpPr/>
-        <p:nvPr/>
-      </p:nvGrpSpPr>
-      <p:grpSpPr>
-        <a:xfrm>
-          <a:off x="0" y="0"/>
-          <a:ext cx="0" cy="0"/>
-          <a:chOff x="0" y="0"/>
-          <a:chExt cx="0" cy="0"/>
-        </a:xfrm>
-      </p:grpSpPr>
-      <p:sp>
-        <p:nvSpPr>
           <p:cNvPr id="108546" name="Rectangle 7"/>
           <p:cNvSpPr>
             <a:spLocks noGrp="1" noChangeArrowheads="1"/>
@@ -5513,7 +5451,7 @@
                   <a:spcPct val="0"/>
                 </a:spcBef>
               </a:pPr>
-              <a:t>43</a:t>
+              <a:t>42</a:t>
             </a:fld>
             <a:endParaRPr lang="en-US" altLang="en-US"/>
           </a:p>
@@ -6473,7 +6411,7 @@
           <a:p>
             <a:fld id="{EB0080F8-EA1C-491D-963C-2C881B2F918F}" type="datetimeFigureOut">
               <a:rPr lang="en-GB" smtClean="0"/>
-              <a:t>20/05/2022</a:t>
+              <a:t>10/10/2022</a:t>
             </a:fld>
             <a:endParaRPr lang="en-GB"/>
           </a:p>
@@ -6623,7 +6561,7 @@
           <a:p>
             <a:fld id="{EB0080F8-EA1C-491D-963C-2C881B2F918F}" type="datetimeFigureOut">
               <a:rPr lang="en-GB" smtClean="0"/>
-              <a:t>20/05/2022</a:t>
+              <a:t>10/10/2022</a:t>
             </a:fld>
             <a:endParaRPr lang="en-GB"/>
           </a:p>
@@ -8156,7 +8094,7 @@
           <a:p>
             <a:fld id="{EB0080F8-EA1C-491D-963C-2C881B2F918F}" type="datetimeFigureOut">
               <a:rPr lang="en-GB" smtClean="0"/>
-              <a:t>20/05/2022</a:t>
+              <a:t>10/10/2022</a:t>
             </a:fld>
             <a:endParaRPr lang="en-GB"/>
           </a:p>
@@ -21391,154 +21329,12 @@
           <a:chExt cx="0" cy="0"/>
         </a:xfrm>
       </p:grpSpPr>
-      <p:sp>
-        <p:nvSpPr>
-          <p:cNvPr id="2" name="Title 1"/>
-          <p:cNvSpPr>
-            <a:spLocks noGrp="1"/>
-          </p:cNvSpPr>
-          <p:nvPr>
-            <p:ph type="title"/>
-          </p:nvPr>
-        </p:nvSpPr>
-        <p:spPr/>
-        <p:txBody>
-          <a:bodyPr/>
-          <a:lstStyle/>
-          <a:p>
-            <a:r>
-              <a:rPr lang="en-GB" sz="4000" dirty="0"/>
-              <a:t>Online Tools</a:t>
-            </a:r>
-          </a:p>
-        </p:txBody>
-      </p:sp>
-      <p:sp>
-        <p:nvSpPr>
-          <p:cNvPr id="3" name="TextBox 2"/>
-          <p:cNvSpPr txBox="1"/>
-          <p:nvPr/>
-        </p:nvSpPr>
-        <p:spPr>
-          <a:xfrm>
-            <a:off x="457200" y="1957138"/>
-            <a:ext cx="3422732" cy="4247317"/>
-          </a:xfrm>
-          <a:prstGeom prst="rect">
-            <a:avLst/>
-          </a:prstGeom>
-          <a:noFill/>
-        </p:spPr>
-        <p:txBody>
-          <a:bodyPr wrap="none" rtlCol="0">
-            <a:spAutoFit/>
-          </a:bodyPr>
-          <a:lstStyle/>
-          <a:p>
-            <a:pPr marL="457200" indent="-457200">
-              <a:buFont typeface="Arial" panose="020B0604020202020204" pitchFamily="34" charset="0"/>
-              <a:buChar char="•"/>
-            </a:pPr>
-            <a:r>
-              <a:rPr lang="en-GB" sz="3000" dirty="0">
-                <a:hlinkClick r:id="rId3"/>
-              </a:rPr>
-              <a:t>Google</a:t>
-            </a:r>
-            <a:endParaRPr lang="en-GB" sz="3000" dirty="0"/>
-          </a:p>
-          <a:p>
-            <a:pPr marL="457200" indent="-457200">
-              <a:buFont typeface="Arial" panose="020B0604020202020204" pitchFamily="34" charset="0"/>
-              <a:buChar char="•"/>
-            </a:pPr>
-            <a:r>
-              <a:rPr lang="en-GB" sz="3000" dirty="0">
-                <a:hlinkClick r:id="rId4"/>
-              </a:rPr>
-              <a:t>Stack Exchange</a:t>
-            </a:r>
-            <a:endParaRPr lang="en-GB" sz="3000" dirty="0"/>
-          </a:p>
-          <a:p>
-            <a:pPr marL="457200" indent="-457200">
-              <a:buFont typeface="Arial" panose="020B0604020202020204" pitchFamily="34" charset="0"/>
-              <a:buChar char="•"/>
-            </a:pPr>
-            <a:r>
-              <a:rPr lang="en-GB" sz="3000" dirty="0">
-                <a:hlinkClick r:id="rId5"/>
-              </a:rPr>
-              <a:t>Overleaf</a:t>
-            </a:r>
-            <a:endParaRPr lang="en-GB" sz="3000" dirty="0"/>
-          </a:p>
-          <a:p>
-            <a:pPr marL="457200" indent="-457200">
-              <a:buFont typeface="Arial" panose="020B0604020202020204" pitchFamily="34" charset="0"/>
-              <a:buChar char="•"/>
-            </a:pPr>
-            <a:r>
-              <a:rPr lang="en-GB" sz="3000" dirty="0" err="1">
-                <a:hlinkClick r:id="rId6"/>
-              </a:rPr>
-              <a:t>Wikibook</a:t>
-            </a:r>
-            <a:endParaRPr lang="en-GB" sz="3000" dirty="0"/>
-          </a:p>
-          <a:p>
-            <a:pPr marL="457200" indent="-457200">
-              <a:buFont typeface="Arial" panose="020B0604020202020204" pitchFamily="34" charset="0"/>
-              <a:buChar char="•"/>
-            </a:pPr>
-            <a:r>
-              <a:rPr lang="en-GB" sz="3000" dirty="0">
-                <a:hlinkClick r:id="rId7"/>
-              </a:rPr>
-              <a:t>Table Maker</a:t>
-            </a:r>
-            <a:endParaRPr lang="en-GB" sz="3000" dirty="0"/>
-          </a:p>
-          <a:p>
-            <a:pPr marL="457200" indent="-457200">
-              <a:buFont typeface="Arial" panose="020B0604020202020204" pitchFamily="34" charset="0"/>
-              <a:buChar char="•"/>
-            </a:pPr>
-            <a:r>
-              <a:rPr lang="en-GB" sz="3000" dirty="0">
-                <a:hlinkClick r:id="rId8"/>
-              </a:rPr>
-              <a:t>Equation Editor</a:t>
-            </a:r>
-            <a:endParaRPr lang="en-GB" sz="3000" dirty="0"/>
-          </a:p>
-          <a:p>
-            <a:pPr marL="457200" indent="-457200">
-              <a:buFont typeface="Arial" panose="020B0604020202020204" pitchFamily="34" charset="0"/>
-              <a:buChar char="•"/>
-            </a:pPr>
-            <a:r>
-              <a:rPr lang="en-GB" sz="3000" dirty="0">
-                <a:hlinkClick r:id="rId9"/>
-              </a:rPr>
-              <a:t>Detexify</a:t>
-            </a:r>
-            <a:endParaRPr lang="en-GB" sz="3000" dirty="0"/>
-          </a:p>
-          <a:p>
-            <a:endParaRPr lang="en-GB" sz="3000" dirty="0"/>
-          </a:p>
-          <a:p>
-            <a:endParaRPr lang="en-GB" sz="3000" dirty="0"/>
-          </a:p>
-        </p:txBody>
-      </p:sp>
       <p:pic>
         <p:nvPicPr>
-          <p:cNvPr id="5" name="Picture 4">
+          <p:cNvPr id="5" name="Picture 4" descr="Qr code&#10;&#10;Description automatically generated">
             <a:extLst>
               <a:ext uri="{FF2B5EF4-FFF2-40B4-BE49-F238E27FC236}">
-                <a16:creationId xmlns:a16="http://schemas.microsoft.com/office/drawing/2014/main" id="{7024B7B7-0AE3-46F6-B545-576352E8C718}"/>
+                <a16:creationId xmlns:a16="http://schemas.microsoft.com/office/drawing/2014/main" id="{6EC95C70-AC70-4FEA-AC75-84A729884BE8}"/>
               </a:ext>
             </a:extLst>
           </p:cNvPr>
@@ -21548,31 +21344,107 @@
           <p:nvPr/>
         </p:nvPicPr>
         <p:blipFill>
-          <a:blip r:embed="rId10">
-            <a:extLst>
-              <a:ext uri="{837473B0-CC2E-450A-ABE3-18F120FF3D39}">
-                <a1611:picAttrSrcUrl xmlns:a1611="http://schemas.microsoft.com/office/drawing/2016/11/main" r:id="rId11"/>
-              </a:ext>
-            </a:extLst>
-          </a:blip>
+          <a:blip r:embed="rId3"/>
           <a:stretch>
             <a:fillRect/>
           </a:stretch>
         </p:blipFill>
         <p:spPr>
           <a:xfrm>
-            <a:off x="4895582" y="2233493"/>
-            <a:ext cx="4248418" cy="4624507"/>
+            <a:off x="3111335" y="3921107"/>
+            <a:ext cx="2921330" cy="2921330"/>
           </a:xfrm>
           <a:prstGeom prst="rect">
             <a:avLst/>
           </a:prstGeom>
         </p:spPr>
       </p:pic>
+      <p:sp>
+        <p:nvSpPr>
+          <p:cNvPr id="2" name="Title 1"/>
+          <p:cNvSpPr>
+            <a:spLocks noGrp="1"/>
+          </p:cNvSpPr>
+          <p:nvPr>
+            <p:ph type="title"/>
+          </p:nvPr>
+        </p:nvSpPr>
+        <p:spPr/>
+        <p:txBody>
+          <a:bodyPr/>
+          <a:lstStyle/>
+          <a:p>
+            <a:r>
+              <a:rPr lang="en-GB" sz="4000" dirty="0"/>
+              <a:t>Feedback</a:t>
+            </a:r>
+          </a:p>
+        </p:txBody>
+      </p:sp>
+      <p:sp>
+        <p:nvSpPr>
+          <p:cNvPr id="3" name="Content Placeholder 2"/>
+          <p:cNvSpPr>
+            <a:spLocks noGrp="1"/>
+          </p:cNvSpPr>
+          <p:nvPr>
+            <p:ph idx="1"/>
+          </p:nvPr>
+        </p:nvSpPr>
+        <p:spPr>
+          <a:xfrm>
+            <a:off x="457200" y="1600200"/>
+            <a:ext cx="8435280" cy="2787732"/>
+          </a:xfrm>
+        </p:spPr>
+        <p:txBody>
+          <a:bodyPr>
+            <a:normAutofit lnSpcReduction="10000"/>
+          </a:bodyPr>
+          <a:lstStyle/>
+          <a:p>
+            <a:r>
+              <a:rPr lang="en-GB" sz="3000" dirty="0"/>
+              <a:t>Once you’ve completed this course, please provide feedback</a:t>
+            </a:r>
+          </a:p>
+          <a:p>
+            <a:pPr lvl="1"/>
+            <a:r>
+              <a:rPr lang="en-GB" sz="2600" dirty="0"/>
+              <a:t>The link is </a:t>
+            </a:r>
+            <a:r>
+              <a:rPr lang="en-GB" sz="2600" dirty="0">
+                <a:hlinkClick r:id="rId4"/>
+              </a:rPr>
+              <a:t>https://tinyurl.com/rcds2022-23</a:t>
+            </a:r>
+            <a:endParaRPr lang="en-GB" sz="2600" dirty="0"/>
+          </a:p>
+          <a:p>
+            <a:pPr lvl="1"/>
+            <a:r>
+              <a:rPr lang="en-GB" sz="2600" dirty="0"/>
+              <a:t>You should also have received an email with this link</a:t>
+            </a:r>
+          </a:p>
+          <a:p>
+            <a:pPr lvl="1"/>
+            <a:r>
+              <a:rPr lang="en-GB" sz="2600" dirty="0"/>
+              <a:t>This helps us improve the class for future students</a:t>
+            </a:r>
+          </a:p>
+          <a:p>
+            <a:endParaRPr lang="en-GB" sz="3000" dirty="0"/>
+          </a:p>
+        </p:txBody>
+      </p:sp>
     </p:spTree>
     <p:extLst>
       <p:ext uri="{BB962C8B-B14F-4D97-AF65-F5344CB8AC3E}">
-        <p14:creationId xmlns:p14="http://schemas.microsoft.com/office/powerpoint/2010/main" val="1331705178"/>
+        <p14:creationId xmlns:p14="http://schemas.microsoft.com/office/powerpoint/2010/main" val="466020703"/>
       </p:ext>
     </p:extLst>
   </p:cSld>
@@ -21591,141 +21463,6 @@
 </file>
 
 <file path=ppt/slides/slide42.xml><?xml version="1.0" encoding="utf-8"?>
-<p:sld xmlns:a="http://schemas.openxmlformats.org/drawingml/2006/main" xmlns:r="http://schemas.openxmlformats.org/officeDocument/2006/relationships" xmlns:p="http://schemas.openxmlformats.org/presentationml/2006/main">
-  <p:cSld>
-    <p:spTree>
-      <p:nvGrpSpPr>
-        <p:cNvPr id="1" name=""/>
-        <p:cNvGrpSpPr/>
-        <p:nvPr/>
-      </p:nvGrpSpPr>
-      <p:grpSpPr>
-        <a:xfrm>
-          <a:off x="0" y="0"/>
-          <a:ext cx="0" cy="0"/>
-          <a:chOff x="0" y="0"/>
-          <a:chExt cx="0" cy="0"/>
-        </a:xfrm>
-      </p:grpSpPr>
-      <p:sp>
-        <p:nvSpPr>
-          <p:cNvPr id="2" name="Title 1"/>
-          <p:cNvSpPr>
-            <a:spLocks noGrp="1"/>
-          </p:cNvSpPr>
-          <p:nvPr>
-            <p:ph type="title"/>
-          </p:nvPr>
-        </p:nvSpPr>
-        <p:spPr/>
-        <p:txBody>
-          <a:bodyPr/>
-          <a:lstStyle/>
-          <a:p>
-            <a:r>
-              <a:rPr lang="en-GB" sz="4000" dirty="0"/>
-              <a:t>Feedback</a:t>
-            </a:r>
-          </a:p>
-        </p:txBody>
-      </p:sp>
-      <p:sp>
-        <p:nvSpPr>
-          <p:cNvPr id="3" name="Content Placeholder 2"/>
-          <p:cNvSpPr>
-            <a:spLocks noGrp="1"/>
-          </p:cNvSpPr>
-          <p:nvPr>
-            <p:ph idx="1"/>
-          </p:nvPr>
-        </p:nvSpPr>
-        <p:spPr>
-          <a:xfrm>
-            <a:off x="457200" y="1600200"/>
-            <a:ext cx="8435280" cy="4876800"/>
-          </a:xfrm>
-        </p:spPr>
-        <p:txBody>
-          <a:bodyPr>
-            <a:normAutofit/>
-          </a:bodyPr>
-          <a:lstStyle/>
-          <a:p>
-            <a:r>
-              <a:rPr lang="en-GB" sz="3000" dirty="0"/>
-              <a:t>Once you’ve completed this course, please provide feedback</a:t>
-            </a:r>
-          </a:p>
-          <a:p>
-            <a:pPr lvl="1"/>
-            <a:r>
-              <a:rPr lang="en-GB" sz="2600" dirty="0"/>
-              <a:t>The link is </a:t>
-            </a:r>
-            <a:r>
-              <a:rPr lang="en-GB" sz="2600" u="sng" dirty="0">
-                <a:solidFill>
-                  <a:srgbClr val="000000"/>
-                </a:solidFill>
-                <a:effectLst/>
-                <a:latin typeface="Arial" panose="020B0604020202020204" pitchFamily="34" charset="0"/>
-                <a:ea typeface="Times New Roman" panose="02020603050405020304" pitchFamily="18" charset="0"/>
-                <a:cs typeface="Arial" panose="020B0604020202020204" pitchFamily="34" charset="0"/>
-                <a:hlinkClick r:id="rId3"/>
-              </a:rPr>
-              <a:t>tinyurl.com/rcds2021-22</a:t>
-            </a:r>
-            <a:endParaRPr lang="en-GB" sz="2600" u="sng" dirty="0">
-              <a:solidFill>
-                <a:srgbClr val="000000"/>
-              </a:solidFill>
-              <a:effectLst/>
-              <a:latin typeface="Arial" panose="020B0604020202020204" pitchFamily="34" charset="0"/>
-              <a:ea typeface="Times New Roman" panose="02020603050405020304" pitchFamily="18" charset="0"/>
-              <a:cs typeface="Arial" panose="020B0604020202020204" pitchFamily="34" charset="0"/>
-            </a:endParaRPr>
-          </a:p>
-          <a:p>
-            <a:pPr lvl="1"/>
-            <a:r>
-              <a:rPr lang="en-GB" sz="2600" dirty="0"/>
-              <a:t>You should also have received an email with this link</a:t>
-            </a:r>
-          </a:p>
-          <a:p>
-            <a:pPr lvl="1"/>
-            <a:r>
-              <a:rPr lang="en-GB" sz="2600" dirty="0"/>
-              <a:t>This helps us improve the class for future students</a:t>
-            </a:r>
-          </a:p>
-          <a:p>
-            <a:endParaRPr lang="en-GB" sz="3000" dirty="0"/>
-          </a:p>
-        </p:txBody>
-      </p:sp>
-    </p:spTree>
-    <p:extLst>
-      <p:ext uri="{BB962C8B-B14F-4D97-AF65-F5344CB8AC3E}">
-        <p14:creationId xmlns:p14="http://schemas.microsoft.com/office/powerpoint/2010/main" val="2122788927"/>
-      </p:ext>
-    </p:extLst>
-  </p:cSld>
-  <p:clrMapOvr>
-    <a:masterClrMapping/>
-  </p:clrMapOvr>
-  <mc:AlternateContent xmlns:mc="http://schemas.openxmlformats.org/markup-compatibility/2006" xmlns:p14="http://schemas.microsoft.com/office/powerpoint/2010/main">
-    <mc:Choice Requires="p14">
-      <p:transition p14:dur="10"/>
-    </mc:Choice>
-    <mc:Fallback xmlns="">
-      <p:transition/>
-    </mc:Fallback>
-  </mc:AlternateContent>
-</p:sld>
-</file>
-
-<file path=ppt/slides/slide43.xml><?xml version="1.0" encoding="utf-8"?>
 <p:sld xmlns:a="http://schemas.openxmlformats.org/drawingml/2006/main" xmlns:r="http://schemas.openxmlformats.org/officeDocument/2006/relationships" xmlns:p="http://schemas.openxmlformats.org/presentationml/2006/main">
   <p:cSld>
     <p:spTree>

--- a/Writing Theses in Latex Slides.pptx
+++ b/Writing Theses in Latex Slides.pptx
@@ -5,54 +5,55 @@
     <p:sldMasterId id="2147483648" r:id="rId1"/>
   </p:sldMasterIdLst>
   <p:notesMasterIdLst>
-    <p:notesMasterId r:id="rId44"/>
+    <p:notesMasterId r:id="rId45"/>
   </p:notesMasterIdLst>
   <p:handoutMasterIdLst>
-    <p:handoutMasterId r:id="rId45"/>
+    <p:handoutMasterId r:id="rId46"/>
   </p:handoutMasterIdLst>
   <p:sldIdLst>
     <p:sldId id="264" r:id="rId2"/>
     <p:sldId id="504" r:id="rId3"/>
     <p:sldId id="267" r:id="rId4"/>
-    <p:sldId id="292" r:id="rId5"/>
-    <p:sldId id="268" r:id="rId6"/>
-    <p:sldId id="295" r:id="rId7"/>
-    <p:sldId id="296" r:id="rId8"/>
-    <p:sldId id="297" r:id="rId9"/>
-    <p:sldId id="298" r:id="rId10"/>
-    <p:sldId id="302" r:id="rId11"/>
-    <p:sldId id="301" r:id="rId12"/>
-    <p:sldId id="300" r:id="rId13"/>
-    <p:sldId id="303" r:id="rId14"/>
-    <p:sldId id="304" r:id="rId15"/>
-    <p:sldId id="307" r:id="rId16"/>
-    <p:sldId id="305" r:id="rId17"/>
-    <p:sldId id="306" r:id="rId18"/>
-    <p:sldId id="308" r:id="rId19"/>
-    <p:sldId id="309" r:id="rId20"/>
-    <p:sldId id="310" r:id="rId21"/>
-    <p:sldId id="311" r:id="rId22"/>
-    <p:sldId id="329" r:id="rId23"/>
-    <p:sldId id="320" r:id="rId24"/>
-    <p:sldId id="312" r:id="rId25"/>
-    <p:sldId id="316" r:id="rId26"/>
-    <p:sldId id="315" r:id="rId27"/>
-    <p:sldId id="317" r:id="rId28"/>
-    <p:sldId id="313" r:id="rId29"/>
-    <p:sldId id="314" r:id="rId30"/>
-    <p:sldId id="332" r:id="rId31"/>
-    <p:sldId id="318" r:id="rId32"/>
-    <p:sldId id="286" r:id="rId33"/>
-    <p:sldId id="319" r:id="rId34"/>
-    <p:sldId id="321" r:id="rId35"/>
-    <p:sldId id="322" r:id="rId36"/>
-    <p:sldId id="323" r:id="rId37"/>
-    <p:sldId id="326" r:id="rId38"/>
-    <p:sldId id="325" r:id="rId39"/>
-    <p:sldId id="327" r:id="rId40"/>
-    <p:sldId id="330" r:id="rId41"/>
-    <p:sldId id="335" r:id="rId42"/>
-    <p:sldId id="280" r:id="rId43"/>
+    <p:sldId id="505" r:id="rId5"/>
+    <p:sldId id="292" r:id="rId6"/>
+    <p:sldId id="268" r:id="rId7"/>
+    <p:sldId id="295" r:id="rId8"/>
+    <p:sldId id="296" r:id="rId9"/>
+    <p:sldId id="297" r:id="rId10"/>
+    <p:sldId id="298" r:id="rId11"/>
+    <p:sldId id="302" r:id="rId12"/>
+    <p:sldId id="301" r:id="rId13"/>
+    <p:sldId id="300" r:id="rId14"/>
+    <p:sldId id="303" r:id="rId15"/>
+    <p:sldId id="304" r:id="rId16"/>
+    <p:sldId id="307" r:id="rId17"/>
+    <p:sldId id="305" r:id="rId18"/>
+    <p:sldId id="306" r:id="rId19"/>
+    <p:sldId id="308" r:id="rId20"/>
+    <p:sldId id="309" r:id="rId21"/>
+    <p:sldId id="310" r:id="rId22"/>
+    <p:sldId id="311" r:id="rId23"/>
+    <p:sldId id="329" r:id="rId24"/>
+    <p:sldId id="320" r:id="rId25"/>
+    <p:sldId id="312" r:id="rId26"/>
+    <p:sldId id="316" r:id="rId27"/>
+    <p:sldId id="315" r:id="rId28"/>
+    <p:sldId id="317" r:id="rId29"/>
+    <p:sldId id="313" r:id="rId30"/>
+    <p:sldId id="314" r:id="rId31"/>
+    <p:sldId id="332" r:id="rId32"/>
+    <p:sldId id="318" r:id="rId33"/>
+    <p:sldId id="286" r:id="rId34"/>
+    <p:sldId id="319" r:id="rId35"/>
+    <p:sldId id="321" r:id="rId36"/>
+    <p:sldId id="322" r:id="rId37"/>
+    <p:sldId id="323" r:id="rId38"/>
+    <p:sldId id="326" r:id="rId39"/>
+    <p:sldId id="325" r:id="rId40"/>
+    <p:sldId id="327" r:id="rId41"/>
+    <p:sldId id="330" r:id="rId42"/>
+    <p:sldId id="335" r:id="rId43"/>
+    <p:sldId id="280" r:id="rId44"/>
   </p:sldIdLst>
   <p:sldSz cx="9144000" cy="6858000" type="screen4x3"/>
   <p:notesSz cx="7099300" cy="10234613"/>
@@ -159,6 +160,7 @@
             <p14:sldId id="264"/>
             <p14:sldId id="504"/>
             <p14:sldId id="267"/>
+            <p14:sldId id="505"/>
             <p14:sldId id="292"/>
             <p14:sldId id="268"/>
             <p14:sldId id="295"/>
@@ -226,7 +228,7 @@
 <file path=ppt/revisionInfo.xml><?xml version="1.0" encoding="utf-8"?>
 <p1510:revInfo xmlns:a="http://schemas.openxmlformats.org/drawingml/2006/main" xmlns:r="http://schemas.openxmlformats.org/officeDocument/2006/relationships" xmlns:p1510="http://schemas.microsoft.com/office/powerpoint/2015/10/main">
   <p1510:revLst>
-    <p1510:client id="{D8103D45-09F7-4688-9DAE-2960EEBE232E}" v="1" dt="2022-10-10T14:03:12.596"/>
+    <p1510:client id="{D8103D45-09F7-4688-9DAE-2960EEBE232E}" v="2" dt="2022-10-13T08:17:25.217"/>
   </p1510:revLst>
 </p1510:revInfo>
 </file>
@@ -235,11 +237,26 @@
 <pc:chgInfo xmlns:a="http://schemas.openxmlformats.org/drawingml/2006/main" xmlns:r="http://schemas.openxmlformats.org/officeDocument/2006/relationships" xmlns:ac="http://schemas.microsoft.com/office/drawing/2013/main/command" xmlns:pc="http://schemas.microsoft.com/office/powerpoint/2013/main/command">
   <pc:docChgLst>
     <pc:chgData name="Cooling, Chris" userId="6dcf99c9-2ba5-410a-8445-0893a3d1421f" providerId="ADAL" clId="{D8103D45-09F7-4688-9DAE-2960EEBE232E}"/>
-    <pc:docChg chg="addSld delSld modSld modSection">
-      <pc:chgData name="Cooling, Chris" userId="6dcf99c9-2ba5-410a-8445-0893a3d1421f" providerId="ADAL" clId="{D8103D45-09F7-4688-9DAE-2960EEBE232E}" dt="2022-10-10T14:03:18.971" v="2" actId="47"/>
+    <pc:docChg chg="custSel addSld delSld modSld modSection">
+      <pc:chgData name="Cooling, Chris" userId="6dcf99c9-2ba5-410a-8445-0893a3d1421f" providerId="ADAL" clId="{D8103D45-09F7-4688-9DAE-2960EEBE232E}" dt="2022-10-13T08:18:12.967" v="45" actId="20577"/>
       <pc:docMkLst>
         <pc:docMk/>
       </pc:docMkLst>
+      <pc:sldChg chg="modSp mod">
+        <pc:chgData name="Cooling, Chris" userId="6dcf99c9-2ba5-410a-8445-0893a3d1421f" providerId="ADAL" clId="{D8103D45-09F7-4688-9DAE-2960EEBE232E}" dt="2022-10-13T08:18:12.967" v="45" actId="20577"/>
+        <pc:sldMkLst>
+          <pc:docMk/>
+          <pc:sldMk cId="3718216746" sldId="292"/>
+        </pc:sldMkLst>
+        <pc:spChg chg="mod">
+          <ac:chgData name="Cooling, Chris" userId="6dcf99c9-2ba5-410a-8445-0893a3d1421f" providerId="ADAL" clId="{D8103D45-09F7-4688-9DAE-2960EEBE232E}" dt="2022-10-13T08:18:12.967" v="45" actId="20577"/>
+          <ac:spMkLst>
+            <pc:docMk/>
+            <pc:sldMk cId="3718216746" sldId="292"/>
+            <ac:spMk id="3" creationId="{00000000-0000-0000-0000-000000000000}"/>
+          </ac:spMkLst>
+        </pc:spChg>
+      </pc:sldChg>
       <pc:sldChg chg="del">
         <pc:chgData name="Cooling, Chris" userId="6dcf99c9-2ba5-410a-8445-0893a3d1421f" providerId="ADAL" clId="{D8103D45-09F7-4688-9DAE-2960EEBE232E}" dt="2022-10-10T14:03:18.971" v="2" actId="47"/>
         <pc:sldMkLst>
@@ -259,6 +276,13 @@
         <pc:sldMkLst>
           <pc:docMk/>
           <pc:sldMk cId="466020703" sldId="335"/>
+        </pc:sldMkLst>
+      </pc:sldChg>
+      <pc:sldChg chg="add">
+        <pc:chgData name="Cooling, Chris" userId="6dcf99c9-2ba5-410a-8445-0893a3d1421f" providerId="ADAL" clId="{D8103D45-09F7-4688-9DAE-2960EEBE232E}" dt="2022-10-13T08:17:25.214" v="3"/>
+        <pc:sldMkLst>
+          <pc:docMk/>
+          <pc:sldMk cId="634929309" sldId="505"/>
         </pc:sldMkLst>
       </pc:sldChg>
     </pc:docChg>
@@ -515,7 +539,7 @@
           <a:p>
             <a:fld id="{88EB714B-C3CC-4216-88C1-02913905B1CF}" type="datetimeFigureOut">
               <a:rPr lang="en-GB" smtClean="0"/>
-              <a:t>10/10/2022</a:t>
+              <a:t>13/10/2022</a:t>
             </a:fld>
             <a:endParaRPr lang="en-GB"/>
           </a:p>
@@ -1104,48 +1128,7 @@
           <a:p>
             <a:r>
               <a:rPr lang="en-GB" dirty="0"/>
-              <a:t>Text is required to be 1.5 times or </a:t>
-            </a:r>
-            <a:r>
-              <a:rPr lang="en-GB" dirty="0" err="1"/>
-              <a:t>doublespaced</a:t>
-            </a:r>
-            <a:r>
-              <a:rPr lang="en-GB" dirty="0"/>
-              <a:t>, primarily to allow the examiners to annotate as they desire. The exceptions made for this are for indented quotations and footnotes.</a:t>
-            </a:r>
-          </a:p>
-          <a:p>
-            <a:endParaRPr lang="en-GB" dirty="0"/>
-          </a:p>
-          <a:p>
-            <a:r>
-              <a:rPr lang="en-GB" dirty="0"/>
-              <a:t>This can be achieved using the </a:t>
-            </a:r>
-            <a:r>
-              <a:rPr lang="en-GB" dirty="0" err="1"/>
-              <a:t>setspace</a:t>
-            </a:r>
-            <a:r>
-              <a:rPr lang="en-GB" dirty="0"/>
-              <a:t> package and the “\</a:t>
-            </a:r>
-            <a:r>
-              <a:rPr lang="en-GB" dirty="0" err="1"/>
-              <a:t>doublescpaing</a:t>
-            </a:r>
-            <a:r>
-              <a:rPr lang="en-GB" dirty="0"/>
-              <a:t>” or “\</a:t>
-            </a:r>
-            <a:r>
-              <a:rPr lang="en-GB" dirty="0" err="1"/>
-              <a:t>onehalfspacing</a:t>
-            </a:r>
-            <a:r>
-              <a:rPr lang="en-GB" dirty="0"/>
-              <a:t>” commands (with those all commands going in the preamble). This package will set the spacing everywhere but captions and footnotes. This is sufficient for most applications, but it doesn’t technically fulfil the requirement that only footnotes and quotes may be single-spaced.</a:t>
+              <a:t>Footnotes aren’t required in a thesis, although you might find them useful. We’re about to need them for another section so I’ll introduce them now.  A footnote is inserted simply through the use of the footnote command, with the contents of the footnote contained in curly brackets.</a:t>
             </a:r>
             <a:br>
               <a:rPr lang="en-GB" dirty="0"/>
@@ -1155,41 +1138,7 @@
             </a:br>
             <a:r>
               <a:rPr lang="en-GB" dirty="0"/>
-              <a:t>Another option is to use the “\</a:t>
-            </a:r>
-            <a:r>
-              <a:rPr lang="en-GB" dirty="0" err="1"/>
-              <a:t>linespread</a:t>
-            </a:r>
-            <a:r>
-              <a:rPr lang="en-GB" dirty="0"/>
-              <a:t> command where the argument in curly brackets gives the amount the normal spacing is to be multiplied by (so try using 1.5 or 2). This takes effect literally everywhere and so will definitely fulfil the thesis requirements. Again, this command is placed in the preamble.</a:t>
-            </a:r>
-            <a:br>
-              <a:rPr lang="en-GB" dirty="0"/>
-            </a:br>
-            <a:br>
-              <a:rPr lang="en-GB" dirty="0"/>
-            </a:br>
-            <a:r>
-              <a:rPr lang="en-GB" dirty="0"/>
-              <a:t>The </a:t>
-            </a:r>
-            <a:r>
-              <a:rPr lang="en-GB" dirty="0" err="1"/>
-              <a:t>setspace</a:t>
-            </a:r>
-            <a:r>
-              <a:rPr lang="en-GB" dirty="0"/>
-              <a:t> package also introduces the </a:t>
-            </a:r>
-            <a:r>
-              <a:rPr lang="en-GB" dirty="0" err="1"/>
-              <a:t>singelspace</a:t>
-            </a:r>
-            <a:r>
-              <a:rPr lang="en-GB" dirty="0"/>
-              <a:t> environment which allows text in a selected part of the main document to be forced to be single-line spaced. This can be used for footnotes and quotations as required.</a:t>
+              <a:t>Overleaf example: https://www.overleaf.com/read/hsbthzhsdyzc</a:t>
             </a:r>
           </a:p>
         </p:txBody>
@@ -1220,7 +1169,7 @@
     </p:spTree>
     <p:extLst>
       <p:ext uri="{BB962C8B-B14F-4D97-AF65-F5344CB8AC3E}">
-        <p14:creationId xmlns:p14="http://schemas.microsoft.com/office/powerpoint/2010/main" val="2188458799"/>
+        <p14:creationId xmlns:p14="http://schemas.microsoft.com/office/powerpoint/2010/main" val="3413433889"/>
       </p:ext>
     </p:extLst>
   </p:cSld>
@@ -1276,7 +1225,24 @@
           <a:p>
             <a:r>
               <a:rPr lang="en-GB" dirty="0"/>
-              <a:t>In this example, we use the </a:t>
+              <a:t>Text is required to be 1.5 times or </a:t>
+            </a:r>
+            <a:r>
+              <a:rPr lang="en-GB" dirty="0" err="1"/>
+              <a:t>doublespaced</a:t>
+            </a:r>
+            <a:r>
+              <a:rPr lang="en-GB" dirty="0"/>
+              <a:t>, primarily to allow the examiners to annotate as they desire. The exceptions made for this are for indented quotations and footnotes.</a:t>
+            </a:r>
+          </a:p>
+          <a:p>
+            <a:endParaRPr lang="en-GB" dirty="0"/>
+          </a:p>
+          <a:p>
+            <a:r>
+              <a:rPr lang="en-GB" dirty="0"/>
+              <a:t>This can be achieved using the </a:t>
             </a:r>
             <a:r>
               <a:rPr lang="en-GB" dirty="0" err="1"/>
@@ -1284,7 +1250,33 @@
             </a:r>
             <a:r>
               <a:rPr lang="en-GB" dirty="0"/>
-              <a:t> package and set the line-spacing to double-spaced using the </a:t>
+              <a:t> package and the “\</a:t>
+            </a:r>
+            <a:r>
+              <a:rPr lang="en-GB" dirty="0" err="1"/>
+              <a:t>doublescpaing</a:t>
+            </a:r>
+            <a:r>
+              <a:rPr lang="en-GB" dirty="0"/>
+              <a:t>” or “\</a:t>
+            </a:r>
+            <a:r>
+              <a:rPr lang="en-GB" dirty="0" err="1"/>
+              <a:t>onehalfspacing</a:t>
+            </a:r>
+            <a:r>
+              <a:rPr lang="en-GB" dirty="0"/>
+              <a:t>” commands (with those all commands going in the preamble). This package will set the spacing everywhere but captions and footnotes. This is sufficient for most applications, but it doesn’t technically fulfil the requirement that only footnotes and quotes may be single-spaced.</a:t>
+            </a:r>
+            <a:br>
+              <a:rPr lang="en-GB" dirty="0"/>
+            </a:br>
+            <a:br>
+              <a:rPr lang="en-GB" dirty="0"/>
+            </a:br>
+            <a:r>
+              <a:rPr lang="en-GB" dirty="0"/>
+              <a:t>Another option is to use the “\</a:t>
             </a:r>
             <a:r>
               <a:rPr lang="en-GB" dirty="0" err="1"/>
@@ -1292,57 +1284,33 @@
             </a:r>
             <a:r>
               <a:rPr lang="en-GB" dirty="0"/>
-              <a:t> command. In the main section of the document, the first </a:t>
+              <a:t> command where the argument in curly brackets gives the amount the normal spacing is to be multiplied by (so try using 1.5 or 2). This takes effect literally everywhere and so will definitely fulfil the thesis requirements. Again, this command is placed in the preamble.</a:t>
+            </a:r>
+            <a:br>
+              <a:rPr lang="en-GB" dirty="0"/>
+            </a:br>
+            <a:br>
+              <a:rPr lang="en-GB" dirty="0"/>
+            </a:br>
+            <a:r>
+              <a:rPr lang="en-GB" dirty="0"/>
+              <a:t>The </a:t>
             </a:r>
             <a:r>
               <a:rPr lang="en-GB" dirty="0" err="1"/>
-              <a:t>blindtext</a:t>
-            </a:r>
-            <a:r>
-              <a:rPr lang="en-GB" dirty="0"/>
-              <a:t> command produces double-spaced text. The second </a:t>
+              <a:t>setspace</a:t>
+            </a:r>
+            <a:r>
+              <a:rPr lang="en-GB" dirty="0"/>
+              <a:t> package also introduces the </a:t>
             </a:r>
             <a:r>
               <a:rPr lang="en-GB" dirty="0" err="1"/>
-              <a:t>blindtext</a:t>
-            </a:r>
-            <a:r>
-              <a:rPr lang="en-GB" dirty="0"/>
-              <a:t> command is within a footnote and so is single-spaced at the bottom of the page. The third </a:t>
-            </a:r>
-            <a:r>
-              <a:rPr lang="en-GB" dirty="0" err="1"/>
-              <a:t>blindtext</a:t>
-            </a:r>
-            <a:r>
-              <a:rPr lang="en-GB" dirty="0"/>
-              <a:t> command is within the </a:t>
-            </a:r>
-            <a:r>
-              <a:rPr lang="en-GB" dirty="0" err="1"/>
-              <a:t>singlespace</a:t>
-            </a:r>
-            <a:r>
-              <a:rPr lang="en-GB" dirty="0"/>
-              <a:t> environment and so is single-spaced.</a:t>
-            </a:r>
-          </a:p>
-          <a:p>
-            <a:endParaRPr lang="en-GB" dirty="0"/>
-          </a:p>
-          <a:p>
-            <a:r>
-              <a:rPr lang="en-GB" dirty="0"/>
-              <a:t>Overleaf example: https://www.overleaf.com/read/pkqxrrwjpnxt</a:t>
-            </a:r>
-          </a:p>
-          <a:p>
-            <a:endParaRPr lang="en-GB" dirty="0"/>
-          </a:p>
-          <a:p>
-            <a:r>
-              <a:rPr lang="en-GB" dirty="0"/>
-              <a:t>Break for section 2 of Task Sheet.</a:t>
+              <a:t>singelspace</a:t>
+            </a:r>
+            <a:r>
+              <a:rPr lang="en-GB" dirty="0"/>
+              <a:t> environment which allows text in a selected part of the main document to be forced to be single-line spaced. This can be used for footnotes and quotations as required.</a:t>
             </a:r>
           </a:p>
         </p:txBody>
@@ -1373,7 +1341,7 @@
     </p:spTree>
     <p:extLst>
       <p:ext uri="{BB962C8B-B14F-4D97-AF65-F5344CB8AC3E}">
-        <p14:creationId xmlns:p14="http://schemas.microsoft.com/office/powerpoint/2010/main" val="1977751917"/>
+        <p14:creationId xmlns:p14="http://schemas.microsoft.com/office/powerpoint/2010/main" val="2188458799"/>
       </p:ext>
     </p:extLst>
   </p:cSld>
@@ -1429,7 +1397,55 @@
           <a:p>
             <a:r>
               <a:rPr lang="en-GB" dirty="0"/>
-              <a:t>Due to branding reasons, use of the Imperial crest is not allowed outside a limited range of uses and is not allowed on your thesis cover. However, you are allowed to use the Imperial College logo if you wish.</a:t>
+              <a:t>In this example, we use the </a:t>
+            </a:r>
+            <a:r>
+              <a:rPr lang="en-GB" dirty="0" err="1"/>
+              <a:t>setspace</a:t>
+            </a:r>
+            <a:r>
+              <a:rPr lang="en-GB" dirty="0"/>
+              <a:t> package and set the line-spacing to double-spaced using the </a:t>
+            </a:r>
+            <a:r>
+              <a:rPr lang="en-GB" dirty="0" err="1"/>
+              <a:t>linespread</a:t>
+            </a:r>
+            <a:r>
+              <a:rPr lang="en-GB" dirty="0"/>
+              <a:t> command. In the main section of the document, the first </a:t>
+            </a:r>
+            <a:r>
+              <a:rPr lang="en-GB" dirty="0" err="1"/>
+              <a:t>blindtext</a:t>
+            </a:r>
+            <a:r>
+              <a:rPr lang="en-GB" dirty="0"/>
+              <a:t> command produces double-spaced text. The second </a:t>
+            </a:r>
+            <a:r>
+              <a:rPr lang="en-GB" dirty="0" err="1"/>
+              <a:t>blindtext</a:t>
+            </a:r>
+            <a:r>
+              <a:rPr lang="en-GB" dirty="0"/>
+              <a:t> command is within a footnote and so is single-spaced at the bottom of the page. The third </a:t>
+            </a:r>
+            <a:r>
+              <a:rPr lang="en-GB" dirty="0" err="1"/>
+              <a:t>blindtext</a:t>
+            </a:r>
+            <a:r>
+              <a:rPr lang="en-GB" dirty="0"/>
+              <a:t> command is within the </a:t>
+            </a:r>
+            <a:r>
+              <a:rPr lang="en-GB" dirty="0" err="1"/>
+              <a:t>singlespace</a:t>
+            </a:r>
+            <a:r>
+              <a:rPr lang="en-GB" dirty="0"/>
+              <a:t> environment and so is single-spaced.</a:t>
             </a:r>
           </a:p>
           <a:p>
@@ -1438,7 +1454,16 @@
           <a:p>
             <a:r>
               <a:rPr lang="en-GB" dirty="0"/>
-              <a:t>Your thesis cover must contain the officially approved title of your thesis, your full name, the name “Imperial College” and the name of your department and the name of the degree you are submitting your thesis for. Your title page must also contain a page number. This causes a problem if you would normally use the “titlepage” construct in LaTeX as this specifically removes the page number from the page. There are a couple of ways around this. On the next slide, you will see the one of the simplest ones.</a:t>
+              <a:t>Overleaf example: https://www.overleaf.com/read/pkqxrrwjpnxt</a:t>
+            </a:r>
+          </a:p>
+          <a:p>
+            <a:endParaRPr lang="en-GB" dirty="0"/>
+          </a:p>
+          <a:p>
+            <a:r>
+              <a:rPr lang="en-GB" dirty="0"/>
+              <a:t>Break for section 2 of Task Sheet.</a:t>
             </a:r>
           </a:p>
         </p:txBody>
@@ -1469,7 +1494,7 @@
     </p:spTree>
     <p:extLst>
       <p:ext uri="{BB962C8B-B14F-4D97-AF65-F5344CB8AC3E}">
-        <p14:creationId xmlns:p14="http://schemas.microsoft.com/office/powerpoint/2010/main" val="140205329"/>
+        <p14:creationId xmlns:p14="http://schemas.microsoft.com/office/powerpoint/2010/main" val="1977751917"/>
       </p:ext>
     </p:extLst>
   </p:cSld>
@@ -1525,15 +1550,7 @@
           <a:p>
             <a:r>
               <a:rPr lang="en-GB" dirty="0"/>
-              <a:t>Here we’ve used some features of LaTeX you probably know and some that might be new to you to create a title page. This is on a normal page which is ended with the “\</a:t>
-            </a:r>
-            <a:r>
-              <a:rPr lang="en-GB" dirty="0" err="1"/>
-              <a:t>clearpage</a:t>
-            </a:r>
-            <a:r>
-              <a:rPr lang="en-GB" dirty="0"/>
-              <a:t>” command.</a:t>
+              <a:t>Due to branding reasons, use of the Imperial crest is not allowed outside a limited range of uses and is not allowed on your thesis cover. However, you are allowed to use the Imperial College logo if you wish.</a:t>
             </a:r>
           </a:p>
           <a:p>
@@ -1542,109 +1559,7 @@
           <a:p>
             <a:r>
               <a:rPr lang="en-GB" dirty="0"/>
-              <a:t>The include graphics command allows us to include the Imperial College logo. Remember you will need to upload this to Overleaf or, if you’re using a compiler on your machine, place a corresponding image file in the same directory as your </a:t>
-            </a:r>
-            <a:r>
-              <a:rPr lang="en-GB" dirty="0" err="1"/>
-              <a:t>tex</a:t>
-            </a:r>
-            <a:r>
-              <a:rPr lang="en-GB" dirty="0"/>
-              <a:t> file.</a:t>
-            </a:r>
-          </a:p>
-          <a:p>
-            <a:endParaRPr lang="en-GB" dirty="0"/>
-          </a:p>
-          <a:p>
-            <a:r>
-              <a:rPr lang="en-GB" dirty="0"/>
-              <a:t>The “\</a:t>
-            </a:r>
-            <a:r>
-              <a:rPr lang="en-GB" dirty="0" err="1"/>
-              <a:t>vfill</a:t>
-            </a:r>
-            <a:r>
-              <a:rPr lang="en-GB" dirty="0"/>
-              <a:t>” commands at the beginning and end of the page equally split any remaining vertical space after the rest of the page has been typeset. The “</a:t>
-            </a:r>
-            <a:r>
-              <a:rPr lang="en-GB" dirty="0" err="1"/>
-              <a:t>center</a:t>
-            </a:r>
-            <a:r>
-              <a:rPr lang="en-GB" dirty="0"/>
-              <a:t>” environment allows us to centre the remaining content on the page. The “huge” command allows us to make the title bigger for emphasis. The “\rule” command inserts a horizontal line. We specify its length in the first set of curly brackets and the width of the line in the second curly brackets. Note that we’re able to use “</a:t>
-            </a:r>
-            <a:r>
-              <a:rPr lang="en-GB" dirty="0" err="1"/>
-              <a:t>pt</a:t>
-            </a:r>
-            <a:r>
-              <a:rPr lang="en-GB" dirty="0"/>
-              <a:t>” as a unit, which measures the width of the line in the same units as the size of text.</a:t>
-            </a:r>
-          </a:p>
-          <a:p>
-            <a:endParaRPr lang="en-GB" dirty="0"/>
-          </a:p>
-          <a:p>
-            <a:r>
-              <a:rPr lang="en-GB" dirty="0"/>
-              <a:t>The “\</a:t>
-            </a:r>
-            <a:r>
-              <a:rPr lang="en-GB" dirty="0" err="1"/>
-              <a:t>vspace</a:t>
-            </a:r>
-            <a:r>
-              <a:rPr lang="en-GB" dirty="0"/>
-              <a:t>” command allows us to insert a specified distance of blank vertical space. The double slashes in the text force LaTeX to use a line-break. This can be useful for breaking up long strings of text that might otherwise span the whole page and look unattractive. Finally, we use the “\</a:t>
-            </a:r>
-            <a:r>
-              <a:rPr lang="en-GB" dirty="0" err="1"/>
-              <a:t>clearpage</a:t>
-            </a:r>
-            <a:r>
-              <a:rPr lang="en-GB" dirty="0"/>
-              <a:t>” command to start a new page. </a:t>
-            </a:r>
-          </a:p>
-          <a:p>
-            <a:endParaRPr lang="en-GB" dirty="0"/>
-          </a:p>
-          <a:p>
-            <a:r>
-              <a:rPr lang="en-GB" dirty="0"/>
-              <a:t>We’ve chosen not to use the </a:t>
-            </a:r>
-            <a:r>
-              <a:rPr lang="en-GB" dirty="0" err="1"/>
-              <a:t>titlepage</a:t>
-            </a:r>
-            <a:r>
-              <a:rPr lang="en-GB" dirty="0"/>
-              <a:t> environment here as this environment excludes does not allow page numbers to appear and, as you may recall, we are specifically required to have a page number on the title page.</a:t>
-            </a:r>
-            <a:br>
-              <a:rPr lang="en-GB" dirty="0"/>
-            </a:br>
-            <a:br>
-              <a:rPr lang="en-GB" dirty="0"/>
-            </a:br>
-            <a:r>
-              <a:rPr lang="en-GB" dirty="0"/>
-              <a:t>Overleaf example: https://www.overleaf.com/read/pxpnjjjztrkh</a:t>
-            </a:r>
-          </a:p>
-          <a:p>
-            <a:endParaRPr lang="en-GB" dirty="0"/>
-          </a:p>
-          <a:p>
-            <a:r>
-              <a:rPr lang="en-GB" dirty="0"/>
-              <a:t>Break for section 3 of Task Sheet.</a:t>
+              <a:t>Your thesis cover must contain the officially approved title of your thesis, your full name, the name “Imperial College” and the name of your department and the name of the degree you are submitting your thesis for. Your title page must also contain a page number. This causes a problem if you would normally use the “titlepage” construct in LaTeX as this specifically removes the page number from the page. There are a couple of ways around this. On the next slide, you will see the one of the simplest ones.</a:t>
             </a:r>
           </a:p>
         </p:txBody>
@@ -1675,7 +1590,7 @@
     </p:spTree>
     <p:extLst>
       <p:ext uri="{BB962C8B-B14F-4D97-AF65-F5344CB8AC3E}">
-        <p14:creationId xmlns:p14="http://schemas.microsoft.com/office/powerpoint/2010/main" val="828757551"/>
+        <p14:creationId xmlns:p14="http://schemas.microsoft.com/office/powerpoint/2010/main" val="140205329"/>
       </p:ext>
     </p:extLst>
   </p:cSld>
@@ -1729,7 +1644,129 @@
           <a:bodyPr/>
           <a:lstStyle/>
           <a:p>
+            <a:r>
+              <a:rPr lang="en-GB" dirty="0"/>
+              <a:t>Here we’ve used some features of LaTeX you probably know and some that might be new to you to create a title page. This is on a normal page which is ended with the “\</a:t>
+            </a:r>
+            <a:r>
+              <a:rPr lang="en-GB" dirty="0" err="1"/>
+              <a:t>clearpage</a:t>
+            </a:r>
+            <a:r>
+              <a:rPr lang="en-GB" dirty="0"/>
+              <a:t>” command.</a:t>
+            </a:r>
+          </a:p>
+          <a:p>
             <a:endParaRPr lang="en-GB" dirty="0"/>
+          </a:p>
+          <a:p>
+            <a:r>
+              <a:rPr lang="en-GB" dirty="0"/>
+              <a:t>The include graphics command allows us to include the Imperial College logo. Remember you will need to upload this to Overleaf or, if you’re using a compiler on your machine, place a corresponding image file in the same directory as your </a:t>
+            </a:r>
+            <a:r>
+              <a:rPr lang="en-GB" dirty="0" err="1"/>
+              <a:t>tex</a:t>
+            </a:r>
+            <a:r>
+              <a:rPr lang="en-GB" dirty="0"/>
+              <a:t> file.</a:t>
+            </a:r>
+          </a:p>
+          <a:p>
+            <a:endParaRPr lang="en-GB" dirty="0"/>
+          </a:p>
+          <a:p>
+            <a:r>
+              <a:rPr lang="en-GB" dirty="0"/>
+              <a:t>The “\</a:t>
+            </a:r>
+            <a:r>
+              <a:rPr lang="en-GB" dirty="0" err="1"/>
+              <a:t>vfill</a:t>
+            </a:r>
+            <a:r>
+              <a:rPr lang="en-GB" dirty="0"/>
+              <a:t>” commands at the beginning and end of the page equally split any remaining vertical space after the rest of the page has been typeset. The “</a:t>
+            </a:r>
+            <a:r>
+              <a:rPr lang="en-GB" dirty="0" err="1"/>
+              <a:t>center</a:t>
+            </a:r>
+            <a:r>
+              <a:rPr lang="en-GB" dirty="0"/>
+              <a:t>” environment allows us to centre the remaining content on the page. The “huge” command allows us to make the title bigger for emphasis. The “\rule” command inserts a horizontal line. We specify its length in the first set of curly brackets and the width of the line in the second curly brackets. Note that we’re able to use “</a:t>
+            </a:r>
+            <a:r>
+              <a:rPr lang="en-GB" dirty="0" err="1"/>
+              <a:t>pt</a:t>
+            </a:r>
+            <a:r>
+              <a:rPr lang="en-GB" dirty="0"/>
+              <a:t>” as a unit, which measures the width of the line in the same units as the size of text.</a:t>
+            </a:r>
+          </a:p>
+          <a:p>
+            <a:endParaRPr lang="en-GB" dirty="0"/>
+          </a:p>
+          <a:p>
+            <a:r>
+              <a:rPr lang="en-GB" dirty="0"/>
+              <a:t>The “\</a:t>
+            </a:r>
+            <a:r>
+              <a:rPr lang="en-GB" dirty="0" err="1"/>
+              <a:t>vspace</a:t>
+            </a:r>
+            <a:r>
+              <a:rPr lang="en-GB" dirty="0"/>
+              <a:t>” command allows us to insert a specified distance of blank vertical space. The double slashes in the text force LaTeX to use a line-break. This can be useful for breaking up long strings of text that might otherwise span the whole page and look unattractive. Finally, we use the “\</a:t>
+            </a:r>
+            <a:r>
+              <a:rPr lang="en-GB" dirty="0" err="1"/>
+              <a:t>clearpage</a:t>
+            </a:r>
+            <a:r>
+              <a:rPr lang="en-GB" dirty="0"/>
+              <a:t>” command to start a new page. </a:t>
+            </a:r>
+          </a:p>
+          <a:p>
+            <a:endParaRPr lang="en-GB" dirty="0"/>
+          </a:p>
+          <a:p>
+            <a:r>
+              <a:rPr lang="en-GB" dirty="0"/>
+              <a:t>We’ve chosen not to use the </a:t>
+            </a:r>
+            <a:r>
+              <a:rPr lang="en-GB" dirty="0" err="1"/>
+              <a:t>titlepage</a:t>
+            </a:r>
+            <a:r>
+              <a:rPr lang="en-GB" dirty="0"/>
+              <a:t> environment here as this environment excludes does not allow page numbers to appear and, as you may recall, we are specifically required to have a page number on the title page.</a:t>
+            </a:r>
+            <a:br>
+              <a:rPr lang="en-GB" dirty="0"/>
+            </a:br>
+            <a:br>
+              <a:rPr lang="en-GB" dirty="0"/>
+            </a:br>
+            <a:r>
+              <a:rPr lang="en-GB" dirty="0"/>
+              <a:t>Overleaf example: https://www.overleaf.com/read/pxpnjjjztrkh</a:t>
+            </a:r>
+          </a:p>
+          <a:p>
+            <a:endParaRPr lang="en-GB" dirty="0"/>
+          </a:p>
+          <a:p>
+            <a:r>
+              <a:rPr lang="en-GB" dirty="0"/>
+              <a:t>Break for section 3 of Task Sheet.</a:t>
+            </a:r>
           </a:p>
         </p:txBody>
       </p:sp>
@@ -1759,7 +1796,7 @@
     </p:spTree>
     <p:extLst>
       <p:ext uri="{BB962C8B-B14F-4D97-AF65-F5344CB8AC3E}">
-        <p14:creationId xmlns:p14="http://schemas.microsoft.com/office/powerpoint/2010/main" val="2825737762"/>
+        <p14:creationId xmlns:p14="http://schemas.microsoft.com/office/powerpoint/2010/main" val="828757551"/>
       </p:ext>
     </p:extLst>
   </p:cSld>
@@ -1813,10 +1850,7 @@
           <a:bodyPr/>
           <a:lstStyle/>
           <a:p>
-            <a:r>
-              <a:rPr lang="en-GB" dirty="0"/>
-              <a:t>Many things are required to be “at the beginning of your thesis” in the checklist. I’ve laid them out here in what I think is a sensible order.</a:t>
-            </a:r>
+            <a:endParaRPr lang="en-GB" dirty="0"/>
           </a:p>
         </p:txBody>
       </p:sp>
@@ -1846,7 +1880,7 @@
     </p:spTree>
     <p:extLst>
       <p:ext uri="{BB962C8B-B14F-4D97-AF65-F5344CB8AC3E}">
-        <p14:creationId xmlns:p14="http://schemas.microsoft.com/office/powerpoint/2010/main" val="3923964578"/>
+        <p14:creationId xmlns:p14="http://schemas.microsoft.com/office/powerpoint/2010/main" val="2825737762"/>
       </p:ext>
     </p:extLst>
   </p:cSld>
@@ -1900,7 +1934,10 @@
           <a:bodyPr/>
           <a:lstStyle/>
           <a:p>
-            <a:endParaRPr lang="en-GB" dirty="0"/>
+            <a:r>
+              <a:rPr lang="en-GB" dirty="0"/>
+              <a:t>Many things are required to be “at the beginning of your thesis” in the checklist. I’ve laid them out here in what I think is a sensible order.</a:t>
+            </a:r>
           </a:p>
         </p:txBody>
       </p:sp>
@@ -1930,7 +1967,7 @@
     </p:spTree>
     <p:extLst>
       <p:ext uri="{BB962C8B-B14F-4D97-AF65-F5344CB8AC3E}">
-        <p14:creationId xmlns:p14="http://schemas.microsoft.com/office/powerpoint/2010/main" val="3421625011"/>
+        <p14:creationId xmlns:p14="http://schemas.microsoft.com/office/powerpoint/2010/main" val="3923964578"/>
       </p:ext>
     </p:extLst>
   </p:cSld>
@@ -1984,28 +2021,7 @@
           <a:bodyPr/>
           <a:lstStyle/>
           <a:p>
-            <a:r>
-              <a:rPr lang="en-GB" dirty="0"/>
-              <a:t>Here we insert the Abstract, Statement of Originality, Copyright Statement and Abstract. The easiest way to do this is using the chapter command, which gives each a nice heading and puts it on its own page. The “*” after the chapter command tells LaTeX not to number this chapter or include it in tables of contents.</a:t>
-            </a:r>
-          </a:p>
-          <a:p>
             <a:endParaRPr lang="en-GB" dirty="0"/>
-          </a:p>
-          <a:p>
-            <a:r>
-              <a:rPr lang="en-GB" dirty="0"/>
-              <a:t>Overleaf Example: https://www.overleaf.com/read/whzwtbfffwjz</a:t>
-            </a:r>
-          </a:p>
-          <a:p>
-            <a:endParaRPr lang="en-GB" dirty="0"/>
-          </a:p>
-          <a:p>
-            <a:r>
-              <a:rPr lang="en-GB" dirty="0"/>
-              <a:t>Break for section 4 of Task Sheet.</a:t>
-            </a:r>
           </a:p>
         </p:txBody>
       </p:sp>
@@ -2035,7 +2051,7 @@
     </p:spTree>
     <p:extLst>
       <p:ext uri="{BB962C8B-B14F-4D97-AF65-F5344CB8AC3E}">
-        <p14:creationId xmlns:p14="http://schemas.microsoft.com/office/powerpoint/2010/main" val="1726998111"/>
+        <p14:creationId xmlns:p14="http://schemas.microsoft.com/office/powerpoint/2010/main" val="3421625011"/>
       </p:ext>
     </p:extLst>
   </p:cSld>
@@ -2091,7 +2107,25 @@
           <a:p>
             <a:r>
               <a:rPr lang="en-GB" dirty="0"/>
-              <a:t>You must include a table of contents, list of figures and list of tables in your document. This list must include any documents not printed as part of thesis, but submitted with the thesis, such as audio storage.</a:t>
+              <a:t>Here we insert the Abstract, Statement of Originality, Copyright Statement and Abstract. The easiest way to do this is using the chapter command, which gives each a nice heading and puts it on its own page. The “*” after the chapter command tells LaTeX not to number this chapter or include it in tables of contents.</a:t>
+            </a:r>
+          </a:p>
+          <a:p>
+            <a:endParaRPr lang="en-GB" dirty="0"/>
+          </a:p>
+          <a:p>
+            <a:r>
+              <a:rPr lang="en-GB" dirty="0"/>
+              <a:t>Overleaf Example: https://www.overleaf.com/read/whzwtbfffwjz</a:t>
+            </a:r>
+          </a:p>
+          <a:p>
+            <a:endParaRPr lang="en-GB" dirty="0"/>
+          </a:p>
+          <a:p>
+            <a:r>
+              <a:rPr lang="en-GB" dirty="0"/>
+              <a:t>Break for section 4 of Task Sheet.</a:t>
             </a:r>
           </a:p>
         </p:txBody>
@@ -2122,7 +2156,7 @@
     </p:spTree>
     <p:extLst>
       <p:ext uri="{BB962C8B-B14F-4D97-AF65-F5344CB8AC3E}">
-        <p14:creationId xmlns:p14="http://schemas.microsoft.com/office/powerpoint/2010/main" val="3096999097"/>
+        <p14:creationId xmlns:p14="http://schemas.microsoft.com/office/powerpoint/2010/main" val="1726998111"/>
       </p:ext>
     </p:extLst>
   </p:cSld>
@@ -2178,17 +2212,7 @@
           <a:p>
             <a:r>
               <a:rPr lang="en-GB" dirty="0"/>
-              <a:t>Inserting a table of contents automatically picks up any chapters, sections and subsections in your document and produces a list of them with the associated page numbers. As mentioned before, declarations of sections with a “*” exclude those sections from the table of contents.</a:t>
-            </a:r>
-            <a:br>
-              <a:rPr lang="en-GB" dirty="0"/>
-            </a:br>
-            <a:br>
-              <a:rPr lang="en-GB" dirty="0"/>
-            </a:br>
-            <a:r>
-              <a:rPr lang="en-GB" dirty="0"/>
-              <a:t>Overleaf Example: https://www.overleaf.com/read/tdvwkqybytwd</a:t>
+              <a:t>You must include a table of contents, list of figures and list of tables in your document. This list must include any documents not printed as part of thesis, but submitted with the thesis, such as audio storage.</a:t>
             </a:r>
           </a:p>
         </p:txBody>
@@ -2219,7 +2243,7 @@
     </p:spTree>
     <p:extLst>
       <p:ext uri="{BB962C8B-B14F-4D97-AF65-F5344CB8AC3E}">
-        <p14:creationId xmlns:p14="http://schemas.microsoft.com/office/powerpoint/2010/main" val="937431937"/>
+        <p14:creationId xmlns:p14="http://schemas.microsoft.com/office/powerpoint/2010/main" val="3096999097"/>
       </p:ext>
     </p:extLst>
   </p:cSld>
@@ -2363,32 +2387,17 @@
           <a:p>
             <a:r>
               <a:rPr lang="en-GB" dirty="0"/>
-              <a:t>By using the “\</a:t>
-            </a:r>
-            <a:r>
-              <a:rPr lang="en-GB" dirty="0" err="1"/>
-              <a:t>listoffigures</a:t>
-            </a:r>
-            <a:r>
-              <a:rPr lang="en-GB" dirty="0"/>
-              <a:t>” and “\</a:t>
-            </a:r>
-            <a:r>
-              <a:rPr lang="en-GB" dirty="0" err="1"/>
-              <a:t>listoftables</a:t>
-            </a:r>
-            <a:r>
-              <a:rPr lang="en-GB" dirty="0"/>
-              <a:t>” commands you can insert a list of figures and list of tables respectively. Note that figures and tables are numbers are labelled “X.Y” where “X” is the chapter number and “Y” is the number of the figure/table in that chapter. The lists also slightly groups figures and tables by chapter. </a:t>
-            </a:r>
-          </a:p>
-          <a:p>
-            <a:endParaRPr lang="en-GB" dirty="0"/>
-          </a:p>
-          <a:p>
-            <a:r>
-              <a:rPr lang="en-GB" dirty="0"/>
-              <a:t>Overleaf Example: https://www.overleaf.com/read/xqrwgcydcznt</a:t>
+              <a:t>Inserting a table of contents automatically picks up any chapters, sections and subsections in your document and produces a list of them with the associated page numbers. As mentioned before, declarations of sections with a “*” exclude those sections from the table of contents.</a:t>
+            </a:r>
+            <a:br>
+              <a:rPr lang="en-GB" dirty="0"/>
+            </a:br>
+            <a:br>
+              <a:rPr lang="en-GB" dirty="0"/>
+            </a:br>
+            <a:r>
+              <a:rPr lang="en-GB" dirty="0"/>
+              <a:t>Overleaf Example: https://www.overleaf.com/read/tdvwkqybytwd</a:t>
             </a:r>
           </a:p>
         </p:txBody>
@@ -2419,7 +2428,7 @@
     </p:spTree>
     <p:extLst>
       <p:ext uri="{BB962C8B-B14F-4D97-AF65-F5344CB8AC3E}">
-        <p14:creationId xmlns:p14="http://schemas.microsoft.com/office/powerpoint/2010/main" val="2980001491"/>
+        <p14:creationId xmlns:p14="http://schemas.microsoft.com/office/powerpoint/2010/main" val="937431937"/>
       </p:ext>
     </p:extLst>
   </p:cSld>
@@ -2475,33 +2484,32 @@
           <a:p>
             <a:r>
               <a:rPr lang="en-GB" dirty="0"/>
-              <a:t>By default, the table of contents contains sections numbered to three levels deep (i.e. 1.2.3), but we can change this value using the </a:t>
+              <a:t>By using the “\</a:t>
             </a:r>
             <a:r>
               <a:rPr lang="en-GB" dirty="0" err="1"/>
-              <a:t>setcounter</a:t>
-            </a:r>
-            <a:r>
-              <a:rPr lang="en-GB" dirty="0"/>
-              <a:t> command. By following this with “</a:t>
+              <a:t>listoffigures</a:t>
+            </a:r>
+            <a:r>
+              <a:rPr lang="en-GB" dirty="0"/>
+              <a:t>” and “\</a:t>
             </a:r>
             <a:r>
               <a:rPr lang="en-GB" dirty="0" err="1"/>
-              <a:t>tocdepth</a:t>
-            </a:r>
-            <a:r>
-              <a:rPr lang="en-GB" dirty="0"/>
-              <a:t>” in curly brackets, this change a value that LaTeX uses when working out how to set out the table of contents. By setting this value to 0, we cause LaTeX to only display chapters in the contents. Setting it to 1 causes chapters and sections to be displayed and so on. This can be used to increase or decrease the amount of information contained in the contents.</a:t>
-            </a:r>
-            <a:br>
-              <a:rPr lang="en-GB" dirty="0"/>
-            </a:br>
-            <a:br>
-              <a:rPr lang="en-GB" dirty="0"/>
-            </a:br>
-            <a:r>
-              <a:rPr lang="en-GB" dirty="0"/>
-              <a:t>Overleaf Example: https://www.overleaf.com/read/rfvdsyxthfww</a:t>
+              <a:t>listoftables</a:t>
+            </a:r>
+            <a:r>
+              <a:rPr lang="en-GB" dirty="0"/>
+              <a:t>” commands you can insert a list of figures and list of tables respectively. Note that figures and tables are numbers are labelled “X.Y” where “X” is the chapter number and “Y” is the number of the figure/table in that chapter. The lists also slightly groups figures and tables by chapter. </a:t>
+            </a:r>
+          </a:p>
+          <a:p>
+            <a:endParaRPr lang="en-GB" dirty="0"/>
+          </a:p>
+          <a:p>
+            <a:r>
+              <a:rPr lang="en-GB" dirty="0"/>
+              <a:t>Overleaf Example: https://www.overleaf.com/read/xqrwgcydcznt</a:t>
             </a:r>
           </a:p>
         </p:txBody>
@@ -2532,7 +2540,7 @@
     </p:spTree>
     <p:extLst>
       <p:ext uri="{BB962C8B-B14F-4D97-AF65-F5344CB8AC3E}">
-        <p14:creationId xmlns:p14="http://schemas.microsoft.com/office/powerpoint/2010/main" val="3173018215"/>
+        <p14:creationId xmlns:p14="http://schemas.microsoft.com/office/powerpoint/2010/main" val="2980001491"/>
       </p:ext>
     </p:extLst>
   </p:cSld>
@@ -2588,32 +2596,23 @@
           <a:p>
             <a:r>
               <a:rPr lang="en-GB" dirty="0"/>
-              <a:t>As we mentioned earlier, if you include any items with your thesis external to what’s printed in the pages of your thesis, you must include it in the contents. Fortunately, LaTeX allows you to add entries to the contents, list of tables and list of figures without the referenced items actually appearing in your pdf.</a:t>
-            </a:r>
-          </a:p>
-          <a:p>
-            <a:endParaRPr lang="en-GB" dirty="0"/>
-          </a:p>
-          <a:p>
-            <a:r>
-              <a:rPr lang="en-GB" dirty="0"/>
-              <a:t>This is achieved with the “\</a:t>
+              <a:t>By default, the table of contents contains sections numbered to three levels deep (i.e. 1.2.3), but we can change this value using the </a:t>
             </a:r>
             <a:r>
               <a:rPr lang="en-GB" dirty="0" err="1"/>
-              <a:t>addcontentsline</a:t>
-            </a:r>
-            <a:r>
-              <a:rPr lang="en-GB" dirty="0"/>
-              <a:t>” command. This is followed by either “toc”, “</a:t>
+              <a:t>setcounter</a:t>
+            </a:r>
+            <a:r>
+              <a:rPr lang="en-GB" dirty="0"/>
+              <a:t> command. By following this with “</a:t>
             </a:r>
             <a:r>
               <a:rPr lang="en-GB" dirty="0" err="1"/>
-              <a:t>lof</a:t>
-            </a:r>
-            <a:r>
-              <a:rPr lang="en-GB" dirty="0"/>
-              <a:t>” or “lot” in curly brackets to show the item is to be added to the table of contents, list of figures or list of tables respectively. In another set of curly brackets, you may define the “level” of the entry. This will always be “figure” for an item in the list of figures and “table” for an item in the list of tables, but for a table of contents item it may be “chapter”, “section” or “subsection”. Finally, the name of the entry is included in curly brackets.</a:t>
+              <a:t>tocdepth</a:t>
+            </a:r>
+            <a:r>
+              <a:rPr lang="en-GB" dirty="0"/>
+              <a:t>” in curly brackets, this change a value that LaTeX uses when working out how to set out the table of contents. By setting this value to 0, we cause LaTeX to only display chapters in the contents. Setting it to 1 causes chapters and sections to be displayed and so on. This can be used to increase or decrease the amount of information contained in the contents.</a:t>
             </a:r>
             <a:br>
               <a:rPr lang="en-GB" dirty="0"/>
@@ -2623,7 +2622,7 @@
             </a:br>
             <a:r>
               <a:rPr lang="en-GB" dirty="0"/>
-              <a:t>Overleaf Example: https://www.overleaf.com/read/pttgcwksbpsc</a:t>
+              <a:t>Overleaf Example: https://www.overleaf.com/read/rfvdsyxthfww</a:t>
             </a:r>
           </a:p>
         </p:txBody>
@@ -2654,7 +2653,7 @@
     </p:spTree>
     <p:extLst>
       <p:ext uri="{BB962C8B-B14F-4D97-AF65-F5344CB8AC3E}">
-        <p14:creationId xmlns:p14="http://schemas.microsoft.com/office/powerpoint/2010/main" val="1283564292"/>
+        <p14:creationId xmlns:p14="http://schemas.microsoft.com/office/powerpoint/2010/main" val="3173018215"/>
       </p:ext>
     </p:extLst>
   </p:cSld>
@@ -2710,33 +2709,43 @@
           <a:p>
             <a:r>
               <a:rPr lang="en-GB" dirty="0"/>
-              <a:t>You may use appendices to add material to your thesis that you will not be examined on but you feel examiners may wish to refer to. Within the “report” class, this is done by using the “\appendix” command. Following this command, all chapters will be appendices and will be labelled with letters. Similarly, figures will be numbered with A.1, etc. Appendices appear in the table of contents and so do figures and tables in appendices.</a:t>
+              <a:t>As we mentioned earlier, if you include any items with your thesis external to what’s printed in the pages of your thesis, you must include it in the contents. Fortunately, LaTeX allows you to add entries to the contents, list of tables and list of figures without the referenced items actually appearing in your pdf.</a:t>
+            </a:r>
+          </a:p>
+          <a:p>
+            <a:endParaRPr lang="en-GB" dirty="0"/>
+          </a:p>
+          <a:p>
+            <a:r>
+              <a:rPr lang="en-GB" dirty="0"/>
+              <a:t>This is achieved with the “\</a:t>
+            </a:r>
+            <a:r>
+              <a:rPr lang="en-GB" dirty="0" err="1"/>
+              <a:t>addcontentsline</a:t>
+            </a:r>
+            <a:r>
+              <a:rPr lang="en-GB" dirty="0"/>
+              <a:t>” command. This is followed by either “toc”, “</a:t>
+            </a:r>
+            <a:r>
+              <a:rPr lang="en-GB" dirty="0" err="1"/>
+              <a:t>lof</a:t>
+            </a:r>
+            <a:r>
+              <a:rPr lang="en-GB" dirty="0"/>
+              <a:t>” or “lot” in curly brackets to show the item is to be added to the table of contents, list of figures or list of tables respectively. In another set of curly brackets, you may define the “level” of the entry. This will always be “figure” for an item in the list of figures and “table” for an item in the list of tables, but for a table of contents item it may be “chapter”, “section” or “subsection”. Finally, the name of the entry is included in curly brackets.</a:t>
             </a:r>
             <a:br>
               <a:rPr lang="en-GB" dirty="0"/>
             </a:br>
-            <a:endParaRPr lang="en-GB" sz="1200" dirty="0"/>
-          </a:p>
-          <a:p>
-            <a:r>
-              <a:rPr lang="en-GB" sz="1200" dirty="0"/>
-              <a:t>Overleaf Example: </a:t>
-            </a:r>
-            <a:r>
-              <a:rPr lang="en-GB" dirty="0"/>
-              <a:t>https://www.overleaf.com/read/rbtybvccgztw</a:t>
-            </a:r>
-            <a:endParaRPr lang="en-GB" sz="1200" dirty="0"/>
-          </a:p>
-          <a:p>
-            <a:endParaRPr lang="en-GB" sz="1200" dirty="0"/>
-          </a:p>
-          <a:p>
-            <a:r>
-              <a:rPr lang="en-GB" sz="1200" dirty="0"/>
-              <a:t>Break for Section 5 of Checklist</a:t>
-            </a:r>
-            <a:endParaRPr lang="en-GB" dirty="0"/>
+            <a:br>
+              <a:rPr lang="en-GB" dirty="0"/>
+            </a:br>
+            <a:r>
+              <a:rPr lang="en-GB" dirty="0"/>
+              <a:t>Overleaf Example: https://www.overleaf.com/read/pttgcwksbpsc</a:t>
+            </a:r>
           </a:p>
         </p:txBody>
       </p:sp>
@@ -2766,7 +2775,7 @@
     </p:spTree>
     <p:extLst>
       <p:ext uri="{BB962C8B-B14F-4D97-AF65-F5344CB8AC3E}">
-        <p14:creationId xmlns:p14="http://schemas.microsoft.com/office/powerpoint/2010/main" val="2488530527"/>
+        <p14:creationId xmlns:p14="http://schemas.microsoft.com/office/powerpoint/2010/main" val="1283564292"/>
       </p:ext>
     </p:extLst>
   </p:cSld>
@@ -2822,42 +2831,33 @@
           <a:p>
             <a:r>
               <a:rPr lang="en-GB" dirty="0"/>
-              <a:t>Your thesis is going to be a very large document indeed. If it is all in a single .</a:t>
-            </a:r>
-            <a:r>
-              <a:rPr lang="en-GB" dirty="0" err="1"/>
-              <a:t>tex</a:t>
-            </a:r>
-            <a:r>
-              <a:rPr lang="en-GB" dirty="0"/>
-              <a:t> document it will be difficult for you to navigate. Finding chapter 2 will take time, and you’ll have better things to spend it on.</a:t>
-            </a:r>
-          </a:p>
-          <a:p>
+              <a:t>You may use appendices to add material to your thesis that you will not be examined on but you feel examiners may wish to refer to. Within the “report” class, this is done by using the “\appendix” command. Following this command, all chapters will be appendices and will be labelled with letters. Similarly, figures will be numbered with A.1, etc. Appendices appear in the table of contents and so do figures and tables in appendices.</a:t>
+            </a:r>
+            <a:br>
+              <a:rPr lang="en-GB" dirty="0"/>
+            </a:br>
+            <a:endParaRPr lang="en-GB" sz="1200" dirty="0"/>
+          </a:p>
+          <a:p>
+            <a:r>
+              <a:rPr lang="en-GB" sz="1200" dirty="0"/>
+              <a:t>Overleaf Example: </a:t>
+            </a:r>
+            <a:r>
+              <a:rPr lang="en-GB" dirty="0"/>
+              <a:t>https://www.overleaf.com/read/rbtybvccgztw</a:t>
+            </a:r>
+            <a:endParaRPr lang="en-GB" sz="1200" dirty="0"/>
+          </a:p>
+          <a:p>
+            <a:endParaRPr lang="en-GB" sz="1200" dirty="0"/>
+          </a:p>
+          <a:p>
+            <a:r>
+              <a:rPr lang="en-GB" sz="1200" dirty="0"/>
+              <a:t>Break for Section 5 of Checklist</a:t>
+            </a:r>
             <a:endParaRPr lang="en-GB" dirty="0"/>
-          </a:p>
-          <a:p>
-            <a:r>
-              <a:rPr lang="en-GB" dirty="0"/>
-              <a:t>In addition, when you’re typesetting, you’ll often want to recompile your pdf multiple times to test  formatting. If you have to recompile you’re entire document every time, it will be a slow process.</a:t>
-            </a:r>
-          </a:p>
-          <a:p>
-            <a:endParaRPr lang="en-GB" dirty="0"/>
-          </a:p>
-          <a:p>
-            <a:r>
-              <a:rPr lang="en-GB" dirty="0"/>
-              <a:t>One strategy which solves both of these issues is to split your thesis into several .</a:t>
-            </a:r>
-            <a:r>
-              <a:rPr lang="en-GB" dirty="0" err="1"/>
-              <a:t>tex</a:t>
-            </a:r>
-            <a:r>
-              <a:rPr lang="en-GB" dirty="0"/>
-              <a:t> files. This has the side benefit that you can re-use some of these files in other documents. For example, you could use the same file containing your preamble in several LaTeX documents.</a:t>
-            </a:r>
           </a:p>
         </p:txBody>
       </p:sp>
@@ -2887,7 +2887,7 @@
     </p:spTree>
     <p:extLst>
       <p:ext uri="{BB962C8B-B14F-4D97-AF65-F5344CB8AC3E}">
-        <p14:creationId xmlns:p14="http://schemas.microsoft.com/office/powerpoint/2010/main" val="2771320647"/>
+        <p14:creationId xmlns:p14="http://schemas.microsoft.com/office/powerpoint/2010/main" val="2488530527"/>
       </p:ext>
     </p:extLst>
   </p:cSld>
@@ -2943,7 +2943,7 @@
           <a:p>
             <a:r>
               <a:rPr lang="en-GB" dirty="0"/>
-              <a:t>The key to doing this is the include command. The three files on the right produce the same pdf as the single file on the right. The include command specifies the name of another .</a:t>
+              <a:t>Your thesis is going to be a very large document indeed. If it is all in a single .</a:t>
             </a:r>
             <a:r>
               <a:rPr lang="en-GB" dirty="0" err="1"/>
@@ -2951,7 +2951,25 @@
             </a:r>
             <a:r>
               <a:rPr lang="en-GB" dirty="0"/>
-              <a:t> file to be included (don’t include the .</a:t>
+              <a:t> document it will be difficult for you to navigate. Finding chapter 2 will take time, and you’ll have better things to spend it on.</a:t>
+            </a:r>
+          </a:p>
+          <a:p>
+            <a:endParaRPr lang="en-GB" dirty="0"/>
+          </a:p>
+          <a:p>
+            <a:r>
+              <a:rPr lang="en-GB" dirty="0"/>
+              <a:t>In addition, when you’re typesetting, you’ll often want to recompile your pdf multiple times to test  formatting. If you have to recompile you’re entire document every time, it will be a slow process.</a:t>
+            </a:r>
+          </a:p>
+          <a:p>
+            <a:endParaRPr lang="en-GB" dirty="0"/>
+          </a:p>
+          <a:p>
+            <a:r>
+              <a:rPr lang="en-GB" dirty="0"/>
+              <a:t>One strategy which solves both of these issues is to split your thesis into several .</a:t>
             </a:r>
             <a:r>
               <a:rPr lang="en-GB" dirty="0" err="1"/>
@@ -2959,32 +2977,7 @@
             </a:r>
             <a:r>
               <a:rPr lang="en-GB" dirty="0"/>
-              <a:t> extension). The files will be processed as though the commands were in a single continuous .</a:t>
-            </a:r>
-            <a:r>
-              <a:rPr lang="en-GB" dirty="0" err="1"/>
-              <a:t>tex</a:t>
-            </a:r>
-            <a:r>
-              <a:rPr lang="en-GB" dirty="0"/>
-              <a:t> file, with the exception that a new page will be inserted before the included material.</a:t>
-            </a:r>
-            <a:br>
-              <a:rPr lang="en-GB" dirty="0"/>
-            </a:br>
-            <a:br>
-              <a:rPr lang="en-GB" dirty="0"/>
-            </a:br>
-            <a:r>
-              <a:rPr lang="en-GB" dirty="0"/>
-              <a:t>Overleaf Example (unsplit document): https://www.overleaf.com/read/sqwvtspkbchs</a:t>
-            </a:r>
-            <a:br>
-              <a:rPr lang="en-GB" dirty="0"/>
-            </a:br>
-            <a:r>
-              <a:rPr lang="en-GB" dirty="0"/>
-              <a:t>Overleaf Example (split document): https://www.overleaf.com/read/cmhxwpmfzrjj</a:t>
+              <a:t> files. This has the side benefit that you can re-use some of these files in other documents. For example, you could use the same file containing your preamble in several LaTeX documents.</a:t>
             </a:r>
           </a:p>
         </p:txBody>
@@ -3015,7 +3008,7 @@
     </p:spTree>
     <p:extLst>
       <p:ext uri="{BB962C8B-B14F-4D97-AF65-F5344CB8AC3E}">
-        <p14:creationId xmlns:p14="http://schemas.microsoft.com/office/powerpoint/2010/main" val="2892583370"/>
+        <p14:creationId xmlns:p14="http://schemas.microsoft.com/office/powerpoint/2010/main" val="2771320647"/>
       </p:ext>
     </p:extLst>
   </p:cSld>
@@ -3071,15 +3064,7 @@
           <a:p>
             <a:r>
               <a:rPr lang="en-GB" dirty="0"/>
-              <a:t>In order to cause only a subset of included files to be used when the pdf is being compiled, the “\</a:t>
-            </a:r>
-            <a:r>
-              <a:rPr lang="en-GB" dirty="0" err="1"/>
-              <a:t>includeonly</a:t>
-            </a:r>
-            <a:r>
-              <a:rPr lang="en-GB" dirty="0"/>
-              <a:t>” command can be used in the preamble. This is followed by a list of .</a:t>
+              <a:t>The key to doing this is the include command. The three files on the right produce the same pdf as the single file on the right. The include command specifies the name of another .</a:t>
             </a:r>
             <a:r>
               <a:rPr lang="en-GB" dirty="0" err="1"/>
@@ -3087,7 +3072,7 @@
             </a:r>
             <a:r>
               <a:rPr lang="en-GB" dirty="0"/>
-              <a:t> files, separated by commas, which specify which included .</a:t>
+              <a:t> file to be included (don’t include the .</a:t>
             </a:r>
             <a:r>
               <a:rPr lang="en-GB" dirty="0" err="1"/>
@@ -3095,25 +3080,7 @@
             </a:r>
             <a:r>
               <a:rPr lang="en-GB" dirty="0"/>
-              <a:t> files are to be used. Note that, in this example, this means the “second” chapter is included and is labelled chapter 1, but the “first” chapter is not included at all.</a:t>
-            </a:r>
-          </a:p>
-          <a:p>
-            <a:endParaRPr lang="en-GB" dirty="0"/>
-          </a:p>
-          <a:p>
-            <a:r>
-              <a:rPr lang="en-GB" dirty="0"/>
-              <a:t>By excluding files in this way you can dramatically speed up the compilation of the pdf. This isn’t so much of an issue for modern computers, but you might still find it useful if you have a large and complex document.</a:t>
-            </a:r>
-          </a:p>
-          <a:p>
-            <a:endParaRPr lang="en-GB" dirty="0"/>
-          </a:p>
-          <a:p>
-            <a:r>
-              <a:rPr lang="en-GB" dirty="0"/>
-              <a:t>You cannot include a .</a:t>
+              <a:t> extension). The files will be processed as though the commands were in a single continuous .</a:t>
             </a:r>
             <a:r>
               <a:rPr lang="en-GB" dirty="0" err="1"/>
@@ -3121,15 +3088,7 @@
             </a:r>
             <a:r>
               <a:rPr lang="en-GB" dirty="0"/>
-              <a:t> file that includes another .</a:t>
-            </a:r>
-            <a:r>
-              <a:rPr lang="en-GB" dirty="0" err="1"/>
-              <a:t>tex</a:t>
-            </a:r>
-            <a:r>
-              <a:rPr lang="en-GB" dirty="0"/>
-              <a:t> file.</a:t>
+              <a:t> file, with the exception that a new page will be inserted before the included material.</a:t>
             </a:r>
             <a:br>
               <a:rPr lang="en-GB" dirty="0"/>
@@ -3139,16 +3098,14 @@
             </a:br>
             <a:r>
               <a:rPr lang="en-GB" dirty="0"/>
-              <a:t>Overleaf Example: https://www.overleaf.com/read/ygsypywvjrhb</a:t>
-            </a:r>
-          </a:p>
-          <a:p>
-            <a:endParaRPr lang="en-GB" dirty="0"/>
-          </a:p>
-          <a:p>
-            <a:r>
-              <a:rPr lang="en-GB" dirty="0"/>
-              <a:t>Break for section 6 of Task Sheet</a:t>
+              <a:t>Overleaf Example (unsplit document): https://www.overleaf.com/read/sqwvtspkbchs</a:t>
+            </a:r>
+            <a:br>
+              <a:rPr lang="en-GB" dirty="0"/>
+            </a:br>
+            <a:r>
+              <a:rPr lang="en-GB" dirty="0"/>
+              <a:t>Overleaf Example (split document): https://www.overleaf.com/read/cmhxwpmfzrjj</a:t>
             </a:r>
           </a:p>
         </p:txBody>
@@ -3179,7 +3136,7 @@
     </p:spTree>
     <p:extLst>
       <p:ext uri="{BB962C8B-B14F-4D97-AF65-F5344CB8AC3E}">
-        <p14:creationId xmlns:p14="http://schemas.microsoft.com/office/powerpoint/2010/main" val="2939621631"/>
+        <p14:creationId xmlns:p14="http://schemas.microsoft.com/office/powerpoint/2010/main" val="2892583370"/>
       </p:ext>
     </p:extLst>
   </p:cSld>
@@ -3235,39 +3192,65 @@
           <a:p>
             <a:r>
               <a:rPr lang="en-GB" dirty="0"/>
-              <a:t>Normally, references will produce the correct number for the referenced section, figure, etc in a normal text form. However, we can turn them into active hyperlinks that will allow a user to jump to the relevant point in your document by clicking on the reference. You can modify your document so all references are turned into hyperlinks in this way using the “</a:t>
+              <a:t>In order to cause only a subset of included files to be used when the pdf is being compiled, the “\</a:t>
             </a:r>
             <a:r>
               <a:rPr lang="en-GB" dirty="0" err="1"/>
-              <a:t>hyperref</a:t>
-            </a:r>
-            <a:r>
-              <a:rPr lang="en-GB" dirty="0"/>
-              <a:t>” package. This package has a number of options you can use to customise your references. I strongly recommend setting the “</a:t>
+              <a:t>includeonly</a:t>
+            </a:r>
+            <a:r>
+              <a:rPr lang="en-GB" dirty="0"/>
+              <a:t>” command can be used in the preamble. This is followed by a list of .</a:t>
             </a:r>
             <a:r>
               <a:rPr lang="en-GB" dirty="0" err="1"/>
-              <a:t>colorlinks</a:t>
-            </a:r>
-            <a:r>
-              <a:rPr lang="en-GB" dirty="0"/>
-              <a:t>” option to “true”, feel free to experiment with what it looks like when you don’t do this. You can also set the colour of your links using the “</a:t>
+              <a:t>tex</a:t>
+            </a:r>
+            <a:r>
+              <a:rPr lang="en-GB" dirty="0"/>
+              <a:t> files, separated by commas, which specify which included .</a:t>
             </a:r>
             <a:r>
               <a:rPr lang="en-GB" dirty="0" err="1"/>
-              <a:t>linkcolor</a:t>
-            </a:r>
-            <a:r>
-              <a:rPr lang="en-GB" dirty="0"/>
-              <a:t>” option and colour of your citations using the “</a:t>
+              <a:t>tex</a:t>
+            </a:r>
+            <a:r>
+              <a:rPr lang="en-GB" dirty="0"/>
+              <a:t> files are to be used. Note that, in this example, this means the “second” chapter is included and is labelled chapter 1, but the “first” chapter is not included at all.</a:t>
+            </a:r>
+          </a:p>
+          <a:p>
+            <a:endParaRPr lang="en-GB" dirty="0"/>
+          </a:p>
+          <a:p>
+            <a:r>
+              <a:rPr lang="en-GB" dirty="0"/>
+              <a:t>By excluding files in this way you can dramatically speed up the compilation of the pdf. This isn’t so much of an issue for modern computers, but you might still find it useful if you have a large and complex document.</a:t>
+            </a:r>
+          </a:p>
+          <a:p>
+            <a:endParaRPr lang="en-GB" dirty="0"/>
+          </a:p>
+          <a:p>
+            <a:r>
+              <a:rPr lang="en-GB" dirty="0"/>
+              <a:t>You cannot include a .</a:t>
             </a:r>
             <a:r>
               <a:rPr lang="en-GB" dirty="0" err="1"/>
-              <a:t>citecolor</a:t>
-            </a:r>
-            <a:r>
-              <a:rPr lang="en-GB"/>
-              <a:t>” option.</a:t>
+              <a:t>tex</a:t>
+            </a:r>
+            <a:r>
+              <a:rPr lang="en-GB" dirty="0"/>
+              <a:t> file that includes another .</a:t>
+            </a:r>
+            <a:r>
+              <a:rPr lang="en-GB" dirty="0" err="1"/>
+              <a:t>tex</a:t>
+            </a:r>
+            <a:r>
+              <a:rPr lang="en-GB" dirty="0"/>
+              <a:t> file.</a:t>
             </a:r>
             <a:br>
               <a:rPr lang="en-GB" dirty="0"/>
@@ -3277,17 +3260,7 @@
             </a:br>
             <a:r>
               <a:rPr lang="en-GB" dirty="0"/>
-              <a:t>Putting hyperlinks into your thesis is a very good idea as it helps navigation of what is a very large document.</a:t>
-            </a:r>
-            <a:br>
-              <a:rPr lang="en-GB" dirty="0"/>
-            </a:br>
-            <a:br>
-              <a:rPr lang="en-GB" dirty="0"/>
-            </a:br>
-            <a:r>
-              <a:rPr lang="en-GB" dirty="0"/>
-              <a:t>Overleaf Example: https://www.overleaf.com/read/tzdbtmdmtfhd</a:t>
+              <a:t>Overleaf Example: https://www.overleaf.com/read/ygsypywvjrhb</a:t>
             </a:r>
           </a:p>
           <a:p>
@@ -3296,7 +3269,7 @@
           <a:p>
             <a:r>
               <a:rPr lang="en-GB" dirty="0"/>
-              <a:t>Break for Section 7 of Task sheet</a:t>
+              <a:t>Break for section 6 of Task Sheet</a:t>
             </a:r>
           </a:p>
         </p:txBody>
@@ -3327,7 +3300,7 @@
     </p:spTree>
     <p:extLst>
       <p:ext uri="{BB962C8B-B14F-4D97-AF65-F5344CB8AC3E}">
-        <p14:creationId xmlns:p14="http://schemas.microsoft.com/office/powerpoint/2010/main" val="4210007226"/>
+        <p14:creationId xmlns:p14="http://schemas.microsoft.com/office/powerpoint/2010/main" val="2939621631"/>
       </p:ext>
     </p:extLst>
   </p:cSld>
@@ -3383,72 +3356,39 @@
           <a:p>
             <a:r>
               <a:rPr lang="en-GB" dirty="0"/>
-              <a:t>In LaTeX, a subfigure, is a figure which appears as one of multiple smaller figures within a larger figure. This collection of subfigures will always be placed together as a single figure. There are a number of ways of including subfigures in your thesis.</a:t>
-            </a:r>
-          </a:p>
-          <a:p>
-            <a:endParaRPr lang="en-GB" dirty="0"/>
-          </a:p>
-          <a:p>
-            <a:r>
-              <a:rPr lang="en-GB" dirty="0"/>
-              <a:t>The example I am showing you today uses the “</a:t>
+              <a:t>Normally, references will produce the correct number for the referenced section, figure, etc in a normal text form. However, we can turn them into active hyperlinks that will allow a user to jump to the relevant point in your document by clicking on the reference. You can modify your document so all references are turned into hyperlinks in this way using the “</a:t>
             </a:r>
             <a:r>
               <a:rPr lang="en-GB" dirty="0" err="1"/>
-              <a:t>subfig</a:t>
-            </a:r>
-            <a:r>
-              <a:rPr lang="en-GB" dirty="0"/>
-              <a:t>” package. Within the figure environment we use the “\</a:t>
+              <a:t>hyperref</a:t>
+            </a:r>
+            <a:r>
+              <a:rPr lang="en-GB" dirty="0"/>
+              <a:t>” package. This package has a number of options you can use to customise your references. I strongly recommend setting the “</a:t>
             </a:r>
             <a:r>
               <a:rPr lang="en-GB" dirty="0" err="1"/>
-              <a:t>subfloat</a:t>
-            </a:r>
-            <a:r>
-              <a:rPr lang="en-GB" dirty="0"/>
-              <a:t>” command once for each subfigure we wish to include. The “\</a:t>
+              <a:t>colorlinks</a:t>
+            </a:r>
+            <a:r>
+              <a:rPr lang="en-GB" dirty="0"/>
+              <a:t>” option to “true”, feel free to experiment with what it looks like when you don’t do this. You can also set the colour of your links using the “</a:t>
             </a:r>
             <a:r>
               <a:rPr lang="en-GB" dirty="0" err="1"/>
-              <a:t>subfloat</a:t>
-            </a:r>
-            <a:r>
-              <a:rPr lang="en-GB" dirty="0"/>
-              <a:t>” command is followed by the caption of the subfigure in square brackets. Then, in curly brackets, we use the “\</a:t>
+              <a:t>linkcolor</a:t>
+            </a:r>
+            <a:r>
+              <a:rPr lang="en-GB" dirty="0"/>
+              <a:t>” option and colour of your citations using the “</a:t>
             </a:r>
             <a:r>
               <a:rPr lang="en-GB" dirty="0" err="1"/>
-              <a:t>includegraphics</a:t>
-            </a:r>
-            <a:r>
-              <a:rPr lang="en-GB" dirty="0"/>
-              <a:t>” command to actually include the graphics. The square brackets following the “\</a:t>
-            </a:r>
-            <a:r>
-              <a:rPr lang="en-GB" dirty="0" err="1"/>
-              <a:t>includegraphics</a:t>
-            </a:r>
-            <a:r>
-              <a:rPr lang="en-GB" dirty="0"/>
-              <a:t> command is here to specify the width of the figure in units of the width of text on the page at this point (which is referenced using the “\</a:t>
-            </a:r>
-            <a:r>
-              <a:rPr lang="en-GB" dirty="0" err="1"/>
-              <a:t>textwidth</a:t>
-            </a:r>
-            <a:r>
-              <a:rPr lang="en-GB" dirty="0"/>
-              <a:t>” command). In this case, we’ve asked for each figure to be around half of the width of the text (there’s some variation due to the aspect ratio of each image). Within the curly brackets following the “\</a:t>
-            </a:r>
-            <a:r>
-              <a:rPr lang="en-GB" dirty="0" err="1"/>
-              <a:t>subfloat</a:t>
-            </a:r>
-            <a:r>
-              <a:rPr lang="en-GB" dirty="0"/>
-              <a:t>” command we also give each individual subfigure a label so we can reference it later.</a:t>
+              <a:t>citecolor</a:t>
+            </a:r>
+            <a:r>
+              <a:rPr lang="en-GB"/>
+              <a:t>” option.</a:t>
             </a:r>
             <a:br>
               <a:rPr lang="en-GB" dirty="0"/>
@@ -3458,16 +3398,7 @@
             </a:br>
             <a:r>
               <a:rPr lang="en-GB" dirty="0"/>
-              <a:t>Following the specification of the first and third figure we use the “\quad” command. This is a way of telling LaTeX to insert a small horizontal space between whatever came before and whatever comes next. Following the specification of the second subfigure we use a double-backslash to start a new line of subfigures within the overall figure we’re creating. This puts the third and fourth figures below the first and second.</a:t>
-            </a:r>
-          </a:p>
-          <a:p>
-            <a:endParaRPr lang="en-GB" dirty="0"/>
-          </a:p>
-          <a:p>
-            <a:r>
-              <a:rPr lang="en-GB" dirty="0"/>
-              <a:t>Finally, we use the “\caption” command to give the figure that is comprised of the subfigures a caption and the “\label” command to give it a label. We see that we get a nicely spaced array of subfigures, each with their own caption, inside a larger figure which also has its own caption. We can reference any of the subfigures or the containing figure.</a:t>
+              <a:t>Putting hyperlinks into your thesis is a very good idea as it helps navigation of what is a very large document.</a:t>
             </a:r>
             <a:br>
               <a:rPr lang="en-GB" dirty="0"/>
@@ -3477,7 +3408,16 @@
             </a:br>
             <a:r>
               <a:rPr lang="en-GB" dirty="0"/>
-              <a:t>Overleaf Example: https://www.overleaf.com/read/htdvrmwgcyvd</a:t>
+              <a:t>Overleaf Example: https://www.overleaf.com/read/tzdbtmdmtfhd</a:t>
+            </a:r>
+          </a:p>
+          <a:p>
+            <a:endParaRPr lang="en-GB" dirty="0"/>
+          </a:p>
+          <a:p>
+            <a:r>
+              <a:rPr lang="en-GB" dirty="0"/>
+              <a:t>Break for Section 7 of Task sheet</a:t>
             </a:r>
           </a:p>
         </p:txBody>
@@ -3508,7 +3448,7 @@
     </p:spTree>
     <p:extLst>
       <p:ext uri="{BB962C8B-B14F-4D97-AF65-F5344CB8AC3E}">
-        <p14:creationId xmlns:p14="http://schemas.microsoft.com/office/powerpoint/2010/main" val="1494002939"/>
+        <p14:creationId xmlns:p14="http://schemas.microsoft.com/office/powerpoint/2010/main" val="4210007226"/>
       </p:ext>
     </p:extLst>
   </p:cSld>
@@ -3564,7 +3504,7 @@
           <a:p>
             <a:r>
               <a:rPr lang="en-GB" dirty="0"/>
-              <a:t>Sometimes when writing a caption you might want to use a long caption to give a lot of information about the figure, table, etc. However, the same caption would take up a lot of space and give unnecessary detail in the list of figures or list of tables. In this case, it’s possible to specify a shorter caption to be used in the list of figures or list of tables by specifying it in square brackets after the word captions and before the full caption which is specified in curly brackets.</a:t>
+              <a:t>In LaTeX, a subfigure, is a figure which appears as one of multiple smaller figures within a larger figure. This collection of subfigures will always be placed together as a single figure. There are a number of ways of including subfigures in your thesis.</a:t>
             </a:r>
           </a:p>
           <a:p>
@@ -3573,15 +3513,73 @@
           <a:p>
             <a:r>
               <a:rPr lang="en-GB" dirty="0"/>
-              <a:t>Because of the way the captions for subfigures are defined/used, it’s not possible or necessary to do this </a:t>
-            </a:r>
-            <a:r>
-              <a:rPr lang="en-GB"/>
-              <a:t>for subfigure </a:t>
-            </a:r>
-            <a:r>
-              <a:rPr lang="en-GB" dirty="0"/>
-              <a:t>captions, although it is possible to specify a short caption for a figure which contains subfigures.</a:t>
+              <a:t>The example I am showing you today uses the “</a:t>
+            </a:r>
+            <a:r>
+              <a:rPr lang="en-GB" dirty="0" err="1"/>
+              <a:t>subfig</a:t>
+            </a:r>
+            <a:r>
+              <a:rPr lang="en-GB" dirty="0"/>
+              <a:t>” package. Within the figure environment we use the “\</a:t>
+            </a:r>
+            <a:r>
+              <a:rPr lang="en-GB" dirty="0" err="1"/>
+              <a:t>subfloat</a:t>
+            </a:r>
+            <a:r>
+              <a:rPr lang="en-GB" dirty="0"/>
+              <a:t>” command once for each subfigure we wish to include. The “\</a:t>
+            </a:r>
+            <a:r>
+              <a:rPr lang="en-GB" dirty="0" err="1"/>
+              <a:t>subfloat</a:t>
+            </a:r>
+            <a:r>
+              <a:rPr lang="en-GB" dirty="0"/>
+              <a:t>” command is followed by the caption of the subfigure in square brackets. Then, in curly brackets, we use the “\</a:t>
+            </a:r>
+            <a:r>
+              <a:rPr lang="en-GB" dirty="0" err="1"/>
+              <a:t>includegraphics</a:t>
+            </a:r>
+            <a:r>
+              <a:rPr lang="en-GB" dirty="0"/>
+              <a:t>” command to actually include the graphics. The square brackets following the “\</a:t>
+            </a:r>
+            <a:r>
+              <a:rPr lang="en-GB" dirty="0" err="1"/>
+              <a:t>includegraphics</a:t>
+            </a:r>
+            <a:r>
+              <a:rPr lang="en-GB" dirty="0"/>
+              <a:t> command is here to specify the width of the figure in units of the width of text on the page at this point (which is referenced using the “\</a:t>
+            </a:r>
+            <a:r>
+              <a:rPr lang="en-GB" dirty="0" err="1"/>
+              <a:t>textwidth</a:t>
+            </a:r>
+            <a:r>
+              <a:rPr lang="en-GB" dirty="0"/>
+              <a:t>” command). In this case, we’ve asked for each figure to be around half of the width of the text (there’s some variation due to the aspect ratio of each image). Within the curly brackets following the “\</a:t>
+            </a:r>
+            <a:r>
+              <a:rPr lang="en-GB" dirty="0" err="1"/>
+              <a:t>subfloat</a:t>
+            </a:r>
+            <a:r>
+              <a:rPr lang="en-GB" dirty="0"/>
+              <a:t>” command we also give each individual subfigure a label so we can reference it later.</a:t>
+            </a:r>
+            <a:br>
+              <a:rPr lang="en-GB" dirty="0"/>
+            </a:br>
+            <a:br>
+              <a:rPr lang="en-GB" dirty="0"/>
+            </a:br>
+            <a:r>
+              <a:rPr lang="en-GB" dirty="0"/>
+              <a:t>Following the specification of the first and third figure we use the “\quad” command. This is a way of telling LaTeX to insert a small horizontal space between whatever came before and whatever comes next. Following the specification of the second subfigure we use a double-backslash to start a new line of subfigures within the overall figure we’re creating. This puts the third and fourth figures below the first and second.</a:t>
             </a:r>
           </a:p>
           <a:p>
@@ -3590,7 +3588,17 @@
           <a:p>
             <a:r>
               <a:rPr lang="en-GB" dirty="0"/>
-              <a:t>Overleaf example: https://www.overleaf.com/read/kjjswpdcxsfn</a:t>
+              <a:t>Finally, we use the “\caption” command to give the figure that is comprised of the subfigures a caption and the “\label” command to give it a label. We see that we get a nicely spaced array of subfigures, each with their own caption, inside a larger figure which also has its own caption. We can reference any of the subfigures or the containing figure.</a:t>
+            </a:r>
+            <a:br>
+              <a:rPr lang="en-GB" dirty="0"/>
+            </a:br>
+            <a:br>
+              <a:rPr lang="en-GB" dirty="0"/>
+            </a:br>
+            <a:r>
+              <a:rPr lang="en-GB" dirty="0"/>
+              <a:t>Overleaf Example: https://www.overleaf.com/read/htdvrmwgcyvd</a:t>
             </a:r>
           </a:p>
         </p:txBody>
@@ -3621,7 +3629,7 @@
     </p:spTree>
     <p:extLst>
       <p:ext uri="{BB962C8B-B14F-4D97-AF65-F5344CB8AC3E}">
-        <p14:creationId xmlns:p14="http://schemas.microsoft.com/office/powerpoint/2010/main" val="2584514555"/>
+        <p14:creationId xmlns:p14="http://schemas.microsoft.com/office/powerpoint/2010/main" val="1494002939"/>
       </p:ext>
     </p:extLst>
   </p:cSld>
@@ -3675,38 +3683,7 @@
           <a:bodyPr/>
           <a:lstStyle/>
           <a:p>
-            <a:r>
-              <a:rPr lang="en-GB" dirty="0"/>
-              <a:t>Overleaf is the online environment which we’ll be using to create and compile your LaTeX documents. College has a subscription to it so, if you sign up with your college email address, you can get the pro-version. You should have already made an account as indicated in the pre-course instructions.</a:t>
-            </a:r>
-            <a:br>
-              <a:rPr lang="en-GB" dirty="0"/>
-            </a:br>
-            <a:br>
-              <a:rPr lang="en-GB" dirty="0"/>
-            </a:br>
-            <a:r>
-              <a:rPr lang="en-GB" dirty="0"/>
-              <a:t>Overleaf is cross-platform (in the sense it will work on Windows, Mac, Linux, etc). It’s already complete in the sense that all the packages you might need are already installed. It’s easy to use, including auto-complete and a visual indication of where errors have occurred in compilation. It has the ability for collaborative working and allows synchronisation with Dropbox and </a:t>
-            </a:r>
-            <a:r>
-              <a:rPr lang="en-GB" dirty="0" err="1"/>
-              <a:t>github</a:t>
-            </a:r>
-            <a:r>
-              <a:rPr lang="en-GB" dirty="0"/>
-              <a:t> which can allow you carry on working on your documents offline using an offline editor. Overleaf also has an integrated “review system” which might allow your supervisor to review your thesis in the same place that you’re writing it, saving a lot of flipping between documents.</a:t>
-            </a:r>
-            <a:br>
-              <a:rPr lang="en-GB" dirty="0"/>
-            </a:br>
-            <a:br>
-              <a:rPr lang="en-GB" dirty="0"/>
-            </a:br>
-            <a:r>
-              <a:rPr lang="en-GB" dirty="0"/>
-              <a:t>However, the editor itself is only available with an internet connection. Your files are also stored online. If you’re dealing with commercially sensitive data or sensitive data such as patient records, you may not be able to use Overleaf if there are restrictions on where you can store data.</a:t>
-            </a:r>
+            <a:endParaRPr lang="en-GB" dirty="0"/>
           </a:p>
         </p:txBody>
       </p:sp>
@@ -3736,7 +3713,7 @@
     </p:spTree>
     <p:extLst>
       <p:ext uri="{BB962C8B-B14F-4D97-AF65-F5344CB8AC3E}">
-        <p14:creationId xmlns:p14="http://schemas.microsoft.com/office/powerpoint/2010/main" val="1864279570"/>
+        <p14:creationId xmlns:p14="http://schemas.microsoft.com/office/powerpoint/2010/main" val="251121805"/>
       </p:ext>
     </p:extLst>
   </p:cSld>
@@ -3792,7 +3769,7 @@
           <a:p>
             <a:r>
               <a:rPr lang="en-GB" dirty="0"/>
-              <a:t>Overleaf Example: https://www.overleaf.com/read/nwtfndvmfnpf</a:t>
+              <a:t>Sometimes when writing a caption you might want to use a long caption to give a lot of information about the figure, table, etc. However, the same caption would take up a lot of space and give unnecessary detail in the list of figures or list of tables. In this case, it’s possible to specify a shorter caption to be used in the list of figures or list of tables by specifying it in square brackets after the word captions and before the full caption which is specified in curly brackets.</a:t>
             </a:r>
           </a:p>
           <a:p>
@@ -3801,7 +3778,24 @@
           <a:p>
             <a:r>
               <a:rPr lang="en-GB" dirty="0"/>
-              <a:t>Break for sections 8 and 9 of Task Sheet</a:t>
+              <a:t>Because of the way the captions for subfigures are defined/used, it’s not possible or necessary to do this </a:t>
+            </a:r>
+            <a:r>
+              <a:rPr lang="en-GB"/>
+              <a:t>for subfigure </a:t>
+            </a:r>
+            <a:r>
+              <a:rPr lang="en-GB" dirty="0"/>
+              <a:t>captions, although it is possible to specify a short caption for a figure which contains subfigures.</a:t>
+            </a:r>
+          </a:p>
+          <a:p>
+            <a:endParaRPr lang="en-GB" dirty="0"/>
+          </a:p>
+          <a:p>
+            <a:r>
+              <a:rPr lang="en-GB" dirty="0"/>
+              <a:t>Overleaf example: https://www.overleaf.com/read/kjjswpdcxsfn</a:t>
             </a:r>
           </a:p>
         </p:txBody>
@@ -3832,7 +3826,7 @@
     </p:spTree>
     <p:extLst>
       <p:ext uri="{BB962C8B-B14F-4D97-AF65-F5344CB8AC3E}">
-        <p14:creationId xmlns:p14="http://schemas.microsoft.com/office/powerpoint/2010/main" val="53672810"/>
+        <p14:creationId xmlns:p14="http://schemas.microsoft.com/office/powerpoint/2010/main" val="2584514555"/>
       </p:ext>
     </p:extLst>
   </p:cSld>
@@ -3888,39 +3882,7 @@
           <a:p>
             <a:r>
               <a:rPr lang="en-GB" dirty="0"/>
-              <a:t>In your preamble you can use the “\</a:t>
-            </a:r>
-            <a:r>
-              <a:rPr lang="en-GB" dirty="0" err="1"/>
-              <a:t>newcommand</a:t>
-            </a:r>
-            <a:r>
-              <a:rPr lang="en-GB" dirty="0"/>
-              <a:t>” command to define a new command. This is a little like defining a macro or a function in other programs or languages. “\</a:t>
-            </a:r>
-            <a:r>
-              <a:rPr lang="en-GB" dirty="0" err="1"/>
-              <a:t>newcommand</a:t>
-            </a:r>
-            <a:r>
-              <a:rPr lang="en-GB" dirty="0"/>
-              <a:t>” is followed by the name of the command in curly brackets. This is followed by the number of arguments the command (if there are arguments to the command). This is followed by the text that will be used in the body of the .</a:t>
-            </a:r>
-            <a:r>
-              <a:rPr lang="en-GB" dirty="0" err="1"/>
-              <a:t>tex</a:t>
-            </a:r>
-            <a:r>
-              <a:rPr lang="en-GB" dirty="0"/>
-              <a:t> file where the command is used. In this definition, if “#X” is included within curly brackets, this will insert the </a:t>
-            </a:r>
-            <a:r>
-              <a:rPr lang="en-GB" dirty="0" err="1"/>
-              <a:t>Xth</a:t>
-            </a:r>
-            <a:r>
-              <a:rPr lang="en-GB" dirty="0"/>
-              <a:t> argument in the text used.</a:t>
+              <a:t>Overleaf Example: https://www.overleaf.com/read/nwtfndvmfnpf</a:t>
             </a:r>
           </a:p>
           <a:p>
@@ -3929,46 +3891,7 @@
           <a:p>
             <a:r>
               <a:rPr lang="en-GB" dirty="0"/>
-              <a:t>To use the command in the document, you can use “\COMMAND_NAME” to invoke the command. This is followed by a the arguments of the command, each in their own set of curly brackets.</a:t>
-            </a:r>
-            <a:br>
-              <a:rPr lang="en-GB" dirty="0"/>
-            </a:br>
-            <a:br>
-              <a:rPr lang="en-GB" dirty="0"/>
-            </a:br>
-            <a:r>
-              <a:rPr lang="en-GB" dirty="0"/>
-              <a:t>This can be very useful for automating text you use repeatedly that is the same or similar every time but is long-winded to write out.</a:t>
-            </a:r>
-            <a:br>
-              <a:rPr lang="en-GB" dirty="0"/>
-            </a:br>
-            <a:br>
-              <a:rPr lang="en-GB" dirty="0"/>
-            </a:br>
-            <a:r>
-              <a:rPr lang="en-GB" dirty="0"/>
-              <a:t>It’s also possible to redefine existing commands or define new environments, but this won’t be covered in this course.</a:t>
-            </a:r>
-            <a:br>
-              <a:rPr lang="en-GB" dirty="0"/>
-            </a:br>
-            <a:endParaRPr lang="en-GB" dirty="0"/>
-          </a:p>
-          <a:p>
-            <a:r>
-              <a:rPr lang="en-GB" dirty="0"/>
-              <a:t>Overleaf Example: https://www.overleaf.com/read/hxttrgqqvpyp</a:t>
-            </a:r>
-          </a:p>
-          <a:p>
-            <a:endParaRPr lang="en-GB" dirty="0"/>
-          </a:p>
-          <a:p>
-            <a:r>
-              <a:rPr lang="en-GB" dirty="0"/>
-              <a:t>Break for section 10 of Task Sheet</a:t>
+              <a:t>Break for sections 8 and 9 of Task Sheet</a:t>
             </a:r>
           </a:p>
         </p:txBody>
@@ -3999,7 +3922,7 @@
     </p:spTree>
     <p:extLst>
       <p:ext uri="{BB962C8B-B14F-4D97-AF65-F5344CB8AC3E}">
-        <p14:creationId xmlns:p14="http://schemas.microsoft.com/office/powerpoint/2010/main" val="2909380669"/>
+        <p14:creationId xmlns:p14="http://schemas.microsoft.com/office/powerpoint/2010/main" val="53672810"/>
       </p:ext>
     </p:extLst>
   </p:cSld>
@@ -4055,7 +3978,48 @@
           <a:p>
             <a:r>
               <a:rPr lang="en-GB" dirty="0"/>
-              <a:t>Your thesis is likely to have dozens or hundreds of references and so a more advanced way to deal with your references is preferable. There are many ways to deal with your references and many ways to personalise your citations. We’re going to run through one way to achieve a streamlined approach to referencing and introduce a few options you might want to consider for personalising your references.</a:t>
+              <a:t>In your preamble you can use the “\</a:t>
+            </a:r>
+            <a:r>
+              <a:rPr lang="en-GB" dirty="0" err="1"/>
+              <a:t>newcommand</a:t>
+            </a:r>
+            <a:r>
+              <a:rPr lang="en-GB" dirty="0"/>
+              <a:t>” command to define a new command. This is a little like defining a macro or a function in other programs or languages. “\</a:t>
+            </a:r>
+            <a:r>
+              <a:rPr lang="en-GB" dirty="0" err="1"/>
+              <a:t>newcommand</a:t>
+            </a:r>
+            <a:r>
+              <a:rPr lang="en-GB" dirty="0"/>
+              <a:t>” is followed by the name of the command in curly brackets. This is followed by the number of arguments the command (if there are arguments to the command). This is followed by the text that will be used in the body of the .</a:t>
+            </a:r>
+            <a:r>
+              <a:rPr lang="en-GB" dirty="0" err="1"/>
+              <a:t>tex</a:t>
+            </a:r>
+            <a:r>
+              <a:rPr lang="en-GB" dirty="0"/>
+              <a:t> file where the command is used. In this definition, if “#X” is included within curly brackets, this will insert the </a:t>
+            </a:r>
+            <a:r>
+              <a:rPr lang="en-GB" dirty="0" err="1"/>
+              <a:t>Xth</a:t>
+            </a:r>
+            <a:r>
+              <a:rPr lang="en-GB" dirty="0"/>
+              <a:t> argument in the text used.</a:t>
+            </a:r>
+          </a:p>
+          <a:p>
+            <a:endParaRPr lang="en-GB" dirty="0"/>
+          </a:p>
+          <a:p>
+            <a:r>
+              <a:rPr lang="en-GB" dirty="0"/>
+              <a:t>To use the command in the document, you can use “\COMMAND_NAME” to invoke the command. This is followed by a the arguments of the command, each in their own set of curly brackets.</a:t>
             </a:r>
             <a:br>
               <a:rPr lang="en-GB" dirty="0"/>
@@ -4065,15 +4029,36 @@
             </a:br>
             <a:r>
               <a:rPr lang="en-GB" dirty="0"/>
-              <a:t>Many reference managers such as EndNote, Mendeley and </a:t>
-            </a:r>
-            <a:r>
-              <a:rPr lang="en-GB" dirty="0" err="1"/>
-              <a:t>JabRef</a:t>
-            </a:r>
-            <a:r>
-              <a:rPr lang="en-GB" dirty="0"/>
-              <a:t> allow for your database of references to be exported as a “.bib” file. This is essentially a database of your references that LaTeX can interact with directly. This means you only need to enter your reference details once in your reference manager and it will feed through to your LaTeX documents including your thesis. If you combine this with the automatic population of fields in your reference manager you will never need to manually write out the details of a reference again. This saves a lot of time and effort you can better spend elsewhere.</a:t>
+              <a:t>This can be very useful for automating text you use repeatedly that is the same or similar every time but is long-winded to write out.</a:t>
+            </a:r>
+            <a:br>
+              <a:rPr lang="en-GB" dirty="0"/>
+            </a:br>
+            <a:br>
+              <a:rPr lang="en-GB" dirty="0"/>
+            </a:br>
+            <a:r>
+              <a:rPr lang="en-GB" dirty="0"/>
+              <a:t>It’s also possible to redefine existing commands or define new environments, but this won’t be covered in this course.</a:t>
+            </a:r>
+            <a:br>
+              <a:rPr lang="en-GB" dirty="0"/>
+            </a:br>
+            <a:endParaRPr lang="en-GB" dirty="0"/>
+          </a:p>
+          <a:p>
+            <a:r>
+              <a:rPr lang="en-GB" dirty="0"/>
+              <a:t>Overleaf Example: https://www.overleaf.com/read/hxttrgqqvpyp</a:t>
+            </a:r>
+          </a:p>
+          <a:p>
+            <a:endParaRPr lang="en-GB" dirty="0"/>
+          </a:p>
+          <a:p>
+            <a:r>
+              <a:rPr lang="en-GB" dirty="0"/>
+              <a:t>Break for section 10 of Task Sheet</a:t>
             </a:r>
           </a:p>
         </p:txBody>
@@ -4104,7 +4089,7 @@
     </p:spTree>
     <p:extLst>
       <p:ext uri="{BB962C8B-B14F-4D97-AF65-F5344CB8AC3E}">
-        <p14:creationId xmlns:p14="http://schemas.microsoft.com/office/powerpoint/2010/main" val="1094947271"/>
+        <p14:creationId xmlns:p14="http://schemas.microsoft.com/office/powerpoint/2010/main" val="2909380669"/>
       </p:ext>
     </p:extLst>
   </p:cSld>
@@ -4160,31 +4145,7 @@
           <a:p>
             <a:r>
               <a:rPr lang="en-GB" dirty="0"/>
-              <a:t>A “.bib” file consists of one entry for each reference. An new entry is begun with a “@” symbol and the name of the type of entry it is. Here, we have one article and one book. There are many other types such as “report”, “conference” and even “</a:t>
-            </a:r>
-            <a:r>
-              <a:rPr lang="en-GB" dirty="0" err="1"/>
-              <a:t>phdthesis</a:t>
-            </a:r>
-            <a:r>
-              <a:rPr lang="en-GB" dirty="0"/>
-              <a:t>”. See here for some more examples: </a:t>
-            </a:r>
-            <a:r>
-              <a:rPr lang="en-GB" dirty="0">
-                <a:hlinkClick r:id="rId3"/>
-              </a:rPr>
-              <a:t>https://www.verbosus.com/bibtex-style-examples.html</a:t>
-            </a:r>
-            <a:endParaRPr lang="en-GB" dirty="0"/>
-          </a:p>
-          <a:p>
-            <a:endParaRPr lang="en-GB" dirty="0"/>
-          </a:p>
-          <a:p>
-            <a:r>
-              <a:rPr lang="en-GB" dirty="0"/>
-              <a:t> Within curly brackets, the first entry is a label for your reference. Following that, we then have a series of fields which define the contents of the reference. These come in the format “field name = field value” and are separated by commas. Different entries are valid for different entry types. For instance, both our entries here have “author”, “title” and “year” fields but the article has the fields “journal”, “volume”, “number” and “pages” fields whilst the book has a “publisher” field.</a:t>
+              <a:t>Your thesis is likely to have dozens or hundreds of references and so a more advanced way to deal with your references is preferable. There are many ways to deal with your references and many ways to personalise your citations. We’re going to run through one way to achieve a streamlined approach to referencing and introduce a few options you might want to consider for personalising your references.</a:t>
             </a:r>
             <a:br>
               <a:rPr lang="en-GB" dirty="0"/>
@@ -4194,24 +4155,15 @@
             </a:br>
             <a:r>
               <a:rPr lang="en-GB" dirty="0"/>
-              <a:t>When you compile your main .</a:t>
+              <a:t>Many reference managers such as EndNote, Mendeley and </a:t>
             </a:r>
             <a:r>
               <a:rPr lang="en-GB" dirty="0" err="1"/>
-              <a:t>tex</a:t>
-            </a:r>
-            <a:r>
-              <a:rPr lang="en-GB" dirty="0"/>
-              <a:t> file, your bibliography will appear and any entries that are cited will appear in your bibliography. Entries you have not cited will not be included by default.</a:t>
-            </a:r>
-          </a:p>
-          <a:p>
-            <a:endParaRPr lang="en-GB" dirty="0"/>
-          </a:p>
-          <a:p>
-            <a:r>
-              <a:rPr lang="en-GB" dirty="0"/>
-              <a:t>Overleaf example: https://www.overleaf.com/read/tfrbytxxqszf</a:t>
+              <a:t>JabRef</a:t>
+            </a:r>
+            <a:r>
+              <a:rPr lang="en-GB" dirty="0"/>
+              <a:t> allow for your database of references to be exported as a “.bib” file. This is essentially a database of your references that LaTeX can interact with directly. This means you only need to enter your reference details once in your reference manager and it will feed through to your LaTeX documents including your thesis. If you combine this with the automatic population of fields in your reference manager you will never need to manually write out the details of a reference again. This saves a lot of time and effort you can better spend elsewhere.</a:t>
             </a:r>
           </a:p>
         </p:txBody>
@@ -4242,7 +4194,7 @@
     </p:spTree>
     <p:extLst>
       <p:ext uri="{BB962C8B-B14F-4D97-AF65-F5344CB8AC3E}">
-        <p14:creationId xmlns:p14="http://schemas.microsoft.com/office/powerpoint/2010/main" val="2985834625"/>
+        <p14:creationId xmlns:p14="http://schemas.microsoft.com/office/powerpoint/2010/main" val="1094947271"/>
       </p:ext>
     </p:extLst>
   </p:cSld>
@@ -4298,7 +4250,41 @@
           <a:p>
             <a:r>
               <a:rPr lang="en-GB" dirty="0"/>
-              <a:t>In your main .</a:t>
+              <a:t>A “.bib” file consists of one entry for each reference. An new entry is begun with a “@” symbol and the name of the type of entry it is. Here, we have one article and one book. There are many other types such as “report”, “conference” and even “</a:t>
+            </a:r>
+            <a:r>
+              <a:rPr lang="en-GB" dirty="0" err="1"/>
+              <a:t>phdthesis</a:t>
+            </a:r>
+            <a:r>
+              <a:rPr lang="en-GB" dirty="0"/>
+              <a:t>”. See here for some more examples: </a:t>
+            </a:r>
+            <a:r>
+              <a:rPr lang="en-GB" dirty="0">
+                <a:hlinkClick r:id="rId3"/>
+              </a:rPr>
+              <a:t>https://www.verbosus.com/bibtex-style-examples.html</a:t>
+            </a:r>
+            <a:endParaRPr lang="en-GB" dirty="0"/>
+          </a:p>
+          <a:p>
+            <a:endParaRPr lang="en-GB" dirty="0"/>
+          </a:p>
+          <a:p>
+            <a:r>
+              <a:rPr lang="en-GB" dirty="0"/>
+              <a:t> Within curly brackets, the first entry is a label for your reference. Following that, we then have a series of fields which define the contents of the reference. These come in the format “field name = field value” and are separated by commas. Different entries are valid for different entry types. For instance, both our entries here have “author”, “title” and “year” fields but the article has the fields “journal”, “volume”, “number” and “pages” fields whilst the book has a “publisher” field.</a:t>
+            </a:r>
+            <a:br>
+              <a:rPr lang="en-GB" dirty="0"/>
+            </a:br>
+            <a:br>
+              <a:rPr lang="en-GB" dirty="0"/>
+            </a:br>
+            <a:r>
+              <a:rPr lang="en-GB" dirty="0"/>
+              <a:t>When you compile your main .</a:t>
             </a:r>
             <a:r>
               <a:rPr lang="en-GB" dirty="0" err="1"/>
@@ -4306,79 +4292,17 @@
             </a:r>
             <a:r>
               <a:rPr lang="en-GB" dirty="0"/>
-              <a:t> file, you need to use the package “</a:t>
-            </a:r>
-            <a:r>
-              <a:rPr lang="en-GB" dirty="0" err="1"/>
-              <a:t>natbib</a:t>
-            </a:r>
-            <a:r>
-              <a:rPr lang="en-GB" dirty="0"/>
-              <a:t>” in your preamble. You can then cite a reference using the “</a:t>
-            </a:r>
-            <a:r>
-              <a:rPr lang="en-GB" dirty="0" err="1"/>
-              <a:t>citet</a:t>
-            </a:r>
-            <a:r>
-              <a:rPr lang="en-GB" dirty="0"/>
-              <a:t>” command with the label of the reference. This produces a reference which is “textual” in the sense that the author name is written in normal text as if it’s being read as part of the sentence. You can also use “</a:t>
-            </a:r>
-            <a:r>
-              <a:rPr lang="en-GB" dirty="0" err="1"/>
-              <a:t>citep</a:t>
-            </a:r>
-            <a:r>
-              <a:rPr lang="en-GB" dirty="0"/>
-              <a:t>” to include the entire reference within brackets. This can be useful for when you don’t intend for the reference to be read as part of the sentence, but to act as an addendum.</a:t>
-            </a:r>
-            <a:br>
-              <a:rPr lang="en-GB" dirty="0"/>
-            </a:br>
-            <a:br>
-              <a:rPr lang="en-GB" dirty="0"/>
-            </a:br>
-            <a:r>
-              <a:rPr lang="en-GB" dirty="0"/>
-              <a:t>After the main body of your text, select a bibliography style (we’ll use “</a:t>
-            </a:r>
-            <a:r>
-              <a:rPr lang="en-GB" dirty="0" err="1"/>
-              <a:t>plainnat</a:t>
-            </a:r>
-            <a:r>
-              <a:rPr lang="en-GB" dirty="0"/>
-              <a:t>” for now). Then, use the “\bibliography” command to actually insert your bibliography into your text. This is followed by the name of your “.bib” file in curly brackets (do not include the “.bib” extension here).</a:t>
+              <a:t> file, your bibliography will appear and any entries that are cited will appear in your bibliography. Entries you have not cited will not be included by default.</a:t>
             </a:r>
           </a:p>
           <a:p>
             <a:endParaRPr lang="en-GB" dirty="0"/>
           </a:p>
           <a:p>
-            <a:pPr marL="0" marR="0" lvl="0" indent="0" algn="l" defTabSz="914400" rtl="0" eaLnBrk="1" fontAlgn="auto" latinLnBrk="0" hangingPunct="1">
-              <a:lnSpc>
-                <a:spcPct val="100000"/>
-              </a:lnSpc>
-              <a:spcBef>
-                <a:spcPts val="0"/>
-              </a:spcBef>
-              <a:spcAft>
-                <a:spcPts val="0"/>
-              </a:spcAft>
-              <a:buClrTx/>
-              <a:buSzTx/>
-              <a:buFontTx/>
-              <a:buNone/>
-              <a:tabLst/>
-              <a:defRPr/>
-            </a:pPr>
             <a:r>
               <a:rPr lang="en-GB" dirty="0"/>
               <a:t>Overleaf example: https://www.overleaf.com/read/tfrbytxxqszf</a:t>
             </a:r>
-          </a:p>
-          <a:p>
-            <a:endParaRPr lang="en-GB" dirty="0"/>
           </a:p>
         </p:txBody>
       </p:sp>
@@ -4408,7 +4332,7 @@
     </p:spTree>
     <p:extLst>
       <p:ext uri="{BB962C8B-B14F-4D97-AF65-F5344CB8AC3E}">
-        <p14:creationId xmlns:p14="http://schemas.microsoft.com/office/powerpoint/2010/main" val="529073958"/>
+        <p14:creationId xmlns:p14="http://schemas.microsoft.com/office/powerpoint/2010/main" val="2985834625"/>
       </p:ext>
     </p:extLst>
   </p:cSld>
@@ -4464,7 +4388,15 @@
           <a:p>
             <a:r>
               <a:rPr lang="en-GB" dirty="0"/>
-              <a:t>There are a number of different ways you can personalise your references. Here we’ll look at different options you can use with the </a:t>
+              <a:t>In your main .</a:t>
+            </a:r>
+            <a:r>
+              <a:rPr lang="en-GB" dirty="0" err="1"/>
+              <a:t>tex</a:t>
+            </a:r>
+            <a:r>
+              <a:rPr lang="en-GB" dirty="0"/>
+              <a:t> file, you need to use the package “</a:t>
             </a:r>
             <a:r>
               <a:rPr lang="en-GB" dirty="0" err="1"/>
@@ -4472,7 +4404,23 @@
             </a:r>
             <a:r>
               <a:rPr lang="en-GB" dirty="0"/>
-              <a:t> package which will alter how your reference appear.</a:t>
+              <a:t>” in your preamble. You can then cite a reference using the “</a:t>
+            </a:r>
+            <a:r>
+              <a:rPr lang="en-GB" dirty="0" err="1"/>
+              <a:t>citet</a:t>
+            </a:r>
+            <a:r>
+              <a:rPr lang="en-GB" dirty="0"/>
+              <a:t>” command with the label of the reference. This produces a reference which is “textual” in the sense that the author name is written in normal text as if it’s being read as part of the sentence. You can also use “</a:t>
+            </a:r>
+            <a:r>
+              <a:rPr lang="en-GB" dirty="0" err="1"/>
+              <a:t>citep</a:t>
+            </a:r>
+            <a:r>
+              <a:rPr lang="en-GB" dirty="0"/>
+              <a:t>” to include the entire reference within brackets. This can be useful for when you don’t intend for the reference to be read as part of the sentence, but to act as an addendum.</a:t>
             </a:r>
             <a:br>
               <a:rPr lang="en-GB" dirty="0"/>
@@ -4482,28 +4430,41 @@
             </a:br>
             <a:r>
               <a:rPr lang="en-GB" dirty="0"/>
-              <a:t>Using the “numbers” option will cause you to use numerical references instead of textual references. “round” will cause your references to use round brackets instead of square brackets. “super” causes your citations to appear in super-script, similar to a footnote.</a:t>
+              <a:t>After the main body of your text, select a bibliography style (we’ll use “</a:t>
+            </a:r>
+            <a:r>
+              <a:rPr lang="en-GB" dirty="0" err="1"/>
+              <a:t>plainnat</a:t>
+            </a:r>
+            <a:r>
+              <a:rPr lang="en-GB" dirty="0"/>
+              <a:t>” for now). Then, use the “\bibliography” command to actually insert your bibliography into your text. This is followed by the name of your “.bib” file in curly brackets (do not include the “.bib” extension here).</a:t>
             </a:r>
           </a:p>
           <a:p>
             <a:endParaRPr lang="en-GB" dirty="0"/>
           </a:p>
           <a:p>
-            <a:r>
-              <a:rPr lang="en-GB" dirty="0"/>
-              <a:t>Overleaf Example (numbers): https://www.overleaf.com/read/nyhjxjvhvqpk</a:t>
-            </a:r>
-          </a:p>
-          <a:p>
-            <a:r>
-              <a:rPr lang="en-GB" dirty="0"/>
-              <a:t>Overleaf Example (round): https://www.overleaf.com/read/dfvnydjfjpfb</a:t>
-            </a:r>
-          </a:p>
-          <a:p>
-            <a:r>
-              <a:rPr lang="en-GB" dirty="0"/>
-              <a:t>Overleaf Example (super): https://www.overleaf.com/read/zgtgtvqhcvfc</a:t>
+            <a:pPr marL="0" marR="0" lvl="0" indent="0" algn="l" defTabSz="914400" rtl="0" eaLnBrk="1" fontAlgn="auto" latinLnBrk="0" hangingPunct="1">
+              <a:lnSpc>
+                <a:spcPct val="100000"/>
+              </a:lnSpc>
+              <a:spcBef>
+                <a:spcPts val="0"/>
+              </a:spcBef>
+              <a:spcAft>
+                <a:spcPts val="0"/>
+              </a:spcAft>
+              <a:buClrTx/>
+              <a:buSzTx/>
+              <a:buFontTx/>
+              <a:buNone/>
+              <a:tabLst/>
+              <a:defRPr/>
+            </a:pPr>
+            <a:r>
+              <a:rPr lang="en-GB" dirty="0"/>
+              <a:t>Overleaf example: https://www.overleaf.com/read/tfrbytxxqszf</a:t>
             </a:r>
           </a:p>
           <a:p>
@@ -4537,7 +4498,7 @@
     </p:spTree>
     <p:extLst>
       <p:ext uri="{BB962C8B-B14F-4D97-AF65-F5344CB8AC3E}">
-        <p14:creationId xmlns:p14="http://schemas.microsoft.com/office/powerpoint/2010/main" val="3708384690"/>
+        <p14:creationId xmlns:p14="http://schemas.microsoft.com/office/powerpoint/2010/main" val="529073958"/>
       </p:ext>
     </p:extLst>
   </p:cSld>
@@ -4593,23 +4554,25 @@
           <a:p>
             <a:r>
               <a:rPr lang="en-GB" dirty="0"/>
-              <a:t>There are more ways you can make a citation. You can include multiple citations within a single “</a:t>
+              <a:t>There are a number of different ways you can personalise your references. Here we’ll look at different options you can use with the </a:t>
             </a:r>
             <a:r>
               <a:rPr lang="en-GB" dirty="0" err="1"/>
-              <a:t>citet</a:t>
-            </a:r>
-            <a:r>
-              <a:rPr lang="en-GB" dirty="0"/>
-              <a:t>” or “</a:t>
-            </a:r>
-            <a:r>
-              <a:rPr lang="en-GB" dirty="0" err="1"/>
-              <a:t>citep</a:t>
-            </a:r>
-            <a:r>
-              <a:rPr lang="en-GB" dirty="0"/>
-              <a:t>” command, separating them with commas. You can also provide additional details, such a referencing a chapter number by including them in square brackets between the “cite” command and the curly brackets.</a:t>
+              <a:t>natbib</a:t>
+            </a:r>
+            <a:r>
+              <a:rPr lang="en-GB" dirty="0"/>
+              <a:t> package which will alter how your reference appear.</a:t>
+            </a:r>
+            <a:br>
+              <a:rPr lang="en-GB" dirty="0"/>
+            </a:br>
+            <a:br>
+              <a:rPr lang="en-GB" dirty="0"/>
+            </a:br>
+            <a:r>
+              <a:rPr lang="en-GB" dirty="0"/>
+              <a:t>Using the “numbers” option will cause you to use numerical references instead of textual references. “round” will cause your references to use round brackets instead of square brackets. “super” causes your citations to appear in super-script, similar to a footnote.</a:t>
             </a:r>
           </a:p>
           <a:p>
@@ -4618,8 +4581,23 @@
           <a:p>
             <a:r>
               <a:rPr lang="en-GB" dirty="0"/>
-              <a:t>Overleaf Example: https://www.overleaf.com/read/cqbhnvfsfzpp</a:t>
-            </a:r>
+              <a:t>Overleaf Example (numbers): https://www.overleaf.com/read/nyhjxjvhvqpk</a:t>
+            </a:r>
+          </a:p>
+          <a:p>
+            <a:r>
+              <a:rPr lang="en-GB" dirty="0"/>
+              <a:t>Overleaf Example (round): https://www.overleaf.com/read/dfvnydjfjpfb</a:t>
+            </a:r>
+          </a:p>
+          <a:p>
+            <a:r>
+              <a:rPr lang="en-GB" dirty="0"/>
+              <a:t>Overleaf Example (super): https://www.overleaf.com/read/zgtgtvqhcvfc</a:t>
+            </a:r>
+          </a:p>
+          <a:p>
+            <a:endParaRPr lang="en-GB" dirty="0"/>
           </a:p>
         </p:txBody>
       </p:sp>
@@ -4649,7 +4627,7 @@
     </p:spTree>
     <p:extLst>
       <p:ext uri="{BB962C8B-B14F-4D97-AF65-F5344CB8AC3E}">
-        <p14:creationId xmlns:p14="http://schemas.microsoft.com/office/powerpoint/2010/main" val="1451178539"/>
+        <p14:creationId xmlns:p14="http://schemas.microsoft.com/office/powerpoint/2010/main" val="3708384690"/>
       </p:ext>
     </p:extLst>
   </p:cSld>
@@ -4705,7 +4683,23 @@
           <a:p>
             <a:r>
               <a:rPr lang="en-GB" dirty="0"/>
-              <a:t>There are a few “gotchas” regarding references and bibliographies. These are things that you might expect to work one way, but they actually work a different way.</a:t>
+              <a:t>There are more ways you can make a citation. You can include multiple citations within a single “</a:t>
+            </a:r>
+            <a:r>
+              <a:rPr lang="en-GB" dirty="0" err="1"/>
+              <a:t>citet</a:t>
+            </a:r>
+            <a:r>
+              <a:rPr lang="en-GB" dirty="0"/>
+              <a:t>” or “</a:t>
+            </a:r>
+            <a:r>
+              <a:rPr lang="en-GB" dirty="0" err="1"/>
+              <a:t>citep</a:t>
+            </a:r>
+            <a:r>
+              <a:rPr lang="en-GB" dirty="0"/>
+              <a:t>” command, separating them with commas. You can also provide additional details, such a referencing a chapter number by including them in square brackets between the “cite” command and the curly brackets.</a:t>
             </a:r>
           </a:p>
           <a:p>
@@ -4714,35 +4708,7 @@
           <a:p>
             <a:r>
               <a:rPr lang="en-GB" dirty="0"/>
-              <a:t>The first is capitalisation. In titles and names, LaTeX will use it’s own rules for capitalisation. In titles, the default is to make everything lower-case. This can provide a big problem, particularly for acronyms. However, you can force LaTeX to preserve your original capitalisation by placing the phrase in curly brackets.</a:t>
-            </a:r>
-            <a:br>
-              <a:rPr lang="en-GB" dirty="0"/>
-            </a:br>
-            <a:br>
-              <a:rPr lang="en-GB" dirty="0"/>
-            </a:br>
-            <a:r>
-              <a:rPr lang="en-GB" dirty="0"/>
-              <a:t>If you include accented letters in your bibliography, this will not result in an accent appearing in your bibliography as LaTeX doesn’t know how to parse the character. Instead, you need to include the LaTeX code for accented character in your “.bib” file.</a:t>
-            </a:r>
-          </a:p>
-          <a:p>
-            <a:endParaRPr lang="en-GB" dirty="0"/>
-          </a:p>
-          <a:p>
-            <a:r>
-              <a:rPr lang="en-GB" dirty="0"/>
-              <a:t>There a couple of ways of entering multiple author names. You might think that separating author names by commas will work, but this will not produce the desired effect. This is partially because commas are often used between a surname and first names in author specifications. Instead, you can separate names with “and” or with semi-colons.</a:t>
-            </a:r>
-          </a:p>
-          <a:p>
-            <a:endParaRPr lang="en-GB" dirty="0"/>
-          </a:p>
-          <a:p>
-            <a:r>
-              <a:rPr lang="en-GB" dirty="0"/>
-              <a:t>Break for section 11 of Task Sheet</a:t>
+              <a:t>Overleaf Example: https://www.overleaf.com/read/cqbhnvfsfzpp</a:t>
             </a:r>
           </a:p>
         </p:txBody>
@@ -4773,7 +4739,7 @@
     </p:spTree>
     <p:extLst>
       <p:ext uri="{BB962C8B-B14F-4D97-AF65-F5344CB8AC3E}">
-        <p14:creationId xmlns:p14="http://schemas.microsoft.com/office/powerpoint/2010/main" val="3041713323"/>
+        <p14:creationId xmlns:p14="http://schemas.microsoft.com/office/powerpoint/2010/main" val="1451178539"/>
       </p:ext>
     </p:extLst>
   </p:cSld>
@@ -4829,23 +4795,16 @@
           <a:p>
             <a:r>
               <a:rPr lang="en-GB" dirty="0"/>
-              <a:t>The acronym package provides a useful way to deal with acronyms in your document. Inside the “acronym” environment, you can use the “\</a:t>
-            </a:r>
-            <a:r>
-              <a:rPr lang="en-GB" dirty="0" err="1"/>
-              <a:t>acro</a:t>
-            </a:r>
-            <a:r>
-              <a:rPr lang="en-GB" dirty="0"/>
-              <a:t>” command to define an acronym. This command is followed by two sets of curly brackets. The first contains the abbreviated version of the acronym. The second contains the expanded version of the acronym. Defining acronyms in this way creates a list of acronyms at the location of the “acronym” environment in your pdf. It’s also possible to define acronyms using the “\</a:t>
-            </a:r>
-            <a:r>
-              <a:rPr lang="en-GB" dirty="0" err="1"/>
-              <a:t>acrodef</a:t>
-            </a:r>
-            <a:r>
-              <a:rPr lang="en-GB" dirty="0"/>
-              <a:t>” command in the preamble to avoid a list of acronyms if desired.</a:t>
+              <a:t>There are a few “gotchas” regarding references and bibliographies. These are things that you might expect to work one way, but they actually work a different way.</a:t>
+            </a:r>
+          </a:p>
+          <a:p>
+            <a:endParaRPr lang="en-GB" dirty="0"/>
+          </a:p>
+          <a:p>
+            <a:r>
+              <a:rPr lang="en-GB" dirty="0"/>
+              <a:t>The first is capitalisation. In titles and names, LaTeX will use it’s own rules for capitalisation. In titles, the default is to make everything lower-case. This can provide a big problem, particularly for acronyms. However, you can force LaTeX to preserve your original capitalisation by placing the phrase in curly brackets.</a:t>
             </a:r>
             <a:br>
               <a:rPr lang="en-GB" dirty="0"/>
@@ -4855,25 +4814,25 @@
             </a:br>
             <a:r>
               <a:rPr lang="en-GB" dirty="0"/>
-              <a:t>In the main text you may use the commands “\ac” and “\</a:t>
-            </a:r>
-            <a:r>
-              <a:rPr lang="en-GB" dirty="0" err="1"/>
-              <a:t>acp</a:t>
-            </a:r>
-            <a:r>
-              <a:rPr lang="en-GB" dirty="0"/>
-              <a:t>” to insert the acronym or the plural of the acronym respectively. The first time an acronym is used this way both the expanded and contracted version of the acronym will be inserted. In subsequent cases only the contracted version is used.</a:t>
-            </a:r>
-            <a:br>
-              <a:rPr lang="en-GB" dirty="0"/>
-            </a:br>
-            <a:br>
-              <a:rPr lang="en-GB" dirty="0"/>
-            </a:br>
-            <a:r>
-              <a:rPr lang="en-GB" dirty="0"/>
-              <a:t>Overleaf Example: https://www.overleaf.com/read/jqsvjjpgjzjp</a:t>
+              <a:t>If you include accented letters in your bibliography, this will not result in an accent appearing in your bibliography as LaTeX doesn’t know how to parse the character. Instead, you need to include the LaTeX code for accented character in your “.bib” file.</a:t>
+            </a:r>
+          </a:p>
+          <a:p>
+            <a:endParaRPr lang="en-GB" dirty="0"/>
+          </a:p>
+          <a:p>
+            <a:r>
+              <a:rPr lang="en-GB" dirty="0"/>
+              <a:t>There a couple of ways of entering multiple author names. You might think that separating author names by commas will work, but this will not produce the desired effect. This is partially because commas are often used between a surname and first names in author specifications. Instead, you can separate names with “and” or with semi-colons.</a:t>
+            </a:r>
+          </a:p>
+          <a:p>
+            <a:endParaRPr lang="en-GB" dirty="0"/>
+          </a:p>
+          <a:p>
+            <a:r>
+              <a:rPr lang="en-GB" dirty="0"/>
+              <a:t>Break for section 11 of Task Sheet</a:t>
             </a:r>
           </a:p>
         </p:txBody>
@@ -4904,7 +4863,7 @@
     </p:spTree>
     <p:extLst>
       <p:ext uri="{BB962C8B-B14F-4D97-AF65-F5344CB8AC3E}">
-        <p14:creationId xmlns:p14="http://schemas.microsoft.com/office/powerpoint/2010/main" val="374641908"/>
+        <p14:creationId xmlns:p14="http://schemas.microsoft.com/office/powerpoint/2010/main" val="3041713323"/>
       </p:ext>
     </p:extLst>
   </p:cSld>
@@ -4960,39 +4919,23 @@
           <a:p>
             <a:r>
               <a:rPr lang="en-GB" dirty="0"/>
-              <a:t>The “</a:t>
+              <a:t>The acronym package provides a useful way to deal with acronyms in your document. Inside the “acronym” environment, you can use the “\</a:t>
             </a:r>
             <a:r>
               <a:rPr lang="en-GB" dirty="0" err="1"/>
-              <a:t>amsmath</a:t>
-            </a:r>
-            <a:r>
-              <a:rPr lang="en-GB" dirty="0"/>
-              <a:t>” package (which is a fairly standard package to use when dealing with maths) introduces the “</a:t>
+              <a:t>acro</a:t>
+            </a:r>
+            <a:r>
+              <a:rPr lang="en-GB" dirty="0"/>
+              <a:t>” command to define an acronym. This command is followed by two sets of curly brackets. The first contains the abbreviated version of the acronym. The second contains the expanded version of the acronym. Defining acronyms in this way creates a list of acronyms at the location of the “acronym” environment in your pdf. It’s also possible to define acronyms using the “\</a:t>
             </a:r>
             <a:r>
               <a:rPr lang="en-GB" dirty="0" err="1"/>
-              <a:t>alignat</a:t>
-            </a:r>
-            <a:r>
-              <a:rPr lang="en-GB" dirty="0"/>
-              <a:t>” environment. This environment allows </a:t>
-            </a:r>
-            <a:r>
-              <a:rPr lang="en-GB" dirty="0" err="1"/>
-              <a:t>mulriple</a:t>
-            </a:r>
-            <a:r>
-              <a:rPr lang="en-GB" dirty="0"/>
-              <a:t> equations to be specified in the same construct. Its contents are processed in “</a:t>
-            </a:r>
-            <a:r>
-              <a:rPr lang="en-GB" dirty="0" err="1"/>
-              <a:t>mathmode</a:t>
-            </a:r>
-            <a:r>
-              <a:rPr lang="en-GB" dirty="0"/>
-              <a:t>” and individual lines in it are treated as different equations for numbering purposes.</a:t>
+              <a:t>acrodef</a:t>
+            </a:r>
+            <a:r>
+              <a:rPr lang="en-GB" dirty="0"/>
+              <a:t>” command in the preamble to avoid a list of acronyms if desired.</a:t>
             </a:r>
             <a:br>
               <a:rPr lang="en-GB" dirty="0"/>
@@ -5002,33 +4945,25 @@
             </a:br>
             <a:r>
               <a:rPr lang="en-GB" dirty="0"/>
-              <a:t>What it also allows you to do is to align your equations. The number in curly brackets following the “\begin{</a:t>
+              <a:t>In the main text you may use the commands “\ac” and “\</a:t>
             </a:r>
             <a:r>
               <a:rPr lang="en-GB" dirty="0" err="1"/>
-              <a:t>alignat</a:t>
-            </a:r>
-            <a:r>
-              <a:rPr lang="en-GB" dirty="0"/>
-              <a:t>}” command defines how many alignment points may be used for each equation. Equations are separated with a double backslash and the alignment points are specified using the ampersand character “&amp;”. For each equation you may use up to the maximum number of alignment points specified (here, it is 2). LaTeX will then ensure the first alignment point in each equation is vertically aligned. This can be very useful for ensuring even large blocks of equations are easy to read.</a:t>
-            </a:r>
-          </a:p>
-          <a:p>
-            <a:endParaRPr lang="en-GB" dirty="0"/>
-          </a:p>
-          <a:p>
-            <a:r>
-              <a:rPr lang="en-GB" dirty="0"/>
-              <a:t>Overleaf Example: https://www.overleaf.com/read/trrzvqnfwshx</a:t>
-            </a:r>
-          </a:p>
-          <a:p>
-            <a:endParaRPr lang="en-GB" dirty="0"/>
-          </a:p>
-          <a:p>
-            <a:r>
-              <a:rPr lang="en-GB" dirty="0"/>
-              <a:t>Break for sections 12 and 13 of task sheet</a:t>
+              <a:t>acp</a:t>
+            </a:r>
+            <a:r>
+              <a:rPr lang="en-GB" dirty="0"/>
+              <a:t>” to insert the acronym or the plural of the acronym respectively. The first time an acronym is used this way both the expanded and contracted version of the acronym will be inserted. In subsequent cases only the contracted version is used.</a:t>
+            </a:r>
+            <a:br>
+              <a:rPr lang="en-GB" dirty="0"/>
+            </a:br>
+            <a:br>
+              <a:rPr lang="en-GB" dirty="0"/>
+            </a:br>
+            <a:r>
+              <a:rPr lang="en-GB" dirty="0"/>
+              <a:t>Overleaf Example: https://www.overleaf.com/read/jqsvjjpgjzjp</a:t>
             </a:r>
           </a:p>
         </p:txBody>
@@ -5059,7 +4994,7 @@
     </p:spTree>
     <p:extLst>
       <p:ext uri="{BB962C8B-B14F-4D97-AF65-F5344CB8AC3E}">
-        <p14:creationId xmlns:p14="http://schemas.microsoft.com/office/powerpoint/2010/main" val="554150285"/>
+        <p14:creationId xmlns:p14="http://schemas.microsoft.com/office/powerpoint/2010/main" val="374641908"/>
       </p:ext>
     </p:extLst>
   </p:cSld>
@@ -5115,41 +5050,35 @@
           <a:p>
             <a:r>
               <a:rPr lang="en-GB" dirty="0"/>
-              <a:t>LaTeX is a technical typesetting tool which is very well suited to the production of a thesis. It provides a quick and flexible way to produce attractive theses and has many useful productivity tools. Many formatting features can be updated across an entire document by changing a few lines in the preamble. LaTeX makes it very easy to include complex arrays of figures and equations.</a:t>
-            </a:r>
-          </a:p>
-          <a:p>
-            <a:endParaRPr lang="en-GB" dirty="0"/>
-          </a:p>
-          <a:p>
-            <a:r>
-              <a:rPr lang="en-GB" dirty="0"/>
-              <a:t>In addition, as figures are updates every time the thesis is recompiled, you can make changes to these figures and these will automatically be picked up in the new pdf version of the thesis – you don’t need to replace them manually.</a:t>
-            </a:r>
-          </a:p>
-          <a:p>
-            <a:endParaRPr lang="en-GB" dirty="0"/>
-          </a:p>
-          <a:p>
-            <a:r>
-              <a:rPr lang="en-GB" dirty="0"/>
-              <a:t>Finally, </a:t>
+              <a:t>Overleaf is the online environment which we’ll be using to create and compile your LaTeX documents. College has a subscription to it so, if you sign up with your college email address, you can get the pro-version. You should have already made an account as indicated in the pre-course instructions.</a:t>
+            </a:r>
+            <a:br>
+              <a:rPr lang="en-GB" dirty="0"/>
+            </a:br>
+            <a:br>
+              <a:rPr lang="en-GB" dirty="0"/>
+            </a:br>
+            <a:r>
+              <a:rPr lang="en-GB" dirty="0"/>
+              <a:t>Overleaf is cross-platform (in the sense it will work on Windows, Mac, Linux, etc). It’s already complete in the sense that all the packages you might need are already installed. It’s easy to use, including auto-complete and a visual indication of where errors have occurred in compilation. It has the ability for collaborative working and allows synchronisation with Dropbox and </a:t>
             </a:r>
             <a:r>
               <a:rPr lang="en-GB" dirty="0" err="1"/>
-              <a:t>tex</a:t>
-            </a:r>
-            <a:r>
-              <a:rPr lang="en-GB" dirty="0"/>
-              <a:t> and bib files are stored in plain text, which is a very plain file format. As a result, they are less prone to corruption than files like Microsoft Word as they do not have their own formatting information that might not be compatible with a future release of a piece of software. This is particularly important when writing a long, important document over many years like a thesis. In addition, the use of plain text makes these files more amenable to “</a:t>
-            </a:r>
-            <a:r>
-              <a:rPr lang="en-GB" dirty="0" err="1"/>
-              <a:t>diff”ing</a:t>
-            </a:r>
-            <a:r>
-              <a:rPr lang="en-GB" dirty="0"/>
-              <a:t> if you’re using version control. If you don’t know what that means, don’t worry as it’s not the most important benefit.</a:t>
+              <a:t>github</a:t>
+            </a:r>
+            <a:r>
+              <a:rPr lang="en-GB" dirty="0"/>
+              <a:t> which can allow you carry on working on your documents offline using an offline editor. Overleaf also has an integrated “review system” which might allow your supervisor to review your thesis in the same place that you’re writing it, saving a lot of flipping between documents.</a:t>
+            </a:r>
+            <a:br>
+              <a:rPr lang="en-GB" dirty="0"/>
+            </a:br>
+            <a:br>
+              <a:rPr lang="en-GB" dirty="0"/>
+            </a:br>
+            <a:r>
+              <a:rPr lang="en-GB" dirty="0"/>
+              <a:t>However, the editor itself is only available with an internet connection. Your files are also stored online. If you’re dealing with commercially sensitive data or sensitive data such as patient records, you may not be able to use Overleaf if there are restrictions on where you can store data.</a:t>
             </a:r>
           </a:p>
         </p:txBody>
@@ -5180,7 +5109,7 @@
     </p:spTree>
     <p:extLst>
       <p:ext uri="{BB962C8B-B14F-4D97-AF65-F5344CB8AC3E}">
-        <p14:creationId xmlns:p14="http://schemas.microsoft.com/office/powerpoint/2010/main" val="2283586298"/>
+        <p14:creationId xmlns:p14="http://schemas.microsoft.com/office/powerpoint/2010/main" val="1864279570"/>
       </p:ext>
     </p:extLst>
   </p:cSld>
@@ -5234,7 +5163,78 @@
           <a:bodyPr/>
           <a:lstStyle/>
           <a:p>
+            <a:r>
+              <a:rPr lang="en-GB" dirty="0"/>
+              <a:t>The “</a:t>
+            </a:r>
+            <a:r>
+              <a:rPr lang="en-GB" dirty="0" err="1"/>
+              <a:t>amsmath</a:t>
+            </a:r>
+            <a:r>
+              <a:rPr lang="en-GB" dirty="0"/>
+              <a:t>” package (which is a fairly standard package to use when dealing with maths) introduces the “</a:t>
+            </a:r>
+            <a:r>
+              <a:rPr lang="en-GB" dirty="0" err="1"/>
+              <a:t>alignat</a:t>
+            </a:r>
+            <a:r>
+              <a:rPr lang="en-GB" dirty="0"/>
+              <a:t>” environment. This environment allows </a:t>
+            </a:r>
+            <a:r>
+              <a:rPr lang="en-GB" dirty="0" err="1"/>
+              <a:t>mulriple</a:t>
+            </a:r>
+            <a:r>
+              <a:rPr lang="en-GB" dirty="0"/>
+              <a:t> equations to be specified in the same construct. Its contents are processed in “</a:t>
+            </a:r>
+            <a:r>
+              <a:rPr lang="en-GB" dirty="0" err="1"/>
+              <a:t>mathmode</a:t>
+            </a:r>
+            <a:r>
+              <a:rPr lang="en-GB" dirty="0"/>
+              <a:t>” and individual lines in it are treated as different equations for numbering purposes.</a:t>
+            </a:r>
+            <a:br>
+              <a:rPr lang="en-GB" dirty="0"/>
+            </a:br>
+            <a:br>
+              <a:rPr lang="en-GB" dirty="0"/>
+            </a:br>
+            <a:r>
+              <a:rPr lang="en-GB" dirty="0"/>
+              <a:t>What it also allows you to do is to align your equations. The number in curly brackets following the “\begin{</a:t>
+            </a:r>
+            <a:r>
+              <a:rPr lang="en-GB" dirty="0" err="1"/>
+              <a:t>alignat</a:t>
+            </a:r>
+            <a:r>
+              <a:rPr lang="en-GB" dirty="0"/>
+              <a:t>}” command defines how many alignment points may be used for each equation. Equations are separated with a double backslash and the alignment points are specified using the ampersand character “&amp;”. For each equation you may use up to the maximum number of alignment points specified (here, it is 2). LaTeX will then ensure the first alignment point in each equation is vertically aligned. This can be very useful for ensuring even large blocks of equations are easy to read.</a:t>
+            </a:r>
+          </a:p>
+          <a:p>
             <a:endParaRPr lang="en-GB" dirty="0"/>
+          </a:p>
+          <a:p>
+            <a:r>
+              <a:rPr lang="en-GB" dirty="0"/>
+              <a:t>Overleaf Example: https://www.overleaf.com/read/trrzvqnfwshx</a:t>
+            </a:r>
+          </a:p>
+          <a:p>
+            <a:endParaRPr lang="en-GB" dirty="0"/>
+          </a:p>
+          <a:p>
+            <a:r>
+              <a:rPr lang="en-GB" dirty="0"/>
+              <a:t>Break for sections 12 and 13 of task sheet</a:t>
+            </a:r>
           </a:p>
         </p:txBody>
       </p:sp>
@@ -5264,7 +5264,7 @@
     </p:spTree>
     <p:extLst>
       <p:ext uri="{BB962C8B-B14F-4D97-AF65-F5344CB8AC3E}">
-        <p14:creationId xmlns:p14="http://schemas.microsoft.com/office/powerpoint/2010/main" val="1492413823"/>
+        <p14:creationId xmlns:p14="http://schemas.microsoft.com/office/powerpoint/2010/main" val="554150285"/>
       </p:ext>
     </p:extLst>
   </p:cSld>
@@ -5293,6 +5293,90 @@
       </p:grpSpPr>
       <p:sp>
         <p:nvSpPr>
+          <p:cNvPr id="2" name="Slide Image Placeholder 1"/>
+          <p:cNvSpPr>
+            <a:spLocks noGrp="1" noRot="1" noChangeAspect="1"/>
+          </p:cNvSpPr>
+          <p:nvPr>
+            <p:ph type="sldImg"/>
+          </p:nvPr>
+        </p:nvSpPr>
+        <p:spPr/>
+      </p:sp>
+      <p:sp>
+        <p:nvSpPr>
+          <p:cNvPr id="3" name="Notes Placeholder 2"/>
+          <p:cNvSpPr>
+            <a:spLocks noGrp="1"/>
+          </p:cNvSpPr>
+          <p:nvPr>
+            <p:ph type="body" idx="1"/>
+          </p:nvPr>
+        </p:nvSpPr>
+        <p:spPr/>
+        <p:txBody>
+          <a:bodyPr/>
+          <a:lstStyle/>
+          <a:p>
+            <a:endParaRPr lang="en-GB" dirty="0"/>
+          </a:p>
+        </p:txBody>
+      </p:sp>
+      <p:sp>
+        <p:nvSpPr>
+          <p:cNvPr id="4" name="Slide Number Placeholder 3"/>
+          <p:cNvSpPr>
+            <a:spLocks noGrp="1"/>
+          </p:cNvSpPr>
+          <p:nvPr>
+            <p:ph type="sldNum" sz="quarter" idx="10"/>
+          </p:nvPr>
+        </p:nvSpPr>
+        <p:spPr/>
+        <p:txBody>
+          <a:bodyPr/>
+          <a:lstStyle/>
+          <a:p>
+            <a:fld id="{6A641EC8-C9F8-4A58-A1A7-F7D817526EEC}" type="slidenum">
+              <a:rPr lang="en-GB" smtClean="0"/>
+              <a:t>42</a:t>
+            </a:fld>
+            <a:endParaRPr lang="en-GB"/>
+          </a:p>
+        </p:txBody>
+      </p:sp>
+    </p:spTree>
+    <p:extLst>
+      <p:ext uri="{BB962C8B-B14F-4D97-AF65-F5344CB8AC3E}">
+        <p14:creationId xmlns:p14="http://schemas.microsoft.com/office/powerpoint/2010/main" val="1492413823"/>
+      </p:ext>
+    </p:extLst>
+  </p:cSld>
+  <p:clrMapOvr>
+    <a:masterClrMapping/>
+  </p:clrMapOvr>
+</p:notes>
+</file>
+
+<file path=ppt/notesSlides/notesSlide42.xml><?xml version="1.0" encoding="utf-8"?>
+<p:notes xmlns:a="http://schemas.openxmlformats.org/drawingml/2006/main" xmlns:r="http://schemas.openxmlformats.org/officeDocument/2006/relationships" xmlns:p="http://schemas.openxmlformats.org/presentationml/2006/main">
+  <p:cSld>
+    <p:spTree>
+      <p:nvGrpSpPr>
+        <p:cNvPr id="1" name=""/>
+        <p:cNvGrpSpPr/>
+        <p:nvPr/>
+      </p:nvGrpSpPr>
+      <p:grpSpPr>
+        <a:xfrm>
+          <a:off x="0" y="0"/>
+          <a:ext cx="0" cy="0"/>
+          <a:chOff x="0" y="0"/>
+          <a:chExt cx="0" cy="0"/>
+        </a:xfrm>
+      </p:grpSpPr>
+      <p:sp>
+        <p:nvSpPr>
           <p:cNvPr id="108546" name="Rectangle 7"/>
           <p:cNvSpPr>
             <a:spLocks noGrp="1" noChangeArrowheads="1"/>
@@ -5451,7 +5535,7 @@
                   <a:spcPct val="0"/>
                 </a:spcBef>
               </a:pPr>
-              <a:t>42</a:t>
+              <a:t>43</a:t>
             </a:fld>
             <a:endParaRPr lang="en-US" altLang="en-US"/>
           </a:p>
@@ -5571,7 +5655,7 @@
           <a:p>
             <a:r>
               <a:rPr lang="en-GB" dirty="0"/>
-              <a:t>This course focuses mostly on how to use LaTeX to produce a thesis and will not provide an in-depth discussion of the regulations surrounding your thesis. You should make sure you know what exact requirements are relevant to your programme and double-check everything presented here. However, it will be useful to take a quick look at some formatting requirements and how we can use LaTeX to achieve them.</a:t>
+              <a:t>LaTeX is a technical typesetting tool which is very well suited to the production of a thesis. It provides a quick and flexible way to produce attractive theses and has many useful productivity tools. Many formatting features can be updated across an entire document by changing a few lines in the preamble. LaTeX makes it very easy to include complex arrays of figures and equations.</a:t>
             </a:r>
           </a:p>
           <a:p>
@@ -5580,7 +5664,32 @@
           <a:p>
             <a:r>
               <a:rPr lang="en-GB" dirty="0"/>
-              <a:t>There are several conditions for different types of theses. I’ll be focussing on university-wide requirements for PhD theses. Some of the basic requirements that we won’t dwell on but are useful background are given here. Your thesis must be written in English and has a word limit. You can use material from any papers you might have completed, but you cannot just copy-and-paste them. Your thesis needs to form a coherent narrative. You need to give a full bibliography and cite references appropriately. The fact that you will be examined on this document means you want it to be easy for examiners to read and review. Finally, once you’ve satisfied the requirements of your programme, you’re free to make sensible ideas regarding formatting. So you can personalise your thesis to some extent.</a:t>
+              <a:t>In addition, as figures are updates every time the thesis is recompiled, you can make changes to these figures and these will automatically be picked up in the new pdf version of the thesis – you don’t need to replace them manually.</a:t>
+            </a:r>
+          </a:p>
+          <a:p>
+            <a:endParaRPr lang="en-GB" dirty="0"/>
+          </a:p>
+          <a:p>
+            <a:r>
+              <a:rPr lang="en-GB" dirty="0"/>
+              <a:t>Finally, </a:t>
+            </a:r>
+            <a:r>
+              <a:rPr lang="en-GB" dirty="0" err="1"/>
+              <a:t>tex</a:t>
+            </a:r>
+            <a:r>
+              <a:rPr lang="en-GB" dirty="0"/>
+              <a:t> and bib files are stored in plain text, which is a very plain file format. As a result, they are less prone to corruption than files like Microsoft Word as they do not have their own formatting information that might not be compatible with a future release of a piece of software. This is particularly important when writing a long, important document over many years like a thesis. In addition, the use of plain text makes these files more amenable to “</a:t>
+            </a:r>
+            <a:r>
+              <a:rPr lang="en-GB" dirty="0" err="1"/>
+              <a:t>diff”ing</a:t>
+            </a:r>
+            <a:r>
+              <a:rPr lang="en-GB" dirty="0"/>
+              <a:t> if you’re using version control. If you don’t know what that means, don’t worry as it’s not the most important benefit.</a:t>
             </a:r>
           </a:p>
         </p:txBody>
@@ -5611,7 +5720,7 @@
     </p:spTree>
     <p:extLst>
       <p:ext uri="{BB962C8B-B14F-4D97-AF65-F5344CB8AC3E}">
-        <p14:creationId xmlns:p14="http://schemas.microsoft.com/office/powerpoint/2010/main" val="3197537011"/>
+        <p14:creationId xmlns:p14="http://schemas.microsoft.com/office/powerpoint/2010/main" val="2283586298"/>
       </p:ext>
     </p:extLst>
   </p:cSld>
@@ -5667,7 +5776,16 @@
           <a:p>
             <a:r>
               <a:rPr lang="en-GB" dirty="0"/>
-              <a:t>You’re will probably want to use A4 paper in your thesis and are recommended to use double-sided pages for larger theses (which will apply to most of you). The differences between single-sided and double sided documents mainly affects certain types of headers and footers, such as whether page numbers are always on the top right or appear on the “outside” corner of a page, etc.</a:t>
+              <a:t>This course focuses mostly on how to use LaTeX to produce a thesis and will not provide an in-depth discussion of the regulations surrounding your thesis. You should make sure you know what exact requirements are relevant to your programme and double-check everything presented here. However, it will be useful to take a quick look at some formatting requirements and how we can use LaTeX to achieve them.</a:t>
+            </a:r>
+          </a:p>
+          <a:p>
+            <a:endParaRPr lang="en-GB" dirty="0"/>
+          </a:p>
+          <a:p>
+            <a:r>
+              <a:rPr lang="en-GB" dirty="0"/>
+              <a:t>There are several conditions for different types of theses. I’ll be focussing on university-wide requirements for PhD theses. Some of the basic requirements that we won’t dwell on but are useful background are given here. Your thesis must be written in English and has a word limit. You can use material from any papers you might have completed, but you cannot just copy-and-paste them. Your thesis needs to form a coherent narrative. You need to give a full bibliography and cite references appropriately. The fact that you will be examined on this document means you want it to be easy for examiners to read and review. Finally, once you’ve satisfied the requirements of your programme, you’re free to make sensible ideas regarding formatting. So you can personalise your thesis to some extent.</a:t>
             </a:r>
           </a:p>
         </p:txBody>
@@ -5698,7 +5816,7 @@
     </p:spTree>
     <p:extLst>
       <p:ext uri="{BB962C8B-B14F-4D97-AF65-F5344CB8AC3E}">
-        <p14:creationId xmlns:p14="http://schemas.microsoft.com/office/powerpoint/2010/main" val="1474398676"/>
+        <p14:creationId xmlns:p14="http://schemas.microsoft.com/office/powerpoint/2010/main" val="3197537011"/>
       </p:ext>
     </p:extLst>
   </p:cSld>
@@ -5754,63 +5872,8 @@
           <a:p>
             <a:r>
               <a:rPr lang="en-GB" dirty="0"/>
-              <a:t>The </a:t>
-            </a:r>
-            <a:r>
-              <a:rPr lang="en-GB" dirty="0" err="1"/>
-              <a:t>eThesis</a:t>
-            </a:r>
-            <a:r>
-              <a:rPr lang="en-GB" dirty="0"/>
-              <a:t> service requires only 1cm for binding purposes, so you can have margins anywhere up from 1cm. You should centre your content (i.e. have the same margins on left and right). The geometry package gives you the required control over the set up of the page including margins.</a:t>
-            </a:r>
-          </a:p>
-          <a:p>
-            <a:endParaRPr lang="en-GB" dirty="0"/>
-          </a:p>
-          <a:p>
-            <a:pPr marL="0" marR="0" lvl="0" indent="0" algn="l" defTabSz="914400" rtl="0" eaLnBrk="1" fontAlgn="auto" latinLnBrk="0" hangingPunct="1">
-              <a:lnSpc>
-                <a:spcPct val="100000"/>
-              </a:lnSpc>
-              <a:spcBef>
-                <a:spcPts val="0"/>
-              </a:spcBef>
-              <a:spcAft>
-                <a:spcPts val="0"/>
-              </a:spcAft>
-              <a:buClrTx/>
-              <a:buSzTx/>
-              <a:buFontTx/>
-              <a:buNone/>
-              <a:tabLst/>
-              <a:defRPr/>
-            </a:pPr>
-            <a:r>
-              <a:rPr lang="en-GB" dirty="0"/>
-              <a:t>Using the “</a:t>
-            </a:r>
-            <a:r>
-              <a:rPr lang="en-GB" dirty="0" err="1"/>
-              <a:t>blindtext</a:t>
-            </a:r>
-            <a:r>
-              <a:rPr lang="en-GB" dirty="0"/>
-              <a:t>” package and the “</a:t>
-            </a:r>
-            <a:r>
-              <a:rPr lang="en-GB" dirty="0" err="1"/>
-              <a:t>blindtext</a:t>
-            </a:r>
-            <a:r>
-              <a:rPr lang="en-GB" dirty="0"/>
-              <a:t>[X]” command to insert “X” copies of the “lorem ipsum…” nonsense text to check how your page </a:t>
-            </a:r>
-            <a:r>
-              <a:rPr lang="en-GB"/>
-              <a:t>looks.</a:t>
-            </a:r>
-            <a:endParaRPr lang="en-GB" dirty="0"/>
+              <a:t>You’re will probably want to use A4 paper in your thesis and are recommended to use double-sided pages for larger theses (which will apply to most of you). The differences between single-sided and double sided documents mainly affects certain types of headers and footers, such as whether page numbers are always on the top right or appear on the “outside” corner of a page, etc.</a:t>
+            </a:r>
           </a:p>
         </p:txBody>
       </p:sp>
@@ -5840,7 +5903,7 @@
     </p:spTree>
     <p:extLst>
       <p:ext uri="{BB962C8B-B14F-4D97-AF65-F5344CB8AC3E}">
-        <p14:creationId xmlns:p14="http://schemas.microsoft.com/office/powerpoint/2010/main" val="2562348436"/>
+        <p14:creationId xmlns:p14="http://schemas.microsoft.com/office/powerpoint/2010/main" val="1474398676"/>
       </p:ext>
     </p:extLst>
   </p:cSld>
@@ -5896,26 +5959,63 @@
           <a:p>
             <a:r>
               <a:rPr lang="en-GB" dirty="0"/>
-              <a:t>By using the geometry package we’re able to use the geometry command later in the preamble. We may provide a number of arguments to set up the page in different ways. Here, we simply say we want the margin to be 2cm on left, right, top and bottom. The package is capable of much more, including setting margins individually.</a:t>
+              <a:t>The </a:t>
+            </a:r>
+            <a:r>
+              <a:rPr lang="en-GB" dirty="0" err="1"/>
+              <a:t>eThesis</a:t>
+            </a:r>
+            <a:r>
+              <a:rPr lang="en-GB" dirty="0"/>
+              <a:t> service requires only 1cm for binding purposes, so you can have margins anywhere up from 1cm. You should centre your content (i.e. have the same margins on left and right). The geometry package gives you the required control over the set up of the page including margins.</a:t>
             </a:r>
           </a:p>
           <a:p>
             <a:endParaRPr lang="en-GB" dirty="0"/>
           </a:p>
           <a:p>
-            <a:r>
-              <a:rPr lang="en-GB" dirty="0"/>
-              <a:t>Overleaf example: https://www.overleaf.com/read/knnndjjmthjv</a:t>
-            </a:r>
-          </a:p>
-          <a:p>
+            <a:pPr marL="0" marR="0" lvl="0" indent="0" algn="l" defTabSz="914400" rtl="0" eaLnBrk="1" fontAlgn="auto" latinLnBrk="0" hangingPunct="1">
+              <a:lnSpc>
+                <a:spcPct val="100000"/>
+              </a:lnSpc>
+              <a:spcBef>
+                <a:spcPts val="0"/>
+              </a:spcBef>
+              <a:spcAft>
+                <a:spcPts val="0"/>
+              </a:spcAft>
+              <a:buClrTx/>
+              <a:buSzTx/>
+              <a:buFontTx/>
+              <a:buNone/>
+              <a:tabLst/>
+              <a:defRPr/>
+            </a:pPr>
+            <a:r>
+              <a:rPr lang="en-GB" dirty="0"/>
+              <a:t>Using the “</a:t>
+            </a:r>
+            <a:r>
+              <a:rPr lang="en-GB" dirty="0" err="1"/>
+              <a:t>blindtext</a:t>
+            </a:r>
+            <a:r>
+              <a:rPr lang="en-GB" dirty="0"/>
+              <a:t>” package and the “</a:t>
+            </a:r>
+            <a:r>
+              <a:rPr lang="en-GB" dirty="0" err="1"/>
+              <a:t>blindtext</a:t>
+            </a:r>
+            <a:r>
+              <a:rPr lang="en-GB" dirty="0"/>
+              <a:t>[X]” command to insert “X” copies of the “lorem ipsum…” nonsense text to check how your page </a:t>
+            </a:r>
+            <a:r>
+              <a:rPr lang="en-GB"/>
+              <a:t>looks.</a:t>
+            </a:r>
             <a:endParaRPr lang="en-GB" dirty="0"/>
-          </a:p>
-          <a:p>
-            <a:r>
-              <a:rPr lang="en-GB" dirty="0"/>
-              <a:t>Break for section 1 of Task Sheet.</a:t>
-            </a:r>
           </a:p>
         </p:txBody>
       </p:sp>
@@ -5945,7 +6045,7 @@
     </p:spTree>
     <p:extLst>
       <p:ext uri="{BB962C8B-B14F-4D97-AF65-F5344CB8AC3E}">
-        <p14:creationId xmlns:p14="http://schemas.microsoft.com/office/powerpoint/2010/main" val="2298691044"/>
+        <p14:creationId xmlns:p14="http://schemas.microsoft.com/office/powerpoint/2010/main" val="2562348436"/>
       </p:ext>
     </p:extLst>
   </p:cSld>
@@ -6001,17 +6101,25 @@
           <a:p>
             <a:r>
               <a:rPr lang="en-GB" dirty="0"/>
-              <a:t>Footnotes aren’t required in a thesis, although you might find them useful. We’re about to need them for another section so I’ll introduce them now.  A footnote is inserted simply through the use of the footnote command, with the contents of the footnote contained in curly brackets.</a:t>
-            </a:r>
-            <a:br>
-              <a:rPr lang="en-GB" dirty="0"/>
-            </a:br>
-            <a:br>
-              <a:rPr lang="en-GB" dirty="0"/>
-            </a:br>
-            <a:r>
-              <a:rPr lang="en-GB" dirty="0"/>
-              <a:t>Overleaf example: https://www.overleaf.com/read/hsbthzhsdyzc</a:t>
+              <a:t>By using the geometry package we’re able to use the geometry command later in the preamble. We may provide a number of arguments to set up the page in different ways. Here, we simply say we want the margin to be 2cm on left, right, top and bottom. The package is capable of much more, including setting margins individually.</a:t>
+            </a:r>
+          </a:p>
+          <a:p>
+            <a:endParaRPr lang="en-GB" dirty="0"/>
+          </a:p>
+          <a:p>
+            <a:r>
+              <a:rPr lang="en-GB" dirty="0"/>
+              <a:t>Overleaf example: https://www.overleaf.com/read/knnndjjmthjv</a:t>
+            </a:r>
+          </a:p>
+          <a:p>
+            <a:endParaRPr lang="en-GB" dirty="0"/>
+          </a:p>
+          <a:p>
+            <a:r>
+              <a:rPr lang="en-GB" dirty="0"/>
+              <a:t>Break for section 1 of Task Sheet.</a:t>
             </a:r>
           </a:p>
         </p:txBody>
@@ -6042,7 +6150,7 @@
     </p:spTree>
     <p:extLst>
       <p:ext uri="{BB962C8B-B14F-4D97-AF65-F5344CB8AC3E}">
-        <p14:creationId xmlns:p14="http://schemas.microsoft.com/office/powerpoint/2010/main" val="3413433889"/>
+        <p14:creationId xmlns:p14="http://schemas.microsoft.com/office/powerpoint/2010/main" val="2298691044"/>
       </p:ext>
     </p:extLst>
   </p:cSld>
@@ -6411,7 +6519,7 @@
           <a:p>
             <a:fld id="{EB0080F8-EA1C-491D-963C-2C881B2F918F}" type="datetimeFigureOut">
               <a:rPr lang="en-GB" smtClean="0"/>
-              <a:t>10/10/2022</a:t>
+              <a:t>13/10/2022</a:t>
             </a:fld>
             <a:endParaRPr lang="en-GB"/>
           </a:p>
@@ -6561,7 +6669,7 @@
           <a:p>
             <a:fld id="{EB0080F8-EA1C-491D-963C-2C881B2F918F}" type="datetimeFigureOut">
               <a:rPr lang="en-GB" smtClean="0"/>
-              <a:t>10/10/2022</a:t>
+              <a:t>13/10/2022</a:t>
             </a:fld>
             <a:endParaRPr lang="en-GB"/>
           </a:p>
@@ -8094,7 +8202,7 @@
           <a:p>
             <a:fld id="{EB0080F8-EA1C-491D-963C-2C881B2F918F}" type="datetimeFigureOut">
               <a:rPr lang="en-GB" smtClean="0"/>
-              <a:t>10/10/2022</a:t>
+              <a:t>13/10/2022</a:t>
             </a:fld>
             <a:endParaRPr lang="en-GB"/>
           </a:p>
@@ -8636,6 +8744,413 @@
           <a:p>
             <a:r>
               <a:rPr lang="en-GB" sz="4000" dirty="0"/>
+              <a:t>Margins</a:t>
+            </a:r>
+          </a:p>
+        </p:txBody>
+      </p:sp>
+      <p:sp>
+        <p:nvSpPr>
+          <p:cNvPr id="3" name="Content Placeholder 2"/>
+          <p:cNvSpPr>
+            <a:spLocks noGrp="1"/>
+          </p:cNvSpPr>
+          <p:nvPr>
+            <p:ph idx="1"/>
+          </p:nvPr>
+        </p:nvSpPr>
+        <p:spPr>
+          <a:xfrm>
+            <a:off x="457200" y="1600199"/>
+            <a:ext cx="3967655" cy="4453759"/>
+          </a:xfrm>
+        </p:spPr>
+        <p:txBody>
+          <a:bodyPr>
+            <a:normAutofit/>
+          </a:bodyPr>
+          <a:lstStyle/>
+          <a:p>
+            <a:pPr marL="0" indent="0">
+              <a:buNone/>
+            </a:pPr>
+            <a:r>
+              <a:rPr lang="en-GB" sz="2400" dirty="0">
+                <a:solidFill>
+                  <a:schemeClr val="tx2">
+                    <a:lumMod val="50000"/>
+                    <a:lumOff val="50000"/>
+                  </a:schemeClr>
+                </a:solidFill>
+              </a:rPr>
+              <a:t>\</a:t>
+            </a:r>
+            <a:r>
+              <a:rPr lang="en-GB" sz="2400" dirty="0" err="1">
+                <a:solidFill>
+                  <a:schemeClr val="tx2">
+                    <a:lumMod val="50000"/>
+                    <a:lumOff val="50000"/>
+                  </a:schemeClr>
+                </a:solidFill>
+              </a:rPr>
+              <a:t>usepackage</a:t>
+            </a:r>
+            <a:r>
+              <a:rPr lang="en-GB" sz="2400" dirty="0"/>
+              <a:t>{</a:t>
+            </a:r>
+            <a:r>
+              <a:rPr lang="en-GB" sz="2400" dirty="0" err="1">
+                <a:solidFill>
+                  <a:schemeClr val="tx2">
+                    <a:lumMod val="50000"/>
+                    <a:lumOff val="50000"/>
+                  </a:schemeClr>
+                </a:solidFill>
+              </a:rPr>
+              <a:t>blindtext</a:t>
+            </a:r>
+            <a:r>
+              <a:rPr lang="en-GB" sz="2400" dirty="0"/>
+              <a:t>}</a:t>
+            </a:r>
+          </a:p>
+          <a:p>
+            <a:pPr marL="0" indent="0">
+              <a:buNone/>
+            </a:pPr>
+            <a:r>
+              <a:rPr lang="en-GB" sz="2400" dirty="0">
+                <a:solidFill>
+                  <a:schemeClr val="tx2">
+                    <a:lumMod val="50000"/>
+                    <a:lumOff val="50000"/>
+                  </a:schemeClr>
+                </a:solidFill>
+              </a:rPr>
+              <a:t>\</a:t>
+            </a:r>
+            <a:r>
+              <a:rPr lang="en-GB" sz="2400" dirty="0" err="1">
+                <a:solidFill>
+                  <a:schemeClr val="tx2">
+                    <a:lumMod val="50000"/>
+                    <a:lumOff val="50000"/>
+                  </a:schemeClr>
+                </a:solidFill>
+              </a:rPr>
+              <a:t>usepackage</a:t>
+            </a:r>
+            <a:r>
+              <a:rPr lang="en-GB" sz="2400" dirty="0"/>
+              <a:t>[</a:t>
+            </a:r>
+            <a:r>
+              <a:rPr lang="en-GB" sz="2400" dirty="0">
+                <a:solidFill>
+                  <a:schemeClr val="accent4">
+                    <a:lumMod val="75000"/>
+                  </a:schemeClr>
+                </a:solidFill>
+              </a:rPr>
+              <a:t>margin=2cm</a:t>
+            </a:r>
+            <a:r>
+              <a:rPr lang="en-GB" sz="2400" dirty="0"/>
+              <a:t>] {</a:t>
+            </a:r>
+            <a:r>
+              <a:rPr lang="en-GB" sz="2400" dirty="0">
+                <a:solidFill>
+                  <a:schemeClr val="tx2">
+                    <a:lumMod val="50000"/>
+                    <a:lumOff val="50000"/>
+                  </a:schemeClr>
+                </a:solidFill>
+              </a:rPr>
+              <a:t>geometry</a:t>
+            </a:r>
+            <a:r>
+              <a:rPr lang="en-GB" sz="2400" dirty="0"/>
+              <a:t>}</a:t>
+            </a:r>
+          </a:p>
+          <a:p>
+            <a:pPr marL="0" indent="0">
+              <a:buNone/>
+            </a:pPr>
+            <a:endParaRPr lang="en-GB" sz="2400" dirty="0"/>
+          </a:p>
+          <a:p>
+            <a:pPr marL="0" indent="0">
+              <a:buNone/>
+            </a:pPr>
+            <a:r>
+              <a:rPr lang="en-GB" sz="2400" dirty="0">
+                <a:solidFill>
+                  <a:schemeClr val="tx2">
+                    <a:lumMod val="50000"/>
+                    <a:lumOff val="50000"/>
+                  </a:schemeClr>
+                </a:solidFill>
+              </a:rPr>
+              <a:t>\begin</a:t>
+            </a:r>
+            <a:r>
+              <a:rPr lang="en-GB" sz="2400" dirty="0"/>
+              <a:t>{</a:t>
+            </a:r>
+            <a:r>
+              <a:rPr lang="en-GB" sz="2400" dirty="0">
+                <a:solidFill>
+                  <a:schemeClr val="accent4">
+                    <a:lumMod val="75000"/>
+                  </a:schemeClr>
+                </a:solidFill>
+              </a:rPr>
+              <a:t>document</a:t>
+            </a:r>
+            <a:r>
+              <a:rPr lang="en-GB" sz="2400" dirty="0"/>
+              <a:t>}</a:t>
+            </a:r>
+            <a:br>
+              <a:rPr lang="en-GB" sz="2400" dirty="0"/>
+            </a:br>
+            <a:endParaRPr lang="en-GB" sz="2400" dirty="0"/>
+          </a:p>
+          <a:p>
+            <a:pPr marL="0" indent="0">
+              <a:buNone/>
+            </a:pPr>
+            <a:r>
+              <a:rPr lang="en-GB" sz="2400" dirty="0">
+                <a:solidFill>
+                  <a:schemeClr val="tx2">
+                    <a:lumMod val="50000"/>
+                    <a:lumOff val="50000"/>
+                  </a:schemeClr>
+                </a:solidFill>
+              </a:rPr>
+              <a:t>\</a:t>
+            </a:r>
+            <a:r>
+              <a:rPr lang="en-GB" sz="2400" dirty="0" err="1">
+                <a:solidFill>
+                  <a:schemeClr val="tx2">
+                    <a:lumMod val="50000"/>
+                    <a:lumOff val="50000"/>
+                  </a:schemeClr>
+                </a:solidFill>
+              </a:rPr>
+              <a:t>blindtext</a:t>
+            </a:r>
+            <a:r>
+              <a:rPr lang="en-GB" sz="2400" dirty="0"/>
+              <a:t>[10]</a:t>
+            </a:r>
+            <a:br>
+              <a:rPr lang="en-GB" sz="2400" dirty="0"/>
+            </a:br>
+            <a:endParaRPr lang="en-GB" sz="2400" dirty="0"/>
+          </a:p>
+          <a:p>
+            <a:pPr marL="0" indent="0">
+              <a:buNone/>
+            </a:pPr>
+            <a:r>
+              <a:rPr lang="en-GB" sz="2400" dirty="0">
+                <a:solidFill>
+                  <a:schemeClr val="tx2">
+                    <a:lumMod val="50000"/>
+                    <a:lumOff val="50000"/>
+                  </a:schemeClr>
+                </a:solidFill>
+              </a:rPr>
+              <a:t>\end</a:t>
+            </a:r>
+            <a:r>
+              <a:rPr lang="en-GB" sz="2400" dirty="0"/>
+              <a:t>{</a:t>
+            </a:r>
+            <a:r>
+              <a:rPr lang="en-GB" sz="2400" dirty="0">
+                <a:solidFill>
+                  <a:schemeClr val="accent4">
+                    <a:lumMod val="75000"/>
+                  </a:schemeClr>
+                </a:solidFill>
+              </a:rPr>
+              <a:t>document</a:t>
+            </a:r>
+            <a:r>
+              <a:rPr lang="en-GB" sz="2400" dirty="0"/>
+              <a:t>}</a:t>
+            </a:r>
+          </a:p>
+        </p:txBody>
+      </p:sp>
+      <p:cxnSp>
+        <p:nvCxnSpPr>
+          <p:cNvPr id="4" name="Straight Connector 3">
+            <a:extLst>
+              <a:ext uri="{FF2B5EF4-FFF2-40B4-BE49-F238E27FC236}">
+                <a16:creationId xmlns:a16="http://schemas.microsoft.com/office/drawing/2014/main" id="{5F977231-9817-4997-8C71-01F70F4EFE4B}"/>
+              </a:ext>
+            </a:extLst>
+          </p:cNvPr>
+          <p:cNvCxnSpPr/>
+          <p:nvPr/>
+        </p:nvCxnSpPr>
+        <p:spPr>
+          <a:xfrm>
+            <a:off x="4572000" y="1417638"/>
+            <a:ext cx="0" cy="5440362"/>
+          </a:xfrm>
+          <a:prstGeom prst="line">
+            <a:avLst/>
+          </a:prstGeom>
+        </p:spPr>
+        <p:style>
+          <a:lnRef idx="2">
+            <a:schemeClr val="accent1"/>
+          </a:lnRef>
+          <a:fillRef idx="0">
+            <a:schemeClr val="accent1"/>
+          </a:fillRef>
+          <a:effectRef idx="1">
+            <a:schemeClr val="accent1"/>
+          </a:effectRef>
+          <a:fontRef idx="minor">
+            <a:schemeClr val="tx1"/>
+          </a:fontRef>
+        </p:style>
+      </p:cxnSp>
+      <p:pic>
+        <p:nvPicPr>
+          <p:cNvPr id="7" name="Picture 6">
+            <a:extLst>
+              <a:ext uri="{FF2B5EF4-FFF2-40B4-BE49-F238E27FC236}">
+                <a16:creationId xmlns:a16="http://schemas.microsoft.com/office/drawing/2014/main" id="{F2559630-000F-4CDC-9204-C2E97FBBB037}"/>
+              </a:ext>
+            </a:extLst>
+          </p:cNvPr>
+          <p:cNvPicPr>
+            <a:picLocks noChangeAspect="1"/>
+          </p:cNvPicPr>
+          <p:nvPr/>
+        </p:nvPicPr>
+        <p:blipFill>
+          <a:blip r:embed="rId3"/>
+          <a:stretch>
+            <a:fillRect/>
+          </a:stretch>
+        </p:blipFill>
+        <p:spPr>
+          <a:xfrm>
+            <a:off x="4903058" y="1227082"/>
+            <a:ext cx="4021210" cy="5628290"/>
+          </a:xfrm>
+          <a:prstGeom prst="rect">
+            <a:avLst/>
+          </a:prstGeom>
+        </p:spPr>
+      </p:pic>
+      <p:sp>
+        <p:nvSpPr>
+          <p:cNvPr id="6" name="TextBox 5">
+            <a:extLst>
+              <a:ext uri="{FF2B5EF4-FFF2-40B4-BE49-F238E27FC236}">
+                <a16:creationId xmlns:a16="http://schemas.microsoft.com/office/drawing/2014/main" id="{099674D9-4038-4AB1-BAD9-3C9EF5FD6E6A}"/>
+              </a:ext>
+            </a:extLst>
+          </p:cNvPr>
+          <p:cNvSpPr txBox="1"/>
+          <p:nvPr/>
+        </p:nvSpPr>
+        <p:spPr>
+          <a:xfrm>
+            <a:off x="7357241" y="6498021"/>
+            <a:ext cx="1697422" cy="369332"/>
+          </a:xfrm>
+          <a:prstGeom prst="rect">
+            <a:avLst/>
+          </a:prstGeom>
+          <a:noFill/>
+        </p:spPr>
+        <p:txBody>
+          <a:bodyPr wrap="square" rtlCol="0">
+            <a:spAutoFit/>
+          </a:bodyPr>
+          <a:lstStyle/>
+          <a:p>
+            <a:r>
+              <a:rPr lang="en-GB" dirty="0">
+                <a:solidFill>
+                  <a:schemeClr val="accent2"/>
+                </a:solidFill>
+              </a:rPr>
+              <a:t>Problem Sheet</a:t>
+            </a:r>
+          </a:p>
+        </p:txBody>
+      </p:sp>
+    </p:spTree>
+    <p:extLst>
+      <p:ext uri="{BB962C8B-B14F-4D97-AF65-F5344CB8AC3E}">
+        <p14:creationId xmlns:p14="http://schemas.microsoft.com/office/powerpoint/2010/main" val="220242497"/>
+      </p:ext>
+    </p:extLst>
+  </p:cSld>
+  <p:clrMapOvr>
+    <a:masterClrMapping/>
+  </p:clrMapOvr>
+  <mc:AlternateContent xmlns:mc="http://schemas.openxmlformats.org/markup-compatibility/2006" xmlns:p14="http://schemas.microsoft.com/office/powerpoint/2010/main">
+    <mc:Choice Requires="p14">
+      <p:transition p14:dur="10"/>
+    </mc:Choice>
+    <mc:Fallback xmlns="">
+      <p:transition/>
+    </mc:Fallback>
+  </mc:AlternateContent>
+</p:sld>
+</file>
+
+<file path=ppt/slides/slide11.xml><?xml version="1.0" encoding="utf-8"?>
+<p:sld xmlns:a="http://schemas.openxmlformats.org/drawingml/2006/main" xmlns:r="http://schemas.openxmlformats.org/officeDocument/2006/relationships" xmlns:p="http://schemas.openxmlformats.org/presentationml/2006/main">
+  <p:cSld>
+    <p:spTree>
+      <p:nvGrpSpPr>
+        <p:cNvPr id="1" name=""/>
+        <p:cNvGrpSpPr/>
+        <p:nvPr/>
+      </p:nvGrpSpPr>
+      <p:grpSpPr>
+        <a:xfrm>
+          <a:off x="0" y="0"/>
+          <a:ext cx="0" cy="0"/>
+          <a:chOff x="0" y="0"/>
+          <a:chExt cx="0" cy="0"/>
+        </a:xfrm>
+      </p:grpSpPr>
+      <p:sp>
+        <p:nvSpPr>
+          <p:cNvPr id="2" name="Title 1"/>
+          <p:cNvSpPr>
+            <a:spLocks noGrp="1"/>
+          </p:cNvSpPr>
+          <p:nvPr>
+            <p:ph type="title"/>
+          </p:nvPr>
+        </p:nvSpPr>
+        <p:spPr/>
+        <p:txBody>
+          <a:bodyPr/>
+          <a:lstStyle/>
+          <a:p>
+            <a:r>
+              <a:rPr lang="en-GB" sz="4000" dirty="0"/>
               <a:t>Footnotes</a:t>
             </a:r>
           </a:p>
@@ -8797,7 +9312,7 @@
 </p:sld>
 </file>
 
-<file path=ppt/slides/slide11.xml><?xml version="1.0" encoding="utf-8"?>
+<file path=ppt/slides/slide12.xml><?xml version="1.0" encoding="utf-8"?>
 <p:sld xmlns:a="http://schemas.openxmlformats.org/drawingml/2006/main" xmlns:r="http://schemas.openxmlformats.org/officeDocument/2006/relationships" xmlns:p="http://schemas.openxmlformats.org/presentationml/2006/main">
   <p:cSld>
     <p:spTree>
@@ -8976,7 +9491,7 @@
 </p:sld>
 </file>
 
-<file path=ppt/slides/slide12.xml><?xml version="1.0" encoding="utf-8"?>
+<file path=ppt/slides/slide13.xml><?xml version="1.0" encoding="utf-8"?>
 <p:sld xmlns:a="http://schemas.openxmlformats.org/drawingml/2006/main" xmlns:r="http://schemas.openxmlformats.org/officeDocument/2006/relationships" xmlns:p="http://schemas.openxmlformats.org/presentationml/2006/main">
   <p:cSld>
     <p:spTree>
@@ -9463,7 +9978,7 @@
 </p:sld>
 </file>
 
-<file path=ppt/slides/slide13.xml><?xml version="1.0" encoding="utf-8"?>
+<file path=ppt/slides/slide14.xml><?xml version="1.0" encoding="utf-8"?>
 <p:sld xmlns:a="http://schemas.openxmlformats.org/drawingml/2006/main" xmlns:r="http://schemas.openxmlformats.org/officeDocument/2006/relationships" xmlns:p="http://schemas.openxmlformats.org/presentationml/2006/main">
   <p:cSld>
     <p:spTree>
@@ -9778,7 +10293,7 @@
 </p:sld>
 </file>
 
-<file path=ppt/slides/slide14.xml><?xml version="1.0" encoding="utf-8"?>
+<file path=ppt/slides/slide15.xml><?xml version="1.0" encoding="utf-8"?>
 <p:sld xmlns:a="http://schemas.openxmlformats.org/drawingml/2006/main" xmlns:r="http://schemas.openxmlformats.org/officeDocument/2006/relationships" xmlns:p="http://schemas.openxmlformats.org/presentationml/2006/main">
   <p:cSld>
     <p:spTree>
@@ -10557,116 +11072,6 @@
 </p:sld>
 </file>
 
-<file path=ppt/slides/slide15.xml><?xml version="1.0" encoding="utf-8"?>
-<p:sld xmlns:a="http://schemas.openxmlformats.org/drawingml/2006/main" xmlns:r="http://schemas.openxmlformats.org/officeDocument/2006/relationships" xmlns:p="http://schemas.openxmlformats.org/presentationml/2006/main">
-  <p:cSld>
-    <p:spTree>
-      <p:nvGrpSpPr>
-        <p:cNvPr id="1" name=""/>
-        <p:cNvGrpSpPr/>
-        <p:nvPr/>
-      </p:nvGrpSpPr>
-      <p:grpSpPr>
-        <a:xfrm>
-          <a:off x="0" y="0"/>
-          <a:ext cx="0" cy="0"/>
-          <a:chOff x="0" y="0"/>
-          <a:chExt cx="0" cy="0"/>
-        </a:xfrm>
-      </p:grpSpPr>
-      <p:sp>
-        <p:nvSpPr>
-          <p:cNvPr id="2" name="Title 1"/>
-          <p:cNvSpPr>
-            <a:spLocks noGrp="1"/>
-          </p:cNvSpPr>
-          <p:nvPr>
-            <p:ph type="title"/>
-          </p:nvPr>
-        </p:nvSpPr>
-        <p:spPr/>
-        <p:txBody>
-          <a:bodyPr/>
-          <a:lstStyle/>
-          <a:p>
-            <a:r>
-              <a:rPr lang="en-GB" sz="4000" dirty="0"/>
-              <a:t>Abstract</a:t>
-            </a:r>
-          </a:p>
-        </p:txBody>
-      </p:sp>
-      <p:sp>
-        <p:nvSpPr>
-          <p:cNvPr id="7" name="Content Placeholder 6">
-            <a:extLst>
-              <a:ext uri="{FF2B5EF4-FFF2-40B4-BE49-F238E27FC236}">
-                <a16:creationId xmlns:a16="http://schemas.microsoft.com/office/drawing/2014/main" id="{A4668B92-0976-4E36-A913-C47498FEE667}"/>
-              </a:ext>
-            </a:extLst>
-          </p:cNvPr>
-          <p:cNvSpPr>
-            <a:spLocks noGrp="1"/>
-          </p:cNvSpPr>
-          <p:nvPr>
-            <p:ph idx="1"/>
-          </p:nvPr>
-        </p:nvSpPr>
-        <p:spPr>
-          <a:xfrm>
-            <a:off x="457200" y="1417638"/>
-            <a:ext cx="8229600" cy="4525963"/>
-          </a:xfrm>
-        </p:spPr>
-        <p:txBody>
-          <a:bodyPr/>
-          <a:lstStyle/>
-          <a:p>
-            <a:r>
-              <a:rPr lang="en-GB" sz="2400" dirty="0"/>
-              <a:t>You should include an abstract </a:t>
-            </a:r>
-          </a:p>
-          <a:p>
-            <a:r>
-              <a:rPr lang="en-GB" sz="2400" dirty="0"/>
-              <a:t>Should be after the title page (section 7 of checklist)</a:t>
-            </a:r>
-          </a:p>
-          <a:p>
-            <a:r>
-              <a:rPr lang="en-GB" sz="2400" dirty="0"/>
-              <a:t>300 words or less</a:t>
-            </a:r>
-            <a:endParaRPr lang="en-GB" sz="2000" dirty="0"/>
-          </a:p>
-          <a:p>
-            <a:pPr lvl="1"/>
-            <a:endParaRPr lang="en-GB" sz="1600" dirty="0"/>
-          </a:p>
-        </p:txBody>
-      </p:sp>
-    </p:spTree>
-    <p:extLst>
-      <p:ext uri="{BB962C8B-B14F-4D97-AF65-F5344CB8AC3E}">
-        <p14:creationId xmlns:p14="http://schemas.microsoft.com/office/powerpoint/2010/main" val="3095168859"/>
-      </p:ext>
-    </p:extLst>
-  </p:cSld>
-  <p:clrMapOvr>
-    <a:masterClrMapping/>
-  </p:clrMapOvr>
-  <mc:AlternateContent xmlns:mc="http://schemas.openxmlformats.org/markup-compatibility/2006" xmlns:p14="http://schemas.microsoft.com/office/powerpoint/2010/main">
-    <mc:Choice Requires="p14">
-      <p:transition p14:dur="10"/>
-    </mc:Choice>
-    <mc:Fallback xmlns="">
-      <p:transition/>
-    </mc:Fallback>
-  </mc:AlternateContent>
-</p:sld>
-</file>
-
 <file path=ppt/slides/slide16.xml><?xml version="1.0" encoding="utf-8"?>
 <p:sld xmlns:a="http://schemas.openxmlformats.org/drawingml/2006/main" xmlns:r="http://schemas.openxmlformats.org/officeDocument/2006/relationships" xmlns:p="http://schemas.openxmlformats.org/presentationml/2006/main">
   <p:cSld>
@@ -10701,7 +11106,7 @@
           <a:p>
             <a:r>
               <a:rPr lang="en-GB" sz="4000" dirty="0"/>
-              <a:t>Statement of Originality</a:t>
+              <a:t>Abstract</a:t>
             </a:r>
           </a:p>
         </p:txBody>
@@ -10734,29 +11139,21 @@
           <a:p>
             <a:r>
               <a:rPr lang="en-GB" sz="2400" dirty="0"/>
-              <a:t>You should include a statement of originality in your own words [Section 5 of Checklist]</a:t>
-            </a:r>
-          </a:p>
-          <a:p>
-            <a:pPr lvl="1"/>
-            <a:r>
-              <a:rPr lang="en-GB" sz="2000" dirty="0"/>
-              <a:t>The work is your own</a:t>
-            </a:r>
-          </a:p>
-          <a:p>
-            <a:pPr lvl="1"/>
-            <a:r>
-              <a:rPr lang="en-GB" sz="2000" dirty="0"/>
-              <a:t>All else is appropriately referenced</a:t>
-            </a:r>
-          </a:p>
-          <a:p>
-            <a:pPr lvl="1"/>
-            <a:r>
-              <a:rPr lang="en-GB" sz="2000" dirty="0"/>
-              <a:t>Should appear at beginning of thesis</a:t>
-            </a:r>
+              <a:t>You should include an abstract </a:t>
+            </a:r>
+          </a:p>
+          <a:p>
+            <a:r>
+              <a:rPr lang="en-GB" sz="2400" dirty="0"/>
+              <a:t>Should be after the title page (section 7 of checklist)</a:t>
+            </a:r>
+          </a:p>
+          <a:p>
+            <a:r>
+              <a:rPr lang="en-GB" sz="2400" dirty="0"/>
+              <a:t>300 words or less</a:t>
+            </a:r>
+            <a:endParaRPr lang="en-GB" sz="2000" dirty="0"/>
           </a:p>
           <a:p>
             <a:pPr lvl="1"/>
@@ -10767,7 +11164,7 @@
     </p:spTree>
     <p:extLst>
       <p:ext uri="{BB962C8B-B14F-4D97-AF65-F5344CB8AC3E}">
-        <p14:creationId xmlns:p14="http://schemas.microsoft.com/office/powerpoint/2010/main" val="3238788747"/>
+        <p14:creationId xmlns:p14="http://schemas.microsoft.com/office/powerpoint/2010/main" val="3095168859"/>
       </p:ext>
     </p:extLst>
   </p:cSld>
@@ -10819,6 +11216,124 @@
           <a:p>
             <a:r>
               <a:rPr lang="en-GB" sz="4000" dirty="0"/>
+              <a:t>Statement of Originality</a:t>
+            </a:r>
+          </a:p>
+        </p:txBody>
+      </p:sp>
+      <p:sp>
+        <p:nvSpPr>
+          <p:cNvPr id="7" name="Content Placeholder 6">
+            <a:extLst>
+              <a:ext uri="{FF2B5EF4-FFF2-40B4-BE49-F238E27FC236}">
+                <a16:creationId xmlns:a16="http://schemas.microsoft.com/office/drawing/2014/main" id="{A4668B92-0976-4E36-A913-C47498FEE667}"/>
+              </a:ext>
+            </a:extLst>
+          </p:cNvPr>
+          <p:cNvSpPr>
+            <a:spLocks noGrp="1"/>
+          </p:cNvSpPr>
+          <p:nvPr>
+            <p:ph idx="1"/>
+          </p:nvPr>
+        </p:nvSpPr>
+        <p:spPr>
+          <a:xfrm>
+            <a:off x="457200" y="1417638"/>
+            <a:ext cx="8229600" cy="4525963"/>
+          </a:xfrm>
+        </p:spPr>
+        <p:txBody>
+          <a:bodyPr/>
+          <a:lstStyle/>
+          <a:p>
+            <a:r>
+              <a:rPr lang="en-GB" sz="2400" dirty="0"/>
+              <a:t>You should include a statement of originality in your own words [Section 5 of Checklist]</a:t>
+            </a:r>
+          </a:p>
+          <a:p>
+            <a:pPr lvl="1"/>
+            <a:r>
+              <a:rPr lang="en-GB" sz="2000" dirty="0"/>
+              <a:t>The work is your own</a:t>
+            </a:r>
+          </a:p>
+          <a:p>
+            <a:pPr lvl="1"/>
+            <a:r>
+              <a:rPr lang="en-GB" sz="2000" dirty="0"/>
+              <a:t>All else is appropriately referenced</a:t>
+            </a:r>
+          </a:p>
+          <a:p>
+            <a:pPr lvl="1"/>
+            <a:r>
+              <a:rPr lang="en-GB" sz="2000" dirty="0"/>
+              <a:t>Should appear at beginning of thesis</a:t>
+            </a:r>
+          </a:p>
+          <a:p>
+            <a:pPr lvl="1"/>
+            <a:endParaRPr lang="en-GB" sz="1600" dirty="0"/>
+          </a:p>
+        </p:txBody>
+      </p:sp>
+    </p:spTree>
+    <p:extLst>
+      <p:ext uri="{BB962C8B-B14F-4D97-AF65-F5344CB8AC3E}">
+        <p14:creationId xmlns:p14="http://schemas.microsoft.com/office/powerpoint/2010/main" val="3238788747"/>
+      </p:ext>
+    </p:extLst>
+  </p:cSld>
+  <p:clrMapOvr>
+    <a:masterClrMapping/>
+  </p:clrMapOvr>
+  <mc:AlternateContent xmlns:mc="http://schemas.openxmlformats.org/markup-compatibility/2006" xmlns:p14="http://schemas.microsoft.com/office/powerpoint/2010/main">
+    <mc:Choice Requires="p14">
+      <p:transition p14:dur="10"/>
+    </mc:Choice>
+    <mc:Fallback xmlns="">
+      <p:transition/>
+    </mc:Fallback>
+  </mc:AlternateContent>
+</p:sld>
+</file>
+
+<file path=ppt/slides/slide18.xml><?xml version="1.0" encoding="utf-8"?>
+<p:sld xmlns:a="http://schemas.openxmlformats.org/drawingml/2006/main" xmlns:r="http://schemas.openxmlformats.org/officeDocument/2006/relationships" xmlns:p="http://schemas.openxmlformats.org/presentationml/2006/main">
+  <p:cSld>
+    <p:spTree>
+      <p:nvGrpSpPr>
+        <p:cNvPr id="1" name=""/>
+        <p:cNvGrpSpPr/>
+        <p:nvPr/>
+      </p:nvGrpSpPr>
+      <p:grpSpPr>
+        <a:xfrm>
+          <a:off x="0" y="0"/>
+          <a:ext cx="0" cy="0"/>
+          <a:chOff x="0" y="0"/>
+          <a:chExt cx="0" cy="0"/>
+        </a:xfrm>
+      </p:grpSpPr>
+      <p:sp>
+        <p:nvSpPr>
+          <p:cNvPr id="2" name="Title 1"/>
+          <p:cNvSpPr>
+            <a:spLocks noGrp="1"/>
+          </p:cNvSpPr>
+          <p:nvPr>
+            <p:ph type="title"/>
+          </p:nvPr>
+        </p:nvSpPr>
+        <p:spPr/>
+        <p:txBody>
+          <a:bodyPr/>
+          <a:lstStyle/>
+          <a:p>
+            <a:r>
+              <a:rPr lang="en-GB" sz="4000" dirty="0"/>
               <a:t>Copyright Declaration</a:t>
             </a:r>
           </a:p>
@@ -10905,7 +11420,7 @@
 </p:sld>
 </file>
 
-<file path=ppt/slides/slide18.xml><?xml version="1.0" encoding="utf-8"?>
+<file path=ppt/slides/slide19.xml><?xml version="1.0" encoding="utf-8"?>
 <p:sld xmlns:a="http://schemas.openxmlformats.org/drawingml/2006/main" xmlns:r="http://schemas.openxmlformats.org/officeDocument/2006/relationships" xmlns:p="http://schemas.openxmlformats.org/presentationml/2006/main">
   <p:cSld>
     <p:spTree>
@@ -11283,7 +11798,133 @@
 </p:sld>
 </file>
 
-<file path=ppt/slides/slide19.xml><?xml version="1.0" encoding="utf-8"?>
+<file path=ppt/slides/slide2.xml><?xml version="1.0" encoding="utf-8"?>
+<p:sld xmlns:a="http://schemas.openxmlformats.org/drawingml/2006/main" xmlns:r="http://schemas.openxmlformats.org/officeDocument/2006/relationships" xmlns:p="http://schemas.openxmlformats.org/presentationml/2006/main">
+  <p:cSld>
+    <p:spTree>
+      <p:nvGrpSpPr>
+        <p:cNvPr id="1" name=""/>
+        <p:cNvGrpSpPr/>
+        <p:nvPr/>
+      </p:nvGrpSpPr>
+      <p:grpSpPr>
+        <a:xfrm>
+          <a:off x="0" y="0"/>
+          <a:ext cx="0" cy="0"/>
+          <a:chOff x="0" y="0"/>
+          <a:chExt cx="0" cy="0"/>
+        </a:xfrm>
+      </p:grpSpPr>
+      <p:sp>
+        <p:nvSpPr>
+          <p:cNvPr id="2" name="Title 1"/>
+          <p:cNvSpPr>
+            <a:spLocks noGrp="1"/>
+          </p:cNvSpPr>
+          <p:nvPr>
+            <p:ph type="title"/>
+          </p:nvPr>
+        </p:nvSpPr>
+        <p:spPr>
+          <a:xfrm>
+            <a:off x="401319" y="1431416"/>
+            <a:ext cx="8388117" cy="4605702"/>
+          </a:xfrm>
+        </p:spPr>
+        <p:txBody>
+          <a:bodyPr/>
+          <a:lstStyle/>
+          <a:p>
+            <a:pPr algn="ctr"/>
+            <a:r>
+              <a:rPr lang="en-GB" sz="2800" u="sng" dirty="0"/>
+              <a:t>Important Information on Marking your Attendance on Inkpath</a:t>
+            </a:r>
+            <a:br>
+              <a:rPr lang="en-GB" sz="2800" u="sng" dirty="0"/>
+            </a:br>
+            <a:br>
+              <a:rPr lang="en-GB" sz="2800" u="sng" dirty="0"/>
+            </a:br>
+            <a:br>
+              <a:rPr lang="en-GB" sz="2800" dirty="0"/>
+            </a:br>
+            <a:r>
+              <a:rPr lang="en-GB" sz="2800" dirty="0"/>
+              <a:t>I will show you a QR code at the end of the session allowing you to mark your attendance on Inkpath. Please do not mark your attendance until then.</a:t>
+            </a:r>
+            <a:br>
+              <a:rPr lang="en-GB" sz="2800" dirty="0"/>
+            </a:br>
+            <a:br>
+              <a:rPr lang="en-GB" sz="2800" dirty="0">
+                <a:latin typeface="Calibri" panose="020F0502020204030204" pitchFamily="34" charset="0"/>
+                <a:cs typeface="Calibri" panose="020F0502020204030204" pitchFamily="34" charset="0"/>
+              </a:rPr>
+            </a:br>
+            <a:r>
+              <a:rPr lang="en-GB" sz="2800" dirty="0">
+                <a:effectLst/>
+                <a:ea typeface="Times New Roman" panose="02020603050405020304" pitchFamily="18" charset="0"/>
+                <a:cs typeface="Calibri" panose="020F0502020204030204" pitchFamily="34" charset="0"/>
+              </a:rPr>
+              <a:t>If you are not a Postgraduate Research student and didn’t book via Inkpath, your attendance will be marked on a separate database.</a:t>
+            </a:r>
+            <a:endParaRPr lang="en-GB" sz="2800" dirty="0"/>
+          </a:p>
+        </p:txBody>
+      </p:sp>
+      <p:sp>
+        <p:nvSpPr>
+          <p:cNvPr id="7" name="TextBox 6"/>
+          <p:cNvSpPr txBox="1"/>
+          <p:nvPr/>
+        </p:nvSpPr>
+        <p:spPr>
+          <a:xfrm>
+            <a:off x="552450" y="3214433"/>
+            <a:ext cx="2171700" cy="830997"/>
+          </a:xfrm>
+          <a:prstGeom prst="rect">
+            <a:avLst/>
+          </a:prstGeom>
+          <a:noFill/>
+        </p:spPr>
+        <p:txBody>
+          <a:bodyPr wrap="square" rtlCol="0">
+            <a:spAutoFit/>
+          </a:bodyPr>
+          <a:lstStyle/>
+          <a:p>
+            <a:endParaRPr lang="en-GB" sz="2400" dirty="0">
+              <a:solidFill>
+                <a:srgbClr val="002060"/>
+              </a:solidFill>
+            </a:endParaRPr>
+          </a:p>
+          <a:p>
+            <a:endParaRPr lang="en-GB" sz="2400" dirty="0">
+              <a:solidFill>
+                <a:srgbClr val="002060"/>
+              </a:solidFill>
+            </a:endParaRPr>
+          </a:p>
+        </p:txBody>
+      </p:sp>
+    </p:spTree>
+    <p:extLst>
+      <p:ext uri="{BB962C8B-B14F-4D97-AF65-F5344CB8AC3E}">
+        <p14:creationId xmlns:p14="http://schemas.microsoft.com/office/powerpoint/2010/main" val="3686223621"/>
+      </p:ext>
+    </p:extLst>
+  </p:cSld>
+  <p:clrMapOvr>
+    <a:masterClrMapping/>
+  </p:clrMapOvr>
+</p:sld>
+</file>
+
+<file path=ppt/slides/slide20.xml><?xml version="1.0" encoding="utf-8"?>
 <p:sld xmlns:a="http://schemas.openxmlformats.org/drawingml/2006/main" xmlns:r="http://schemas.openxmlformats.org/officeDocument/2006/relationships" xmlns:p="http://schemas.openxmlformats.org/presentationml/2006/main">
   <p:cSld>
     <p:spTree>
@@ -11407,133 +12048,7 @@
 </p:sld>
 </file>
 
-<file path=ppt/slides/slide2.xml><?xml version="1.0" encoding="utf-8"?>
-<p:sld xmlns:a="http://schemas.openxmlformats.org/drawingml/2006/main" xmlns:r="http://schemas.openxmlformats.org/officeDocument/2006/relationships" xmlns:p="http://schemas.openxmlformats.org/presentationml/2006/main">
-  <p:cSld>
-    <p:spTree>
-      <p:nvGrpSpPr>
-        <p:cNvPr id="1" name=""/>
-        <p:cNvGrpSpPr/>
-        <p:nvPr/>
-      </p:nvGrpSpPr>
-      <p:grpSpPr>
-        <a:xfrm>
-          <a:off x="0" y="0"/>
-          <a:ext cx="0" cy="0"/>
-          <a:chOff x="0" y="0"/>
-          <a:chExt cx="0" cy="0"/>
-        </a:xfrm>
-      </p:grpSpPr>
-      <p:sp>
-        <p:nvSpPr>
-          <p:cNvPr id="2" name="Title 1"/>
-          <p:cNvSpPr>
-            <a:spLocks noGrp="1"/>
-          </p:cNvSpPr>
-          <p:nvPr>
-            <p:ph type="title"/>
-          </p:nvPr>
-        </p:nvSpPr>
-        <p:spPr>
-          <a:xfrm>
-            <a:off x="401319" y="1431416"/>
-            <a:ext cx="8388117" cy="4605702"/>
-          </a:xfrm>
-        </p:spPr>
-        <p:txBody>
-          <a:bodyPr/>
-          <a:lstStyle/>
-          <a:p>
-            <a:pPr algn="ctr"/>
-            <a:r>
-              <a:rPr lang="en-GB" sz="2800" u="sng" dirty="0"/>
-              <a:t>Important Information on Marking your Attendance on Inkpath</a:t>
-            </a:r>
-            <a:br>
-              <a:rPr lang="en-GB" sz="2800" u="sng" dirty="0"/>
-            </a:br>
-            <a:br>
-              <a:rPr lang="en-GB" sz="2800" u="sng" dirty="0"/>
-            </a:br>
-            <a:br>
-              <a:rPr lang="en-GB" sz="2800" dirty="0"/>
-            </a:br>
-            <a:r>
-              <a:rPr lang="en-GB" sz="2800" dirty="0"/>
-              <a:t>I will show you a QR code at the end of the session allowing you to mark your attendance on Inkpath. Please do not mark your attendance until then.</a:t>
-            </a:r>
-            <a:br>
-              <a:rPr lang="en-GB" sz="2800" dirty="0"/>
-            </a:br>
-            <a:br>
-              <a:rPr lang="en-GB" sz="2800" dirty="0">
-                <a:latin typeface="Calibri" panose="020F0502020204030204" pitchFamily="34" charset="0"/>
-                <a:cs typeface="Calibri" panose="020F0502020204030204" pitchFamily="34" charset="0"/>
-              </a:rPr>
-            </a:br>
-            <a:r>
-              <a:rPr lang="en-GB" sz="2800" dirty="0">
-                <a:effectLst/>
-                <a:ea typeface="Times New Roman" panose="02020603050405020304" pitchFamily="18" charset="0"/>
-                <a:cs typeface="Calibri" panose="020F0502020204030204" pitchFamily="34" charset="0"/>
-              </a:rPr>
-              <a:t>If you are not a Postgraduate Research student and didn’t book via Inkpath, your attendance will be marked on a separate database.</a:t>
-            </a:r>
-            <a:endParaRPr lang="en-GB" sz="2800" dirty="0"/>
-          </a:p>
-        </p:txBody>
-      </p:sp>
-      <p:sp>
-        <p:nvSpPr>
-          <p:cNvPr id="7" name="TextBox 6"/>
-          <p:cNvSpPr txBox="1"/>
-          <p:nvPr/>
-        </p:nvSpPr>
-        <p:spPr>
-          <a:xfrm>
-            <a:off x="552450" y="3214433"/>
-            <a:ext cx="2171700" cy="830997"/>
-          </a:xfrm>
-          <a:prstGeom prst="rect">
-            <a:avLst/>
-          </a:prstGeom>
-          <a:noFill/>
-        </p:spPr>
-        <p:txBody>
-          <a:bodyPr wrap="square" rtlCol="0">
-            <a:spAutoFit/>
-          </a:bodyPr>
-          <a:lstStyle/>
-          <a:p>
-            <a:endParaRPr lang="en-GB" sz="2400" dirty="0">
-              <a:solidFill>
-                <a:srgbClr val="002060"/>
-              </a:solidFill>
-            </a:endParaRPr>
-          </a:p>
-          <a:p>
-            <a:endParaRPr lang="en-GB" sz="2400" dirty="0">
-              <a:solidFill>
-                <a:srgbClr val="002060"/>
-              </a:solidFill>
-            </a:endParaRPr>
-          </a:p>
-        </p:txBody>
-      </p:sp>
-    </p:spTree>
-    <p:extLst>
-      <p:ext uri="{BB962C8B-B14F-4D97-AF65-F5344CB8AC3E}">
-        <p14:creationId xmlns:p14="http://schemas.microsoft.com/office/powerpoint/2010/main" val="3686223621"/>
-      </p:ext>
-    </p:extLst>
-  </p:cSld>
-  <p:clrMapOvr>
-    <a:masterClrMapping/>
-  </p:clrMapOvr>
-</p:sld>
-</file>
-
-<file path=ppt/slides/slide20.xml><?xml version="1.0" encoding="utf-8"?>
+<file path=ppt/slides/slide21.xml><?xml version="1.0" encoding="utf-8"?>
 <p:sld xmlns:a="http://schemas.openxmlformats.org/drawingml/2006/main" xmlns:r="http://schemas.openxmlformats.org/officeDocument/2006/relationships" xmlns:p="http://schemas.openxmlformats.org/presentationml/2006/main">
   <p:cSld>
     <p:spTree>
@@ -11898,7 +12413,7 @@
 </p:sld>
 </file>
 
-<file path=ppt/slides/slide21.xml><?xml version="1.0" encoding="utf-8"?>
+<file path=ppt/slides/slide22.xml><?xml version="1.0" encoding="utf-8"?>
 <p:sld xmlns:a="http://schemas.openxmlformats.org/drawingml/2006/main" xmlns:r="http://schemas.openxmlformats.org/officeDocument/2006/relationships" xmlns:p="http://schemas.openxmlformats.org/presentationml/2006/main">
   <p:cSld>
     <p:spTree>
@@ -12082,7 +12597,7 @@
 </p:sld>
 </file>
 
-<file path=ppt/slides/slide22.xml><?xml version="1.0" encoding="utf-8"?>
+<file path=ppt/slides/slide23.xml><?xml version="1.0" encoding="utf-8"?>
 <p:sld xmlns:a="http://schemas.openxmlformats.org/drawingml/2006/main" xmlns:r="http://schemas.openxmlformats.org/officeDocument/2006/relationships" xmlns:p="http://schemas.openxmlformats.org/presentationml/2006/main">
   <p:cSld>
     <p:spTree>
@@ -12278,7 +12793,7 @@
 </p:sld>
 </file>
 
-<file path=ppt/slides/slide23.xml><?xml version="1.0" encoding="utf-8"?>
+<file path=ppt/slides/slide24.xml><?xml version="1.0" encoding="utf-8"?>
 <p:sld xmlns:a="http://schemas.openxmlformats.org/drawingml/2006/main" xmlns:r="http://schemas.openxmlformats.org/officeDocument/2006/relationships" xmlns:p="http://schemas.openxmlformats.org/presentationml/2006/main">
   <p:cSld>
     <p:spTree>
@@ -12801,7 +13316,7 @@
 </p:sld>
 </file>
 
-<file path=ppt/slides/slide24.xml><?xml version="1.0" encoding="utf-8"?>
+<file path=ppt/slides/slide25.xml><?xml version="1.0" encoding="utf-8"?>
 <p:sld xmlns:a="http://schemas.openxmlformats.org/drawingml/2006/main" xmlns:r="http://schemas.openxmlformats.org/officeDocument/2006/relationships" xmlns:p="http://schemas.openxmlformats.org/presentationml/2006/main">
   <p:cSld>
     <p:spTree>
@@ -13243,7 +13758,7 @@
 </p:sld>
 </file>
 
-<file path=ppt/slides/slide25.xml><?xml version="1.0" encoding="utf-8"?>
+<file path=ppt/slides/slide26.xml><?xml version="1.0" encoding="utf-8"?>
 <p:sld xmlns:a="http://schemas.openxmlformats.org/drawingml/2006/main" xmlns:r="http://schemas.openxmlformats.org/officeDocument/2006/relationships" xmlns:p="http://schemas.openxmlformats.org/presentationml/2006/main">
   <p:cSld>
     <p:spTree>
@@ -13383,7 +13898,7 @@
 </p:sld>
 </file>
 
-<file path=ppt/slides/slide26.xml><?xml version="1.0" encoding="utf-8"?>
+<file path=ppt/slides/slide27.xml><?xml version="1.0" encoding="utf-8"?>
 <p:sld xmlns:a="http://schemas.openxmlformats.org/drawingml/2006/main" xmlns:r="http://schemas.openxmlformats.org/officeDocument/2006/relationships" xmlns:p="http://schemas.openxmlformats.org/presentationml/2006/main">
   <p:cSld>
     <p:spTree>
@@ -14284,7 +14799,7 @@
 </p:sld>
 </file>
 
-<file path=ppt/slides/slide27.xml><?xml version="1.0" encoding="utf-8"?>
+<file path=ppt/slides/slide28.xml><?xml version="1.0" encoding="utf-8"?>
 <p:sld xmlns:a="http://schemas.openxmlformats.org/drawingml/2006/main" xmlns:r="http://schemas.openxmlformats.org/officeDocument/2006/relationships" xmlns:p="http://schemas.openxmlformats.org/presentationml/2006/main">
   <p:cSld>
     <p:spTree>
@@ -15085,7 +15600,7 @@
 </p:sld>
 </file>
 
-<file path=ppt/slides/slide28.xml><?xml version="1.0" encoding="utf-8"?>
+<file path=ppt/slides/slide29.xml><?xml version="1.0" encoding="utf-8"?>
 <p:sld xmlns:a="http://schemas.openxmlformats.org/drawingml/2006/main" xmlns:r="http://schemas.openxmlformats.org/officeDocument/2006/relationships" xmlns:p="http://schemas.openxmlformats.org/presentationml/2006/main">
   <p:cSld>
     <p:spTree>
@@ -15583,7 +16098,130 @@
 </p:sld>
 </file>
 
-<file path=ppt/slides/slide29.xml><?xml version="1.0" encoding="utf-8"?>
+<file path=ppt/slides/slide3.xml><?xml version="1.0" encoding="utf-8"?>
+<p:sld xmlns:a="http://schemas.openxmlformats.org/drawingml/2006/main" xmlns:r="http://schemas.openxmlformats.org/officeDocument/2006/relationships" xmlns:p="http://schemas.openxmlformats.org/presentationml/2006/main">
+  <p:cSld>
+    <p:spTree>
+      <p:nvGrpSpPr>
+        <p:cNvPr id="1" name=""/>
+        <p:cNvGrpSpPr/>
+        <p:nvPr/>
+      </p:nvGrpSpPr>
+      <p:grpSpPr>
+        <a:xfrm>
+          <a:off x="0" y="0"/>
+          <a:ext cx="0" cy="0"/>
+          <a:chOff x="0" y="0"/>
+          <a:chExt cx="0" cy="0"/>
+        </a:xfrm>
+      </p:grpSpPr>
+      <p:sp>
+        <p:nvSpPr>
+          <p:cNvPr id="2" name="Title 1"/>
+          <p:cNvSpPr>
+            <a:spLocks noGrp="1"/>
+          </p:cNvSpPr>
+          <p:nvPr>
+            <p:ph type="title"/>
+          </p:nvPr>
+        </p:nvSpPr>
+        <p:spPr/>
+        <p:txBody>
+          <a:bodyPr/>
+          <a:lstStyle/>
+          <a:p>
+            <a:r>
+              <a:rPr lang="en-GB" sz="4000" dirty="0"/>
+              <a:t>Learning Outcomes</a:t>
+            </a:r>
+          </a:p>
+        </p:txBody>
+      </p:sp>
+      <p:sp>
+        <p:nvSpPr>
+          <p:cNvPr id="3" name="Content Placeholder 2"/>
+          <p:cNvSpPr>
+            <a:spLocks noGrp="1"/>
+          </p:cNvSpPr>
+          <p:nvPr>
+            <p:ph idx="1"/>
+          </p:nvPr>
+        </p:nvSpPr>
+        <p:spPr>
+          <a:xfrm>
+            <a:off x="457200" y="1600200"/>
+            <a:ext cx="8435280" cy="4876800"/>
+          </a:xfrm>
+        </p:spPr>
+        <p:txBody>
+          <a:bodyPr>
+            <a:normAutofit/>
+          </a:bodyPr>
+          <a:lstStyle/>
+          <a:p>
+            <a:r>
+              <a:rPr lang="en-GB" sz="3000" b="1" dirty="0"/>
+              <a:t>Identify</a:t>
+            </a:r>
+            <a:r>
+              <a:rPr lang="en-GB" sz="3000" dirty="0"/>
+              <a:t> an array of useful LaTeX packages</a:t>
+            </a:r>
+          </a:p>
+          <a:p>
+            <a:r>
+              <a:rPr lang="en-GB" sz="3000" b="1" dirty="0"/>
+              <a:t>Recognise</a:t>
+            </a:r>
+            <a:r>
+              <a:rPr lang="en-GB" sz="3000" dirty="0"/>
+              <a:t> when and how to split large documents into manageable subdocuments</a:t>
+            </a:r>
+          </a:p>
+          <a:p>
+            <a:r>
+              <a:rPr lang="en-GB" sz="3000" b="1" dirty="0"/>
+              <a:t>Employ</a:t>
+            </a:r>
+            <a:r>
+              <a:rPr lang="en-GB" sz="3000" dirty="0"/>
+              <a:t> custom formatting and referencing</a:t>
+            </a:r>
+          </a:p>
+          <a:p>
+            <a:r>
+              <a:rPr lang="en-GB" sz="3000" b="1" dirty="0"/>
+              <a:t>Develop</a:t>
+            </a:r>
+            <a:r>
+              <a:rPr lang="en-GB" sz="3000" dirty="0"/>
+              <a:t> a full thesis template </a:t>
+            </a:r>
+          </a:p>
+        </p:txBody>
+      </p:sp>
+    </p:spTree>
+    <p:extLst>
+      <p:ext uri="{BB962C8B-B14F-4D97-AF65-F5344CB8AC3E}">
+        <p14:creationId xmlns:p14="http://schemas.microsoft.com/office/powerpoint/2010/main" val="3248724752"/>
+      </p:ext>
+    </p:extLst>
+  </p:cSld>
+  <p:clrMapOvr>
+    <a:masterClrMapping/>
+  </p:clrMapOvr>
+  <mc:AlternateContent xmlns:mc="http://schemas.openxmlformats.org/markup-compatibility/2006" xmlns:p14="http://schemas.microsoft.com/office/powerpoint/2010/main">
+    <mc:Choice Requires="p14">
+      <p:transition p14:dur="10"/>
+    </mc:Choice>
+    <mc:Fallback xmlns="">
+      <p:transition/>
+    </mc:Fallback>
+  </mc:AlternateContent>
+</p:sld>
+</file>
+
+<file path=ppt/slides/slide30.xml><?xml version="1.0" encoding="utf-8"?>
 <p:sld xmlns:a="http://schemas.openxmlformats.org/drawingml/2006/main" xmlns:r="http://schemas.openxmlformats.org/officeDocument/2006/relationships" xmlns:p="http://schemas.openxmlformats.org/presentationml/2006/main">
   <p:cSld>
     <p:spTree>
@@ -16590,130 +17228,7 @@
 </p:sld>
 </file>
 
-<file path=ppt/slides/slide3.xml><?xml version="1.0" encoding="utf-8"?>
-<p:sld xmlns:a="http://schemas.openxmlformats.org/drawingml/2006/main" xmlns:r="http://schemas.openxmlformats.org/officeDocument/2006/relationships" xmlns:p="http://schemas.openxmlformats.org/presentationml/2006/main">
-  <p:cSld>
-    <p:spTree>
-      <p:nvGrpSpPr>
-        <p:cNvPr id="1" name=""/>
-        <p:cNvGrpSpPr/>
-        <p:nvPr/>
-      </p:nvGrpSpPr>
-      <p:grpSpPr>
-        <a:xfrm>
-          <a:off x="0" y="0"/>
-          <a:ext cx="0" cy="0"/>
-          <a:chOff x="0" y="0"/>
-          <a:chExt cx="0" cy="0"/>
-        </a:xfrm>
-      </p:grpSpPr>
-      <p:sp>
-        <p:nvSpPr>
-          <p:cNvPr id="2" name="Title 1"/>
-          <p:cNvSpPr>
-            <a:spLocks noGrp="1"/>
-          </p:cNvSpPr>
-          <p:nvPr>
-            <p:ph type="title"/>
-          </p:nvPr>
-        </p:nvSpPr>
-        <p:spPr/>
-        <p:txBody>
-          <a:bodyPr/>
-          <a:lstStyle/>
-          <a:p>
-            <a:r>
-              <a:rPr lang="en-GB" sz="4000" dirty="0"/>
-              <a:t>Learning Outcomes</a:t>
-            </a:r>
-          </a:p>
-        </p:txBody>
-      </p:sp>
-      <p:sp>
-        <p:nvSpPr>
-          <p:cNvPr id="3" name="Content Placeholder 2"/>
-          <p:cNvSpPr>
-            <a:spLocks noGrp="1"/>
-          </p:cNvSpPr>
-          <p:nvPr>
-            <p:ph idx="1"/>
-          </p:nvPr>
-        </p:nvSpPr>
-        <p:spPr>
-          <a:xfrm>
-            <a:off x="457200" y="1600200"/>
-            <a:ext cx="8435280" cy="4876800"/>
-          </a:xfrm>
-        </p:spPr>
-        <p:txBody>
-          <a:bodyPr>
-            <a:normAutofit/>
-          </a:bodyPr>
-          <a:lstStyle/>
-          <a:p>
-            <a:r>
-              <a:rPr lang="en-GB" sz="3000" b="1" dirty="0"/>
-              <a:t>Identify</a:t>
-            </a:r>
-            <a:r>
-              <a:rPr lang="en-GB" sz="3000" dirty="0"/>
-              <a:t> an array of useful LaTeX packages</a:t>
-            </a:r>
-          </a:p>
-          <a:p>
-            <a:r>
-              <a:rPr lang="en-GB" sz="3000" b="1" dirty="0"/>
-              <a:t>Recognise</a:t>
-            </a:r>
-            <a:r>
-              <a:rPr lang="en-GB" sz="3000" dirty="0"/>
-              <a:t> when and how to split large documents into manageable subdocuments</a:t>
-            </a:r>
-          </a:p>
-          <a:p>
-            <a:r>
-              <a:rPr lang="en-GB" sz="3000" b="1" dirty="0"/>
-              <a:t>Employ</a:t>
-            </a:r>
-            <a:r>
-              <a:rPr lang="en-GB" sz="3000" dirty="0"/>
-              <a:t> custom formatting and referencing</a:t>
-            </a:r>
-          </a:p>
-          <a:p>
-            <a:r>
-              <a:rPr lang="en-GB" sz="3000" b="1" dirty="0"/>
-              <a:t>Develop</a:t>
-            </a:r>
-            <a:r>
-              <a:rPr lang="en-GB" sz="3000" dirty="0"/>
-              <a:t> a full thesis template </a:t>
-            </a:r>
-          </a:p>
-        </p:txBody>
-      </p:sp>
-    </p:spTree>
-    <p:extLst>
-      <p:ext uri="{BB962C8B-B14F-4D97-AF65-F5344CB8AC3E}">
-        <p14:creationId xmlns:p14="http://schemas.microsoft.com/office/powerpoint/2010/main" val="3248724752"/>
-      </p:ext>
-    </p:extLst>
-  </p:cSld>
-  <p:clrMapOvr>
-    <a:masterClrMapping/>
-  </p:clrMapOvr>
-  <mc:AlternateContent xmlns:mc="http://schemas.openxmlformats.org/markup-compatibility/2006" xmlns:p14="http://schemas.microsoft.com/office/powerpoint/2010/main">
-    <mc:Choice Requires="p14">
-      <p:transition p14:dur="10"/>
-    </mc:Choice>
-    <mc:Fallback xmlns="">
-      <p:transition/>
-    </mc:Fallback>
-  </mc:AlternateContent>
-</p:sld>
-</file>
-
-<file path=ppt/slides/slide30.xml><?xml version="1.0" encoding="utf-8"?>
+<file path=ppt/slides/slide31.xml><?xml version="1.0" encoding="utf-8"?>
 <p:sld xmlns:a="http://schemas.openxmlformats.org/drawingml/2006/main" xmlns:r="http://schemas.openxmlformats.org/officeDocument/2006/relationships" xmlns:p="http://schemas.openxmlformats.org/presentationml/2006/main">
   <p:cSld>
     <p:spTree>
@@ -17315,208 +17830,6 @@
 </p:sld>
 </file>
 
-<file path=ppt/slides/slide31.xml><?xml version="1.0" encoding="utf-8"?>
-<p:sld xmlns:a="http://schemas.openxmlformats.org/drawingml/2006/main" xmlns:r="http://schemas.openxmlformats.org/officeDocument/2006/relationships" xmlns:p="http://schemas.openxmlformats.org/presentationml/2006/main">
-  <p:cSld>
-    <p:spTree>
-      <p:nvGrpSpPr>
-        <p:cNvPr id="1" name=""/>
-        <p:cNvGrpSpPr/>
-        <p:nvPr/>
-      </p:nvGrpSpPr>
-      <p:grpSpPr>
-        <a:xfrm>
-          <a:off x="0" y="0"/>
-          <a:ext cx="0" cy="0"/>
-          <a:chOff x="0" y="0"/>
-          <a:chExt cx="0" cy="0"/>
-        </a:xfrm>
-      </p:grpSpPr>
-      <p:sp>
-        <p:nvSpPr>
-          <p:cNvPr id="2" name="Title 1"/>
-          <p:cNvSpPr>
-            <a:spLocks noGrp="1"/>
-          </p:cNvSpPr>
-          <p:nvPr>
-            <p:ph type="title"/>
-          </p:nvPr>
-        </p:nvSpPr>
-        <p:spPr/>
-        <p:txBody>
-          <a:bodyPr/>
-          <a:lstStyle/>
-          <a:p>
-            <a:r>
-              <a:rPr lang="en-GB" sz="4000" dirty="0"/>
-              <a:t>Graphics Path</a:t>
-            </a:r>
-          </a:p>
-        </p:txBody>
-      </p:sp>
-      <p:sp>
-        <p:nvSpPr>
-          <p:cNvPr id="7" name="Content Placeholder 6">
-            <a:extLst>
-              <a:ext uri="{FF2B5EF4-FFF2-40B4-BE49-F238E27FC236}">
-                <a16:creationId xmlns:a16="http://schemas.microsoft.com/office/drawing/2014/main" id="{A4668B92-0976-4E36-A913-C47498FEE667}"/>
-              </a:ext>
-            </a:extLst>
-          </p:cNvPr>
-          <p:cNvSpPr>
-            <a:spLocks noGrp="1"/>
-          </p:cNvSpPr>
-          <p:nvPr>
-            <p:ph idx="1"/>
-          </p:nvPr>
-        </p:nvSpPr>
-        <p:spPr>
-          <a:xfrm>
-            <a:off x="457200" y="1417638"/>
-            <a:ext cx="8229600" cy="4525963"/>
-          </a:xfrm>
-        </p:spPr>
-        <p:txBody>
-          <a:bodyPr/>
-          <a:lstStyle/>
-          <a:p>
-            <a:r>
-              <a:rPr lang="en-GB" sz="2800" dirty="0"/>
-              <a:t>You can set where LaTeX should look for the graphics to be used in your document</a:t>
-            </a:r>
-          </a:p>
-          <a:p>
-            <a:r>
-              <a:rPr lang="en-GB" sz="2800" dirty="0"/>
-              <a:t>Useful for separating figures for different chapters and the .</a:t>
-            </a:r>
-            <a:r>
-              <a:rPr lang="en-GB" sz="2800" dirty="0" err="1"/>
-              <a:t>tex</a:t>
-            </a:r>
-            <a:r>
-              <a:rPr lang="en-GB" sz="2800" dirty="0"/>
-              <a:t> files</a:t>
-            </a:r>
-          </a:p>
-          <a:p>
-            <a:r>
-              <a:rPr lang="en-GB" sz="2800" dirty="0"/>
-              <a:t>The command </a:t>
-            </a:r>
-            <a:r>
-              <a:rPr lang="en-GB" sz="2800" dirty="0">
-                <a:solidFill>
-                  <a:schemeClr val="tx2">
-                    <a:lumMod val="50000"/>
-                    <a:lumOff val="50000"/>
-                  </a:schemeClr>
-                </a:solidFill>
-              </a:rPr>
-              <a:t>\</a:t>
-            </a:r>
-            <a:r>
-              <a:rPr lang="en-GB" sz="2800" dirty="0" err="1">
-                <a:solidFill>
-                  <a:schemeClr val="tx2">
-                    <a:lumMod val="50000"/>
-                    <a:lumOff val="50000"/>
-                  </a:schemeClr>
-                </a:solidFill>
-              </a:rPr>
-              <a:t>graphicspath</a:t>
-            </a:r>
-            <a:r>
-              <a:rPr lang="en-GB" sz="2800" dirty="0">
-                <a:solidFill>
-                  <a:schemeClr val="tx2">
-                    <a:lumMod val="50000"/>
-                    <a:lumOff val="50000"/>
-                  </a:schemeClr>
-                </a:solidFill>
-              </a:rPr>
-              <a:t> {{./FOLDER1/} {./FOLDER2/}} </a:t>
-            </a:r>
-            <a:r>
-              <a:rPr lang="en-GB" sz="2800" dirty="0"/>
-              <a:t>will tell LaTeX to look in the folders named “FOLDER1” and “FOLDER2” in the directory of the .</a:t>
-            </a:r>
-            <a:r>
-              <a:rPr lang="en-GB" sz="2800" dirty="0" err="1"/>
-              <a:t>tex</a:t>
-            </a:r>
-            <a:r>
-              <a:rPr lang="en-GB" sz="2800" dirty="0"/>
-              <a:t> file</a:t>
-            </a:r>
-            <a:endParaRPr lang="en-GB" sz="2400" dirty="0"/>
-          </a:p>
-          <a:p>
-            <a:pPr lvl="1"/>
-            <a:endParaRPr lang="en-GB" sz="1600" dirty="0"/>
-          </a:p>
-        </p:txBody>
-      </p:sp>
-      <p:sp>
-        <p:nvSpPr>
-          <p:cNvPr id="4" name="TextBox 3">
-            <a:extLst>
-              <a:ext uri="{FF2B5EF4-FFF2-40B4-BE49-F238E27FC236}">
-                <a16:creationId xmlns:a16="http://schemas.microsoft.com/office/drawing/2014/main" id="{398C5D47-C6D2-45C0-8D24-2F32A438F365}"/>
-              </a:ext>
-            </a:extLst>
-          </p:cNvPr>
-          <p:cNvSpPr txBox="1"/>
-          <p:nvPr/>
-        </p:nvSpPr>
-        <p:spPr>
-          <a:xfrm>
-            <a:off x="7357241" y="6498021"/>
-            <a:ext cx="1697422" cy="369332"/>
-          </a:xfrm>
-          <a:prstGeom prst="rect">
-            <a:avLst/>
-          </a:prstGeom>
-          <a:noFill/>
-        </p:spPr>
-        <p:txBody>
-          <a:bodyPr wrap="square" rtlCol="0">
-            <a:spAutoFit/>
-          </a:bodyPr>
-          <a:lstStyle/>
-          <a:p>
-            <a:r>
-              <a:rPr lang="en-GB" dirty="0">
-                <a:solidFill>
-                  <a:schemeClr val="accent2"/>
-                </a:solidFill>
-              </a:rPr>
-              <a:t>Problem Sheet</a:t>
-            </a:r>
-          </a:p>
-        </p:txBody>
-      </p:sp>
-    </p:spTree>
-    <p:extLst>
-      <p:ext uri="{BB962C8B-B14F-4D97-AF65-F5344CB8AC3E}">
-        <p14:creationId xmlns:p14="http://schemas.microsoft.com/office/powerpoint/2010/main" val="358316703"/>
-      </p:ext>
-    </p:extLst>
-  </p:cSld>
-  <p:clrMapOvr>
-    <a:masterClrMapping/>
-  </p:clrMapOvr>
-  <mc:AlternateContent xmlns:mc="http://schemas.openxmlformats.org/markup-compatibility/2006" xmlns:p14="http://schemas.microsoft.com/office/powerpoint/2010/main">
-    <mc:Choice Requires="p14">
-      <p:transition p14:dur="10"/>
-    </mc:Choice>
-    <mc:Fallback xmlns="">
-      <p:transition/>
-    </mc:Fallback>
-  </mc:AlternateContent>
-</p:sld>
-</file>
-
 <file path=ppt/slides/slide32.xml><?xml version="1.0" encoding="utf-8"?>
 <p:sld xmlns:a="http://schemas.openxmlformats.org/drawingml/2006/main" xmlns:r="http://schemas.openxmlformats.org/officeDocument/2006/relationships" xmlns:p="http://schemas.openxmlformats.org/presentationml/2006/main">
   <p:cSld>
@@ -17551,413 +17864,120 @@
           <a:p>
             <a:r>
               <a:rPr lang="en-GB" sz="4000" dirty="0"/>
-              <a:t>Custom Commands</a:t>
+              <a:t>Graphics Path</a:t>
             </a:r>
           </a:p>
         </p:txBody>
       </p:sp>
-      <p:cxnSp>
-        <p:nvCxnSpPr>
-          <p:cNvPr id="12" name="Straight Connector 11"/>
-          <p:cNvCxnSpPr/>
-          <p:nvPr/>
-        </p:nvCxnSpPr>
-        <p:spPr>
-          <a:xfrm>
-            <a:off x="4572000" y="1417638"/>
-            <a:ext cx="0" cy="5440362"/>
-          </a:xfrm>
-          <a:prstGeom prst="line">
-            <a:avLst/>
-          </a:prstGeom>
-        </p:spPr>
-        <p:style>
-          <a:lnRef idx="2">
-            <a:schemeClr val="accent1"/>
-          </a:lnRef>
-          <a:fillRef idx="0">
-            <a:schemeClr val="accent1"/>
-          </a:fillRef>
-          <a:effectRef idx="1">
-            <a:schemeClr val="accent1"/>
-          </a:effectRef>
-          <a:fontRef idx="minor">
-            <a:schemeClr val="tx1"/>
-          </a:fontRef>
-        </p:style>
-      </p:cxnSp>
-      <p:sp>
-        <p:nvSpPr>
-          <p:cNvPr id="4" name="Rectangle 2"/>
-          <p:cNvSpPr>
-            <a:spLocks noChangeArrowheads="1"/>
-          </p:cNvSpPr>
-          <p:nvPr/>
-        </p:nvSpPr>
-        <p:spPr bwMode="auto">
-          <a:xfrm>
-            <a:off x="379360" y="1686591"/>
-            <a:ext cx="4166693" cy="4154984"/>
-          </a:xfrm>
-          <a:prstGeom prst="rect">
-            <a:avLst/>
-          </a:prstGeom>
-          <a:noFill/>
-          <a:ln>
-            <a:noFill/>
-          </a:ln>
-          <a:effectLst/>
-        </p:spPr>
-        <p:txBody>
-          <a:bodyPr vert="horz" wrap="square" lIns="91440" tIns="45720" rIns="91440" bIns="45720" numCol="1" anchor="ctr" anchorCtr="0" compatLnSpc="1">
-            <a:prstTxWarp prst="textNoShape">
-              <a:avLst/>
-            </a:prstTxWarp>
-            <a:spAutoFit/>
-          </a:bodyPr>
-          <a:lstStyle/>
-          <a:p>
-            <a:r>
-              <a:rPr lang="en-GB" sz="2400" dirty="0">
-                <a:solidFill>
-                  <a:schemeClr val="tx2">
-                    <a:lumMod val="50000"/>
-                    <a:lumOff val="50000"/>
-                  </a:schemeClr>
-                </a:solidFill>
-              </a:rPr>
-              <a:t>\</a:t>
-            </a:r>
-            <a:r>
-              <a:rPr lang="en-GB" sz="2400" dirty="0" err="1">
-                <a:solidFill>
-                  <a:schemeClr val="tx2">
-                    <a:lumMod val="50000"/>
-                    <a:lumOff val="50000"/>
-                  </a:schemeClr>
-                </a:solidFill>
-              </a:rPr>
-              <a:t>newcommand</a:t>
-            </a:r>
-            <a:r>
-              <a:rPr lang="en-GB" sz="2400" dirty="0"/>
-              <a:t>{</a:t>
-            </a:r>
-            <a:r>
-              <a:rPr lang="en-GB" sz="2400" dirty="0">
-                <a:solidFill>
-                  <a:schemeClr val="tx2">
-                    <a:lumMod val="50000"/>
-                    <a:lumOff val="50000"/>
-                  </a:schemeClr>
-                </a:solidFill>
-              </a:rPr>
-              <a:t>\</a:t>
-            </a:r>
-            <a:r>
-              <a:rPr lang="en-GB" sz="2400" dirty="0" err="1">
-                <a:solidFill>
-                  <a:schemeClr val="tx2">
-                    <a:lumMod val="50000"/>
-                    <a:lumOff val="50000"/>
-                  </a:schemeClr>
-                </a:solidFill>
-              </a:rPr>
-              <a:t>hardmaths</a:t>
-            </a:r>
-            <a:r>
-              <a:rPr lang="en-GB" sz="2400" dirty="0"/>
-              <a:t>} {</a:t>
-            </a:r>
-            <a:r>
-              <a:rPr lang="en-GB" sz="2400" dirty="0">
-                <a:solidFill>
-                  <a:schemeClr val="tx2">
-                    <a:lumMod val="50000"/>
-                    <a:lumOff val="50000"/>
-                  </a:schemeClr>
-                </a:solidFill>
-              </a:rPr>
-              <a:t>\frac</a:t>
-            </a:r>
-            <a:r>
-              <a:rPr lang="en-GB" sz="2400" dirty="0"/>
-              <a:t>{</a:t>
-            </a:r>
-            <a:r>
-              <a:rPr lang="en-GB" sz="2400" dirty="0">
-                <a:solidFill>
-                  <a:schemeClr val="tx2">
-                    <a:lumMod val="50000"/>
-                    <a:lumOff val="50000"/>
-                  </a:schemeClr>
-                </a:solidFill>
-              </a:rPr>
-              <a:t>\sin</a:t>
-            </a:r>
-            <a:r>
-              <a:rPr lang="en-GB" sz="2400" dirty="0"/>
-              <a:t>{(x\pi)}} {2</a:t>
-            </a:r>
-            <a:r>
-              <a:rPr lang="en-GB" sz="2400" dirty="0">
-                <a:solidFill>
-                  <a:schemeClr val="accent1">
-                    <a:lumMod val="60000"/>
-                    <a:lumOff val="40000"/>
-                  </a:schemeClr>
-                </a:solidFill>
-              </a:rPr>
-              <a:t>\alpha</a:t>
-            </a:r>
-            <a:r>
-              <a:rPr lang="en-GB" sz="2400" dirty="0"/>
-              <a:t>}}</a:t>
-            </a:r>
-          </a:p>
-          <a:p>
-            <a:endParaRPr lang="en-GB" sz="2400" dirty="0"/>
-          </a:p>
-          <a:p>
-            <a:r>
-              <a:rPr lang="en-GB" sz="2400" dirty="0">
-                <a:solidFill>
-                  <a:schemeClr val="tx2">
-                    <a:lumMod val="50000"/>
-                    <a:lumOff val="50000"/>
-                  </a:schemeClr>
-                </a:solidFill>
-              </a:rPr>
-              <a:t>\</a:t>
-            </a:r>
-            <a:r>
-              <a:rPr lang="en-GB" sz="2400" dirty="0" err="1">
-                <a:solidFill>
-                  <a:schemeClr val="tx2">
-                    <a:lumMod val="50000"/>
-                    <a:lumOff val="50000"/>
-                  </a:schemeClr>
-                </a:solidFill>
-              </a:rPr>
-              <a:t>newcommand</a:t>
-            </a:r>
-            <a:r>
-              <a:rPr lang="en-GB" sz="2400" dirty="0"/>
-              <a:t>{</a:t>
-            </a:r>
-            <a:r>
-              <a:rPr lang="en-GB" sz="2400" dirty="0">
-                <a:solidFill>
-                  <a:schemeClr val="tx2">
-                    <a:lumMod val="50000"/>
-                    <a:lumOff val="50000"/>
-                  </a:schemeClr>
-                </a:solidFill>
-              </a:rPr>
-              <a:t>\diff</a:t>
-            </a:r>
-            <a:r>
-              <a:rPr lang="en-GB" sz="2400" dirty="0"/>
-              <a:t>}[2]  {</a:t>
-            </a:r>
-            <a:r>
-              <a:rPr lang="en-GB" sz="2400" dirty="0">
-                <a:solidFill>
-                  <a:schemeClr val="tx2">
-                    <a:lumMod val="50000"/>
-                    <a:lumOff val="50000"/>
-                  </a:schemeClr>
-                </a:solidFill>
-              </a:rPr>
-              <a:t>\frac{\</a:t>
-            </a:r>
-            <a:r>
-              <a:rPr lang="en-GB" sz="2400" dirty="0" err="1">
-                <a:solidFill>
-                  <a:schemeClr val="tx2">
-                    <a:lumMod val="50000"/>
-                    <a:lumOff val="50000"/>
-                  </a:schemeClr>
-                </a:solidFill>
-              </a:rPr>
-              <a:t>textrm</a:t>
-            </a:r>
-            <a:r>
-              <a:rPr lang="en-GB" sz="2400" dirty="0"/>
-              <a:t>{d}{#1}} {</a:t>
-            </a:r>
-            <a:r>
-              <a:rPr lang="en-GB" sz="2400" dirty="0">
-                <a:solidFill>
-                  <a:schemeClr val="tx2">
-                    <a:lumMod val="50000"/>
-                    <a:lumOff val="50000"/>
-                  </a:schemeClr>
-                </a:solidFill>
-              </a:rPr>
-              <a:t>\</a:t>
-            </a:r>
-            <a:r>
-              <a:rPr lang="en-GB" sz="2400" dirty="0" err="1">
-                <a:solidFill>
-                  <a:schemeClr val="tx2">
-                    <a:lumMod val="50000"/>
-                    <a:lumOff val="50000"/>
-                  </a:schemeClr>
-                </a:solidFill>
-              </a:rPr>
-              <a:t>textrm</a:t>
-            </a:r>
-            <a:r>
-              <a:rPr lang="en-GB" sz="2400" dirty="0"/>
-              <a:t>{d}{#2}}}</a:t>
-            </a:r>
-          </a:p>
-          <a:p>
-            <a:endParaRPr lang="en-GB" sz="2400" dirty="0"/>
-          </a:p>
-          <a:p>
-            <a:r>
-              <a:rPr lang="en-GB" sz="2400" dirty="0">
-                <a:solidFill>
-                  <a:schemeClr val="tx2">
-                    <a:lumMod val="50000"/>
-                    <a:lumOff val="50000"/>
-                  </a:schemeClr>
-                </a:solidFill>
-              </a:rPr>
-              <a:t>\begin</a:t>
-            </a:r>
-            <a:r>
-              <a:rPr lang="en-GB" sz="2400" dirty="0"/>
-              <a:t>{document}</a:t>
-            </a:r>
-          </a:p>
-          <a:p>
-            <a:endParaRPr lang="en-GB" sz="2400" dirty="0"/>
-          </a:p>
-          <a:p>
-            <a:r>
-              <a:rPr lang="en-GB" sz="2400" dirty="0"/>
-              <a:t>A quick way to write </a:t>
-            </a:r>
-            <a:r>
-              <a:rPr lang="en-GB" sz="2400" dirty="0">
-                <a:solidFill>
-                  <a:schemeClr val="accent3">
-                    <a:lumMod val="60000"/>
-                    <a:lumOff val="40000"/>
-                  </a:schemeClr>
-                </a:solidFill>
-              </a:rPr>
-              <a:t>$</a:t>
-            </a:r>
-            <a:r>
-              <a:rPr lang="en-GB" sz="2400" dirty="0">
-                <a:solidFill>
-                  <a:schemeClr val="accent1">
-                    <a:lumMod val="60000"/>
-                    <a:lumOff val="40000"/>
-                  </a:schemeClr>
-                </a:solidFill>
-              </a:rPr>
-              <a:t>\diff</a:t>
-            </a:r>
-            <a:r>
-              <a:rPr lang="en-GB" sz="2400" dirty="0">
-                <a:solidFill>
-                  <a:schemeClr val="accent3">
-                    <a:lumMod val="60000"/>
-                    <a:lumOff val="40000"/>
-                  </a:schemeClr>
-                </a:solidFill>
-              </a:rPr>
-              <a:t>{y}{x}</a:t>
-            </a:r>
-            <a:r>
-              <a:rPr lang="en-GB" sz="2400" dirty="0"/>
-              <a:t>=</a:t>
-            </a:r>
-            <a:r>
-              <a:rPr lang="en-GB" sz="2400" dirty="0">
-                <a:solidFill>
-                  <a:schemeClr val="accent1">
-                    <a:lumMod val="60000"/>
-                    <a:lumOff val="40000"/>
-                  </a:schemeClr>
-                </a:solidFill>
-              </a:rPr>
-              <a:t>\</a:t>
-            </a:r>
-            <a:r>
-              <a:rPr lang="en-GB" sz="2400" dirty="0" err="1">
-                <a:solidFill>
-                  <a:schemeClr val="accent1">
-                    <a:lumMod val="60000"/>
-                    <a:lumOff val="40000"/>
-                  </a:schemeClr>
-                </a:solidFill>
-              </a:rPr>
-              <a:t>hardmaths</a:t>
-            </a:r>
-            <a:r>
-              <a:rPr lang="en-GB" sz="2400" dirty="0">
-                <a:solidFill>
-                  <a:schemeClr val="accent3">
-                    <a:lumMod val="60000"/>
-                    <a:lumOff val="40000"/>
-                  </a:schemeClr>
-                </a:solidFill>
-              </a:rPr>
-              <a:t>$</a:t>
-            </a:r>
-            <a:endParaRPr lang="en-US" altLang="en-US" sz="2400" dirty="0">
-              <a:solidFill>
-                <a:schemeClr val="accent3">
-                  <a:lumMod val="60000"/>
-                  <a:lumOff val="40000"/>
-                </a:schemeClr>
-              </a:solidFill>
-            </a:endParaRPr>
-          </a:p>
-        </p:txBody>
-      </p:sp>
-      <p:pic>
-        <p:nvPicPr>
-          <p:cNvPr id="13" name="Picture 12">
+      <p:sp>
+        <p:nvSpPr>
+          <p:cNvPr id="7" name="Content Placeholder 6">
             <a:extLst>
               <a:ext uri="{FF2B5EF4-FFF2-40B4-BE49-F238E27FC236}">
-                <a16:creationId xmlns:a16="http://schemas.microsoft.com/office/drawing/2014/main" id="{8A08522B-9567-425D-856D-8B35D8CEF722}"/>
+                <a16:creationId xmlns:a16="http://schemas.microsoft.com/office/drawing/2014/main" id="{A4668B92-0976-4E36-A913-C47498FEE667}"/>
               </a:ext>
             </a:extLst>
           </p:cNvPr>
-          <p:cNvPicPr>
-            <a:picLocks noChangeAspect="1"/>
-          </p:cNvPicPr>
-          <p:nvPr/>
-        </p:nvPicPr>
-        <p:blipFill>
-          <a:blip r:embed="rId3"/>
-          <a:stretch>
-            <a:fillRect/>
-          </a:stretch>
-        </p:blipFill>
+          <p:cNvSpPr>
+            <a:spLocks noGrp="1"/>
+          </p:cNvSpPr>
+          <p:nvPr>
+            <p:ph idx="1"/>
+          </p:nvPr>
+        </p:nvSpPr>
         <p:spPr>
           <a:xfrm>
-            <a:off x="4809198" y="3599955"/>
-            <a:ext cx="3955441" cy="537864"/>
+            <a:off x="457200" y="1417638"/>
+            <a:ext cx="8229600" cy="4525963"/>
           </a:xfrm>
-          <a:prstGeom prst="rect">
-            <a:avLst/>
-          </a:prstGeom>
         </p:spPr>
-      </p:pic>
-      <p:sp>
-        <p:nvSpPr>
-          <p:cNvPr id="6" name="TextBox 5">
+        <p:txBody>
+          <a:bodyPr/>
+          <a:lstStyle/>
+          <a:p>
+            <a:r>
+              <a:rPr lang="en-GB" sz="2800" dirty="0"/>
+              <a:t>You can set where LaTeX should look for the graphics to be used in your document</a:t>
+            </a:r>
+          </a:p>
+          <a:p>
+            <a:r>
+              <a:rPr lang="en-GB" sz="2800" dirty="0"/>
+              <a:t>Useful for separating figures for different chapters and the .</a:t>
+            </a:r>
+            <a:r>
+              <a:rPr lang="en-GB" sz="2800" dirty="0" err="1"/>
+              <a:t>tex</a:t>
+            </a:r>
+            <a:r>
+              <a:rPr lang="en-GB" sz="2800" dirty="0"/>
+              <a:t> files</a:t>
+            </a:r>
+          </a:p>
+          <a:p>
+            <a:r>
+              <a:rPr lang="en-GB" sz="2800" dirty="0"/>
+              <a:t>The command </a:t>
+            </a:r>
+            <a:r>
+              <a:rPr lang="en-GB" sz="2800" dirty="0">
+                <a:solidFill>
+                  <a:schemeClr val="tx2">
+                    <a:lumMod val="50000"/>
+                    <a:lumOff val="50000"/>
+                  </a:schemeClr>
+                </a:solidFill>
+              </a:rPr>
+              <a:t>\</a:t>
+            </a:r>
+            <a:r>
+              <a:rPr lang="en-GB" sz="2800" dirty="0" err="1">
+                <a:solidFill>
+                  <a:schemeClr val="tx2">
+                    <a:lumMod val="50000"/>
+                    <a:lumOff val="50000"/>
+                  </a:schemeClr>
+                </a:solidFill>
+              </a:rPr>
+              <a:t>graphicspath</a:t>
+            </a:r>
+            <a:r>
+              <a:rPr lang="en-GB" sz="2800" dirty="0">
+                <a:solidFill>
+                  <a:schemeClr val="tx2">
+                    <a:lumMod val="50000"/>
+                    <a:lumOff val="50000"/>
+                  </a:schemeClr>
+                </a:solidFill>
+              </a:rPr>
+              <a:t> {{./FOLDER1/} {./FOLDER2/}} </a:t>
+            </a:r>
+            <a:r>
+              <a:rPr lang="en-GB" sz="2800" dirty="0"/>
+              <a:t>will tell LaTeX to look in the folders named “FOLDER1” and “FOLDER2” in the directory of the .</a:t>
+            </a:r>
+            <a:r>
+              <a:rPr lang="en-GB" sz="2800" dirty="0" err="1"/>
+              <a:t>tex</a:t>
+            </a:r>
+            <a:r>
+              <a:rPr lang="en-GB" sz="2800" dirty="0"/>
+              <a:t> file</a:t>
+            </a:r>
+            <a:endParaRPr lang="en-GB" sz="2400" dirty="0"/>
+          </a:p>
+          <a:p>
+            <a:pPr lvl="1"/>
+            <a:endParaRPr lang="en-GB" sz="1600" dirty="0"/>
+          </a:p>
+        </p:txBody>
+      </p:sp>
+      <p:sp>
+        <p:nvSpPr>
+          <p:cNvPr id="4" name="TextBox 3">
             <a:extLst>
               <a:ext uri="{FF2B5EF4-FFF2-40B4-BE49-F238E27FC236}">
-                <a16:creationId xmlns:a16="http://schemas.microsoft.com/office/drawing/2014/main" id="{60A5A0E4-D0CF-4B28-8E87-60A3B3E341C1}"/>
+                <a16:creationId xmlns:a16="http://schemas.microsoft.com/office/drawing/2014/main" id="{398C5D47-C6D2-45C0-8D24-2F32A438F365}"/>
               </a:ext>
             </a:extLst>
           </p:cNvPr>
@@ -17994,7 +18014,7 @@
     </p:spTree>
     <p:extLst>
       <p:ext uri="{BB962C8B-B14F-4D97-AF65-F5344CB8AC3E}">
-        <p14:creationId xmlns:p14="http://schemas.microsoft.com/office/powerpoint/2010/main" val="1666026033"/>
+        <p14:creationId xmlns:p14="http://schemas.microsoft.com/office/powerpoint/2010/main" val="358316703"/>
       </p:ext>
     </p:extLst>
   </p:cSld>
@@ -18046,6 +18066,501 @@
           <a:p>
             <a:r>
               <a:rPr lang="en-GB" sz="4000" dirty="0"/>
+              <a:t>Custom Commands</a:t>
+            </a:r>
+          </a:p>
+        </p:txBody>
+      </p:sp>
+      <p:cxnSp>
+        <p:nvCxnSpPr>
+          <p:cNvPr id="12" name="Straight Connector 11"/>
+          <p:cNvCxnSpPr/>
+          <p:nvPr/>
+        </p:nvCxnSpPr>
+        <p:spPr>
+          <a:xfrm>
+            <a:off x="4572000" y="1417638"/>
+            <a:ext cx="0" cy="5440362"/>
+          </a:xfrm>
+          <a:prstGeom prst="line">
+            <a:avLst/>
+          </a:prstGeom>
+        </p:spPr>
+        <p:style>
+          <a:lnRef idx="2">
+            <a:schemeClr val="accent1"/>
+          </a:lnRef>
+          <a:fillRef idx="0">
+            <a:schemeClr val="accent1"/>
+          </a:fillRef>
+          <a:effectRef idx="1">
+            <a:schemeClr val="accent1"/>
+          </a:effectRef>
+          <a:fontRef idx="minor">
+            <a:schemeClr val="tx1"/>
+          </a:fontRef>
+        </p:style>
+      </p:cxnSp>
+      <p:sp>
+        <p:nvSpPr>
+          <p:cNvPr id="4" name="Rectangle 2"/>
+          <p:cNvSpPr>
+            <a:spLocks noChangeArrowheads="1"/>
+          </p:cNvSpPr>
+          <p:nvPr/>
+        </p:nvSpPr>
+        <p:spPr bwMode="auto">
+          <a:xfrm>
+            <a:off x="379360" y="1686591"/>
+            <a:ext cx="4166693" cy="4154984"/>
+          </a:xfrm>
+          <a:prstGeom prst="rect">
+            <a:avLst/>
+          </a:prstGeom>
+          <a:noFill/>
+          <a:ln>
+            <a:noFill/>
+          </a:ln>
+          <a:effectLst/>
+        </p:spPr>
+        <p:txBody>
+          <a:bodyPr vert="horz" wrap="square" lIns="91440" tIns="45720" rIns="91440" bIns="45720" numCol="1" anchor="ctr" anchorCtr="0" compatLnSpc="1">
+            <a:prstTxWarp prst="textNoShape">
+              <a:avLst/>
+            </a:prstTxWarp>
+            <a:spAutoFit/>
+          </a:bodyPr>
+          <a:lstStyle/>
+          <a:p>
+            <a:r>
+              <a:rPr lang="en-GB" sz="2400" dirty="0">
+                <a:solidFill>
+                  <a:schemeClr val="tx2">
+                    <a:lumMod val="50000"/>
+                    <a:lumOff val="50000"/>
+                  </a:schemeClr>
+                </a:solidFill>
+              </a:rPr>
+              <a:t>\</a:t>
+            </a:r>
+            <a:r>
+              <a:rPr lang="en-GB" sz="2400" dirty="0" err="1">
+                <a:solidFill>
+                  <a:schemeClr val="tx2">
+                    <a:lumMod val="50000"/>
+                    <a:lumOff val="50000"/>
+                  </a:schemeClr>
+                </a:solidFill>
+              </a:rPr>
+              <a:t>newcommand</a:t>
+            </a:r>
+            <a:r>
+              <a:rPr lang="en-GB" sz="2400" dirty="0"/>
+              <a:t>{</a:t>
+            </a:r>
+            <a:r>
+              <a:rPr lang="en-GB" sz="2400" dirty="0">
+                <a:solidFill>
+                  <a:schemeClr val="tx2">
+                    <a:lumMod val="50000"/>
+                    <a:lumOff val="50000"/>
+                  </a:schemeClr>
+                </a:solidFill>
+              </a:rPr>
+              <a:t>\</a:t>
+            </a:r>
+            <a:r>
+              <a:rPr lang="en-GB" sz="2400" dirty="0" err="1">
+                <a:solidFill>
+                  <a:schemeClr val="tx2">
+                    <a:lumMod val="50000"/>
+                    <a:lumOff val="50000"/>
+                  </a:schemeClr>
+                </a:solidFill>
+              </a:rPr>
+              <a:t>hardmaths</a:t>
+            </a:r>
+            <a:r>
+              <a:rPr lang="en-GB" sz="2400" dirty="0"/>
+              <a:t>} {</a:t>
+            </a:r>
+            <a:r>
+              <a:rPr lang="en-GB" sz="2400" dirty="0">
+                <a:solidFill>
+                  <a:schemeClr val="tx2">
+                    <a:lumMod val="50000"/>
+                    <a:lumOff val="50000"/>
+                  </a:schemeClr>
+                </a:solidFill>
+              </a:rPr>
+              <a:t>\frac</a:t>
+            </a:r>
+            <a:r>
+              <a:rPr lang="en-GB" sz="2400" dirty="0"/>
+              <a:t>{</a:t>
+            </a:r>
+            <a:r>
+              <a:rPr lang="en-GB" sz="2400" dirty="0">
+                <a:solidFill>
+                  <a:schemeClr val="tx2">
+                    <a:lumMod val="50000"/>
+                    <a:lumOff val="50000"/>
+                  </a:schemeClr>
+                </a:solidFill>
+              </a:rPr>
+              <a:t>\sin</a:t>
+            </a:r>
+            <a:r>
+              <a:rPr lang="en-GB" sz="2400" dirty="0"/>
+              <a:t>{(x\pi)}} {2</a:t>
+            </a:r>
+            <a:r>
+              <a:rPr lang="en-GB" sz="2400" dirty="0">
+                <a:solidFill>
+                  <a:schemeClr val="accent1">
+                    <a:lumMod val="60000"/>
+                    <a:lumOff val="40000"/>
+                  </a:schemeClr>
+                </a:solidFill>
+              </a:rPr>
+              <a:t>\alpha</a:t>
+            </a:r>
+            <a:r>
+              <a:rPr lang="en-GB" sz="2400" dirty="0"/>
+              <a:t>}}</a:t>
+            </a:r>
+          </a:p>
+          <a:p>
+            <a:endParaRPr lang="en-GB" sz="2400" dirty="0"/>
+          </a:p>
+          <a:p>
+            <a:r>
+              <a:rPr lang="en-GB" sz="2400" dirty="0">
+                <a:solidFill>
+                  <a:schemeClr val="tx2">
+                    <a:lumMod val="50000"/>
+                    <a:lumOff val="50000"/>
+                  </a:schemeClr>
+                </a:solidFill>
+              </a:rPr>
+              <a:t>\</a:t>
+            </a:r>
+            <a:r>
+              <a:rPr lang="en-GB" sz="2400" dirty="0" err="1">
+                <a:solidFill>
+                  <a:schemeClr val="tx2">
+                    <a:lumMod val="50000"/>
+                    <a:lumOff val="50000"/>
+                  </a:schemeClr>
+                </a:solidFill>
+              </a:rPr>
+              <a:t>newcommand</a:t>
+            </a:r>
+            <a:r>
+              <a:rPr lang="en-GB" sz="2400" dirty="0"/>
+              <a:t>{</a:t>
+            </a:r>
+            <a:r>
+              <a:rPr lang="en-GB" sz="2400" dirty="0">
+                <a:solidFill>
+                  <a:schemeClr val="tx2">
+                    <a:lumMod val="50000"/>
+                    <a:lumOff val="50000"/>
+                  </a:schemeClr>
+                </a:solidFill>
+              </a:rPr>
+              <a:t>\diff</a:t>
+            </a:r>
+            <a:r>
+              <a:rPr lang="en-GB" sz="2400" dirty="0"/>
+              <a:t>}[2]  {</a:t>
+            </a:r>
+            <a:r>
+              <a:rPr lang="en-GB" sz="2400" dirty="0">
+                <a:solidFill>
+                  <a:schemeClr val="tx2">
+                    <a:lumMod val="50000"/>
+                    <a:lumOff val="50000"/>
+                  </a:schemeClr>
+                </a:solidFill>
+              </a:rPr>
+              <a:t>\frac{\</a:t>
+            </a:r>
+            <a:r>
+              <a:rPr lang="en-GB" sz="2400" dirty="0" err="1">
+                <a:solidFill>
+                  <a:schemeClr val="tx2">
+                    <a:lumMod val="50000"/>
+                    <a:lumOff val="50000"/>
+                  </a:schemeClr>
+                </a:solidFill>
+              </a:rPr>
+              <a:t>textrm</a:t>
+            </a:r>
+            <a:r>
+              <a:rPr lang="en-GB" sz="2400" dirty="0"/>
+              <a:t>{d}{#1}} {</a:t>
+            </a:r>
+            <a:r>
+              <a:rPr lang="en-GB" sz="2400" dirty="0">
+                <a:solidFill>
+                  <a:schemeClr val="tx2">
+                    <a:lumMod val="50000"/>
+                    <a:lumOff val="50000"/>
+                  </a:schemeClr>
+                </a:solidFill>
+              </a:rPr>
+              <a:t>\</a:t>
+            </a:r>
+            <a:r>
+              <a:rPr lang="en-GB" sz="2400" dirty="0" err="1">
+                <a:solidFill>
+                  <a:schemeClr val="tx2">
+                    <a:lumMod val="50000"/>
+                    <a:lumOff val="50000"/>
+                  </a:schemeClr>
+                </a:solidFill>
+              </a:rPr>
+              <a:t>textrm</a:t>
+            </a:r>
+            <a:r>
+              <a:rPr lang="en-GB" sz="2400" dirty="0"/>
+              <a:t>{d}{#2}}}</a:t>
+            </a:r>
+          </a:p>
+          <a:p>
+            <a:endParaRPr lang="en-GB" sz="2400" dirty="0"/>
+          </a:p>
+          <a:p>
+            <a:r>
+              <a:rPr lang="en-GB" sz="2400" dirty="0">
+                <a:solidFill>
+                  <a:schemeClr val="tx2">
+                    <a:lumMod val="50000"/>
+                    <a:lumOff val="50000"/>
+                  </a:schemeClr>
+                </a:solidFill>
+              </a:rPr>
+              <a:t>\begin</a:t>
+            </a:r>
+            <a:r>
+              <a:rPr lang="en-GB" sz="2400" dirty="0"/>
+              <a:t>{document}</a:t>
+            </a:r>
+          </a:p>
+          <a:p>
+            <a:endParaRPr lang="en-GB" sz="2400" dirty="0"/>
+          </a:p>
+          <a:p>
+            <a:r>
+              <a:rPr lang="en-GB" sz="2400" dirty="0"/>
+              <a:t>A quick way to write </a:t>
+            </a:r>
+            <a:r>
+              <a:rPr lang="en-GB" sz="2400" dirty="0">
+                <a:solidFill>
+                  <a:schemeClr val="accent3">
+                    <a:lumMod val="60000"/>
+                    <a:lumOff val="40000"/>
+                  </a:schemeClr>
+                </a:solidFill>
+              </a:rPr>
+              <a:t>$</a:t>
+            </a:r>
+            <a:r>
+              <a:rPr lang="en-GB" sz="2400" dirty="0">
+                <a:solidFill>
+                  <a:schemeClr val="accent1">
+                    <a:lumMod val="60000"/>
+                    <a:lumOff val="40000"/>
+                  </a:schemeClr>
+                </a:solidFill>
+              </a:rPr>
+              <a:t>\diff</a:t>
+            </a:r>
+            <a:r>
+              <a:rPr lang="en-GB" sz="2400" dirty="0">
+                <a:solidFill>
+                  <a:schemeClr val="accent3">
+                    <a:lumMod val="60000"/>
+                    <a:lumOff val="40000"/>
+                  </a:schemeClr>
+                </a:solidFill>
+              </a:rPr>
+              <a:t>{y}{x}</a:t>
+            </a:r>
+            <a:r>
+              <a:rPr lang="en-GB" sz="2400" dirty="0"/>
+              <a:t>=</a:t>
+            </a:r>
+            <a:r>
+              <a:rPr lang="en-GB" sz="2400" dirty="0">
+                <a:solidFill>
+                  <a:schemeClr val="accent1">
+                    <a:lumMod val="60000"/>
+                    <a:lumOff val="40000"/>
+                  </a:schemeClr>
+                </a:solidFill>
+              </a:rPr>
+              <a:t>\</a:t>
+            </a:r>
+            <a:r>
+              <a:rPr lang="en-GB" sz="2400" dirty="0" err="1">
+                <a:solidFill>
+                  <a:schemeClr val="accent1">
+                    <a:lumMod val="60000"/>
+                    <a:lumOff val="40000"/>
+                  </a:schemeClr>
+                </a:solidFill>
+              </a:rPr>
+              <a:t>hardmaths</a:t>
+            </a:r>
+            <a:r>
+              <a:rPr lang="en-GB" sz="2400" dirty="0">
+                <a:solidFill>
+                  <a:schemeClr val="accent3">
+                    <a:lumMod val="60000"/>
+                    <a:lumOff val="40000"/>
+                  </a:schemeClr>
+                </a:solidFill>
+              </a:rPr>
+              <a:t>$</a:t>
+            </a:r>
+            <a:endParaRPr lang="en-US" altLang="en-US" sz="2400" dirty="0">
+              <a:solidFill>
+                <a:schemeClr val="accent3">
+                  <a:lumMod val="60000"/>
+                  <a:lumOff val="40000"/>
+                </a:schemeClr>
+              </a:solidFill>
+            </a:endParaRPr>
+          </a:p>
+        </p:txBody>
+      </p:sp>
+      <p:pic>
+        <p:nvPicPr>
+          <p:cNvPr id="13" name="Picture 12">
+            <a:extLst>
+              <a:ext uri="{FF2B5EF4-FFF2-40B4-BE49-F238E27FC236}">
+                <a16:creationId xmlns:a16="http://schemas.microsoft.com/office/drawing/2014/main" id="{8A08522B-9567-425D-856D-8B35D8CEF722}"/>
+              </a:ext>
+            </a:extLst>
+          </p:cNvPr>
+          <p:cNvPicPr>
+            <a:picLocks noChangeAspect="1"/>
+          </p:cNvPicPr>
+          <p:nvPr/>
+        </p:nvPicPr>
+        <p:blipFill>
+          <a:blip r:embed="rId3"/>
+          <a:stretch>
+            <a:fillRect/>
+          </a:stretch>
+        </p:blipFill>
+        <p:spPr>
+          <a:xfrm>
+            <a:off x="4809198" y="3599955"/>
+            <a:ext cx="3955441" cy="537864"/>
+          </a:xfrm>
+          <a:prstGeom prst="rect">
+            <a:avLst/>
+          </a:prstGeom>
+        </p:spPr>
+      </p:pic>
+      <p:sp>
+        <p:nvSpPr>
+          <p:cNvPr id="6" name="TextBox 5">
+            <a:extLst>
+              <a:ext uri="{FF2B5EF4-FFF2-40B4-BE49-F238E27FC236}">
+                <a16:creationId xmlns:a16="http://schemas.microsoft.com/office/drawing/2014/main" id="{60A5A0E4-D0CF-4B28-8E87-60A3B3E341C1}"/>
+              </a:ext>
+            </a:extLst>
+          </p:cNvPr>
+          <p:cNvSpPr txBox="1"/>
+          <p:nvPr/>
+        </p:nvSpPr>
+        <p:spPr>
+          <a:xfrm>
+            <a:off x="7357241" y="6498021"/>
+            <a:ext cx="1697422" cy="369332"/>
+          </a:xfrm>
+          <a:prstGeom prst="rect">
+            <a:avLst/>
+          </a:prstGeom>
+          <a:noFill/>
+        </p:spPr>
+        <p:txBody>
+          <a:bodyPr wrap="square" rtlCol="0">
+            <a:spAutoFit/>
+          </a:bodyPr>
+          <a:lstStyle/>
+          <a:p>
+            <a:r>
+              <a:rPr lang="en-GB" dirty="0">
+                <a:solidFill>
+                  <a:schemeClr val="accent2"/>
+                </a:solidFill>
+              </a:rPr>
+              <a:t>Problem Sheet</a:t>
+            </a:r>
+          </a:p>
+        </p:txBody>
+      </p:sp>
+    </p:spTree>
+    <p:extLst>
+      <p:ext uri="{BB962C8B-B14F-4D97-AF65-F5344CB8AC3E}">
+        <p14:creationId xmlns:p14="http://schemas.microsoft.com/office/powerpoint/2010/main" val="1666026033"/>
+      </p:ext>
+    </p:extLst>
+  </p:cSld>
+  <p:clrMapOvr>
+    <a:masterClrMapping/>
+  </p:clrMapOvr>
+  <mc:AlternateContent xmlns:mc="http://schemas.openxmlformats.org/markup-compatibility/2006" xmlns:p14="http://schemas.microsoft.com/office/powerpoint/2010/main">
+    <mc:Choice Requires="p14">
+      <p:transition p14:dur="10"/>
+    </mc:Choice>
+    <mc:Fallback xmlns="">
+      <p:transition/>
+    </mc:Fallback>
+  </mc:AlternateContent>
+</p:sld>
+</file>
+
+<file path=ppt/slides/slide34.xml><?xml version="1.0" encoding="utf-8"?>
+<p:sld xmlns:a="http://schemas.openxmlformats.org/drawingml/2006/main" xmlns:r="http://schemas.openxmlformats.org/officeDocument/2006/relationships" xmlns:p="http://schemas.openxmlformats.org/presentationml/2006/main">
+  <p:cSld>
+    <p:spTree>
+      <p:nvGrpSpPr>
+        <p:cNvPr id="1" name=""/>
+        <p:cNvGrpSpPr/>
+        <p:nvPr/>
+      </p:nvGrpSpPr>
+      <p:grpSpPr>
+        <a:xfrm>
+          <a:off x="0" y="0"/>
+          <a:ext cx="0" cy="0"/>
+          <a:chOff x="0" y="0"/>
+          <a:chExt cx="0" cy="0"/>
+        </a:xfrm>
+      </p:grpSpPr>
+      <p:sp>
+        <p:nvSpPr>
+          <p:cNvPr id="2" name="Title 1"/>
+          <p:cNvSpPr>
+            <a:spLocks noGrp="1"/>
+          </p:cNvSpPr>
+          <p:nvPr>
+            <p:ph type="title"/>
+          </p:nvPr>
+        </p:nvSpPr>
+        <p:spPr/>
+        <p:txBody>
+          <a:bodyPr/>
+          <a:lstStyle/>
+          <a:p>
+            <a:r>
+              <a:rPr lang="en-GB" sz="4000" dirty="0"/>
               <a:t>Bibliography Management</a:t>
             </a:r>
           </a:p>
@@ -18130,7 +18645,7 @@
 </p:sld>
 </file>
 
-<file path=ppt/slides/slide34.xml><?xml version="1.0" encoding="utf-8"?>
+<file path=ppt/slides/slide35.xml><?xml version="1.0" encoding="utf-8"?>
 <p:sld xmlns:a="http://schemas.openxmlformats.org/drawingml/2006/main" xmlns:r="http://schemas.openxmlformats.org/officeDocument/2006/relationships" xmlns:p="http://schemas.openxmlformats.org/presentationml/2006/main">
   <p:cSld>
     <p:spTree>
@@ -18600,7 +19115,7 @@
 </p:sld>
 </file>
 
-<file path=ppt/slides/slide35.xml><?xml version="1.0" encoding="utf-8"?>
+<file path=ppt/slides/slide36.xml><?xml version="1.0" encoding="utf-8"?>
 <p:sld xmlns:a="http://schemas.openxmlformats.org/drawingml/2006/main" xmlns:r="http://schemas.openxmlformats.org/officeDocument/2006/relationships" xmlns:p="http://schemas.openxmlformats.org/presentationml/2006/main">
   <p:cSld>
     <p:spTree>
@@ -19052,7 +19567,7 @@
 </p:sld>
 </file>
 
-<file path=ppt/slides/slide36.xml><?xml version="1.0" encoding="utf-8"?>
+<file path=ppt/slides/slide37.xml><?xml version="1.0" encoding="utf-8"?>
 <p:sld xmlns:a="http://schemas.openxmlformats.org/drawingml/2006/main" xmlns:r="http://schemas.openxmlformats.org/officeDocument/2006/relationships" xmlns:p="http://schemas.openxmlformats.org/presentationml/2006/main">
   <p:cSld>
     <p:spTree>
@@ -19564,7 +20079,7 @@
 </p:sld>
 </file>
 
-<file path=ppt/slides/slide37.xml><?xml version="1.0" encoding="utf-8"?>
+<file path=ppt/slides/slide38.xml><?xml version="1.0" encoding="utf-8"?>
 <p:sld xmlns:a="http://schemas.openxmlformats.org/drawingml/2006/main" xmlns:r="http://schemas.openxmlformats.org/officeDocument/2006/relationships" xmlns:p="http://schemas.openxmlformats.org/presentationml/2006/main">
   <p:cSld>
     <p:spTree>
@@ -19870,7 +20385,7 @@
 </p:sld>
 </file>
 
-<file path=ppt/slides/slide38.xml><?xml version="1.0" encoding="utf-8"?>
+<file path=ppt/slides/slide39.xml><?xml version="1.0" encoding="utf-8"?>
 <p:sld xmlns:a="http://schemas.openxmlformats.org/drawingml/2006/main" xmlns:r="http://schemas.openxmlformats.org/officeDocument/2006/relationships" xmlns:p="http://schemas.openxmlformats.org/presentationml/2006/main">
   <p:cSld>
     <p:spTree>
@@ -20148,7 +20663,143 @@
 </p:sld>
 </file>
 
-<file path=ppt/slides/slide39.xml><?xml version="1.0" encoding="utf-8"?>
+<file path=ppt/slides/slide4.xml><?xml version="1.0" encoding="utf-8"?>
+<p:sld xmlns:a="http://schemas.openxmlformats.org/drawingml/2006/main" xmlns:r="http://schemas.openxmlformats.org/officeDocument/2006/relationships" xmlns:p="http://schemas.openxmlformats.org/presentationml/2006/main">
+  <p:cSld>
+    <p:spTree>
+      <p:nvGrpSpPr>
+        <p:cNvPr id="1" name=""/>
+        <p:cNvGrpSpPr/>
+        <p:nvPr/>
+      </p:nvGrpSpPr>
+      <p:grpSpPr>
+        <a:xfrm>
+          <a:off x="0" y="0"/>
+          <a:ext cx="0" cy="0"/>
+          <a:chOff x="0" y="0"/>
+          <a:chExt cx="0" cy="0"/>
+        </a:xfrm>
+      </p:grpSpPr>
+      <p:sp>
+        <p:nvSpPr>
+          <p:cNvPr id="2" name="Title 1"/>
+          <p:cNvSpPr>
+            <a:spLocks noGrp="1"/>
+          </p:cNvSpPr>
+          <p:nvPr>
+            <p:ph type="title"/>
+          </p:nvPr>
+        </p:nvSpPr>
+        <p:spPr/>
+        <p:txBody>
+          <a:bodyPr/>
+          <a:lstStyle/>
+          <a:p>
+            <a:r>
+              <a:rPr lang="en-GB" sz="4000" dirty="0"/>
+              <a:t>Using this PowerPoint</a:t>
+            </a:r>
+          </a:p>
+        </p:txBody>
+      </p:sp>
+      <p:sp>
+        <p:nvSpPr>
+          <p:cNvPr id="3" name="Content Placeholder 2"/>
+          <p:cNvSpPr>
+            <a:spLocks noGrp="1"/>
+          </p:cNvSpPr>
+          <p:nvPr>
+            <p:ph idx="1"/>
+          </p:nvPr>
+        </p:nvSpPr>
+        <p:spPr>
+          <a:xfrm>
+            <a:off x="457200" y="1600200"/>
+            <a:ext cx="8435280" cy="4876800"/>
+          </a:xfrm>
+        </p:spPr>
+        <p:txBody>
+          <a:bodyPr>
+            <a:normAutofit/>
+          </a:bodyPr>
+          <a:lstStyle/>
+          <a:p>
+            <a:pPr marL="0" lvl="0" indent="0" fontAlgn="base">
+              <a:spcBef>
+                <a:spcPts val="600"/>
+              </a:spcBef>
+              <a:spcAft>
+                <a:spcPts val="600"/>
+              </a:spcAft>
+              <a:buNone/>
+            </a:pPr>
+            <a:r>
+              <a:rPr lang="en-GB" sz="100" dirty="0"/>
+              <a:t> </a:t>
+            </a:r>
+          </a:p>
+          <a:p>
+            <a:r>
+              <a:rPr lang="en-GB" sz="2400" dirty="0"/>
+              <a:t>Further notes and comments in the notes section of most slides</a:t>
+            </a:r>
+          </a:p>
+          <a:p>
+            <a:pPr lvl="1"/>
+            <a:r>
+              <a:rPr lang="en-GB" sz="2000" dirty="0"/>
+              <a:t>Annotates and explains the examples</a:t>
+            </a:r>
+          </a:p>
+          <a:p>
+            <a:r>
+              <a:rPr lang="en-GB" sz="2400" dirty="0"/>
+              <a:t>Notes also often contain links to Overleaf projects used to generate examples</a:t>
+            </a:r>
+          </a:p>
+          <a:p>
+            <a:pPr lvl="1"/>
+            <a:r>
+              <a:rPr lang="en-GB" sz="2000" dirty="0"/>
+              <a:t>Allows you to see the example in the context of a compete project</a:t>
+            </a:r>
+          </a:p>
+          <a:p>
+            <a:pPr marL="0" lvl="0" indent="0" fontAlgn="base">
+              <a:spcBef>
+                <a:spcPts val="600"/>
+              </a:spcBef>
+              <a:spcAft>
+                <a:spcPts val="600"/>
+              </a:spcAft>
+              <a:buNone/>
+            </a:pPr>
+            <a:endParaRPr lang="en-GB" sz="2400" dirty="0"/>
+          </a:p>
+        </p:txBody>
+      </p:sp>
+    </p:spTree>
+    <p:extLst>
+      <p:ext uri="{BB962C8B-B14F-4D97-AF65-F5344CB8AC3E}">
+        <p14:creationId xmlns:p14="http://schemas.microsoft.com/office/powerpoint/2010/main" val="634929309"/>
+      </p:ext>
+    </p:extLst>
+  </p:cSld>
+  <p:clrMapOvr>
+    <a:masterClrMapping/>
+  </p:clrMapOvr>
+  <mc:AlternateContent xmlns:mc="http://schemas.openxmlformats.org/markup-compatibility/2006">
+    <mc:Choice xmlns:p14="http://schemas.microsoft.com/office/powerpoint/2010/main" Requires="p14">
+      <p:transition p14:dur="10"/>
+    </mc:Choice>
+    <mc:Fallback>
+      <p:transition/>
+    </mc:Fallback>
+  </mc:AlternateContent>
+</p:sld>
+</file>
+
+<file path=ppt/slides/slide40.xml><?xml version="1.0" encoding="utf-8"?>
 <p:sld xmlns:a="http://schemas.openxmlformats.org/drawingml/2006/main" xmlns:r="http://schemas.openxmlformats.org/officeDocument/2006/relationships" xmlns:p="http://schemas.openxmlformats.org/presentationml/2006/main">
   <p:cSld>
     <p:spTree>
@@ -20626,211 +21277,7 @@
 </p:sld>
 </file>
 
-<file path=ppt/slides/slide4.xml><?xml version="1.0" encoding="utf-8"?>
-<p:sld xmlns:a="http://schemas.openxmlformats.org/drawingml/2006/main" xmlns:r="http://schemas.openxmlformats.org/officeDocument/2006/relationships" xmlns:p="http://schemas.openxmlformats.org/presentationml/2006/main">
-  <p:cSld>
-    <p:spTree>
-      <p:nvGrpSpPr>
-        <p:cNvPr id="1" name=""/>
-        <p:cNvGrpSpPr/>
-        <p:nvPr/>
-      </p:nvGrpSpPr>
-      <p:grpSpPr>
-        <a:xfrm>
-          <a:off x="0" y="0"/>
-          <a:ext cx="0" cy="0"/>
-          <a:chOff x="0" y="0"/>
-          <a:chExt cx="0" cy="0"/>
-        </a:xfrm>
-      </p:grpSpPr>
-      <p:sp>
-        <p:nvSpPr>
-          <p:cNvPr id="2" name="Title 1"/>
-          <p:cNvSpPr>
-            <a:spLocks noGrp="1"/>
-          </p:cNvSpPr>
-          <p:nvPr>
-            <p:ph type="title"/>
-          </p:nvPr>
-        </p:nvSpPr>
-        <p:spPr/>
-        <p:txBody>
-          <a:bodyPr/>
-          <a:lstStyle/>
-          <a:p>
-            <a:r>
-              <a:rPr lang="en-GB" sz="4000" dirty="0"/>
-              <a:t>Overleaf</a:t>
-            </a:r>
-          </a:p>
-        </p:txBody>
-      </p:sp>
-      <p:sp>
-        <p:nvSpPr>
-          <p:cNvPr id="3" name="TextBox 2"/>
-          <p:cNvSpPr txBox="1"/>
-          <p:nvPr/>
-        </p:nvSpPr>
-        <p:spPr>
-          <a:xfrm>
-            <a:off x="457200" y="1625833"/>
-            <a:ext cx="7840980" cy="5447645"/>
-          </a:xfrm>
-          <a:prstGeom prst="rect">
-            <a:avLst/>
-          </a:prstGeom>
-          <a:noFill/>
-        </p:spPr>
-        <p:txBody>
-          <a:bodyPr wrap="square" rtlCol="0">
-            <a:spAutoFit/>
-          </a:bodyPr>
-          <a:lstStyle/>
-          <a:p>
-            <a:pPr marL="457200" indent="-457200">
-              <a:buFont typeface="Arial" panose="020B0604020202020204" pitchFamily="34" charset="0"/>
-              <a:buChar char="•"/>
-            </a:pPr>
-            <a:r>
-              <a:rPr lang="en-GB" sz="2400" dirty="0"/>
-              <a:t>Online environment for creating and compiling LaTeX documents</a:t>
-            </a:r>
-          </a:p>
-          <a:p>
-            <a:pPr marL="457200" indent="-457200">
-              <a:buFont typeface="Arial" panose="020B0604020202020204" pitchFamily="34" charset="0"/>
-              <a:buChar char="•"/>
-            </a:pPr>
-            <a:r>
-              <a:rPr lang="en-GB" sz="2400" dirty="0"/>
-              <a:t>Pros</a:t>
-            </a:r>
-          </a:p>
-          <a:p>
-            <a:pPr marL="914400" lvl="1" indent="-457200">
-              <a:buFont typeface="Arial" panose="020B0604020202020204" pitchFamily="34" charset="0"/>
-              <a:buChar char="•"/>
-            </a:pPr>
-            <a:r>
-              <a:rPr lang="en-GB" sz="2400" dirty="0"/>
-              <a:t>Cross-platform</a:t>
-            </a:r>
-          </a:p>
-          <a:p>
-            <a:pPr marL="914400" lvl="1" indent="-457200">
-              <a:buFont typeface="Arial" panose="020B0604020202020204" pitchFamily="34" charset="0"/>
-              <a:buChar char="•"/>
-            </a:pPr>
-            <a:r>
-              <a:rPr lang="en-GB" sz="2400" dirty="0"/>
-              <a:t>Complete</a:t>
-            </a:r>
-          </a:p>
-          <a:p>
-            <a:pPr marL="914400" lvl="1" indent="-457200">
-              <a:buFont typeface="Arial" panose="020B0604020202020204" pitchFamily="34" charset="0"/>
-              <a:buChar char="•"/>
-            </a:pPr>
-            <a:r>
-              <a:rPr lang="en-GB" sz="2400" dirty="0"/>
-              <a:t>Easy to use</a:t>
-            </a:r>
-          </a:p>
-          <a:p>
-            <a:pPr marL="914400" lvl="1" indent="-457200">
-              <a:buFont typeface="Arial" panose="020B0604020202020204" pitchFamily="34" charset="0"/>
-              <a:buChar char="•"/>
-            </a:pPr>
-            <a:r>
-              <a:rPr lang="en-GB" sz="2400" dirty="0"/>
-              <a:t>Allows collaboration</a:t>
-            </a:r>
-          </a:p>
-          <a:p>
-            <a:pPr marL="914400" lvl="1" indent="-457200">
-              <a:buFont typeface="Arial" panose="020B0604020202020204" pitchFamily="34" charset="0"/>
-              <a:buChar char="•"/>
-            </a:pPr>
-            <a:r>
-              <a:rPr lang="en-GB" sz="2400" dirty="0"/>
-              <a:t>Cloud syncing with Dropbox and </a:t>
-            </a:r>
-            <a:r>
-              <a:rPr lang="en-GB" sz="2400" dirty="0" err="1"/>
-              <a:t>Github</a:t>
-            </a:r>
-            <a:endParaRPr lang="en-GB" sz="2400" dirty="0"/>
-          </a:p>
-          <a:p>
-            <a:pPr marL="914400" lvl="1" indent="-457200">
-              <a:buFont typeface="Arial" panose="020B0604020202020204" pitchFamily="34" charset="0"/>
-              <a:buChar char="•"/>
-            </a:pPr>
-            <a:r>
-              <a:rPr lang="en-GB" sz="2400" dirty="0"/>
-              <a:t>Integrated “review” system for feedback</a:t>
-            </a:r>
-          </a:p>
-          <a:p>
-            <a:pPr marL="457200" indent="-457200">
-              <a:buFont typeface="Arial" panose="020B0604020202020204" pitchFamily="34" charset="0"/>
-              <a:buChar char="•"/>
-            </a:pPr>
-            <a:r>
-              <a:rPr lang="en-GB" sz="2400" dirty="0"/>
-              <a:t>Cons</a:t>
-            </a:r>
-          </a:p>
-          <a:p>
-            <a:pPr marL="914400" lvl="1" indent="-457200">
-              <a:buFont typeface="Arial" panose="020B0604020202020204" pitchFamily="34" charset="0"/>
-              <a:buChar char="•"/>
-            </a:pPr>
-            <a:r>
-              <a:rPr lang="en-GB" sz="2400" dirty="0"/>
-              <a:t>Editor online only</a:t>
-            </a:r>
-          </a:p>
-          <a:p>
-            <a:pPr marL="914400" lvl="1" indent="-457200">
-              <a:buFont typeface="Arial" panose="020B0604020202020204" pitchFamily="34" charset="0"/>
-              <a:buChar char="•"/>
-            </a:pPr>
-            <a:r>
-              <a:rPr lang="en-GB" sz="2400" dirty="0"/>
-              <a:t>Data stored online</a:t>
-            </a:r>
-          </a:p>
-          <a:p>
-            <a:endParaRPr lang="en-GB" sz="3000" dirty="0"/>
-          </a:p>
-          <a:p>
-            <a:endParaRPr lang="en-GB" sz="3000" dirty="0"/>
-          </a:p>
-        </p:txBody>
-      </p:sp>
-    </p:spTree>
-    <p:extLst>
-      <p:ext uri="{BB962C8B-B14F-4D97-AF65-F5344CB8AC3E}">
-        <p14:creationId xmlns:p14="http://schemas.microsoft.com/office/powerpoint/2010/main" val="3718216746"/>
-      </p:ext>
-    </p:extLst>
-  </p:cSld>
-  <p:clrMapOvr>
-    <a:masterClrMapping/>
-  </p:clrMapOvr>
-  <mc:AlternateContent xmlns:mc="http://schemas.openxmlformats.org/markup-compatibility/2006" xmlns:p14="http://schemas.microsoft.com/office/powerpoint/2010/main">
-    <mc:Choice Requires="p14">
-      <p:transition p14:dur="10"/>
-    </mc:Choice>
-    <mc:Fallback xmlns="">
-      <p:transition/>
-    </mc:Fallback>
-  </mc:AlternateContent>
-</p:sld>
-</file>
-
-<file path=ppt/slides/slide40.xml><?xml version="1.0" encoding="utf-8"?>
+<file path=ppt/slides/slide41.xml><?xml version="1.0" encoding="utf-8"?>
 <p:sld xmlns:a="http://schemas.openxmlformats.org/drawingml/2006/main" xmlns:r="http://schemas.openxmlformats.org/officeDocument/2006/relationships" xmlns:p="http://schemas.openxmlformats.org/presentationml/2006/main">
   <p:cSld>
     <p:spTree>
@@ -21312,7 +21759,7 @@
 </p:sld>
 </file>
 
-<file path=ppt/slides/slide41.xml><?xml version="1.0" encoding="utf-8"?>
+<file path=ppt/slides/slide42.xml><?xml version="1.0" encoding="utf-8"?>
 <p:sld xmlns:a="http://schemas.openxmlformats.org/drawingml/2006/main" xmlns:r="http://schemas.openxmlformats.org/officeDocument/2006/relationships" xmlns:p="http://schemas.openxmlformats.org/presentationml/2006/main">
   <p:cSld>
     <p:spTree>
@@ -21462,7 +21909,7 @@
 </p:sld>
 </file>
 
-<file path=ppt/slides/slide42.xml><?xml version="1.0" encoding="utf-8"?>
+<file path=ppt/slides/slide43.xml><?xml version="1.0" encoding="utf-8"?>
 <p:sld xmlns:a="http://schemas.openxmlformats.org/drawingml/2006/main" xmlns:r="http://schemas.openxmlformats.org/officeDocument/2006/relationships" xmlns:p="http://schemas.openxmlformats.org/presentationml/2006/main">
   <p:cSld>
     <p:spTree>
@@ -21633,153 +22080,164 @@
           <a:p>
             <a:r>
               <a:rPr lang="en-GB" sz="4000" dirty="0"/>
-              <a:t>Writing Theses in LaTeX</a:t>
+              <a:t>Overleaf</a:t>
             </a:r>
           </a:p>
         </p:txBody>
       </p:sp>
       <p:sp>
         <p:nvSpPr>
-          <p:cNvPr id="3" name="Content Placeholder 2"/>
-          <p:cNvSpPr>
-            <a:spLocks noGrp="1"/>
-          </p:cNvSpPr>
-          <p:nvPr>
-            <p:ph idx="1"/>
-          </p:nvPr>
+          <p:cNvPr id="3" name="TextBox 2"/>
+          <p:cNvSpPr txBox="1"/>
+          <p:nvPr/>
         </p:nvSpPr>
         <p:spPr>
           <a:xfrm>
-            <a:off x="457200" y="1600200"/>
-            <a:ext cx="8435280" cy="4876800"/>
+            <a:off x="457200" y="1625833"/>
+            <a:ext cx="7840980" cy="5447645"/>
           </a:xfrm>
+          <a:prstGeom prst="rect">
+            <a:avLst/>
+          </a:prstGeom>
+          <a:noFill/>
         </p:spPr>
         <p:txBody>
-          <a:bodyPr>
-            <a:normAutofit/>
+          <a:bodyPr wrap="square" rtlCol="0">
+            <a:spAutoFit/>
           </a:bodyPr>
           <a:lstStyle/>
           <a:p>
-            <a:pPr fontAlgn="base">
-              <a:spcBef>
-                <a:spcPts val="600"/>
-              </a:spcBef>
-              <a:spcAft>
-                <a:spcPts val="600"/>
-              </a:spcAft>
+            <a:pPr marL="457200" indent="-457200">
+              <a:buFont typeface="Arial" panose="020B0604020202020204" pitchFamily="34" charset="0"/>
+              <a:buChar char="•"/>
             </a:pPr>
             <a:r>
-              <a:rPr lang="en-US" sz="2400" dirty="0"/>
-              <a:t>Excellent Technical Typesetting</a:t>
-            </a:r>
-          </a:p>
-          <a:p>
-            <a:pPr fontAlgn="base">
-              <a:spcBef>
-                <a:spcPts val="600"/>
-              </a:spcBef>
-              <a:spcAft>
-                <a:spcPts val="600"/>
-              </a:spcAft>
+              <a:rPr lang="en-GB" sz="2400" dirty="0"/>
+              <a:t>Online environment for creating and compiling LaTeX documents</a:t>
+            </a:r>
+          </a:p>
+          <a:p>
+            <a:pPr marL="457200" indent="-457200">
+              <a:buFont typeface="Arial" panose="020B0604020202020204" pitchFamily="34" charset="0"/>
+              <a:buChar char="•"/>
             </a:pPr>
             <a:r>
-              <a:rPr lang="en-US" sz="2400" dirty="0"/>
-              <a:t>Easy to iterate document-wide formatting</a:t>
-            </a:r>
-          </a:p>
-          <a:p>
-            <a:pPr fontAlgn="base">
-              <a:spcBef>
-                <a:spcPts val="600"/>
-              </a:spcBef>
-              <a:spcAft>
-                <a:spcPts val="600"/>
-              </a:spcAft>
+              <a:rPr lang="en-GB" sz="2400" dirty="0"/>
+              <a:t>Pros</a:t>
+            </a:r>
+          </a:p>
+          <a:p>
+            <a:pPr marL="914400" lvl="1" indent="-457200">
+              <a:buFont typeface="Arial" panose="020B0604020202020204" pitchFamily="34" charset="0"/>
+              <a:buChar char="•"/>
             </a:pPr>
             <a:r>
-              <a:rPr lang="en-US" sz="2400" dirty="0"/>
-              <a:t>Easy to include and reference figures/equations </a:t>
-            </a:r>
-            <a:r>
-              <a:rPr lang="en-US" sz="2400" dirty="0" err="1"/>
-              <a:t>etc</a:t>
-            </a:r>
-            <a:endParaRPr lang="en-US" sz="2400" dirty="0"/>
-          </a:p>
-          <a:p>
-            <a:pPr fontAlgn="base">
-              <a:spcBef>
-                <a:spcPts val="600"/>
-              </a:spcBef>
-              <a:spcAft>
-                <a:spcPts val="600"/>
-              </a:spcAft>
+              <a:rPr lang="en-GB" sz="2400" dirty="0"/>
+              <a:t>Cross-platform</a:t>
+            </a:r>
+          </a:p>
+          <a:p>
+            <a:pPr marL="914400" lvl="1" indent="-457200">
+              <a:buFont typeface="Arial" panose="020B0604020202020204" pitchFamily="34" charset="0"/>
+              <a:buChar char="•"/>
             </a:pPr>
             <a:r>
-              <a:rPr lang="en-US" sz="2400" dirty="0"/>
-              <a:t>Easy to iterate figures</a:t>
-            </a:r>
-          </a:p>
-          <a:p>
-            <a:pPr fontAlgn="base">
-              <a:spcBef>
-                <a:spcPts val="600"/>
-              </a:spcBef>
-              <a:spcAft>
-                <a:spcPts val="600"/>
-              </a:spcAft>
+              <a:rPr lang="en-GB" sz="2400" dirty="0"/>
+              <a:t>Complete</a:t>
+            </a:r>
+          </a:p>
+          <a:p>
+            <a:pPr marL="914400" lvl="1" indent="-457200">
+              <a:buFont typeface="Arial" panose="020B0604020202020204" pitchFamily="34" charset="0"/>
+              <a:buChar char="•"/>
             </a:pPr>
             <a:r>
-              <a:rPr lang="en-US" sz="2400" dirty="0"/>
-              <a:t>Files stored in plain-text</a:t>
-            </a:r>
-          </a:p>
-          <a:p>
-            <a:pPr lvl="1" fontAlgn="base">
-              <a:spcBef>
-                <a:spcPts val="600"/>
-              </a:spcBef>
-              <a:spcAft>
-                <a:spcPts val="600"/>
-              </a:spcAft>
+              <a:rPr lang="en-GB" sz="2400" dirty="0"/>
+              <a:t>Easy to use</a:t>
+            </a:r>
+          </a:p>
+          <a:p>
+            <a:pPr marL="914400" lvl="1" indent="-457200">
+              <a:buFont typeface="Arial" panose="020B0604020202020204" pitchFamily="34" charset="0"/>
+              <a:buChar char="•"/>
             </a:pPr>
             <a:r>
-              <a:rPr lang="en-US" sz="2000" dirty="0"/>
-              <a:t>Less prone to corruption</a:t>
-            </a:r>
-          </a:p>
-          <a:p>
-            <a:pPr lvl="1" fontAlgn="base">
-              <a:spcBef>
-                <a:spcPts val="600"/>
-              </a:spcBef>
-              <a:spcAft>
-                <a:spcPts val="600"/>
-              </a:spcAft>
+              <a:rPr lang="en-GB" sz="2400" dirty="0"/>
+              <a:t>Allows collaboration</a:t>
+            </a:r>
+          </a:p>
+          <a:p>
+            <a:pPr marL="914400" lvl="1" indent="-457200">
+              <a:buFont typeface="Arial" panose="020B0604020202020204" pitchFamily="34" charset="0"/>
+              <a:buChar char="•"/>
             </a:pPr>
             <a:r>
-              <a:rPr lang="en-US" sz="2000" dirty="0"/>
-              <a:t>Easier to “diff” when using version control</a:t>
-            </a:r>
-          </a:p>
-          <a:p>
-            <a:pPr marL="0" lvl="0" indent="0" fontAlgn="base">
-              <a:spcBef>
-                <a:spcPts val="600"/>
-              </a:spcBef>
-              <a:spcAft>
-                <a:spcPts val="600"/>
-              </a:spcAft>
-              <a:buNone/>
+              <a:rPr lang="en-GB" sz="2400" dirty="0"/>
+              <a:t>Integrated “review” system for feedback</a:t>
+            </a:r>
+          </a:p>
+          <a:p>
+            <a:pPr marL="914400" lvl="1" indent="-457200">
+              <a:buFont typeface="Arial" panose="020B0604020202020204" pitchFamily="34" charset="0"/>
+              <a:buChar char="•"/>
             </a:pPr>
+            <a:r>
+              <a:rPr lang="en-GB" sz="2400" dirty="0"/>
+              <a:t>Cloud syncing with Dropbox and </a:t>
+            </a:r>
+            <a:r>
+              <a:rPr lang="en-GB" sz="2400" dirty="0" err="1"/>
+              <a:t>Github</a:t>
+            </a:r>
             <a:endParaRPr lang="en-GB" sz="2400" dirty="0"/>
+          </a:p>
+          <a:p>
+            <a:pPr marL="457200" indent="-457200">
+              <a:buFont typeface="Arial" panose="020B0604020202020204" pitchFamily="34" charset="0"/>
+              <a:buChar char="•"/>
+            </a:pPr>
+            <a:r>
+              <a:rPr lang="en-GB" sz="2400" dirty="0"/>
+              <a:t>Cons</a:t>
+            </a:r>
+          </a:p>
+          <a:p>
+            <a:pPr marL="914400" lvl="1" indent="-457200">
+              <a:buFont typeface="Arial" panose="020B0604020202020204" pitchFamily="34" charset="0"/>
+              <a:buChar char="•"/>
+            </a:pPr>
+            <a:r>
+              <a:rPr lang="en-GB" sz="2400" dirty="0"/>
+              <a:t>Editor online only</a:t>
+            </a:r>
+          </a:p>
+          <a:p>
+            <a:pPr marL="914400" lvl="1" indent="-457200">
+              <a:buFont typeface="Arial" panose="020B0604020202020204" pitchFamily="34" charset="0"/>
+              <a:buChar char="•"/>
+            </a:pPr>
+            <a:r>
+              <a:rPr lang="en-GB" sz="2400" dirty="0"/>
+              <a:t>Data stored online – </a:t>
+            </a:r>
+            <a:r>
+              <a:rPr lang="en-GB" sz="2400"/>
+              <a:t>consider your data</a:t>
+            </a:r>
+            <a:endParaRPr lang="en-GB" sz="2400" dirty="0"/>
+          </a:p>
+          <a:p>
+            <a:endParaRPr lang="en-GB" sz="3000" dirty="0"/>
+          </a:p>
+          <a:p>
+            <a:endParaRPr lang="en-GB" sz="3000" dirty="0"/>
           </a:p>
         </p:txBody>
       </p:sp>
     </p:spTree>
     <p:extLst>
       <p:ext uri="{BB962C8B-B14F-4D97-AF65-F5344CB8AC3E}">
-        <p14:creationId xmlns:p14="http://schemas.microsoft.com/office/powerpoint/2010/main" val="764725023"/>
+        <p14:creationId xmlns:p14="http://schemas.microsoft.com/office/powerpoint/2010/main" val="3718216746"/>
       </p:ext>
     </p:extLst>
   </p:cSld>
@@ -21831,7 +22289,7 @@
           <a:p>
             <a:r>
               <a:rPr lang="en-GB" sz="4000" dirty="0"/>
-              <a:t>Imperial Thesis Requirements</a:t>
+              <a:t>Writing Theses in LaTeX</a:t>
             </a:r>
           </a:p>
         </p:txBody>
@@ -21867,12 +22325,9 @@
               </a:spcAft>
             </a:pPr>
             <a:r>
-              <a:rPr lang="en-GB" sz="2400" dirty="0">
-                <a:hlinkClick r:id="rId3"/>
-              </a:rPr>
-              <a:t>Theses for Imperial College Research Degrees Checklist</a:t>
-            </a:r>
-            <a:endParaRPr lang="en-GB" sz="2400" dirty="0"/>
+              <a:rPr lang="en-US" sz="2400" dirty="0"/>
+              <a:t>Excellent Technical Typesetting</a:t>
+            </a:r>
           </a:p>
           <a:p>
             <a:pPr fontAlgn="base">
@@ -21884,12 +22339,9 @@
               </a:spcAft>
             </a:pPr>
             <a:r>
-              <a:rPr lang="en-GB" sz="2400" dirty="0">
-                <a:hlinkClick r:id="rId4"/>
-              </a:rPr>
-              <a:t>Academic Regulations</a:t>
-            </a:r>
-            <a:endParaRPr lang="en-GB" sz="2400" dirty="0"/>
+              <a:rPr lang="en-US" sz="2400" dirty="0"/>
+              <a:t>Easy to iterate document-wide formatting</a:t>
+            </a:r>
           </a:p>
           <a:p>
             <a:pPr fontAlgn="base">
@@ -21901,9 +22353,14 @@
               </a:spcAft>
             </a:pPr>
             <a:r>
-              <a:rPr lang="en-GB" sz="2400" dirty="0"/>
-              <a:t>Written in English</a:t>
-            </a:r>
+              <a:rPr lang="en-US" sz="2400" dirty="0"/>
+              <a:t>Easy to include and reference figures/equations </a:t>
+            </a:r>
+            <a:r>
+              <a:rPr lang="en-US" sz="2400" dirty="0" err="1"/>
+              <a:t>etc</a:t>
+            </a:r>
+            <a:endParaRPr lang="en-US" sz="2400" dirty="0"/>
           </a:p>
           <a:p>
             <a:pPr fontAlgn="base">
@@ -21915,8 +22372,8 @@
               </a:spcAft>
             </a:pPr>
             <a:r>
-              <a:rPr lang="en-GB" sz="2400" dirty="0"/>
-              <a:t>Not longer than 100,000 words</a:t>
+              <a:rPr lang="en-US" sz="2400" dirty="0"/>
+              <a:t>Easy to iterate figures</a:t>
             </a:r>
           </a:p>
           <a:p>
@@ -21929,12 +22386,12 @@
               </a:spcAft>
             </a:pPr>
             <a:r>
-              <a:rPr lang="en-GB" sz="2400" dirty="0"/>
-              <a:t>Cannot be copy-pasted papers</a:t>
-            </a:r>
-          </a:p>
-          <a:p>
-            <a:pPr fontAlgn="base">
+              <a:rPr lang="en-US" sz="2400" dirty="0"/>
+              <a:t>Files stored in plain-text</a:t>
+            </a:r>
+          </a:p>
+          <a:p>
+            <a:pPr lvl="1" fontAlgn="base">
               <a:spcBef>
                 <a:spcPts val="600"/>
               </a:spcBef>
@@ -21943,12 +22400,12 @@
               </a:spcAft>
             </a:pPr>
             <a:r>
-              <a:rPr lang="en-GB" sz="2400" dirty="0"/>
-              <a:t>Include full bibliography and references</a:t>
-            </a:r>
-          </a:p>
-          <a:p>
-            <a:pPr fontAlgn="base">
+              <a:rPr lang="en-US" sz="2000" dirty="0"/>
+              <a:t>Less prone to corruption</a:t>
+            </a:r>
+          </a:p>
+          <a:p>
+            <a:pPr lvl="1" fontAlgn="base">
               <a:spcBef>
                 <a:spcPts val="600"/>
               </a:spcBef>
@@ -21957,30 +22414,28 @@
               </a:spcAft>
             </a:pPr>
             <a:r>
-              <a:rPr lang="en-GB" sz="2400" dirty="0"/>
-              <a:t>You will be examined on this by examiners in your viva</a:t>
-            </a:r>
-          </a:p>
-          <a:p>
-            <a:pPr fontAlgn="base">
+              <a:rPr lang="en-US" sz="2000" dirty="0"/>
+              <a:t>Easier to “diff” when using version control</a:t>
+            </a:r>
+          </a:p>
+          <a:p>
+            <a:pPr marL="0" lvl="0" indent="0" fontAlgn="base">
               <a:spcBef>
                 <a:spcPts val="600"/>
               </a:spcBef>
               <a:spcAft>
                 <a:spcPts val="600"/>
               </a:spcAft>
+              <a:buNone/>
             </a:pPr>
-            <a:r>
-              <a:rPr lang="en-GB" sz="2400" dirty="0"/>
-              <a:t>“Any formatting information that is not explicitly outlined in these guidance notes is up to the judgement of the student, and reasonable solutions will be accepted.”</a:t>
-            </a:r>
+            <a:endParaRPr lang="en-GB" sz="2400" dirty="0"/>
           </a:p>
         </p:txBody>
       </p:sp>
     </p:spTree>
     <p:extLst>
       <p:ext uri="{BB962C8B-B14F-4D97-AF65-F5344CB8AC3E}">
-        <p14:creationId xmlns:p14="http://schemas.microsoft.com/office/powerpoint/2010/main" val="3485628822"/>
+        <p14:creationId xmlns:p14="http://schemas.microsoft.com/office/powerpoint/2010/main" val="764725023"/>
       </p:ext>
     </p:extLst>
   </p:cSld>
@@ -22032,7 +22487,7 @@
           <a:p>
             <a:r>
               <a:rPr lang="en-GB" sz="4000" dirty="0"/>
-              <a:t>Paper Size and Pagination</a:t>
+              <a:t>Imperial Thesis Requirements</a:t>
             </a:r>
           </a:p>
         </p:txBody>
@@ -22050,7 +22505,7 @@
         <p:spPr>
           <a:xfrm>
             <a:off x="457200" y="1600200"/>
-            <a:ext cx="8435280" cy="3875690"/>
+            <a:ext cx="8435280" cy="4876800"/>
           </a:xfrm>
         </p:spPr>
         <p:txBody>
@@ -22068,9 +22523,12 @@
               </a:spcAft>
             </a:pPr>
             <a:r>
-              <a:rPr lang="en-GB" sz="2400" dirty="0"/>
-              <a:t>Typically A4 paper</a:t>
-            </a:r>
+              <a:rPr lang="en-GB" sz="2400" dirty="0">
+                <a:hlinkClick r:id="rId3"/>
+              </a:rPr>
+              <a:t>Theses for Imperial College Research Degrees Checklist</a:t>
+            </a:r>
+            <a:endParaRPr lang="en-GB" sz="2400" dirty="0"/>
           </a:p>
           <a:p>
             <a:pPr fontAlgn="base">
@@ -22082,9 +22540,12 @@
               </a:spcAft>
             </a:pPr>
             <a:r>
-              <a:rPr lang="en-GB" sz="2400" dirty="0"/>
-              <a:t>You may want your pages to be double-sided</a:t>
-            </a:r>
+              <a:rPr lang="en-GB" sz="2400" dirty="0">
+                <a:hlinkClick r:id="rId4"/>
+              </a:rPr>
+              <a:t>Academic Regulations</a:t>
+            </a:r>
+            <a:endParaRPr lang="en-GB" sz="2400" dirty="0"/>
           </a:p>
           <a:p>
             <a:pPr fontAlgn="base">
@@ -22097,7 +22558,7 @@
             </a:pPr>
             <a:r>
               <a:rPr lang="en-GB" sz="2400" dirty="0"/>
-              <a:t>All pages to be sequentially numbered in Arabic numerals including title page [Section 4.4 of Checklist]</a:t>
+              <a:t>Written in English</a:t>
             </a:r>
           </a:p>
           <a:p>
@@ -22111,7 +22572,7 @@
             </a:pPr>
             <a:r>
               <a:rPr lang="en-GB" sz="2400" dirty="0"/>
-              <a:t>Achieved in the preamble:</a:t>
+              <a:t>Not longer than 100,000 words</a:t>
             </a:r>
           </a:p>
           <a:p>
@@ -22123,82 +22584,51 @@
                 <a:spcPts val="600"/>
               </a:spcAft>
             </a:pPr>
-            <a:endParaRPr lang="en-GB" sz="2400" dirty="0"/>
-          </a:p>
-          <a:p>
-            <a:pPr marL="0" indent="0" fontAlgn="base">
+            <a:r>
+              <a:rPr lang="en-GB" sz="2400" dirty="0"/>
+              <a:t>Cannot be copy-pasted papers</a:t>
+            </a:r>
+          </a:p>
+          <a:p>
+            <a:pPr fontAlgn="base">
               <a:spcBef>
                 <a:spcPts val="600"/>
               </a:spcBef>
               <a:spcAft>
                 <a:spcPts val="600"/>
               </a:spcAft>
-              <a:buNone/>
             </a:pPr>
             <a:r>
-              <a:rPr lang="en-GB" sz="2400" dirty="0">
-                <a:solidFill>
-                  <a:schemeClr val="tx2">
-                    <a:lumMod val="50000"/>
-                    <a:lumOff val="50000"/>
-                  </a:schemeClr>
-                </a:solidFill>
-              </a:rPr>
-              <a:t>\</a:t>
-            </a:r>
-            <a:r>
-              <a:rPr lang="en-GB" sz="2400" dirty="0" err="1">
-                <a:solidFill>
-                  <a:schemeClr val="tx2">
-                    <a:lumMod val="50000"/>
-                    <a:lumOff val="50000"/>
-                  </a:schemeClr>
-                </a:solidFill>
-              </a:rPr>
-              <a:t>documentclass</a:t>
-            </a:r>
-            <a:r>
               <a:rPr lang="en-GB" sz="2400" dirty="0"/>
-              <a:t>[</a:t>
-            </a:r>
-            <a:r>
-              <a:rPr lang="en-GB" sz="2400" dirty="0">
-                <a:solidFill>
-                  <a:schemeClr val="accent4">
-                    <a:lumMod val="75000"/>
-                  </a:schemeClr>
-                </a:solidFill>
-              </a:rPr>
-              <a:t>12pt, a4paper, </a:t>
-            </a:r>
-            <a:r>
-              <a:rPr lang="en-GB" sz="2400" dirty="0" err="1">
-                <a:solidFill>
-                  <a:schemeClr val="accent4">
-                    <a:lumMod val="75000"/>
-                  </a:schemeClr>
-                </a:solidFill>
-              </a:rPr>
-              <a:t>twoside</a:t>
-            </a:r>
+              <a:t>Include full bibliography and references</a:t>
+            </a:r>
+          </a:p>
+          <a:p>
+            <a:pPr fontAlgn="base">
+              <a:spcBef>
+                <a:spcPts val="600"/>
+              </a:spcBef>
+              <a:spcAft>
+                <a:spcPts val="600"/>
+              </a:spcAft>
+            </a:pPr>
             <a:r>
               <a:rPr lang="en-GB" sz="2400" dirty="0"/>
-              <a:t>]{</a:t>
-            </a:r>
-            <a:r>
-              <a:rPr lang="en-GB" sz="2400" dirty="0">
-                <a:solidFill>
-                  <a:schemeClr val="tx2">
-                    <a:lumMod val="50000"/>
-                    <a:lumOff val="50000"/>
-                  </a:schemeClr>
-                </a:solidFill>
-              </a:rPr>
-              <a:t>report</a:t>
-            </a:r>
+              <a:t>You will be examined on this by examiners in your viva</a:t>
+            </a:r>
+          </a:p>
+          <a:p>
+            <a:pPr fontAlgn="base">
+              <a:spcBef>
+                <a:spcPts val="600"/>
+              </a:spcBef>
+              <a:spcAft>
+                <a:spcPts val="600"/>
+              </a:spcAft>
+            </a:pPr>
             <a:r>
               <a:rPr lang="en-GB" sz="2400" dirty="0"/>
-              <a:t>} </a:t>
+              <a:t>“Any formatting information that is not explicitly outlined in these guidance notes is up to the judgement of the student, and reasonable solutions will be accepted.”</a:t>
             </a:r>
           </a:p>
         </p:txBody>
@@ -22206,7 +22636,7 @@
     </p:spTree>
     <p:extLst>
       <p:ext uri="{BB962C8B-B14F-4D97-AF65-F5344CB8AC3E}">
-        <p14:creationId xmlns:p14="http://schemas.microsoft.com/office/powerpoint/2010/main" val="2191292543"/>
+        <p14:creationId xmlns:p14="http://schemas.microsoft.com/office/powerpoint/2010/main" val="3485628822"/>
       </p:ext>
     </p:extLst>
   </p:cSld>
@@ -22258,7 +22688,7 @@
           <a:p>
             <a:r>
               <a:rPr lang="en-GB" sz="4000" dirty="0"/>
-              <a:t>Margins</a:t>
+              <a:t>Paper Size and Pagination</a:t>
             </a:r>
           </a:p>
         </p:txBody>
@@ -22275,8 +22705,8 @@
         </p:nvSpPr>
         <p:spPr>
           <a:xfrm>
-            <a:off x="457200" y="1600199"/>
-            <a:ext cx="8435280" cy="4453759"/>
+            <a:off x="457200" y="1600200"/>
+            <a:ext cx="8435280" cy="3875690"/>
           </a:xfrm>
         </p:spPr>
         <p:txBody>
@@ -22295,7 +22725,7 @@
             </a:pPr>
             <a:r>
               <a:rPr lang="en-GB" sz="2400" dirty="0"/>
-              <a:t>Margins must be even on both sides [Checklist Section 4]</a:t>
+              <a:t>Typically A4 paper</a:t>
             </a:r>
           </a:p>
           <a:p>
@@ -22309,7 +22739,7 @@
             </a:pPr>
             <a:r>
               <a:rPr lang="en-GB" sz="2400" dirty="0"/>
-              <a:t>For binding services, margins must typically be at least 1cm</a:t>
+              <a:t>You may want your pages to be double-sided</a:t>
             </a:r>
           </a:p>
           <a:p>
@@ -22323,22 +22753,7 @@
             </a:pPr>
             <a:r>
               <a:rPr lang="en-GB" sz="2400" dirty="0"/>
-              <a:t>The </a:t>
-            </a:r>
-            <a:r>
-              <a:rPr lang="en-GB" sz="2400" dirty="0">
-                <a:solidFill>
-                  <a:schemeClr val="tx2">
-                    <a:lumMod val="50000"/>
-                    <a:lumOff val="50000"/>
-                  </a:schemeClr>
-                </a:solidFill>
-              </a:rPr>
-              <a:t>geometry</a:t>
-            </a:r>
-            <a:r>
-              <a:rPr lang="en-GB" sz="2400" dirty="0"/>
-              <a:t> package allows us to set margins</a:t>
+              <a:t>All pages to be sequentially numbered in Arabic numerals including title page [Section 4.4 of Checklist]</a:t>
             </a:r>
           </a:p>
           <a:p>
@@ -22352,7 +22767,40 @@
             </a:pPr>
             <a:r>
               <a:rPr lang="en-GB" sz="2400" dirty="0"/>
-              <a:t>The </a:t>
+              <a:t>Achieved in the preamble:</a:t>
+            </a:r>
+          </a:p>
+          <a:p>
+            <a:pPr fontAlgn="base">
+              <a:spcBef>
+                <a:spcPts val="600"/>
+              </a:spcBef>
+              <a:spcAft>
+                <a:spcPts val="600"/>
+              </a:spcAft>
+            </a:pPr>
+            <a:endParaRPr lang="en-GB" sz="2400" dirty="0"/>
+          </a:p>
+          <a:p>
+            <a:pPr marL="0" indent="0" fontAlgn="base">
+              <a:spcBef>
+                <a:spcPts val="600"/>
+              </a:spcBef>
+              <a:spcAft>
+                <a:spcPts val="600"/>
+              </a:spcAft>
+              <a:buNone/>
+            </a:pPr>
+            <a:r>
+              <a:rPr lang="en-GB" sz="2400" dirty="0">
+                <a:solidFill>
+                  <a:schemeClr val="tx2">
+                    <a:lumMod val="50000"/>
+                    <a:lumOff val="50000"/>
+                  </a:schemeClr>
+                </a:solidFill>
+              </a:rPr>
+              <a:t>\</a:t>
             </a:r>
             <a:r>
               <a:rPr lang="en-GB" sz="2400" dirty="0" err="1">
@@ -22363,37 +22811,50 @@
                   </a:schemeClr>
                 </a:solidFill>
               </a:rPr>
-              <a:t>blindtext</a:t>
+              <a:t>documentclass</a:t>
             </a:r>
             <a:r>
               <a:rPr lang="en-GB" sz="2400" dirty="0"/>
-              <a:t> package and </a:t>
+              <a:t>[</a:t>
             </a:r>
             <a:r>
               <a:rPr lang="en-GB" sz="2400" dirty="0">
                 <a:solidFill>
-                  <a:schemeClr val="tx2">
-                    <a:lumMod val="50000"/>
-                    <a:lumOff val="50000"/>
-                  </a:schemeClr>
-                </a:solidFill>
-              </a:rPr>
-              <a:t>\</a:t>
+                  <a:schemeClr val="accent4">
+                    <a:lumMod val="75000"/>
+                  </a:schemeClr>
+                </a:solidFill>
+              </a:rPr>
+              <a:t>12pt, a4paper, </a:t>
             </a:r>
             <a:r>
               <a:rPr lang="en-GB" sz="2400" dirty="0" err="1">
                 <a:solidFill>
-                  <a:schemeClr val="tx2">
-                    <a:lumMod val="50000"/>
-                    <a:lumOff val="50000"/>
-                  </a:schemeClr>
-                </a:solidFill>
-              </a:rPr>
-              <a:t>blindtext</a:t>
+                  <a:schemeClr val="accent4">
+                    <a:lumMod val="75000"/>
+                  </a:schemeClr>
+                </a:solidFill>
+              </a:rPr>
+              <a:t>twoside</a:t>
             </a:r>
             <a:r>
               <a:rPr lang="en-GB" sz="2400" dirty="0"/>
-              <a:t>[X] command allows us to insert sample text for testing typesetting</a:t>
+              <a:t>]{</a:t>
+            </a:r>
+            <a:r>
+              <a:rPr lang="en-GB" sz="2400" dirty="0">
+                <a:solidFill>
+                  <a:schemeClr val="tx2">
+                    <a:lumMod val="50000"/>
+                    <a:lumOff val="50000"/>
+                  </a:schemeClr>
+                </a:solidFill>
+              </a:rPr>
+              <a:t>report</a:t>
+            </a:r>
+            <a:r>
+              <a:rPr lang="en-GB" sz="2400" dirty="0"/>
+              <a:t>} </a:t>
             </a:r>
           </a:p>
         </p:txBody>
@@ -22401,7 +22862,7 @@
     </p:spTree>
     <p:extLst>
       <p:ext uri="{BB962C8B-B14F-4D97-AF65-F5344CB8AC3E}">
-        <p14:creationId xmlns:p14="http://schemas.microsoft.com/office/powerpoint/2010/main" val="2812092125"/>
+        <p14:creationId xmlns:p14="http://schemas.microsoft.com/office/powerpoint/2010/main" val="2191292543"/>
       </p:ext>
     </p:extLst>
   </p:cSld>
@@ -22471,7 +22932,7 @@
         <p:spPr>
           <a:xfrm>
             <a:off x="457200" y="1600199"/>
-            <a:ext cx="3967655" cy="4453759"/>
+            <a:ext cx="8435280" cy="4453759"/>
           </a:xfrm>
         </p:spPr>
         <p:txBody>
@@ -22480,10 +22941,47 @@
           </a:bodyPr>
           <a:lstStyle/>
           <a:p>
-            <a:pPr marL="0" indent="0">
-              <a:buNone/>
+            <a:pPr fontAlgn="base">
+              <a:spcBef>
+                <a:spcPts val="600"/>
+              </a:spcBef>
+              <a:spcAft>
+                <a:spcPts val="600"/>
+              </a:spcAft>
             </a:pPr>
             <a:r>
+              <a:rPr lang="en-GB" sz="2400" dirty="0"/>
+              <a:t>Margins must be even on both sides [Checklist Section 4]</a:t>
+            </a:r>
+          </a:p>
+          <a:p>
+            <a:pPr fontAlgn="base">
+              <a:spcBef>
+                <a:spcPts val="600"/>
+              </a:spcBef>
+              <a:spcAft>
+                <a:spcPts val="600"/>
+              </a:spcAft>
+            </a:pPr>
+            <a:r>
+              <a:rPr lang="en-GB" sz="2400" dirty="0"/>
+              <a:t>For binding services, margins must typically be at least 1cm</a:t>
+            </a:r>
+          </a:p>
+          <a:p>
+            <a:pPr fontAlgn="base">
+              <a:spcBef>
+                <a:spcPts val="600"/>
+              </a:spcBef>
+              <a:spcAft>
+                <a:spcPts val="600"/>
+              </a:spcAft>
+            </a:pPr>
+            <a:r>
+              <a:rPr lang="en-GB" sz="2400" dirty="0"/>
+              <a:t>The </a:t>
+            </a:r>
+            <a:r>
               <a:rPr lang="en-GB" sz="2400" dirty="0">
                 <a:solidFill>
                   <a:schemeClr val="tx2">
@@ -22492,6 +22990,50 @@
                   </a:schemeClr>
                 </a:solidFill>
               </a:rPr>
+              <a:t>geometry</a:t>
+            </a:r>
+            <a:r>
+              <a:rPr lang="en-GB" sz="2400" dirty="0"/>
+              <a:t> package allows us to set margins</a:t>
+            </a:r>
+          </a:p>
+          <a:p>
+            <a:pPr fontAlgn="base">
+              <a:spcBef>
+                <a:spcPts val="600"/>
+              </a:spcBef>
+              <a:spcAft>
+                <a:spcPts val="600"/>
+              </a:spcAft>
+            </a:pPr>
+            <a:r>
+              <a:rPr lang="en-GB" sz="2400" dirty="0"/>
+              <a:t>The </a:t>
+            </a:r>
+            <a:r>
+              <a:rPr lang="en-GB" sz="2400" dirty="0" err="1">
+                <a:solidFill>
+                  <a:schemeClr val="tx2">
+                    <a:lumMod val="50000"/>
+                    <a:lumOff val="50000"/>
+                  </a:schemeClr>
+                </a:solidFill>
+              </a:rPr>
+              <a:t>blindtext</a:t>
+            </a:r>
+            <a:r>
+              <a:rPr lang="en-GB" sz="2400" dirty="0"/>
+              <a:t> package and </a:t>
+            </a:r>
+            <a:r>
+              <a:rPr lang="en-GB" sz="2400" dirty="0">
+                <a:solidFill>
+                  <a:schemeClr val="tx2">
+                    <a:lumMod val="50000"/>
+                    <a:lumOff val="50000"/>
+                  </a:schemeClr>
+                </a:solidFill>
+              </a:rPr>
               <a:t>\</a:t>
             </a:r>
             <a:r>
@@ -22503,304 +23045,11 @@
                   </a:schemeClr>
                 </a:solidFill>
               </a:rPr>
-              <a:t>usepackage</a:t>
+              <a:t>blindtext</a:t>
             </a:r>
             <a:r>
               <a:rPr lang="en-GB" sz="2400" dirty="0"/>
-              <a:t>{</a:t>
-            </a:r>
-            <a:r>
-              <a:rPr lang="en-GB" sz="2400" dirty="0" err="1">
-                <a:solidFill>
-                  <a:schemeClr val="tx2">
-                    <a:lumMod val="50000"/>
-                    <a:lumOff val="50000"/>
-                  </a:schemeClr>
-                </a:solidFill>
-              </a:rPr>
-              <a:t>blindtext</a:t>
-            </a:r>
-            <a:r>
-              <a:rPr lang="en-GB" sz="2400" dirty="0"/>
-              <a:t>}</a:t>
-            </a:r>
-          </a:p>
-          <a:p>
-            <a:pPr marL="0" indent="0">
-              <a:buNone/>
-            </a:pPr>
-            <a:r>
-              <a:rPr lang="en-GB" sz="2400" dirty="0">
-                <a:solidFill>
-                  <a:schemeClr val="tx2">
-                    <a:lumMod val="50000"/>
-                    <a:lumOff val="50000"/>
-                  </a:schemeClr>
-                </a:solidFill>
-              </a:rPr>
-              <a:t>\</a:t>
-            </a:r>
-            <a:r>
-              <a:rPr lang="en-GB" sz="2400" dirty="0" err="1">
-                <a:solidFill>
-                  <a:schemeClr val="tx2">
-                    <a:lumMod val="50000"/>
-                    <a:lumOff val="50000"/>
-                  </a:schemeClr>
-                </a:solidFill>
-              </a:rPr>
-              <a:t>usepackage</a:t>
-            </a:r>
-            <a:r>
-              <a:rPr lang="en-GB" sz="2400" dirty="0"/>
-              <a:t>[</a:t>
-            </a:r>
-            <a:r>
-              <a:rPr lang="en-GB" sz="2400" dirty="0">
-                <a:solidFill>
-                  <a:schemeClr val="accent4">
-                    <a:lumMod val="75000"/>
-                  </a:schemeClr>
-                </a:solidFill>
-              </a:rPr>
-              <a:t>margin=2cm</a:t>
-            </a:r>
-            <a:r>
-              <a:rPr lang="en-GB" sz="2400" dirty="0"/>
-              <a:t>] {</a:t>
-            </a:r>
-            <a:r>
-              <a:rPr lang="en-GB" sz="2400" dirty="0">
-                <a:solidFill>
-                  <a:schemeClr val="tx2">
-                    <a:lumMod val="50000"/>
-                    <a:lumOff val="50000"/>
-                  </a:schemeClr>
-                </a:solidFill>
-              </a:rPr>
-              <a:t>geometry</a:t>
-            </a:r>
-            <a:r>
-              <a:rPr lang="en-GB" sz="2400" dirty="0"/>
-              <a:t>}</a:t>
-            </a:r>
-          </a:p>
-          <a:p>
-            <a:pPr marL="0" indent="0">
-              <a:buNone/>
-            </a:pPr>
-            <a:endParaRPr lang="en-GB" sz="2400" dirty="0"/>
-          </a:p>
-          <a:p>
-            <a:pPr marL="0" indent="0">
-              <a:buNone/>
-            </a:pPr>
-            <a:r>
-              <a:rPr lang="en-GB" sz="2400" dirty="0">
-                <a:solidFill>
-                  <a:schemeClr val="tx2">
-                    <a:lumMod val="50000"/>
-                    <a:lumOff val="50000"/>
-                  </a:schemeClr>
-                </a:solidFill>
-              </a:rPr>
-              <a:t>\begin</a:t>
-            </a:r>
-            <a:r>
-              <a:rPr lang="en-GB" sz="2400" dirty="0"/>
-              <a:t>{</a:t>
-            </a:r>
-            <a:r>
-              <a:rPr lang="en-GB" sz="2400" dirty="0">
-                <a:solidFill>
-                  <a:schemeClr val="accent4">
-                    <a:lumMod val="75000"/>
-                  </a:schemeClr>
-                </a:solidFill>
-              </a:rPr>
-              <a:t>document</a:t>
-            </a:r>
-            <a:r>
-              <a:rPr lang="en-GB" sz="2400" dirty="0"/>
-              <a:t>}</a:t>
-            </a:r>
-            <a:br>
-              <a:rPr lang="en-GB" sz="2400" dirty="0"/>
-            </a:br>
-            <a:endParaRPr lang="en-GB" sz="2400" dirty="0"/>
-          </a:p>
-          <a:p>
-            <a:pPr marL="0" indent="0">
-              <a:buNone/>
-            </a:pPr>
-            <a:r>
-              <a:rPr lang="en-GB" sz="2400" dirty="0">
-                <a:solidFill>
-                  <a:schemeClr val="tx2">
-                    <a:lumMod val="50000"/>
-                    <a:lumOff val="50000"/>
-                  </a:schemeClr>
-                </a:solidFill>
-              </a:rPr>
-              <a:t>\</a:t>
-            </a:r>
-            <a:r>
-              <a:rPr lang="en-GB" sz="2400" dirty="0" err="1">
-                <a:solidFill>
-                  <a:schemeClr val="tx2">
-                    <a:lumMod val="50000"/>
-                    <a:lumOff val="50000"/>
-                  </a:schemeClr>
-                </a:solidFill>
-              </a:rPr>
-              <a:t>blindtext</a:t>
-            </a:r>
-            <a:r>
-              <a:rPr lang="en-GB" sz="2400" dirty="0"/>
-              <a:t>[10]</a:t>
-            </a:r>
-            <a:br>
-              <a:rPr lang="en-GB" sz="2400" dirty="0"/>
-            </a:br>
-            <a:endParaRPr lang="en-GB" sz="2400" dirty="0"/>
-          </a:p>
-          <a:p>
-            <a:pPr marL="0" indent="0">
-              <a:buNone/>
-            </a:pPr>
-            <a:r>
-              <a:rPr lang="en-GB" sz="2400" dirty="0">
-                <a:solidFill>
-                  <a:schemeClr val="tx2">
-                    <a:lumMod val="50000"/>
-                    <a:lumOff val="50000"/>
-                  </a:schemeClr>
-                </a:solidFill>
-              </a:rPr>
-              <a:t>\end</a:t>
-            </a:r>
-            <a:r>
-              <a:rPr lang="en-GB" sz="2400" dirty="0"/>
-              <a:t>{</a:t>
-            </a:r>
-            <a:r>
-              <a:rPr lang="en-GB" sz="2400" dirty="0">
-                <a:solidFill>
-                  <a:schemeClr val="accent4">
-                    <a:lumMod val="75000"/>
-                  </a:schemeClr>
-                </a:solidFill>
-              </a:rPr>
-              <a:t>document</a:t>
-            </a:r>
-            <a:r>
-              <a:rPr lang="en-GB" sz="2400" dirty="0"/>
-              <a:t>}</a:t>
-            </a:r>
-          </a:p>
-        </p:txBody>
-      </p:sp>
-      <p:cxnSp>
-        <p:nvCxnSpPr>
-          <p:cNvPr id="4" name="Straight Connector 3">
-            <a:extLst>
-              <a:ext uri="{FF2B5EF4-FFF2-40B4-BE49-F238E27FC236}">
-                <a16:creationId xmlns:a16="http://schemas.microsoft.com/office/drawing/2014/main" id="{5F977231-9817-4997-8C71-01F70F4EFE4B}"/>
-              </a:ext>
-            </a:extLst>
-          </p:cNvPr>
-          <p:cNvCxnSpPr/>
-          <p:nvPr/>
-        </p:nvCxnSpPr>
-        <p:spPr>
-          <a:xfrm>
-            <a:off x="4572000" y="1417638"/>
-            <a:ext cx="0" cy="5440362"/>
-          </a:xfrm>
-          <a:prstGeom prst="line">
-            <a:avLst/>
-          </a:prstGeom>
-        </p:spPr>
-        <p:style>
-          <a:lnRef idx="2">
-            <a:schemeClr val="accent1"/>
-          </a:lnRef>
-          <a:fillRef idx="0">
-            <a:schemeClr val="accent1"/>
-          </a:fillRef>
-          <a:effectRef idx="1">
-            <a:schemeClr val="accent1"/>
-          </a:effectRef>
-          <a:fontRef idx="minor">
-            <a:schemeClr val="tx1"/>
-          </a:fontRef>
-        </p:style>
-      </p:cxnSp>
-      <p:pic>
-        <p:nvPicPr>
-          <p:cNvPr id="7" name="Picture 6">
-            <a:extLst>
-              <a:ext uri="{FF2B5EF4-FFF2-40B4-BE49-F238E27FC236}">
-                <a16:creationId xmlns:a16="http://schemas.microsoft.com/office/drawing/2014/main" id="{F2559630-000F-4CDC-9204-C2E97FBBB037}"/>
-              </a:ext>
-            </a:extLst>
-          </p:cNvPr>
-          <p:cNvPicPr>
-            <a:picLocks noChangeAspect="1"/>
-          </p:cNvPicPr>
-          <p:nvPr/>
-        </p:nvPicPr>
-        <p:blipFill>
-          <a:blip r:embed="rId3"/>
-          <a:stretch>
-            <a:fillRect/>
-          </a:stretch>
-        </p:blipFill>
-        <p:spPr>
-          <a:xfrm>
-            <a:off x="4903058" y="1227082"/>
-            <a:ext cx="4021210" cy="5628290"/>
-          </a:xfrm>
-          <a:prstGeom prst="rect">
-            <a:avLst/>
-          </a:prstGeom>
-        </p:spPr>
-      </p:pic>
-      <p:sp>
-        <p:nvSpPr>
-          <p:cNvPr id="6" name="TextBox 5">
-            <a:extLst>
-              <a:ext uri="{FF2B5EF4-FFF2-40B4-BE49-F238E27FC236}">
-                <a16:creationId xmlns:a16="http://schemas.microsoft.com/office/drawing/2014/main" id="{099674D9-4038-4AB1-BAD9-3C9EF5FD6E6A}"/>
-              </a:ext>
-            </a:extLst>
-          </p:cNvPr>
-          <p:cNvSpPr txBox="1"/>
-          <p:nvPr/>
-        </p:nvSpPr>
-        <p:spPr>
-          <a:xfrm>
-            <a:off x="7357241" y="6498021"/>
-            <a:ext cx="1697422" cy="369332"/>
-          </a:xfrm>
-          <a:prstGeom prst="rect">
-            <a:avLst/>
-          </a:prstGeom>
-          <a:noFill/>
-        </p:spPr>
-        <p:txBody>
-          <a:bodyPr wrap="square" rtlCol="0">
-            <a:spAutoFit/>
-          </a:bodyPr>
-          <a:lstStyle/>
-          <a:p>
-            <a:r>
-              <a:rPr lang="en-GB" dirty="0">
-                <a:solidFill>
-                  <a:schemeClr val="accent2"/>
-                </a:solidFill>
-              </a:rPr>
-              <a:t>Problem Sheet</a:t>
+              <a:t>[X] command allows us to insert sample text for testing typesetting</a:t>
             </a:r>
           </a:p>
         </p:txBody>
@@ -22808,7 +23057,7 @@
     </p:spTree>
     <p:extLst>
       <p:ext uri="{BB962C8B-B14F-4D97-AF65-F5344CB8AC3E}">
-        <p14:creationId xmlns:p14="http://schemas.microsoft.com/office/powerpoint/2010/main" val="220242497"/>
+        <p14:creationId xmlns:p14="http://schemas.microsoft.com/office/powerpoint/2010/main" val="2812092125"/>
       </p:ext>
     </p:extLst>
   </p:cSld>

--- a/Writing Theses in Latex Slides.pptx
+++ b/Writing Theses in Latex Slides.pptx
@@ -228,7 +228,7 @@
 <file path=ppt/revisionInfo.xml><?xml version="1.0" encoding="utf-8"?>
 <p1510:revInfo xmlns:a="http://schemas.openxmlformats.org/drawingml/2006/main" xmlns:r="http://schemas.openxmlformats.org/officeDocument/2006/relationships" xmlns:p1510="http://schemas.microsoft.com/office/powerpoint/2015/10/main">
   <p1510:revLst>
-    <p1510:client id="{D8103D45-09F7-4688-9DAE-2960EEBE232E}" v="2" dt="2022-10-13T08:17:25.217"/>
+    <p1510:client id="{D8103D45-09F7-4688-9DAE-2960EEBE232E}" v="17" dt="2022-10-13T15:38:48.623"/>
   </p1510:revLst>
 </p1510:revInfo>
 </file>
@@ -237,11 +237,42 @@
 <pc:chgInfo xmlns:a="http://schemas.openxmlformats.org/drawingml/2006/main" xmlns:r="http://schemas.openxmlformats.org/officeDocument/2006/relationships" xmlns:ac="http://schemas.microsoft.com/office/drawing/2013/main/command" xmlns:pc="http://schemas.microsoft.com/office/powerpoint/2013/main/command">
   <pc:docChgLst>
     <pc:chgData name="Cooling, Chris" userId="6dcf99c9-2ba5-410a-8445-0893a3d1421f" providerId="ADAL" clId="{D8103D45-09F7-4688-9DAE-2960EEBE232E}"/>
-    <pc:docChg chg="custSel addSld delSld modSld modSection">
-      <pc:chgData name="Cooling, Chris" userId="6dcf99c9-2ba5-410a-8445-0893a3d1421f" providerId="ADAL" clId="{D8103D45-09F7-4688-9DAE-2960EEBE232E}" dt="2022-10-13T08:18:12.967" v="45" actId="20577"/>
+    <pc:docChg chg="undo custSel addSld delSld modSld modSection">
+      <pc:chgData name="Cooling, Chris" userId="6dcf99c9-2ba5-410a-8445-0893a3d1421f" providerId="ADAL" clId="{D8103D45-09F7-4688-9DAE-2960EEBE232E}" dt="2022-10-13T15:38:48.623" v="199" actId="164"/>
       <pc:docMkLst>
         <pc:docMk/>
       </pc:docMkLst>
+      <pc:sldChg chg="addSp modSp mod">
+        <pc:chgData name="Cooling, Chris" userId="6dcf99c9-2ba5-410a-8445-0893a3d1421f" providerId="ADAL" clId="{D8103D45-09F7-4688-9DAE-2960EEBE232E}" dt="2022-10-13T15:36:31.430" v="173" actId="1076"/>
+        <pc:sldMkLst>
+          <pc:docMk/>
+          <pc:sldMk cId="1666026033" sldId="286"/>
+        </pc:sldMkLst>
+        <pc:spChg chg="mod">
+          <ac:chgData name="Cooling, Chris" userId="6dcf99c9-2ba5-410a-8445-0893a3d1421f" providerId="ADAL" clId="{D8103D45-09F7-4688-9DAE-2960EEBE232E}" dt="2022-10-13T15:36:27.342" v="171" actId="1076"/>
+          <ac:spMkLst>
+            <pc:docMk/>
+            <pc:sldMk cId="1666026033" sldId="286"/>
+            <ac:spMk id="4" creationId="{00000000-0000-0000-0000-000000000000}"/>
+          </ac:spMkLst>
+        </pc:spChg>
+        <pc:spChg chg="add mod">
+          <ac:chgData name="Cooling, Chris" userId="6dcf99c9-2ba5-410a-8445-0893a3d1421f" providerId="ADAL" clId="{D8103D45-09F7-4688-9DAE-2960EEBE232E}" dt="2022-10-13T15:36:31.430" v="173" actId="1076"/>
+          <ac:spMkLst>
+            <pc:docMk/>
+            <pc:sldMk cId="1666026033" sldId="286"/>
+            <ac:spMk id="7" creationId="{2CB59673-0D3F-4DE9-8E99-E7AE983BBBA7}"/>
+          </ac:spMkLst>
+        </pc:spChg>
+        <pc:spChg chg="add mod">
+          <ac:chgData name="Cooling, Chris" userId="6dcf99c9-2ba5-410a-8445-0893a3d1421f" providerId="ADAL" clId="{D8103D45-09F7-4688-9DAE-2960EEBE232E}" dt="2022-10-13T15:36:29.270" v="172" actId="1076"/>
+          <ac:spMkLst>
+            <pc:docMk/>
+            <pc:sldMk cId="1666026033" sldId="286"/>
+            <ac:spMk id="9" creationId="{8168D1BA-B83E-4CA0-AC9A-97EBF47D7AEC}"/>
+          </ac:spMkLst>
+        </pc:spChg>
+      </pc:sldChg>
       <pc:sldChg chg="modSp mod">
         <pc:chgData name="Cooling, Chris" userId="6dcf99c9-2ba5-410a-8445-0893a3d1421f" providerId="ADAL" clId="{D8103D45-09F7-4688-9DAE-2960EEBE232E}" dt="2022-10-13T08:18:12.967" v="45" actId="20577"/>
         <pc:sldMkLst>
@@ -257,6 +288,177 @@
           </ac:spMkLst>
         </pc:spChg>
       </pc:sldChg>
+      <pc:sldChg chg="addSp modSp mod">
+        <pc:chgData name="Cooling, Chris" userId="6dcf99c9-2ba5-410a-8445-0893a3d1421f" providerId="ADAL" clId="{D8103D45-09F7-4688-9DAE-2960EEBE232E}" dt="2022-10-13T15:28:18.865" v="90" actId="1076"/>
+        <pc:sldMkLst>
+          <pc:docMk/>
+          <pc:sldMk cId="220242497" sldId="298"/>
+        </pc:sldMkLst>
+        <pc:spChg chg="mod">
+          <ac:chgData name="Cooling, Chris" userId="6dcf99c9-2ba5-410a-8445-0893a3d1421f" providerId="ADAL" clId="{D8103D45-09F7-4688-9DAE-2960EEBE232E}" dt="2022-10-13T15:27:39.538" v="64" actId="1076"/>
+          <ac:spMkLst>
+            <pc:docMk/>
+            <pc:sldMk cId="220242497" sldId="298"/>
+            <ac:spMk id="3" creationId="{00000000-0000-0000-0000-000000000000}"/>
+          </ac:spMkLst>
+        </pc:spChg>
+        <pc:spChg chg="add mod">
+          <ac:chgData name="Cooling, Chris" userId="6dcf99c9-2ba5-410a-8445-0893a3d1421f" providerId="ADAL" clId="{D8103D45-09F7-4688-9DAE-2960EEBE232E}" dt="2022-10-13T15:28:15.226" v="89" actId="208"/>
+          <ac:spMkLst>
+            <pc:docMk/>
+            <pc:sldMk cId="220242497" sldId="298"/>
+            <ac:spMk id="5" creationId="{1E0BC7B6-2E42-45EC-B7F7-F257474F1DE5}"/>
+          </ac:spMkLst>
+        </pc:spChg>
+        <pc:spChg chg="add mod">
+          <ac:chgData name="Cooling, Chris" userId="6dcf99c9-2ba5-410a-8445-0893a3d1421f" providerId="ADAL" clId="{D8103D45-09F7-4688-9DAE-2960EEBE232E}" dt="2022-10-13T15:28:18.865" v="90" actId="1076"/>
+          <ac:spMkLst>
+            <pc:docMk/>
+            <pc:sldMk cId="220242497" sldId="298"/>
+            <ac:spMk id="8" creationId="{9A4DF9E1-63AF-4F31-882D-375A499B3C4D}"/>
+          </ac:spMkLst>
+        </pc:spChg>
+      </pc:sldChg>
+      <pc:sldChg chg="addSp modSp mod">
+        <pc:chgData name="Cooling, Chris" userId="6dcf99c9-2ba5-410a-8445-0893a3d1421f" providerId="ADAL" clId="{D8103D45-09F7-4688-9DAE-2960EEBE232E}" dt="2022-10-13T15:31:32.632" v="115" actId="1076"/>
+        <pc:sldMkLst>
+          <pc:docMk/>
+          <pc:sldMk cId="3438445482" sldId="300"/>
+        </pc:sldMkLst>
+        <pc:spChg chg="mod">
+          <ac:chgData name="Cooling, Chris" userId="6dcf99c9-2ba5-410a-8445-0893a3d1421f" providerId="ADAL" clId="{D8103D45-09F7-4688-9DAE-2960EEBE232E}" dt="2022-10-13T15:31:10.448" v="113" actId="14100"/>
+          <ac:spMkLst>
+            <pc:docMk/>
+            <pc:sldMk cId="3438445482" sldId="300"/>
+            <ac:spMk id="3" creationId="{00000000-0000-0000-0000-000000000000}"/>
+          </ac:spMkLst>
+        </pc:spChg>
+        <pc:spChg chg="add mod">
+          <ac:chgData name="Cooling, Chris" userId="6dcf99c9-2ba5-410a-8445-0893a3d1421f" providerId="ADAL" clId="{D8103D45-09F7-4688-9DAE-2960EEBE232E}" dt="2022-10-13T15:31:21.760" v="114" actId="1076"/>
+          <ac:spMkLst>
+            <pc:docMk/>
+            <pc:sldMk cId="3438445482" sldId="300"/>
+            <ac:spMk id="5" creationId="{15F63032-E97D-47FB-BAD6-DCAFC6FCF877}"/>
+          </ac:spMkLst>
+        </pc:spChg>
+        <pc:spChg chg="add mod">
+          <ac:chgData name="Cooling, Chris" userId="6dcf99c9-2ba5-410a-8445-0893a3d1421f" providerId="ADAL" clId="{D8103D45-09F7-4688-9DAE-2960EEBE232E}" dt="2022-10-13T15:31:32.632" v="115" actId="1076"/>
+          <ac:spMkLst>
+            <pc:docMk/>
+            <pc:sldMk cId="3438445482" sldId="300"/>
+            <ac:spMk id="9" creationId="{7852ECC2-B9D2-47A7-82FF-D51775B4234D}"/>
+          </ac:spMkLst>
+        </pc:spChg>
+      </pc:sldChg>
+      <pc:sldChg chg="addSp modSp mod">
+        <pc:chgData name="Cooling, Chris" userId="6dcf99c9-2ba5-410a-8445-0893a3d1421f" providerId="ADAL" clId="{D8103D45-09F7-4688-9DAE-2960EEBE232E}" dt="2022-10-13T15:32:48.135" v="133" actId="1076"/>
+        <pc:sldMkLst>
+          <pc:docMk/>
+          <pc:sldMk cId="1918510917" sldId="313"/>
+        </pc:sldMkLst>
+        <pc:spChg chg="mod">
+          <ac:chgData name="Cooling, Chris" userId="6dcf99c9-2ba5-410a-8445-0893a3d1421f" providerId="ADAL" clId="{D8103D45-09F7-4688-9DAE-2960EEBE232E}" dt="2022-10-13T15:32:16.799" v="123" actId="14100"/>
+          <ac:spMkLst>
+            <pc:docMk/>
+            <pc:sldMk cId="1918510917" sldId="313"/>
+            <ac:spMk id="3" creationId="{00000000-0000-0000-0000-000000000000}"/>
+          </ac:spMkLst>
+        </pc:spChg>
+        <pc:spChg chg="add mod">
+          <ac:chgData name="Cooling, Chris" userId="6dcf99c9-2ba5-410a-8445-0893a3d1421f" providerId="ADAL" clId="{D8103D45-09F7-4688-9DAE-2960EEBE232E}" dt="2022-10-13T15:32:45.304" v="132" actId="14100"/>
+          <ac:spMkLst>
+            <pc:docMk/>
+            <pc:sldMk cId="1918510917" sldId="313"/>
+            <ac:spMk id="5" creationId="{05152CD9-B2C8-4471-B95F-186A116DC636}"/>
+          </ac:spMkLst>
+        </pc:spChg>
+        <pc:spChg chg="add mod">
+          <ac:chgData name="Cooling, Chris" userId="6dcf99c9-2ba5-410a-8445-0893a3d1421f" providerId="ADAL" clId="{D8103D45-09F7-4688-9DAE-2960EEBE232E}" dt="2022-10-13T15:32:48.135" v="133" actId="1076"/>
+          <ac:spMkLst>
+            <pc:docMk/>
+            <pc:sldMk cId="1918510917" sldId="313"/>
+            <ac:spMk id="8" creationId="{1AF1534E-0678-4EA4-B9B1-4BCE0670F039}"/>
+          </ac:spMkLst>
+        </pc:spChg>
+      </pc:sldChg>
+      <pc:sldChg chg="addSp modSp mod">
+        <pc:chgData name="Cooling, Chris" userId="6dcf99c9-2ba5-410a-8445-0893a3d1421f" providerId="ADAL" clId="{D8103D45-09F7-4688-9DAE-2960EEBE232E}" dt="2022-10-13T15:34:43.759" v="155" actId="14100"/>
+        <pc:sldMkLst>
+          <pc:docMk/>
+          <pc:sldMk cId="3366996886" sldId="314"/>
+        </pc:sldMkLst>
+        <pc:spChg chg="mod">
+          <ac:chgData name="Cooling, Chris" userId="6dcf99c9-2ba5-410a-8445-0893a3d1421f" providerId="ADAL" clId="{D8103D45-09F7-4688-9DAE-2960EEBE232E}" dt="2022-10-13T15:34:43.759" v="155" actId="14100"/>
+          <ac:spMkLst>
+            <pc:docMk/>
+            <pc:sldMk cId="3366996886" sldId="314"/>
+            <ac:spMk id="3" creationId="{00000000-0000-0000-0000-000000000000}"/>
+          </ac:spMkLst>
+        </pc:spChg>
+        <pc:spChg chg="add mod">
+          <ac:chgData name="Cooling, Chris" userId="6dcf99c9-2ba5-410a-8445-0893a3d1421f" providerId="ADAL" clId="{D8103D45-09F7-4688-9DAE-2960EEBE232E}" dt="2022-10-13T15:34:21.920" v="152" actId="164"/>
+          <ac:spMkLst>
+            <pc:docMk/>
+            <pc:sldMk cId="3366996886" sldId="314"/>
+            <ac:spMk id="6" creationId="{751AE24A-A31C-4336-8A00-420F363437BA}"/>
+          </ac:spMkLst>
+        </pc:spChg>
+        <pc:spChg chg="add mod">
+          <ac:chgData name="Cooling, Chris" userId="6dcf99c9-2ba5-410a-8445-0893a3d1421f" providerId="ADAL" clId="{D8103D45-09F7-4688-9DAE-2960EEBE232E}" dt="2022-10-13T15:34:21.920" v="152" actId="164"/>
+          <ac:spMkLst>
+            <pc:docMk/>
+            <pc:sldMk cId="3366996886" sldId="314"/>
+            <ac:spMk id="7" creationId="{13733D78-4BE5-4695-BC08-7A423BCF46F5}"/>
+          </ac:spMkLst>
+        </pc:spChg>
+        <pc:grpChg chg="add mod">
+          <ac:chgData name="Cooling, Chris" userId="6dcf99c9-2ba5-410a-8445-0893a3d1421f" providerId="ADAL" clId="{D8103D45-09F7-4688-9DAE-2960EEBE232E}" dt="2022-10-13T15:34:30.007" v="153" actId="1076"/>
+          <ac:grpSpMkLst>
+            <pc:docMk/>
+            <pc:sldMk cId="3366996886" sldId="314"/>
+            <ac:grpSpMk id="8" creationId="{A44E0BC6-4A31-49F0-A1AD-B11D99FB6ED4}"/>
+          </ac:grpSpMkLst>
+        </pc:grpChg>
+      </pc:sldChg>
+      <pc:sldChg chg="addSp modSp mod">
+        <pc:chgData name="Cooling, Chris" userId="6dcf99c9-2ba5-410a-8445-0893a3d1421f" providerId="ADAL" clId="{D8103D45-09F7-4688-9DAE-2960EEBE232E}" dt="2022-10-13T15:37:53.718" v="189" actId="1076"/>
+        <pc:sldMkLst>
+          <pc:docMk/>
+          <pc:sldMk cId="494754683" sldId="327"/>
+        </pc:sldMkLst>
+        <pc:spChg chg="mod">
+          <ac:chgData name="Cooling, Chris" userId="6dcf99c9-2ba5-410a-8445-0893a3d1421f" providerId="ADAL" clId="{D8103D45-09F7-4688-9DAE-2960EEBE232E}" dt="2022-10-13T15:37:15.373" v="181" actId="1076"/>
+          <ac:spMkLst>
+            <pc:docMk/>
+            <pc:sldMk cId="494754683" sldId="327"/>
+            <ac:spMk id="3" creationId="{603AC519-287E-431C-AC14-B4D6EEF203DB}"/>
+          </ac:spMkLst>
+        </pc:spChg>
+        <pc:spChg chg="add mod">
+          <ac:chgData name="Cooling, Chris" userId="6dcf99c9-2ba5-410a-8445-0893a3d1421f" providerId="ADAL" clId="{D8103D45-09F7-4688-9DAE-2960EEBE232E}" dt="2022-10-13T15:37:51.087" v="188" actId="164"/>
+          <ac:spMkLst>
+            <pc:docMk/>
+            <pc:sldMk cId="494754683" sldId="327"/>
+            <ac:spMk id="7" creationId="{382B5039-0FCA-4183-A976-558DB9773EE4}"/>
+          </ac:spMkLst>
+        </pc:spChg>
+        <pc:spChg chg="add mod">
+          <ac:chgData name="Cooling, Chris" userId="6dcf99c9-2ba5-410a-8445-0893a3d1421f" providerId="ADAL" clId="{D8103D45-09F7-4688-9DAE-2960EEBE232E}" dt="2022-10-13T15:37:51.087" v="188" actId="164"/>
+          <ac:spMkLst>
+            <pc:docMk/>
+            <pc:sldMk cId="494754683" sldId="327"/>
+            <ac:spMk id="8" creationId="{ECCD3FDA-DFDB-4F01-8DA6-B2190063C17B}"/>
+          </ac:spMkLst>
+        </pc:spChg>
+        <pc:grpChg chg="add mod">
+          <ac:chgData name="Cooling, Chris" userId="6dcf99c9-2ba5-410a-8445-0893a3d1421f" providerId="ADAL" clId="{D8103D45-09F7-4688-9DAE-2960EEBE232E}" dt="2022-10-13T15:37:53.718" v="189" actId="1076"/>
+          <ac:grpSpMkLst>
+            <pc:docMk/>
+            <pc:sldMk cId="494754683" sldId="327"/>
+            <ac:grpSpMk id="5" creationId="{8081CBA2-3405-4E0D-8432-0752FD2B0833}"/>
+          </ac:grpSpMkLst>
+        </pc:grpChg>
+      </pc:sldChg>
       <pc:sldChg chg="del">
         <pc:chgData name="Cooling, Chris" userId="6dcf99c9-2ba5-410a-8445-0893a3d1421f" providerId="ADAL" clId="{D8103D45-09F7-4688-9DAE-2960EEBE232E}" dt="2022-10-10T14:03:18.971" v="2" actId="47"/>
         <pc:sldMkLst>
@@ -264,12 +466,74 @@
           <pc:sldMk cId="1331705178" sldId="328"/>
         </pc:sldMkLst>
       </pc:sldChg>
+      <pc:sldChg chg="addSp modSp mod">
+        <pc:chgData name="Cooling, Chris" userId="6dcf99c9-2ba5-410a-8445-0893a3d1421f" providerId="ADAL" clId="{D8103D45-09F7-4688-9DAE-2960EEBE232E}" dt="2022-10-13T15:38:48.623" v="199" actId="164"/>
+        <pc:sldMkLst>
+          <pc:docMk/>
+          <pc:sldMk cId="3108168923" sldId="330"/>
+        </pc:sldMkLst>
+        <pc:spChg chg="mod">
+          <ac:chgData name="Cooling, Chris" userId="6dcf99c9-2ba5-410a-8445-0893a3d1421f" providerId="ADAL" clId="{D8103D45-09F7-4688-9DAE-2960EEBE232E}" dt="2022-10-13T15:38:24.797" v="193" actId="1076"/>
+          <ac:spMkLst>
+            <pc:docMk/>
+            <pc:sldMk cId="3108168923" sldId="330"/>
+            <ac:spMk id="3" creationId="{603AC519-287E-431C-AC14-B4D6EEF203DB}"/>
+          </ac:spMkLst>
+        </pc:spChg>
+        <pc:spChg chg="add mod">
+          <ac:chgData name="Cooling, Chris" userId="6dcf99c9-2ba5-410a-8445-0893a3d1421f" providerId="ADAL" clId="{D8103D45-09F7-4688-9DAE-2960EEBE232E}" dt="2022-10-13T15:38:48.623" v="199" actId="164"/>
+          <ac:spMkLst>
+            <pc:docMk/>
+            <pc:sldMk cId="3108168923" sldId="330"/>
+            <ac:spMk id="7" creationId="{818BFF91-BF28-45A9-A599-0028E8638A8C}"/>
+          </ac:spMkLst>
+        </pc:spChg>
+        <pc:spChg chg="add mod">
+          <ac:chgData name="Cooling, Chris" userId="6dcf99c9-2ba5-410a-8445-0893a3d1421f" providerId="ADAL" clId="{D8103D45-09F7-4688-9DAE-2960EEBE232E}" dt="2022-10-13T15:38:48.623" v="199" actId="164"/>
+          <ac:spMkLst>
+            <pc:docMk/>
+            <pc:sldMk cId="3108168923" sldId="330"/>
+            <ac:spMk id="9" creationId="{20B28496-C9DD-4BCA-ABD9-E267B118CA9B}"/>
+          </ac:spMkLst>
+        </pc:spChg>
+        <pc:grpChg chg="add mod">
+          <ac:chgData name="Cooling, Chris" userId="6dcf99c9-2ba5-410a-8445-0893a3d1421f" providerId="ADAL" clId="{D8103D45-09F7-4688-9DAE-2960EEBE232E}" dt="2022-10-13T15:38:48.623" v="199" actId="164"/>
+          <ac:grpSpMkLst>
+            <pc:docMk/>
+            <pc:sldMk cId="3108168923" sldId="330"/>
+            <ac:grpSpMk id="5" creationId="{9A245DBC-95D6-4764-8E59-0E5DDEA7639C}"/>
+          </ac:grpSpMkLst>
+        </pc:grpChg>
+      </pc:sldChg>
       <pc:sldChg chg="del">
         <pc:chgData name="Cooling, Chris" userId="6dcf99c9-2ba5-410a-8445-0893a3d1421f" providerId="ADAL" clId="{D8103D45-09F7-4688-9DAE-2960EEBE232E}" dt="2022-10-10T14:03:10.496" v="0" actId="47"/>
         <pc:sldMkLst>
           <pc:docMk/>
           <pc:sldMk cId="2122788927" sldId="331"/>
         </pc:sldMkLst>
+      </pc:sldChg>
+      <pc:sldChg chg="addSp delSp modSp mod">
+        <pc:chgData name="Cooling, Chris" userId="6dcf99c9-2ba5-410a-8445-0893a3d1421f" providerId="ADAL" clId="{D8103D45-09F7-4688-9DAE-2960EEBE232E}" dt="2022-10-13T15:35:10.663" v="157" actId="20577"/>
+        <pc:sldMkLst>
+          <pc:docMk/>
+          <pc:sldMk cId="2809834161" sldId="332"/>
+        </pc:sldMkLst>
+        <pc:spChg chg="add del mod">
+          <ac:chgData name="Cooling, Chris" userId="6dcf99c9-2ba5-410a-8445-0893a3d1421f" providerId="ADAL" clId="{D8103D45-09F7-4688-9DAE-2960EEBE232E}" dt="2022-10-13T15:29:44.322" v="95" actId="478"/>
+          <ac:spMkLst>
+            <pc:docMk/>
+            <pc:sldMk cId="2809834161" sldId="332"/>
+            <ac:spMk id="6" creationId="{EE72F6D7-45BD-44B8-BEBF-CD36867ADBEA}"/>
+          </ac:spMkLst>
+        </pc:spChg>
+        <pc:spChg chg="mod">
+          <ac:chgData name="Cooling, Chris" userId="6dcf99c9-2ba5-410a-8445-0893a3d1421f" providerId="ADAL" clId="{D8103D45-09F7-4688-9DAE-2960EEBE232E}" dt="2022-10-13T15:35:10.663" v="157" actId="20577"/>
+          <ac:spMkLst>
+            <pc:docMk/>
+            <pc:sldMk cId="2809834161" sldId="332"/>
+            <ac:spMk id="7" creationId="{1660634B-E7CA-4B71-874A-B0734D57E95E}"/>
+          </ac:spMkLst>
+        </pc:spChg>
       </pc:sldChg>
       <pc:sldChg chg="add">
         <pc:chgData name="Cooling, Chris" userId="6dcf99c9-2ba5-410a-8445-0893a3d1421f" providerId="ADAL" clId="{D8103D45-09F7-4688-9DAE-2960EEBE232E}" dt="2022-10-10T14:03:12.595" v="1"/>
@@ -8761,13 +9025,13 @@
         </p:nvSpPr>
         <p:spPr>
           <a:xfrm>
-            <a:off x="457200" y="1600199"/>
-            <a:ext cx="3967655" cy="4453759"/>
+            <a:off x="365244" y="3815256"/>
+            <a:ext cx="3967655" cy="779268"/>
           </a:xfrm>
         </p:spPr>
         <p:txBody>
           <a:bodyPr>
-            <a:normAutofit/>
+            <a:normAutofit lnSpcReduction="10000"/>
           </a:bodyPr>
           <a:lstStyle/>
           <a:p>
@@ -8794,200 +9058,16 @@
                   </a:schemeClr>
                 </a:solidFill>
               </a:rPr>
-              <a:t>usepackage</a:t>
+              <a:t>blindtext</a:t>
             </a:r>
             <a:r>
               <a:rPr lang="en-GB" sz="2400" dirty="0"/>
-              <a:t>{</a:t>
-            </a:r>
-            <a:r>
-              <a:rPr lang="en-GB" sz="2400" dirty="0" err="1">
-                <a:solidFill>
-                  <a:schemeClr val="tx2">
-                    <a:lumMod val="50000"/>
-                    <a:lumOff val="50000"/>
-                  </a:schemeClr>
-                </a:solidFill>
-              </a:rPr>
-              <a:t>blindtext</a:t>
-            </a:r>
-            <a:r>
-              <a:rPr lang="en-GB" sz="2400" dirty="0"/>
-              <a:t>}</a:t>
-            </a:r>
-          </a:p>
-          <a:p>
-            <a:pPr marL="0" indent="0">
-              <a:buNone/>
-            </a:pPr>
-            <a:r>
-              <a:rPr lang="en-GB" sz="2400" dirty="0">
-                <a:solidFill>
-                  <a:schemeClr val="tx2">
-                    <a:lumMod val="50000"/>
-                    <a:lumOff val="50000"/>
-                  </a:schemeClr>
-                </a:solidFill>
-              </a:rPr>
-              <a:t>\</a:t>
-            </a:r>
-            <a:r>
-              <a:rPr lang="en-GB" sz="2400" dirty="0" err="1">
-                <a:solidFill>
-                  <a:schemeClr val="tx2">
-                    <a:lumMod val="50000"/>
-                    <a:lumOff val="50000"/>
-                  </a:schemeClr>
-                </a:solidFill>
-              </a:rPr>
-              <a:t>usepackage</a:t>
-            </a:r>
-            <a:r>
-              <a:rPr lang="en-GB" sz="2400" dirty="0"/>
-              <a:t>[</a:t>
-            </a:r>
-            <a:r>
-              <a:rPr lang="en-GB" sz="2400" dirty="0">
-                <a:solidFill>
-                  <a:schemeClr val="accent4">
-                    <a:lumMod val="75000"/>
-                  </a:schemeClr>
-                </a:solidFill>
-              </a:rPr>
-              <a:t>margin=2cm</a:t>
-            </a:r>
-            <a:r>
-              <a:rPr lang="en-GB" sz="2400" dirty="0"/>
-              <a:t>] {</a:t>
-            </a:r>
-            <a:r>
-              <a:rPr lang="en-GB" sz="2400" dirty="0">
-                <a:solidFill>
-                  <a:schemeClr val="tx2">
-                    <a:lumMod val="50000"/>
-                    <a:lumOff val="50000"/>
-                  </a:schemeClr>
-                </a:solidFill>
-              </a:rPr>
-              <a:t>geometry</a:t>
-            </a:r>
-            <a:r>
-              <a:rPr lang="en-GB" sz="2400" dirty="0"/>
-              <a:t>}</a:t>
-            </a:r>
-          </a:p>
-          <a:p>
-            <a:pPr marL="0" indent="0">
-              <a:buNone/>
-            </a:pPr>
-            <a:endParaRPr lang="en-GB" sz="2400" dirty="0"/>
-          </a:p>
-          <a:p>
-            <a:pPr marL="0" indent="0">
-              <a:buNone/>
-            </a:pPr>
-            <a:r>
-              <a:rPr lang="en-GB" sz="2400" dirty="0">
-                <a:solidFill>
-                  <a:schemeClr val="tx2">
-                    <a:lumMod val="50000"/>
-                    <a:lumOff val="50000"/>
-                  </a:schemeClr>
-                </a:solidFill>
-              </a:rPr>
-              <a:t>\begin</a:t>
-            </a:r>
-            <a:r>
-              <a:rPr lang="en-GB" sz="2400" dirty="0"/>
-              <a:t>{</a:t>
-            </a:r>
-            <a:r>
-              <a:rPr lang="en-GB" sz="2400" dirty="0">
-                <a:solidFill>
-                  <a:schemeClr val="accent4">
-                    <a:lumMod val="75000"/>
-                  </a:schemeClr>
-                </a:solidFill>
-              </a:rPr>
-              <a:t>document</a:t>
-            </a:r>
-            <a:r>
-              <a:rPr lang="en-GB" sz="2400" dirty="0"/>
-              <a:t>}</a:t>
+              <a:t>[10]</a:t>
             </a:r>
             <a:br>
               <a:rPr lang="en-GB" sz="2400" dirty="0"/>
             </a:br>
             <a:endParaRPr lang="en-GB" sz="2400" dirty="0"/>
-          </a:p>
-          <a:p>
-            <a:pPr marL="0" indent="0">
-              <a:buNone/>
-            </a:pPr>
-            <a:r>
-              <a:rPr lang="en-GB" sz="2400" dirty="0">
-                <a:solidFill>
-                  <a:schemeClr val="tx2">
-                    <a:lumMod val="50000"/>
-                    <a:lumOff val="50000"/>
-                  </a:schemeClr>
-                </a:solidFill>
-              </a:rPr>
-              <a:t>\</a:t>
-            </a:r>
-            <a:r>
-              <a:rPr lang="en-GB" sz="2400" dirty="0" err="1">
-                <a:solidFill>
-                  <a:schemeClr val="tx2">
-                    <a:lumMod val="50000"/>
-                    <a:lumOff val="50000"/>
-                  </a:schemeClr>
-                </a:solidFill>
-              </a:rPr>
-              <a:t>blindtext</a:t>
-            </a:r>
-            <a:r>
-              <a:rPr lang="en-GB" sz="2400" dirty="0"/>
-              <a:t>[10]</a:t>
-            </a:r>
-            <a:br>
-              <a:rPr lang="en-GB" sz="2400" dirty="0"/>
-            </a:br>
-            <a:endParaRPr lang="en-GB" sz="2400" dirty="0"/>
-          </a:p>
-          <a:p>
-            <a:pPr marL="0" indent="0">
-              <a:buNone/>
-            </a:pPr>
-            <a:r>
-              <a:rPr lang="en-GB" sz="2400" dirty="0">
-                <a:solidFill>
-                  <a:schemeClr val="tx2">
-                    <a:lumMod val="50000"/>
-                    <a:lumOff val="50000"/>
-                  </a:schemeClr>
-                </a:solidFill>
-              </a:rPr>
-              <a:t>\end</a:t>
-            </a:r>
-            <a:r>
-              <a:rPr lang="en-GB" sz="2400" dirty="0"/>
-              <a:t>{</a:t>
-            </a:r>
-            <a:r>
-              <a:rPr lang="en-GB" sz="2400" dirty="0">
-                <a:solidFill>
-                  <a:schemeClr val="accent4">
-                    <a:lumMod val="75000"/>
-                  </a:schemeClr>
-                </a:solidFill>
-              </a:rPr>
-              <a:t>document</a:t>
-            </a:r>
-            <a:r>
-              <a:rPr lang="en-GB" sz="2400" dirty="0"/>
-              <a:t>}</a:t>
-            </a:r>
           </a:p>
         </p:txBody>
       </p:sp>
@@ -9092,6 +9172,190 @@
                 </a:solidFill>
               </a:rPr>
               <a:t>Problem Sheet</a:t>
+            </a:r>
+          </a:p>
+        </p:txBody>
+      </p:sp>
+      <p:sp>
+        <p:nvSpPr>
+          <p:cNvPr id="5" name="TextBox 4">
+            <a:extLst>
+              <a:ext uri="{FF2B5EF4-FFF2-40B4-BE49-F238E27FC236}">
+                <a16:creationId xmlns:a16="http://schemas.microsoft.com/office/drawing/2014/main" id="{1E0BC7B6-2E42-45EC-B7F7-F257474F1DE5}"/>
+              </a:ext>
+            </a:extLst>
+          </p:cNvPr>
+          <p:cNvSpPr txBox="1"/>
+          <p:nvPr/>
+        </p:nvSpPr>
+        <p:spPr>
+          <a:xfrm>
+            <a:off x="365244" y="1963933"/>
+            <a:ext cx="3797471" cy="1200329"/>
+          </a:xfrm>
+          <a:prstGeom prst="rect">
+            <a:avLst/>
+          </a:prstGeom>
+          <a:noFill/>
+          <a:ln>
+            <a:solidFill>
+              <a:srgbClr val="FF0000"/>
+            </a:solidFill>
+          </a:ln>
+        </p:spPr>
+        <p:txBody>
+          <a:bodyPr wrap="square" rtlCol="0">
+            <a:spAutoFit/>
+          </a:bodyPr>
+          <a:lstStyle/>
+          <a:p>
+            <a:pPr marL="0" indent="0">
+              <a:buNone/>
+            </a:pPr>
+            <a:r>
+              <a:rPr lang="en-GB" sz="2400" dirty="0">
+                <a:solidFill>
+                  <a:schemeClr val="tx2">
+                    <a:lumMod val="50000"/>
+                    <a:lumOff val="50000"/>
+                  </a:schemeClr>
+                </a:solidFill>
+              </a:rPr>
+              <a:t>\</a:t>
+            </a:r>
+            <a:r>
+              <a:rPr lang="en-GB" sz="2400" dirty="0" err="1">
+                <a:solidFill>
+                  <a:schemeClr val="tx2">
+                    <a:lumMod val="50000"/>
+                    <a:lumOff val="50000"/>
+                  </a:schemeClr>
+                </a:solidFill>
+              </a:rPr>
+              <a:t>usepackage</a:t>
+            </a:r>
+            <a:r>
+              <a:rPr lang="en-GB" sz="2400" dirty="0"/>
+              <a:t>{</a:t>
+            </a:r>
+            <a:r>
+              <a:rPr lang="en-GB" sz="2400" dirty="0" err="1">
+                <a:solidFill>
+                  <a:schemeClr val="tx2">
+                    <a:lumMod val="50000"/>
+                    <a:lumOff val="50000"/>
+                  </a:schemeClr>
+                </a:solidFill>
+              </a:rPr>
+              <a:t>blindtext</a:t>
+            </a:r>
+            <a:r>
+              <a:rPr lang="en-GB" sz="2400" dirty="0"/>
+              <a:t>}</a:t>
+            </a:r>
+          </a:p>
+          <a:p>
+            <a:pPr marL="0" indent="0">
+              <a:buNone/>
+            </a:pPr>
+            <a:r>
+              <a:rPr lang="en-GB" sz="2400" dirty="0">
+                <a:solidFill>
+                  <a:schemeClr val="tx2">
+                    <a:lumMod val="50000"/>
+                    <a:lumOff val="50000"/>
+                  </a:schemeClr>
+                </a:solidFill>
+              </a:rPr>
+              <a:t>\</a:t>
+            </a:r>
+            <a:r>
+              <a:rPr lang="en-GB" sz="2400" dirty="0" err="1">
+                <a:solidFill>
+                  <a:schemeClr val="tx2">
+                    <a:lumMod val="50000"/>
+                    <a:lumOff val="50000"/>
+                  </a:schemeClr>
+                </a:solidFill>
+              </a:rPr>
+              <a:t>usepackage</a:t>
+            </a:r>
+            <a:r>
+              <a:rPr lang="en-GB" sz="2400" dirty="0"/>
+              <a:t>[</a:t>
+            </a:r>
+            <a:r>
+              <a:rPr lang="en-GB" sz="2400" dirty="0">
+                <a:solidFill>
+                  <a:schemeClr val="accent4">
+                    <a:lumMod val="75000"/>
+                  </a:schemeClr>
+                </a:solidFill>
+              </a:rPr>
+              <a:t>margin=2cm</a:t>
+            </a:r>
+            <a:r>
+              <a:rPr lang="en-GB" sz="2400" dirty="0"/>
+              <a:t>] {</a:t>
+            </a:r>
+            <a:r>
+              <a:rPr lang="en-GB" sz="2400" dirty="0">
+                <a:solidFill>
+                  <a:schemeClr val="tx2">
+                    <a:lumMod val="50000"/>
+                    <a:lumOff val="50000"/>
+                  </a:schemeClr>
+                </a:solidFill>
+              </a:rPr>
+              <a:t>geometry</a:t>
+            </a:r>
+            <a:r>
+              <a:rPr lang="en-GB" sz="2400" dirty="0"/>
+              <a:t>}</a:t>
+            </a:r>
+          </a:p>
+        </p:txBody>
+      </p:sp>
+      <p:sp>
+        <p:nvSpPr>
+          <p:cNvPr id="8" name="TextBox 7">
+            <a:extLst>
+              <a:ext uri="{FF2B5EF4-FFF2-40B4-BE49-F238E27FC236}">
+                <a16:creationId xmlns:a16="http://schemas.microsoft.com/office/drawing/2014/main" id="{9A4DF9E1-63AF-4F31-882D-375A499B3C4D}"/>
+              </a:ext>
+            </a:extLst>
+          </p:cNvPr>
+          <p:cNvSpPr txBox="1"/>
+          <p:nvPr/>
+        </p:nvSpPr>
+        <p:spPr>
+          <a:xfrm>
+            <a:off x="365244" y="1594601"/>
+            <a:ext cx="1877437" cy="369332"/>
+          </a:xfrm>
+          <a:prstGeom prst="rect">
+            <a:avLst/>
+          </a:prstGeom>
+          <a:noFill/>
+          <a:ln>
+            <a:solidFill>
+              <a:srgbClr val="FF0000"/>
+            </a:solidFill>
+          </a:ln>
+        </p:spPr>
+        <p:txBody>
+          <a:bodyPr wrap="none" rtlCol="0">
+            <a:spAutoFit/>
+          </a:bodyPr>
+          <a:lstStyle/>
+          <a:p>
+            <a:r>
+              <a:rPr lang="en-GB" dirty="0">
+                <a:solidFill>
+                  <a:srgbClr val="FF0000"/>
+                </a:solidFill>
+              </a:rPr>
+              <a:t>Add to preamble</a:t>
             </a:r>
           </a:p>
         </p:txBody>
@@ -9542,137 +9806,15 @@
         </p:nvSpPr>
         <p:spPr>
           <a:xfrm>
-            <a:off x="457200" y="1424427"/>
-            <a:ext cx="3967655" cy="4453759"/>
+            <a:off x="340008" y="3279228"/>
+            <a:ext cx="4096858" cy="3053906"/>
           </a:xfrm>
         </p:spPr>
         <p:txBody>
           <a:bodyPr>
-            <a:normAutofit lnSpcReduction="10000"/>
+            <a:normAutofit/>
           </a:bodyPr>
           <a:lstStyle/>
-          <a:p>
-            <a:pPr marL="0" indent="0">
-              <a:buNone/>
-            </a:pPr>
-            <a:r>
-              <a:rPr lang="en-GB" sz="2400" dirty="0">
-                <a:solidFill>
-                  <a:schemeClr val="tx2">
-                    <a:lumMod val="50000"/>
-                    <a:lumOff val="50000"/>
-                  </a:schemeClr>
-                </a:solidFill>
-              </a:rPr>
-              <a:t>\</a:t>
-            </a:r>
-            <a:r>
-              <a:rPr lang="en-GB" sz="2400" dirty="0" err="1">
-                <a:solidFill>
-                  <a:schemeClr val="tx2">
-                    <a:lumMod val="50000"/>
-                    <a:lumOff val="50000"/>
-                  </a:schemeClr>
-                </a:solidFill>
-              </a:rPr>
-              <a:t>usepackage</a:t>
-            </a:r>
-            <a:r>
-              <a:rPr lang="en-GB" sz="2400" dirty="0"/>
-              <a:t>{</a:t>
-            </a:r>
-            <a:r>
-              <a:rPr lang="en-GB" sz="2400" dirty="0" err="1">
-                <a:solidFill>
-                  <a:schemeClr val="accent4">
-                    <a:lumMod val="75000"/>
-                  </a:schemeClr>
-                </a:solidFill>
-              </a:rPr>
-              <a:t>setspace</a:t>
-            </a:r>
-            <a:r>
-              <a:rPr lang="en-GB" sz="2400" dirty="0"/>
-              <a:t>}</a:t>
-            </a:r>
-          </a:p>
-          <a:p>
-            <a:pPr marL="0" indent="0">
-              <a:buNone/>
-            </a:pPr>
-            <a:r>
-              <a:rPr lang="en-GB" sz="2400" dirty="0">
-                <a:solidFill>
-                  <a:schemeClr val="tx2">
-                    <a:lumMod val="50000"/>
-                    <a:lumOff val="50000"/>
-                  </a:schemeClr>
-                </a:solidFill>
-              </a:rPr>
-              <a:t>\</a:t>
-            </a:r>
-            <a:r>
-              <a:rPr lang="en-GB" sz="2400" dirty="0" err="1">
-                <a:solidFill>
-                  <a:schemeClr val="tx2">
-                    <a:lumMod val="50000"/>
-                    <a:lumOff val="50000"/>
-                  </a:schemeClr>
-                </a:solidFill>
-              </a:rPr>
-              <a:t>linespread</a:t>
-            </a:r>
-            <a:r>
-              <a:rPr lang="en-GB" sz="2400" dirty="0"/>
-              <a:t>{2}</a:t>
-            </a:r>
-          </a:p>
-          <a:p>
-            <a:pPr marL="0" indent="0">
-              <a:buNone/>
-            </a:pPr>
-            <a:endParaRPr lang="en-GB" sz="2400" dirty="0"/>
-          </a:p>
-          <a:p>
-            <a:pPr marL="0" indent="0">
-              <a:buNone/>
-            </a:pPr>
-            <a:r>
-              <a:rPr lang="en-GB" sz="2400" dirty="0">
-                <a:solidFill>
-                  <a:schemeClr val="tx2">
-                    <a:lumMod val="50000"/>
-                    <a:lumOff val="50000"/>
-                  </a:schemeClr>
-                </a:solidFill>
-              </a:rPr>
-              <a:t>\begin</a:t>
-            </a:r>
-            <a:r>
-              <a:rPr lang="en-GB" sz="2400" dirty="0"/>
-              <a:t>{</a:t>
-            </a:r>
-            <a:r>
-              <a:rPr lang="en-GB" sz="2400" dirty="0">
-                <a:solidFill>
-                  <a:schemeClr val="accent4">
-                    <a:lumMod val="75000"/>
-                  </a:schemeClr>
-                </a:solidFill>
-              </a:rPr>
-              <a:t>document</a:t>
-            </a:r>
-            <a:r>
-              <a:rPr lang="en-GB" sz="2400" dirty="0"/>
-              <a:t>}</a:t>
-            </a:r>
-          </a:p>
-          <a:p>
-            <a:pPr marL="0" indent="0">
-              <a:buNone/>
-            </a:pPr>
-            <a:endParaRPr lang="en-GB" sz="2400" dirty="0"/>
-          </a:p>
           <a:p>
             <a:pPr marL="0" indent="0">
               <a:buNone/>
@@ -9957,6 +10099,161 @@
           </a:prstGeom>
         </p:spPr>
       </p:pic>
+      <p:sp>
+        <p:nvSpPr>
+          <p:cNvPr id="9" name="TextBox 8">
+            <a:extLst>
+              <a:ext uri="{FF2B5EF4-FFF2-40B4-BE49-F238E27FC236}">
+                <a16:creationId xmlns:a16="http://schemas.microsoft.com/office/drawing/2014/main" id="{7852ECC2-B9D2-47A7-82FF-D51775B4234D}"/>
+              </a:ext>
+            </a:extLst>
+          </p:cNvPr>
+          <p:cNvSpPr txBox="1"/>
+          <p:nvPr/>
+        </p:nvSpPr>
+        <p:spPr>
+          <a:xfrm>
+            <a:off x="340008" y="1614800"/>
+            <a:ext cx="1877437" cy="369332"/>
+          </a:xfrm>
+          <a:prstGeom prst="rect">
+            <a:avLst/>
+          </a:prstGeom>
+          <a:noFill/>
+          <a:ln>
+            <a:solidFill>
+              <a:srgbClr val="FF0000"/>
+            </a:solidFill>
+          </a:ln>
+        </p:spPr>
+        <p:txBody>
+          <a:bodyPr wrap="none" rtlCol="0">
+            <a:spAutoFit/>
+          </a:bodyPr>
+          <a:lstStyle/>
+          <a:p>
+            <a:r>
+              <a:rPr lang="en-GB" dirty="0">
+                <a:solidFill>
+                  <a:srgbClr val="FF0000"/>
+                </a:solidFill>
+              </a:rPr>
+              <a:t>Add to preamble</a:t>
+            </a:r>
+          </a:p>
+        </p:txBody>
+      </p:sp>
+      <p:sp>
+        <p:nvSpPr>
+          <p:cNvPr id="5" name="TextBox 4">
+            <a:extLst>
+              <a:ext uri="{FF2B5EF4-FFF2-40B4-BE49-F238E27FC236}">
+                <a16:creationId xmlns:a16="http://schemas.microsoft.com/office/drawing/2014/main" id="{15F63032-E97D-47FB-BAD6-DCAFC6FCF877}"/>
+              </a:ext>
+            </a:extLst>
+          </p:cNvPr>
+          <p:cNvSpPr txBox="1"/>
+          <p:nvPr/>
+        </p:nvSpPr>
+        <p:spPr>
+          <a:xfrm>
+            <a:off x="340008" y="1984132"/>
+            <a:ext cx="3369833" cy="830997"/>
+          </a:xfrm>
+          <a:prstGeom prst="rect">
+            <a:avLst/>
+          </a:prstGeom>
+          <a:noFill/>
+          <a:ln>
+            <a:solidFill>
+              <a:srgbClr val="FF0000"/>
+            </a:solidFill>
+          </a:ln>
+        </p:spPr>
+        <p:txBody>
+          <a:bodyPr wrap="none" rtlCol="0">
+            <a:spAutoFit/>
+          </a:bodyPr>
+          <a:lstStyle/>
+          <a:p>
+            <a:pPr marL="0" indent="0">
+              <a:buNone/>
+            </a:pPr>
+            <a:r>
+              <a:rPr lang="en-GB" sz="2400" dirty="0">
+                <a:solidFill>
+                  <a:schemeClr val="tx2">
+                    <a:lumMod val="50000"/>
+                    <a:lumOff val="50000"/>
+                  </a:schemeClr>
+                </a:solidFill>
+              </a:rPr>
+              <a:t>\</a:t>
+            </a:r>
+            <a:r>
+              <a:rPr lang="en-GB" sz="2400" dirty="0" err="1">
+                <a:solidFill>
+                  <a:schemeClr val="tx2">
+                    <a:lumMod val="50000"/>
+                    <a:lumOff val="50000"/>
+                  </a:schemeClr>
+                </a:solidFill>
+              </a:rPr>
+              <a:t>usepackage</a:t>
+            </a:r>
+            <a:r>
+              <a:rPr lang="en-GB" sz="2400" dirty="0"/>
+              <a:t>{</a:t>
+            </a:r>
+            <a:r>
+              <a:rPr lang="en-GB" sz="2400" dirty="0" err="1">
+                <a:solidFill>
+                  <a:schemeClr val="accent4">
+                    <a:lumMod val="75000"/>
+                  </a:schemeClr>
+                </a:solidFill>
+              </a:rPr>
+              <a:t>setspace</a:t>
+            </a:r>
+            <a:r>
+              <a:rPr lang="en-GB" sz="2400" dirty="0"/>
+              <a:t>}</a:t>
+            </a:r>
+          </a:p>
+          <a:p>
+            <a:pPr marL="0" indent="0">
+              <a:buNone/>
+            </a:pPr>
+            <a:r>
+              <a:rPr lang="en-GB" sz="2400" dirty="0">
+                <a:solidFill>
+                  <a:schemeClr val="tx2">
+                    <a:lumMod val="50000"/>
+                    <a:lumOff val="50000"/>
+                  </a:schemeClr>
+                </a:solidFill>
+              </a:rPr>
+              <a:t>\</a:t>
+            </a:r>
+            <a:r>
+              <a:rPr lang="en-GB" sz="2400" dirty="0" err="1">
+                <a:solidFill>
+                  <a:schemeClr val="tx2">
+                    <a:lumMod val="50000"/>
+                    <a:lumOff val="50000"/>
+                  </a:schemeClr>
+                </a:solidFill>
+              </a:rPr>
+              <a:t>linespread</a:t>
+            </a:r>
+            <a:r>
+              <a:rPr lang="en-GB" sz="2400" dirty="0"/>
+              <a:t>{2}</a:t>
+            </a:r>
+            <a:endParaRPr lang="en-GB" dirty="0"/>
+          </a:p>
+        </p:txBody>
+      </p:sp>
     </p:spTree>
     <p:extLst>
       <p:ext uri="{BB962C8B-B14F-4D97-AF65-F5344CB8AC3E}">
@@ -15651,8 +15948,8 @@
         </p:nvSpPr>
         <p:spPr>
           <a:xfrm>
-            <a:off x="398722" y="1770590"/>
-            <a:ext cx="4173278" cy="4369621"/>
+            <a:off x="398722" y="3504449"/>
+            <a:ext cx="4173278" cy="2635762"/>
           </a:xfrm>
         </p:spPr>
         <p:txBody>
@@ -15660,160 +15957,6 @@
             <a:noAutofit/>
           </a:bodyPr>
           <a:lstStyle/>
-          <a:p>
-            <a:pPr marL="0" indent="0">
-              <a:buNone/>
-            </a:pPr>
-            <a:r>
-              <a:rPr lang="en-GB" sz="2000" dirty="0">
-                <a:solidFill>
-                  <a:schemeClr val="tx2">
-                    <a:lumMod val="50000"/>
-                    <a:lumOff val="50000"/>
-                  </a:schemeClr>
-                </a:solidFill>
-              </a:rPr>
-              <a:t>\</a:t>
-            </a:r>
-            <a:r>
-              <a:rPr lang="en-GB" sz="2000" dirty="0" err="1">
-                <a:solidFill>
-                  <a:schemeClr val="tx2">
-                    <a:lumMod val="50000"/>
-                    <a:lumOff val="50000"/>
-                  </a:schemeClr>
-                </a:solidFill>
-              </a:rPr>
-              <a:t>usepackage</a:t>
-            </a:r>
-            <a:r>
-              <a:rPr lang="en-GB" sz="2000" dirty="0"/>
-              <a:t>[</a:t>
-            </a:r>
-            <a:r>
-              <a:rPr lang="en-GB" sz="2000" dirty="0" err="1">
-                <a:solidFill>
-                  <a:schemeClr val="accent4">
-                    <a:lumMod val="75000"/>
-                  </a:schemeClr>
-                </a:solidFill>
-              </a:rPr>
-              <a:t>colorlinks</a:t>
-            </a:r>
-            <a:r>
-              <a:rPr lang="en-GB" sz="2000" dirty="0">
-                <a:solidFill>
-                  <a:schemeClr val="accent4">
-                    <a:lumMod val="75000"/>
-                  </a:schemeClr>
-                </a:solidFill>
-              </a:rPr>
-              <a:t>=true, </a:t>
-            </a:r>
-            <a:r>
-              <a:rPr lang="en-GB" sz="2000" dirty="0" err="1">
-                <a:solidFill>
-                  <a:schemeClr val="accent4">
-                    <a:lumMod val="75000"/>
-                  </a:schemeClr>
-                </a:solidFill>
-              </a:rPr>
-              <a:t>linkcolor</a:t>
-            </a:r>
-            <a:r>
-              <a:rPr lang="en-GB" sz="2000" dirty="0">
-                <a:solidFill>
-                  <a:schemeClr val="accent4">
-                    <a:lumMod val="75000"/>
-                  </a:schemeClr>
-                </a:solidFill>
-              </a:rPr>
-              <a:t>=blue, </a:t>
-            </a:r>
-            <a:r>
-              <a:rPr lang="en-GB" sz="2000" dirty="0" err="1">
-                <a:solidFill>
-                  <a:schemeClr val="accent4">
-                    <a:lumMod val="75000"/>
-                  </a:schemeClr>
-                </a:solidFill>
-              </a:rPr>
-              <a:t>citecolor</a:t>
-            </a:r>
-            <a:r>
-              <a:rPr lang="en-GB" sz="2000" dirty="0">
-                <a:solidFill>
-                  <a:schemeClr val="accent4">
-                    <a:lumMod val="75000"/>
-                  </a:schemeClr>
-                </a:solidFill>
-              </a:rPr>
-              <a:t>=red</a:t>
-            </a:r>
-            <a:r>
-              <a:rPr lang="en-GB" sz="2000" dirty="0"/>
-              <a:t>]{</a:t>
-            </a:r>
-            <a:r>
-              <a:rPr lang="en-GB" sz="2000" dirty="0" err="1">
-                <a:solidFill>
-                  <a:schemeClr val="tx2">
-                    <a:lumMod val="50000"/>
-                    <a:lumOff val="50000"/>
-                  </a:schemeClr>
-                </a:solidFill>
-              </a:rPr>
-              <a:t>hyperref</a:t>
-            </a:r>
-            <a:r>
-              <a:rPr lang="en-GB" sz="2000" dirty="0"/>
-              <a:t>}</a:t>
-            </a:r>
-          </a:p>
-          <a:p>
-            <a:pPr marL="0" indent="0">
-              <a:buNone/>
-            </a:pPr>
-            <a:endParaRPr lang="en-GB" sz="2000" dirty="0"/>
-          </a:p>
-          <a:p>
-            <a:pPr marL="0" indent="0">
-              <a:buNone/>
-            </a:pPr>
-            <a:r>
-              <a:rPr lang="en-GB" sz="2000" dirty="0">
-                <a:solidFill>
-                  <a:schemeClr val="tx2">
-                    <a:lumMod val="50000"/>
-                    <a:lumOff val="50000"/>
-                  </a:schemeClr>
-                </a:solidFill>
-              </a:rPr>
-              <a:t>\begin</a:t>
-            </a:r>
-            <a:r>
-              <a:rPr lang="en-GB" sz="2000" dirty="0"/>
-              <a:t>{</a:t>
-            </a:r>
-            <a:r>
-              <a:rPr lang="en-GB" sz="2000" dirty="0">
-                <a:solidFill>
-                  <a:schemeClr val="accent4">
-                    <a:lumMod val="75000"/>
-                  </a:schemeClr>
-                </a:solidFill>
-              </a:rPr>
-              <a:t>document</a:t>
-            </a:r>
-            <a:r>
-              <a:rPr lang="en-GB" sz="2000" dirty="0"/>
-              <a:t>}</a:t>
-            </a:r>
-            <a:br>
-              <a:rPr lang="en-GB" sz="2000" dirty="0"/>
-            </a:br>
-            <a:endParaRPr lang="en-GB" sz="2000" dirty="0"/>
-          </a:p>
           <a:p>
             <a:pPr marL="0" indent="0">
               <a:buNone/>
@@ -16077,6 +16220,191 @@
           </a:prstGeom>
         </p:spPr>
       </p:pic>
+      <p:sp>
+        <p:nvSpPr>
+          <p:cNvPr id="8" name="TextBox 7">
+            <a:extLst>
+              <a:ext uri="{FF2B5EF4-FFF2-40B4-BE49-F238E27FC236}">
+                <a16:creationId xmlns:a16="http://schemas.microsoft.com/office/drawing/2014/main" id="{1AF1534E-0678-4EA4-B9B1-4BCE0670F039}"/>
+              </a:ext>
+            </a:extLst>
+          </p:cNvPr>
+          <p:cNvSpPr txBox="1"/>
+          <p:nvPr/>
+        </p:nvSpPr>
+        <p:spPr>
+          <a:xfrm>
+            <a:off x="398722" y="1720725"/>
+            <a:ext cx="1877437" cy="369332"/>
+          </a:xfrm>
+          <a:prstGeom prst="rect">
+            <a:avLst/>
+          </a:prstGeom>
+          <a:noFill/>
+          <a:ln>
+            <a:solidFill>
+              <a:srgbClr val="FF0000"/>
+            </a:solidFill>
+          </a:ln>
+        </p:spPr>
+        <p:txBody>
+          <a:bodyPr wrap="none" rtlCol="0">
+            <a:spAutoFit/>
+          </a:bodyPr>
+          <a:lstStyle/>
+          <a:p>
+            <a:r>
+              <a:rPr lang="en-GB" dirty="0">
+                <a:solidFill>
+                  <a:srgbClr val="FF0000"/>
+                </a:solidFill>
+              </a:rPr>
+              <a:t>Add to preamble</a:t>
+            </a:r>
+          </a:p>
+        </p:txBody>
+      </p:sp>
+      <p:sp>
+        <p:nvSpPr>
+          <p:cNvPr id="5" name="TextBox 4">
+            <a:extLst>
+              <a:ext uri="{FF2B5EF4-FFF2-40B4-BE49-F238E27FC236}">
+                <a16:creationId xmlns:a16="http://schemas.microsoft.com/office/drawing/2014/main" id="{05152CD9-B2C8-4471-B95F-186A116DC636}"/>
+              </a:ext>
+            </a:extLst>
+          </p:cNvPr>
+          <p:cNvSpPr txBox="1"/>
+          <p:nvPr/>
+        </p:nvSpPr>
+        <p:spPr>
+          <a:xfrm>
+            <a:off x="398722" y="2090057"/>
+            <a:ext cx="3141762" cy="923330"/>
+          </a:xfrm>
+          <a:prstGeom prst="rect">
+            <a:avLst/>
+          </a:prstGeom>
+          <a:noFill/>
+          <a:ln>
+            <a:solidFill>
+              <a:srgbClr val="FF0000"/>
+            </a:solidFill>
+          </a:ln>
+        </p:spPr>
+        <p:txBody>
+          <a:bodyPr wrap="square" rtlCol="0">
+            <a:spAutoFit/>
+          </a:bodyPr>
+          <a:lstStyle/>
+          <a:p>
+            <a:r>
+              <a:rPr lang="en-GB" sz="1800" dirty="0">
+                <a:solidFill>
+                  <a:schemeClr val="tx2">
+                    <a:lumMod val="50000"/>
+                    <a:lumOff val="50000"/>
+                  </a:schemeClr>
+                </a:solidFill>
+              </a:rPr>
+              <a:t>\</a:t>
+            </a:r>
+            <a:r>
+              <a:rPr lang="en-GB" sz="1800" dirty="0" err="1">
+                <a:solidFill>
+                  <a:schemeClr val="tx2">
+                    <a:lumMod val="50000"/>
+                    <a:lumOff val="50000"/>
+                  </a:schemeClr>
+                </a:solidFill>
+              </a:rPr>
+              <a:t>usepackage</a:t>
+            </a:r>
+            <a:r>
+              <a:rPr lang="en-GB" sz="1800" dirty="0"/>
+              <a:t>[</a:t>
+            </a:r>
+            <a:r>
+              <a:rPr lang="en-GB" sz="1800" dirty="0" err="1">
+                <a:solidFill>
+                  <a:schemeClr val="accent4">
+                    <a:lumMod val="75000"/>
+                  </a:schemeClr>
+                </a:solidFill>
+              </a:rPr>
+              <a:t>colorlinks</a:t>
+            </a:r>
+            <a:r>
+              <a:rPr lang="en-GB" sz="1800" dirty="0">
+                <a:solidFill>
+                  <a:schemeClr val="accent4">
+                    <a:lumMod val="75000"/>
+                  </a:schemeClr>
+                </a:solidFill>
+              </a:rPr>
+              <a:t>=true, </a:t>
+            </a:r>
+            <a:r>
+              <a:rPr lang="en-GB" sz="1800" dirty="0" err="1">
+                <a:solidFill>
+                  <a:schemeClr val="accent4">
+                    <a:lumMod val="75000"/>
+                  </a:schemeClr>
+                </a:solidFill>
+              </a:rPr>
+              <a:t>linkcolor</a:t>
+            </a:r>
+            <a:r>
+              <a:rPr lang="en-GB" sz="1800" dirty="0">
+                <a:solidFill>
+                  <a:schemeClr val="accent4">
+                    <a:lumMod val="75000"/>
+                  </a:schemeClr>
+                </a:solidFill>
+              </a:rPr>
+              <a:t>=blue, </a:t>
+            </a:r>
+            <a:r>
+              <a:rPr lang="en-GB" sz="1800" dirty="0" err="1">
+                <a:solidFill>
+                  <a:schemeClr val="accent4">
+                    <a:lumMod val="75000"/>
+                  </a:schemeClr>
+                </a:solidFill>
+              </a:rPr>
+              <a:t>citecolor</a:t>
+            </a:r>
+            <a:r>
+              <a:rPr lang="en-GB" sz="1800" dirty="0">
+                <a:solidFill>
+                  <a:schemeClr val="accent4">
+                    <a:lumMod val="75000"/>
+                  </a:schemeClr>
+                </a:solidFill>
+              </a:rPr>
+              <a:t>=red</a:t>
+            </a:r>
+            <a:r>
+              <a:rPr lang="en-GB" sz="1800" dirty="0"/>
+              <a:t>]{</a:t>
+            </a:r>
+            <a:r>
+              <a:rPr lang="en-GB" sz="1800" dirty="0" err="1">
+                <a:solidFill>
+                  <a:schemeClr val="tx2">
+                    <a:lumMod val="50000"/>
+                    <a:lumOff val="50000"/>
+                  </a:schemeClr>
+                </a:solidFill>
+              </a:rPr>
+              <a:t>hyperref</a:t>
+            </a:r>
+            <a:r>
+              <a:rPr lang="en-GB" sz="1800" dirty="0"/>
+              <a:t>}</a:t>
+            </a:r>
+          </a:p>
+        </p:txBody>
+      </p:sp>
     </p:spTree>
     <p:extLst>
       <p:ext uri="{BB962C8B-B14F-4D97-AF65-F5344CB8AC3E}">
@@ -16272,8 +16600,8 @@
         </p:nvSpPr>
         <p:spPr>
           <a:xfrm>
-            <a:off x="398722" y="1177159"/>
-            <a:ext cx="3967655" cy="4970079"/>
+            <a:off x="239675" y="2098580"/>
+            <a:ext cx="4199713" cy="3911058"/>
           </a:xfrm>
         </p:spPr>
         <p:txBody>
@@ -16286,7 +16614,7 @@
               <a:buNone/>
             </a:pPr>
             <a:r>
-              <a:rPr lang="en-GB" sz="1500" dirty="0">
+              <a:rPr lang="en-GB" sz="1600" dirty="0">
                 <a:solidFill>
                   <a:schemeClr val="tx2">
                     <a:lumMod val="50000"/>
@@ -16294,10 +16622,33 @@
                   </a:schemeClr>
                 </a:solidFill>
               </a:rPr>
-              <a:t>\</a:t>
-            </a:r>
-            <a:r>
-              <a:rPr lang="en-GB" sz="1500" dirty="0" err="1">
+              <a:t>\begin</a:t>
+            </a:r>
+            <a:r>
+              <a:rPr lang="en-GB" sz="1600" dirty="0"/>
+              <a:t>{</a:t>
+            </a:r>
+            <a:r>
+              <a:rPr lang="en-GB" sz="1600" dirty="0">
+                <a:solidFill>
+                  <a:schemeClr val="accent4">
+                    <a:lumMod val="75000"/>
+                  </a:schemeClr>
+                </a:solidFill>
+              </a:rPr>
+              <a:t>figure</a:t>
+            </a:r>
+            <a:r>
+              <a:rPr lang="en-GB" sz="1600" dirty="0"/>
+              <a:t>}</a:t>
+            </a:r>
+          </a:p>
+          <a:p>
+            <a:pPr marL="0" indent="0">
+              <a:buNone/>
+            </a:pPr>
+            <a:r>
+              <a:rPr lang="en-GB" sz="1600" dirty="0">
                 <a:solidFill>
                   <a:schemeClr val="tx2">
                     <a:lumMod val="50000"/>
@@ -16305,14 +16656,10 @@
                   </a:schemeClr>
                 </a:solidFill>
               </a:rPr>
-              <a:t>usepackage</a:t>
-            </a:r>
-            <a:r>
-              <a:rPr lang="en-GB" sz="1500" dirty="0"/>
-              <a:t>{</a:t>
-            </a:r>
-            <a:r>
-              <a:rPr lang="en-GB" sz="1500" dirty="0" err="1">
+              <a:t>\</a:t>
+            </a:r>
+            <a:r>
+              <a:rPr lang="en-GB" sz="1600" dirty="0" err="1">
                 <a:solidFill>
                   <a:schemeClr val="tx2">
                     <a:lumMod val="50000"/>
@@ -16320,140 +16667,9 @@
                   </a:schemeClr>
                 </a:solidFill>
               </a:rPr>
-              <a:t>subfig</a:t>
-            </a:r>
-            <a:r>
-              <a:rPr lang="en-GB" sz="1500" dirty="0">
-                <a:solidFill>
-                  <a:schemeClr val="tx2">
-                    <a:lumMod val="50000"/>
-                    <a:lumOff val="50000"/>
-                  </a:schemeClr>
-                </a:solidFill>
-              </a:rPr>
-              <a:t>, </a:t>
-            </a:r>
-            <a:r>
-              <a:rPr lang="en-GB" sz="1500" dirty="0" err="1">
-                <a:solidFill>
-                  <a:schemeClr val="tx2">
-                    <a:lumMod val="50000"/>
-                    <a:lumOff val="50000"/>
-                  </a:schemeClr>
-                </a:solidFill>
-              </a:rPr>
-              <a:t>graphicx</a:t>
-            </a:r>
-            <a:r>
-              <a:rPr lang="en-GB" sz="1500" dirty="0"/>
-              <a:t>}</a:t>
-            </a:r>
-            <a:br>
-              <a:rPr lang="en-GB" sz="1500" dirty="0"/>
-            </a:br>
-            <a:endParaRPr lang="en-GB" sz="1500" dirty="0"/>
-          </a:p>
-          <a:p>
-            <a:pPr marL="0" indent="0">
-              <a:buNone/>
-            </a:pPr>
-            <a:r>
-              <a:rPr lang="en-GB" sz="1500" dirty="0">
-                <a:solidFill>
-                  <a:schemeClr val="tx2">
-                    <a:lumMod val="50000"/>
-                    <a:lumOff val="50000"/>
-                  </a:schemeClr>
-                </a:solidFill>
-              </a:rPr>
-              <a:t>\begin</a:t>
-            </a:r>
-            <a:r>
-              <a:rPr lang="en-GB" sz="1500" dirty="0"/>
-              <a:t>{</a:t>
-            </a:r>
-            <a:r>
-              <a:rPr lang="en-GB" sz="1500" dirty="0">
-                <a:solidFill>
-                  <a:schemeClr val="accent4">
-                    <a:lumMod val="75000"/>
-                  </a:schemeClr>
-                </a:solidFill>
-              </a:rPr>
-              <a:t>document</a:t>
-            </a:r>
-            <a:r>
-              <a:rPr lang="en-GB" sz="1500" dirty="0"/>
-              <a:t>}</a:t>
-            </a:r>
-          </a:p>
-          <a:p>
-            <a:pPr marL="0" indent="0">
-              <a:buNone/>
-            </a:pPr>
-            <a:endParaRPr lang="en-GB" sz="1500" dirty="0"/>
-          </a:p>
-          <a:p>
-            <a:pPr marL="0" indent="0">
-              <a:buNone/>
-            </a:pPr>
-            <a:r>
-              <a:rPr lang="en-GB" sz="1500" dirty="0">
-                <a:solidFill>
-                  <a:schemeClr val="tx2">
-                    <a:lumMod val="50000"/>
-                    <a:lumOff val="50000"/>
-                  </a:schemeClr>
-                </a:solidFill>
-              </a:rPr>
-              <a:t>\begin</a:t>
-            </a:r>
-            <a:r>
-              <a:rPr lang="en-GB" sz="1500" dirty="0"/>
-              <a:t>{</a:t>
-            </a:r>
-            <a:r>
-              <a:rPr lang="en-GB" sz="1500" dirty="0">
-                <a:solidFill>
-                  <a:schemeClr val="accent4">
-                    <a:lumMod val="75000"/>
-                  </a:schemeClr>
-                </a:solidFill>
-              </a:rPr>
-              <a:t>figure</a:t>
-            </a:r>
-            <a:r>
-              <a:rPr lang="en-GB" sz="1500" dirty="0"/>
-              <a:t>}</a:t>
-            </a:r>
-          </a:p>
-          <a:p>
-            <a:pPr marL="0" indent="0">
-              <a:buNone/>
-            </a:pPr>
-            <a:r>
-              <a:rPr lang="en-GB" sz="1500" dirty="0">
-                <a:solidFill>
-                  <a:schemeClr val="tx2">
-                    <a:lumMod val="50000"/>
-                    <a:lumOff val="50000"/>
-                  </a:schemeClr>
-                </a:solidFill>
-              </a:rPr>
-              <a:t>\</a:t>
-            </a:r>
-            <a:r>
-              <a:rPr lang="en-GB" sz="1500" dirty="0" err="1">
-                <a:solidFill>
-                  <a:schemeClr val="tx2">
-                    <a:lumMod val="50000"/>
-                    <a:lumOff val="50000"/>
-                  </a:schemeClr>
-                </a:solidFill>
-              </a:rPr>
               <a:t>centering</a:t>
             </a:r>
-            <a:endParaRPr lang="en-GB" sz="1500" dirty="0">
+            <a:endParaRPr lang="en-GB" sz="1600" dirty="0">
               <a:solidFill>
                 <a:schemeClr val="tx2">
                   <a:lumMod val="50000"/>
@@ -16467,7 +16683,7 @@
               <a:buNone/>
             </a:pPr>
             <a:r>
-              <a:rPr lang="en-GB" sz="1500" dirty="0">
+              <a:rPr lang="en-GB" sz="1600" dirty="0">
                 <a:solidFill>
                   <a:schemeClr val="tx2">
                     <a:lumMod val="50000"/>
@@ -16478,7 +16694,7 @@
               <a:t>\</a:t>
             </a:r>
             <a:r>
-              <a:rPr lang="en-GB" sz="1500" dirty="0" err="1">
+              <a:rPr lang="en-GB" sz="1600" dirty="0" err="1">
                 <a:solidFill>
                   <a:schemeClr val="tx2">
                     <a:lumMod val="50000"/>
@@ -16489,11 +16705,11 @@
               <a:t>subfloat</a:t>
             </a:r>
             <a:r>
-              <a:rPr lang="en-GB" sz="1500" dirty="0"/>
+              <a:rPr lang="en-GB" sz="1600" dirty="0"/>
               <a:t>[Amazon]{</a:t>
             </a:r>
             <a:r>
-              <a:rPr lang="en-GB" sz="1500" dirty="0">
+              <a:rPr lang="en-GB" sz="1600" dirty="0">
                 <a:solidFill>
                   <a:schemeClr val="tx2">
                     <a:lumMod val="50000"/>
@@ -16504,11 +16720,11 @@
               <a:t>\label</a:t>
             </a:r>
             <a:r>
-              <a:rPr lang="en-GB" sz="1500" dirty="0"/>
+              <a:rPr lang="en-GB" sz="1600" dirty="0"/>
               <a:t>{</a:t>
             </a:r>
             <a:r>
-              <a:rPr lang="en-GB" sz="1500" dirty="0">
+              <a:rPr lang="en-GB" sz="1600" dirty="0">
                 <a:solidFill>
                   <a:schemeClr val="accent4">
                     <a:lumMod val="75000"/>
@@ -16518,11 +16734,11 @@
               <a:t>amazon</a:t>
             </a:r>
             <a:r>
-              <a:rPr lang="en-GB" sz="1500" dirty="0"/>
+              <a:rPr lang="en-GB" sz="1600" dirty="0"/>
               <a:t>}</a:t>
             </a:r>
             <a:r>
-              <a:rPr lang="en-GB" sz="1500" dirty="0">
+              <a:rPr lang="en-GB" sz="1600" dirty="0">
                 <a:solidFill>
                   <a:schemeClr val="tx2">
                     <a:lumMod val="50000"/>
@@ -16533,7 +16749,7 @@
               <a:t>\</a:t>
             </a:r>
             <a:r>
-              <a:rPr lang="en-GB" sz="1500" dirty="0" err="1">
+              <a:rPr lang="en-GB" sz="1600" dirty="0" err="1">
                 <a:solidFill>
                   <a:schemeClr val="tx2">
                     <a:lumMod val="50000"/>
@@ -16544,11 +16760,11 @@
               <a:t>includegraphics</a:t>
             </a:r>
             <a:r>
-              <a:rPr lang="en-GB" sz="1500" dirty="0"/>
+              <a:rPr lang="en-GB" sz="1600" dirty="0"/>
               <a:t>[width= 0.48</a:t>
             </a:r>
             <a:r>
-              <a:rPr lang="en-GB" sz="1500" dirty="0">
+              <a:rPr lang="en-GB" sz="1600" dirty="0">
                 <a:solidFill>
                   <a:schemeClr val="tx2">
                     <a:lumMod val="50000"/>
@@ -16559,7 +16775,7 @@
               <a:t>\</a:t>
             </a:r>
             <a:r>
-              <a:rPr lang="en-GB" sz="1500" dirty="0" err="1">
+              <a:rPr lang="en-GB" sz="1600" dirty="0" err="1">
                 <a:solidFill>
                   <a:schemeClr val="tx2">
                     <a:lumMod val="50000"/>
@@ -16570,19 +16786,19 @@
               <a:t>textwidth</a:t>
             </a:r>
             <a:r>
-              <a:rPr lang="en-GB" sz="1500" dirty="0"/>
+              <a:rPr lang="en-GB" sz="1600" dirty="0"/>
               <a:t>]{</a:t>
             </a:r>
             <a:r>
-              <a:rPr lang="en-GB" sz="1500" dirty="0" err="1"/>
+              <a:rPr lang="en-GB" sz="1600" dirty="0" err="1"/>
               <a:t>amazon_river</a:t>
             </a:r>
             <a:r>
-              <a:rPr lang="en-GB" sz="1500" dirty="0"/>
+              <a:rPr lang="en-GB" sz="1600" dirty="0"/>
               <a:t>}} </a:t>
             </a:r>
             <a:r>
-              <a:rPr lang="en-GB" sz="1500" dirty="0">
+              <a:rPr lang="en-GB" sz="1600" dirty="0">
                 <a:solidFill>
                   <a:schemeClr val="tx2">
                     <a:lumMod val="50000"/>
@@ -16598,7 +16814,7 @@
               <a:buNone/>
             </a:pPr>
             <a:r>
-              <a:rPr lang="en-GB" sz="1500" dirty="0">
+              <a:rPr lang="en-GB" sz="1600" dirty="0">
                 <a:solidFill>
                   <a:schemeClr val="tx2">
                     <a:lumMod val="50000"/>
@@ -16609,7 +16825,7 @@
               <a:t>\</a:t>
             </a:r>
             <a:r>
-              <a:rPr lang="en-GB" sz="1500" dirty="0" err="1">
+              <a:rPr lang="en-GB" sz="1600" dirty="0" err="1">
                 <a:solidFill>
                   <a:schemeClr val="tx2">
                     <a:lumMod val="50000"/>
@@ -16620,11 +16836,11 @@
               <a:t>subfloat</a:t>
             </a:r>
             <a:r>
-              <a:rPr lang="en-GB" sz="1500" dirty="0"/>
+              <a:rPr lang="en-GB" sz="1600" dirty="0"/>
               <a:t>[Nile]{</a:t>
             </a:r>
             <a:r>
-              <a:rPr lang="en-GB" sz="1500" dirty="0">
+              <a:rPr lang="en-GB" sz="1600" dirty="0">
                 <a:solidFill>
                   <a:schemeClr val="tx2">
                     <a:lumMod val="50000"/>
@@ -16635,11 +16851,11 @@
               <a:t>\label</a:t>
             </a:r>
             <a:r>
-              <a:rPr lang="en-GB" sz="1500" dirty="0"/>
+              <a:rPr lang="en-GB" sz="1600" dirty="0"/>
               <a:t>{</a:t>
             </a:r>
             <a:r>
-              <a:rPr lang="en-GB" sz="1500" dirty="0" err="1">
+              <a:rPr lang="en-GB" sz="1600" dirty="0" err="1">
                 <a:solidFill>
                   <a:schemeClr val="accent4">
                     <a:lumMod val="75000"/>
@@ -16649,11 +16865,11 @@
               <a:t>nile</a:t>
             </a:r>
             <a:r>
-              <a:rPr lang="en-GB" sz="1500" dirty="0"/>
+              <a:rPr lang="en-GB" sz="1600" dirty="0"/>
               <a:t>}</a:t>
             </a:r>
             <a:r>
-              <a:rPr lang="en-GB" sz="1500" dirty="0">
+              <a:rPr lang="en-GB" sz="1600" dirty="0">
                 <a:solidFill>
                   <a:schemeClr val="tx2">
                     <a:lumMod val="50000"/>
@@ -16664,7 +16880,7 @@
               <a:t>\</a:t>
             </a:r>
             <a:r>
-              <a:rPr lang="en-GB" sz="1500" dirty="0" err="1">
+              <a:rPr lang="en-GB" sz="1600" dirty="0" err="1">
                 <a:solidFill>
                   <a:schemeClr val="tx2">
                     <a:lumMod val="50000"/>
@@ -16675,11 +16891,11 @@
               <a:t>includegraphics</a:t>
             </a:r>
             <a:r>
-              <a:rPr lang="en-GB" sz="1500" dirty="0"/>
+              <a:rPr lang="en-GB" sz="1600" dirty="0"/>
               <a:t>[width= 0.48</a:t>
             </a:r>
             <a:r>
-              <a:rPr lang="en-GB" sz="1500" dirty="0">
+              <a:rPr lang="en-GB" sz="1600" dirty="0">
                 <a:solidFill>
                   <a:schemeClr val="tx2">
                     <a:lumMod val="50000"/>
@@ -16690,7 +16906,7 @@
               <a:t>\</a:t>
             </a:r>
             <a:r>
-              <a:rPr lang="en-GB" sz="1500" dirty="0" err="1">
+              <a:rPr lang="en-GB" sz="1600" dirty="0" err="1">
                 <a:solidFill>
                   <a:schemeClr val="tx2">
                     <a:lumMod val="50000"/>
@@ -16701,19 +16917,19 @@
               <a:t>textwidth</a:t>
             </a:r>
             <a:r>
-              <a:rPr lang="en-GB" sz="1500" dirty="0"/>
+              <a:rPr lang="en-GB" sz="1600" dirty="0"/>
               <a:t>]{</a:t>
             </a:r>
             <a:r>
-              <a:rPr lang="en-GB" sz="1500" dirty="0" err="1"/>
+              <a:rPr lang="en-GB" sz="1600" dirty="0" err="1"/>
               <a:t>nile_river</a:t>
             </a:r>
             <a:r>
-              <a:rPr lang="en-GB" sz="1500" dirty="0"/>
+              <a:rPr lang="en-GB" sz="1600" dirty="0"/>
               <a:t>}} </a:t>
             </a:r>
             <a:r>
-              <a:rPr lang="en-GB" sz="1500" dirty="0">
+              <a:rPr lang="en-GB" sz="1600" dirty="0">
                 <a:solidFill>
                   <a:schemeClr val="accent1">
                     <a:lumMod val="60000"/>
@@ -16724,7 +16940,7 @@
               <a:t>\\</a:t>
             </a:r>
             <a:r>
-              <a:rPr lang="en-GB" sz="1500" dirty="0"/>
+              <a:rPr lang="en-GB" sz="1600" dirty="0"/>
               <a:t> </a:t>
             </a:r>
           </a:p>
@@ -16733,7 +16949,7 @@
               <a:buNone/>
             </a:pPr>
             <a:r>
-              <a:rPr lang="en-GB" sz="1500" dirty="0">
+              <a:rPr lang="en-GB" sz="1600" dirty="0">
                 <a:solidFill>
                   <a:schemeClr val="tx2">
                     <a:lumMod val="50000"/>
@@ -16744,7 +16960,7 @@
               <a:t>\</a:t>
             </a:r>
             <a:r>
-              <a:rPr lang="en-GB" sz="1500" dirty="0" err="1">
+              <a:rPr lang="en-GB" sz="1600" dirty="0" err="1">
                 <a:solidFill>
                   <a:schemeClr val="tx2">
                     <a:lumMod val="50000"/>
@@ -16755,11 +16971,11 @@
               <a:t>subfloat</a:t>
             </a:r>
             <a:r>
-              <a:rPr lang="en-GB" sz="1500" dirty="0"/>
+              <a:rPr lang="en-GB" sz="1600" dirty="0"/>
               <a:t>[Yangtze]{</a:t>
             </a:r>
             <a:r>
-              <a:rPr lang="en-GB" sz="1500" dirty="0">
+              <a:rPr lang="en-GB" sz="1600" dirty="0">
                 <a:solidFill>
                   <a:schemeClr val="tx2">
                     <a:lumMod val="50000"/>
@@ -16770,11 +16986,11 @@
               <a:t>\label</a:t>
             </a:r>
             <a:r>
-              <a:rPr lang="en-GB" sz="1500" dirty="0"/>
+              <a:rPr lang="en-GB" sz="1600" dirty="0"/>
               <a:t>{</a:t>
             </a:r>
             <a:r>
-              <a:rPr lang="en-GB" sz="1500" dirty="0" err="1">
+              <a:rPr lang="en-GB" sz="1600" dirty="0" err="1">
                 <a:solidFill>
                   <a:schemeClr val="accent4">
                     <a:lumMod val="75000"/>
@@ -16784,11 +17000,11 @@
               <a:t>yangtze</a:t>
             </a:r>
             <a:r>
-              <a:rPr lang="en-GB" sz="1500" dirty="0"/>
+              <a:rPr lang="en-GB" sz="1600" dirty="0"/>
               <a:t>}</a:t>
             </a:r>
             <a:r>
-              <a:rPr lang="en-GB" sz="1500" dirty="0">
+              <a:rPr lang="en-GB" sz="1600" dirty="0">
                 <a:solidFill>
                   <a:schemeClr val="tx2">
                     <a:lumMod val="50000"/>
@@ -16799,7 +17015,7 @@
               <a:t>\</a:t>
             </a:r>
             <a:r>
-              <a:rPr lang="en-GB" sz="1500" dirty="0" err="1">
+              <a:rPr lang="en-GB" sz="1600" dirty="0" err="1">
                 <a:solidFill>
                   <a:schemeClr val="tx2">
                     <a:lumMod val="50000"/>
@@ -16810,11 +17026,11 @@
               <a:t>includegraphics</a:t>
             </a:r>
             <a:r>
-              <a:rPr lang="en-GB" sz="1500" dirty="0"/>
+              <a:rPr lang="en-GB" sz="1600" dirty="0"/>
               <a:t>[width= 0.52</a:t>
             </a:r>
             <a:r>
-              <a:rPr lang="en-GB" sz="1500" dirty="0">
+              <a:rPr lang="en-GB" sz="1600" dirty="0">
                 <a:solidFill>
                   <a:schemeClr val="tx2">
                     <a:lumMod val="50000"/>
@@ -16825,7 +17041,7 @@
               <a:t>\</a:t>
             </a:r>
             <a:r>
-              <a:rPr lang="en-GB" sz="1500" dirty="0" err="1">
+              <a:rPr lang="en-GB" sz="1600" dirty="0" err="1">
                 <a:solidFill>
                   <a:schemeClr val="tx2">
                     <a:lumMod val="50000"/>
@@ -16836,19 +17052,19 @@
               <a:t>textwidth</a:t>
             </a:r>
             <a:r>
-              <a:rPr lang="en-GB" sz="1500" dirty="0"/>
+              <a:rPr lang="en-GB" sz="1600" dirty="0"/>
               <a:t>]{</a:t>
             </a:r>
             <a:r>
-              <a:rPr lang="en-GB" sz="1500" dirty="0" err="1"/>
+              <a:rPr lang="en-GB" sz="1600" dirty="0" err="1"/>
               <a:t>yangtze_river</a:t>
             </a:r>
             <a:r>
-              <a:rPr lang="en-GB" sz="1500" dirty="0"/>
+              <a:rPr lang="en-GB" sz="1600" dirty="0"/>
               <a:t>}} </a:t>
             </a:r>
             <a:r>
-              <a:rPr lang="en-GB" sz="1500" dirty="0">
+              <a:rPr lang="en-GB" sz="1600" dirty="0">
                 <a:solidFill>
                   <a:schemeClr val="tx2">
                     <a:lumMod val="50000"/>
@@ -16864,7 +17080,7 @@
               <a:buNone/>
             </a:pPr>
             <a:r>
-              <a:rPr lang="en-GB" sz="1500" dirty="0">
+              <a:rPr lang="en-GB" sz="1600" dirty="0">
                 <a:solidFill>
                   <a:schemeClr val="tx2">
                     <a:lumMod val="50000"/>
@@ -16875,7 +17091,7 @@
               <a:t>\</a:t>
             </a:r>
             <a:r>
-              <a:rPr lang="en-GB" sz="1500" dirty="0" err="1">
+              <a:rPr lang="en-GB" sz="1600" dirty="0" err="1">
                 <a:solidFill>
                   <a:schemeClr val="tx2">
                     <a:lumMod val="50000"/>
@@ -16886,11 +17102,11 @@
               <a:t>subfloat</a:t>
             </a:r>
             <a:r>
-              <a:rPr lang="en-GB" sz="1500" dirty="0"/>
+              <a:rPr lang="en-GB" sz="1600" dirty="0"/>
               <a:t>[Thames]{</a:t>
             </a:r>
             <a:r>
-              <a:rPr lang="en-GB" sz="1500" dirty="0">
+              <a:rPr lang="en-GB" sz="1600" dirty="0">
                 <a:solidFill>
                   <a:schemeClr val="tx2">
                     <a:lumMod val="50000"/>
@@ -16901,11 +17117,11 @@
               <a:t>\label</a:t>
             </a:r>
             <a:r>
-              <a:rPr lang="en-GB" sz="1500" dirty="0"/>
+              <a:rPr lang="en-GB" sz="1600" dirty="0"/>
               <a:t>{</a:t>
             </a:r>
             <a:r>
-              <a:rPr lang="en-GB" sz="1500" dirty="0" err="1">
+              <a:rPr lang="en-GB" sz="1600" dirty="0" err="1">
                 <a:solidFill>
                   <a:schemeClr val="accent4">
                     <a:lumMod val="75000"/>
@@ -16915,11 +17131,11 @@
               <a:t>thames</a:t>
             </a:r>
             <a:r>
-              <a:rPr lang="en-GB" sz="1500" dirty="0"/>
+              <a:rPr lang="en-GB" sz="1600" dirty="0"/>
               <a:t>}</a:t>
             </a:r>
             <a:r>
-              <a:rPr lang="en-GB" sz="1500" dirty="0">
+              <a:rPr lang="en-GB" sz="1600" dirty="0">
                 <a:solidFill>
                   <a:schemeClr val="tx2">
                     <a:lumMod val="50000"/>
@@ -16930,7 +17146,7 @@
               <a:t>\</a:t>
             </a:r>
             <a:r>
-              <a:rPr lang="en-GB" sz="1500" dirty="0" err="1">
+              <a:rPr lang="en-GB" sz="1600" dirty="0" err="1">
                 <a:solidFill>
                   <a:schemeClr val="tx2">
                     <a:lumMod val="50000"/>
@@ -16941,11 +17157,11 @@
               <a:t>includegraphics</a:t>
             </a:r>
             <a:r>
-              <a:rPr lang="en-GB" sz="1500" dirty="0"/>
+              <a:rPr lang="en-GB" sz="1600" dirty="0"/>
               <a:t>[width= 0.44</a:t>
             </a:r>
             <a:r>
-              <a:rPr lang="en-GB" sz="1500" dirty="0">
+              <a:rPr lang="en-GB" sz="1600" dirty="0">
                 <a:solidFill>
                   <a:schemeClr val="tx2">
                     <a:lumMod val="50000"/>
@@ -16956,7 +17172,7 @@
               <a:t>\</a:t>
             </a:r>
             <a:r>
-              <a:rPr lang="en-GB" sz="1500" dirty="0" err="1">
+              <a:rPr lang="en-GB" sz="1600" dirty="0" err="1">
                 <a:solidFill>
                   <a:schemeClr val="tx2">
                     <a:lumMod val="50000"/>
@@ -16967,15 +17183,15 @@
               <a:t>textwidth</a:t>
             </a:r>
             <a:r>
-              <a:rPr lang="en-GB" sz="1500" dirty="0"/>
+              <a:rPr lang="en-GB" sz="1600" dirty="0"/>
               <a:t>]{</a:t>
             </a:r>
             <a:r>
-              <a:rPr lang="en-GB" sz="1500" dirty="0" err="1"/>
+              <a:rPr lang="en-GB" sz="1600" dirty="0" err="1"/>
               <a:t>thames_river</a:t>
             </a:r>
             <a:r>
-              <a:rPr lang="en-GB" sz="1500" dirty="0"/>
+              <a:rPr lang="en-GB" sz="1600" dirty="0"/>
               <a:t>}}</a:t>
             </a:r>
           </a:p>
@@ -16984,7 +17200,7 @@
               <a:buNone/>
             </a:pPr>
             <a:r>
-              <a:rPr lang="en-GB" sz="1500" dirty="0">
+              <a:rPr lang="en-GB" sz="1600" dirty="0">
                 <a:solidFill>
                   <a:schemeClr val="tx2">
                     <a:lumMod val="50000"/>
@@ -16995,11 +17211,11 @@
               <a:t>\caption</a:t>
             </a:r>
             <a:r>
-              <a:rPr lang="en-GB" sz="1500" dirty="0"/>
+              <a:rPr lang="en-GB" sz="1600" dirty="0"/>
               <a:t>{Rivers}</a:t>
             </a:r>
             <a:r>
-              <a:rPr lang="en-GB" sz="1500" dirty="0">
+              <a:rPr lang="en-GB" sz="1600" dirty="0">
                 <a:solidFill>
                   <a:schemeClr val="tx2">
                     <a:lumMod val="50000"/>
@@ -17010,11 +17226,11 @@
               <a:t>\label</a:t>
             </a:r>
             <a:r>
-              <a:rPr lang="en-GB" sz="1500" dirty="0"/>
+              <a:rPr lang="en-GB" sz="1600" dirty="0"/>
               <a:t>{</a:t>
             </a:r>
             <a:r>
-              <a:rPr lang="en-GB" sz="1500" dirty="0">
+              <a:rPr lang="en-GB" sz="1600" dirty="0">
                 <a:solidFill>
                   <a:schemeClr val="accent4">
                     <a:lumMod val="75000"/>
@@ -17024,7 +17240,7 @@
               <a:t>rivers</a:t>
             </a:r>
             <a:r>
-              <a:rPr lang="en-GB" sz="1500" dirty="0"/>
+              <a:rPr lang="en-GB" sz="1600" dirty="0"/>
               <a:t>}</a:t>
             </a:r>
           </a:p>
@@ -17033,7 +17249,7 @@
               <a:buNone/>
             </a:pPr>
             <a:r>
-              <a:rPr lang="en-GB" sz="1500" dirty="0">
+              <a:rPr lang="en-GB" sz="1600" dirty="0">
                 <a:solidFill>
                   <a:schemeClr val="tx2">
                     <a:lumMod val="50000"/>
@@ -17044,11 +17260,11 @@
               <a:t>\end</a:t>
             </a:r>
             <a:r>
-              <a:rPr lang="en-GB" sz="1500" dirty="0"/>
+              <a:rPr lang="en-GB" sz="1600" dirty="0"/>
               <a:t>{</a:t>
             </a:r>
             <a:r>
-              <a:rPr lang="en-GB" sz="1500" dirty="0">
+              <a:rPr lang="en-GB" sz="1600" dirty="0">
                 <a:solidFill>
                   <a:schemeClr val="accent4">
                     <a:lumMod val="75000"/>
@@ -17058,7 +17274,7 @@
               <a:t>figure</a:t>
             </a:r>
             <a:r>
-              <a:rPr lang="en-GB" sz="1500" dirty="0"/>
+              <a:rPr lang="en-GB" sz="1600" dirty="0"/>
               <a:t>}</a:t>
             </a:r>
           </a:p>
@@ -17066,14 +17282,14 @@
             <a:pPr marL="0" indent="0">
               <a:buNone/>
             </a:pPr>
-            <a:endParaRPr lang="en-GB" sz="1500" dirty="0"/>
+            <a:endParaRPr lang="en-GB" sz="1600" dirty="0"/>
           </a:p>
           <a:p>
             <a:pPr marL="0" indent="0">
               <a:buNone/>
             </a:pPr>
             <a:r>
-              <a:rPr lang="en-GB" sz="1500" dirty="0">
+              <a:rPr lang="en-GB" sz="1600" dirty="0">
                 <a:solidFill>
                   <a:schemeClr val="tx2">
                     <a:lumMod val="50000"/>
@@ -17084,11 +17300,11 @@
               <a:t>\ref</a:t>
             </a:r>
             <a:r>
-              <a:rPr lang="en-GB" sz="1500" dirty="0"/>
+              <a:rPr lang="en-GB" sz="1600" dirty="0"/>
               <a:t>{</a:t>
             </a:r>
             <a:r>
-              <a:rPr lang="en-GB" sz="1500" dirty="0" err="1">
+              <a:rPr lang="en-GB" sz="1600" dirty="0" err="1">
                 <a:solidFill>
                   <a:schemeClr val="accent4">
                     <a:lumMod val="75000"/>
@@ -17098,11 +17314,11 @@
               <a:t>nile</a:t>
             </a:r>
             <a:r>
-              <a:rPr lang="en-GB" sz="1500" dirty="0"/>
+              <a:rPr lang="en-GB" sz="1600" dirty="0"/>
               <a:t>} is part of </a:t>
             </a:r>
             <a:r>
-              <a:rPr lang="en-GB" sz="1500" dirty="0">
+              <a:rPr lang="en-GB" sz="1600" dirty="0">
                 <a:solidFill>
                   <a:schemeClr val="tx2">
                     <a:lumMod val="50000"/>
@@ -17113,11 +17329,11 @@
               <a:t>\ref</a:t>
             </a:r>
             <a:r>
-              <a:rPr lang="en-GB" sz="1500" dirty="0"/>
+              <a:rPr lang="en-GB" sz="1600" dirty="0"/>
               <a:t>{</a:t>
             </a:r>
             <a:r>
-              <a:rPr lang="en-GB" sz="1500" dirty="0">
+              <a:rPr lang="en-GB" sz="1600" dirty="0">
                 <a:solidFill>
                   <a:schemeClr val="accent4">
                     <a:lumMod val="75000"/>
@@ -17127,10 +17343,10 @@
               <a:t>rivers</a:t>
             </a:r>
             <a:r>
-              <a:rPr lang="en-GB" sz="1500" dirty="0"/>
+              <a:rPr lang="en-GB" sz="1600" dirty="0"/>
               <a:t>}.</a:t>
             </a:r>
-            <a:endParaRPr lang="en-GB" sz="1500" dirty="0">
+            <a:endParaRPr lang="en-GB" sz="1600" dirty="0">
               <a:solidFill>
                 <a:schemeClr val="tx2">
                   <a:lumMod val="50000"/>
@@ -17207,6 +17423,170 @@
           </a:prstGeom>
         </p:spPr>
       </p:pic>
+      <p:grpSp>
+        <p:nvGrpSpPr>
+          <p:cNvPr id="8" name="Group 7">
+            <a:extLst>
+              <a:ext uri="{FF2B5EF4-FFF2-40B4-BE49-F238E27FC236}">
+                <a16:creationId xmlns:a16="http://schemas.microsoft.com/office/drawing/2014/main" id="{A44E0BC6-4A31-49F0-A1AD-B11D99FB6ED4}"/>
+              </a:ext>
+            </a:extLst>
+          </p:cNvPr>
+          <p:cNvGrpSpPr/>
+          <p:nvPr/>
+        </p:nvGrpSpPr>
+        <p:grpSpPr>
+          <a:xfrm>
+            <a:off x="239675" y="1284329"/>
+            <a:ext cx="2920992" cy="643057"/>
+            <a:chOff x="239675" y="1353129"/>
+            <a:chExt cx="2920992" cy="643057"/>
+          </a:xfrm>
+        </p:grpSpPr>
+        <p:sp>
+          <p:nvSpPr>
+            <p:cNvPr id="6" name="TextBox 5">
+              <a:extLst>
+                <a:ext uri="{FF2B5EF4-FFF2-40B4-BE49-F238E27FC236}">
+                  <a16:creationId xmlns:a16="http://schemas.microsoft.com/office/drawing/2014/main" id="{751AE24A-A31C-4336-8A00-420F363437BA}"/>
+                </a:ext>
+              </a:extLst>
+            </p:cNvPr>
+            <p:cNvSpPr txBox="1"/>
+            <p:nvPr/>
+          </p:nvSpPr>
+          <p:spPr>
+            <a:xfrm>
+              <a:off x="239675" y="1353129"/>
+              <a:ext cx="1497526" cy="307777"/>
+            </a:xfrm>
+            <a:prstGeom prst="rect">
+              <a:avLst/>
+            </a:prstGeom>
+            <a:noFill/>
+            <a:ln>
+              <a:solidFill>
+                <a:srgbClr val="FF0000"/>
+              </a:solidFill>
+            </a:ln>
+          </p:spPr>
+          <p:txBody>
+            <a:bodyPr wrap="none" rtlCol="0">
+              <a:spAutoFit/>
+            </a:bodyPr>
+            <a:lstStyle/>
+            <a:p>
+              <a:r>
+                <a:rPr lang="en-GB" sz="1400" dirty="0">
+                  <a:solidFill>
+                    <a:srgbClr val="FF0000"/>
+                  </a:solidFill>
+                </a:rPr>
+                <a:t>Add to preamble</a:t>
+              </a:r>
+            </a:p>
+          </p:txBody>
+        </p:sp>
+        <p:sp>
+          <p:nvSpPr>
+            <p:cNvPr id="7" name="TextBox 6">
+              <a:extLst>
+                <a:ext uri="{FF2B5EF4-FFF2-40B4-BE49-F238E27FC236}">
+                  <a16:creationId xmlns:a16="http://schemas.microsoft.com/office/drawing/2014/main" id="{13733D78-4BE5-4695-BC08-7A423BCF46F5}"/>
+                </a:ext>
+              </a:extLst>
+            </p:cNvPr>
+            <p:cNvSpPr txBox="1"/>
+            <p:nvPr/>
+          </p:nvSpPr>
+          <p:spPr>
+            <a:xfrm>
+              <a:off x="239675" y="1657632"/>
+              <a:ext cx="2920992" cy="338554"/>
+            </a:xfrm>
+            <a:prstGeom prst="rect">
+              <a:avLst/>
+            </a:prstGeom>
+            <a:noFill/>
+            <a:ln>
+              <a:solidFill>
+                <a:srgbClr val="FF0000"/>
+              </a:solidFill>
+            </a:ln>
+          </p:spPr>
+          <p:txBody>
+            <a:bodyPr wrap="none" rtlCol="0">
+              <a:spAutoFit/>
+            </a:bodyPr>
+            <a:lstStyle/>
+            <a:p>
+              <a:r>
+                <a:rPr lang="en-GB" sz="1600" dirty="0">
+                  <a:solidFill>
+                    <a:schemeClr val="tx2">
+                      <a:lumMod val="50000"/>
+                      <a:lumOff val="50000"/>
+                    </a:schemeClr>
+                  </a:solidFill>
+                </a:rPr>
+                <a:t>\</a:t>
+              </a:r>
+              <a:r>
+                <a:rPr lang="en-GB" sz="1600" dirty="0" err="1">
+                  <a:solidFill>
+                    <a:schemeClr val="tx2">
+                      <a:lumMod val="50000"/>
+                      <a:lumOff val="50000"/>
+                    </a:schemeClr>
+                  </a:solidFill>
+                </a:rPr>
+                <a:t>usepackage</a:t>
+              </a:r>
+              <a:r>
+                <a:rPr lang="en-GB" sz="1600" dirty="0"/>
+                <a:t>{</a:t>
+              </a:r>
+              <a:r>
+                <a:rPr lang="en-GB" sz="1600" dirty="0" err="1">
+                  <a:solidFill>
+                    <a:schemeClr val="tx2">
+                      <a:lumMod val="50000"/>
+                      <a:lumOff val="50000"/>
+                    </a:schemeClr>
+                  </a:solidFill>
+                </a:rPr>
+                <a:t>subfig</a:t>
+              </a:r>
+              <a:r>
+                <a:rPr lang="en-GB" sz="1600" dirty="0">
+                  <a:solidFill>
+                    <a:schemeClr val="tx2">
+                      <a:lumMod val="50000"/>
+                      <a:lumOff val="50000"/>
+                    </a:schemeClr>
+                  </a:solidFill>
+                </a:rPr>
+                <a:t>, </a:t>
+              </a:r>
+              <a:r>
+                <a:rPr lang="en-GB" sz="1600" dirty="0" err="1">
+                  <a:solidFill>
+                    <a:schemeClr val="tx2">
+                      <a:lumMod val="50000"/>
+                      <a:lumOff val="50000"/>
+                    </a:schemeClr>
+                  </a:solidFill>
+                </a:rPr>
+                <a:t>graphicx</a:t>
+              </a:r>
+              <a:r>
+                <a:rPr lang="en-GB" sz="1600" dirty="0"/>
+                <a:t>}</a:t>
+              </a:r>
+            </a:p>
+          </p:txBody>
+        </p:sp>
+      </p:grpSp>
     </p:spTree>
     <p:extLst>
       <p:ext uri="{BB962C8B-B14F-4D97-AF65-F5344CB8AC3E}">
@@ -17467,88 +17847,6 @@
               </a:defRPr>
             </a:lvl9pPr>
           </a:lstStyle>
-          <a:p>
-            <a:pPr marL="0" indent="0">
-              <a:buFont typeface="Arial"/>
-              <a:buNone/>
-            </a:pPr>
-            <a:r>
-              <a:rPr lang="en-GB" sz="2000" dirty="0">
-                <a:solidFill>
-                  <a:schemeClr val="tx2">
-                    <a:lumMod val="50000"/>
-                    <a:lumOff val="50000"/>
-                  </a:schemeClr>
-                </a:solidFill>
-              </a:rPr>
-              <a:t>\</a:t>
-            </a:r>
-            <a:r>
-              <a:rPr lang="en-GB" sz="2000" dirty="0" err="1">
-                <a:solidFill>
-                  <a:schemeClr val="tx2">
-                    <a:lumMod val="50000"/>
-                    <a:lumOff val="50000"/>
-                  </a:schemeClr>
-                </a:solidFill>
-              </a:rPr>
-              <a:t>usepackage</a:t>
-            </a:r>
-            <a:r>
-              <a:rPr lang="en-GB" sz="2000" dirty="0"/>
-              <a:t>{</a:t>
-            </a:r>
-            <a:r>
-              <a:rPr lang="en-GB" sz="2000" dirty="0" err="1">
-                <a:solidFill>
-                  <a:schemeClr val="tx2">
-                    <a:lumMod val="50000"/>
-                    <a:lumOff val="50000"/>
-                  </a:schemeClr>
-                </a:solidFill>
-              </a:rPr>
-              <a:t>graphicx</a:t>
-            </a:r>
-            <a:r>
-              <a:rPr lang="en-GB" sz="2000" dirty="0"/>
-              <a:t>}</a:t>
-            </a:r>
-          </a:p>
-          <a:p>
-            <a:pPr marL="0" indent="0">
-              <a:buFont typeface="Arial"/>
-              <a:buNone/>
-            </a:pPr>
-            <a:r>
-              <a:rPr lang="en-GB" sz="2000" dirty="0">
-                <a:solidFill>
-                  <a:schemeClr val="tx2">
-                    <a:lumMod val="50000"/>
-                    <a:lumOff val="50000"/>
-                  </a:schemeClr>
-                </a:solidFill>
-              </a:rPr>
-              <a:t>\begin</a:t>
-            </a:r>
-            <a:r>
-              <a:rPr lang="en-GB" sz="2000" dirty="0"/>
-              <a:t>{</a:t>
-            </a:r>
-            <a:r>
-              <a:rPr lang="en-GB" sz="2000" dirty="0">
-                <a:solidFill>
-                  <a:schemeClr val="accent2">
-                    <a:lumMod val="75000"/>
-                  </a:schemeClr>
-                </a:solidFill>
-              </a:rPr>
-              <a:t>document</a:t>
-            </a:r>
-            <a:r>
-              <a:rPr lang="en-GB" sz="2000" dirty="0"/>
-              <a:t>}</a:t>
-            </a:r>
-          </a:p>
           <a:p>
             <a:pPr marL="0" indent="0">
               <a:buFont typeface="Arial"/>
@@ -18111,8 +18409,8 @@
         </p:nvSpPr>
         <p:spPr bwMode="auto">
           <a:xfrm>
-            <a:off x="379360" y="1686591"/>
-            <a:ext cx="4166693" cy="4154984"/>
+            <a:off x="280263" y="5024233"/>
+            <a:ext cx="4166693" cy="830997"/>
           </a:xfrm>
           <a:prstGeom prst="rect">
             <a:avLst/>
@@ -18131,226 +18429,6 @@
             <a:spAutoFit/>
           </a:bodyPr>
           <a:lstStyle/>
-          <a:p>
-            <a:r>
-              <a:rPr lang="en-GB" sz="2400" dirty="0">
-                <a:solidFill>
-                  <a:schemeClr val="tx2">
-                    <a:lumMod val="50000"/>
-                    <a:lumOff val="50000"/>
-                  </a:schemeClr>
-                </a:solidFill>
-              </a:rPr>
-              <a:t>\</a:t>
-            </a:r>
-            <a:r>
-              <a:rPr lang="en-GB" sz="2400" dirty="0" err="1">
-                <a:solidFill>
-                  <a:schemeClr val="tx2">
-                    <a:lumMod val="50000"/>
-                    <a:lumOff val="50000"/>
-                  </a:schemeClr>
-                </a:solidFill>
-              </a:rPr>
-              <a:t>newcommand</a:t>
-            </a:r>
-            <a:r>
-              <a:rPr lang="en-GB" sz="2400" dirty="0"/>
-              <a:t>{</a:t>
-            </a:r>
-            <a:r>
-              <a:rPr lang="en-GB" sz="2400" dirty="0">
-                <a:solidFill>
-                  <a:schemeClr val="tx2">
-                    <a:lumMod val="50000"/>
-                    <a:lumOff val="50000"/>
-                  </a:schemeClr>
-                </a:solidFill>
-              </a:rPr>
-              <a:t>\</a:t>
-            </a:r>
-            <a:r>
-              <a:rPr lang="en-GB" sz="2400" dirty="0" err="1">
-                <a:solidFill>
-                  <a:schemeClr val="tx2">
-                    <a:lumMod val="50000"/>
-                    <a:lumOff val="50000"/>
-                  </a:schemeClr>
-                </a:solidFill>
-              </a:rPr>
-              <a:t>hardmaths</a:t>
-            </a:r>
-            <a:r>
-              <a:rPr lang="en-GB" sz="2400" dirty="0"/>
-              <a:t>} {</a:t>
-            </a:r>
-            <a:r>
-              <a:rPr lang="en-GB" sz="2400" dirty="0">
-                <a:solidFill>
-                  <a:schemeClr val="tx2">
-                    <a:lumMod val="50000"/>
-                    <a:lumOff val="50000"/>
-                  </a:schemeClr>
-                </a:solidFill>
-              </a:rPr>
-              <a:t>\frac</a:t>
-            </a:r>
-            <a:r>
-              <a:rPr lang="en-GB" sz="2400" dirty="0"/>
-              <a:t>{</a:t>
-            </a:r>
-            <a:r>
-              <a:rPr lang="en-GB" sz="2400" dirty="0">
-                <a:solidFill>
-                  <a:schemeClr val="tx2">
-                    <a:lumMod val="50000"/>
-                    <a:lumOff val="50000"/>
-                  </a:schemeClr>
-                </a:solidFill>
-              </a:rPr>
-              <a:t>\sin</a:t>
-            </a:r>
-            <a:r>
-              <a:rPr lang="en-GB" sz="2400" dirty="0"/>
-              <a:t>{(x\pi)}} {2</a:t>
-            </a:r>
-            <a:r>
-              <a:rPr lang="en-GB" sz="2400" dirty="0">
-                <a:solidFill>
-                  <a:schemeClr val="accent1">
-                    <a:lumMod val="60000"/>
-                    <a:lumOff val="40000"/>
-                  </a:schemeClr>
-                </a:solidFill>
-              </a:rPr>
-              <a:t>\alpha</a:t>
-            </a:r>
-            <a:r>
-              <a:rPr lang="en-GB" sz="2400" dirty="0"/>
-              <a:t>}}</a:t>
-            </a:r>
-          </a:p>
-          <a:p>
-            <a:endParaRPr lang="en-GB" sz="2400" dirty="0"/>
-          </a:p>
-          <a:p>
-            <a:r>
-              <a:rPr lang="en-GB" sz="2400" dirty="0">
-                <a:solidFill>
-                  <a:schemeClr val="tx2">
-                    <a:lumMod val="50000"/>
-                    <a:lumOff val="50000"/>
-                  </a:schemeClr>
-                </a:solidFill>
-              </a:rPr>
-              <a:t>\</a:t>
-            </a:r>
-            <a:r>
-              <a:rPr lang="en-GB" sz="2400" dirty="0" err="1">
-                <a:solidFill>
-                  <a:schemeClr val="tx2">
-                    <a:lumMod val="50000"/>
-                    <a:lumOff val="50000"/>
-                  </a:schemeClr>
-                </a:solidFill>
-              </a:rPr>
-              <a:t>newcommand</a:t>
-            </a:r>
-            <a:r>
-              <a:rPr lang="en-GB" sz="2400" dirty="0"/>
-              <a:t>{</a:t>
-            </a:r>
-            <a:r>
-              <a:rPr lang="en-GB" sz="2400" dirty="0">
-                <a:solidFill>
-                  <a:schemeClr val="tx2">
-                    <a:lumMod val="50000"/>
-                    <a:lumOff val="50000"/>
-                  </a:schemeClr>
-                </a:solidFill>
-              </a:rPr>
-              <a:t>\diff</a:t>
-            </a:r>
-            <a:r>
-              <a:rPr lang="en-GB" sz="2400" dirty="0"/>
-              <a:t>}[2]  {</a:t>
-            </a:r>
-            <a:r>
-              <a:rPr lang="en-GB" sz="2400" dirty="0">
-                <a:solidFill>
-                  <a:schemeClr val="tx2">
-                    <a:lumMod val="50000"/>
-                    <a:lumOff val="50000"/>
-                  </a:schemeClr>
-                </a:solidFill>
-              </a:rPr>
-              <a:t>\frac{\</a:t>
-            </a:r>
-            <a:r>
-              <a:rPr lang="en-GB" sz="2400" dirty="0" err="1">
-                <a:solidFill>
-                  <a:schemeClr val="tx2">
-                    <a:lumMod val="50000"/>
-                    <a:lumOff val="50000"/>
-                  </a:schemeClr>
-                </a:solidFill>
-              </a:rPr>
-              <a:t>textrm</a:t>
-            </a:r>
-            <a:r>
-              <a:rPr lang="en-GB" sz="2400" dirty="0"/>
-              <a:t>{d}{#1}} {</a:t>
-            </a:r>
-            <a:r>
-              <a:rPr lang="en-GB" sz="2400" dirty="0">
-                <a:solidFill>
-                  <a:schemeClr val="tx2">
-                    <a:lumMod val="50000"/>
-                    <a:lumOff val="50000"/>
-                  </a:schemeClr>
-                </a:solidFill>
-              </a:rPr>
-              <a:t>\</a:t>
-            </a:r>
-            <a:r>
-              <a:rPr lang="en-GB" sz="2400" dirty="0" err="1">
-                <a:solidFill>
-                  <a:schemeClr val="tx2">
-                    <a:lumMod val="50000"/>
-                    <a:lumOff val="50000"/>
-                  </a:schemeClr>
-                </a:solidFill>
-              </a:rPr>
-              <a:t>textrm</a:t>
-            </a:r>
-            <a:r>
-              <a:rPr lang="en-GB" sz="2400" dirty="0"/>
-              <a:t>{d}{#2}}}</a:t>
-            </a:r>
-          </a:p>
-          <a:p>
-            <a:endParaRPr lang="en-GB" sz="2400" dirty="0"/>
-          </a:p>
-          <a:p>
-            <a:r>
-              <a:rPr lang="en-GB" sz="2400" dirty="0">
-                <a:solidFill>
-                  <a:schemeClr val="tx2">
-                    <a:lumMod val="50000"/>
-                    <a:lumOff val="50000"/>
-                  </a:schemeClr>
-                </a:solidFill>
-              </a:rPr>
-              <a:t>\begin</a:t>
-            </a:r>
-            <a:r>
-              <a:rPr lang="en-GB" sz="2400" dirty="0"/>
-              <a:t>{document}</a:t>
-            </a:r>
-          </a:p>
-          <a:p>
-            <a:endParaRPr lang="en-GB" sz="2400" dirty="0"/>
-          </a:p>
           <a:p>
             <a:r>
               <a:rPr lang="en-GB" sz="2400" dirty="0"/>
@@ -18502,6 +18580,281 @@
                 </a:solidFill>
               </a:rPr>
               <a:t>Problem Sheet</a:t>
+            </a:r>
+          </a:p>
+        </p:txBody>
+      </p:sp>
+      <p:sp>
+        <p:nvSpPr>
+          <p:cNvPr id="7" name="TextBox 6">
+            <a:extLst>
+              <a:ext uri="{FF2B5EF4-FFF2-40B4-BE49-F238E27FC236}">
+                <a16:creationId xmlns:a16="http://schemas.microsoft.com/office/drawing/2014/main" id="{2CB59673-0D3F-4DE9-8E99-E7AE983BBBA7}"/>
+              </a:ext>
+            </a:extLst>
+          </p:cNvPr>
+          <p:cNvSpPr txBox="1"/>
+          <p:nvPr/>
+        </p:nvSpPr>
+        <p:spPr>
+          <a:xfrm>
+            <a:off x="379361" y="1799148"/>
+            <a:ext cx="1497526" cy="307777"/>
+          </a:xfrm>
+          <a:prstGeom prst="rect">
+            <a:avLst/>
+          </a:prstGeom>
+          <a:noFill/>
+          <a:ln>
+            <a:solidFill>
+              <a:srgbClr val="FF0000"/>
+            </a:solidFill>
+          </a:ln>
+        </p:spPr>
+        <p:txBody>
+          <a:bodyPr wrap="none" rtlCol="0">
+            <a:spAutoFit/>
+          </a:bodyPr>
+          <a:lstStyle/>
+          <a:p>
+            <a:r>
+              <a:rPr lang="en-GB" sz="1400" dirty="0">
+                <a:solidFill>
+                  <a:srgbClr val="FF0000"/>
+                </a:solidFill>
+              </a:rPr>
+              <a:t>Add to preamble</a:t>
+            </a:r>
+          </a:p>
+        </p:txBody>
+      </p:sp>
+      <p:sp>
+        <p:nvSpPr>
+          <p:cNvPr id="9" name="TextBox 8">
+            <a:extLst>
+              <a:ext uri="{FF2B5EF4-FFF2-40B4-BE49-F238E27FC236}">
+                <a16:creationId xmlns:a16="http://schemas.microsoft.com/office/drawing/2014/main" id="{8168D1BA-B83E-4CA0-AC9A-97EBF47D7AEC}"/>
+              </a:ext>
+            </a:extLst>
+          </p:cNvPr>
+          <p:cNvSpPr txBox="1"/>
+          <p:nvPr/>
+        </p:nvSpPr>
+        <p:spPr>
+          <a:xfrm>
+            <a:off x="379361" y="2106925"/>
+            <a:ext cx="4062010" cy="2308324"/>
+          </a:xfrm>
+          <a:prstGeom prst="rect">
+            <a:avLst/>
+          </a:prstGeom>
+          <a:noFill/>
+          <a:ln>
+            <a:solidFill>
+              <a:srgbClr val="FF0000"/>
+            </a:solidFill>
+          </a:ln>
+        </p:spPr>
+        <p:txBody>
+          <a:bodyPr wrap="square">
+            <a:spAutoFit/>
+          </a:bodyPr>
+          <a:lstStyle/>
+          <a:p>
+            <a:r>
+              <a:rPr lang="en-GB" sz="2400" dirty="0">
+                <a:solidFill>
+                  <a:schemeClr val="tx2">
+                    <a:lumMod val="50000"/>
+                    <a:lumOff val="50000"/>
+                  </a:schemeClr>
+                </a:solidFill>
+              </a:rPr>
+              <a:t>\</a:t>
+            </a:r>
+            <a:r>
+              <a:rPr lang="en-GB" sz="2400" dirty="0" err="1">
+                <a:solidFill>
+                  <a:schemeClr val="tx2">
+                    <a:lumMod val="50000"/>
+                    <a:lumOff val="50000"/>
+                  </a:schemeClr>
+                </a:solidFill>
+              </a:rPr>
+              <a:t>newcommand</a:t>
+            </a:r>
+            <a:r>
+              <a:rPr lang="en-GB" sz="2400" dirty="0"/>
+              <a:t>{</a:t>
+            </a:r>
+            <a:r>
+              <a:rPr lang="en-GB" sz="2400" dirty="0">
+                <a:solidFill>
+                  <a:schemeClr val="tx2">
+                    <a:lumMod val="50000"/>
+                    <a:lumOff val="50000"/>
+                  </a:schemeClr>
+                </a:solidFill>
+              </a:rPr>
+              <a:t>\</a:t>
+            </a:r>
+            <a:r>
+              <a:rPr lang="en-GB" sz="2400" dirty="0" err="1">
+                <a:solidFill>
+                  <a:schemeClr val="tx2">
+                    <a:lumMod val="50000"/>
+                    <a:lumOff val="50000"/>
+                  </a:schemeClr>
+                </a:solidFill>
+              </a:rPr>
+              <a:t>hardmaths</a:t>
+            </a:r>
+            <a:r>
+              <a:rPr lang="en-GB" sz="2400" dirty="0"/>
+              <a:t>} {</a:t>
+            </a:r>
+            <a:r>
+              <a:rPr lang="en-GB" sz="2400" dirty="0">
+                <a:solidFill>
+                  <a:schemeClr val="tx2">
+                    <a:lumMod val="50000"/>
+                    <a:lumOff val="50000"/>
+                  </a:schemeClr>
+                </a:solidFill>
+              </a:rPr>
+              <a:t>\frac</a:t>
+            </a:r>
+            <a:r>
+              <a:rPr lang="en-GB" sz="2400" dirty="0"/>
+              <a:t>{</a:t>
+            </a:r>
+            <a:r>
+              <a:rPr lang="en-GB" sz="2400" dirty="0">
+                <a:solidFill>
+                  <a:schemeClr val="tx2">
+                    <a:lumMod val="50000"/>
+                    <a:lumOff val="50000"/>
+                  </a:schemeClr>
+                </a:solidFill>
+              </a:rPr>
+              <a:t>\sin</a:t>
+            </a:r>
+            <a:r>
+              <a:rPr lang="en-GB" sz="2400" dirty="0"/>
+              <a:t>{(x\pi)}} {2</a:t>
+            </a:r>
+            <a:r>
+              <a:rPr lang="en-GB" sz="2400" dirty="0">
+                <a:solidFill>
+                  <a:schemeClr val="accent1">
+                    <a:lumMod val="60000"/>
+                    <a:lumOff val="40000"/>
+                  </a:schemeClr>
+                </a:solidFill>
+              </a:rPr>
+              <a:t>\alpha</a:t>
+            </a:r>
+            <a:r>
+              <a:rPr lang="en-GB" sz="2400" dirty="0"/>
+              <a:t>}}</a:t>
+            </a:r>
+          </a:p>
+          <a:p>
+            <a:endParaRPr lang="en-GB" sz="2400" dirty="0"/>
+          </a:p>
+          <a:p>
+            <a:r>
+              <a:rPr lang="en-GB" sz="2400" dirty="0">
+                <a:solidFill>
+                  <a:schemeClr val="tx2">
+                    <a:lumMod val="50000"/>
+                    <a:lumOff val="50000"/>
+                  </a:schemeClr>
+                </a:solidFill>
+              </a:rPr>
+              <a:t>\</a:t>
+            </a:r>
+            <a:r>
+              <a:rPr lang="en-GB" sz="2400" dirty="0" err="1">
+                <a:solidFill>
+                  <a:schemeClr val="tx2">
+                    <a:lumMod val="50000"/>
+                    <a:lumOff val="50000"/>
+                  </a:schemeClr>
+                </a:solidFill>
+              </a:rPr>
+              <a:t>newcommand</a:t>
+            </a:r>
+            <a:r>
+              <a:rPr lang="en-GB" sz="2400" dirty="0"/>
+              <a:t>{</a:t>
+            </a:r>
+            <a:r>
+              <a:rPr lang="en-GB" sz="2400" dirty="0">
+                <a:solidFill>
+                  <a:schemeClr val="tx2">
+                    <a:lumMod val="50000"/>
+                    <a:lumOff val="50000"/>
+                  </a:schemeClr>
+                </a:solidFill>
+              </a:rPr>
+              <a:t>\diff</a:t>
+            </a:r>
+            <a:r>
+              <a:rPr lang="en-GB" sz="2400" dirty="0"/>
+              <a:t>}[2]  {</a:t>
+            </a:r>
+            <a:r>
+              <a:rPr lang="en-GB" sz="2400" dirty="0">
+                <a:solidFill>
+                  <a:schemeClr val="tx2">
+                    <a:lumMod val="50000"/>
+                    <a:lumOff val="50000"/>
+                  </a:schemeClr>
+                </a:solidFill>
+              </a:rPr>
+              <a:t>\frac{\</a:t>
+            </a:r>
+            <a:r>
+              <a:rPr lang="en-GB" sz="2400" dirty="0" err="1">
+                <a:solidFill>
+                  <a:schemeClr val="tx2">
+                    <a:lumMod val="50000"/>
+                    <a:lumOff val="50000"/>
+                  </a:schemeClr>
+                </a:solidFill>
+              </a:rPr>
+              <a:t>textrm</a:t>
+            </a:r>
+            <a:r>
+              <a:rPr lang="en-GB" sz="2400" dirty="0"/>
+              <a:t>{d}{#1}} {</a:t>
+            </a:r>
+            <a:r>
+              <a:rPr lang="en-GB" sz="2400" dirty="0">
+                <a:solidFill>
+                  <a:schemeClr val="tx2">
+                    <a:lumMod val="50000"/>
+                    <a:lumOff val="50000"/>
+                  </a:schemeClr>
+                </a:solidFill>
+              </a:rPr>
+              <a:t>\</a:t>
+            </a:r>
+            <a:r>
+              <a:rPr lang="en-GB" sz="2400" dirty="0" err="1">
+                <a:solidFill>
+                  <a:schemeClr val="tx2">
+                    <a:lumMod val="50000"/>
+                    <a:lumOff val="50000"/>
+                  </a:schemeClr>
+                </a:solidFill>
+              </a:rPr>
+              <a:t>textrm</a:t>
+            </a:r>
+            <a:r>
+              <a:rPr lang="en-GB" sz="2400" dirty="0"/>
+              <a:t>{d}{#2}}}</a:t>
             </a:r>
           </a:p>
         </p:txBody>
@@ -20788,11 +21141,11 @@
   <p:clrMapOvr>
     <a:masterClrMapping/>
   </p:clrMapOvr>
-  <mc:AlternateContent xmlns:mc="http://schemas.openxmlformats.org/markup-compatibility/2006">
-    <mc:Choice xmlns:p14="http://schemas.microsoft.com/office/powerpoint/2010/main" Requires="p14">
+  <mc:AlternateContent xmlns:mc="http://schemas.openxmlformats.org/markup-compatibility/2006" xmlns:p14="http://schemas.microsoft.com/office/powerpoint/2010/main">
+    <mc:Choice Requires="p14">
       <p:transition p14:dur="10"/>
     </mc:Choice>
-    <mc:Fallback>
+    <mc:Fallback xmlns="">
       <p:transition/>
     </mc:Fallback>
   </mc:AlternateContent>
@@ -20882,8 +21235,8 @@
         </p:nvSpPr>
         <p:spPr>
           <a:xfrm>
-            <a:off x="191387" y="1475551"/>
-            <a:ext cx="4221840" cy="5324535"/>
+            <a:off x="279783" y="2404759"/>
+            <a:ext cx="4221840" cy="4093428"/>
           </a:xfrm>
           <a:prstGeom prst="rect">
             <a:avLst/>
@@ -20897,86 +21250,6 @@
             <a:spAutoFit/>
           </a:bodyPr>
           <a:lstStyle/>
-          <a:p>
-            <a:r>
-              <a:rPr lang="en-GB" sz="2000" dirty="0">
-                <a:solidFill>
-                  <a:schemeClr val="tx2">
-                    <a:lumMod val="50000"/>
-                    <a:lumOff val="50000"/>
-                  </a:schemeClr>
-                </a:solidFill>
-              </a:rPr>
-              <a:t>\</a:t>
-            </a:r>
-            <a:r>
-              <a:rPr lang="en-GB" sz="2000" dirty="0" err="1">
-                <a:solidFill>
-                  <a:schemeClr val="tx2">
-                    <a:lumMod val="50000"/>
-                    <a:lumOff val="50000"/>
-                  </a:schemeClr>
-                </a:solidFill>
-              </a:rPr>
-              <a:t>usepackage</a:t>
-            </a:r>
-            <a:r>
-              <a:rPr lang="en-GB" sz="2000" dirty="0"/>
-              <a:t>{</a:t>
-            </a:r>
-            <a:r>
-              <a:rPr lang="en-GB" sz="2000" dirty="0">
-                <a:solidFill>
-                  <a:schemeClr val="tx2">
-                    <a:lumMod val="50000"/>
-                    <a:lumOff val="50000"/>
-                  </a:schemeClr>
-                </a:solidFill>
-              </a:rPr>
-              <a:t>acronym</a:t>
-            </a:r>
-            <a:r>
-              <a:rPr lang="en-GB" sz="2000" dirty="0"/>
-              <a:t>}</a:t>
-            </a:r>
-          </a:p>
-          <a:p>
-            <a:endParaRPr lang="en-GB" sz="2000" dirty="0"/>
-          </a:p>
-          <a:p>
-            <a:r>
-              <a:rPr lang="en-GB" sz="2000" dirty="0">
-                <a:solidFill>
-                  <a:schemeClr val="tx2">
-                    <a:lumMod val="50000"/>
-                    <a:lumOff val="50000"/>
-                  </a:schemeClr>
-                </a:solidFill>
-              </a:rPr>
-              <a:t>\begin</a:t>
-            </a:r>
-            <a:r>
-              <a:rPr lang="en-GB" sz="2000" dirty="0"/>
-              <a:t>{</a:t>
-            </a:r>
-            <a:r>
-              <a:rPr lang="en-GB" sz="2000" dirty="0">
-                <a:solidFill>
-                  <a:schemeClr val="accent4">
-                    <a:lumMod val="75000"/>
-                  </a:schemeClr>
-                </a:solidFill>
-              </a:rPr>
-              <a:t>document</a:t>
-            </a:r>
-            <a:r>
-              <a:rPr lang="en-GB" sz="2000" dirty="0"/>
-              <a:t>}</a:t>
-            </a:r>
-          </a:p>
-          <a:p>
-            <a:endParaRPr lang="en-GB" sz="2000" dirty="0"/>
-          </a:p>
           <a:p>
             <a:r>
               <a:rPr lang="en-GB" sz="2000" dirty="0">
@@ -21256,6 +21529,148 @@
           </a:prstGeom>
         </p:spPr>
       </p:pic>
+      <p:grpSp>
+        <p:nvGrpSpPr>
+          <p:cNvPr id="5" name="Group 4">
+            <a:extLst>
+              <a:ext uri="{FF2B5EF4-FFF2-40B4-BE49-F238E27FC236}">
+                <a16:creationId xmlns:a16="http://schemas.microsoft.com/office/drawing/2014/main" id="{8081CBA2-3405-4E0D-8432-0752FD2B0833}"/>
+              </a:ext>
+            </a:extLst>
+          </p:cNvPr>
+          <p:cNvGrpSpPr/>
+          <p:nvPr/>
+        </p:nvGrpSpPr>
+        <p:grpSpPr>
+          <a:xfrm>
+            <a:off x="279783" y="1324335"/>
+            <a:ext cx="2562514" cy="707886"/>
+            <a:chOff x="279783" y="1594601"/>
+            <a:chExt cx="2562514" cy="707886"/>
+          </a:xfrm>
+        </p:grpSpPr>
+        <p:sp>
+          <p:nvSpPr>
+            <p:cNvPr id="7" name="TextBox 6">
+              <a:extLst>
+                <a:ext uri="{FF2B5EF4-FFF2-40B4-BE49-F238E27FC236}">
+                  <a16:creationId xmlns:a16="http://schemas.microsoft.com/office/drawing/2014/main" id="{382B5039-0FCA-4183-A976-558DB9773EE4}"/>
+                </a:ext>
+              </a:extLst>
+            </p:cNvPr>
+            <p:cNvSpPr txBox="1"/>
+            <p:nvPr/>
+          </p:nvSpPr>
+          <p:spPr>
+            <a:xfrm>
+              <a:off x="279783" y="1594601"/>
+              <a:ext cx="1689886" cy="338554"/>
+            </a:xfrm>
+            <a:prstGeom prst="rect">
+              <a:avLst/>
+            </a:prstGeom>
+            <a:noFill/>
+            <a:ln>
+              <a:solidFill>
+                <a:srgbClr val="FF0000"/>
+              </a:solidFill>
+            </a:ln>
+          </p:spPr>
+          <p:txBody>
+            <a:bodyPr wrap="none" rtlCol="0">
+              <a:spAutoFit/>
+            </a:bodyPr>
+            <a:lstStyle/>
+            <a:p>
+              <a:r>
+                <a:rPr lang="en-GB" sz="1600" dirty="0">
+                  <a:solidFill>
+                    <a:srgbClr val="FF0000"/>
+                  </a:solidFill>
+                </a:rPr>
+                <a:t>Add to preamble</a:t>
+              </a:r>
+            </a:p>
+          </p:txBody>
+        </p:sp>
+        <p:sp>
+          <p:nvSpPr>
+            <p:cNvPr id="8" name="TextBox 7">
+              <a:extLst>
+                <a:ext uri="{FF2B5EF4-FFF2-40B4-BE49-F238E27FC236}">
+                  <a16:creationId xmlns:a16="http://schemas.microsoft.com/office/drawing/2014/main" id="{ECCD3FDA-DFDB-4F01-8DA6-B2190063C17B}"/>
+                </a:ext>
+              </a:extLst>
+            </p:cNvPr>
+            <p:cNvSpPr txBox="1"/>
+            <p:nvPr/>
+          </p:nvSpPr>
+          <p:spPr>
+            <a:xfrm>
+              <a:off x="279783" y="1933155"/>
+              <a:ext cx="2562514" cy="369332"/>
+            </a:xfrm>
+            <a:prstGeom prst="rect">
+              <a:avLst/>
+            </a:prstGeom>
+            <a:noFill/>
+            <a:ln>
+              <a:solidFill>
+                <a:srgbClr val="FF0000"/>
+              </a:solidFill>
+            </a:ln>
+          </p:spPr>
+          <p:txBody>
+            <a:bodyPr wrap="square">
+              <a:spAutoFit/>
+            </a:bodyPr>
+            <a:lstStyle/>
+            <a:p>
+              <a:r>
+                <a:rPr lang="en-GB" sz="1800" dirty="0">
+                  <a:solidFill>
+                    <a:schemeClr val="tx2">
+                      <a:lumMod val="50000"/>
+                      <a:lumOff val="50000"/>
+                    </a:schemeClr>
+                  </a:solidFill>
+                </a:rPr>
+                <a:t>\</a:t>
+              </a:r>
+              <a:r>
+                <a:rPr lang="en-GB" sz="1800" dirty="0" err="1">
+                  <a:solidFill>
+                    <a:schemeClr val="tx2">
+                      <a:lumMod val="50000"/>
+                      <a:lumOff val="50000"/>
+                    </a:schemeClr>
+                  </a:solidFill>
+                </a:rPr>
+                <a:t>usepackage</a:t>
+              </a:r>
+              <a:r>
+                <a:rPr lang="en-GB" sz="1800" dirty="0"/>
+                <a:t>{</a:t>
+              </a:r>
+              <a:r>
+                <a:rPr lang="en-GB" sz="1800" dirty="0">
+                  <a:solidFill>
+                    <a:schemeClr val="tx2">
+                      <a:lumMod val="50000"/>
+                      <a:lumOff val="50000"/>
+                    </a:schemeClr>
+                  </a:solidFill>
+                </a:rPr>
+                <a:t>acronym</a:t>
+              </a:r>
+              <a:r>
+                <a:rPr lang="en-GB" sz="1800" dirty="0"/>
+                <a:t>}</a:t>
+              </a:r>
+            </a:p>
+          </p:txBody>
+        </p:sp>
+      </p:grpSp>
     </p:spTree>
     <p:extLst>
       <p:ext uri="{BB962C8B-B14F-4D97-AF65-F5344CB8AC3E}">
@@ -21360,8 +21775,8 @@
         </p:nvSpPr>
         <p:spPr>
           <a:xfrm>
-            <a:off x="191387" y="2398881"/>
-            <a:ext cx="4221840" cy="3477875"/>
+            <a:off x="191387" y="3178148"/>
+            <a:ext cx="4221840" cy="2246769"/>
           </a:xfrm>
           <a:prstGeom prst="rect">
             <a:avLst/>
@@ -21375,86 +21790,6 @@
             <a:spAutoFit/>
           </a:bodyPr>
           <a:lstStyle/>
-          <a:p>
-            <a:r>
-              <a:rPr lang="en-GB" sz="2000" dirty="0">
-                <a:solidFill>
-                  <a:schemeClr val="tx2">
-                    <a:lumMod val="50000"/>
-                    <a:lumOff val="50000"/>
-                  </a:schemeClr>
-                </a:solidFill>
-              </a:rPr>
-              <a:t>\</a:t>
-            </a:r>
-            <a:r>
-              <a:rPr lang="en-GB" sz="2000" dirty="0" err="1">
-                <a:solidFill>
-                  <a:schemeClr val="tx2">
-                    <a:lumMod val="50000"/>
-                    <a:lumOff val="50000"/>
-                  </a:schemeClr>
-                </a:solidFill>
-              </a:rPr>
-              <a:t>usepackage</a:t>
-            </a:r>
-            <a:r>
-              <a:rPr lang="en-GB" sz="2000" dirty="0"/>
-              <a:t>{</a:t>
-            </a:r>
-            <a:r>
-              <a:rPr lang="en-GB" sz="2000" dirty="0" err="1">
-                <a:solidFill>
-                  <a:schemeClr val="tx2">
-                    <a:lumMod val="50000"/>
-                    <a:lumOff val="50000"/>
-                  </a:schemeClr>
-                </a:solidFill>
-              </a:rPr>
-              <a:t>amsmath</a:t>
-            </a:r>
-            <a:r>
-              <a:rPr lang="en-GB" sz="2000" dirty="0"/>
-              <a:t>}</a:t>
-            </a:r>
-          </a:p>
-          <a:p>
-            <a:endParaRPr lang="en-GB" sz="2000" dirty="0"/>
-          </a:p>
-          <a:p>
-            <a:r>
-              <a:rPr lang="en-GB" sz="2000" dirty="0">
-                <a:solidFill>
-                  <a:schemeClr val="tx2">
-                    <a:lumMod val="50000"/>
-                    <a:lumOff val="50000"/>
-                  </a:schemeClr>
-                </a:solidFill>
-              </a:rPr>
-              <a:t>\begin</a:t>
-            </a:r>
-            <a:r>
-              <a:rPr lang="en-GB" sz="2000" dirty="0"/>
-              <a:t>{</a:t>
-            </a:r>
-            <a:r>
-              <a:rPr lang="en-GB" sz="2000" dirty="0">
-                <a:solidFill>
-                  <a:schemeClr val="accent4">
-                    <a:lumMod val="75000"/>
-                  </a:schemeClr>
-                </a:solidFill>
-              </a:rPr>
-              <a:t>document</a:t>
-            </a:r>
-            <a:r>
-              <a:rPr lang="en-GB" sz="2000" dirty="0"/>
-              <a:t>}</a:t>
-            </a:r>
-          </a:p>
-          <a:p>
-            <a:endParaRPr lang="en-GB" sz="2000" dirty="0"/>
-          </a:p>
           <a:p>
             <a:r>
               <a:rPr lang="en-GB" sz="2000" dirty="0">
@@ -21738,6 +22073,148 @@
           </a:p>
         </p:txBody>
       </p:sp>
+      <p:grpSp>
+        <p:nvGrpSpPr>
+          <p:cNvPr id="5" name="Group 4">
+            <a:extLst>
+              <a:ext uri="{FF2B5EF4-FFF2-40B4-BE49-F238E27FC236}">
+                <a16:creationId xmlns:a16="http://schemas.microsoft.com/office/drawing/2014/main" id="{9A245DBC-95D6-4764-8E59-0E5DDEA7639C}"/>
+              </a:ext>
+            </a:extLst>
+          </p:cNvPr>
+          <p:cNvGrpSpPr/>
+          <p:nvPr/>
+        </p:nvGrpSpPr>
+        <p:grpSpPr>
+          <a:xfrm>
+            <a:off x="191387" y="1645474"/>
+            <a:ext cx="2822079" cy="738664"/>
+            <a:chOff x="191387" y="1645474"/>
+            <a:chExt cx="2822079" cy="738664"/>
+          </a:xfrm>
+        </p:grpSpPr>
+        <p:sp>
+          <p:nvSpPr>
+            <p:cNvPr id="7" name="TextBox 6">
+              <a:extLst>
+                <a:ext uri="{FF2B5EF4-FFF2-40B4-BE49-F238E27FC236}">
+                  <a16:creationId xmlns:a16="http://schemas.microsoft.com/office/drawing/2014/main" id="{818BFF91-BF28-45A9-A599-0028E8638A8C}"/>
+                </a:ext>
+              </a:extLst>
+            </p:cNvPr>
+            <p:cNvSpPr txBox="1"/>
+            <p:nvPr/>
+          </p:nvSpPr>
+          <p:spPr>
+            <a:xfrm>
+              <a:off x="191387" y="1645474"/>
+              <a:ext cx="1877437" cy="369332"/>
+            </a:xfrm>
+            <a:prstGeom prst="rect">
+              <a:avLst/>
+            </a:prstGeom>
+            <a:noFill/>
+            <a:ln>
+              <a:solidFill>
+                <a:srgbClr val="FF0000"/>
+              </a:solidFill>
+            </a:ln>
+          </p:spPr>
+          <p:txBody>
+            <a:bodyPr wrap="none" rtlCol="0">
+              <a:spAutoFit/>
+            </a:bodyPr>
+            <a:lstStyle/>
+            <a:p>
+              <a:r>
+                <a:rPr lang="en-GB" dirty="0">
+                  <a:solidFill>
+                    <a:srgbClr val="FF0000"/>
+                  </a:solidFill>
+                </a:rPr>
+                <a:t>Add to preamble</a:t>
+              </a:r>
+            </a:p>
+          </p:txBody>
+        </p:sp>
+        <p:sp>
+          <p:nvSpPr>
+            <p:cNvPr id="9" name="TextBox 8">
+              <a:extLst>
+                <a:ext uri="{FF2B5EF4-FFF2-40B4-BE49-F238E27FC236}">
+                  <a16:creationId xmlns:a16="http://schemas.microsoft.com/office/drawing/2014/main" id="{20B28496-C9DD-4BCA-ABD9-E267B118CA9B}"/>
+                </a:ext>
+              </a:extLst>
+            </p:cNvPr>
+            <p:cNvSpPr txBox="1"/>
+            <p:nvPr/>
+          </p:nvSpPr>
+          <p:spPr>
+            <a:xfrm>
+              <a:off x="191387" y="2014806"/>
+              <a:ext cx="2822079" cy="369332"/>
+            </a:xfrm>
+            <a:prstGeom prst="rect">
+              <a:avLst/>
+            </a:prstGeom>
+            <a:noFill/>
+            <a:ln>
+              <a:solidFill>
+                <a:srgbClr val="FF0000"/>
+              </a:solidFill>
+            </a:ln>
+          </p:spPr>
+          <p:txBody>
+            <a:bodyPr wrap="square">
+              <a:spAutoFit/>
+            </a:bodyPr>
+            <a:lstStyle/>
+            <a:p>
+              <a:r>
+                <a:rPr lang="en-GB" sz="1800" dirty="0">
+                  <a:solidFill>
+                    <a:schemeClr val="tx2">
+                      <a:lumMod val="50000"/>
+                      <a:lumOff val="50000"/>
+                    </a:schemeClr>
+                  </a:solidFill>
+                </a:rPr>
+                <a:t>\</a:t>
+              </a:r>
+              <a:r>
+                <a:rPr lang="en-GB" sz="1800" dirty="0" err="1">
+                  <a:solidFill>
+                    <a:schemeClr val="tx2">
+                      <a:lumMod val="50000"/>
+                      <a:lumOff val="50000"/>
+                    </a:schemeClr>
+                  </a:solidFill>
+                </a:rPr>
+                <a:t>usepackage</a:t>
+              </a:r>
+              <a:r>
+                <a:rPr lang="en-GB" sz="1800" dirty="0"/>
+                <a:t>{</a:t>
+              </a:r>
+              <a:r>
+                <a:rPr lang="en-GB" sz="1800" dirty="0" err="1">
+                  <a:solidFill>
+                    <a:schemeClr val="tx2">
+                      <a:lumMod val="50000"/>
+                      <a:lumOff val="50000"/>
+                    </a:schemeClr>
+                  </a:solidFill>
+                </a:rPr>
+                <a:t>amsmath</a:t>
+              </a:r>
+              <a:r>
+                <a:rPr lang="en-GB" sz="1800" dirty="0"/>
+                <a:t>}</a:t>
+              </a:r>
+            </a:p>
+          </p:txBody>
+        </p:sp>
+      </p:grpSp>
     </p:spTree>
     <p:extLst>
       <p:ext uri="{BB962C8B-B14F-4D97-AF65-F5344CB8AC3E}">

--- a/Writing Theses in Latex Slides.pptx
+++ b/Writing Theses in Latex Slides.pptx
@@ -474,7 +474,7 @@
           <a:p>
             <a:fld id="{88EB714B-C3CC-4216-88C1-02913905B1CF}" type="datetimeFigureOut">
               <a:rPr lang="en-GB" smtClean="0"/>
-              <a:t>20/05/2022</a:t>
+              <a:t>05/07/2022</a:t>
             </a:fld>
             <a:endParaRPr lang="en-GB"/>
           </a:p>
@@ -6473,7 +6473,7 @@
           <a:p>
             <a:fld id="{EB0080F8-EA1C-491D-963C-2C881B2F918F}" type="datetimeFigureOut">
               <a:rPr lang="en-GB" smtClean="0"/>
-              <a:t>20/05/2022</a:t>
+              <a:t>05/07/2022</a:t>
             </a:fld>
             <a:endParaRPr lang="en-GB"/>
           </a:p>
@@ -6623,7 +6623,7 @@
           <a:p>
             <a:fld id="{EB0080F8-EA1C-491D-963C-2C881B2F918F}" type="datetimeFigureOut">
               <a:rPr lang="en-GB" smtClean="0"/>
-              <a:t>20/05/2022</a:t>
+              <a:t>05/07/2022</a:t>
             </a:fld>
             <a:endParaRPr lang="en-GB"/>
           </a:p>
@@ -8156,7 +8156,7 @@
           <a:p>
             <a:fld id="{EB0080F8-EA1C-491D-963C-2C881B2F918F}" type="datetimeFigureOut">
               <a:rPr lang="en-GB" smtClean="0"/>
-              <a:t>20/05/2022</a:t>
+              <a:t>05/07/2022</a:t>
             </a:fld>
             <a:endParaRPr lang="en-GB"/>
           </a:p>
@@ -13407,20 +13407,10 @@
               <a:t>tex</a:t>
             </a:r>
             <a:r>
-              <a:rPr lang="en-GB" sz="2800" dirty="0"/>
+              <a:rPr lang="en-GB" sz="2800"/>
               <a:t> files</a:t>
             </a:r>
-          </a:p>
-          <a:p>
-            <a:pPr lvl="1"/>
-            <a:r>
-              <a:rPr lang="en-GB" sz="2400" dirty="0"/>
-              <a:t>Also allows re-use of some files</a:t>
-            </a:r>
-          </a:p>
-          <a:p>
-            <a:pPr lvl="1"/>
-            <a:endParaRPr lang="en-GB" sz="1600" dirty="0"/>
+            <a:endParaRPr lang="en-GB" sz="2800" dirty="0"/>
           </a:p>
         </p:txBody>
       </p:sp>

--- a/Writing Theses in Latex Slides.pptx
+++ b/Writing Theses in Latex Slides.pptx
@@ -228,7 +228,7 @@
 <file path=ppt/revisionInfo.xml><?xml version="1.0" encoding="utf-8"?>
 <p1510:revInfo xmlns:a="http://schemas.openxmlformats.org/drawingml/2006/main" xmlns:r="http://schemas.openxmlformats.org/officeDocument/2006/relationships" xmlns:p1510="http://schemas.microsoft.com/office/powerpoint/2015/10/main">
   <p1510:revLst>
-    <p1510:client id="{D8103D45-09F7-4688-9DAE-2960EEBE232E}" v="17" dt="2022-10-13T15:38:48.623"/>
+    <p1510:client id="{D52F182F-B813-44B7-BB4E-94DC4ED4A244}" v="1" dt="2022-11-09T10:09:08.636"/>
   </p1510:revLst>
 </p1510:revInfo>
 </file>
@@ -551,6 +551,30 @@
       </pc:sldChg>
     </pc:docChg>
   </pc:docChgLst>
+  <pc:docChgLst>
+    <pc:chgData name="Cooling, Chris" userId="6dcf99c9-2ba5-410a-8445-0893a3d1421f" providerId="ADAL" clId="{D52F182F-B813-44B7-BB4E-94DC4ED4A244}"/>
+    <pc:docChg chg="modSld">
+      <pc:chgData name="Cooling, Chris" userId="6dcf99c9-2ba5-410a-8445-0893a3d1421f" providerId="ADAL" clId="{D52F182F-B813-44B7-BB4E-94DC4ED4A244}" dt="2022-11-08T16:06:42.842" v="0" actId="207"/>
+      <pc:docMkLst>
+        <pc:docMk/>
+      </pc:docMkLst>
+      <pc:sldChg chg="modSp mod">
+        <pc:chgData name="Cooling, Chris" userId="6dcf99c9-2ba5-410a-8445-0893a3d1421f" providerId="ADAL" clId="{D52F182F-B813-44B7-BB4E-94DC4ED4A244}" dt="2022-11-08T16:06:42.842" v="0" actId="207"/>
+        <pc:sldMkLst>
+          <pc:docMk/>
+          <pc:sldMk cId="1666026033" sldId="286"/>
+        </pc:sldMkLst>
+        <pc:spChg chg="mod">
+          <ac:chgData name="Cooling, Chris" userId="6dcf99c9-2ba5-410a-8445-0893a3d1421f" providerId="ADAL" clId="{D52F182F-B813-44B7-BB4E-94DC4ED4A244}" dt="2022-11-08T16:06:42.842" v="0" actId="207"/>
+          <ac:spMkLst>
+            <pc:docMk/>
+            <pc:sldMk cId="1666026033" sldId="286"/>
+            <ac:spMk id="9" creationId="{8168D1BA-B83E-4CA0-AC9A-97EBF47D7AEC}"/>
+          </ac:spMkLst>
+        </pc:spChg>
+      </pc:sldChg>
+    </pc:docChg>
+  </pc:docChgLst>
 </pc:chgInfo>
 </file>
 
@@ -803,7 +827,7 @@
           <a:p>
             <a:fld id="{88EB714B-C3CC-4216-88C1-02913905B1CF}" type="datetimeFigureOut">
               <a:rPr lang="en-GB" smtClean="0"/>
-              <a:t>13/10/2022</a:t>
+              <a:t>08/11/2022</a:t>
             </a:fld>
             <a:endParaRPr lang="en-GB"/>
           </a:p>
@@ -6783,7 +6807,7 @@
           <a:p>
             <a:fld id="{EB0080F8-EA1C-491D-963C-2C881B2F918F}" type="datetimeFigureOut">
               <a:rPr lang="en-GB" smtClean="0"/>
-              <a:t>13/10/2022</a:t>
+              <a:t>08/11/2022</a:t>
             </a:fld>
             <a:endParaRPr lang="en-GB"/>
           </a:p>
@@ -6933,7 +6957,7 @@
           <a:p>
             <a:fld id="{EB0080F8-EA1C-491D-963C-2C881B2F918F}" type="datetimeFigureOut">
               <a:rPr lang="en-GB" smtClean="0"/>
-              <a:t>13/10/2022</a:t>
+              <a:t>08/11/2022</a:t>
             </a:fld>
             <a:endParaRPr lang="en-GB"/>
           </a:p>
@@ -8466,7 +8490,7 @@
           <a:p>
             <a:fld id="{EB0080F8-EA1C-491D-963C-2C881B2F918F}" type="datetimeFigureOut">
               <a:rPr lang="en-GB" smtClean="0"/>
-              <a:t>13/10/2022</a:t>
+              <a:t>08/11/2022</a:t>
             </a:fld>
             <a:endParaRPr lang="en-GB"/>
           </a:p>
@@ -18813,7 +18837,22 @@
                   </a:schemeClr>
                 </a:solidFill>
               </a:rPr>
-              <a:t>\frac{\</a:t>
+              <a:t>\frac</a:t>
+            </a:r>
+            <a:r>
+              <a:rPr lang="en-GB" sz="2400" dirty="0"/>
+              <a:t>{</a:t>
+            </a:r>
+            <a:r>
+              <a:rPr lang="en-GB" sz="2400" dirty="0">
+                <a:solidFill>
+                  <a:schemeClr val="tx2">
+                    <a:lumMod val="50000"/>
+                    <a:lumOff val="50000"/>
+                  </a:schemeClr>
+                </a:solidFill>
+              </a:rPr>
+              <a:t>\</a:t>
             </a:r>
             <a:r>
               <a:rPr lang="en-GB" sz="2400" dirty="0" err="1">

--- a/Writing Theses in Latex Slides.pptx
+++ b/Writing Theses in Latex Slides.pptx
@@ -5,10 +5,10 @@
     <p:sldMasterId id="2147483648" r:id="rId1"/>
   </p:sldMasterIdLst>
   <p:notesMasterIdLst>
-    <p:notesMasterId r:id="rId45"/>
+    <p:notesMasterId r:id="rId44"/>
   </p:notesMasterIdLst>
   <p:handoutMasterIdLst>
-    <p:handoutMasterId r:id="rId46"/>
+    <p:handoutMasterId r:id="rId45"/>
   </p:handoutMasterIdLst>
   <p:sldIdLst>
     <p:sldId id="264" r:id="rId2"/>
@@ -33,27 +33,26 @@
     <p:sldId id="309" r:id="rId21"/>
     <p:sldId id="310" r:id="rId22"/>
     <p:sldId id="311" r:id="rId23"/>
-    <p:sldId id="329" r:id="rId24"/>
-    <p:sldId id="320" r:id="rId25"/>
-    <p:sldId id="312" r:id="rId26"/>
-    <p:sldId id="316" r:id="rId27"/>
-    <p:sldId id="315" r:id="rId28"/>
-    <p:sldId id="317" r:id="rId29"/>
-    <p:sldId id="313" r:id="rId30"/>
-    <p:sldId id="314" r:id="rId31"/>
-    <p:sldId id="332" r:id="rId32"/>
-    <p:sldId id="318" r:id="rId33"/>
-    <p:sldId id="286" r:id="rId34"/>
-    <p:sldId id="319" r:id="rId35"/>
-    <p:sldId id="321" r:id="rId36"/>
-    <p:sldId id="322" r:id="rId37"/>
-    <p:sldId id="323" r:id="rId38"/>
-    <p:sldId id="326" r:id="rId39"/>
-    <p:sldId id="325" r:id="rId40"/>
-    <p:sldId id="327" r:id="rId41"/>
-    <p:sldId id="330" r:id="rId42"/>
-    <p:sldId id="335" r:id="rId43"/>
-    <p:sldId id="280" r:id="rId44"/>
+    <p:sldId id="320" r:id="rId24"/>
+    <p:sldId id="312" r:id="rId25"/>
+    <p:sldId id="316" r:id="rId26"/>
+    <p:sldId id="315" r:id="rId27"/>
+    <p:sldId id="317" r:id="rId28"/>
+    <p:sldId id="313" r:id="rId29"/>
+    <p:sldId id="314" r:id="rId30"/>
+    <p:sldId id="332" r:id="rId31"/>
+    <p:sldId id="318" r:id="rId32"/>
+    <p:sldId id="286" r:id="rId33"/>
+    <p:sldId id="319" r:id="rId34"/>
+    <p:sldId id="321" r:id="rId35"/>
+    <p:sldId id="322" r:id="rId36"/>
+    <p:sldId id="323" r:id="rId37"/>
+    <p:sldId id="326" r:id="rId38"/>
+    <p:sldId id="325" r:id="rId39"/>
+    <p:sldId id="327" r:id="rId40"/>
+    <p:sldId id="330" r:id="rId41"/>
+    <p:sldId id="335" r:id="rId42"/>
+    <p:sldId id="280" r:id="rId43"/>
   </p:sldIdLst>
   <p:sldSz cx="9144000" cy="6858000" type="screen4x3"/>
   <p:notesSz cx="7099300" cy="10234613"/>
@@ -179,7 +178,6 @@
             <p14:sldId id="309"/>
             <p14:sldId id="310"/>
             <p14:sldId id="311"/>
-            <p14:sldId id="329"/>
             <p14:sldId id="320"/>
             <p14:sldId id="312"/>
             <p14:sldId id="316"/>
@@ -225,16 +223,24 @@
 </p:presentation>
 </file>
 
-<file path=ppt/revisionInfo.xml><?xml version="1.0" encoding="utf-8"?>
-<p1510:revInfo xmlns:a="http://schemas.openxmlformats.org/drawingml/2006/main" xmlns:r="http://schemas.openxmlformats.org/officeDocument/2006/relationships" xmlns:p1510="http://schemas.microsoft.com/office/powerpoint/2015/10/main">
-  <p1510:revLst>
-    <p1510:client id="{D52F182F-B813-44B7-BB4E-94DC4ED4A244}" v="1" dt="2022-11-09T10:09:08.636"/>
-  </p1510:revLst>
-</p1510:revInfo>
-</file>
-
 <file path=ppt/changesInfos/changesInfo1.xml><?xml version="1.0" encoding="utf-8"?>
 <pc:chgInfo xmlns:a="http://schemas.openxmlformats.org/drawingml/2006/main" xmlns:r="http://schemas.openxmlformats.org/officeDocument/2006/relationships" xmlns:ac="http://schemas.microsoft.com/office/drawing/2013/main/command" xmlns:pc="http://schemas.microsoft.com/office/powerpoint/2013/main/command">
+  <pc:docChgLst>
+    <pc:chgData name="Cooling, Chris" userId="6dcf99c9-2ba5-410a-8445-0893a3d1421f" providerId="ADAL" clId="{B6615B1C-6A6A-4C62-80DB-FE8759085790}"/>
+    <pc:docChg chg="delSld modSection">
+      <pc:chgData name="Cooling, Chris" userId="6dcf99c9-2ba5-410a-8445-0893a3d1421f" providerId="ADAL" clId="{B6615B1C-6A6A-4C62-80DB-FE8759085790}" dt="2022-12-08T09:23:33.124" v="0" actId="47"/>
+      <pc:docMkLst>
+        <pc:docMk/>
+      </pc:docMkLst>
+      <pc:sldChg chg="del">
+        <pc:chgData name="Cooling, Chris" userId="6dcf99c9-2ba5-410a-8445-0893a3d1421f" providerId="ADAL" clId="{B6615B1C-6A6A-4C62-80DB-FE8759085790}" dt="2022-12-08T09:23:33.124" v="0" actId="47"/>
+        <pc:sldMkLst>
+          <pc:docMk/>
+          <pc:sldMk cId="4207515402" sldId="329"/>
+        </pc:sldMkLst>
+      </pc:sldChg>
+    </pc:docChg>
+  </pc:docChgLst>
   <pc:docChgLst>
     <pc:chgData name="Cooling, Chris" userId="6dcf99c9-2ba5-410a-8445-0893a3d1421f" providerId="ADAL" clId="{D8103D45-09F7-4688-9DAE-2960EEBE232E}"/>
     <pc:docChg chg="undo custSel addSld delSld modSld modSection">
@@ -827,7 +833,7 @@
           <a:p>
             <a:fld id="{88EB714B-C3CC-4216-88C1-02913905B1CF}" type="datetimeFigureOut">
               <a:rPr lang="en-GB" smtClean="0"/>
-              <a:t>08/11/2022</a:t>
+              <a:t>08/12/2022</a:t>
             </a:fld>
             <a:endParaRPr lang="en-GB"/>
           </a:p>
@@ -2884,23 +2890,32 @@
           <a:p>
             <a:r>
               <a:rPr lang="en-GB" dirty="0"/>
-              <a:t>By default, the table of contents contains sections numbered to three levels deep (i.e. 1.2.3), but we can change this value using the </a:t>
+              <a:t>As we mentioned earlier, if you include any items with your thesis external to what’s printed in the pages of your thesis, you must include it in the contents. Fortunately, LaTeX allows you to add entries to the contents, list of tables and list of figures without the referenced items actually appearing in your pdf.</a:t>
+            </a:r>
+          </a:p>
+          <a:p>
+            <a:endParaRPr lang="en-GB" dirty="0"/>
+          </a:p>
+          <a:p>
+            <a:r>
+              <a:rPr lang="en-GB" dirty="0"/>
+              <a:t>This is achieved with the “\</a:t>
             </a:r>
             <a:r>
               <a:rPr lang="en-GB" dirty="0" err="1"/>
-              <a:t>setcounter</a:t>
-            </a:r>
-            <a:r>
-              <a:rPr lang="en-GB" dirty="0"/>
-              <a:t> command. By following this with “</a:t>
+              <a:t>addcontentsline</a:t>
+            </a:r>
+            <a:r>
+              <a:rPr lang="en-GB" dirty="0"/>
+              <a:t>” command. This is followed by either “toc”, “</a:t>
             </a:r>
             <a:r>
               <a:rPr lang="en-GB" dirty="0" err="1"/>
-              <a:t>tocdepth</a:t>
-            </a:r>
-            <a:r>
-              <a:rPr lang="en-GB" dirty="0"/>
-              <a:t>” in curly brackets, this change a value that LaTeX uses when working out how to set out the table of contents. By setting this value to 0, we cause LaTeX to only display chapters in the contents. Setting it to 1 causes chapters and sections to be displayed and so on. This can be used to increase or decrease the amount of information contained in the contents.</a:t>
+              <a:t>lof</a:t>
+            </a:r>
+            <a:r>
+              <a:rPr lang="en-GB" dirty="0"/>
+              <a:t>” or “lot” in curly brackets to show the item is to be added to the table of contents, list of figures or list of tables respectively. In another set of curly brackets, you may define the “level” of the entry. This will always be “figure” for an item in the list of figures and “table” for an item in the list of tables, but for a table of contents item it may be “chapter”, “section” or “subsection”. Finally, the name of the entry is included in curly brackets.</a:t>
             </a:r>
             <a:br>
               <a:rPr lang="en-GB" dirty="0"/>
@@ -2910,7 +2925,7 @@
             </a:br>
             <a:r>
               <a:rPr lang="en-GB" dirty="0"/>
-              <a:t>Overleaf Example: https://www.overleaf.com/read/rfvdsyxthfww</a:t>
+              <a:t>Overleaf Example: https://www.overleaf.com/read/pttgcwksbpsc</a:t>
             </a:r>
           </a:p>
         </p:txBody>
@@ -2941,7 +2956,7 @@
     </p:spTree>
     <p:extLst>
       <p:ext uri="{BB962C8B-B14F-4D97-AF65-F5344CB8AC3E}">
-        <p14:creationId xmlns:p14="http://schemas.microsoft.com/office/powerpoint/2010/main" val="3173018215"/>
+        <p14:creationId xmlns:p14="http://schemas.microsoft.com/office/powerpoint/2010/main" val="1283564292"/>
       </p:ext>
     </p:extLst>
   </p:cSld>
@@ -2997,43 +3012,33 @@
           <a:p>
             <a:r>
               <a:rPr lang="en-GB" dirty="0"/>
-              <a:t>As we mentioned earlier, if you include any items with your thesis external to what’s printed in the pages of your thesis, you must include it in the contents. Fortunately, LaTeX allows you to add entries to the contents, list of tables and list of figures without the referenced items actually appearing in your pdf.</a:t>
-            </a:r>
-          </a:p>
-          <a:p>
+              <a:t>You may use appendices to add material to your thesis that you will not be examined on but you feel examiners may wish to refer to. Within the “report” class, this is done by using the “\appendix” command. Following this command, all chapters will be appendices and will be labelled with letters. Similarly, figures will be numbered with A.1, etc. Appendices appear in the table of contents and so do figures and tables in appendices.</a:t>
+            </a:r>
+            <a:br>
+              <a:rPr lang="en-GB" dirty="0"/>
+            </a:br>
+            <a:endParaRPr lang="en-GB" sz="1200" dirty="0"/>
+          </a:p>
+          <a:p>
+            <a:r>
+              <a:rPr lang="en-GB" sz="1200" dirty="0"/>
+              <a:t>Overleaf Example: </a:t>
+            </a:r>
+            <a:r>
+              <a:rPr lang="en-GB" dirty="0"/>
+              <a:t>https://www.overleaf.com/read/rbtybvccgztw</a:t>
+            </a:r>
+            <a:endParaRPr lang="en-GB" sz="1200" dirty="0"/>
+          </a:p>
+          <a:p>
+            <a:endParaRPr lang="en-GB" sz="1200" dirty="0"/>
+          </a:p>
+          <a:p>
+            <a:r>
+              <a:rPr lang="en-GB" sz="1200" dirty="0"/>
+              <a:t>Break for Section 5 of Checklist</a:t>
+            </a:r>
             <a:endParaRPr lang="en-GB" dirty="0"/>
-          </a:p>
-          <a:p>
-            <a:r>
-              <a:rPr lang="en-GB" dirty="0"/>
-              <a:t>This is achieved with the “\</a:t>
-            </a:r>
-            <a:r>
-              <a:rPr lang="en-GB" dirty="0" err="1"/>
-              <a:t>addcontentsline</a:t>
-            </a:r>
-            <a:r>
-              <a:rPr lang="en-GB" dirty="0"/>
-              <a:t>” command. This is followed by either “toc”, “</a:t>
-            </a:r>
-            <a:r>
-              <a:rPr lang="en-GB" dirty="0" err="1"/>
-              <a:t>lof</a:t>
-            </a:r>
-            <a:r>
-              <a:rPr lang="en-GB" dirty="0"/>
-              <a:t>” or “lot” in curly brackets to show the item is to be added to the table of contents, list of figures or list of tables respectively. In another set of curly brackets, you may define the “level” of the entry. This will always be “figure” for an item in the list of figures and “table” for an item in the list of tables, but for a table of contents item it may be “chapter”, “section” or “subsection”. Finally, the name of the entry is included in curly brackets.</a:t>
-            </a:r>
-            <a:br>
-              <a:rPr lang="en-GB" dirty="0"/>
-            </a:br>
-            <a:br>
-              <a:rPr lang="en-GB" dirty="0"/>
-            </a:br>
-            <a:r>
-              <a:rPr lang="en-GB" dirty="0"/>
-              <a:t>Overleaf Example: https://www.overleaf.com/read/pttgcwksbpsc</a:t>
-            </a:r>
           </a:p>
         </p:txBody>
       </p:sp>
@@ -3063,7 +3068,7 @@
     </p:spTree>
     <p:extLst>
       <p:ext uri="{BB962C8B-B14F-4D97-AF65-F5344CB8AC3E}">
-        <p14:creationId xmlns:p14="http://schemas.microsoft.com/office/powerpoint/2010/main" val="1283564292"/>
+        <p14:creationId xmlns:p14="http://schemas.microsoft.com/office/powerpoint/2010/main" val="2488530527"/>
       </p:ext>
     </p:extLst>
   </p:cSld>
@@ -3119,33 +3124,42 @@
           <a:p>
             <a:r>
               <a:rPr lang="en-GB" dirty="0"/>
-              <a:t>You may use appendices to add material to your thesis that you will not be examined on but you feel examiners may wish to refer to. Within the “report” class, this is done by using the “\appendix” command. Following this command, all chapters will be appendices and will be labelled with letters. Similarly, figures will be numbered with A.1, etc. Appendices appear in the table of contents and so do figures and tables in appendices.</a:t>
-            </a:r>
-            <a:br>
-              <a:rPr lang="en-GB" dirty="0"/>
-            </a:br>
-            <a:endParaRPr lang="en-GB" sz="1200" dirty="0"/>
-          </a:p>
-          <a:p>
-            <a:r>
-              <a:rPr lang="en-GB" sz="1200" dirty="0"/>
-              <a:t>Overleaf Example: </a:t>
-            </a:r>
-            <a:r>
-              <a:rPr lang="en-GB" dirty="0"/>
-              <a:t>https://www.overleaf.com/read/rbtybvccgztw</a:t>
-            </a:r>
-            <a:endParaRPr lang="en-GB" sz="1200" dirty="0"/>
-          </a:p>
-          <a:p>
-            <a:endParaRPr lang="en-GB" sz="1200" dirty="0"/>
-          </a:p>
-          <a:p>
-            <a:r>
-              <a:rPr lang="en-GB" sz="1200" dirty="0"/>
-              <a:t>Break for Section 5 of Checklist</a:t>
-            </a:r>
+              <a:t>Your thesis is going to be a very large document indeed. If it is all in a single .</a:t>
+            </a:r>
+            <a:r>
+              <a:rPr lang="en-GB" dirty="0" err="1"/>
+              <a:t>tex</a:t>
+            </a:r>
+            <a:r>
+              <a:rPr lang="en-GB" dirty="0"/>
+              <a:t> document it will be difficult for you to navigate. Finding chapter 2 will take time, and you’ll have better things to spend it on.</a:t>
+            </a:r>
+          </a:p>
+          <a:p>
             <a:endParaRPr lang="en-GB" dirty="0"/>
+          </a:p>
+          <a:p>
+            <a:r>
+              <a:rPr lang="en-GB" dirty="0"/>
+              <a:t>In addition, when you’re typesetting, you’ll often want to recompile your pdf multiple times to test  formatting. If you have to recompile you’re entire document every time, it will be a slow process.</a:t>
+            </a:r>
+          </a:p>
+          <a:p>
+            <a:endParaRPr lang="en-GB" dirty="0"/>
+          </a:p>
+          <a:p>
+            <a:r>
+              <a:rPr lang="en-GB" dirty="0"/>
+              <a:t>One strategy which solves both of these issues is to split your thesis into several .</a:t>
+            </a:r>
+            <a:r>
+              <a:rPr lang="en-GB" dirty="0" err="1"/>
+              <a:t>tex</a:t>
+            </a:r>
+            <a:r>
+              <a:rPr lang="en-GB" dirty="0"/>
+              <a:t> files. This has the side benefit that you can re-use some of these files in other documents. For example, you could use the same file containing your preamble in several LaTeX documents.</a:t>
+            </a:r>
           </a:p>
         </p:txBody>
       </p:sp>
@@ -3175,7 +3189,7 @@
     </p:spTree>
     <p:extLst>
       <p:ext uri="{BB962C8B-B14F-4D97-AF65-F5344CB8AC3E}">
-        <p14:creationId xmlns:p14="http://schemas.microsoft.com/office/powerpoint/2010/main" val="2488530527"/>
+        <p14:creationId xmlns:p14="http://schemas.microsoft.com/office/powerpoint/2010/main" val="2771320647"/>
       </p:ext>
     </p:extLst>
   </p:cSld>
@@ -3231,7 +3245,7 @@
           <a:p>
             <a:r>
               <a:rPr lang="en-GB" dirty="0"/>
-              <a:t>Your thesis is going to be a very large document indeed. If it is all in a single .</a:t>
+              <a:t>The key to doing this is the include command. The three files on the right produce the same pdf as the single file on the right. The include command specifies the name of another .</a:t>
             </a:r>
             <a:r>
               <a:rPr lang="en-GB" dirty="0" err="1"/>
@@ -3239,25 +3253,7 @@
             </a:r>
             <a:r>
               <a:rPr lang="en-GB" dirty="0"/>
-              <a:t> document it will be difficult for you to navigate. Finding chapter 2 will take time, and you’ll have better things to spend it on.</a:t>
-            </a:r>
-          </a:p>
-          <a:p>
-            <a:endParaRPr lang="en-GB" dirty="0"/>
-          </a:p>
-          <a:p>
-            <a:r>
-              <a:rPr lang="en-GB" dirty="0"/>
-              <a:t>In addition, when you’re typesetting, you’ll often want to recompile your pdf multiple times to test  formatting. If you have to recompile you’re entire document every time, it will be a slow process.</a:t>
-            </a:r>
-          </a:p>
-          <a:p>
-            <a:endParaRPr lang="en-GB" dirty="0"/>
-          </a:p>
-          <a:p>
-            <a:r>
-              <a:rPr lang="en-GB" dirty="0"/>
-              <a:t>One strategy which solves both of these issues is to split your thesis into several .</a:t>
+              <a:t> file to be included (don’t include the .</a:t>
             </a:r>
             <a:r>
               <a:rPr lang="en-GB" dirty="0" err="1"/>
@@ -3265,7 +3261,32 @@
             </a:r>
             <a:r>
               <a:rPr lang="en-GB" dirty="0"/>
-              <a:t> files. This has the side benefit that you can re-use some of these files in other documents. For example, you could use the same file containing your preamble in several LaTeX documents.</a:t>
+              <a:t> extension). The files will be processed as though the commands were in a single continuous .</a:t>
+            </a:r>
+            <a:r>
+              <a:rPr lang="en-GB" dirty="0" err="1"/>
+              <a:t>tex</a:t>
+            </a:r>
+            <a:r>
+              <a:rPr lang="en-GB" dirty="0"/>
+              <a:t> file, with the exception that a new page will be inserted before the included material.</a:t>
+            </a:r>
+            <a:br>
+              <a:rPr lang="en-GB" dirty="0"/>
+            </a:br>
+            <a:br>
+              <a:rPr lang="en-GB" dirty="0"/>
+            </a:br>
+            <a:r>
+              <a:rPr lang="en-GB" dirty="0"/>
+              <a:t>Overleaf Example (unsplit document): https://www.overleaf.com/read/sqwvtspkbchs</a:t>
+            </a:r>
+            <a:br>
+              <a:rPr lang="en-GB" dirty="0"/>
+            </a:br>
+            <a:r>
+              <a:rPr lang="en-GB" dirty="0"/>
+              <a:t>Overleaf Example (split document): https://www.overleaf.com/read/cmhxwpmfzrjj</a:t>
             </a:r>
           </a:p>
         </p:txBody>
@@ -3296,7 +3317,7 @@
     </p:spTree>
     <p:extLst>
       <p:ext uri="{BB962C8B-B14F-4D97-AF65-F5344CB8AC3E}">
-        <p14:creationId xmlns:p14="http://schemas.microsoft.com/office/powerpoint/2010/main" val="2771320647"/>
+        <p14:creationId xmlns:p14="http://schemas.microsoft.com/office/powerpoint/2010/main" val="2892583370"/>
       </p:ext>
     </p:extLst>
   </p:cSld>
@@ -3352,7 +3373,15 @@
           <a:p>
             <a:r>
               <a:rPr lang="en-GB" dirty="0"/>
-              <a:t>The key to doing this is the include command. The three files on the right produce the same pdf as the single file on the right. The include command specifies the name of another .</a:t>
+              <a:t>In order to cause only a subset of included files to be used when the pdf is being compiled, the “\</a:t>
+            </a:r>
+            <a:r>
+              <a:rPr lang="en-GB" dirty="0" err="1"/>
+              <a:t>includeonly</a:t>
+            </a:r>
+            <a:r>
+              <a:rPr lang="en-GB" dirty="0"/>
+              <a:t>” command can be used in the preamble. This is followed by a list of .</a:t>
             </a:r>
             <a:r>
               <a:rPr lang="en-GB" dirty="0" err="1"/>
@@ -3360,7 +3389,7 @@
             </a:r>
             <a:r>
               <a:rPr lang="en-GB" dirty="0"/>
-              <a:t> file to be included (don’t include the .</a:t>
+              <a:t> files, separated by commas, which specify which included .</a:t>
             </a:r>
             <a:r>
               <a:rPr lang="en-GB" dirty="0" err="1"/>
@@ -3368,7 +3397,25 @@
             </a:r>
             <a:r>
               <a:rPr lang="en-GB" dirty="0"/>
-              <a:t> extension). The files will be processed as though the commands were in a single continuous .</a:t>
+              <a:t> files are to be used. Note that, in this example, this means the “second” chapter is included and is labelled chapter 1, but the “first” chapter is not included at all.</a:t>
+            </a:r>
+          </a:p>
+          <a:p>
+            <a:endParaRPr lang="en-GB" dirty="0"/>
+          </a:p>
+          <a:p>
+            <a:r>
+              <a:rPr lang="en-GB" dirty="0"/>
+              <a:t>By excluding files in this way you can dramatically speed up the compilation of the pdf. This isn’t so much of an issue for modern computers, but you might still find it useful if you have a large and complex document.</a:t>
+            </a:r>
+          </a:p>
+          <a:p>
+            <a:endParaRPr lang="en-GB" dirty="0"/>
+          </a:p>
+          <a:p>
+            <a:r>
+              <a:rPr lang="en-GB" dirty="0"/>
+              <a:t>You cannot include a .</a:t>
             </a:r>
             <a:r>
               <a:rPr lang="en-GB" dirty="0" err="1"/>
@@ -3376,7 +3423,15 @@
             </a:r>
             <a:r>
               <a:rPr lang="en-GB" dirty="0"/>
-              <a:t> file, with the exception that a new page will be inserted before the included material.</a:t>
+              <a:t> file that includes another .</a:t>
+            </a:r>
+            <a:r>
+              <a:rPr lang="en-GB" dirty="0" err="1"/>
+              <a:t>tex</a:t>
+            </a:r>
+            <a:r>
+              <a:rPr lang="en-GB" dirty="0"/>
+              <a:t> file.</a:t>
             </a:r>
             <a:br>
               <a:rPr lang="en-GB" dirty="0"/>
@@ -3386,14 +3441,16 @@
             </a:br>
             <a:r>
               <a:rPr lang="en-GB" dirty="0"/>
-              <a:t>Overleaf Example (unsplit document): https://www.overleaf.com/read/sqwvtspkbchs</a:t>
-            </a:r>
-            <a:br>
-              <a:rPr lang="en-GB" dirty="0"/>
-            </a:br>
-            <a:r>
-              <a:rPr lang="en-GB" dirty="0"/>
-              <a:t>Overleaf Example (split document): https://www.overleaf.com/read/cmhxwpmfzrjj</a:t>
+              <a:t>Overleaf Example: https://www.overleaf.com/read/ygsypywvjrhb</a:t>
+            </a:r>
+          </a:p>
+          <a:p>
+            <a:endParaRPr lang="en-GB" dirty="0"/>
+          </a:p>
+          <a:p>
+            <a:r>
+              <a:rPr lang="en-GB" dirty="0"/>
+              <a:t>Break for section 6 of Task Sheet</a:t>
             </a:r>
           </a:p>
         </p:txBody>
@@ -3424,7 +3481,7 @@
     </p:spTree>
     <p:extLst>
       <p:ext uri="{BB962C8B-B14F-4D97-AF65-F5344CB8AC3E}">
-        <p14:creationId xmlns:p14="http://schemas.microsoft.com/office/powerpoint/2010/main" val="2892583370"/>
+        <p14:creationId xmlns:p14="http://schemas.microsoft.com/office/powerpoint/2010/main" val="2939621631"/>
       </p:ext>
     </p:extLst>
   </p:cSld>
@@ -3480,65 +3537,39 @@
           <a:p>
             <a:r>
               <a:rPr lang="en-GB" dirty="0"/>
-              <a:t>In order to cause only a subset of included files to be used when the pdf is being compiled, the “\</a:t>
+              <a:t>Normally, references will produce the correct number for the referenced section, figure, etc in a normal text form. However, we can turn them into active hyperlinks that will allow a user to jump to the relevant point in your document by clicking on the reference. You can modify your document so all references are turned into hyperlinks in this way using the “</a:t>
             </a:r>
             <a:r>
               <a:rPr lang="en-GB" dirty="0" err="1"/>
-              <a:t>includeonly</a:t>
-            </a:r>
-            <a:r>
-              <a:rPr lang="en-GB" dirty="0"/>
-              <a:t>” command can be used in the preamble. This is followed by a list of .</a:t>
+              <a:t>hyperref</a:t>
+            </a:r>
+            <a:r>
+              <a:rPr lang="en-GB" dirty="0"/>
+              <a:t>” package. This package has a number of options you can use to customise your references. I strongly recommend setting the “</a:t>
             </a:r>
             <a:r>
               <a:rPr lang="en-GB" dirty="0" err="1"/>
-              <a:t>tex</a:t>
-            </a:r>
-            <a:r>
-              <a:rPr lang="en-GB" dirty="0"/>
-              <a:t> files, separated by commas, which specify which included .</a:t>
+              <a:t>colorlinks</a:t>
+            </a:r>
+            <a:r>
+              <a:rPr lang="en-GB" dirty="0"/>
+              <a:t>” option to “true”, feel free to experiment with what it looks like when you don’t do this. You can also set the colour of your links using the “</a:t>
             </a:r>
             <a:r>
               <a:rPr lang="en-GB" dirty="0" err="1"/>
-              <a:t>tex</a:t>
-            </a:r>
-            <a:r>
-              <a:rPr lang="en-GB" dirty="0"/>
-              <a:t> files are to be used. Note that, in this example, this means the “second” chapter is included and is labelled chapter 1, but the “first” chapter is not included at all.</a:t>
-            </a:r>
-          </a:p>
-          <a:p>
-            <a:endParaRPr lang="en-GB" dirty="0"/>
-          </a:p>
-          <a:p>
-            <a:r>
-              <a:rPr lang="en-GB" dirty="0"/>
-              <a:t>By excluding files in this way you can dramatically speed up the compilation of the pdf. This isn’t so much of an issue for modern computers, but you might still find it useful if you have a large and complex document.</a:t>
-            </a:r>
-          </a:p>
-          <a:p>
-            <a:endParaRPr lang="en-GB" dirty="0"/>
-          </a:p>
-          <a:p>
-            <a:r>
-              <a:rPr lang="en-GB" dirty="0"/>
-              <a:t>You cannot include a .</a:t>
+              <a:t>linkcolor</a:t>
+            </a:r>
+            <a:r>
+              <a:rPr lang="en-GB" dirty="0"/>
+              <a:t>” option and colour of your citations using the “</a:t>
             </a:r>
             <a:r>
               <a:rPr lang="en-GB" dirty="0" err="1"/>
-              <a:t>tex</a:t>
-            </a:r>
-            <a:r>
-              <a:rPr lang="en-GB" dirty="0"/>
-              <a:t> file that includes another .</a:t>
-            </a:r>
-            <a:r>
-              <a:rPr lang="en-GB" dirty="0" err="1"/>
-              <a:t>tex</a:t>
-            </a:r>
-            <a:r>
-              <a:rPr lang="en-GB" dirty="0"/>
-              <a:t> file.</a:t>
+              <a:t>citecolor</a:t>
+            </a:r>
+            <a:r>
+              <a:rPr lang="en-GB"/>
+              <a:t>” option.</a:t>
             </a:r>
             <a:br>
               <a:rPr lang="en-GB" dirty="0"/>
@@ -3548,7 +3579,17 @@
             </a:br>
             <a:r>
               <a:rPr lang="en-GB" dirty="0"/>
-              <a:t>Overleaf Example: https://www.overleaf.com/read/ygsypywvjrhb</a:t>
+              <a:t>Putting hyperlinks into your thesis is a very good idea as it helps navigation of what is a very large document.</a:t>
+            </a:r>
+            <a:br>
+              <a:rPr lang="en-GB" dirty="0"/>
+            </a:br>
+            <a:br>
+              <a:rPr lang="en-GB" dirty="0"/>
+            </a:br>
+            <a:r>
+              <a:rPr lang="en-GB" dirty="0"/>
+              <a:t>Overleaf Example: https://www.overleaf.com/read/tzdbtmdmtfhd</a:t>
             </a:r>
           </a:p>
           <a:p>
@@ -3557,7 +3598,7 @@
           <a:p>
             <a:r>
               <a:rPr lang="en-GB" dirty="0"/>
-              <a:t>Break for section 6 of Task Sheet</a:t>
+              <a:t>Break for Section 7 of Task sheet</a:t>
             </a:r>
           </a:p>
         </p:txBody>
@@ -3588,7 +3629,7 @@
     </p:spTree>
     <p:extLst>
       <p:ext uri="{BB962C8B-B14F-4D97-AF65-F5344CB8AC3E}">
-        <p14:creationId xmlns:p14="http://schemas.microsoft.com/office/powerpoint/2010/main" val="2939621631"/>
+        <p14:creationId xmlns:p14="http://schemas.microsoft.com/office/powerpoint/2010/main" val="4210007226"/>
       </p:ext>
     </p:extLst>
   </p:cSld>
@@ -3644,39 +3685,72 @@
           <a:p>
             <a:r>
               <a:rPr lang="en-GB" dirty="0"/>
-              <a:t>Normally, references will produce the correct number for the referenced section, figure, etc in a normal text form. However, we can turn them into active hyperlinks that will allow a user to jump to the relevant point in your document by clicking on the reference. You can modify your document so all references are turned into hyperlinks in this way using the “</a:t>
+              <a:t>In LaTeX, a subfigure, is a figure which appears as one of multiple smaller figures within a larger figure. This collection of subfigures will always be placed together as a single figure. There are a number of ways of including subfigures in your thesis.</a:t>
+            </a:r>
+          </a:p>
+          <a:p>
+            <a:endParaRPr lang="en-GB" dirty="0"/>
+          </a:p>
+          <a:p>
+            <a:r>
+              <a:rPr lang="en-GB" dirty="0"/>
+              <a:t>The example I am showing you today uses the “</a:t>
             </a:r>
             <a:r>
               <a:rPr lang="en-GB" dirty="0" err="1"/>
-              <a:t>hyperref</a:t>
-            </a:r>
-            <a:r>
-              <a:rPr lang="en-GB" dirty="0"/>
-              <a:t>” package. This package has a number of options you can use to customise your references. I strongly recommend setting the “</a:t>
+              <a:t>subfig</a:t>
+            </a:r>
+            <a:r>
+              <a:rPr lang="en-GB" dirty="0"/>
+              <a:t>” package. Within the figure environment we use the “\</a:t>
             </a:r>
             <a:r>
               <a:rPr lang="en-GB" dirty="0" err="1"/>
-              <a:t>colorlinks</a:t>
-            </a:r>
-            <a:r>
-              <a:rPr lang="en-GB" dirty="0"/>
-              <a:t>” option to “true”, feel free to experiment with what it looks like when you don’t do this. You can also set the colour of your links using the “</a:t>
+              <a:t>subfloat</a:t>
+            </a:r>
+            <a:r>
+              <a:rPr lang="en-GB" dirty="0"/>
+              <a:t>” command once for each subfigure we wish to include. The “\</a:t>
             </a:r>
             <a:r>
               <a:rPr lang="en-GB" dirty="0" err="1"/>
-              <a:t>linkcolor</a:t>
-            </a:r>
-            <a:r>
-              <a:rPr lang="en-GB" dirty="0"/>
-              <a:t>” option and colour of your citations using the “</a:t>
+              <a:t>subfloat</a:t>
+            </a:r>
+            <a:r>
+              <a:rPr lang="en-GB" dirty="0"/>
+              <a:t>” command is followed by the caption of the subfigure in square brackets. Then, in curly brackets, we use the “\</a:t>
             </a:r>
             <a:r>
               <a:rPr lang="en-GB" dirty="0" err="1"/>
-              <a:t>citecolor</a:t>
-            </a:r>
-            <a:r>
-              <a:rPr lang="en-GB"/>
-              <a:t>” option.</a:t>
+              <a:t>includegraphics</a:t>
+            </a:r>
+            <a:r>
+              <a:rPr lang="en-GB" dirty="0"/>
+              <a:t>” command to actually include the graphics. The square brackets following the “\</a:t>
+            </a:r>
+            <a:r>
+              <a:rPr lang="en-GB" dirty="0" err="1"/>
+              <a:t>includegraphics</a:t>
+            </a:r>
+            <a:r>
+              <a:rPr lang="en-GB" dirty="0"/>
+              <a:t> command is here to specify the width of the figure in units of the width of text on the page at this point (which is referenced using the “\</a:t>
+            </a:r>
+            <a:r>
+              <a:rPr lang="en-GB" dirty="0" err="1"/>
+              <a:t>textwidth</a:t>
+            </a:r>
+            <a:r>
+              <a:rPr lang="en-GB" dirty="0"/>
+              <a:t>” command). In this case, we’ve asked for each figure to be around half of the width of the text (there’s some variation due to the aspect ratio of each image). Within the curly brackets following the “\</a:t>
+            </a:r>
+            <a:r>
+              <a:rPr lang="en-GB" dirty="0" err="1"/>
+              <a:t>subfloat</a:t>
+            </a:r>
+            <a:r>
+              <a:rPr lang="en-GB" dirty="0"/>
+              <a:t>” command we also give each individual subfigure a label so we can reference it later.</a:t>
             </a:r>
             <a:br>
               <a:rPr lang="en-GB" dirty="0"/>
@@ -3686,7 +3760,16 @@
             </a:br>
             <a:r>
               <a:rPr lang="en-GB" dirty="0"/>
-              <a:t>Putting hyperlinks into your thesis is a very good idea as it helps navigation of what is a very large document.</a:t>
+              <a:t>Following the specification of the first and third figure we use the “\quad” command. This is a way of telling LaTeX to insert a small horizontal space between whatever came before and whatever comes next. Following the specification of the second subfigure we use a double-backslash to start a new line of subfigures within the overall figure we’re creating. This puts the third and fourth figures below the first and second.</a:t>
+            </a:r>
+          </a:p>
+          <a:p>
+            <a:endParaRPr lang="en-GB" dirty="0"/>
+          </a:p>
+          <a:p>
+            <a:r>
+              <a:rPr lang="en-GB" dirty="0"/>
+              <a:t>Finally, we use the “\caption” command to give the figure that is comprised of the subfigures a caption and the “\label” command to give it a label. We see that we get a nicely spaced array of subfigures, each with their own caption, inside a larger figure which also has its own caption. We can reference any of the subfigures or the containing figure.</a:t>
             </a:r>
             <a:br>
               <a:rPr lang="en-GB" dirty="0"/>
@@ -3696,16 +3779,7 @@
             </a:br>
             <a:r>
               <a:rPr lang="en-GB" dirty="0"/>
-              <a:t>Overleaf Example: https://www.overleaf.com/read/tzdbtmdmtfhd</a:t>
-            </a:r>
-          </a:p>
-          <a:p>
-            <a:endParaRPr lang="en-GB" dirty="0"/>
-          </a:p>
-          <a:p>
-            <a:r>
-              <a:rPr lang="en-GB" dirty="0"/>
-              <a:t>Break for Section 7 of Task sheet</a:t>
+              <a:t>Overleaf Example: https://www.overleaf.com/read/htdvrmwgcyvd</a:t>
             </a:r>
           </a:p>
         </p:txBody>
@@ -3736,7 +3810,7 @@
     </p:spTree>
     <p:extLst>
       <p:ext uri="{BB962C8B-B14F-4D97-AF65-F5344CB8AC3E}">
-        <p14:creationId xmlns:p14="http://schemas.microsoft.com/office/powerpoint/2010/main" val="4210007226"/>
+        <p14:creationId xmlns:p14="http://schemas.microsoft.com/office/powerpoint/2010/main" val="1494002939"/>
       </p:ext>
     </p:extLst>
   </p:cSld>
@@ -3792,7 +3866,7 @@
           <a:p>
             <a:r>
               <a:rPr lang="en-GB" dirty="0"/>
-              <a:t>In LaTeX, a subfigure, is a figure which appears as one of multiple smaller figures within a larger figure. This collection of subfigures will always be placed together as a single figure. There are a number of ways of including subfigures in your thesis.</a:t>
+              <a:t>Sometimes when writing a caption you might want to use a long caption to give a lot of information about the figure, table, etc. However, the same caption would take up a lot of space and give unnecessary detail in the list of figures or list of tables. In this case, it’s possible to specify a shorter caption to be used in the list of figures or list of tables by specifying it in square brackets after the word captions and before the full caption which is specified in curly brackets.</a:t>
             </a:r>
           </a:p>
           <a:p>
@@ -3801,73 +3875,15 @@
           <a:p>
             <a:r>
               <a:rPr lang="en-GB" dirty="0"/>
-              <a:t>The example I am showing you today uses the “</a:t>
-            </a:r>
-            <a:r>
-              <a:rPr lang="en-GB" dirty="0" err="1"/>
-              <a:t>subfig</a:t>
-            </a:r>
-            <a:r>
-              <a:rPr lang="en-GB" dirty="0"/>
-              <a:t>” package. Within the figure environment we use the “\</a:t>
-            </a:r>
-            <a:r>
-              <a:rPr lang="en-GB" dirty="0" err="1"/>
-              <a:t>subfloat</a:t>
-            </a:r>
-            <a:r>
-              <a:rPr lang="en-GB" dirty="0"/>
-              <a:t>” command once for each subfigure we wish to include. The “\</a:t>
-            </a:r>
-            <a:r>
-              <a:rPr lang="en-GB" dirty="0" err="1"/>
-              <a:t>subfloat</a:t>
-            </a:r>
-            <a:r>
-              <a:rPr lang="en-GB" dirty="0"/>
-              <a:t>” command is followed by the caption of the subfigure in square brackets. Then, in curly brackets, we use the “\</a:t>
-            </a:r>
-            <a:r>
-              <a:rPr lang="en-GB" dirty="0" err="1"/>
-              <a:t>includegraphics</a:t>
-            </a:r>
-            <a:r>
-              <a:rPr lang="en-GB" dirty="0"/>
-              <a:t>” command to actually include the graphics. The square brackets following the “\</a:t>
-            </a:r>
-            <a:r>
-              <a:rPr lang="en-GB" dirty="0" err="1"/>
-              <a:t>includegraphics</a:t>
-            </a:r>
-            <a:r>
-              <a:rPr lang="en-GB" dirty="0"/>
-              <a:t> command is here to specify the width of the figure in units of the width of text on the page at this point (which is referenced using the “\</a:t>
-            </a:r>
-            <a:r>
-              <a:rPr lang="en-GB" dirty="0" err="1"/>
-              <a:t>textwidth</a:t>
-            </a:r>
-            <a:r>
-              <a:rPr lang="en-GB" dirty="0"/>
-              <a:t>” command). In this case, we’ve asked for each figure to be around half of the width of the text (there’s some variation due to the aspect ratio of each image). Within the curly brackets following the “\</a:t>
-            </a:r>
-            <a:r>
-              <a:rPr lang="en-GB" dirty="0" err="1"/>
-              <a:t>subfloat</a:t>
-            </a:r>
-            <a:r>
-              <a:rPr lang="en-GB" dirty="0"/>
-              <a:t>” command we also give each individual subfigure a label so we can reference it later.</a:t>
-            </a:r>
-            <a:br>
-              <a:rPr lang="en-GB" dirty="0"/>
-            </a:br>
-            <a:br>
-              <a:rPr lang="en-GB" dirty="0"/>
-            </a:br>
-            <a:r>
-              <a:rPr lang="en-GB" dirty="0"/>
-              <a:t>Following the specification of the first and third figure we use the “\quad” command. This is a way of telling LaTeX to insert a small horizontal space between whatever came before and whatever comes next. Following the specification of the second subfigure we use a double-backslash to start a new line of subfigures within the overall figure we’re creating. This puts the third and fourth figures below the first and second.</a:t>
+              <a:t>Because of the way the captions for subfigures are defined/used, it’s not possible or necessary to do this </a:t>
+            </a:r>
+            <a:r>
+              <a:rPr lang="en-GB"/>
+              <a:t>for subfigure </a:t>
+            </a:r>
+            <a:r>
+              <a:rPr lang="en-GB" dirty="0"/>
+              <a:t>captions, although it is possible to specify a short caption for a figure which contains subfigures.</a:t>
             </a:r>
           </a:p>
           <a:p>
@@ -3876,17 +3892,7 @@
           <a:p>
             <a:r>
               <a:rPr lang="en-GB" dirty="0"/>
-              <a:t>Finally, we use the “\caption” command to give the figure that is comprised of the subfigures a caption and the “\label” command to give it a label. We see that we get a nicely spaced array of subfigures, each with their own caption, inside a larger figure which also has its own caption. We can reference any of the subfigures or the containing figure.</a:t>
-            </a:r>
-            <a:br>
-              <a:rPr lang="en-GB" dirty="0"/>
-            </a:br>
-            <a:br>
-              <a:rPr lang="en-GB" dirty="0"/>
-            </a:br>
-            <a:r>
-              <a:rPr lang="en-GB" dirty="0"/>
-              <a:t>Overleaf Example: https://www.overleaf.com/read/htdvrmwgcyvd</a:t>
+              <a:t>Overleaf example: https://www.overleaf.com/read/kjjswpdcxsfn</a:t>
             </a:r>
           </a:p>
         </p:txBody>
@@ -3917,7 +3923,7 @@
     </p:spTree>
     <p:extLst>
       <p:ext uri="{BB962C8B-B14F-4D97-AF65-F5344CB8AC3E}">
-        <p14:creationId xmlns:p14="http://schemas.microsoft.com/office/powerpoint/2010/main" val="1494002939"/>
+        <p14:creationId xmlns:p14="http://schemas.microsoft.com/office/powerpoint/2010/main" val="2584514555"/>
       </p:ext>
     </p:extLst>
   </p:cSld>
@@ -4057,7 +4063,7 @@
           <a:p>
             <a:r>
               <a:rPr lang="en-GB" dirty="0"/>
-              <a:t>Sometimes when writing a caption you might want to use a long caption to give a lot of information about the figure, table, etc. However, the same caption would take up a lot of space and give unnecessary detail in the list of figures or list of tables. In this case, it’s possible to specify a shorter caption to be used in the list of figures or list of tables by specifying it in square brackets after the word captions and before the full caption which is specified in curly brackets.</a:t>
+              <a:t>Overleaf Example: https://www.overleaf.com/read/nwtfndvmfnpf</a:t>
             </a:r>
           </a:p>
           <a:p>
@@ -4066,24 +4072,7 @@
           <a:p>
             <a:r>
               <a:rPr lang="en-GB" dirty="0"/>
-              <a:t>Because of the way the captions for subfigures are defined/used, it’s not possible or necessary to do this </a:t>
-            </a:r>
-            <a:r>
-              <a:rPr lang="en-GB"/>
-              <a:t>for subfigure </a:t>
-            </a:r>
-            <a:r>
-              <a:rPr lang="en-GB" dirty="0"/>
-              <a:t>captions, although it is possible to specify a short caption for a figure which contains subfigures.</a:t>
-            </a:r>
-          </a:p>
-          <a:p>
-            <a:endParaRPr lang="en-GB" dirty="0"/>
-          </a:p>
-          <a:p>
-            <a:r>
-              <a:rPr lang="en-GB" dirty="0"/>
-              <a:t>Overleaf example: https://www.overleaf.com/read/kjjswpdcxsfn</a:t>
+              <a:t>Break for sections 8 and 9 of Task Sheet</a:t>
             </a:r>
           </a:p>
         </p:txBody>
@@ -4114,7 +4103,7 @@
     </p:spTree>
     <p:extLst>
       <p:ext uri="{BB962C8B-B14F-4D97-AF65-F5344CB8AC3E}">
-        <p14:creationId xmlns:p14="http://schemas.microsoft.com/office/powerpoint/2010/main" val="2584514555"/>
+        <p14:creationId xmlns:p14="http://schemas.microsoft.com/office/powerpoint/2010/main" val="53672810"/>
       </p:ext>
     </p:extLst>
   </p:cSld>
@@ -4170,7 +4159,39 @@
           <a:p>
             <a:r>
               <a:rPr lang="en-GB" dirty="0"/>
-              <a:t>Overleaf Example: https://www.overleaf.com/read/nwtfndvmfnpf</a:t>
+              <a:t>In your preamble you can use the “\</a:t>
+            </a:r>
+            <a:r>
+              <a:rPr lang="en-GB" dirty="0" err="1"/>
+              <a:t>newcommand</a:t>
+            </a:r>
+            <a:r>
+              <a:rPr lang="en-GB" dirty="0"/>
+              <a:t>” command to define a new command. This is a little like defining a macro or a function in other programs or languages. “\</a:t>
+            </a:r>
+            <a:r>
+              <a:rPr lang="en-GB" dirty="0" err="1"/>
+              <a:t>newcommand</a:t>
+            </a:r>
+            <a:r>
+              <a:rPr lang="en-GB" dirty="0"/>
+              <a:t>” is followed by the name of the command in curly brackets. This is followed by the number of arguments the command (if there are arguments to the command). This is followed by the text that will be used in the body of the .</a:t>
+            </a:r>
+            <a:r>
+              <a:rPr lang="en-GB" dirty="0" err="1"/>
+              <a:t>tex</a:t>
+            </a:r>
+            <a:r>
+              <a:rPr lang="en-GB" dirty="0"/>
+              <a:t> file where the command is used. In this definition, if “#X” is included within curly brackets, this will insert the </a:t>
+            </a:r>
+            <a:r>
+              <a:rPr lang="en-GB" dirty="0" err="1"/>
+              <a:t>Xth</a:t>
+            </a:r>
+            <a:r>
+              <a:rPr lang="en-GB" dirty="0"/>
+              <a:t> argument in the text used.</a:t>
             </a:r>
           </a:p>
           <a:p>
@@ -4179,7 +4200,46 @@
           <a:p>
             <a:r>
               <a:rPr lang="en-GB" dirty="0"/>
-              <a:t>Break for sections 8 and 9 of Task Sheet</a:t>
+              <a:t>To use the command in the document, you can use “\COMMAND_NAME” to invoke the command. This is followed by a the arguments of the command, each in their own set of curly brackets.</a:t>
+            </a:r>
+            <a:br>
+              <a:rPr lang="en-GB" dirty="0"/>
+            </a:br>
+            <a:br>
+              <a:rPr lang="en-GB" dirty="0"/>
+            </a:br>
+            <a:r>
+              <a:rPr lang="en-GB" dirty="0"/>
+              <a:t>This can be very useful for automating text you use repeatedly that is the same or similar every time but is long-winded to write out.</a:t>
+            </a:r>
+            <a:br>
+              <a:rPr lang="en-GB" dirty="0"/>
+            </a:br>
+            <a:br>
+              <a:rPr lang="en-GB" dirty="0"/>
+            </a:br>
+            <a:r>
+              <a:rPr lang="en-GB" dirty="0"/>
+              <a:t>It’s also possible to redefine existing commands or define new environments, but this won’t be covered in this course.</a:t>
+            </a:r>
+            <a:br>
+              <a:rPr lang="en-GB" dirty="0"/>
+            </a:br>
+            <a:endParaRPr lang="en-GB" dirty="0"/>
+          </a:p>
+          <a:p>
+            <a:r>
+              <a:rPr lang="en-GB" dirty="0"/>
+              <a:t>Overleaf Example: https://www.overleaf.com/read/hxttrgqqvpyp</a:t>
+            </a:r>
+          </a:p>
+          <a:p>
+            <a:endParaRPr lang="en-GB" dirty="0"/>
+          </a:p>
+          <a:p>
+            <a:r>
+              <a:rPr lang="en-GB" dirty="0"/>
+              <a:t>Break for section 10 of Task Sheet</a:t>
             </a:r>
           </a:p>
         </p:txBody>
@@ -4210,7 +4270,7 @@
     </p:spTree>
     <p:extLst>
       <p:ext uri="{BB962C8B-B14F-4D97-AF65-F5344CB8AC3E}">
-        <p14:creationId xmlns:p14="http://schemas.microsoft.com/office/powerpoint/2010/main" val="53672810"/>
+        <p14:creationId xmlns:p14="http://schemas.microsoft.com/office/powerpoint/2010/main" val="2909380669"/>
       </p:ext>
     </p:extLst>
   </p:cSld>
@@ -4266,48 +4326,7 @@
           <a:p>
             <a:r>
               <a:rPr lang="en-GB" dirty="0"/>
-              <a:t>In your preamble you can use the “\</a:t>
-            </a:r>
-            <a:r>
-              <a:rPr lang="en-GB" dirty="0" err="1"/>
-              <a:t>newcommand</a:t>
-            </a:r>
-            <a:r>
-              <a:rPr lang="en-GB" dirty="0"/>
-              <a:t>” command to define a new command. This is a little like defining a macro or a function in other programs or languages. “\</a:t>
-            </a:r>
-            <a:r>
-              <a:rPr lang="en-GB" dirty="0" err="1"/>
-              <a:t>newcommand</a:t>
-            </a:r>
-            <a:r>
-              <a:rPr lang="en-GB" dirty="0"/>
-              <a:t>” is followed by the name of the command in curly brackets. This is followed by the number of arguments the command (if there are arguments to the command). This is followed by the text that will be used in the body of the .</a:t>
-            </a:r>
-            <a:r>
-              <a:rPr lang="en-GB" dirty="0" err="1"/>
-              <a:t>tex</a:t>
-            </a:r>
-            <a:r>
-              <a:rPr lang="en-GB" dirty="0"/>
-              <a:t> file where the command is used. In this definition, if “#X” is included within curly brackets, this will insert the </a:t>
-            </a:r>
-            <a:r>
-              <a:rPr lang="en-GB" dirty="0" err="1"/>
-              <a:t>Xth</a:t>
-            </a:r>
-            <a:r>
-              <a:rPr lang="en-GB" dirty="0"/>
-              <a:t> argument in the text used.</a:t>
-            </a:r>
-          </a:p>
-          <a:p>
-            <a:endParaRPr lang="en-GB" dirty="0"/>
-          </a:p>
-          <a:p>
-            <a:r>
-              <a:rPr lang="en-GB" dirty="0"/>
-              <a:t>To use the command in the document, you can use “\COMMAND_NAME” to invoke the command. This is followed by a the arguments of the command, each in their own set of curly brackets.</a:t>
+              <a:t>Your thesis is likely to have dozens or hundreds of references and so a more advanced way to deal with your references is preferable. There are many ways to deal with your references and many ways to personalise your citations. We’re going to run through one way to achieve a streamlined approach to referencing and introduce a few options you might want to consider for personalising your references.</a:t>
             </a:r>
             <a:br>
               <a:rPr lang="en-GB" dirty="0"/>
@@ -4317,36 +4336,15 @@
             </a:br>
             <a:r>
               <a:rPr lang="en-GB" dirty="0"/>
-              <a:t>This can be very useful for automating text you use repeatedly that is the same or similar every time but is long-winded to write out.</a:t>
-            </a:r>
-            <a:br>
-              <a:rPr lang="en-GB" dirty="0"/>
-            </a:br>
-            <a:br>
-              <a:rPr lang="en-GB" dirty="0"/>
-            </a:br>
-            <a:r>
-              <a:rPr lang="en-GB" dirty="0"/>
-              <a:t>It’s also possible to redefine existing commands or define new environments, but this won’t be covered in this course.</a:t>
-            </a:r>
-            <a:br>
-              <a:rPr lang="en-GB" dirty="0"/>
-            </a:br>
-            <a:endParaRPr lang="en-GB" dirty="0"/>
-          </a:p>
-          <a:p>
-            <a:r>
-              <a:rPr lang="en-GB" dirty="0"/>
-              <a:t>Overleaf Example: https://www.overleaf.com/read/hxttrgqqvpyp</a:t>
-            </a:r>
-          </a:p>
-          <a:p>
-            <a:endParaRPr lang="en-GB" dirty="0"/>
-          </a:p>
-          <a:p>
-            <a:r>
-              <a:rPr lang="en-GB" dirty="0"/>
-              <a:t>Break for section 10 of Task Sheet</a:t>
+              <a:t>Many reference managers such as EndNote, Mendeley and </a:t>
+            </a:r>
+            <a:r>
+              <a:rPr lang="en-GB" dirty="0" err="1"/>
+              <a:t>JabRef</a:t>
+            </a:r>
+            <a:r>
+              <a:rPr lang="en-GB" dirty="0"/>
+              <a:t> allow for your database of references to be exported as a “.bib” file. This is essentially a database of your references that LaTeX can interact with directly. This means you only need to enter your reference details once in your reference manager and it will feed through to your LaTeX documents including your thesis. If you combine this with the automatic population of fields in your reference manager you will never need to manually write out the details of a reference again. This saves a lot of time and effort you can better spend elsewhere.</a:t>
             </a:r>
           </a:p>
         </p:txBody>
@@ -4377,7 +4375,7 @@
     </p:spTree>
     <p:extLst>
       <p:ext uri="{BB962C8B-B14F-4D97-AF65-F5344CB8AC3E}">
-        <p14:creationId xmlns:p14="http://schemas.microsoft.com/office/powerpoint/2010/main" val="2909380669"/>
+        <p14:creationId xmlns:p14="http://schemas.microsoft.com/office/powerpoint/2010/main" val="1094947271"/>
       </p:ext>
     </p:extLst>
   </p:cSld>
@@ -4433,7 +4431,31 @@
           <a:p>
             <a:r>
               <a:rPr lang="en-GB" dirty="0"/>
-              <a:t>Your thesis is likely to have dozens or hundreds of references and so a more advanced way to deal with your references is preferable. There are many ways to deal with your references and many ways to personalise your citations. We’re going to run through one way to achieve a streamlined approach to referencing and introduce a few options you might want to consider for personalising your references.</a:t>
+              <a:t>A “.bib” file consists of one entry for each reference. An new entry is begun with a “@” symbol and the name of the type of entry it is. Here, we have one article and one book. There are many other types such as “report”, “conference” and even “</a:t>
+            </a:r>
+            <a:r>
+              <a:rPr lang="en-GB" dirty="0" err="1"/>
+              <a:t>phdthesis</a:t>
+            </a:r>
+            <a:r>
+              <a:rPr lang="en-GB" dirty="0"/>
+              <a:t>”. See here for some more examples: </a:t>
+            </a:r>
+            <a:r>
+              <a:rPr lang="en-GB" dirty="0">
+                <a:hlinkClick r:id="rId3"/>
+              </a:rPr>
+              <a:t>https://www.verbosus.com/bibtex-style-examples.html</a:t>
+            </a:r>
+            <a:endParaRPr lang="en-GB" dirty="0"/>
+          </a:p>
+          <a:p>
+            <a:endParaRPr lang="en-GB" dirty="0"/>
+          </a:p>
+          <a:p>
+            <a:r>
+              <a:rPr lang="en-GB" dirty="0"/>
+              <a:t> Within curly brackets, the first entry is a label for your reference. Following that, we then have a series of fields which define the contents of the reference. These come in the format “field name = field value” and are separated by commas. Different entries are valid for different entry types. For instance, both our entries here have “author”, “title” and “year” fields but the article has the fields “journal”, “volume”, “number” and “pages” fields whilst the book has a “publisher” field.</a:t>
             </a:r>
             <a:br>
               <a:rPr lang="en-GB" dirty="0"/>
@@ -4443,15 +4465,24 @@
             </a:br>
             <a:r>
               <a:rPr lang="en-GB" dirty="0"/>
-              <a:t>Many reference managers such as EndNote, Mendeley and </a:t>
+              <a:t>When you compile your main .</a:t>
             </a:r>
             <a:r>
               <a:rPr lang="en-GB" dirty="0" err="1"/>
-              <a:t>JabRef</a:t>
-            </a:r>
-            <a:r>
-              <a:rPr lang="en-GB" dirty="0"/>
-              <a:t> allow for your database of references to be exported as a “.bib” file. This is essentially a database of your references that LaTeX can interact with directly. This means you only need to enter your reference details once in your reference manager and it will feed through to your LaTeX documents including your thesis. If you combine this with the automatic population of fields in your reference manager you will never need to manually write out the details of a reference again. This saves a lot of time and effort you can better spend elsewhere.</a:t>
+              <a:t>tex</a:t>
+            </a:r>
+            <a:r>
+              <a:rPr lang="en-GB" dirty="0"/>
+              <a:t> file, your bibliography will appear and any entries that are cited will appear in your bibliography. Entries you have not cited will not be included by default.</a:t>
+            </a:r>
+          </a:p>
+          <a:p>
+            <a:endParaRPr lang="en-GB" dirty="0"/>
+          </a:p>
+          <a:p>
+            <a:r>
+              <a:rPr lang="en-GB" dirty="0"/>
+              <a:t>Overleaf example: https://www.overleaf.com/read/tfrbytxxqszf</a:t>
             </a:r>
           </a:p>
         </p:txBody>
@@ -4482,7 +4513,7 @@
     </p:spTree>
     <p:extLst>
       <p:ext uri="{BB962C8B-B14F-4D97-AF65-F5344CB8AC3E}">
-        <p14:creationId xmlns:p14="http://schemas.microsoft.com/office/powerpoint/2010/main" val="1094947271"/>
+        <p14:creationId xmlns:p14="http://schemas.microsoft.com/office/powerpoint/2010/main" val="2985834625"/>
       </p:ext>
     </p:extLst>
   </p:cSld>
@@ -4538,31 +4569,39 @@
           <a:p>
             <a:r>
               <a:rPr lang="en-GB" dirty="0"/>
-              <a:t>A “.bib” file consists of one entry for each reference. An new entry is begun with a “@” symbol and the name of the type of entry it is. Here, we have one article and one book. There are many other types such as “report”, “conference” and even “</a:t>
+              <a:t>In your main .</a:t>
             </a:r>
             <a:r>
               <a:rPr lang="en-GB" dirty="0" err="1"/>
-              <a:t>phdthesis</a:t>
-            </a:r>
-            <a:r>
-              <a:rPr lang="en-GB" dirty="0"/>
-              <a:t>”. See here for some more examples: </a:t>
-            </a:r>
-            <a:r>
-              <a:rPr lang="en-GB" dirty="0">
-                <a:hlinkClick r:id="rId3"/>
-              </a:rPr>
-              <a:t>https://www.verbosus.com/bibtex-style-examples.html</a:t>
-            </a:r>
-            <a:endParaRPr lang="en-GB" dirty="0"/>
-          </a:p>
-          <a:p>
-            <a:endParaRPr lang="en-GB" dirty="0"/>
-          </a:p>
-          <a:p>
-            <a:r>
-              <a:rPr lang="en-GB" dirty="0"/>
-              <a:t> Within curly brackets, the first entry is a label for your reference. Following that, we then have a series of fields which define the contents of the reference. These come in the format “field name = field value” and are separated by commas. Different entries are valid for different entry types. For instance, both our entries here have “author”, “title” and “year” fields but the article has the fields “journal”, “volume”, “number” and “pages” fields whilst the book has a “publisher” field.</a:t>
+              <a:t>tex</a:t>
+            </a:r>
+            <a:r>
+              <a:rPr lang="en-GB" dirty="0"/>
+              <a:t> file, you need to use the package “</a:t>
+            </a:r>
+            <a:r>
+              <a:rPr lang="en-GB" dirty="0" err="1"/>
+              <a:t>natbib</a:t>
+            </a:r>
+            <a:r>
+              <a:rPr lang="en-GB" dirty="0"/>
+              <a:t>” in your preamble. You can then cite a reference using the “</a:t>
+            </a:r>
+            <a:r>
+              <a:rPr lang="en-GB" dirty="0" err="1"/>
+              <a:t>citet</a:t>
+            </a:r>
+            <a:r>
+              <a:rPr lang="en-GB" dirty="0"/>
+              <a:t>” command with the label of the reference. This produces a reference which is “textual” in the sense that the author name is written in normal text as if it’s being read as part of the sentence. You can also use “</a:t>
+            </a:r>
+            <a:r>
+              <a:rPr lang="en-GB" dirty="0" err="1"/>
+              <a:t>citep</a:t>
+            </a:r>
+            <a:r>
+              <a:rPr lang="en-GB" dirty="0"/>
+              <a:t>” to include the entire reference within brackets. This can be useful for when you don’t intend for the reference to be read as part of the sentence, but to act as an addendum.</a:t>
             </a:r>
             <a:br>
               <a:rPr lang="en-GB" dirty="0"/>
@@ -4572,25 +4611,45 @@
             </a:br>
             <a:r>
               <a:rPr lang="en-GB" dirty="0"/>
-              <a:t>When you compile your main .</a:t>
+              <a:t>After the main body of your text, select a bibliography style (we’ll use “</a:t>
             </a:r>
             <a:r>
               <a:rPr lang="en-GB" dirty="0" err="1"/>
-              <a:t>tex</a:t>
-            </a:r>
-            <a:r>
-              <a:rPr lang="en-GB" dirty="0"/>
-              <a:t> file, your bibliography will appear and any entries that are cited will appear in your bibliography. Entries you have not cited will not be included by default.</a:t>
+              <a:t>plainnat</a:t>
+            </a:r>
+            <a:r>
+              <a:rPr lang="en-GB" dirty="0"/>
+              <a:t>” for now). Then, use the “\bibliography” command to actually insert your bibliography into your text. This is followed by the name of your “.bib” file in curly brackets (do not include the “.bib” extension here).</a:t>
             </a:r>
           </a:p>
           <a:p>
             <a:endParaRPr lang="en-GB" dirty="0"/>
           </a:p>
           <a:p>
+            <a:pPr marL="0" marR="0" lvl="0" indent="0" algn="l" defTabSz="914400" rtl="0" eaLnBrk="1" fontAlgn="auto" latinLnBrk="0" hangingPunct="1">
+              <a:lnSpc>
+                <a:spcPct val="100000"/>
+              </a:lnSpc>
+              <a:spcBef>
+                <a:spcPts val="0"/>
+              </a:spcBef>
+              <a:spcAft>
+                <a:spcPts val="0"/>
+              </a:spcAft>
+              <a:buClrTx/>
+              <a:buSzTx/>
+              <a:buFontTx/>
+              <a:buNone/>
+              <a:tabLst/>
+              <a:defRPr/>
+            </a:pPr>
             <a:r>
               <a:rPr lang="en-GB" dirty="0"/>
               <a:t>Overleaf example: https://www.overleaf.com/read/tfrbytxxqszf</a:t>
             </a:r>
+          </a:p>
+          <a:p>
+            <a:endParaRPr lang="en-GB" dirty="0"/>
           </a:p>
         </p:txBody>
       </p:sp>
@@ -4620,7 +4679,7 @@
     </p:spTree>
     <p:extLst>
       <p:ext uri="{BB962C8B-B14F-4D97-AF65-F5344CB8AC3E}">
-        <p14:creationId xmlns:p14="http://schemas.microsoft.com/office/powerpoint/2010/main" val="2985834625"/>
+        <p14:creationId xmlns:p14="http://schemas.microsoft.com/office/powerpoint/2010/main" val="529073958"/>
       </p:ext>
     </p:extLst>
   </p:cSld>
@@ -4676,15 +4735,7 @@
           <a:p>
             <a:r>
               <a:rPr lang="en-GB" dirty="0"/>
-              <a:t>In your main .</a:t>
-            </a:r>
-            <a:r>
-              <a:rPr lang="en-GB" dirty="0" err="1"/>
-              <a:t>tex</a:t>
-            </a:r>
-            <a:r>
-              <a:rPr lang="en-GB" dirty="0"/>
-              <a:t> file, you need to use the package “</a:t>
+              <a:t>There are a number of different ways you can personalise your references. Here we’ll look at different options you can use with the </a:t>
             </a:r>
             <a:r>
               <a:rPr lang="en-GB" dirty="0" err="1"/>
@@ -4692,23 +4743,7 @@
             </a:r>
             <a:r>
               <a:rPr lang="en-GB" dirty="0"/>
-              <a:t>” in your preamble. You can then cite a reference using the “</a:t>
-            </a:r>
-            <a:r>
-              <a:rPr lang="en-GB" dirty="0" err="1"/>
-              <a:t>citet</a:t>
-            </a:r>
-            <a:r>
-              <a:rPr lang="en-GB" dirty="0"/>
-              <a:t>” command with the label of the reference. This produces a reference which is “textual” in the sense that the author name is written in normal text as if it’s being read as part of the sentence. You can also use “</a:t>
-            </a:r>
-            <a:r>
-              <a:rPr lang="en-GB" dirty="0" err="1"/>
-              <a:t>citep</a:t>
-            </a:r>
-            <a:r>
-              <a:rPr lang="en-GB" dirty="0"/>
-              <a:t>” to include the entire reference within brackets. This can be useful for when you don’t intend for the reference to be read as part of the sentence, but to act as an addendum.</a:t>
+              <a:t> package which will alter how your reference appear.</a:t>
             </a:r>
             <a:br>
               <a:rPr lang="en-GB" dirty="0"/>
@@ -4718,41 +4753,28 @@
             </a:br>
             <a:r>
               <a:rPr lang="en-GB" dirty="0"/>
-              <a:t>After the main body of your text, select a bibliography style (we’ll use “</a:t>
-            </a:r>
-            <a:r>
-              <a:rPr lang="en-GB" dirty="0" err="1"/>
-              <a:t>plainnat</a:t>
-            </a:r>
-            <a:r>
-              <a:rPr lang="en-GB" dirty="0"/>
-              <a:t>” for now). Then, use the “\bibliography” command to actually insert your bibliography into your text. This is followed by the name of your “.bib” file in curly brackets (do not include the “.bib” extension here).</a:t>
+              <a:t>Using the “numbers” option will cause you to use numerical references instead of textual references. “round” will cause your references to use round brackets instead of square brackets. “super” causes your citations to appear in super-script, similar to a footnote.</a:t>
             </a:r>
           </a:p>
           <a:p>
             <a:endParaRPr lang="en-GB" dirty="0"/>
           </a:p>
           <a:p>
-            <a:pPr marL="0" marR="0" lvl="0" indent="0" algn="l" defTabSz="914400" rtl="0" eaLnBrk="1" fontAlgn="auto" latinLnBrk="0" hangingPunct="1">
-              <a:lnSpc>
-                <a:spcPct val="100000"/>
-              </a:lnSpc>
-              <a:spcBef>
-                <a:spcPts val="0"/>
-              </a:spcBef>
-              <a:spcAft>
-                <a:spcPts val="0"/>
-              </a:spcAft>
-              <a:buClrTx/>
-              <a:buSzTx/>
-              <a:buFontTx/>
-              <a:buNone/>
-              <a:tabLst/>
-              <a:defRPr/>
-            </a:pPr>
-            <a:r>
-              <a:rPr lang="en-GB" dirty="0"/>
-              <a:t>Overleaf example: https://www.overleaf.com/read/tfrbytxxqszf</a:t>
+            <a:r>
+              <a:rPr lang="en-GB" dirty="0"/>
+              <a:t>Overleaf Example (numbers): https://www.overleaf.com/read/nyhjxjvhvqpk</a:t>
+            </a:r>
+          </a:p>
+          <a:p>
+            <a:r>
+              <a:rPr lang="en-GB" dirty="0"/>
+              <a:t>Overleaf Example (round): https://www.overleaf.com/read/dfvnydjfjpfb</a:t>
+            </a:r>
+          </a:p>
+          <a:p>
+            <a:r>
+              <a:rPr lang="en-GB" dirty="0"/>
+              <a:t>Overleaf Example (super): https://www.overleaf.com/read/zgtgtvqhcvfc</a:t>
             </a:r>
           </a:p>
           <a:p>
@@ -4786,7 +4808,7 @@
     </p:spTree>
     <p:extLst>
       <p:ext uri="{BB962C8B-B14F-4D97-AF65-F5344CB8AC3E}">
-        <p14:creationId xmlns:p14="http://schemas.microsoft.com/office/powerpoint/2010/main" val="529073958"/>
+        <p14:creationId xmlns:p14="http://schemas.microsoft.com/office/powerpoint/2010/main" val="3708384690"/>
       </p:ext>
     </p:extLst>
   </p:cSld>
@@ -4842,25 +4864,23 @@
           <a:p>
             <a:r>
               <a:rPr lang="en-GB" dirty="0"/>
-              <a:t>There are a number of different ways you can personalise your references. Here we’ll look at different options you can use with the </a:t>
+              <a:t>There are more ways you can make a citation. You can include multiple citations within a single “</a:t>
             </a:r>
             <a:r>
               <a:rPr lang="en-GB" dirty="0" err="1"/>
-              <a:t>natbib</a:t>
-            </a:r>
-            <a:r>
-              <a:rPr lang="en-GB" dirty="0"/>
-              <a:t> package which will alter how your reference appear.</a:t>
-            </a:r>
-            <a:br>
-              <a:rPr lang="en-GB" dirty="0"/>
-            </a:br>
-            <a:br>
-              <a:rPr lang="en-GB" dirty="0"/>
-            </a:br>
-            <a:r>
-              <a:rPr lang="en-GB" dirty="0"/>
-              <a:t>Using the “numbers” option will cause you to use numerical references instead of textual references. “round” will cause your references to use round brackets instead of square brackets. “super” causes your citations to appear in super-script, similar to a footnote.</a:t>
+              <a:t>citet</a:t>
+            </a:r>
+            <a:r>
+              <a:rPr lang="en-GB" dirty="0"/>
+              <a:t>” or “</a:t>
+            </a:r>
+            <a:r>
+              <a:rPr lang="en-GB" dirty="0" err="1"/>
+              <a:t>citep</a:t>
+            </a:r>
+            <a:r>
+              <a:rPr lang="en-GB" dirty="0"/>
+              <a:t>” command, separating them with commas. You can also provide additional details, such a referencing a chapter number by including them in square brackets between the “cite” command and the curly brackets.</a:t>
             </a:r>
           </a:p>
           <a:p>
@@ -4869,23 +4889,8 @@
           <a:p>
             <a:r>
               <a:rPr lang="en-GB" dirty="0"/>
-              <a:t>Overleaf Example (numbers): https://www.overleaf.com/read/nyhjxjvhvqpk</a:t>
-            </a:r>
-          </a:p>
-          <a:p>
-            <a:r>
-              <a:rPr lang="en-GB" dirty="0"/>
-              <a:t>Overleaf Example (round): https://www.overleaf.com/read/dfvnydjfjpfb</a:t>
-            </a:r>
-          </a:p>
-          <a:p>
-            <a:r>
-              <a:rPr lang="en-GB" dirty="0"/>
-              <a:t>Overleaf Example (super): https://www.overleaf.com/read/zgtgtvqhcvfc</a:t>
-            </a:r>
-          </a:p>
-          <a:p>
-            <a:endParaRPr lang="en-GB" dirty="0"/>
+              <a:t>Overleaf Example: https://www.overleaf.com/read/cqbhnvfsfzpp</a:t>
+            </a:r>
           </a:p>
         </p:txBody>
       </p:sp>
@@ -4915,7 +4920,7 @@
     </p:spTree>
     <p:extLst>
       <p:ext uri="{BB962C8B-B14F-4D97-AF65-F5344CB8AC3E}">
-        <p14:creationId xmlns:p14="http://schemas.microsoft.com/office/powerpoint/2010/main" val="3708384690"/>
+        <p14:creationId xmlns:p14="http://schemas.microsoft.com/office/powerpoint/2010/main" val="1451178539"/>
       </p:ext>
     </p:extLst>
   </p:cSld>
@@ -4971,23 +4976,7 @@
           <a:p>
             <a:r>
               <a:rPr lang="en-GB" dirty="0"/>
-              <a:t>There are more ways you can make a citation. You can include multiple citations within a single “</a:t>
-            </a:r>
-            <a:r>
-              <a:rPr lang="en-GB" dirty="0" err="1"/>
-              <a:t>citet</a:t>
-            </a:r>
-            <a:r>
-              <a:rPr lang="en-GB" dirty="0"/>
-              <a:t>” or “</a:t>
-            </a:r>
-            <a:r>
-              <a:rPr lang="en-GB" dirty="0" err="1"/>
-              <a:t>citep</a:t>
-            </a:r>
-            <a:r>
-              <a:rPr lang="en-GB" dirty="0"/>
-              <a:t>” command, separating them with commas. You can also provide additional details, such a referencing a chapter number by including them in square brackets between the “cite” command and the curly brackets.</a:t>
+              <a:t>There are a few “gotchas” regarding references and bibliographies. These are things that you might expect to work one way, but they actually work a different way.</a:t>
             </a:r>
           </a:p>
           <a:p>
@@ -4996,7 +4985,35 @@
           <a:p>
             <a:r>
               <a:rPr lang="en-GB" dirty="0"/>
-              <a:t>Overleaf Example: https://www.overleaf.com/read/cqbhnvfsfzpp</a:t>
+              <a:t>The first is capitalisation. In titles and names, LaTeX will use it’s own rules for capitalisation. In titles, the default is to make everything lower-case. This can provide a big problem, particularly for acronyms. However, you can force LaTeX to preserve your original capitalisation by placing the phrase in curly brackets.</a:t>
+            </a:r>
+            <a:br>
+              <a:rPr lang="en-GB" dirty="0"/>
+            </a:br>
+            <a:br>
+              <a:rPr lang="en-GB" dirty="0"/>
+            </a:br>
+            <a:r>
+              <a:rPr lang="en-GB" dirty="0"/>
+              <a:t>If you include accented letters in your bibliography, this will not result in an accent appearing in your bibliography as LaTeX doesn’t know how to parse the character. Instead, you need to include the LaTeX code for accented character in your “.bib” file.</a:t>
+            </a:r>
+          </a:p>
+          <a:p>
+            <a:endParaRPr lang="en-GB" dirty="0"/>
+          </a:p>
+          <a:p>
+            <a:r>
+              <a:rPr lang="en-GB" dirty="0"/>
+              <a:t>There a couple of ways of entering multiple author names. You might think that separating author names by commas will work, but this will not produce the desired effect. This is partially because commas are often used between a surname and first names in author specifications. Instead, you can separate names with “and” or with semi-colons.</a:t>
+            </a:r>
+          </a:p>
+          <a:p>
+            <a:endParaRPr lang="en-GB" dirty="0"/>
+          </a:p>
+          <a:p>
+            <a:r>
+              <a:rPr lang="en-GB" dirty="0"/>
+              <a:t>Break for section 11 of Task Sheet</a:t>
             </a:r>
           </a:p>
         </p:txBody>
@@ -5027,7 +5044,7 @@
     </p:spTree>
     <p:extLst>
       <p:ext uri="{BB962C8B-B14F-4D97-AF65-F5344CB8AC3E}">
-        <p14:creationId xmlns:p14="http://schemas.microsoft.com/office/powerpoint/2010/main" val="1451178539"/>
+        <p14:creationId xmlns:p14="http://schemas.microsoft.com/office/powerpoint/2010/main" val="3041713323"/>
       </p:ext>
     </p:extLst>
   </p:cSld>
@@ -5083,16 +5100,23 @@
           <a:p>
             <a:r>
               <a:rPr lang="en-GB" dirty="0"/>
-              <a:t>There are a few “gotchas” regarding references and bibliographies. These are things that you might expect to work one way, but they actually work a different way.</a:t>
-            </a:r>
-          </a:p>
-          <a:p>
-            <a:endParaRPr lang="en-GB" dirty="0"/>
-          </a:p>
-          <a:p>
-            <a:r>
-              <a:rPr lang="en-GB" dirty="0"/>
-              <a:t>The first is capitalisation. In titles and names, LaTeX will use it’s own rules for capitalisation. In titles, the default is to make everything lower-case. This can provide a big problem, particularly for acronyms. However, you can force LaTeX to preserve your original capitalisation by placing the phrase in curly brackets.</a:t>
+              <a:t>The acronym package provides a useful way to deal with acronyms in your document. Inside the “acronym” environment, you can use the “\</a:t>
+            </a:r>
+            <a:r>
+              <a:rPr lang="en-GB" dirty="0" err="1"/>
+              <a:t>acro</a:t>
+            </a:r>
+            <a:r>
+              <a:rPr lang="en-GB" dirty="0"/>
+              <a:t>” command to define an acronym. This command is followed by two sets of curly brackets. The first contains the abbreviated version of the acronym. The second contains the expanded version of the acronym. Defining acronyms in this way creates a list of acronyms at the location of the “acronym” environment in your pdf. It’s also possible to define acronyms using the “\</a:t>
+            </a:r>
+            <a:r>
+              <a:rPr lang="en-GB" dirty="0" err="1"/>
+              <a:t>acrodef</a:t>
+            </a:r>
+            <a:r>
+              <a:rPr lang="en-GB" dirty="0"/>
+              <a:t>” command in the preamble to avoid a list of acronyms if desired.</a:t>
             </a:r>
             <a:br>
               <a:rPr lang="en-GB" dirty="0"/>
@@ -5102,25 +5126,25 @@
             </a:br>
             <a:r>
               <a:rPr lang="en-GB" dirty="0"/>
-              <a:t>If you include accented letters in your bibliography, this will not result in an accent appearing in your bibliography as LaTeX doesn’t know how to parse the character. Instead, you need to include the LaTeX code for accented character in your “.bib” file.</a:t>
-            </a:r>
-          </a:p>
-          <a:p>
-            <a:endParaRPr lang="en-GB" dirty="0"/>
-          </a:p>
-          <a:p>
-            <a:r>
-              <a:rPr lang="en-GB" dirty="0"/>
-              <a:t>There a couple of ways of entering multiple author names. You might think that separating author names by commas will work, but this will not produce the desired effect. This is partially because commas are often used between a surname and first names in author specifications. Instead, you can separate names with “and” or with semi-colons.</a:t>
-            </a:r>
-          </a:p>
-          <a:p>
-            <a:endParaRPr lang="en-GB" dirty="0"/>
-          </a:p>
-          <a:p>
-            <a:r>
-              <a:rPr lang="en-GB" dirty="0"/>
-              <a:t>Break for section 11 of Task Sheet</a:t>
+              <a:t>In the main text you may use the commands “\ac” and “\</a:t>
+            </a:r>
+            <a:r>
+              <a:rPr lang="en-GB" dirty="0" err="1"/>
+              <a:t>acp</a:t>
+            </a:r>
+            <a:r>
+              <a:rPr lang="en-GB" dirty="0"/>
+              <a:t>” to insert the acronym or the plural of the acronym respectively. The first time an acronym is used this way both the expanded and contracted version of the acronym will be inserted. In subsequent cases only the contracted version is used.</a:t>
+            </a:r>
+            <a:br>
+              <a:rPr lang="en-GB" dirty="0"/>
+            </a:br>
+            <a:br>
+              <a:rPr lang="en-GB" dirty="0"/>
+            </a:br>
+            <a:r>
+              <a:rPr lang="en-GB" dirty="0"/>
+              <a:t>Overleaf Example: https://www.overleaf.com/read/jqsvjjpgjzjp</a:t>
             </a:r>
           </a:p>
         </p:txBody>
@@ -5151,7 +5175,7 @@
     </p:spTree>
     <p:extLst>
       <p:ext uri="{BB962C8B-B14F-4D97-AF65-F5344CB8AC3E}">
-        <p14:creationId xmlns:p14="http://schemas.microsoft.com/office/powerpoint/2010/main" val="3041713323"/>
+        <p14:creationId xmlns:p14="http://schemas.microsoft.com/office/powerpoint/2010/main" val="374641908"/>
       </p:ext>
     </p:extLst>
   </p:cSld>
@@ -5207,23 +5231,39 @@
           <a:p>
             <a:r>
               <a:rPr lang="en-GB" dirty="0"/>
-              <a:t>The acronym package provides a useful way to deal with acronyms in your document. Inside the “acronym” environment, you can use the “\</a:t>
+              <a:t>The “</a:t>
             </a:r>
             <a:r>
               <a:rPr lang="en-GB" dirty="0" err="1"/>
-              <a:t>acro</a:t>
-            </a:r>
-            <a:r>
-              <a:rPr lang="en-GB" dirty="0"/>
-              <a:t>” command to define an acronym. This command is followed by two sets of curly brackets. The first contains the abbreviated version of the acronym. The second contains the expanded version of the acronym. Defining acronyms in this way creates a list of acronyms at the location of the “acronym” environment in your pdf. It’s also possible to define acronyms using the “\</a:t>
+              <a:t>amsmath</a:t>
+            </a:r>
+            <a:r>
+              <a:rPr lang="en-GB" dirty="0"/>
+              <a:t>” package (which is a fairly standard package to use when dealing with maths) introduces the “</a:t>
             </a:r>
             <a:r>
               <a:rPr lang="en-GB" dirty="0" err="1"/>
-              <a:t>acrodef</a:t>
-            </a:r>
-            <a:r>
-              <a:rPr lang="en-GB" dirty="0"/>
-              <a:t>” command in the preamble to avoid a list of acronyms if desired.</a:t>
+              <a:t>alignat</a:t>
+            </a:r>
+            <a:r>
+              <a:rPr lang="en-GB" dirty="0"/>
+              <a:t>” environment. This environment allows </a:t>
+            </a:r>
+            <a:r>
+              <a:rPr lang="en-GB" dirty="0" err="1"/>
+              <a:t>mulriple</a:t>
+            </a:r>
+            <a:r>
+              <a:rPr lang="en-GB" dirty="0"/>
+              <a:t> equations to be specified in the same construct. Its contents are processed in “</a:t>
+            </a:r>
+            <a:r>
+              <a:rPr lang="en-GB" dirty="0" err="1"/>
+              <a:t>mathmode</a:t>
+            </a:r>
+            <a:r>
+              <a:rPr lang="en-GB" dirty="0"/>
+              <a:t>” and individual lines in it are treated as different equations for numbering purposes.</a:t>
             </a:r>
             <a:br>
               <a:rPr lang="en-GB" dirty="0"/>
@@ -5233,25 +5273,33 @@
             </a:br>
             <a:r>
               <a:rPr lang="en-GB" dirty="0"/>
-              <a:t>In the main text you may use the commands “\ac” and “\</a:t>
+              <a:t>What it also allows you to do is to align your equations. The number in curly brackets following the “\begin{</a:t>
             </a:r>
             <a:r>
               <a:rPr lang="en-GB" dirty="0" err="1"/>
-              <a:t>acp</a:t>
-            </a:r>
-            <a:r>
-              <a:rPr lang="en-GB" dirty="0"/>
-              <a:t>” to insert the acronym or the plural of the acronym respectively. The first time an acronym is used this way both the expanded and contracted version of the acronym will be inserted. In subsequent cases only the contracted version is used.</a:t>
-            </a:r>
-            <a:br>
-              <a:rPr lang="en-GB" dirty="0"/>
-            </a:br>
-            <a:br>
-              <a:rPr lang="en-GB" dirty="0"/>
-            </a:br>
-            <a:r>
-              <a:rPr lang="en-GB" dirty="0"/>
-              <a:t>Overleaf Example: https://www.overleaf.com/read/jqsvjjpgjzjp</a:t>
+              <a:t>alignat</a:t>
+            </a:r>
+            <a:r>
+              <a:rPr lang="en-GB" dirty="0"/>
+              <a:t>}” command defines how many alignment points may be used for each equation. Equations are separated with a double backslash and the alignment points are specified using the ampersand character “&amp;”. For each equation you may use up to the maximum number of alignment points specified (here, it is 2). LaTeX will then ensure the first alignment point in each equation is vertically aligned. This can be very useful for ensuring even large blocks of equations are easy to read.</a:t>
+            </a:r>
+          </a:p>
+          <a:p>
+            <a:endParaRPr lang="en-GB" dirty="0"/>
+          </a:p>
+          <a:p>
+            <a:r>
+              <a:rPr lang="en-GB" dirty="0"/>
+              <a:t>Overleaf Example: https://www.overleaf.com/read/trrzvqnfwshx</a:t>
+            </a:r>
+          </a:p>
+          <a:p>
+            <a:endParaRPr lang="en-GB" dirty="0"/>
+          </a:p>
+          <a:p>
+            <a:r>
+              <a:rPr lang="en-GB" dirty="0"/>
+              <a:t>Break for sections 12 and 13 of task sheet</a:t>
             </a:r>
           </a:p>
         </p:txBody>
@@ -5282,7 +5330,7 @@
     </p:spTree>
     <p:extLst>
       <p:ext uri="{BB962C8B-B14F-4D97-AF65-F5344CB8AC3E}">
-        <p14:creationId xmlns:p14="http://schemas.microsoft.com/office/powerpoint/2010/main" val="374641908"/>
+        <p14:creationId xmlns:p14="http://schemas.microsoft.com/office/powerpoint/2010/main" val="554150285"/>
       </p:ext>
     </p:extLst>
   </p:cSld>
@@ -5451,78 +5499,7 @@
           <a:bodyPr/>
           <a:lstStyle/>
           <a:p>
-            <a:r>
-              <a:rPr lang="en-GB" dirty="0"/>
-              <a:t>The “</a:t>
-            </a:r>
-            <a:r>
-              <a:rPr lang="en-GB" dirty="0" err="1"/>
-              <a:t>amsmath</a:t>
-            </a:r>
-            <a:r>
-              <a:rPr lang="en-GB" dirty="0"/>
-              <a:t>” package (which is a fairly standard package to use when dealing with maths) introduces the “</a:t>
-            </a:r>
-            <a:r>
-              <a:rPr lang="en-GB" dirty="0" err="1"/>
-              <a:t>alignat</a:t>
-            </a:r>
-            <a:r>
-              <a:rPr lang="en-GB" dirty="0"/>
-              <a:t>” environment. This environment allows </a:t>
-            </a:r>
-            <a:r>
-              <a:rPr lang="en-GB" dirty="0" err="1"/>
-              <a:t>mulriple</a:t>
-            </a:r>
-            <a:r>
-              <a:rPr lang="en-GB" dirty="0"/>
-              <a:t> equations to be specified in the same construct. Its contents are processed in “</a:t>
-            </a:r>
-            <a:r>
-              <a:rPr lang="en-GB" dirty="0" err="1"/>
-              <a:t>mathmode</a:t>
-            </a:r>
-            <a:r>
-              <a:rPr lang="en-GB" dirty="0"/>
-              <a:t>” and individual lines in it are treated as different equations for numbering purposes.</a:t>
-            </a:r>
-            <a:br>
-              <a:rPr lang="en-GB" dirty="0"/>
-            </a:br>
-            <a:br>
-              <a:rPr lang="en-GB" dirty="0"/>
-            </a:br>
-            <a:r>
-              <a:rPr lang="en-GB" dirty="0"/>
-              <a:t>What it also allows you to do is to align your equations. The number in curly brackets following the “\begin{</a:t>
-            </a:r>
-            <a:r>
-              <a:rPr lang="en-GB" dirty="0" err="1"/>
-              <a:t>alignat</a:t>
-            </a:r>
-            <a:r>
-              <a:rPr lang="en-GB" dirty="0"/>
-              <a:t>}” command defines how many alignment points may be used for each equation. Equations are separated with a double backslash and the alignment points are specified using the ampersand character “&amp;”. For each equation you may use up to the maximum number of alignment points specified (here, it is 2). LaTeX will then ensure the first alignment point in each equation is vertically aligned. This can be very useful for ensuring even large blocks of equations are easy to read.</a:t>
-            </a:r>
-          </a:p>
-          <a:p>
             <a:endParaRPr lang="en-GB" dirty="0"/>
-          </a:p>
-          <a:p>
-            <a:r>
-              <a:rPr lang="en-GB" dirty="0"/>
-              <a:t>Overleaf Example: https://www.overleaf.com/read/trrzvqnfwshx</a:t>
-            </a:r>
-          </a:p>
-          <a:p>
-            <a:endParaRPr lang="en-GB" dirty="0"/>
-          </a:p>
-          <a:p>
-            <a:r>
-              <a:rPr lang="en-GB" dirty="0"/>
-              <a:t>Break for sections 12 and 13 of task sheet</a:t>
-            </a:r>
           </a:p>
         </p:txBody>
       </p:sp>
@@ -5552,7 +5529,7 @@
     </p:spTree>
     <p:extLst>
       <p:ext uri="{BB962C8B-B14F-4D97-AF65-F5344CB8AC3E}">
-        <p14:creationId xmlns:p14="http://schemas.microsoft.com/office/powerpoint/2010/main" val="554150285"/>
+        <p14:creationId xmlns:p14="http://schemas.microsoft.com/office/powerpoint/2010/main" val="1492413823"/>
       </p:ext>
     </p:extLst>
   </p:cSld>
@@ -5581,90 +5558,6 @@
       </p:grpSpPr>
       <p:sp>
         <p:nvSpPr>
-          <p:cNvPr id="2" name="Slide Image Placeholder 1"/>
-          <p:cNvSpPr>
-            <a:spLocks noGrp="1" noRot="1" noChangeAspect="1"/>
-          </p:cNvSpPr>
-          <p:nvPr>
-            <p:ph type="sldImg"/>
-          </p:nvPr>
-        </p:nvSpPr>
-        <p:spPr/>
-      </p:sp>
-      <p:sp>
-        <p:nvSpPr>
-          <p:cNvPr id="3" name="Notes Placeholder 2"/>
-          <p:cNvSpPr>
-            <a:spLocks noGrp="1"/>
-          </p:cNvSpPr>
-          <p:nvPr>
-            <p:ph type="body" idx="1"/>
-          </p:nvPr>
-        </p:nvSpPr>
-        <p:spPr/>
-        <p:txBody>
-          <a:bodyPr/>
-          <a:lstStyle/>
-          <a:p>
-            <a:endParaRPr lang="en-GB" dirty="0"/>
-          </a:p>
-        </p:txBody>
-      </p:sp>
-      <p:sp>
-        <p:nvSpPr>
-          <p:cNvPr id="4" name="Slide Number Placeholder 3"/>
-          <p:cNvSpPr>
-            <a:spLocks noGrp="1"/>
-          </p:cNvSpPr>
-          <p:nvPr>
-            <p:ph type="sldNum" sz="quarter" idx="10"/>
-          </p:nvPr>
-        </p:nvSpPr>
-        <p:spPr/>
-        <p:txBody>
-          <a:bodyPr/>
-          <a:lstStyle/>
-          <a:p>
-            <a:fld id="{6A641EC8-C9F8-4A58-A1A7-F7D817526EEC}" type="slidenum">
-              <a:rPr lang="en-GB" smtClean="0"/>
-              <a:t>42</a:t>
-            </a:fld>
-            <a:endParaRPr lang="en-GB"/>
-          </a:p>
-        </p:txBody>
-      </p:sp>
-    </p:spTree>
-    <p:extLst>
-      <p:ext uri="{BB962C8B-B14F-4D97-AF65-F5344CB8AC3E}">
-        <p14:creationId xmlns:p14="http://schemas.microsoft.com/office/powerpoint/2010/main" val="1492413823"/>
-      </p:ext>
-    </p:extLst>
-  </p:cSld>
-  <p:clrMapOvr>
-    <a:masterClrMapping/>
-  </p:clrMapOvr>
-</p:notes>
-</file>
-
-<file path=ppt/notesSlides/notesSlide42.xml><?xml version="1.0" encoding="utf-8"?>
-<p:notes xmlns:a="http://schemas.openxmlformats.org/drawingml/2006/main" xmlns:r="http://schemas.openxmlformats.org/officeDocument/2006/relationships" xmlns:p="http://schemas.openxmlformats.org/presentationml/2006/main">
-  <p:cSld>
-    <p:spTree>
-      <p:nvGrpSpPr>
-        <p:cNvPr id="1" name=""/>
-        <p:cNvGrpSpPr/>
-        <p:nvPr/>
-      </p:nvGrpSpPr>
-      <p:grpSpPr>
-        <a:xfrm>
-          <a:off x="0" y="0"/>
-          <a:ext cx="0" cy="0"/>
-          <a:chOff x="0" y="0"/>
-          <a:chExt cx="0" cy="0"/>
-        </a:xfrm>
-      </p:grpSpPr>
-      <p:sp>
-        <p:nvSpPr>
           <p:cNvPr id="108546" name="Rectangle 7"/>
           <p:cNvSpPr>
             <a:spLocks noGrp="1" noChangeArrowheads="1"/>
@@ -5823,7 +5716,7 @@
                   <a:spcPct val="0"/>
                 </a:spcBef>
               </a:pPr>
-              <a:t>43</a:t>
+              <a:t>42</a:t>
             </a:fld>
             <a:endParaRPr lang="en-US" altLang="en-US"/>
           </a:p>
@@ -6807,7 +6700,7 @@
           <a:p>
             <a:fld id="{EB0080F8-EA1C-491D-963C-2C881B2F918F}" type="datetimeFigureOut">
               <a:rPr lang="en-GB" smtClean="0"/>
-              <a:t>08/11/2022</a:t>
+              <a:t>08/12/2022</a:t>
             </a:fld>
             <a:endParaRPr lang="en-GB"/>
           </a:p>
@@ -6957,7 +6850,7 @@
           <a:p>
             <a:fld id="{EB0080F8-EA1C-491D-963C-2C881B2F918F}" type="datetimeFigureOut">
               <a:rPr lang="en-GB" smtClean="0"/>
-              <a:t>08/11/2022</a:t>
+              <a:t>08/12/2022</a:t>
             </a:fld>
             <a:endParaRPr lang="en-GB"/>
           </a:p>
@@ -8490,7 +8383,7 @@
           <a:p>
             <a:fld id="{EB0080F8-EA1C-491D-963C-2C881B2F918F}" type="datetimeFigureOut">
               <a:rPr lang="en-GB" smtClean="0"/>
-              <a:t>08/11/2022</a:t>
+              <a:t>08/12/2022</a:t>
             </a:fld>
             <a:endParaRPr lang="en-GB"/>
           </a:p>
@@ -12952,202 +12845,6 @@
           <a:p>
             <a:r>
               <a:rPr lang="en-GB" sz="4000" dirty="0"/>
-              <a:t>Contents Depth</a:t>
-            </a:r>
-          </a:p>
-        </p:txBody>
-      </p:sp>
-      <p:sp>
-        <p:nvSpPr>
-          <p:cNvPr id="3" name="Content Placeholder 2"/>
-          <p:cNvSpPr>
-            <a:spLocks noGrp="1"/>
-          </p:cNvSpPr>
-          <p:nvPr>
-            <p:ph idx="1"/>
-          </p:nvPr>
-        </p:nvSpPr>
-        <p:spPr>
-          <a:xfrm>
-            <a:off x="457200" y="3610988"/>
-            <a:ext cx="3967655" cy="926853"/>
-          </a:xfrm>
-        </p:spPr>
-        <p:txBody>
-          <a:bodyPr>
-            <a:noAutofit/>
-          </a:bodyPr>
-          <a:lstStyle/>
-          <a:p>
-            <a:pPr marL="0" indent="0">
-              <a:buNone/>
-            </a:pPr>
-            <a:r>
-              <a:rPr lang="en-GB" sz="2400" dirty="0">
-                <a:solidFill>
-                  <a:schemeClr val="tx2">
-                    <a:lumMod val="50000"/>
-                    <a:lumOff val="50000"/>
-                  </a:schemeClr>
-                </a:solidFill>
-              </a:rPr>
-              <a:t>\</a:t>
-            </a:r>
-            <a:r>
-              <a:rPr lang="en-GB" sz="2400" dirty="0" err="1">
-                <a:solidFill>
-                  <a:schemeClr val="tx2">
-                    <a:lumMod val="50000"/>
-                    <a:lumOff val="50000"/>
-                  </a:schemeClr>
-                </a:solidFill>
-              </a:rPr>
-              <a:t>setcounter</a:t>
-            </a:r>
-            <a:r>
-              <a:rPr lang="en-GB" sz="2400" dirty="0"/>
-              <a:t>{</a:t>
-            </a:r>
-            <a:r>
-              <a:rPr lang="en-GB" sz="2400" dirty="0" err="1"/>
-              <a:t>tocdepth</a:t>
-            </a:r>
-            <a:r>
-              <a:rPr lang="en-GB" sz="2400" dirty="0"/>
-              <a:t>}{0}</a:t>
-            </a:r>
-            <a:endParaRPr lang="en-GB" sz="2400" dirty="0">
-              <a:solidFill>
-                <a:schemeClr val="tx2">
-                  <a:lumMod val="50000"/>
-                  <a:lumOff val="50000"/>
-                </a:schemeClr>
-              </a:solidFill>
-            </a:endParaRPr>
-          </a:p>
-        </p:txBody>
-      </p:sp>
-      <p:cxnSp>
-        <p:nvCxnSpPr>
-          <p:cNvPr id="4" name="Straight Connector 3">
-            <a:extLst>
-              <a:ext uri="{FF2B5EF4-FFF2-40B4-BE49-F238E27FC236}">
-                <a16:creationId xmlns:a16="http://schemas.microsoft.com/office/drawing/2014/main" id="{5F977231-9817-4997-8C71-01F70F4EFE4B}"/>
-              </a:ext>
-            </a:extLst>
-          </p:cNvPr>
-          <p:cNvCxnSpPr/>
-          <p:nvPr/>
-        </p:nvCxnSpPr>
-        <p:spPr>
-          <a:xfrm>
-            <a:off x="4572000" y="1417638"/>
-            <a:ext cx="0" cy="5440362"/>
-          </a:xfrm>
-          <a:prstGeom prst="line">
-            <a:avLst/>
-          </a:prstGeom>
-        </p:spPr>
-        <p:style>
-          <a:lnRef idx="2">
-            <a:schemeClr val="accent1"/>
-          </a:lnRef>
-          <a:fillRef idx="0">
-            <a:schemeClr val="accent1"/>
-          </a:fillRef>
-          <a:effectRef idx="1">
-            <a:schemeClr val="accent1"/>
-          </a:effectRef>
-          <a:fontRef idx="minor">
-            <a:schemeClr val="tx1"/>
-          </a:fontRef>
-        </p:style>
-      </p:cxnSp>
-      <p:pic>
-        <p:nvPicPr>
-          <p:cNvPr id="6" name="Picture 5">
-            <a:extLst>
-              <a:ext uri="{FF2B5EF4-FFF2-40B4-BE49-F238E27FC236}">
-                <a16:creationId xmlns:a16="http://schemas.microsoft.com/office/drawing/2014/main" id="{8B67A447-1DF1-4F85-AC02-B2980EDB171D}"/>
-              </a:ext>
-            </a:extLst>
-          </p:cNvPr>
-          <p:cNvPicPr>
-            <a:picLocks noChangeAspect="1"/>
-          </p:cNvPicPr>
-          <p:nvPr/>
-        </p:nvPicPr>
-        <p:blipFill>
-          <a:blip r:embed="rId3"/>
-          <a:stretch>
-            <a:fillRect/>
-          </a:stretch>
-        </p:blipFill>
-        <p:spPr>
-          <a:xfrm>
-            <a:off x="4775201" y="3283728"/>
-            <a:ext cx="4229690" cy="1581371"/>
-          </a:xfrm>
-          <a:prstGeom prst="rect">
-            <a:avLst/>
-          </a:prstGeom>
-        </p:spPr>
-      </p:pic>
-    </p:spTree>
-    <p:extLst>
-      <p:ext uri="{BB962C8B-B14F-4D97-AF65-F5344CB8AC3E}">
-        <p14:creationId xmlns:p14="http://schemas.microsoft.com/office/powerpoint/2010/main" val="4207515402"/>
-      </p:ext>
-    </p:extLst>
-  </p:cSld>
-  <p:clrMapOvr>
-    <a:masterClrMapping/>
-  </p:clrMapOvr>
-  <mc:AlternateContent xmlns:mc="http://schemas.openxmlformats.org/markup-compatibility/2006" xmlns:p14="http://schemas.microsoft.com/office/powerpoint/2010/main">
-    <mc:Choice Requires="p14">
-      <p:transition p14:dur="10"/>
-    </mc:Choice>
-    <mc:Fallback xmlns="">
-      <p:transition/>
-    </mc:Fallback>
-  </mc:AlternateContent>
-</p:sld>
-</file>
-
-<file path=ppt/slides/slide24.xml><?xml version="1.0" encoding="utf-8"?>
-<p:sld xmlns:a="http://schemas.openxmlformats.org/drawingml/2006/main" xmlns:r="http://schemas.openxmlformats.org/officeDocument/2006/relationships" xmlns:p="http://schemas.openxmlformats.org/presentationml/2006/main">
-  <p:cSld>
-    <p:spTree>
-      <p:nvGrpSpPr>
-        <p:cNvPr id="1" name=""/>
-        <p:cNvGrpSpPr/>
-        <p:nvPr/>
-      </p:nvGrpSpPr>
-      <p:grpSpPr>
-        <a:xfrm>
-          <a:off x="0" y="0"/>
-          <a:ext cx="0" cy="0"/>
-          <a:chOff x="0" y="0"/>
-          <a:chExt cx="0" cy="0"/>
-        </a:xfrm>
-      </p:grpSpPr>
-      <p:sp>
-        <p:nvSpPr>
-          <p:cNvPr id="2" name="Title 1"/>
-          <p:cNvSpPr>
-            <a:spLocks noGrp="1"/>
-          </p:cNvSpPr>
-          <p:nvPr>
-            <p:ph type="title"/>
-          </p:nvPr>
-        </p:nvSpPr>
-        <p:spPr/>
-        <p:txBody>
-          <a:bodyPr/>
-          <a:lstStyle/>
-          <a:p>
-            <a:r>
-              <a:rPr lang="en-GB" sz="4000" dirty="0"/>
               <a:t>Extra Contents Items</a:t>
             </a:r>
           </a:p>
@@ -13637,7 +13334,7 @@
 </p:sld>
 </file>
 
-<file path=ppt/slides/slide25.xml><?xml version="1.0" encoding="utf-8"?>
+<file path=ppt/slides/slide24.xml><?xml version="1.0" encoding="utf-8"?>
 <p:sld xmlns:a="http://schemas.openxmlformats.org/drawingml/2006/main" xmlns:r="http://schemas.openxmlformats.org/officeDocument/2006/relationships" xmlns:p="http://schemas.openxmlformats.org/presentationml/2006/main">
   <p:cSld>
     <p:spTree>
@@ -14079,7 +13776,7 @@
 </p:sld>
 </file>
 
-<file path=ppt/slides/slide26.xml><?xml version="1.0" encoding="utf-8"?>
+<file path=ppt/slides/slide25.xml><?xml version="1.0" encoding="utf-8"?>
 <p:sld xmlns:a="http://schemas.openxmlformats.org/drawingml/2006/main" xmlns:r="http://schemas.openxmlformats.org/officeDocument/2006/relationships" xmlns:p="http://schemas.openxmlformats.org/presentationml/2006/main">
   <p:cSld>
     <p:spTree>
@@ -14219,7 +13916,7 @@
 </p:sld>
 </file>
 
-<file path=ppt/slides/slide27.xml><?xml version="1.0" encoding="utf-8"?>
+<file path=ppt/slides/slide26.xml><?xml version="1.0" encoding="utf-8"?>
 <p:sld xmlns:a="http://schemas.openxmlformats.org/drawingml/2006/main" xmlns:r="http://schemas.openxmlformats.org/officeDocument/2006/relationships" xmlns:p="http://schemas.openxmlformats.org/presentationml/2006/main">
   <p:cSld>
     <p:spTree>
@@ -15120,7 +14817,7 @@
 </p:sld>
 </file>
 
-<file path=ppt/slides/slide28.xml><?xml version="1.0" encoding="utf-8"?>
+<file path=ppt/slides/slide27.xml><?xml version="1.0" encoding="utf-8"?>
 <p:sld xmlns:a="http://schemas.openxmlformats.org/drawingml/2006/main" xmlns:r="http://schemas.openxmlformats.org/officeDocument/2006/relationships" xmlns:p="http://schemas.openxmlformats.org/presentationml/2006/main">
   <p:cSld>
     <p:spTree>
@@ -15921,7 +15618,7 @@
 </p:sld>
 </file>
 
-<file path=ppt/slides/slide29.xml><?xml version="1.0" encoding="utf-8"?>
+<file path=ppt/slides/slide28.xml><?xml version="1.0" encoding="utf-8"?>
 <p:sld xmlns:a="http://schemas.openxmlformats.org/drawingml/2006/main" xmlns:r="http://schemas.openxmlformats.org/officeDocument/2006/relationships" xmlns:p="http://schemas.openxmlformats.org/presentationml/2006/main">
   <p:cSld>
     <p:spTree>
@@ -16450,130 +16147,7 @@
 </p:sld>
 </file>
 
-<file path=ppt/slides/slide3.xml><?xml version="1.0" encoding="utf-8"?>
-<p:sld xmlns:a="http://schemas.openxmlformats.org/drawingml/2006/main" xmlns:r="http://schemas.openxmlformats.org/officeDocument/2006/relationships" xmlns:p="http://schemas.openxmlformats.org/presentationml/2006/main">
-  <p:cSld>
-    <p:spTree>
-      <p:nvGrpSpPr>
-        <p:cNvPr id="1" name=""/>
-        <p:cNvGrpSpPr/>
-        <p:nvPr/>
-      </p:nvGrpSpPr>
-      <p:grpSpPr>
-        <a:xfrm>
-          <a:off x="0" y="0"/>
-          <a:ext cx="0" cy="0"/>
-          <a:chOff x="0" y="0"/>
-          <a:chExt cx="0" cy="0"/>
-        </a:xfrm>
-      </p:grpSpPr>
-      <p:sp>
-        <p:nvSpPr>
-          <p:cNvPr id="2" name="Title 1"/>
-          <p:cNvSpPr>
-            <a:spLocks noGrp="1"/>
-          </p:cNvSpPr>
-          <p:nvPr>
-            <p:ph type="title"/>
-          </p:nvPr>
-        </p:nvSpPr>
-        <p:spPr/>
-        <p:txBody>
-          <a:bodyPr/>
-          <a:lstStyle/>
-          <a:p>
-            <a:r>
-              <a:rPr lang="en-GB" sz="4000" dirty="0"/>
-              <a:t>Learning Outcomes</a:t>
-            </a:r>
-          </a:p>
-        </p:txBody>
-      </p:sp>
-      <p:sp>
-        <p:nvSpPr>
-          <p:cNvPr id="3" name="Content Placeholder 2"/>
-          <p:cNvSpPr>
-            <a:spLocks noGrp="1"/>
-          </p:cNvSpPr>
-          <p:nvPr>
-            <p:ph idx="1"/>
-          </p:nvPr>
-        </p:nvSpPr>
-        <p:spPr>
-          <a:xfrm>
-            <a:off x="457200" y="1600200"/>
-            <a:ext cx="8435280" cy="4876800"/>
-          </a:xfrm>
-        </p:spPr>
-        <p:txBody>
-          <a:bodyPr>
-            <a:normAutofit/>
-          </a:bodyPr>
-          <a:lstStyle/>
-          <a:p>
-            <a:r>
-              <a:rPr lang="en-GB" sz="3000" b="1" dirty="0"/>
-              <a:t>Identify</a:t>
-            </a:r>
-            <a:r>
-              <a:rPr lang="en-GB" sz="3000" dirty="0"/>
-              <a:t> an array of useful LaTeX packages</a:t>
-            </a:r>
-          </a:p>
-          <a:p>
-            <a:r>
-              <a:rPr lang="en-GB" sz="3000" b="1" dirty="0"/>
-              <a:t>Recognise</a:t>
-            </a:r>
-            <a:r>
-              <a:rPr lang="en-GB" sz="3000" dirty="0"/>
-              <a:t> when and how to split large documents into manageable subdocuments</a:t>
-            </a:r>
-          </a:p>
-          <a:p>
-            <a:r>
-              <a:rPr lang="en-GB" sz="3000" b="1" dirty="0"/>
-              <a:t>Employ</a:t>
-            </a:r>
-            <a:r>
-              <a:rPr lang="en-GB" sz="3000" dirty="0"/>
-              <a:t> custom formatting and referencing</a:t>
-            </a:r>
-          </a:p>
-          <a:p>
-            <a:r>
-              <a:rPr lang="en-GB" sz="3000" b="1" dirty="0"/>
-              <a:t>Develop</a:t>
-            </a:r>
-            <a:r>
-              <a:rPr lang="en-GB" sz="3000" dirty="0"/>
-              <a:t> a full thesis template </a:t>
-            </a:r>
-          </a:p>
-        </p:txBody>
-      </p:sp>
-    </p:spTree>
-    <p:extLst>
-      <p:ext uri="{BB962C8B-B14F-4D97-AF65-F5344CB8AC3E}">
-        <p14:creationId xmlns:p14="http://schemas.microsoft.com/office/powerpoint/2010/main" val="3248724752"/>
-      </p:ext>
-    </p:extLst>
-  </p:cSld>
-  <p:clrMapOvr>
-    <a:masterClrMapping/>
-  </p:clrMapOvr>
-  <mc:AlternateContent xmlns:mc="http://schemas.openxmlformats.org/markup-compatibility/2006" xmlns:p14="http://schemas.microsoft.com/office/powerpoint/2010/main">
-    <mc:Choice Requires="p14">
-      <p:transition p14:dur="10"/>
-    </mc:Choice>
-    <mc:Fallback xmlns="">
-      <p:transition/>
-    </mc:Fallback>
-  </mc:AlternateContent>
-</p:sld>
-</file>
-
-<file path=ppt/slides/slide30.xml><?xml version="1.0" encoding="utf-8"?>
+<file path=ppt/slides/slide29.xml><?xml version="1.0" encoding="utf-8"?>
 <p:sld xmlns:a="http://schemas.openxmlformats.org/drawingml/2006/main" xmlns:r="http://schemas.openxmlformats.org/officeDocument/2006/relationships" xmlns:p="http://schemas.openxmlformats.org/presentationml/2006/main">
   <p:cSld>
     <p:spTree>
@@ -17632,7 +17206,130 @@
 </p:sld>
 </file>
 
-<file path=ppt/slides/slide31.xml><?xml version="1.0" encoding="utf-8"?>
+<file path=ppt/slides/slide3.xml><?xml version="1.0" encoding="utf-8"?>
+<p:sld xmlns:a="http://schemas.openxmlformats.org/drawingml/2006/main" xmlns:r="http://schemas.openxmlformats.org/officeDocument/2006/relationships" xmlns:p="http://schemas.openxmlformats.org/presentationml/2006/main">
+  <p:cSld>
+    <p:spTree>
+      <p:nvGrpSpPr>
+        <p:cNvPr id="1" name=""/>
+        <p:cNvGrpSpPr/>
+        <p:nvPr/>
+      </p:nvGrpSpPr>
+      <p:grpSpPr>
+        <a:xfrm>
+          <a:off x="0" y="0"/>
+          <a:ext cx="0" cy="0"/>
+          <a:chOff x="0" y="0"/>
+          <a:chExt cx="0" cy="0"/>
+        </a:xfrm>
+      </p:grpSpPr>
+      <p:sp>
+        <p:nvSpPr>
+          <p:cNvPr id="2" name="Title 1"/>
+          <p:cNvSpPr>
+            <a:spLocks noGrp="1"/>
+          </p:cNvSpPr>
+          <p:nvPr>
+            <p:ph type="title"/>
+          </p:nvPr>
+        </p:nvSpPr>
+        <p:spPr/>
+        <p:txBody>
+          <a:bodyPr/>
+          <a:lstStyle/>
+          <a:p>
+            <a:r>
+              <a:rPr lang="en-GB" sz="4000" dirty="0"/>
+              <a:t>Learning Outcomes</a:t>
+            </a:r>
+          </a:p>
+        </p:txBody>
+      </p:sp>
+      <p:sp>
+        <p:nvSpPr>
+          <p:cNvPr id="3" name="Content Placeholder 2"/>
+          <p:cNvSpPr>
+            <a:spLocks noGrp="1"/>
+          </p:cNvSpPr>
+          <p:nvPr>
+            <p:ph idx="1"/>
+          </p:nvPr>
+        </p:nvSpPr>
+        <p:spPr>
+          <a:xfrm>
+            <a:off x="457200" y="1600200"/>
+            <a:ext cx="8435280" cy="4876800"/>
+          </a:xfrm>
+        </p:spPr>
+        <p:txBody>
+          <a:bodyPr>
+            <a:normAutofit/>
+          </a:bodyPr>
+          <a:lstStyle/>
+          <a:p>
+            <a:r>
+              <a:rPr lang="en-GB" sz="3000" b="1" dirty="0"/>
+              <a:t>Identify</a:t>
+            </a:r>
+            <a:r>
+              <a:rPr lang="en-GB" sz="3000" dirty="0"/>
+              <a:t> an array of useful LaTeX packages</a:t>
+            </a:r>
+          </a:p>
+          <a:p>
+            <a:r>
+              <a:rPr lang="en-GB" sz="3000" b="1" dirty="0"/>
+              <a:t>Recognise</a:t>
+            </a:r>
+            <a:r>
+              <a:rPr lang="en-GB" sz="3000" dirty="0"/>
+              <a:t> when and how to split large documents into manageable subdocuments</a:t>
+            </a:r>
+          </a:p>
+          <a:p>
+            <a:r>
+              <a:rPr lang="en-GB" sz="3000" b="1" dirty="0"/>
+              <a:t>Employ</a:t>
+            </a:r>
+            <a:r>
+              <a:rPr lang="en-GB" sz="3000" dirty="0"/>
+              <a:t> custom formatting and referencing</a:t>
+            </a:r>
+          </a:p>
+          <a:p>
+            <a:r>
+              <a:rPr lang="en-GB" sz="3000" b="1" dirty="0"/>
+              <a:t>Develop</a:t>
+            </a:r>
+            <a:r>
+              <a:rPr lang="en-GB" sz="3000" dirty="0"/>
+              <a:t> a full thesis template </a:t>
+            </a:r>
+          </a:p>
+        </p:txBody>
+      </p:sp>
+    </p:spTree>
+    <p:extLst>
+      <p:ext uri="{BB962C8B-B14F-4D97-AF65-F5344CB8AC3E}">
+        <p14:creationId xmlns:p14="http://schemas.microsoft.com/office/powerpoint/2010/main" val="3248724752"/>
+      </p:ext>
+    </p:extLst>
+  </p:cSld>
+  <p:clrMapOvr>
+    <a:masterClrMapping/>
+  </p:clrMapOvr>
+  <mc:AlternateContent xmlns:mc="http://schemas.openxmlformats.org/markup-compatibility/2006" xmlns:p14="http://schemas.microsoft.com/office/powerpoint/2010/main">
+    <mc:Choice Requires="p14">
+      <p:transition p14:dur="10"/>
+    </mc:Choice>
+    <mc:Fallback xmlns="">
+      <p:transition/>
+    </mc:Fallback>
+  </mc:AlternateContent>
+</p:sld>
+</file>
+
+<file path=ppt/slides/slide30.xml><?xml version="1.0" encoding="utf-8"?>
 <p:sld xmlns:a="http://schemas.openxmlformats.org/drawingml/2006/main" xmlns:r="http://schemas.openxmlformats.org/officeDocument/2006/relationships" xmlns:p="http://schemas.openxmlformats.org/presentationml/2006/main">
   <p:cSld>
     <p:spTree>
@@ -18152,6 +17849,208 @@
 </p:sld>
 </file>
 
+<file path=ppt/slides/slide31.xml><?xml version="1.0" encoding="utf-8"?>
+<p:sld xmlns:a="http://schemas.openxmlformats.org/drawingml/2006/main" xmlns:r="http://schemas.openxmlformats.org/officeDocument/2006/relationships" xmlns:p="http://schemas.openxmlformats.org/presentationml/2006/main">
+  <p:cSld>
+    <p:spTree>
+      <p:nvGrpSpPr>
+        <p:cNvPr id="1" name=""/>
+        <p:cNvGrpSpPr/>
+        <p:nvPr/>
+      </p:nvGrpSpPr>
+      <p:grpSpPr>
+        <a:xfrm>
+          <a:off x="0" y="0"/>
+          <a:ext cx="0" cy="0"/>
+          <a:chOff x="0" y="0"/>
+          <a:chExt cx="0" cy="0"/>
+        </a:xfrm>
+      </p:grpSpPr>
+      <p:sp>
+        <p:nvSpPr>
+          <p:cNvPr id="2" name="Title 1"/>
+          <p:cNvSpPr>
+            <a:spLocks noGrp="1"/>
+          </p:cNvSpPr>
+          <p:nvPr>
+            <p:ph type="title"/>
+          </p:nvPr>
+        </p:nvSpPr>
+        <p:spPr/>
+        <p:txBody>
+          <a:bodyPr/>
+          <a:lstStyle/>
+          <a:p>
+            <a:r>
+              <a:rPr lang="en-GB" sz="4000" dirty="0"/>
+              <a:t>Graphics Path</a:t>
+            </a:r>
+          </a:p>
+        </p:txBody>
+      </p:sp>
+      <p:sp>
+        <p:nvSpPr>
+          <p:cNvPr id="7" name="Content Placeholder 6">
+            <a:extLst>
+              <a:ext uri="{FF2B5EF4-FFF2-40B4-BE49-F238E27FC236}">
+                <a16:creationId xmlns:a16="http://schemas.microsoft.com/office/drawing/2014/main" id="{A4668B92-0976-4E36-A913-C47498FEE667}"/>
+              </a:ext>
+            </a:extLst>
+          </p:cNvPr>
+          <p:cNvSpPr>
+            <a:spLocks noGrp="1"/>
+          </p:cNvSpPr>
+          <p:nvPr>
+            <p:ph idx="1"/>
+          </p:nvPr>
+        </p:nvSpPr>
+        <p:spPr>
+          <a:xfrm>
+            <a:off x="457200" y="1417638"/>
+            <a:ext cx="8229600" cy="4525963"/>
+          </a:xfrm>
+        </p:spPr>
+        <p:txBody>
+          <a:bodyPr/>
+          <a:lstStyle/>
+          <a:p>
+            <a:r>
+              <a:rPr lang="en-GB" sz="2800" dirty="0"/>
+              <a:t>You can set where LaTeX should look for the graphics to be used in your document</a:t>
+            </a:r>
+          </a:p>
+          <a:p>
+            <a:r>
+              <a:rPr lang="en-GB" sz="2800" dirty="0"/>
+              <a:t>Useful for separating figures for different chapters and the .</a:t>
+            </a:r>
+            <a:r>
+              <a:rPr lang="en-GB" sz="2800" dirty="0" err="1"/>
+              <a:t>tex</a:t>
+            </a:r>
+            <a:r>
+              <a:rPr lang="en-GB" sz="2800" dirty="0"/>
+              <a:t> files</a:t>
+            </a:r>
+          </a:p>
+          <a:p>
+            <a:r>
+              <a:rPr lang="en-GB" sz="2800" dirty="0"/>
+              <a:t>The command </a:t>
+            </a:r>
+            <a:r>
+              <a:rPr lang="en-GB" sz="2800" dirty="0">
+                <a:solidFill>
+                  <a:schemeClr val="tx2">
+                    <a:lumMod val="50000"/>
+                    <a:lumOff val="50000"/>
+                  </a:schemeClr>
+                </a:solidFill>
+              </a:rPr>
+              <a:t>\</a:t>
+            </a:r>
+            <a:r>
+              <a:rPr lang="en-GB" sz="2800" dirty="0" err="1">
+                <a:solidFill>
+                  <a:schemeClr val="tx2">
+                    <a:lumMod val="50000"/>
+                    <a:lumOff val="50000"/>
+                  </a:schemeClr>
+                </a:solidFill>
+              </a:rPr>
+              <a:t>graphicspath</a:t>
+            </a:r>
+            <a:r>
+              <a:rPr lang="en-GB" sz="2800" dirty="0">
+                <a:solidFill>
+                  <a:schemeClr val="tx2">
+                    <a:lumMod val="50000"/>
+                    <a:lumOff val="50000"/>
+                  </a:schemeClr>
+                </a:solidFill>
+              </a:rPr>
+              <a:t> {{./FOLDER1/} {./FOLDER2/}} </a:t>
+            </a:r>
+            <a:r>
+              <a:rPr lang="en-GB" sz="2800" dirty="0"/>
+              <a:t>will tell LaTeX to look in the folders named “FOLDER1” and “FOLDER2” in the directory of the .</a:t>
+            </a:r>
+            <a:r>
+              <a:rPr lang="en-GB" sz="2800" dirty="0" err="1"/>
+              <a:t>tex</a:t>
+            </a:r>
+            <a:r>
+              <a:rPr lang="en-GB" sz="2800" dirty="0"/>
+              <a:t> file</a:t>
+            </a:r>
+            <a:endParaRPr lang="en-GB" sz="2400" dirty="0"/>
+          </a:p>
+          <a:p>
+            <a:pPr lvl="1"/>
+            <a:endParaRPr lang="en-GB" sz="1600" dirty="0"/>
+          </a:p>
+        </p:txBody>
+      </p:sp>
+      <p:sp>
+        <p:nvSpPr>
+          <p:cNvPr id="4" name="TextBox 3">
+            <a:extLst>
+              <a:ext uri="{FF2B5EF4-FFF2-40B4-BE49-F238E27FC236}">
+                <a16:creationId xmlns:a16="http://schemas.microsoft.com/office/drawing/2014/main" id="{398C5D47-C6D2-45C0-8D24-2F32A438F365}"/>
+              </a:ext>
+            </a:extLst>
+          </p:cNvPr>
+          <p:cNvSpPr txBox="1"/>
+          <p:nvPr/>
+        </p:nvSpPr>
+        <p:spPr>
+          <a:xfrm>
+            <a:off x="7357241" y="6498021"/>
+            <a:ext cx="1697422" cy="369332"/>
+          </a:xfrm>
+          <a:prstGeom prst="rect">
+            <a:avLst/>
+          </a:prstGeom>
+          <a:noFill/>
+        </p:spPr>
+        <p:txBody>
+          <a:bodyPr wrap="square" rtlCol="0">
+            <a:spAutoFit/>
+          </a:bodyPr>
+          <a:lstStyle/>
+          <a:p>
+            <a:r>
+              <a:rPr lang="en-GB" dirty="0">
+                <a:solidFill>
+                  <a:schemeClr val="accent2"/>
+                </a:solidFill>
+              </a:rPr>
+              <a:t>Problem Sheet</a:t>
+            </a:r>
+          </a:p>
+        </p:txBody>
+      </p:sp>
+    </p:spTree>
+    <p:extLst>
+      <p:ext uri="{BB962C8B-B14F-4D97-AF65-F5344CB8AC3E}">
+        <p14:creationId xmlns:p14="http://schemas.microsoft.com/office/powerpoint/2010/main" val="358316703"/>
+      </p:ext>
+    </p:extLst>
+  </p:cSld>
+  <p:clrMapOvr>
+    <a:masterClrMapping/>
+  </p:clrMapOvr>
+  <mc:AlternateContent xmlns:mc="http://schemas.openxmlformats.org/markup-compatibility/2006" xmlns:p14="http://schemas.microsoft.com/office/powerpoint/2010/main">
+    <mc:Choice Requires="p14">
+      <p:transition p14:dur="10"/>
+    </mc:Choice>
+    <mc:Fallback xmlns="">
+      <p:transition/>
+    </mc:Fallback>
+  </mc:AlternateContent>
+</p:sld>
+</file>
+
 <file path=ppt/slides/slide32.xml><?xml version="1.0" encoding="utf-8"?>
 <p:sld xmlns:a="http://schemas.openxmlformats.org/drawingml/2006/main" xmlns:r="http://schemas.openxmlformats.org/officeDocument/2006/relationships" xmlns:p="http://schemas.openxmlformats.org/presentationml/2006/main">
   <p:cSld>
@@ -18186,120 +18085,193 @@
           <a:p>
             <a:r>
               <a:rPr lang="en-GB" sz="4000" dirty="0"/>
-              <a:t>Graphics Path</a:t>
+              <a:t>Custom Commands</a:t>
             </a:r>
           </a:p>
         </p:txBody>
       </p:sp>
-      <p:sp>
-        <p:nvSpPr>
-          <p:cNvPr id="7" name="Content Placeholder 6">
+      <p:cxnSp>
+        <p:nvCxnSpPr>
+          <p:cNvPr id="12" name="Straight Connector 11"/>
+          <p:cNvCxnSpPr/>
+          <p:nvPr/>
+        </p:nvCxnSpPr>
+        <p:spPr>
+          <a:xfrm>
+            <a:off x="4572000" y="1417638"/>
+            <a:ext cx="0" cy="5440362"/>
+          </a:xfrm>
+          <a:prstGeom prst="line">
+            <a:avLst/>
+          </a:prstGeom>
+        </p:spPr>
+        <p:style>
+          <a:lnRef idx="2">
+            <a:schemeClr val="accent1"/>
+          </a:lnRef>
+          <a:fillRef idx="0">
+            <a:schemeClr val="accent1"/>
+          </a:fillRef>
+          <a:effectRef idx="1">
+            <a:schemeClr val="accent1"/>
+          </a:effectRef>
+          <a:fontRef idx="minor">
+            <a:schemeClr val="tx1"/>
+          </a:fontRef>
+        </p:style>
+      </p:cxnSp>
+      <p:sp>
+        <p:nvSpPr>
+          <p:cNvPr id="4" name="Rectangle 2"/>
+          <p:cNvSpPr>
+            <a:spLocks noChangeArrowheads="1"/>
+          </p:cNvSpPr>
+          <p:nvPr/>
+        </p:nvSpPr>
+        <p:spPr bwMode="auto">
+          <a:xfrm>
+            <a:off x="280263" y="5024233"/>
+            <a:ext cx="4166693" cy="830997"/>
+          </a:xfrm>
+          <a:prstGeom prst="rect">
+            <a:avLst/>
+          </a:prstGeom>
+          <a:noFill/>
+          <a:ln>
+            <a:noFill/>
+          </a:ln>
+          <a:effectLst/>
+        </p:spPr>
+        <p:txBody>
+          <a:bodyPr vert="horz" wrap="square" lIns="91440" tIns="45720" rIns="91440" bIns="45720" numCol="1" anchor="ctr" anchorCtr="0" compatLnSpc="1">
+            <a:prstTxWarp prst="textNoShape">
+              <a:avLst/>
+            </a:prstTxWarp>
+            <a:spAutoFit/>
+          </a:bodyPr>
+          <a:lstStyle/>
+          <a:p>
+            <a:r>
+              <a:rPr lang="en-GB" sz="2400" dirty="0"/>
+              <a:t>A quick way to write </a:t>
+            </a:r>
+            <a:r>
+              <a:rPr lang="en-GB" sz="2400" dirty="0">
+                <a:solidFill>
+                  <a:schemeClr val="accent3">
+                    <a:lumMod val="60000"/>
+                    <a:lumOff val="40000"/>
+                  </a:schemeClr>
+                </a:solidFill>
+              </a:rPr>
+              <a:t>$</a:t>
+            </a:r>
+            <a:r>
+              <a:rPr lang="en-GB" sz="2400" dirty="0">
+                <a:solidFill>
+                  <a:schemeClr val="accent1">
+                    <a:lumMod val="60000"/>
+                    <a:lumOff val="40000"/>
+                  </a:schemeClr>
+                </a:solidFill>
+              </a:rPr>
+              <a:t>\diff</a:t>
+            </a:r>
+            <a:r>
+              <a:rPr lang="en-GB" sz="2400" dirty="0">
+                <a:solidFill>
+                  <a:schemeClr val="accent3">
+                    <a:lumMod val="60000"/>
+                    <a:lumOff val="40000"/>
+                  </a:schemeClr>
+                </a:solidFill>
+              </a:rPr>
+              <a:t>{y}{x}</a:t>
+            </a:r>
+            <a:r>
+              <a:rPr lang="en-GB" sz="2400" dirty="0"/>
+              <a:t>=</a:t>
+            </a:r>
+            <a:r>
+              <a:rPr lang="en-GB" sz="2400" dirty="0">
+                <a:solidFill>
+                  <a:schemeClr val="accent1">
+                    <a:lumMod val="60000"/>
+                    <a:lumOff val="40000"/>
+                  </a:schemeClr>
+                </a:solidFill>
+              </a:rPr>
+              <a:t>\</a:t>
+            </a:r>
+            <a:r>
+              <a:rPr lang="en-GB" sz="2400" dirty="0" err="1">
+                <a:solidFill>
+                  <a:schemeClr val="accent1">
+                    <a:lumMod val="60000"/>
+                    <a:lumOff val="40000"/>
+                  </a:schemeClr>
+                </a:solidFill>
+              </a:rPr>
+              <a:t>hardmaths</a:t>
+            </a:r>
+            <a:r>
+              <a:rPr lang="en-GB" sz="2400" dirty="0">
+                <a:solidFill>
+                  <a:schemeClr val="accent3">
+                    <a:lumMod val="60000"/>
+                    <a:lumOff val="40000"/>
+                  </a:schemeClr>
+                </a:solidFill>
+              </a:rPr>
+              <a:t>$</a:t>
+            </a:r>
+            <a:endParaRPr lang="en-US" altLang="en-US" sz="2400" dirty="0">
+              <a:solidFill>
+                <a:schemeClr val="accent3">
+                  <a:lumMod val="60000"/>
+                  <a:lumOff val="40000"/>
+                </a:schemeClr>
+              </a:solidFill>
+            </a:endParaRPr>
+          </a:p>
+        </p:txBody>
+      </p:sp>
+      <p:pic>
+        <p:nvPicPr>
+          <p:cNvPr id="13" name="Picture 12">
             <a:extLst>
               <a:ext uri="{FF2B5EF4-FFF2-40B4-BE49-F238E27FC236}">
-                <a16:creationId xmlns:a16="http://schemas.microsoft.com/office/drawing/2014/main" id="{A4668B92-0976-4E36-A913-C47498FEE667}"/>
+                <a16:creationId xmlns:a16="http://schemas.microsoft.com/office/drawing/2014/main" id="{8A08522B-9567-425D-856D-8B35D8CEF722}"/>
               </a:ext>
             </a:extLst>
           </p:cNvPr>
-          <p:cNvSpPr>
-            <a:spLocks noGrp="1"/>
-          </p:cNvSpPr>
-          <p:nvPr>
-            <p:ph idx="1"/>
-          </p:nvPr>
-        </p:nvSpPr>
+          <p:cNvPicPr>
+            <a:picLocks noChangeAspect="1"/>
+          </p:cNvPicPr>
+          <p:nvPr/>
+        </p:nvPicPr>
+        <p:blipFill>
+          <a:blip r:embed="rId3"/>
+          <a:stretch>
+            <a:fillRect/>
+          </a:stretch>
+        </p:blipFill>
         <p:spPr>
           <a:xfrm>
-            <a:off x="457200" y="1417638"/>
-            <a:ext cx="8229600" cy="4525963"/>
+            <a:off x="4809198" y="3599955"/>
+            <a:ext cx="3955441" cy="537864"/>
           </a:xfrm>
+          <a:prstGeom prst="rect">
+            <a:avLst/>
+          </a:prstGeom>
         </p:spPr>
-        <p:txBody>
-          <a:bodyPr/>
-          <a:lstStyle/>
-          <a:p>
-            <a:r>
-              <a:rPr lang="en-GB" sz="2800" dirty="0"/>
-              <a:t>You can set where LaTeX should look for the graphics to be used in your document</a:t>
-            </a:r>
-          </a:p>
-          <a:p>
-            <a:r>
-              <a:rPr lang="en-GB" sz="2800" dirty="0"/>
-              <a:t>Useful for separating figures for different chapters and the .</a:t>
-            </a:r>
-            <a:r>
-              <a:rPr lang="en-GB" sz="2800" dirty="0" err="1"/>
-              <a:t>tex</a:t>
-            </a:r>
-            <a:r>
-              <a:rPr lang="en-GB" sz="2800" dirty="0"/>
-              <a:t> files</a:t>
-            </a:r>
-          </a:p>
-          <a:p>
-            <a:r>
-              <a:rPr lang="en-GB" sz="2800" dirty="0"/>
-              <a:t>The command </a:t>
-            </a:r>
-            <a:r>
-              <a:rPr lang="en-GB" sz="2800" dirty="0">
-                <a:solidFill>
-                  <a:schemeClr val="tx2">
-                    <a:lumMod val="50000"/>
-                    <a:lumOff val="50000"/>
-                  </a:schemeClr>
-                </a:solidFill>
-              </a:rPr>
-              <a:t>\</a:t>
-            </a:r>
-            <a:r>
-              <a:rPr lang="en-GB" sz="2800" dirty="0" err="1">
-                <a:solidFill>
-                  <a:schemeClr val="tx2">
-                    <a:lumMod val="50000"/>
-                    <a:lumOff val="50000"/>
-                  </a:schemeClr>
-                </a:solidFill>
-              </a:rPr>
-              <a:t>graphicspath</a:t>
-            </a:r>
-            <a:r>
-              <a:rPr lang="en-GB" sz="2800" dirty="0">
-                <a:solidFill>
-                  <a:schemeClr val="tx2">
-                    <a:lumMod val="50000"/>
-                    <a:lumOff val="50000"/>
-                  </a:schemeClr>
-                </a:solidFill>
-              </a:rPr>
-              <a:t> {{./FOLDER1/} {./FOLDER2/}} </a:t>
-            </a:r>
-            <a:r>
-              <a:rPr lang="en-GB" sz="2800" dirty="0"/>
-              <a:t>will tell LaTeX to look in the folders named “FOLDER1” and “FOLDER2” in the directory of the .</a:t>
-            </a:r>
-            <a:r>
-              <a:rPr lang="en-GB" sz="2800" dirty="0" err="1"/>
-              <a:t>tex</a:t>
-            </a:r>
-            <a:r>
-              <a:rPr lang="en-GB" sz="2800" dirty="0"/>
-              <a:t> file</a:t>
-            </a:r>
-            <a:endParaRPr lang="en-GB" sz="2400" dirty="0"/>
-          </a:p>
-          <a:p>
-            <a:pPr lvl="1"/>
-            <a:endParaRPr lang="en-GB" sz="1600" dirty="0"/>
-          </a:p>
-        </p:txBody>
-      </p:sp>
-      <p:sp>
-        <p:nvSpPr>
-          <p:cNvPr id="4" name="TextBox 3">
+      </p:pic>
+      <p:sp>
+        <p:nvSpPr>
+          <p:cNvPr id="6" name="TextBox 5">
             <a:extLst>
               <a:ext uri="{FF2B5EF4-FFF2-40B4-BE49-F238E27FC236}">
-                <a16:creationId xmlns:a16="http://schemas.microsoft.com/office/drawing/2014/main" id="{398C5D47-C6D2-45C0-8D24-2F32A438F365}"/>
+                <a16:creationId xmlns:a16="http://schemas.microsoft.com/office/drawing/2014/main" id="{60A5A0E4-D0CF-4B28-8E87-60A3B3E341C1}"/>
               </a:ext>
             </a:extLst>
           </p:cNvPr>
@@ -18333,10 +18305,300 @@
           </a:p>
         </p:txBody>
       </p:sp>
+      <p:sp>
+        <p:nvSpPr>
+          <p:cNvPr id="7" name="TextBox 6">
+            <a:extLst>
+              <a:ext uri="{FF2B5EF4-FFF2-40B4-BE49-F238E27FC236}">
+                <a16:creationId xmlns:a16="http://schemas.microsoft.com/office/drawing/2014/main" id="{2CB59673-0D3F-4DE9-8E99-E7AE983BBBA7}"/>
+              </a:ext>
+            </a:extLst>
+          </p:cNvPr>
+          <p:cNvSpPr txBox="1"/>
+          <p:nvPr/>
+        </p:nvSpPr>
+        <p:spPr>
+          <a:xfrm>
+            <a:off x="379361" y="1799148"/>
+            <a:ext cx="1497526" cy="307777"/>
+          </a:xfrm>
+          <a:prstGeom prst="rect">
+            <a:avLst/>
+          </a:prstGeom>
+          <a:noFill/>
+          <a:ln>
+            <a:solidFill>
+              <a:srgbClr val="FF0000"/>
+            </a:solidFill>
+          </a:ln>
+        </p:spPr>
+        <p:txBody>
+          <a:bodyPr wrap="none" rtlCol="0">
+            <a:spAutoFit/>
+          </a:bodyPr>
+          <a:lstStyle/>
+          <a:p>
+            <a:r>
+              <a:rPr lang="en-GB" sz="1400" dirty="0">
+                <a:solidFill>
+                  <a:srgbClr val="FF0000"/>
+                </a:solidFill>
+              </a:rPr>
+              <a:t>Add to preamble</a:t>
+            </a:r>
+          </a:p>
+        </p:txBody>
+      </p:sp>
+      <p:sp>
+        <p:nvSpPr>
+          <p:cNvPr id="9" name="TextBox 8">
+            <a:extLst>
+              <a:ext uri="{FF2B5EF4-FFF2-40B4-BE49-F238E27FC236}">
+                <a16:creationId xmlns:a16="http://schemas.microsoft.com/office/drawing/2014/main" id="{8168D1BA-B83E-4CA0-AC9A-97EBF47D7AEC}"/>
+              </a:ext>
+            </a:extLst>
+          </p:cNvPr>
+          <p:cNvSpPr txBox="1"/>
+          <p:nvPr/>
+        </p:nvSpPr>
+        <p:spPr>
+          <a:xfrm>
+            <a:off x="379361" y="2106925"/>
+            <a:ext cx="4062010" cy="2308324"/>
+          </a:xfrm>
+          <a:prstGeom prst="rect">
+            <a:avLst/>
+          </a:prstGeom>
+          <a:noFill/>
+          <a:ln>
+            <a:solidFill>
+              <a:srgbClr val="FF0000"/>
+            </a:solidFill>
+          </a:ln>
+        </p:spPr>
+        <p:txBody>
+          <a:bodyPr wrap="square">
+            <a:spAutoFit/>
+          </a:bodyPr>
+          <a:lstStyle/>
+          <a:p>
+            <a:r>
+              <a:rPr lang="en-GB" sz="2400" dirty="0">
+                <a:solidFill>
+                  <a:schemeClr val="tx2">
+                    <a:lumMod val="50000"/>
+                    <a:lumOff val="50000"/>
+                  </a:schemeClr>
+                </a:solidFill>
+              </a:rPr>
+              <a:t>\</a:t>
+            </a:r>
+            <a:r>
+              <a:rPr lang="en-GB" sz="2400" dirty="0" err="1">
+                <a:solidFill>
+                  <a:schemeClr val="tx2">
+                    <a:lumMod val="50000"/>
+                    <a:lumOff val="50000"/>
+                  </a:schemeClr>
+                </a:solidFill>
+              </a:rPr>
+              <a:t>newcommand</a:t>
+            </a:r>
+            <a:r>
+              <a:rPr lang="en-GB" sz="2400" dirty="0"/>
+              <a:t>{</a:t>
+            </a:r>
+            <a:r>
+              <a:rPr lang="en-GB" sz="2400" dirty="0">
+                <a:solidFill>
+                  <a:schemeClr val="tx2">
+                    <a:lumMod val="50000"/>
+                    <a:lumOff val="50000"/>
+                  </a:schemeClr>
+                </a:solidFill>
+              </a:rPr>
+              <a:t>\</a:t>
+            </a:r>
+            <a:r>
+              <a:rPr lang="en-GB" sz="2400" dirty="0" err="1">
+                <a:solidFill>
+                  <a:schemeClr val="tx2">
+                    <a:lumMod val="50000"/>
+                    <a:lumOff val="50000"/>
+                  </a:schemeClr>
+                </a:solidFill>
+              </a:rPr>
+              <a:t>hardmaths</a:t>
+            </a:r>
+            <a:r>
+              <a:rPr lang="en-GB" sz="2400" dirty="0"/>
+              <a:t>} {</a:t>
+            </a:r>
+            <a:r>
+              <a:rPr lang="en-GB" sz="2400" dirty="0">
+                <a:solidFill>
+                  <a:schemeClr val="tx2">
+                    <a:lumMod val="50000"/>
+                    <a:lumOff val="50000"/>
+                  </a:schemeClr>
+                </a:solidFill>
+              </a:rPr>
+              <a:t>\frac</a:t>
+            </a:r>
+            <a:r>
+              <a:rPr lang="en-GB" sz="2400" dirty="0"/>
+              <a:t>{</a:t>
+            </a:r>
+            <a:r>
+              <a:rPr lang="en-GB" sz="2400" dirty="0">
+                <a:solidFill>
+                  <a:schemeClr val="tx2">
+                    <a:lumMod val="50000"/>
+                    <a:lumOff val="50000"/>
+                  </a:schemeClr>
+                </a:solidFill>
+              </a:rPr>
+              <a:t>\sin</a:t>
+            </a:r>
+            <a:r>
+              <a:rPr lang="en-GB" sz="2400" dirty="0"/>
+              <a:t>{(x\pi)}} {2</a:t>
+            </a:r>
+            <a:r>
+              <a:rPr lang="en-GB" sz="2400" dirty="0">
+                <a:solidFill>
+                  <a:schemeClr val="accent1">
+                    <a:lumMod val="60000"/>
+                    <a:lumOff val="40000"/>
+                  </a:schemeClr>
+                </a:solidFill>
+              </a:rPr>
+              <a:t>\alpha</a:t>
+            </a:r>
+            <a:r>
+              <a:rPr lang="en-GB" sz="2400" dirty="0"/>
+              <a:t>}}</a:t>
+            </a:r>
+          </a:p>
+          <a:p>
+            <a:endParaRPr lang="en-GB" sz="2400" dirty="0"/>
+          </a:p>
+          <a:p>
+            <a:r>
+              <a:rPr lang="en-GB" sz="2400" dirty="0">
+                <a:solidFill>
+                  <a:schemeClr val="tx2">
+                    <a:lumMod val="50000"/>
+                    <a:lumOff val="50000"/>
+                  </a:schemeClr>
+                </a:solidFill>
+              </a:rPr>
+              <a:t>\</a:t>
+            </a:r>
+            <a:r>
+              <a:rPr lang="en-GB" sz="2400" dirty="0" err="1">
+                <a:solidFill>
+                  <a:schemeClr val="tx2">
+                    <a:lumMod val="50000"/>
+                    <a:lumOff val="50000"/>
+                  </a:schemeClr>
+                </a:solidFill>
+              </a:rPr>
+              <a:t>newcommand</a:t>
+            </a:r>
+            <a:r>
+              <a:rPr lang="en-GB" sz="2400" dirty="0"/>
+              <a:t>{</a:t>
+            </a:r>
+            <a:r>
+              <a:rPr lang="en-GB" sz="2400" dirty="0">
+                <a:solidFill>
+                  <a:schemeClr val="tx2">
+                    <a:lumMod val="50000"/>
+                    <a:lumOff val="50000"/>
+                  </a:schemeClr>
+                </a:solidFill>
+              </a:rPr>
+              <a:t>\diff</a:t>
+            </a:r>
+            <a:r>
+              <a:rPr lang="en-GB" sz="2400" dirty="0"/>
+              <a:t>}[2]  {</a:t>
+            </a:r>
+            <a:r>
+              <a:rPr lang="en-GB" sz="2400" dirty="0">
+                <a:solidFill>
+                  <a:schemeClr val="tx2">
+                    <a:lumMod val="50000"/>
+                    <a:lumOff val="50000"/>
+                  </a:schemeClr>
+                </a:solidFill>
+              </a:rPr>
+              <a:t>\frac</a:t>
+            </a:r>
+            <a:r>
+              <a:rPr lang="en-GB" sz="2400" dirty="0"/>
+              <a:t>{</a:t>
+            </a:r>
+            <a:r>
+              <a:rPr lang="en-GB" sz="2400" dirty="0">
+                <a:solidFill>
+                  <a:schemeClr val="tx2">
+                    <a:lumMod val="50000"/>
+                    <a:lumOff val="50000"/>
+                  </a:schemeClr>
+                </a:solidFill>
+              </a:rPr>
+              <a:t>\</a:t>
+            </a:r>
+            <a:r>
+              <a:rPr lang="en-GB" sz="2400" dirty="0" err="1">
+                <a:solidFill>
+                  <a:schemeClr val="tx2">
+                    <a:lumMod val="50000"/>
+                    <a:lumOff val="50000"/>
+                  </a:schemeClr>
+                </a:solidFill>
+              </a:rPr>
+              <a:t>textrm</a:t>
+            </a:r>
+            <a:r>
+              <a:rPr lang="en-GB" sz="2400" dirty="0"/>
+              <a:t>{d}{#1}} {</a:t>
+            </a:r>
+            <a:r>
+              <a:rPr lang="en-GB" sz="2400" dirty="0">
+                <a:solidFill>
+                  <a:schemeClr val="tx2">
+                    <a:lumMod val="50000"/>
+                    <a:lumOff val="50000"/>
+                  </a:schemeClr>
+                </a:solidFill>
+              </a:rPr>
+              <a:t>\</a:t>
+            </a:r>
+            <a:r>
+              <a:rPr lang="en-GB" sz="2400" dirty="0" err="1">
+                <a:solidFill>
+                  <a:schemeClr val="tx2">
+                    <a:lumMod val="50000"/>
+                    <a:lumOff val="50000"/>
+                  </a:schemeClr>
+                </a:solidFill>
+              </a:rPr>
+              <a:t>textrm</a:t>
+            </a:r>
+            <a:r>
+              <a:rPr lang="en-GB" sz="2400" dirty="0"/>
+              <a:t>{d}{#2}}}</a:t>
+            </a:r>
+          </a:p>
+        </p:txBody>
+      </p:sp>
     </p:spTree>
     <p:extLst>
       <p:ext uri="{BB962C8B-B14F-4D97-AF65-F5344CB8AC3E}">
-        <p14:creationId xmlns:p14="http://schemas.microsoft.com/office/powerpoint/2010/main" val="358316703"/>
+        <p14:creationId xmlns:p14="http://schemas.microsoft.com/office/powerpoint/2010/main" val="1666026033"/>
       </p:ext>
     </p:extLst>
   </p:cSld>
@@ -18388,571 +18650,6 @@
           <a:p>
             <a:r>
               <a:rPr lang="en-GB" sz="4000" dirty="0"/>
-              <a:t>Custom Commands</a:t>
-            </a:r>
-          </a:p>
-        </p:txBody>
-      </p:sp>
-      <p:cxnSp>
-        <p:nvCxnSpPr>
-          <p:cNvPr id="12" name="Straight Connector 11"/>
-          <p:cNvCxnSpPr/>
-          <p:nvPr/>
-        </p:nvCxnSpPr>
-        <p:spPr>
-          <a:xfrm>
-            <a:off x="4572000" y="1417638"/>
-            <a:ext cx="0" cy="5440362"/>
-          </a:xfrm>
-          <a:prstGeom prst="line">
-            <a:avLst/>
-          </a:prstGeom>
-        </p:spPr>
-        <p:style>
-          <a:lnRef idx="2">
-            <a:schemeClr val="accent1"/>
-          </a:lnRef>
-          <a:fillRef idx="0">
-            <a:schemeClr val="accent1"/>
-          </a:fillRef>
-          <a:effectRef idx="1">
-            <a:schemeClr val="accent1"/>
-          </a:effectRef>
-          <a:fontRef idx="minor">
-            <a:schemeClr val="tx1"/>
-          </a:fontRef>
-        </p:style>
-      </p:cxnSp>
-      <p:sp>
-        <p:nvSpPr>
-          <p:cNvPr id="4" name="Rectangle 2"/>
-          <p:cNvSpPr>
-            <a:spLocks noChangeArrowheads="1"/>
-          </p:cNvSpPr>
-          <p:nvPr/>
-        </p:nvSpPr>
-        <p:spPr bwMode="auto">
-          <a:xfrm>
-            <a:off x="280263" y="5024233"/>
-            <a:ext cx="4166693" cy="830997"/>
-          </a:xfrm>
-          <a:prstGeom prst="rect">
-            <a:avLst/>
-          </a:prstGeom>
-          <a:noFill/>
-          <a:ln>
-            <a:noFill/>
-          </a:ln>
-          <a:effectLst/>
-        </p:spPr>
-        <p:txBody>
-          <a:bodyPr vert="horz" wrap="square" lIns="91440" tIns="45720" rIns="91440" bIns="45720" numCol="1" anchor="ctr" anchorCtr="0" compatLnSpc="1">
-            <a:prstTxWarp prst="textNoShape">
-              <a:avLst/>
-            </a:prstTxWarp>
-            <a:spAutoFit/>
-          </a:bodyPr>
-          <a:lstStyle/>
-          <a:p>
-            <a:r>
-              <a:rPr lang="en-GB" sz="2400" dirty="0"/>
-              <a:t>A quick way to write </a:t>
-            </a:r>
-            <a:r>
-              <a:rPr lang="en-GB" sz="2400" dirty="0">
-                <a:solidFill>
-                  <a:schemeClr val="accent3">
-                    <a:lumMod val="60000"/>
-                    <a:lumOff val="40000"/>
-                  </a:schemeClr>
-                </a:solidFill>
-              </a:rPr>
-              <a:t>$</a:t>
-            </a:r>
-            <a:r>
-              <a:rPr lang="en-GB" sz="2400" dirty="0">
-                <a:solidFill>
-                  <a:schemeClr val="accent1">
-                    <a:lumMod val="60000"/>
-                    <a:lumOff val="40000"/>
-                  </a:schemeClr>
-                </a:solidFill>
-              </a:rPr>
-              <a:t>\diff</a:t>
-            </a:r>
-            <a:r>
-              <a:rPr lang="en-GB" sz="2400" dirty="0">
-                <a:solidFill>
-                  <a:schemeClr val="accent3">
-                    <a:lumMod val="60000"/>
-                    <a:lumOff val="40000"/>
-                  </a:schemeClr>
-                </a:solidFill>
-              </a:rPr>
-              <a:t>{y}{x}</a:t>
-            </a:r>
-            <a:r>
-              <a:rPr lang="en-GB" sz="2400" dirty="0"/>
-              <a:t>=</a:t>
-            </a:r>
-            <a:r>
-              <a:rPr lang="en-GB" sz="2400" dirty="0">
-                <a:solidFill>
-                  <a:schemeClr val="accent1">
-                    <a:lumMod val="60000"/>
-                    <a:lumOff val="40000"/>
-                  </a:schemeClr>
-                </a:solidFill>
-              </a:rPr>
-              <a:t>\</a:t>
-            </a:r>
-            <a:r>
-              <a:rPr lang="en-GB" sz="2400" dirty="0" err="1">
-                <a:solidFill>
-                  <a:schemeClr val="accent1">
-                    <a:lumMod val="60000"/>
-                    <a:lumOff val="40000"/>
-                  </a:schemeClr>
-                </a:solidFill>
-              </a:rPr>
-              <a:t>hardmaths</a:t>
-            </a:r>
-            <a:r>
-              <a:rPr lang="en-GB" sz="2400" dirty="0">
-                <a:solidFill>
-                  <a:schemeClr val="accent3">
-                    <a:lumMod val="60000"/>
-                    <a:lumOff val="40000"/>
-                  </a:schemeClr>
-                </a:solidFill>
-              </a:rPr>
-              <a:t>$</a:t>
-            </a:r>
-            <a:endParaRPr lang="en-US" altLang="en-US" sz="2400" dirty="0">
-              <a:solidFill>
-                <a:schemeClr val="accent3">
-                  <a:lumMod val="60000"/>
-                  <a:lumOff val="40000"/>
-                </a:schemeClr>
-              </a:solidFill>
-            </a:endParaRPr>
-          </a:p>
-        </p:txBody>
-      </p:sp>
-      <p:pic>
-        <p:nvPicPr>
-          <p:cNvPr id="13" name="Picture 12">
-            <a:extLst>
-              <a:ext uri="{FF2B5EF4-FFF2-40B4-BE49-F238E27FC236}">
-                <a16:creationId xmlns:a16="http://schemas.microsoft.com/office/drawing/2014/main" id="{8A08522B-9567-425D-856D-8B35D8CEF722}"/>
-              </a:ext>
-            </a:extLst>
-          </p:cNvPr>
-          <p:cNvPicPr>
-            <a:picLocks noChangeAspect="1"/>
-          </p:cNvPicPr>
-          <p:nvPr/>
-        </p:nvPicPr>
-        <p:blipFill>
-          <a:blip r:embed="rId3"/>
-          <a:stretch>
-            <a:fillRect/>
-          </a:stretch>
-        </p:blipFill>
-        <p:spPr>
-          <a:xfrm>
-            <a:off x="4809198" y="3599955"/>
-            <a:ext cx="3955441" cy="537864"/>
-          </a:xfrm>
-          <a:prstGeom prst="rect">
-            <a:avLst/>
-          </a:prstGeom>
-        </p:spPr>
-      </p:pic>
-      <p:sp>
-        <p:nvSpPr>
-          <p:cNvPr id="6" name="TextBox 5">
-            <a:extLst>
-              <a:ext uri="{FF2B5EF4-FFF2-40B4-BE49-F238E27FC236}">
-                <a16:creationId xmlns:a16="http://schemas.microsoft.com/office/drawing/2014/main" id="{60A5A0E4-D0CF-4B28-8E87-60A3B3E341C1}"/>
-              </a:ext>
-            </a:extLst>
-          </p:cNvPr>
-          <p:cNvSpPr txBox="1"/>
-          <p:nvPr/>
-        </p:nvSpPr>
-        <p:spPr>
-          <a:xfrm>
-            <a:off x="7357241" y="6498021"/>
-            <a:ext cx="1697422" cy="369332"/>
-          </a:xfrm>
-          <a:prstGeom prst="rect">
-            <a:avLst/>
-          </a:prstGeom>
-          <a:noFill/>
-        </p:spPr>
-        <p:txBody>
-          <a:bodyPr wrap="square" rtlCol="0">
-            <a:spAutoFit/>
-          </a:bodyPr>
-          <a:lstStyle/>
-          <a:p>
-            <a:r>
-              <a:rPr lang="en-GB" dirty="0">
-                <a:solidFill>
-                  <a:schemeClr val="accent2"/>
-                </a:solidFill>
-              </a:rPr>
-              <a:t>Problem Sheet</a:t>
-            </a:r>
-          </a:p>
-        </p:txBody>
-      </p:sp>
-      <p:sp>
-        <p:nvSpPr>
-          <p:cNvPr id="7" name="TextBox 6">
-            <a:extLst>
-              <a:ext uri="{FF2B5EF4-FFF2-40B4-BE49-F238E27FC236}">
-                <a16:creationId xmlns:a16="http://schemas.microsoft.com/office/drawing/2014/main" id="{2CB59673-0D3F-4DE9-8E99-E7AE983BBBA7}"/>
-              </a:ext>
-            </a:extLst>
-          </p:cNvPr>
-          <p:cNvSpPr txBox="1"/>
-          <p:nvPr/>
-        </p:nvSpPr>
-        <p:spPr>
-          <a:xfrm>
-            <a:off x="379361" y="1799148"/>
-            <a:ext cx="1497526" cy="307777"/>
-          </a:xfrm>
-          <a:prstGeom prst="rect">
-            <a:avLst/>
-          </a:prstGeom>
-          <a:noFill/>
-          <a:ln>
-            <a:solidFill>
-              <a:srgbClr val="FF0000"/>
-            </a:solidFill>
-          </a:ln>
-        </p:spPr>
-        <p:txBody>
-          <a:bodyPr wrap="none" rtlCol="0">
-            <a:spAutoFit/>
-          </a:bodyPr>
-          <a:lstStyle/>
-          <a:p>
-            <a:r>
-              <a:rPr lang="en-GB" sz="1400" dirty="0">
-                <a:solidFill>
-                  <a:srgbClr val="FF0000"/>
-                </a:solidFill>
-              </a:rPr>
-              <a:t>Add to preamble</a:t>
-            </a:r>
-          </a:p>
-        </p:txBody>
-      </p:sp>
-      <p:sp>
-        <p:nvSpPr>
-          <p:cNvPr id="9" name="TextBox 8">
-            <a:extLst>
-              <a:ext uri="{FF2B5EF4-FFF2-40B4-BE49-F238E27FC236}">
-                <a16:creationId xmlns:a16="http://schemas.microsoft.com/office/drawing/2014/main" id="{8168D1BA-B83E-4CA0-AC9A-97EBF47D7AEC}"/>
-              </a:ext>
-            </a:extLst>
-          </p:cNvPr>
-          <p:cNvSpPr txBox="1"/>
-          <p:nvPr/>
-        </p:nvSpPr>
-        <p:spPr>
-          <a:xfrm>
-            <a:off x="379361" y="2106925"/>
-            <a:ext cx="4062010" cy="2308324"/>
-          </a:xfrm>
-          <a:prstGeom prst="rect">
-            <a:avLst/>
-          </a:prstGeom>
-          <a:noFill/>
-          <a:ln>
-            <a:solidFill>
-              <a:srgbClr val="FF0000"/>
-            </a:solidFill>
-          </a:ln>
-        </p:spPr>
-        <p:txBody>
-          <a:bodyPr wrap="square">
-            <a:spAutoFit/>
-          </a:bodyPr>
-          <a:lstStyle/>
-          <a:p>
-            <a:r>
-              <a:rPr lang="en-GB" sz="2400" dirty="0">
-                <a:solidFill>
-                  <a:schemeClr val="tx2">
-                    <a:lumMod val="50000"/>
-                    <a:lumOff val="50000"/>
-                  </a:schemeClr>
-                </a:solidFill>
-              </a:rPr>
-              <a:t>\</a:t>
-            </a:r>
-            <a:r>
-              <a:rPr lang="en-GB" sz="2400" dirty="0" err="1">
-                <a:solidFill>
-                  <a:schemeClr val="tx2">
-                    <a:lumMod val="50000"/>
-                    <a:lumOff val="50000"/>
-                  </a:schemeClr>
-                </a:solidFill>
-              </a:rPr>
-              <a:t>newcommand</a:t>
-            </a:r>
-            <a:r>
-              <a:rPr lang="en-GB" sz="2400" dirty="0"/>
-              <a:t>{</a:t>
-            </a:r>
-            <a:r>
-              <a:rPr lang="en-GB" sz="2400" dirty="0">
-                <a:solidFill>
-                  <a:schemeClr val="tx2">
-                    <a:lumMod val="50000"/>
-                    <a:lumOff val="50000"/>
-                  </a:schemeClr>
-                </a:solidFill>
-              </a:rPr>
-              <a:t>\</a:t>
-            </a:r>
-            <a:r>
-              <a:rPr lang="en-GB" sz="2400" dirty="0" err="1">
-                <a:solidFill>
-                  <a:schemeClr val="tx2">
-                    <a:lumMod val="50000"/>
-                    <a:lumOff val="50000"/>
-                  </a:schemeClr>
-                </a:solidFill>
-              </a:rPr>
-              <a:t>hardmaths</a:t>
-            </a:r>
-            <a:r>
-              <a:rPr lang="en-GB" sz="2400" dirty="0"/>
-              <a:t>} {</a:t>
-            </a:r>
-            <a:r>
-              <a:rPr lang="en-GB" sz="2400" dirty="0">
-                <a:solidFill>
-                  <a:schemeClr val="tx2">
-                    <a:lumMod val="50000"/>
-                    <a:lumOff val="50000"/>
-                  </a:schemeClr>
-                </a:solidFill>
-              </a:rPr>
-              <a:t>\frac</a:t>
-            </a:r>
-            <a:r>
-              <a:rPr lang="en-GB" sz="2400" dirty="0"/>
-              <a:t>{</a:t>
-            </a:r>
-            <a:r>
-              <a:rPr lang="en-GB" sz="2400" dirty="0">
-                <a:solidFill>
-                  <a:schemeClr val="tx2">
-                    <a:lumMod val="50000"/>
-                    <a:lumOff val="50000"/>
-                  </a:schemeClr>
-                </a:solidFill>
-              </a:rPr>
-              <a:t>\sin</a:t>
-            </a:r>
-            <a:r>
-              <a:rPr lang="en-GB" sz="2400" dirty="0"/>
-              <a:t>{(x\pi)}} {2</a:t>
-            </a:r>
-            <a:r>
-              <a:rPr lang="en-GB" sz="2400" dirty="0">
-                <a:solidFill>
-                  <a:schemeClr val="accent1">
-                    <a:lumMod val="60000"/>
-                    <a:lumOff val="40000"/>
-                  </a:schemeClr>
-                </a:solidFill>
-              </a:rPr>
-              <a:t>\alpha</a:t>
-            </a:r>
-            <a:r>
-              <a:rPr lang="en-GB" sz="2400" dirty="0"/>
-              <a:t>}}</a:t>
-            </a:r>
-          </a:p>
-          <a:p>
-            <a:endParaRPr lang="en-GB" sz="2400" dirty="0"/>
-          </a:p>
-          <a:p>
-            <a:r>
-              <a:rPr lang="en-GB" sz="2400" dirty="0">
-                <a:solidFill>
-                  <a:schemeClr val="tx2">
-                    <a:lumMod val="50000"/>
-                    <a:lumOff val="50000"/>
-                  </a:schemeClr>
-                </a:solidFill>
-              </a:rPr>
-              <a:t>\</a:t>
-            </a:r>
-            <a:r>
-              <a:rPr lang="en-GB" sz="2400" dirty="0" err="1">
-                <a:solidFill>
-                  <a:schemeClr val="tx2">
-                    <a:lumMod val="50000"/>
-                    <a:lumOff val="50000"/>
-                  </a:schemeClr>
-                </a:solidFill>
-              </a:rPr>
-              <a:t>newcommand</a:t>
-            </a:r>
-            <a:r>
-              <a:rPr lang="en-GB" sz="2400" dirty="0"/>
-              <a:t>{</a:t>
-            </a:r>
-            <a:r>
-              <a:rPr lang="en-GB" sz="2400" dirty="0">
-                <a:solidFill>
-                  <a:schemeClr val="tx2">
-                    <a:lumMod val="50000"/>
-                    <a:lumOff val="50000"/>
-                  </a:schemeClr>
-                </a:solidFill>
-              </a:rPr>
-              <a:t>\diff</a:t>
-            </a:r>
-            <a:r>
-              <a:rPr lang="en-GB" sz="2400" dirty="0"/>
-              <a:t>}[2]  {</a:t>
-            </a:r>
-            <a:r>
-              <a:rPr lang="en-GB" sz="2400" dirty="0">
-                <a:solidFill>
-                  <a:schemeClr val="tx2">
-                    <a:lumMod val="50000"/>
-                    <a:lumOff val="50000"/>
-                  </a:schemeClr>
-                </a:solidFill>
-              </a:rPr>
-              <a:t>\frac</a:t>
-            </a:r>
-            <a:r>
-              <a:rPr lang="en-GB" sz="2400" dirty="0"/>
-              <a:t>{</a:t>
-            </a:r>
-            <a:r>
-              <a:rPr lang="en-GB" sz="2400" dirty="0">
-                <a:solidFill>
-                  <a:schemeClr val="tx2">
-                    <a:lumMod val="50000"/>
-                    <a:lumOff val="50000"/>
-                  </a:schemeClr>
-                </a:solidFill>
-              </a:rPr>
-              <a:t>\</a:t>
-            </a:r>
-            <a:r>
-              <a:rPr lang="en-GB" sz="2400" dirty="0" err="1">
-                <a:solidFill>
-                  <a:schemeClr val="tx2">
-                    <a:lumMod val="50000"/>
-                    <a:lumOff val="50000"/>
-                  </a:schemeClr>
-                </a:solidFill>
-              </a:rPr>
-              <a:t>textrm</a:t>
-            </a:r>
-            <a:r>
-              <a:rPr lang="en-GB" sz="2400" dirty="0"/>
-              <a:t>{d}{#1}} {</a:t>
-            </a:r>
-            <a:r>
-              <a:rPr lang="en-GB" sz="2400" dirty="0">
-                <a:solidFill>
-                  <a:schemeClr val="tx2">
-                    <a:lumMod val="50000"/>
-                    <a:lumOff val="50000"/>
-                  </a:schemeClr>
-                </a:solidFill>
-              </a:rPr>
-              <a:t>\</a:t>
-            </a:r>
-            <a:r>
-              <a:rPr lang="en-GB" sz="2400" dirty="0" err="1">
-                <a:solidFill>
-                  <a:schemeClr val="tx2">
-                    <a:lumMod val="50000"/>
-                    <a:lumOff val="50000"/>
-                  </a:schemeClr>
-                </a:solidFill>
-              </a:rPr>
-              <a:t>textrm</a:t>
-            </a:r>
-            <a:r>
-              <a:rPr lang="en-GB" sz="2400" dirty="0"/>
-              <a:t>{d}{#2}}}</a:t>
-            </a:r>
-          </a:p>
-        </p:txBody>
-      </p:sp>
-    </p:spTree>
-    <p:extLst>
-      <p:ext uri="{BB962C8B-B14F-4D97-AF65-F5344CB8AC3E}">
-        <p14:creationId xmlns:p14="http://schemas.microsoft.com/office/powerpoint/2010/main" val="1666026033"/>
-      </p:ext>
-    </p:extLst>
-  </p:cSld>
-  <p:clrMapOvr>
-    <a:masterClrMapping/>
-  </p:clrMapOvr>
-  <mc:AlternateContent xmlns:mc="http://schemas.openxmlformats.org/markup-compatibility/2006" xmlns:p14="http://schemas.microsoft.com/office/powerpoint/2010/main">
-    <mc:Choice Requires="p14">
-      <p:transition p14:dur="10"/>
-    </mc:Choice>
-    <mc:Fallback xmlns="">
-      <p:transition/>
-    </mc:Fallback>
-  </mc:AlternateContent>
-</p:sld>
-</file>
-
-<file path=ppt/slides/slide34.xml><?xml version="1.0" encoding="utf-8"?>
-<p:sld xmlns:a="http://schemas.openxmlformats.org/drawingml/2006/main" xmlns:r="http://schemas.openxmlformats.org/officeDocument/2006/relationships" xmlns:p="http://schemas.openxmlformats.org/presentationml/2006/main">
-  <p:cSld>
-    <p:spTree>
-      <p:nvGrpSpPr>
-        <p:cNvPr id="1" name=""/>
-        <p:cNvGrpSpPr/>
-        <p:nvPr/>
-      </p:nvGrpSpPr>
-      <p:grpSpPr>
-        <a:xfrm>
-          <a:off x="0" y="0"/>
-          <a:ext cx="0" cy="0"/>
-          <a:chOff x="0" y="0"/>
-          <a:chExt cx="0" cy="0"/>
-        </a:xfrm>
-      </p:grpSpPr>
-      <p:sp>
-        <p:nvSpPr>
-          <p:cNvPr id="2" name="Title 1"/>
-          <p:cNvSpPr>
-            <a:spLocks noGrp="1"/>
-          </p:cNvSpPr>
-          <p:nvPr>
-            <p:ph type="title"/>
-          </p:nvPr>
-        </p:nvSpPr>
-        <p:spPr/>
-        <p:txBody>
-          <a:bodyPr/>
-          <a:lstStyle/>
-          <a:p>
-            <a:r>
-              <a:rPr lang="en-GB" sz="4000" dirty="0"/>
               <a:t>Bibliography Management</a:t>
             </a:r>
           </a:p>
@@ -19037,7 +18734,7 @@
 </p:sld>
 </file>
 
-<file path=ppt/slides/slide35.xml><?xml version="1.0" encoding="utf-8"?>
+<file path=ppt/slides/slide34.xml><?xml version="1.0" encoding="utf-8"?>
 <p:sld xmlns:a="http://schemas.openxmlformats.org/drawingml/2006/main" xmlns:r="http://schemas.openxmlformats.org/officeDocument/2006/relationships" xmlns:p="http://schemas.openxmlformats.org/presentationml/2006/main">
   <p:cSld>
     <p:spTree>
@@ -19507,7 +19204,7 @@
 </p:sld>
 </file>
 
-<file path=ppt/slides/slide36.xml><?xml version="1.0" encoding="utf-8"?>
+<file path=ppt/slides/slide35.xml><?xml version="1.0" encoding="utf-8"?>
 <p:sld xmlns:a="http://schemas.openxmlformats.org/drawingml/2006/main" xmlns:r="http://schemas.openxmlformats.org/officeDocument/2006/relationships" xmlns:p="http://schemas.openxmlformats.org/presentationml/2006/main">
   <p:cSld>
     <p:spTree>
@@ -19959,7 +19656,7 @@
 </p:sld>
 </file>
 
-<file path=ppt/slides/slide37.xml><?xml version="1.0" encoding="utf-8"?>
+<file path=ppt/slides/slide36.xml><?xml version="1.0" encoding="utf-8"?>
 <p:sld xmlns:a="http://schemas.openxmlformats.org/drawingml/2006/main" xmlns:r="http://schemas.openxmlformats.org/officeDocument/2006/relationships" xmlns:p="http://schemas.openxmlformats.org/presentationml/2006/main">
   <p:cSld>
     <p:spTree>
@@ -20471,7 +20168,7 @@
 </p:sld>
 </file>
 
-<file path=ppt/slides/slide38.xml><?xml version="1.0" encoding="utf-8"?>
+<file path=ppt/slides/slide37.xml><?xml version="1.0" encoding="utf-8"?>
 <p:sld xmlns:a="http://schemas.openxmlformats.org/drawingml/2006/main" xmlns:r="http://schemas.openxmlformats.org/officeDocument/2006/relationships" xmlns:p="http://schemas.openxmlformats.org/presentationml/2006/main">
   <p:cSld>
     <p:spTree>
@@ -20777,7 +20474,7 @@
 </p:sld>
 </file>
 
-<file path=ppt/slides/slide39.xml><?xml version="1.0" encoding="utf-8"?>
+<file path=ppt/slides/slide38.xml><?xml version="1.0" encoding="utf-8"?>
 <p:sld xmlns:a="http://schemas.openxmlformats.org/drawingml/2006/main" xmlns:r="http://schemas.openxmlformats.org/officeDocument/2006/relationships" xmlns:p="http://schemas.openxmlformats.org/presentationml/2006/main">
   <p:cSld>
     <p:spTree>
@@ -21055,143 +20752,7 @@
 </p:sld>
 </file>
 
-<file path=ppt/slides/slide4.xml><?xml version="1.0" encoding="utf-8"?>
-<p:sld xmlns:a="http://schemas.openxmlformats.org/drawingml/2006/main" xmlns:r="http://schemas.openxmlformats.org/officeDocument/2006/relationships" xmlns:p="http://schemas.openxmlformats.org/presentationml/2006/main">
-  <p:cSld>
-    <p:spTree>
-      <p:nvGrpSpPr>
-        <p:cNvPr id="1" name=""/>
-        <p:cNvGrpSpPr/>
-        <p:nvPr/>
-      </p:nvGrpSpPr>
-      <p:grpSpPr>
-        <a:xfrm>
-          <a:off x="0" y="0"/>
-          <a:ext cx="0" cy="0"/>
-          <a:chOff x="0" y="0"/>
-          <a:chExt cx="0" cy="0"/>
-        </a:xfrm>
-      </p:grpSpPr>
-      <p:sp>
-        <p:nvSpPr>
-          <p:cNvPr id="2" name="Title 1"/>
-          <p:cNvSpPr>
-            <a:spLocks noGrp="1"/>
-          </p:cNvSpPr>
-          <p:nvPr>
-            <p:ph type="title"/>
-          </p:nvPr>
-        </p:nvSpPr>
-        <p:spPr/>
-        <p:txBody>
-          <a:bodyPr/>
-          <a:lstStyle/>
-          <a:p>
-            <a:r>
-              <a:rPr lang="en-GB" sz="4000" dirty="0"/>
-              <a:t>Using this PowerPoint</a:t>
-            </a:r>
-          </a:p>
-        </p:txBody>
-      </p:sp>
-      <p:sp>
-        <p:nvSpPr>
-          <p:cNvPr id="3" name="Content Placeholder 2"/>
-          <p:cNvSpPr>
-            <a:spLocks noGrp="1"/>
-          </p:cNvSpPr>
-          <p:nvPr>
-            <p:ph idx="1"/>
-          </p:nvPr>
-        </p:nvSpPr>
-        <p:spPr>
-          <a:xfrm>
-            <a:off x="457200" y="1600200"/>
-            <a:ext cx="8435280" cy="4876800"/>
-          </a:xfrm>
-        </p:spPr>
-        <p:txBody>
-          <a:bodyPr>
-            <a:normAutofit/>
-          </a:bodyPr>
-          <a:lstStyle/>
-          <a:p>
-            <a:pPr marL="0" lvl="0" indent="0" fontAlgn="base">
-              <a:spcBef>
-                <a:spcPts val="600"/>
-              </a:spcBef>
-              <a:spcAft>
-                <a:spcPts val="600"/>
-              </a:spcAft>
-              <a:buNone/>
-            </a:pPr>
-            <a:r>
-              <a:rPr lang="en-GB" sz="100" dirty="0"/>
-              <a:t> </a:t>
-            </a:r>
-          </a:p>
-          <a:p>
-            <a:r>
-              <a:rPr lang="en-GB" sz="2400" dirty="0"/>
-              <a:t>Further notes and comments in the notes section of most slides</a:t>
-            </a:r>
-          </a:p>
-          <a:p>
-            <a:pPr lvl="1"/>
-            <a:r>
-              <a:rPr lang="en-GB" sz="2000" dirty="0"/>
-              <a:t>Annotates and explains the examples</a:t>
-            </a:r>
-          </a:p>
-          <a:p>
-            <a:r>
-              <a:rPr lang="en-GB" sz="2400" dirty="0"/>
-              <a:t>Notes also often contain links to Overleaf projects used to generate examples</a:t>
-            </a:r>
-          </a:p>
-          <a:p>
-            <a:pPr lvl="1"/>
-            <a:r>
-              <a:rPr lang="en-GB" sz="2000" dirty="0"/>
-              <a:t>Allows you to see the example in the context of a compete project</a:t>
-            </a:r>
-          </a:p>
-          <a:p>
-            <a:pPr marL="0" lvl="0" indent="0" fontAlgn="base">
-              <a:spcBef>
-                <a:spcPts val="600"/>
-              </a:spcBef>
-              <a:spcAft>
-                <a:spcPts val="600"/>
-              </a:spcAft>
-              <a:buNone/>
-            </a:pPr>
-            <a:endParaRPr lang="en-GB" sz="2400" dirty="0"/>
-          </a:p>
-        </p:txBody>
-      </p:sp>
-    </p:spTree>
-    <p:extLst>
-      <p:ext uri="{BB962C8B-B14F-4D97-AF65-F5344CB8AC3E}">
-        <p14:creationId xmlns:p14="http://schemas.microsoft.com/office/powerpoint/2010/main" val="634929309"/>
-      </p:ext>
-    </p:extLst>
-  </p:cSld>
-  <p:clrMapOvr>
-    <a:masterClrMapping/>
-  </p:clrMapOvr>
-  <mc:AlternateContent xmlns:mc="http://schemas.openxmlformats.org/markup-compatibility/2006" xmlns:p14="http://schemas.microsoft.com/office/powerpoint/2010/main">
-    <mc:Choice Requires="p14">
-      <p:transition p14:dur="10"/>
-    </mc:Choice>
-    <mc:Fallback xmlns="">
-      <p:transition/>
-    </mc:Fallback>
-  </mc:AlternateContent>
-</p:sld>
-</file>
-
-<file path=ppt/slides/slide40.xml><?xml version="1.0" encoding="utf-8"?>
+<file path=ppt/slides/slide39.xml><?xml version="1.0" encoding="utf-8"?>
 <p:sld xmlns:a="http://schemas.openxmlformats.org/drawingml/2006/main" xmlns:r="http://schemas.openxmlformats.org/officeDocument/2006/relationships" xmlns:p="http://schemas.openxmlformats.org/presentationml/2006/main">
   <p:cSld>
     <p:spTree>
@@ -21731,7 +21292,143 @@
 </p:sld>
 </file>
 
-<file path=ppt/slides/slide41.xml><?xml version="1.0" encoding="utf-8"?>
+<file path=ppt/slides/slide4.xml><?xml version="1.0" encoding="utf-8"?>
+<p:sld xmlns:a="http://schemas.openxmlformats.org/drawingml/2006/main" xmlns:r="http://schemas.openxmlformats.org/officeDocument/2006/relationships" xmlns:p="http://schemas.openxmlformats.org/presentationml/2006/main">
+  <p:cSld>
+    <p:spTree>
+      <p:nvGrpSpPr>
+        <p:cNvPr id="1" name=""/>
+        <p:cNvGrpSpPr/>
+        <p:nvPr/>
+      </p:nvGrpSpPr>
+      <p:grpSpPr>
+        <a:xfrm>
+          <a:off x="0" y="0"/>
+          <a:ext cx="0" cy="0"/>
+          <a:chOff x="0" y="0"/>
+          <a:chExt cx="0" cy="0"/>
+        </a:xfrm>
+      </p:grpSpPr>
+      <p:sp>
+        <p:nvSpPr>
+          <p:cNvPr id="2" name="Title 1"/>
+          <p:cNvSpPr>
+            <a:spLocks noGrp="1"/>
+          </p:cNvSpPr>
+          <p:nvPr>
+            <p:ph type="title"/>
+          </p:nvPr>
+        </p:nvSpPr>
+        <p:spPr/>
+        <p:txBody>
+          <a:bodyPr/>
+          <a:lstStyle/>
+          <a:p>
+            <a:r>
+              <a:rPr lang="en-GB" sz="4000" dirty="0"/>
+              <a:t>Using this PowerPoint</a:t>
+            </a:r>
+          </a:p>
+        </p:txBody>
+      </p:sp>
+      <p:sp>
+        <p:nvSpPr>
+          <p:cNvPr id="3" name="Content Placeholder 2"/>
+          <p:cNvSpPr>
+            <a:spLocks noGrp="1"/>
+          </p:cNvSpPr>
+          <p:nvPr>
+            <p:ph idx="1"/>
+          </p:nvPr>
+        </p:nvSpPr>
+        <p:spPr>
+          <a:xfrm>
+            <a:off x="457200" y="1600200"/>
+            <a:ext cx="8435280" cy="4876800"/>
+          </a:xfrm>
+        </p:spPr>
+        <p:txBody>
+          <a:bodyPr>
+            <a:normAutofit/>
+          </a:bodyPr>
+          <a:lstStyle/>
+          <a:p>
+            <a:pPr marL="0" lvl="0" indent="0" fontAlgn="base">
+              <a:spcBef>
+                <a:spcPts val="600"/>
+              </a:spcBef>
+              <a:spcAft>
+                <a:spcPts val="600"/>
+              </a:spcAft>
+              <a:buNone/>
+            </a:pPr>
+            <a:r>
+              <a:rPr lang="en-GB" sz="100" dirty="0"/>
+              <a:t> </a:t>
+            </a:r>
+          </a:p>
+          <a:p>
+            <a:r>
+              <a:rPr lang="en-GB" sz="2400" dirty="0"/>
+              <a:t>Further notes and comments in the notes section of most slides</a:t>
+            </a:r>
+          </a:p>
+          <a:p>
+            <a:pPr lvl="1"/>
+            <a:r>
+              <a:rPr lang="en-GB" sz="2000" dirty="0"/>
+              <a:t>Annotates and explains the examples</a:t>
+            </a:r>
+          </a:p>
+          <a:p>
+            <a:r>
+              <a:rPr lang="en-GB" sz="2400" dirty="0"/>
+              <a:t>Notes also often contain links to Overleaf projects used to generate examples</a:t>
+            </a:r>
+          </a:p>
+          <a:p>
+            <a:pPr lvl="1"/>
+            <a:r>
+              <a:rPr lang="en-GB" sz="2000" dirty="0"/>
+              <a:t>Allows you to see the example in the context of a compete project</a:t>
+            </a:r>
+          </a:p>
+          <a:p>
+            <a:pPr marL="0" lvl="0" indent="0" fontAlgn="base">
+              <a:spcBef>
+                <a:spcPts val="600"/>
+              </a:spcBef>
+              <a:spcAft>
+                <a:spcPts val="600"/>
+              </a:spcAft>
+              <a:buNone/>
+            </a:pPr>
+            <a:endParaRPr lang="en-GB" sz="2400" dirty="0"/>
+          </a:p>
+        </p:txBody>
+      </p:sp>
+    </p:spTree>
+    <p:extLst>
+      <p:ext uri="{BB962C8B-B14F-4D97-AF65-F5344CB8AC3E}">
+        <p14:creationId xmlns:p14="http://schemas.microsoft.com/office/powerpoint/2010/main" val="634929309"/>
+      </p:ext>
+    </p:extLst>
+  </p:cSld>
+  <p:clrMapOvr>
+    <a:masterClrMapping/>
+  </p:clrMapOvr>
+  <mc:AlternateContent xmlns:mc="http://schemas.openxmlformats.org/markup-compatibility/2006" xmlns:p14="http://schemas.microsoft.com/office/powerpoint/2010/main">
+    <mc:Choice Requires="p14">
+      <p:transition p14:dur="10"/>
+    </mc:Choice>
+    <mc:Fallback xmlns="">
+      <p:transition/>
+    </mc:Fallback>
+  </mc:AlternateContent>
+</p:sld>
+</file>
+
+<file path=ppt/slides/slide40.xml><?xml version="1.0" encoding="utf-8"?>
 <p:sld xmlns:a="http://schemas.openxmlformats.org/drawingml/2006/main" xmlns:r="http://schemas.openxmlformats.org/officeDocument/2006/relationships" xmlns:p="http://schemas.openxmlformats.org/presentationml/2006/main">
   <p:cSld>
     <p:spTree>
@@ -22275,7 +21972,7 @@
 </p:sld>
 </file>
 
-<file path=ppt/slides/slide42.xml><?xml version="1.0" encoding="utf-8"?>
+<file path=ppt/slides/slide41.xml><?xml version="1.0" encoding="utf-8"?>
 <p:sld xmlns:a="http://schemas.openxmlformats.org/drawingml/2006/main" xmlns:r="http://schemas.openxmlformats.org/officeDocument/2006/relationships" xmlns:p="http://schemas.openxmlformats.org/presentationml/2006/main">
   <p:cSld>
     <p:spTree>
@@ -22425,7 +22122,7 @@
 </p:sld>
 </file>
 
-<file path=ppt/slides/slide43.xml><?xml version="1.0" encoding="utf-8"?>
+<file path=ppt/slides/slide42.xml><?xml version="1.0" encoding="utf-8"?>
 <p:sld xmlns:a="http://schemas.openxmlformats.org/drawingml/2006/main" xmlns:r="http://schemas.openxmlformats.org/officeDocument/2006/relationships" xmlns:p="http://schemas.openxmlformats.org/presentationml/2006/main">
   <p:cSld>
     <p:spTree>

--- a/Writing Theses in Latex Slides.pptx
+++ b/Writing Theses in Latex Slides.pptx
@@ -12,7 +12,7 @@
   </p:handoutMasterIdLst>
   <p:sldIdLst>
     <p:sldId id="264" r:id="rId2"/>
-    <p:sldId id="504" r:id="rId3"/>
+    <p:sldId id="506" r:id="rId3"/>
     <p:sldId id="267" r:id="rId4"/>
     <p:sldId id="505" r:id="rId5"/>
     <p:sldId id="292" r:id="rId6"/>
@@ -157,7 +157,7 @@
         <p14:section name="Introduction" id="{45EEEAF5-8C61-4410-A3AB-B2CD0B57ECF0}">
           <p14:sldIdLst>
             <p14:sldId id="264"/>
-            <p14:sldId id="504"/>
+            <p14:sldId id="506"/>
             <p14:sldId id="267"/>
             <p14:sldId id="505"/>
             <p14:sldId id="292"/>
@@ -221,6 +221,14 @@
     </p:ext>
   </p:extLst>
 </p:presentation>
+</file>
+
+<file path=ppt/revisionInfo.xml><?xml version="1.0" encoding="utf-8"?>
+<p1510:revInfo xmlns:a="http://schemas.openxmlformats.org/drawingml/2006/main" xmlns:r="http://schemas.openxmlformats.org/officeDocument/2006/relationships" xmlns:p1510="http://schemas.microsoft.com/office/powerpoint/2015/10/main">
+  <p1510:revLst>
+    <p1510:client id="{8EEA7D31-BF10-473A-B479-846DAC03367E}" v="1" dt="2023-02-24T16:46:31.923"/>
+  </p1510:revLst>
+</p1510:revInfo>
 </file>
 
 <file path=ppt/changesInfos/changesInfo1.xml><?xml version="1.0" encoding="utf-8"?>
@@ -558,6 +566,29 @@
     </pc:docChg>
   </pc:docChgLst>
   <pc:docChgLst>
+    <pc:chgData name="Cooling, Chris" userId="6dcf99c9-2ba5-410a-8445-0893a3d1421f" providerId="ADAL" clId="{8EEA7D31-BF10-473A-B479-846DAC03367E}"/>
+    <pc:docChg chg="addSld delSld modSld modSection">
+      <pc:chgData name="Cooling, Chris" userId="6dcf99c9-2ba5-410a-8445-0893a3d1421f" providerId="ADAL" clId="{8EEA7D31-BF10-473A-B479-846DAC03367E}" dt="2023-02-24T16:46:33.970" v="1" actId="47"/>
+      <pc:docMkLst>
+        <pc:docMk/>
+      </pc:docMkLst>
+      <pc:sldChg chg="del">
+        <pc:chgData name="Cooling, Chris" userId="6dcf99c9-2ba5-410a-8445-0893a3d1421f" providerId="ADAL" clId="{8EEA7D31-BF10-473A-B479-846DAC03367E}" dt="2023-02-24T16:46:33.970" v="1" actId="47"/>
+        <pc:sldMkLst>
+          <pc:docMk/>
+          <pc:sldMk cId="3686223621" sldId="504"/>
+        </pc:sldMkLst>
+      </pc:sldChg>
+      <pc:sldChg chg="add">
+        <pc:chgData name="Cooling, Chris" userId="6dcf99c9-2ba5-410a-8445-0893a3d1421f" providerId="ADAL" clId="{8EEA7D31-BF10-473A-B479-846DAC03367E}" dt="2023-02-24T16:46:31.920" v="0"/>
+        <pc:sldMkLst>
+          <pc:docMk/>
+          <pc:sldMk cId="1073396984" sldId="506"/>
+        </pc:sldMkLst>
+      </pc:sldChg>
+    </pc:docChg>
+  </pc:docChgLst>
+  <pc:docChgLst>
     <pc:chgData name="Cooling, Chris" userId="6dcf99c9-2ba5-410a-8445-0893a3d1421f" providerId="ADAL" clId="{D52F182F-B813-44B7-BB4E-94DC4ED4A244}"/>
     <pc:docChg chg="modSld">
       <pc:chgData name="Cooling, Chris" userId="6dcf99c9-2ba5-410a-8445-0893a3d1421f" providerId="ADAL" clId="{D52F182F-B813-44B7-BB4E-94DC4ED4A244}" dt="2022-11-08T16:06:42.842" v="0" actId="207"/>
@@ -833,7 +864,7 @@
           <a:p>
             <a:fld id="{88EB714B-C3CC-4216-88C1-02913905B1CF}" type="datetimeFigureOut">
               <a:rPr lang="en-GB" smtClean="0"/>
-              <a:t>08/12/2022</a:t>
+              <a:t>24/02/2023</a:t>
             </a:fld>
             <a:endParaRPr lang="en-GB"/>
           </a:p>
@@ -1422,17 +1453,25 @@
           <a:p>
             <a:r>
               <a:rPr lang="en-GB" dirty="0"/>
-              <a:t>Footnotes aren’t required in a thesis, although you might find them useful. We’re about to need them for another section so I’ll introduce them now.  A footnote is inserted simply through the use of the footnote command, with the contents of the footnote contained in curly brackets.</a:t>
-            </a:r>
-            <a:br>
-              <a:rPr lang="en-GB" dirty="0"/>
-            </a:br>
-            <a:br>
-              <a:rPr lang="en-GB" dirty="0"/>
-            </a:br>
-            <a:r>
-              <a:rPr lang="en-GB" dirty="0"/>
-              <a:t>Overleaf example: https://www.overleaf.com/read/hsbthzhsdyzc</a:t>
+              <a:t>By using the geometry package we’re able to use the geometry command later in the preamble. We may provide a number of arguments to set up the page in different ways. Here, we simply say we want the margin to be 2cm on left, right, top and bottom. The package is capable of much more, including setting margins individually.</a:t>
+            </a:r>
+          </a:p>
+          <a:p>
+            <a:endParaRPr lang="en-GB" dirty="0"/>
+          </a:p>
+          <a:p>
+            <a:r>
+              <a:rPr lang="en-GB" dirty="0"/>
+              <a:t>Overleaf example: https://www.overleaf.com/read/knnndjjmthjv</a:t>
+            </a:r>
+          </a:p>
+          <a:p>
+            <a:endParaRPr lang="en-GB" dirty="0"/>
+          </a:p>
+          <a:p>
+            <a:r>
+              <a:rPr lang="en-GB" dirty="0"/>
+              <a:t>Break for section 1 of Task Sheet.</a:t>
             </a:r>
           </a:p>
         </p:txBody>
@@ -1454,7 +1493,7 @@
           <a:p>
             <a:fld id="{6A641EC8-C9F8-4A58-A1A7-F7D817526EEC}" type="slidenum">
               <a:rPr lang="en-GB" smtClean="0"/>
-              <a:t>11</a:t>
+              <a:t>10</a:t>
             </a:fld>
             <a:endParaRPr lang="en-GB"/>
           </a:p>
@@ -1463,7 +1502,7 @@
     </p:spTree>
     <p:extLst>
       <p:ext uri="{BB962C8B-B14F-4D97-AF65-F5344CB8AC3E}">
-        <p14:creationId xmlns:p14="http://schemas.microsoft.com/office/powerpoint/2010/main" val="3413433889"/>
+        <p14:creationId xmlns:p14="http://schemas.microsoft.com/office/powerpoint/2010/main" val="2298691044"/>
       </p:ext>
     </p:extLst>
   </p:cSld>
@@ -1519,48 +1558,7 @@
           <a:p>
             <a:r>
               <a:rPr lang="en-GB" dirty="0"/>
-              <a:t>Text is required to be 1.5 times or </a:t>
-            </a:r>
-            <a:r>
-              <a:rPr lang="en-GB" dirty="0" err="1"/>
-              <a:t>doublespaced</a:t>
-            </a:r>
-            <a:r>
-              <a:rPr lang="en-GB" dirty="0"/>
-              <a:t>, primarily to allow the examiners to annotate as they desire. The exceptions made for this are for indented quotations and footnotes.</a:t>
-            </a:r>
-          </a:p>
-          <a:p>
-            <a:endParaRPr lang="en-GB" dirty="0"/>
-          </a:p>
-          <a:p>
-            <a:r>
-              <a:rPr lang="en-GB" dirty="0"/>
-              <a:t>This can be achieved using the </a:t>
-            </a:r>
-            <a:r>
-              <a:rPr lang="en-GB" dirty="0" err="1"/>
-              <a:t>setspace</a:t>
-            </a:r>
-            <a:r>
-              <a:rPr lang="en-GB" dirty="0"/>
-              <a:t> package and the “\</a:t>
-            </a:r>
-            <a:r>
-              <a:rPr lang="en-GB" dirty="0" err="1"/>
-              <a:t>doublescpaing</a:t>
-            </a:r>
-            <a:r>
-              <a:rPr lang="en-GB" dirty="0"/>
-              <a:t>” or “\</a:t>
-            </a:r>
-            <a:r>
-              <a:rPr lang="en-GB" dirty="0" err="1"/>
-              <a:t>onehalfspacing</a:t>
-            </a:r>
-            <a:r>
-              <a:rPr lang="en-GB" dirty="0"/>
-              <a:t>” commands (with those all commands going in the preamble). This package will set the spacing everywhere but captions and footnotes. This is sufficient for most applications, but it doesn’t technically fulfil the requirement that only footnotes and quotes may be single-spaced.</a:t>
+              <a:t>Footnotes aren’t required in a thesis, although you might find them useful. We’re about to need them for another section so I’ll introduce them now.  A footnote is inserted simply through the use of the footnote command, with the contents of the footnote contained in curly brackets.</a:t>
             </a:r>
             <a:br>
               <a:rPr lang="en-GB" dirty="0"/>
@@ -1570,41 +1568,7 @@
             </a:br>
             <a:r>
               <a:rPr lang="en-GB" dirty="0"/>
-              <a:t>Another option is to use the “\</a:t>
-            </a:r>
-            <a:r>
-              <a:rPr lang="en-GB" dirty="0" err="1"/>
-              <a:t>linespread</a:t>
-            </a:r>
-            <a:r>
-              <a:rPr lang="en-GB" dirty="0"/>
-              <a:t> command where the argument in curly brackets gives the amount the normal spacing is to be multiplied by (so try using 1.5 or 2). This takes effect literally everywhere and so will definitely fulfil the thesis requirements. Again, this command is placed in the preamble.</a:t>
-            </a:r>
-            <a:br>
-              <a:rPr lang="en-GB" dirty="0"/>
-            </a:br>
-            <a:br>
-              <a:rPr lang="en-GB" dirty="0"/>
-            </a:br>
-            <a:r>
-              <a:rPr lang="en-GB" dirty="0"/>
-              <a:t>The </a:t>
-            </a:r>
-            <a:r>
-              <a:rPr lang="en-GB" dirty="0" err="1"/>
-              <a:t>setspace</a:t>
-            </a:r>
-            <a:r>
-              <a:rPr lang="en-GB" dirty="0"/>
-              <a:t> package also introduces the </a:t>
-            </a:r>
-            <a:r>
-              <a:rPr lang="en-GB" dirty="0" err="1"/>
-              <a:t>singelspace</a:t>
-            </a:r>
-            <a:r>
-              <a:rPr lang="en-GB" dirty="0"/>
-              <a:t> environment which allows text in a selected part of the main document to be forced to be single-line spaced. This can be used for footnotes and quotations as required.</a:t>
+              <a:t>Overleaf example: https://www.overleaf.com/read/hsbthzhsdyzc</a:t>
             </a:r>
           </a:p>
         </p:txBody>
@@ -1626,7 +1590,7 @@
           <a:p>
             <a:fld id="{6A641EC8-C9F8-4A58-A1A7-F7D817526EEC}" type="slidenum">
               <a:rPr lang="en-GB" smtClean="0"/>
-              <a:t>12</a:t>
+              <a:t>11</a:t>
             </a:fld>
             <a:endParaRPr lang="en-GB"/>
           </a:p>
@@ -1635,7 +1599,7 @@
     </p:spTree>
     <p:extLst>
       <p:ext uri="{BB962C8B-B14F-4D97-AF65-F5344CB8AC3E}">
-        <p14:creationId xmlns:p14="http://schemas.microsoft.com/office/powerpoint/2010/main" val="2188458799"/>
+        <p14:creationId xmlns:p14="http://schemas.microsoft.com/office/powerpoint/2010/main" val="3413433889"/>
       </p:ext>
     </p:extLst>
   </p:cSld>
@@ -1691,7 +1655,24 @@
           <a:p>
             <a:r>
               <a:rPr lang="en-GB" dirty="0"/>
-              <a:t>In this example, we use the </a:t>
+              <a:t>Text is required to be 1.5 times or </a:t>
+            </a:r>
+            <a:r>
+              <a:rPr lang="en-GB" dirty="0" err="1"/>
+              <a:t>doublespaced</a:t>
+            </a:r>
+            <a:r>
+              <a:rPr lang="en-GB" dirty="0"/>
+              <a:t>, primarily to allow the examiners to annotate as they desire. The exceptions made for this are for indented quotations and footnotes.</a:t>
+            </a:r>
+          </a:p>
+          <a:p>
+            <a:endParaRPr lang="en-GB" dirty="0"/>
+          </a:p>
+          <a:p>
+            <a:r>
+              <a:rPr lang="en-GB" dirty="0"/>
+              <a:t>This can be achieved using the </a:t>
             </a:r>
             <a:r>
               <a:rPr lang="en-GB" dirty="0" err="1"/>
@@ -1699,7 +1680,33 @@
             </a:r>
             <a:r>
               <a:rPr lang="en-GB" dirty="0"/>
-              <a:t> package and set the line-spacing to double-spaced using the </a:t>
+              <a:t> package and the “\</a:t>
+            </a:r>
+            <a:r>
+              <a:rPr lang="en-GB" dirty="0" err="1"/>
+              <a:t>doublescpaing</a:t>
+            </a:r>
+            <a:r>
+              <a:rPr lang="en-GB" dirty="0"/>
+              <a:t>” or “\</a:t>
+            </a:r>
+            <a:r>
+              <a:rPr lang="en-GB" dirty="0" err="1"/>
+              <a:t>onehalfspacing</a:t>
+            </a:r>
+            <a:r>
+              <a:rPr lang="en-GB" dirty="0"/>
+              <a:t>” commands (with those all commands going in the preamble). This package will set the spacing everywhere but captions and footnotes. This is sufficient for most applications, but it doesn’t technically fulfil the requirement that only footnotes and quotes may be single-spaced.</a:t>
+            </a:r>
+            <a:br>
+              <a:rPr lang="en-GB" dirty="0"/>
+            </a:br>
+            <a:br>
+              <a:rPr lang="en-GB" dirty="0"/>
+            </a:br>
+            <a:r>
+              <a:rPr lang="en-GB" dirty="0"/>
+              <a:t>Another option is to use the “\</a:t>
             </a:r>
             <a:r>
               <a:rPr lang="en-GB" dirty="0" err="1"/>
@@ -1707,57 +1714,33 @@
             </a:r>
             <a:r>
               <a:rPr lang="en-GB" dirty="0"/>
-              <a:t> command. In the main section of the document, the first </a:t>
+              <a:t> command where the argument in curly brackets gives the amount the normal spacing is to be multiplied by (so try using 1.5 or 2). This takes effect literally everywhere and so will definitely fulfil the thesis requirements. Again, this command is placed in the preamble.</a:t>
+            </a:r>
+            <a:br>
+              <a:rPr lang="en-GB" dirty="0"/>
+            </a:br>
+            <a:br>
+              <a:rPr lang="en-GB" dirty="0"/>
+            </a:br>
+            <a:r>
+              <a:rPr lang="en-GB" dirty="0"/>
+              <a:t>The </a:t>
             </a:r>
             <a:r>
               <a:rPr lang="en-GB" dirty="0" err="1"/>
-              <a:t>blindtext</a:t>
-            </a:r>
-            <a:r>
-              <a:rPr lang="en-GB" dirty="0"/>
-              <a:t> command produces double-spaced text. The second </a:t>
+              <a:t>setspace</a:t>
+            </a:r>
+            <a:r>
+              <a:rPr lang="en-GB" dirty="0"/>
+              <a:t> package also introduces the </a:t>
             </a:r>
             <a:r>
               <a:rPr lang="en-GB" dirty="0" err="1"/>
-              <a:t>blindtext</a:t>
-            </a:r>
-            <a:r>
-              <a:rPr lang="en-GB" dirty="0"/>
-              <a:t> command is within a footnote and so is single-spaced at the bottom of the page. The third </a:t>
-            </a:r>
-            <a:r>
-              <a:rPr lang="en-GB" dirty="0" err="1"/>
-              <a:t>blindtext</a:t>
-            </a:r>
-            <a:r>
-              <a:rPr lang="en-GB" dirty="0"/>
-              <a:t> command is within the </a:t>
-            </a:r>
-            <a:r>
-              <a:rPr lang="en-GB" dirty="0" err="1"/>
-              <a:t>singlespace</a:t>
-            </a:r>
-            <a:r>
-              <a:rPr lang="en-GB" dirty="0"/>
-              <a:t> environment and so is single-spaced.</a:t>
-            </a:r>
-          </a:p>
-          <a:p>
-            <a:endParaRPr lang="en-GB" dirty="0"/>
-          </a:p>
-          <a:p>
-            <a:r>
-              <a:rPr lang="en-GB" dirty="0"/>
-              <a:t>Overleaf example: https://www.overleaf.com/read/pkqxrrwjpnxt</a:t>
-            </a:r>
-          </a:p>
-          <a:p>
-            <a:endParaRPr lang="en-GB" dirty="0"/>
-          </a:p>
-          <a:p>
-            <a:r>
-              <a:rPr lang="en-GB" dirty="0"/>
-              <a:t>Break for section 2 of Task Sheet.</a:t>
+              <a:t>singelspace</a:t>
+            </a:r>
+            <a:r>
+              <a:rPr lang="en-GB" dirty="0"/>
+              <a:t> environment which allows text in a selected part of the main document to be forced to be single-line spaced. This can be used for footnotes and quotations as required.</a:t>
             </a:r>
           </a:p>
         </p:txBody>
@@ -1779,7 +1762,7 @@
           <a:p>
             <a:fld id="{6A641EC8-C9F8-4A58-A1A7-F7D817526EEC}" type="slidenum">
               <a:rPr lang="en-GB" smtClean="0"/>
-              <a:t>13</a:t>
+              <a:t>12</a:t>
             </a:fld>
             <a:endParaRPr lang="en-GB"/>
           </a:p>
@@ -1788,7 +1771,7 @@
     </p:spTree>
     <p:extLst>
       <p:ext uri="{BB962C8B-B14F-4D97-AF65-F5344CB8AC3E}">
-        <p14:creationId xmlns:p14="http://schemas.microsoft.com/office/powerpoint/2010/main" val="1977751917"/>
+        <p14:creationId xmlns:p14="http://schemas.microsoft.com/office/powerpoint/2010/main" val="2188458799"/>
       </p:ext>
     </p:extLst>
   </p:cSld>
@@ -1844,7 +1827,55 @@
           <a:p>
             <a:r>
               <a:rPr lang="en-GB" dirty="0"/>
-              <a:t>Due to branding reasons, use of the Imperial crest is not allowed outside a limited range of uses and is not allowed on your thesis cover. However, you are allowed to use the Imperial College logo if you wish.</a:t>
+              <a:t>In this example, we use the </a:t>
+            </a:r>
+            <a:r>
+              <a:rPr lang="en-GB" dirty="0" err="1"/>
+              <a:t>setspace</a:t>
+            </a:r>
+            <a:r>
+              <a:rPr lang="en-GB" dirty="0"/>
+              <a:t> package and set the line-spacing to double-spaced using the </a:t>
+            </a:r>
+            <a:r>
+              <a:rPr lang="en-GB" dirty="0" err="1"/>
+              <a:t>linespread</a:t>
+            </a:r>
+            <a:r>
+              <a:rPr lang="en-GB" dirty="0"/>
+              <a:t> command. In the main section of the document, the first </a:t>
+            </a:r>
+            <a:r>
+              <a:rPr lang="en-GB" dirty="0" err="1"/>
+              <a:t>blindtext</a:t>
+            </a:r>
+            <a:r>
+              <a:rPr lang="en-GB" dirty="0"/>
+              <a:t> command produces double-spaced text. The second </a:t>
+            </a:r>
+            <a:r>
+              <a:rPr lang="en-GB" dirty="0" err="1"/>
+              <a:t>blindtext</a:t>
+            </a:r>
+            <a:r>
+              <a:rPr lang="en-GB" dirty="0"/>
+              <a:t> command is within a footnote and so is single-spaced at the bottom of the page. The third </a:t>
+            </a:r>
+            <a:r>
+              <a:rPr lang="en-GB" dirty="0" err="1"/>
+              <a:t>blindtext</a:t>
+            </a:r>
+            <a:r>
+              <a:rPr lang="en-GB" dirty="0"/>
+              <a:t> command is within the </a:t>
+            </a:r>
+            <a:r>
+              <a:rPr lang="en-GB" dirty="0" err="1"/>
+              <a:t>singlespace</a:t>
+            </a:r>
+            <a:r>
+              <a:rPr lang="en-GB" dirty="0"/>
+              <a:t> environment and so is single-spaced.</a:t>
             </a:r>
           </a:p>
           <a:p>
@@ -1853,7 +1884,16 @@
           <a:p>
             <a:r>
               <a:rPr lang="en-GB" dirty="0"/>
-              <a:t>Your thesis cover must contain the officially approved title of your thesis, your full name, the name “Imperial College” and the name of your department and the name of the degree you are submitting your thesis for. Your title page must also contain a page number. This causes a problem if you would normally use the “titlepage” construct in LaTeX as this specifically removes the page number from the page. There are a couple of ways around this. On the next slide, you will see the one of the simplest ones.</a:t>
+              <a:t>Overleaf example: https://www.overleaf.com/read/pkqxrrwjpnxt</a:t>
+            </a:r>
+          </a:p>
+          <a:p>
+            <a:endParaRPr lang="en-GB" dirty="0"/>
+          </a:p>
+          <a:p>
+            <a:r>
+              <a:rPr lang="en-GB" dirty="0"/>
+              <a:t>Break for section 2 of Task Sheet.</a:t>
             </a:r>
           </a:p>
         </p:txBody>
@@ -1875,7 +1915,7 @@
           <a:p>
             <a:fld id="{6A641EC8-C9F8-4A58-A1A7-F7D817526EEC}" type="slidenum">
               <a:rPr lang="en-GB" smtClean="0"/>
-              <a:t>14</a:t>
+              <a:t>13</a:t>
             </a:fld>
             <a:endParaRPr lang="en-GB"/>
           </a:p>
@@ -1884,7 +1924,7 @@
     </p:spTree>
     <p:extLst>
       <p:ext uri="{BB962C8B-B14F-4D97-AF65-F5344CB8AC3E}">
-        <p14:creationId xmlns:p14="http://schemas.microsoft.com/office/powerpoint/2010/main" val="140205329"/>
+        <p14:creationId xmlns:p14="http://schemas.microsoft.com/office/powerpoint/2010/main" val="1977751917"/>
       </p:ext>
     </p:extLst>
   </p:cSld>
@@ -1940,15 +1980,7 @@
           <a:p>
             <a:r>
               <a:rPr lang="en-GB" dirty="0"/>
-              <a:t>Here we’ve used some features of LaTeX you probably know and some that might be new to you to create a title page. This is on a normal page which is ended with the “\</a:t>
-            </a:r>
-            <a:r>
-              <a:rPr lang="en-GB" dirty="0" err="1"/>
-              <a:t>clearpage</a:t>
-            </a:r>
-            <a:r>
-              <a:rPr lang="en-GB" dirty="0"/>
-              <a:t>” command.</a:t>
+              <a:t>Due to branding reasons, use of the Imperial crest is not allowed outside a limited range of uses and is not allowed on your thesis cover. However, you are allowed to use the Imperial College logo if you wish.</a:t>
             </a:r>
           </a:p>
           <a:p>
@@ -1957,109 +1989,7 @@
           <a:p>
             <a:r>
               <a:rPr lang="en-GB" dirty="0"/>
-              <a:t>The include graphics command allows us to include the Imperial College logo. Remember you will need to upload this to Overleaf or, if you’re using a compiler on your machine, place a corresponding image file in the same directory as your </a:t>
-            </a:r>
-            <a:r>
-              <a:rPr lang="en-GB" dirty="0" err="1"/>
-              <a:t>tex</a:t>
-            </a:r>
-            <a:r>
-              <a:rPr lang="en-GB" dirty="0"/>
-              <a:t> file.</a:t>
-            </a:r>
-          </a:p>
-          <a:p>
-            <a:endParaRPr lang="en-GB" dirty="0"/>
-          </a:p>
-          <a:p>
-            <a:r>
-              <a:rPr lang="en-GB" dirty="0"/>
-              <a:t>The “\</a:t>
-            </a:r>
-            <a:r>
-              <a:rPr lang="en-GB" dirty="0" err="1"/>
-              <a:t>vfill</a:t>
-            </a:r>
-            <a:r>
-              <a:rPr lang="en-GB" dirty="0"/>
-              <a:t>” commands at the beginning and end of the page equally split any remaining vertical space after the rest of the page has been typeset. The “</a:t>
-            </a:r>
-            <a:r>
-              <a:rPr lang="en-GB" dirty="0" err="1"/>
-              <a:t>center</a:t>
-            </a:r>
-            <a:r>
-              <a:rPr lang="en-GB" dirty="0"/>
-              <a:t>” environment allows us to centre the remaining content on the page. The “huge” command allows us to make the title bigger for emphasis. The “\rule” command inserts a horizontal line. We specify its length in the first set of curly brackets and the width of the line in the second curly brackets. Note that we’re able to use “</a:t>
-            </a:r>
-            <a:r>
-              <a:rPr lang="en-GB" dirty="0" err="1"/>
-              <a:t>pt</a:t>
-            </a:r>
-            <a:r>
-              <a:rPr lang="en-GB" dirty="0"/>
-              <a:t>” as a unit, which measures the width of the line in the same units as the size of text.</a:t>
-            </a:r>
-          </a:p>
-          <a:p>
-            <a:endParaRPr lang="en-GB" dirty="0"/>
-          </a:p>
-          <a:p>
-            <a:r>
-              <a:rPr lang="en-GB" dirty="0"/>
-              <a:t>The “\</a:t>
-            </a:r>
-            <a:r>
-              <a:rPr lang="en-GB" dirty="0" err="1"/>
-              <a:t>vspace</a:t>
-            </a:r>
-            <a:r>
-              <a:rPr lang="en-GB" dirty="0"/>
-              <a:t>” command allows us to insert a specified distance of blank vertical space. The double slashes in the text force LaTeX to use a line-break. This can be useful for breaking up long strings of text that might otherwise span the whole page and look unattractive. Finally, we use the “\</a:t>
-            </a:r>
-            <a:r>
-              <a:rPr lang="en-GB" dirty="0" err="1"/>
-              <a:t>clearpage</a:t>
-            </a:r>
-            <a:r>
-              <a:rPr lang="en-GB" dirty="0"/>
-              <a:t>” command to start a new page. </a:t>
-            </a:r>
-          </a:p>
-          <a:p>
-            <a:endParaRPr lang="en-GB" dirty="0"/>
-          </a:p>
-          <a:p>
-            <a:r>
-              <a:rPr lang="en-GB" dirty="0"/>
-              <a:t>We’ve chosen not to use the </a:t>
-            </a:r>
-            <a:r>
-              <a:rPr lang="en-GB" dirty="0" err="1"/>
-              <a:t>titlepage</a:t>
-            </a:r>
-            <a:r>
-              <a:rPr lang="en-GB" dirty="0"/>
-              <a:t> environment here as this environment excludes does not allow page numbers to appear and, as you may recall, we are specifically required to have a page number on the title page.</a:t>
-            </a:r>
-            <a:br>
-              <a:rPr lang="en-GB" dirty="0"/>
-            </a:br>
-            <a:br>
-              <a:rPr lang="en-GB" dirty="0"/>
-            </a:br>
-            <a:r>
-              <a:rPr lang="en-GB" dirty="0"/>
-              <a:t>Overleaf example: https://www.overleaf.com/read/pxpnjjjztrkh</a:t>
-            </a:r>
-          </a:p>
-          <a:p>
-            <a:endParaRPr lang="en-GB" dirty="0"/>
-          </a:p>
-          <a:p>
-            <a:r>
-              <a:rPr lang="en-GB" dirty="0"/>
-              <a:t>Break for section 3 of Task Sheet.</a:t>
+              <a:t>Your thesis cover must contain the officially approved title of your thesis, your full name, the name “Imperial College” and the name of your department and the name of the degree you are submitting your thesis for. Your title page must also contain a page number. This causes a problem if you would normally use the “titlepage” construct in LaTeX as this specifically removes the page number from the page. There are a couple of ways around this. On the next slide, you will see the one of the simplest ones.</a:t>
             </a:r>
           </a:p>
         </p:txBody>
@@ -2081,7 +2011,7 @@
           <a:p>
             <a:fld id="{6A641EC8-C9F8-4A58-A1A7-F7D817526EEC}" type="slidenum">
               <a:rPr lang="en-GB" smtClean="0"/>
-              <a:t>15</a:t>
+              <a:t>14</a:t>
             </a:fld>
             <a:endParaRPr lang="en-GB"/>
           </a:p>
@@ -2090,7 +2020,7 @@
     </p:spTree>
     <p:extLst>
       <p:ext uri="{BB962C8B-B14F-4D97-AF65-F5344CB8AC3E}">
-        <p14:creationId xmlns:p14="http://schemas.microsoft.com/office/powerpoint/2010/main" val="828757551"/>
+        <p14:creationId xmlns:p14="http://schemas.microsoft.com/office/powerpoint/2010/main" val="140205329"/>
       </p:ext>
     </p:extLst>
   </p:cSld>
@@ -2144,7 +2074,129 @@
           <a:bodyPr/>
           <a:lstStyle/>
           <a:p>
+            <a:r>
+              <a:rPr lang="en-GB" dirty="0"/>
+              <a:t>Here we’ve used some features of LaTeX you probably know and some that might be new to you to create a title page. This is on a normal page which is ended with the “\</a:t>
+            </a:r>
+            <a:r>
+              <a:rPr lang="en-GB" dirty="0" err="1"/>
+              <a:t>clearpage</a:t>
+            </a:r>
+            <a:r>
+              <a:rPr lang="en-GB" dirty="0"/>
+              <a:t>” command.</a:t>
+            </a:r>
+          </a:p>
+          <a:p>
             <a:endParaRPr lang="en-GB" dirty="0"/>
+          </a:p>
+          <a:p>
+            <a:r>
+              <a:rPr lang="en-GB" dirty="0"/>
+              <a:t>The include graphics command allows us to include the Imperial College logo. Remember you will need to upload this to Overleaf or, if you’re using a compiler on your machine, place a corresponding image file in the same directory as your </a:t>
+            </a:r>
+            <a:r>
+              <a:rPr lang="en-GB" dirty="0" err="1"/>
+              <a:t>tex</a:t>
+            </a:r>
+            <a:r>
+              <a:rPr lang="en-GB" dirty="0"/>
+              <a:t> file.</a:t>
+            </a:r>
+          </a:p>
+          <a:p>
+            <a:endParaRPr lang="en-GB" dirty="0"/>
+          </a:p>
+          <a:p>
+            <a:r>
+              <a:rPr lang="en-GB" dirty="0"/>
+              <a:t>The “\</a:t>
+            </a:r>
+            <a:r>
+              <a:rPr lang="en-GB" dirty="0" err="1"/>
+              <a:t>vfill</a:t>
+            </a:r>
+            <a:r>
+              <a:rPr lang="en-GB" dirty="0"/>
+              <a:t>” commands at the beginning and end of the page equally split any remaining vertical space after the rest of the page has been typeset. The “</a:t>
+            </a:r>
+            <a:r>
+              <a:rPr lang="en-GB" dirty="0" err="1"/>
+              <a:t>center</a:t>
+            </a:r>
+            <a:r>
+              <a:rPr lang="en-GB" dirty="0"/>
+              <a:t>” environment allows us to centre the remaining content on the page. The “huge” command allows us to make the title bigger for emphasis. The “\rule” command inserts a horizontal line. We specify its length in the first set of curly brackets and the width of the line in the second curly brackets. Note that we’re able to use “</a:t>
+            </a:r>
+            <a:r>
+              <a:rPr lang="en-GB" dirty="0" err="1"/>
+              <a:t>pt</a:t>
+            </a:r>
+            <a:r>
+              <a:rPr lang="en-GB" dirty="0"/>
+              <a:t>” as a unit, which measures the width of the line in the same units as the size of text.</a:t>
+            </a:r>
+          </a:p>
+          <a:p>
+            <a:endParaRPr lang="en-GB" dirty="0"/>
+          </a:p>
+          <a:p>
+            <a:r>
+              <a:rPr lang="en-GB" dirty="0"/>
+              <a:t>The “\</a:t>
+            </a:r>
+            <a:r>
+              <a:rPr lang="en-GB" dirty="0" err="1"/>
+              <a:t>vspace</a:t>
+            </a:r>
+            <a:r>
+              <a:rPr lang="en-GB" dirty="0"/>
+              <a:t>” command allows us to insert a specified distance of blank vertical space. The double slashes in the text force LaTeX to use a line-break. This can be useful for breaking up long strings of text that might otherwise span the whole page and look unattractive. Finally, we use the “\</a:t>
+            </a:r>
+            <a:r>
+              <a:rPr lang="en-GB" dirty="0" err="1"/>
+              <a:t>clearpage</a:t>
+            </a:r>
+            <a:r>
+              <a:rPr lang="en-GB" dirty="0"/>
+              <a:t>” command to start a new page. </a:t>
+            </a:r>
+          </a:p>
+          <a:p>
+            <a:endParaRPr lang="en-GB" dirty="0"/>
+          </a:p>
+          <a:p>
+            <a:r>
+              <a:rPr lang="en-GB" dirty="0"/>
+              <a:t>We’ve chosen not to use the </a:t>
+            </a:r>
+            <a:r>
+              <a:rPr lang="en-GB" dirty="0" err="1"/>
+              <a:t>titlepage</a:t>
+            </a:r>
+            <a:r>
+              <a:rPr lang="en-GB" dirty="0"/>
+              <a:t> environment here as this environment excludes does not allow page numbers to appear and, as you may recall, we are specifically required to have a page number on the title page.</a:t>
+            </a:r>
+            <a:br>
+              <a:rPr lang="en-GB" dirty="0"/>
+            </a:br>
+            <a:br>
+              <a:rPr lang="en-GB" dirty="0"/>
+            </a:br>
+            <a:r>
+              <a:rPr lang="en-GB" dirty="0"/>
+              <a:t>Overleaf example: https://www.overleaf.com/read/pxpnjjjztrkh</a:t>
+            </a:r>
+          </a:p>
+          <a:p>
+            <a:endParaRPr lang="en-GB" dirty="0"/>
+          </a:p>
+          <a:p>
+            <a:r>
+              <a:rPr lang="en-GB" dirty="0"/>
+              <a:t>Break for section 3 of Task Sheet.</a:t>
+            </a:r>
           </a:p>
         </p:txBody>
       </p:sp>
@@ -2165,7 +2217,7 @@
           <a:p>
             <a:fld id="{6A641EC8-C9F8-4A58-A1A7-F7D817526EEC}" type="slidenum">
               <a:rPr lang="en-GB" smtClean="0"/>
-              <a:t>16</a:t>
+              <a:t>15</a:t>
             </a:fld>
             <a:endParaRPr lang="en-GB"/>
           </a:p>
@@ -2174,7 +2226,7 @@
     </p:spTree>
     <p:extLst>
       <p:ext uri="{BB962C8B-B14F-4D97-AF65-F5344CB8AC3E}">
-        <p14:creationId xmlns:p14="http://schemas.microsoft.com/office/powerpoint/2010/main" val="2825737762"/>
+        <p14:creationId xmlns:p14="http://schemas.microsoft.com/office/powerpoint/2010/main" val="828757551"/>
       </p:ext>
     </p:extLst>
   </p:cSld>
@@ -2228,10 +2280,7 @@
           <a:bodyPr/>
           <a:lstStyle/>
           <a:p>
-            <a:r>
-              <a:rPr lang="en-GB" dirty="0"/>
-              <a:t>Many things are required to be “at the beginning of your thesis” in the checklist. I’ve laid them out here in what I think is a sensible order.</a:t>
-            </a:r>
+            <a:endParaRPr lang="en-GB" dirty="0"/>
           </a:p>
         </p:txBody>
       </p:sp>
@@ -2252,7 +2301,7 @@
           <a:p>
             <a:fld id="{6A641EC8-C9F8-4A58-A1A7-F7D817526EEC}" type="slidenum">
               <a:rPr lang="en-GB" smtClean="0"/>
-              <a:t>17</a:t>
+              <a:t>16</a:t>
             </a:fld>
             <a:endParaRPr lang="en-GB"/>
           </a:p>
@@ -2261,7 +2310,7 @@
     </p:spTree>
     <p:extLst>
       <p:ext uri="{BB962C8B-B14F-4D97-AF65-F5344CB8AC3E}">
-        <p14:creationId xmlns:p14="http://schemas.microsoft.com/office/powerpoint/2010/main" val="3923964578"/>
+        <p14:creationId xmlns:p14="http://schemas.microsoft.com/office/powerpoint/2010/main" val="2825737762"/>
       </p:ext>
     </p:extLst>
   </p:cSld>
@@ -2315,7 +2364,10 @@
           <a:bodyPr/>
           <a:lstStyle/>
           <a:p>
-            <a:endParaRPr lang="en-GB" dirty="0"/>
+            <a:r>
+              <a:rPr lang="en-GB" dirty="0"/>
+              <a:t>Many things are required to be “at the beginning of your thesis” in the checklist. I’ve laid them out here in what I think is a sensible order.</a:t>
+            </a:r>
           </a:p>
         </p:txBody>
       </p:sp>
@@ -2336,7 +2388,7 @@
           <a:p>
             <a:fld id="{6A641EC8-C9F8-4A58-A1A7-F7D817526EEC}" type="slidenum">
               <a:rPr lang="en-GB" smtClean="0"/>
-              <a:t>18</a:t>
+              <a:t>17</a:t>
             </a:fld>
             <a:endParaRPr lang="en-GB"/>
           </a:p>
@@ -2345,7 +2397,7 @@
     </p:spTree>
     <p:extLst>
       <p:ext uri="{BB962C8B-B14F-4D97-AF65-F5344CB8AC3E}">
-        <p14:creationId xmlns:p14="http://schemas.microsoft.com/office/powerpoint/2010/main" val="3421625011"/>
+        <p14:creationId xmlns:p14="http://schemas.microsoft.com/office/powerpoint/2010/main" val="3923964578"/>
       </p:ext>
     </p:extLst>
   </p:cSld>
@@ -2399,28 +2451,7 @@
           <a:bodyPr/>
           <a:lstStyle/>
           <a:p>
-            <a:r>
-              <a:rPr lang="en-GB" dirty="0"/>
-              <a:t>Here we insert the Abstract, Statement of Originality, Copyright Statement and Abstract. The easiest way to do this is using the chapter command, which gives each a nice heading and puts it on its own page. The “*” after the chapter command tells LaTeX not to number this chapter or include it in tables of contents.</a:t>
-            </a:r>
-          </a:p>
-          <a:p>
             <a:endParaRPr lang="en-GB" dirty="0"/>
-          </a:p>
-          <a:p>
-            <a:r>
-              <a:rPr lang="en-GB" dirty="0"/>
-              <a:t>Overleaf Example: https://www.overleaf.com/read/whzwtbfffwjz</a:t>
-            </a:r>
-          </a:p>
-          <a:p>
-            <a:endParaRPr lang="en-GB" dirty="0"/>
-          </a:p>
-          <a:p>
-            <a:r>
-              <a:rPr lang="en-GB" dirty="0"/>
-              <a:t>Break for section 4 of Task Sheet.</a:t>
-            </a:r>
           </a:p>
         </p:txBody>
       </p:sp>
@@ -2441,7 +2472,7 @@
           <a:p>
             <a:fld id="{6A641EC8-C9F8-4A58-A1A7-F7D817526EEC}" type="slidenum">
               <a:rPr lang="en-GB" smtClean="0"/>
-              <a:t>19</a:t>
+              <a:t>18</a:t>
             </a:fld>
             <a:endParaRPr lang="en-GB"/>
           </a:p>
@@ -2450,7 +2481,7 @@
     </p:spTree>
     <p:extLst>
       <p:ext uri="{BB962C8B-B14F-4D97-AF65-F5344CB8AC3E}">
-        <p14:creationId xmlns:p14="http://schemas.microsoft.com/office/powerpoint/2010/main" val="1726998111"/>
+        <p14:creationId xmlns:p14="http://schemas.microsoft.com/office/powerpoint/2010/main" val="3421625011"/>
       </p:ext>
     </p:extLst>
   </p:cSld>
@@ -2506,7 +2537,25 @@
           <a:p>
             <a:r>
               <a:rPr lang="en-GB" dirty="0"/>
-              <a:t>You must include a table of contents, list of figures and list of tables in your document. This list must include any documents not printed as part of thesis, but submitted with the thesis, such as audio storage.</a:t>
+              <a:t>Here we insert the Abstract, Statement of Originality, Copyright Statement and Abstract. The easiest way to do this is using the chapter command, which gives each a nice heading and puts it on its own page. The “*” after the chapter command tells LaTeX not to number this chapter or include it in tables of contents.</a:t>
+            </a:r>
+          </a:p>
+          <a:p>
+            <a:endParaRPr lang="en-GB" dirty="0"/>
+          </a:p>
+          <a:p>
+            <a:r>
+              <a:rPr lang="en-GB" dirty="0"/>
+              <a:t>Overleaf Example: https://www.overleaf.com/read/whzwtbfffwjz</a:t>
+            </a:r>
+          </a:p>
+          <a:p>
+            <a:endParaRPr lang="en-GB" dirty="0"/>
+          </a:p>
+          <a:p>
+            <a:r>
+              <a:rPr lang="en-GB" dirty="0"/>
+              <a:t>Break for section 4 of Task Sheet.</a:t>
             </a:r>
           </a:p>
         </p:txBody>
@@ -2528,7 +2577,7 @@
           <a:p>
             <a:fld id="{6A641EC8-C9F8-4A58-A1A7-F7D817526EEC}" type="slidenum">
               <a:rPr lang="en-GB" smtClean="0"/>
-              <a:t>20</a:t>
+              <a:t>19</a:t>
             </a:fld>
             <a:endParaRPr lang="en-GB"/>
           </a:p>
@@ -2537,7 +2586,7 @@
     </p:spTree>
     <p:extLst>
       <p:ext uri="{BB962C8B-B14F-4D97-AF65-F5344CB8AC3E}">
-        <p14:creationId xmlns:p14="http://schemas.microsoft.com/office/powerpoint/2010/main" val="3096999097"/>
+        <p14:creationId xmlns:p14="http://schemas.microsoft.com/office/powerpoint/2010/main" val="1726998111"/>
       </p:ext>
     </p:extLst>
   </p:cSld>
@@ -2591,10 +2640,29 @@
           <a:bodyPr/>
           <a:lstStyle/>
           <a:p>
-            <a:r>
-              <a:rPr lang="en-US" dirty="0"/>
-              <a:t>Needs to updated with our learning outcomes</a:t>
-            </a:r>
+            <a:pPr marL="0" marR="0" lvl="0" indent="0" algn="l" defTabSz="914400" rtl="0" eaLnBrk="1" fontAlgn="auto" latinLnBrk="0" hangingPunct="1">
+              <a:lnSpc>
+                <a:spcPct val="100000"/>
+              </a:lnSpc>
+              <a:spcBef>
+                <a:spcPts val="0"/>
+              </a:spcBef>
+              <a:spcAft>
+                <a:spcPts val="0"/>
+              </a:spcAft>
+              <a:buClrTx/>
+              <a:buSzTx/>
+              <a:buFontTx/>
+              <a:buNone/>
+              <a:tabLst/>
+              <a:defRPr/>
+            </a:pPr>
+            <a:r>
+              <a:rPr lang="en-GB" dirty="0"/>
+              <a:t>No additional notes.</a:t>
+            </a:r>
+          </a:p>
+          <a:p>
             <a:endParaRPr lang="en-GB" dirty="0"/>
           </a:p>
         </p:txBody>
@@ -2606,7 +2674,7 @@
             <a:spLocks noGrp="1"/>
           </p:cNvSpPr>
           <p:nvPr>
-            <p:ph type="sldNum" sz="quarter" idx="10"/>
+            <p:ph type="sldNum" sz="quarter" idx="5"/>
           </p:nvPr>
         </p:nvSpPr>
         <p:spPr/>
@@ -2614,9 +2682,9 @@
           <a:bodyPr/>
           <a:lstStyle/>
           <a:p>
-            <a:fld id="{6A641EC8-C9F8-4A58-A1A7-F7D817526EEC}" type="slidenum">
+            <a:fld id="{3AE2EC8F-0D0C-480E-9701-891381D03195}" type="slidenum">
               <a:rPr lang="en-GB" smtClean="0"/>
-              <a:t>3</a:t>
+              <a:t>2</a:t>
             </a:fld>
             <a:endParaRPr lang="en-GB"/>
           </a:p>
@@ -2625,7 +2693,7 @@
     </p:spTree>
     <p:extLst>
       <p:ext uri="{BB962C8B-B14F-4D97-AF65-F5344CB8AC3E}">
-        <p14:creationId xmlns:p14="http://schemas.microsoft.com/office/powerpoint/2010/main" val="2283586298"/>
+        <p14:creationId xmlns:p14="http://schemas.microsoft.com/office/powerpoint/2010/main" val="2116338273"/>
       </p:ext>
     </p:extLst>
   </p:cSld>
@@ -2681,17 +2749,7 @@
           <a:p>
             <a:r>
               <a:rPr lang="en-GB" dirty="0"/>
-              <a:t>Inserting a table of contents automatically picks up any chapters, sections and subsections in your document and produces a list of them with the associated page numbers. As mentioned before, declarations of sections with a “*” exclude those sections from the table of contents.</a:t>
-            </a:r>
-            <a:br>
-              <a:rPr lang="en-GB" dirty="0"/>
-            </a:br>
-            <a:br>
-              <a:rPr lang="en-GB" dirty="0"/>
-            </a:br>
-            <a:r>
-              <a:rPr lang="en-GB" dirty="0"/>
-              <a:t>Overleaf Example: https://www.overleaf.com/read/tdvwkqybytwd</a:t>
+              <a:t>You must include a table of contents, list of figures and list of tables in your document. This list must include any documents not printed as part of thesis, but submitted with the thesis, such as audio storage.</a:t>
             </a:r>
           </a:p>
         </p:txBody>
@@ -2713,7 +2771,7 @@
           <a:p>
             <a:fld id="{6A641EC8-C9F8-4A58-A1A7-F7D817526EEC}" type="slidenum">
               <a:rPr lang="en-GB" smtClean="0"/>
-              <a:t>21</a:t>
+              <a:t>20</a:t>
             </a:fld>
             <a:endParaRPr lang="en-GB"/>
           </a:p>
@@ -2722,7 +2780,7 @@
     </p:spTree>
     <p:extLst>
       <p:ext uri="{BB962C8B-B14F-4D97-AF65-F5344CB8AC3E}">
-        <p14:creationId xmlns:p14="http://schemas.microsoft.com/office/powerpoint/2010/main" val="937431937"/>
+        <p14:creationId xmlns:p14="http://schemas.microsoft.com/office/powerpoint/2010/main" val="3096999097"/>
       </p:ext>
     </p:extLst>
   </p:cSld>
@@ -2778,32 +2836,17 @@
           <a:p>
             <a:r>
               <a:rPr lang="en-GB" dirty="0"/>
-              <a:t>By using the “\</a:t>
-            </a:r>
-            <a:r>
-              <a:rPr lang="en-GB" dirty="0" err="1"/>
-              <a:t>listoffigures</a:t>
-            </a:r>
-            <a:r>
-              <a:rPr lang="en-GB" dirty="0"/>
-              <a:t>” and “\</a:t>
-            </a:r>
-            <a:r>
-              <a:rPr lang="en-GB" dirty="0" err="1"/>
-              <a:t>listoftables</a:t>
-            </a:r>
-            <a:r>
-              <a:rPr lang="en-GB" dirty="0"/>
-              <a:t>” commands you can insert a list of figures and list of tables respectively. Note that figures and tables are numbers are labelled “X.Y” where “X” is the chapter number and “Y” is the number of the figure/table in that chapter. The lists also slightly groups figures and tables by chapter. </a:t>
-            </a:r>
-          </a:p>
-          <a:p>
-            <a:endParaRPr lang="en-GB" dirty="0"/>
-          </a:p>
-          <a:p>
-            <a:r>
-              <a:rPr lang="en-GB" dirty="0"/>
-              <a:t>Overleaf Example: https://www.overleaf.com/read/xqrwgcydcznt</a:t>
+              <a:t>Inserting a table of contents automatically picks up any chapters, sections and subsections in your document and produces a list of them with the associated page numbers. As mentioned before, declarations of sections with a “*” exclude those sections from the table of contents.</a:t>
+            </a:r>
+            <a:br>
+              <a:rPr lang="en-GB" dirty="0"/>
+            </a:br>
+            <a:br>
+              <a:rPr lang="en-GB" dirty="0"/>
+            </a:br>
+            <a:r>
+              <a:rPr lang="en-GB" dirty="0"/>
+              <a:t>Overleaf Example: https://www.overleaf.com/read/tdvwkqybytwd</a:t>
             </a:r>
           </a:p>
         </p:txBody>
@@ -2825,7 +2868,7 @@
           <a:p>
             <a:fld id="{6A641EC8-C9F8-4A58-A1A7-F7D817526EEC}" type="slidenum">
               <a:rPr lang="en-GB" smtClean="0"/>
-              <a:t>22</a:t>
+              <a:t>21</a:t>
             </a:fld>
             <a:endParaRPr lang="en-GB"/>
           </a:p>
@@ -2834,7 +2877,7 @@
     </p:spTree>
     <p:extLst>
       <p:ext uri="{BB962C8B-B14F-4D97-AF65-F5344CB8AC3E}">
-        <p14:creationId xmlns:p14="http://schemas.microsoft.com/office/powerpoint/2010/main" val="2980001491"/>
+        <p14:creationId xmlns:p14="http://schemas.microsoft.com/office/powerpoint/2010/main" val="937431937"/>
       </p:ext>
     </p:extLst>
   </p:cSld>
@@ -2890,7 +2933,23 @@
           <a:p>
             <a:r>
               <a:rPr lang="en-GB" dirty="0"/>
-              <a:t>As we mentioned earlier, if you include any items with your thesis external to what’s printed in the pages of your thesis, you must include it in the contents. Fortunately, LaTeX allows you to add entries to the contents, list of tables and list of figures without the referenced items actually appearing in your pdf.</a:t>
+              <a:t>By using the “\</a:t>
+            </a:r>
+            <a:r>
+              <a:rPr lang="en-GB" dirty="0" err="1"/>
+              <a:t>listoffigures</a:t>
+            </a:r>
+            <a:r>
+              <a:rPr lang="en-GB" dirty="0"/>
+              <a:t>” and “\</a:t>
+            </a:r>
+            <a:r>
+              <a:rPr lang="en-GB" dirty="0" err="1"/>
+              <a:t>listoftables</a:t>
+            </a:r>
+            <a:r>
+              <a:rPr lang="en-GB" dirty="0"/>
+              <a:t>” commands you can insert a list of figures and list of tables respectively. Note that figures and tables are numbers are labelled “X.Y” where “X” is the chapter number and “Y” is the number of the figure/table in that chapter. The lists also slightly groups figures and tables by chapter. </a:t>
             </a:r>
           </a:p>
           <a:p>
@@ -2899,33 +2958,7 @@
           <a:p>
             <a:r>
               <a:rPr lang="en-GB" dirty="0"/>
-              <a:t>This is achieved with the “\</a:t>
-            </a:r>
-            <a:r>
-              <a:rPr lang="en-GB" dirty="0" err="1"/>
-              <a:t>addcontentsline</a:t>
-            </a:r>
-            <a:r>
-              <a:rPr lang="en-GB" dirty="0"/>
-              <a:t>” command. This is followed by either “toc”, “</a:t>
-            </a:r>
-            <a:r>
-              <a:rPr lang="en-GB" dirty="0" err="1"/>
-              <a:t>lof</a:t>
-            </a:r>
-            <a:r>
-              <a:rPr lang="en-GB" dirty="0"/>
-              <a:t>” or “lot” in curly brackets to show the item is to be added to the table of contents, list of figures or list of tables respectively. In another set of curly brackets, you may define the “level” of the entry. This will always be “figure” for an item in the list of figures and “table” for an item in the list of tables, but for a table of contents item it may be “chapter”, “section” or “subsection”. Finally, the name of the entry is included in curly brackets.</a:t>
-            </a:r>
-            <a:br>
-              <a:rPr lang="en-GB" dirty="0"/>
-            </a:br>
-            <a:br>
-              <a:rPr lang="en-GB" dirty="0"/>
-            </a:br>
-            <a:r>
-              <a:rPr lang="en-GB" dirty="0"/>
-              <a:t>Overleaf Example: https://www.overleaf.com/read/pttgcwksbpsc</a:t>
+              <a:t>Overleaf Example: https://www.overleaf.com/read/xqrwgcydcznt</a:t>
             </a:r>
           </a:p>
         </p:txBody>
@@ -2947,7 +2980,7 @@
           <a:p>
             <a:fld id="{6A641EC8-C9F8-4A58-A1A7-F7D817526EEC}" type="slidenum">
               <a:rPr lang="en-GB" smtClean="0"/>
-              <a:t>23</a:t>
+              <a:t>22</a:t>
             </a:fld>
             <a:endParaRPr lang="en-GB"/>
           </a:p>
@@ -2956,7 +2989,7 @@
     </p:spTree>
     <p:extLst>
       <p:ext uri="{BB962C8B-B14F-4D97-AF65-F5344CB8AC3E}">
-        <p14:creationId xmlns:p14="http://schemas.microsoft.com/office/powerpoint/2010/main" val="1283564292"/>
+        <p14:creationId xmlns:p14="http://schemas.microsoft.com/office/powerpoint/2010/main" val="2980001491"/>
       </p:ext>
     </p:extLst>
   </p:cSld>
@@ -3012,33 +3045,43 @@
           <a:p>
             <a:r>
               <a:rPr lang="en-GB" dirty="0"/>
-              <a:t>You may use appendices to add material to your thesis that you will not be examined on but you feel examiners may wish to refer to. Within the “report” class, this is done by using the “\appendix” command. Following this command, all chapters will be appendices and will be labelled with letters. Similarly, figures will be numbered with A.1, etc. Appendices appear in the table of contents and so do figures and tables in appendices.</a:t>
+              <a:t>As we mentioned earlier, if you include any items with your thesis external to what’s printed in the pages of your thesis, you must include it in the contents. Fortunately, LaTeX allows you to add entries to the contents, list of tables and list of figures without the referenced items actually appearing in your pdf.</a:t>
+            </a:r>
+          </a:p>
+          <a:p>
+            <a:endParaRPr lang="en-GB" dirty="0"/>
+          </a:p>
+          <a:p>
+            <a:r>
+              <a:rPr lang="en-GB" dirty="0"/>
+              <a:t>This is achieved with the “\</a:t>
+            </a:r>
+            <a:r>
+              <a:rPr lang="en-GB" dirty="0" err="1"/>
+              <a:t>addcontentsline</a:t>
+            </a:r>
+            <a:r>
+              <a:rPr lang="en-GB" dirty="0"/>
+              <a:t>” command. This is followed by either “toc”, “</a:t>
+            </a:r>
+            <a:r>
+              <a:rPr lang="en-GB" dirty="0" err="1"/>
+              <a:t>lof</a:t>
+            </a:r>
+            <a:r>
+              <a:rPr lang="en-GB" dirty="0"/>
+              <a:t>” or “lot” in curly brackets to show the item is to be added to the table of contents, list of figures or list of tables respectively. In another set of curly brackets, you may define the “level” of the entry. This will always be “figure” for an item in the list of figures and “table” for an item in the list of tables, but for a table of contents item it may be “chapter”, “section” or “subsection”. Finally, the name of the entry is included in curly brackets.</a:t>
             </a:r>
             <a:br>
               <a:rPr lang="en-GB" dirty="0"/>
             </a:br>
-            <a:endParaRPr lang="en-GB" sz="1200" dirty="0"/>
-          </a:p>
-          <a:p>
-            <a:r>
-              <a:rPr lang="en-GB" sz="1200" dirty="0"/>
-              <a:t>Overleaf Example: </a:t>
-            </a:r>
-            <a:r>
-              <a:rPr lang="en-GB" dirty="0"/>
-              <a:t>https://www.overleaf.com/read/rbtybvccgztw</a:t>
-            </a:r>
-            <a:endParaRPr lang="en-GB" sz="1200" dirty="0"/>
-          </a:p>
-          <a:p>
-            <a:endParaRPr lang="en-GB" sz="1200" dirty="0"/>
-          </a:p>
-          <a:p>
-            <a:r>
-              <a:rPr lang="en-GB" sz="1200" dirty="0"/>
-              <a:t>Break for Section 5 of Checklist</a:t>
-            </a:r>
-            <a:endParaRPr lang="en-GB" dirty="0"/>
+            <a:br>
+              <a:rPr lang="en-GB" dirty="0"/>
+            </a:br>
+            <a:r>
+              <a:rPr lang="en-GB" dirty="0"/>
+              <a:t>Overleaf Example: https://www.overleaf.com/read/pttgcwksbpsc</a:t>
+            </a:r>
           </a:p>
         </p:txBody>
       </p:sp>
@@ -3059,7 +3102,7 @@
           <a:p>
             <a:fld id="{6A641EC8-C9F8-4A58-A1A7-F7D817526EEC}" type="slidenum">
               <a:rPr lang="en-GB" smtClean="0"/>
-              <a:t>24</a:t>
+              <a:t>23</a:t>
             </a:fld>
             <a:endParaRPr lang="en-GB"/>
           </a:p>
@@ -3068,7 +3111,7 @@
     </p:spTree>
     <p:extLst>
       <p:ext uri="{BB962C8B-B14F-4D97-AF65-F5344CB8AC3E}">
-        <p14:creationId xmlns:p14="http://schemas.microsoft.com/office/powerpoint/2010/main" val="2488530527"/>
+        <p14:creationId xmlns:p14="http://schemas.microsoft.com/office/powerpoint/2010/main" val="1283564292"/>
       </p:ext>
     </p:extLst>
   </p:cSld>
@@ -3124,42 +3167,33 @@
           <a:p>
             <a:r>
               <a:rPr lang="en-GB" dirty="0"/>
-              <a:t>Your thesis is going to be a very large document indeed. If it is all in a single .</a:t>
-            </a:r>
-            <a:r>
-              <a:rPr lang="en-GB" dirty="0" err="1"/>
-              <a:t>tex</a:t>
-            </a:r>
-            <a:r>
-              <a:rPr lang="en-GB" dirty="0"/>
-              <a:t> document it will be difficult for you to navigate. Finding chapter 2 will take time, and you’ll have better things to spend it on.</a:t>
-            </a:r>
-          </a:p>
-          <a:p>
+              <a:t>You may use appendices to add material to your thesis that you will not be examined on but you feel examiners may wish to refer to. Within the “report” class, this is done by using the “\appendix” command. Following this command, all chapters will be appendices and will be labelled with letters. Similarly, figures will be numbered with A.1, etc. Appendices appear in the table of contents and so do figures and tables in appendices.</a:t>
+            </a:r>
+            <a:br>
+              <a:rPr lang="en-GB" dirty="0"/>
+            </a:br>
+            <a:endParaRPr lang="en-GB" sz="1200" dirty="0"/>
+          </a:p>
+          <a:p>
+            <a:r>
+              <a:rPr lang="en-GB" sz="1200" dirty="0"/>
+              <a:t>Overleaf Example: </a:t>
+            </a:r>
+            <a:r>
+              <a:rPr lang="en-GB" dirty="0"/>
+              <a:t>https://www.overleaf.com/read/rbtybvccgztw</a:t>
+            </a:r>
+            <a:endParaRPr lang="en-GB" sz="1200" dirty="0"/>
+          </a:p>
+          <a:p>
+            <a:endParaRPr lang="en-GB" sz="1200" dirty="0"/>
+          </a:p>
+          <a:p>
+            <a:r>
+              <a:rPr lang="en-GB" sz="1200" dirty="0"/>
+              <a:t>Break for Section 5 of Checklist</a:t>
+            </a:r>
             <a:endParaRPr lang="en-GB" dirty="0"/>
-          </a:p>
-          <a:p>
-            <a:r>
-              <a:rPr lang="en-GB" dirty="0"/>
-              <a:t>In addition, when you’re typesetting, you’ll often want to recompile your pdf multiple times to test  formatting. If you have to recompile you’re entire document every time, it will be a slow process.</a:t>
-            </a:r>
-          </a:p>
-          <a:p>
-            <a:endParaRPr lang="en-GB" dirty="0"/>
-          </a:p>
-          <a:p>
-            <a:r>
-              <a:rPr lang="en-GB" dirty="0"/>
-              <a:t>One strategy which solves both of these issues is to split your thesis into several .</a:t>
-            </a:r>
-            <a:r>
-              <a:rPr lang="en-GB" dirty="0" err="1"/>
-              <a:t>tex</a:t>
-            </a:r>
-            <a:r>
-              <a:rPr lang="en-GB" dirty="0"/>
-              <a:t> files. This has the side benefit that you can re-use some of these files in other documents. For example, you could use the same file containing your preamble in several LaTeX documents.</a:t>
-            </a:r>
           </a:p>
         </p:txBody>
       </p:sp>
@@ -3180,7 +3214,7 @@
           <a:p>
             <a:fld id="{6A641EC8-C9F8-4A58-A1A7-F7D817526EEC}" type="slidenum">
               <a:rPr lang="en-GB" smtClean="0"/>
-              <a:t>25</a:t>
+              <a:t>24</a:t>
             </a:fld>
             <a:endParaRPr lang="en-GB"/>
           </a:p>
@@ -3189,7 +3223,7 @@
     </p:spTree>
     <p:extLst>
       <p:ext uri="{BB962C8B-B14F-4D97-AF65-F5344CB8AC3E}">
-        <p14:creationId xmlns:p14="http://schemas.microsoft.com/office/powerpoint/2010/main" val="2771320647"/>
+        <p14:creationId xmlns:p14="http://schemas.microsoft.com/office/powerpoint/2010/main" val="2488530527"/>
       </p:ext>
     </p:extLst>
   </p:cSld>
@@ -3245,7 +3279,7 @@
           <a:p>
             <a:r>
               <a:rPr lang="en-GB" dirty="0"/>
-              <a:t>The key to doing this is the include command. The three files on the right produce the same pdf as the single file on the right. The include command specifies the name of another .</a:t>
+              <a:t>Your thesis is going to be a very large document indeed. If it is all in a single .</a:t>
             </a:r>
             <a:r>
               <a:rPr lang="en-GB" dirty="0" err="1"/>
@@ -3253,7 +3287,25 @@
             </a:r>
             <a:r>
               <a:rPr lang="en-GB" dirty="0"/>
-              <a:t> file to be included (don’t include the .</a:t>
+              <a:t> document it will be difficult for you to navigate. Finding chapter 2 will take time, and you’ll have better things to spend it on.</a:t>
+            </a:r>
+          </a:p>
+          <a:p>
+            <a:endParaRPr lang="en-GB" dirty="0"/>
+          </a:p>
+          <a:p>
+            <a:r>
+              <a:rPr lang="en-GB" dirty="0"/>
+              <a:t>In addition, when you’re typesetting, you’ll often want to recompile your pdf multiple times to test  formatting. If you have to recompile you’re entire document every time, it will be a slow process.</a:t>
+            </a:r>
+          </a:p>
+          <a:p>
+            <a:endParaRPr lang="en-GB" dirty="0"/>
+          </a:p>
+          <a:p>
+            <a:r>
+              <a:rPr lang="en-GB" dirty="0"/>
+              <a:t>One strategy which solves both of these issues is to split your thesis into several .</a:t>
             </a:r>
             <a:r>
               <a:rPr lang="en-GB" dirty="0" err="1"/>
@@ -3261,32 +3313,7 @@
             </a:r>
             <a:r>
               <a:rPr lang="en-GB" dirty="0"/>
-              <a:t> extension). The files will be processed as though the commands were in a single continuous .</a:t>
-            </a:r>
-            <a:r>
-              <a:rPr lang="en-GB" dirty="0" err="1"/>
-              <a:t>tex</a:t>
-            </a:r>
-            <a:r>
-              <a:rPr lang="en-GB" dirty="0"/>
-              <a:t> file, with the exception that a new page will be inserted before the included material.</a:t>
-            </a:r>
-            <a:br>
-              <a:rPr lang="en-GB" dirty="0"/>
-            </a:br>
-            <a:br>
-              <a:rPr lang="en-GB" dirty="0"/>
-            </a:br>
-            <a:r>
-              <a:rPr lang="en-GB" dirty="0"/>
-              <a:t>Overleaf Example (unsplit document): https://www.overleaf.com/read/sqwvtspkbchs</a:t>
-            </a:r>
-            <a:br>
-              <a:rPr lang="en-GB" dirty="0"/>
-            </a:br>
-            <a:r>
-              <a:rPr lang="en-GB" dirty="0"/>
-              <a:t>Overleaf Example (split document): https://www.overleaf.com/read/cmhxwpmfzrjj</a:t>
+              <a:t> files. This has the side benefit that you can re-use some of these files in other documents. For example, you could use the same file containing your preamble in several LaTeX documents.</a:t>
             </a:r>
           </a:p>
         </p:txBody>
@@ -3308,7 +3335,7 @@
           <a:p>
             <a:fld id="{6A641EC8-C9F8-4A58-A1A7-F7D817526EEC}" type="slidenum">
               <a:rPr lang="en-GB" smtClean="0"/>
-              <a:t>26</a:t>
+              <a:t>25</a:t>
             </a:fld>
             <a:endParaRPr lang="en-GB"/>
           </a:p>
@@ -3317,7 +3344,7 @@
     </p:spTree>
     <p:extLst>
       <p:ext uri="{BB962C8B-B14F-4D97-AF65-F5344CB8AC3E}">
-        <p14:creationId xmlns:p14="http://schemas.microsoft.com/office/powerpoint/2010/main" val="2892583370"/>
+        <p14:creationId xmlns:p14="http://schemas.microsoft.com/office/powerpoint/2010/main" val="2771320647"/>
       </p:ext>
     </p:extLst>
   </p:cSld>
@@ -3373,15 +3400,7 @@
           <a:p>
             <a:r>
               <a:rPr lang="en-GB" dirty="0"/>
-              <a:t>In order to cause only a subset of included files to be used when the pdf is being compiled, the “\</a:t>
-            </a:r>
-            <a:r>
-              <a:rPr lang="en-GB" dirty="0" err="1"/>
-              <a:t>includeonly</a:t>
-            </a:r>
-            <a:r>
-              <a:rPr lang="en-GB" dirty="0"/>
-              <a:t>” command can be used in the preamble. This is followed by a list of .</a:t>
+              <a:t>The key to doing this is the include command. The three files on the right produce the same pdf as the single file on the right. The include command specifies the name of another .</a:t>
             </a:r>
             <a:r>
               <a:rPr lang="en-GB" dirty="0" err="1"/>
@@ -3389,7 +3408,7 @@
             </a:r>
             <a:r>
               <a:rPr lang="en-GB" dirty="0"/>
-              <a:t> files, separated by commas, which specify which included .</a:t>
+              <a:t> file to be included (don’t include the .</a:t>
             </a:r>
             <a:r>
               <a:rPr lang="en-GB" dirty="0" err="1"/>
@@ -3397,25 +3416,7 @@
             </a:r>
             <a:r>
               <a:rPr lang="en-GB" dirty="0"/>
-              <a:t> files are to be used. Note that, in this example, this means the “second” chapter is included and is labelled chapter 1, but the “first” chapter is not included at all.</a:t>
-            </a:r>
-          </a:p>
-          <a:p>
-            <a:endParaRPr lang="en-GB" dirty="0"/>
-          </a:p>
-          <a:p>
-            <a:r>
-              <a:rPr lang="en-GB" dirty="0"/>
-              <a:t>By excluding files in this way you can dramatically speed up the compilation of the pdf. This isn’t so much of an issue for modern computers, but you might still find it useful if you have a large and complex document.</a:t>
-            </a:r>
-          </a:p>
-          <a:p>
-            <a:endParaRPr lang="en-GB" dirty="0"/>
-          </a:p>
-          <a:p>
-            <a:r>
-              <a:rPr lang="en-GB" dirty="0"/>
-              <a:t>You cannot include a .</a:t>
+              <a:t> extension). The files will be processed as though the commands were in a single continuous .</a:t>
             </a:r>
             <a:r>
               <a:rPr lang="en-GB" dirty="0" err="1"/>
@@ -3423,15 +3424,7 @@
             </a:r>
             <a:r>
               <a:rPr lang="en-GB" dirty="0"/>
-              <a:t> file that includes another .</a:t>
-            </a:r>
-            <a:r>
-              <a:rPr lang="en-GB" dirty="0" err="1"/>
-              <a:t>tex</a:t>
-            </a:r>
-            <a:r>
-              <a:rPr lang="en-GB" dirty="0"/>
-              <a:t> file.</a:t>
+              <a:t> file, with the exception that a new page will be inserted before the included material.</a:t>
             </a:r>
             <a:br>
               <a:rPr lang="en-GB" dirty="0"/>
@@ -3441,16 +3434,14 @@
             </a:br>
             <a:r>
               <a:rPr lang="en-GB" dirty="0"/>
-              <a:t>Overleaf Example: https://www.overleaf.com/read/ygsypywvjrhb</a:t>
-            </a:r>
-          </a:p>
-          <a:p>
-            <a:endParaRPr lang="en-GB" dirty="0"/>
-          </a:p>
-          <a:p>
-            <a:r>
-              <a:rPr lang="en-GB" dirty="0"/>
-              <a:t>Break for section 6 of Task Sheet</a:t>
+              <a:t>Overleaf Example (unsplit document): https://www.overleaf.com/read/sqwvtspkbchs</a:t>
+            </a:r>
+            <a:br>
+              <a:rPr lang="en-GB" dirty="0"/>
+            </a:br>
+            <a:r>
+              <a:rPr lang="en-GB" dirty="0"/>
+              <a:t>Overleaf Example (split document): https://www.overleaf.com/read/cmhxwpmfzrjj</a:t>
             </a:r>
           </a:p>
         </p:txBody>
@@ -3472,7 +3463,7 @@
           <a:p>
             <a:fld id="{6A641EC8-C9F8-4A58-A1A7-F7D817526EEC}" type="slidenum">
               <a:rPr lang="en-GB" smtClean="0"/>
-              <a:t>27</a:t>
+              <a:t>26</a:t>
             </a:fld>
             <a:endParaRPr lang="en-GB"/>
           </a:p>
@@ -3481,7 +3472,7 @@
     </p:spTree>
     <p:extLst>
       <p:ext uri="{BB962C8B-B14F-4D97-AF65-F5344CB8AC3E}">
-        <p14:creationId xmlns:p14="http://schemas.microsoft.com/office/powerpoint/2010/main" val="2939621631"/>
+        <p14:creationId xmlns:p14="http://schemas.microsoft.com/office/powerpoint/2010/main" val="2892583370"/>
       </p:ext>
     </p:extLst>
   </p:cSld>
@@ -3537,39 +3528,65 @@
           <a:p>
             <a:r>
               <a:rPr lang="en-GB" dirty="0"/>
-              <a:t>Normally, references will produce the correct number for the referenced section, figure, etc in a normal text form. However, we can turn them into active hyperlinks that will allow a user to jump to the relevant point in your document by clicking on the reference. You can modify your document so all references are turned into hyperlinks in this way using the “</a:t>
+              <a:t>In order to cause only a subset of included files to be used when the pdf is being compiled, the “\</a:t>
             </a:r>
             <a:r>
               <a:rPr lang="en-GB" dirty="0" err="1"/>
-              <a:t>hyperref</a:t>
-            </a:r>
-            <a:r>
-              <a:rPr lang="en-GB" dirty="0"/>
-              <a:t>” package. This package has a number of options you can use to customise your references. I strongly recommend setting the “</a:t>
+              <a:t>includeonly</a:t>
+            </a:r>
+            <a:r>
+              <a:rPr lang="en-GB" dirty="0"/>
+              <a:t>” command can be used in the preamble. This is followed by a list of .</a:t>
             </a:r>
             <a:r>
               <a:rPr lang="en-GB" dirty="0" err="1"/>
-              <a:t>colorlinks</a:t>
-            </a:r>
-            <a:r>
-              <a:rPr lang="en-GB" dirty="0"/>
-              <a:t>” option to “true”, feel free to experiment with what it looks like when you don’t do this. You can also set the colour of your links using the “</a:t>
+              <a:t>tex</a:t>
+            </a:r>
+            <a:r>
+              <a:rPr lang="en-GB" dirty="0"/>
+              <a:t> files, separated by commas, which specify which included .</a:t>
             </a:r>
             <a:r>
               <a:rPr lang="en-GB" dirty="0" err="1"/>
-              <a:t>linkcolor</a:t>
-            </a:r>
-            <a:r>
-              <a:rPr lang="en-GB" dirty="0"/>
-              <a:t>” option and colour of your citations using the “</a:t>
+              <a:t>tex</a:t>
+            </a:r>
+            <a:r>
+              <a:rPr lang="en-GB" dirty="0"/>
+              <a:t> files are to be used. Note that, in this example, this means the “second” chapter is included and is labelled chapter 1, but the “first” chapter is not included at all.</a:t>
+            </a:r>
+          </a:p>
+          <a:p>
+            <a:endParaRPr lang="en-GB" dirty="0"/>
+          </a:p>
+          <a:p>
+            <a:r>
+              <a:rPr lang="en-GB" dirty="0"/>
+              <a:t>By excluding files in this way you can dramatically speed up the compilation of the pdf. This isn’t so much of an issue for modern computers, but you might still find it useful if you have a large and complex document.</a:t>
+            </a:r>
+          </a:p>
+          <a:p>
+            <a:endParaRPr lang="en-GB" dirty="0"/>
+          </a:p>
+          <a:p>
+            <a:r>
+              <a:rPr lang="en-GB" dirty="0"/>
+              <a:t>You cannot include a .</a:t>
             </a:r>
             <a:r>
               <a:rPr lang="en-GB" dirty="0" err="1"/>
-              <a:t>citecolor</a:t>
-            </a:r>
-            <a:r>
-              <a:rPr lang="en-GB"/>
-              <a:t>” option.</a:t>
+              <a:t>tex</a:t>
+            </a:r>
+            <a:r>
+              <a:rPr lang="en-GB" dirty="0"/>
+              <a:t> file that includes another .</a:t>
+            </a:r>
+            <a:r>
+              <a:rPr lang="en-GB" dirty="0" err="1"/>
+              <a:t>tex</a:t>
+            </a:r>
+            <a:r>
+              <a:rPr lang="en-GB" dirty="0"/>
+              <a:t> file.</a:t>
             </a:r>
             <a:br>
               <a:rPr lang="en-GB" dirty="0"/>
@@ -3579,17 +3596,7 @@
             </a:br>
             <a:r>
               <a:rPr lang="en-GB" dirty="0"/>
-              <a:t>Putting hyperlinks into your thesis is a very good idea as it helps navigation of what is a very large document.</a:t>
-            </a:r>
-            <a:br>
-              <a:rPr lang="en-GB" dirty="0"/>
-            </a:br>
-            <a:br>
-              <a:rPr lang="en-GB" dirty="0"/>
-            </a:br>
-            <a:r>
-              <a:rPr lang="en-GB" dirty="0"/>
-              <a:t>Overleaf Example: https://www.overleaf.com/read/tzdbtmdmtfhd</a:t>
+              <a:t>Overleaf Example: https://www.overleaf.com/read/ygsypywvjrhb</a:t>
             </a:r>
           </a:p>
           <a:p>
@@ -3598,7 +3605,7 @@
           <a:p>
             <a:r>
               <a:rPr lang="en-GB" dirty="0"/>
-              <a:t>Break for Section 7 of Task sheet</a:t>
+              <a:t>Break for section 6 of Task Sheet</a:t>
             </a:r>
           </a:p>
         </p:txBody>
@@ -3620,7 +3627,7 @@
           <a:p>
             <a:fld id="{6A641EC8-C9F8-4A58-A1A7-F7D817526EEC}" type="slidenum">
               <a:rPr lang="en-GB" smtClean="0"/>
-              <a:t>28</a:t>
+              <a:t>27</a:t>
             </a:fld>
             <a:endParaRPr lang="en-GB"/>
           </a:p>
@@ -3629,7 +3636,7 @@
     </p:spTree>
     <p:extLst>
       <p:ext uri="{BB962C8B-B14F-4D97-AF65-F5344CB8AC3E}">
-        <p14:creationId xmlns:p14="http://schemas.microsoft.com/office/powerpoint/2010/main" val="4210007226"/>
+        <p14:creationId xmlns:p14="http://schemas.microsoft.com/office/powerpoint/2010/main" val="2939621631"/>
       </p:ext>
     </p:extLst>
   </p:cSld>
@@ -3685,72 +3692,39 @@
           <a:p>
             <a:r>
               <a:rPr lang="en-GB" dirty="0"/>
-              <a:t>In LaTeX, a subfigure, is a figure which appears as one of multiple smaller figures within a larger figure. This collection of subfigures will always be placed together as a single figure. There are a number of ways of including subfigures in your thesis.</a:t>
-            </a:r>
-          </a:p>
-          <a:p>
-            <a:endParaRPr lang="en-GB" dirty="0"/>
-          </a:p>
-          <a:p>
-            <a:r>
-              <a:rPr lang="en-GB" dirty="0"/>
-              <a:t>The example I am showing you today uses the “</a:t>
+              <a:t>Normally, references will produce the correct number for the referenced section, figure, etc in a normal text form. However, we can turn them into active hyperlinks that will allow a user to jump to the relevant point in your document by clicking on the reference. You can modify your document so all references are turned into hyperlinks in this way using the “</a:t>
             </a:r>
             <a:r>
               <a:rPr lang="en-GB" dirty="0" err="1"/>
-              <a:t>subfig</a:t>
-            </a:r>
-            <a:r>
-              <a:rPr lang="en-GB" dirty="0"/>
-              <a:t>” package. Within the figure environment we use the “\</a:t>
+              <a:t>hyperref</a:t>
+            </a:r>
+            <a:r>
+              <a:rPr lang="en-GB" dirty="0"/>
+              <a:t>” package. This package has a number of options you can use to customise your references. I strongly recommend setting the “</a:t>
             </a:r>
             <a:r>
               <a:rPr lang="en-GB" dirty="0" err="1"/>
-              <a:t>subfloat</a:t>
-            </a:r>
-            <a:r>
-              <a:rPr lang="en-GB" dirty="0"/>
-              <a:t>” command once for each subfigure we wish to include. The “\</a:t>
+              <a:t>colorlinks</a:t>
+            </a:r>
+            <a:r>
+              <a:rPr lang="en-GB" dirty="0"/>
+              <a:t>” option to “true”, feel free to experiment with what it looks like when you don’t do this. You can also set the colour of your links using the “</a:t>
             </a:r>
             <a:r>
               <a:rPr lang="en-GB" dirty="0" err="1"/>
-              <a:t>subfloat</a:t>
-            </a:r>
-            <a:r>
-              <a:rPr lang="en-GB" dirty="0"/>
-              <a:t>” command is followed by the caption of the subfigure in square brackets. Then, in curly brackets, we use the “\</a:t>
+              <a:t>linkcolor</a:t>
+            </a:r>
+            <a:r>
+              <a:rPr lang="en-GB" dirty="0"/>
+              <a:t>” option and colour of your citations using the “</a:t>
             </a:r>
             <a:r>
               <a:rPr lang="en-GB" dirty="0" err="1"/>
-              <a:t>includegraphics</a:t>
-            </a:r>
-            <a:r>
-              <a:rPr lang="en-GB" dirty="0"/>
-              <a:t>” command to actually include the graphics. The square brackets following the “\</a:t>
-            </a:r>
-            <a:r>
-              <a:rPr lang="en-GB" dirty="0" err="1"/>
-              <a:t>includegraphics</a:t>
-            </a:r>
-            <a:r>
-              <a:rPr lang="en-GB" dirty="0"/>
-              <a:t> command is here to specify the width of the figure in units of the width of text on the page at this point (which is referenced using the “\</a:t>
-            </a:r>
-            <a:r>
-              <a:rPr lang="en-GB" dirty="0" err="1"/>
-              <a:t>textwidth</a:t>
-            </a:r>
-            <a:r>
-              <a:rPr lang="en-GB" dirty="0"/>
-              <a:t>” command). In this case, we’ve asked for each figure to be around half of the width of the text (there’s some variation due to the aspect ratio of each image). Within the curly brackets following the “\</a:t>
-            </a:r>
-            <a:r>
-              <a:rPr lang="en-GB" dirty="0" err="1"/>
-              <a:t>subfloat</a:t>
-            </a:r>
-            <a:r>
-              <a:rPr lang="en-GB" dirty="0"/>
-              <a:t>” command we also give each individual subfigure a label so we can reference it later.</a:t>
+              <a:t>citecolor</a:t>
+            </a:r>
+            <a:r>
+              <a:rPr lang="en-GB"/>
+              <a:t>” option.</a:t>
             </a:r>
             <a:br>
               <a:rPr lang="en-GB" dirty="0"/>
@@ -3760,16 +3734,7 @@
             </a:br>
             <a:r>
               <a:rPr lang="en-GB" dirty="0"/>
-              <a:t>Following the specification of the first and third figure we use the “\quad” command. This is a way of telling LaTeX to insert a small horizontal space between whatever came before and whatever comes next. Following the specification of the second subfigure we use a double-backslash to start a new line of subfigures within the overall figure we’re creating. This puts the third and fourth figures below the first and second.</a:t>
-            </a:r>
-          </a:p>
-          <a:p>
-            <a:endParaRPr lang="en-GB" dirty="0"/>
-          </a:p>
-          <a:p>
-            <a:r>
-              <a:rPr lang="en-GB" dirty="0"/>
-              <a:t>Finally, we use the “\caption” command to give the figure that is comprised of the subfigures a caption and the “\label” command to give it a label. We see that we get a nicely spaced array of subfigures, each with their own caption, inside a larger figure which also has its own caption. We can reference any of the subfigures or the containing figure.</a:t>
+              <a:t>Putting hyperlinks into your thesis is a very good idea as it helps navigation of what is a very large document.</a:t>
             </a:r>
             <a:br>
               <a:rPr lang="en-GB" dirty="0"/>
@@ -3779,7 +3744,16 @@
             </a:br>
             <a:r>
               <a:rPr lang="en-GB" dirty="0"/>
-              <a:t>Overleaf Example: https://www.overleaf.com/read/htdvrmwgcyvd</a:t>
+              <a:t>Overleaf Example: https://www.overleaf.com/read/tzdbtmdmtfhd</a:t>
+            </a:r>
+          </a:p>
+          <a:p>
+            <a:endParaRPr lang="en-GB" dirty="0"/>
+          </a:p>
+          <a:p>
+            <a:r>
+              <a:rPr lang="en-GB" dirty="0"/>
+              <a:t>Break for Section 7 of Task sheet</a:t>
             </a:r>
           </a:p>
         </p:txBody>
@@ -3801,7 +3775,7 @@
           <a:p>
             <a:fld id="{6A641EC8-C9F8-4A58-A1A7-F7D817526EEC}" type="slidenum">
               <a:rPr lang="en-GB" smtClean="0"/>
-              <a:t>29</a:t>
+              <a:t>28</a:t>
             </a:fld>
             <a:endParaRPr lang="en-GB"/>
           </a:p>
@@ -3810,7 +3784,7 @@
     </p:spTree>
     <p:extLst>
       <p:ext uri="{BB962C8B-B14F-4D97-AF65-F5344CB8AC3E}">
-        <p14:creationId xmlns:p14="http://schemas.microsoft.com/office/powerpoint/2010/main" val="1494002939"/>
+        <p14:creationId xmlns:p14="http://schemas.microsoft.com/office/powerpoint/2010/main" val="4210007226"/>
       </p:ext>
     </p:extLst>
   </p:cSld>
@@ -3866,7 +3840,7 @@
           <a:p>
             <a:r>
               <a:rPr lang="en-GB" dirty="0"/>
-              <a:t>Sometimes when writing a caption you might want to use a long caption to give a lot of information about the figure, table, etc. However, the same caption would take up a lot of space and give unnecessary detail in the list of figures or list of tables. In this case, it’s possible to specify a shorter caption to be used in the list of figures or list of tables by specifying it in square brackets after the word captions and before the full caption which is specified in curly brackets.</a:t>
+              <a:t>In LaTeX, a subfigure, is a figure which appears as one of multiple smaller figures within a larger figure. This collection of subfigures will always be placed together as a single figure. There are a number of ways of including subfigures in your thesis.</a:t>
             </a:r>
           </a:p>
           <a:p>
@@ -3875,15 +3849,73 @@
           <a:p>
             <a:r>
               <a:rPr lang="en-GB" dirty="0"/>
-              <a:t>Because of the way the captions for subfigures are defined/used, it’s not possible or necessary to do this </a:t>
-            </a:r>
-            <a:r>
-              <a:rPr lang="en-GB"/>
-              <a:t>for subfigure </a:t>
-            </a:r>
-            <a:r>
-              <a:rPr lang="en-GB" dirty="0"/>
-              <a:t>captions, although it is possible to specify a short caption for a figure which contains subfigures.</a:t>
+              <a:t>The example I am showing you today uses the “</a:t>
+            </a:r>
+            <a:r>
+              <a:rPr lang="en-GB" dirty="0" err="1"/>
+              <a:t>subfig</a:t>
+            </a:r>
+            <a:r>
+              <a:rPr lang="en-GB" dirty="0"/>
+              <a:t>” package. Within the figure environment we use the “\</a:t>
+            </a:r>
+            <a:r>
+              <a:rPr lang="en-GB" dirty="0" err="1"/>
+              <a:t>subfloat</a:t>
+            </a:r>
+            <a:r>
+              <a:rPr lang="en-GB" dirty="0"/>
+              <a:t>” command once for each subfigure we wish to include. The “\</a:t>
+            </a:r>
+            <a:r>
+              <a:rPr lang="en-GB" dirty="0" err="1"/>
+              <a:t>subfloat</a:t>
+            </a:r>
+            <a:r>
+              <a:rPr lang="en-GB" dirty="0"/>
+              <a:t>” command is followed by the caption of the subfigure in square brackets. Then, in curly brackets, we use the “\</a:t>
+            </a:r>
+            <a:r>
+              <a:rPr lang="en-GB" dirty="0" err="1"/>
+              <a:t>includegraphics</a:t>
+            </a:r>
+            <a:r>
+              <a:rPr lang="en-GB" dirty="0"/>
+              <a:t>” command to actually include the graphics. The square brackets following the “\</a:t>
+            </a:r>
+            <a:r>
+              <a:rPr lang="en-GB" dirty="0" err="1"/>
+              <a:t>includegraphics</a:t>
+            </a:r>
+            <a:r>
+              <a:rPr lang="en-GB" dirty="0"/>
+              <a:t> command is here to specify the width of the figure in units of the width of text on the page at this point (which is referenced using the “\</a:t>
+            </a:r>
+            <a:r>
+              <a:rPr lang="en-GB" dirty="0" err="1"/>
+              <a:t>textwidth</a:t>
+            </a:r>
+            <a:r>
+              <a:rPr lang="en-GB" dirty="0"/>
+              <a:t>” command). In this case, we’ve asked for each figure to be around half of the width of the text (there’s some variation due to the aspect ratio of each image). Within the curly brackets following the “\</a:t>
+            </a:r>
+            <a:r>
+              <a:rPr lang="en-GB" dirty="0" err="1"/>
+              <a:t>subfloat</a:t>
+            </a:r>
+            <a:r>
+              <a:rPr lang="en-GB" dirty="0"/>
+              <a:t>” command we also give each individual subfigure a label so we can reference it later.</a:t>
+            </a:r>
+            <a:br>
+              <a:rPr lang="en-GB" dirty="0"/>
+            </a:br>
+            <a:br>
+              <a:rPr lang="en-GB" dirty="0"/>
+            </a:br>
+            <a:r>
+              <a:rPr lang="en-GB" dirty="0"/>
+              <a:t>Following the specification of the first and third figure we use the “\quad” command. This is a way of telling LaTeX to insert a small horizontal space between whatever came before and whatever comes next. Following the specification of the second subfigure we use a double-backslash to start a new line of subfigures within the overall figure we’re creating. This puts the third and fourth figures below the first and second.</a:t>
             </a:r>
           </a:p>
           <a:p>
@@ -3892,7 +3924,17 @@
           <a:p>
             <a:r>
               <a:rPr lang="en-GB" dirty="0"/>
-              <a:t>Overleaf example: https://www.overleaf.com/read/kjjswpdcxsfn</a:t>
+              <a:t>Finally, we use the “\caption” command to give the figure that is comprised of the subfigures a caption and the “\label” command to give it a label. We see that we get a nicely spaced array of subfigures, each with their own caption, inside a larger figure which also has its own caption. We can reference any of the subfigures or the containing figure.</a:t>
+            </a:r>
+            <a:br>
+              <a:rPr lang="en-GB" dirty="0"/>
+            </a:br>
+            <a:br>
+              <a:rPr lang="en-GB" dirty="0"/>
+            </a:br>
+            <a:r>
+              <a:rPr lang="en-GB" dirty="0"/>
+              <a:t>Overleaf Example: https://www.overleaf.com/read/htdvrmwgcyvd</a:t>
             </a:r>
           </a:p>
         </p:txBody>
@@ -3914,7 +3956,7 @@
           <a:p>
             <a:fld id="{6A641EC8-C9F8-4A58-A1A7-F7D817526EEC}" type="slidenum">
               <a:rPr lang="en-GB" smtClean="0"/>
-              <a:t>30</a:t>
+              <a:t>29</a:t>
             </a:fld>
             <a:endParaRPr lang="en-GB"/>
           </a:p>
@@ -3923,7 +3965,7 @@
     </p:spTree>
     <p:extLst>
       <p:ext uri="{BB962C8B-B14F-4D97-AF65-F5344CB8AC3E}">
-        <p14:creationId xmlns:p14="http://schemas.microsoft.com/office/powerpoint/2010/main" val="2584514555"/>
+        <p14:creationId xmlns:p14="http://schemas.microsoft.com/office/powerpoint/2010/main" val="1494002939"/>
       </p:ext>
     </p:extLst>
   </p:cSld>
@@ -3977,6 +4019,10 @@
           <a:bodyPr/>
           <a:lstStyle/>
           <a:p>
+            <a:r>
+              <a:rPr lang="en-US" dirty="0"/>
+              <a:t>Needs to updated with our learning outcomes</a:t>
+            </a:r>
             <a:endParaRPr lang="en-GB" dirty="0"/>
           </a:p>
         </p:txBody>
@@ -3998,7 +4044,7 @@
           <a:p>
             <a:fld id="{6A641EC8-C9F8-4A58-A1A7-F7D817526EEC}" type="slidenum">
               <a:rPr lang="en-GB" smtClean="0"/>
-              <a:t>4</a:t>
+              <a:t>3</a:t>
             </a:fld>
             <a:endParaRPr lang="en-GB"/>
           </a:p>
@@ -4007,7 +4053,7 @@
     </p:spTree>
     <p:extLst>
       <p:ext uri="{BB962C8B-B14F-4D97-AF65-F5344CB8AC3E}">
-        <p14:creationId xmlns:p14="http://schemas.microsoft.com/office/powerpoint/2010/main" val="251121805"/>
+        <p14:creationId xmlns:p14="http://schemas.microsoft.com/office/powerpoint/2010/main" val="2283586298"/>
       </p:ext>
     </p:extLst>
   </p:cSld>
@@ -4063,7 +4109,7 @@
           <a:p>
             <a:r>
               <a:rPr lang="en-GB" dirty="0"/>
-              <a:t>Overleaf Example: https://www.overleaf.com/read/nwtfndvmfnpf</a:t>
+              <a:t>Sometimes when writing a caption you might want to use a long caption to give a lot of information about the figure, table, etc. However, the same caption would take up a lot of space and give unnecessary detail in the list of figures or list of tables. In this case, it’s possible to specify a shorter caption to be used in the list of figures or list of tables by specifying it in square brackets after the word captions and before the full caption which is specified in curly brackets.</a:t>
             </a:r>
           </a:p>
           <a:p>
@@ -4072,7 +4118,24 @@
           <a:p>
             <a:r>
               <a:rPr lang="en-GB" dirty="0"/>
-              <a:t>Break for sections 8 and 9 of Task Sheet</a:t>
+              <a:t>Because of the way the captions for subfigures are defined/used, it’s not possible or necessary to do this </a:t>
+            </a:r>
+            <a:r>
+              <a:rPr lang="en-GB"/>
+              <a:t>for subfigure </a:t>
+            </a:r>
+            <a:r>
+              <a:rPr lang="en-GB" dirty="0"/>
+              <a:t>captions, although it is possible to specify a short caption for a figure which contains subfigures.</a:t>
+            </a:r>
+          </a:p>
+          <a:p>
+            <a:endParaRPr lang="en-GB" dirty="0"/>
+          </a:p>
+          <a:p>
+            <a:r>
+              <a:rPr lang="en-GB" dirty="0"/>
+              <a:t>Overleaf example: https://www.overleaf.com/read/kjjswpdcxsfn</a:t>
             </a:r>
           </a:p>
         </p:txBody>
@@ -4094,7 +4157,7 @@
           <a:p>
             <a:fld id="{6A641EC8-C9F8-4A58-A1A7-F7D817526EEC}" type="slidenum">
               <a:rPr lang="en-GB" smtClean="0"/>
-              <a:t>31</a:t>
+              <a:t>30</a:t>
             </a:fld>
             <a:endParaRPr lang="en-GB"/>
           </a:p>
@@ -4103,7 +4166,7 @@
     </p:spTree>
     <p:extLst>
       <p:ext uri="{BB962C8B-B14F-4D97-AF65-F5344CB8AC3E}">
-        <p14:creationId xmlns:p14="http://schemas.microsoft.com/office/powerpoint/2010/main" val="53672810"/>
+        <p14:creationId xmlns:p14="http://schemas.microsoft.com/office/powerpoint/2010/main" val="2584514555"/>
       </p:ext>
     </p:extLst>
   </p:cSld>
@@ -4159,39 +4222,7 @@
           <a:p>
             <a:r>
               <a:rPr lang="en-GB" dirty="0"/>
-              <a:t>In your preamble you can use the “\</a:t>
-            </a:r>
-            <a:r>
-              <a:rPr lang="en-GB" dirty="0" err="1"/>
-              <a:t>newcommand</a:t>
-            </a:r>
-            <a:r>
-              <a:rPr lang="en-GB" dirty="0"/>
-              <a:t>” command to define a new command. This is a little like defining a macro or a function in other programs or languages. “\</a:t>
-            </a:r>
-            <a:r>
-              <a:rPr lang="en-GB" dirty="0" err="1"/>
-              <a:t>newcommand</a:t>
-            </a:r>
-            <a:r>
-              <a:rPr lang="en-GB" dirty="0"/>
-              <a:t>” is followed by the name of the command in curly brackets. This is followed by the number of arguments the command (if there are arguments to the command). This is followed by the text that will be used in the body of the .</a:t>
-            </a:r>
-            <a:r>
-              <a:rPr lang="en-GB" dirty="0" err="1"/>
-              <a:t>tex</a:t>
-            </a:r>
-            <a:r>
-              <a:rPr lang="en-GB" dirty="0"/>
-              <a:t> file where the command is used. In this definition, if “#X” is included within curly brackets, this will insert the </a:t>
-            </a:r>
-            <a:r>
-              <a:rPr lang="en-GB" dirty="0" err="1"/>
-              <a:t>Xth</a:t>
-            </a:r>
-            <a:r>
-              <a:rPr lang="en-GB" dirty="0"/>
-              <a:t> argument in the text used.</a:t>
+              <a:t>Overleaf Example: https://www.overleaf.com/read/nwtfndvmfnpf</a:t>
             </a:r>
           </a:p>
           <a:p>
@@ -4200,46 +4231,7 @@
           <a:p>
             <a:r>
               <a:rPr lang="en-GB" dirty="0"/>
-              <a:t>To use the command in the document, you can use “\COMMAND_NAME” to invoke the command. This is followed by a the arguments of the command, each in their own set of curly brackets.</a:t>
-            </a:r>
-            <a:br>
-              <a:rPr lang="en-GB" dirty="0"/>
-            </a:br>
-            <a:br>
-              <a:rPr lang="en-GB" dirty="0"/>
-            </a:br>
-            <a:r>
-              <a:rPr lang="en-GB" dirty="0"/>
-              <a:t>This can be very useful for automating text you use repeatedly that is the same or similar every time but is long-winded to write out.</a:t>
-            </a:r>
-            <a:br>
-              <a:rPr lang="en-GB" dirty="0"/>
-            </a:br>
-            <a:br>
-              <a:rPr lang="en-GB" dirty="0"/>
-            </a:br>
-            <a:r>
-              <a:rPr lang="en-GB" dirty="0"/>
-              <a:t>It’s also possible to redefine existing commands or define new environments, but this won’t be covered in this course.</a:t>
-            </a:r>
-            <a:br>
-              <a:rPr lang="en-GB" dirty="0"/>
-            </a:br>
-            <a:endParaRPr lang="en-GB" dirty="0"/>
-          </a:p>
-          <a:p>
-            <a:r>
-              <a:rPr lang="en-GB" dirty="0"/>
-              <a:t>Overleaf Example: https://www.overleaf.com/read/hxttrgqqvpyp</a:t>
-            </a:r>
-          </a:p>
-          <a:p>
-            <a:endParaRPr lang="en-GB" dirty="0"/>
-          </a:p>
-          <a:p>
-            <a:r>
-              <a:rPr lang="en-GB" dirty="0"/>
-              <a:t>Break for section 10 of Task Sheet</a:t>
+              <a:t>Break for sections 8 and 9 of Task Sheet</a:t>
             </a:r>
           </a:p>
         </p:txBody>
@@ -4261,7 +4253,7 @@
           <a:p>
             <a:fld id="{6A641EC8-C9F8-4A58-A1A7-F7D817526EEC}" type="slidenum">
               <a:rPr lang="en-GB" smtClean="0"/>
-              <a:t>32</a:t>
+              <a:t>31</a:t>
             </a:fld>
             <a:endParaRPr lang="en-GB"/>
           </a:p>
@@ -4270,7 +4262,7 @@
     </p:spTree>
     <p:extLst>
       <p:ext uri="{BB962C8B-B14F-4D97-AF65-F5344CB8AC3E}">
-        <p14:creationId xmlns:p14="http://schemas.microsoft.com/office/powerpoint/2010/main" val="2909380669"/>
+        <p14:creationId xmlns:p14="http://schemas.microsoft.com/office/powerpoint/2010/main" val="53672810"/>
       </p:ext>
     </p:extLst>
   </p:cSld>
@@ -4326,7 +4318,48 @@
           <a:p>
             <a:r>
               <a:rPr lang="en-GB" dirty="0"/>
-              <a:t>Your thesis is likely to have dozens or hundreds of references and so a more advanced way to deal with your references is preferable. There are many ways to deal with your references and many ways to personalise your citations. We’re going to run through one way to achieve a streamlined approach to referencing and introduce a few options you might want to consider for personalising your references.</a:t>
+              <a:t>In your preamble you can use the “\</a:t>
+            </a:r>
+            <a:r>
+              <a:rPr lang="en-GB" dirty="0" err="1"/>
+              <a:t>newcommand</a:t>
+            </a:r>
+            <a:r>
+              <a:rPr lang="en-GB" dirty="0"/>
+              <a:t>” command to define a new command. This is a little like defining a macro or a function in other programs or languages. “\</a:t>
+            </a:r>
+            <a:r>
+              <a:rPr lang="en-GB" dirty="0" err="1"/>
+              <a:t>newcommand</a:t>
+            </a:r>
+            <a:r>
+              <a:rPr lang="en-GB" dirty="0"/>
+              <a:t>” is followed by the name of the command in curly brackets. This is followed by the number of arguments the command (if there are arguments to the command). This is followed by the text that will be used in the body of the .</a:t>
+            </a:r>
+            <a:r>
+              <a:rPr lang="en-GB" dirty="0" err="1"/>
+              <a:t>tex</a:t>
+            </a:r>
+            <a:r>
+              <a:rPr lang="en-GB" dirty="0"/>
+              <a:t> file where the command is used. In this definition, if “#X” is included within curly brackets, this will insert the </a:t>
+            </a:r>
+            <a:r>
+              <a:rPr lang="en-GB" dirty="0" err="1"/>
+              <a:t>Xth</a:t>
+            </a:r>
+            <a:r>
+              <a:rPr lang="en-GB" dirty="0"/>
+              <a:t> argument in the text used.</a:t>
+            </a:r>
+          </a:p>
+          <a:p>
+            <a:endParaRPr lang="en-GB" dirty="0"/>
+          </a:p>
+          <a:p>
+            <a:r>
+              <a:rPr lang="en-GB" dirty="0"/>
+              <a:t>To use the command in the document, you can use “\COMMAND_NAME” to invoke the command. This is followed by a the arguments of the command, each in their own set of curly brackets.</a:t>
             </a:r>
             <a:br>
               <a:rPr lang="en-GB" dirty="0"/>
@@ -4336,15 +4369,36 @@
             </a:br>
             <a:r>
               <a:rPr lang="en-GB" dirty="0"/>
-              <a:t>Many reference managers such as EndNote, Mendeley and </a:t>
-            </a:r>
-            <a:r>
-              <a:rPr lang="en-GB" dirty="0" err="1"/>
-              <a:t>JabRef</a:t>
-            </a:r>
-            <a:r>
-              <a:rPr lang="en-GB" dirty="0"/>
-              <a:t> allow for your database of references to be exported as a “.bib” file. This is essentially a database of your references that LaTeX can interact with directly. This means you only need to enter your reference details once in your reference manager and it will feed through to your LaTeX documents including your thesis. If you combine this with the automatic population of fields in your reference manager you will never need to manually write out the details of a reference again. This saves a lot of time and effort you can better spend elsewhere.</a:t>
+              <a:t>This can be very useful for automating text you use repeatedly that is the same or similar every time but is long-winded to write out.</a:t>
+            </a:r>
+            <a:br>
+              <a:rPr lang="en-GB" dirty="0"/>
+            </a:br>
+            <a:br>
+              <a:rPr lang="en-GB" dirty="0"/>
+            </a:br>
+            <a:r>
+              <a:rPr lang="en-GB" dirty="0"/>
+              <a:t>It’s also possible to redefine existing commands or define new environments, but this won’t be covered in this course.</a:t>
+            </a:r>
+            <a:br>
+              <a:rPr lang="en-GB" dirty="0"/>
+            </a:br>
+            <a:endParaRPr lang="en-GB" dirty="0"/>
+          </a:p>
+          <a:p>
+            <a:r>
+              <a:rPr lang="en-GB" dirty="0"/>
+              <a:t>Overleaf Example: https://www.overleaf.com/read/hxttrgqqvpyp</a:t>
+            </a:r>
+          </a:p>
+          <a:p>
+            <a:endParaRPr lang="en-GB" dirty="0"/>
+          </a:p>
+          <a:p>
+            <a:r>
+              <a:rPr lang="en-GB" dirty="0"/>
+              <a:t>Break for section 10 of Task Sheet</a:t>
             </a:r>
           </a:p>
         </p:txBody>
@@ -4366,7 +4420,7 @@
           <a:p>
             <a:fld id="{6A641EC8-C9F8-4A58-A1A7-F7D817526EEC}" type="slidenum">
               <a:rPr lang="en-GB" smtClean="0"/>
-              <a:t>33</a:t>
+              <a:t>32</a:t>
             </a:fld>
             <a:endParaRPr lang="en-GB"/>
           </a:p>
@@ -4375,7 +4429,7 @@
     </p:spTree>
     <p:extLst>
       <p:ext uri="{BB962C8B-B14F-4D97-AF65-F5344CB8AC3E}">
-        <p14:creationId xmlns:p14="http://schemas.microsoft.com/office/powerpoint/2010/main" val="1094947271"/>
+        <p14:creationId xmlns:p14="http://schemas.microsoft.com/office/powerpoint/2010/main" val="2909380669"/>
       </p:ext>
     </p:extLst>
   </p:cSld>
@@ -4431,31 +4485,7 @@
           <a:p>
             <a:r>
               <a:rPr lang="en-GB" dirty="0"/>
-              <a:t>A “.bib” file consists of one entry for each reference. An new entry is begun with a “@” symbol and the name of the type of entry it is. Here, we have one article and one book. There are many other types such as “report”, “conference” and even “</a:t>
-            </a:r>
-            <a:r>
-              <a:rPr lang="en-GB" dirty="0" err="1"/>
-              <a:t>phdthesis</a:t>
-            </a:r>
-            <a:r>
-              <a:rPr lang="en-GB" dirty="0"/>
-              <a:t>”. See here for some more examples: </a:t>
-            </a:r>
-            <a:r>
-              <a:rPr lang="en-GB" dirty="0">
-                <a:hlinkClick r:id="rId3"/>
-              </a:rPr>
-              <a:t>https://www.verbosus.com/bibtex-style-examples.html</a:t>
-            </a:r>
-            <a:endParaRPr lang="en-GB" dirty="0"/>
-          </a:p>
-          <a:p>
-            <a:endParaRPr lang="en-GB" dirty="0"/>
-          </a:p>
-          <a:p>
-            <a:r>
-              <a:rPr lang="en-GB" dirty="0"/>
-              <a:t> Within curly brackets, the first entry is a label for your reference. Following that, we then have a series of fields which define the contents of the reference. These come in the format “field name = field value” and are separated by commas. Different entries are valid for different entry types. For instance, both our entries here have “author”, “title” and “year” fields but the article has the fields “journal”, “volume”, “number” and “pages” fields whilst the book has a “publisher” field.</a:t>
+              <a:t>Your thesis is likely to have dozens or hundreds of references and so a more advanced way to deal with your references is preferable. There are many ways to deal with your references and many ways to personalise your citations. We’re going to run through one way to achieve a streamlined approach to referencing and introduce a few options you might want to consider for personalising your references.</a:t>
             </a:r>
             <a:br>
               <a:rPr lang="en-GB" dirty="0"/>
@@ -4465,24 +4495,15 @@
             </a:br>
             <a:r>
               <a:rPr lang="en-GB" dirty="0"/>
-              <a:t>When you compile your main .</a:t>
+              <a:t>Many reference managers such as EndNote, Mendeley and </a:t>
             </a:r>
             <a:r>
               <a:rPr lang="en-GB" dirty="0" err="1"/>
-              <a:t>tex</a:t>
-            </a:r>
-            <a:r>
-              <a:rPr lang="en-GB" dirty="0"/>
-              <a:t> file, your bibliography will appear and any entries that are cited will appear in your bibliography. Entries you have not cited will not be included by default.</a:t>
-            </a:r>
-          </a:p>
-          <a:p>
-            <a:endParaRPr lang="en-GB" dirty="0"/>
-          </a:p>
-          <a:p>
-            <a:r>
-              <a:rPr lang="en-GB" dirty="0"/>
-              <a:t>Overleaf example: https://www.overleaf.com/read/tfrbytxxqszf</a:t>
+              <a:t>JabRef</a:t>
+            </a:r>
+            <a:r>
+              <a:rPr lang="en-GB" dirty="0"/>
+              <a:t> allow for your database of references to be exported as a “.bib” file. This is essentially a database of your references that LaTeX can interact with directly. This means you only need to enter your reference details once in your reference manager and it will feed through to your LaTeX documents including your thesis. If you combine this with the automatic population of fields in your reference manager you will never need to manually write out the details of a reference again. This saves a lot of time and effort you can better spend elsewhere.</a:t>
             </a:r>
           </a:p>
         </p:txBody>
@@ -4504,7 +4525,7 @@
           <a:p>
             <a:fld id="{6A641EC8-C9F8-4A58-A1A7-F7D817526EEC}" type="slidenum">
               <a:rPr lang="en-GB" smtClean="0"/>
-              <a:t>34</a:t>
+              <a:t>33</a:t>
             </a:fld>
             <a:endParaRPr lang="en-GB"/>
           </a:p>
@@ -4513,7 +4534,7 @@
     </p:spTree>
     <p:extLst>
       <p:ext uri="{BB962C8B-B14F-4D97-AF65-F5344CB8AC3E}">
-        <p14:creationId xmlns:p14="http://schemas.microsoft.com/office/powerpoint/2010/main" val="2985834625"/>
+        <p14:creationId xmlns:p14="http://schemas.microsoft.com/office/powerpoint/2010/main" val="1094947271"/>
       </p:ext>
     </p:extLst>
   </p:cSld>
@@ -4569,7 +4590,41 @@
           <a:p>
             <a:r>
               <a:rPr lang="en-GB" dirty="0"/>
-              <a:t>In your main .</a:t>
+              <a:t>A “.bib” file consists of one entry for each reference. An new entry is begun with a “@” symbol and the name of the type of entry it is. Here, we have one article and one book. There are many other types such as “report”, “conference” and even “</a:t>
+            </a:r>
+            <a:r>
+              <a:rPr lang="en-GB" dirty="0" err="1"/>
+              <a:t>phdthesis</a:t>
+            </a:r>
+            <a:r>
+              <a:rPr lang="en-GB" dirty="0"/>
+              <a:t>”. See here for some more examples: </a:t>
+            </a:r>
+            <a:r>
+              <a:rPr lang="en-GB" dirty="0">
+                <a:hlinkClick r:id="rId3"/>
+              </a:rPr>
+              <a:t>https://www.verbosus.com/bibtex-style-examples.html</a:t>
+            </a:r>
+            <a:endParaRPr lang="en-GB" dirty="0"/>
+          </a:p>
+          <a:p>
+            <a:endParaRPr lang="en-GB" dirty="0"/>
+          </a:p>
+          <a:p>
+            <a:r>
+              <a:rPr lang="en-GB" dirty="0"/>
+              <a:t> Within curly brackets, the first entry is a label for your reference. Following that, we then have a series of fields which define the contents of the reference. These come in the format “field name = field value” and are separated by commas. Different entries are valid for different entry types. For instance, both our entries here have “author”, “title” and “year” fields but the article has the fields “journal”, “volume”, “number” and “pages” fields whilst the book has a “publisher” field.</a:t>
+            </a:r>
+            <a:br>
+              <a:rPr lang="en-GB" dirty="0"/>
+            </a:br>
+            <a:br>
+              <a:rPr lang="en-GB" dirty="0"/>
+            </a:br>
+            <a:r>
+              <a:rPr lang="en-GB" dirty="0"/>
+              <a:t>When you compile your main .</a:t>
             </a:r>
             <a:r>
               <a:rPr lang="en-GB" dirty="0" err="1"/>
@@ -4577,79 +4632,17 @@
             </a:r>
             <a:r>
               <a:rPr lang="en-GB" dirty="0"/>
-              <a:t> file, you need to use the package “</a:t>
-            </a:r>
-            <a:r>
-              <a:rPr lang="en-GB" dirty="0" err="1"/>
-              <a:t>natbib</a:t>
-            </a:r>
-            <a:r>
-              <a:rPr lang="en-GB" dirty="0"/>
-              <a:t>” in your preamble. You can then cite a reference using the “</a:t>
-            </a:r>
-            <a:r>
-              <a:rPr lang="en-GB" dirty="0" err="1"/>
-              <a:t>citet</a:t>
-            </a:r>
-            <a:r>
-              <a:rPr lang="en-GB" dirty="0"/>
-              <a:t>” command with the label of the reference. This produces a reference which is “textual” in the sense that the author name is written in normal text as if it’s being read as part of the sentence. You can also use “</a:t>
-            </a:r>
-            <a:r>
-              <a:rPr lang="en-GB" dirty="0" err="1"/>
-              <a:t>citep</a:t>
-            </a:r>
-            <a:r>
-              <a:rPr lang="en-GB" dirty="0"/>
-              <a:t>” to include the entire reference within brackets. This can be useful for when you don’t intend for the reference to be read as part of the sentence, but to act as an addendum.</a:t>
-            </a:r>
-            <a:br>
-              <a:rPr lang="en-GB" dirty="0"/>
-            </a:br>
-            <a:br>
-              <a:rPr lang="en-GB" dirty="0"/>
-            </a:br>
-            <a:r>
-              <a:rPr lang="en-GB" dirty="0"/>
-              <a:t>After the main body of your text, select a bibliography style (we’ll use “</a:t>
-            </a:r>
-            <a:r>
-              <a:rPr lang="en-GB" dirty="0" err="1"/>
-              <a:t>plainnat</a:t>
-            </a:r>
-            <a:r>
-              <a:rPr lang="en-GB" dirty="0"/>
-              <a:t>” for now). Then, use the “\bibliography” command to actually insert your bibliography into your text. This is followed by the name of your “.bib” file in curly brackets (do not include the “.bib” extension here).</a:t>
+              <a:t> file, your bibliography will appear and any entries that are cited will appear in your bibliography. Entries you have not cited will not be included by default.</a:t>
             </a:r>
           </a:p>
           <a:p>
             <a:endParaRPr lang="en-GB" dirty="0"/>
           </a:p>
           <a:p>
-            <a:pPr marL="0" marR="0" lvl="0" indent="0" algn="l" defTabSz="914400" rtl="0" eaLnBrk="1" fontAlgn="auto" latinLnBrk="0" hangingPunct="1">
-              <a:lnSpc>
-                <a:spcPct val="100000"/>
-              </a:lnSpc>
-              <a:spcBef>
-                <a:spcPts val="0"/>
-              </a:spcBef>
-              <a:spcAft>
-                <a:spcPts val="0"/>
-              </a:spcAft>
-              <a:buClrTx/>
-              <a:buSzTx/>
-              <a:buFontTx/>
-              <a:buNone/>
-              <a:tabLst/>
-              <a:defRPr/>
-            </a:pPr>
             <a:r>
               <a:rPr lang="en-GB" dirty="0"/>
               <a:t>Overleaf example: https://www.overleaf.com/read/tfrbytxxqszf</a:t>
             </a:r>
-          </a:p>
-          <a:p>
-            <a:endParaRPr lang="en-GB" dirty="0"/>
           </a:p>
         </p:txBody>
       </p:sp>
@@ -4670,7 +4663,7 @@
           <a:p>
             <a:fld id="{6A641EC8-C9F8-4A58-A1A7-F7D817526EEC}" type="slidenum">
               <a:rPr lang="en-GB" smtClean="0"/>
-              <a:t>35</a:t>
+              <a:t>34</a:t>
             </a:fld>
             <a:endParaRPr lang="en-GB"/>
           </a:p>
@@ -4679,7 +4672,7 @@
     </p:spTree>
     <p:extLst>
       <p:ext uri="{BB962C8B-B14F-4D97-AF65-F5344CB8AC3E}">
-        <p14:creationId xmlns:p14="http://schemas.microsoft.com/office/powerpoint/2010/main" val="529073958"/>
+        <p14:creationId xmlns:p14="http://schemas.microsoft.com/office/powerpoint/2010/main" val="2985834625"/>
       </p:ext>
     </p:extLst>
   </p:cSld>
@@ -4735,7 +4728,15 @@
           <a:p>
             <a:r>
               <a:rPr lang="en-GB" dirty="0"/>
-              <a:t>There are a number of different ways you can personalise your references. Here we’ll look at different options you can use with the </a:t>
+              <a:t>In your main .</a:t>
+            </a:r>
+            <a:r>
+              <a:rPr lang="en-GB" dirty="0" err="1"/>
+              <a:t>tex</a:t>
+            </a:r>
+            <a:r>
+              <a:rPr lang="en-GB" dirty="0"/>
+              <a:t> file, you need to use the package “</a:t>
             </a:r>
             <a:r>
               <a:rPr lang="en-GB" dirty="0" err="1"/>
@@ -4743,7 +4744,23 @@
             </a:r>
             <a:r>
               <a:rPr lang="en-GB" dirty="0"/>
-              <a:t> package which will alter how your reference appear.</a:t>
+              <a:t>” in your preamble. You can then cite a reference using the “</a:t>
+            </a:r>
+            <a:r>
+              <a:rPr lang="en-GB" dirty="0" err="1"/>
+              <a:t>citet</a:t>
+            </a:r>
+            <a:r>
+              <a:rPr lang="en-GB" dirty="0"/>
+              <a:t>” command with the label of the reference. This produces a reference which is “textual” in the sense that the author name is written in normal text as if it’s being read as part of the sentence. You can also use “</a:t>
+            </a:r>
+            <a:r>
+              <a:rPr lang="en-GB" dirty="0" err="1"/>
+              <a:t>citep</a:t>
+            </a:r>
+            <a:r>
+              <a:rPr lang="en-GB" dirty="0"/>
+              <a:t>” to include the entire reference within brackets. This can be useful for when you don’t intend for the reference to be read as part of the sentence, but to act as an addendum.</a:t>
             </a:r>
             <a:br>
               <a:rPr lang="en-GB" dirty="0"/>
@@ -4753,28 +4770,41 @@
             </a:br>
             <a:r>
               <a:rPr lang="en-GB" dirty="0"/>
-              <a:t>Using the “numbers” option will cause you to use numerical references instead of textual references. “round” will cause your references to use round brackets instead of square brackets. “super” causes your citations to appear in super-script, similar to a footnote.</a:t>
+              <a:t>After the main body of your text, select a bibliography style (we’ll use “</a:t>
+            </a:r>
+            <a:r>
+              <a:rPr lang="en-GB" dirty="0" err="1"/>
+              <a:t>plainnat</a:t>
+            </a:r>
+            <a:r>
+              <a:rPr lang="en-GB" dirty="0"/>
+              <a:t>” for now). Then, use the “\bibliography” command to actually insert your bibliography into your text. This is followed by the name of your “.bib” file in curly brackets (do not include the “.bib” extension here).</a:t>
             </a:r>
           </a:p>
           <a:p>
             <a:endParaRPr lang="en-GB" dirty="0"/>
           </a:p>
           <a:p>
-            <a:r>
-              <a:rPr lang="en-GB" dirty="0"/>
-              <a:t>Overleaf Example (numbers): https://www.overleaf.com/read/nyhjxjvhvqpk</a:t>
-            </a:r>
-          </a:p>
-          <a:p>
-            <a:r>
-              <a:rPr lang="en-GB" dirty="0"/>
-              <a:t>Overleaf Example (round): https://www.overleaf.com/read/dfvnydjfjpfb</a:t>
-            </a:r>
-          </a:p>
-          <a:p>
-            <a:r>
-              <a:rPr lang="en-GB" dirty="0"/>
-              <a:t>Overleaf Example (super): https://www.overleaf.com/read/zgtgtvqhcvfc</a:t>
+            <a:pPr marL="0" marR="0" lvl="0" indent="0" algn="l" defTabSz="914400" rtl="0" eaLnBrk="1" fontAlgn="auto" latinLnBrk="0" hangingPunct="1">
+              <a:lnSpc>
+                <a:spcPct val="100000"/>
+              </a:lnSpc>
+              <a:spcBef>
+                <a:spcPts val="0"/>
+              </a:spcBef>
+              <a:spcAft>
+                <a:spcPts val="0"/>
+              </a:spcAft>
+              <a:buClrTx/>
+              <a:buSzTx/>
+              <a:buFontTx/>
+              <a:buNone/>
+              <a:tabLst/>
+              <a:defRPr/>
+            </a:pPr>
+            <a:r>
+              <a:rPr lang="en-GB" dirty="0"/>
+              <a:t>Overleaf example: https://www.overleaf.com/read/tfrbytxxqszf</a:t>
             </a:r>
           </a:p>
           <a:p>
@@ -4799,7 +4829,7 @@
           <a:p>
             <a:fld id="{6A641EC8-C9F8-4A58-A1A7-F7D817526EEC}" type="slidenum">
               <a:rPr lang="en-GB" smtClean="0"/>
-              <a:t>36</a:t>
+              <a:t>35</a:t>
             </a:fld>
             <a:endParaRPr lang="en-GB"/>
           </a:p>
@@ -4808,7 +4838,7 @@
     </p:spTree>
     <p:extLst>
       <p:ext uri="{BB962C8B-B14F-4D97-AF65-F5344CB8AC3E}">
-        <p14:creationId xmlns:p14="http://schemas.microsoft.com/office/powerpoint/2010/main" val="3708384690"/>
+        <p14:creationId xmlns:p14="http://schemas.microsoft.com/office/powerpoint/2010/main" val="529073958"/>
       </p:ext>
     </p:extLst>
   </p:cSld>
@@ -4864,23 +4894,25 @@
           <a:p>
             <a:r>
               <a:rPr lang="en-GB" dirty="0"/>
-              <a:t>There are more ways you can make a citation. You can include multiple citations within a single “</a:t>
+              <a:t>There are a number of different ways you can personalise your references. Here we’ll look at different options you can use with the </a:t>
             </a:r>
             <a:r>
               <a:rPr lang="en-GB" dirty="0" err="1"/>
-              <a:t>citet</a:t>
-            </a:r>
-            <a:r>
-              <a:rPr lang="en-GB" dirty="0"/>
-              <a:t>” or “</a:t>
-            </a:r>
-            <a:r>
-              <a:rPr lang="en-GB" dirty="0" err="1"/>
-              <a:t>citep</a:t>
-            </a:r>
-            <a:r>
-              <a:rPr lang="en-GB" dirty="0"/>
-              <a:t>” command, separating them with commas. You can also provide additional details, such a referencing a chapter number by including them in square brackets between the “cite” command and the curly brackets.</a:t>
+              <a:t>natbib</a:t>
+            </a:r>
+            <a:r>
+              <a:rPr lang="en-GB" dirty="0"/>
+              <a:t> package which will alter how your reference appear.</a:t>
+            </a:r>
+            <a:br>
+              <a:rPr lang="en-GB" dirty="0"/>
+            </a:br>
+            <a:br>
+              <a:rPr lang="en-GB" dirty="0"/>
+            </a:br>
+            <a:r>
+              <a:rPr lang="en-GB" dirty="0"/>
+              <a:t>Using the “numbers” option will cause you to use numerical references instead of textual references. “round” will cause your references to use round brackets instead of square brackets. “super” causes your citations to appear in super-script, similar to a footnote.</a:t>
             </a:r>
           </a:p>
           <a:p>
@@ -4889,8 +4921,23 @@
           <a:p>
             <a:r>
               <a:rPr lang="en-GB" dirty="0"/>
-              <a:t>Overleaf Example: https://www.overleaf.com/read/cqbhnvfsfzpp</a:t>
-            </a:r>
+              <a:t>Overleaf Example (numbers): https://www.overleaf.com/read/nyhjxjvhvqpk</a:t>
+            </a:r>
+          </a:p>
+          <a:p>
+            <a:r>
+              <a:rPr lang="en-GB" dirty="0"/>
+              <a:t>Overleaf Example (round): https://www.overleaf.com/read/dfvnydjfjpfb</a:t>
+            </a:r>
+          </a:p>
+          <a:p>
+            <a:r>
+              <a:rPr lang="en-GB" dirty="0"/>
+              <a:t>Overleaf Example (super): https://www.overleaf.com/read/zgtgtvqhcvfc</a:t>
+            </a:r>
+          </a:p>
+          <a:p>
+            <a:endParaRPr lang="en-GB" dirty="0"/>
           </a:p>
         </p:txBody>
       </p:sp>
@@ -4911,7 +4958,7 @@
           <a:p>
             <a:fld id="{6A641EC8-C9F8-4A58-A1A7-F7D817526EEC}" type="slidenum">
               <a:rPr lang="en-GB" smtClean="0"/>
-              <a:t>37</a:t>
+              <a:t>36</a:t>
             </a:fld>
             <a:endParaRPr lang="en-GB"/>
           </a:p>
@@ -4920,7 +4967,7 @@
     </p:spTree>
     <p:extLst>
       <p:ext uri="{BB962C8B-B14F-4D97-AF65-F5344CB8AC3E}">
-        <p14:creationId xmlns:p14="http://schemas.microsoft.com/office/powerpoint/2010/main" val="1451178539"/>
+        <p14:creationId xmlns:p14="http://schemas.microsoft.com/office/powerpoint/2010/main" val="3708384690"/>
       </p:ext>
     </p:extLst>
   </p:cSld>
@@ -4976,7 +5023,23 @@
           <a:p>
             <a:r>
               <a:rPr lang="en-GB" dirty="0"/>
-              <a:t>There are a few “gotchas” regarding references and bibliographies. These are things that you might expect to work one way, but they actually work a different way.</a:t>
+              <a:t>There are more ways you can make a citation. You can include multiple citations within a single “</a:t>
+            </a:r>
+            <a:r>
+              <a:rPr lang="en-GB" dirty="0" err="1"/>
+              <a:t>citet</a:t>
+            </a:r>
+            <a:r>
+              <a:rPr lang="en-GB" dirty="0"/>
+              <a:t>” or “</a:t>
+            </a:r>
+            <a:r>
+              <a:rPr lang="en-GB" dirty="0" err="1"/>
+              <a:t>citep</a:t>
+            </a:r>
+            <a:r>
+              <a:rPr lang="en-GB" dirty="0"/>
+              <a:t>” command, separating them with commas. You can also provide additional details, such a referencing a chapter number by including them in square brackets between the “cite” command and the curly brackets.</a:t>
             </a:r>
           </a:p>
           <a:p>
@@ -4985,35 +5048,7 @@
           <a:p>
             <a:r>
               <a:rPr lang="en-GB" dirty="0"/>
-              <a:t>The first is capitalisation. In titles and names, LaTeX will use it’s own rules for capitalisation. In titles, the default is to make everything lower-case. This can provide a big problem, particularly for acronyms. However, you can force LaTeX to preserve your original capitalisation by placing the phrase in curly brackets.</a:t>
-            </a:r>
-            <a:br>
-              <a:rPr lang="en-GB" dirty="0"/>
-            </a:br>
-            <a:br>
-              <a:rPr lang="en-GB" dirty="0"/>
-            </a:br>
-            <a:r>
-              <a:rPr lang="en-GB" dirty="0"/>
-              <a:t>If you include accented letters in your bibliography, this will not result in an accent appearing in your bibliography as LaTeX doesn’t know how to parse the character. Instead, you need to include the LaTeX code for accented character in your “.bib” file.</a:t>
-            </a:r>
-          </a:p>
-          <a:p>
-            <a:endParaRPr lang="en-GB" dirty="0"/>
-          </a:p>
-          <a:p>
-            <a:r>
-              <a:rPr lang="en-GB" dirty="0"/>
-              <a:t>There a couple of ways of entering multiple author names. You might think that separating author names by commas will work, but this will not produce the desired effect. This is partially because commas are often used between a surname and first names in author specifications. Instead, you can separate names with “and” or with semi-colons.</a:t>
-            </a:r>
-          </a:p>
-          <a:p>
-            <a:endParaRPr lang="en-GB" dirty="0"/>
-          </a:p>
-          <a:p>
-            <a:r>
-              <a:rPr lang="en-GB" dirty="0"/>
-              <a:t>Break for section 11 of Task Sheet</a:t>
+              <a:t>Overleaf Example: https://www.overleaf.com/read/cqbhnvfsfzpp</a:t>
             </a:r>
           </a:p>
         </p:txBody>
@@ -5035,7 +5070,7 @@
           <a:p>
             <a:fld id="{6A641EC8-C9F8-4A58-A1A7-F7D817526EEC}" type="slidenum">
               <a:rPr lang="en-GB" smtClean="0"/>
-              <a:t>38</a:t>
+              <a:t>37</a:t>
             </a:fld>
             <a:endParaRPr lang="en-GB"/>
           </a:p>
@@ -5044,7 +5079,7 @@
     </p:spTree>
     <p:extLst>
       <p:ext uri="{BB962C8B-B14F-4D97-AF65-F5344CB8AC3E}">
-        <p14:creationId xmlns:p14="http://schemas.microsoft.com/office/powerpoint/2010/main" val="3041713323"/>
+        <p14:creationId xmlns:p14="http://schemas.microsoft.com/office/powerpoint/2010/main" val="1451178539"/>
       </p:ext>
     </p:extLst>
   </p:cSld>
@@ -5100,23 +5135,16 @@
           <a:p>
             <a:r>
               <a:rPr lang="en-GB" dirty="0"/>
-              <a:t>The acronym package provides a useful way to deal with acronyms in your document. Inside the “acronym” environment, you can use the “\</a:t>
-            </a:r>
-            <a:r>
-              <a:rPr lang="en-GB" dirty="0" err="1"/>
-              <a:t>acro</a:t>
-            </a:r>
-            <a:r>
-              <a:rPr lang="en-GB" dirty="0"/>
-              <a:t>” command to define an acronym. This command is followed by two sets of curly brackets. The first contains the abbreviated version of the acronym. The second contains the expanded version of the acronym. Defining acronyms in this way creates a list of acronyms at the location of the “acronym” environment in your pdf. It’s also possible to define acronyms using the “\</a:t>
-            </a:r>
-            <a:r>
-              <a:rPr lang="en-GB" dirty="0" err="1"/>
-              <a:t>acrodef</a:t>
-            </a:r>
-            <a:r>
-              <